--- a/Presentation/lesson-07-reflection.pptx
+++ b/Presentation/lesson-07-reflection.pptx
@@ -9,7 +9,7 @@
   </p:notesMasterIdLst>
   <p:sldIdLst>
     <p:sldId id="257" r:id="rId2"/>
-    <p:sldId id="258" r:id="rId3"/>
+    <p:sldId id="291" r:id="rId3"/>
     <p:sldId id="272" r:id="rId4"/>
     <p:sldId id="275" r:id="rId5"/>
     <p:sldId id="273" r:id="rId6"/>
@@ -217,7 +217,7 @@
           <a:p>
             <a:fld id="{B24A7054-7FFB-49F4-A126-5DF6E687FF53}" type="datetimeFigureOut">
               <a:rPr lang="ru-RU" smtClean="0"/>
-              <a:t>10.02.2013</a:t>
+              <a:t>27.03.2013</a:t>
             </a:fld>
             <a:endParaRPr lang="ru-RU"/>
           </a:p>
@@ -1499,7 +1499,7 @@
           <a:p>
             <a:fld id="{8E6E6A2A-E9D3-4A0D-B04A-ABDD367A1E08}" type="datetimeFigureOut">
               <a:rPr lang="ru-RU" smtClean="0"/>
-              <a:t>10.02.2013</a:t>
+              <a:t>27.03.2013</a:t>
             </a:fld>
             <a:endParaRPr lang="ru-RU"/>
           </a:p>
@@ -2944,7 +2944,7 @@
           <a:p>
             <a:fld id="{AC3D3127-B7C4-45E3-9797-C527EC9FDD78}" type="datetimeFigureOut">
               <a:rPr lang="ru-RU" smtClean="0"/>
-              <a:t>10.02.2013</a:t>
+              <a:t>27.03.2013</a:t>
             </a:fld>
             <a:endParaRPr lang="ru-RU"/>
           </a:p>
@@ -9370,59 +9370,162 @@
       </p:grpSpPr>
       <p:sp>
         <p:nvSpPr>
-          <p:cNvPr id="3" name="Rectangle 2"/>
-          <p:cNvSpPr/>
-          <p:nvPr/>
+          <p:cNvPr id="2" name="Title 1"/>
+          <p:cNvSpPr>
+            <a:spLocks noGrp="1"/>
+          </p:cNvSpPr>
+          <p:nvPr>
+            <p:ph type="title"/>
+          </p:nvPr>
         </p:nvSpPr>
-        <p:spPr>
-          <a:xfrm>
-            <a:off x="251520" y="3136613"/>
-            <a:ext cx="8640960" cy="584775"/>
-          </a:xfrm>
-          <a:prstGeom prst="rect">
-            <a:avLst/>
-          </a:prstGeom>
-        </p:spPr>
+        <p:spPr/>
         <p:txBody>
-          <a:bodyPr wrap="square">
-            <a:spAutoFit/>
-          </a:bodyPr>
+          <a:bodyPr/>
           <a:lstStyle/>
           <a:p>
-            <a:pPr lvl="0" algn="ctr"/>
-            <a:r>
-              <a:rPr lang="en-US" sz="3200" dirty="0">
-                <a:solidFill>
-                  <a:schemeClr val="bg1"/>
-                </a:solidFill>
-              </a:rPr>
-              <a:t>https://github.com/bazile/Training</a:t>
-            </a:r>
-            <a:endParaRPr lang="en-US" sz="3200" dirty="0" smtClean="0">
-              <a:solidFill>
-                <a:schemeClr val="bg1"/>
-              </a:solidFill>
-            </a:endParaRPr>
+            <a:r>
+              <a:rPr lang="ru-RU" dirty="0">
+                <a:solidFill>
+                  <a:schemeClr val="bg1"/>
+                </a:solidFill>
+              </a:rPr>
+              <a:t>Материалы для обучения</a:t>
+            </a:r>
+            <a:endParaRPr lang="en-US" dirty="0">
+              <a:solidFill>
+                <a:schemeClr val="bg1"/>
+              </a:solidFill>
+            </a:endParaRPr>
+          </a:p>
+        </p:txBody>
+      </p:sp>
+      <p:sp>
+        <p:nvSpPr>
+          <p:cNvPr id="3" name="Content Placeholder 2"/>
+          <p:cNvSpPr>
+            <a:spLocks noGrp="1"/>
+          </p:cNvSpPr>
+          <p:nvPr>
+            <p:ph idx="1"/>
+          </p:nvPr>
+        </p:nvSpPr>
+        <p:spPr/>
+        <p:txBody>
+          <a:bodyPr/>
+          <a:lstStyle/>
+          <a:p>
+            <a:r>
+              <a:rPr lang="en-US" dirty="0">
+                <a:solidFill>
+                  <a:schemeClr val="bg1"/>
+                </a:solidFill>
+                <a:hlinkClick r:id="rId2"/>
+              </a:rPr>
+              <a:t>https://</a:t>
+            </a:r>
+            <a:r>
+              <a:rPr lang="en-US" dirty="0" smtClean="0">
+                <a:solidFill>
+                  <a:schemeClr val="bg1"/>
+                </a:solidFill>
+                <a:hlinkClick r:id="rId2"/>
+              </a:rPr>
+              <a:t>github.com/bazile/Training</a:t>
+            </a:r>
+            <a:r>
+              <a:rPr lang="en-US" dirty="0" smtClean="0">
+                <a:solidFill>
+                  <a:schemeClr val="bg1"/>
+                </a:solidFill>
+              </a:rPr>
+              <a:t/>
+            </a:r>
+            <a:br>
+              <a:rPr lang="en-US" dirty="0" smtClean="0">
+                <a:solidFill>
+                  <a:schemeClr val="bg1"/>
+                </a:solidFill>
+              </a:rPr>
+            </a:br>
+            <a:r>
+              <a:rPr lang="ru-RU" dirty="0" smtClean="0">
+                <a:solidFill>
+                  <a:schemeClr val="bg1"/>
+                </a:solidFill>
+              </a:rPr>
+              <a:t>Презентации и примеры кода используемые во время занятия</a:t>
+            </a:r>
+          </a:p>
+          <a:p>
+            <a:endParaRPr lang="ru-RU" dirty="0" smtClean="0">
+              <a:solidFill>
+                <a:schemeClr val="bg1"/>
+              </a:solidFill>
+            </a:endParaRPr>
+          </a:p>
+          <a:p>
+            <a:r>
+              <a:rPr lang="en-US" dirty="0">
+                <a:solidFill>
+                  <a:schemeClr val="bg1"/>
+                </a:solidFill>
+                <a:hlinkClick r:id="rId3"/>
+              </a:rPr>
+              <a:t>http://belhard.nullptr.ru</a:t>
+            </a:r>
+            <a:r>
+              <a:rPr lang="en-US" dirty="0" smtClean="0">
+                <a:solidFill>
+                  <a:schemeClr val="bg1"/>
+                </a:solidFill>
+                <a:hlinkClick r:id="rId3"/>
+              </a:rPr>
+              <a:t>/</a:t>
+            </a:r>
+            <a:r>
+              <a:rPr lang="ru-RU" dirty="0" smtClean="0">
+                <a:solidFill>
+                  <a:schemeClr val="bg1"/>
+                </a:solidFill>
+              </a:rPr>
+              <a:t/>
+            </a:r>
+            <a:br>
+              <a:rPr lang="ru-RU" dirty="0" smtClean="0">
+                <a:solidFill>
+                  <a:schemeClr val="bg1"/>
+                </a:solidFill>
+              </a:rPr>
+            </a:br>
+            <a:r>
+              <a:rPr lang="ru-RU" dirty="0" smtClean="0">
+                <a:solidFill>
+                  <a:schemeClr val="bg1"/>
+                </a:solidFill>
+              </a:rPr>
+              <a:t>Книги, примеры к ним и другие полезные файлы.</a:t>
+            </a:r>
+            <a:endParaRPr lang="ru-RU" dirty="0">
+              <a:solidFill>
+                <a:schemeClr val="bg1"/>
+              </a:solidFill>
+            </a:endParaRPr>
+          </a:p>
+          <a:p>
+            <a:endParaRPr lang="en-US" dirty="0"/>
           </a:p>
         </p:txBody>
       </p:sp>
     </p:spTree>
     <p:extLst>
       <p:ext uri="{BB962C8B-B14F-4D97-AF65-F5344CB8AC3E}">
-        <p14:creationId xmlns:p14="http://schemas.microsoft.com/office/powerpoint/2010/main" val="639767958"/>
+        <p14:creationId xmlns:p14="http://schemas.microsoft.com/office/powerpoint/2010/main" val="239018590"/>
       </p:ext>
     </p:extLst>
   </p:cSld>
   <p:clrMapOvr>
     <a:masterClrMapping/>
   </p:clrMapOvr>
-  <p:timing>
-    <p:tnLst>
-      <p:par>
-        <p:cTn id="1" dur="indefinite" restart="never" nodeType="tmRoot"/>
-      </p:par>
-    </p:tnLst>
-  </p:timing>
 </p:sld>
 </file>
 

--- a/Presentation/lesson-07-reflection.pptx
+++ b/Presentation/lesson-07-reflection.pptx
@@ -5,7 +5,7 @@
     <p:sldMasterId id="2147483648" r:id="rId1"/>
   </p:sldMasterIdLst>
   <p:notesMasterIdLst>
-    <p:notesMasterId r:id="rId28"/>
+    <p:notesMasterId r:id="rId29"/>
   </p:notesMasterIdLst>
   <p:sldIdLst>
     <p:sldId id="257" r:id="rId2"/>
@@ -22,18 +22,19 @@
     <p:sldId id="290" r:id="rId13"/>
     <p:sldId id="281" r:id="rId14"/>
     <p:sldId id="282" r:id="rId15"/>
-    <p:sldId id="285" r:id="rId16"/>
-    <p:sldId id="286" r:id="rId17"/>
-    <p:sldId id="287" r:id="rId18"/>
-    <p:sldId id="288" r:id="rId19"/>
-    <p:sldId id="289" r:id="rId20"/>
-    <p:sldId id="284" r:id="rId21"/>
-    <p:sldId id="261" r:id="rId22"/>
-    <p:sldId id="262" r:id="rId23"/>
-    <p:sldId id="263" r:id="rId24"/>
-    <p:sldId id="264" r:id="rId25"/>
-    <p:sldId id="265" r:id="rId26"/>
-    <p:sldId id="271" r:id="rId27"/>
+    <p:sldId id="292" r:id="rId16"/>
+    <p:sldId id="285" r:id="rId17"/>
+    <p:sldId id="286" r:id="rId18"/>
+    <p:sldId id="287" r:id="rId19"/>
+    <p:sldId id="288" r:id="rId20"/>
+    <p:sldId id="289" r:id="rId21"/>
+    <p:sldId id="284" r:id="rId22"/>
+    <p:sldId id="261" r:id="rId23"/>
+    <p:sldId id="262" r:id="rId24"/>
+    <p:sldId id="263" r:id="rId25"/>
+    <p:sldId id="264" r:id="rId26"/>
+    <p:sldId id="265" r:id="rId27"/>
+    <p:sldId id="271" r:id="rId28"/>
   </p:sldIdLst>
   <p:sldSz cx="9144000" cy="6858000" type="screen4x3"/>
   <p:notesSz cx="6858000" cy="9144000"/>
@@ -217,7 +218,7 @@
           <a:p>
             <a:fld id="{B24A7054-7FFB-49F4-A126-5DF6E687FF53}" type="datetimeFigureOut">
               <a:rPr lang="ru-RU" smtClean="0"/>
-              <a:t>27.03.2013</a:t>
+              <a:t>30.04.2013</a:t>
             </a:fld>
             <a:endParaRPr lang="ru-RU"/>
           </a:p>
@@ -1499,7 +1500,7 @@
           <a:p>
             <a:fld id="{8E6E6A2A-E9D3-4A0D-B04A-ABDD367A1E08}" type="datetimeFigureOut">
               <a:rPr lang="ru-RU" smtClean="0"/>
-              <a:t>27.03.2013</a:t>
+              <a:t>30.04.2013</a:t>
             </a:fld>
             <a:endParaRPr lang="ru-RU"/>
           </a:p>
@@ -2944,7 +2945,7 @@
           <a:p>
             <a:fld id="{AC3D3127-B7C4-45E3-9797-C527EC9FDD78}" type="datetimeFigureOut">
               <a:rPr lang="ru-RU" smtClean="0"/>
-              <a:t>27.03.2013</a:t>
+              <a:t>30.04.2013</a:t>
             </a:fld>
             <a:endParaRPr lang="ru-RU"/>
           </a:p>
@@ -5093,6 +5094,529 @@
       </p:grpSpPr>
       <p:sp>
         <p:nvSpPr>
+          <p:cNvPr id="2" name="Title 1"/>
+          <p:cNvSpPr>
+            <a:spLocks noGrp="1"/>
+          </p:cNvSpPr>
+          <p:nvPr>
+            <p:ph type="title"/>
+          </p:nvPr>
+        </p:nvSpPr>
+        <p:spPr/>
+        <p:txBody>
+          <a:bodyPr>
+            <a:normAutofit fontScale="90000"/>
+          </a:bodyPr>
+          <a:lstStyle/>
+          <a:p>
+            <a:r>
+              <a:rPr lang="ru-RU" dirty="0" smtClean="0"/>
+              <a:t>Атрибуты версий и их использование</a:t>
+            </a:r>
+            <a:endParaRPr lang="ru-RU" dirty="0"/>
+          </a:p>
+        </p:txBody>
+      </p:sp>
+      <p:sp>
+        <p:nvSpPr>
+          <p:cNvPr id="3" name="Content Placeholder 2"/>
+          <p:cNvSpPr>
+            <a:spLocks noGrp="1"/>
+          </p:cNvSpPr>
+          <p:nvPr>
+            <p:ph idx="1"/>
+          </p:nvPr>
+        </p:nvSpPr>
+        <p:spPr/>
+        <p:txBody>
+          <a:bodyPr>
+            <a:normAutofit lnSpcReduction="10000"/>
+          </a:bodyPr>
+          <a:lstStyle/>
+          <a:p>
+            <a:pPr marL="0" indent="0">
+              <a:buNone/>
+            </a:pPr>
+            <a:r>
+              <a:rPr lang="en-US" sz="1800" dirty="0"/>
+              <a:t>[</a:t>
+            </a:r>
+            <a:r>
+              <a:rPr lang="en-US" sz="1800" dirty="0" smtClean="0"/>
+              <a:t>assembly:</a:t>
+            </a:r>
+            <a:r>
+              <a:rPr lang="ru-RU" sz="1800" dirty="0" smtClean="0"/>
+              <a:t/>
+            </a:r>
+            <a:br>
+              <a:rPr lang="ru-RU" sz="1800" dirty="0" smtClean="0"/>
+            </a:br>
+            <a:r>
+              <a:rPr lang="ru-RU" sz="1800" dirty="0" smtClean="0"/>
+              <a:t>    </a:t>
+            </a:r>
+            <a:r>
+              <a:rPr lang="en-US" sz="1800" dirty="0" err="1" smtClean="0"/>
+              <a:t>AssemblyVersion</a:t>
+            </a:r>
+            <a:r>
+              <a:rPr lang="en-US" sz="1800" dirty="0"/>
+              <a:t>("1.1.0.0</a:t>
+            </a:r>
+            <a:r>
+              <a:rPr lang="en-US" sz="1800" dirty="0" smtClean="0"/>
+              <a:t>")]</a:t>
+            </a:r>
+            <a:r>
+              <a:rPr lang="ru-RU" sz="1800" dirty="0" smtClean="0"/>
+              <a:t/>
+            </a:r>
+            <a:br>
+              <a:rPr lang="ru-RU" sz="1800" dirty="0" smtClean="0"/>
+            </a:br>
+            <a:r>
+              <a:rPr lang="ru-RU" sz="1800" dirty="0" smtClean="0"/>
+              <a:t>    </a:t>
+            </a:r>
+            <a:r>
+              <a:rPr lang="ru-RU" sz="1800" dirty="0" smtClean="0">
+                <a:solidFill>
+                  <a:srgbClr val="FFFF00"/>
+                </a:solidFill>
+              </a:rPr>
+              <a:t>Версия сборки.</a:t>
+            </a:r>
+            <a:r>
+              <a:rPr lang="ru-RU" sz="1800" dirty="0" smtClean="0"/>
+              <a:t/>
+            </a:r>
+            <a:br>
+              <a:rPr lang="ru-RU" sz="1800" dirty="0" smtClean="0"/>
+            </a:br>
+            <a:r>
+              <a:rPr lang="ru-RU" sz="1800" dirty="0" smtClean="0"/>
+              <a:t>    </a:t>
+            </a:r>
+            <a:r>
+              <a:rPr lang="ru-RU" sz="1800" dirty="0" smtClean="0">
+                <a:solidFill>
+                  <a:srgbClr val="FFFF00"/>
+                </a:solidFill>
+              </a:rPr>
+              <a:t>Используется </a:t>
+            </a:r>
+            <a:r>
+              <a:rPr lang="en-US" sz="1800" dirty="0" smtClean="0">
+                <a:solidFill>
+                  <a:srgbClr val="FFFF00"/>
+                </a:solidFill>
+              </a:rPr>
+              <a:t>.NET CLR</a:t>
+            </a:r>
+            <a:r>
+              <a:rPr lang="ru-RU" sz="1800" dirty="0" smtClean="0">
+                <a:solidFill>
+                  <a:srgbClr val="FFFF00"/>
+                </a:solidFill>
+              </a:rPr>
+              <a:t>.</a:t>
+            </a:r>
+            <a:endParaRPr lang="en-US" sz="1800" dirty="0"/>
+          </a:p>
+          <a:p>
+            <a:pPr marL="0" indent="0">
+              <a:buNone/>
+            </a:pPr>
+            <a:r>
+              <a:rPr lang="en-US" sz="1800" dirty="0"/>
+              <a:t>[</a:t>
+            </a:r>
+            <a:r>
+              <a:rPr lang="en-US" sz="1800" dirty="0" smtClean="0"/>
+              <a:t>assembly:</a:t>
+            </a:r>
+            <a:r>
+              <a:rPr lang="ru-RU" sz="1800" dirty="0" smtClean="0"/>
+              <a:t/>
+            </a:r>
+            <a:br>
+              <a:rPr lang="ru-RU" sz="1800" dirty="0" smtClean="0"/>
+            </a:br>
+            <a:r>
+              <a:rPr lang="ru-RU" sz="1800" dirty="0" smtClean="0"/>
+              <a:t>    </a:t>
+            </a:r>
+            <a:r>
+              <a:rPr lang="en-US" sz="1800" dirty="0" err="1" smtClean="0"/>
+              <a:t>AssemblyFileVersion</a:t>
+            </a:r>
+            <a:r>
+              <a:rPr lang="en-US" sz="1800" dirty="0"/>
+              <a:t>("1.1.0.10</a:t>
+            </a:r>
+            <a:r>
+              <a:rPr lang="en-US" sz="1800" dirty="0" smtClean="0"/>
+              <a:t>")]</a:t>
+            </a:r>
+            <a:endParaRPr lang="ru-RU" sz="1800" dirty="0" smtClean="0"/>
+          </a:p>
+          <a:p>
+            <a:pPr marL="0" indent="0">
+              <a:buNone/>
+            </a:pPr>
+            <a:r>
+              <a:rPr lang="ru-RU" sz="1800" dirty="0"/>
+              <a:t> </a:t>
+            </a:r>
+            <a:r>
+              <a:rPr lang="ru-RU" sz="1800" dirty="0" smtClean="0"/>
+              <a:t>   </a:t>
+            </a:r>
+            <a:r>
+              <a:rPr lang="ru-RU" sz="1800" dirty="0" smtClean="0">
+                <a:solidFill>
+                  <a:srgbClr val="FFFF00"/>
+                </a:solidFill>
+              </a:rPr>
+              <a:t>Версия файла.</a:t>
+            </a:r>
+            <a:r>
+              <a:rPr lang="ru-RU" sz="1800" dirty="0">
+                <a:solidFill>
+                  <a:srgbClr val="FFFF00"/>
+                </a:solidFill>
+              </a:rPr>
+              <a:t> Можно использовать для</a:t>
+            </a:r>
+          </a:p>
+          <a:p>
+            <a:pPr marL="0" indent="0">
+              <a:buNone/>
+            </a:pPr>
+            <a:r>
+              <a:rPr lang="ru-RU" sz="1800" dirty="0">
+                <a:solidFill>
+                  <a:srgbClr val="FFFF00"/>
+                </a:solidFill>
+              </a:rPr>
+              <a:t>    собственных целей</a:t>
+            </a:r>
+            <a:r>
+              <a:rPr lang="ru-RU" sz="1800" dirty="0" smtClean="0">
+                <a:solidFill>
+                  <a:srgbClr val="FFFF00"/>
+                </a:solidFill>
+              </a:rPr>
+              <a:t>.</a:t>
+            </a:r>
+            <a:endParaRPr lang="en-US" sz="1800" dirty="0"/>
+          </a:p>
+          <a:p>
+            <a:pPr marL="0" indent="0">
+              <a:buNone/>
+            </a:pPr>
+            <a:r>
+              <a:rPr lang="en-US" sz="1800" dirty="0"/>
+              <a:t>[</a:t>
+            </a:r>
+            <a:r>
+              <a:rPr lang="en-US" sz="1800" dirty="0" smtClean="0"/>
+              <a:t>assembly:</a:t>
+            </a:r>
+            <a:r>
+              <a:rPr lang="ru-RU" sz="1800" dirty="0" smtClean="0"/>
+              <a:t/>
+            </a:r>
+            <a:br>
+              <a:rPr lang="ru-RU" sz="1800" dirty="0" smtClean="0"/>
+            </a:br>
+            <a:r>
+              <a:rPr lang="ru-RU" sz="1800" dirty="0" smtClean="0"/>
+              <a:t>    </a:t>
+            </a:r>
+            <a:r>
+              <a:rPr lang="en-US" sz="1800" dirty="0" err="1" smtClean="0"/>
+              <a:t>AssemblyInformationalVersion</a:t>
+            </a:r>
+            <a:r>
+              <a:rPr lang="en-US" sz="1800" dirty="0"/>
+              <a:t>("1.1.0.10 beta</a:t>
+            </a:r>
+            <a:r>
+              <a:rPr lang="en-US" sz="1800" dirty="0" smtClean="0"/>
+              <a:t>")]</a:t>
+            </a:r>
+            <a:r>
+              <a:rPr lang="ru-RU" sz="1800" dirty="0" smtClean="0"/>
+              <a:t/>
+            </a:r>
+            <a:br>
+              <a:rPr lang="ru-RU" sz="1800" dirty="0" smtClean="0"/>
+            </a:br>
+            <a:r>
+              <a:rPr lang="ru-RU" sz="1800" dirty="0" smtClean="0"/>
+              <a:t>    </a:t>
+            </a:r>
+            <a:r>
+              <a:rPr lang="ru-RU" sz="1800" dirty="0" smtClean="0">
+                <a:solidFill>
+                  <a:srgbClr val="FFFF00"/>
+                </a:solidFill>
+              </a:rPr>
+              <a:t>Версия приложения. Можно использовать </a:t>
+            </a:r>
+            <a:r>
+              <a:rPr lang="ru-RU" sz="1800" dirty="0">
+                <a:solidFill>
+                  <a:srgbClr val="FFFF00"/>
+                </a:solidFill>
+              </a:rPr>
+              <a:t>для</a:t>
+            </a:r>
+          </a:p>
+          <a:p>
+            <a:pPr marL="0" indent="0">
+              <a:buNone/>
+            </a:pPr>
+            <a:r>
+              <a:rPr lang="ru-RU" sz="1800" dirty="0">
+                <a:solidFill>
+                  <a:srgbClr val="FFFF00"/>
+                </a:solidFill>
+              </a:rPr>
+              <a:t>    собственных целей.</a:t>
+            </a:r>
+            <a:endParaRPr lang="ru-RU" sz="1800" dirty="0" smtClean="0"/>
+          </a:p>
+          <a:p>
+            <a:pPr marL="0" indent="0">
+              <a:buNone/>
+            </a:pPr>
+            <a:endParaRPr lang="en-US" sz="1800" dirty="0" smtClean="0">
+              <a:solidFill>
+                <a:schemeClr val="bg1"/>
+              </a:solidFill>
+            </a:endParaRPr>
+          </a:p>
+          <a:p>
+            <a:pPr marL="0" indent="0">
+              <a:buNone/>
+            </a:pPr>
+            <a:r>
+              <a:rPr lang="ru-RU" sz="1800" dirty="0" smtClean="0">
+                <a:solidFill>
+                  <a:schemeClr val="bg1"/>
+                </a:solidFill>
+              </a:rPr>
+              <a:t>Если вас интересуют версии состоящие не только из цифр, то ознакомтесь с </a:t>
+            </a:r>
+            <a:r>
+              <a:rPr lang="en-US" sz="1800" dirty="0">
+                <a:solidFill>
+                  <a:schemeClr val="bg1"/>
+                </a:solidFill>
+              </a:rPr>
+              <a:t>Semantic </a:t>
+            </a:r>
+            <a:r>
+              <a:rPr lang="en-US" sz="1800" dirty="0" smtClean="0">
+                <a:solidFill>
+                  <a:schemeClr val="bg1"/>
+                </a:solidFill>
+              </a:rPr>
+              <a:t>Versioning - </a:t>
+            </a:r>
+            <a:r>
+              <a:rPr lang="en-US" sz="1800" dirty="0" smtClean="0">
+                <a:solidFill>
+                  <a:schemeClr val="bg1"/>
+                </a:solidFill>
+                <a:hlinkClick r:id="rId2"/>
+              </a:rPr>
+              <a:t>http://semver.org/</a:t>
+            </a:r>
+            <a:endParaRPr lang="en-US" sz="1800" dirty="0" smtClean="0">
+              <a:solidFill>
+                <a:schemeClr val="bg1"/>
+              </a:solidFill>
+            </a:endParaRPr>
+          </a:p>
+          <a:p>
+            <a:pPr marL="0" indent="0">
+              <a:buNone/>
+            </a:pPr>
+            <a:endParaRPr lang="ru-RU" sz="1800" dirty="0">
+              <a:solidFill>
+                <a:schemeClr val="bg1"/>
+              </a:solidFill>
+            </a:endParaRPr>
+          </a:p>
+        </p:txBody>
+      </p:sp>
+      <p:pic>
+        <p:nvPicPr>
+          <p:cNvPr id="1026" name="Picture 2"/>
+          <p:cNvPicPr>
+            <a:picLocks noChangeAspect="1" noChangeArrowheads="1"/>
+          </p:cNvPicPr>
+          <p:nvPr/>
+        </p:nvPicPr>
+        <p:blipFill rotWithShape="1">
+          <a:blip r:embed="rId3">
+            <a:extLst>
+              <a:ext uri="{28A0092B-C50C-407E-A947-70E740481C1C}">
+                <a14:useLocalDpi xmlns:a14="http://schemas.microsoft.com/office/drawing/2010/main" val="0"/>
+              </a:ext>
+            </a:extLst>
+          </a:blip>
+          <a:srcRect r="6408" b="41555"/>
+          <a:stretch/>
+        </p:blipFill>
+        <p:spPr bwMode="auto">
+          <a:xfrm>
+            <a:off x="5220072" y="1412776"/>
+            <a:ext cx="3360812" cy="2867000"/>
+          </a:xfrm>
+          <a:prstGeom prst="rect">
+            <a:avLst/>
+          </a:prstGeom>
+          <a:noFill/>
+          <a:ln>
+            <a:noFill/>
+          </a:ln>
+          <a:extLst>
+            <a:ext uri="{909E8E84-426E-40DD-AFC4-6F175D3DCCD1}">
+              <a14:hiddenFill xmlns:a14="http://schemas.microsoft.com/office/drawing/2010/main">
+                <a:solidFill>
+                  <a:schemeClr val="accent1"/>
+                </a:solidFill>
+              </a14:hiddenFill>
+            </a:ext>
+            <a:ext uri="{91240B29-F687-4F45-9708-019B960494DF}">
+              <a14:hiddenLine xmlns:a14="http://schemas.microsoft.com/office/drawing/2010/main" w="9525">
+                <a:solidFill>
+                  <a:schemeClr val="tx1"/>
+                </a:solidFill>
+                <a:miter lim="800000"/>
+                <a:headEnd/>
+                <a:tailEnd/>
+              </a14:hiddenLine>
+            </a:ext>
+          </a:extLst>
+        </p:spPr>
+      </p:pic>
+      <p:cxnSp>
+        <p:nvCxnSpPr>
+          <p:cNvPr id="5" name="Straight Arrow Connector 4"/>
+          <p:cNvCxnSpPr/>
+          <p:nvPr/>
+        </p:nvCxnSpPr>
+        <p:spPr>
+          <a:xfrm flipV="1">
+            <a:off x="3851920" y="2924944"/>
+            <a:ext cx="1656184" cy="288032"/>
+          </a:xfrm>
+          <a:prstGeom prst="straightConnector1">
+            <a:avLst/>
+          </a:prstGeom>
+          <a:ln w="28575">
+            <a:solidFill>
+              <a:srgbClr val="FF0000"/>
+            </a:solidFill>
+            <a:tailEnd type="arrow"/>
+          </a:ln>
+        </p:spPr>
+        <p:style>
+          <a:lnRef idx="1">
+            <a:schemeClr val="accent1"/>
+          </a:lnRef>
+          <a:fillRef idx="0">
+            <a:schemeClr val="accent1"/>
+          </a:fillRef>
+          <a:effectRef idx="0">
+            <a:schemeClr val="accent1"/>
+          </a:effectRef>
+          <a:fontRef idx="minor">
+            <a:schemeClr val="tx1"/>
+          </a:fontRef>
+        </p:style>
+      </p:cxnSp>
+      <p:cxnSp>
+        <p:nvCxnSpPr>
+          <p:cNvPr id="13" name="Straight Arrow Connector 12"/>
+          <p:cNvCxnSpPr/>
+          <p:nvPr/>
+        </p:nvCxnSpPr>
+        <p:spPr>
+          <a:xfrm flipV="1">
+            <a:off x="5244294" y="3356992"/>
+            <a:ext cx="1343930" cy="1193676"/>
+          </a:xfrm>
+          <a:prstGeom prst="straightConnector1">
+            <a:avLst/>
+          </a:prstGeom>
+          <a:ln w="28575">
+            <a:solidFill>
+              <a:srgbClr val="FF0000"/>
+            </a:solidFill>
+            <a:tailEnd type="arrow"/>
+          </a:ln>
+        </p:spPr>
+        <p:style>
+          <a:lnRef idx="1">
+            <a:schemeClr val="accent1"/>
+          </a:lnRef>
+          <a:fillRef idx="0">
+            <a:schemeClr val="accent1"/>
+          </a:fillRef>
+          <a:effectRef idx="0">
+            <a:schemeClr val="accent1"/>
+          </a:effectRef>
+          <a:fontRef idx="minor">
+            <a:schemeClr val="tx1"/>
+          </a:fontRef>
+        </p:style>
+      </p:cxnSp>
+    </p:spTree>
+    <p:extLst>
+      <p:ext uri="{BB962C8B-B14F-4D97-AF65-F5344CB8AC3E}">
+        <p14:creationId xmlns:p14="http://schemas.microsoft.com/office/powerpoint/2010/main" val="2666244449"/>
+      </p:ext>
+    </p:extLst>
+  </p:cSld>
+  <p:clrMapOvr>
+    <a:masterClrMapping/>
+  </p:clrMapOvr>
+  <p:timing>
+    <p:tnLst>
+      <p:par>
+        <p:cTn id="1" dur="indefinite" restart="never" nodeType="tmRoot"/>
+      </p:par>
+    </p:tnLst>
+  </p:timing>
+</p:sld>
+</file>
+
+<file path=ppt/slides/slide16.xml><?xml version="1.0" encoding="utf-8"?>
+<p:sld xmlns:a="http://schemas.openxmlformats.org/drawingml/2006/main" xmlns:r="http://schemas.openxmlformats.org/officeDocument/2006/relationships" xmlns:p="http://schemas.openxmlformats.org/presentationml/2006/main">
+  <p:cSld>
+    <p:spTree>
+      <p:nvGrpSpPr>
+        <p:cNvPr id="1" name=""/>
+        <p:cNvGrpSpPr/>
+        <p:nvPr/>
+      </p:nvGrpSpPr>
+      <p:grpSpPr>
+        <a:xfrm>
+          <a:off x="0" y="0"/>
+          <a:ext cx="0" cy="0"/>
+          <a:chOff x="0" y="0"/>
+          <a:chExt cx="0" cy="0"/>
+        </a:xfrm>
+      </p:grpSpPr>
+      <p:sp>
+        <p:nvSpPr>
           <p:cNvPr id="10242" name="Rectangle 3"/>
           <p:cNvSpPr>
             <a:spLocks noChangeArrowheads="1"/>
@@ -5775,7 +6299,7 @@
 </p:sld>
 </file>
 
-<file path=ppt/slides/slide16.xml><?xml version="1.0" encoding="utf-8"?>
+<file path=ppt/slides/slide17.xml><?xml version="1.0" encoding="utf-8"?>
 <p:sld xmlns:a="http://schemas.openxmlformats.org/drawingml/2006/main" xmlns:r="http://schemas.openxmlformats.org/officeDocument/2006/relationships" xmlns:p="http://schemas.openxmlformats.org/presentationml/2006/main">
   <p:cSld>
     <p:spTree>
@@ -7232,7 +7756,7 @@
 </p:sld>
 </file>
 
-<file path=ppt/slides/slide17.xml><?xml version="1.0" encoding="utf-8"?>
+<file path=ppt/slides/slide18.xml><?xml version="1.0" encoding="utf-8"?>
 <p:sld xmlns:a="http://schemas.openxmlformats.org/drawingml/2006/main" xmlns:r="http://schemas.openxmlformats.org/officeDocument/2006/relationships" xmlns:p="http://schemas.openxmlformats.org/presentationml/2006/main">
   <p:cSld>
     <p:spTree>
@@ -8109,7 +8633,7 @@
 </p:sld>
 </file>
 
-<file path=ppt/slides/slide18.xml><?xml version="1.0" encoding="utf-8"?>
+<file path=ppt/slides/slide19.xml><?xml version="1.0" encoding="utf-8"?>
 <p:sld xmlns:a="http://schemas.openxmlformats.org/drawingml/2006/main" xmlns:r="http://schemas.openxmlformats.org/officeDocument/2006/relationships" xmlns:p="http://schemas.openxmlformats.org/presentationml/2006/main">
   <p:cSld>
     <p:spTree>
@@ -8919,422 +9443,6 @@
     <p:extLst>
       <p:ext uri="{BB962C8B-B14F-4D97-AF65-F5344CB8AC3E}">
         <p14:creationId xmlns:p14="http://schemas.microsoft.com/office/powerpoint/2010/main" val="739927994"/>
-      </p:ext>
-    </p:extLst>
-  </p:cSld>
-  <p:clrMapOvr>
-    <a:masterClrMapping/>
-  </p:clrMapOvr>
-  <p:timing>
-    <p:tnLst>
-      <p:par>
-        <p:cTn id="1" dur="indefinite" restart="never" nodeType="tmRoot"/>
-      </p:par>
-    </p:tnLst>
-  </p:timing>
-</p:sld>
-</file>
-
-<file path=ppt/slides/slide19.xml><?xml version="1.0" encoding="utf-8"?>
-<p:sld xmlns:a="http://schemas.openxmlformats.org/drawingml/2006/main" xmlns:r="http://schemas.openxmlformats.org/officeDocument/2006/relationships" xmlns:p="http://schemas.openxmlformats.org/presentationml/2006/main">
-  <p:cSld>
-    <p:spTree>
-      <p:nvGrpSpPr>
-        <p:cNvPr id="1" name=""/>
-        <p:cNvGrpSpPr/>
-        <p:nvPr/>
-      </p:nvGrpSpPr>
-      <p:grpSpPr>
-        <a:xfrm>
-          <a:off x="0" y="0"/>
-          <a:ext cx="0" cy="0"/>
-          <a:chOff x="0" y="0"/>
-          <a:chExt cx="0" cy="0"/>
-        </a:xfrm>
-      </p:grpSpPr>
-      <p:sp>
-        <p:nvSpPr>
-          <p:cNvPr id="14338" name="Rectangle 3"/>
-          <p:cNvSpPr>
-            <a:spLocks noChangeArrowheads="1"/>
-          </p:cNvSpPr>
-          <p:nvPr/>
-        </p:nvSpPr>
-        <p:spPr bwMode="auto">
-          <a:xfrm>
-            <a:off x="152400" y="-4763"/>
-            <a:ext cx="8763000" cy="461963"/>
-          </a:xfrm>
-          <a:prstGeom prst="rect">
-            <a:avLst/>
-          </a:prstGeom>
-          <a:noFill/>
-          <a:ln>
-            <a:noFill/>
-          </a:ln>
-          <a:extLst>
-            <a:ext uri="{909E8E84-426E-40DD-AFC4-6F175D3DCCD1}">
-              <a14:hiddenFill xmlns:a14="http://schemas.microsoft.com/office/drawing/2010/main">
-                <a:solidFill>
-                  <a:srgbClr val="FFFFFF"/>
-                </a:solidFill>
-              </a14:hiddenFill>
-            </a:ext>
-            <a:ext uri="{91240B29-F687-4F45-9708-019B960494DF}">
-              <a14:hiddenLine xmlns:a14="http://schemas.microsoft.com/office/drawing/2010/main" w="9525">
-                <a:solidFill>
-                  <a:srgbClr val="000000"/>
-                </a:solidFill>
-                <a:miter lim="800000"/>
-                <a:headEnd/>
-                <a:tailEnd/>
-              </a14:hiddenLine>
-            </a:ext>
-          </a:extLst>
-        </p:spPr>
-        <p:txBody>
-          <a:bodyPr anchor="ctr">
-            <a:spAutoFit/>
-          </a:bodyPr>
-          <a:lstStyle/>
-          <a:p>
-            <a:pPr algn="ctr"/>
-            <a:r>
-              <a:rPr lang="ru-RU" sz="2400" b="1"/>
-              <a:t>Атрибуты</a:t>
-            </a:r>
-            <a:r>
-              <a:rPr lang="en-US" sz="2400" b="1"/>
-              <a:t>.</a:t>
-            </a:r>
-          </a:p>
-        </p:txBody>
-      </p:sp>
-      <p:sp>
-        <p:nvSpPr>
-          <p:cNvPr id="14339" name="Rectangle 3"/>
-          <p:cNvSpPr>
-            <a:spLocks noChangeArrowheads="1"/>
-          </p:cNvSpPr>
-          <p:nvPr/>
-        </p:nvSpPr>
-        <p:spPr bwMode="auto">
-          <a:xfrm>
-            <a:off x="152400" y="595739"/>
-            <a:ext cx="8839200" cy="830997"/>
-          </a:xfrm>
-          <a:prstGeom prst="rect">
-            <a:avLst/>
-          </a:prstGeom>
-          <a:noFill/>
-          <a:ln>
-            <a:noFill/>
-          </a:ln>
-          <a:extLst>
-            <a:ext uri="{909E8E84-426E-40DD-AFC4-6F175D3DCCD1}">
-              <a14:hiddenFill xmlns:a14="http://schemas.microsoft.com/office/drawing/2010/main">
-                <a:solidFill>
-                  <a:srgbClr val="FFFFFF"/>
-                </a:solidFill>
-              </a14:hiddenFill>
-            </a:ext>
-            <a:ext uri="{91240B29-F687-4F45-9708-019B960494DF}">
-              <a14:hiddenLine xmlns:a14="http://schemas.microsoft.com/office/drawing/2010/main" w="9525">
-                <a:solidFill>
-                  <a:srgbClr val="000000"/>
-                </a:solidFill>
-                <a:miter lim="800000"/>
-                <a:headEnd/>
-                <a:tailEnd/>
-              </a14:hiddenLine>
-            </a:ext>
-          </a:extLst>
-        </p:spPr>
-        <p:txBody>
-          <a:bodyPr anchor="ctr">
-            <a:spAutoFit/>
-          </a:bodyPr>
-          <a:lstStyle/>
-          <a:p>
-            <a:r>
-              <a:rPr lang="ru-RU" sz="1600" dirty="0">
-                <a:solidFill>
-                  <a:schemeClr val="bg1"/>
-                </a:solidFill>
-              </a:rPr>
-              <a:t>	Атрибут </a:t>
-            </a:r>
-            <a:r>
-              <a:rPr lang="be-BY" sz="1600" dirty="0">
-                <a:solidFill>
-                  <a:schemeClr val="bg1"/>
-                </a:solidFill>
-                <a:latin typeface="Courier New" pitchFamily="49" charset="0"/>
-                <a:ea typeface="Calibri" pitchFamily="34" charset="0"/>
-                <a:cs typeface="Courier New" pitchFamily="49" charset="0"/>
-              </a:rPr>
-              <a:t>AttributeUsage </a:t>
-            </a:r>
-            <a:r>
-              <a:rPr lang="ru-RU" sz="1600" dirty="0">
-                <a:solidFill>
-                  <a:schemeClr val="bg1"/>
-                </a:solidFill>
-              </a:rPr>
-              <a:t>задает область применения пользовательского атрибута.</a:t>
-            </a:r>
-          </a:p>
-          <a:p>
-            <a:r>
-              <a:rPr lang="ru-RU" sz="1600" dirty="0">
-                <a:solidFill>
-                  <a:schemeClr val="bg1"/>
-                </a:solidFill>
-              </a:rPr>
-              <a:t>	Информацию о примененных к типу атрибутов можно получить используя методы </a:t>
-            </a:r>
-            <a:r>
-              <a:rPr lang="en-US" sz="1600" dirty="0" err="1">
-                <a:solidFill>
-                  <a:schemeClr val="bg1"/>
-                </a:solidFill>
-              </a:rPr>
-              <a:t>GetCustomAttribute</a:t>
-            </a:r>
-            <a:r>
-              <a:rPr lang="ru-RU" sz="1600" dirty="0">
-                <a:solidFill>
-                  <a:schemeClr val="bg1"/>
-                </a:solidFill>
-              </a:rPr>
-              <a:t> и </a:t>
-            </a:r>
-            <a:r>
-              <a:rPr lang="en-US" sz="1600" dirty="0" err="1">
-                <a:solidFill>
-                  <a:schemeClr val="bg1"/>
-                </a:solidFill>
-              </a:rPr>
-              <a:t>GetCustomAttributes</a:t>
-            </a:r>
-            <a:r>
-              <a:rPr lang="ru-RU" sz="1600" dirty="0">
-                <a:solidFill>
-                  <a:schemeClr val="bg1"/>
-                </a:solidFill>
-              </a:rPr>
-              <a:t> класса </a:t>
-            </a:r>
-            <a:r>
-              <a:rPr lang="en-US" sz="1600" dirty="0">
-                <a:solidFill>
-                  <a:schemeClr val="bg1"/>
-                </a:solidFill>
-              </a:rPr>
-              <a:t>Attribute.</a:t>
-            </a:r>
-            <a:endParaRPr lang="ru-RU" sz="1600" dirty="0">
-              <a:solidFill>
-                <a:schemeClr val="bg1"/>
-              </a:solidFill>
-            </a:endParaRPr>
-          </a:p>
-        </p:txBody>
-      </p:sp>
-      <p:sp>
-        <p:nvSpPr>
-          <p:cNvPr id="38913" name="Rectangle 1"/>
-          <p:cNvSpPr>
-            <a:spLocks noChangeArrowheads="1"/>
-          </p:cNvSpPr>
-          <p:nvPr/>
-        </p:nvSpPr>
-        <p:spPr bwMode="auto">
-          <a:xfrm>
-            <a:off x="152400" y="1600200"/>
-            <a:ext cx="8839200" cy="1169988"/>
-          </a:xfrm>
-          <a:prstGeom prst="rect">
-            <a:avLst/>
-          </a:prstGeom>
-          <a:noFill/>
-          <a:ln w="9525">
-            <a:solidFill>
-              <a:schemeClr val="bg1">
-                <a:lumMod val="65000"/>
-              </a:schemeClr>
-            </a:solidFill>
-            <a:miter lim="800000"/>
-            <a:headEnd/>
-            <a:tailEnd/>
-          </a:ln>
-          <a:effectLst/>
-        </p:spPr>
-        <p:txBody>
-          <a:bodyPr anchor="ctr">
-            <a:spAutoFit/>
-          </a:bodyPr>
-          <a:lstStyle/>
-          <a:p>
-            <a:pPr eaLnBrk="0" hangingPunct="0">
-              <a:defRPr/>
-            </a:pPr>
-            <a:r>
-              <a:rPr lang="be-BY" sz="1000" dirty="0">
-                <a:solidFill>
-                  <a:schemeClr val="bg1"/>
-                </a:solidFill>
-                <a:latin typeface="Courier New" pitchFamily="49" charset="0"/>
-                <a:ea typeface="Calibri" pitchFamily="34" charset="0"/>
-                <a:cs typeface="Courier New" pitchFamily="49" charset="0"/>
-              </a:rPr>
-              <a:t>        public static void Main()</a:t>
-            </a:r>
-            <a:endParaRPr lang="be-BY" sz="900" dirty="0">
-              <a:solidFill>
-                <a:schemeClr val="bg1"/>
-              </a:solidFill>
-              <a:latin typeface="Arial" pitchFamily="34" charset="0"/>
-            </a:endParaRPr>
-          </a:p>
-          <a:p>
-            <a:pPr eaLnBrk="0" hangingPunct="0">
-              <a:defRPr/>
-            </a:pPr>
-            <a:r>
-              <a:rPr lang="be-BY" sz="1000" dirty="0">
-                <a:solidFill>
-                  <a:schemeClr val="bg1"/>
-                </a:solidFill>
-                <a:latin typeface="Courier New" pitchFamily="49" charset="0"/>
-                <a:ea typeface="Calibri" pitchFamily="34" charset="0"/>
-                <a:cs typeface="Courier New" pitchFamily="49" charset="0"/>
-              </a:rPr>
-              <a:t>        {</a:t>
-            </a:r>
-            <a:endParaRPr lang="be-BY" sz="900" dirty="0">
-              <a:solidFill>
-                <a:schemeClr val="bg1"/>
-              </a:solidFill>
-              <a:latin typeface="Arial" pitchFamily="34" charset="0"/>
-            </a:endParaRPr>
-          </a:p>
-          <a:p>
-            <a:pPr eaLnBrk="0" hangingPunct="0">
-              <a:defRPr/>
-            </a:pPr>
-            <a:r>
-              <a:rPr lang="be-BY" sz="1000" dirty="0">
-                <a:solidFill>
-                  <a:schemeClr val="bg1"/>
-                </a:solidFill>
-                <a:latin typeface="Courier New" pitchFamily="49" charset="0"/>
-                <a:ea typeface="Calibri" pitchFamily="34" charset="0"/>
-                <a:cs typeface="Courier New" pitchFamily="49" charset="0"/>
-              </a:rPr>
-              <a:t>            foreach (Attribute atr in Attribute.GetCustomAttributes(typeof(Complex)))</a:t>
-            </a:r>
-            <a:endParaRPr lang="be-BY" sz="900" dirty="0">
-              <a:solidFill>
-                <a:schemeClr val="bg1"/>
-              </a:solidFill>
-              <a:latin typeface="Arial" pitchFamily="34" charset="0"/>
-            </a:endParaRPr>
-          </a:p>
-          <a:p>
-            <a:pPr eaLnBrk="0" hangingPunct="0">
-              <a:defRPr/>
-            </a:pPr>
-            <a:r>
-              <a:rPr lang="be-BY" sz="1000" dirty="0">
-                <a:solidFill>
-                  <a:schemeClr val="bg1"/>
-                </a:solidFill>
-                <a:latin typeface="Courier New" pitchFamily="49" charset="0"/>
-                <a:ea typeface="Calibri" pitchFamily="34" charset="0"/>
-                <a:cs typeface="Courier New" pitchFamily="49" charset="0"/>
-              </a:rPr>
-              <a:t>            {</a:t>
-            </a:r>
-            <a:endParaRPr lang="be-BY" sz="900" dirty="0">
-              <a:solidFill>
-                <a:schemeClr val="bg1"/>
-              </a:solidFill>
-              <a:latin typeface="Arial" pitchFamily="34" charset="0"/>
-            </a:endParaRPr>
-          </a:p>
-          <a:p>
-            <a:pPr eaLnBrk="0" hangingPunct="0">
-              <a:defRPr/>
-            </a:pPr>
-            <a:r>
-              <a:rPr lang="be-BY" sz="1000" dirty="0">
-                <a:solidFill>
-                  <a:schemeClr val="bg1"/>
-                </a:solidFill>
-                <a:latin typeface="Courier New" pitchFamily="49" charset="0"/>
-                <a:ea typeface="Calibri" pitchFamily="34" charset="0"/>
-                <a:cs typeface="Courier New" pitchFamily="49" charset="0"/>
-              </a:rPr>
-              <a:t>                Console.WriteLine(atr);</a:t>
-            </a:r>
-            <a:endParaRPr lang="be-BY" sz="900" dirty="0">
-              <a:solidFill>
-                <a:schemeClr val="bg1"/>
-              </a:solidFill>
-              <a:latin typeface="Arial" pitchFamily="34" charset="0"/>
-            </a:endParaRPr>
-          </a:p>
-          <a:p>
-            <a:pPr eaLnBrk="0" hangingPunct="0">
-              <a:defRPr/>
-            </a:pPr>
-            <a:r>
-              <a:rPr lang="be-BY" sz="1000" dirty="0">
-                <a:solidFill>
-                  <a:schemeClr val="bg1"/>
-                </a:solidFill>
-                <a:latin typeface="Courier New" pitchFamily="49" charset="0"/>
-                <a:ea typeface="Calibri" pitchFamily="34" charset="0"/>
-                <a:cs typeface="Courier New" pitchFamily="49" charset="0"/>
-              </a:rPr>
-              <a:t>            }</a:t>
-            </a:r>
-            <a:endParaRPr lang="be-BY" sz="900" dirty="0">
-              <a:solidFill>
-                <a:schemeClr val="bg1"/>
-              </a:solidFill>
-              <a:latin typeface="Arial" pitchFamily="34" charset="0"/>
-            </a:endParaRPr>
-          </a:p>
-          <a:p>
-            <a:pPr eaLnBrk="0" hangingPunct="0">
-              <a:defRPr/>
-            </a:pPr>
-            <a:r>
-              <a:rPr lang="be-BY" sz="1000" dirty="0">
-                <a:solidFill>
-                  <a:schemeClr val="bg1"/>
-                </a:solidFill>
-                <a:latin typeface="Courier New" pitchFamily="49" charset="0"/>
-                <a:ea typeface="Calibri" pitchFamily="34" charset="0"/>
-                <a:cs typeface="Courier New" pitchFamily="49" charset="0"/>
-              </a:rPr>
-              <a:t>        }</a:t>
-            </a:r>
-            <a:endParaRPr lang="be-BY" dirty="0">
-              <a:solidFill>
-                <a:schemeClr val="bg1"/>
-              </a:solidFill>
-              <a:latin typeface="Arial" pitchFamily="34" charset="0"/>
-            </a:endParaRPr>
-          </a:p>
-        </p:txBody>
-      </p:sp>
-    </p:spTree>
-    <p:extLst>
-      <p:ext uri="{BB962C8B-B14F-4D97-AF65-F5344CB8AC3E}">
-        <p14:creationId xmlns:p14="http://schemas.microsoft.com/office/powerpoint/2010/main" val="1021185533"/>
       </p:ext>
     </p:extLst>
   </p:cSld>
@@ -9548,6 +9656,422 @@
       </p:grpSpPr>
       <p:sp>
         <p:nvSpPr>
+          <p:cNvPr id="14338" name="Rectangle 3"/>
+          <p:cNvSpPr>
+            <a:spLocks noChangeArrowheads="1"/>
+          </p:cNvSpPr>
+          <p:nvPr/>
+        </p:nvSpPr>
+        <p:spPr bwMode="auto">
+          <a:xfrm>
+            <a:off x="152400" y="-4763"/>
+            <a:ext cx="8763000" cy="461963"/>
+          </a:xfrm>
+          <a:prstGeom prst="rect">
+            <a:avLst/>
+          </a:prstGeom>
+          <a:noFill/>
+          <a:ln>
+            <a:noFill/>
+          </a:ln>
+          <a:extLst>
+            <a:ext uri="{909E8E84-426E-40DD-AFC4-6F175D3DCCD1}">
+              <a14:hiddenFill xmlns:a14="http://schemas.microsoft.com/office/drawing/2010/main">
+                <a:solidFill>
+                  <a:srgbClr val="FFFFFF"/>
+                </a:solidFill>
+              </a14:hiddenFill>
+            </a:ext>
+            <a:ext uri="{91240B29-F687-4F45-9708-019B960494DF}">
+              <a14:hiddenLine xmlns:a14="http://schemas.microsoft.com/office/drawing/2010/main" w="9525">
+                <a:solidFill>
+                  <a:srgbClr val="000000"/>
+                </a:solidFill>
+                <a:miter lim="800000"/>
+                <a:headEnd/>
+                <a:tailEnd/>
+              </a14:hiddenLine>
+            </a:ext>
+          </a:extLst>
+        </p:spPr>
+        <p:txBody>
+          <a:bodyPr anchor="ctr">
+            <a:spAutoFit/>
+          </a:bodyPr>
+          <a:lstStyle/>
+          <a:p>
+            <a:pPr algn="ctr"/>
+            <a:r>
+              <a:rPr lang="ru-RU" sz="2400" b="1"/>
+              <a:t>Атрибуты</a:t>
+            </a:r>
+            <a:r>
+              <a:rPr lang="en-US" sz="2400" b="1"/>
+              <a:t>.</a:t>
+            </a:r>
+          </a:p>
+        </p:txBody>
+      </p:sp>
+      <p:sp>
+        <p:nvSpPr>
+          <p:cNvPr id="14339" name="Rectangle 3"/>
+          <p:cNvSpPr>
+            <a:spLocks noChangeArrowheads="1"/>
+          </p:cNvSpPr>
+          <p:nvPr/>
+        </p:nvSpPr>
+        <p:spPr bwMode="auto">
+          <a:xfrm>
+            <a:off x="152400" y="595739"/>
+            <a:ext cx="8839200" cy="830997"/>
+          </a:xfrm>
+          <a:prstGeom prst="rect">
+            <a:avLst/>
+          </a:prstGeom>
+          <a:noFill/>
+          <a:ln>
+            <a:noFill/>
+          </a:ln>
+          <a:extLst>
+            <a:ext uri="{909E8E84-426E-40DD-AFC4-6F175D3DCCD1}">
+              <a14:hiddenFill xmlns:a14="http://schemas.microsoft.com/office/drawing/2010/main">
+                <a:solidFill>
+                  <a:srgbClr val="FFFFFF"/>
+                </a:solidFill>
+              </a14:hiddenFill>
+            </a:ext>
+            <a:ext uri="{91240B29-F687-4F45-9708-019B960494DF}">
+              <a14:hiddenLine xmlns:a14="http://schemas.microsoft.com/office/drawing/2010/main" w="9525">
+                <a:solidFill>
+                  <a:srgbClr val="000000"/>
+                </a:solidFill>
+                <a:miter lim="800000"/>
+                <a:headEnd/>
+                <a:tailEnd/>
+              </a14:hiddenLine>
+            </a:ext>
+          </a:extLst>
+        </p:spPr>
+        <p:txBody>
+          <a:bodyPr anchor="ctr">
+            <a:spAutoFit/>
+          </a:bodyPr>
+          <a:lstStyle/>
+          <a:p>
+            <a:r>
+              <a:rPr lang="ru-RU" sz="1600" dirty="0">
+                <a:solidFill>
+                  <a:schemeClr val="bg1"/>
+                </a:solidFill>
+              </a:rPr>
+              <a:t>	Атрибут </a:t>
+            </a:r>
+            <a:r>
+              <a:rPr lang="be-BY" sz="1600" dirty="0">
+                <a:solidFill>
+                  <a:schemeClr val="bg1"/>
+                </a:solidFill>
+                <a:latin typeface="Courier New" pitchFamily="49" charset="0"/>
+                <a:ea typeface="Calibri" pitchFamily="34" charset="0"/>
+                <a:cs typeface="Courier New" pitchFamily="49" charset="0"/>
+              </a:rPr>
+              <a:t>AttributeUsage </a:t>
+            </a:r>
+            <a:r>
+              <a:rPr lang="ru-RU" sz="1600" dirty="0">
+                <a:solidFill>
+                  <a:schemeClr val="bg1"/>
+                </a:solidFill>
+              </a:rPr>
+              <a:t>задает область применения пользовательского атрибута.</a:t>
+            </a:r>
+          </a:p>
+          <a:p>
+            <a:r>
+              <a:rPr lang="ru-RU" sz="1600" dirty="0">
+                <a:solidFill>
+                  <a:schemeClr val="bg1"/>
+                </a:solidFill>
+              </a:rPr>
+              <a:t>	Информацию о примененных к типу атрибутов можно получить используя методы </a:t>
+            </a:r>
+            <a:r>
+              <a:rPr lang="en-US" sz="1600" dirty="0" err="1">
+                <a:solidFill>
+                  <a:schemeClr val="bg1"/>
+                </a:solidFill>
+              </a:rPr>
+              <a:t>GetCustomAttribute</a:t>
+            </a:r>
+            <a:r>
+              <a:rPr lang="ru-RU" sz="1600" dirty="0">
+                <a:solidFill>
+                  <a:schemeClr val="bg1"/>
+                </a:solidFill>
+              </a:rPr>
+              <a:t> и </a:t>
+            </a:r>
+            <a:r>
+              <a:rPr lang="en-US" sz="1600" dirty="0" err="1">
+                <a:solidFill>
+                  <a:schemeClr val="bg1"/>
+                </a:solidFill>
+              </a:rPr>
+              <a:t>GetCustomAttributes</a:t>
+            </a:r>
+            <a:r>
+              <a:rPr lang="ru-RU" sz="1600" dirty="0">
+                <a:solidFill>
+                  <a:schemeClr val="bg1"/>
+                </a:solidFill>
+              </a:rPr>
+              <a:t> класса </a:t>
+            </a:r>
+            <a:r>
+              <a:rPr lang="en-US" sz="1600" dirty="0">
+                <a:solidFill>
+                  <a:schemeClr val="bg1"/>
+                </a:solidFill>
+              </a:rPr>
+              <a:t>Attribute.</a:t>
+            </a:r>
+            <a:endParaRPr lang="ru-RU" sz="1600" dirty="0">
+              <a:solidFill>
+                <a:schemeClr val="bg1"/>
+              </a:solidFill>
+            </a:endParaRPr>
+          </a:p>
+        </p:txBody>
+      </p:sp>
+      <p:sp>
+        <p:nvSpPr>
+          <p:cNvPr id="38913" name="Rectangle 1"/>
+          <p:cNvSpPr>
+            <a:spLocks noChangeArrowheads="1"/>
+          </p:cNvSpPr>
+          <p:nvPr/>
+        </p:nvSpPr>
+        <p:spPr bwMode="auto">
+          <a:xfrm>
+            <a:off x="152400" y="1600200"/>
+            <a:ext cx="8839200" cy="1169988"/>
+          </a:xfrm>
+          <a:prstGeom prst="rect">
+            <a:avLst/>
+          </a:prstGeom>
+          <a:noFill/>
+          <a:ln w="9525">
+            <a:solidFill>
+              <a:schemeClr val="bg1">
+                <a:lumMod val="65000"/>
+              </a:schemeClr>
+            </a:solidFill>
+            <a:miter lim="800000"/>
+            <a:headEnd/>
+            <a:tailEnd/>
+          </a:ln>
+          <a:effectLst/>
+        </p:spPr>
+        <p:txBody>
+          <a:bodyPr anchor="ctr">
+            <a:spAutoFit/>
+          </a:bodyPr>
+          <a:lstStyle/>
+          <a:p>
+            <a:pPr eaLnBrk="0" hangingPunct="0">
+              <a:defRPr/>
+            </a:pPr>
+            <a:r>
+              <a:rPr lang="be-BY" sz="1000" dirty="0">
+                <a:solidFill>
+                  <a:schemeClr val="bg1"/>
+                </a:solidFill>
+                <a:latin typeface="Courier New" pitchFamily="49" charset="0"/>
+                <a:ea typeface="Calibri" pitchFamily="34" charset="0"/>
+                <a:cs typeface="Courier New" pitchFamily="49" charset="0"/>
+              </a:rPr>
+              <a:t>        public static void Main()</a:t>
+            </a:r>
+            <a:endParaRPr lang="be-BY" sz="900" dirty="0">
+              <a:solidFill>
+                <a:schemeClr val="bg1"/>
+              </a:solidFill>
+              <a:latin typeface="Arial" pitchFamily="34" charset="0"/>
+            </a:endParaRPr>
+          </a:p>
+          <a:p>
+            <a:pPr eaLnBrk="0" hangingPunct="0">
+              <a:defRPr/>
+            </a:pPr>
+            <a:r>
+              <a:rPr lang="be-BY" sz="1000" dirty="0">
+                <a:solidFill>
+                  <a:schemeClr val="bg1"/>
+                </a:solidFill>
+                <a:latin typeface="Courier New" pitchFamily="49" charset="0"/>
+                <a:ea typeface="Calibri" pitchFamily="34" charset="0"/>
+                <a:cs typeface="Courier New" pitchFamily="49" charset="0"/>
+              </a:rPr>
+              <a:t>        {</a:t>
+            </a:r>
+            <a:endParaRPr lang="be-BY" sz="900" dirty="0">
+              <a:solidFill>
+                <a:schemeClr val="bg1"/>
+              </a:solidFill>
+              <a:latin typeface="Arial" pitchFamily="34" charset="0"/>
+            </a:endParaRPr>
+          </a:p>
+          <a:p>
+            <a:pPr eaLnBrk="0" hangingPunct="0">
+              <a:defRPr/>
+            </a:pPr>
+            <a:r>
+              <a:rPr lang="be-BY" sz="1000" dirty="0">
+                <a:solidFill>
+                  <a:schemeClr val="bg1"/>
+                </a:solidFill>
+                <a:latin typeface="Courier New" pitchFamily="49" charset="0"/>
+                <a:ea typeface="Calibri" pitchFamily="34" charset="0"/>
+                <a:cs typeface="Courier New" pitchFamily="49" charset="0"/>
+              </a:rPr>
+              <a:t>            foreach (Attribute atr in Attribute.GetCustomAttributes(typeof(Complex)))</a:t>
+            </a:r>
+            <a:endParaRPr lang="be-BY" sz="900" dirty="0">
+              <a:solidFill>
+                <a:schemeClr val="bg1"/>
+              </a:solidFill>
+              <a:latin typeface="Arial" pitchFamily="34" charset="0"/>
+            </a:endParaRPr>
+          </a:p>
+          <a:p>
+            <a:pPr eaLnBrk="0" hangingPunct="0">
+              <a:defRPr/>
+            </a:pPr>
+            <a:r>
+              <a:rPr lang="be-BY" sz="1000" dirty="0">
+                <a:solidFill>
+                  <a:schemeClr val="bg1"/>
+                </a:solidFill>
+                <a:latin typeface="Courier New" pitchFamily="49" charset="0"/>
+                <a:ea typeface="Calibri" pitchFamily="34" charset="0"/>
+                <a:cs typeface="Courier New" pitchFamily="49" charset="0"/>
+              </a:rPr>
+              <a:t>            {</a:t>
+            </a:r>
+            <a:endParaRPr lang="be-BY" sz="900" dirty="0">
+              <a:solidFill>
+                <a:schemeClr val="bg1"/>
+              </a:solidFill>
+              <a:latin typeface="Arial" pitchFamily="34" charset="0"/>
+            </a:endParaRPr>
+          </a:p>
+          <a:p>
+            <a:pPr eaLnBrk="0" hangingPunct="0">
+              <a:defRPr/>
+            </a:pPr>
+            <a:r>
+              <a:rPr lang="be-BY" sz="1000" dirty="0">
+                <a:solidFill>
+                  <a:schemeClr val="bg1"/>
+                </a:solidFill>
+                <a:latin typeface="Courier New" pitchFamily="49" charset="0"/>
+                <a:ea typeface="Calibri" pitchFamily="34" charset="0"/>
+                <a:cs typeface="Courier New" pitchFamily="49" charset="0"/>
+              </a:rPr>
+              <a:t>                Console.WriteLine(atr);</a:t>
+            </a:r>
+            <a:endParaRPr lang="be-BY" sz="900" dirty="0">
+              <a:solidFill>
+                <a:schemeClr val="bg1"/>
+              </a:solidFill>
+              <a:latin typeface="Arial" pitchFamily="34" charset="0"/>
+            </a:endParaRPr>
+          </a:p>
+          <a:p>
+            <a:pPr eaLnBrk="0" hangingPunct="0">
+              <a:defRPr/>
+            </a:pPr>
+            <a:r>
+              <a:rPr lang="be-BY" sz="1000" dirty="0">
+                <a:solidFill>
+                  <a:schemeClr val="bg1"/>
+                </a:solidFill>
+                <a:latin typeface="Courier New" pitchFamily="49" charset="0"/>
+                <a:ea typeface="Calibri" pitchFamily="34" charset="0"/>
+                <a:cs typeface="Courier New" pitchFamily="49" charset="0"/>
+              </a:rPr>
+              <a:t>            }</a:t>
+            </a:r>
+            <a:endParaRPr lang="be-BY" sz="900" dirty="0">
+              <a:solidFill>
+                <a:schemeClr val="bg1"/>
+              </a:solidFill>
+              <a:latin typeface="Arial" pitchFamily="34" charset="0"/>
+            </a:endParaRPr>
+          </a:p>
+          <a:p>
+            <a:pPr eaLnBrk="0" hangingPunct="0">
+              <a:defRPr/>
+            </a:pPr>
+            <a:r>
+              <a:rPr lang="be-BY" sz="1000" dirty="0">
+                <a:solidFill>
+                  <a:schemeClr val="bg1"/>
+                </a:solidFill>
+                <a:latin typeface="Courier New" pitchFamily="49" charset="0"/>
+                <a:ea typeface="Calibri" pitchFamily="34" charset="0"/>
+                <a:cs typeface="Courier New" pitchFamily="49" charset="0"/>
+              </a:rPr>
+              <a:t>        }</a:t>
+            </a:r>
+            <a:endParaRPr lang="be-BY" dirty="0">
+              <a:solidFill>
+                <a:schemeClr val="bg1"/>
+              </a:solidFill>
+              <a:latin typeface="Arial" pitchFamily="34" charset="0"/>
+            </a:endParaRPr>
+          </a:p>
+        </p:txBody>
+      </p:sp>
+    </p:spTree>
+    <p:extLst>
+      <p:ext uri="{BB962C8B-B14F-4D97-AF65-F5344CB8AC3E}">
+        <p14:creationId xmlns:p14="http://schemas.microsoft.com/office/powerpoint/2010/main" val="1021185533"/>
+      </p:ext>
+    </p:extLst>
+  </p:cSld>
+  <p:clrMapOvr>
+    <a:masterClrMapping/>
+  </p:clrMapOvr>
+  <p:timing>
+    <p:tnLst>
+      <p:par>
+        <p:cTn id="1" dur="indefinite" restart="never" nodeType="tmRoot"/>
+      </p:par>
+    </p:tnLst>
+  </p:timing>
+</p:sld>
+</file>
+
+<file path=ppt/slides/slide21.xml><?xml version="1.0" encoding="utf-8"?>
+<p:sld xmlns:a="http://schemas.openxmlformats.org/drawingml/2006/main" xmlns:r="http://schemas.openxmlformats.org/officeDocument/2006/relationships" xmlns:p="http://schemas.openxmlformats.org/presentationml/2006/main">
+  <p:cSld>
+    <p:spTree>
+      <p:nvGrpSpPr>
+        <p:cNvPr id="1" name=""/>
+        <p:cNvGrpSpPr/>
+        <p:nvPr/>
+      </p:nvGrpSpPr>
+      <p:grpSpPr>
+        <a:xfrm>
+          <a:off x="0" y="0"/>
+          <a:ext cx="0" cy="0"/>
+          <a:chOff x="0" y="0"/>
+          <a:chExt cx="0" cy="0"/>
+        </a:xfrm>
+      </p:grpSpPr>
+      <p:sp>
+        <p:nvSpPr>
           <p:cNvPr id="2" name="Title 1"/>
           <p:cNvSpPr>
             <a:spLocks noGrp="1"/>
@@ -9677,7 +10201,7 @@
 </p:sld>
 </file>
 
-<file path=ppt/slides/slide21.xml><?xml version="1.0" encoding="utf-8"?>
+<file path=ppt/slides/slide22.xml><?xml version="1.0" encoding="utf-8"?>
 <p:sld xmlns:a="http://schemas.openxmlformats.org/drawingml/2006/main" xmlns:r="http://schemas.openxmlformats.org/officeDocument/2006/relationships" xmlns:p="http://schemas.openxmlformats.org/presentationml/2006/main">
   <p:cSld>
     <p:spTree>
@@ -10388,7 +10912,7 @@
 </p:sld>
 </file>
 
-<file path=ppt/slides/slide22.xml><?xml version="1.0" encoding="utf-8"?>
+<file path=ppt/slides/slide23.xml><?xml version="1.0" encoding="utf-8"?>
 <p:sld xmlns:a="http://schemas.openxmlformats.org/drawingml/2006/main" xmlns:r="http://schemas.openxmlformats.org/officeDocument/2006/relationships" xmlns:p="http://schemas.openxmlformats.org/presentationml/2006/main">
   <p:cSld>
     <p:spTree>
@@ -10761,7 +11285,7 @@
 </p:sld>
 </file>
 
-<file path=ppt/slides/slide23.xml><?xml version="1.0" encoding="utf-8"?>
+<file path=ppt/slides/slide24.xml><?xml version="1.0" encoding="utf-8"?>
 <p:sld xmlns:a="http://schemas.openxmlformats.org/drawingml/2006/main" xmlns:r="http://schemas.openxmlformats.org/officeDocument/2006/relationships" xmlns:p="http://schemas.openxmlformats.org/presentationml/2006/main">
   <p:cSld>
     <p:spTree>
@@ -11632,7 +12156,7 @@
 </p:sld>
 </file>
 
-<file path=ppt/slides/slide24.xml><?xml version="1.0" encoding="utf-8"?>
+<file path=ppt/slides/slide25.xml><?xml version="1.0" encoding="utf-8"?>
 <p:sld xmlns:a="http://schemas.openxmlformats.org/drawingml/2006/main" xmlns:r="http://schemas.openxmlformats.org/officeDocument/2006/relationships" xmlns:p="http://schemas.openxmlformats.org/presentationml/2006/main">
   <p:cSld>
     <p:spTree>
@@ -12491,7 +13015,7 @@
 </p:sld>
 </file>
 
-<file path=ppt/slides/slide25.xml><?xml version="1.0" encoding="utf-8"?>
+<file path=ppt/slides/slide26.xml><?xml version="1.0" encoding="utf-8"?>
 <p:sld xmlns:a="http://schemas.openxmlformats.org/drawingml/2006/main" xmlns:r="http://schemas.openxmlformats.org/officeDocument/2006/relationships" xmlns:p="http://schemas.openxmlformats.org/presentationml/2006/main">
   <p:cSld>
     <p:spTree>
@@ -13145,7 +13669,7 @@
 </p:sld>
 </file>
 
-<file path=ppt/slides/slide26.xml><?xml version="1.0" encoding="utf-8"?>
+<file path=ppt/slides/slide27.xml><?xml version="1.0" encoding="utf-8"?>
 <p:sld xmlns:a="http://schemas.openxmlformats.org/drawingml/2006/main" xmlns:r="http://schemas.openxmlformats.org/officeDocument/2006/relationships" xmlns:p="http://schemas.openxmlformats.org/presentationml/2006/main">
   <p:cSld>
     <p:spTree>

--- a/Presentation/lesson-07-reflection.pptx
+++ b/Presentation/lesson-07-reflection.pptx
@@ -6,7 +6,7 @@
     <p:sldMasterId id="2147483663" r:id="rId2"/>
   </p:sldMasterIdLst>
   <p:notesMasterIdLst>
-    <p:notesMasterId r:id="rId37"/>
+    <p:notesMasterId r:id="rId38"/>
   </p:notesMasterIdLst>
   <p:sldIdLst>
     <p:sldId id="257" r:id="rId3"/>
@@ -38,11 +38,12 @@
     <p:sldId id="262" r:id="rId29"/>
     <p:sldId id="261" r:id="rId30"/>
     <p:sldId id="300" r:id="rId31"/>
-    <p:sldId id="299" r:id="rId32"/>
-    <p:sldId id="263" r:id="rId33"/>
-    <p:sldId id="264" r:id="rId34"/>
-    <p:sldId id="265" r:id="rId35"/>
-    <p:sldId id="271" r:id="rId36"/>
+    <p:sldId id="306" r:id="rId32"/>
+    <p:sldId id="299" r:id="rId33"/>
+    <p:sldId id="263" r:id="rId34"/>
+    <p:sldId id="264" r:id="rId35"/>
+    <p:sldId id="265" r:id="rId36"/>
+    <p:sldId id="271" r:id="rId37"/>
   </p:sldIdLst>
   <p:sldSz cx="9144000" cy="6858000" type="screen4x3"/>
   <p:notesSz cx="6858000" cy="9144000"/>
@@ -227,7 +228,7 @@
             <a:fld id="{B24A7054-7FFB-49F4-A126-5DF6E687FF53}" type="datetimeFigureOut">
               <a:rPr lang="ru-RU" smtClean="0"/>
               <a:pPr/>
-              <a:t>28.06.2013</a:t>
+              <a:t>19.10.2013</a:t>
             </a:fld>
             <a:endParaRPr lang="ru-RU"/>
           </a:p>
@@ -1511,7 +1512,7 @@
             <a:fld id="{8E6E6A2A-E9D3-4A0D-B04A-ABDD367A1E08}" type="datetimeFigureOut">
               <a:rPr lang="ru-RU" smtClean="0"/>
               <a:pPr/>
-              <a:t>28.06.2013</a:t>
+              <a:t>19.10.2013</a:t>
             </a:fld>
             <a:endParaRPr lang="ru-RU"/>
           </a:p>
@@ -1755,7 +1756,7 @@
             <a:fld id="{8E6E6A2A-E9D3-4A0D-B04A-ABDD367A1E08}" type="datetimeFigureOut">
               <a:rPr lang="ru-RU" smtClean="0"/>
               <a:pPr/>
-              <a:t>28.06.2013</a:t>
+              <a:t>19.10.2013</a:t>
             </a:fld>
             <a:endParaRPr lang="ru-RU"/>
           </a:p>
@@ -1927,7 +1928,7 @@
             <a:fld id="{8E6E6A2A-E9D3-4A0D-B04A-ABDD367A1E08}" type="datetimeFigureOut">
               <a:rPr lang="ru-RU" smtClean="0"/>
               <a:pPr/>
-              <a:t>28.06.2013</a:t>
+              <a:t>19.10.2013</a:t>
             </a:fld>
             <a:endParaRPr lang="ru-RU"/>
           </a:p>
@@ -2175,7 +2176,7 @@
             <a:fld id="{8E6E6A2A-E9D3-4A0D-B04A-ABDD367A1E08}" type="datetimeFigureOut">
               <a:rPr lang="ru-RU" smtClean="0"/>
               <a:pPr/>
-              <a:t>28.06.2013</a:t>
+              <a:t>19.10.2013</a:t>
             </a:fld>
             <a:endParaRPr lang="ru-RU"/>
           </a:p>
@@ -2465,7 +2466,7 @@
             <a:fld id="{8E6E6A2A-E9D3-4A0D-B04A-ABDD367A1E08}" type="datetimeFigureOut">
               <a:rPr lang="ru-RU" smtClean="0"/>
               <a:pPr/>
-              <a:t>28.06.2013</a:t>
+              <a:t>19.10.2013</a:t>
             </a:fld>
             <a:endParaRPr lang="ru-RU"/>
           </a:p>
@@ -2889,7 +2890,7 @@
             <a:fld id="{8E6E6A2A-E9D3-4A0D-B04A-ABDD367A1E08}" type="datetimeFigureOut">
               <a:rPr lang="ru-RU" smtClean="0"/>
               <a:pPr/>
-              <a:t>28.06.2013</a:t>
+              <a:t>19.10.2013</a:t>
             </a:fld>
             <a:endParaRPr lang="ru-RU"/>
           </a:p>
@@ -3218,7 +3219,7 @@
             <a:fld id="{8E6E6A2A-E9D3-4A0D-B04A-ABDD367A1E08}" type="datetimeFigureOut">
               <a:rPr lang="ru-RU" smtClean="0"/>
               <a:pPr/>
-              <a:t>28.06.2013</a:t>
+              <a:t>19.10.2013</a:t>
             </a:fld>
             <a:endParaRPr lang="ru-RU"/>
           </a:p>
@@ -3315,7 +3316,7 @@
             <a:fld id="{8E6E6A2A-E9D3-4A0D-B04A-ABDD367A1E08}" type="datetimeFigureOut">
               <a:rPr lang="ru-RU" smtClean="0"/>
               <a:pPr/>
-              <a:t>28.06.2013</a:t>
+              <a:t>19.10.2013</a:t>
             </a:fld>
             <a:endParaRPr lang="ru-RU"/>
           </a:p>
@@ -3594,7 +3595,7 @@
             <a:fld id="{8E6E6A2A-E9D3-4A0D-B04A-ABDD367A1E08}" type="datetimeFigureOut">
               <a:rPr lang="ru-RU" smtClean="0"/>
               <a:pPr/>
-              <a:t>28.06.2013</a:t>
+              <a:t>19.10.2013</a:t>
             </a:fld>
             <a:endParaRPr lang="ru-RU"/>
           </a:p>
@@ -3849,7 +3850,7 @@
             <a:fld id="{8E6E6A2A-E9D3-4A0D-B04A-ABDD367A1E08}" type="datetimeFigureOut">
               <a:rPr lang="ru-RU" smtClean="0"/>
               <a:pPr/>
-              <a:t>28.06.2013</a:t>
+              <a:t>19.10.2013</a:t>
             </a:fld>
             <a:endParaRPr lang="ru-RU"/>
           </a:p>
@@ -4021,7 +4022,7 @@
             <a:fld id="{8E6E6A2A-E9D3-4A0D-B04A-ABDD367A1E08}" type="datetimeFigureOut">
               <a:rPr lang="ru-RU" smtClean="0"/>
               <a:pPr/>
-              <a:t>28.06.2013</a:t>
+              <a:t>19.10.2013</a:t>
             </a:fld>
             <a:endParaRPr lang="ru-RU"/>
           </a:p>
@@ -4203,7 +4204,7 @@
             <a:fld id="{8E6E6A2A-E9D3-4A0D-B04A-ABDD367A1E08}" type="datetimeFigureOut">
               <a:rPr lang="ru-RU" smtClean="0"/>
               <a:pPr/>
-              <a:t>28.06.2013</a:t>
+              <a:t>19.10.2013</a:t>
             </a:fld>
             <a:endParaRPr lang="ru-RU"/>
           </a:p>
@@ -5441,7 +5442,7 @@
             <a:fld id="{AC3D3127-B7C4-45E3-9797-C527EC9FDD78}" type="datetimeFigureOut">
               <a:rPr lang="ru-RU" smtClean="0"/>
               <a:pPr/>
-              <a:t>28.06.2013</a:t>
+              <a:t>19.10.2013</a:t>
             </a:fld>
             <a:endParaRPr lang="ru-RU"/>
           </a:p>
@@ -5963,7 +5964,7 @@
             <a:fld id="{8E6E6A2A-E9D3-4A0D-B04A-ABDD367A1E08}" type="datetimeFigureOut">
               <a:rPr lang="ru-RU" smtClean="0"/>
               <a:pPr/>
-              <a:t>28.06.2013</a:t>
+              <a:t>19.10.2013</a:t>
             </a:fld>
             <a:endParaRPr lang="ru-RU"/>
           </a:p>
@@ -9802,7 +9803,6 @@
               <a:rPr lang="ru-RU" dirty="0" smtClean="0"/>
               <a:t>Задается в свойствах проекта</a:t>
             </a:r>
-            <a:endParaRPr lang="ru-RU" dirty="0" smtClean="0"/>
           </a:p>
           <a:p>
             <a:pPr marL="514350" indent="-514350">
@@ -9815,15 +9815,7 @@
                   <a:srgbClr val="FFFF00"/>
                 </a:solidFill>
               </a:rPr>
-              <a:t>Номер </a:t>
-            </a:r>
-            <a:r>
-              <a:rPr lang="ru-RU" dirty="0" smtClean="0">
-                <a:solidFill>
-                  <a:srgbClr val="FFFF00"/>
-                </a:solidFill>
-              </a:rPr>
-              <a:t>версии сборки</a:t>
+              <a:t>Номер версии сборки</a:t>
             </a:r>
           </a:p>
           <a:p>
@@ -12375,6 +12367,13 @@
   <p:clrMapOvr>
     <a:masterClrMapping/>
   </p:clrMapOvr>
+  <p:timing>
+    <p:tnLst>
+      <p:par>
+        <p:cTn id="1" dur="indefinite" restart="never" nodeType="tmRoot"/>
+      </p:par>
+    </p:tnLst>
+  </p:timing>
 </p:sld>
 </file>
 
@@ -13112,6 +13111,328 @@
           <a:lstStyle/>
           <a:p>
             <a:r>
+              <a:rPr lang="en-US" dirty="0" smtClean="0"/>
+              <a:t>CLS</a:t>
+            </a:r>
+            <a:r>
+              <a:rPr lang="ru-RU" dirty="0" smtClean="0"/>
+              <a:t> совместимые</a:t>
+            </a:r>
+            <a:r>
+              <a:rPr lang="en-US" dirty="0" smtClean="0"/>
+              <a:t> </a:t>
+            </a:r>
+            <a:r>
+              <a:rPr lang="ru-RU" dirty="0" smtClean="0"/>
+              <a:t>сборки</a:t>
+            </a:r>
+            <a:endParaRPr lang="en-US" dirty="0"/>
+          </a:p>
+        </p:txBody>
+      </p:sp>
+      <p:sp>
+        <p:nvSpPr>
+          <p:cNvPr id="3" name="Content Placeholder 2"/>
+          <p:cNvSpPr>
+            <a:spLocks noGrp="1"/>
+          </p:cNvSpPr>
+          <p:nvPr>
+            <p:ph idx="1"/>
+          </p:nvPr>
+        </p:nvSpPr>
+        <p:spPr>
+          <a:xfrm>
+            <a:off x="242616" y="1556792"/>
+            <a:ext cx="8649864" cy="4061048"/>
+          </a:xfrm>
+        </p:spPr>
+        <p:txBody>
+          <a:bodyPr>
+            <a:normAutofit fontScale="70000" lnSpcReduction="20000"/>
+          </a:bodyPr>
+          <a:lstStyle/>
+          <a:p>
+            <a:pPr marL="0" indent="0">
+              <a:buNone/>
+            </a:pPr>
+            <a:r>
+              <a:rPr lang="ru-RU" dirty="0" smtClean="0"/>
+              <a:t>Если вы создает библиотеку (сборку) для внешнего использования и хотите быть уверенными что её можно будет использовать из программ написанных на других языках (таких как </a:t>
+            </a:r>
+            <a:r>
+              <a:rPr lang="en-US" dirty="0" smtClean="0"/>
+              <a:t>VB.NET, F# </a:t>
+            </a:r>
+            <a:r>
+              <a:rPr lang="ru-RU" dirty="0" smtClean="0"/>
+              <a:t>и других)</a:t>
+            </a:r>
+            <a:r>
+              <a:rPr lang="en-US" dirty="0" smtClean="0"/>
+              <a:t>, </a:t>
+            </a:r>
+            <a:r>
+              <a:rPr lang="ru-RU" dirty="0" smtClean="0"/>
+              <a:t>то добавьте к свой сборке атрибут </a:t>
+            </a:r>
+            <a:r>
+              <a:rPr lang="en-US" dirty="0" err="1" smtClean="0"/>
+              <a:t>System.CLSCompliantAttribute</a:t>
+            </a:r>
+            <a:r>
+              <a:rPr lang="en-US" dirty="0" smtClean="0"/>
+              <a:t>.</a:t>
+            </a:r>
+          </a:p>
+          <a:p>
+            <a:pPr marL="0" indent="0">
+              <a:buNone/>
+            </a:pPr>
+            <a:endParaRPr lang="en-US" dirty="0"/>
+          </a:p>
+          <a:p>
+            <a:pPr marL="0" indent="0">
+              <a:buNone/>
+            </a:pPr>
+            <a:r>
+              <a:rPr lang="en-US" dirty="0" smtClean="0"/>
+              <a:t>CLS </a:t>
+            </a:r>
+            <a:r>
+              <a:rPr lang="ru-RU" dirty="0" smtClean="0"/>
+              <a:t>(</a:t>
+            </a:r>
+            <a:r>
+              <a:rPr lang="en-US" dirty="0" smtClean="0"/>
+              <a:t>Common Language Specification</a:t>
+            </a:r>
+            <a:r>
+              <a:rPr lang="ru-RU" dirty="0" smtClean="0"/>
+              <a:t>)</a:t>
+            </a:r>
+            <a:r>
+              <a:rPr lang="en-US" dirty="0" smtClean="0"/>
+              <a:t> </a:t>
+            </a:r>
+            <a:r>
+              <a:rPr lang="ru-RU" dirty="0" smtClean="0"/>
+              <a:t>является набором требований (ограничений) к языку позволяющее ему «бесшовно» взаимодействовать с программами на других языках. Это необходимо так как, </a:t>
+            </a:r>
+            <a:r>
+              <a:rPr lang="ru-RU" dirty="0"/>
+              <a:t>н</a:t>
+            </a:r>
+            <a:r>
+              <a:rPr lang="ru-RU" dirty="0" smtClean="0"/>
+              <a:t>есмотря на наличие «общего знаменателя» в виде </a:t>
+            </a:r>
+            <a:r>
+              <a:rPr lang="en-US" dirty="0" smtClean="0"/>
+              <a:t>IL </a:t>
+            </a:r>
+            <a:r>
+              <a:rPr lang="ru-RU" dirty="0" smtClean="0"/>
+              <a:t>кода, языки могут иметь весьма сильные различия. Компилятор </a:t>
+            </a:r>
+            <a:r>
+              <a:rPr lang="en-US" dirty="0" smtClean="0"/>
+              <a:t>C# </a:t>
+            </a:r>
+            <a:r>
+              <a:rPr lang="ru-RU" smtClean="0"/>
+              <a:t>проверяет </a:t>
+            </a:r>
+            <a:r>
+              <a:rPr lang="ru-RU" dirty="0" smtClean="0"/>
+              <a:t>программу на соответствие этим требованиям, только при наличии атрибута </a:t>
+            </a:r>
+            <a:r>
+              <a:rPr lang="en-US" dirty="0" err="1" smtClean="0"/>
+              <a:t>CLSCompliant</a:t>
+            </a:r>
+            <a:r>
+              <a:rPr lang="ru-RU" dirty="0" smtClean="0"/>
+              <a:t>.</a:t>
+            </a:r>
+            <a:endParaRPr lang="en-US" dirty="0"/>
+          </a:p>
+        </p:txBody>
+      </p:sp>
+      <p:sp>
+        <p:nvSpPr>
+          <p:cNvPr id="4" name="TextBox 3"/>
+          <p:cNvSpPr txBox="1"/>
+          <p:nvPr/>
+        </p:nvSpPr>
+        <p:spPr>
+          <a:xfrm>
+            <a:off x="251520" y="5805264"/>
+            <a:ext cx="8640960" cy="307777"/>
+          </a:xfrm>
+          <a:prstGeom prst="rect">
+            <a:avLst/>
+          </a:prstGeom>
+          <a:solidFill>
+            <a:schemeClr val="bg1"/>
+          </a:solidFill>
+        </p:spPr>
+        <p:txBody>
+          <a:bodyPr wrap="square" rtlCol="0">
+            <a:spAutoFit/>
+          </a:bodyPr>
+          <a:lstStyle/>
+          <a:p>
+            <a:r>
+              <a:rPr lang="en-US" sz="1400" dirty="0" smtClean="0">
+                <a:solidFill>
+                  <a:srgbClr val="000000"/>
+                </a:solidFill>
+                <a:highlight>
+                  <a:srgbClr val="FFFFFF"/>
+                </a:highlight>
+                <a:latin typeface="Courier New" panose="02070309020205020404" pitchFamily="49" charset="0"/>
+                <a:cs typeface="Courier New" panose="02070309020205020404" pitchFamily="49" charset="0"/>
+              </a:rPr>
+              <a:t>[</a:t>
+            </a:r>
+            <a:r>
+              <a:rPr lang="en-US" sz="1400" dirty="0" smtClean="0">
+                <a:solidFill>
+                  <a:srgbClr val="0000FF"/>
+                </a:solidFill>
+                <a:highlight>
+                  <a:srgbClr val="FFFFFF"/>
+                </a:highlight>
+                <a:latin typeface="Courier New" panose="02070309020205020404" pitchFamily="49" charset="0"/>
+                <a:cs typeface="Courier New" panose="02070309020205020404" pitchFamily="49" charset="0"/>
+              </a:rPr>
+              <a:t>assembly</a:t>
+            </a:r>
+            <a:r>
+              <a:rPr lang="en-US" sz="1400" dirty="0">
+                <a:solidFill>
+                  <a:srgbClr val="000000"/>
+                </a:solidFill>
+                <a:highlight>
+                  <a:srgbClr val="FFFFFF"/>
+                </a:highlight>
+                <a:latin typeface="Courier New" panose="02070309020205020404" pitchFamily="49" charset="0"/>
+                <a:cs typeface="Courier New" panose="02070309020205020404" pitchFamily="49" charset="0"/>
+              </a:rPr>
+              <a:t>: </a:t>
+            </a:r>
+            <a:r>
+              <a:rPr lang="en-US" sz="1400" dirty="0" err="1">
+                <a:solidFill>
+                  <a:srgbClr val="2B91AF"/>
+                </a:solidFill>
+                <a:highlight>
+                  <a:srgbClr val="FFFFFF"/>
+                </a:highlight>
+                <a:latin typeface="Courier New" panose="02070309020205020404" pitchFamily="49" charset="0"/>
+                <a:cs typeface="Courier New" panose="02070309020205020404" pitchFamily="49" charset="0"/>
+              </a:rPr>
+              <a:t>CLSCompliant</a:t>
+            </a:r>
+            <a:r>
+              <a:rPr lang="en-US" sz="1400" dirty="0">
+                <a:solidFill>
+                  <a:srgbClr val="000000"/>
+                </a:solidFill>
+                <a:highlight>
+                  <a:srgbClr val="FFFFFF"/>
+                </a:highlight>
+                <a:latin typeface="Courier New" panose="02070309020205020404" pitchFamily="49" charset="0"/>
+                <a:cs typeface="Courier New" panose="02070309020205020404" pitchFamily="49" charset="0"/>
+              </a:rPr>
+              <a:t>(</a:t>
+            </a:r>
+            <a:r>
+              <a:rPr lang="en-US" sz="1400" dirty="0">
+                <a:solidFill>
+                  <a:srgbClr val="0000FF"/>
+                </a:solidFill>
+                <a:highlight>
+                  <a:srgbClr val="FFFFFF"/>
+                </a:highlight>
+                <a:latin typeface="Courier New" panose="02070309020205020404" pitchFamily="49" charset="0"/>
+                <a:cs typeface="Courier New" panose="02070309020205020404" pitchFamily="49" charset="0"/>
+              </a:rPr>
+              <a:t>true</a:t>
+            </a:r>
+            <a:r>
+              <a:rPr lang="en-US" sz="1400" dirty="0" smtClean="0">
+                <a:solidFill>
+                  <a:srgbClr val="000000"/>
+                </a:solidFill>
+                <a:highlight>
+                  <a:srgbClr val="FFFFFF"/>
+                </a:highlight>
+                <a:latin typeface="Courier New" panose="02070309020205020404" pitchFamily="49" charset="0"/>
+                <a:cs typeface="Courier New" panose="02070309020205020404" pitchFamily="49" charset="0"/>
+              </a:rPr>
+              <a:t>)]</a:t>
+            </a:r>
+            <a:endParaRPr lang="ru-RU" sz="1400" dirty="0" smtClean="0">
+              <a:latin typeface="Courier New" panose="02070309020205020404" pitchFamily="49" charset="0"/>
+              <a:cs typeface="Courier New" panose="02070309020205020404" pitchFamily="49" charset="0"/>
+            </a:endParaRPr>
+          </a:p>
+        </p:txBody>
+      </p:sp>
+    </p:spTree>
+    <p:extLst>
+      <p:ext uri="{BB962C8B-B14F-4D97-AF65-F5344CB8AC3E}">
+        <p14:creationId xmlns:p14="http://schemas.microsoft.com/office/powerpoint/2010/main" val="910520611"/>
+      </p:ext>
+    </p:extLst>
+  </p:cSld>
+  <p:clrMapOvr>
+    <a:masterClrMapping/>
+  </p:clrMapOvr>
+  <p:timing>
+    <p:tnLst>
+      <p:par>
+        <p:cTn id="1" dur="indefinite" restart="never" nodeType="tmRoot"/>
+      </p:par>
+    </p:tnLst>
+  </p:timing>
+</p:sld>
+</file>
+
+<file path=ppt/slides/slide31.xml><?xml version="1.0" encoding="utf-8"?>
+<p:sld xmlns:a="http://schemas.openxmlformats.org/drawingml/2006/main" xmlns:r="http://schemas.openxmlformats.org/officeDocument/2006/relationships" xmlns:p="http://schemas.openxmlformats.org/presentationml/2006/main">
+  <p:cSld>
+    <p:spTree>
+      <p:nvGrpSpPr>
+        <p:cNvPr id="1" name=""/>
+        <p:cNvGrpSpPr/>
+        <p:nvPr/>
+      </p:nvGrpSpPr>
+      <p:grpSpPr>
+        <a:xfrm>
+          <a:off x="0" y="0"/>
+          <a:ext cx="0" cy="0"/>
+          <a:chOff x="0" y="0"/>
+          <a:chExt cx="0" cy="0"/>
+        </a:xfrm>
+      </p:grpSpPr>
+      <p:sp>
+        <p:nvSpPr>
+          <p:cNvPr id="2" name="Title 1"/>
+          <p:cNvSpPr>
+            <a:spLocks noGrp="1"/>
+          </p:cNvSpPr>
+          <p:nvPr>
+            <p:ph type="title"/>
+          </p:nvPr>
+        </p:nvSpPr>
+        <p:spPr/>
+        <p:txBody>
+          <a:bodyPr/>
+          <a:lstStyle/>
+          <a:p>
+            <a:r>
               <a:rPr lang="ru-RU" dirty="0" smtClean="0"/>
               <a:t>Механизм </a:t>
             </a:r>
@@ -13138,6 +13459,13 @@
           <a:bodyPr/>
           <a:lstStyle/>
           <a:p>
+            <a:pPr marL="0" indent="0">
+              <a:buNone/>
+            </a:pPr>
+            <a:r>
+              <a:rPr lang="ru-RU" dirty="0" smtClean="0"/>
+              <a:t>Пространство имен </a:t>
+            </a:r>
             <a:r>
               <a:rPr lang="en-US" dirty="0" err="1" smtClean="0"/>
               <a:t>System.Reflection</a:t>
@@ -13156,10 +13484,17 @@
   <p:clrMapOvr>
     <a:masterClrMapping/>
   </p:clrMapOvr>
+  <p:timing>
+    <p:tnLst>
+      <p:par>
+        <p:cTn id="1" dur="indefinite" restart="never" nodeType="tmRoot"/>
+      </p:par>
+    </p:tnLst>
+  </p:timing>
 </p:sld>
 </file>
 
-<file path=ppt/slides/slide31.xml><?xml version="1.0" encoding="utf-8"?>
+<file path=ppt/slides/slide32.xml><?xml version="1.0" encoding="utf-8"?>
 <p:sld xmlns:a="http://schemas.openxmlformats.org/drawingml/2006/main" xmlns:r="http://schemas.openxmlformats.org/officeDocument/2006/relationships" xmlns:p="http://schemas.openxmlformats.org/presentationml/2006/main">
   <p:cSld>
     <p:spTree>
@@ -14030,7 +14365,7 @@
 </p:sld>
 </file>
 
-<file path=ppt/slides/slide32.xml><?xml version="1.0" encoding="utf-8"?>
+<file path=ppt/slides/slide33.xml><?xml version="1.0" encoding="utf-8"?>
 <p:sld xmlns:a="http://schemas.openxmlformats.org/drawingml/2006/main" xmlns:r="http://schemas.openxmlformats.org/officeDocument/2006/relationships" xmlns:p="http://schemas.openxmlformats.org/presentationml/2006/main">
   <p:cSld>
     <p:spTree>
@@ -14889,7 +15224,7 @@
 </p:sld>
 </file>
 
-<file path=ppt/slides/slide33.xml><?xml version="1.0" encoding="utf-8"?>
+<file path=ppt/slides/slide34.xml><?xml version="1.0" encoding="utf-8"?>
 <p:sld xmlns:a="http://schemas.openxmlformats.org/drawingml/2006/main" xmlns:r="http://schemas.openxmlformats.org/officeDocument/2006/relationships" xmlns:p="http://schemas.openxmlformats.org/presentationml/2006/main">
   <p:cSld>
     <p:spTree>
@@ -15543,7 +15878,7 @@
 </p:sld>
 </file>
 
-<file path=ppt/slides/slide34.xml><?xml version="1.0" encoding="utf-8"?>
+<file path=ppt/slides/slide35.xml><?xml version="1.0" encoding="utf-8"?>
 <p:sld xmlns:a="http://schemas.openxmlformats.org/drawingml/2006/main" xmlns:r="http://schemas.openxmlformats.org/officeDocument/2006/relationships" xmlns:p="http://schemas.openxmlformats.org/presentationml/2006/main">
   <p:cSld>
     <p:spTree>

--- a/Presentation/lesson-07-reflection.pptx
+++ b/Presentation/lesson-07-reflection.pptx
@@ -6,7 +6,7 @@
     <p:sldMasterId id="2147483663" r:id="rId2"/>
   </p:sldMasterIdLst>
   <p:notesMasterIdLst>
-    <p:notesMasterId r:id="rId38"/>
+    <p:notesMasterId r:id="rId39"/>
   </p:notesMasterIdLst>
   <p:sldIdLst>
     <p:sldId id="257" r:id="rId3"/>
@@ -23,27 +23,28 @@
     <p:sldId id="303" r:id="rId14"/>
     <p:sldId id="304" r:id="rId15"/>
     <p:sldId id="275" r:id="rId16"/>
-    <p:sldId id="273" r:id="rId17"/>
-    <p:sldId id="274" r:id="rId18"/>
-    <p:sldId id="276" r:id="rId19"/>
-    <p:sldId id="277" r:id="rId20"/>
-    <p:sldId id="280" r:id="rId21"/>
-    <p:sldId id="278" r:id="rId22"/>
-    <p:sldId id="279" r:id="rId23"/>
-    <p:sldId id="290" r:id="rId24"/>
-    <p:sldId id="281" r:id="rId25"/>
-    <p:sldId id="282" r:id="rId26"/>
-    <p:sldId id="292" r:id="rId27"/>
-    <p:sldId id="284" r:id="rId28"/>
-    <p:sldId id="262" r:id="rId29"/>
-    <p:sldId id="261" r:id="rId30"/>
-    <p:sldId id="300" r:id="rId31"/>
-    <p:sldId id="306" r:id="rId32"/>
-    <p:sldId id="299" r:id="rId33"/>
-    <p:sldId id="263" r:id="rId34"/>
-    <p:sldId id="264" r:id="rId35"/>
-    <p:sldId id="265" r:id="rId36"/>
-    <p:sldId id="271" r:id="rId37"/>
+    <p:sldId id="307" r:id="rId17"/>
+    <p:sldId id="273" r:id="rId18"/>
+    <p:sldId id="274" r:id="rId19"/>
+    <p:sldId id="276" r:id="rId20"/>
+    <p:sldId id="277" r:id="rId21"/>
+    <p:sldId id="280" r:id="rId22"/>
+    <p:sldId id="278" r:id="rId23"/>
+    <p:sldId id="279" r:id="rId24"/>
+    <p:sldId id="290" r:id="rId25"/>
+    <p:sldId id="281" r:id="rId26"/>
+    <p:sldId id="282" r:id="rId27"/>
+    <p:sldId id="292" r:id="rId28"/>
+    <p:sldId id="284" r:id="rId29"/>
+    <p:sldId id="262" r:id="rId30"/>
+    <p:sldId id="261" r:id="rId31"/>
+    <p:sldId id="300" r:id="rId32"/>
+    <p:sldId id="306" r:id="rId33"/>
+    <p:sldId id="299" r:id="rId34"/>
+    <p:sldId id="263" r:id="rId35"/>
+    <p:sldId id="264" r:id="rId36"/>
+    <p:sldId id="265" r:id="rId37"/>
+    <p:sldId id="271" r:id="rId38"/>
   </p:sldIdLst>
   <p:sldSz cx="9144000" cy="6858000" type="screen4x3"/>
   <p:notesSz cx="6858000" cy="9144000"/>
@@ -228,7 +229,7 @@
             <a:fld id="{B24A7054-7FFB-49F4-A126-5DF6E687FF53}" type="datetimeFigureOut">
               <a:rPr lang="ru-RU" smtClean="0"/>
               <a:pPr/>
-              <a:t>19.10.2013</a:t>
+              <a:t>22.10.2013</a:t>
             </a:fld>
             <a:endParaRPr lang="ru-RU"/>
           </a:p>
@@ -1512,7 +1513,7 @@
             <a:fld id="{8E6E6A2A-E9D3-4A0D-B04A-ABDD367A1E08}" type="datetimeFigureOut">
               <a:rPr lang="ru-RU" smtClean="0"/>
               <a:pPr/>
-              <a:t>19.10.2013</a:t>
+              <a:t>22.10.2013</a:t>
             </a:fld>
             <a:endParaRPr lang="ru-RU"/>
           </a:p>
@@ -1756,7 +1757,7 @@
             <a:fld id="{8E6E6A2A-E9D3-4A0D-B04A-ABDD367A1E08}" type="datetimeFigureOut">
               <a:rPr lang="ru-RU" smtClean="0"/>
               <a:pPr/>
-              <a:t>19.10.2013</a:t>
+              <a:t>22.10.2013</a:t>
             </a:fld>
             <a:endParaRPr lang="ru-RU"/>
           </a:p>
@@ -1928,7 +1929,7 @@
             <a:fld id="{8E6E6A2A-E9D3-4A0D-B04A-ABDD367A1E08}" type="datetimeFigureOut">
               <a:rPr lang="ru-RU" smtClean="0"/>
               <a:pPr/>
-              <a:t>19.10.2013</a:t>
+              <a:t>22.10.2013</a:t>
             </a:fld>
             <a:endParaRPr lang="ru-RU"/>
           </a:p>
@@ -2176,7 +2177,7 @@
             <a:fld id="{8E6E6A2A-E9D3-4A0D-B04A-ABDD367A1E08}" type="datetimeFigureOut">
               <a:rPr lang="ru-RU" smtClean="0"/>
               <a:pPr/>
-              <a:t>19.10.2013</a:t>
+              <a:t>22.10.2013</a:t>
             </a:fld>
             <a:endParaRPr lang="ru-RU"/>
           </a:p>
@@ -2466,7 +2467,7 @@
             <a:fld id="{8E6E6A2A-E9D3-4A0D-B04A-ABDD367A1E08}" type="datetimeFigureOut">
               <a:rPr lang="ru-RU" smtClean="0"/>
               <a:pPr/>
-              <a:t>19.10.2013</a:t>
+              <a:t>22.10.2013</a:t>
             </a:fld>
             <a:endParaRPr lang="ru-RU"/>
           </a:p>
@@ -2890,7 +2891,7 @@
             <a:fld id="{8E6E6A2A-E9D3-4A0D-B04A-ABDD367A1E08}" type="datetimeFigureOut">
               <a:rPr lang="ru-RU" smtClean="0"/>
               <a:pPr/>
-              <a:t>19.10.2013</a:t>
+              <a:t>22.10.2013</a:t>
             </a:fld>
             <a:endParaRPr lang="ru-RU"/>
           </a:p>
@@ -3219,7 +3220,7 @@
             <a:fld id="{8E6E6A2A-E9D3-4A0D-B04A-ABDD367A1E08}" type="datetimeFigureOut">
               <a:rPr lang="ru-RU" smtClean="0"/>
               <a:pPr/>
-              <a:t>19.10.2013</a:t>
+              <a:t>22.10.2013</a:t>
             </a:fld>
             <a:endParaRPr lang="ru-RU"/>
           </a:p>
@@ -3316,7 +3317,7 @@
             <a:fld id="{8E6E6A2A-E9D3-4A0D-B04A-ABDD367A1E08}" type="datetimeFigureOut">
               <a:rPr lang="ru-RU" smtClean="0"/>
               <a:pPr/>
-              <a:t>19.10.2013</a:t>
+              <a:t>22.10.2013</a:t>
             </a:fld>
             <a:endParaRPr lang="ru-RU"/>
           </a:p>
@@ -3595,7 +3596,7 @@
             <a:fld id="{8E6E6A2A-E9D3-4A0D-B04A-ABDD367A1E08}" type="datetimeFigureOut">
               <a:rPr lang="ru-RU" smtClean="0"/>
               <a:pPr/>
-              <a:t>19.10.2013</a:t>
+              <a:t>22.10.2013</a:t>
             </a:fld>
             <a:endParaRPr lang="ru-RU"/>
           </a:p>
@@ -3850,7 +3851,7 @@
             <a:fld id="{8E6E6A2A-E9D3-4A0D-B04A-ABDD367A1E08}" type="datetimeFigureOut">
               <a:rPr lang="ru-RU" smtClean="0"/>
               <a:pPr/>
-              <a:t>19.10.2013</a:t>
+              <a:t>22.10.2013</a:t>
             </a:fld>
             <a:endParaRPr lang="ru-RU"/>
           </a:p>
@@ -4022,7 +4023,7 @@
             <a:fld id="{8E6E6A2A-E9D3-4A0D-B04A-ABDD367A1E08}" type="datetimeFigureOut">
               <a:rPr lang="ru-RU" smtClean="0"/>
               <a:pPr/>
-              <a:t>19.10.2013</a:t>
+              <a:t>22.10.2013</a:t>
             </a:fld>
             <a:endParaRPr lang="ru-RU"/>
           </a:p>
@@ -4204,7 +4205,7 @@
             <a:fld id="{8E6E6A2A-E9D3-4A0D-B04A-ABDD367A1E08}" type="datetimeFigureOut">
               <a:rPr lang="ru-RU" smtClean="0"/>
               <a:pPr/>
-              <a:t>19.10.2013</a:t>
+              <a:t>22.10.2013</a:t>
             </a:fld>
             <a:endParaRPr lang="ru-RU"/>
           </a:p>
@@ -5442,7 +5443,7 @@
             <a:fld id="{AC3D3127-B7C4-45E3-9797-C527EC9FDD78}" type="datetimeFigureOut">
               <a:rPr lang="ru-RU" smtClean="0"/>
               <a:pPr/>
-              <a:t>19.10.2013</a:t>
+              <a:t>22.10.2013</a:t>
             </a:fld>
             <a:endParaRPr lang="ru-RU"/>
           </a:p>
@@ -5964,7 +5965,7 @@
             <a:fld id="{8E6E6A2A-E9D3-4A0D-B04A-ABDD367A1E08}" type="datetimeFigureOut">
               <a:rPr lang="ru-RU" smtClean="0"/>
               <a:pPr/>
-              <a:t>19.10.2013</a:t>
+              <a:t>22.10.2013</a:t>
             </a:fld>
             <a:endParaRPr lang="ru-RU"/>
           </a:p>
@@ -7735,8 +7736,8 @@
         </p:nvSpPr>
         <p:spPr>
           <a:xfrm>
-            <a:off x="611560" y="692696"/>
-            <a:ext cx="7992888" cy="1908215"/>
+            <a:off x="611560" y="761797"/>
+            <a:ext cx="7992888" cy="2739211"/>
           </a:xfrm>
           <a:prstGeom prst="rect">
             <a:avLst/>
@@ -7787,92 +7788,44 @@
               <a:buChar char="•"/>
             </a:pPr>
             <a:r>
+              <a:rPr lang="en-US" dirty="0">
+                <a:solidFill>
+                  <a:schemeClr val="bg1"/>
+                </a:solidFill>
+              </a:rPr>
+              <a:t>IL </a:t>
+            </a:r>
+            <a:r>
+              <a:rPr lang="en-US" dirty="0" err="1">
+                <a:solidFill>
+                  <a:schemeClr val="bg1"/>
+                </a:solidFill>
+              </a:rPr>
+              <a:t>Dasm</a:t>
+            </a:r>
+            <a:r>
+              <a:rPr lang="en-US" dirty="0">
+                <a:solidFill>
+                  <a:schemeClr val="bg1"/>
+                </a:solidFill>
+              </a:rPr>
+              <a:t> – </a:t>
+            </a:r>
+            <a:r>
+              <a:rPr lang="ru-RU" dirty="0">
+                <a:solidFill>
+                  <a:schemeClr val="bg1"/>
+                </a:solidFill>
+              </a:rPr>
+              <a:t>часть </a:t>
+            </a:r>
+            <a:r>
               <a:rPr lang="en-US" dirty="0" smtClean="0">
                 <a:solidFill>
                   <a:schemeClr val="bg1"/>
                 </a:solidFill>
               </a:rPr>
-              <a:t>IL </a:t>
-            </a:r>
-            <a:r>
-              <a:rPr lang="en-US" dirty="0" err="1" smtClean="0">
-                <a:solidFill>
-                  <a:schemeClr val="bg1"/>
-                </a:solidFill>
-              </a:rPr>
-              <a:t>Dasm</a:t>
-            </a:r>
-            <a:r>
-              <a:rPr lang="en-US" dirty="0" smtClean="0">
-                <a:solidFill>
-                  <a:schemeClr val="bg1"/>
-                </a:solidFill>
-              </a:rPr>
-              <a:t> – </a:t>
-            </a:r>
-            <a:r>
-              <a:rPr lang="ru-RU" dirty="0" smtClean="0">
-                <a:solidFill>
-                  <a:schemeClr val="bg1"/>
-                </a:solidFill>
-              </a:rPr>
-              <a:t>часть </a:t>
-            </a:r>
-            <a:r>
-              <a:rPr lang="en-US" dirty="0" smtClean="0">
-                <a:solidFill>
-                  <a:schemeClr val="bg1"/>
-                </a:solidFill>
-              </a:rPr>
-              <a:t>SDK</a:t>
-            </a:r>
-          </a:p>
-          <a:p>
-            <a:pPr marL="285750" indent="-285750">
-              <a:buFont typeface="Arial" pitchFamily="34" charset="0"/>
-              <a:buChar char="•"/>
-            </a:pPr>
-            <a:r>
-              <a:rPr lang="en-US" dirty="0" err="1" smtClean="0">
-                <a:solidFill>
-                  <a:schemeClr val="bg1"/>
-                </a:solidFill>
-              </a:rPr>
-              <a:t>DotPeek</a:t>
-            </a:r>
-            <a:r>
-              <a:rPr lang="en-US" dirty="0" smtClean="0">
-                <a:solidFill>
-                  <a:schemeClr val="bg1"/>
-                </a:solidFill>
-              </a:rPr>
-              <a:t> </a:t>
-            </a:r>
-            <a:r>
-              <a:rPr lang="en-US" dirty="0">
-                <a:solidFill>
-                  <a:schemeClr val="bg1"/>
-                </a:solidFill>
-              </a:rPr>
-              <a:t>- </a:t>
-            </a:r>
-            <a:r>
-              <a:rPr lang="en-US" dirty="0">
-                <a:solidFill>
-                  <a:schemeClr val="bg1"/>
-                </a:solidFill>
-                <a:hlinkClick r:id="rId2"/>
-              </a:rPr>
-              <a:t>http://www.jetbrains.com/decompiler</a:t>
-            </a:r>
-            <a:r>
-              <a:rPr lang="en-US" dirty="0" smtClean="0">
-                <a:solidFill>
-                  <a:schemeClr val="bg1"/>
-                </a:solidFill>
-                <a:hlinkClick r:id="rId2"/>
-              </a:rPr>
-              <a:t>/</a:t>
+              <a:t>Windows SDK</a:t>
             </a:r>
             <a:endParaRPr lang="en-US" dirty="0" smtClean="0">
               <a:solidFill>
@@ -7891,7 +7844,24 @@
                   <a:schemeClr val="bg1"/>
                 </a:solidFill>
               </a:rPr>
-              <a:t>ReSharper</a:t>
+              <a:t>DotPeek</a:t>
+            </a:r>
+            <a:r>
+              <a:rPr lang="en-US" dirty="0" smtClean="0">
+                <a:solidFill>
+                  <a:schemeClr val="bg1"/>
+                </a:solidFill>
+              </a:rPr>
+              <a:t> - </a:t>
+            </a:r>
+            <a:r>
+              <a:rPr lang="en-US" dirty="0" smtClean="0">
+                <a:solidFill>
+                  <a:schemeClr val="bg1"/>
+                </a:solidFill>
+                <a:hlinkClick r:id="rId2"/>
+              </a:rPr>
+              <a:t>www.jetbrains.com/decompiler</a:t>
             </a:r>
             <a:endParaRPr lang="en-US" dirty="0" smtClean="0">
               <a:solidFill>
@@ -7905,12 +7875,104 @@
               <a:buChar char="•"/>
             </a:pPr>
             <a:r>
+              <a:rPr lang="en-US" dirty="0" smtClean="0">
+                <a:solidFill>
+                  <a:schemeClr val="bg1"/>
+                </a:solidFill>
+              </a:rPr>
+              <a:t>ReSharper - </a:t>
+            </a:r>
+            <a:r>
+              <a:rPr lang="en-US" dirty="0" smtClean="0">
+                <a:solidFill>
+                  <a:schemeClr val="bg1"/>
+                </a:solidFill>
+                <a:hlinkClick r:id="rId3"/>
+              </a:rPr>
+              <a:t>www.jetbrains.com/resharper</a:t>
+            </a:r>
+            <a:endParaRPr lang="en-US" dirty="0" smtClean="0">
+              <a:solidFill>
+                <a:schemeClr val="bg1"/>
+              </a:solidFill>
+            </a:endParaRPr>
+          </a:p>
+          <a:p>
+            <a:pPr marL="285750" indent="-285750">
+              <a:buFont typeface="Arial" pitchFamily="34" charset="0"/>
+              <a:buChar char="•"/>
+            </a:pPr>
+            <a:r>
+              <a:rPr lang="en-US" dirty="0" smtClean="0">
+                <a:solidFill>
+                  <a:schemeClr val="bg1"/>
+                </a:solidFill>
+              </a:rPr>
+              <a:t>Just </a:t>
+            </a:r>
+            <a:r>
+              <a:rPr lang="en-US" dirty="0">
+                <a:solidFill>
+                  <a:schemeClr val="bg1"/>
+                </a:solidFill>
+              </a:rPr>
+              <a:t>Decompile - </a:t>
+            </a:r>
+            <a:r>
+              <a:rPr lang="en-US" dirty="0" smtClean="0">
+                <a:solidFill>
+                  <a:schemeClr val="bg1"/>
+                </a:solidFill>
+                <a:hlinkClick r:id="rId4"/>
+              </a:rPr>
+              <a:t>www.telerik.com/products/decompiler.aspx</a:t>
+            </a:r>
+            <a:endParaRPr lang="en-US" dirty="0" smtClean="0">
+              <a:solidFill>
+                <a:schemeClr val="bg1"/>
+              </a:solidFill>
+            </a:endParaRPr>
+          </a:p>
+          <a:p>
+            <a:pPr marL="285750" indent="-285750">
+              <a:buFont typeface="Arial" pitchFamily="34" charset="0"/>
+              <a:buChar char="•"/>
+            </a:pPr>
+            <a:r>
+              <a:rPr lang="en-US" dirty="0">
+                <a:solidFill>
+                  <a:schemeClr val="bg1"/>
+                </a:solidFill>
+              </a:rPr>
+              <a:t>.NET Reflector - </a:t>
+            </a:r>
+            <a:r>
+              <a:rPr lang="en-US" dirty="0" smtClean="0">
+                <a:solidFill>
+                  <a:schemeClr val="bg1"/>
+                </a:solidFill>
+                <a:hlinkClick r:id="rId5"/>
+              </a:rPr>
+              <a:t>www.red-gate.com/products/dotnet-development/reflector/</a:t>
+            </a:r>
+            <a:endParaRPr lang="en-US" dirty="0" smtClean="0">
+              <a:solidFill>
+                <a:schemeClr val="bg1"/>
+              </a:solidFill>
+            </a:endParaRPr>
+          </a:p>
+          <a:p>
+            <a:pPr marL="285750" indent="-285750">
+              <a:buFont typeface="Arial" pitchFamily="34" charset="0"/>
+              <a:buChar char="•"/>
+            </a:pPr>
+            <a:r>
               <a:rPr lang="en-US" dirty="0" err="1" smtClean="0">
                 <a:solidFill>
                   <a:schemeClr val="bg1"/>
                 </a:solidFill>
               </a:rPr>
-              <a:t>Telerik</a:t>
+              <a:t>ILSpy</a:t>
             </a:r>
             <a:r>
               <a:rPr lang="en-US" dirty="0" smtClean="0">
@@ -7918,8 +7980,28 @@
                   <a:schemeClr val="bg1"/>
                 </a:solidFill>
               </a:rPr>
-              <a:t> Just Decompile</a:t>
-            </a:r>
+              <a:t> - </a:t>
+            </a:r>
+            <a:r>
+              <a:rPr lang="en-US" dirty="0" smtClean="0">
+                <a:solidFill>
+                  <a:schemeClr val="bg1"/>
+                </a:solidFill>
+                <a:hlinkClick r:id="rId6"/>
+              </a:rPr>
+              <a:t>ilspy.net</a:t>
+            </a:r>
+            <a:endParaRPr lang="en-US" dirty="0" smtClean="0">
+              <a:solidFill>
+                <a:schemeClr val="bg1"/>
+              </a:solidFill>
+            </a:endParaRPr>
+          </a:p>
+          <a:p>
+            <a:pPr marL="285750" indent="-285750">
+              <a:buFont typeface="Arial" pitchFamily="34" charset="0"/>
+              <a:buChar char="•"/>
+            </a:pPr>
             <a:endParaRPr lang="en-US" dirty="0">
               <a:solidFill>
                 <a:schemeClr val="bg1"/>
@@ -8061,9 +8143,13 @@
           <a:p>
             <a:r>
               <a:rPr lang="ru-RU" dirty="0" smtClean="0"/>
-              <a:t>Многофайловые сборки</a:t>
-            </a:r>
-            <a:endParaRPr lang="ru-RU" dirty="0"/>
+              <a:t>Модификатор доступа </a:t>
+            </a:r>
+            <a:r>
+              <a:rPr lang="en-US" dirty="0" smtClean="0"/>
+              <a:t>internal</a:t>
+            </a:r>
+            <a:endParaRPr lang="en-US" dirty="0"/>
           </a:p>
         </p:txBody>
       </p:sp>
@@ -8080,93 +8166,58 @@
         <p:spPr/>
         <p:txBody>
           <a:bodyPr>
-            <a:normAutofit/>
+            <a:normAutofit lnSpcReduction="10000"/>
           </a:bodyPr>
           <a:lstStyle/>
           <a:p>
+            <a:pPr marL="0" indent="0">
+              <a:buNone/>
+            </a:pPr>
             <a:r>
               <a:rPr lang="ru-RU" dirty="0" smtClean="0"/>
-              <a:t>Позволяют распределять </a:t>
-            </a:r>
-            <a:r>
-              <a:rPr lang="ru-RU" dirty="0"/>
-              <a:t>типы по разным </a:t>
+              <a:t>Типы объявленные как </a:t>
+            </a:r>
+            <a:r>
+              <a:rPr lang="en-US" dirty="0" smtClean="0"/>
+              <a:t>internal </a:t>
             </a:r>
             <a:r>
               <a:rPr lang="ru-RU" dirty="0" smtClean="0"/>
-              <a:t>файлам</a:t>
-            </a:r>
-          </a:p>
-          <a:p>
-            <a:r>
-              <a:rPr lang="ru-RU" dirty="0"/>
-              <a:t>Позволяют д</a:t>
-            </a:r>
+              <a:t>будут недоступны за пределами сборки где они объявлены. Это дает возможность создавать общие типы которые используются внутри нашей библиотеки, но не могут быть использованы за её пределами.</a:t>
+            </a:r>
+          </a:p>
+          <a:p>
+            <a:pPr marL="0" indent="0">
+              <a:buNone/>
+            </a:pPr>
+            <a:endParaRPr lang="ru-RU" dirty="0"/>
+          </a:p>
+          <a:p>
+            <a:pPr marL="0" indent="0">
+              <a:buNone/>
+            </a:pPr>
             <a:r>
               <a:rPr lang="ru-RU" dirty="0" smtClean="0"/>
-              <a:t>обавлять </a:t>
-            </a:r>
-            <a:r>
-              <a:rPr lang="ru-RU" dirty="0"/>
-              <a:t>к сборке файлы с ресурсами и </a:t>
-            </a:r>
-            <a:r>
-              <a:rPr lang="ru-RU" dirty="0" smtClean="0"/>
-              <a:t>данными</a:t>
-            </a:r>
-          </a:p>
-          <a:p>
-            <a:r>
-              <a:rPr lang="ru-RU" dirty="0"/>
-              <a:t>Позволяют с</a:t>
-            </a:r>
-            <a:r>
-              <a:rPr lang="ru-RU" dirty="0" smtClean="0"/>
-              <a:t>оздавать </a:t>
-            </a:r>
-            <a:r>
-              <a:rPr lang="ru-RU" dirty="0"/>
-              <a:t>сборки, состоящие из типов, написанных на разных языках </a:t>
+              <a:t>Если у класса не указан модификатор доступа, то по умолчанию используется </a:t>
             </a:r>
             <a:r>
               <a:rPr lang="en-US" dirty="0" smtClean="0"/>
-              <a:t>	</a:t>
-            </a:r>
-            <a:r>
-              <a:rPr lang="ru-RU" dirty="0" smtClean="0"/>
-              <a:t>программирования</a:t>
-            </a:r>
-          </a:p>
-          <a:p>
-            <a:r>
-              <a:rPr lang="ru-RU" dirty="0" smtClean="0"/>
-              <a:t>Создаются с помощью утилиты </a:t>
-            </a:r>
-            <a:r>
-              <a:rPr lang="en-US" dirty="0" smtClean="0"/>
-              <a:t>AL.exe</a:t>
-            </a:r>
-            <a:endParaRPr lang="ru-RU" dirty="0"/>
+              <a:t>internal.</a:t>
+            </a:r>
+            <a:endParaRPr lang="en-US" dirty="0"/>
           </a:p>
         </p:txBody>
       </p:sp>
     </p:spTree>
     <p:extLst>
       <p:ext uri="{BB962C8B-B14F-4D97-AF65-F5344CB8AC3E}">
-        <p14:creationId xmlns:p14="http://schemas.microsoft.com/office/powerpoint/2010/main" val="2692656914"/>
+        <p14:creationId xmlns:p14="http://schemas.microsoft.com/office/powerpoint/2010/main" val="1968121537"/>
       </p:ext>
     </p:extLst>
   </p:cSld>
   <p:clrMapOvr>
     <a:masterClrMapping/>
   </p:clrMapOvr>
-  <p:timing>
-    <p:tnLst>
-      <p:par>
-        <p:cTn id="1" dur="indefinite" restart="never" nodeType="tmRoot"/>
-      </p:par>
-    </p:tnLst>
-  </p:timing>
 </p:sld>
 </file>
 
@@ -8197,28 +8248,97 @@
             <p:ph type="title"/>
           </p:nvPr>
         </p:nvSpPr>
-        <p:spPr>
-          <a:xfrm>
-            <a:off x="457200" y="2857500"/>
-            <a:ext cx="8229600" cy="1143000"/>
-          </a:xfrm>
-        </p:spPr>
+        <p:spPr/>
+        <p:txBody>
+          <a:bodyPr/>
+          <a:lstStyle/>
+          <a:p>
+            <a:r>
+              <a:rPr lang="ru-RU" dirty="0" smtClean="0"/>
+              <a:t>Многофайловые сборки</a:t>
+            </a:r>
+            <a:endParaRPr lang="ru-RU" dirty="0"/>
+          </a:p>
+        </p:txBody>
+      </p:sp>
+      <p:sp>
+        <p:nvSpPr>
+          <p:cNvPr id="3" name="Content Placeholder 2"/>
+          <p:cNvSpPr>
+            <a:spLocks noGrp="1"/>
+          </p:cNvSpPr>
+          <p:nvPr>
+            <p:ph idx="1"/>
+          </p:nvPr>
+        </p:nvSpPr>
+        <p:spPr/>
         <p:txBody>
           <a:bodyPr>
-            <a:normAutofit fontScale="90000"/>
+            <a:normAutofit/>
           </a:bodyPr>
           <a:lstStyle/>
           <a:p>
             <a:r>
               <a:rPr lang="ru-RU" dirty="0" smtClean="0"/>
-              <a:t>Многофайловые сборки</a:t>
-            </a:r>
-            <a:br>
+              <a:t>Позволяют распределять </a:t>
+            </a:r>
+            <a:r>
+              <a:rPr lang="ru-RU" dirty="0"/>
+              <a:t>типы по разным </a:t>
+            </a:r>
+            <a:r>
               <a:rPr lang="ru-RU" dirty="0" smtClean="0"/>
-            </a:br>
+              <a:t>файлам</a:t>
+            </a:r>
+          </a:p>
+          <a:p>
+            <a:r>
+              <a:rPr lang="ru-RU" dirty="0"/>
+              <a:t>Позволяют д</a:t>
+            </a:r>
             <a:r>
               <a:rPr lang="ru-RU" dirty="0" smtClean="0"/>
-              <a:t>Демонстрация</a:t>
+              <a:t>обавлять </a:t>
+            </a:r>
+            <a:r>
+              <a:rPr lang="ru-RU" dirty="0"/>
+              <a:t>к сборке файлы с ресурсами и </a:t>
+            </a:r>
+            <a:r>
+              <a:rPr lang="ru-RU" dirty="0" smtClean="0"/>
+              <a:t>данными</a:t>
+            </a:r>
+          </a:p>
+          <a:p>
+            <a:r>
+              <a:rPr lang="ru-RU" dirty="0"/>
+              <a:t>Позволяют с</a:t>
+            </a:r>
+            <a:r>
+              <a:rPr lang="ru-RU" dirty="0" smtClean="0"/>
+              <a:t>оздавать </a:t>
+            </a:r>
+            <a:r>
+              <a:rPr lang="ru-RU" dirty="0"/>
+              <a:t>сборки, состоящие из типов, написанных на разных языках </a:t>
+            </a:r>
+            <a:r>
+              <a:rPr lang="en-US" dirty="0" smtClean="0"/>
+              <a:t>	</a:t>
+            </a:r>
+            <a:r>
+              <a:rPr lang="ru-RU" dirty="0" smtClean="0"/>
+              <a:t>программирования</a:t>
+            </a:r>
+          </a:p>
+          <a:p>
+            <a:r>
+              <a:rPr lang="ru-RU" dirty="0" smtClean="0"/>
+              <a:t>Создаются с помощью утилиты </a:t>
+            </a:r>
+            <a:r>
+              <a:rPr lang="en-US" dirty="0" smtClean="0"/>
+              <a:t>AL.exe</a:t>
             </a:r>
             <a:endParaRPr lang="ru-RU" dirty="0"/>
           </a:p>
@@ -8227,7 +8347,7 @@
     </p:spTree>
     <p:extLst>
       <p:ext uri="{BB962C8B-B14F-4D97-AF65-F5344CB8AC3E}">
-        <p14:creationId xmlns:p14="http://schemas.microsoft.com/office/powerpoint/2010/main" val="278552390"/>
+        <p14:creationId xmlns:p14="http://schemas.microsoft.com/office/powerpoint/2010/main" val="2692656914"/>
       </p:ext>
     </p:extLst>
   </p:cSld>
@@ -8271,98 +8391,28 @@
             <p:ph type="title"/>
           </p:nvPr>
         </p:nvSpPr>
-        <p:spPr/>
+        <p:spPr>
+          <a:xfrm>
+            <a:off x="457200" y="2857500"/>
+            <a:ext cx="8229600" cy="1143000"/>
+          </a:xfrm>
+        </p:spPr>
         <p:txBody>
-          <a:bodyPr/>
+          <a:bodyPr>
+            <a:normAutofit fontScale="90000"/>
+          </a:bodyPr>
           <a:lstStyle/>
           <a:p>
             <a:r>
-              <a:rPr lang="ru-RU" dirty="0"/>
-              <a:t>Добавление сборок к проекту</a:t>
-            </a:r>
-          </a:p>
-        </p:txBody>
-      </p:sp>
-      <p:sp>
-        <p:nvSpPr>
-          <p:cNvPr id="3" name="Content Placeholder 2"/>
-          <p:cNvSpPr>
-            <a:spLocks noGrp="1"/>
-          </p:cNvSpPr>
-          <p:nvPr>
-            <p:ph idx="1"/>
-          </p:nvPr>
-        </p:nvSpPr>
-        <p:spPr/>
-        <p:txBody>
-          <a:bodyPr/>
-          <a:lstStyle/>
-          <a:p>
-            <a:r>
               <a:rPr lang="ru-RU" dirty="0" smtClean="0"/>
-              <a:t>Из меню </a:t>
-            </a:r>
-            <a:r>
-              <a:rPr lang="en-US" dirty="0" smtClean="0"/>
-              <a:t>Project -&gt; Add Reference</a:t>
-            </a:r>
-            <a:r>
+              <a:t>Многофайловые сборки</a:t>
+            </a:r>
+            <a:br>
               <a:rPr lang="ru-RU" dirty="0" smtClean="0"/>
-              <a:t> ...</a:t>
-            </a:r>
-            <a:endParaRPr lang="en-US" dirty="0" smtClean="0"/>
-          </a:p>
-          <a:p>
+            </a:br>
             <a:r>
               <a:rPr lang="ru-RU" dirty="0" smtClean="0"/>
-              <a:t>В </a:t>
-            </a:r>
-            <a:r>
-              <a:rPr lang="en-US" dirty="0" smtClean="0"/>
-              <a:t>Solution Explorer, </a:t>
-            </a:r>
-            <a:r>
-              <a:rPr lang="ru-RU" dirty="0" smtClean="0"/>
-              <a:t>найти узел </a:t>
-            </a:r>
-            <a:r>
-              <a:rPr lang="en-US" dirty="0" smtClean="0"/>
-              <a:t>References </a:t>
-            </a:r>
-            <a:r>
-              <a:rPr lang="ru-RU" dirty="0" smtClean="0"/>
-              <a:t>нужного проекта</a:t>
-            </a:r>
-            <a:r>
-              <a:rPr lang="en-US" dirty="0" smtClean="0"/>
-              <a:t>,</a:t>
-            </a:r>
-            <a:r>
-              <a:rPr lang="ru-RU" dirty="0" smtClean="0"/>
-              <a:t> вызвать контестное меню и выбрать </a:t>
-            </a:r>
-            <a:r>
-              <a:rPr lang="en-US" dirty="0"/>
-              <a:t>Add Reference</a:t>
-            </a:r>
-            <a:r>
-              <a:rPr lang="ru-RU" dirty="0"/>
-              <a:t> </a:t>
-            </a:r>
-            <a:r>
-              <a:rPr lang="ru-RU" dirty="0" smtClean="0"/>
-              <a:t>...</a:t>
-            </a:r>
-            <a:endParaRPr lang="en-US" dirty="0" smtClean="0"/>
-          </a:p>
-          <a:p>
-            <a:r>
-              <a:rPr lang="ru-RU" dirty="0" smtClean="0"/>
-              <a:t>С помощью </a:t>
-            </a:r>
-            <a:r>
-              <a:rPr lang="en-US" dirty="0" err="1" smtClean="0"/>
-              <a:t>NuGet</a:t>
+              <a:t>Демонстрация</a:t>
             </a:r>
             <a:endParaRPr lang="ru-RU" dirty="0"/>
           </a:p>
@@ -8371,7 +8421,7 @@
     </p:spTree>
     <p:extLst>
       <p:ext uri="{BB962C8B-B14F-4D97-AF65-F5344CB8AC3E}">
-        <p14:creationId xmlns:p14="http://schemas.microsoft.com/office/powerpoint/2010/main" val="210700532"/>
+        <p14:creationId xmlns:p14="http://schemas.microsoft.com/office/powerpoint/2010/main" val="278552390"/>
       </p:ext>
     </p:extLst>
   </p:cSld>
@@ -8417,16 +8467,13 @@
         </p:nvSpPr>
         <p:spPr/>
         <p:txBody>
-          <a:bodyPr>
-            <a:normAutofit/>
-          </a:bodyPr>
+          <a:bodyPr/>
           <a:lstStyle/>
           <a:p>
             <a:r>
-              <a:rPr lang="ru-RU" dirty="0" smtClean="0"/>
-              <a:t>Номер версии сборки</a:t>
-            </a:r>
-            <a:endParaRPr lang="ru-RU" dirty="0"/>
+              <a:rPr lang="ru-RU" dirty="0"/>
+              <a:t>Добавление сборок к проекту</a:t>
+            </a:r>
           </a:p>
         </p:txBody>
       </p:sp>
@@ -8446,62 +8493,70 @@
           <a:lstStyle/>
           <a:p>
             <a:r>
+              <a:rPr lang="ru-RU" dirty="0" smtClean="0"/>
+              <a:t>Из меню </a:t>
+            </a:r>
+            <a:r>
               <a:rPr lang="en-US" dirty="0" smtClean="0"/>
-              <a:t>[assembly: </a:t>
+              <a:t>Project -&gt; Add Reference</a:t>
+            </a:r>
+            <a:r>
+              <a:rPr lang="ru-RU" dirty="0" smtClean="0"/>
+              <a:t> ...</a:t>
+            </a:r>
+            <a:endParaRPr lang="en-US" dirty="0" smtClean="0"/>
+          </a:p>
+          <a:p>
+            <a:r>
+              <a:rPr lang="ru-RU" dirty="0" smtClean="0"/>
+              <a:t>В </a:t>
+            </a:r>
+            <a:r>
+              <a:rPr lang="en-US" dirty="0" smtClean="0"/>
+              <a:t>Solution Explorer, </a:t>
+            </a:r>
+            <a:r>
+              <a:rPr lang="ru-RU" dirty="0" smtClean="0"/>
+              <a:t>найти узел </a:t>
+            </a:r>
+            <a:r>
+              <a:rPr lang="en-US" dirty="0" smtClean="0"/>
+              <a:t>References </a:t>
+            </a:r>
+            <a:r>
+              <a:rPr lang="ru-RU" dirty="0" smtClean="0"/>
+              <a:t>нужного проекта</a:t>
+            </a:r>
+            <a:r>
+              <a:rPr lang="en-US" dirty="0" smtClean="0"/>
+              <a:t>,</a:t>
+            </a:r>
+            <a:r>
+              <a:rPr lang="ru-RU" dirty="0" smtClean="0"/>
+              <a:t> вызвать контестное меню и выбрать </a:t>
+            </a:r>
+            <a:r>
+              <a:rPr lang="en-US" dirty="0"/>
+              <a:t>Add Reference</a:t>
+            </a:r>
+            <a:r>
+              <a:rPr lang="ru-RU" dirty="0"/>
+              <a:t> </a:t>
+            </a:r>
+            <a:r>
+              <a:rPr lang="ru-RU" dirty="0" smtClean="0"/>
+              <a:t>...</a:t>
+            </a:r>
+            <a:endParaRPr lang="en-US" dirty="0" smtClean="0"/>
+          </a:p>
+          <a:p>
+            <a:r>
+              <a:rPr lang="ru-RU" dirty="0" smtClean="0"/>
+              <a:t>С помощью </a:t>
             </a:r>
             <a:r>
               <a:rPr lang="en-US" dirty="0" err="1" smtClean="0"/>
-              <a:t>AssemblyVersion</a:t>
-            </a:r>
-            <a:r>
-              <a:rPr lang="en-US" dirty="0" smtClean="0"/>
-              <a:t>(“1.2.3.4”)]</a:t>
-            </a:r>
-          </a:p>
-          <a:p>
-            <a:r>
-              <a:rPr lang="en-US" dirty="0" err="1" smtClean="0"/>
-              <a:t>major.minor.build.revision</a:t>
-            </a:r>
-            <a:endParaRPr lang="ru-RU" dirty="0" smtClean="0"/>
-          </a:p>
-          <a:p>
-            <a:pPr lvl="1"/>
-            <a:r>
-              <a:rPr lang="ru-RU" dirty="0" smtClean="0"/>
-              <a:t>Старший номер</a:t>
-            </a:r>
-          </a:p>
-          <a:p>
-            <a:pPr lvl="1"/>
-            <a:r>
-              <a:rPr lang="ru-RU" dirty="0" smtClean="0"/>
-              <a:t>Младший номер</a:t>
-            </a:r>
-          </a:p>
-          <a:p>
-            <a:pPr lvl="1"/>
-            <a:r>
-              <a:rPr lang="ru-RU" dirty="0" smtClean="0"/>
-              <a:t>Номер билда</a:t>
-            </a:r>
-          </a:p>
-          <a:p>
-            <a:pPr lvl="1"/>
-            <a:r>
-              <a:rPr lang="ru-RU" dirty="0" smtClean="0"/>
-              <a:t>Номер ревизии</a:t>
-            </a:r>
-            <a:endParaRPr lang="en-US" dirty="0" smtClean="0"/>
-          </a:p>
-          <a:p>
-            <a:r>
-              <a:rPr lang="ru-RU" dirty="0" smtClean="0"/>
-              <a:t>Задается в </a:t>
-            </a:r>
-            <a:r>
-              <a:rPr lang="en-US" dirty="0" err="1" smtClean="0"/>
-              <a:t>AssemblyInfo.cs</a:t>
+              <a:t>NuGet</a:t>
             </a:r>
             <a:endParaRPr lang="ru-RU" dirty="0"/>
           </a:p>
@@ -8510,7 +8565,7 @@
     </p:spTree>
     <p:extLst>
       <p:ext uri="{BB962C8B-B14F-4D97-AF65-F5344CB8AC3E}">
-        <p14:creationId xmlns:p14="http://schemas.microsoft.com/office/powerpoint/2010/main" val="746042412"/>
+        <p14:creationId xmlns:p14="http://schemas.microsoft.com/office/powerpoint/2010/main" val="210700532"/>
       </p:ext>
     </p:extLst>
   </p:cSld>
@@ -8556,12 +8611,14 @@
         </p:nvSpPr>
         <p:spPr/>
         <p:txBody>
-          <a:bodyPr/>
+          <a:bodyPr>
+            <a:normAutofit/>
+          </a:bodyPr>
           <a:lstStyle/>
           <a:p>
             <a:r>
               <a:rPr lang="ru-RU" dirty="0" smtClean="0"/>
-              <a:t>Типы развертывания</a:t>
+              <a:t>Номер версии сборки</a:t>
             </a:r>
             <a:endParaRPr lang="ru-RU" dirty="0"/>
           </a:p>
@@ -8583,14 +8640,62 @@
           <a:lstStyle/>
           <a:p>
             <a:r>
+              <a:rPr lang="en-US" dirty="0" smtClean="0"/>
+              <a:t>[assembly: </a:t>
+            </a:r>
+            <a:r>
+              <a:rPr lang="en-US" dirty="0" err="1" smtClean="0"/>
+              <a:t>AssemblyVersion</a:t>
+            </a:r>
+            <a:r>
+              <a:rPr lang="en-US" dirty="0" smtClean="0"/>
+              <a:t>(“1.2.3.4”)]</a:t>
+            </a:r>
+          </a:p>
+          <a:p>
+            <a:r>
+              <a:rPr lang="en-US" dirty="0" err="1" smtClean="0"/>
+              <a:t>major.minor.build.revision</a:t>
+            </a:r>
+            <a:endParaRPr lang="ru-RU" dirty="0" smtClean="0"/>
+          </a:p>
+          <a:p>
+            <a:pPr lvl="1"/>
+            <a:r>
               <a:rPr lang="ru-RU" dirty="0" smtClean="0"/>
-              <a:t>Закрытое</a:t>
-            </a:r>
-          </a:p>
-          <a:p>
+              <a:t>Старший номер</a:t>
+            </a:r>
+          </a:p>
+          <a:p>
+            <a:pPr lvl="1"/>
             <a:r>
               <a:rPr lang="ru-RU" dirty="0" smtClean="0"/>
-              <a:t>Совместное</a:t>
+              <a:t>Младший номер</a:t>
+            </a:r>
+          </a:p>
+          <a:p>
+            <a:pPr lvl="1"/>
+            <a:r>
+              <a:rPr lang="ru-RU" dirty="0" smtClean="0"/>
+              <a:t>Номер билда</a:t>
+            </a:r>
+          </a:p>
+          <a:p>
+            <a:pPr lvl="1"/>
+            <a:r>
+              <a:rPr lang="ru-RU" dirty="0" smtClean="0"/>
+              <a:t>Номер ревизии</a:t>
+            </a:r>
+            <a:endParaRPr lang="en-US" dirty="0" smtClean="0"/>
+          </a:p>
+          <a:p>
+            <a:r>
+              <a:rPr lang="ru-RU" dirty="0" smtClean="0"/>
+              <a:t>Задается в </a:t>
+            </a:r>
+            <a:r>
+              <a:rPr lang="en-US" dirty="0" err="1" smtClean="0"/>
+              <a:t>AssemblyInfo.cs</a:t>
             </a:r>
             <a:endParaRPr lang="ru-RU" dirty="0"/>
           </a:p>
@@ -8599,7 +8704,7 @@
     </p:spTree>
     <p:extLst>
       <p:ext uri="{BB962C8B-B14F-4D97-AF65-F5344CB8AC3E}">
-        <p14:creationId xmlns:p14="http://schemas.microsoft.com/office/powerpoint/2010/main" val="3786467353"/>
+        <p14:creationId xmlns:p14="http://schemas.microsoft.com/office/powerpoint/2010/main" val="746042412"/>
       </p:ext>
     </p:extLst>
   </p:cSld>
@@ -8823,25 +8928,12 @@
         </p:nvSpPr>
         <p:spPr/>
         <p:txBody>
-          <a:bodyPr>
-            <a:normAutofit fontScale="90000"/>
-          </a:bodyPr>
+          <a:bodyPr/>
           <a:lstStyle/>
           <a:p>
             <a:r>
-              <a:rPr lang="ru-RU" dirty="0"/>
-              <a:t>Поиск </a:t>
-            </a:r>
-            <a:r>
               <a:rPr lang="ru-RU" dirty="0" smtClean="0"/>
-              <a:t>сборки</a:t>
-            </a:r>
-            <a:br>
-              <a:rPr lang="ru-RU" dirty="0" smtClean="0"/>
-            </a:br>
-            <a:r>
-              <a:rPr lang="ru-RU" dirty="0" smtClean="0"/>
-              <a:t>Закрытое развертывание</a:t>
+              <a:t>Типы развертывания</a:t>
             </a:r>
             <a:endParaRPr lang="ru-RU" dirty="0"/>
           </a:p>
@@ -8859,260 +8951,19 @@
         </p:nvSpPr>
         <p:spPr/>
         <p:txBody>
-          <a:bodyPr>
-            <a:normAutofit fontScale="70000" lnSpcReduction="20000"/>
-          </a:bodyPr>
+          <a:bodyPr/>
           <a:lstStyle/>
           <a:p>
             <a:r>
-              <a:rPr lang="en-US" dirty="0" err="1" smtClean="0"/>
-              <a:t>AppBase</a:t>
-            </a:r>
-            <a:r>
-              <a:rPr lang="en-US" dirty="0" smtClean="0"/>
-              <a:t>\AsmName.dll</a:t>
-            </a:r>
-          </a:p>
-          <a:p>
-            <a:r>
-              <a:rPr lang="en-US" dirty="0" err="1" smtClean="0"/>
-              <a:t>AppBase</a:t>
-            </a:r>
-            <a:r>
-              <a:rPr lang="en-US" dirty="0" smtClean="0"/>
-              <a:t>\</a:t>
-            </a:r>
-            <a:r>
-              <a:rPr lang="en-US" dirty="0" err="1" smtClean="0"/>
-              <a:t>AsmName</a:t>
-            </a:r>
-            <a:r>
-              <a:rPr lang="en-US" dirty="0" smtClean="0"/>
-              <a:t>\AsmName.dll</a:t>
-            </a:r>
-            <a:endParaRPr lang="en-US" dirty="0"/>
-          </a:p>
-          <a:p>
-            <a:r>
-              <a:rPr lang="en-US" dirty="0" err="1" smtClean="0"/>
-              <a:t>AppBase</a:t>
-            </a:r>
-            <a:r>
-              <a:rPr lang="en-US" dirty="0" smtClean="0"/>
-              <a:t>\privatePath1\</a:t>
-            </a:r>
-            <a:r>
-              <a:rPr lang="en-US" dirty="0" err="1" smtClean="0"/>
-              <a:t>AsmName</a:t>
-            </a:r>
-            <a:r>
-              <a:rPr lang="en-US" dirty="0" smtClean="0"/>
-              <a:t>. </a:t>
-            </a:r>
-            <a:r>
-              <a:rPr lang="en-US" dirty="0" err="1"/>
-              <a:t>dll</a:t>
-            </a:r>
-            <a:endParaRPr lang="en-US" dirty="0"/>
-          </a:p>
-          <a:p>
-            <a:r>
-              <a:rPr lang="en-US" dirty="0" err="1" smtClean="0"/>
-              <a:t>AppBase</a:t>
-            </a:r>
-            <a:r>
-              <a:rPr lang="en-US" dirty="0" smtClean="0"/>
-              <a:t>\privatePath1\</a:t>
-            </a:r>
-            <a:r>
-              <a:rPr lang="en-US" dirty="0" err="1" smtClean="0"/>
-              <a:t>AsmName</a:t>
-            </a:r>
-            <a:r>
-              <a:rPr lang="en-US" dirty="0" smtClean="0"/>
-              <a:t>\AsmName.dll</a:t>
-            </a:r>
-            <a:endParaRPr lang="en-US" dirty="0"/>
-          </a:p>
-          <a:p>
-            <a:r>
-              <a:rPr lang="en-US" dirty="0" err="1" smtClean="0"/>
-              <a:t>AppBase</a:t>
-            </a:r>
-            <a:r>
-              <a:rPr lang="en-US" dirty="0" smtClean="0"/>
-              <a:t>\privatePath2\AsmName.dll</a:t>
-            </a:r>
-            <a:endParaRPr lang="en-US" dirty="0"/>
-          </a:p>
-          <a:p>
-            <a:r>
-              <a:rPr lang="en-US" dirty="0" err="1" smtClean="0"/>
-              <a:t>AppBase</a:t>
-            </a:r>
-            <a:r>
-              <a:rPr lang="en-US" dirty="0" smtClean="0"/>
-              <a:t>\privatePath2\</a:t>
-            </a:r>
-            <a:r>
-              <a:rPr lang="en-US" dirty="0" err="1" smtClean="0"/>
-              <a:t>AsmName</a:t>
-            </a:r>
-            <a:r>
-              <a:rPr lang="en-US" dirty="0" smtClean="0"/>
-              <a:t>\AsmName.dll</a:t>
-            </a:r>
-          </a:p>
-          <a:p>
-            <a:endParaRPr lang="en-US" dirty="0" smtClean="0"/>
-          </a:p>
-          <a:p>
-            <a:r>
-              <a:rPr lang="en-US" dirty="0" err="1" smtClean="0"/>
-              <a:t>AppBase</a:t>
-            </a:r>
-            <a:r>
-              <a:rPr lang="en-US" dirty="0" smtClean="0"/>
-              <a:t>\en-US\AsmName.dll</a:t>
-            </a:r>
-            <a:endParaRPr lang="en-US" dirty="0"/>
-          </a:p>
-          <a:p>
-            <a:r>
-              <a:rPr lang="en-US" dirty="0" err="1" smtClean="0"/>
-              <a:t>AppBase</a:t>
-            </a:r>
-            <a:r>
-              <a:rPr lang="en-US" dirty="0" smtClean="0"/>
-              <a:t>\</a:t>
-            </a:r>
-            <a:r>
-              <a:rPr lang="en-US" dirty="0"/>
-              <a:t>en-US\</a:t>
-            </a:r>
-            <a:r>
-              <a:rPr lang="en-US" dirty="0" err="1" smtClean="0"/>
-              <a:t>AsmName</a:t>
-            </a:r>
-            <a:r>
-              <a:rPr lang="en-US" dirty="0" smtClean="0"/>
-              <a:t>\AsmName.dll</a:t>
-            </a:r>
-            <a:endParaRPr lang="en-US" dirty="0"/>
-          </a:p>
-          <a:p>
-            <a:r>
-              <a:rPr lang="en-US" dirty="0" err="1" smtClean="0"/>
-              <a:t>AppBase</a:t>
-            </a:r>
-            <a:r>
-              <a:rPr lang="en-US" dirty="0" smtClean="0"/>
-              <a:t>\</a:t>
-            </a:r>
-            <a:r>
-              <a:rPr lang="en-US" dirty="0"/>
-              <a:t>en-US\</a:t>
-            </a:r>
-            <a:r>
-              <a:rPr lang="en-US" dirty="0" smtClean="0"/>
-              <a:t>privatePath1\</a:t>
-            </a:r>
-            <a:r>
-              <a:rPr lang="en-US" dirty="0" err="1" smtClean="0"/>
-              <a:t>AsmName</a:t>
-            </a:r>
-            <a:r>
-              <a:rPr lang="en-US" dirty="0"/>
-              <a:t>. </a:t>
-            </a:r>
-            <a:r>
-              <a:rPr lang="en-US" dirty="0" err="1"/>
-              <a:t>dll</a:t>
-            </a:r>
-            <a:endParaRPr lang="en-US" dirty="0"/>
-          </a:p>
-          <a:p>
-            <a:r>
-              <a:rPr lang="en-US" dirty="0" err="1" smtClean="0"/>
-              <a:t>AppBase</a:t>
-            </a:r>
-            <a:r>
-              <a:rPr lang="en-US" dirty="0" smtClean="0"/>
-              <a:t>\</a:t>
-            </a:r>
-            <a:r>
-              <a:rPr lang="en-US" dirty="0"/>
-              <a:t>en-US\</a:t>
-            </a:r>
-            <a:r>
-              <a:rPr lang="en-US" dirty="0" smtClean="0"/>
-              <a:t>privatePath1\</a:t>
-            </a:r>
-            <a:r>
-              <a:rPr lang="en-US" dirty="0" err="1" smtClean="0"/>
-              <a:t>AsmName</a:t>
-            </a:r>
-            <a:r>
-              <a:rPr lang="en-US" dirty="0" smtClean="0"/>
-              <a:t>\AsmName.dll</a:t>
-            </a:r>
-            <a:endParaRPr lang="en-US" dirty="0"/>
-          </a:p>
-          <a:p>
-            <a:r>
-              <a:rPr lang="en-US" dirty="0" err="1" smtClean="0"/>
-              <a:t>AppBase</a:t>
-            </a:r>
-            <a:r>
-              <a:rPr lang="en-US" dirty="0" smtClean="0"/>
-              <a:t>\</a:t>
-            </a:r>
-            <a:r>
-              <a:rPr lang="en-US" dirty="0"/>
-              <a:t>en-US\</a:t>
-            </a:r>
-            <a:r>
-              <a:rPr lang="en-US" dirty="0" smtClean="0"/>
-              <a:t>privatePath2\AsmName.dll</a:t>
-            </a:r>
-            <a:endParaRPr lang="en-US" dirty="0"/>
-          </a:p>
-          <a:p>
-            <a:r>
-              <a:rPr lang="en-US" dirty="0" err="1" smtClean="0"/>
-              <a:t>AppBase</a:t>
-            </a:r>
-            <a:r>
-              <a:rPr lang="en-US" dirty="0" smtClean="0"/>
-              <a:t>\</a:t>
-            </a:r>
-            <a:r>
-              <a:rPr lang="en-US" dirty="0"/>
-              <a:t>en-US\</a:t>
-            </a:r>
-            <a:r>
-              <a:rPr lang="en-US" dirty="0" smtClean="0"/>
-              <a:t>privatePath2\</a:t>
-            </a:r>
-            <a:r>
-              <a:rPr lang="en-US" dirty="0" err="1" smtClean="0"/>
-              <a:t>AsmName</a:t>
-            </a:r>
-            <a:r>
-              <a:rPr lang="en-US" dirty="0" smtClean="0"/>
-              <a:t>\</a:t>
-            </a:r>
-            <a:r>
-              <a:rPr lang="en-US" dirty="0" err="1" smtClean="0"/>
-              <a:t>AsmName</a:t>
-            </a:r>
-            <a:r>
-              <a:rPr lang="en-US" dirty="0"/>
-              <a:t>.</a:t>
-            </a:r>
-            <a:endParaRPr lang="en-US" dirty="0" smtClean="0"/>
-          </a:p>
-          <a:p>
+              <a:rPr lang="ru-RU" dirty="0" smtClean="0"/>
+              <a:t>Закрытое</a:t>
+            </a:r>
+          </a:p>
+          <a:p>
+            <a:r>
+              <a:rPr lang="ru-RU" dirty="0" smtClean="0"/>
+              <a:t>Совместное</a:t>
+            </a:r>
             <a:endParaRPr lang="ru-RU" dirty="0"/>
           </a:p>
         </p:txBody>
@@ -9120,7 +8971,7 @@
     </p:spTree>
     <p:extLst>
       <p:ext uri="{BB962C8B-B14F-4D97-AF65-F5344CB8AC3E}">
-        <p14:creationId xmlns:p14="http://schemas.microsoft.com/office/powerpoint/2010/main" val="426700887"/>
+        <p14:creationId xmlns:p14="http://schemas.microsoft.com/office/powerpoint/2010/main" val="3786467353"/>
       </p:ext>
     </p:extLst>
   </p:cSld>
@@ -9166,12 +9017,25 @@
         </p:nvSpPr>
         <p:spPr/>
         <p:txBody>
-          <a:bodyPr/>
+          <a:bodyPr>
+            <a:normAutofit fontScale="90000"/>
+          </a:bodyPr>
           <a:lstStyle/>
           <a:p>
             <a:r>
-              <a:rPr lang="en-US" dirty="0" err="1" smtClean="0"/>
-              <a:t>App.config</a:t>
+              <a:rPr lang="ru-RU" dirty="0"/>
+              <a:t>Поиск </a:t>
+            </a:r>
+            <a:r>
+              <a:rPr lang="ru-RU" dirty="0" smtClean="0"/>
+              <a:t>сборки</a:t>
+            </a:r>
+            <a:br>
+              <a:rPr lang="ru-RU" dirty="0" smtClean="0"/>
+            </a:br>
+            <a:r>
+              <a:rPr lang="ru-RU" dirty="0" smtClean="0"/>
+              <a:t>Закрытое развертывание</a:t>
             </a:r>
             <a:endParaRPr lang="ru-RU" dirty="0"/>
           </a:p>
@@ -9187,320 +9051,270 @@
             <p:ph idx="1"/>
           </p:nvPr>
         </p:nvSpPr>
-        <p:spPr>
-          <a:xfrm>
-            <a:off x="457200" y="1600201"/>
-            <a:ext cx="8229600" cy="2332856"/>
-          </a:xfrm>
-        </p:spPr>
+        <p:spPr/>
         <p:txBody>
           <a:bodyPr>
-            <a:normAutofit/>
+            <a:normAutofit fontScale="70000" lnSpcReduction="20000"/>
           </a:bodyPr>
           <a:lstStyle/>
           <a:p>
-            <a:pPr marL="0" indent="0">
-              <a:buNone/>
-            </a:pPr>
-            <a:r>
-              <a:rPr lang="en-US" sz="1400" dirty="0">
-                <a:latin typeface="Courier New" pitchFamily="49" charset="0"/>
-                <a:cs typeface="Courier New" pitchFamily="49" charset="0"/>
-              </a:rPr>
-              <a:t>&lt;?xml version="1.0"?&gt;</a:t>
-            </a:r>
-          </a:p>
-          <a:p>
-            <a:pPr marL="0" indent="0">
-              <a:buNone/>
-            </a:pPr>
-            <a:r>
-              <a:rPr lang="en-US" sz="1400" dirty="0" smtClean="0">
-                <a:latin typeface="Courier New" pitchFamily="49" charset="0"/>
-                <a:cs typeface="Courier New" pitchFamily="49" charset="0"/>
-              </a:rPr>
-              <a:t>&lt;</a:t>
-            </a:r>
-            <a:r>
-              <a:rPr lang="en-US" sz="1400" dirty="0">
-                <a:latin typeface="Courier New" pitchFamily="49" charset="0"/>
-                <a:cs typeface="Courier New" pitchFamily="49" charset="0"/>
-              </a:rPr>
-              <a:t>configuration&gt;</a:t>
-            </a:r>
-          </a:p>
-          <a:p>
-            <a:pPr marL="0" indent="0">
-              <a:buNone/>
-            </a:pPr>
-            <a:r>
-              <a:rPr lang="en-US" sz="1400" dirty="0" smtClean="0">
-                <a:latin typeface="Courier New" pitchFamily="49" charset="0"/>
-                <a:cs typeface="Courier New" pitchFamily="49" charset="0"/>
-              </a:rPr>
-              <a:t>    &lt;</a:t>
-            </a:r>
-            <a:r>
-              <a:rPr lang="en-US" sz="1400" dirty="0">
-                <a:latin typeface="Courier New" pitchFamily="49" charset="0"/>
-                <a:cs typeface="Courier New" pitchFamily="49" charset="0"/>
-              </a:rPr>
-              <a:t>runtime&gt;</a:t>
-            </a:r>
-          </a:p>
-          <a:p>
-            <a:pPr marL="0" indent="0">
-              <a:buNone/>
-            </a:pPr>
-            <a:r>
-              <a:rPr lang="en-US" sz="1400" dirty="0" smtClean="0">
-                <a:latin typeface="Courier New" pitchFamily="49" charset="0"/>
-                <a:cs typeface="Courier New" pitchFamily="49" charset="0"/>
-              </a:rPr>
-              <a:t>        &lt;</a:t>
-            </a:r>
-            <a:r>
-              <a:rPr lang="en-US" sz="1400" dirty="0" err="1">
-                <a:latin typeface="Courier New" pitchFamily="49" charset="0"/>
-                <a:cs typeface="Courier New" pitchFamily="49" charset="0"/>
-              </a:rPr>
-              <a:t>assemblyBinding</a:t>
-            </a:r>
-            <a:r>
-              <a:rPr lang="en-US" sz="1400" dirty="0">
-                <a:latin typeface="Courier New" pitchFamily="49" charset="0"/>
-                <a:cs typeface="Courier New" pitchFamily="49" charset="0"/>
-              </a:rPr>
-              <a:t> </a:t>
-            </a:r>
-            <a:r>
-              <a:rPr lang="en-US" sz="1400" dirty="0" err="1">
-                <a:latin typeface="Courier New" pitchFamily="49" charset="0"/>
-                <a:cs typeface="Courier New" pitchFamily="49" charset="0"/>
-              </a:rPr>
-              <a:t>xmlns</a:t>
-            </a:r>
-            <a:r>
-              <a:rPr lang="en-US" sz="1400" dirty="0">
-                <a:latin typeface="Courier New" pitchFamily="49" charset="0"/>
-                <a:cs typeface="Courier New" pitchFamily="49" charset="0"/>
-              </a:rPr>
-              <a:t>="urn:schemas-microsoft-com:asm.v1"&gt;</a:t>
-            </a:r>
-          </a:p>
-          <a:p>
-            <a:pPr marL="0" indent="0">
-              <a:buNone/>
-            </a:pPr>
-            <a:r>
-              <a:rPr lang="en-US" sz="1400" dirty="0" smtClean="0">
-                <a:latin typeface="Courier New" pitchFamily="49" charset="0"/>
-                <a:cs typeface="Courier New" pitchFamily="49" charset="0"/>
-              </a:rPr>
-              <a:t>            </a:t>
-            </a:r>
-            <a:r>
-              <a:rPr lang="en-US" sz="1600" dirty="0" smtClean="0">
-                <a:solidFill>
-                  <a:srgbClr val="92D050"/>
-                </a:solidFill>
-                <a:latin typeface="Courier New" pitchFamily="49" charset="0"/>
-                <a:cs typeface="Courier New" pitchFamily="49" charset="0"/>
-              </a:rPr>
-              <a:t>&lt;</a:t>
-            </a:r>
-            <a:r>
-              <a:rPr lang="en-US" sz="1600" dirty="0">
-                <a:solidFill>
-                  <a:srgbClr val="92D050"/>
-                </a:solidFill>
-                <a:latin typeface="Courier New" pitchFamily="49" charset="0"/>
-                <a:cs typeface="Courier New" pitchFamily="49" charset="0"/>
-              </a:rPr>
-              <a:t>probing </a:t>
-            </a:r>
-            <a:r>
-              <a:rPr lang="en-US" sz="1600" dirty="0" err="1">
-                <a:solidFill>
-                  <a:srgbClr val="92D050"/>
-                </a:solidFill>
-                <a:latin typeface="Courier New" pitchFamily="49" charset="0"/>
-                <a:cs typeface="Courier New" pitchFamily="49" charset="0"/>
-              </a:rPr>
-              <a:t>privatePath</a:t>
-            </a:r>
-            <a:r>
-              <a:rPr lang="en-US" sz="1600" dirty="0">
-                <a:solidFill>
-                  <a:srgbClr val="92D050"/>
-                </a:solidFill>
-                <a:latin typeface="Courier New" pitchFamily="49" charset="0"/>
-                <a:cs typeface="Courier New" pitchFamily="49" charset="0"/>
-              </a:rPr>
-              <a:t>="privatePath1;privatePath2"/&gt;</a:t>
-            </a:r>
-          </a:p>
-          <a:p>
-            <a:pPr marL="0" indent="0">
-              <a:buNone/>
-            </a:pPr>
-            <a:r>
-              <a:rPr lang="en-US" sz="1400" dirty="0" smtClean="0">
-                <a:latin typeface="Courier New" pitchFamily="49" charset="0"/>
-                <a:cs typeface="Courier New" pitchFamily="49" charset="0"/>
-              </a:rPr>
-              <a:t>        &lt;/</a:t>
-            </a:r>
-            <a:r>
-              <a:rPr lang="en-US" sz="1400" dirty="0" err="1">
-                <a:latin typeface="Courier New" pitchFamily="49" charset="0"/>
-                <a:cs typeface="Courier New" pitchFamily="49" charset="0"/>
-              </a:rPr>
-              <a:t>assemblyBinding</a:t>
-            </a:r>
-            <a:r>
-              <a:rPr lang="en-US" sz="1400" dirty="0">
-                <a:latin typeface="Courier New" pitchFamily="49" charset="0"/>
-                <a:cs typeface="Courier New" pitchFamily="49" charset="0"/>
-              </a:rPr>
-              <a:t>&gt;</a:t>
-            </a:r>
-          </a:p>
-          <a:p>
-            <a:pPr marL="0" indent="0">
-              <a:buNone/>
-            </a:pPr>
-            <a:r>
-              <a:rPr lang="en-US" sz="1400" dirty="0" smtClean="0">
-                <a:latin typeface="Courier New" pitchFamily="49" charset="0"/>
-                <a:cs typeface="Courier New" pitchFamily="49" charset="0"/>
-              </a:rPr>
-              <a:t>    &lt;/</a:t>
-            </a:r>
-            <a:r>
-              <a:rPr lang="en-US" sz="1400" dirty="0">
-                <a:latin typeface="Courier New" pitchFamily="49" charset="0"/>
-                <a:cs typeface="Courier New" pitchFamily="49" charset="0"/>
-              </a:rPr>
-              <a:t>runtime&gt;</a:t>
-            </a:r>
-          </a:p>
-          <a:p>
-            <a:pPr marL="0" indent="0">
-              <a:buNone/>
-            </a:pPr>
-            <a:r>
-              <a:rPr lang="en-US" sz="1400" dirty="0">
-                <a:latin typeface="Courier New" pitchFamily="49" charset="0"/>
-                <a:cs typeface="Courier New" pitchFamily="49" charset="0"/>
-              </a:rPr>
-              <a:t>&lt;/configuration&gt;</a:t>
-            </a:r>
-          </a:p>
-          <a:p>
-            <a:pPr marL="0" indent="0">
-              <a:buNone/>
-            </a:pPr>
-            <a:endParaRPr lang="ru-RU" sz="1400" dirty="0"/>
-          </a:p>
-        </p:txBody>
-      </p:sp>
-      <p:sp>
-        <p:nvSpPr>
-          <p:cNvPr id="4" name="Title 1"/>
-          <p:cNvSpPr txBox="1">
-            <a:spLocks/>
-          </p:cNvSpPr>
-          <p:nvPr/>
-        </p:nvSpPr>
-        <p:spPr>
-          <a:xfrm>
-            <a:off x="457200" y="3798168"/>
-            <a:ext cx="8229600" cy="1143000"/>
-          </a:xfrm>
-          <a:prstGeom prst="rect">
-            <a:avLst/>
-          </a:prstGeom>
-        </p:spPr>
-        <p:txBody>
-          <a:bodyPr vert="horz" lIns="91440" tIns="45720" rIns="91440" bIns="45720" rtlCol="0" anchor="ctr">
-            <a:normAutofit/>
-          </a:bodyPr>
-          <a:lstStyle>
-            <a:lvl1pPr algn="ctr" defTabSz="914400" rtl="0" eaLnBrk="1" latinLnBrk="0" hangingPunct="1">
-              <a:spcBef>
-                <a:spcPct val="0"/>
-              </a:spcBef>
-              <a:buNone/>
-              <a:defRPr sz="4400" kern="1200">
-                <a:solidFill>
-                  <a:schemeClr val="tx1"/>
-                </a:solidFill>
-                <a:latin typeface="+mj-lt"/>
-                <a:ea typeface="+mj-ea"/>
-                <a:cs typeface="+mj-cs"/>
-              </a:defRPr>
-            </a:lvl1pPr>
-          </a:lstStyle>
-          <a:p>
             <a:r>
               <a:rPr lang="en-US" dirty="0" err="1" smtClean="0"/>
-              <a:t>Machine.config</a:t>
-            </a:r>
+              <a:t>AppBase</a:t>
+            </a:r>
+            <a:r>
+              <a:rPr lang="en-US" dirty="0" smtClean="0"/>
+              <a:t>\AsmName.dll</a:t>
+            </a:r>
+          </a:p>
+          <a:p>
+            <a:r>
+              <a:rPr lang="en-US" dirty="0" err="1" smtClean="0"/>
+              <a:t>AppBase</a:t>
+            </a:r>
+            <a:r>
+              <a:rPr lang="en-US" dirty="0" smtClean="0"/>
+              <a:t>\</a:t>
+            </a:r>
+            <a:r>
+              <a:rPr lang="en-US" dirty="0" err="1" smtClean="0"/>
+              <a:t>AsmName</a:t>
+            </a:r>
+            <a:r>
+              <a:rPr lang="en-US" dirty="0" smtClean="0"/>
+              <a:t>\AsmName.dll</a:t>
+            </a:r>
+            <a:endParaRPr lang="en-US" dirty="0"/>
+          </a:p>
+          <a:p>
+            <a:r>
+              <a:rPr lang="en-US" dirty="0" err="1" smtClean="0"/>
+              <a:t>AppBase</a:t>
+            </a:r>
+            <a:r>
+              <a:rPr lang="en-US" dirty="0" smtClean="0"/>
+              <a:t>\privatePath1\</a:t>
+            </a:r>
+            <a:r>
+              <a:rPr lang="en-US" dirty="0" err="1" smtClean="0"/>
+              <a:t>AsmName</a:t>
+            </a:r>
+            <a:r>
+              <a:rPr lang="en-US" dirty="0" smtClean="0"/>
+              <a:t>. </a:t>
+            </a:r>
+            <a:r>
+              <a:rPr lang="en-US" dirty="0" err="1"/>
+              <a:t>dll</a:t>
+            </a:r>
+            <a:endParaRPr lang="en-US" dirty="0"/>
+          </a:p>
+          <a:p>
+            <a:r>
+              <a:rPr lang="en-US" dirty="0" err="1" smtClean="0"/>
+              <a:t>AppBase</a:t>
+            </a:r>
+            <a:r>
+              <a:rPr lang="en-US" dirty="0" smtClean="0"/>
+              <a:t>\privatePath1\</a:t>
+            </a:r>
+            <a:r>
+              <a:rPr lang="en-US" dirty="0" err="1" smtClean="0"/>
+              <a:t>AsmName</a:t>
+            </a:r>
+            <a:r>
+              <a:rPr lang="en-US" dirty="0" smtClean="0"/>
+              <a:t>\AsmName.dll</a:t>
+            </a:r>
+            <a:endParaRPr lang="en-US" dirty="0"/>
+          </a:p>
+          <a:p>
+            <a:r>
+              <a:rPr lang="en-US" dirty="0" err="1" smtClean="0"/>
+              <a:t>AppBase</a:t>
+            </a:r>
+            <a:r>
+              <a:rPr lang="en-US" dirty="0" smtClean="0"/>
+              <a:t>\privatePath2\AsmName.dll</a:t>
+            </a:r>
+            <a:endParaRPr lang="en-US" dirty="0"/>
+          </a:p>
+          <a:p>
+            <a:r>
+              <a:rPr lang="en-US" dirty="0" err="1" smtClean="0"/>
+              <a:t>AppBase</a:t>
+            </a:r>
+            <a:r>
+              <a:rPr lang="en-US" dirty="0" smtClean="0"/>
+              <a:t>\privatePath2\</a:t>
+            </a:r>
+            <a:r>
+              <a:rPr lang="en-US" dirty="0" err="1" smtClean="0"/>
+              <a:t>AsmName</a:t>
+            </a:r>
+            <a:r>
+              <a:rPr lang="en-US" dirty="0" smtClean="0"/>
+              <a:t>\AsmName.dll</a:t>
+            </a:r>
+          </a:p>
+          <a:p>
+            <a:endParaRPr lang="en-US" dirty="0" smtClean="0"/>
+          </a:p>
+          <a:p>
+            <a:r>
+              <a:rPr lang="en-US" dirty="0" err="1" smtClean="0"/>
+              <a:t>AppBase</a:t>
+            </a:r>
+            <a:r>
+              <a:rPr lang="en-US" dirty="0" smtClean="0"/>
+              <a:t>\en-US\AsmName.dll</a:t>
+            </a:r>
+            <a:endParaRPr lang="en-US" dirty="0"/>
+          </a:p>
+          <a:p>
+            <a:r>
+              <a:rPr lang="en-US" dirty="0" err="1" smtClean="0"/>
+              <a:t>AppBase</a:t>
+            </a:r>
+            <a:r>
+              <a:rPr lang="en-US" dirty="0" smtClean="0"/>
+              <a:t>\</a:t>
+            </a:r>
+            <a:r>
+              <a:rPr lang="en-US" dirty="0"/>
+              <a:t>en-US\</a:t>
+            </a:r>
+            <a:r>
+              <a:rPr lang="en-US" dirty="0" err="1" smtClean="0"/>
+              <a:t>AsmName</a:t>
+            </a:r>
+            <a:r>
+              <a:rPr lang="en-US" dirty="0" smtClean="0"/>
+              <a:t>\AsmName.dll</a:t>
+            </a:r>
+            <a:endParaRPr lang="en-US" dirty="0"/>
+          </a:p>
+          <a:p>
+            <a:r>
+              <a:rPr lang="en-US" dirty="0" err="1" smtClean="0"/>
+              <a:t>AppBase</a:t>
+            </a:r>
+            <a:r>
+              <a:rPr lang="en-US" dirty="0" smtClean="0"/>
+              <a:t>\</a:t>
+            </a:r>
+            <a:r>
+              <a:rPr lang="en-US" dirty="0"/>
+              <a:t>en-US\</a:t>
+            </a:r>
+            <a:r>
+              <a:rPr lang="en-US" dirty="0" smtClean="0"/>
+              <a:t>privatePath1\</a:t>
+            </a:r>
+            <a:r>
+              <a:rPr lang="en-US" dirty="0" err="1" smtClean="0"/>
+              <a:t>AsmName</a:t>
+            </a:r>
+            <a:r>
+              <a:rPr lang="en-US" dirty="0"/>
+              <a:t>. </a:t>
+            </a:r>
+            <a:r>
+              <a:rPr lang="en-US" dirty="0" err="1"/>
+              <a:t>dll</a:t>
+            </a:r>
+            <a:endParaRPr lang="en-US" dirty="0"/>
+          </a:p>
+          <a:p>
+            <a:r>
+              <a:rPr lang="en-US" dirty="0" err="1" smtClean="0"/>
+              <a:t>AppBase</a:t>
+            </a:r>
+            <a:r>
+              <a:rPr lang="en-US" dirty="0" smtClean="0"/>
+              <a:t>\</a:t>
+            </a:r>
+            <a:r>
+              <a:rPr lang="en-US" dirty="0"/>
+              <a:t>en-US\</a:t>
+            </a:r>
+            <a:r>
+              <a:rPr lang="en-US" dirty="0" smtClean="0"/>
+              <a:t>privatePath1\</a:t>
+            </a:r>
+            <a:r>
+              <a:rPr lang="en-US" dirty="0" err="1" smtClean="0"/>
+              <a:t>AsmName</a:t>
+            </a:r>
+            <a:r>
+              <a:rPr lang="en-US" dirty="0" smtClean="0"/>
+              <a:t>\AsmName.dll</a:t>
+            </a:r>
+            <a:endParaRPr lang="en-US" dirty="0"/>
+          </a:p>
+          <a:p>
+            <a:r>
+              <a:rPr lang="en-US" dirty="0" err="1" smtClean="0"/>
+              <a:t>AppBase</a:t>
+            </a:r>
+            <a:r>
+              <a:rPr lang="en-US" dirty="0" smtClean="0"/>
+              <a:t>\</a:t>
+            </a:r>
+            <a:r>
+              <a:rPr lang="en-US" dirty="0"/>
+              <a:t>en-US\</a:t>
+            </a:r>
+            <a:r>
+              <a:rPr lang="en-US" dirty="0" smtClean="0"/>
+              <a:t>privatePath2\AsmName.dll</a:t>
+            </a:r>
+            <a:endParaRPr lang="en-US" dirty="0"/>
+          </a:p>
+          <a:p>
+            <a:r>
+              <a:rPr lang="en-US" dirty="0" err="1" smtClean="0"/>
+              <a:t>AppBase</a:t>
+            </a:r>
+            <a:r>
+              <a:rPr lang="en-US" dirty="0" smtClean="0"/>
+              <a:t>\</a:t>
+            </a:r>
+            <a:r>
+              <a:rPr lang="en-US" dirty="0"/>
+              <a:t>en-US\</a:t>
+            </a:r>
+            <a:r>
+              <a:rPr lang="en-US" dirty="0" smtClean="0"/>
+              <a:t>privatePath2\</a:t>
+            </a:r>
+            <a:r>
+              <a:rPr lang="en-US" dirty="0" err="1" smtClean="0"/>
+              <a:t>AsmName</a:t>
+            </a:r>
+            <a:r>
+              <a:rPr lang="en-US" dirty="0" smtClean="0"/>
+              <a:t>\</a:t>
+            </a:r>
+            <a:r>
+              <a:rPr lang="en-US" dirty="0" err="1" smtClean="0"/>
+              <a:t>AsmName</a:t>
+            </a:r>
+            <a:r>
+              <a:rPr lang="en-US" dirty="0"/>
+              <a:t>.</a:t>
+            </a:r>
+            <a:endParaRPr lang="en-US" dirty="0" smtClean="0"/>
+          </a:p>
+          <a:p>
             <a:endParaRPr lang="ru-RU" dirty="0"/>
-          </a:p>
-        </p:txBody>
-      </p:sp>
-      <p:sp>
-        <p:nvSpPr>
-          <p:cNvPr id="5" name="TextBox 4"/>
-          <p:cNvSpPr txBox="1"/>
-          <p:nvPr/>
-        </p:nvSpPr>
-        <p:spPr>
-          <a:xfrm>
-            <a:off x="457200" y="5085184"/>
-            <a:ext cx="8229600" cy="523220"/>
-          </a:xfrm>
-          <a:prstGeom prst="rect">
-            <a:avLst/>
-          </a:prstGeom>
-          <a:noFill/>
-        </p:spPr>
-        <p:txBody>
-          <a:bodyPr wrap="square" rtlCol="0">
-            <a:spAutoFit/>
-          </a:bodyPr>
-          <a:lstStyle/>
-          <a:p>
-            <a:r>
-              <a:rPr lang="ru-RU" sz="2800" dirty="0" smtClean="0"/>
-              <a:t>%</a:t>
-            </a:r>
-            <a:r>
-              <a:rPr lang="en-US" sz="2800" dirty="0" err="1" smtClean="0"/>
-              <a:t>windir</a:t>
-            </a:r>
-            <a:r>
-              <a:rPr lang="en-US" sz="2800" dirty="0" smtClean="0"/>
-              <a:t>%\Microsoft.NET\Framework\</a:t>
-            </a:r>
-            <a:r>
-              <a:rPr lang="en-US" sz="2800" dirty="0" err="1" smtClean="0"/>
-              <a:t>x.y.z</a:t>
-            </a:r>
-            <a:r>
-              <a:rPr lang="en-US" sz="2800" dirty="0" smtClean="0"/>
-              <a:t>\CONFIG</a:t>
-            </a:r>
-            <a:endParaRPr lang="ru-RU" sz="2800" dirty="0" smtClean="0"/>
           </a:p>
         </p:txBody>
       </p:sp>
     </p:spTree>
     <p:extLst>
       <p:ext uri="{BB962C8B-B14F-4D97-AF65-F5344CB8AC3E}">
-        <p14:creationId xmlns:p14="http://schemas.microsoft.com/office/powerpoint/2010/main" val="4163857979"/>
+        <p14:creationId xmlns:p14="http://schemas.microsoft.com/office/powerpoint/2010/main" val="426700887"/>
       </p:ext>
     </p:extLst>
   </p:cSld>
@@ -9546,14 +9360,12 @@
         </p:nvSpPr>
         <p:spPr/>
         <p:txBody>
-          <a:bodyPr>
-            <a:normAutofit fontScale="90000"/>
-          </a:bodyPr>
+          <a:bodyPr/>
           <a:lstStyle/>
           <a:p>
             <a:r>
-              <a:rPr lang="en-US" dirty="0"/>
-              <a:t>Fuslogvw.exe (Assembly Binding Log Viewer)</a:t>
+              <a:rPr lang="en-US" dirty="0" err="1" smtClean="0"/>
+              <a:t>App.config</a:t>
             </a:r>
             <a:endParaRPr lang="ru-RU" dirty="0"/>
           </a:p>
@@ -9569,10 +9381,15 @@
             <p:ph idx="1"/>
           </p:nvPr>
         </p:nvSpPr>
-        <p:spPr/>
+        <p:spPr>
+          <a:xfrm>
+            <a:off x="457200" y="1600201"/>
+            <a:ext cx="8229600" cy="2332856"/>
+          </a:xfrm>
+        </p:spPr>
         <p:txBody>
           <a:bodyPr>
-            <a:normAutofit fontScale="92500" lnSpcReduction="20000"/>
+            <a:normAutofit/>
           </a:bodyPr>
           <a:lstStyle/>
           <a:p>
@@ -9580,99 +9397,304 @@
               <a:buNone/>
             </a:pPr>
             <a:r>
-              <a:rPr lang="ru-RU" dirty="0" smtClean="0"/>
-              <a:t>Диагностика проблем с загрузкой сборок. </a:t>
-            </a:r>
-            <a:r>
-              <a:rPr lang="ru-RU" smtClean="0"/>
-              <a:t>Является частью </a:t>
-            </a:r>
-            <a:r>
-              <a:rPr lang="en-US" dirty="0" smtClean="0"/>
-              <a:t>Windows SDK</a:t>
-            </a:r>
-            <a:r>
-              <a:rPr lang="ru-RU" dirty="0" smtClean="0"/>
-              <a:t>.</a:t>
+              <a:rPr lang="en-US" sz="1400" dirty="0">
+                <a:latin typeface="Courier New" pitchFamily="49" charset="0"/>
+                <a:cs typeface="Courier New" pitchFamily="49" charset="0"/>
+              </a:rPr>
+              <a:t>&lt;?xml version="1.0"?&gt;</a:t>
             </a:r>
           </a:p>
           <a:p>
             <a:pPr marL="0" indent="0">
               <a:buNone/>
             </a:pPr>
-            <a:endParaRPr lang="ru-RU" dirty="0" smtClean="0"/>
-          </a:p>
-          <a:p>
-            <a:r>
-              <a:rPr lang="en-US" dirty="0" smtClean="0"/>
-              <a:t>HKLM\Software\Microsoft\Fusion</a:t>
-            </a:r>
-            <a:endParaRPr lang="ru-RU" dirty="0" smtClean="0"/>
-          </a:p>
-          <a:p>
-            <a:pPr lvl="1"/>
-            <a:r>
-              <a:rPr lang="en-US" dirty="0" err="1"/>
-              <a:t>ForceLog</a:t>
-            </a:r>
-            <a:r>
-              <a:rPr lang="en-US" dirty="0"/>
-              <a:t> </a:t>
-            </a:r>
-            <a:r>
-              <a:rPr lang="ru-RU" dirty="0" smtClean="0"/>
-              <a:t>= 1</a:t>
-            </a:r>
-          </a:p>
-          <a:p>
-            <a:pPr lvl="1"/>
-            <a:r>
-              <a:rPr lang="en-US" dirty="0" err="1" smtClean="0"/>
-              <a:t>LogPath</a:t>
-            </a:r>
-            <a:r>
-              <a:rPr lang="ru-RU" dirty="0" smtClean="0"/>
-              <a:t> – путь к существующей папке для протоколирования</a:t>
+            <a:r>
+              <a:rPr lang="en-US" sz="1400" dirty="0" smtClean="0">
+                <a:latin typeface="Courier New" pitchFamily="49" charset="0"/>
+                <a:cs typeface="Courier New" pitchFamily="49" charset="0"/>
+              </a:rPr>
+              <a:t>&lt;</a:t>
+            </a:r>
+            <a:r>
+              <a:rPr lang="en-US" sz="1400" dirty="0">
+                <a:latin typeface="Courier New" pitchFamily="49" charset="0"/>
+                <a:cs typeface="Courier New" pitchFamily="49" charset="0"/>
+              </a:rPr>
+              <a:t>configuration&gt;</a:t>
             </a:r>
           </a:p>
           <a:p>
             <a:pPr marL="0" indent="0">
               <a:buNone/>
             </a:pPr>
-            <a:endParaRPr lang="ru-RU" dirty="0" smtClean="0">
-              <a:hlinkClick r:id="rId2"/>
-            </a:endParaRPr>
+            <a:r>
+              <a:rPr lang="en-US" sz="1400" dirty="0" smtClean="0">
+                <a:latin typeface="Courier New" pitchFamily="49" charset="0"/>
+                <a:cs typeface="Courier New" pitchFamily="49" charset="0"/>
+              </a:rPr>
+              <a:t>    &lt;</a:t>
+            </a:r>
+            <a:r>
+              <a:rPr lang="en-US" sz="1400" dirty="0">
+                <a:latin typeface="Courier New" pitchFamily="49" charset="0"/>
+                <a:cs typeface="Courier New" pitchFamily="49" charset="0"/>
+              </a:rPr>
+              <a:t>runtime&gt;</a:t>
+            </a:r>
           </a:p>
           <a:p>
             <a:pPr marL="0" indent="0">
               <a:buNone/>
             </a:pPr>
             <a:r>
-              <a:rPr lang="en-US" dirty="0" smtClean="0">
-                <a:hlinkClick r:id="rId2"/>
-              </a:rPr>
-              <a:t>http</a:t>
-            </a:r>
-            <a:r>
-              <a:rPr lang="en-US" dirty="0">
-                <a:hlinkClick r:id="rId2"/>
-              </a:rPr>
-              <a:t>://</a:t>
-            </a:r>
-            <a:r>
-              <a:rPr lang="en-US" dirty="0" smtClean="0">
-                <a:hlinkClick r:id="rId2"/>
-              </a:rPr>
-              <a:t>msdn.microsoft.com/en-us/library/e74a18c4%28v=vs.110%29.aspx</a:t>
+              <a:rPr lang="en-US" sz="1400" dirty="0" smtClean="0">
+                <a:latin typeface="Courier New" pitchFamily="49" charset="0"/>
+                <a:cs typeface="Courier New" pitchFamily="49" charset="0"/>
+              </a:rPr>
+              <a:t>        &lt;</a:t>
+            </a:r>
+            <a:r>
+              <a:rPr lang="en-US" sz="1400" dirty="0" err="1">
+                <a:latin typeface="Courier New" pitchFamily="49" charset="0"/>
+                <a:cs typeface="Courier New" pitchFamily="49" charset="0"/>
+              </a:rPr>
+              <a:t>assemblyBinding</a:t>
+            </a:r>
+            <a:r>
+              <a:rPr lang="en-US" sz="1400" dirty="0">
+                <a:latin typeface="Courier New" pitchFamily="49" charset="0"/>
+                <a:cs typeface="Courier New" pitchFamily="49" charset="0"/>
+              </a:rPr>
+              <a:t> </a:t>
+            </a:r>
+            <a:r>
+              <a:rPr lang="en-US" sz="1400" dirty="0" err="1">
+                <a:latin typeface="Courier New" pitchFamily="49" charset="0"/>
+                <a:cs typeface="Courier New" pitchFamily="49" charset="0"/>
+              </a:rPr>
+              <a:t>xmlns</a:t>
+            </a:r>
+            <a:r>
+              <a:rPr lang="en-US" sz="1400" dirty="0">
+                <a:latin typeface="Courier New" pitchFamily="49" charset="0"/>
+                <a:cs typeface="Courier New" pitchFamily="49" charset="0"/>
+              </a:rPr>
+              <a:t>="urn:schemas-microsoft-com:asm.v1"&gt;</a:t>
+            </a:r>
+          </a:p>
+          <a:p>
+            <a:pPr marL="0" indent="0">
+              <a:buNone/>
+            </a:pPr>
+            <a:r>
+              <a:rPr lang="en-US" sz="1400" dirty="0" smtClean="0">
+                <a:latin typeface="Courier New" pitchFamily="49" charset="0"/>
+                <a:cs typeface="Courier New" pitchFamily="49" charset="0"/>
+              </a:rPr>
+              <a:t>            </a:t>
+            </a:r>
+            <a:r>
+              <a:rPr lang="en-US" sz="1600" dirty="0" smtClean="0">
+                <a:solidFill>
+                  <a:srgbClr val="92D050"/>
+                </a:solidFill>
+                <a:latin typeface="Courier New" pitchFamily="49" charset="0"/>
+                <a:cs typeface="Courier New" pitchFamily="49" charset="0"/>
+              </a:rPr>
+              <a:t>&lt;</a:t>
+            </a:r>
+            <a:r>
+              <a:rPr lang="en-US" sz="1600" dirty="0">
+                <a:solidFill>
+                  <a:srgbClr val="92D050"/>
+                </a:solidFill>
+                <a:latin typeface="Courier New" pitchFamily="49" charset="0"/>
+                <a:cs typeface="Courier New" pitchFamily="49" charset="0"/>
+              </a:rPr>
+              <a:t>probing </a:t>
+            </a:r>
+            <a:r>
+              <a:rPr lang="en-US" sz="1600" dirty="0" err="1">
+                <a:solidFill>
+                  <a:srgbClr val="92D050"/>
+                </a:solidFill>
+                <a:latin typeface="Courier New" pitchFamily="49" charset="0"/>
+                <a:cs typeface="Courier New" pitchFamily="49" charset="0"/>
+              </a:rPr>
+              <a:t>privatePath</a:t>
+            </a:r>
+            <a:r>
+              <a:rPr lang="en-US" sz="1600" dirty="0">
+                <a:solidFill>
+                  <a:srgbClr val="92D050"/>
+                </a:solidFill>
+                <a:latin typeface="Courier New" pitchFamily="49" charset="0"/>
+                <a:cs typeface="Courier New" pitchFamily="49" charset="0"/>
+              </a:rPr>
+              <a:t>="privatePath1;privatePath2"/&gt;</a:t>
+            </a:r>
+          </a:p>
+          <a:p>
+            <a:pPr marL="0" indent="0">
+              <a:buNone/>
+            </a:pPr>
+            <a:r>
+              <a:rPr lang="en-US" sz="1400" dirty="0" smtClean="0">
+                <a:latin typeface="Courier New" pitchFamily="49" charset="0"/>
+                <a:cs typeface="Courier New" pitchFamily="49" charset="0"/>
+              </a:rPr>
+              <a:t>        &lt;/</a:t>
+            </a:r>
+            <a:r>
+              <a:rPr lang="en-US" sz="1400" dirty="0" err="1">
+                <a:latin typeface="Courier New" pitchFamily="49" charset="0"/>
+                <a:cs typeface="Courier New" pitchFamily="49" charset="0"/>
+              </a:rPr>
+              <a:t>assemblyBinding</a:t>
+            </a:r>
+            <a:r>
+              <a:rPr lang="en-US" sz="1400" dirty="0">
+                <a:latin typeface="Courier New" pitchFamily="49" charset="0"/>
+                <a:cs typeface="Courier New" pitchFamily="49" charset="0"/>
+              </a:rPr>
+              <a:t>&gt;</a:t>
+            </a:r>
+          </a:p>
+          <a:p>
+            <a:pPr marL="0" indent="0">
+              <a:buNone/>
+            </a:pPr>
+            <a:r>
+              <a:rPr lang="en-US" sz="1400" dirty="0" smtClean="0">
+                <a:latin typeface="Courier New" pitchFamily="49" charset="0"/>
+                <a:cs typeface="Courier New" pitchFamily="49" charset="0"/>
+              </a:rPr>
+              <a:t>    &lt;/</a:t>
+            </a:r>
+            <a:r>
+              <a:rPr lang="en-US" sz="1400" dirty="0">
+                <a:latin typeface="Courier New" pitchFamily="49" charset="0"/>
+                <a:cs typeface="Courier New" pitchFamily="49" charset="0"/>
+              </a:rPr>
+              <a:t>runtime&gt;</a:t>
+            </a:r>
+          </a:p>
+          <a:p>
+            <a:pPr marL="0" indent="0">
+              <a:buNone/>
+            </a:pPr>
+            <a:r>
+              <a:rPr lang="en-US" sz="1400" dirty="0">
+                <a:latin typeface="Courier New" pitchFamily="49" charset="0"/>
+                <a:cs typeface="Courier New" pitchFamily="49" charset="0"/>
+              </a:rPr>
+              <a:t>&lt;/configuration&gt;</a:t>
+            </a:r>
+          </a:p>
+          <a:p>
+            <a:pPr marL="0" indent="0">
+              <a:buNone/>
+            </a:pPr>
+            <a:endParaRPr lang="ru-RU" sz="1400" dirty="0"/>
+          </a:p>
+        </p:txBody>
+      </p:sp>
+      <p:sp>
+        <p:nvSpPr>
+          <p:cNvPr id="4" name="Title 1"/>
+          <p:cNvSpPr txBox="1">
+            <a:spLocks/>
+          </p:cNvSpPr>
+          <p:nvPr/>
+        </p:nvSpPr>
+        <p:spPr>
+          <a:xfrm>
+            <a:off x="457200" y="3798168"/>
+            <a:ext cx="8229600" cy="1143000"/>
+          </a:xfrm>
+          <a:prstGeom prst="rect">
+            <a:avLst/>
+          </a:prstGeom>
+        </p:spPr>
+        <p:txBody>
+          <a:bodyPr vert="horz" lIns="91440" tIns="45720" rIns="91440" bIns="45720" rtlCol="0" anchor="ctr">
+            <a:normAutofit/>
+          </a:bodyPr>
+          <a:lstStyle>
+            <a:lvl1pPr algn="ctr" defTabSz="914400" rtl="0" eaLnBrk="1" latinLnBrk="0" hangingPunct="1">
+              <a:spcBef>
+                <a:spcPct val="0"/>
+              </a:spcBef>
+              <a:buNone/>
+              <a:defRPr sz="4400" kern="1200">
+                <a:solidFill>
+                  <a:schemeClr val="tx1"/>
+                </a:solidFill>
+                <a:latin typeface="+mj-lt"/>
+                <a:ea typeface="+mj-ea"/>
+                <a:cs typeface="+mj-cs"/>
+              </a:defRPr>
+            </a:lvl1pPr>
+          </a:lstStyle>
+          <a:p>
+            <a:r>
+              <a:rPr lang="en-US" dirty="0" err="1" smtClean="0"/>
+              <a:t>Machine.config</a:t>
             </a:r>
             <a:endParaRPr lang="ru-RU" dirty="0"/>
+          </a:p>
+        </p:txBody>
+      </p:sp>
+      <p:sp>
+        <p:nvSpPr>
+          <p:cNvPr id="5" name="TextBox 4"/>
+          <p:cNvSpPr txBox="1"/>
+          <p:nvPr/>
+        </p:nvSpPr>
+        <p:spPr>
+          <a:xfrm>
+            <a:off x="457200" y="5085184"/>
+            <a:ext cx="8229600" cy="523220"/>
+          </a:xfrm>
+          <a:prstGeom prst="rect">
+            <a:avLst/>
+          </a:prstGeom>
+          <a:noFill/>
+        </p:spPr>
+        <p:txBody>
+          <a:bodyPr wrap="square" rtlCol="0">
+            <a:spAutoFit/>
+          </a:bodyPr>
+          <a:lstStyle/>
+          <a:p>
+            <a:r>
+              <a:rPr lang="ru-RU" sz="2800" dirty="0" smtClean="0"/>
+              <a:t>%</a:t>
+            </a:r>
+            <a:r>
+              <a:rPr lang="en-US" sz="2800" dirty="0" err="1" smtClean="0"/>
+              <a:t>windir</a:t>
+            </a:r>
+            <a:r>
+              <a:rPr lang="en-US" sz="2800" dirty="0" smtClean="0"/>
+              <a:t>%\Microsoft.NET\Framework\</a:t>
+            </a:r>
+            <a:r>
+              <a:rPr lang="en-US" sz="2800" dirty="0" err="1" smtClean="0"/>
+              <a:t>x.y.z</a:t>
+            </a:r>
+            <a:r>
+              <a:rPr lang="en-US" sz="2800" dirty="0" smtClean="0"/>
+              <a:t>\CONFIG</a:t>
+            </a:r>
+            <a:endParaRPr lang="ru-RU" sz="2800" dirty="0" smtClean="0"/>
           </a:p>
         </p:txBody>
       </p:sp>
     </p:spTree>
     <p:extLst>
       <p:ext uri="{BB962C8B-B14F-4D97-AF65-F5344CB8AC3E}">
-        <p14:creationId xmlns:p14="http://schemas.microsoft.com/office/powerpoint/2010/main" val="3803663968"/>
+        <p14:creationId xmlns:p14="http://schemas.microsoft.com/office/powerpoint/2010/main" val="4163857979"/>
       </p:ext>
     </p:extLst>
   </p:cSld>
@@ -9724,16 +9746,8 @@
           <a:lstStyle/>
           <a:p>
             <a:r>
-              <a:rPr lang="ru-RU" dirty="0" smtClean="0"/>
-              <a:t>Строгое имя сборки (</a:t>
-            </a:r>
-            <a:r>
-              <a:rPr lang="en-US" dirty="0" smtClean="0"/>
-              <a:t>strong name</a:t>
-            </a:r>
-            <a:r>
-              <a:rPr lang="ru-RU" dirty="0" smtClean="0"/>
-              <a:t>)</a:t>
+              <a:rPr lang="en-US" dirty="0"/>
+              <a:t>Fuslogvw.exe (Assembly Binding Log Viewer)</a:t>
             </a:r>
             <a:endParaRPr lang="ru-RU" dirty="0"/>
           </a:p>
@@ -9752,7 +9766,7 @@
         <p:spPr/>
         <p:txBody>
           <a:bodyPr>
-            <a:normAutofit fontScale="62500" lnSpcReduction="20000"/>
+            <a:normAutofit fontScale="92500" lnSpcReduction="20000"/>
           </a:bodyPr>
           <a:lstStyle/>
           <a:p>
@@ -9760,232 +9774,91 @@
               <a:buNone/>
             </a:pPr>
             <a:r>
-              <a:rPr lang="ru-RU" dirty="0" smtClean="0">
-                <a:solidFill>
-                  <a:schemeClr val="bg1"/>
-                </a:solidFill>
-              </a:rPr>
-              <a:t>Для задания строгово имени сборки необходимы четыре составляющих:</a:t>
+              <a:rPr lang="ru-RU" dirty="0" smtClean="0"/>
+              <a:t>Диагностика проблем с загрузкой сборок. </a:t>
+            </a:r>
+            <a:r>
+              <a:rPr lang="ru-RU" smtClean="0"/>
+              <a:t>Является частью </a:t>
+            </a:r>
+            <a:r>
+              <a:rPr lang="en-US" dirty="0" smtClean="0"/>
+              <a:t>Windows SDK</a:t>
+            </a:r>
+            <a:r>
+              <a:rPr lang="ru-RU" dirty="0" smtClean="0"/>
+              <a:t>.</a:t>
             </a:r>
           </a:p>
           <a:p>
             <a:pPr marL="0" indent="0">
               <a:buNone/>
             </a:pPr>
-            <a:endParaRPr lang="en-US" dirty="0" smtClean="0">
-              <a:solidFill>
-                <a:schemeClr val="bg1"/>
-              </a:solidFill>
+            <a:endParaRPr lang="ru-RU" dirty="0" smtClean="0"/>
+          </a:p>
+          <a:p>
+            <a:r>
+              <a:rPr lang="en-US" dirty="0" smtClean="0"/>
+              <a:t>HKLM\Software\Microsoft\Fusion</a:t>
+            </a:r>
+            <a:endParaRPr lang="ru-RU" dirty="0" smtClean="0"/>
+          </a:p>
+          <a:p>
+            <a:pPr lvl="1"/>
+            <a:r>
+              <a:rPr lang="en-US" dirty="0" err="1"/>
+              <a:t>ForceLog</a:t>
+            </a:r>
+            <a:r>
+              <a:rPr lang="en-US" dirty="0"/>
+              <a:t> </a:t>
+            </a:r>
+            <a:r>
+              <a:rPr lang="ru-RU" dirty="0" smtClean="0"/>
+              <a:t>= 1</a:t>
+            </a:r>
+          </a:p>
+          <a:p>
+            <a:pPr lvl="1"/>
+            <a:r>
+              <a:rPr lang="en-US" dirty="0" err="1" smtClean="0"/>
+              <a:t>LogPath</a:t>
+            </a:r>
+            <a:r>
+              <a:rPr lang="ru-RU" dirty="0" smtClean="0"/>
+              <a:t> – путь к существующей папке для протоколирования</a:t>
+            </a:r>
+          </a:p>
+          <a:p>
+            <a:pPr marL="0" indent="0">
+              <a:buNone/>
+            </a:pPr>
+            <a:endParaRPr lang="ru-RU" dirty="0" smtClean="0">
+              <a:hlinkClick r:id="rId2"/>
             </a:endParaRPr>
           </a:p>
           <a:p>
-            <a:pPr marL="514350" indent="-514350">
-              <a:buFont typeface="+mj-lt"/>
-              <a:buAutoNum type="arabicPeriod"/>
-            </a:pPr>
-            <a:r>
-              <a:rPr lang="ru-RU" dirty="0" smtClean="0">
-                <a:solidFill>
-                  <a:srgbClr val="FFFF00"/>
-                </a:solidFill>
-              </a:rPr>
-              <a:t>Имя сборки</a:t>
-            </a:r>
-            <a:endParaRPr lang="en-US" dirty="0" smtClean="0">
-              <a:solidFill>
-                <a:srgbClr val="FFFF00"/>
-              </a:solidFill>
-            </a:endParaRPr>
-          </a:p>
-          <a:p>
-            <a:pPr lvl="1"/>
-            <a:r>
-              <a:rPr lang="ru-RU" dirty="0" smtClean="0"/>
-              <a:t>Задается в свойствах проекта</a:t>
-            </a:r>
-          </a:p>
-          <a:p>
-            <a:pPr marL="514350" indent="-514350">
-              <a:buFont typeface="+mj-lt"/>
-              <a:buAutoNum type="arabicPeriod"/>
-            </a:pPr>
-            <a:r>
-              <a:rPr lang="ru-RU" dirty="0" smtClean="0">
-                <a:solidFill>
-                  <a:srgbClr val="FFFF00"/>
-                </a:solidFill>
-              </a:rPr>
-              <a:t>Номер версии сборки</a:t>
-            </a:r>
-          </a:p>
-          <a:p>
-            <a:pPr lvl="1"/>
-            <a:r>
-              <a:rPr lang="ru-RU" dirty="0" smtClean="0"/>
-              <a:t>Атрибут </a:t>
-            </a:r>
-            <a:r>
-              <a:rPr lang="en-US" dirty="0" err="1" smtClean="0"/>
-              <a:t>AssemblyVersion</a:t>
-            </a:r>
-            <a:endParaRPr lang="ru-RU" dirty="0" smtClean="0"/>
-          </a:p>
-          <a:p>
-            <a:pPr marL="514350" indent="-514350">
-              <a:buFont typeface="+mj-lt"/>
-              <a:buAutoNum type="arabicPeriod"/>
-            </a:pPr>
-            <a:r>
-              <a:rPr lang="ru-RU" dirty="0" smtClean="0">
-                <a:solidFill>
-                  <a:srgbClr val="FFFF00"/>
-                </a:solidFill>
-              </a:rPr>
-              <a:t>Культура сборки</a:t>
-            </a:r>
-          </a:p>
-          <a:p>
-            <a:pPr lvl="1"/>
-            <a:r>
-              <a:rPr lang="ru-RU" dirty="0" smtClean="0"/>
-              <a:t>Атрибут </a:t>
-            </a:r>
-            <a:r>
-              <a:rPr lang="en-US" dirty="0" err="1" smtClean="0"/>
-              <a:t>AssemblyCulture</a:t>
-            </a:r>
-            <a:endParaRPr lang="ru-RU" dirty="0" smtClean="0"/>
-          </a:p>
-          <a:p>
-            <a:pPr marL="514350" indent="-514350">
-              <a:buFont typeface="+mj-lt"/>
-              <a:buAutoNum type="arabicPeriod"/>
-            </a:pPr>
-            <a:r>
-              <a:rPr lang="en-US" dirty="0" err="1" smtClean="0">
-                <a:solidFill>
-                  <a:srgbClr val="FFFF00"/>
-                </a:solidFill>
-              </a:rPr>
-              <a:t>PublicKeyToken</a:t>
-            </a:r>
-            <a:endParaRPr lang="ru-RU" dirty="0" smtClean="0">
-              <a:solidFill>
-                <a:srgbClr val="FFFF00"/>
-              </a:solidFill>
-            </a:endParaRPr>
-          </a:p>
-          <a:p>
-            <a:pPr lvl="1"/>
-            <a:r>
-              <a:rPr lang="ru-RU" dirty="0" smtClean="0"/>
-              <a:t>Часть </a:t>
-            </a:r>
-            <a:r>
-              <a:rPr lang="en-US" dirty="0" smtClean="0"/>
-              <a:t>public </a:t>
-            </a:r>
-            <a:r>
-              <a:rPr lang="ru-RU" dirty="0" smtClean="0"/>
-              <a:t>ключа из </a:t>
-            </a:r>
-            <a:r>
-              <a:rPr lang="en-US" dirty="0" err="1" smtClean="0"/>
-              <a:t>snk</a:t>
-            </a:r>
-            <a:r>
-              <a:rPr lang="en-US" dirty="0" smtClean="0"/>
-              <a:t> </a:t>
-            </a:r>
-            <a:r>
-              <a:rPr lang="ru-RU" dirty="0" smtClean="0"/>
-              <a:t>файла</a:t>
-            </a:r>
-            <a:endParaRPr lang="en-US" dirty="0" smtClean="0"/>
-          </a:p>
-          <a:p>
-            <a:endParaRPr lang="en-US" dirty="0"/>
-          </a:p>
-          <a:p>
-            <a:r>
-              <a:rPr lang="en-US" sz="2400" dirty="0" err="1"/>
-              <a:t>MyTypes</a:t>
-            </a:r>
-            <a:r>
-              <a:rPr lang="en-US" sz="2400" dirty="0"/>
-              <a:t>, </a:t>
-            </a:r>
-            <a:r>
-              <a:rPr lang="en-US" sz="2400" dirty="0" smtClean="0"/>
-              <a:t>Version=1.0.8123.</a:t>
-            </a:r>
-            <a:r>
-              <a:rPr lang="ru-RU" sz="2400" dirty="0" smtClean="0"/>
-              <a:t>О,</a:t>
-            </a:r>
-            <a:r>
-              <a:rPr lang="en-US" sz="2400" dirty="0" smtClean="0"/>
-              <a:t/>
-            </a:r>
-            <a:br>
-              <a:rPr lang="en-US" sz="2400" dirty="0" smtClean="0"/>
-            </a:br>
-            <a:r>
-              <a:rPr lang="en-US" sz="2400" dirty="0" smtClean="0"/>
-              <a:t>Culture=neutral</a:t>
-            </a:r>
-            <a:r>
-              <a:rPr lang="en-US" sz="2400" dirty="0"/>
-              <a:t>, </a:t>
-            </a:r>
-            <a:r>
-              <a:rPr lang="en-US" sz="2400" dirty="0" err="1" smtClean="0"/>
-              <a:t>PublicKeyToken</a:t>
-            </a:r>
-            <a:r>
-              <a:rPr lang="en-US" sz="2400" dirty="0" smtClean="0"/>
-              <a:t>=b77a5c561934e089</a:t>
-            </a:r>
-          </a:p>
-          <a:p>
-            <a:r>
-              <a:rPr lang="en-US" sz="2400" dirty="0" err="1"/>
-              <a:t>MyTypes</a:t>
-            </a:r>
-            <a:r>
-              <a:rPr lang="en-US" sz="2400" dirty="0"/>
-              <a:t>, </a:t>
-            </a:r>
-            <a:r>
-              <a:rPr lang="en-US" sz="2400" dirty="0" smtClean="0"/>
-              <a:t>Version=1.0.8123.</a:t>
-            </a:r>
-            <a:r>
-              <a:rPr lang="ru-RU" sz="2400" dirty="0"/>
-              <a:t>О,</a:t>
-            </a:r>
-            <a:r>
-              <a:rPr lang="en-US" sz="2400" dirty="0"/>
-              <a:t/>
-            </a:r>
-            <a:br>
-              <a:rPr lang="en-US" sz="2400" dirty="0"/>
-            </a:br>
-            <a:r>
-              <a:rPr lang="en-US" sz="2400" dirty="0" smtClean="0"/>
-              <a:t>Culture=en-US, </a:t>
-            </a:r>
-            <a:r>
-              <a:rPr lang="en-US" sz="2400" dirty="0" err="1"/>
-              <a:t>PublicKeyToken</a:t>
-            </a:r>
-            <a:r>
-              <a:rPr lang="en-US" sz="2400" dirty="0"/>
-              <a:t>=b77a5c561934e089</a:t>
-            </a:r>
-            <a:endParaRPr lang="ru-RU" sz="2400" dirty="0" smtClean="0"/>
-          </a:p>
-          <a:p>
+            <a:pPr marL="0" indent="0">
+              <a:buNone/>
+            </a:pPr>
+            <a:r>
+              <a:rPr lang="en-US" dirty="0" smtClean="0">
+                <a:hlinkClick r:id="rId2"/>
+              </a:rPr>
+              <a:t>http</a:t>
+            </a:r>
+            <a:r>
+              <a:rPr lang="en-US" dirty="0">
+                <a:hlinkClick r:id="rId2"/>
+              </a:rPr>
+              <a:t>://</a:t>
+            </a:r>
+            <a:r>
+              <a:rPr lang="en-US" dirty="0" smtClean="0">
+                <a:hlinkClick r:id="rId2"/>
+              </a:rPr>
+              <a:t>msdn.microsoft.com/en-us/library/e74a18c4%28v=vs.110%29.aspx</a:t>
+            </a:r>
             <a:endParaRPr lang="ru-RU" dirty="0"/>
           </a:p>
         </p:txBody>
@@ -9993,7 +9866,7 @@
     </p:spTree>
     <p:extLst>
       <p:ext uri="{BB962C8B-B14F-4D97-AF65-F5344CB8AC3E}">
-        <p14:creationId xmlns:p14="http://schemas.microsoft.com/office/powerpoint/2010/main" val="1579629595"/>
+        <p14:creationId xmlns:p14="http://schemas.microsoft.com/office/powerpoint/2010/main" val="3803663968"/>
       </p:ext>
     </p:extLst>
   </p:cSld>
@@ -10039,6 +9912,327 @@
         </p:nvSpPr>
         <p:spPr/>
         <p:txBody>
+          <a:bodyPr>
+            <a:normAutofit fontScale="90000"/>
+          </a:bodyPr>
+          <a:lstStyle/>
+          <a:p>
+            <a:r>
+              <a:rPr lang="ru-RU" dirty="0" smtClean="0"/>
+              <a:t>Строгое имя сборки (</a:t>
+            </a:r>
+            <a:r>
+              <a:rPr lang="en-US" dirty="0" smtClean="0"/>
+              <a:t>strong name</a:t>
+            </a:r>
+            <a:r>
+              <a:rPr lang="ru-RU" dirty="0" smtClean="0"/>
+              <a:t>)</a:t>
+            </a:r>
+            <a:endParaRPr lang="ru-RU" dirty="0"/>
+          </a:p>
+        </p:txBody>
+      </p:sp>
+      <p:sp>
+        <p:nvSpPr>
+          <p:cNvPr id="3" name="Content Placeholder 2"/>
+          <p:cNvSpPr>
+            <a:spLocks noGrp="1"/>
+          </p:cNvSpPr>
+          <p:nvPr>
+            <p:ph idx="1"/>
+          </p:nvPr>
+        </p:nvSpPr>
+        <p:spPr/>
+        <p:txBody>
+          <a:bodyPr>
+            <a:normAutofit fontScale="62500" lnSpcReduction="20000"/>
+          </a:bodyPr>
+          <a:lstStyle/>
+          <a:p>
+            <a:pPr marL="0" indent="0">
+              <a:buNone/>
+            </a:pPr>
+            <a:r>
+              <a:rPr lang="ru-RU" dirty="0" smtClean="0">
+                <a:solidFill>
+                  <a:schemeClr val="bg1"/>
+                </a:solidFill>
+              </a:rPr>
+              <a:t>Для задания строгово имени сборки необходимы четыре составляющих:</a:t>
+            </a:r>
+          </a:p>
+          <a:p>
+            <a:pPr marL="0" indent="0">
+              <a:buNone/>
+            </a:pPr>
+            <a:endParaRPr lang="en-US" dirty="0" smtClean="0">
+              <a:solidFill>
+                <a:schemeClr val="bg1"/>
+              </a:solidFill>
+            </a:endParaRPr>
+          </a:p>
+          <a:p>
+            <a:pPr marL="514350" indent="-514350">
+              <a:buFont typeface="+mj-lt"/>
+              <a:buAutoNum type="arabicPeriod"/>
+            </a:pPr>
+            <a:r>
+              <a:rPr lang="ru-RU" dirty="0" smtClean="0">
+                <a:solidFill>
+                  <a:srgbClr val="FFFF00"/>
+                </a:solidFill>
+              </a:rPr>
+              <a:t>Имя сборки</a:t>
+            </a:r>
+            <a:endParaRPr lang="en-US" dirty="0" smtClean="0">
+              <a:solidFill>
+                <a:srgbClr val="FFFF00"/>
+              </a:solidFill>
+            </a:endParaRPr>
+          </a:p>
+          <a:p>
+            <a:pPr lvl="1"/>
+            <a:r>
+              <a:rPr lang="ru-RU" dirty="0" smtClean="0"/>
+              <a:t>Задается в свойствах проекта</a:t>
+            </a:r>
+          </a:p>
+          <a:p>
+            <a:pPr marL="514350" indent="-514350">
+              <a:buFont typeface="+mj-lt"/>
+              <a:buAutoNum type="arabicPeriod"/>
+            </a:pPr>
+            <a:r>
+              <a:rPr lang="ru-RU" dirty="0" smtClean="0">
+                <a:solidFill>
+                  <a:srgbClr val="FFFF00"/>
+                </a:solidFill>
+              </a:rPr>
+              <a:t>Номер версии сборки</a:t>
+            </a:r>
+          </a:p>
+          <a:p>
+            <a:pPr lvl="1"/>
+            <a:r>
+              <a:rPr lang="ru-RU" dirty="0" smtClean="0"/>
+              <a:t>Атрибут </a:t>
+            </a:r>
+            <a:r>
+              <a:rPr lang="en-US" dirty="0" err="1" smtClean="0"/>
+              <a:t>AssemblyVersion</a:t>
+            </a:r>
+            <a:endParaRPr lang="ru-RU" dirty="0" smtClean="0"/>
+          </a:p>
+          <a:p>
+            <a:pPr marL="514350" indent="-514350">
+              <a:buFont typeface="+mj-lt"/>
+              <a:buAutoNum type="arabicPeriod"/>
+            </a:pPr>
+            <a:r>
+              <a:rPr lang="ru-RU" dirty="0" smtClean="0">
+                <a:solidFill>
+                  <a:srgbClr val="FFFF00"/>
+                </a:solidFill>
+              </a:rPr>
+              <a:t>Культура сборки</a:t>
+            </a:r>
+          </a:p>
+          <a:p>
+            <a:pPr lvl="1"/>
+            <a:r>
+              <a:rPr lang="ru-RU" dirty="0" smtClean="0"/>
+              <a:t>Атрибут </a:t>
+            </a:r>
+            <a:r>
+              <a:rPr lang="en-US" dirty="0" err="1" smtClean="0"/>
+              <a:t>AssemblyCulture</a:t>
+            </a:r>
+            <a:endParaRPr lang="ru-RU" dirty="0" smtClean="0"/>
+          </a:p>
+          <a:p>
+            <a:pPr marL="514350" indent="-514350">
+              <a:buFont typeface="+mj-lt"/>
+              <a:buAutoNum type="arabicPeriod"/>
+            </a:pPr>
+            <a:r>
+              <a:rPr lang="en-US" dirty="0" err="1" smtClean="0">
+                <a:solidFill>
+                  <a:srgbClr val="FFFF00"/>
+                </a:solidFill>
+              </a:rPr>
+              <a:t>PublicKeyToken</a:t>
+            </a:r>
+            <a:endParaRPr lang="ru-RU" dirty="0" smtClean="0">
+              <a:solidFill>
+                <a:srgbClr val="FFFF00"/>
+              </a:solidFill>
+            </a:endParaRPr>
+          </a:p>
+          <a:p>
+            <a:pPr lvl="1"/>
+            <a:r>
+              <a:rPr lang="ru-RU" dirty="0" smtClean="0"/>
+              <a:t>Часть </a:t>
+            </a:r>
+            <a:r>
+              <a:rPr lang="en-US" dirty="0" smtClean="0"/>
+              <a:t>public </a:t>
+            </a:r>
+            <a:r>
+              <a:rPr lang="ru-RU" dirty="0" smtClean="0"/>
+              <a:t>ключа из </a:t>
+            </a:r>
+            <a:r>
+              <a:rPr lang="en-US" dirty="0" err="1" smtClean="0"/>
+              <a:t>snk</a:t>
+            </a:r>
+            <a:r>
+              <a:rPr lang="en-US" dirty="0" smtClean="0"/>
+              <a:t> </a:t>
+            </a:r>
+            <a:r>
+              <a:rPr lang="ru-RU" dirty="0" smtClean="0"/>
+              <a:t>файла</a:t>
+            </a:r>
+            <a:endParaRPr lang="en-US" dirty="0" smtClean="0"/>
+          </a:p>
+          <a:p>
+            <a:endParaRPr lang="en-US" dirty="0"/>
+          </a:p>
+          <a:p>
+            <a:r>
+              <a:rPr lang="en-US" sz="2400" dirty="0" err="1"/>
+              <a:t>MyTypes</a:t>
+            </a:r>
+            <a:r>
+              <a:rPr lang="en-US" sz="2400" dirty="0"/>
+              <a:t>, </a:t>
+            </a:r>
+            <a:r>
+              <a:rPr lang="en-US" sz="2400" dirty="0" smtClean="0"/>
+              <a:t>Version=1.0.8123.</a:t>
+            </a:r>
+            <a:r>
+              <a:rPr lang="ru-RU" sz="2400" dirty="0" smtClean="0"/>
+              <a:t>О,</a:t>
+            </a:r>
+            <a:r>
+              <a:rPr lang="en-US" sz="2400" dirty="0" smtClean="0"/>
+              <a:t/>
+            </a:r>
+            <a:br>
+              <a:rPr lang="en-US" sz="2400" dirty="0" smtClean="0"/>
+            </a:br>
+            <a:r>
+              <a:rPr lang="en-US" sz="2400" dirty="0" smtClean="0"/>
+              <a:t>Culture=neutral</a:t>
+            </a:r>
+            <a:r>
+              <a:rPr lang="en-US" sz="2400" dirty="0"/>
+              <a:t>, </a:t>
+            </a:r>
+            <a:r>
+              <a:rPr lang="en-US" sz="2400" dirty="0" err="1" smtClean="0"/>
+              <a:t>PublicKeyToken</a:t>
+            </a:r>
+            <a:r>
+              <a:rPr lang="en-US" sz="2400" dirty="0" smtClean="0"/>
+              <a:t>=b77a5c561934e089</a:t>
+            </a:r>
+          </a:p>
+          <a:p>
+            <a:r>
+              <a:rPr lang="en-US" sz="2400" dirty="0" err="1"/>
+              <a:t>MyTypes</a:t>
+            </a:r>
+            <a:r>
+              <a:rPr lang="en-US" sz="2400" dirty="0"/>
+              <a:t>, </a:t>
+            </a:r>
+            <a:r>
+              <a:rPr lang="en-US" sz="2400" dirty="0" smtClean="0"/>
+              <a:t>Version=1.0.8123.</a:t>
+            </a:r>
+            <a:r>
+              <a:rPr lang="ru-RU" sz="2400" dirty="0"/>
+              <a:t>О,</a:t>
+            </a:r>
+            <a:r>
+              <a:rPr lang="en-US" sz="2400" dirty="0"/>
+              <a:t/>
+            </a:r>
+            <a:br>
+              <a:rPr lang="en-US" sz="2400" dirty="0"/>
+            </a:br>
+            <a:r>
+              <a:rPr lang="en-US" sz="2400" dirty="0" smtClean="0"/>
+              <a:t>Culture=en-US, </a:t>
+            </a:r>
+            <a:r>
+              <a:rPr lang="en-US" sz="2400" dirty="0" err="1"/>
+              <a:t>PublicKeyToken</a:t>
+            </a:r>
+            <a:r>
+              <a:rPr lang="en-US" sz="2400" dirty="0"/>
+              <a:t>=b77a5c561934e089</a:t>
+            </a:r>
+            <a:endParaRPr lang="ru-RU" sz="2400" dirty="0" smtClean="0"/>
+          </a:p>
+          <a:p>
+            <a:endParaRPr lang="ru-RU" dirty="0"/>
+          </a:p>
+        </p:txBody>
+      </p:sp>
+    </p:spTree>
+    <p:extLst>
+      <p:ext uri="{BB962C8B-B14F-4D97-AF65-F5344CB8AC3E}">
+        <p14:creationId xmlns:p14="http://schemas.microsoft.com/office/powerpoint/2010/main" val="1579629595"/>
+      </p:ext>
+    </p:extLst>
+  </p:cSld>
+  <p:clrMapOvr>
+    <a:masterClrMapping/>
+  </p:clrMapOvr>
+  <p:timing>
+    <p:tnLst>
+      <p:par>
+        <p:cTn id="1" dur="indefinite" restart="never" nodeType="tmRoot"/>
+      </p:par>
+    </p:tnLst>
+  </p:timing>
+</p:sld>
+</file>
+
+<file path=ppt/slides/slide25.xml><?xml version="1.0" encoding="utf-8"?>
+<p:sld xmlns:a="http://schemas.openxmlformats.org/drawingml/2006/main" xmlns:r="http://schemas.openxmlformats.org/officeDocument/2006/relationships" xmlns:p="http://schemas.openxmlformats.org/presentationml/2006/main">
+  <p:cSld>
+    <p:spTree>
+      <p:nvGrpSpPr>
+        <p:cNvPr id="1" name=""/>
+        <p:cNvGrpSpPr/>
+        <p:nvPr/>
+      </p:nvGrpSpPr>
+      <p:grpSpPr>
+        <a:xfrm>
+          <a:off x="0" y="0"/>
+          <a:ext cx="0" cy="0"/>
+          <a:chOff x="0" y="0"/>
+          <a:chExt cx="0" cy="0"/>
+        </a:xfrm>
+      </p:grpSpPr>
+      <p:sp>
+        <p:nvSpPr>
+          <p:cNvPr id="2" name="Title 1"/>
+          <p:cNvSpPr>
+            <a:spLocks noGrp="1"/>
+          </p:cNvSpPr>
+          <p:nvPr>
+            <p:ph type="title"/>
+          </p:nvPr>
+        </p:nvSpPr>
+        <p:spPr/>
+        <p:txBody>
           <a:bodyPr/>
           <a:lstStyle/>
           <a:p>
@@ -10469,7 +10663,7 @@
 </p:sld>
 </file>
 
-<file path=ppt/slides/slide25.xml><?xml version="1.0" encoding="utf-8"?>
+<file path=ppt/slides/slide26.xml><?xml version="1.0" encoding="utf-8"?>
 <p:sld xmlns:a="http://schemas.openxmlformats.org/drawingml/2006/main" xmlns:r="http://schemas.openxmlformats.org/officeDocument/2006/relationships" xmlns:p="http://schemas.openxmlformats.org/presentationml/2006/main">
   <p:cSld>
     <p:spTree>
@@ -10992,7 +11186,7 @@
 </p:sld>
 </file>
 
-<file path=ppt/slides/slide26.xml><?xml version="1.0" encoding="utf-8"?>
+<file path=ppt/slides/slide27.xml><?xml version="1.0" encoding="utf-8"?>
 <p:sld xmlns:a="http://schemas.openxmlformats.org/drawingml/2006/main" xmlns:r="http://schemas.openxmlformats.org/officeDocument/2006/relationships" xmlns:p="http://schemas.openxmlformats.org/presentationml/2006/main">
   <p:cSld>
     <p:spTree>
@@ -11140,7 +11334,7 @@
 </p:sld>
 </file>
 
-<file path=ppt/slides/slide27.xml><?xml version="1.0" encoding="utf-8"?>
+<file path=ppt/slides/slide28.xml><?xml version="1.0" encoding="utf-8"?>
 <p:sld xmlns:a="http://schemas.openxmlformats.org/drawingml/2006/main" xmlns:r="http://schemas.openxmlformats.org/officeDocument/2006/relationships" xmlns:p="http://schemas.openxmlformats.org/presentationml/2006/main">
   <p:cSld>
     <p:spTree>
@@ -11513,7 +11707,7 @@
 </p:sld>
 </file>
 
-<file path=ppt/slides/slide28.xml><?xml version="1.0" encoding="utf-8"?>
+<file path=ppt/slides/slide29.xml><?xml version="1.0" encoding="utf-8"?>
 <p:sld xmlns:a="http://schemas.openxmlformats.org/drawingml/2006/main" xmlns:r="http://schemas.openxmlformats.org/officeDocument/2006/relationships" xmlns:p="http://schemas.openxmlformats.org/presentationml/2006/main">
   <p:cSld>
     <p:spTree>
@@ -12208,159 +12402,6 @@
     <p:extLst>
       <p:ext uri="{BB962C8B-B14F-4D97-AF65-F5344CB8AC3E}">
         <p14:creationId xmlns:p14="http://schemas.microsoft.com/office/powerpoint/2010/main" val="3864391885"/>
-      </p:ext>
-    </p:extLst>
-  </p:cSld>
-  <p:clrMapOvr>
-    <a:masterClrMapping/>
-  </p:clrMapOvr>
-  <p:timing>
-    <p:tnLst>
-      <p:par>
-        <p:cTn id="1" dur="indefinite" restart="never" nodeType="tmRoot"/>
-      </p:par>
-    </p:tnLst>
-  </p:timing>
-</p:sld>
-</file>
-
-<file path=ppt/slides/slide29.xml><?xml version="1.0" encoding="utf-8"?>
-<p:sld xmlns:a="http://schemas.openxmlformats.org/drawingml/2006/main" xmlns:r="http://schemas.openxmlformats.org/officeDocument/2006/relationships" xmlns:p="http://schemas.openxmlformats.org/presentationml/2006/main">
-  <p:cSld>
-    <p:spTree>
-      <p:nvGrpSpPr>
-        <p:cNvPr id="1" name=""/>
-        <p:cNvGrpSpPr/>
-        <p:nvPr/>
-      </p:nvGrpSpPr>
-      <p:grpSpPr>
-        <a:xfrm>
-          <a:off x="0" y="0"/>
-          <a:ext cx="0" cy="0"/>
-          <a:chOff x="0" y="0"/>
-          <a:chExt cx="0" cy="0"/>
-        </a:xfrm>
-      </p:grpSpPr>
-      <p:sp>
-        <p:nvSpPr>
-          <p:cNvPr id="2" name="Title 1"/>
-          <p:cNvSpPr>
-            <a:spLocks noGrp="1"/>
-          </p:cNvSpPr>
-          <p:nvPr>
-            <p:ph type="title"/>
-          </p:nvPr>
-        </p:nvSpPr>
-        <p:spPr/>
-        <p:txBody>
-          <a:bodyPr/>
-          <a:lstStyle/>
-          <a:p>
-            <a:r>
-              <a:rPr lang="en-US" dirty="0" smtClean="0"/>
-              <a:t>Portable Class Library</a:t>
-            </a:r>
-            <a:endParaRPr lang="en-US" dirty="0"/>
-          </a:p>
-        </p:txBody>
-      </p:sp>
-      <p:sp>
-        <p:nvSpPr>
-          <p:cNvPr id="3" name="Content Placeholder 2"/>
-          <p:cNvSpPr>
-            <a:spLocks noGrp="1"/>
-          </p:cNvSpPr>
-          <p:nvPr>
-            <p:ph idx="1"/>
-          </p:nvPr>
-        </p:nvSpPr>
-        <p:spPr/>
-        <p:txBody>
-          <a:bodyPr>
-            <a:normAutofit fontScale="92500" lnSpcReduction="20000"/>
-          </a:bodyPr>
-          <a:lstStyle/>
-          <a:p>
-            <a:pPr marL="0" indent="0">
-              <a:buNone/>
-            </a:pPr>
-            <a:r>
-              <a:rPr lang="ru-RU" dirty="0" smtClean="0"/>
-              <a:t>Проекты </a:t>
-            </a:r>
-            <a:r>
-              <a:rPr lang="en-US" dirty="0"/>
-              <a:t>Portable Class </a:t>
-            </a:r>
-            <a:r>
-              <a:rPr lang="en-US" dirty="0" smtClean="0"/>
-              <a:t>Library</a:t>
-            </a:r>
-            <a:r>
-              <a:rPr lang="ru-RU" dirty="0" smtClean="0"/>
-              <a:t> позволяют создавать сборки переносимые между разными </a:t>
-            </a:r>
-            <a:r>
-              <a:rPr lang="en-US" dirty="0" smtClean="0"/>
-              <a:t>.NET </a:t>
-            </a:r>
-            <a:r>
-              <a:rPr lang="ru-RU" dirty="0" smtClean="0"/>
-              <a:t>платформами: </a:t>
-            </a:r>
-            <a:r>
-              <a:rPr lang="en-US" dirty="0" smtClean="0"/>
-              <a:t>Windows, Windows Store (Metro), Silverlight, Windows Phone, Xbox 360. </a:t>
-            </a:r>
-            <a:r>
-              <a:rPr lang="ru-RU" dirty="0" smtClean="0"/>
-              <a:t>При создании проекта мы вибираем под какие платформы мы создаем библиотеку и тем самым добровольно ограничиваем себе возможности ради переносимости.</a:t>
-            </a:r>
-          </a:p>
-          <a:p>
-            <a:pPr marL="0" indent="0">
-              <a:buNone/>
-            </a:pPr>
-            <a:endParaRPr lang="ru-RU" dirty="0"/>
-          </a:p>
-          <a:p>
-            <a:pPr marL="0" indent="0">
-              <a:buNone/>
-            </a:pPr>
-            <a:r>
-              <a:rPr lang="ru-RU" dirty="0" smtClean="0"/>
-              <a:t>Подробности смотрите в </a:t>
-            </a:r>
-            <a:r>
-              <a:rPr lang="en-US" dirty="0" smtClean="0">
-                <a:hlinkClick r:id="rId2"/>
-              </a:rPr>
-              <a:t>Cross-Platform </a:t>
-            </a:r>
-            <a:r>
-              <a:rPr lang="en-US" dirty="0">
-                <a:hlinkClick r:id="rId2"/>
-              </a:rPr>
-              <a:t>Development with the .NET </a:t>
-            </a:r>
-            <a:r>
-              <a:rPr lang="en-US" dirty="0" smtClean="0">
-                <a:hlinkClick r:id="rId2"/>
-              </a:rPr>
-              <a:t>Framework</a:t>
-            </a:r>
-            <a:r>
-              <a:rPr lang="ru-RU" dirty="0" smtClean="0"/>
-              <a:t>.</a:t>
-            </a:r>
-            <a:endParaRPr lang="en-US" dirty="0"/>
-          </a:p>
-        </p:txBody>
-      </p:sp>
-    </p:spTree>
-    <p:extLst>
-      <p:ext uri="{BB962C8B-B14F-4D97-AF65-F5344CB8AC3E}">
-        <p14:creationId xmlns:p14="http://schemas.microsoft.com/office/powerpoint/2010/main" val="2977831934"/>
       </p:ext>
     </p:extLst>
   </p:cSld>
@@ -13112,19 +13153,7 @@
           <a:p>
             <a:r>
               <a:rPr lang="en-US" dirty="0" smtClean="0"/>
-              <a:t>CLS</a:t>
-            </a:r>
-            <a:r>
-              <a:rPr lang="ru-RU" dirty="0" smtClean="0"/>
-              <a:t> совместимые</a:t>
-            </a:r>
-            <a:r>
-              <a:rPr lang="en-US" dirty="0" smtClean="0"/>
-              <a:t> </a:t>
-            </a:r>
-            <a:r>
-              <a:rPr lang="ru-RU" dirty="0" smtClean="0"/>
-              <a:t>сборки</a:t>
+              <a:t>Portable Class Library</a:t>
             </a:r>
             <a:endParaRPr lang="en-US" dirty="0"/>
           </a:p>
@@ -13140,15 +13169,10 @@
             <p:ph idx="1"/>
           </p:nvPr>
         </p:nvSpPr>
-        <p:spPr>
-          <a:xfrm>
-            <a:off x="242616" y="1556792"/>
-            <a:ext cx="8649864" cy="4061048"/>
-          </a:xfrm>
-        </p:spPr>
+        <p:spPr/>
         <p:txBody>
           <a:bodyPr>
-            <a:normAutofit fontScale="70000" lnSpcReduction="20000"/>
+            <a:normAutofit fontScale="92500" lnSpcReduction="20000"/>
           </a:bodyPr>
           <a:lstStyle/>
           <a:p>
@@ -13157,233 +13181,81 @@
             </a:pPr>
             <a:r>
               <a:rPr lang="ru-RU" dirty="0" smtClean="0"/>
-              <a:t>Если вы создает библиотеку (сборку) для внешнего использования и хотите быть уверенными что её можно будет использовать из программ написанных на других языках (таких как </a:t>
+              <a:t>Проекты </a:t>
+            </a:r>
+            <a:r>
+              <a:rPr lang="en-US" dirty="0"/>
+              <a:t>Portable Class </a:t>
             </a:r>
             <a:r>
               <a:rPr lang="en-US" dirty="0" smtClean="0"/>
-              <a:t>VB.NET, F# </a:t>
+              <a:t>Library</a:t>
             </a:r>
             <a:r>
               <a:rPr lang="ru-RU" dirty="0" smtClean="0"/>
-              <a:t>и других)</a:t>
+              <a:t> позволяют создавать сборки переносимые между разными </a:t>
             </a:r>
             <a:r>
               <a:rPr lang="en-US" dirty="0" smtClean="0"/>
-              <a:t>, </a:t>
+              <a:t>.NET </a:t>
             </a:r>
             <a:r>
               <a:rPr lang="ru-RU" dirty="0" smtClean="0"/>
-              <a:t>то добавьте к свой сборке атрибут </a:t>
-            </a:r>
-            <a:r>
-              <a:rPr lang="en-US" dirty="0" err="1" smtClean="0"/>
-              <a:t>System.CLSCompliantAttribute</a:t>
+              <a:t>платформами: </a:t>
             </a:r>
             <a:r>
               <a:rPr lang="en-US" dirty="0" smtClean="0"/>
-              <a:t>.</a:t>
+              <a:t>Windows, Windows Store (Metro), Silverlight, Windows Phone, Xbox 360. </a:t>
+            </a:r>
+            <a:r>
+              <a:rPr lang="ru-RU" dirty="0" smtClean="0"/>
+              <a:t>При создании проекта мы вибираем под какие платформы мы создаем библиотеку и тем самым добровольно ограничиваем себе возможности ради переносимости.</a:t>
             </a:r>
           </a:p>
           <a:p>
             <a:pPr marL="0" indent="0">
               <a:buNone/>
             </a:pPr>
-            <a:endParaRPr lang="en-US" dirty="0"/>
+            <a:endParaRPr lang="ru-RU" dirty="0"/>
           </a:p>
           <a:p>
             <a:pPr marL="0" indent="0">
               <a:buNone/>
             </a:pPr>
             <a:r>
-              <a:rPr lang="en-US" dirty="0" smtClean="0"/>
-              <a:t>CLS </a:t>
-            </a:r>
-            <a:r>
               <a:rPr lang="ru-RU" dirty="0" smtClean="0"/>
-              <a:t>(</a:t>
-            </a:r>
-            <a:r>
-              <a:rPr lang="en-US" dirty="0" smtClean="0"/>
-              <a:t>Common Language Specification</a:t>
-            </a:r>
-            <a:r>
-              <a:rPr lang="ru-RU" dirty="0" smtClean="0"/>
-              <a:t>)</a:t>
-            </a:r>
-            <a:r>
-              <a:rPr lang="en-US" dirty="0" smtClean="0"/>
-              <a:t> </a:t>
-            </a:r>
-            <a:r>
-              <a:rPr lang="ru-RU" dirty="0" smtClean="0"/>
-              <a:t>является набором требований (ограничений) к языку позволяющее ему «бесшовно» взаимодействовать с программами на других языках. Это необходимо так как, </a:t>
-            </a:r>
-            <a:r>
-              <a:rPr lang="ru-RU" dirty="0"/>
-              <a:t>н</a:t>
-            </a:r>
-            <a:r>
-              <a:rPr lang="ru-RU" dirty="0" smtClean="0"/>
-              <a:t>есмотря на наличие «общего знаменателя» в виде </a:t>
-            </a:r>
-            <a:r>
-              <a:rPr lang="en-US" dirty="0" smtClean="0"/>
-              <a:t>IL </a:t>
-            </a:r>
-            <a:r>
-              <a:rPr lang="ru-RU" dirty="0" smtClean="0"/>
-              <a:t>кода, языки могут иметь весьма сильные различия. Компилятор </a:t>
-            </a:r>
-            <a:r>
-              <a:rPr lang="en-US" dirty="0" smtClean="0"/>
-              <a:t>C# </a:t>
-            </a:r>
-            <a:r>
-              <a:rPr lang="ru-RU" smtClean="0"/>
-              <a:t>проверяет </a:t>
-            </a:r>
-            <a:r>
-              <a:rPr lang="ru-RU" dirty="0" smtClean="0"/>
-              <a:t>программу на соответствие этим требованиям, только при наличии атрибута </a:t>
-            </a:r>
-            <a:r>
-              <a:rPr lang="en-US" dirty="0" err="1" smtClean="0"/>
-              <a:t>CLSCompliant</a:t>
+              <a:t>Подробности смотрите в </a:t>
+            </a:r>
+            <a:r>
+              <a:rPr lang="en-US" dirty="0" smtClean="0">
+                <a:hlinkClick r:id="rId2"/>
+              </a:rPr>
+              <a:t>Cross-Platform </a:t>
+            </a:r>
+            <a:r>
+              <a:rPr lang="en-US" dirty="0">
+                <a:hlinkClick r:id="rId2"/>
+              </a:rPr>
+              <a:t>Development with the .NET </a:t>
+            </a:r>
+            <a:r>
+              <a:rPr lang="en-US" dirty="0" smtClean="0">
+                <a:hlinkClick r:id="rId2"/>
+              </a:rPr>
+              <a:t>Framework</a:t>
             </a:r>
             <a:r>
               <a:rPr lang="ru-RU" dirty="0" smtClean="0"/>
               <a:t>.</a:t>
             </a:r>
             <a:endParaRPr lang="en-US" dirty="0"/>
-          </a:p>
-        </p:txBody>
-      </p:sp>
-      <p:sp>
-        <p:nvSpPr>
-          <p:cNvPr id="4" name="TextBox 3"/>
-          <p:cNvSpPr txBox="1"/>
-          <p:nvPr/>
-        </p:nvSpPr>
-        <p:spPr>
-          <a:xfrm>
-            <a:off x="251520" y="5805264"/>
-            <a:ext cx="8640960" cy="307777"/>
-          </a:xfrm>
-          <a:prstGeom prst="rect">
-            <a:avLst/>
-          </a:prstGeom>
-          <a:solidFill>
-            <a:schemeClr val="bg1"/>
-          </a:solidFill>
-        </p:spPr>
-        <p:txBody>
-          <a:bodyPr wrap="square" rtlCol="0">
-            <a:spAutoFit/>
-          </a:bodyPr>
-          <a:lstStyle/>
-          <a:p>
-            <a:r>
-              <a:rPr lang="en-US" sz="1400" dirty="0" smtClean="0">
-                <a:solidFill>
-                  <a:srgbClr val="000000"/>
-                </a:solidFill>
-                <a:highlight>
-                  <a:srgbClr val="FFFFFF"/>
-                </a:highlight>
-                <a:latin typeface="Courier New" panose="02070309020205020404" pitchFamily="49" charset="0"/>
-                <a:cs typeface="Courier New" panose="02070309020205020404" pitchFamily="49" charset="0"/>
-              </a:rPr>
-              <a:t>[</a:t>
-            </a:r>
-            <a:r>
-              <a:rPr lang="en-US" sz="1400" dirty="0" smtClean="0">
-                <a:solidFill>
-                  <a:srgbClr val="0000FF"/>
-                </a:solidFill>
-                <a:highlight>
-                  <a:srgbClr val="FFFFFF"/>
-                </a:highlight>
-                <a:latin typeface="Courier New" panose="02070309020205020404" pitchFamily="49" charset="0"/>
-                <a:cs typeface="Courier New" panose="02070309020205020404" pitchFamily="49" charset="0"/>
-              </a:rPr>
-              <a:t>assembly</a:t>
-            </a:r>
-            <a:r>
-              <a:rPr lang="en-US" sz="1400" dirty="0">
-                <a:solidFill>
-                  <a:srgbClr val="000000"/>
-                </a:solidFill>
-                <a:highlight>
-                  <a:srgbClr val="FFFFFF"/>
-                </a:highlight>
-                <a:latin typeface="Courier New" panose="02070309020205020404" pitchFamily="49" charset="0"/>
-                <a:cs typeface="Courier New" panose="02070309020205020404" pitchFamily="49" charset="0"/>
-              </a:rPr>
-              <a:t>: </a:t>
-            </a:r>
-            <a:r>
-              <a:rPr lang="en-US" sz="1400" dirty="0" err="1">
-                <a:solidFill>
-                  <a:srgbClr val="2B91AF"/>
-                </a:solidFill>
-                <a:highlight>
-                  <a:srgbClr val="FFFFFF"/>
-                </a:highlight>
-                <a:latin typeface="Courier New" panose="02070309020205020404" pitchFamily="49" charset="0"/>
-                <a:cs typeface="Courier New" panose="02070309020205020404" pitchFamily="49" charset="0"/>
-              </a:rPr>
-              <a:t>CLSCompliant</a:t>
-            </a:r>
-            <a:r>
-              <a:rPr lang="en-US" sz="1400" dirty="0">
-                <a:solidFill>
-                  <a:srgbClr val="000000"/>
-                </a:solidFill>
-                <a:highlight>
-                  <a:srgbClr val="FFFFFF"/>
-                </a:highlight>
-                <a:latin typeface="Courier New" panose="02070309020205020404" pitchFamily="49" charset="0"/>
-                <a:cs typeface="Courier New" panose="02070309020205020404" pitchFamily="49" charset="0"/>
-              </a:rPr>
-              <a:t>(</a:t>
-            </a:r>
-            <a:r>
-              <a:rPr lang="en-US" sz="1400" dirty="0">
-                <a:solidFill>
-                  <a:srgbClr val="0000FF"/>
-                </a:solidFill>
-                <a:highlight>
-                  <a:srgbClr val="FFFFFF"/>
-                </a:highlight>
-                <a:latin typeface="Courier New" panose="02070309020205020404" pitchFamily="49" charset="0"/>
-                <a:cs typeface="Courier New" panose="02070309020205020404" pitchFamily="49" charset="0"/>
-              </a:rPr>
-              <a:t>true</a:t>
-            </a:r>
-            <a:r>
-              <a:rPr lang="en-US" sz="1400" dirty="0" smtClean="0">
-                <a:solidFill>
-                  <a:srgbClr val="000000"/>
-                </a:solidFill>
-                <a:highlight>
-                  <a:srgbClr val="FFFFFF"/>
-                </a:highlight>
-                <a:latin typeface="Courier New" panose="02070309020205020404" pitchFamily="49" charset="0"/>
-                <a:cs typeface="Courier New" panose="02070309020205020404" pitchFamily="49" charset="0"/>
-              </a:rPr>
-              <a:t>)]</a:t>
-            </a:r>
-            <a:endParaRPr lang="ru-RU" sz="1400" dirty="0" smtClean="0">
-              <a:latin typeface="Courier New" panose="02070309020205020404" pitchFamily="49" charset="0"/>
-              <a:cs typeface="Courier New" panose="02070309020205020404" pitchFamily="49" charset="0"/>
-            </a:endParaRPr>
           </a:p>
         </p:txBody>
       </p:sp>
     </p:spTree>
     <p:extLst>
       <p:ext uri="{BB962C8B-B14F-4D97-AF65-F5344CB8AC3E}">
-        <p14:creationId xmlns:p14="http://schemas.microsoft.com/office/powerpoint/2010/main" val="910520611"/>
+        <p14:creationId xmlns:p14="http://schemas.microsoft.com/office/powerpoint/2010/main" val="2977831934"/>
       </p:ext>
     </p:extLst>
   </p:cSld>
@@ -13433,6 +13305,328 @@
           <a:lstStyle/>
           <a:p>
             <a:r>
+              <a:rPr lang="en-US" dirty="0" smtClean="0"/>
+              <a:t>CLS</a:t>
+            </a:r>
+            <a:r>
+              <a:rPr lang="ru-RU" dirty="0" smtClean="0"/>
+              <a:t> совместимые</a:t>
+            </a:r>
+            <a:r>
+              <a:rPr lang="en-US" dirty="0" smtClean="0"/>
+              <a:t> </a:t>
+            </a:r>
+            <a:r>
+              <a:rPr lang="ru-RU" dirty="0" smtClean="0"/>
+              <a:t>сборки</a:t>
+            </a:r>
+            <a:endParaRPr lang="en-US" dirty="0"/>
+          </a:p>
+        </p:txBody>
+      </p:sp>
+      <p:sp>
+        <p:nvSpPr>
+          <p:cNvPr id="3" name="Content Placeholder 2"/>
+          <p:cNvSpPr>
+            <a:spLocks noGrp="1"/>
+          </p:cNvSpPr>
+          <p:nvPr>
+            <p:ph idx="1"/>
+          </p:nvPr>
+        </p:nvSpPr>
+        <p:spPr>
+          <a:xfrm>
+            <a:off x="242616" y="1556792"/>
+            <a:ext cx="8649864" cy="4061048"/>
+          </a:xfrm>
+        </p:spPr>
+        <p:txBody>
+          <a:bodyPr>
+            <a:normAutofit fontScale="70000" lnSpcReduction="20000"/>
+          </a:bodyPr>
+          <a:lstStyle/>
+          <a:p>
+            <a:pPr marL="0" indent="0">
+              <a:buNone/>
+            </a:pPr>
+            <a:r>
+              <a:rPr lang="ru-RU" dirty="0" smtClean="0"/>
+              <a:t>Если вы создает библиотеку (сборку) для внешнего использования и хотите быть уверенными что её можно будет использовать из программ написанных на других языках (таких как </a:t>
+            </a:r>
+            <a:r>
+              <a:rPr lang="en-US" dirty="0" smtClean="0"/>
+              <a:t>VB.NET, F# </a:t>
+            </a:r>
+            <a:r>
+              <a:rPr lang="ru-RU" dirty="0" smtClean="0"/>
+              <a:t>и других)</a:t>
+            </a:r>
+            <a:r>
+              <a:rPr lang="en-US" dirty="0" smtClean="0"/>
+              <a:t>, </a:t>
+            </a:r>
+            <a:r>
+              <a:rPr lang="ru-RU" dirty="0" smtClean="0"/>
+              <a:t>то добавьте к свой сборке атрибут </a:t>
+            </a:r>
+            <a:r>
+              <a:rPr lang="en-US" dirty="0" err="1" smtClean="0"/>
+              <a:t>System.CLSCompliantAttribute</a:t>
+            </a:r>
+            <a:r>
+              <a:rPr lang="en-US" dirty="0" smtClean="0"/>
+              <a:t>.</a:t>
+            </a:r>
+          </a:p>
+          <a:p>
+            <a:pPr marL="0" indent="0">
+              <a:buNone/>
+            </a:pPr>
+            <a:endParaRPr lang="en-US" dirty="0"/>
+          </a:p>
+          <a:p>
+            <a:pPr marL="0" indent="0">
+              <a:buNone/>
+            </a:pPr>
+            <a:r>
+              <a:rPr lang="en-US" dirty="0" smtClean="0"/>
+              <a:t>CLS </a:t>
+            </a:r>
+            <a:r>
+              <a:rPr lang="ru-RU" dirty="0" smtClean="0"/>
+              <a:t>(</a:t>
+            </a:r>
+            <a:r>
+              <a:rPr lang="en-US" dirty="0" smtClean="0"/>
+              <a:t>Common Language Specification</a:t>
+            </a:r>
+            <a:r>
+              <a:rPr lang="ru-RU" dirty="0" smtClean="0"/>
+              <a:t>)</a:t>
+            </a:r>
+            <a:r>
+              <a:rPr lang="en-US" dirty="0" smtClean="0"/>
+              <a:t> </a:t>
+            </a:r>
+            <a:r>
+              <a:rPr lang="ru-RU" dirty="0" smtClean="0"/>
+              <a:t>является набором требований (ограничений) к языку позволяющее ему «бесшовно» взаимодействовать с программами на других языках. Это необходимо так как, </a:t>
+            </a:r>
+            <a:r>
+              <a:rPr lang="ru-RU" dirty="0"/>
+              <a:t>н</a:t>
+            </a:r>
+            <a:r>
+              <a:rPr lang="ru-RU" dirty="0" smtClean="0"/>
+              <a:t>есмотря на наличие «общего знаменателя» в виде </a:t>
+            </a:r>
+            <a:r>
+              <a:rPr lang="en-US" dirty="0" smtClean="0"/>
+              <a:t>IL </a:t>
+            </a:r>
+            <a:r>
+              <a:rPr lang="ru-RU" dirty="0" smtClean="0"/>
+              <a:t>кода, языки могут иметь весьма сильные различия. Компилятор </a:t>
+            </a:r>
+            <a:r>
+              <a:rPr lang="en-US" dirty="0" smtClean="0"/>
+              <a:t>C# </a:t>
+            </a:r>
+            <a:r>
+              <a:rPr lang="ru-RU" smtClean="0"/>
+              <a:t>проверяет </a:t>
+            </a:r>
+            <a:r>
+              <a:rPr lang="ru-RU" dirty="0" smtClean="0"/>
+              <a:t>программу на соответствие этим требованиям, только при наличии атрибута </a:t>
+            </a:r>
+            <a:r>
+              <a:rPr lang="en-US" dirty="0" err="1" smtClean="0"/>
+              <a:t>CLSCompliant</a:t>
+            </a:r>
+            <a:r>
+              <a:rPr lang="ru-RU" dirty="0" smtClean="0"/>
+              <a:t>.</a:t>
+            </a:r>
+            <a:endParaRPr lang="en-US" dirty="0"/>
+          </a:p>
+        </p:txBody>
+      </p:sp>
+      <p:sp>
+        <p:nvSpPr>
+          <p:cNvPr id="4" name="TextBox 3"/>
+          <p:cNvSpPr txBox="1"/>
+          <p:nvPr/>
+        </p:nvSpPr>
+        <p:spPr>
+          <a:xfrm>
+            <a:off x="251520" y="5805264"/>
+            <a:ext cx="8640960" cy="307777"/>
+          </a:xfrm>
+          <a:prstGeom prst="rect">
+            <a:avLst/>
+          </a:prstGeom>
+          <a:solidFill>
+            <a:schemeClr val="bg1"/>
+          </a:solidFill>
+        </p:spPr>
+        <p:txBody>
+          <a:bodyPr wrap="square" rtlCol="0">
+            <a:spAutoFit/>
+          </a:bodyPr>
+          <a:lstStyle/>
+          <a:p>
+            <a:r>
+              <a:rPr lang="en-US" sz="1400" dirty="0" smtClean="0">
+                <a:solidFill>
+                  <a:srgbClr val="000000"/>
+                </a:solidFill>
+                <a:highlight>
+                  <a:srgbClr val="FFFFFF"/>
+                </a:highlight>
+                <a:latin typeface="Courier New" panose="02070309020205020404" pitchFamily="49" charset="0"/>
+                <a:cs typeface="Courier New" panose="02070309020205020404" pitchFamily="49" charset="0"/>
+              </a:rPr>
+              <a:t>[</a:t>
+            </a:r>
+            <a:r>
+              <a:rPr lang="en-US" sz="1400" dirty="0" smtClean="0">
+                <a:solidFill>
+                  <a:srgbClr val="0000FF"/>
+                </a:solidFill>
+                <a:highlight>
+                  <a:srgbClr val="FFFFFF"/>
+                </a:highlight>
+                <a:latin typeface="Courier New" panose="02070309020205020404" pitchFamily="49" charset="0"/>
+                <a:cs typeface="Courier New" panose="02070309020205020404" pitchFamily="49" charset="0"/>
+              </a:rPr>
+              <a:t>assembly</a:t>
+            </a:r>
+            <a:r>
+              <a:rPr lang="en-US" sz="1400" dirty="0">
+                <a:solidFill>
+                  <a:srgbClr val="000000"/>
+                </a:solidFill>
+                <a:highlight>
+                  <a:srgbClr val="FFFFFF"/>
+                </a:highlight>
+                <a:latin typeface="Courier New" panose="02070309020205020404" pitchFamily="49" charset="0"/>
+                <a:cs typeface="Courier New" panose="02070309020205020404" pitchFamily="49" charset="0"/>
+              </a:rPr>
+              <a:t>: </a:t>
+            </a:r>
+            <a:r>
+              <a:rPr lang="en-US" sz="1400" dirty="0" err="1">
+                <a:solidFill>
+                  <a:srgbClr val="2B91AF"/>
+                </a:solidFill>
+                <a:highlight>
+                  <a:srgbClr val="FFFFFF"/>
+                </a:highlight>
+                <a:latin typeface="Courier New" panose="02070309020205020404" pitchFamily="49" charset="0"/>
+                <a:cs typeface="Courier New" panose="02070309020205020404" pitchFamily="49" charset="0"/>
+              </a:rPr>
+              <a:t>CLSCompliant</a:t>
+            </a:r>
+            <a:r>
+              <a:rPr lang="en-US" sz="1400" dirty="0">
+                <a:solidFill>
+                  <a:srgbClr val="000000"/>
+                </a:solidFill>
+                <a:highlight>
+                  <a:srgbClr val="FFFFFF"/>
+                </a:highlight>
+                <a:latin typeface="Courier New" panose="02070309020205020404" pitchFamily="49" charset="0"/>
+                <a:cs typeface="Courier New" panose="02070309020205020404" pitchFamily="49" charset="0"/>
+              </a:rPr>
+              <a:t>(</a:t>
+            </a:r>
+            <a:r>
+              <a:rPr lang="en-US" sz="1400" dirty="0">
+                <a:solidFill>
+                  <a:srgbClr val="0000FF"/>
+                </a:solidFill>
+                <a:highlight>
+                  <a:srgbClr val="FFFFFF"/>
+                </a:highlight>
+                <a:latin typeface="Courier New" panose="02070309020205020404" pitchFamily="49" charset="0"/>
+                <a:cs typeface="Courier New" panose="02070309020205020404" pitchFamily="49" charset="0"/>
+              </a:rPr>
+              <a:t>true</a:t>
+            </a:r>
+            <a:r>
+              <a:rPr lang="en-US" sz="1400" dirty="0" smtClean="0">
+                <a:solidFill>
+                  <a:srgbClr val="000000"/>
+                </a:solidFill>
+                <a:highlight>
+                  <a:srgbClr val="FFFFFF"/>
+                </a:highlight>
+                <a:latin typeface="Courier New" panose="02070309020205020404" pitchFamily="49" charset="0"/>
+                <a:cs typeface="Courier New" panose="02070309020205020404" pitchFamily="49" charset="0"/>
+              </a:rPr>
+              <a:t>)]</a:t>
+            </a:r>
+            <a:endParaRPr lang="ru-RU" sz="1400" dirty="0" smtClean="0">
+              <a:latin typeface="Courier New" panose="02070309020205020404" pitchFamily="49" charset="0"/>
+              <a:cs typeface="Courier New" panose="02070309020205020404" pitchFamily="49" charset="0"/>
+            </a:endParaRPr>
+          </a:p>
+        </p:txBody>
+      </p:sp>
+    </p:spTree>
+    <p:extLst>
+      <p:ext uri="{BB962C8B-B14F-4D97-AF65-F5344CB8AC3E}">
+        <p14:creationId xmlns:p14="http://schemas.microsoft.com/office/powerpoint/2010/main" val="910520611"/>
+      </p:ext>
+    </p:extLst>
+  </p:cSld>
+  <p:clrMapOvr>
+    <a:masterClrMapping/>
+  </p:clrMapOvr>
+  <p:timing>
+    <p:tnLst>
+      <p:par>
+        <p:cTn id="1" dur="indefinite" restart="never" nodeType="tmRoot"/>
+      </p:par>
+    </p:tnLst>
+  </p:timing>
+</p:sld>
+</file>
+
+<file path=ppt/slides/slide32.xml><?xml version="1.0" encoding="utf-8"?>
+<p:sld xmlns:a="http://schemas.openxmlformats.org/drawingml/2006/main" xmlns:r="http://schemas.openxmlformats.org/officeDocument/2006/relationships" xmlns:p="http://schemas.openxmlformats.org/presentationml/2006/main">
+  <p:cSld>
+    <p:spTree>
+      <p:nvGrpSpPr>
+        <p:cNvPr id="1" name=""/>
+        <p:cNvGrpSpPr/>
+        <p:nvPr/>
+      </p:nvGrpSpPr>
+      <p:grpSpPr>
+        <a:xfrm>
+          <a:off x="0" y="0"/>
+          <a:ext cx="0" cy="0"/>
+          <a:chOff x="0" y="0"/>
+          <a:chExt cx="0" cy="0"/>
+        </a:xfrm>
+      </p:grpSpPr>
+      <p:sp>
+        <p:nvSpPr>
+          <p:cNvPr id="2" name="Title 1"/>
+          <p:cNvSpPr>
+            <a:spLocks noGrp="1"/>
+          </p:cNvSpPr>
+          <p:nvPr>
+            <p:ph type="title"/>
+          </p:nvPr>
+        </p:nvSpPr>
+        <p:spPr/>
+        <p:txBody>
+          <a:bodyPr/>
+          <a:lstStyle/>
+          <a:p>
+            <a:r>
               <a:rPr lang="ru-RU" dirty="0" smtClean="0"/>
               <a:t>Механизм </a:t>
             </a:r>
@@ -13494,7 +13688,7 @@
 </p:sld>
 </file>
 
-<file path=ppt/slides/slide32.xml><?xml version="1.0" encoding="utf-8"?>
+<file path=ppt/slides/slide33.xml><?xml version="1.0" encoding="utf-8"?>
 <p:sld xmlns:a="http://schemas.openxmlformats.org/drawingml/2006/main" xmlns:r="http://schemas.openxmlformats.org/officeDocument/2006/relationships" xmlns:p="http://schemas.openxmlformats.org/presentationml/2006/main">
   <p:cSld>
     <p:spTree>
@@ -14365,7 +14559,7 @@
 </p:sld>
 </file>
 
-<file path=ppt/slides/slide33.xml><?xml version="1.0" encoding="utf-8"?>
+<file path=ppt/slides/slide34.xml><?xml version="1.0" encoding="utf-8"?>
 <p:sld xmlns:a="http://schemas.openxmlformats.org/drawingml/2006/main" xmlns:r="http://schemas.openxmlformats.org/officeDocument/2006/relationships" xmlns:p="http://schemas.openxmlformats.org/presentationml/2006/main">
   <p:cSld>
     <p:spTree>
@@ -15224,7 +15418,7 @@
 </p:sld>
 </file>
 
-<file path=ppt/slides/slide34.xml><?xml version="1.0" encoding="utf-8"?>
+<file path=ppt/slides/slide35.xml><?xml version="1.0" encoding="utf-8"?>
 <p:sld xmlns:a="http://schemas.openxmlformats.org/drawingml/2006/main" xmlns:r="http://schemas.openxmlformats.org/officeDocument/2006/relationships" xmlns:p="http://schemas.openxmlformats.org/presentationml/2006/main">
   <p:cSld>
     <p:spTree>
@@ -15878,7 +16072,7 @@
 </p:sld>
 </file>
 
-<file path=ppt/slides/slide35.xml><?xml version="1.0" encoding="utf-8"?>
+<file path=ppt/slides/slide36.xml><?xml version="1.0" encoding="utf-8"?>
 <p:sld xmlns:a="http://schemas.openxmlformats.org/drawingml/2006/main" xmlns:r="http://schemas.openxmlformats.org/officeDocument/2006/relationships" xmlns:p="http://schemas.openxmlformats.org/presentationml/2006/main">
   <p:cSld>
     <p:spTree>

--- a/Presentation/lesson-07-reflection.pptx
+++ b/Presentation/lesson-07-reflection.pptx
@@ -6,7 +6,7 @@
     <p:sldMasterId id="2147483663" r:id="rId2"/>
   </p:sldMasterIdLst>
   <p:notesMasterIdLst>
-    <p:notesMasterId r:id="rId39"/>
+    <p:notesMasterId r:id="rId40"/>
   </p:notesMasterIdLst>
   <p:sldIdLst>
     <p:sldId id="257" r:id="rId3"/>
@@ -24,27 +24,28 @@
     <p:sldId id="304" r:id="rId15"/>
     <p:sldId id="275" r:id="rId16"/>
     <p:sldId id="307" r:id="rId17"/>
-    <p:sldId id="273" r:id="rId18"/>
-    <p:sldId id="274" r:id="rId19"/>
-    <p:sldId id="276" r:id="rId20"/>
-    <p:sldId id="277" r:id="rId21"/>
-    <p:sldId id="280" r:id="rId22"/>
-    <p:sldId id="278" r:id="rId23"/>
-    <p:sldId id="279" r:id="rId24"/>
-    <p:sldId id="290" r:id="rId25"/>
-    <p:sldId id="281" r:id="rId26"/>
-    <p:sldId id="282" r:id="rId27"/>
-    <p:sldId id="292" r:id="rId28"/>
-    <p:sldId id="284" r:id="rId29"/>
-    <p:sldId id="262" r:id="rId30"/>
-    <p:sldId id="261" r:id="rId31"/>
-    <p:sldId id="300" r:id="rId32"/>
-    <p:sldId id="306" r:id="rId33"/>
-    <p:sldId id="299" r:id="rId34"/>
-    <p:sldId id="263" r:id="rId35"/>
-    <p:sldId id="264" r:id="rId36"/>
-    <p:sldId id="265" r:id="rId37"/>
-    <p:sldId id="271" r:id="rId38"/>
+    <p:sldId id="308" r:id="rId18"/>
+    <p:sldId id="273" r:id="rId19"/>
+    <p:sldId id="274" r:id="rId20"/>
+    <p:sldId id="276" r:id="rId21"/>
+    <p:sldId id="277" r:id="rId22"/>
+    <p:sldId id="280" r:id="rId23"/>
+    <p:sldId id="278" r:id="rId24"/>
+    <p:sldId id="279" r:id="rId25"/>
+    <p:sldId id="290" r:id="rId26"/>
+    <p:sldId id="281" r:id="rId27"/>
+    <p:sldId id="282" r:id="rId28"/>
+    <p:sldId id="292" r:id="rId29"/>
+    <p:sldId id="284" r:id="rId30"/>
+    <p:sldId id="262" r:id="rId31"/>
+    <p:sldId id="261" r:id="rId32"/>
+    <p:sldId id="300" r:id="rId33"/>
+    <p:sldId id="306" r:id="rId34"/>
+    <p:sldId id="299" r:id="rId35"/>
+    <p:sldId id="263" r:id="rId36"/>
+    <p:sldId id="264" r:id="rId37"/>
+    <p:sldId id="265" r:id="rId38"/>
+    <p:sldId id="271" r:id="rId39"/>
   </p:sldIdLst>
   <p:sldSz cx="9144000" cy="6858000" type="screen4x3"/>
   <p:notesSz cx="6858000" cy="9144000"/>
@@ -229,7 +230,7 @@
             <a:fld id="{B24A7054-7FFB-49F4-A126-5DF6E687FF53}" type="datetimeFigureOut">
               <a:rPr lang="ru-RU" smtClean="0"/>
               <a:pPr/>
-              <a:t>22.10.2013</a:t>
+              <a:t>01.11.2013</a:t>
             </a:fld>
             <a:endParaRPr lang="ru-RU"/>
           </a:p>
@@ -1513,7 +1514,7 @@
             <a:fld id="{8E6E6A2A-E9D3-4A0D-B04A-ABDD367A1E08}" type="datetimeFigureOut">
               <a:rPr lang="ru-RU" smtClean="0"/>
               <a:pPr/>
-              <a:t>22.10.2013</a:t>
+              <a:t>01.11.2013</a:t>
             </a:fld>
             <a:endParaRPr lang="ru-RU"/>
           </a:p>
@@ -1757,7 +1758,7 @@
             <a:fld id="{8E6E6A2A-E9D3-4A0D-B04A-ABDD367A1E08}" type="datetimeFigureOut">
               <a:rPr lang="ru-RU" smtClean="0"/>
               <a:pPr/>
-              <a:t>22.10.2013</a:t>
+              <a:t>01.11.2013</a:t>
             </a:fld>
             <a:endParaRPr lang="ru-RU"/>
           </a:p>
@@ -1929,7 +1930,7 @@
             <a:fld id="{8E6E6A2A-E9D3-4A0D-B04A-ABDD367A1E08}" type="datetimeFigureOut">
               <a:rPr lang="ru-RU" smtClean="0"/>
               <a:pPr/>
-              <a:t>22.10.2013</a:t>
+              <a:t>01.11.2013</a:t>
             </a:fld>
             <a:endParaRPr lang="ru-RU"/>
           </a:p>
@@ -2177,7 +2178,7 @@
             <a:fld id="{8E6E6A2A-E9D3-4A0D-B04A-ABDD367A1E08}" type="datetimeFigureOut">
               <a:rPr lang="ru-RU" smtClean="0"/>
               <a:pPr/>
-              <a:t>22.10.2013</a:t>
+              <a:t>01.11.2013</a:t>
             </a:fld>
             <a:endParaRPr lang="ru-RU"/>
           </a:p>
@@ -2467,7 +2468,7 @@
             <a:fld id="{8E6E6A2A-E9D3-4A0D-B04A-ABDD367A1E08}" type="datetimeFigureOut">
               <a:rPr lang="ru-RU" smtClean="0"/>
               <a:pPr/>
-              <a:t>22.10.2013</a:t>
+              <a:t>01.11.2013</a:t>
             </a:fld>
             <a:endParaRPr lang="ru-RU"/>
           </a:p>
@@ -2891,7 +2892,7 @@
             <a:fld id="{8E6E6A2A-E9D3-4A0D-B04A-ABDD367A1E08}" type="datetimeFigureOut">
               <a:rPr lang="ru-RU" smtClean="0"/>
               <a:pPr/>
-              <a:t>22.10.2013</a:t>
+              <a:t>01.11.2013</a:t>
             </a:fld>
             <a:endParaRPr lang="ru-RU"/>
           </a:p>
@@ -3220,7 +3221,7 @@
             <a:fld id="{8E6E6A2A-E9D3-4A0D-B04A-ABDD367A1E08}" type="datetimeFigureOut">
               <a:rPr lang="ru-RU" smtClean="0"/>
               <a:pPr/>
-              <a:t>22.10.2013</a:t>
+              <a:t>01.11.2013</a:t>
             </a:fld>
             <a:endParaRPr lang="ru-RU"/>
           </a:p>
@@ -3317,7 +3318,7 @@
             <a:fld id="{8E6E6A2A-E9D3-4A0D-B04A-ABDD367A1E08}" type="datetimeFigureOut">
               <a:rPr lang="ru-RU" smtClean="0"/>
               <a:pPr/>
-              <a:t>22.10.2013</a:t>
+              <a:t>01.11.2013</a:t>
             </a:fld>
             <a:endParaRPr lang="ru-RU"/>
           </a:p>
@@ -3596,7 +3597,7 @@
             <a:fld id="{8E6E6A2A-E9D3-4A0D-B04A-ABDD367A1E08}" type="datetimeFigureOut">
               <a:rPr lang="ru-RU" smtClean="0"/>
               <a:pPr/>
-              <a:t>22.10.2013</a:t>
+              <a:t>01.11.2013</a:t>
             </a:fld>
             <a:endParaRPr lang="ru-RU"/>
           </a:p>
@@ -3851,7 +3852,7 @@
             <a:fld id="{8E6E6A2A-E9D3-4A0D-B04A-ABDD367A1E08}" type="datetimeFigureOut">
               <a:rPr lang="ru-RU" smtClean="0"/>
               <a:pPr/>
-              <a:t>22.10.2013</a:t>
+              <a:t>01.11.2013</a:t>
             </a:fld>
             <a:endParaRPr lang="ru-RU"/>
           </a:p>
@@ -4023,7 +4024,7 @@
             <a:fld id="{8E6E6A2A-E9D3-4A0D-B04A-ABDD367A1E08}" type="datetimeFigureOut">
               <a:rPr lang="ru-RU" smtClean="0"/>
               <a:pPr/>
-              <a:t>22.10.2013</a:t>
+              <a:t>01.11.2013</a:t>
             </a:fld>
             <a:endParaRPr lang="ru-RU"/>
           </a:p>
@@ -4205,7 +4206,7 @@
             <a:fld id="{8E6E6A2A-E9D3-4A0D-B04A-ABDD367A1E08}" type="datetimeFigureOut">
               <a:rPr lang="ru-RU" smtClean="0"/>
               <a:pPr/>
-              <a:t>22.10.2013</a:t>
+              <a:t>01.11.2013</a:t>
             </a:fld>
             <a:endParaRPr lang="ru-RU"/>
           </a:p>
@@ -5443,7 +5444,7 @@
             <a:fld id="{AC3D3127-B7C4-45E3-9797-C527EC9FDD78}" type="datetimeFigureOut">
               <a:rPr lang="ru-RU" smtClean="0"/>
               <a:pPr/>
-              <a:t>22.10.2013</a:t>
+              <a:t>01.11.2013</a:t>
             </a:fld>
             <a:endParaRPr lang="ru-RU"/>
           </a:p>
@@ -5965,7 +5966,7 @@
             <a:fld id="{8E6E6A2A-E9D3-4A0D-B04A-ABDD367A1E08}" type="datetimeFigureOut">
               <a:rPr lang="ru-RU" smtClean="0"/>
               <a:pPr/>
-              <a:t>22.10.2013</a:t>
+              <a:t>01.11.2013</a:t>
             </a:fld>
             <a:endParaRPr lang="ru-RU"/>
           </a:p>
@@ -7827,11 +7828,6 @@
               </a:rPr>
               <a:t>Windows SDK</a:t>
             </a:r>
-            <a:endParaRPr lang="en-US" dirty="0" smtClean="0">
-              <a:solidFill>
-                <a:schemeClr val="bg1"/>
-              </a:solidFill>
-            </a:endParaRPr>
           </a:p>
           <a:p>
             <a:pPr marL="285750" indent="-285750">
@@ -8250,14 +8246,31 @@
         </p:nvSpPr>
         <p:spPr/>
         <p:txBody>
-          <a:bodyPr/>
+          <a:bodyPr>
+            <a:normAutofit fontScale="90000"/>
+          </a:bodyPr>
           <a:lstStyle/>
           <a:p>
             <a:r>
               <a:rPr lang="ru-RU" dirty="0" smtClean="0"/>
-              <a:t>Многофайловые сборки</a:t>
-            </a:r>
-            <a:endParaRPr lang="ru-RU" dirty="0"/>
+              <a:t>Модификатор </a:t>
+            </a:r>
+            <a:r>
+              <a:rPr lang="ru-RU" dirty="0" smtClean="0"/>
+              <a:t>доступа</a:t>
+            </a:r>
+            <a:r>
+              <a:rPr lang="en-US" dirty="0" smtClean="0"/>
+              <a:t/>
+            </a:r>
+            <a:br>
+              <a:rPr lang="en-US" dirty="0" smtClean="0"/>
+            </a:br>
+            <a:r>
+              <a:rPr lang="en-US" dirty="0" smtClean="0"/>
+              <a:t>protected internal</a:t>
+            </a:r>
+            <a:endParaRPr lang="en-US" dirty="0"/>
           </a:p>
         </p:txBody>
       </p:sp>
@@ -8278,89 +8291,51 @@
           </a:bodyPr>
           <a:lstStyle/>
           <a:p>
+            <a:pPr marL="0" indent="0">
+              <a:buNone/>
+            </a:pPr>
             <a:r>
               <a:rPr lang="ru-RU" dirty="0" smtClean="0"/>
-              <a:t>Позволяют распределять </a:t>
-            </a:r>
-            <a:r>
-              <a:rPr lang="ru-RU" dirty="0"/>
-              <a:t>типы по разным </a:t>
+              <a:t>Модификатор дотсупа «</a:t>
+            </a:r>
+            <a:r>
+              <a:rPr lang="en-US" dirty="0" smtClean="0"/>
+              <a:t>protected internal</a:t>
             </a:r>
             <a:r>
               <a:rPr lang="ru-RU" dirty="0" smtClean="0"/>
-              <a:t>файлам</a:t>
-            </a:r>
-          </a:p>
-          <a:p>
-            <a:r>
-              <a:rPr lang="ru-RU" dirty="0"/>
-              <a:t>Позволяют д</a:t>
+              <a:t>» означает </a:t>
+            </a:r>
+            <a:r>
+              <a:rPr lang="en-US" dirty="0"/>
+              <a:t>protected </a:t>
             </a:r>
             <a:r>
               <a:rPr lang="ru-RU" dirty="0" smtClean="0"/>
-              <a:t>обавлять </a:t>
-            </a:r>
-            <a:r>
-              <a:rPr lang="ru-RU" dirty="0"/>
-              <a:t>к сборке файлы с ресурсами и </a:t>
+              <a:t>ИЛИ </a:t>
+            </a:r>
+            <a:r>
+              <a:rPr lang="en-US" dirty="0" smtClean="0"/>
+              <a:t>internal</a:t>
             </a:r>
             <a:r>
               <a:rPr lang="ru-RU" dirty="0" smtClean="0"/>
-              <a:t>данными</a:t>
-            </a:r>
-          </a:p>
-          <a:p>
-            <a:r>
-              <a:rPr lang="ru-RU" dirty="0"/>
-              <a:t>Позволяют с</a:t>
-            </a:r>
-            <a:r>
-              <a:rPr lang="ru-RU" dirty="0" smtClean="0"/>
-              <a:t>оздавать </a:t>
-            </a:r>
-            <a:r>
-              <a:rPr lang="ru-RU" dirty="0"/>
-              <a:t>сборки, состоящие из типов, написанных на разных языках </a:t>
-            </a:r>
-            <a:r>
-              <a:rPr lang="en-US" dirty="0" smtClean="0"/>
-              <a:t>	</a:t>
-            </a:r>
-            <a:r>
-              <a:rPr lang="ru-RU" dirty="0" smtClean="0"/>
-              <a:t>программирования</a:t>
-            </a:r>
-          </a:p>
-          <a:p>
-            <a:r>
-              <a:rPr lang="ru-RU" dirty="0" smtClean="0"/>
-              <a:t>Создаются с помощью утилиты </a:t>
-            </a:r>
-            <a:r>
-              <a:rPr lang="en-US" dirty="0" smtClean="0"/>
-              <a:t>AL.exe</a:t>
-            </a:r>
-            <a:endParaRPr lang="ru-RU" dirty="0"/>
+              <a:t>.</a:t>
+            </a:r>
+            <a:endParaRPr lang="en-US" dirty="0"/>
           </a:p>
         </p:txBody>
       </p:sp>
     </p:spTree>
     <p:extLst>
       <p:ext uri="{BB962C8B-B14F-4D97-AF65-F5344CB8AC3E}">
-        <p14:creationId xmlns:p14="http://schemas.microsoft.com/office/powerpoint/2010/main" val="2692656914"/>
+        <p14:creationId xmlns:p14="http://schemas.microsoft.com/office/powerpoint/2010/main" val="3563790296"/>
       </p:ext>
     </p:extLst>
   </p:cSld>
   <p:clrMapOvr>
     <a:masterClrMapping/>
   </p:clrMapOvr>
-  <p:timing>
-    <p:tnLst>
-      <p:par>
-        <p:cTn id="1" dur="indefinite" restart="never" nodeType="tmRoot"/>
-      </p:par>
-    </p:tnLst>
-  </p:timing>
 </p:sld>
 </file>
 
@@ -8391,28 +8366,97 @@
             <p:ph type="title"/>
           </p:nvPr>
         </p:nvSpPr>
-        <p:spPr>
-          <a:xfrm>
-            <a:off x="457200" y="2857500"/>
-            <a:ext cx="8229600" cy="1143000"/>
-          </a:xfrm>
-        </p:spPr>
+        <p:spPr/>
+        <p:txBody>
+          <a:bodyPr/>
+          <a:lstStyle/>
+          <a:p>
+            <a:r>
+              <a:rPr lang="ru-RU" dirty="0" smtClean="0"/>
+              <a:t>Многофайловые сборки</a:t>
+            </a:r>
+            <a:endParaRPr lang="ru-RU" dirty="0"/>
+          </a:p>
+        </p:txBody>
+      </p:sp>
+      <p:sp>
+        <p:nvSpPr>
+          <p:cNvPr id="3" name="Content Placeholder 2"/>
+          <p:cNvSpPr>
+            <a:spLocks noGrp="1"/>
+          </p:cNvSpPr>
+          <p:nvPr>
+            <p:ph idx="1"/>
+          </p:nvPr>
+        </p:nvSpPr>
+        <p:spPr/>
         <p:txBody>
           <a:bodyPr>
-            <a:normAutofit fontScale="90000"/>
+            <a:normAutofit/>
           </a:bodyPr>
           <a:lstStyle/>
           <a:p>
             <a:r>
               <a:rPr lang="ru-RU" dirty="0" smtClean="0"/>
-              <a:t>Многофайловые сборки</a:t>
-            </a:r>
-            <a:br>
+              <a:t>Позволяют распределять </a:t>
+            </a:r>
+            <a:r>
+              <a:rPr lang="ru-RU" dirty="0"/>
+              <a:t>типы по разным </a:t>
+            </a:r>
+            <a:r>
               <a:rPr lang="ru-RU" dirty="0" smtClean="0"/>
-            </a:br>
+              <a:t>файлам</a:t>
+            </a:r>
+          </a:p>
+          <a:p>
+            <a:r>
+              <a:rPr lang="ru-RU" dirty="0"/>
+              <a:t>Позволяют д</a:t>
+            </a:r>
             <a:r>
               <a:rPr lang="ru-RU" dirty="0" smtClean="0"/>
-              <a:t>Демонстрация</a:t>
+              <a:t>обавлять </a:t>
+            </a:r>
+            <a:r>
+              <a:rPr lang="ru-RU" dirty="0"/>
+              <a:t>к сборке файлы с ресурсами и </a:t>
+            </a:r>
+            <a:r>
+              <a:rPr lang="ru-RU" dirty="0" smtClean="0"/>
+              <a:t>данными</a:t>
+            </a:r>
+          </a:p>
+          <a:p>
+            <a:r>
+              <a:rPr lang="ru-RU" dirty="0"/>
+              <a:t>Позволяют с</a:t>
+            </a:r>
+            <a:r>
+              <a:rPr lang="ru-RU" dirty="0" smtClean="0"/>
+              <a:t>оздавать </a:t>
+            </a:r>
+            <a:r>
+              <a:rPr lang="ru-RU" dirty="0"/>
+              <a:t>сборки, состоящие из типов, написанных на разных языках </a:t>
+            </a:r>
+            <a:r>
+              <a:rPr lang="en-US" dirty="0" smtClean="0"/>
+              <a:t>	</a:t>
+            </a:r>
+            <a:r>
+              <a:rPr lang="ru-RU" dirty="0" smtClean="0"/>
+              <a:t>программирования</a:t>
+            </a:r>
+          </a:p>
+          <a:p>
+            <a:r>
+              <a:rPr lang="ru-RU" dirty="0" smtClean="0"/>
+              <a:t>Создаются с помощью утилиты </a:t>
+            </a:r>
+            <a:r>
+              <a:rPr lang="en-US" dirty="0" smtClean="0"/>
+              <a:t>AL.exe</a:t>
             </a:r>
             <a:endParaRPr lang="ru-RU" dirty="0"/>
           </a:p>
@@ -8421,7 +8465,7 @@
     </p:spTree>
     <p:extLst>
       <p:ext uri="{BB962C8B-B14F-4D97-AF65-F5344CB8AC3E}">
-        <p14:creationId xmlns:p14="http://schemas.microsoft.com/office/powerpoint/2010/main" val="278552390"/>
+        <p14:creationId xmlns:p14="http://schemas.microsoft.com/office/powerpoint/2010/main" val="2692656914"/>
       </p:ext>
     </p:extLst>
   </p:cSld>
@@ -8465,98 +8509,28 @@
             <p:ph type="title"/>
           </p:nvPr>
         </p:nvSpPr>
-        <p:spPr/>
+        <p:spPr>
+          <a:xfrm>
+            <a:off x="457200" y="2857500"/>
+            <a:ext cx="8229600" cy="1143000"/>
+          </a:xfrm>
+        </p:spPr>
         <p:txBody>
-          <a:bodyPr/>
+          <a:bodyPr>
+            <a:normAutofit fontScale="90000"/>
+          </a:bodyPr>
           <a:lstStyle/>
           <a:p>
             <a:r>
-              <a:rPr lang="ru-RU" dirty="0"/>
-              <a:t>Добавление сборок к проекту</a:t>
-            </a:r>
-          </a:p>
-        </p:txBody>
-      </p:sp>
-      <p:sp>
-        <p:nvSpPr>
-          <p:cNvPr id="3" name="Content Placeholder 2"/>
-          <p:cNvSpPr>
-            <a:spLocks noGrp="1"/>
-          </p:cNvSpPr>
-          <p:nvPr>
-            <p:ph idx="1"/>
-          </p:nvPr>
-        </p:nvSpPr>
-        <p:spPr/>
-        <p:txBody>
-          <a:bodyPr/>
-          <a:lstStyle/>
-          <a:p>
-            <a:r>
               <a:rPr lang="ru-RU" dirty="0" smtClean="0"/>
-              <a:t>Из меню </a:t>
-            </a:r>
-            <a:r>
-              <a:rPr lang="en-US" dirty="0" smtClean="0"/>
-              <a:t>Project -&gt; Add Reference</a:t>
-            </a:r>
-            <a:r>
+              <a:t>Многофайловые сборки</a:t>
+            </a:r>
+            <a:br>
               <a:rPr lang="ru-RU" dirty="0" smtClean="0"/>
-              <a:t> ...</a:t>
-            </a:r>
-            <a:endParaRPr lang="en-US" dirty="0" smtClean="0"/>
-          </a:p>
-          <a:p>
+            </a:br>
             <a:r>
               <a:rPr lang="ru-RU" dirty="0" smtClean="0"/>
-              <a:t>В </a:t>
-            </a:r>
-            <a:r>
-              <a:rPr lang="en-US" dirty="0" smtClean="0"/>
-              <a:t>Solution Explorer, </a:t>
-            </a:r>
-            <a:r>
-              <a:rPr lang="ru-RU" dirty="0" smtClean="0"/>
-              <a:t>найти узел </a:t>
-            </a:r>
-            <a:r>
-              <a:rPr lang="en-US" dirty="0" smtClean="0"/>
-              <a:t>References </a:t>
-            </a:r>
-            <a:r>
-              <a:rPr lang="ru-RU" dirty="0" smtClean="0"/>
-              <a:t>нужного проекта</a:t>
-            </a:r>
-            <a:r>
-              <a:rPr lang="en-US" dirty="0" smtClean="0"/>
-              <a:t>,</a:t>
-            </a:r>
-            <a:r>
-              <a:rPr lang="ru-RU" dirty="0" smtClean="0"/>
-              <a:t> вызвать контестное меню и выбрать </a:t>
-            </a:r>
-            <a:r>
-              <a:rPr lang="en-US" dirty="0"/>
-              <a:t>Add Reference</a:t>
-            </a:r>
-            <a:r>
-              <a:rPr lang="ru-RU" dirty="0"/>
-              <a:t> </a:t>
-            </a:r>
-            <a:r>
-              <a:rPr lang="ru-RU" dirty="0" smtClean="0"/>
-              <a:t>...</a:t>
-            </a:r>
-            <a:endParaRPr lang="en-US" dirty="0" smtClean="0"/>
-          </a:p>
-          <a:p>
-            <a:r>
-              <a:rPr lang="ru-RU" dirty="0" smtClean="0"/>
-              <a:t>С помощью </a:t>
-            </a:r>
-            <a:r>
-              <a:rPr lang="en-US" dirty="0" err="1" smtClean="0"/>
-              <a:t>NuGet</a:t>
+              <a:t>Демонстрация</a:t>
             </a:r>
             <a:endParaRPr lang="ru-RU" dirty="0"/>
           </a:p>
@@ -8565,7 +8539,7 @@
     </p:spTree>
     <p:extLst>
       <p:ext uri="{BB962C8B-B14F-4D97-AF65-F5344CB8AC3E}">
-        <p14:creationId xmlns:p14="http://schemas.microsoft.com/office/powerpoint/2010/main" val="210700532"/>
+        <p14:creationId xmlns:p14="http://schemas.microsoft.com/office/powerpoint/2010/main" val="278552390"/>
       </p:ext>
     </p:extLst>
   </p:cSld>
@@ -8611,16 +8585,13 @@
         </p:nvSpPr>
         <p:spPr/>
         <p:txBody>
-          <a:bodyPr>
-            <a:normAutofit/>
-          </a:bodyPr>
+          <a:bodyPr/>
           <a:lstStyle/>
           <a:p>
             <a:r>
-              <a:rPr lang="ru-RU" dirty="0" smtClean="0"/>
-              <a:t>Номер версии сборки</a:t>
-            </a:r>
-            <a:endParaRPr lang="ru-RU" dirty="0"/>
+              <a:rPr lang="ru-RU" dirty="0"/>
+              <a:t>Добавление сборок к проекту</a:t>
+            </a:r>
           </a:p>
         </p:txBody>
       </p:sp>
@@ -8640,62 +8611,70 @@
           <a:lstStyle/>
           <a:p>
             <a:r>
+              <a:rPr lang="ru-RU" dirty="0" smtClean="0"/>
+              <a:t>Из меню </a:t>
+            </a:r>
+            <a:r>
               <a:rPr lang="en-US" dirty="0" smtClean="0"/>
-              <a:t>[assembly: </a:t>
+              <a:t>Project -&gt; Add Reference</a:t>
+            </a:r>
+            <a:r>
+              <a:rPr lang="ru-RU" dirty="0" smtClean="0"/>
+              <a:t> ...</a:t>
+            </a:r>
+            <a:endParaRPr lang="en-US" dirty="0" smtClean="0"/>
+          </a:p>
+          <a:p>
+            <a:r>
+              <a:rPr lang="ru-RU" dirty="0" smtClean="0"/>
+              <a:t>В </a:t>
+            </a:r>
+            <a:r>
+              <a:rPr lang="en-US" dirty="0" smtClean="0"/>
+              <a:t>Solution Explorer, </a:t>
+            </a:r>
+            <a:r>
+              <a:rPr lang="ru-RU" dirty="0" smtClean="0"/>
+              <a:t>найти узел </a:t>
+            </a:r>
+            <a:r>
+              <a:rPr lang="en-US" dirty="0" smtClean="0"/>
+              <a:t>References </a:t>
+            </a:r>
+            <a:r>
+              <a:rPr lang="ru-RU" dirty="0" smtClean="0"/>
+              <a:t>нужного проекта</a:t>
+            </a:r>
+            <a:r>
+              <a:rPr lang="en-US" dirty="0" smtClean="0"/>
+              <a:t>,</a:t>
+            </a:r>
+            <a:r>
+              <a:rPr lang="ru-RU" dirty="0" smtClean="0"/>
+              <a:t> вызвать контестное меню и выбрать </a:t>
+            </a:r>
+            <a:r>
+              <a:rPr lang="en-US" dirty="0"/>
+              <a:t>Add Reference</a:t>
+            </a:r>
+            <a:r>
+              <a:rPr lang="ru-RU" dirty="0"/>
+              <a:t> </a:t>
+            </a:r>
+            <a:r>
+              <a:rPr lang="ru-RU" dirty="0" smtClean="0"/>
+              <a:t>...</a:t>
+            </a:r>
+            <a:endParaRPr lang="en-US" dirty="0" smtClean="0"/>
+          </a:p>
+          <a:p>
+            <a:r>
+              <a:rPr lang="ru-RU" dirty="0" smtClean="0"/>
+              <a:t>С помощью </a:t>
             </a:r>
             <a:r>
               <a:rPr lang="en-US" dirty="0" err="1" smtClean="0"/>
-              <a:t>AssemblyVersion</a:t>
-            </a:r>
-            <a:r>
-              <a:rPr lang="en-US" dirty="0" smtClean="0"/>
-              <a:t>(“1.2.3.4”)]</a:t>
-            </a:r>
-          </a:p>
-          <a:p>
-            <a:r>
-              <a:rPr lang="en-US" dirty="0" err="1" smtClean="0"/>
-              <a:t>major.minor.build.revision</a:t>
-            </a:r>
-            <a:endParaRPr lang="ru-RU" dirty="0" smtClean="0"/>
-          </a:p>
-          <a:p>
-            <a:pPr lvl="1"/>
-            <a:r>
-              <a:rPr lang="ru-RU" dirty="0" smtClean="0"/>
-              <a:t>Старший номер</a:t>
-            </a:r>
-          </a:p>
-          <a:p>
-            <a:pPr lvl="1"/>
-            <a:r>
-              <a:rPr lang="ru-RU" dirty="0" smtClean="0"/>
-              <a:t>Младший номер</a:t>
-            </a:r>
-          </a:p>
-          <a:p>
-            <a:pPr lvl="1"/>
-            <a:r>
-              <a:rPr lang="ru-RU" dirty="0" smtClean="0"/>
-              <a:t>Номер билда</a:t>
-            </a:r>
-          </a:p>
-          <a:p>
-            <a:pPr lvl="1"/>
-            <a:r>
-              <a:rPr lang="ru-RU" dirty="0" smtClean="0"/>
-              <a:t>Номер ревизии</a:t>
-            </a:r>
-            <a:endParaRPr lang="en-US" dirty="0" smtClean="0"/>
-          </a:p>
-          <a:p>
-            <a:r>
-              <a:rPr lang="ru-RU" dirty="0" smtClean="0"/>
-              <a:t>Задается в </a:t>
-            </a:r>
-            <a:r>
-              <a:rPr lang="en-US" dirty="0" err="1" smtClean="0"/>
-              <a:t>AssemblyInfo.cs</a:t>
+              <a:t>NuGet</a:t>
             </a:r>
             <a:endParaRPr lang="ru-RU" dirty="0"/>
           </a:p>
@@ -8704,7 +8683,7 @@
     </p:spTree>
     <p:extLst>
       <p:ext uri="{BB962C8B-B14F-4D97-AF65-F5344CB8AC3E}">
-        <p14:creationId xmlns:p14="http://schemas.microsoft.com/office/powerpoint/2010/main" val="746042412"/>
+        <p14:creationId xmlns:p14="http://schemas.microsoft.com/office/powerpoint/2010/main" val="210700532"/>
       </p:ext>
     </p:extLst>
   </p:cSld>
@@ -8928,12 +8907,14 @@
         </p:nvSpPr>
         <p:spPr/>
         <p:txBody>
-          <a:bodyPr/>
+          <a:bodyPr>
+            <a:normAutofit/>
+          </a:bodyPr>
           <a:lstStyle/>
           <a:p>
             <a:r>
               <a:rPr lang="ru-RU" dirty="0" smtClean="0"/>
-              <a:t>Типы развертывания</a:t>
+              <a:t>Номер версии сборки</a:t>
             </a:r>
             <a:endParaRPr lang="ru-RU" dirty="0"/>
           </a:p>
@@ -8955,14 +8936,62 @@
           <a:lstStyle/>
           <a:p>
             <a:r>
+              <a:rPr lang="en-US" dirty="0" smtClean="0"/>
+              <a:t>[assembly: </a:t>
+            </a:r>
+            <a:r>
+              <a:rPr lang="en-US" dirty="0" err="1" smtClean="0"/>
+              <a:t>AssemblyVersion</a:t>
+            </a:r>
+            <a:r>
+              <a:rPr lang="en-US" dirty="0" smtClean="0"/>
+              <a:t>(“1.2.3.4”)]</a:t>
+            </a:r>
+          </a:p>
+          <a:p>
+            <a:r>
+              <a:rPr lang="en-US" dirty="0" err="1" smtClean="0"/>
+              <a:t>major.minor.build.revision</a:t>
+            </a:r>
+            <a:endParaRPr lang="ru-RU" dirty="0" smtClean="0"/>
+          </a:p>
+          <a:p>
+            <a:pPr lvl="1"/>
+            <a:r>
               <a:rPr lang="ru-RU" dirty="0" smtClean="0"/>
-              <a:t>Закрытое</a:t>
-            </a:r>
-          </a:p>
-          <a:p>
+              <a:t>Старший номер</a:t>
+            </a:r>
+          </a:p>
+          <a:p>
+            <a:pPr lvl="1"/>
             <a:r>
               <a:rPr lang="ru-RU" dirty="0" smtClean="0"/>
-              <a:t>Совместное</a:t>
+              <a:t>Младший номер</a:t>
+            </a:r>
+          </a:p>
+          <a:p>
+            <a:pPr lvl="1"/>
+            <a:r>
+              <a:rPr lang="ru-RU" dirty="0" smtClean="0"/>
+              <a:t>Номер билда</a:t>
+            </a:r>
+          </a:p>
+          <a:p>
+            <a:pPr lvl="1"/>
+            <a:r>
+              <a:rPr lang="ru-RU" dirty="0" smtClean="0"/>
+              <a:t>Номер ревизии</a:t>
+            </a:r>
+            <a:endParaRPr lang="en-US" dirty="0" smtClean="0"/>
+          </a:p>
+          <a:p>
+            <a:r>
+              <a:rPr lang="ru-RU" dirty="0" smtClean="0"/>
+              <a:t>Задается в </a:t>
+            </a:r>
+            <a:r>
+              <a:rPr lang="en-US" dirty="0" err="1" smtClean="0"/>
+              <a:t>AssemblyInfo.cs</a:t>
             </a:r>
             <a:endParaRPr lang="ru-RU" dirty="0"/>
           </a:p>
@@ -8971,7 +9000,7 @@
     </p:spTree>
     <p:extLst>
       <p:ext uri="{BB962C8B-B14F-4D97-AF65-F5344CB8AC3E}">
-        <p14:creationId xmlns:p14="http://schemas.microsoft.com/office/powerpoint/2010/main" val="3786467353"/>
+        <p14:creationId xmlns:p14="http://schemas.microsoft.com/office/powerpoint/2010/main" val="746042412"/>
       </p:ext>
     </p:extLst>
   </p:cSld>
@@ -9017,25 +9046,12 @@
         </p:nvSpPr>
         <p:spPr/>
         <p:txBody>
-          <a:bodyPr>
-            <a:normAutofit fontScale="90000"/>
-          </a:bodyPr>
+          <a:bodyPr/>
           <a:lstStyle/>
           <a:p>
             <a:r>
-              <a:rPr lang="ru-RU" dirty="0"/>
-              <a:t>Поиск </a:t>
-            </a:r>
-            <a:r>
               <a:rPr lang="ru-RU" dirty="0" smtClean="0"/>
-              <a:t>сборки</a:t>
-            </a:r>
-            <a:br>
-              <a:rPr lang="ru-RU" dirty="0" smtClean="0"/>
-            </a:br>
-            <a:r>
-              <a:rPr lang="ru-RU" dirty="0" smtClean="0"/>
-              <a:t>Закрытое развертывание</a:t>
+              <a:t>Типы развертывания</a:t>
             </a:r>
             <a:endParaRPr lang="ru-RU" dirty="0"/>
           </a:p>
@@ -9053,260 +9069,19 @@
         </p:nvSpPr>
         <p:spPr/>
         <p:txBody>
-          <a:bodyPr>
-            <a:normAutofit fontScale="70000" lnSpcReduction="20000"/>
-          </a:bodyPr>
+          <a:bodyPr/>
           <a:lstStyle/>
           <a:p>
             <a:r>
-              <a:rPr lang="en-US" dirty="0" err="1" smtClean="0"/>
-              <a:t>AppBase</a:t>
-            </a:r>
-            <a:r>
-              <a:rPr lang="en-US" dirty="0" smtClean="0"/>
-              <a:t>\AsmName.dll</a:t>
-            </a:r>
-          </a:p>
-          <a:p>
-            <a:r>
-              <a:rPr lang="en-US" dirty="0" err="1" smtClean="0"/>
-              <a:t>AppBase</a:t>
-            </a:r>
-            <a:r>
-              <a:rPr lang="en-US" dirty="0" smtClean="0"/>
-              <a:t>\</a:t>
-            </a:r>
-            <a:r>
-              <a:rPr lang="en-US" dirty="0" err="1" smtClean="0"/>
-              <a:t>AsmName</a:t>
-            </a:r>
-            <a:r>
-              <a:rPr lang="en-US" dirty="0" smtClean="0"/>
-              <a:t>\AsmName.dll</a:t>
-            </a:r>
-            <a:endParaRPr lang="en-US" dirty="0"/>
-          </a:p>
-          <a:p>
-            <a:r>
-              <a:rPr lang="en-US" dirty="0" err="1" smtClean="0"/>
-              <a:t>AppBase</a:t>
-            </a:r>
-            <a:r>
-              <a:rPr lang="en-US" dirty="0" smtClean="0"/>
-              <a:t>\privatePath1\</a:t>
-            </a:r>
-            <a:r>
-              <a:rPr lang="en-US" dirty="0" err="1" smtClean="0"/>
-              <a:t>AsmName</a:t>
-            </a:r>
-            <a:r>
-              <a:rPr lang="en-US" dirty="0" smtClean="0"/>
-              <a:t>. </a:t>
-            </a:r>
-            <a:r>
-              <a:rPr lang="en-US" dirty="0" err="1"/>
-              <a:t>dll</a:t>
-            </a:r>
-            <a:endParaRPr lang="en-US" dirty="0"/>
-          </a:p>
-          <a:p>
-            <a:r>
-              <a:rPr lang="en-US" dirty="0" err="1" smtClean="0"/>
-              <a:t>AppBase</a:t>
-            </a:r>
-            <a:r>
-              <a:rPr lang="en-US" dirty="0" smtClean="0"/>
-              <a:t>\privatePath1\</a:t>
-            </a:r>
-            <a:r>
-              <a:rPr lang="en-US" dirty="0" err="1" smtClean="0"/>
-              <a:t>AsmName</a:t>
-            </a:r>
-            <a:r>
-              <a:rPr lang="en-US" dirty="0" smtClean="0"/>
-              <a:t>\AsmName.dll</a:t>
-            </a:r>
-            <a:endParaRPr lang="en-US" dirty="0"/>
-          </a:p>
-          <a:p>
-            <a:r>
-              <a:rPr lang="en-US" dirty="0" err="1" smtClean="0"/>
-              <a:t>AppBase</a:t>
-            </a:r>
-            <a:r>
-              <a:rPr lang="en-US" dirty="0" smtClean="0"/>
-              <a:t>\privatePath2\AsmName.dll</a:t>
-            </a:r>
-            <a:endParaRPr lang="en-US" dirty="0"/>
-          </a:p>
-          <a:p>
-            <a:r>
-              <a:rPr lang="en-US" dirty="0" err="1" smtClean="0"/>
-              <a:t>AppBase</a:t>
-            </a:r>
-            <a:r>
-              <a:rPr lang="en-US" dirty="0" smtClean="0"/>
-              <a:t>\privatePath2\</a:t>
-            </a:r>
-            <a:r>
-              <a:rPr lang="en-US" dirty="0" err="1" smtClean="0"/>
-              <a:t>AsmName</a:t>
-            </a:r>
-            <a:r>
-              <a:rPr lang="en-US" dirty="0" smtClean="0"/>
-              <a:t>\AsmName.dll</a:t>
-            </a:r>
-          </a:p>
-          <a:p>
-            <a:endParaRPr lang="en-US" dirty="0" smtClean="0"/>
-          </a:p>
-          <a:p>
-            <a:r>
-              <a:rPr lang="en-US" dirty="0" err="1" smtClean="0"/>
-              <a:t>AppBase</a:t>
-            </a:r>
-            <a:r>
-              <a:rPr lang="en-US" dirty="0" smtClean="0"/>
-              <a:t>\en-US\AsmName.dll</a:t>
-            </a:r>
-            <a:endParaRPr lang="en-US" dirty="0"/>
-          </a:p>
-          <a:p>
-            <a:r>
-              <a:rPr lang="en-US" dirty="0" err="1" smtClean="0"/>
-              <a:t>AppBase</a:t>
-            </a:r>
-            <a:r>
-              <a:rPr lang="en-US" dirty="0" smtClean="0"/>
-              <a:t>\</a:t>
-            </a:r>
-            <a:r>
-              <a:rPr lang="en-US" dirty="0"/>
-              <a:t>en-US\</a:t>
-            </a:r>
-            <a:r>
-              <a:rPr lang="en-US" dirty="0" err="1" smtClean="0"/>
-              <a:t>AsmName</a:t>
-            </a:r>
-            <a:r>
-              <a:rPr lang="en-US" dirty="0" smtClean="0"/>
-              <a:t>\AsmName.dll</a:t>
-            </a:r>
-            <a:endParaRPr lang="en-US" dirty="0"/>
-          </a:p>
-          <a:p>
-            <a:r>
-              <a:rPr lang="en-US" dirty="0" err="1" smtClean="0"/>
-              <a:t>AppBase</a:t>
-            </a:r>
-            <a:r>
-              <a:rPr lang="en-US" dirty="0" smtClean="0"/>
-              <a:t>\</a:t>
-            </a:r>
-            <a:r>
-              <a:rPr lang="en-US" dirty="0"/>
-              <a:t>en-US\</a:t>
-            </a:r>
-            <a:r>
-              <a:rPr lang="en-US" dirty="0" smtClean="0"/>
-              <a:t>privatePath1\</a:t>
-            </a:r>
-            <a:r>
-              <a:rPr lang="en-US" dirty="0" err="1" smtClean="0"/>
-              <a:t>AsmName</a:t>
-            </a:r>
-            <a:r>
-              <a:rPr lang="en-US" dirty="0"/>
-              <a:t>. </a:t>
-            </a:r>
-            <a:r>
-              <a:rPr lang="en-US" dirty="0" err="1"/>
-              <a:t>dll</a:t>
-            </a:r>
-            <a:endParaRPr lang="en-US" dirty="0"/>
-          </a:p>
-          <a:p>
-            <a:r>
-              <a:rPr lang="en-US" dirty="0" err="1" smtClean="0"/>
-              <a:t>AppBase</a:t>
-            </a:r>
-            <a:r>
-              <a:rPr lang="en-US" dirty="0" smtClean="0"/>
-              <a:t>\</a:t>
-            </a:r>
-            <a:r>
-              <a:rPr lang="en-US" dirty="0"/>
-              <a:t>en-US\</a:t>
-            </a:r>
-            <a:r>
-              <a:rPr lang="en-US" dirty="0" smtClean="0"/>
-              <a:t>privatePath1\</a:t>
-            </a:r>
-            <a:r>
-              <a:rPr lang="en-US" dirty="0" err="1" smtClean="0"/>
-              <a:t>AsmName</a:t>
-            </a:r>
-            <a:r>
-              <a:rPr lang="en-US" dirty="0" smtClean="0"/>
-              <a:t>\AsmName.dll</a:t>
-            </a:r>
-            <a:endParaRPr lang="en-US" dirty="0"/>
-          </a:p>
-          <a:p>
-            <a:r>
-              <a:rPr lang="en-US" dirty="0" err="1" smtClean="0"/>
-              <a:t>AppBase</a:t>
-            </a:r>
-            <a:r>
-              <a:rPr lang="en-US" dirty="0" smtClean="0"/>
-              <a:t>\</a:t>
-            </a:r>
-            <a:r>
-              <a:rPr lang="en-US" dirty="0"/>
-              <a:t>en-US\</a:t>
-            </a:r>
-            <a:r>
-              <a:rPr lang="en-US" dirty="0" smtClean="0"/>
-              <a:t>privatePath2\AsmName.dll</a:t>
-            </a:r>
-            <a:endParaRPr lang="en-US" dirty="0"/>
-          </a:p>
-          <a:p>
-            <a:r>
-              <a:rPr lang="en-US" dirty="0" err="1" smtClean="0"/>
-              <a:t>AppBase</a:t>
-            </a:r>
-            <a:r>
-              <a:rPr lang="en-US" dirty="0" smtClean="0"/>
-              <a:t>\</a:t>
-            </a:r>
-            <a:r>
-              <a:rPr lang="en-US" dirty="0"/>
-              <a:t>en-US\</a:t>
-            </a:r>
-            <a:r>
-              <a:rPr lang="en-US" dirty="0" smtClean="0"/>
-              <a:t>privatePath2\</a:t>
-            </a:r>
-            <a:r>
-              <a:rPr lang="en-US" dirty="0" err="1" smtClean="0"/>
-              <a:t>AsmName</a:t>
-            </a:r>
-            <a:r>
-              <a:rPr lang="en-US" dirty="0" smtClean="0"/>
-              <a:t>\</a:t>
-            </a:r>
-            <a:r>
-              <a:rPr lang="en-US" dirty="0" err="1" smtClean="0"/>
-              <a:t>AsmName</a:t>
-            </a:r>
-            <a:r>
-              <a:rPr lang="en-US" dirty="0"/>
-              <a:t>.</a:t>
-            </a:r>
-            <a:endParaRPr lang="en-US" dirty="0" smtClean="0"/>
-          </a:p>
-          <a:p>
+              <a:rPr lang="ru-RU" dirty="0" smtClean="0"/>
+              <a:t>Закрытое</a:t>
+            </a:r>
+          </a:p>
+          <a:p>
+            <a:r>
+              <a:rPr lang="ru-RU" dirty="0" smtClean="0"/>
+              <a:t>Совместное</a:t>
+            </a:r>
             <a:endParaRPr lang="ru-RU" dirty="0"/>
           </a:p>
         </p:txBody>
@@ -9314,7 +9089,7 @@
     </p:spTree>
     <p:extLst>
       <p:ext uri="{BB962C8B-B14F-4D97-AF65-F5344CB8AC3E}">
-        <p14:creationId xmlns:p14="http://schemas.microsoft.com/office/powerpoint/2010/main" val="426700887"/>
+        <p14:creationId xmlns:p14="http://schemas.microsoft.com/office/powerpoint/2010/main" val="3786467353"/>
       </p:ext>
     </p:extLst>
   </p:cSld>
@@ -9360,12 +9135,25 @@
         </p:nvSpPr>
         <p:spPr/>
         <p:txBody>
-          <a:bodyPr/>
+          <a:bodyPr>
+            <a:normAutofit fontScale="90000"/>
+          </a:bodyPr>
           <a:lstStyle/>
           <a:p>
             <a:r>
-              <a:rPr lang="en-US" dirty="0" err="1" smtClean="0"/>
-              <a:t>App.config</a:t>
+              <a:rPr lang="ru-RU" dirty="0"/>
+              <a:t>Поиск </a:t>
+            </a:r>
+            <a:r>
+              <a:rPr lang="ru-RU" dirty="0" smtClean="0"/>
+              <a:t>сборки</a:t>
+            </a:r>
+            <a:br>
+              <a:rPr lang="ru-RU" dirty="0" smtClean="0"/>
+            </a:br>
+            <a:r>
+              <a:rPr lang="ru-RU" dirty="0" smtClean="0"/>
+              <a:t>Закрытое развертывание</a:t>
             </a:r>
             <a:endParaRPr lang="ru-RU" dirty="0"/>
           </a:p>
@@ -9381,320 +9169,270 @@
             <p:ph idx="1"/>
           </p:nvPr>
         </p:nvSpPr>
-        <p:spPr>
-          <a:xfrm>
-            <a:off x="457200" y="1600201"/>
-            <a:ext cx="8229600" cy="2332856"/>
-          </a:xfrm>
-        </p:spPr>
+        <p:spPr/>
         <p:txBody>
           <a:bodyPr>
-            <a:normAutofit/>
+            <a:normAutofit fontScale="70000" lnSpcReduction="20000"/>
           </a:bodyPr>
           <a:lstStyle/>
           <a:p>
-            <a:pPr marL="0" indent="0">
-              <a:buNone/>
-            </a:pPr>
-            <a:r>
-              <a:rPr lang="en-US" sz="1400" dirty="0">
-                <a:latin typeface="Courier New" pitchFamily="49" charset="0"/>
-                <a:cs typeface="Courier New" pitchFamily="49" charset="0"/>
-              </a:rPr>
-              <a:t>&lt;?xml version="1.0"?&gt;</a:t>
-            </a:r>
-          </a:p>
-          <a:p>
-            <a:pPr marL="0" indent="0">
-              <a:buNone/>
-            </a:pPr>
-            <a:r>
-              <a:rPr lang="en-US" sz="1400" dirty="0" smtClean="0">
-                <a:latin typeface="Courier New" pitchFamily="49" charset="0"/>
-                <a:cs typeface="Courier New" pitchFamily="49" charset="0"/>
-              </a:rPr>
-              <a:t>&lt;</a:t>
-            </a:r>
-            <a:r>
-              <a:rPr lang="en-US" sz="1400" dirty="0">
-                <a:latin typeface="Courier New" pitchFamily="49" charset="0"/>
-                <a:cs typeface="Courier New" pitchFamily="49" charset="0"/>
-              </a:rPr>
-              <a:t>configuration&gt;</a:t>
-            </a:r>
-          </a:p>
-          <a:p>
-            <a:pPr marL="0" indent="0">
-              <a:buNone/>
-            </a:pPr>
-            <a:r>
-              <a:rPr lang="en-US" sz="1400" dirty="0" smtClean="0">
-                <a:latin typeface="Courier New" pitchFamily="49" charset="0"/>
-                <a:cs typeface="Courier New" pitchFamily="49" charset="0"/>
-              </a:rPr>
-              <a:t>    &lt;</a:t>
-            </a:r>
-            <a:r>
-              <a:rPr lang="en-US" sz="1400" dirty="0">
-                <a:latin typeface="Courier New" pitchFamily="49" charset="0"/>
-                <a:cs typeface="Courier New" pitchFamily="49" charset="0"/>
-              </a:rPr>
-              <a:t>runtime&gt;</a:t>
-            </a:r>
-          </a:p>
-          <a:p>
-            <a:pPr marL="0" indent="0">
-              <a:buNone/>
-            </a:pPr>
-            <a:r>
-              <a:rPr lang="en-US" sz="1400" dirty="0" smtClean="0">
-                <a:latin typeface="Courier New" pitchFamily="49" charset="0"/>
-                <a:cs typeface="Courier New" pitchFamily="49" charset="0"/>
-              </a:rPr>
-              <a:t>        &lt;</a:t>
-            </a:r>
-            <a:r>
-              <a:rPr lang="en-US" sz="1400" dirty="0" err="1">
-                <a:latin typeface="Courier New" pitchFamily="49" charset="0"/>
-                <a:cs typeface="Courier New" pitchFamily="49" charset="0"/>
-              </a:rPr>
-              <a:t>assemblyBinding</a:t>
-            </a:r>
-            <a:r>
-              <a:rPr lang="en-US" sz="1400" dirty="0">
-                <a:latin typeface="Courier New" pitchFamily="49" charset="0"/>
-                <a:cs typeface="Courier New" pitchFamily="49" charset="0"/>
-              </a:rPr>
-              <a:t> </a:t>
-            </a:r>
-            <a:r>
-              <a:rPr lang="en-US" sz="1400" dirty="0" err="1">
-                <a:latin typeface="Courier New" pitchFamily="49" charset="0"/>
-                <a:cs typeface="Courier New" pitchFamily="49" charset="0"/>
-              </a:rPr>
-              <a:t>xmlns</a:t>
-            </a:r>
-            <a:r>
-              <a:rPr lang="en-US" sz="1400" dirty="0">
-                <a:latin typeface="Courier New" pitchFamily="49" charset="0"/>
-                <a:cs typeface="Courier New" pitchFamily="49" charset="0"/>
-              </a:rPr>
-              <a:t>="urn:schemas-microsoft-com:asm.v1"&gt;</a:t>
-            </a:r>
-          </a:p>
-          <a:p>
-            <a:pPr marL="0" indent="0">
-              <a:buNone/>
-            </a:pPr>
-            <a:r>
-              <a:rPr lang="en-US" sz="1400" dirty="0" smtClean="0">
-                <a:latin typeface="Courier New" pitchFamily="49" charset="0"/>
-                <a:cs typeface="Courier New" pitchFamily="49" charset="0"/>
-              </a:rPr>
-              <a:t>            </a:t>
-            </a:r>
-            <a:r>
-              <a:rPr lang="en-US" sz="1600" dirty="0" smtClean="0">
-                <a:solidFill>
-                  <a:srgbClr val="92D050"/>
-                </a:solidFill>
-                <a:latin typeface="Courier New" pitchFamily="49" charset="0"/>
-                <a:cs typeface="Courier New" pitchFamily="49" charset="0"/>
-              </a:rPr>
-              <a:t>&lt;</a:t>
-            </a:r>
-            <a:r>
-              <a:rPr lang="en-US" sz="1600" dirty="0">
-                <a:solidFill>
-                  <a:srgbClr val="92D050"/>
-                </a:solidFill>
-                <a:latin typeface="Courier New" pitchFamily="49" charset="0"/>
-                <a:cs typeface="Courier New" pitchFamily="49" charset="0"/>
-              </a:rPr>
-              <a:t>probing </a:t>
-            </a:r>
-            <a:r>
-              <a:rPr lang="en-US" sz="1600" dirty="0" err="1">
-                <a:solidFill>
-                  <a:srgbClr val="92D050"/>
-                </a:solidFill>
-                <a:latin typeface="Courier New" pitchFamily="49" charset="0"/>
-                <a:cs typeface="Courier New" pitchFamily="49" charset="0"/>
-              </a:rPr>
-              <a:t>privatePath</a:t>
-            </a:r>
-            <a:r>
-              <a:rPr lang="en-US" sz="1600" dirty="0">
-                <a:solidFill>
-                  <a:srgbClr val="92D050"/>
-                </a:solidFill>
-                <a:latin typeface="Courier New" pitchFamily="49" charset="0"/>
-                <a:cs typeface="Courier New" pitchFamily="49" charset="0"/>
-              </a:rPr>
-              <a:t>="privatePath1;privatePath2"/&gt;</a:t>
-            </a:r>
-          </a:p>
-          <a:p>
-            <a:pPr marL="0" indent="0">
-              <a:buNone/>
-            </a:pPr>
-            <a:r>
-              <a:rPr lang="en-US" sz="1400" dirty="0" smtClean="0">
-                <a:latin typeface="Courier New" pitchFamily="49" charset="0"/>
-                <a:cs typeface="Courier New" pitchFamily="49" charset="0"/>
-              </a:rPr>
-              <a:t>        &lt;/</a:t>
-            </a:r>
-            <a:r>
-              <a:rPr lang="en-US" sz="1400" dirty="0" err="1">
-                <a:latin typeface="Courier New" pitchFamily="49" charset="0"/>
-                <a:cs typeface="Courier New" pitchFamily="49" charset="0"/>
-              </a:rPr>
-              <a:t>assemblyBinding</a:t>
-            </a:r>
-            <a:r>
-              <a:rPr lang="en-US" sz="1400" dirty="0">
-                <a:latin typeface="Courier New" pitchFamily="49" charset="0"/>
-                <a:cs typeface="Courier New" pitchFamily="49" charset="0"/>
-              </a:rPr>
-              <a:t>&gt;</a:t>
-            </a:r>
-          </a:p>
-          <a:p>
-            <a:pPr marL="0" indent="0">
-              <a:buNone/>
-            </a:pPr>
-            <a:r>
-              <a:rPr lang="en-US" sz="1400" dirty="0" smtClean="0">
-                <a:latin typeface="Courier New" pitchFamily="49" charset="0"/>
-                <a:cs typeface="Courier New" pitchFamily="49" charset="0"/>
-              </a:rPr>
-              <a:t>    &lt;/</a:t>
-            </a:r>
-            <a:r>
-              <a:rPr lang="en-US" sz="1400" dirty="0">
-                <a:latin typeface="Courier New" pitchFamily="49" charset="0"/>
-                <a:cs typeface="Courier New" pitchFamily="49" charset="0"/>
-              </a:rPr>
-              <a:t>runtime&gt;</a:t>
-            </a:r>
-          </a:p>
-          <a:p>
-            <a:pPr marL="0" indent="0">
-              <a:buNone/>
-            </a:pPr>
-            <a:r>
-              <a:rPr lang="en-US" sz="1400" dirty="0">
-                <a:latin typeface="Courier New" pitchFamily="49" charset="0"/>
-                <a:cs typeface="Courier New" pitchFamily="49" charset="0"/>
-              </a:rPr>
-              <a:t>&lt;/configuration&gt;</a:t>
-            </a:r>
-          </a:p>
-          <a:p>
-            <a:pPr marL="0" indent="0">
-              <a:buNone/>
-            </a:pPr>
-            <a:endParaRPr lang="ru-RU" sz="1400" dirty="0"/>
-          </a:p>
-        </p:txBody>
-      </p:sp>
-      <p:sp>
-        <p:nvSpPr>
-          <p:cNvPr id="4" name="Title 1"/>
-          <p:cNvSpPr txBox="1">
-            <a:spLocks/>
-          </p:cNvSpPr>
-          <p:nvPr/>
-        </p:nvSpPr>
-        <p:spPr>
-          <a:xfrm>
-            <a:off x="457200" y="3798168"/>
-            <a:ext cx="8229600" cy="1143000"/>
-          </a:xfrm>
-          <a:prstGeom prst="rect">
-            <a:avLst/>
-          </a:prstGeom>
-        </p:spPr>
-        <p:txBody>
-          <a:bodyPr vert="horz" lIns="91440" tIns="45720" rIns="91440" bIns="45720" rtlCol="0" anchor="ctr">
-            <a:normAutofit/>
-          </a:bodyPr>
-          <a:lstStyle>
-            <a:lvl1pPr algn="ctr" defTabSz="914400" rtl="0" eaLnBrk="1" latinLnBrk="0" hangingPunct="1">
-              <a:spcBef>
-                <a:spcPct val="0"/>
-              </a:spcBef>
-              <a:buNone/>
-              <a:defRPr sz="4400" kern="1200">
-                <a:solidFill>
-                  <a:schemeClr val="tx1"/>
-                </a:solidFill>
-                <a:latin typeface="+mj-lt"/>
-                <a:ea typeface="+mj-ea"/>
-                <a:cs typeface="+mj-cs"/>
-              </a:defRPr>
-            </a:lvl1pPr>
-          </a:lstStyle>
-          <a:p>
             <a:r>
               <a:rPr lang="en-US" dirty="0" err="1" smtClean="0"/>
-              <a:t>Machine.config</a:t>
-            </a:r>
+              <a:t>AppBase</a:t>
+            </a:r>
+            <a:r>
+              <a:rPr lang="en-US" dirty="0" smtClean="0"/>
+              <a:t>\AsmName.dll</a:t>
+            </a:r>
+          </a:p>
+          <a:p>
+            <a:r>
+              <a:rPr lang="en-US" dirty="0" err="1" smtClean="0"/>
+              <a:t>AppBase</a:t>
+            </a:r>
+            <a:r>
+              <a:rPr lang="en-US" dirty="0" smtClean="0"/>
+              <a:t>\</a:t>
+            </a:r>
+            <a:r>
+              <a:rPr lang="en-US" dirty="0" err="1" smtClean="0"/>
+              <a:t>AsmName</a:t>
+            </a:r>
+            <a:r>
+              <a:rPr lang="en-US" dirty="0" smtClean="0"/>
+              <a:t>\AsmName.dll</a:t>
+            </a:r>
+            <a:endParaRPr lang="en-US" dirty="0"/>
+          </a:p>
+          <a:p>
+            <a:r>
+              <a:rPr lang="en-US" dirty="0" err="1" smtClean="0"/>
+              <a:t>AppBase</a:t>
+            </a:r>
+            <a:r>
+              <a:rPr lang="en-US" dirty="0" smtClean="0"/>
+              <a:t>\privatePath1\</a:t>
+            </a:r>
+            <a:r>
+              <a:rPr lang="en-US" dirty="0" err="1" smtClean="0"/>
+              <a:t>AsmName</a:t>
+            </a:r>
+            <a:r>
+              <a:rPr lang="en-US" dirty="0" smtClean="0"/>
+              <a:t>. </a:t>
+            </a:r>
+            <a:r>
+              <a:rPr lang="en-US" dirty="0" err="1"/>
+              <a:t>dll</a:t>
+            </a:r>
+            <a:endParaRPr lang="en-US" dirty="0"/>
+          </a:p>
+          <a:p>
+            <a:r>
+              <a:rPr lang="en-US" dirty="0" err="1" smtClean="0"/>
+              <a:t>AppBase</a:t>
+            </a:r>
+            <a:r>
+              <a:rPr lang="en-US" dirty="0" smtClean="0"/>
+              <a:t>\privatePath1\</a:t>
+            </a:r>
+            <a:r>
+              <a:rPr lang="en-US" dirty="0" err="1" smtClean="0"/>
+              <a:t>AsmName</a:t>
+            </a:r>
+            <a:r>
+              <a:rPr lang="en-US" dirty="0" smtClean="0"/>
+              <a:t>\AsmName.dll</a:t>
+            </a:r>
+            <a:endParaRPr lang="en-US" dirty="0"/>
+          </a:p>
+          <a:p>
+            <a:r>
+              <a:rPr lang="en-US" dirty="0" err="1" smtClean="0"/>
+              <a:t>AppBase</a:t>
+            </a:r>
+            <a:r>
+              <a:rPr lang="en-US" dirty="0" smtClean="0"/>
+              <a:t>\privatePath2\AsmName.dll</a:t>
+            </a:r>
+            <a:endParaRPr lang="en-US" dirty="0"/>
+          </a:p>
+          <a:p>
+            <a:r>
+              <a:rPr lang="en-US" dirty="0" err="1" smtClean="0"/>
+              <a:t>AppBase</a:t>
+            </a:r>
+            <a:r>
+              <a:rPr lang="en-US" dirty="0" smtClean="0"/>
+              <a:t>\privatePath2\</a:t>
+            </a:r>
+            <a:r>
+              <a:rPr lang="en-US" dirty="0" err="1" smtClean="0"/>
+              <a:t>AsmName</a:t>
+            </a:r>
+            <a:r>
+              <a:rPr lang="en-US" dirty="0" smtClean="0"/>
+              <a:t>\AsmName.dll</a:t>
+            </a:r>
+          </a:p>
+          <a:p>
+            <a:endParaRPr lang="en-US" dirty="0" smtClean="0"/>
+          </a:p>
+          <a:p>
+            <a:r>
+              <a:rPr lang="en-US" dirty="0" err="1" smtClean="0"/>
+              <a:t>AppBase</a:t>
+            </a:r>
+            <a:r>
+              <a:rPr lang="en-US" dirty="0" smtClean="0"/>
+              <a:t>\en-US\AsmName.dll</a:t>
+            </a:r>
+            <a:endParaRPr lang="en-US" dirty="0"/>
+          </a:p>
+          <a:p>
+            <a:r>
+              <a:rPr lang="en-US" dirty="0" err="1" smtClean="0"/>
+              <a:t>AppBase</a:t>
+            </a:r>
+            <a:r>
+              <a:rPr lang="en-US" dirty="0" smtClean="0"/>
+              <a:t>\</a:t>
+            </a:r>
+            <a:r>
+              <a:rPr lang="en-US" dirty="0"/>
+              <a:t>en-US\</a:t>
+            </a:r>
+            <a:r>
+              <a:rPr lang="en-US" dirty="0" err="1" smtClean="0"/>
+              <a:t>AsmName</a:t>
+            </a:r>
+            <a:r>
+              <a:rPr lang="en-US" dirty="0" smtClean="0"/>
+              <a:t>\AsmName.dll</a:t>
+            </a:r>
+            <a:endParaRPr lang="en-US" dirty="0"/>
+          </a:p>
+          <a:p>
+            <a:r>
+              <a:rPr lang="en-US" dirty="0" err="1" smtClean="0"/>
+              <a:t>AppBase</a:t>
+            </a:r>
+            <a:r>
+              <a:rPr lang="en-US" dirty="0" smtClean="0"/>
+              <a:t>\</a:t>
+            </a:r>
+            <a:r>
+              <a:rPr lang="en-US" dirty="0"/>
+              <a:t>en-US\</a:t>
+            </a:r>
+            <a:r>
+              <a:rPr lang="en-US" dirty="0" smtClean="0"/>
+              <a:t>privatePath1\</a:t>
+            </a:r>
+            <a:r>
+              <a:rPr lang="en-US" dirty="0" err="1" smtClean="0"/>
+              <a:t>AsmName</a:t>
+            </a:r>
+            <a:r>
+              <a:rPr lang="en-US" dirty="0"/>
+              <a:t>. </a:t>
+            </a:r>
+            <a:r>
+              <a:rPr lang="en-US" dirty="0" err="1"/>
+              <a:t>dll</a:t>
+            </a:r>
+            <a:endParaRPr lang="en-US" dirty="0"/>
+          </a:p>
+          <a:p>
+            <a:r>
+              <a:rPr lang="en-US" dirty="0" err="1" smtClean="0"/>
+              <a:t>AppBase</a:t>
+            </a:r>
+            <a:r>
+              <a:rPr lang="en-US" dirty="0" smtClean="0"/>
+              <a:t>\</a:t>
+            </a:r>
+            <a:r>
+              <a:rPr lang="en-US" dirty="0"/>
+              <a:t>en-US\</a:t>
+            </a:r>
+            <a:r>
+              <a:rPr lang="en-US" dirty="0" smtClean="0"/>
+              <a:t>privatePath1\</a:t>
+            </a:r>
+            <a:r>
+              <a:rPr lang="en-US" dirty="0" err="1" smtClean="0"/>
+              <a:t>AsmName</a:t>
+            </a:r>
+            <a:r>
+              <a:rPr lang="en-US" dirty="0" smtClean="0"/>
+              <a:t>\AsmName.dll</a:t>
+            </a:r>
+            <a:endParaRPr lang="en-US" dirty="0"/>
+          </a:p>
+          <a:p>
+            <a:r>
+              <a:rPr lang="en-US" dirty="0" err="1" smtClean="0"/>
+              <a:t>AppBase</a:t>
+            </a:r>
+            <a:r>
+              <a:rPr lang="en-US" dirty="0" smtClean="0"/>
+              <a:t>\</a:t>
+            </a:r>
+            <a:r>
+              <a:rPr lang="en-US" dirty="0"/>
+              <a:t>en-US\</a:t>
+            </a:r>
+            <a:r>
+              <a:rPr lang="en-US" dirty="0" smtClean="0"/>
+              <a:t>privatePath2\AsmName.dll</a:t>
+            </a:r>
+            <a:endParaRPr lang="en-US" dirty="0"/>
+          </a:p>
+          <a:p>
+            <a:r>
+              <a:rPr lang="en-US" dirty="0" err="1" smtClean="0"/>
+              <a:t>AppBase</a:t>
+            </a:r>
+            <a:r>
+              <a:rPr lang="en-US" dirty="0" smtClean="0"/>
+              <a:t>\</a:t>
+            </a:r>
+            <a:r>
+              <a:rPr lang="en-US" dirty="0"/>
+              <a:t>en-US\</a:t>
+            </a:r>
+            <a:r>
+              <a:rPr lang="en-US" dirty="0" smtClean="0"/>
+              <a:t>privatePath2\</a:t>
+            </a:r>
+            <a:r>
+              <a:rPr lang="en-US" dirty="0" err="1" smtClean="0"/>
+              <a:t>AsmName</a:t>
+            </a:r>
+            <a:r>
+              <a:rPr lang="en-US" dirty="0" smtClean="0"/>
+              <a:t>\</a:t>
+            </a:r>
+            <a:r>
+              <a:rPr lang="en-US" dirty="0" err="1" smtClean="0"/>
+              <a:t>AsmName</a:t>
+            </a:r>
+            <a:r>
+              <a:rPr lang="en-US" dirty="0"/>
+              <a:t>.</a:t>
+            </a:r>
+            <a:endParaRPr lang="en-US" dirty="0" smtClean="0"/>
+          </a:p>
+          <a:p>
             <a:endParaRPr lang="ru-RU" dirty="0"/>
-          </a:p>
-        </p:txBody>
-      </p:sp>
-      <p:sp>
-        <p:nvSpPr>
-          <p:cNvPr id="5" name="TextBox 4"/>
-          <p:cNvSpPr txBox="1"/>
-          <p:nvPr/>
-        </p:nvSpPr>
-        <p:spPr>
-          <a:xfrm>
-            <a:off x="457200" y="5085184"/>
-            <a:ext cx="8229600" cy="523220"/>
-          </a:xfrm>
-          <a:prstGeom prst="rect">
-            <a:avLst/>
-          </a:prstGeom>
-          <a:noFill/>
-        </p:spPr>
-        <p:txBody>
-          <a:bodyPr wrap="square" rtlCol="0">
-            <a:spAutoFit/>
-          </a:bodyPr>
-          <a:lstStyle/>
-          <a:p>
-            <a:r>
-              <a:rPr lang="ru-RU" sz="2800" dirty="0" smtClean="0"/>
-              <a:t>%</a:t>
-            </a:r>
-            <a:r>
-              <a:rPr lang="en-US" sz="2800" dirty="0" err="1" smtClean="0"/>
-              <a:t>windir</a:t>
-            </a:r>
-            <a:r>
-              <a:rPr lang="en-US" sz="2800" dirty="0" smtClean="0"/>
-              <a:t>%\Microsoft.NET\Framework\</a:t>
-            </a:r>
-            <a:r>
-              <a:rPr lang="en-US" sz="2800" dirty="0" err="1" smtClean="0"/>
-              <a:t>x.y.z</a:t>
-            </a:r>
-            <a:r>
-              <a:rPr lang="en-US" sz="2800" dirty="0" smtClean="0"/>
-              <a:t>\CONFIG</a:t>
-            </a:r>
-            <a:endParaRPr lang="ru-RU" sz="2800" dirty="0" smtClean="0"/>
           </a:p>
         </p:txBody>
       </p:sp>
     </p:spTree>
     <p:extLst>
       <p:ext uri="{BB962C8B-B14F-4D97-AF65-F5344CB8AC3E}">
-        <p14:creationId xmlns:p14="http://schemas.microsoft.com/office/powerpoint/2010/main" val="4163857979"/>
+        <p14:creationId xmlns:p14="http://schemas.microsoft.com/office/powerpoint/2010/main" val="426700887"/>
       </p:ext>
     </p:extLst>
   </p:cSld>
@@ -9740,14 +9478,12 @@
         </p:nvSpPr>
         <p:spPr/>
         <p:txBody>
-          <a:bodyPr>
-            <a:normAutofit fontScale="90000"/>
-          </a:bodyPr>
+          <a:bodyPr/>
           <a:lstStyle/>
           <a:p>
             <a:r>
-              <a:rPr lang="en-US" dirty="0"/>
-              <a:t>Fuslogvw.exe (Assembly Binding Log Viewer)</a:t>
+              <a:rPr lang="en-US" dirty="0" err="1" smtClean="0"/>
+              <a:t>App.config</a:t>
             </a:r>
             <a:endParaRPr lang="ru-RU" dirty="0"/>
           </a:p>
@@ -9763,10 +9499,15 @@
             <p:ph idx="1"/>
           </p:nvPr>
         </p:nvSpPr>
-        <p:spPr/>
+        <p:spPr>
+          <a:xfrm>
+            <a:off x="457200" y="1600201"/>
+            <a:ext cx="8229600" cy="2332856"/>
+          </a:xfrm>
+        </p:spPr>
         <p:txBody>
           <a:bodyPr>
-            <a:normAutofit fontScale="92500" lnSpcReduction="20000"/>
+            <a:normAutofit/>
           </a:bodyPr>
           <a:lstStyle/>
           <a:p>
@@ -9774,99 +9515,304 @@
               <a:buNone/>
             </a:pPr>
             <a:r>
-              <a:rPr lang="ru-RU" dirty="0" smtClean="0"/>
-              <a:t>Диагностика проблем с загрузкой сборок. </a:t>
-            </a:r>
-            <a:r>
-              <a:rPr lang="ru-RU" smtClean="0"/>
-              <a:t>Является частью </a:t>
-            </a:r>
-            <a:r>
-              <a:rPr lang="en-US" dirty="0" smtClean="0"/>
-              <a:t>Windows SDK</a:t>
-            </a:r>
-            <a:r>
-              <a:rPr lang="ru-RU" dirty="0" smtClean="0"/>
-              <a:t>.</a:t>
+              <a:rPr lang="en-US" sz="1400" dirty="0">
+                <a:latin typeface="Courier New" pitchFamily="49" charset="0"/>
+                <a:cs typeface="Courier New" pitchFamily="49" charset="0"/>
+              </a:rPr>
+              <a:t>&lt;?xml version="1.0"?&gt;</a:t>
             </a:r>
           </a:p>
           <a:p>
             <a:pPr marL="0" indent="0">
               <a:buNone/>
             </a:pPr>
-            <a:endParaRPr lang="ru-RU" dirty="0" smtClean="0"/>
-          </a:p>
-          <a:p>
-            <a:r>
-              <a:rPr lang="en-US" dirty="0" smtClean="0"/>
-              <a:t>HKLM\Software\Microsoft\Fusion</a:t>
-            </a:r>
-            <a:endParaRPr lang="ru-RU" dirty="0" smtClean="0"/>
-          </a:p>
-          <a:p>
-            <a:pPr lvl="1"/>
-            <a:r>
-              <a:rPr lang="en-US" dirty="0" err="1"/>
-              <a:t>ForceLog</a:t>
-            </a:r>
-            <a:r>
-              <a:rPr lang="en-US" dirty="0"/>
-              <a:t> </a:t>
-            </a:r>
-            <a:r>
-              <a:rPr lang="ru-RU" dirty="0" smtClean="0"/>
-              <a:t>= 1</a:t>
-            </a:r>
-          </a:p>
-          <a:p>
-            <a:pPr lvl="1"/>
-            <a:r>
-              <a:rPr lang="en-US" dirty="0" err="1" smtClean="0"/>
-              <a:t>LogPath</a:t>
-            </a:r>
-            <a:r>
-              <a:rPr lang="ru-RU" dirty="0" smtClean="0"/>
-              <a:t> – путь к существующей папке для протоколирования</a:t>
+            <a:r>
+              <a:rPr lang="en-US" sz="1400" dirty="0" smtClean="0">
+                <a:latin typeface="Courier New" pitchFamily="49" charset="0"/>
+                <a:cs typeface="Courier New" pitchFamily="49" charset="0"/>
+              </a:rPr>
+              <a:t>&lt;</a:t>
+            </a:r>
+            <a:r>
+              <a:rPr lang="en-US" sz="1400" dirty="0">
+                <a:latin typeface="Courier New" pitchFamily="49" charset="0"/>
+                <a:cs typeface="Courier New" pitchFamily="49" charset="0"/>
+              </a:rPr>
+              <a:t>configuration&gt;</a:t>
             </a:r>
           </a:p>
           <a:p>
             <a:pPr marL="0" indent="0">
               <a:buNone/>
             </a:pPr>
-            <a:endParaRPr lang="ru-RU" dirty="0" smtClean="0">
-              <a:hlinkClick r:id="rId2"/>
-            </a:endParaRPr>
+            <a:r>
+              <a:rPr lang="en-US" sz="1400" dirty="0" smtClean="0">
+                <a:latin typeface="Courier New" pitchFamily="49" charset="0"/>
+                <a:cs typeface="Courier New" pitchFamily="49" charset="0"/>
+              </a:rPr>
+              <a:t>    &lt;</a:t>
+            </a:r>
+            <a:r>
+              <a:rPr lang="en-US" sz="1400" dirty="0">
+                <a:latin typeface="Courier New" pitchFamily="49" charset="0"/>
+                <a:cs typeface="Courier New" pitchFamily="49" charset="0"/>
+              </a:rPr>
+              <a:t>runtime&gt;</a:t>
+            </a:r>
           </a:p>
           <a:p>
             <a:pPr marL="0" indent="0">
               <a:buNone/>
             </a:pPr>
             <a:r>
-              <a:rPr lang="en-US" dirty="0" smtClean="0">
-                <a:hlinkClick r:id="rId2"/>
-              </a:rPr>
-              <a:t>http</a:t>
-            </a:r>
-            <a:r>
-              <a:rPr lang="en-US" dirty="0">
-                <a:hlinkClick r:id="rId2"/>
-              </a:rPr>
-              <a:t>://</a:t>
-            </a:r>
-            <a:r>
-              <a:rPr lang="en-US" dirty="0" smtClean="0">
-                <a:hlinkClick r:id="rId2"/>
-              </a:rPr>
-              <a:t>msdn.microsoft.com/en-us/library/e74a18c4%28v=vs.110%29.aspx</a:t>
+              <a:rPr lang="en-US" sz="1400" dirty="0" smtClean="0">
+                <a:latin typeface="Courier New" pitchFamily="49" charset="0"/>
+                <a:cs typeface="Courier New" pitchFamily="49" charset="0"/>
+              </a:rPr>
+              <a:t>        &lt;</a:t>
+            </a:r>
+            <a:r>
+              <a:rPr lang="en-US" sz="1400" dirty="0" err="1">
+                <a:latin typeface="Courier New" pitchFamily="49" charset="0"/>
+                <a:cs typeface="Courier New" pitchFamily="49" charset="0"/>
+              </a:rPr>
+              <a:t>assemblyBinding</a:t>
+            </a:r>
+            <a:r>
+              <a:rPr lang="en-US" sz="1400" dirty="0">
+                <a:latin typeface="Courier New" pitchFamily="49" charset="0"/>
+                <a:cs typeface="Courier New" pitchFamily="49" charset="0"/>
+              </a:rPr>
+              <a:t> </a:t>
+            </a:r>
+            <a:r>
+              <a:rPr lang="en-US" sz="1400" dirty="0" err="1">
+                <a:latin typeface="Courier New" pitchFamily="49" charset="0"/>
+                <a:cs typeface="Courier New" pitchFamily="49" charset="0"/>
+              </a:rPr>
+              <a:t>xmlns</a:t>
+            </a:r>
+            <a:r>
+              <a:rPr lang="en-US" sz="1400" dirty="0">
+                <a:latin typeface="Courier New" pitchFamily="49" charset="0"/>
+                <a:cs typeface="Courier New" pitchFamily="49" charset="0"/>
+              </a:rPr>
+              <a:t>="urn:schemas-microsoft-com:asm.v1"&gt;</a:t>
+            </a:r>
+          </a:p>
+          <a:p>
+            <a:pPr marL="0" indent="0">
+              <a:buNone/>
+            </a:pPr>
+            <a:r>
+              <a:rPr lang="en-US" sz="1400" dirty="0" smtClean="0">
+                <a:latin typeface="Courier New" pitchFamily="49" charset="0"/>
+                <a:cs typeface="Courier New" pitchFamily="49" charset="0"/>
+              </a:rPr>
+              <a:t>            </a:t>
+            </a:r>
+            <a:r>
+              <a:rPr lang="en-US" sz="1600" dirty="0" smtClean="0">
+                <a:solidFill>
+                  <a:srgbClr val="92D050"/>
+                </a:solidFill>
+                <a:latin typeface="Courier New" pitchFamily="49" charset="0"/>
+                <a:cs typeface="Courier New" pitchFamily="49" charset="0"/>
+              </a:rPr>
+              <a:t>&lt;</a:t>
+            </a:r>
+            <a:r>
+              <a:rPr lang="en-US" sz="1600" dirty="0">
+                <a:solidFill>
+                  <a:srgbClr val="92D050"/>
+                </a:solidFill>
+                <a:latin typeface="Courier New" pitchFamily="49" charset="0"/>
+                <a:cs typeface="Courier New" pitchFamily="49" charset="0"/>
+              </a:rPr>
+              <a:t>probing </a:t>
+            </a:r>
+            <a:r>
+              <a:rPr lang="en-US" sz="1600" dirty="0" err="1">
+                <a:solidFill>
+                  <a:srgbClr val="92D050"/>
+                </a:solidFill>
+                <a:latin typeface="Courier New" pitchFamily="49" charset="0"/>
+                <a:cs typeface="Courier New" pitchFamily="49" charset="0"/>
+              </a:rPr>
+              <a:t>privatePath</a:t>
+            </a:r>
+            <a:r>
+              <a:rPr lang="en-US" sz="1600" dirty="0">
+                <a:solidFill>
+                  <a:srgbClr val="92D050"/>
+                </a:solidFill>
+                <a:latin typeface="Courier New" pitchFamily="49" charset="0"/>
+                <a:cs typeface="Courier New" pitchFamily="49" charset="0"/>
+              </a:rPr>
+              <a:t>="privatePath1;privatePath2"/&gt;</a:t>
+            </a:r>
+          </a:p>
+          <a:p>
+            <a:pPr marL="0" indent="0">
+              <a:buNone/>
+            </a:pPr>
+            <a:r>
+              <a:rPr lang="en-US" sz="1400" dirty="0" smtClean="0">
+                <a:latin typeface="Courier New" pitchFamily="49" charset="0"/>
+                <a:cs typeface="Courier New" pitchFamily="49" charset="0"/>
+              </a:rPr>
+              <a:t>        &lt;/</a:t>
+            </a:r>
+            <a:r>
+              <a:rPr lang="en-US" sz="1400" dirty="0" err="1">
+                <a:latin typeface="Courier New" pitchFamily="49" charset="0"/>
+                <a:cs typeface="Courier New" pitchFamily="49" charset="0"/>
+              </a:rPr>
+              <a:t>assemblyBinding</a:t>
+            </a:r>
+            <a:r>
+              <a:rPr lang="en-US" sz="1400" dirty="0">
+                <a:latin typeface="Courier New" pitchFamily="49" charset="0"/>
+                <a:cs typeface="Courier New" pitchFamily="49" charset="0"/>
+              </a:rPr>
+              <a:t>&gt;</a:t>
+            </a:r>
+          </a:p>
+          <a:p>
+            <a:pPr marL="0" indent="0">
+              <a:buNone/>
+            </a:pPr>
+            <a:r>
+              <a:rPr lang="en-US" sz="1400" dirty="0" smtClean="0">
+                <a:latin typeface="Courier New" pitchFamily="49" charset="0"/>
+                <a:cs typeface="Courier New" pitchFamily="49" charset="0"/>
+              </a:rPr>
+              <a:t>    &lt;/</a:t>
+            </a:r>
+            <a:r>
+              <a:rPr lang="en-US" sz="1400" dirty="0">
+                <a:latin typeface="Courier New" pitchFamily="49" charset="0"/>
+                <a:cs typeface="Courier New" pitchFamily="49" charset="0"/>
+              </a:rPr>
+              <a:t>runtime&gt;</a:t>
+            </a:r>
+          </a:p>
+          <a:p>
+            <a:pPr marL="0" indent="0">
+              <a:buNone/>
+            </a:pPr>
+            <a:r>
+              <a:rPr lang="en-US" sz="1400" dirty="0">
+                <a:latin typeface="Courier New" pitchFamily="49" charset="0"/>
+                <a:cs typeface="Courier New" pitchFamily="49" charset="0"/>
+              </a:rPr>
+              <a:t>&lt;/configuration&gt;</a:t>
+            </a:r>
+          </a:p>
+          <a:p>
+            <a:pPr marL="0" indent="0">
+              <a:buNone/>
+            </a:pPr>
+            <a:endParaRPr lang="ru-RU" sz="1400" dirty="0"/>
+          </a:p>
+        </p:txBody>
+      </p:sp>
+      <p:sp>
+        <p:nvSpPr>
+          <p:cNvPr id="4" name="Title 1"/>
+          <p:cNvSpPr txBox="1">
+            <a:spLocks/>
+          </p:cNvSpPr>
+          <p:nvPr/>
+        </p:nvSpPr>
+        <p:spPr>
+          <a:xfrm>
+            <a:off x="457200" y="3798168"/>
+            <a:ext cx="8229600" cy="1143000"/>
+          </a:xfrm>
+          <a:prstGeom prst="rect">
+            <a:avLst/>
+          </a:prstGeom>
+        </p:spPr>
+        <p:txBody>
+          <a:bodyPr vert="horz" lIns="91440" tIns="45720" rIns="91440" bIns="45720" rtlCol="0" anchor="ctr">
+            <a:normAutofit/>
+          </a:bodyPr>
+          <a:lstStyle>
+            <a:lvl1pPr algn="ctr" defTabSz="914400" rtl="0" eaLnBrk="1" latinLnBrk="0" hangingPunct="1">
+              <a:spcBef>
+                <a:spcPct val="0"/>
+              </a:spcBef>
+              <a:buNone/>
+              <a:defRPr sz="4400" kern="1200">
+                <a:solidFill>
+                  <a:schemeClr val="tx1"/>
+                </a:solidFill>
+                <a:latin typeface="+mj-lt"/>
+                <a:ea typeface="+mj-ea"/>
+                <a:cs typeface="+mj-cs"/>
+              </a:defRPr>
+            </a:lvl1pPr>
+          </a:lstStyle>
+          <a:p>
+            <a:r>
+              <a:rPr lang="en-US" dirty="0" err="1" smtClean="0"/>
+              <a:t>Machine.config</a:t>
             </a:r>
             <a:endParaRPr lang="ru-RU" dirty="0"/>
+          </a:p>
+        </p:txBody>
+      </p:sp>
+      <p:sp>
+        <p:nvSpPr>
+          <p:cNvPr id="5" name="TextBox 4"/>
+          <p:cNvSpPr txBox="1"/>
+          <p:nvPr/>
+        </p:nvSpPr>
+        <p:spPr>
+          <a:xfrm>
+            <a:off x="457200" y="5085184"/>
+            <a:ext cx="8229600" cy="523220"/>
+          </a:xfrm>
+          <a:prstGeom prst="rect">
+            <a:avLst/>
+          </a:prstGeom>
+          <a:noFill/>
+        </p:spPr>
+        <p:txBody>
+          <a:bodyPr wrap="square" rtlCol="0">
+            <a:spAutoFit/>
+          </a:bodyPr>
+          <a:lstStyle/>
+          <a:p>
+            <a:r>
+              <a:rPr lang="ru-RU" sz="2800" dirty="0" smtClean="0"/>
+              <a:t>%</a:t>
+            </a:r>
+            <a:r>
+              <a:rPr lang="en-US" sz="2800" dirty="0" err="1" smtClean="0"/>
+              <a:t>windir</a:t>
+            </a:r>
+            <a:r>
+              <a:rPr lang="en-US" sz="2800" dirty="0" smtClean="0"/>
+              <a:t>%\Microsoft.NET\Framework\</a:t>
+            </a:r>
+            <a:r>
+              <a:rPr lang="en-US" sz="2800" dirty="0" err="1" smtClean="0"/>
+              <a:t>x.y.z</a:t>
+            </a:r>
+            <a:r>
+              <a:rPr lang="en-US" sz="2800" dirty="0" smtClean="0"/>
+              <a:t>\CONFIG</a:t>
+            </a:r>
+            <a:endParaRPr lang="ru-RU" sz="2800" dirty="0" smtClean="0"/>
           </a:p>
         </p:txBody>
       </p:sp>
     </p:spTree>
     <p:extLst>
       <p:ext uri="{BB962C8B-B14F-4D97-AF65-F5344CB8AC3E}">
-        <p14:creationId xmlns:p14="http://schemas.microsoft.com/office/powerpoint/2010/main" val="3803663968"/>
+        <p14:creationId xmlns:p14="http://schemas.microsoft.com/office/powerpoint/2010/main" val="4163857979"/>
       </p:ext>
     </p:extLst>
   </p:cSld>
@@ -9918,16 +9864,8 @@
           <a:lstStyle/>
           <a:p>
             <a:r>
-              <a:rPr lang="ru-RU" dirty="0" smtClean="0"/>
-              <a:t>Строгое имя сборки (</a:t>
-            </a:r>
-            <a:r>
-              <a:rPr lang="en-US" dirty="0" smtClean="0"/>
-              <a:t>strong name</a:t>
-            </a:r>
-            <a:r>
-              <a:rPr lang="ru-RU" dirty="0" smtClean="0"/>
-              <a:t>)</a:t>
+              <a:rPr lang="en-US" dirty="0"/>
+              <a:t>Fuslogvw.exe (Assembly Binding Log Viewer)</a:t>
             </a:r>
             <a:endParaRPr lang="ru-RU" dirty="0"/>
           </a:p>
@@ -9946,7 +9884,7 @@
         <p:spPr/>
         <p:txBody>
           <a:bodyPr>
-            <a:normAutofit fontScale="62500" lnSpcReduction="20000"/>
+            <a:normAutofit fontScale="92500" lnSpcReduction="20000"/>
           </a:bodyPr>
           <a:lstStyle/>
           <a:p>
@@ -9954,232 +9892,91 @@
               <a:buNone/>
             </a:pPr>
             <a:r>
-              <a:rPr lang="ru-RU" dirty="0" smtClean="0">
-                <a:solidFill>
-                  <a:schemeClr val="bg1"/>
-                </a:solidFill>
-              </a:rPr>
-              <a:t>Для задания строгово имени сборки необходимы четыре составляющих:</a:t>
+              <a:rPr lang="ru-RU" dirty="0" smtClean="0"/>
+              <a:t>Диагностика проблем с загрузкой сборок. </a:t>
+            </a:r>
+            <a:r>
+              <a:rPr lang="ru-RU" smtClean="0"/>
+              <a:t>Является частью </a:t>
+            </a:r>
+            <a:r>
+              <a:rPr lang="en-US" dirty="0" smtClean="0"/>
+              <a:t>Windows SDK</a:t>
+            </a:r>
+            <a:r>
+              <a:rPr lang="ru-RU" dirty="0" smtClean="0"/>
+              <a:t>.</a:t>
             </a:r>
           </a:p>
           <a:p>
             <a:pPr marL="0" indent="0">
               <a:buNone/>
             </a:pPr>
-            <a:endParaRPr lang="en-US" dirty="0" smtClean="0">
-              <a:solidFill>
-                <a:schemeClr val="bg1"/>
-              </a:solidFill>
+            <a:endParaRPr lang="ru-RU" dirty="0" smtClean="0"/>
+          </a:p>
+          <a:p>
+            <a:r>
+              <a:rPr lang="en-US" dirty="0" smtClean="0"/>
+              <a:t>HKLM\Software\Microsoft\Fusion</a:t>
+            </a:r>
+            <a:endParaRPr lang="ru-RU" dirty="0" smtClean="0"/>
+          </a:p>
+          <a:p>
+            <a:pPr lvl="1"/>
+            <a:r>
+              <a:rPr lang="en-US" dirty="0" err="1"/>
+              <a:t>ForceLog</a:t>
+            </a:r>
+            <a:r>
+              <a:rPr lang="en-US" dirty="0"/>
+              <a:t> </a:t>
+            </a:r>
+            <a:r>
+              <a:rPr lang="ru-RU" dirty="0" smtClean="0"/>
+              <a:t>= 1</a:t>
+            </a:r>
+          </a:p>
+          <a:p>
+            <a:pPr lvl="1"/>
+            <a:r>
+              <a:rPr lang="en-US" dirty="0" err="1" smtClean="0"/>
+              <a:t>LogPath</a:t>
+            </a:r>
+            <a:r>
+              <a:rPr lang="ru-RU" dirty="0" smtClean="0"/>
+              <a:t> – путь к существующей папке для протоколирования</a:t>
+            </a:r>
+          </a:p>
+          <a:p>
+            <a:pPr marL="0" indent="0">
+              <a:buNone/>
+            </a:pPr>
+            <a:endParaRPr lang="ru-RU" dirty="0" smtClean="0">
+              <a:hlinkClick r:id="rId2"/>
             </a:endParaRPr>
           </a:p>
           <a:p>
-            <a:pPr marL="514350" indent="-514350">
-              <a:buFont typeface="+mj-lt"/>
-              <a:buAutoNum type="arabicPeriod"/>
-            </a:pPr>
-            <a:r>
-              <a:rPr lang="ru-RU" dirty="0" smtClean="0">
-                <a:solidFill>
-                  <a:srgbClr val="FFFF00"/>
-                </a:solidFill>
-              </a:rPr>
-              <a:t>Имя сборки</a:t>
-            </a:r>
-            <a:endParaRPr lang="en-US" dirty="0" smtClean="0">
-              <a:solidFill>
-                <a:srgbClr val="FFFF00"/>
-              </a:solidFill>
-            </a:endParaRPr>
-          </a:p>
-          <a:p>
-            <a:pPr lvl="1"/>
-            <a:r>
-              <a:rPr lang="ru-RU" dirty="0" smtClean="0"/>
-              <a:t>Задается в свойствах проекта</a:t>
-            </a:r>
-          </a:p>
-          <a:p>
-            <a:pPr marL="514350" indent="-514350">
-              <a:buFont typeface="+mj-lt"/>
-              <a:buAutoNum type="arabicPeriod"/>
-            </a:pPr>
-            <a:r>
-              <a:rPr lang="ru-RU" dirty="0" smtClean="0">
-                <a:solidFill>
-                  <a:srgbClr val="FFFF00"/>
-                </a:solidFill>
-              </a:rPr>
-              <a:t>Номер версии сборки</a:t>
-            </a:r>
-          </a:p>
-          <a:p>
-            <a:pPr lvl="1"/>
-            <a:r>
-              <a:rPr lang="ru-RU" dirty="0" smtClean="0"/>
-              <a:t>Атрибут </a:t>
-            </a:r>
-            <a:r>
-              <a:rPr lang="en-US" dirty="0" err="1" smtClean="0"/>
-              <a:t>AssemblyVersion</a:t>
-            </a:r>
-            <a:endParaRPr lang="ru-RU" dirty="0" smtClean="0"/>
-          </a:p>
-          <a:p>
-            <a:pPr marL="514350" indent="-514350">
-              <a:buFont typeface="+mj-lt"/>
-              <a:buAutoNum type="arabicPeriod"/>
-            </a:pPr>
-            <a:r>
-              <a:rPr lang="ru-RU" dirty="0" smtClean="0">
-                <a:solidFill>
-                  <a:srgbClr val="FFFF00"/>
-                </a:solidFill>
-              </a:rPr>
-              <a:t>Культура сборки</a:t>
-            </a:r>
-          </a:p>
-          <a:p>
-            <a:pPr lvl="1"/>
-            <a:r>
-              <a:rPr lang="ru-RU" dirty="0" smtClean="0"/>
-              <a:t>Атрибут </a:t>
-            </a:r>
-            <a:r>
-              <a:rPr lang="en-US" dirty="0" err="1" smtClean="0"/>
-              <a:t>AssemblyCulture</a:t>
-            </a:r>
-            <a:endParaRPr lang="ru-RU" dirty="0" smtClean="0"/>
-          </a:p>
-          <a:p>
-            <a:pPr marL="514350" indent="-514350">
-              <a:buFont typeface="+mj-lt"/>
-              <a:buAutoNum type="arabicPeriod"/>
-            </a:pPr>
-            <a:r>
-              <a:rPr lang="en-US" dirty="0" err="1" smtClean="0">
-                <a:solidFill>
-                  <a:srgbClr val="FFFF00"/>
-                </a:solidFill>
-              </a:rPr>
-              <a:t>PublicKeyToken</a:t>
-            </a:r>
-            <a:endParaRPr lang="ru-RU" dirty="0" smtClean="0">
-              <a:solidFill>
-                <a:srgbClr val="FFFF00"/>
-              </a:solidFill>
-            </a:endParaRPr>
-          </a:p>
-          <a:p>
-            <a:pPr lvl="1"/>
-            <a:r>
-              <a:rPr lang="ru-RU" dirty="0" smtClean="0"/>
-              <a:t>Часть </a:t>
-            </a:r>
-            <a:r>
-              <a:rPr lang="en-US" dirty="0" smtClean="0"/>
-              <a:t>public </a:t>
-            </a:r>
-            <a:r>
-              <a:rPr lang="ru-RU" dirty="0" smtClean="0"/>
-              <a:t>ключа из </a:t>
-            </a:r>
-            <a:r>
-              <a:rPr lang="en-US" dirty="0" err="1" smtClean="0"/>
-              <a:t>snk</a:t>
-            </a:r>
-            <a:r>
-              <a:rPr lang="en-US" dirty="0" smtClean="0"/>
-              <a:t> </a:t>
-            </a:r>
-            <a:r>
-              <a:rPr lang="ru-RU" dirty="0" smtClean="0"/>
-              <a:t>файла</a:t>
-            </a:r>
-            <a:endParaRPr lang="en-US" dirty="0" smtClean="0"/>
-          </a:p>
-          <a:p>
-            <a:endParaRPr lang="en-US" dirty="0"/>
-          </a:p>
-          <a:p>
-            <a:r>
-              <a:rPr lang="en-US" sz="2400" dirty="0" err="1"/>
-              <a:t>MyTypes</a:t>
-            </a:r>
-            <a:r>
-              <a:rPr lang="en-US" sz="2400" dirty="0"/>
-              <a:t>, </a:t>
-            </a:r>
-            <a:r>
-              <a:rPr lang="en-US" sz="2400" dirty="0" smtClean="0"/>
-              <a:t>Version=1.0.8123.</a:t>
-            </a:r>
-            <a:r>
-              <a:rPr lang="ru-RU" sz="2400" dirty="0" smtClean="0"/>
-              <a:t>О,</a:t>
-            </a:r>
-            <a:r>
-              <a:rPr lang="en-US" sz="2400" dirty="0" smtClean="0"/>
-              <a:t/>
-            </a:r>
-            <a:br>
-              <a:rPr lang="en-US" sz="2400" dirty="0" smtClean="0"/>
-            </a:br>
-            <a:r>
-              <a:rPr lang="en-US" sz="2400" dirty="0" smtClean="0"/>
-              <a:t>Culture=neutral</a:t>
-            </a:r>
-            <a:r>
-              <a:rPr lang="en-US" sz="2400" dirty="0"/>
-              <a:t>, </a:t>
-            </a:r>
-            <a:r>
-              <a:rPr lang="en-US" sz="2400" dirty="0" err="1" smtClean="0"/>
-              <a:t>PublicKeyToken</a:t>
-            </a:r>
-            <a:r>
-              <a:rPr lang="en-US" sz="2400" dirty="0" smtClean="0"/>
-              <a:t>=b77a5c561934e089</a:t>
-            </a:r>
-          </a:p>
-          <a:p>
-            <a:r>
-              <a:rPr lang="en-US" sz="2400" dirty="0" err="1"/>
-              <a:t>MyTypes</a:t>
-            </a:r>
-            <a:r>
-              <a:rPr lang="en-US" sz="2400" dirty="0"/>
-              <a:t>, </a:t>
-            </a:r>
-            <a:r>
-              <a:rPr lang="en-US" sz="2400" dirty="0" smtClean="0"/>
-              <a:t>Version=1.0.8123.</a:t>
-            </a:r>
-            <a:r>
-              <a:rPr lang="ru-RU" sz="2400" dirty="0"/>
-              <a:t>О,</a:t>
-            </a:r>
-            <a:r>
-              <a:rPr lang="en-US" sz="2400" dirty="0"/>
-              <a:t/>
-            </a:r>
-            <a:br>
-              <a:rPr lang="en-US" sz="2400" dirty="0"/>
-            </a:br>
-            <a:r>
-              <a:rPr lang="en-US" sz="2400" dirty="0" smtClean="0"/>
-              <a:t>Culture=en-US, </a:t>
-            </a:r>
-            <a:r>
-              <a:rPr lang="en-US" sz="2400" dirty="0" err="1"/>
-              <a:t>PublicKeyToken</a:t>
-            </a:r>
-            <a:r>
-              <a:rPr lang="en-US" sz="2400" dirty="0"/>
-              <a:t>=b77a5c561934e089</a:t>
-            </a:r>
-            <a:endParaRPr lang="ru-RU" sz="2400" dirty="0" smtClean="0"/>
-          </a:p>
-          <a:p>
+            <a:pPr marL="0" indent="0">
+              <a:buNone/>
+            </a:pPr>
+            <a:r>
+              <a:rPr lang="en-US" dirty="0" smtClean="0">
+                <a:hlinkClick r:id="rId2"/>
+              </a:rPr>
+              <a:t>http</a:t>
+            </a:r>
+            <a:r>
+              <a:rPr lang="en-US" dirty="0">
+                <a:hlinkClick r:id="rId2"/>
+              </a:rPr>
+              <a:t>://</a:t>
+            </a:r>
+            <a:r>
+              <a:rPr lang="en-US" dirty="0" smtClean="0">
+                <a:hlinkClick r:id="rId2"/>
+              </a:rPr>
+              <a:t>msdn.microsoft.com/en-us/library/e74a18c4%28v=vs.110%29.aspx</a:t>
+            </a:r>
             <a:endParaRPr lang="ru-RU" dirty="0"/>
           </a:p>
         </p:txBody>
@@ -10187,7 +9984,7 @@
     </p:spTree>
     <p:extLst>
       <p:ext uri="{BB962C8B-B14F-4D97-AF65-F5344CB8AC3E}">
-        <p14:creationId xmlns:p14="http://schemas.microsoft.com/office/powerpoint/2010/main" val="1579629595"/>
+        <p14:creationId xmlns:p14="http://schemas.microsoft.com/office/powerpoint/2010/main" val="3803663968"/>
       </p:ext>
     </p:extLst>
   </p:cSld>
@@ -10233,6 +10030,327 @@
         </p:nvSpPr>
         <p:spPr/>
         <p:txBody>
+          <a:bodyPr>
+            <a:normAutofit fontScale="90000"/>
+          </a:bodyPr>
+          <a:lstStyle/>
+          <a:p>
+            <a:r>
+              <a:rPr lang="ru-RU" dirty="0" smtClean="0"/>
+              <a:t>Строгое имя сборки (</a:t>
+            </a:r>
+            <a:r>
+              <a:rPr lang="en-US" dirty="0" smtClean="0"/>
+              <a:t>strong name</a:t>
+            </a:r>
+            <a:r>
+              <a:rPr lang="ru-RU" dirty="0" smtClean="0"/>
+              <a:t>)</a:t>
+            </a:r>
+            <a:endParaRPr lang="ru-RU" dirty="0"/>
+          </a:p>
+        </p:txBody>
+      </p:sp>
+      <p:sp>
+        <p:nvSpPr>
+          <p:cNvPr id="3" name="Content Placeholder 2"/>
+          <p:cNvSpPr>
+            <a:spLocks noGrp="1"/>
+          </p:cNvSpPr>
+          <p:nvPr>
+            <p:ph idx="1"/>
+          </p:nvPr>
+        </p:nvSpPr>
+        <p:spPr/>
+        <p:txBody>
+          <a:bodyPr>
+            <a:normAutofit fontScale="62500" lnSpcReduction="20000"/>
+          </a:bodyPr>
+          <a:lstStyle/>
+          <a:p>
+            <a:pPr marL="0" indent="0">
+              <a:buNone/>
+            </a:pPr>
+            <a:r>
+              <a:rPr lang="ru-RU" dirty="0" smtClean="0">
+                <a:solidFill>
+                  <a:schemeClr val="bg1"/>
+                </a:solidFill>
+              </a:rPr>
+              <a:t>Для задания строгово имени сборки необходимы четыре составляющих:</a:t>
+            </a:r>
+          </a:p>
+          <a:p>
+            <a:pPr marL="0" indent="0">
+              <a:buNone/>
+            </a:pPr>
+            <a:endParaRPr lang="en-US" dirty="0" smtClean="0">
+              <a:solidFill>
+                <a:schemeClr val="bg1"/>
+              </a:solidFill>
+            </a:endParaRPr>
+          </a:p>
+          <a:p>
+            <a:pPr marL="514350" indent="-514350">
+              <a:buFont typeface="+mj-lt"/>
+              <a:buAutoNum type="arabicPeriod"/>
+            </a:pPr>
+            <a:r>
+              <a:rPr lang="ru-RU" dirty="0" smtClean="0">
+                <a:solidFill>
+                  <a:srgbClr val="FFFF00"/>
+                </a:solidFill>
+              </a:rPr>
+              <a:t>Имя сборки</a:t>
+            </a:r>
+            <a:endParaRPr lang="en-US" dirty="0" smtClean="0">
+              <a:solidFill>
+                <a:srgbClr val="FFFF00"/>
+              </a:solidFill>
+            </a:endParaRPr>
+          </a:p>
+          <a:p>
+            <a:pPr lvl="1"/>
+            <a:r>
+              <a:rPr lang="ru-RU" dirty="0" smtClean="0"/>
+              <a:t>Задается в свойствах проекта</a:t>
+            </a:r>
+          </a:p>
+          <a:p>
+            <a:pPr marL="514350" indent="-514350">
+              <a:buFont typeface="+mj-lt"/>
+              <a:buAutoNum type="arabicPeriod"/>
+            </a:pPr>
+            <a:r>
+              <a:rPr lang="ru-RU" dirty="0" smtClean="0">
+                <a:solidFill>
+                  <a:srgbClr val="FFFF00"/>
+                </a:solidFill>
+              </a:rPr>
+              <a:t>Номер версии сборки</a:t>
+            </a:r>
+          </a:p>
+          <a:p>
+            <a:pPr lvl="1"/>
+            <a:r>
+              <a:rPr lang="ru-RU" dirty="0" smtClean="0"/>
+              <a:t>Атрибут </a:t>
+            </a:r>
+            <a:r>
+              <a:rPr lang="en-US" dirty="0" err="1" smtClean="0"/>
+              <a:t>AssemblyVersion</a:t>
+            </a:r>
+            <a:endParaRPr lang="ru-RU" dirty="0" smtClean="0"/>
+          </a:p>
+          <a:p>
+            <a:pPr marL="514350" indent="-514350">
+              <a:buFont typeface="+mj-lt"/>
+              <a:buAutoNum type="arabicPeriod"/>
+            </a:pPr>
+            <a:r>
+              <a:rPr lang="ru-RU" dirty="0" smtClean="0">
+                <a:solidFill>
+                  <a:srgbClr val="FFFF00"/>
+                </a:solidFill>
+              </a:rPr>
+              <a:t>Культура сборки</a:t>
+            </a:r>
+          </a:p>
+          <a:p>
+            <a:pPr lvl="1"/>
+            <a:r>
+              <a:rPr lang="ru-RU" dirty="0" smtClean="0"/>
+              <a:t>Атрибут </a:t>
+            </a:r>
+            <a:r>
+              <a:rPr lang="en-US" dirty="0" err="1" smtClean="0"/>
+              <a:t>AssemblyCulture</a:t>
+            </a:r>
+            <a:endParaRPr lang="ru-RU" dirty="0" smtClean="0"/>
+          </a:p>
+          <a:p>
+            <a:pPr marL="514350" indent="-514350">
+              <a:buFont typeface="+mj-lt"/>
+              <a:buAutoNum type="arabicPeriod"/>
+            </a:pPr>
+            <a:r>
+              <a:rPr lang="en-US" dirty="0" err="1" smtClean="0">
+                <a:solidFill>
+                  <a:srgbClr val="FFFF00"/>
+                </a:solidFill>
+              </a:rPr>
+              <a:t>PublicKeyToken</a:t>
+            </a:r>
+            <a:endParaRPr lang="ru-RU" dirty="0" smtClean="0">
+              <a:solidFill>
+                <a:srgbClr val="FFFF00"/>
+              </a:solidFill>
+            </a:endParaRPr>
+          </a:p>
+          <a:p>
+            <a:pPr lvl="1"/>
+            <a:r>
+              <a:rPr lang="ru-RU" dirty="0" smtClean="0"/>
+              <a:t>Часть </a:t>
+            </a:r>
+            <a:r>
+              <a:rPr lang="en-US" dirty="0" smtClean="0"/>
+              <a:t>public </a:t>
+            </a:r>
+            <a:r>
+              <a:rPr lang="ru-RU" dirty="0" smtClean="0"/>
+              <a:t>ключа из </a:t>
+            </a:r>
+            <a:r>
+              <a:rPr lang="en-US" dirty="0" err="1" smtClean="0"/>
+              <a:t>snk</a:t>
+            </a:r>
+            <a:r>
+              <a:rPr lang="en-US" dirty="0" smtClean="0"/>
+              <a:t> </a:t>
+            </a:r>
+            <a:r>
+              <a:rPr lang="ru-RU" dirty="0" smtClean="0"/>
+              <a:t>файла</a:t>
+            </a:r>
+            <a:endParaRPr lang="en-US" dirty="0" smtClean="0"/>
+          </a:p>
+          <a:p>
+            <a:endParaRPr lang="en-US" dirty="0"/>
+          </a:p>
+          <a:p>
+            <a:r>
+              <a:rPr lang="en-US" sz="2400" dirty="0" err="1"/>
+              <a:t>MyTypes</a:t>
+            </a:r>
+            <a:r>
+              <a:rPr lang="en-US" sz="2400" dirty="0"/>
+              <a:t>, </a:t>
+            </a:r>
+            <a:r>
+              <a:rPr lang="en-US" sz="2400" dirty="0" smtClean="0"/>
+              <a:t>Version=1.0.8123.</a:t>
+            </a:r>
+            <a:r>
+              <a:rPr lang="ru-RU" sz="2400" dirty="0" smtClean="0"/>
+              <a:t>О,</a:t>
+            </a:r>
+            <a:r>
+              <a:rPr lang="en-US" sz="2400" dirty="0" smtClean="0"/>
+              <a:t/>
+            </a:r>
+            <a:br>
+              <a:rPr lang="en-US" sz="2400" dirty="0" smtClean="0"/>
+            </a:br>
+            <a:r>
+              <a:rPr lang="en-US" sz="2400" dirty="0" smtClean="0"/>
+              <a:t>Culture=neutral</a:t>
+            </a:r>
+            <a:r>
+              <a:rPr lang="en-US" sz="2400" dirty="0"/>
+              <a:t>, </a:t>
+            </a:r>
+            <a:r>
+              <a:rPr lang="en-US" sz="2400" dirty="0" err="1" smtClean="0"/>
+              <a:t>PublicKeyToken</a:t>
+            </a:r>
+            <a:r>
+              <a:rPr lang="en-US" sz="2400" dirty="0" smtClean="0"/>
+              <a:t>=b77a5c561934e089</a:t>
+            </a:r>
+          </a:p>
+          <a:p>
+            <a:r>
+              <a:rPr lang="en-US" sz="2400" dirty="0" err="1"/>
+              <a:t>MyTypes</a:t>
+            </a:r>
+            <a:r>
+              <a:rPr lang="en-US" sz="2400" dirty="0"/>
+              <a:t>, </a:t>
+            </a:r>
+            <a:r>
+              <a:rPr lang="en-US" sz="2400" dirty="0" smtClean="0"/>
+              <a:t>Version=1.0.8123.</a:t>
+            </a:r>
+            <a:r>
+              <a:rPr lang="ru-RU" sz="2400" dirty="0"/>
+              <a:t>О,</a:t>
+            </a:r>
+            <a:r>
+              <a:rPr lang="en-US" sz="2400" dirty="0"/>
+              <a:t/>
+            </a:r>
+            <a:br>
+              <a:rPr lang="en-US" sz="2400" dirty="0"/>
+            </a:br>
+            <a:r>
+              <a:rPr lang="en-US" sz="2400" dirty="0" smtClean="0"/>
+              <a:t>Culture=en-US, </a:t>
+            </a:r>
+            <a:r>
+              <a:rPr lang="en-US" sz="2400" dirty="0" err="1"/>
+              <a:t>PublicKeyToken</a:t>
+            </a:r>
+            <a:r>
+              <a:rPr lang="en-US" sz="2400" dirty="0"/>
+              <a:t>=b77a5c561934e089</a:t>
+            </a:r>
+            <a:endParaRPr lang="ru-RU" sz="2400" dirty="0" smtClean="0"/>
+          </a:p>
+          <a:p>
+            <a:endParaRPr lang="ru-RU" dirty="0"/>
+          </a:p>
+        </p:txBody>
+      </p:sp>
+    </p:spTree>
+    <p:extLst>
+      <p:ext uri="{BB962C8B-B14F-4D97-AF65-F5344CB8AC3E}">
+        <p14:creationId xmlns:p14="http://schemas.microsoft.com/office/powerpoint/2010/main" val="1579629595"/>
+      </p:ext>
+    </p:extLst>
+  </p:cSld>
+  <p:clrMapOvr>
+    <a:masterClrMapping/>
+  </p:clrMapOvr>
+  <p:timing>
+    <p:tnLst>
+      <p:par>
+        <p:cTn id="1" dur="indefinite" restart="never" nodeType="tmRoot"/>
+      </p:par>
+    </p:tnLst>
+  </p:timing>
+</p:sld>
+</file>
+
+<file path=ppt/slides/slide26.xml><?xml version="1.0" encoding="utf-8"?>
+<p:sld xmlns:a="http://schemas.openxmlformats.org/drawingml/2006/main" xmlns:r="http://schemas.openxmlformats.org/officeDocument/2006/relationships" xmlns:p="http://schemas.openxmlformats.org/presentationml/2006/main">
+  <p:cSld>
+    <p:spTree>
+      <p:nvGrpSpPr>
+        <p:cNvPr id="1" name=""/>
+        <p:cNvGrpSpPr/>
+        <p:nvPr/>
+      </p:nvGrpSpPr>
+      <p:grpSpPr>
+        <a:xfrm>
+          <a:off x="0" y="0"/>
+          <a:ext cx="0" cy="0"/>
+          <a:chOff x="0" y="0"/>
+          <a:chExt cx="0" cy="0"/>
+        </a:xfrm>
+      </p:grpSpPr>
+      <p:sp>
+        <p:nvSpPr>
+          <p:cNvPr id="2" name="Title 1"/>
+          <p:cNvSpPr>
+            <a:spLocks noGrp="1"/>
+          </p:cNvSpPr>
+          <p:nvPr>
+            <p:ph type="title"/>
+          </p:nvPr>
+        </p:nvSpPr>
+        <p:spPr/>
+        <p:txBody>
           <a:bodyPr/>
           <a:lstStyle/>
           <a:p>
@@ -10663,7 +10781,7 @@
 </p:sld>
 </file>
 
-<file path=ppt/slides/slide26.xml><?xml version="1.0" encoding="utf-8"?>
+<file path=ppt/slides/slide27.xml><?xml version="1.0" encoding="utf-8"?>
 <p:sld xmlns:a="http://schemas.openxmlformats.org/drawingml/2006/main" xmlns:r="http://schemas.openxmlformats.org/officeDocument/2006/relationships" xmlns:p="http://schemas.openxmlformats.org/presentationml/2006/main">
   <p:cSld>
     <p:spTree>
@@ -11186,7 +11304,7 @@
 </p:sld>
 </file>
 
-<file path=ppt/slides/slide27.xml><?xml version="1.0" encoding="utf-8"?>
+<file path=ppt/slides/slide28.xml><?xml version="1.0" encoding="utf-8"?>
 <p:sld xmlns:a="http://schemas.openxmlformats.org/drawingml/2006/main" xmlns:r="http://schemas.openxmlformats.org/officeDocument/2006/relationships" xmlns:p="http://schemas.openxmlformats.org/presentationml/2006/main">
   <p:cSld>
     <p:spTree>
@@ -11334,7 +11452,7 @@
 </p:sld>
 </file>
 
-<file path=ppt/slides/slide28.xml><?xml version="1.0" encoding="utf-8"?>
+<file path=ppt/slides/slide29.xml><?xml version="1.0" encoding="utf-8"?>
 <p:sld xmlns:a="http://schemas.openxmlformats.org/drawingml/2006/main" xmlns:r="http://schemas.openxmlformats.org/officeDocument/2006/relationships" xmlns:p="http://schemas.openxmlformats.org/presentationml/2006/main">
   <p:cSld>
     <p:spTree>
@@ -11691,717 +11809,6 @@
     <p:extLst>
       <p:ext uri="{BB962C8B-B14F-4D97-AF65-F5344CB8AC3E}">
         <p14:creationId xmlns:p14="http://schemas.microsoft.com/office/powerpoint/2010/main" val="3748137644"/>
-      </p:ext>
-    </p:extLst>
-  </p:cSld>
-  <p:clrMapOvr>
-    <a:masterClrMapping/>
-  </p:clrMapOvr>
-  <p:timing>
-    <p:tnLst>
-      <p:par>
-        <p:cTn id="1" dur="indefinite" restart="never" nodeType="tmRoot"/>
-      </p:par>
-    </p:tnLst>
-  </p:timing>
-</p:sld>
-</file>
-
-<file path=ppt/slides/slide29.xml><?xml version="1.0" encoding="utf-8"?>
-<p:sld xmlns:a="http://schemas.openxmlformats.org/drawingml/2006/main" xmlns:r="http://schemas.openxmlformats.org/officeDocument/2006/relationships" xmlns:p="http://schemas.openxmlformats.org/presentationml/2006/main">
-  <p:cSld>
-    <p:spTree>
-      <p:nvGrpSpPr>
-        <p:cNvPr id="1" name=""/>
-        <p:cNvGrpSpPr/>
-        <p:nvPr/>
-      </p:nvGrpSpPr>
-      <p:grpSpPr>
-        <a:xfrm>
-          <a:off x="0" y="0"/>
-          <a:ext cx="0" cy="0"/>
-          <a:chOff x="0" y="0"/>
-          <a:chExt cx="0" cy="0"/>
-        </a:xfrm>
-      </p:grpSpPr>
-      <p:sp>
-        <p:nvSpPr>
-          <p:cNvPr id="5122" name="Rectangle 3"/>
-          <p:cNvSpPr>
-            <a:spLocks noChangeArrowheads="1"/>
-          </p:cNvSpPr>
-          <p:nvPr/>
-        </p:nvSpPr>
-        <p:spPr bwMode="auto">
-          <a:xfrm>
-            <a:off x="152400" y="-4763"/>
-            <a:ext cx="8763000" cy="461963"/>
-          </a:xfrm>
-          <a:prstGeom prst="rect">
-            <a:avLst/>
-          </a:prstGeom>
-          <a:noFill/>
-          <a:ln>
-            <a:noFill/>
-          </a:ln>
-          <a:extLst>
-            <a:ext uri="{909E8E84-426E-40DD-AFC4-6F175D3DCCD1}">
-              <a14:hiddenFill xmlns:a14="http://schemas.microsoft.com/office/drawing/2010/main">
-                <a:solidFill>
-                  <a:srgbClr val="FFFFFF"/>
-                </a:solidFill>
-              </a14:hiddenFill>
-            </a:ext>
-            <a:ext uri="{91240B29-F687-4F45-9708-019B960494DF}">
-              <a14:hiddenLine xmlns:a14="http://schemas.microsoft.com/office/drawing/2010/main" w="9525">
-                <a:solidFill>
-                  <a:srgbClr val="000000"/>
-                </a:solidFill>
-                <a:miter lim="800000"/>
-                <a:headEnd/>
-                <a:tailEnd/>
-              </a14:hiddenLine>
-            </a:ext>
-          </a:extLst>
-        </p:spPr>
-        <p:txBody>
-          <a:bodyPr anchor="ctr">
-            <a:spAutoFit/>
-          </a:bodyPr>
-          <a:lstStyle/>
-          <a:p>
-            <a:pPr algn="ctr"/>
-            <a:r>
-              <a:rPr lang="be-BY" sz="2400" b="1"/>
-              <a:t>Сборка и управление версиями.</a:t>
-            </a:r>
-            <a:endParaRPr lang="en-US" sz="2400" b="1"/>
-          </a:p>
-        </p:txBody>
-      </p:sp>
-      <p:sp>
-        <p:nvSpPr>
-          <p:cNvPr id="5123" name="Rectangle 3"/>
-          <p:cNvSpPr>
-            <a:spLocks noChangeArrowheads="1"/>
-          </p:cNvSpPr>
-          <p:nvPr/>
-        </p:nvSpPr>
-        <p:spPr bwMode="auto">
-          <a:xfrm>
-            <a:off x="152400" y="482600"/>
-            <a:ext cx="8839200" cy="584200"/>
-          </a:xfrm>
-          <a:prstGeom prst="rect">
-            <a:avLst/>
-          </a:prstGeom>
-          <a:noFill/>
-          <a:ln>
-            <a:noFill/>
-          </a:ln>
-          <a:extLst>
-            <a:ext uri="{909E8E84-426E-40DD-AFC4-6F175D3DCCD1}">
-              <a14:hiddenFill xmlns:a14="http://schemas.microsoft.com/office/drawing/2010/main">
-                <a:solidFill>
-                  <a:srgbClr val="FFFFFF"/>
-                </a:solidFill>
-              </a14:hiddenFill>
-            </a:ext>
-            <a:ext uri="{91240B29-F687-4F45-9708-019B960494DF}">
-              <a14:hiddenLine xmlns:a14="http://schemas.microsoft.com/office/drawing/2010/main" w="9525">
-                <a:solidFill>
-                  <a:srgbClr val="000000"/>
-                </a:solidFill>
-                <a:miter lim="800000"/>
-                <a:headEnd/>
-                <a:tailEnd/>
-              </a14:hiddenLine>
-            </a:ext>
-          </a:extLst>
-        </p:spPr>
-        <p:txBody>
-          <a:bodyPr anchor="ctr">
-            <a:spAutoFit/>
-          </a:bodyPr>
-          <a:lstStyle/>
-          <a:p>
-            <a:r>
-              <a:rPr lang="ru-RU" sz="1600"/>
-              <a:t>	В проекте каждой сборки присутствует файл </a:t>
-            </a:r>
-            <a:r>
-              <a:rPr lang="en-US" sz="1600"/>
-              <a:t>Assemblyinfo.cs</a:t>
-            </a:r>
-            <a:r>
-              <a:rPr lang="ru-RU" sz="1600"/>
-              <a:t>, в который можно размещать информацию о текущей сборке. </a:t>
-            </a:r>
-            <a:endParaRPr lang="en-US" sz="1600"/>
-          </a:p>
-        </p:txBody>
-      </p:sp>
-      <p:sp>
-        <p:nvSpPr>
-          <p:cNvPr id="27650" name="Rectangle 2"/>
-          <p:cNvSpPr>
-            <a:spLocks noChangeArrowheads="1"/>
-          </p:cNvSpPr>
-          <p:nvPr/>
-        </p:nvSpPr>
-        <p:spPr bwMode="auto">
-          <a:xfrm>
-            <a:off x="152400" y="1101725"/>
-            <a:ext cx="8839200" cy="2708275"/>
-          </a:xfrm>
-          <a:prstGeom prst="rect">
-            <a:avLst/>
-          </a:prstGeom>
-          <a:noFill/>
-          <a:ln w="9525">
-            <a:solidFill>
-              <a:schemeClr val="bg1">
-                <a:lumMod val="65000"/>
-              </a:schemeClr>
-            </a:solidFill>
-            <a:miter lim="800000"/>
-            <a:headEnd/>
-            <a:tailEnd/>
-          </a:ln>
-          <a:effectLst/>
-        </p:spPr>
-        <p:txBody>
-          <a:bodyPr anchor="ctr">
-            <a:spAutoFit/>
-          </a:bodyPr>
-          <a:lstStyle/>
-          <a:p>
-            <a:pPr eaLnBrk="0" hangingPunct="0">
-              <a:defRPr/>
-            </a:pPr>
-            <a:r>
-              <a:rPr lang="be-BY" sz="1000" dirty="0">
-                <a:solidFill>
-                  <a:schemeClr val="bg1"/>
-                </a:solidFill>
-                <a:latin typeface="Courier New" pitchFamily="49" charset="0"/>
-                <a:ea typeface="Calibri" pitchFamily="34" charset="0"/>
-                <a:cs typeface="Courier New" pitchFamily="49" charset="0"/>
-              </a:rPr>
-              <a:t>// Общая информация о сборке</a:t>
-            </a:r>
-            <a:endParaRPr lang="be-BY" sz="900" dirty="0">
-              <a:solidFill>
-                <a:schemeClr val="bg1"/>
-              </a:solidFill>
-              <a:ea typeface="Calibri" pitchFamily="34" charset="0"/>
-              <a:cs typeface="Courier New" pitchFamily="49" charset="0"/>
-            </a:endParaRPr>
-          </a:p>
-          <a:p>
-            <a:pPr eaLnBrk="0" hangingPunct="0">
-              <a:defRPr/>
-            </a:pPr>
-            <a:r>
-              <a:rPr lang="be-BY" sz="1000" dirty="0">
-                <a:solidFill>
-                  <a:schemeClr val="bg1"/>
-                </a:solidFill>
-                <a:latin typeface="Courier New" pitchFamily="49" charset="0"/>
-                <a:ea typeface="Calibri" pitchFamily="34" charset="0"/>
-                <a:cs typeface="Courier New" pitchFamily="49" charset="0"/>
-              </a:rPr>
-              <a:t>[assembly: AssemblyTitle("Complex")]        //Название сборки</a:t>
-            </a:r>
-            <a:endParaRPr lang="be-BY" sz="900" dirty="0">
-              <a:solidFill>
-                <a:schemeClr val="bg1"/>
-              </a:solidFill>
-              <a:ea typeface="Calibri" pitchFamily="34" charset="0"/>
-              <a:cs typeface="Courier New" pitchFamily="49" charset="0"/>
-            </a:endParaRPr>
-          </a:p>
-          <a:p>
-            <a:pPr eaLnBrk="0" hangingPunct="0">
-              <a:defRPr/>
-            </a:pPr>
-            <a:r>
-              <a:rPr lang="be-BY" sz="1000" dirty="0">
-                <a:solidFill>
-                  <a:schemeClr val="bg1"/>
-                </a:solidFill>
-                <a:latin typeface="Courier New" pitchFamily="49" charset="0"/>
-                <a:ea typeface="Calibri" pitchFamily="34" charset="0"/>
-                <a:cs typeface="Courier New" pitchFamily="49" charset="0"/>
-              </a:rPr>
-              <a:t>[assembly: AssemblyDescription("")]         //Описание</a:t>
-            </a:r>
-            <a:endParaRPr lang="be-BY" sz="900" dirty="0">
-              <a:solidFill>
-                <a:schemeClr val="bg1"/>
-              </a:solidFill>
-              <a:ea typeface="Calibri" pitchFamily="34" charset="0"/>
-              <a:cs typeface="Courier New" pitchFamily="49" charset="0"/>
-            </a:endParaRPr>
-          </a:p>
-          <a:p>
-            <a:pPr eaLnBrk="0" hangingPunct="0">
-              <a:defRPr/>
-            </a:pPr>
-            <a:r>
-              <a:rPr lang="be-BY" sz="1000" dirty="0">
-                <a:solidFill>
-                  <a:schemeClr val="bg1"/>
-                </a:solidFill>
-                <a:latin typeface="Courier New" pitchFamily="49" charset="0"/>
-                <a:ea typeface="Calibri" pitchFamily="34" charset="0"/>
-                <a:cs typeface="Courier New" pitchFamily="49" charset="0"/>
-              </a:rPr>
-              <a:t>[assembly: AssemblyConfiguration("")]       //Строка конфигурирования</a:t>
-            </a:r>
-            <a:endParaRPr lang="be-BY" sz="900" dirty="0">
-              <a:solidFill>
-                <a:schemeClr val="bg1"/>
-              </a:solidFill>
-              <a:ea typeface="Calibri" pitchFamily="34" charset="0"/>
-              <a:cs typeface="Courier New" pitchFamily="49" charset="0"/>
-            </a:endParaRPr>
-          </a:p>
-          <a:p>
-            <a:pPr eaLnBrk="0" hangingPunct="0">
-              <a:defRPr/>
-            </a:pPr>
-            <a:r>
-              <a:rPr lang="be-BY" sz="1000" dirty="0">
-                <a:solidFill>
-                  <a:schemeClr val="bg1"/>
-                </a:solidFill>
-                <a:latin typeface="Courier New" pitchFamily="49" charset="0"/>
-                <a:ea typeface="Calibri" pitchFamily="34" charset="0"/>
-                <a:cs typeface="Courier New" pitchFamily="49" charset="0"/>
-              </a:rPr>
-              <a:t>[assembly: AssemblyCompany("Microsoft")]    //Компания-разработчик сборки</a:t>
-            </a:r>
-            <a:endParaRPr lang="be-BY" sz="900" dirty="0">
-              <a:solidFill>
-                <a:schemeClr val="bg1"/>
-              </a:solidFill>
-              <a:ea typeface="Calibri" pitchFamily="34" charset="0"/>
-              <a:cs typeface="Courier New" pitchFamily="49" charset="0"/>
-            </a:endParaRPr>
-          </a:p>
-          <a:p>
-            <a:pPr eaLnBrk="0" hangingPunct="0">
-              <a:defRPr/>
-            </a:pPr>
-            <a:r>
-              <a:rPr lang="be-BY" sz="1000" dirty="0">
-                <a:solidFill>
-                  <a:schemeClr val="bg1"/>
-                </a:solidFill>
-                <a:latin typeface="Courier New" pitchFamily="49" charset="0"/>
-                <a:ea typeface="Calibri" pitchFamily="34" charset="0"/>
-                <a:cs typeface="Courier New" pitchFamily="49" charset="0"/>
-              </a:rPr>
-              <a:t>[assembly: AssemblyProduct("Complex")]      //Имя продукта</a:t>
-            </a:r>
-            <a:endParaRPr lang="be-BY" sz="900" dirty="0">
-              <a:solidFill>
-                <a:schemeClr val="bg1"/>
-              </a:solidFill>
-              <a:ea typeface="Calibri" pitchFamily="34" charset="0"/>
-              <a:cs typeface="Courier New" pitchFamily="49" charset="0"/>
-            </a:endParaRPr>
-          </a:p>
-          <a:p>
-            <a:pPr eaLnBrk="0" hangingPunct="0">
-              <a:defRPr/>
-            </a:pPr>
-            <a:r>
-              <a:rPr lang="be-BY" sz="1000" dirty="0">
-                <a:solidFill>
-                  <a:schemeClr val="bg1"/>
-                </a:solidFill>
-                <a:latin typeface="Courier New" pitchFamily="49" charset="0"/>
-                <a:ea typeface="Calibri" pitchFamily="34" charset="0"/>
-                <a:cs typeface="Courier New" pitchFamily="49" charset="0"/>
-              </a:rPr>
-              <a:t>[assembly: AssemblyCopyright("Copyright </a:t>
-            </a:r>
-            <a:r>
-              <a:rPr lang="be-BY" sz="1000" dirty="0">
-                <a:solidFill>
-                  <a:schemeClr val="bg1"/>
-                </a:solidFill>
-                <a:latin typeface="Calibri" pitchFamily="34" charset="0"/>
-                <a:ea typeface="Calibri" pitchFamily="34" charset="0"/>
-                <a:cs typeface="Courier New" pitchFamily="49" charset="0"/>
-              </a:rPr>
-              <a:t>©</a:t>
-            </a:r>
-            <a:r>
-              <a:rPr lang="be-BY" sz="1000" dirty="0">
-                <a:solidFill>
-                  <a:schemeClr val="bg1"/>
-                </a:solidFill>
-                <a:latin typeface="Courier New" pitchFamily="49" charset="0"/>
-                <a:ea typeface="Calibri" pitchFamily="34" charset="0"/>
-                <a:cs typeface="Courier New" pitchFamily="49" charset="0"/>
-              </a:rPr>
-              <a:t> Microsoft 2010")]     //Права на сборку</a:t>
-            </a:r>
-            <a:endParaRPr lang="be-BY" sz="900" dirty="0">
-              <a:solidFill>
-                <a:schemeClr val="bg1"/>
-              </a:solidFill>
-              <a:ea typeface="Calibri" pitchFamily="34" charset="0"/>
-              <a:cs typeface="Courier New" pitchFamily="49" charset="0"/>
-            </a:endParaRPr>
-          </a:p>
-          <a:p>
-            <a:pPr eaLnBrk="0" hangingPunct="0">
-              <a:defRPr/>
-            </a:pPr>
-            <a:r>
-              <a:rPr lang="be-BY" sz="1000" dirty="0">
-                <a:solidFill>
-                  <a:schemeClr val="bg1"/>
-                </a:solidFill>
-                <a:latin typeface="Courier New" pitchFamily="49" charset="0"/>
-                <a:ea typeface="Calibri" pitchFamily="34" charset="0"/>
-                <a:cs typeface="Courier New" pitchFamily="49" charset="0"/>
-              </a:rPr>
-              <a:t>[assembly: AssemblyTrademark("")]           //Торговая марка</a:t>
-            </a:r>
-            <a:endParaRPr lang="be-BY" sz="900" dirty="0">
-              <a:solidFill>
-                <a:schemeClr val="bg1"/>
-              </a:solidFill>
-              <a:ea typeface="Calibri" pitchFamily="34" charset="0"/>
-              <a:cs typeface="Courier New" pitchFamily="49" charset="0"/>
-            </a:endParaRPr>
-          </a:p>
-          <a:p>
-            <a:pPr eaLnBrk="0" hangingPunct="0">
-              <a:defRPr/>
-            </a:pPr>
-            <a:r>
-              <a:rPr lang="be-BY" sz="1000" dirty="0">
-                <a:solidFill>
-                  <a:schemeClr val="bg1"/>
-                </a:solidFill>
-                <a:latin typeface="Courier New" pitchFamily="49" charset="0"/>
-                <a:ea typeface="Calibri" pitchFamily="34" charset="0"/>
-                <a:cs typeface="Courier New" pitchFamily="49" charset="0"/>
-              </a:rPr>
-              <a:t>[assembly: AssemblyCulture("")]             //Языковая культура</a:t>
-            </a:r>
-            <a:endParaRPr lang="be-BY" sz="900" dirty="0">
-              <a:solidFill>
-                <a:schemeClr val="bg1"/>
-              </a:solidFill>
-              <a:ea typeface="Calibri" pitchFamily="34" charset="0"/>
-              <a:cs typeface="Courier New" pitchFamily="49" charset="0"/>
-            </a:endParaRPr>
-          </a:p>
-          <a:p>
-            <a:pPr eaLnBrk="0" hangingPunct="0">
-              <a:defRPr/>
-            </a:pPr>
-            <a:endParaRPr lang="be-BY" sz="1000" dirty="0">
-              <a:solidFill>
-                <a:schemeClr val="bg1"/>
-              </a:solidFill>
-              <a:latin typeface="Courier New" pitchFamily="49" charset="0"/>
-              <a:ea typeface="Calibri" pitchFamily="34" charset="0"/>
-              <a:cs typeface="Courier New" pitchFamily="49" charset="0"/>
-            </a:endParaRPr>
-          </a:p>
-          <a:p>
-            <a:pPr eaLnBrk="0" hangingPunct="0">
-              <a:defRPr/>
-            </a:pPr>
-            <a:r>
-              <a:rPr lang="ru-RU" sz="1000" dirty="0">
-                <a:solidFill>
-                  <a:schemeClr val="bg1"/>
-                </a:solidFill>
-                <a:latin typeface="Courier New" pitchFamily="49" charset="0"/>
-                <a:ea typeface="Calibri" pitchFamily="34" charset="0"/>
-                <a:cs typeface="Courier New" pitchFamily="49" charset="0"/>
-              </a:rPr>
-              <a:t>// Информация для использования сборки в </a:t>
-            </a:r>
-            <a:r>
-              <a:rPr lang="en-US" sz="1000" dirty="0">
-                <a:solidFill>
-                  <a:schemeClr val="bg1"/>
-                </a:solidFill>
-                <a:latin typeface="Courier New" pitchFamily="49" charset="0"/>
-                <a:ea typeface="Calibri" pitchFamily="34" charset="0"/>
-                <a:cs typeface="Courier New" pitchFamily="49" charset="0"/>
-              </a:rPr>
-              <a:t>COM-</a:t>
-            </a:r>
-            <a:r>
-              <a:rPr lang="ru-RU" sz="1000" dirty="0">
-                <a:solidFill>
-                  <a:schemeClr val="bg1"/>
-                </a:solidFill>
-                <a:latin typeface="Courier New" pitchFamily="49" charset="0"/>
-                <a:ea typeface="Calibri" pitchFamily="34" charset="0"/>
-                <a:cs typeface="Courier New" pitchFamily="49" charset="0"/>
-              </a:rPr>
-              <a:t>серверах.</a:t>
-            </a:r>
-            <a:endParaRPr lang="be-BY" sz="1000" dirty="0">
-              <a:solidFill>
-                <a:schemeClr val="bg1"/>
-              </a:solidFill>
-              <a:latin typeface="Courier New" pitchFamily="49" charset="0"/>
-              <a:ea typeface="Calibri" pitchFamily="34" charset="0"/>
-              <a:cs typeface="Courier New" pitchFamily="49" charset="0"/>
-            </a:endParaRPr>
-          </a:p>
-          <a:p>
-            <a:pPr eaLnBrk="0" hangingPunct="0">
-              <a:defRPr/>
-            </a:pPr>
-            <a:r>
-              <a:rPr lang="be-BY" sz="1000" dirty="0">
-                <a:solidFill>
-                  <a:schemeClr val="bg1"/>
-                </a:solidFill>
-                <a:latin typeface="Courier New" pitchFamily="49" charset="0"/>
-                <a:ea typeface="Calibri" pitchFamily="34" charset="0"/>
-                <a:cs typeface="Courier New" pitchFamily="49" charset="0"/>
-              </a:rPr>
-              <a:t>[assembly: ComVisible(false)]</a:t>
-            </a:r>
-            <a:endParaRPr lang="be-BY" sz="900" dirty="0">
-              <a:solidFill>
-                <a:schemeClr val="bg1"/>
-              </a:solidFill>
-              <a:ea typeface="Calibri" pitchFamily="34" charset="0"/>
-              <a:cs typeface="Courier New" pitchFamily="49" charset="0"/>
-            </a:endParaRPr>
-          </a:p>
-          <a:p>
-            <a:pPr eaLnBrk="0" hangingPunct="0">
-              <a:defRPr/>
-            </a:pPr>
-            <a:r>
-              <a:rPr lang="be-BY" sz="1000" dirty="0">
-                <a:solidFill>
-                  <a:schemeClr val="bg1"/>
-                </a:solidFill>
-                <a:latin typeface="Courier New" pitchFamily="49" charset="0"/>
-                <a:ea typeface="Calibri" pitchFamily="34" charset="0"/>
-                <a:cs typeface="Courier New" pitchFamily="49" charset="0"/>
-              </a:rPr>
-              <a:t>[assembly: Guid("62edbab6-8997-48b5-997d-2a5a35a45b2f")]</a:t>
-            </a:r>
-            <a:endParaRPr lang="be-BY" sz="900" dirty="0">
-              <a:solidFill>
-                <a:schemeClr val="bg1"/>
-              </a:solidFill>
-              <a:ea typeface="Calibri" pitchFamily="34" charset="0"/>
-              <a:cs typeface="Courier New" pitchFamily="49" charset="0"/>
-            </a:endParaRPr>
-          </a:p>
-          <a:p>
-            <a:pPr eaLnBrk="0" hangingPunct="0">
-              <a:defRPr/>
-            </a:pPr>
-            <a:endParaRPr lang="be-BY" sz="1000" dirty="0">
-              <a:solidFill>
-                <a:schemeClr val="bg1"/>
-              </a:solidFill>
-              <a:latin typeface="Courier New" pitchFamily="49" charset="0"/>
-              <a:ea typeface="Calibri" pitchFamily="34" charset="0"/>
-              <a:cs typeface="Courier New" pitchFamily="49" charset="0"/>
-            </a:endParaRPr>
-          </a:p>
-          <a:p>
-            <a:pPr eaLnBrk="0" hangingPunct="0">
-              <a:defRPr/>
-            </a:pPr>
-            <a:r>
-              <a:rPr lang="ru-RU" sz="1000" dirty="0">
-                <a:solidFill>
-                  <a:schemeClr val="bg1"/>
-                </a:solidFill>
-                <a:latin typeface="Courier New" pitchFamily="49" charset="0"/>
-                <a:ea typeface="Calibri" pitchFamily="34" charset="0"/>
-                <a:cs typeface="Courier New" pitchFamily="49" charset="0"/>
-              </a:rPr>
-              <a:t>// Версия сборки. Используется для создания публичных сборок.</a:t>
-            </a:r>
-            <a:endParaRPr lang="be-BY" sz="1000" dirty="0">
-              <a:solidFill>
-                <a:schemeClr val="bg1"/>
-              </a:solidFill>
-              <a:latin typeface="Courier New" pitchFamily="49" charset="0"/>
-              <a:ea typeface="Calibri" pitchFamily="34" charset="0"/>
-              <a:cs typeface="Courier New" pitchFamily="49" charset="0"/>
-            </a:endParaRPr>
-          </a:p>
-          <a:p>
-            <a:pPr eaLnBrk="0" hangingPunct="0">
-              <a:defRPr/>
-            </a:pPr>
-            <a:r>
-              <a:rPr lang="be-BY" sz="1000" dirty="0">
-                <a:solidFill>
-                  <a:schemeClr val="bg1"/>
-                </a:solidFill>
-                <a:latin typeface="Courier New" pitchFamily="49" charset="0"/>
-                <a:ea typeface="Calibri" pitchFamily="34" charset="0"/>
-                <a:cs typeface="Courier New" pitchFamily="49" charset="0"/>
-              </a:rPr>
-              <a:t>[assembly: AssemblyVersion("1.0.0.0")]      //Версия сборки</a:t>
-            </a:r>
-            <a:endParaRPr lang="be-BY" sz="900" dirty="0">
-              <a:solidFill>
-                <a:schemeClr val="bg1"/>
-              </a:solidFill>
-              <a:ea typeface="Calibri" pitchFamily="34" charset="0"/>
-              <a:cs typeface="Courier New" pitchFamily="49" charset="0"/>
-            </a:endParaRPr>
-          </a:p>
-          <a:p>
-            <a:pPr eaLnBrk="0" hangingPunct="0">
-              <a:defRPr/>
-            </a:pPr>
-            <a:r>
-              <a:rPr lang="be-BY" sz="1000" dirty="0">
-                <a:solidFill>
-                  <a:schemeClr val="bg1"/>
-                </a:solidFill>
-                <a:latin typeface="Courier New" pitchFamily="49" charset="0"/>
-                <a:ea typeface="Calibri" pitchFamily="34" charset="0"/>
-                <a:cs typeface="Courier New" pitchFamily="49" charset="0"/>
-              </a:rPr>
-              <a:t>[assembly: AssemblyFileVersion("1.0.0.0")]  //Версяи файла</a:t>
-            </a:r>
-            <a:endParaRPr lang="be-BY" dirty="0">
-              <a:solidFill>
-                <a:schemeClr val="bg1"/>
-              </a:solidFill>
-              <a:ea typeface="Calibri" pitchFamily="34" charset="0"/>
-              <a:cs typeface="Courier New" pitchFamily="49" charset="0"/>
-            </a:endParaRPr>
-          </a:p>
-        </p:txBody>
-      </p:sp>
-      <p:sp>
-        <p:nvSpPr>
-          <p:cNvPr id="5125" name="Rectangle 5"/>
-          <p:cNvSpPr>
-            <a:spLocks noChangeArrowheads="1"/>
-          </p:cNvSpPr>
-          <p:nvPr/>
-        </p:nvSpPr>
-        <p:spPr bwMode="auto">
-          <a:xfrm>
-            <a:off x="152400" y="3905250"/>
-            <a:ext cx="8839200" cy="2554288"/>
-          </a:xfrm>
-          <a:prstGeom prst="rect">
-            <a:avLst/>
-          </a:prstGeom>
-          <a:noFill/>
-          <a:ln>
-            <a:noFill/>
-          </a:ln>
-          <a:extLst>
-            <a:ext uri="{909E8E84-426E-40DD-AFC4-6F175D3DCCD1}">
-              <a14:hiddenFill xmlns:a14="http://schemas.microsoft.com/office/drawing/2010/main">
-                <a:solidFill>
-                  <a:srgbClr val="FFFFFF"/>
-                </a:solidFill>
-              </a14:hiddenFill>
-            </a:ext>
-            <a:ext uri="{91240B29-F687-4F45-9708-019B960494DF}">
-              <a14:hiddenLine xmlns:a14="http://schemas.microsoft.com/office/drawing/2010/main" w="9525">
-                <a:solidFill>
-                  <a:srgbClr val="000000"/>
-                </a:solidFill>
-                <a:miter lim="800000"/>
-                <a:headEnd/>
-                <a:tailEnd/>
-              </a14:hiddenLine>
-            </a:ext>
-          </a:extLst>
-        </p:spPr>
-        <p:txBody>
-          <a:bodyPr anchor="ctr">
-            <a:spAutoFit/>
-          </a:bodyPr>
-          <a:lstStyle/>
-          <a:p>
-            <a:r>
-              <a:rPr lang="ru-RU" sz="1600" dirty="0"/>
-              <a:t>	Для частных сборок версия не несет особого функционального смысла, однако для публичных сборок версия помогает различать сборки с одним и тем же именем. Версия сборки состоит из 4-х частей</a:t>
-            </a:r>
-            <a:r>
-              <a:rPr lang="en-US" sz="1600" dirty="0"/>
-              <a:t>:</a:t>
-            </a:r>
-          </a:p>
-          <a:p>
-            <a:pPr lvl="1">
-              <a:buFont typeface="Arial" charset="0"/>
-              <a:buChar char="•"/>
-            </a:pPr>
-            <a:r>
-              <a:rPr lang="ru-RU" sz="1600" b="1" dirty="0"/>
-              <a:t>Основной номер версии</a:t>
-            </a:r>
-          </a:p>
-          <a:p>
-            <a:pPr lvl="1">
-              <a:buFont typeface="Arial" charset="0"/>
-              <a:buChar char="•"/>
-            </a:pPr>
-            <a:r>
-              <a:rPr lang="ru-RU" sz="1600" b="1" dirty="0"/>
-              <a:t>Дополнительный номер версии</a:t>
-            </a:r>
-          </a:p>
-          <a:p>
-            <a:pPr lvl="1">
-              <a:buFont typeface="Arial" charset="0"/>
-              <a:buChar char="•"/>
-            </a:pPr>
-            <a:r>
-              <a:rPr lang="ru-RU" sz="1600" b="1" dirty="0"/>
-              <a:t>Номер редакции</a:t>
-            </a:r>
-          </a:p>
-          <a:p>
-            <a:pPr lvl="1">
-              <a:buFont typeface="Arial" charset="0"/>
-              <a:buChar char="•"/>
-            </a:pPr>
-            <a:r>
-              <a:rPr lang="ru-RU" sz="1600" b="1" dirty="0"/>
-              <a:t>Номер сборки</a:t>
-            </a:r>
-            <a:endParaRPr lang="ru-RU" sz="1600" dirty="0"/>
-          </a:p>
-          <a:p>
-            <a:r>
-              <a:rPr lang="ru-RU" sz="1600" dirty="0"/>
-              <a:t>Первые 2 числа в версии полностью отличают одну сборку от другой. Номер редакции может быть обратно совместим. Номер сборки указывает на мелкие изменения, обеспечивая полную совместимость.</a:t>
-            </a:r>
-          </a:p>
-        </p:txBody>
-      </p:sp>
-    </p:spTree>
-    <p:extLst>
-      <p:ext uri="{BB962C8B-B14F-4D97-AF65-F5344CB8AC3E}">
-        <p14:creationId xmlns:p14="http://schemas.microsoft.com/office/powerpoint/2010/main" val="3864391885"/>
       </p:ext>
     </p:extLst>
   </p:cSld>
@@ -13138,124 +12545,682 @@
       </p:grpSpPr>
       <p:sp>
         <p:nvSpPr>
-          <p:cNvPr id="2" name="Title 1"/>
+          <p:cNvPr id="5122" name="Rectangle 3"/>
           <p:cNvSpPr>
-            <a:spLocks noGrp="1"/>
+            <a:spLocks noChangeArrowheads="1"/>
           </p:cNvSpPr>
-          <p:nvPr>
-            <p:ph type="title"/>
-          </p:nvPr>
+          <p:nvPr/>
         </p:nvSpPr>
-        <p:spPr/>
+        <p:spPr bwMode="auto">
+          <a:xfrm>
+            <a:off x="152400" y="-4763"/>
+            <a:ext cx="8763000" cy="461963"/>
+          </a:xfrm>
+          <a:prstGeom prst="rect">
+            <a:avLst/>
+          </a:prstGeom>
+          <a:noFill/>
+          <a:ln>
+            <a:noFill/>
+          </a:ln>
+          <a:extLst>
+            <a:ext uri="{909E8E84-426E-40DD-AFC4-6F175D3DCCD1}">
+              <a14:hiddenFill xmlns:a14="http://schemas.microsoft.com/office/drawing/2010/main">
+                <a:solidFill>
+                  <a:srgbClr val="FFFFFF"/>
+                </a:solidFill>
+              </a14:hiddenFill>
+            </a:ext>
+            <a:ext uri="{91240B29-F687-4F45-9708-019B960494DF}">
+              <a14:hiddenLine xmlns:a14="http://schemas.microsoft.com/office/drawing/2010/main" w="9525">
+                <a:solidFill>
+                  <a:srgbClr val="000000"/>
+                </a:solidFill>
+                <a:miter lim="800000"/>
+                <a:headEnd/>
+                <a:tailEnd/>
+              </a14:hiddenLine>
+            </a:ext>
+          </a:extLst>
+        </p:spPr>
         <p:txBody>
-          <a:bodyPr/>
+          <a:bodyPr anchor="ctr">
+            <a:spAutoFit/>
+          </a:bodyPr>
           <a:lstStyle/>
           <a:p>
-            <a:r>
-              <a:rPr lang="en-US" dirty="0" smtClean="0"/>
-              <a:t>Portable Class Library</a:t>
-            </a:r>
-            <a:endParaRPr lang="en-US" dirty="0"/>
+            <a:pPr algn="ctr"/>
+            <a:r>
+              <a:rPr lang="be-BY" sz="2400" b="1"/>
+              <a:t>Сборка и управление версиями.</a:t>
+            </a:r>
+            <a:endParaRPr lang="en-US" sz="2400" b="1"/>
           </a:p>
         </p:txBody>
       </p:sp>
       <p:sp>
         <p:nvSpPr>
-          <p:cNvPr id="3" name="Content Placeholder 2"/>
+          <p:cNvPr id="5123" name="Rectangle 3"/>
           <p:cNvSpPr>
-            <a:spLocks noGrp="1"/>
+            <a:spLocks noChangeArrowheads="1"/>
           </p:cNvSpPr>
-          <p:nvPr>
-            <p:ph idx="1"/>
-          </p:nvPr>
+          <p:nvPr/>
         </p:nvSpPr>
-        <p:spPr/>
+        <p:spPr bwMode="auto">
+          <a:xfrm>
+            <a:off x="152400" y="482600"/>
+            <a:ext cx="8839200" cy="584200"/>
+          </a:xfrm>
+          <a:prstGeom prst="rect">
+            <a:avLst/>
+          </a:prstGeom>
+          <a:noFill/>
+          <a:ln>
+            <a:noFill/>
+          </a:ln>
+          <a:extLst>
+            <a:ext uri="{909E8E84-426E-40DD-AFC4-6F175D3DCCD1}">
+              <a14:hiddenFill xmlns:a14="http://schemas.microsoft.com/office/drawing/2010/main">
+                <a:solidFill>
+                  <a:srgbClr val="FFFFFF"/>
+                </a:solidFill>
+              </a14:hiddenFill>
+            </a:ext>
+            <a:ext uri="{91240B29-F687-4F45-9708-019B960494DF}">
+              <a14:hiddenLine xmlns:a14="http://schemas.microsoft.com/office/drawing/2010/main" w="9525">
+                <a:solidFill>
+                  <a:srgbClr val="000000"/>
+                </a:solidFill>
+                <a:miter lim="800000"/>
+                <a:headEnd/>
+                <a:tailEnd/>
+              </a14:hiddenLine>
+            </a:ext>
+          </a:extLst>
+        </p:spPr>
         <p:txBody>
-          <a:bodyPr>
-            <a:normAutofit fontScale="92500" lnSpcReduction="20000"/>
+          <a:bodyPr anchor="ctr">
+            <a:spAutoFit/>
           </a:bodyPr>
           <a:lstStyle/>
           <a:p>
-            <a:pPr marL="0" indent="0">
-              <a:buNone/>
-            </a:pPr>
-            <a:r>
-              <a:rPr lang="ru-RU" dirty="0" smtClean="0"/>
-              <a:t>Проекты </a:t>
-            </a:r>
-            <a:r>
-              <a:rPr lang="en-US" dirty="0"/>
-              <a:t>Portable Class </a:t>
-            </a:r>
-            <a:r>
-              <a:rPr lang="en-US" dirty="0" smtClean="0"/>
-              <a:t>Library</a:t>
-            </a:r>
-            <a:r>
-              <a:rPr lang="ru-RU" dirty="0" smtClean="0"/>
-              <a:t> позволяют создавать сборки переносимые между разными </a:t>
-            </a:r>
-            <a:r>
-              <a:rPr lang="en-US" dirty="0" smtClean="0"/>
-              <a:t>.NET </a:t>
-            </a:r>
-            <a:r>
-              <a:rPr lang="ru-RU" dirty="0" smtClean="0"/>
-              <a:t>платформами: </a:t>
-            </a:r>
-            <a:r>
-              <a:rPr lang="en-US" dirty="0" smtClean="0"/>
-              <a:t>Windows, Windows Store (Metro), Silverlight, Windows Phone, Xbox 360. </a:t>
-            </a:r>
-            <a:r>
-              <a:rPr lang="ru-RU" dirty="0" smtClean="0"/>
-              <a:t>При создании проекта мы вибираем под какие платформы мы создаем библиотеку и тем самым добровольно ограничиваем себе возможности ради переносимости.</a:t>
-            </a:r>
-          </a:p>
-          <a:p>
-            <a:pPr marL="0" indent="0">
-              <a:buNone/>
-            </a:pPr>
-            <a:endParaRPr lang="ru-RU" dirty="0"/>
-          </a:p>
-          <a:p>
-            <a:pPr marL="0" indent="0">
-              <a:buNone/>
-            </a:pPr>
-            <a:r>
-              <a:rPr lang="ru-RU" dirty="0" smtClean="0"/>
-              <a:t>Подробности смотрите в </a:t>
-            </a:r>
-            <a:r>
-              <a:rPr lang="en-US" dirty="0" smtClean="0">
-                <a:hlinkClick r:id="rId2"/>
-              </a:rPr>
-              <a:t>Cross-Platform </a:t>
-            </a:r>
-            <a:r>
-              <a:rPr lang="en-US" dirty="0">
-                <a:hlinkClick r:id="rId2"/>
-              </a:rPr>
-              <a:t>Development with the .NET </a:t>
-            </a:r>
-            <a:r>
-              <a:rPr lang="en-US" dirty="0" smtClean="0">
-                <a:hlinkClick r:id="rId2"/>
-              </a:rPr>
-              <a:t>Framework</a:t>
-            </a:r>
-            <a:r>
-              <a:rPr lang="ru-RU" dirty="0" smtClean="0"/>
-              <a:t>.</a:t>
-            </a:r>
-            <a:endParaRPr lang="en-US" dirty="0"/>
+            <a:r>
+              <a:rPr lang="ru-RU" sz="1600"/>
+              <a:t>	В проекте каждой сборки присутствует файл </a:t>
+            </a:r>
+            <a:r>
+              <a:rPr lang="en-US" sz="1600"/>
+              <a:t>Assemblyinfo.cs</a:t>
+            </a:r>
+            <a:r>
+              <a:rPr lang="ru-RU" sz="1600"/>
+              <a:t>, в который можно размещать информацию о текущей сборке. </a:t>
+            </a:r>
+            <a:endParaRPr lang="en-US" sz="1600"/>
+          </a:p>
+        </p:txBody>
+      </p:sp>
+      <p:sp>
+        <p:nvSpPr>
+          <p:cNvPr id="27650" name="Rectangle 2"/>
+          <p:cNvSpPr>
+            <a:spLocks noChangeArrowheads="1"/>
+          </p:cNvSpPr>
+          <p:nvPr/>
+        </p:nvSpPr>
+        <p:spPr bwMode="auto">
+          <a:xfrm>
+            <a:off x="152400" y="1101725"/>
+            <a:ext cx="8839200" cy="2708275"/>
+          </a:xfrm>
+          <a:prstGeom prst="rect">
+            <a:avLst/>
+          </a:prstGeom>
+          <a:noFill/>
+          <a:ln w="9525">
+            <a:solidFill>
+              <a:schemeClr val="bg1">
+                <a:lumMod val="65000"/>
+              </a:schemeClr>
+            </a:solidFill>
+            <a:miter lim="800000"/>
+            <a:headEnd/>
+            <a:tailEnd/>
+          </a:ln>
+          <a:effectLst/>
+        </p:spPr>
+        <p:txBody>
+          <a:bodyPr anchor="ctr">
+            <a:spAutoFit/>
+          </a:bodyPr>
+          <a:lstStyle/>
+          <a:p>
+            <a:pPr eaLnBrk="0" hangingPunct="0">
+              <a:defRPr/>
+            </a:pPr>
+            <a:r>
+              <a:rPr lang="be-BY" sz="1000" dirty="0">
+                <a:solidFill>
+                  <a:schemeClr val="bg1"/>
+                </a:solidFill>
+                <a:latin typeface="Courier New" pitchFamily="49" charset="0"/>
+                <a:ea typeface="Calibri" pitchFamily="34" charset="0"/>
+                <a:cs typeface="Courier New" pitchFamily="49" charset="0"/>
+              </a:rPr>
+              <a:t>// Общая информация о сборке</a:t>
+            </a:r>
+            <a:endParaRPr lang="be-BY" sz="900" dirty="0">
+              <a:solidFill>
+                <a:schemeClr val="bg1"/>
+              </a:solidFill>
+              <a:ea typeface="Calibri" pitchFamily="34" charset="0"/>
+              <a:cs typeface="Courier New" pitchFamily="49" charset="0"/>
+            </a:endParaRPr>
+          </a:p>
+          <a:p>
+            <a:pPr eaLnBrk="0" hangingPunct="0">
+              <a:defRPr/>
+            </a:pPr>
+            <a:r>
+              <a:rPr lang="be-BY" sz="1000" dirty="0">
+                <a:solidFill>
+                  <a:schemeClr val="bg1"/>
+                </a:solidFill>
+                <a:latin typeface="Courier New" pitchFamily="49" charset="0"/>
+                <a:ea typeface="Calibri" pitchFamily="34" charset="0"/>
+                <a:cs typeface="Courier New" pitchFamily="49" charset="0"/>
+              </a:rPr>
+              <a:t>[assembly: AssemblyTitle("Complex")]        //Название сборки</a:t>
+            </a:r>
+            <a:endParaRPr lang="be-BY" sz="900" dirty="0">
+              <a:solidFill>
+                <a:schemeClr val="bg1"/>
+              </a:solidFill>
+              <a:ea typeface="Calibri" pitchFamily="34" charset="0"/>
+              <a:cs typeface="Courier New" pitchFamily="49" charset="0"/>
+            </a:endParaRPr>
+          </a:p>
+          <a:p>
+            <a:pPr eaLnBrk="0" hangingPunct="0">
+              <a:defRPr/>
+            </a:pPr>
+            <a:r>
+              <a:rPr lang="be-BY" sz="1000" dirty="0">
+                <a:solidFill>
+                  <a:schemeClr val="bg1"/>
+                </a:solidFill>
+                <a:latin typeface="Courier New" pitchFamily="49" charset="0"/>
+                <a:ea typeface="Calibri" pitchFamily="34" charset="0"/>
+                <a:cs typeface="Courier New" pitchFamily="49" charset="0"/>
+              </a:rPr>
+              <a:t>[assembly: AssemblyDescription("")]         //Описание</a:t>
+            </a:r>
+            <a:endParaRPr lang="be-BY" sz="900" dirty="0">
+              <a:solidFill>
+                <a:schemeClr val="bg1"/>
+              </a:solidFill>
+              <a:ea typeface="Calibri" pitchFamily="34" charset="0"/>
+              <a:cs typeface="Courier New" pitchFamily="49" charset="0"/>
+            </a:endParaRPr>
+          </a:p>
+          <a:p>
+            <a:pPr eaLnBrk="0" hangingPunct="0">
+              <a:defRPr/>
+            </a:pPr>
+            <a:r>
+              <a:rPr lang="be-BY" sz="1000" dirty="0">
+                <a:solidFill>
+                  <a:schemeClr val="bg1"/>
+                </a:solidFill>
+                <a:latin typeface="Courier New" pitchFamily="49" charset="0"/>
+                <a:ea typeface="Calibri" pitchFamily="34" charset="0"/>
+                <a:cs typeface="Courier New" pitchFamily="49" charset="0"/>
+              </a:rPr>
+              <a:t>[assembly: AssemblyConfiguration("")]       //Строка конфигурирования</a:t>
+            </a:r>
+            <a:endParaRPr lang="be-BY" sz="900" dirty="0">
+              <a:solidFill>
+                <a:schemeClr val="bg1"/>
+              </a:solidFill>
+              <a:ea typeface="Calibri" pitchFamily="34" charset="0"/>
+              <a:cs typeface="Courier New" pitchFamily="49" charset="0"/>
+            </a:endParaRPr>
+          </a:p>
+          <a:p>
+            <a:pPr eaLnBrk="0" hangingPunct="0">
+              <a:defRPr/>
+            </a:pPr>
+            <a:r>
+              <a:rPr lang="be-BY" sz="1000" dirty="0">
+                <a:solidFill>
+                  <a:schemeClr val="bg1"/>
+                </a:solidFill>
+                <a:latin typeface="Courier New" pitchFamily="49" charset="0"/>
+                <a:ea typeface="Calibri" pitchFamily="34" charset="0"/>
+                <a:cs typeface="Courier New" pitchFamily="49" charset="0"/>
+              </a:rPr>
+              <a:t>[assembly: AssemblyCompany("Microsoft")]    //Компания-разработчик сборки</a:t>
+            </a:r>
+            <a:endParaRPr lang="be-BY" sz="900" dirty="0">
+              <a:solidFill>
+                <a:schemeClr val="bg1"/>
+              </a:solidFill>
+              <a:ea typeface="Calibri" pitchFamily="34" charset="0"/>
+              <a:cs typeface="Courier New" pitchFamily="49" charset="0"/>
+            </a:endParaRPr>
+          </a:p>
+          <a:p>
+            <a:pPr eaLnBrk="0" hangingPunct="0">
+              <a:defRPr/>
+            </a:pPr>
+            <a:r>
+              <a:rPr lang="be-BY" sz="1000" dirty="0">
+                <a:solidFill>
+                  <a:schemeClr val="bg1"/>
+                </a:solidFill>
+                <a:latin typeface="Courier New" pitchFamily="49" charset="0"/>
+                <a:ea typeface="Calibri" pitchFamily="34" charset="0"/>
+                <a:cs typeface="Courier New" pitchFamily="49" charset="0"/>
+              </a:rPr>
+              <a:t>[assembly: AssemblyProduct("Complex")]      //Имя продукта</a:t>
+            </a:r>
+            <a:endParaRPr lang="be-BY" sz="900" dirty="0">
+              <a:solidFill>
+                <a:schemeClr val="bg1"/>
+              </a:solidFill>
+              <a:ea typeface="Calibri" pitchFamily="34" charset="0"/>
+              <a:cs typeface="Courier New" pitchFamily="49" charset="0"/>
+            </a:endParaRPr>
+          </a:p>
+          <a:p>
+            <a:pPr eaLnBrk="0" hangingPunct="0">
+              <a:defRPr/>
+            </a:pPr>
+            <a:r>
+              <a:rPr lang="be-BY" sz="1000" dirty="0">
+                <a:solidFill>
+                  <a:schemeClr val="bg1"/>
+                </a:solidFill>
+                <a:latin typeface="Courier New" pitchFamily="49" charset="0"/>
+                <a:ea typeface="Calibri" pitchFamily="34" charset="0"/>
+                <a:cs typeface="Courier New" pitchFamily="49" charset="0"/>
+              </a:rPr>
+              <a:t>[assembly: AssemblyCopyright("Copyright </a:t>
+            </a:r>
+            <a:r>
+              <a:rPr lang="be-BY" sz="1000" dirty="0">
+                <a:solidFill>
+                  <a:schemeClr val="bg1"/>
+                </a:solidFill>
+                <a:latin typeface="Calibri" pitchFamily="34" charset="0"/>
+                <a:ea typeface="Calibri" pitchFamily="34" charset="0"/>
+                <a:cs typeface="Courier New" pitchFamily="49" charset="0"/>
+              </a:rPr>
+              <a:t>©</a:t>
+            </a:r>
+            <a:r>
+              <a:rPr lang="be-BY" sz="1000" dirty="0">
+                <a:solidFill>
+                  <a:schemeClr val="bg1"/>
+                </a:solidFill>
+                <a:latin typeface="Courier New" pitchFamily="49" charset="0"/>
+                <a:ea typeface="Calibri" pitchFamily="34" charset="0"/>
+                <a:cs typeface="Courier New" pitchFamily="49" charset="0"/>
+              </a:rPr>
+              <a:t> Microsoft 2010")]     //Права на сборку</a:t>
+            </a:r>
+            <a:endParaRPr lang="be-BY" sz="900" dirty="0">
+              <a:solidFill>
+                <a:schemeClr val="bg1"/>
+              </a:solidFill>
+              <a:ea typeface="Calibri" pitchFamily="34" charset="0"/>
+              <a:cs typeface="Courier New" pitchFamily="49" charset="0"/>
+            </a:endParaRPr>
+          </a:p>
+          <a:p>
+            <a:pPr eaLnBrk="0" hangingPunct="0">
+              <a:defRPr/>
+            </a:pPr>
+            <a:r>
+              <a:rPr lang="be-BY" sz="1000" dirty="0">
+                <a:solidFill>
+                  <a:schemeClr val="bg1"/>
+                </a:solidFill>
+                <a:latin typeface="Courier New" pitchFamily="49" charset="0"/>
+                <a:ea typeface="Calibri" pitchFamily="34" charset="0"/>
+                <a:cs typeface="Courier New" pitchFamily="49" charset="0"/>
+              </a:rPr>
+              <a:t>[assembly: AssemblyTrademark("")]           //Торговая марка</a:t>
+            </a:r>
+            <a:endParaRPr lang="be-BY" sz="900" dirty="0">
+              <a:solidFill>
+                <a:schemeClr val="bg1"/>
+              </a:solidFill>
+              <a:ea typeface="Calibri" pitchFamily="34" charset="0"/>
+              <a:cs typeface="Courier New" pitchFamily="49" charset="0"/>
+            </a:endParaRPr>
+          </a:p>
+          <a:p>
+            <a:pPr eaLnBrk="0" hangingPunct="0">
+              <a:defRPr/>
+            </a:pPr>
+            <a:r>
+              <a:rPr lang="be-BY" sz="1000" dirty="0">
+                <a:solidFill>
+                  <a:schemeClr val="bg1"/>
+                </a:solidFill>
+                <a:latin typeface="Courier New" pitchFamily="49" charset="0"/>
+                <a:ea typeface="Calibri" pitchFamily="34" charset="0"/>
+                <a:cs typeface="Courier New" pitchFamily="49" charset="0"/>
+              </a:rPr>
+              <a:t>[assembly: AssemblyCulture("")]             //Языковая культура</a:t>
+            </a:r>
+            <a:endParaRPr lang="be-BY" sz="900" dirty="0">
+              <a:solidFill>
+                <a:schemeClr val="bg1"/>
+              </a:solidFill>
+              <a:ea typeface="Calibri" pitchFamily="34" charset="0"/>
+              <a:cs typeface="Courier New" pitchFamily="49" charset="0"/>
+            </a:endParaRPr>
+          </a:p>
+          <a:p>
+            <a:pPr eaLnBrk="0" hangingPunct="0">
+              <a:defRPr/>
+            </a:pPr>
+            <a:endParaRPr lang="be-BY" sz="1000" dirty="0">
+              <a:solidFill>
+                <a:schemeClr val="bg1"/>
+              </a:solidFill>
+              <a:latin typeface="Courier New" pitchFamily="49" charset="0"/>
+              <a:ea typeface="Calibri" pitchFamily="34" charset="0"/>
+              <a:cs typeface="Courier New" pitchFamily="49" charset="0"/>
+            </a:endParaRPr>
+          </a:p>
+          <a:p>
+            <a:pPr eaLnBrk="0" hangingPunct="0">
+              <a:defRPr/>
+            </a:pPr>
+            <a:r>
+              <a:rPr lang="ru-RU" sz="1000" dirty="0">
+                <a:solidFill>
+                  <a:schemeClr val="bg1"/>
+                </a:solidFill>
+                <a:latin typeface="Courier New" pitchFamily="49" charset="0"/>
+                <a:ea typeface="Calibri" pitchFamily="34" charset="0"/>
+                <a:cs typeface="Courier New" pitchFamily="49" charset="0"/>
+              </a:rPr>
+              <a:t>// Информация для использования сборки в </a:t>
+            </a:r>
+            <a:r>
+              <a:rPr lang="en-US" sz="1000" dirty="0">
+                <a:solidFill>
+                  <a:schemeClr val="bg1"/>
+                </a:solidFill>
+                <a:latin typeface="Courier New" pitchFamily="49" charset="0"/>
+                <a:ea typeface="Calibri" pitchFamily="34" charset="0"/>
+                <a:cs typeface="Courier New" pitchFamily="49" charset="0"/>
+              </a:rPr>
+              <a:t>COM-</a:t>
+            </a:r>
+            <a:r>
+              <a:rPr lang="ru-RU" sz="1000" dirty="0">
+                <a:solidFill>
+                  <a:schemeClr val="bg1"/>
+                </a:solidFill>
+                <a:latin typeface="Courier New" pitchFamily="49" charset="0"/>
+                <a:ea typeface="Calibri" pitchFamily="34" charset="0"/>
+                <a:cs typeface="Courier New" pitchFamily="49" charset="0"/>
+              </a:rPr>
+              <a:t>серверах.</a:t>
+            </a:r>
+            <a:endParaRPr lang="be-BY" sz="1000" dirty="0">
+              <a:solidFill>
+                <a:schemeClr val="bg1"/>
+              </a:solidFill>
+              <a:latin typeface="Courier New" pitchFamily="49" charset="0"/>
+              <a:ea typeface="Calibri" pitchFamily="34" charset="0"/>
+              <a:cs typeface="Courier New" pitchFamily="49" charset="0"/>
+            </a:endParaRPr>
+          </a:p>
+          <a:p>
+            <a:pPr eaLnBrk="0" hangingPunct="0">
+              <a:defRPr/>
+            </a:pPr>
+            <a:r>
+              <a:rPr lang="be-BY" sz="1000" dirty="0">
+                <a:solidFill>
+                  <a:schemeClr val="bg1"/>
+                </a:solidFill>
+                <a:latin typeface="Courier New" pitchFamily="49" charset="0"/>
+                <a:ea typeface="Calibri" pitchFamily="34" charset="0"/>
+                <a:cs typeface="Courier New" pitchFamily="49" charset="0"/>
+              </a:rPr>
+              <a:t>[assembly: ComVisible(false)]</a:t>
+            </a:r>
+            <a:endParaRPr lang="be-BY" sz="900" dirty="0">
+              <a:solidFill>
+                <a:schemeClr val="bg1"/>
+              </a:solidFill>
+              <a:ea typeface="Calibri" pitchFamily="34" charset="0"/>
+              <a:cs typeface="Courier New" pitchFamily="49" charset="0"/>
+            </a:endParaRPr>
+          </a:p>
+          <a:p>
+            <a:pPr eaLnBrk="0" hangingPunct="0">
+              <a:defRPr/>
+            </a:pPr>
+            <a:r>
+              <a:rPr lang="be-BY" sz="1000" dirty="0">
+                <a:solidFill>
+                  <a:schemeClr val="bg1"/>
+                </a:solidFill>
+                <a:latin typeface="Courier New" pitchFamily="49" charset="0"/>
+                <a:ea typeface="Calibri" pitchFamily="34" charset="0"/>
+                <a:cs typeface="Courier New" pitchFamily="49" charset="0"/>
+              </a:rPr>
+              <a:t>[assembly: Guid("62edbab6-8997-48b5-997d-2a5a35a45b2f")]</a:t>
+            </a:r>
+            <a:endParaRPr lang="be-BY" sz="900" dirty="0">
+              <a:solidFill>
+                <a:schemeClr val="bg1"/>
+              </a:solidFill>
+              <a:ea typeface="Calibri" pitchFamily="34" charset="0"/>
+              <a:cs typeface="Courier New" pitchFamily="49" charset="0"/>
+            </a:endParaRPr>
+          </a:p>
+          <a:p>
+            <a:pPr eaLnBrk="0" hangingPunct="0">
+              <a:defRPr/>
+            </a:pPr>
+            <a:endParaRPr lang="be-BY" sz="1000" dirty="0">
+              <a:solidFill>
+                <a:schemeClr val="bg1"/>
+              </a:solidFill>
+              <a:latin typeface="Courier New" pitchFamily="49" charset="0"/>
+              <a:ea typeface="Calibri" pitchFamily="34" charset="0"/>
+              <a:cs typeface="Courier New" pitchFamily="49" charset="0"/>
+            </a:endParaRPr>
+          </a:p>
+          <a:p>
+            <a:pPr eaLnBrk="0" hangingPunct="0">
+              <a:defRPr/>
+            </a:pPr>
+            <a:r>
+              <a:rPr lang="ru-RU" sz="1000" dirty="0">
+                <a:solidFill>
+                  <a:schemeClr val="bg1"/>
+                </a:solidFill>
+                <a:latin typeface="Courier New" pitchFamily="49" charset="0"/>
+                <a:ea typeface="Calibri" pitchFamily="34" charset="0"/>
+                <a:cs typeface="Courier New" pitchFamily="49" charset="0"/>
+              </a:rPr>
+              <a:t>// Версия сборки. Используется для создания публичных сборок.</a:t>
+            </a:r>
+            <a:endParaRPr lang="be-BY" sz="1000" dirty="0">
+              <a:solidFill>
+                <a:schemeClr val="bg1"/>
+              </a:solidFill>
+              <a:latin typeface="Courier New" pitchFamily="49" charset="0"/>
+              <a:ea typeface="Calibri" pitchFamily="34" charset="0"/>
+              <a:cs typeface="Courier New" pitchFamily="49" charset="0"/>
+            </a:endParaRPr>
+          </a:p>
+          <a:p>
+            <a:pPr eaLnBrk="0" hangingPunct="0">
+              <a:defRPr/>
+            </a:pPr>
+            <a:r>
+              <a:rPr lang="be-BY" sz="1000" dirty="0">
+                <a:solidFill>
+                  <a:schemeClr val="bg1"/>
+                </a:solidFill>
+                <a:latin typeface="Courier New" pitchFamily="49" charset="0"/>
+                <a:ea typeface="Calibri" pitchFamily="34" charset="0"/>
+                <a:cs typeface="Courier New" pitchFamily="49" charset="0"/>
+              </a:rPr>
+              <a:t>[assembly: AssemblyVersion("1.0.0.0")]      //Версия сборки</a:t>
+            </a:r>
+            <a:endParaRPr lang="be-BY" sz="900" dirty="0">
+              <a:solidFill>
+                <a:schemeClr val="bg1"/>
+              </a:solidFill>
+              <a:ea typeface="Calibri" pitchFamily="34" charset="0"/>
+              <a:cs typeface="Courier New" pitchFamily="49" charset="0"/>
+            </a:endParaRPr>
+          </a:p>
+          <a:p>
+            <a:pPr eaLnBrk="0" hangingPunct="0">
+              <a:defRPr/>
+            </a:pPr>
+            <a:r>
+              <a:rPr lang="be-BY" sz="1000" dirty="0">
+                <a:solidFill>
+                  <a:schemeClr val="bg1"/>
+                </a:solidFill>
+                <a:latin typeface="Courier New" pitchFamily="49" charset="0"/>
+                <a:ea typeface="Calibri" pitchFamily="34" charset="0"/>
+                <a:cs typeface="Courier New" pitchFamily="49" charset="0"/>
+              </a:rPr>
+              <a:t>[assembly: AssemblyFileVersion("1.0.0.0")]  //Версяи файла</a:t>
+            </a:r>
+            <a:endParaRPr lang="be-BY" dirty="0">
+              <a:solidFill>
+                <a:schemeClr val="bg1"/>
+              </a:solidFill>
+              <a:ea typeface="Calibri" pitchFamily="34" charset="0"/>
+              <a:cs typeface="Courier New" pitchFamily="49" charset="0"/>
+            </a:endParaRPr>
+          </a:p>
+        </p:txBody>
+      </p:sp>
+      <p:sp>
+        <p:nvSpPr>
+          <p:cNvPr id="5125" name="Rectangle 5"/>
+          <p:cNvSpPr>
+            <a:spLocks noChangeArrowheads="1"/>
+          </p:cNvSpPr>
+          <p:nvPr/>
+        </p:nvSpPr>
+        <p:spPr bwMode="auto">
+          <a:xfrm>
+            <a:off x="152400" y="3905250"/>
+            <a:ext cx="8839200" cy="2554288"/>
+          </a:xfrm>
+          <a:prstGeom prst="rect">
+            <a:avLst/>
+          </a:prstGeom>
+          <a:noFill/>
+          <a:ln>
+            <a:noFill/>
+          </a:ln>
+          <a:extLst>
+            <a:ext uri="{909E8E84-426E-40DD-AFC4-6F175D3DCCD1}">
+              <a14:hiddenFill xmlns:a14="http://schemas.microsoft.com/office/drawing/2010/main">
+                <a:solidFill>
+                  <a:srgbClr val="FFFFFF"/>
+                </a:solidFill>
+              </a14:hiddenFill>
+            </a:ext>
+            <a:ext uri="{91240B29-F687-4F45-9708-019B960494DF}">
+              <a14:hiddenLine xmlns:a14="http://schemas.microsoft.com/office/drawing/2010/main" w="9525">
+                <a:solidFill>
+                  <a:srgbClr val="000000"/>
+                </a:solidFill>
+                <a:miter lim="800000"/>
+                <a:headEnd/>
+                <a:tailEnd/>
+              </a14:hiddenLine>
+            </a:ext>
+          </a:extLst>
+        </p:spPr>
+        <p:txBody>
+          <a:bodyPr anchor="ctr">
+            <a:spAutoFit/>
+          </a:bodyPr>
+          <a:lstStyle/>
+          <a:p>
+            <a:r>
+              <a:rPr lang="ru-RU" sz="1600" dirty="0"/>
+              <a:t>	Для частных сборок версия не несет особого функционального смысла, однако для публичных сборок версия помогает различать сборки с одним и тем же именем. Версия сборки состоит из 4-х частей</a:t>
+            </a:r>
+            <a:r>
+              <a:rPr lang="en-US" sz="1600" dirty="0"/>
+              <a:t>:</a:t>
+            </a:r>
+          </a:p>
+          <a:p>
+            <a:pPr lvl="1">
+              <a:buFont typeface="Arial" charset="0"/>
+              <a:buChar char="•"/>
+            </a:pPr>
+            <a:r>
+              <a:rPr lang="ru-RU" sz="1600" b="1" dirty="0"/>
+              <a:t>Основной номер версии</a:t>
+            </a:r>
+          </a:p>
+          <a:p>
+            <a:pPr lvl="1">
+              <a:buFont typeface="Arial" charset="0"/>
+              <a:buChar char="•"/>
+            </a:pPr>
+            <a:r>
+              <a:rPr lang="ru-RU" sz="1600" b="1" dirty="0"/>
+              <a:t>Дополнительный номер версии</a:t>
+            </a:r>
+          </a:p>
+          <a:p>
+            <a:pPr lvl="1">
+              <a:buFont typeface="Arial" charset="0"/>
+              <a:buChar char="•"/>
+            </a:pPr>
+            <a:r>
+              <a:rPr lang="ru-RU" sz="1600" b="1" dirty="0"/>
+              <a:t>Номер редакции</a:t>
+            </a:r>
+          </a:p>
+          <a:p>
+            <a:pPr lvl="1">
+              <a:buFont typeface="Arial" charset="0"/>
+              <a:buChar char="•"/>
+            </a:pPr>
+            <a:r>
+              <a:rPr lang="ru-RU" sz="1600" b="1" dirty="0"/>
+              <a:t>Номер сборки</a:t>
+            </a:r>
+            <a:endParaRPr lang="ru-RU" sz="1600" dirty="0"/>
+          </a:p>
+          <a:p>
+            <a:r>
+              <a:rPr lang="ru-RU" sz="1600" dirty="0"/>
+              <a:t>Первые 2 числа в версии полностью отличают одну сборку от другой. Номер редакции может быть обратно совместим. Номер сборки указывает на мелкие изменения, обеспечивая полную совместимость.</a:t>
+            </a:r>
           </a:p>
         </p:txBody>
       </p:sp>
     </p:spTree>
     <p:extLst>
       <p:ext uri="{BB962C8B-B14F-4D97-AF65-F5344CB8AC3E}">
-        <p14:creationId xmlns:p14="http://schemas.microsoft.com/office/powerpoint/2010/main" val="2977831934"/>
+        <p14:creationId xmlns:p14="http://schemas.microsoft.com/office/powerpoint/2010/main" val="3864391885"/>
       </p:ext>
     </p:extLst>
   </p:cSld>
@@ -13306,19 +13271,7 @@
           <a:p>
             <a:r>
               <a:rPr lang="en-US" dirty="0" smtClean="0"/>
-              <a:t>CLS</a:t>
-            </a:r>
-            <a:r>
-              <a:rPr lang="ru-RU" dirty="0" smtClean="0"/>
-              <a:t> совместимые</a:t>
-            </a:r>
-            <a:r>
-              <a:rPr lang="en-US" dirty="0" smtClean="0"/>
-              <a:t> </a:t>
-            </a:r>
-            <a:r>
-              <a:rPr lang="ru-RU" dirty="0" smtClean="0"/>
-              <a:t>сборки</a:t>
+              <a:t>Portable Class Library</a:t>
             </a:r>
             <a:endParaRPr lang="en-US" dirty="0"/>
           </a:p>
@@ -13334,15 +13287,10 @@
             <p:ph idx="1"/>
           </p:nvPr>
         </p:nvSpPr>
-        <p:spPr>
-          <a:xfrm>
-            <a:off x="242616" y="1556792"/>
-            <a:ext cx="8649864" cy="4061048"/>
-          </a:xfrm>
-        </p:spPr>
+        <p:spPr/>
         <p:txBody>
           <a:bodyPr>
-            <a:normAutofit fontScale="70000" lnSpcReduction="20000"/>
+            <a:normAutofit fontScale="92500" lnSpcReduction="20000"/>
           </a:bodyPr>
           <a:lstStyle/>
           <a:p>
@@ -13351,233 +13299,81 @@
             </a:pPr>
             <a:r>
               <a:rPr lang="ru-RU" dirty="0" smtClean="0"/>
-              <a:t>Если вы создает библиотеку (сборку) для внешнего использования и хотите быть уверенными что её можно будет использовать из программ написанных на других языках (таких как </a:t>
+              <a:t>Проекты </a:t>
+            </a:r>
+            <a:r>
+              <a:rPr lang="en-US" dirty="0"/>
+              <a:t>Portable Class </a:t>
             </a:r>
             <a:r>
               <a:rPr lang="en-US" dirty="0" smtClean="0"/>
-              <a:t>VB.NET, F# </a:t>
+              <a:t>Library</a:t>
             </a:r>
             <a:r>
               <a:rPr lang="ru-RU" dirty="0" smtClean="0"/>
-              <a:t>и других)</a:t>
+              <a:t> позволяют создавать сборки переносимые между разными </a:t>
             </a:r>
             <a:r>
               <a:rPr lang="en-US" dirty="0" smtClean="0"/>
-              <a:t>, </a:t>
+              <a:t>.NET </a:t>
             </a:r>
             <a:r>
               <a:rPr lang="ru-RU" dirty="0" smtClean="0"/>
-              <a:t>то добавьте к свой сборке атрибут </a:t>
-            </a:r>
-            <a:r>
-              <a:rPr lang="en-US" dirty="0" err="1" smtClean="0"/>
-              <a:t>System.CLSCompliantAttribute</a:t>
+              <a:t>платформами: </a:t>
             </a:r>
             <a:r>
               <a:rPr lang="en-US" dirty="0" smtClean="0"/>
-              <a:t>.</a:t>
+              <a:t>Windows, Windows Store (Metro), Silverlight, Windows Phone, Xbox 360. </a:t>
+            </a:r>
+            <a:r>
+              <a:rPr lang="ru-RU" dirty="0" smtClean="0"/>
+              <a:t>При создании проекта мы вибираем под какие платформы мы создаем библиотеку и тем самым добровольно ограничиваем себе возможности ради переносимости.</a:t>
             </a:r>
           </a:p>
           <a:p>
             <a:pPr marL="0" indent="0">
               <a:buNone/>
             </a:pPr>
-            <a:endParaRPr lang="en-US" dirty="0"/>
+            <a:endParaRPr lang="ru-RU" dirty="0"/>
           </a:p>
           <a:p>
             <a:pPr marL="0" indent="0">
               <a:buNone/>
             </a:pPr>
             <a:r>
-              <a:rPr lang="en-US" dirty="0" smtClean="0"/>
-              <a:t>CLS </a:t>
-            </a:r>
-            <a:r>
               <a:rPr lang="ru-RU" dirty="0" smtClean="0"/>
-              <a:t>(</a:t>
-            </a:r>
-            <a:r>
-              <a:rPr lang="en-US" dirty="0" smtClean="0"/>
-              <a:t>Common Language Specification</a:t>
-            </a:r>
-            <a:r>
-              <a:rPr lang="ru-RU" dirty="0" smtClean="0"/>
-              <a:t>)</a:t>
-            </a:r>
-            <a:r>
-              <a:rPr lang="en-US" dirty="0" smtClean="0"/>
-              <a:t> </a:t>
-            </a:r>
-            <a:r>
-              <a:rPr lang="ru-RU" dirty="0" smtClean="0"/>
-              <a:t>является набором требований (ограничений) к языку позволяющее ему «бесшовно» взаимодействовать с программами на других языках. Это необходимо так как, </a:t>
-            </a:r>
-            <a:r>
-              <a:rPr lang="ru-RU" dirty="0"/>
-              <a:t>н</a:t>
-            </a:r>
-            <a:r>
-              <a:rPr lang="ru-RU" dirty="0" smtClean="0"/>
-              <a:t>есмотря на наличие «общего знаменателя» в виде </a:t>
-            </a:r>
-            <a:r>
-              <a:rPr lang="en-US" dirty="0" smtClean="0"/>
-              <a:t>IL </a:t>
-            </a:r>
-            <a:r>
-              <a:rPr lang="ru-RU" dirty="0" smtClean="0"/>
-              <a:t>кода, языки могут иметь весьма сильные различия. Компилятор </a:t>
-            </a:r>
-            <a:r>
-              <a:rPr lang="en-US" dirty="0" smtClean="0"/>
-              <a:t>C# </a:t>
-            </a:r>
-            <a:r>
-              <a:rPr lang="ru-RU" smtClean="0"/>
-              <a:t>проверяет </a:t>
-            </a:r>
-            <a:r>
-              <a:rPr lang="ru-RU" dirty="0" smtClean="0"/>
-              <a:t>программу на соответствие этим требованиям, только при наличии атрибута </a:t>
-            </a:r>
-            <a:r>
-              <a:rPr lang="en-US" dirty="0" err="1" smtClean="0"/>
-              <a:t>CLSCompliant</a:t>
+              <a:t>Подробности смотрите в </a:t>
+            </a:r>
+            <a:r>
+              <a:rPr lang="en-US" dirty="0" smtClean="0">
+                <a:hlinkClick r:id="rId2"/>
+              </a:rPr>
+              <a:t>Cross-Platform </a:t>
+            </a:r>
+            <a:r>
+              <a:rPr lang="en-US" dirty="0">
+                <a:hlinkClick r:id="rId2"/>
+              </a:rPr>
+              <a:t>Development with the .NET </a:t>
+            </a:r>
+            <a:r>
+              <a:rPr lang="en-US" dirty="0" smtClean="0">
+                <a:hlinkClick r:id="rId2"/>
+              </a:rPr>
+              <a:t>Framework</a:t>
             </a:r>
             <a:r>
               <a:rPr lang="ru-RU" dirty="0" smtClean="0"/>
               <a:t>.</a:t>
             </a:r>
             <a:endParaRPr lang="en-US" dirty="0"/>
-          </a:p>
-        </p:txBody>
-      </p:sp>
-      <p:sp>
-        <p:nvSpPr>
-          <p:cNvPr id="4" name="TextBox 3"/>
-          <p:cNvSpPr txBox="1"/>
-          <p:nvPr/>
-        </p:nvSpPr>
-        <p:spPr>
-          <a:xfrm>
-            <a:off x="251520" y="5805264"/>
-            <a:ext cx="8640960" cy="307777"/>
-          </a:xfrm>
-          <a:prstGeom prst="rect">
-            <a:avLst/>
-          </a:prstGeom>
-          <a:solidFill>
-            <a:schemeClr val="bg1"/>
-          </a:solidFill>
-        </p:spPr>
-        <p:txBody>
-          <a:bodyPr wrap="square" rtlCol="0">
-            <a:spAutoFit/>
-          </a:bodyPr>
-          <a:lstStyle/>
-          <a:p>
-            <a:r>
-              <a:rPr lang="en-US" sz="1400" dirty="0" smtClean="0">
-                <a:solidFill>
-                  <a:srgbClr val="000000"/>
-                </a:solidFill>
-                <a:highlight>
-                  <a:srgbClr val="FFFFFF"/>
-                </a:highlight>
-                <a:latin typeface="Courier New" panose="02070309020205020404" pitchFamily="49" charset="0"/>
-                <a:cs typeface="Courier New" panose="02070309020205020404" pitchFamily="49" charset="0"/>
-              </a:rPr>
-              <a:t>[</a:t>
-            </a:r>
-            <a:r>
-              <a:rPr lang="en-US" sz="1400" dirty="0" smtClean="0">
-                <a:solidFill>
-                  <a:srgbClr val="0000FF"/>
-                </a:solidFill>
-                <a:highlight>
-                  <a:srgbClr val="FFFFFF"/>
-                </a:highlight>
-                <a:latin typeface="Courier New" panose="02070309020205020404" pitchFamily="49" charset="0"/>
-                <a:cs typeface="Courier New" panose="02070309020205020404" pitchFamily="49" charset="0"/>
-              </a:rPr>
-              <a:t>assembly</a:t>
-            </a:r>
-            <a:r>
-              <a:rPr lang="en-US" sz="1400" dirty="0">
-                <a:solidFill>
-                  <a:srgbClr val="000000"/>
-                </a:solidFill>
-                <a:highlight>
-                  <a:srgbClr val="FFFFFF"/>
-                </a:highlight>
-                <a:latin typeface="Courier New" panose="02070309020205020404" pitchFamily="49" charset="0"/>
-                <a:cs typeface="Courier New" panose="02070309020205020404" pitchFamily="49" charset="0"/>
-              </a:rPr>
-              <a:t>: </a:t>
-            </a:r>
-            <a:r>
-              <a:rPr lang="en-US" sz="1400" dirty="0" err="1">
-                <a:solidFill>
-                  <a:srgbClr val="2B91AF"/>
-                </a:solidFill>
-                <a:highlight>
-                  <a:srgbClr val="FFFFFF"/>
-                </a:highlight>
-                <a:latin typeface="Courier New" panose="02070309020205020404" pitchFamily="49" charset="0"/>
-                <a:cs typeface="Courier New" panose="02070309020205020404" pitchFamily="49" charset="0"/>
-              </a:rPr>
-              <a:t>CLSCompliant</a:t>
-            </a:r>
-            <a:r>
-              <a:rPr lang="en-US" sz="1400" dirty="0">
-                <a:solidFill>
-                  <a:srgbClr val="000000"/>
-                </a:solidFill>
-                <a:highlight>
-                  <a:srgbClr val="FFFFFF"/>
-                </a:highlight>
-                <a:latin typeface="Courier New" panose="02070309020205020404" pitchFamily="49" charset="0"/>
-                <a:cs typeface="Courier New" panose="02070309020205020404" pitchFamily="49" charset="0"/>
-              </a:rPr>
-              <a:t>(</a:t>
-            </a:r>
-            <a:r>
-              <a:rPr lang="en-US" sz="1400" dirty="0">
-                <a:solidFill>
-                  <a:srgbClr val="0000FF"/>
-                </a:solidFill>
-                <a:highlight>
-                  <a:srgbClr val="FFFFFF"/>
-                </a:highlight>
-                <a:latin typeface="Courier New" panose="02070309020205020404" pitchFamily="49" charset="0"/>
-                <a:cs typeface="Courier New" panose="02070309020205020404" pitchFamily="49" charset="0"/>
-              </a:rPr>
-              <a:t>true</a:t>
-            </a:r>
-            <a:r>
-              <a:rPr lang="en-US" sz="1400" dirty="0" smtClean="0">
-                <a:solidFill>
-                  <a:srgbClr val="000000"/>
-                </a:solidFill>
-                <a:highlight>
-                  <a:srgbClr val="FFFFFF"/>
-                </a:highlight>
-                <a:latin typeface="Courier New" panose="02070309020205020404" pitchFamily="49" charset="0"/>
-                <a:cs typeface="Courier New" panose="02070309020205020404" pitchFamily="49" charset="0"/>
-              </a:rPr>
-              <a:t>)]</a:t>
-            </a:r>
-            <a:endParaRPr lang="ru-RU" sz="1400" dirty="0" smtClean="0">
-              <a:latin typeface="Courier New" panose="02070309020205020404" pitchFamily="49" charset="0"/>
-              <a:cs typeface="Courier New" panose="02070309020205020404" pitchFamily="49" charset="0"/>
-            </a:endParaRPr>
           </a:p>
         </p:txBody>
       </p:sp>
     </p:spTree>
     <p:extLst>
       <p:ext uri="{BB962C8B-B14F-4D97-AF65-F5344CB8AC3E}">
-        <p14:creationId xmlns:p14="http://schemas.microsoft.com/office/powerpoint/2010/main" val="910520611"/>
+        <p14:creationId xmlns:p14="http://schemas.microsoft.com/office/powerpoint/2010/main" val="2977831934"/>
       </p:ext>
     </p:extLst>
   </p:cSld>
@@ -13627,6 +13423,328 @@
           <a:lstStyle/>
           <a:p>
             <a:r>
+              <a:rPr lang="en-US" dirty="0" smtClean="0"/>
+              <a:t>CLS</a:t>
+            </a:r>
+            <a:r>
+              <a:rPr lang="ru-RU" dirty="0" smtClean="0"/>
+              <a:t> совместимые</a:t>
+            </a:r>
+            <a:r>
+              <a:rPr lang="en-US" dirty="0" smtClean="0"/>
+              <a:t> </a:t>
+            </a:r>
+            <a:r>
+              <a:rPr lang="ru-RU" dirty="0" smtClean="0"/>
+              <a:t>сборки</a:t>
+            </a:r>
+            <a:endParaRPr lang="en-US" dirty="0"/>
+          </a:p>
+        </p:txBody>
+      </p:sp>
+      <p:sp>
+        <p:nvSpPr>
+          <p:cNvPr id="3" name="Content Placeholder 2"/>
+          <p:cNvSpPr>
+            <a:spLocks noGrp="1"/>
+          </p:cNvSpPr>
+          <p:nvPr>
+            <p:ph idx="1"/>
+          </p:nvPr>
+        </p:nvSpPr>
+        <p:spPr>
+          <a:xfrm>
+            <a:off x="242616" y="1556792"/>
+            <a:ext cx="8649864" cy="4061048"/>
+          </a:xfrm>
+        </p:spPr>
+        <p:txBody>
+          <a:bodyPr>
+            <a:normAutofit fontScale="70000" lnSpcReduction="20000"/>
+          </a:bodyPr>
+          <a:lstStyle/>
+          <a:p>
+            <a:pPr marL="0" indent="0">
+              <a:buNone/>
+            </a:pPr>
+            <a:r>
+              <a:rPr lang="ru-RU" dirty="0" smtClean="0"/>
+              <a:t>Если вы создает библиотеку (сборку) для внешнего использования и хотите быть уверенными что её можно будет использовать из программ написанных на других языках (таких как </a:t>
+            </a:r>
+            <a:r>
+              <a:rPr lang="en-US" dirty="0" smtClean="0"/>
+              <a:t>VB.NET, F# </a:t>
+            </a:r>
+            <a:r>
+              <a:rPr lang="ru-RU" dirty="0" smtClean="0"/>
+              <a:t>и других)</a:t>
+            </a:r>
+            <a:r>
+              <a:rPr lang="en-US" dirty="0" smtClean="0"/>
+              <a:t>, </a:t>
+            </a:r>
+            <a:r>
+              <a:rPr lang="ru-RU" dirty="0" smtClean="0"/>
+              <a:t>то добавьте к свой сборке атрибут </a:t>
+            </a:r>
+            <a:r>
+              <a:rPr lang="en-US" dirty="0" err="1" smtClean="0"/>
+              <a:t>System.CLSCompliantAttribute</a:t>
+            </a:r>
+            <a:r>
+              <a:rPr lang="en-US" dirty="0" smtClean="0"/>
+              <a:t>.</a:t>
+            </a:r>
+          </a:p>
+          <a:p>
+            <a:pPr marL="0" indent="0">
+              <a:buNone/>
+            </a:pPr>
+            <a:endParaRPr lang="en-US" dirty="0"/>
+          </a:p>
+          <a:p>
+            <a:pPr marL="0" indent="0">
+              <a:buNone/>
+            </a:pPr>
+            <a:r>
+              <a:rPr lang="en-US" dirty="0" smtClean="0"/>
+              <a:t>CLS </a:t>
+            </a:r>
+            <a:r>
+              <a:rPr lang="ru-RU" dirty="0" smtClean="0"/>
+              <a:t>(</a:t>
+            </a:r>
+            <a:r>
+              <a:rPr lang="en-US" dirty="0" smtClean="0"/>
+              <a:t>Common Language Specification</a:t>
+            </a:r>
+            <a:r>
+              <a:rPr lang="ru-RU" dirty="0" smtClean="0"/>
+              <a:t>)</a:t>
+            </a:r>
+            <a:r>
+              <a:rPr lang="en-US" dirty="0" smtClean="0"/>
+              <a:t> </a:t>
+            </a:r>
+            <a:r>
+              <a:rPr lang="ru-RU" dirty="0" smtClean="0"/>
+              <a:t>является набором требований (ограничений) к языку позволяющее ему «бесшовно» взаимодействовать с программами на других языках. Это необходимо так как, </a:t>
+            </a:r>
+            <a:r>
+              <a:rPr lang="ru-RU" dirty="0"/>
+              <a:t>н</a:t>
+            </a:r>
+            <a:r>
+              <a:rPr lang="ru-RU" dirty="0" smtClean="0"/>
+              <a:t>есмотря на наличие «общего знаменателя» в виде </a:t>
+            </a:r>
+            <a:r>
+              <a:rPr lang="en-US" dirty="0" smtClean="0"/>
+              <a:t>IL </a:t>
+            </a:r>
+            <a:r>
+              <a:rPr lang="ru-RU" dirty="0" smtClean="0"/>
+              <a:t>кода, языки могут иметь весьма сильные различия. Компилятор </a:t>
+            </a:r>
+            <a:r>
+              <a:rPr lang="en-US" dirty="0" smtClean="0"/>
+              <a:t>C# </a:t>
+            </a:r>
+            <a:r>
+              <a:rPr lang="ru-RU" smtClean="0"/>
+              <a:t>проверяет </a:t>
+            </a:r>
+            <a:r>
+              <a:rPr lang="ru-RU" dirty="0" smtClean="0"/>
+              <a:t>программу на соответствие этим требованиям, только при наличии атрибута </a:t>
+            </a:r>
+            <a:r>
+              <a:rPr lang="en-US" dirty="0" err="1" smtClean="0"/>
+              <a:t>CLSCompliant</a:t>
+            </a:r>
+            <a:r>
+              <a:rPr lang="ru-RU" dirty="0" smtClean="0"/>
+              <a:t>.</a:t>
+            </a:r>
+            <a:endParaRPr lang="en-US" dirty="0"/>
+          </a:p>
+        </p:txBody>
+      </p:sp>
+      <p:sp>
+        <p:nvSpPr>
+          <p:cNvPr id="4" name="TextBox 3"/>
+          <p:cNvSpPr txBox="1"/>
+          <p:nvPr/>
+        </p:nvSpPr>
+        <p:spPr>
+          <a:xfrm>
+            <a:off x="251520" y="5805264"/>
+            <a:ext cx="8640960" cy="307777"/>
+          </a:xfrm>
+          <a:prstGeom prst="rect">
+            <a:avLst/>
+          </a:prstGeom>
+          <a:solidFill>
+            <a:schemeClr val="bg1"/>
+          </a:solidFill>
+        </p:spPr>
+        <p:txBody>
+          <a:bodyPr wrap="square" rtlCol="0">
+            <a:spAutoFit/>
+          </a:bodyPr>
+          <a:lstStyle/>
+          <a:p>
+            <a:r>
+              <a:rPr lang="en-US" sz="1400" dirty="0" smtClean="0">
+                <a:solidFill>
+                  <a:srgbClr val="000000"/>
+                </a:solidFill>
+                <a:highlight>
+                  <a:srgbClr val="FFFFFF"/>
+                </a:highlight>
+                <a:latin typeface="Courier New" panose="02070309020205020404" pitchFamily="49" charset="0"/>
+                <a:cs typeface="Courier New" panose="02070309020205020404" pitchFamily="49" charset="0"/>
+              </a:rPr>
+              <a:t>[</a:t>
+            </a:r>
+            <a:r>
+              <a:rPr lang="en-US" sz="1400" dirty="0" smtClean="0">
+                <a:solidFill>
+                  <a:srgbClr val="0000FF"/>
+                </a:solidFill>
+                <a:highlight>
+                  <a:srgbClr val="FFFFFF"/>
+                </a:highlight>
+                <a:latin typeface="Courier New" panose="02070309020205020404" pitchFamily="49" charset="0"/>
+                <a:cs typeface="Courier New" panose="02070309020205020404" pitchFamily="49" charset="0"/>
+              </a:rPr>
+              <a:t>assembly</a:t>
+            </a:r>
+            <a:r>
+              <a:rPr lang="en-US" sz="1400" dirty="0">
+                <a:solidFill>
+                  <a:srgbClr val="000000"/>
+                </a:solidFill>
+                <a:highlight>
+                  <a:srgbClr val="FFFFFF"/>
+                </a:highlight>
+                <a:latin typeface="Courier New" panose="02070309020205020404" pitchFamily="49" charset="0"/>
+                <a:cs typeface="Courier New" panose="02070309020205020404" pitchFamily="49" charset="0"/>
+              </a:rPr>
+              <a:t>: </a:t>
+            </a:r>
+            <a:r>
+              <a:rPr lang="en-US" sz="1400" dirty="0" err="1">
+                <a:solidFill>
+                  <a:srgbClr val="2B91AF"/>
+                </a:solidFill>
+                <a:highlight>
+                  <a:srgbClr val="FFFFFF"/>
+                </a:highlight>
+                <a:latin typeface="Courier New" panose="02070309020205020404" pitchFamily="49" charset="0"/>
+                <a:cs typeface="Courier New" panose="02070309020205020404" pitchFamily="49" charset="0"/>
+              </a:rPr>
+              <a:t>CLSCompliant</a:t>
+            </a:r>
+            <a:r>
+              <a:rPr lang="en-US" sz="1400" dirty="0">
+                <a:solidFill>
+                  <a:srgbClr val="000000"/>
+                </a:solidFill>
+                <a:highlight>
+                  <a:srgbClr val="FFFFFF"/>
+                </a:highlight>
+                <a:latin typeface="Courier New" panose="02070309020205020404" pitchFamily="49" charset="0"/>
+                <a:cs typeface="Courier New" panose="02070309020205020404" pitchFamily="49" charset="0"/>
+              </a:rPr>
+              <a:t>(</a:t>
+            </a:r>
+            <a:r>
+              <a:rPr lang="en-US" sz="1400" dirty="0">
+                <a:solidFill>
+                  <a:srgbClr val="0000FF"/>
+                </a:solidFill>
+                <a:highlight>
+                  <a:srgbClr val="FFFFFF"/>
+                </a:highlight>
+                <a:latin typeface="Courier New" panose="02070309020205020404" pitchFamily="49" charset="0"/>
+                <a:cs typeface="Courier New" panose="02070309020205020404" pitchFamily="49" charset="0"/>
+              </a:rPr>
+              <a:t>true</a:t>
+            </a:r>
+            <a:r>
+              <a:rPr lang="en-US" sz="1400" dirty="0" smtClean="0">
+                <a:solidFill>
+                  <a:srgbClr val="000000"/>
+                </a:solidFill>
+                <a:highlight>
+                  <a:srgbClr val="FFFFFF"/>
+                </a:highlight>
+                <a:latin typeface="Courier New" panose="02070309020205020404" pitchFamily="49" charset="0"/>
+                <a:cs typeface="Courier New" panose="02070309020205020404" pitchFamily="49" charset="0"/>
+              </a:rPr>
+              <a:t>)]</a:t>
+            </a:r>
+            <a:endParaRPr lang="ru-RU" sz="1400" dirty="0" smtClean="0">
+              <a:latin typeface="Courier New" panose="02070309020205020404" pitchFamily="49" charset="0"/>
+              <a:cs typeface="Courier New" panose="02070309020205020404" pitchFamily="49" charset="0"/>
+            </a:endParaRPr>
+          </a:p>
+        </p:txBody>
+      </p:sp>
+    </p:spTree>
+    <p:extLst>
+      <p:ext uri="{BB962C8B-B14F-4D97-AF65-F5344CB8AC3E}">
+        <p14:creationId xmlns:p14="http://schemas.microsoft.com/office/powerpoint/2010/main" val="910520611"/>
+      </p:ext>
+    </p:extLst>
+  </p:cSld>
+  <p:clrMapOvr>
+    <a:masterClrMapping/>
+  </p:clrMapOvr>
+  <p:timing>
+    <p:tnLst>
+      <p:par>
+        <p:cTn id="1" dur="indefinite" restart="never" nodeType="tmRoot"/>
+      </p:par>
+    </p:tnLst>
+  </p:timing>
+</p:sld>
+</file>
+
+<file path=ppt/slides/slide33.xml><?xml version="1.0" encoding="utf-8"?>
+<p:sld xmlns:a="http://schemas.openxmlformats.org/drawingml/2006/main" xmlns:r="http://schemas.openxmlformats.org/officeDocument/2006/relationships" xmlns:p="http://schemas.openxmlformats.org/presentationml/2006/main">
+  <p:cSld>
+    <p:spTree>
+      <p:nvGrpSpPr>
+        <p:cNvPr id="1" name=""/>
+        <p:cNvGrpSpPr/>
+        <p:nvPr/>
+      </p:nvGrpSpPr>
+      <p:grpSpPr>
+        <a:xfrm>
+          <a:off x="0" y="0"/>
+          <a:ext cx="0" cy="0"/>
+          <a:chOff x="0" y="0"/>
+          <a:chExt cx="0" cy="0"/>
+        </a:xfrm>
+      </p:grpSpPr>
+      <p:sp>
+        <p:nvSpPr>
+          <p:cNvPr id="2" name="Title 1"/>
+          <p:cNvSpPr>
+            <a:spLocks noGrp="1"/>
+          </p:cNvSpPr>
+          <p:nvPr>
+            <p:ph type="title"/>
+          </p:nvPr>
+        </p:nvSpPr>
+        <p:spPr/>
+        <p:txBody>
+          <a:bodyPr/>
+          <a:lstStyle/>
+          <a:p>
+            <a:r>
               <a:rPr lang="ru-RU" dirty="0" smtClean="0"/>
               <a:t>Механизм </a:t>
             </a:r>
@@ -13688,7 +13806,7 @@
 </p:sld>
 </file>
 
-<file path=ppt/slides/slide33.xml><?xml version="1.0" encoding="utf-8"?>
+<file path=ppt/slides/slide34.xml><?xml version="1.0" encoding="utf-8"?>
 <p:sld xmlns:a="http://schemas.openxmlformats.org/drawingml/2006/main" xmlns:r="http://schemas.openxmlformats.org/officeDocument/2006/relationships" xmlns:p="http://schemas.openxmlformats.org/presentationml/2006/main">
   <p:cSld>
     <p:spTree>
@@ -14559,7 +14677,7 @@
 </p:sld>
 </file>
 
-<file path=ppt/slides/slide34.xml><?xml version="1.0" encoding="utf-8"?>
+<file path=ppt/slides/slide35.xml><?xml version="1.0" encoding="utf-8"?>
 <p:sld xmlns:a="http://schemas.openxmlformats.org/drawingml/2006/main" xmlns:r="http://schemas.openxmlformats.org/officeDocument/2006/relationships" xmlns:p="http://schemas.openxmlformats.org/presentationml/2006/main">
   <p:cSld>
     <p:spTree>
@@ -15418,7 +15536,7 @@
 </p:sld>
 </file>
 
-<file path=ppt/slides/slide35.xml><?xml version="1.0" encoding="utf-8"?>
+<file path=ppt/slides/slide36.xml><?xml version="1.0" encoding="utf-8"?>
 <p:sld xmlns:a="http://schemas.openxmlformats.org/drawingml/2006/main" xmlns:r="http://schemas.openxmlformats.org/officeDocument/2006/relationships" xmlns:p="http://schemas.openxmlformats.org/presentationml/2006/main">
   <p:cSld>
     <p:spTree>
@@ -16072,7 +16190,7 @@
 </p:sld>
 </file>
 
-<file path=ppt/slides/slide36.xml><?xml version="1.0" encoding="utf-8"?>
+<file path=ppt/slides/slide37.xml><?xml version="1.0" encoding="utf-8"?>
 <p:sld xmlns:a="http://schemas.openxmlformats.org/drawingml/2006/main" xmlns:r="http://schemas.openxmlformats.org/officeDocument/2006/relationships" xmlns:p="http://schemas.openxmlformats.org/presentationml/2006/main">
   <p:cSld>
     <p:spTree>

--- a/Presentation/lesson-07-reflection.pptx
+++ b/Presentation/lesson-07-reflection.pptx
@@ -6,7 +6,7 @@
     <p:sldMasterId id="2147483663" r:id="rId2"/>
   </p:sldMasterIdLst>
   <p:notesMasterIdLst>
-    <p:notesMasterId r:id="rId40"/>
+    <p:notesMasterId r:id="rId41"/>
   </p:notesMasterIdLst>
   <p:sldIdLst>
     <p:sldId id="257" r:id="rId3"/>
@@ -20,32 +20,33 @@
     <p:sldId id="298" r:id="rId11"/>
     <p:sldId id="301" r:id="rId12"/>
     <p:sldId id="302" r:id="rId13"/>
-    <p:sldId id="303" r:id="rId14"/>
-    <p:sldId id="304" r:id="rId15"/>
-    <p:sldId id="275" r:id="rId16"/>
-    <p:sldId id="307" r:id="rId17"/>
-    <p:sldId id="308" r:id="rId18"/>
-    <p:sldId id="273" r:id="rId19"/>
-    <p:sldId id="274" r:id="rId20"/>
-    <p:sldId id="276" r:id="rId21"/>
-    <p:sldId id="277" r:id="rId22"/>
-    <p:sldId id="280" r:id="rId23"/>
-    <p:sldId id="278" r:id="rId24"/>
-    <p:sldId id="279" r:id="rId25"/>
-    <p:sldId id="290" r:id="rId26"/>
-    <p:sldId id="281" r:id="rId27"/>
-    <p:sldId id="282" r:id="rId28"/>
-    <p:sldId id="292" r:id="rId29"/>
-    <p:sldId id="284" r:id="rId30"/>
-    <p:sldId id="262" r:id="rId31"/>
-    <p:sldId id="261" r:id="rId32"/>
-    <p:sldId id="300" r:id="rId33"/>
-    <p:sldId id="306" r:id="rId34"/>
-    <p:sldId id="299" r:id="rId35"/>
-    <p:sldId id="263" r:id="rId36"/>
-    <p:sldId id="264" r:id="rId37"/>
-    <p:sldId id="265" r:id="rId38"/>
-    <p:sldId id="271" r:id="rId39"/>
+    <p:sldId id="309" r:id="rId14"/>
+    <p:sldId id="303" r:id="rId15"/>
+    <p:sldId id="304" r:id="rId16"/>
+    <p:sldId id="275" r:id="rId17"/>
+    <p:sldId id="307" r:id="rId18"/>
+    <p:sldId id="308" r:id="rId19"/>
+    <p:sldId id="273" r:id="rId20"/>
+    <p:sldId id="274" r:id="rId21"/>
+    <p:sldId id="276" r:id="rId22"/>
+    <p:sldId id="277" r:id="rId23"/>
+    <p:sldId id="280" r:id="rId24"/>
+    <p:sldId id="278" r:id="rId25"/>
+    <p:sldId id="279" r:id="rId26"/>
+    <p:sldId id="290" r:id="rId27"/>
+    <p:sldId id="281" r:id="rId28"/>
+    <p:sldId id="282" r:id="rId29"/>
+    <p:sldId id="292" r:id="rId30"/>
+    <p:sldId id="284" r:id="rId31"/>
+    <p:sldId id="262" r:id="rId32"/>
+    <p:sldId id="261" r:id="rId33"/>
+    <p:sldId id="300" r:id="rId34"/>
+    <p:sldId id="306" r:id="rId35"/>
+    <p:sldId id="299" r:id="rId36"/>
+    <p:sldId id="263" r:id="rId37"/>
+    <p:sldId id="264" r:id="rId38"/>
+    <p:sldId id="265" r:id="rId39"/>
+    <p:sldId id="271" r:id="rId40"/>
   </p:sldIdLst>
   <p:sldSz cx="9144000" cy="6858000" type="screen4x3"/>
   <p:notesSz cx="6858000" cy="9144000"/>
@@ -230,7 +231,7 @@
             <a:fld id="{B24A7054-7FFB-49F4-A126-5DF6E687FF53}" type="datetimeFigureOut">
               <a:rPr lang="ru-RU" smtClean="0"/>
               <a:pPr/>
-              <a:t>01.11.2013</a:t>
+              <a:t>22.04.2014</a:t>
             </a:fld>
             <a:endParaRPr lang="ru-RU"/>
           </a:p>
@@ -1514,7 +1515,7 @@
             <a:fld id="{8E6E6A2A-E9D3-4A0D-B04A-ABDD367A1E08}" type="datetimeFigureOut">
               <a:rPr lang="ru-RU" smtClean="0"/>
               <a:pPr/>
-              <a:t>01.11.2013</a:t>
+              <a:t>22.04.2014</a:t>
             </a:fld>
             <a:endParaRPr lang="ru-RU"/>
           </a:p>
@@ -1758,7 +1759,7 @@
             <a:fld id="{8E6E6A2A-E9D3-4A0D-B04A-ABDD367A1E08}" type="datetimeFigureOut">
               <a:rPr lang="ru-RU" smtClean="0"/>
               <a:pPr/>
-              <a:t>01.11.2013</a:t>
+              <a:t>22.04.2014</a:t>
             </a:fld>
             <a:endParaRPr lang="ru-RU"/>
           </a:p>
@@ -1930,7 +1931,7 @@
             <a:fld id="{8E6E6A2A-E9D3-4A0D-B04A-ABDD367A1E08}" type="datetimeFigureOut">
               <a:rPr lang="ru-RU" smtClean="0"/>
               <a:pPr/>
-              <a:t>01.11.2013</a:t>
+              <a:t>22.04.2014</a:t>
             </a:fld>
             <a:endParaRPr lang="ru-RU"/>
           </a:p>
@@ -2178,7 +2179,7 @@
             <a:fld id="{8E6E6A2A-E9D3-4A0D-B04A-ABDD367A1E08}" type="datetimeFigureOut">
               <a:rPr lang="ru-RU" smtClean="0"/>
               <a:pPr/>
-              <a:t>01.11.2013</a:t>
+              <a:t>22.04.2014</a:t>
             </a:fld>
             <a:endParaRPr lang="ru-RU"/>
           </a:p>
@@ -2468,7 +2469,7 @@
             <a:fld id="{8E6E6A2A-E9D3-4A0D-B04A-ABDD367A1E08}" type="datetimeFigureOut">
               <a:rPr lang="ru-RU" smtClean="0"/>
               <a:pPr/>
-              <a:t>01.11.2013</a:t>
+              <a:t>22.04.2014</a:t>
             </a:fld>
             <a:endParaRPr lang="ru-RU"/>
           </a:p>
@@ -2892,7 +2893,7 @@
             <a:fld id="{8E6E6A2A-E9D3-4A0D-B04A-ABDD367A1E08}" type="datetimeFigureOut">
               <a:rPr lang="ru-RU" smtClean="0"/>
               <a:pPr/>
-              <a:t>01.11.2013</a:t>
+              <a:t>22.04.2014</a:t>
             </a:fld>
             <a:endParaRPr lang="ru-RU"/>
           </a:p>
@@ -3221,7 +3222,7 @@
             <a:fld id="{8E6E6A2A-E9D3-4A0D-B04A-ABDD367A1E08}" type="datetimeFigureOut">
               <a:rPr lang="ru-RU" smtClean="0"/>
               <a:pPr/>
-              <a:t>01.11.2013</a:t>
+              <a:t>22.04.2014</a:t>
             </a:fld>
             <a:endParaRPr lang="ru-RU"/>
           </a:p>
@@ -3318,7 +3319,7 @@
             <a:fld id="{8E6E6A2A-E9D3-4A0D-B04A-ABDD367A1E08}" type="datetimeFigureOut">
               <a:rPr lang="ru-RU" smtClean="0"/>
               <a:pPr/>
-              <a:t>01.11.2013</a:t>
+              <a:t>22.04.2014</a:t>
             </a:fld>
             <a:endParaRPr lang="ru-RU"/>
           </a:p>
@@ -3597,7 +3598,7 @@
             <a:fld id="{8E6E6A2A-E9D3-4A0D-B04A-ABDD367A1E08}" type="datetimeFigureOut">
               <a:rPr lang="ru-RU" smtClean="0"/>
               <a:pPr/>
-              <a:t>01.11.2013</a:t>
+              <a:t>22.04.2014</a:t>
             </a:fld>
             <a:endParaRPr lang="ru-RU"/>
           </a:p>
@@ -3852,7 +3853,7 @@
             <a:fld id="{8E6E6A2A-E9D3-4A0D-B04A-ABDD367A1E08}" type="datetimeFigureOut">
               <a:rPr lang="ru-RU" smtClean="0"/>
               <a:pPr/>
-              <a:t>01.11.2013</a:t>
+              <a:t>22.04.2014</a:t>
             </a:fld>
             <a:endParaRPr lang="ru-RU"/>
           </a:p>
@@ -4024,7 +4025,7 @@
             <a:fld id="{8E6E6A2A-E9D3-4A0D-B04A-ABDD367A1E08}" type="datetimeFigureOut">
               <a:rPr lang="ru-RU" smtClean="0"/>
               <a:pPr/>
-              <a:t>01.11.2013</a:t>
+              <a:t>22.04.2014</a:t>
             </a:fld>
             <a:endParaRPr lang="ru-RU"/>
           </a:p>
@@ -4206,7 +4207,7 @@
             <a:fld id="{8E6E6A2A-E9D3-4A0D-B04A-ABDD367A1E08}" type="datetimeFigureOut">
               <a:rPr lang="ru-RU" smtClean="0"/>
               <a:pPr/>
-              <a:t>01.11.2013</a:t>
+              <a:t>22.04.2014</a:t>
             </a:fld>
             <a:endParaRPr lang="ru-RU"/>
           </a:p>
@@ -5444,7 +5445,7 @@
             <a:fld id="{AC3D3127-B7C4-45E3-9797-C527EC9FDD78}" type="datetimeFigureOut">
               <a:rPr lang="ru-RU" smtClean="0"/>
               <a:pPr/>
-              <a:t>01.11.2013</a:t>
+              <a:t>22.04.2014</a:t>
             </a:fld>
             <a:endParaRPr lang="ru-RU"/>
           </a:p>
@@ -5966,7 +5967,7 @@
             <a:fld id="{8E6E6A2A-E9D3-4A0D-B04A-ABDD367A1E08}" type="datetimeFigureOut">
               <a:rPr lang="ru-RU" smtClean="0"/>
               <a:pPr/>
-              <a:t>01.11.2013</a:t>
+              <a:t>22.04.2014</a:t>
             </a:fld>
             <a:endParaRPr lang="ru-RU"/>
           </a:p>
@@ -7625,6 +7626,408 @@
       </p:grpSpPr>
       <p:sp>
         <p:nvSpPr>
+          <p:cNvPr id="2" name="Title 1"/>
+          <p:cNvSpPr>
+            <a:spLocks noGrp="1"/>
+          </p:cNvSpPr>
+          <p:nvPr>
+            <p:ph type="title"/>
+          </p:nvPr>
+        </p:nvSpPr>
+        <p:spPr/>
+        <p:txBody>
+          <a:bodyPr>
+            <a:normAutofit fontScale="90000"/>
+          </a:bodyPr>
+          <a:lstStyle/>
+          <a:p>
+            <a:r>
+              <a:rPr lang="ru-RU" dirty="0" smtClean="0"/>
+              <a:t>Компиляция в </a:t>
+            </a:r>
+            <a:r>
+              <a:rPr lang="en-US" dirty="0" smtClean="0"/>
+              <a:t>IL </a:t>
+            </a:r>
+            <a:r>
+              <a:rPr lang="ru-RU" dirty="0" smtClean="0"/>
+              <a:t>код</a:t>
+            </a:r>
+            <a:br>
+              <a:rPr lang="ru-RU" dirty="0" smtClean="0"/>
+            </a:br>
+            <a:r>
+              <a:rPr lang="ru-RU" dirty="0" smtClean="0"/>
+              <a:t>Достоинства и недостатки</a:t>
+            </a:r>
+            <a:endParaRPr lang="en-US" dirty="0"/>
+          </a:p>
+        </p:txBody>
+      </p:sp>
+      <p:sp>
+        <p:nvSpPr>
+          <p:cNvPr id="3" name="Content Placeholder 2"/>
+          <p:cNvSpPr>
+            <a:spLocks noGrp="1"/>
+          </p:cNvSpPr>
+          <p:nvPr>
+            <p:ph idx="1"/>
+          </p:nvPr>
+        </p:nvSpPr>
+        <p:spPr>
+          <a:xfrm>
+            <a:off x="457200" y="1600200"/>
+            <a:ext cx="4114800" cy="4525963"/>
+          </a:xfrm>
+          <a:solidFill>
+            <a:srgbClr val="00B050"/>
+          </a:solidFill>
+        </p:spPr>
+        <p:txBody>
+          <a:bodyPr numCol="1">
+            <a:normAutofit fontScale="92500" lnSpcReduction="10000"/>
+          </a:bodyPr>
+          <a:lstStyle/>
+          <a:p>
+            <a:r>
+              <a:rPr lang="ru-RU" sz="2400" dirty="0" smtClean="0">
+                <a:solidFill>
+                  <a:schemeClr val="bg1"/>
+                </a:solidFill>
+              </a:rPr>
+              <a:t>Возможность статического анализа уже откомпилированного кода. </a:t>
+            </a:r>
+            <a:r>
+              <a:rPr lang="en-US" sz="2400" dirty="0" smtClean="0">
+                <a:solidFill>
+                  <a:schemeClr val="bg1"/>
+                </a:solidFill>
+              </a:rPr>
+              <a:t>(</a:t>
+            </a:r>
+            <a:r>
+              <a:rPr lang="en-US" sz="2400" dirty="0" smtClean="0">
+                <a:solidFill>
+                  <a:schemeClr val="bg1"/>
+                </a:solidFill>
+              </a:rPr>
+              <a:t>VS </a:t>
+            </a:r>
+            <a:r>
+              <a:rPr lang="en-US" sz="2400" dirty="0" smtClean="0">
+                <a:solidFill>
+                  <a:schemeClr val="bg1"/>
+                </a:solidFill>
+              </a:rPr>
+              <a:t>Code Analysis)</a:t>
+            </a:r>
+          </a:p>
+          <a:p>
+            <a:r>
+              <a:rPr lang="ru-RU" sz="2400" dirty="0" smtClean="0">
+                <a:solidFill>
+                  <a:schemeClr val="bg1"/>
+                </a:solidFill>
+              </a:rPr>
+              <a:t>Возможность модификации кода после компиляции. (АОП и </a:t>
+            </a:r>
+            <a:r>
+              <a:rPr lang="en-US" sz="2400" dirty="0" smtClean="0">
+                <a:solidFill>
+                  <a:schemeClr val="bg1"/>
+                </a:solidFill>
+              </a:rPr>
+              <a:t>MS Code Contracts</a:t>
+            </a:r>
+            <a:r>
+              <a:rPr lang="ru-RU" sz="2400" dirty="0" smtClean="0">
+                <a:solidFill>
+                  <a:schemeClr val="bg1"/>
+                </a:solidFill>
+              </a:rPr>
+              <a:t>)</a:t>
+            </a:r>
+            <a:endParaRPr lang="ru-RU" sz="2400" dirty="0">
+              <a:solidFill>
+                <a:schemeClr val="bg1"/>
+              </a:solidFill>
+            </a:endParaRPr>
+          </a:p>
+          <a:p>
+            <a:r>
+              <a:rPr lang="ru-RU" sz="2400" dirty="0" smtClean="0">
+                <a:solidFill>
+                  <a:schemeClr val="bg1"/>
+                </a:solidFill>
+              </a:rPr>
+              <a:t>Возможность изучать чужой код. Включая код самого </a:t>
+            </a:r>
+            <a:r>
+              <a:rPr lang="en-US" sz="2400" dirty="0" smtClean="0">
+                <a:solidFill>
+                  <a:schemeClr val="bg1"/>
+                </a:solidFill>
+              </a:rPr>
+              <a:t>.NET!</a:t>
+            </a:r>
+          </a:p>
+          <a:p>
+            <a:r>
+              <a:rPr lang="ru-RU" sz="2400" smtClean="0">
+                <a:solidFill>
+                  <a:schemeClr val="bg1"/>
+                </a:solidFill>
+              </a:rPr>
+              <a:t>Наличие механизмов ограничивающих возможности выполняемого кода.</a:t>
+            </a:r>
+            <a:endParaRPr lang="en-US" sz="2400" dirty="0">
+              <a:solidFill>
+                <a:schemeClr val="bg1"/>
+              </a:solidFill>
+            </a:endParaRPr>
+          </a:p>
+        </p:txBody>
+      </p:sp>
+      <p:sp>
+        <p:nvSpPr>
+          <p:cNvPr id="4" name="Content Placeholder 2"/>
+          <p:cNvSpPr txBox="1">
+            <a:spLocks/>
+          </p:cNvSpPr>
+          <p:nvPr/>
+        </p:nvSpPr>
+        <p:spPr>
+          <a:xfrm>
+            <a:off x="4716016" y="1601241"/>
+            <a:ext cx="4114800" cy="4525963"/>
+          </a:xfrm>
+          <a:prstGeom prst="rect">
+            <a:avLst/>
+          </a:prstGeom>
+          <a:solidFill>
+            <a:srgbClr val="FF0000"/>
+          </a:solidFill>
+        </p:spPr>
+        <p:txBody>
+          <a:bodyPr vert="horz" lIns="91440" tIns="45720" rIns="91440" bIns="45720" numCol="1" rtlCol="0">
+            <a:normAutofit/>
+          </a:bodyPr>
+          <a:lstStyle>
+            <a:lvl1pPr marL="342900" indent="-342900" algn="l" defTabSz="914400" rtl="0" eaLnBrk="1" latinLnBrk="0" hangingPunct="1">
+              <a:spcBef>
+                <a:spcPct val="20000"/>
+              </a:spcBef>
+              <a:buFont typeface="Arial" pitchFamily="34" charset="0"/>
+              <a:buChar char="•"/>
+              <a:defRPr sz="3200" kern="1200">
+                <a:solidFill>
+                  <a:schemeClr val="tx1"/>
+                </a:solidFill>
+                <a:latin typeface="+mn-lt"/>
+                <a:ea typeface="+mn-ea"/>
+                <a:cs typeface="+mn-cs"/>
+              </a:defRPr>
+            </a:lvl1pPr>
+            <a:lvl2pPr marL="742950" indent="-285750" algn="l" defTabSz="914400" rtl="0" eaLnBrk="1" latinLnBrk="0" hangingPunct="1">
+              <a:spcBef>
+                <a:spcPct val="20000"/>
+              </a:spcBef>
+              <a:buFont typeface="Arial" pitchFamily="34" charset="0"/>
+              <a:buChar char="–"/>
+              <a:defRPr sz="2800" kern="1200">
+                <a:solidFill>
+                  <a:schemeClr val="tx1"/>
+                </a:solidFill>
+                <a:latin typeface="+mn-lt"/>
+                <a:ea typeface="+mn-ea"/>
+                <a:cs typeface="+mn-cs"/>
+              </a:defRPr>
+            </a:lvl2pPr>
+            <a:lvl3pPr marL="1143000" indent="-228600" algn="l" defTabSz="914400" rtl="0" eaLnBrk="1" latinLnBrk="0" hangingPunct="1">
+              <a:spcBef>
+                <a:spcPct val="20000"/>
+              </a:spcBef>
+              <a:buFont typeface="Arial" pitchFamily="34" charset="0"/>
+              <a:buChar char="•"/>
+              <a:defRPr sz="2400" kern="1200">
+                <a:solidFill>
+                  <a:schemeClr val="tx1"/>
+                </a:solidFill>
+                <a:latin typeface="+mn-lt"/>
+                <a:ea typeface="+mn-ea"/>
+                <a:cs typeface="+mn-cs"/>
+              </a:defRPr>
+            </a:lvl3pPr>
+            <a:lvl4pPr marL="1600200" indent="-228600" algn="l" defTabSz="914400" rtl="0" eaLnBrk="1" latinLnBrk="0" hangingPunct="1">
+              <a:spcBef>
+                <a:spcPct val="20000"/>
+              </a:spcBef>
+              <a:buFont typeface="Arial" pitchFamily="34" charset="0"/>
+              <a:buChar char="–"/>
+              <a:defRPr sz="2000" kern="1200">
+                <a:solidFill>
+                  <a:schemeClr val="tx1"/>
+                </a:solidFill>
+                <a:latin typeface="+mn-lt"/>
+                <a:ea typeface="+mn-ea"/>
+                <a:cs typeface="+mn-cs"/>
+              </a:defRPr>
+            </a:lvl4pPr>
+            <a:lvl5pPr marL="2057400" indent="-228600" algn="l" defTabSz="914400" rtl="0" eaLnBrk="1" latinLnBrk="0" hangingPunct="1">
+              <a:spcBef>
+                <a:spcPct val="20000"/>
+              </a:spcBef>
+              <a:buFont typeface="Arial" pitchFamily="34" charset="0"/>
+              <a:buChar char="»"/>
+              <a:defRPr sz="2000" kern="1200">
+                <a:solidFill>
+                  <a:schemeClr val="tx1"/>
+                </a:solidFill>
+                <a:latin typeface="+mn-lt"/>
+                <a:ea typeface="+mn-ea"/>
+                <a:cs typeface="+mn-cs"/>
+              </a:defRPr>
+            </a:lvl5pPr>
+            <a:lvl6pPr marL="2514600" indent="-228600" algn="l" defTabSz="914400" rtl="0" eaLnBrk="1" latinLnBrk="0" hangingPunct="1">
+              <a:spcBef>
+                <a:spcPct val="20000"/>
+              </a:spcBef>
+              <a:buFont typeface="Arial" pitchFamily="34" charset="0"/>
+              <a:buChar char="•"/>
+              <a:defRPr sz="2000" kern="1200">
+                <a:solidFill>
+                  <a:schemeClr val="tx1"/>
+                </a:solidFill>
+                <a:latin typeface="+mn-lt"/>
+                <a:ea typeface="+mn-ea"/>
+                <a:cs typeface="+mn-cs"/>
+              </a:defRPr>
+            </a:lvl6pPr>
+            <a:lvl7pPr marL="2971800" indent="-228600" algn="l" defTabSz="914400" rtl="0" eaLnBrk="1" latinLnBrk="0" hangingPunct="1">
+              <a:spcBef>
+                <a:spcPct val="20000"/>
+              </a:spcBef>
+              <a:buFont typeface="Arial" pitchFamily="34" charset="0"/>
+              <a:buChar char="•"/>
+              <a:defRPr sz="2000" kern="1200">
+                <a:solidFill>
+                  <a:schemeClr val="tx1"/>
+                </a:solidFill>
+                <a:latin typeface="+mn-lt"/>
+                <a:ea typeface="+mn-ea"/>
+                <a:cs typeface="+mn-cs"/>
+              </a:defRPr>
+            </a:lvl7pPr>
+            <a:lvl8pPr marL="3429000" indent="-228600" algn="l" defTabSz="914400" rtl="0" eaLnBrk="1" latinLnBrk="0" hangingPunct="1">
+              <a:spcBef>
+                <a:spcPct val="20000"/>
+              </a:spcBef>
+              <a:buFont typeface="Arial" pitchFamily="34" charset="0"/>
+              <a:buChar char="•"/>
+              <a:defRPr sz="2000" kern="1200">
+                <a:solidFill>
+                  <a:schemeClr val="tx1"/>
+                </a:solidFill>
+                <a:latin typeface="+mn-lt"/>
+                <a:ea typeface="+mn-ea"/>
+                <a:cs typeface="+mn-cs"/>
+              </a:defRPr>
+            </a:lvl8pPr>
+            <a:lvl9pPr marL="3886200" indent="-228600" algn="l" defTabSz="914400" rtl="0" eaLnBrk="1" latinLnBrk="0" hangingPunct="1">
+              <a:spcBef>
+                <a:spcPct val="20000"/>
+              </a:spcBef>
+              <a:buFont typeface="Arial" pitchFamily="34" charset="0"/>
+              <a:buChar char="•"/>
+              <a:defRPr sz="2000" kern="1200">
+                <a:solidFill>
+                  <a:schemeClr val="tx1"/>
+                </a:solidFill>
+                <a:latin typeface="+mn-lt"/>
+                <a:ea typeface="+mn-ea"/>
+                <a:cs typeface="+mn-cs"/>
+              </a:defRPr>
+            </a:lvl9pPr>
+          </a:lstStyle>
+          <a:p>
+            <a:r>
+              <a:rPr lang="en-US" sz="2400" dirty="0" smtClean="0">
+                <a:solidFill>
+                  <a:schemeClr val="bg1"/>
+                </a:solidFill>
+              </a:rPr>
+              <a:t>JIT</a:t>
+            </a:r>
+            <a:r>
+              <a:rPr lang="ru-RU" sz="2400" dirty="0" smtClean="0">
+                <a:solidFill>
+                  <a:schemeClr val="bg1"/>
+                </a:solidFill>
+              </a:rPr>
+              <a:t>-компиляция занимает время и дополнительную память </a:t>
+            </a:r>
+            <a:endParaRPr lang="en-US" sz="2400" dirty="0" smtClean="0">
+              <a:solidFill>
+                <a:schemeClr val="bg1"/>
+              </a:solidFill>
+            </a:endParaRPr>
+          </a:p>
+          <a:p>
+            <a:r>
+              <a:rPr lang="ru-RU" sz="2400" dirty="0" smtClean="0">
+                <a:solidFill>
+                  <a:schemeClr val="bg1"/>
+                </a:solidFill>
+              </a:rPr>
+              <a:t>Труднее защищать интелектуальную собственность</a:t>
+            </a:r>
+            <a:endParaRPr lang="en-US" sz="2400" dirty="0">
+              <a:solidFill>
+                <a:schemeClr val="bg1"/>
+              </a:solidFill>
+            </a:endParaRPr>
+          </a:p>
+        </p:txBody>
+      </p:sp>
+    </p:spTree>
+    <p:extLst>
+      <p:ext uri="{BB962C8B-B14F-4D97-AF65-F5344CB8AC3E}">
+        <p14:creationId xmlns:p14="http://schemas.microsoft.com/office/powerpoint/2010/main" val="3467403568"/>
+      </p:ext>
+    </p:extLst>
+  </p:cSld>
+  <p:clrMapOvr>
+    <a:masterClrMapping/>
+  </p:clrMapOvr>
+  <p:timing>
+    <p:tnLst>
+      <p:par>
+        <p:cTn id="1" dur="indefinite" restart="never" nodeType="tmRoot"/>
+      </p:par>
+    </p:tnLst>
+  </p:timing>
+</p:sld>
+</file>
+
+<file path=ppt/slides/slide13.xml><?xml version="1.0" encoding="utf-8"?>
+<p:sld xmlns:a="http://schemas.openxmlformats.org/drawingml/2006/main" xmlns:r="http://schemas.openxmlformats.org/officeDocument/2006/relationships" xmlns:p="http://schemas.openxmlformats.org/presentationml/2006/main">
+  <p:cSld>
+    <p:spTree>
+      <p:nvGrpSpPr>
+        <p:cNvPr id="1" name=""/>
+        <p:cNvGrpSpPr/>
+        <p:nvPr/>
+      </p:nvGrpSpPr>
+      <p:grpSpPr>
+        <a:xfrm>
+          <a:off x="0" y="0"/>
+          <a:ext cx="0" cy="0"/>
+          <a:chOff x="0" y="0"/>
+          <a:chExt cx="0" cy="0"/>
+        </a:xfrm>
+      </p:grpSpPr>
+      <p:sp>
+        <p:nvSpPr>
           <p:cNvPr id="3" name="Rectangle 2"/>
           <p:cNvSpPr/>
           <p:nvPr/>
@@ -7712,7 +8115,7 @@
 </p:sld>
 </file>
 
-<file path=ppt/slides/slide13.xml><?xml version="1.0" encoding="utf-8"?>
+<file path=ppt/slides/slide14.xml><?xml version="1.0" encoding="utf-8"?>
 <p:sld xmlns:a="http://schemas.openxmlformats.org/drawingml/2006/main" xmlns:r="http://schemas.openxmlformats.org/officeDocument/2006/relationships" xmlns:p="http://schemas.openxmlformats.org/presentationml/2006/main">
   <p:cSld>
     <p:spTree>
@@ -8027,7 +8430,7 @@
 </p:sld>
 </file>
 
-<file path=ppt/slides/slide14.xml><?xml version="1.0" encoding="utf-8"?>
+<file path=ppt/slides/slide15.xml><?xml version="1.0" encoding="utf-8"?>
 <p:sld xmlns:a="http://schemas.openxmlformats.org/drawingml/2006/main" xmlns:r="http://schemas.openxmlformats.org/officeDocument/2006/relationships" xmlns:p="http://schemas.openxmlformats.org/presentationml/2006/main">
   <p:cSld>
     <p:spTree>
@@ -8105,7 +8508,7 @@
 </p:sld>
 </file>
 
-<file path=ppt/slides/slide15.xml><?xml version="1.0" encoding="utf-8"?>
+<file path=ppt/slides/slide16.xml><?xml version="1.0" encoding="utf-8"?>
 <p:sld xmlns:a="http://schemas.openxmlformats.org/drawingml/2006/main" xmlns:r="http://schemas.openxmlformats.org/officeDocument/2006/relationships" xmlns:p="http://schemas.openxmlformats.org/presentationml/2006/main">
   <p:cSld>
     <p:spTree>
@@ -8208,128 +8611,6 @@
     <p:extLst>
       <p:ext uri="{BB962C8B-B14F-4D97-AF65-F5344CB8AC3E}">
         <p14:creationId xmlns:p14="http://schemas.microsoft.com/office/powerpoint/2010/main" val="1968121537"/>
-      </p:ext>
-    </p:extLst>
-  </p:cSld>
-  <p:clrMapOvr>
-    <a:masterClrMapping/>
-  </p:clrMapOvr>
-</p:sld>
-</file>
-
-<file path=ppt/slides/slide16.xml><?xml version="1.0" encoding="utf-8"?>
-<p:sld xmlns:a="http://schemas.openxmlformats.org/drawingml/2006/main" xmlns:r="http://schemas.openxmlformats.org/officeDocument/2006/relationships" xmlns:p="http://schemas.openxmlformats.org/presentationml/2006/main">
-  <p:cSld>
-    <p:spTree>
-      <p:nvGrpSpPr>
-        <p:cNvPr id="1" name=""/>
-        <p:cNvGrpSpPr/>
-        <p:nvPr/>
-      </p:nvGrpSpPr>
-      <p:grpSpPr>
-        <a:xfrm>
-          <a:off x="0" y="0"/>
-          <a:ext cx="0" cy="0"/>
-          <a:chOff x="0" y="0"/>
-          <a:chExt cx="0" cy="0"/>
-        </a:xfrm>
-      </p:grpSpPr>
-      <p:sp>
-        <p:nvSpPr>
-          <p:cNvPr id="2" name="Title 1"/>
-          <p:cNvSpPr>
-            <a:spLocks noGrp="1"/>
-          </p:cNvSpPr>
-          <p:nvPr>
-            <p:ph type="title"/>
-          </p:nvPr>
-        </p:nvSpPr>
-        <p:spPr/>
-        <p:txBody>
-          <a:bodyPr>
-            <a:normAutofit fontScale="90000"/>
-          </a:bodyPr>
-          <a:lstStyle/>
-          <a:p>
-            <a:r>
-              <a:rPr lang="ru-RU" dirty="0" smtClean="0"/>
-              <a:t>Модификатор </a:t>
-            </a:r>
-            <a:r>
-              <a:rPr lang="ru-RU" dirty="0" smtClean="0"/>
-              <a:t>доступа</a:t>
-            </a:r>
-            <a:r>
-              <a:rPr lang="en-US" dirty="0" smtClean="0"/>
-              <a:t/>
-            </a:r>
-            <a:br>
-              <a:rPr lang="en-US" dirty="0" smtClean="0"/>
-            </a:br>
-            <a:r>
-              <a:rPr lang="en-US" dirty="0" smtClean="0"/>
-              <a:t>protected internal</a:t>
-            </a:r>
-            <a:endParaRPr lang="en-US" dirty="0"/>
-          </a:p>
-        </p:txBody>
-      </p:sp>
-      <p:sp>
-        <p:nvSpPr>
-          <p:cNvPr id="3" name="Content Placeholder 2"/>
-          <p:cNvSpPr>
-            <a:spLocks noGrp="1"/>
-          </p:cNvSpPr>
-          <p:nvPr>
-            <p:ph idx="1"/>
-          </p:nvPr>
-        </p:nvSpPr>
-        <p:spPr/>
-        <p:txBody>
-          <a:bodyPr>
-            <a:normAutofit/>
-          </a:bodyPr>
-          <a:lstStyle/>
-          <a:p>
-            <a:pPr marL="0" indent="0">
-              <a:buNone/>
-            </a:pPr>
-            <a:r>
-              <a:rPr lang="ru-RU" dirty="0" smtClean="0"/>
-              <a:t>Модификатор дотсупа «</a:t>
-            </a:r>
-            <a:r>
-              <a:rPr lang="en-US" dirty="0" smtClean="0"/>
-              <a:t>protected internal</a:t>
-            </a:r>
-            <a:r>
-              <a:rPr lang="ru-RU" dirty="0" smtClean="0"/>
-              <a:t>» означает </a:t>
-            </a:r>
-            <a:r>
-              <a:rPr lang="en-US" dirty="0"/>
-              <a:t>protected </a:t>
-            </a:r>
-            <a:r>
-              <a:rPr lang="ru-RU" dirty="0" smtClean="0"/>
-              <a:t>ИЛИ </a:t>
-            </a:r>
-            <a:r>
-              <a:rPr lang="en-US" dirty="0" smtClean="0"/>
-              <a:t>internal</a:t>
-            </a:r>
-            <a:r>
-              <a:rPr lang="ru-RU" dirty="0" smtClean="0"/>
-              <a:t>.</a:t>
-            </a:r>
-            <a:endParaRPr lang="en-US" dirty="0"/>
-          </a:p>
-        </p:txBody>
-      </p:sp>
-    </p:spTree>
-    <p:extLst>
-      <p:ext uri="{BB962C8B-B14F-4D97-AF65-F5344CB8AC3E}">
-        <p14:creationId xmlns:p14="http://schemas.microsoft.com/office/powerpoint/2010/main" val="3563790296"/>
       </p:ext>
     </p:extLst>
   </p:cSld>
@@ -8368,14 +8649,27 @@
         </p:nvSpPr>
         <p:spPr/>
         <p:txBody>
-          <a:bodyPr/>
+          <a:bodyPr>
+            <a:normAutofit fontScale="90000"/>
+          </a:bodyPr>
           <a:lstStyle/>
           <a:p>
             <a:r>
               <a:rPr lang="ru-RU" dirty="0" smtClean="0"/>
-              <a:t>Многофайловые сборки</a:t>
-            </a:r>
-            <a:endParaRPr lang="ru-RU" dirty="0"/>
+              <a:t>Модификатор доступа</a:t>
+            </a:r>
+            <a:r>
+              <a:rPr lang="en-US" dirty="0" smtClean="0"/>
+              <a:t/>
+            </a:r>
+            <a:br>
+              <a:rPr lang="en-US" dirty="0" smtClean="0"/>
+            </a:br>
+            <a:r>
+              <a:rPr lang="en-US" dirty="0" smtClean="0"/>
+              <a:t>protected internal</a:t>
+            </a:r>
+            <a:endParaRPr lang="en-US" dirty="0"/>
           </a:p>
         </p:txBody>
       </p:sp>
@@ -8396,89 +8690,51 @@
           </a:bodyPr>
           <a:lstStyle/>
           <a:p>
+            <a:pPr marL="0" indent="0">
+              <a:buNone/>
+            </a:pPr>
             <a:r>
               <a:rPr lang="ru-RU" dirty="0" smtClean="0"/>
-              <a:t>Позволяют распределять </a:t>
-            </a:r>
-            <a:r>
-              <a:rPr lang="ru-RU" dirty="0"/>
-              <a:t>типы по разным </a:t>
+              <a:t>Модификатор дотсупа «</a:t>
+            </a:r>
+            <a:r>
+              <a:rPr lang="en-US" dirty="0" smtClean="0"/>
+              <a:t>protected internal</a:t>
             </a:r>
             <a:r>
               <a:rPr lang="ru-RU" dirty="0" smtClean="0"/>
-              <a:t>файлам</a:t>
-            </a:r>
-          </a:p>
-          <a:p>
-            <a:r>
-              <a:rPr lang="ru-RU" dirty="0"/>
-              <a:t>Позволяют д</a:t>
+              <a:t>» означает </a:t>
+            </a:r>
+            <a:r>
+              <a:rPr lang="en-US" dirty="0"/>
+              <a:t>protected </a:t>
             </a:r>
             <a:r>
               <a:rPr lang="ru-RU" dirty="0" smtClean="0"/>
-              <a:t>обавлять </a:t>
-            </a:r>
-            <a:r>
-              <a:rPr lang="ru-RU" dirty="0"/>
-              <a:t>к сборке файлы с ресурсами и </a:t>
+              <a:t>ИЛИ </a:t>
+            </a:r>
+            <a:r>
+              <a:rPr lang="en-US" dirty="0" smtClean="0"/>
+              <a:t>internal</a:t>
             </a:r>
             <a:r>
               <a:rPr lang="ru-RU" dirty="0" smtClean="0"/>
-              <a:t>данными</a:t>
-            </a:r>
-          </a:p>
-          <a:p>
-            <a:r>
-              <a:rPr lang="ru-RU" dirty="0"/>
-              <a:t>Позволяют с</a:t>
-            </a:r>
-            <a:r>
-              <a:rPr lang="ru-RU" dirty="0" smtClean="0"/>
-              <a:t>оздавать </a:t>
-            </a:r>
-            <a:r>
-              <a:rPr lang="ru-RU" dirty="0"/>
-              <a:t>сборки, состоящие из типов, написанных на разных языках </a:t>
-            </a:r>
-            <a:r>
-              <a:rPr lang="en-US" dirty="0" smtClean="0"/>
-              <a:t>	</a:t>
-            </a:r>
-            <a:r>
-              <a:rPr lang="ru-RU" dirty="0" smtClean="0"/>
-              <a:t>программирования</a:t>
-            </a:r>
-          </a:p>
-          <a:p>
-            <a:r>
-              <a:rPr lang="ru-RU" dirty="0" smtClean="0"/>
-              <a:t>Создаются с помощью утилиты </a:t>
-            </a:r>
-            <a:r>
-              <a:rPr lang="en-US" dirty="0" smtClean="0"/>
-              <a:t>AL.exe</a:t>
-            </a:r>
-            <a:endParaRPr lang="ru-RU" dirty="0"/>
+              <a:t>.</a:t>
+            </a:r>
+            <a:endParaRPr lang="en-US" dirty="0"/>
           </a:p>
         </p:txBody>
       </p:sp>
     </p:spTree>
     <p:extLst>
       <p:ext uri="{BB962C8B-B14F-4D97-AF65-F5344CB8AC3E}">
-        <p14:creationId xmlns:p14="http://schemas.microsoft.com/office/powerpoint/2010/main" val="2692656914"/>
+        <p14:creationId xmlns:p14="http://schemas.microsoft.com/office/powerpoint/2010/main" val="3563790296"/>
       </p:ext>
     </p:extLst>
   </p:cSld>
   <p:clrMapOvr>
     <a:masterClrMapping/>
   </p:clrMapOvr>
-  <p:timing>
-    <p:tnLst>
-      <p:par>
-        <p:cTn id="1" dur="indefinite" restart="never" nodeType="tmRoot"/>
-      </p:par>
-    </p:tnLst>
-  </p:timing>
 </p:sld>
 </file>
 
@@ -8509,28 +8765,97 @@
             <p:ph type="title"/>
           </p:nvPr>
         </p:nvSpPr>
-        <p:spPr>
-          <a:xfrm>
-            <a:off x="457200" y="2857500"/>
-            <a:ext cx="8229600" cy="1143000"/>
-          </a:xfrm>
-        </p:spPr>
+        <p:spPr/>
+        <p:txBody>
+          <a:bodyPr/>
+          <a:lstStyle/>
+          <a:p>
+            <a:r>
+              <a:rPr lang="ru-RU" dirty="0" smtClean="0"/>
+              <a:t>Многофайловые сборки</a:t>
+            </a:r>
+            <a:endParaRPr lang="ru-RU" dirty="0"/>
+          </a:p>
+        </p:txBody>
+      </p:sp>
+      <p:sp>
+        <p:nvSpPr>
+          <p:cNvPr id="3" name="Content Placeholder 2"/>
+          <p:cNvSpPr>
+            <a:spLocks noGrp="1"/>
+          </p:cNvSpPr>
+          <p:nvPr>
+            <p:ph idx="1"/>
+          </p:nvPr>
+        </p:nvSpPr>
+        <p:spPr/>
         <p:txBody>
           <a:bodyPr>
-            <a:normAutofit fontScale="90000"/>
+            <a:normAutofit/>
           </a:bodyPr>
           <a:lstStyle/>
           <a:p>
             <a:r>
               <a:rPr lang="ru-RU" dirty="0" smtClean="0"/>
-              <a:t>Многофайловые сборки</a:t>
-            </a:r>
-            <a:br>
+              <a:t>Позволяют распределять </a:t>
+            </a:r>
+            <a:r>
+              <a:rPr lang="ru-RU" dirty="0"/>
+              <a:t>типы по разным </a:t>
+            </a:r>
+            <a:r>
               <a:rPr lang="ru-RU" dirty="0" smtClean="0"/>
-            </a:br>
+              <a:t>файлам</a:t>
+            </a:r>
+          </a:p>
+          <a:p>
+            <a:r>
+              <a:rPr lang="ru-RU" dirty="0"/>
+              <a:t>Позволяют д</a:t>
+            </a:r>
             <a:r>
               <a:rPr lang="ru-RU" dirty="0" smtClean="0"/>
-              <a:t>Демонстрация</a:t>
+              <a:t>обавлять </a:t>
+            </a:r>
+            <a:r>
+              <a:rPr lang="ru-RU" dirty="0"/>
+              <a:t>к сборке файлы с ресурсами и </a:t>
+            </a:r>
+            <a:r>
+              <a:rPr lang="ru-RU" dirty="0" smtClean="0"/>
+              <a:t>данными</a:t>
+            </a:r>
+          </a:p>
+          <a:p>
+            <a:r>
+              <a:rPr lang="ru-RU" dirty="0"/>
+              <a:t>Позволяют с</a:t>
+            </a:r>
+            <a:r>
+              <a:rPr lang="ru-RU" dirty="0" smtClean="0"/>
+              <a:t>оздавать </a:t>
+            </a:r>
+            <a:r>
+              <a:rPr lang="ru-RU" dirty="0"/>
+              <a:t>сборки, состоящие из типов, написанных на разных языках </a:t>
+            </a:r>
+            <a:r>
+              <a:rPr lang="en-US" dirty="0" smtClean="0"/>
+              <a:t>	</a:t>
+            </a:r>
+            <a:r>
+              <a:rPr lang="ru-RU" dirty="0" smtClean="0"/>
+              <a:t>программирования</a:t>
+            </a:r>
+          </a:p>
+          <a:p>
+            <a:r>
+              <a:rPr lang="ru-RU" dirty="0" smtClean="0"/>
+              <a:t>Создаются с помощью утилиты </a:t>
+            </a:r>
+            <a:r>
+              <a:rPr lang="en-US" dirty="0" smtClean="0"/>
+              <a:t>AL.exe</a:t>
             </a:r>
             <a:endParaRPr lang="ru-RU" dirty="0"/>
           </a:p>
@@ -8539,7 +8864,7 @@
     </p:spTree>
     <p:extLst>
       <p:ext uri="{BB962C8B-B14F-4D97-AF65-F5344CB8AC3E}">
-        <p14:creationId xmlns:p14="http://schemas.microsoft.com/office/powerpoint/2010/main" val="278552390"/>
+        <p14:creationId xmlns:p14="http://schemas.microsoft.com/office/powerpoint/2010/main" val="2692656914"/>
       </p:ext>
     </p:extLst>
   </p:cSld>
@@ -8583,98 +8908,28 @@
             <p:ph type="title"/>
           </p:nvPr>
         </p:nvSpPr>
-        <p:spPr/>
+        <p:spPr>
+          <a:xfrm>
+            <a:off x="457200" y="2857500"/>
+            <a:ext cx="8229600" cy="1143000"/>
+          </a:xfrm>
+        </p:spPr>
         <p:txBody>
-          <a:bodyPr/>
+          <a:bodyPr>
+            <a:normAutofit fontScale="90000"/>
+          </a:bodyPr>
           <a:lstStyle/>
           <a:p>
             <a:r>
-              <a:rPr lang="ru-RU" dirty="0"/>
-              <a:t>Добавление сборок к проекту</a:t>
-            </a:r>
-          </a:p>
-        </p:txBody>
-      </p:sp>
-      <p:sp>
-        <p:nvSpPr>
-          <p:cNvPr id="3" name="Content Placeholder 2"/>
-          <p:cNvSpPr>
-            <a:spLocks noGrp="1"/>
-          </p:cNvSpPr>
-          <p:nvPr>
-            <p:ph idx="1"/>
-          </p:nvPr>
-        </p:nvSpPr>
-        <p:spPr/>
-        <p:txBody>
-          <a:bodyPr/>
-          <a:lstStyle/>
-          <a:p>
-            <a:r>
               <a:rPr lang="ru-RU" dirty="0" smtClean="0"/>
-              <a:t>Из меню </a:t>
-            </a:r>
-            <a:r>
-              <a:rPr lang="en-US" dirty="0" smtClean="0"/>
-              <a:t>Project -&gt; Add Reference</a:t>
-            </a:r>
-            <a:r>
+              <a:t>Многофайловые сборки</a:t>
+            </a:r>
+            <a:br>
               <a:rPr lang="ru-RU" dirty="0" smtClean="0"/>
-              <a:t> ...</a:t>
-            </a:r>
-            <a:endParaRPr lang="en-US" dirty="0" smtClean="0"/>
-          </a:p>
-          <a:p>
+            </a:br>
             <a:r>
               <a:rPr lang="ru-RU" dirty="0" smtClean="0"/>
-              <a:t>В </a:t>
-            </a:r>
-            <a:r>
-              <a:rPr lang="en-US" dirty="0" smtClean="0"/>
-              <a:t>Solution Explorer, </a:t>
-            </a:r>
-            <a:r>
-              <a:rPr lang="ru-RU" dirty="0" smtClean="0"/>
-              <a:t>найти узел </a:t>
-            </a:r>
-            <a:r>
-              <a:rPr lang="en-US" dirty="0" smtClean="0"/>
-              <a:t>References </a:t>
-            </a:r>
-            <a:r>
-              <a:rPr lang="ru-RU" dirty="0" smtClean="0"/>
-              <a:t>нужного проекта</a:t>
-            </a:r>
-            <a:r>
-              <a:rPr lang="en-US" dirty="0" smtClean="0"/>
-              <a:t>,</a:t>
-            </a:r>
-            <a:r>
-              <a:rPr lang="ru-RU" dirty="0" smtClean="0"/>
-              <a:t> вызвать контестное меню и выбрать </a:t>
-            </a:r>
-            <a:r>
-              <a:rPr lang="en-US" dirty="0"/>
-              <a:t>Add Reference</a:t>
-            </a:r>
-            <a:r>
-              <a:rPr lang="ru-RU" dirty="0"/>
-              <a:t> </a:t>
-            </a:r>
-            <a:r>
-              <a:rPr lang="ru-RU" dirty="0" smtClean="0"/>
-              <a:t>...</a:t>
-            </a:r>
-            <a:endParaRPr lang="en-US" dirty="0" smtClean="0"/>
-          </a:p>
-          <a:p>
-            <a:r>
-              <a:rPr lang="ru-RU" dirty="0" smtClean="0"/>
-              <a:t>С помощью </a:t>
-            </a:r>
-            <a:r>
-              <a:rPr lang="en-US" dirty="0" err="1" smtClean="0"/>
-              <a:t>NuGet</a:t>
+              <a:t>Демонстрация</a:t>
             </a:r>
             <a:endParaRPr lang="ru-RU" dirty="0"/>
           </a:p>
@@ -8683,7 +8938,7 @@
     </p:spTree>
     <p:extLst>
       <p:ext uri="{BB962C8B-B14F-4D97-AF65-F5344CB8AC3E}">
-        <p14:creationId xmlns:p14="http://schemas.microsoft.com/office/powerpoint/2010/main" val="210700532"/>
+        <p14:creationId xmlns:p14="http://schemas.microsoft.com/office/powerpoint/2010/main" val="278552390"/>
       </p:ext>
     </p:extLst>
   </p:cSld>
@@ -8907,16 +9162,13 @@
         </p:nvSpPr>
         <p:spPr/>
         <p:txBody>
-          <a:bodyPr>
-            <a:normAutofit/>
-          </a:bodyPr>
+          <a:bodyPr/>
           <a:lstStyle/>
           <a:p>
             <a:r>
-              <a:rPr lang="ru-RU" dirty="0" smtClean="0"/>
-              <a:t>Номер версии сборки</a:t>
-            </a:r>
-            <a:endParaRPr lang="ru-RU" dirty="0"/>
+              <a:rPr lang="ru-RU" dirty="0"/>
+              <a:t>Добавление сборок к проекту</a:t>
+            </a:r>
           </a:p>
         </p:txBody>
       </p:sp>
@@ -8936,62 +9188,70 @@
           <a:lstStyle/>
           <a:p>
             <a:r>
+              <a:rPr lang="ru-RU" dirty="0" smtClean="0"/>
+              <a:t>Из меню </a:t>
+            </a:r>
+            <a:r>
               <a:rPr lang="en-US" dirty="0" smtClean="0"/>
-              <a:t>[assembly: </a:t>
+              <a:t>Project -&gt; Add Reference</a:t>
+            </a:r>
+            <a:r>
+              <a:rPr lang="ru-RU" dirty="0" smtClean="0"/>
+              <a:t> ...</a:t>
+            </a:r>
+            <a:endParaRPr lang="en-US" dirty="0" smtClean="0"/>
+          </a:p>
+          <a:p>
+            <a:r>
+              <a:rPr lang="ru-RU" dirty="0" smtClean="0"/>
+              <a:t>В </a:t>
+            </a:r>
+            <a:r>
+              <a:rPr lang="en-US" dirty="0" smtClean="0"/>
+              <a:t>Solution Explorer, </a:t>
+            </a:r>
+            <a:r>
+              <a:rPr lang="ru-RU" dirty="0" smtClean="0"/>
+              <a:t>найти узел </a:t>
+            </a:r>
+            <a:r>
+              <a:rPr lang="en-US" dirty="0" smtClean="0"/>
+              <a:t>References </a:t>
+            </a:r>
+            <a:r>
+              <a:rPr lang="ru-RU" dirty="0" smtClean="0"/>
+              <a:t>нужного проекта</a:t>
+            </a:r>
+            <a:r>
+              <a:rPr lang="en-US" dirty="0" smtClean="0"/>
+              <a:t>,</a:t>
+            </a:r>
+            <a:r>
+              <a:rPr lang="ru-RU" dirty="0" smtClean="0"/>
+              <a:t> вызвать контестное меню и выбрать </a:t>
+            </a:r>
+            <a:r>
+              <a:rPr lang="en-US" dirty="0"/>
+              <a:t>Add Reference</a:t>
+            </a:r>
+            <a:r>
+              <a:rPr lang="ru-RU" dirty="0"/>
+              <a:t> </a:t>
+            </a:r>
+            <a:r>
+              <a:rPr lang="ru-RU" dirty="0" smtClean="0"/>
+              <a:t>...</a:t>
+            </a:r>
+            <a:endParaRPr lang="en-US" dirty="0" smtClean="0"/>
+          </a:p>
+          <a:p>
+            <a:r>
+              <a:rPr lang="ru-RU" dirty="0" smtClean="0"/>
+              <a:t>С помощью </a:t>
             </a:r>
             <a:r>
               <a:rPr lang="en-US" dirty="0" err="1" smtClean="0"/>
-              <a:t>AssemblyVersion</a:t>
-            </a:r>
-            <a:r>
-              <a:rPr lang="en-US" dirty="0" smtClean="0"/>
-              <a:t>(“1.2.3.4”)]</a:t>
-            </a:r>
-          </a:p>
-          <a:p>
-            <a:r>
-              <a:rPr lang="en-US" dirty="0" err="1" smtClean="0"/>
-              <a:t>major.minor.build.revision</a:t>
-            </a:r>
-            <a:endParaRPr lang="ru-RU" dirty="0" smtClean="0"/>
-          </a:p>
-          <a:p>
-            <a:pPr lvl="1"/>
-            <a:r>
-              <a:rPr lang="ru-RU" dirty="0" smtClean="0"/>
-              <a:t>Старший номер</a:t>
-            </a:r>
-          </a:p>
-          <a:p>
-            <a:pPr lvl="1"/>
-            <a:r>
-              <a:rPr lang="ru-RU" dirty="0" smtClean="0"/>
-              <a:t>Младший номер</a:t>
-            </a:r>
-          </a:p>
-          <a:p>
-            <a:pPr lvl="1"/>
-            <a:r>
-              <a:rPr lang="ru-RU" dirty="0" smtClean="0"/>
-              <a:t>Номер билда</a:t>
-            </a:r>
-          </a:p>
-          <a:p>
-            <a:pPr lvl="1"/>
-            <a:r>
-              <a:rPr lang="ru-RU" dirty="0" smtClean="0"/>
-              <a:t>Номер ревизии</a:t>
-            </a:r>
-            <a:endParaRPr lang="en-US" dirty="0" smtClean="0"/>
-          </a:p>
-          <a:p>
-            <a:r>
-              <a:rPr lang="ru-RU" dirty="0" smtClean="0"/>
-              <a:t>Задается в </a:t>
-            </a:r>
-            <a:r>
-              <a:rPr lang="en-US" dirty="0" err="1" smtClean="0"/>
-              <a:t>AssemblyInfo.cs</a:t>
+              <a:t>NuGet</a:t>
             </a:r>
             <a:endParaRPr lang="ru-RU" dirty="0"/>
           </a:p>
@@ -9000,7 +9260,7 @@
     </p:spTree>
     <p:extLst>
       <p:ext uri="{BB962C8B-B14F-4D97-AF65-F5344CB8AC3E}">
-        <p14:creationId xmlns:p14="http://schemas.microsoft.com/office/powerpoint/2010/main" val="746042412"/>
+        <p14:creationId xmlns:p14="http://schemas.microsoft.com/office/powerpoint/2010/main" val="210700532"/>
       </p:ext>
     </p:extLst>
   </p:cSld>
@@ -9046,12 +9306,14 @@
         </p:nvSpPr>
         <p:spPr/>
         <p:txBody>
-          <a:bodyPr/>
+          <a:bodyPr>
+            <a:normAutofit/>
+          </a:bodyPr>
           <a:lstStyle/>
           <a:p>
             <a:r>
               <a:rPr lang="ru-RU" dirty="0" smtClean="0"/>
-              <a:t>Типы развертывания</a:t>
+              <a:t>Номер версии сборки</a:t>
             </a:r>
             <a:endParaRPr lang="ru-RU" dirty="0"/>
           </a:p>
@@ -9073,14 +9335,62 @@
           <a:lstStyle/>
           <a:p>
             <a:r>
+              <a:rPr lang="en-US" dirty="0" smtClean="0"/>
+              <a:t>[assembly: </a:t>
+            </a:r>
+            <a:r>
+              <a:rPr lang="en-US" dirty="0" err="1" smtClean="0"/>
+              <a:t>AssemblyVersion</a:t>
+            </a:r>
+            <a:r>
+              <a:rPr lang="en-US" dirty="0" smtClean="0"/>
+              <a:t>(“1.2.3.4”)]</a:t>
+            </a:r>
+          </a:p>
+          <a:p>
+            <a:r>
+              <a:rPr lang="en-US" dirty="0" err="1" smtClean="0"/>
+              <a:t>major.minor.build.revision</a:t>
+            </a:r>
+            <a:endParaRPr lang="ru-RU" dirty="0" smtClean="0"/>
+          </a:p>
+          <a:p>
+            <a:pPr lvl="1"/>
+            <a:r>
               <a:rPr lang="ru-RU" dirty="0" smtClean="0"/>
-              <a:t>Закрытое</a:t>
-            </a:r>
-          </a:p>
-          <a:p>
+              <a:t>Старший номер</a:t>
+            </a:r>
+          </a:p>
+          <a:p>
+            <a:pPr lvl="1"/>
             <a:r>
               <a:rPr lang="ru-RU" dirty="0" smtClean="0"/>
-              <a:t>Совместное</a:t>
+              <a:t>Младший номер</a:t>
+            </a:r>
+          </a:p>
+          <a:p>
+            <a:pPr lvl="1"/>
+            <a:r>
+              <a:rPr lang="ru-RU" dirty="0" smtClean="0"/>
+              <a:t>Номер билда</a:t>
+            </a:r>
+          </a:p>
+          <a:p>
+            <a:pPr lvl="1"/>
+            <a:r>
+              <a:rPr lang="ru-RU" dirty="0" smtClean="0"/>
+              <a:t>Номер ревизии</a:t>
+            </a:r>
+            <a:endParaRPr lang="en-US" dirty="0" smtClean="0"/>
+          </a:p>
+          <a:p>
+            <a:r>
+              <a:rPr lang="ru-RU" dirty="0" smtClean="0"/>
+              <a:t>Задается в </a:t>
+            </a:r>
+            <a:r>
+              <a:rPr lang="en-US" dirty="0" err="1" smtClean="0"/>
+              <a:t>AssemblyInfo.cs</a:t>
             </a:r>
             <a:endParaRPr lang="ru-RU" dirty="0"/>
           </a:p>
@@ -9089,7 +9399,7 @@
     </p:spTree>
     <p:extLst>
       <p:ext uri="{BB962C8B-B14F-4D97-AF65-F5344CB8AC3E}">
-        <p14:creationId xmlns:p14="http://schemas.microsoft.com/office/powerpoint/2010/main" val="3786467353"/>
+        <p14:creationId xmlns:p14="http://schemas.microsoft.com/office/powerpoint/2010/main" val="746042412"/>
       </p:ext>
     </p:extLst>
   </p:cSld>
@@ -9135,25 +9445,12 @@
         </p:nvSpPr>
         <p:spPr/>
         <p:txBody>
-          <a:bodyPr>
-            <a:normAutofit fontScale="90000"/>
-          </a:bodyPr>
+          <a:bodyPr/>
           <a:lstStyle/>
           <a:p>
             <a:r>
-              <a:rPr lang="ru-RU" dirty="0"/>
-              <a:t>Поиск </a:t>
-            </a:r>
-            <a:r>
               <a:rPr lang="ru-RU" dirty="0" smtClean="0"/>
-              <a:t>сборки</a:t>
-            </a:r>
-            <a:br>
-              <a:rPr lang="ru-RU" dirty="0" smtClean="0"/>
-            </a:br>
-            <a:r>
-              <a:rPr lang="ru-RU" dirty="0" smtClean="0"/>
-              <a:t>Закрытое развертывание</a:t>
+              <a:t>Типы развертывания</a:t>
             </a:r>
             <a:endParaRPr lang="ru-RU" dirty="0"/>
           </a:p>
@@ -9171,260 +9468,19 @@
         </p:nvSpPr>
         <p:spPr/>
         <p:txBody>
-          <a:bodyPr>
-            <a:normAutofit fontScale="70000" lnSpcReduction="20000"/>
-          </a:bodyPr>
+          <a:bodyPr/>
           <a:lstStyle/>
           <a:p>
             <a:r>
-              <a:rPr lang="en-US" dirty="0" err="1" smtClean="0"/>
-              <a:t>AppBase</a:t>
-            </a:r>
-            <a:r>
-              <a:rPr lang="en-US" dirty="0" smtClean="0"/>
-              <a:t>\AsmName.dll</a:t>
-            </a:r>
-          </a:p>
-          <a:p>
-            <a:r>
-              <a:rPr lang="en-US" dirty="0" err="1" smtClean="0"/>
-              <a:t>AppBase</a:t>
-            </a:r>
-            <a:r>
-              <a:rPr lang="en-US" dirty="0" smtClean="0"/>
-              <a:t>\</a:t>
-            </a:r>
-            <a:r>
-              <a:rPr lang="en-US" dirty="0" err="1" smtClean="0"/>
-              <a:t>AsmName</a:t>
-            </a:r>
-            <a:r>
-              <a:rPr lang="en-US" dirty="0" smtClean="0"/>
-              <a:t>\AsmName.dll</a:t>
-            </a:r>
-            <a:endParaRPr lang="en-US" dirty="0"/>
-          </a:p>
-          <a:p>
-            <a:r>
-              <a:rPr lang="en-US" dirty="0" err="1" smtClean="0"/>
-              <a:t>AppBase</a:t>
-            </a:r>
-            <a:r>
-              <a:rPr lang="en-US" dirty="0" smtClean="0"/>
-              <a:t>\privatePath1\</a:t>
-            </a:r>
-            <a:r>
-              <a:rPr lang="en-US" dirty="0" err="1" smtClean="0"/>
-              <a:t>AsmName</a:t>
-            </a:r>
-            <a:r>
-              <a:rPr lang="en-US" dirty="0" smtClean="0"/>
-              <a:t>. </a:t>
-            </a:r>
-            <a:r>
-              <a:rPr lang="en-US" dirty="0" err="1"/>
-              <a:t>dll</a:t>
-            </a:r>
-            <a:endParaRPr lang="en-US" dirty="0"/>
-          </a:p>
-          <a:p>
-            <a:r>
-              <a:rPr lang="en-US" dirty="0" err="1" smtClean="0"/>
-              <a:t>AppBase</a:t>
-            </a:r>
-            <a:r>
-              <a:rPr lang="en-US" dirty="0" smtClean="0"/>
-              <a:t>\privatePath1\</a:t>
-            </a:r>
-            <a:r>
-              <a:rPr lang="en-US" dirty="0" err="1" smtClean="0"/>
-              <a:t>AsmName</a:t>
-            </a:r>
-            <a:r>
-              <a:rPr lang="en-US" dirty="0" smtClean="0"/>
-              <a:t>\AsmName.dll</a:t>
-            </a:r>
-            <a:endParaRPr lang="en-US" dirty="0"/>
-          </a:p>
-          <a:p>
-            <a:r>
-              <a:rPr lang="en-US" dirty="0" err="1" smtClean="0"/>
-              <a:t>AppBase</a:t>
-            </a:r>
-            <a:r>
-              <a:rPr lang="en-US" dirty="0" smtClean="0"/>
-              <a:t>\privatePath2\AsmName.dll</a:t>
-            </a:r>
-            <a:endParaRPr lang="en-US" dirty="0"/>
-          </a:p>
-          <a:p>
-            <a:r>
-              <a:rPr lang="en-US" dirty="0" err="1" smtClean="0"/>
-              <a:t>AppBase</a:t>
-            </a:r>
-            <a:r>
-              <a:rPr lang="en-US" dirty="0" smtClean="0"/>
-              <a:t>\privatePath2\</a:t>
-            </a:r>
-            <a:r>
-              <a:rPr lang="en-US" dirty="0" err="1" smtClean="0"/>
-              <a:t>AsmName</a:t>
-            </a:r>
-            <a:r>
-              <a:rPr lang="en-US" dirty="0" smtClean="0"/>
-              <a:t>\AsmName.dll</a:t>
-            </a:r>
-          </a:p>
-          <a:p>
-            <a:endParaRPr lang="en-US" dirty="0" smtClean="0"/>
-          </a:p>
-          <a:p>
-            <a:r>
-              <a:rPr lang="en-US" dirty="0" err="1" smtClean="0"/>
-              <a:t>AppBase</a:t>
-            </a:r>
-            <a:r>
-              <a:rPr lang="en-US" dirty="0" smtClean="0"/>
-              <a:t>\en-US\AsmName.dll</a:t>
-            </a:r>
-            <a:endParaRPr lang="en-US" dirty="0"/>
-          </a:p>
-          <a:p>
-            <a:r>
-              <a:rPr lang="en-US" dirty="0" err="1" smtClean="0"/>
-              <a:t>AppBase</a:t>
-            </a:r>
-            <a:r>
-              <a:rPr lang="en-US" dirty="0" smtClean="0"/>
-              <a:t>\</a:t>
-            </a:r>
-            <a:r>
-              <a:rPr lang="en-US" dirty="0"/>
-              <a:t>en-US\</a:t>
-            </a:r>
-            <a:r>
-              <a:rPr lang="en-US" dirty="0" err="1" smtClean="0"/>
-              <a:t>AsmName</a:t>
-            </a:r>
-            <a:r>
-              <a:rPr lang="en-US" dirty="0" smtClean="0"/>
-              <a:t>\AsmName.dll</a:t>
-            </a:r>
-            <a:endParaRPr lang="en-US" dirty="0"/>
-          </a:p>
-          <a:p>
-            <a:r>
-              <a:rPr lang="en-US" dirty="0" err="1" smtClean="0"/>
-              <a:t>AppBase</a:t>
-            </a:r>
-            <a:r>
-              <a:rPr lang="en-US" dirty="0" smtClean="0"/>
-              <a:t>\</a:t>
-            </a:r>
-            <a:r>
-              <a:rPr lang="en-US" dirty="0"/>
-              <a:t>en-US\</a:t>
-            </a:r>
-            <a:r>
-              <a:rPr lang="en-US" dirty="0" smtClean="0"/>
-              <a:t>privatePath1\</a:t>
-            </a:r>
-            <a:r>
-              <a:rPr lang="en-US" dirty="0" err="1" smtClean="0"/>
-              <a:t>AsmName</a:t>
-            </a:r>
-            <a:r>
-              <a:rPr lang="en-US" dirty="0"/>
-              <a:t>. </a:t>
-            </a:r>
-            <a:r>
-              <a:rPr lang="en-US" dirty="0" err="1"/>
-              <a:t>dll</a:t>
-            </a:r>
-            <a:endParaRPr lang="en-US" dirty="0"/>
-          </a:p>
-          <a:p>
-            <a:r>
-              <a:rPr lang="en-US" dirty="0" err="1" smtClean="0"/>
-              <a:t>AppBase</a:t>
-            </a:r>
-            <a:r>
-              <a:rPr lang="en-US" dirty="0" smtClean="0"/>
-              <a:t>\</a:t>
-            </a:r>
-            <a:r>
-              <a:rPr lang="en-US" dirty="0"/>
-              <a:t>en-US\</a:t>
-            </a:r>
-            <a:r>
-              <a:rPr lang="en-US" dirty="0" smtClean="0"/>
-              <a:t>privatePath1\</a:t>
-            </a:r>
-            <a:r>
-              <a:rPr lang="en-US" dirty="0" err="1" smtClean="0"/>
-              <a:t>AsmName</a:t>
-            </a:r>
-            <a:r>
-              <a:rPr lang="en-US" dirty="0" smtClean="0"/>
-              <a:t>\AsmName.dll</a:t>
-            </a:r>
-            <a:endParaRPr lang="en-US" dirty="0"/>
-          </a:p>
-          <a:p>
-            <a:r>
-              <a:rPr lang="en-US" dirty="0" err="1" smtClean="0"/>
-              <a:t>AppBase</a:t>
-            </a:r>
-            <a:r>
-              <a:rPr lang="en-US" dirty="0" smtClean="0"/>
-              <a:t>\</a:t>
-            </a:r>
-            <a:r>
-              <a:rPr lang="en-US" dirty="0"/>
-              <a:t>en-US\</a:t>
-            </a:r>
-            <a:r>
-              <a:rPr lang="en-US" dirty="0" smtClean="0"/>
-              <a:t>privatePath2\AsmName.dll</a:t>
-            </a:r>
-            <a:endParaRPr lang="en-US" dirty="0"/>
-          </a:p>
-          <a:p>
-            <a:r>
-              <a:rPr lang="en-US" dirty="0" err="1" smtClean="0"/>
-              <a:t>AppBase</a:t>
-            </a:r>
-            <a:r>
-              <a:rPr lang="en-US" dirty="0" smtClean="0"/>
-              <a:t>\</a:t>
-            </a:r>
-            <a:r>
-              <a:rPr lang="en-US" dirty="0"/>
-              <a:t>en-US\</a:t>
-            </a:r>
-            <a:r>
-              <a:rPr lang="en-US" dirty="0" smtClean="0"/>
-              <a:t>privatePath2\</a:t>
-            </a:r>
-            <a:r>
-              <a:rPr lang="en-US" dirty="0" err="1" smtClean="0"/>
-              <a:t>AsmName</a:t>
-            </a:r>
-            <a:r>
-              <a:rPr lang="en-US" dirty="0" smtClean="0"/>
-              <a:t>\</a:t>
-            </a:r>
-            <a:r>
-              <a:rPr lang="en-US" dirty="0" err="1" smtClean="0"/>
-              <a:t>AsmName</a:t>
-            </a:r>
-            <a:r>
-              <a:rPr lang="en-US" dirty="0"/>
-              <a:t>.</a:t>
-            </a:r>
-            <a:endParaRPr lang="en-US" dirty="0" smtClean="0"/>
-          </a:p>
-          <a:p>
+              <a:rPr lang="ru-RU" dirty="0" smtClean="0"/>
+              <a:t>Закрытое</a:t>
+            </a:r>
+          </a:p>
+          <a:p>
+            <a:r>
+              <a:rPr lang="ru-RU" dirty="0" smtClean="0"/>
+              <a:t>Совместное</a:t>
+            </a:r>
             <a:endParaRPr lang="ru-RU" dirty="0"/>
           </a:p>
         </p:txBody>
@@ -9432,7 +9488,7 @@
     </p:spTree>
     <p:extLst>
       <p:ext uri="{BB962C8B-B14F-4D97-AF65-F5344CB8AC3E}">
-        <p14:creationId xmlns:p14="http://schemas.microsoft.com/office/powerpoint/2010/main" val="426700887"/>
+        <p14:creationId xmlns:p14="http://schemas.microsoft.com/office/powerpoint/2010/main" val="3786467353"/>
       </p:ext>
     </p:extLst>
   </p:cSld>
@@ -9478,12 +9534,25 @@
         </p:nvSpPr>
         <p:spPr/>
         <p:txBody>
-          <a:bodyPr/>
+          <a:bodyPr>
+            <a:normAutofit fontScale="90000"/>
+          </a:bodyPr>
           <a:lstStyle/>
           <a:p>
             <a:r>
-              <a:rPr lang="en-US" dirty="0" err="1" smtClean="0"/>
-              <a:t>App.config</a:t>
+              <a:rPr lang="ru-RU" dirty="0"/>
+              <a:t>Поиск </a:t>
+            </a:r>
+            <a:r>
+              <a:rPr lang="ru-RU" dirty="0" smtClean="0"/>
+              <a:t>сборки</a:t>
+            </a:r>
+            <a:br>
+              <a:rPr lang="ru-RU" dirty="0" smtClean="0"/>
+            </a:br>
+            <a:r>
+              <a:rPr lang="ru-RU" dirty="0" smtClean="0"/>
+              <a:t>Закрытое развертывание</a:t>
             </a:r>
             <a:endParaRPr lang="ru-RU" dirty="0"/>
           </a:p>
@@ -9499,320 +9568,270 @@
             <p:ph idx="1"/>
           </p:nvPr>
         </p:nvSpPr>
-        <p:spPr>
-          <a:xfrm>
-            <a:off x="457200" y="1600201"/>
-            <a:ext cx="8229600" cy="2332856"/>
-          </a:xfrm>
-        </p:spPr>
+        <p:spPr/>
         <p:txBody>
           <a:bodyPr>
-            <a:normAutofit/>
+            <a:normAutofit fontScale="70000" lnSpcReduction="20000"/>
           </a:bodyPr>
           <a:lstStyle/>
           <a:p>
-            <a:pPr marL="0" indent="0">
-              <a:buNone/>
-            </a:pPr>
-            <a:r>
-              <a:rPr lang="en-US" sz="1400" dirty="0">
-                <a:latin typeface="Courier New" pitchFamily="49" charset="0"/>
-                <a:cs typeface="Courier New" pitchFamily="49" charset="0"/>
-              </a:rPr>
-              <a:t>&lt;?xml version="1.0"?&gt;</a:t>
-            </a:r>
-          </a:p>
-          <a:p>
-            <a:pPr marL="0" indent="0">
-              <a:buNone/>
-            </a:pPr>
-            <a:r>
-              <a:rPr lang="en-US" sz="1400" dirty="0" smtClean="0">
-                <a:latin typeface="Courier New" pitchFamily="49" charset="0"/>
-                <a:cs typeface="Courier New" pitchFamily="49" charset="0"/>
-              </a:rPr>
-              <a:t>&lt;</a:t>
-            </a:r>
-            <a:r>
-              <a:rPr lang="en-US" sz="1400" dirty="0">
-                <a:latin typeface="Courier New" pitchFamily="49" charset="0"/>
-                <a:cs typeface="Courier New" pitchFamily="49" charset="0"/>
-              </a:rPr>
-              <a:t>configuration&gt;</a:t>
-            </a:r>
-          </a:p>
-          <a:p>
-            <a:pPr marL="0" indent="0">
-              <a:buNone/>
-            </a:pPr>
-            <a:r>
-              <a:rPr lang="en-US" sz="1400" dirty="0" smtClean="0">
-                <a:latin typeface="Courier New" pitchFamily="49" charset="0"/>
-                <a:cs typeface="Courier New" pitchFamily="49" charset="0"/>
-              </a:rPr>
-              <a:t>    &lt;</a:t>
-            </a:r>
-            <a:r>
-              <a:rPr lang="en-US" sz="1400" dirty="0">
-                <a:latin typeface="Courier New" pitchFamily="49" charset="0"/>
-                <a:cs typeface="Courier New" pitchFamily="49" charset="0"/>
-              </a:rPr>
-              <a:t>runtime&gt;</a:t>
-            </a:r>
-          </a:p>
-          <a:p>
-            <a:pPr marL="0" indent="0">
-              <a:buNone/>
-            </a:pPr>
-            <a:r>
-              <a:rPr lang="en-US" sz="1400" dirty="0" smtClean="0">
-                <a:latin typeface="Courier New" pitchFamily="49" charset="0"/>
-                <a:cs typeface="Courier New" pitchFamily="49" charset="0"/>
-              </a:rPr>
-              <a:t>        &lt;</a:t>
-            </a:r>
-            <a:r>
-              <a:rPr lang="en-US" sz="1400" dirty="0" err="1">
-                <a:latin typeface="Courier New" pitchFamily="49" charset="0"/>
-                <a:cs typeface="Courier New" pitchFamily="49" charset="0"/>
-              </a:rPr>
-              <a:t>assemblyBinding</a:t>
-            </a:r>
-            <a:r>
-              <a:rPr lang="en-US" sz="1400" dirty="0">
-                <a:latin typeface="Courier New" pitchFamily="49" charset="0"/>
-                <a:cs typeface="Courier New" pitchFamily="49" charset="0"/>
-              </a:rPr>
-              <a:t> </a:t>
-            </a:r>
-            <a:r>
-              <a:rPr lang="en-US" sz="1400" dirty="0" err="1">
-                <a:latin typeface="Courier New" pitchFamily="49" charset="0"/>
-                <a:cs typeface="Courier New" pitchFamily="49" charset="0"/>
-              </a:rPr>
-              <a:t>xmlns</a:t>
-            </a:r>
-            <a:r>
-              <a:rPr lang="en-US" sz="1400" dirty="0">
-                <a:latin typeface="Courier New" pitchFamily="49" charset="0"/>
-                <a:cs typeface="Courier New" pitchFamily="49" charset="0"/>
-              </a:rPr>
-              <a:t>="urn:schemas-microsoft-com:asm.v1"&gt;</a:t>
-            </a:r>
-          </a:p>
-          <a:p>
-            <a:pPr marL="0" indent="0">
-              <a:buNone/>
-            </a:pPr>
-            <a:r>
-              <a:rPr lang="en-US" sz="1400" dirty="0" smtClean="0">
-                <a:latin typeface="Courier New" pitchFamily="49" charset="0"/>
-                <a:cs typeface="Courier New" pitchFamily="49" charset="0"/>
-              </a:rPr>
-              <a:t>            </a:t>
-            </a:r>
-            <a:r>
-              <a:rPr lang="en-US" sz="1600" dirty="0" smtClean="0">
-                <a:solidFill>
-                  <a:srgbClr val="92D050"/>
-                </a:solidFill>
-                <a:latin typeface="Courier New" pitchFamily="49" charset="0"/>
-                <a:cs typeface="Courier New" pitchFamily="49" charset="0"/>
-              </a:rPr>
-              <a:t>&lt;</a:t>
-            </a:r>
-            <a:r>
-              <a:rPr lang="en-US" sz="1600" dirty="0">
-                <a:solidFill>
-                  <a:srgbClr val="92D050"/>
-                </a:solidFill>
-                <a:latin typeface="Courier New" pitchFamily="49" charset="0"/>
-                <a:cs typeface="Courier New" pitchFamily="49" charset="0"/>
-              </a:rPr>
-              <a:t>probing </a:t>
-            </a:r>
-            <a:r>
-              <a:rPr lang="en-US" sz="1600" dirty="0" err="1">
-                <a:solidFill>
-                  <a:srgbClr val="92D050"/>
-                </a:solidFill>
-                <a:latin typeface="Courier New" pitchFamily="49" charset="0"/>
-                <a:cs typeface="Courier New" pitchFamily="49" charset="0"/>
-              </a:rPr>
-              <a:t>privatePath</a:t>
-            </a:r>
-            <a:r>
-              <a:rPr lang="en-US" sz="1600" dirty="0">
-                <a:solidFill>
-                  <a:srgbClr val="92D050"/>
-                </a:solidFill>
-                <a:latin typeface="Courier New" pitchFamily="49" charset="0"/>
-                <a:cs typeface="Courier New" pitchFamily="49" charset="0"/>
-              </a:rPr>
-              <a:t>="privatePath1;privatePath2"/&gt;</a:t>
-            </a:r>
-          </a:p>
-          <a:p>
-            <a:pPr marL="0" indent="0">
-              <a:buNone/>
-            </a:pPr>
-            <a:r>
-              <a:rPr lang="en-US" sz="1400" dirty="0" smtClean="0">
-                <a:latin typeface="Courier New" pitchFamily="49" charset="0"/>
-                <a:cs typeface="Courier New" pitchFamily="49" charset="0"/>
-              </a:rPr>
-              <a:t>        &lt;/</a:t>
-            </a:r>
-            <a:r>
-              <a:rPr lang="en-US" sz="1400" dirty="0" err="1">
-                <a:latin typeface="Courier New" pitchFamily="49" charset="0"/>
-                <a:cs typeface="Courier New" pitchFamily="49" charset="0"/>
-              </a:rPr>
-              <a:t>assemblyBinding</a:t>
-            </a:r>
-            <a:r>
-              <a:rPr lang="en-US" sz="1400" dirty="0">
-                <a:latin typeface="Courier New" pitchFamily="49" charset="0"/>
-                <a:cs typeface="Courier New" pitchFamily="49" charset="0"/>
-              </a:rPr>
-              <a:t>&gt;</a:t>
-            </a:r>
-          </a:p>
-          <a:p>
-            <a:pPr marL="0" indent="0">
-              <a:buNone/>
-            </a:pPr>
-            <a:r>
-              <a:rPr lang="en-US" sz="1400" dirty="0" smtClean="0">
-                <a:latin typeface="Courier New" pitchFamily="49" charset="0"/>
-                <a:cs typeface="Courier New" pitchFamily="49" charset="0"/>
-              </a:rPr>
-              <a:t>    &lt;/</a:t>
-            </a:r>
-            <a:r>
-              <a:rPr lang="en-US" sz="1400" dirty="0">
-                <a:latin typeface="Courier New" pitchFamily="49" charset="0"/>
-                <a:cs typeface="Courier New" pitchFamily="49" charset="0"/>
-              </a:rPr>
-              <a:t>runtime&gt;</a:t>
-            </a:r>
-          </a:p>
-          <a:p>
-            <a:pPr marL="0" indent="0">
-              <a:buNone/>
-            </a:pPr>
-            <a:r>
-              <a:rPr lang="en-US" sz="1400" dirty="0">
-                <a:latin typeface="Courier New" pitchFamily="49" charset="0"/>
-                <a:cs typeface="Courier New" pitchFamily="49" charset="0"/>
-              </a:rPr>
-              <a:t>&lt;/configuration&gt;</a:t>
-            </a:r>
-          </a:p>
-          <a:p>
-            <a:pPr marL="0" indent="0">
-              <a:buNone/>
-            </a:pPr>
-            <a:endParaRPr lang="ru-RU" sz="1400" dirty="0"/>
-          </a:p>
-        </p:txBody>
-      </p:sp>
-      <p:sp>
-        <p:nvSpPr>
-          <p:cNvPr id="4" name="Title 1"/>
-          <p:cNvSpPr txBox="1">
-            <a:spLocks/>
-          </p:cNvSpPr>
-          <p:nvPr/>
-        </p:nvSpPr>
-        <p:spPr>
-          <a:xfrm>
-            <a:off x="457200" y="3798168"/>
-            <a:ext cx="8229600" cy="1143000"/>
-          </a:xfrm>
-          <a:prstGeom prst="rect">
-            <a:avLst/>
-          </a:prstGeom>
-        </p:spPr>
-        <p:txBody>
-          <a:bodyPr vert="horz" lIns="91440" tIns="45720" rIns="91440" bIns="45720" rtlCol="0" anchor="ctr">
-            <a:normAutofit/>
-          </a:bodyPr>
-          <a:lstStyle>
-            <a:lvl1pPr algn="ctr" defTabSz="914400" rtl="0" eaLnBrk="1" latinLnBrk="0" hangingPunct="1">
-              <a:spcBef>
-                <a:spcPct val="0"/>
-              </a:spcBef>
-              <a:buNone/>
-              <a:defRPr sz="4400" kern="1200">
-                <a:solidFill>
-                  <a:schemeClr val="tx1"/>
-                </a:solidFill>
-                <a:latin typeface="+mj-lt"/>
-                <a:ea typeface="+mj-ea"/>
-                <a:cs typeface="+mj-cs"/>
-              </a:defRPr>
-            </a:lvl1pPr>
-          </a:lstStyle>
-          <a:p>
             <a:r>
               <a:rPr lang="en-US" dirty="0" err="1" smtClean="0"/>
-              <a:t>Machine.config</a:t>
-            </a:r>
+              <a:t>AppBase</a:t>
+            </a:r>
+            <a:r>
+              <a:rPr lang="en-US" dirty="0" smtClean="0"/>
+              <a:t>\AsmName.dll</a:t>
+            </a:r>
+          </a:p>
+          <a:p>
+            <a:r>
+              <a:rPr lang="en-US" dirty="0" err="1" smtClean="0"/>
+              <a:t>AppBase</a:t>
+            </a:r>
+            <a:r>
+              <a:rPr lang="en-US" dirty="0" smtClean="0"/>
+              <a:t>\</a:t>
+            </a:r>
+            <a:r>
+              <a:rPr lang="en-US" dirty="0" err="1" smtClean="0"/>
+              <a:t>AsmName</a:t>
+            </a:r>
+            <a:r>
+              <a:rPr lang="en-US" dirty="0" smtClean="0"/>
+              <a:t>\AsmName.dll</a:t>
+            </a:r>
+            <a:endParaRPr lang="en-US" dirty="0"/>
+          </a:p>
+          <a:p>
+            <a:r>
+              <a:rPr lang="en-US" dirty="0" err="1" smtClean="0"/>
+              <a:t>AppBase</a:t>
+            </a:r>
+            <a:r>
+              <a:rPr lang="en-US" dirty="0" smtClean="0"/>
+              <a:t>\privatePath1\</a:t>
+            </a:r>
+            <a:r>
+              <a:rPr lang="en-US" dirty="0" err="1" smtClean="0"/>
+              <a:t>AsmName</a:t>
+            </a:r>
+            <a:r>
+              <a:rPr lang="en-US" dirty="0" smtClean="0"/>
+              <a:t>. </a:t>
+            </a:r>
+            <a:r>
+              <a:rPr lang="en-US" dirty="0" err="1"/>
+              <a:t>dll</a:t>
+            </a:r>
+            <a:endParaRPr lang="en-US" dirty="0"/>
+          </a:p>
+          <a:p>
+            <a:r>
+              <a:rPr lang="en-US" dirty="0" err="1" smtClean="0"/>
+              <a:t>AppBase</a:t>
+            </a:r>
+            <a:r>
+              <a:rPr lang="en-US" dirty="0" smtClean="0"/>
+              <a:t>\privatePath1\</a:t>
+            </a:r>
+            <a:r>
+              <a:rPr lang="en-US" dirty="0" err="1" smtClean="0"/>
+              <a:t>AsmName</a:t>
+            </a:r>
+            <a:r>
+              <a:rPr lang="en-US" dirty="0" smtClean="0"/>
+              <a:t>\AsmName.dll</a:t>
+            </a:r>
+            <a:endParaRPr lang="en-US" dirty="0"/>
+          </a:p>
+          <a:p>
+            <a:r>
+              <a:rPr lang="en-US" dirty="0" err="1" smtClean="0"/>
+              <a:t>AppBase</a:t>
+            </a:r>
+            <a:r>
+              <a:rPr lang="en-US" dirty="0" smtClean="0"/>
+              <a:t>\privatePath2\AsmName.dll</a:t>
+            </a:r>
+            <a:endParaRPr lang="en-US" dirty="0"/>
+          </a:p>
+          <a:p>
+            <a:r>
+              <a:rPr lang="en-US" dirty="0" err="1" smtClean="0"/>
+              <a:t>AppBase</a:t>
+            </a:r>
+            <a:r>
+              <a:rPr lang="en-US" dirty="0" smtClean="0"/>
+              <a:t>\privatePath2\</a:t>
+            </a:r>
+            <a:r>
+              <a:rPr lang="en-US" dirty="0" err="1" smtClean="0"/>
+              <a:t>AsmName</a:t>
+            </a:r>
+            <a:r>
+              <a:rPr lang="en-US" dirty="0" smtClean="0"/>
+              <a:t>\AsmName.dll</a:t>
+            </a:r>
+          </a:p>
+          <a:p>
+            <a:endParaRPr lang="en-US" dirty="0" smtClean="0"/>
+          </a:p>
+          <a:p>
+            <a:r>
+              <a:rPr lang="en-US" dirty="0" err="1" smtClean="0"/>
+              <a:t>AppBase</a:t>
+            </a:r>
+            <a:r>
+              <a:rPr lang="en-US" dirty="0" smtClean="0"/>
+              <a:t>\en-US\AsmName.dll</a:t>
+            </a:r>
+            <a:endParaRPr lang="en-US" dirty="0"/>
+          </a:p>
+          <a:p>
+            <a:r>
+              <a:rPr lang="en-US" dirty="0" err="1" smtClean="0"/>
+              <a:t>AppBase</a:t>
+            </a:r>
+            <a:r>
+              <a:rPr lang="en-US" dirty="0" smtClean="0"/>
+              <a:t>\</a:t>
+            </a:r>
+            <a:r>
+              <a:rPr lang="en-US" dirty="0"/>
+              <a:t>en-US\</a:t>
+            </a:r>
+            <a:r>
+              <a:rPr lang="en-US" dirty="0" err="1" smtClean="0"/>
+              <a:t>AsmName</a:t>
+            </a:r>
+            <a:r>
+              <a:rPr lang="en-US" dirty="0" smtClean="0"/>
+              <a:t>\AsmName.dll</a:t>
+            </a:r>
+            <a:endParaRPr lang="en-US" dirty="0"/>
+          </a:p>
+          <a:p>
+            <a:r>
+              <a:rPr lang="en-US" dirty="0" err="1" smtClean="0"/>
+              <a:t>AppBase</a:t>
+            </a:r>
+            <a:r>
+              <a:rPr lang="en-US" dirty="0" smtClean="0"/>
+              <a:t>\</a:t>
+            </a:r>
+            <a:r>
+              <a:rPr lang="en-US" dirty="0"/>
+              <a:t>en-US\</a:t>
+            </a:r>
+            <a:r>
+              <a:rPr lang="en-US" dirty="0" smtClean="0"/>
+              <a:t>privatePath1\</a:t>
+            </a:r>
+            <a:r>
+              <a:rPr lang="en-US" dirty="0" err="1" smtClean="0"/>
+              <a:t>AsmName</a:t>
+            </a:r>
+            <a:r>
+              <a:rPr lang="en-US" dirty="0"/>
+              <a:t>. </a:t>
+            </a:r>
+            <a:r>
+              <a:rPr lang="en-US" dirty="0" err="1"/>
+              <a:t>dll</a:t>
+            </a:r>
+            <a:endParaRPr lang="en-US" dirty="0"/>
+          </a:p>
+          <a:p>
+            <a:r>
+              <a:rPr lang="en-US" dirty="0" err="1" smtClean="0"/>
+              <a:t>AppBase</a:t>
+            </a:r>
+            <a:r>
+              <a:rPr lang="en-US" dirty="0" smtClean="0"/>
+              <a:t>\</a:t>
+            </a:r>
+            <a:r>
+              <a:rPr lang="en-US" dirty="0"/>
+              <a:t>en-US\</a:t>
+            </a:r>
+            <a:r>
+              <a:rPr lang="en-US" dirty="0" smtClean="0"/>
+              <a:t>privatePath1\</a:t>
+            </a:r>
+            <a:r>
+              <a:rPr lang="en-US" dirty="0" err="1" smtClean="0"/>
+              <a:t>AsmName</a:t>
+            </a:r>
+            <a:r>
+              <a:rPr lang="en-US" dirty="0" smtClean="0"/>
+              <a:t>\AsmName.dll</a:t>
+            </a:r>
+            <a:endParaRPr lang="en-US" dirty="0"/>
+          </a:p>
+          <a:p>
+            <a:r>
+              <a:rPr lang="en-US" dirty="0" err="1" smtClean="0"/>
+              <a:t>AppBase</a:t>
+            </a:r>
+            <a:r>
+              <a:rPr lang="en-US" dirty="0" smtClean="0"/>
+              <a:t>\</a:t>
+            </a:r>
+            <a:r>
+              <a:rPr lang="en-US" dirty="0"/>
+              <a:t>en-US\</a:t>
+            </a:r>
+            <a:r>
+              <a:rPr lang="en-US" dirty="0" smtClean="0"/>
+              <a:t>privatePath2\AsmName.dll</a:t>
+            </a:r>
+            <a:endParaRPr lang="en-US" dirty="0"/>
+          </a:p>
+          <a:p>
+            <a:r>
+              <a:rPr lang="en-US" dirty="0" err="1" smtClean="0"/>
+              <a:t>AppBase</a:t>
+            </a:r>
+            <a:r>
+              <a:rPr lang="en-US" dirty="0" smtClean="0"/>
+              <a:t>\</a:t>
+            </a:r>
+            <a:r>
+              <a:rPr lang="en-US" dirty="0"/>
+              <a:t>en-US\</a:t>
+            </a:r>
+            <a:r>
+              <a:rPr lang="en-US" dirty="0" smtClean="0"/>
+              <a:t>privatePath2\</a:t>
+            </a:r>
+            <a:r>
+              <a:rPr lang="en-US" dirty="0" err="1" smtClean="0"/>
+              <a:t>AsmName</a:t>
+            </a:r>
+            <a:r>
+              <a:rPr lang="en-US" dirty="0" smtClean="0"/>
+              <a:t>\</a:t>
+            </a:r>
+            <a:r>
+              <a:rPr lang="en-US" dirty="0" err="1" smtClean="0"/>
+              <a:t>AsmName</a:t>
+            </a:r>
+            <a:r>
+              <a:rPr lang="en-US" dirty="0"/>
+              <a:t>.</a:t>
+            </a:r>
+            <a:endParaRPr lang="en-US" dirty="0" smtClean="0"/>
+          </a:p>
+          <a:p>
             <a:endParaRPr lang="ru-RU" dirty="0"/>
-          </a:p>
-        </p:txBody>
-      </p:sp>
-      <p:sp>
-        <p:nvSpPr>
-          <p:cNvPr id="5" name="TextBox 4"/>
-          <p:cNvSpPr txBox="1"/>
-          <p:nvPr/>
-        </p:nvSpPr>
-        <p:spPr>
-          <a:xfrm>
-            <a:off x="457200" y="5085184"/>
-            <a:ext cx="8229600" cy="523220"/>
-          </a:xfrm>
-          <a:prstGeom prst="rect">
-            <a:avLst/>
-          </a:prstGeom>
-          <a:noFill/>
-        </p:spPr>
-        <p:txBody>
-          <a:bodyPr wrap="square" rtlCol="0">
-            <a:spAutoFit/>
-          </a:bodyPr>
-          <a:lstStyle/>
-          <a:p>
-            <a:r>
-              <a:rPr lang="ru-RU" sz="2800" dirty="0" smtClean="0"/>
-              <a:t>%</a:t>
-            </a:r>
-            <a:r>
-              <a:rPr lang="en-US" sz="2800" dirty="0" err="1" smtClean="0"/>
-              <a:t>windir</a:t>
-            </a:r>
-            <a:r>
-              <a:rPr lang="en-US" sz="2800" dirty="0" smtClean="0"/>
-              <a:t>%\Microsoft.NET\Framework\</a:t>
-            </a:r>
-            <a:r>
-              <a:rPr lang="en-US" sz="2800" dirty="0" err="1" smtClean="0"/>
-              <a:t>x.y.z</a:t>
-            </a:r>
-            <a:r>
-              <a:rPr lang="en-US" sz="2800" dirty="0" smtClean="0"/>
-              <a:t>\CONFIG</a:t>
-            </a:r>
-            <a:endParaRPr lang="ru-RU" sz="2800" dirty="0" smtClean="0"/>
           </a:p>
         </p:txBody>
       </p:sp>
     </p:spTree>
     <p:extLst>
       <p:ext uri="{BB962C8B-B14F-4D97-AF65-F5344CB8AC3E}">
-        <p14:creationId xmlns:p14="http://schemas.microsoft.com/office/powerpoint/2010/main" val="4163857979"/>
+        <p14:creationId xmlns:p14="http://schemas.microsoft.com/office/powerpoint/2010/main" val="426700887"/>
       </p:ext>
     </p:extLst>
   </p:cSld>
@@ -9858,14 +9877,12 @@
         </p:nvSpPr>
         <p:spPr/>
         <p:txBody>
-          <a:bodyPr>
-            <a:normAutofit fontScale="90000"/>
-          </a:bodyPr>
+          <a:bodyPr/>
           <a:lstStyle/>
           <a:p>
             <a:r>
-              <a:rPr lang="en-US" dirty="0"/>
-              <a:t>Fuslogvw.exe (Assembly Binding Log Viewer)</a:t>
+              <a:rPr lang="en-US" dirty="0" err="1" smtClean="0"/>
+              <a:t>App.config</a:t>
             </a:r>
             <a:endParaRPr lang="ru-RU" dirty="0"/>
           </a:p>
@@ -9881,10 +9898,15 @@
             <p:ph idx="1"/>
           </p:nvPr>
         </p:nvSpPr>
-        <p:spPr/>
+        <p:spPr>
+          <a:xfrm>
+            <a:off x="457200" y="1600201"/>
+            <a:ext cx="8229600" cy="2332856"/>
+          </a:xfrm>
+        </p:spPr>
         <p:txBody>
           <a:bodyPr>
-            <a:normAutofit fontScale="92500" lnSpcReduction="20000"/>
+            <a:normAutofit/>
           </a:bodyPr>
           <a:lstStyle/>
           <a:p>
@@ -9892,99 +9914,304 @@
               <a:buNone/>
             </a:pPr>
             <a:r>
-              <a:rPr lang="ru-RU" dirty="0" smtClean="0"/>
-              <a:t>Диагностика проблем с загрузкой сборок. </a:t>
-            </a:r>
-            <a:r>
-              <a:rPr lang="ru-RU" smtClean="0"/>
-              <a:t>Является частью </a:t>
-            </a:r>
-            <a:r>
-              <a:rPr lang="en-US" dirty="0" smtClean="0"/>
-              <a:t>Windows SDK</a:t>
-            </a:r>
-            <a:r>
-              <a:rPr lang="ru-RU" dirty="0" smtClean="0"/>
-              <a:t>.</a:t>
+              <a:rPr lang="en-US" sz="1400" dirty="0">
+                <a:latin typeface="Courier New" pitchFamily="49" charset="0"/>
+                <a:cs typeface="Courier New" pitchFamily="49" charset="0"/>
+              </a:rPr>
+              <a:t>&lt;?xml version="1.0"?&gt;</a:t>
             </a:r>
           </a:p>
           <a:p>
             <a:pPr marL="0" indent="0">
               <a:buNone/>
             </a:pPr>
-            <a:endParaRPr lang="ru-RU" dirty="0" smtClean="0"/>
-          </a:p>
-          <a:p>
-            <a:r>
-              <a:rPr lang="en-US" dirty="0" smtClean="0"/>
-              <a:t>HKLM\Software\Microsoft\Fusion</a:t>
-            </a:r>
-            <a:endParaRPr lang="ru-RU" dirty="0" smtClean="0"/>
-          </a:p>
-          <a:p>
-            <a:pPr lvl="1"/>
-            <a:r>
-              <a:rPr lang="en-US" dirty="0" err="1"/>
-              <a:t>ForceLog</a:t>
-            </a:r>
-            <a:r>
-              <a:rPr lang="en-US" dirty="0"/>
-              <a:t> </a:t>
-            </a:r>
-            <a:r>
-              <a:rPr lang="ru-RU" dirty="0" smtClean="0"/>
-              <a:t>= 1</a:t>
-            </a:r>
-          </a:p>
-          <a:p>
-            <a:pPr lvl="1"/>
-            <a:r>
-              <a:rPr lang="en-US" dirty="0" err="1" smtClean="0"/>
-              <a:t>LogPath</a:t>
-            </a:r>
-            <a:r>
-              <a:rPr lang="ru-RU" dirty="0" smtClean="0"/>
-              <a:t> – путь к существующей папке для протоколирования</a:t>
+            <a:r>
+              <a:rPr lang="en-US" sz="1400" dirty="0" smtClean="0">
+                <a:latin typeface="Courier New" pitchFamily="49" charset="0"/>
+                <a:cs typeface="Courier New" pitchFamily="49" charset="0"/>
+              </a:rPr>
+              <a:t>&lt;</a:t>
+            </a:r>
+            <a:r>
+              <a:rPr lang="en-US" sz="1400" dirty="0">
+                <a:latin typeface="Courier New" pitchFamily="49" charset="0"/>
+                <a:cs typeface="Courier New" pitchFamily="49" charset="0"/>
+              </a:rPr>
+              <a:t>configuration&gt;</a:t>
             </a:r>
           </a:p>
           <a:p>
             <a:pPr marL="0" indent="0">
               <a:buNone/>
             </a:pPr>
-            <a:endParaRPr lang="ru-RU" dirty="0" smtClean="0">
-              <a:hlinkClick r:id="rId2"/>
-            </a:endParaRPr>
+            <a:r>
+              <a:rPr lang="en-US" sz="1400" dirty="0" smtClean="0">
+                <a:latin typeface="Courier New" pitchFamily="49" charset="0"/>
+                <a:cs typeface="Courier New" pitchFamily="49" charset="0"/>
+              </a:rPr>
+              <a:t>    &lt;</a:t>
+            </a:r>
+            <a:r>
+              <a:rPr lang="en-US" sz="1400" dirty="0">
+                <a:latin typeface="Courier New" pitchFamily="49" charset="0"/>
+                <a:cs typeface="Courier New" pitchFamily="49" charset="0"/>
+              </a:rPr>
+              <a:t>runtime&gt;</a:t>
+            </a:r>
           </a:p>
           <a:p>
             <a:pPr marL="0" indent="0">
               <a:buNone/>
             </a:pPr>
             <a:r>
-              <a:rPr lang="en-US" dirty="0" smtClean="0">
-                <a:hlinkClick r:id="rId2"/>
-              </a:rPr>
-              <a:t>http</a:t>
-            </a:r>
-            <a:r>
-              <a:rPr lang="en-US" dirty="0">
-                <a:hlinkClick r:id="rId2"/>
-              </a:rPr>
-              <a:t>://</a:t>
-            </a:r>
-            <a:r>
-              <a:rPr lang="en-US" dirty="0" smtClean="0">
-                <a:hlinkClick r:id="rId2"/>
-              </a:rPr>
-              <a:t>msdn.microsoft.com/en-us/library/e74a18c4%28v=vs.110%29.aspx</a:t>
+              <a:rPr lang="en-US" sz="1400" dirty="0" smtClean="0">
+                <a:latin typeface="Courier New" pitchFamily="49" charset="0"/>
+                <a:cs typeface="Courier New" pitchFamily="49" charset="0"/>
+              </a:rPr>
+              <a:t>        &lt;</a:t>
+            </a:r>
+            <a:r>
+              <a:rPr lang="en-US" sz="1400" dirty="0" err="1">
+                <a:latin typeface="Courier New" pitchFamily="49" charset="0"/>
+                <a:cs typeface="Courier New" pitchFamily="49" charset="0"/>
+              </a:rPr>
+              <a:t>assemblyBinding</a:t>
+            </a:r>
+            <a:r>
+              <a:rPr lang="en-US" sz="1400" dirty="0">
+                <a:latin typeface="Courier New" pitchFamily="49" charset="0"/>
+                <a:cs typeface="Courier New" pitchFamily="49" charset="0"/>
+              </a:rPr>
+              <a:t> </a:t>
+            </a:r>
+            <a:r>
+              <a:rPr lang="en-US" sz="1400" dirty="0" err="1">
+                <a:latin typeface="Courier New" pitchFamily="49" charset="0"/>
+                <a:cs typeface="Courier New" pitchFamily="49" charset="0"/>
+              </a:rPr>
+              <a:t>xmlns</a:t>
+            </a:r>
+            <a:r>
+              <a:rPr lang="en-US" sz="1400" dirty="0">
+                <a:latin typeface="Courier New" pitchFamily="49" charset="0"/>
+                <a:cs typeface="Courier New" pitchFamily="49" charset="0"/>
+              </a:rPr>
+              <a:t>="urn:schemas-microsoft-com:asm.v1"&gt;</a:t>
+            </a:r>
+          </a:p>
+          <a:p>
+            <a:pPr marL="0" indent="0">
+              <a:buNone/>
+            </a:pPr>
+            <a:r>
+              <a:rPr lang="en-US" sz="1400" dirty="0" smtClean="0">
+                <a:latin typeface="Courier New" pitchFamily="49" charset="0"/>
+                <a:cs typeface="Courier New" pitchFamily="49" charset="0"/>
+              </a:rPr>
+              <a:t>            </a:t>
+            </a:r>
+            <a:r>
+              <a:rPr lang="en-US" sz="1600" dirty="0" smtClean="0">
+                <a:solidFill>
+                  <a:srgbClr val="92D050"/>
+                </a:solidFill>
+                <a:latin typeface="Courier New" pitchFamily="49" charset="0"/>
+                <a:cs typeface="Courier New" pitchFamily="49" charset="0"/>
+              </a:rPr>
+              <a:t>&lt;</a:t>
+            </a:r>
+            <a:r>
+              <a:rPr lang="en-US" sz="1600" dirty="0">
+                <a:solidFill>
+                  <a:srgbClr val="92D050"/>
+                </a:solidFill>
+                <a:latin typeface="Courier New" pitchFamily="49" charset="0"/>
+                <a:cs typeface="Courier New" pitchFamily="49" charset="0"/>
+              </a:rPr>
+              <a:t>probing </a:t>
+            </a:r>
+            <a:r>
+              <a:rPr lang="en-US" sz="1600" dirty="0" err="1">
+                <a:solidFill>
+                  <a:srgbClr val="92D050"/>
+                </a:solidFill>
+                <a:latin typeface="Courier New" pitchFamily="49" charset="0"/>
+                <a:cs typeface="Courier New" pitchFamily="49" charset="0"/>
+              </a:rPr>
+              <a:t>privatePath</a:t>
+            </a:r>
+            <a:r>
+              <a:rPr lang="en-US" sz="1600" dirty="0">
+                <a:solidFill>
+                  <a:srgbClr val="92D050"/>
+                </a:solidFill>
+                <a:latin typeface="Courier New" pitchFamily="49" charset="0"/>
+                <a:cs typeface="Courier New" pitchFamily="49" charset="0"/>
+              </a:rPr>
+              <a:t>="privatePath1;privatePath2"/&gt;</a:t>
+            </a:r>
+          </a:p>
+          <a:p>
+            <a:pPr marL="0" indent="0">
+              <a:buNone/>
+            </a:pPr>
+            <a:r>
+              <a:rPr lang="en-US" sz="1400" dirty="0" smtClean="0">
+                <a:latin typeface="Courier New" pitchFamily="49" charset="0"/>
+                <a:cs typeface="Courier New" pitchFamily="49" charset="0"/>
+              </a:rPr>
+              <a:t>        &lt;/</a:t>
+            </a:r>
+            <a:r>
+              <a:rPr lang="en-US" sz="1400" dirty="0" err="1">
+                <a:latin typeface="Courier New" pitchFamily="49" charset="0"/>
+                <a:cs typeface="Courier New" pitchFamily="49" charset="0"/>
+              </a:rPr>
+              <a:t>assemblyBinding</a:t>
+            </a:r>
+            <a:r>
+              <a:rPr lang="en-US" sz="1400" dirty="0">
+                <a:latin typeface="Courier New" pitchFamily="49" charset="0"/>
+                <a:cs typeface="Courier New" pitchFamily="49" charset="0"/>
+              </a:rPr>
+              <a:t>&gt;</a:t>
+            </a:r>
+          </a:p>
+          <a:p>
+            <a:pPr marL="0" indent="0">
+              <a:buNone/>
+            </a:pPr>
+            <a:r>
+              <a:rPr lang="en-US" sz="1400" dirty="0" smtClean="0">
+                <a:latin typeface="Courier New" pitchFamily="49" charset="0"/>
+                <a:cs typeface="Courier New" pitchFamily="49" charset="0"/>
+              </a:rPr>
+              <a:t>    &lt;/</a:t>
+            </a:r>
+            <a:r>
+              <a:rPr lang="en-US" sz="1400" dirty="0">
+                <a:latin typeface="Courier New" pitchFamily="49" charset="0"/>
+                <a:cs typeface="Courier New" pitchFamily="49" charset="0"/>
+              </a:rPr>
+              <a:t>runtime&gt;</a:t>
+            </a:r>
+          </a:p>
+          <a:p>
+            <a:pPr marL="0" indent="0">
+              <a:buNone/>
+            </a:pPr>
+            <a:r>
+              <a:rPr lang="en-US" sz="1400" dirty="0">
+                <a:latin typeface="Courier New" pitchFamily="49" charset="0"/>
+                <a:cs typeface="Courier New" pitchFamily="49" charset="0"/>
+              </a:rPr>
+              <a:t>&lt;/configuration&gt;</a:t>
+            </a:r>
+          </a:p>
+          <a:p>
+            <a:pPr marL="0" indent="0">
+              <a:buNone/>
+            </a:pPr>
+            <a:endParaRPr lang="ru-RU" sz="1400" dirty="0"/>
+          </a:p>
+        </p:txBody>
+      </p:sp>
+      <p:sp>
+        <p:nvSpPr>
+          <p:cNvPr id="4" name="Title 1"/>
+          <p:cNvSpPr txBox="1">
+            <a:spLocks/>
+          </p:cNvSpPr>
+          <p:nvPr/>
+        </p:nvSpPr>
+        <p:spPr>
+          <a:xfrm>
+            <a:off x="457200" y="3798168"/>
+            <a:ext cx="8229600" cy="1143000"/>
+          </a:xfrm>
+          <a:prstGeom prst="rect">
+            <a:avLst/>
+          </a:prstGeom>
+        </p:spPr>
+        <p:txBody>
+          <a:bodyPr vert="horz" lIns="91440" tIns="45720" rIns="91440" bIns="45720" rtlCol="0" anchor="ctr">
+            <a:normAutofit/>
+          </a:bodyPr>
+          <a:lstStyle>
+            <a:lvl1pPr algn="ctr" defTabSz="914400" rtl="0" eaLnBrk="1" latinLnBrk="0" hangingPunct="1">
+              <a:spcBef>
+                <a:spcPct val="0"/>
+              </a:spcBef>
+              <a:buNone/>
+              <a:defRPr sz="4400" kern="1200">
+                <a:solidFill>
+                  <a:schemeClr val="tx1"/>
+                </a:solidFill>
+                <a:latin typeface="+mj-lt"/>
+                <a:ea typeface="+mj-ea"/>
+                <a:cs typeface="+mj-cs"/>
+              </a:defRPr>
+            </a:lvl1pPr>
+          </a:lstStyle>
+          <a:p>
+            <a:r>
+              <a:rPr lang="en-US" dirty="0" err="1" smtClean="0"/>
+              <a:t>Machine.config</a:t>
             </a:r>
             <a:endParaRPr lang="ru-RU" dirty="0"/>
+          </a:p>
+        </p:txBody>
+      </p:sp>
+      <p:sp>
+        <p:nvSpPr>
+          <p:cNvPr id="5" name="TextBox 4"/>
+          <p:cNvSpPr txBox="1"/>
+          <p:nvPr/>
+        </p:nvSpPr>
+        <p:spPr>
+          <a:xfrm>
+            <a:off x="457200" y="5085184"/>
+            <a:ext cx="8229600" cy="523220"/>
+          </a:xfrm>
+          <a:prstGeom prst="rect">
+            <a:avLst/>
+          </a:prstGeom>
+          <a:noFill/>
+        </p:spPr>
+        <p:txBody>
+          <a:bodyPr wrap="square" rtlCol="0">
+            <a:spAutoFit/>
+          </a:bodyPr>
+          <a:lstStyle/>
+          <a:p>
+            <a:r>
+              <a:rPr lang="ru-RU" sz="2800" dirty="0" smtClean="0"/>
+              <a:t>%</a:t>
+            </a:r>
+            <a:r>
+              <a:rPr lang="en-US" sz="2800" dirty="0" err="1" smtClean="0"/>
+              <a:t>windir</a:t>
+            </a:r>
+            <a:r>
+              <a:rPr lang="en-US" sz="2800" dirty="0" smtClean="0"/>
+              <a:t>%\Microsoft.NET\Framework\</a:t>
+            </a:r>
+            <a:r>
+              <a:rPr lang="en-US" sz="2800" dirty="0" err="1" smtClean="0"/>
+              <a:t>x.y.z</a:t>
+            </a:r>
+            <a:r>
+              <a:rPr lang="en-US" sz="2800" dirty="0" smtClean="0"/>
+              <a:t>\CONFIG</a:t>
+            </a:r>
+            <a:endParaRPr lang="ru-RU" sz="2800" dirty="0" smtClean="0"/>
           </a:p>
         </p:txBody>
       </p:sp>
     </p:spTree>
     <p:extLst>
       <p:ext uri="{BB962C8B-B14F-4D97-AF65-F5344CB8AC3E}">
-        <p14:creationId xmlns:p14="http://schemas.microsoft.com/office/powerpoint/2010/main" val="3803663968"/>
+        <p14:creationId xmlns:p14="http://schemas.microsoft.com/office/powerpoint/2010/main" val="4163857979"/>
       </p:ext>
     </p:extLst>
   </p:cSld>
@@ -10036,16 +10263,8 @@
           <a:lstStyle/>
           <a:p>
             <a:r>
-              <a:rPr lang="ru-RU" dirty="0" smtClean="0"/>
-              <a:t>Строгое имя сборки (</a:t>
-            </a:r>
-            <a:r>
-              <a:rPr lang="en-US" dirty="0" smtClean="0"/>
-              <a:t>strong name</a:t>
-            </a:r>
-            <a:r>
-              <a:rPr lang="ru-RU" dirty="0" smtClean="0"/>
-              <a:t>)</a:t>
+              <a:rPr lang="en-US" dirty="0"/>
+              <a:t>Fuslogvw.exe (Assembly Binding Log Viewer)</a:t>
             </a:r>
             <a:endParaRPr lang="ru-RU" dirty="0"/>
           </a:p>
@@ -10064,7 +10283,7 @@
         <p:spPr/>
         <p:txBody>
           <a:bodyPr>
-            <a:normAutofit fontScale="62500" lnSpcReduction="20000"/>
+            <a:normAutofit fontScale="92500" lnSpcReduction="20000"/>
           </a:bodyPr>
           <a:lstStyle/>
           <a:p>
@@ -10072,232 +10291,91 @@
               <a:buNone/>
             </a:pPr>
             <a:r>
-              <a:rPr lang="ru-RU" dirty="0" smtClean="0">
-                <a:solidFill>
-                  <a:schemeClr val="bg1"/>
-                </a:solidFill>
-              </a:rPr>
-              <a:t>Для задания строгово имени сборки необходимы четыре составляющих:</a:t>
+              <a:rPr lang="ru-RU" dirty="0" smtClean="0"/>
+              <a:t>Диагностика проблем с загрузкой сборок. </a:t>
+            </a:r>
+            <a:r>
+              <a:rPr lang="ru-RU" smtClean="0"/>
+              <a:t>Является частью </a:t>
+            </a:r>
+            <a:r>
+              <a:rPr lang="en-US" dirty="0" smtClean="0"/>
+              <a:t>Windows SDK</a:t>
+            </a:r>
+            <a:r>
+              <a:rPr lang="ru-RU" dirty="0" smtClean="0"/>
+              <a:t>.</a:t>
             </a:r>
           </a:p>
           <a:p>
             <a:pPr marL="0" indent="0">
               <a:buNone/>
             </a:pPr>
-            <a:endParaRPr lang="en-US" dirty="0" smtClean="0">
-              <a:solidFill>
-                <a:schemeClr val="bg1"/>
-              </a:solidFill>
+            <a:endParaRPr lang="ru-RU" dirty="0" smtClean="0"/>
+          </a:p>
+          <a:p>
+            <a:r>
+              <a:rPr lang="en-US" dirty="0" smtClean="0"/>
+              <a:t>HKLM\Software\Microsoft\Fusion</a:t>
+            </a:r>
+            <a:endParaRPr lang="ru-RU" dirty="0" smtClean="0"/>
+          </a:p>
+          <a:p>
+            <a:pPr lvl="1"/>
+            <a:r>
+              <a:rPr lang="en-US" dirty="0" err="1"/>
+              <a:t>ForceLog</a:t>
+            </a:r>
+            <a:r>
+              <a:rPr lang="en-US" dirty="0"/>
+              <a:t> </a:t>
+            </a:r>
+            <a:r>
+              <a:rPr lang="ru-RU" dirty="0" smtClean="0"/>
+              <a:t>= 1</a:t>
+            </a:r>
+          </a:p>
+          <a:p>
+            <a:pPr lvl="1"/>
+            <a:r>
+              <a:rPr lang="en-US" dirty="0" err="1" smtClean="0"/>
+              <a:t>LogPath</a:t>
+            </a:r>
+            <a:r>
+              <a:rPr lang="ru-RU" dirty="0" smtClean="0"/>
+              <a:t> – путь к существующей папке для протоколирования</a:t>
+            </a:r>
+          </a:p>
+          <a:p>
+            <a:pPr marL="0" indent="0">
+              <a:buNone/>
+            </a:pPr>
+            <a:endParaRPr lang="ru-RU" dirty="0" smtClean="0">
+              <a:hlinkClick r:id="rId2"/>
             </a:endParaRPr>
           </a:p>
           <a:p>
-            <a:pPr marL="514350" indent="-514350">
-              <a:buFont typeface="+mj-lt"/>
-              <a:buAutoNum type="arabicPeriod"/>
-            </a:pPr>
-            <a:r>
-              <a:rPr lang="ru-RU" dirty="0" smtClean="0">
-                <a:solidFill>
-                  <a:srgbClr val="FFFF00"/>
-                </a:solidFill>
-              </a:rPr>
-              <a:t>Имя сборки</a:t>
-            </a:r>
-            <a:endParaRPr lang="en-US" dirty="0" smtClean="0">
-              <a:solidFill>
-                <a:srgbClr val="FFFF00"/>
-              </a:solidFill>
-            </a:endParaRPr>
-          </a:p>
-          <a:p>
-            <a:pPr lvl="1"/>
-            <a:r>
-              <a:rPr lang="ru-RU" dirty="0" smtClean="0"/>
-              <a:t>Задается в свойствах проекта</a:t>
-            </a:r>
-          </a:p>
-          <a:p>
-            <a:pPr marL="514350" indent="-514350">
-              <a:buFont typeface="+mj-lt"/>
-              <a:buAutoNum type="arabicPeriod"/>
-            </a:pPr>
-            <a:r>
-              <a:rPr lang="ru-RU" dirty="0" smtClean="0">
-                <a:solidFill>
-                  <a:srgbClr val="FFFF00"/>
-                </a:solidFill>
-              </a:rPr>
-              <a:t>Номер версии сборки</a:t>
-            </a:r>
-          </a:p>
-          <a:p>
-            <a:pPr lvl="1"/>
-            <a:r>
-              <a:rPr lang="ru-RU" dirty="0" smtClean="0"/>
-              <a:t>Атрибут </a:t>
-            </a:r>
-            <a:r>
-              <a:rPr lang="en-US" dirty="0" err="1" smtClean="0"/>
-              <a:t>AssemblyVersion</a:t>
-            </a:r>
-            <a:endParaRPr lang="ru-RU" dirty="0" smtClean="0"/>
-          </a:p>
-          <a:p>
-            <a:pPr marL="514350" indent="-514350">
-              <a:buFont typeface="+mj-lt"/>
-              <a:buAutoNum type="arabicPeriod"/>
-            </a:pPr>
-            <a:r>
-              <a:rPr lang="ru-RU" dirty="0" smtClean="0">
-                <a:solidFill>
-                  <a:srgbClr val="FFFF00"/>
-                </a:solidFill>
-              </a:rPr>
-              <a:t>Культура сборки</a:t>
-            </a:r>
-          </a:p>
-          <a:p>
-            <a:pPr lvl="1"/>
-            <a:r>
-              <a:rPr lang="ru-RU" dirty="0" smtClean="0"/>
-              <a:t>Атрибут </a:t>
-            </a:r>
-            <a:r>
-              <a:rPr lang="en-US" dirty="0" err="1" smtClean="0"/>
-              <a:t>AssemblyCulture</a:t>
-            </a:r>
-            <a:endParaRPr lang="ru-RU" dirty="0" smtClean="0"/>
-          </a:p>
-          <a:p>
-            <a:pPr marL="514350" indent="-514350">
-              <a:buFont typeface="+mj-lt"/>
-              <a:buAutoNum type="arabicPeriod"/>
-            </a:pPr>
-            <a:r>
-              <a:rPr lang="en-US" dirty="0" err="1" smtClean="0">
-                <a:solidFill>
-                  <a:srgbClr val="FFFF00"/>
-                </a:solidFill>
-              </a:rPr>
-              <a:t>PublicKeyToken</a:t>
-            </a:r>
-            <a:endParaRPr lang="ru-RU" dirty="0" smtClean="0">
-              <a:solidFill>
-                <a:srgbClr val="FFFF00"/>
-              </a:solidFill>
-            </a:endParaRPr>
-          </a:p>
-          <a:p>
-            <a:pPr lvl="1"/>
-            <a:r>
-              <a:rPr lang="ru-RU" dirty="0" smtClean="0"/>
-              <a:t>Часть </a:t>
-            </a:r>
-            <a:r>
-              <a:rPr lang="en-US" dirty="0" smtClean="0"/>
-              <a:t>public </a:t>
-            </a:r>
-            <a:r>
-              <a:rPr lang="ru-RU" dirty="0" smtClean="0"/>
-              <a:t>ключа из </a:t>
-            </a:r>
-            <a:r>
-              <a:rPr lang="en-US" dirty="0" err="1" smtClean="0"/>
-              <a:t>snk</a:t>
-            </a:r>
-            <a:r>
-              <a:rPr lang="en-US" dirty="0" smtClean="0"/>
-              <a:t> </a:t>
-            </a:r>
-            <a:r>
-              <a:rPr lang="ru-RU" dirty="0" smtClean="0"/>
-              <a:t>файла</a:t>
-            </a:r>
-            <a:endParaRPr lang="en-US" dirty="0" smtClean="0"/>
-          </a:p>
-          <a:p>
-            <a:endParaRPr lang="en-US" dirty="0"/>
-          </a:p>
-          <a:p>
-            <a:r>
-              <a:rPr lang="en-US" sz="2400" dirty="0" err="1"/>
-              <a:t>MyTypes</a:t>
-            </a:r>
-            <a:r>
-              <a:rPr lang="en-US" sz="2400" dirty="0"/>
-              <a:t>, </a:t>
-            </a:r>
-            <a:r>
-              <a:rPr lang="en-US" sz="2400" dirty="0" smtClean="0"/>
-              <a:t>Version=1.0.8123.</a:t>
-            </a:r>
-            <a:r>
-              <a:rPr lang="ru-RU" sz="2400" dirty="0" smtClean="0"/>
-              <a:t>О,</a:t>
-            </a:r>
-            <a:r>
-              <a:rPr lang="en-US" sz="2400" dirty="0" smtClean="0"/>
-              <a:t/>
-            </a:r>
-            <a:br>
-              <a:rPr lang="en-US" sz="2400" dirty="0" smtClean="0"/>
-            </a:br>
-            <a:r>
-              <a:rPr lang="en-US" sz="2400" dirty="0" smtClean="0"/>
-              <a:t>Culture=neutral</a:t>
-            </a:r>
-            <a:r>
-              <a:rPr lang="en-US" sz="2400" dirty="0"/>
-              <a:t>, </a:t>
-            </a:r>
-            <a:r>
-              <a:rPr lang="en-US" sz="2400" dirty="0" err="1" smtClean="0"/>
-              <a:t>PublicKeyToken</a:t>
-            </a:r>
-            <a:r>
-              <a:rPr lang="en-US" sz="2400" dirty="0" smtClean="0"/>
-              <a:t>=b77a5c561934e089</a:t>
-            </a:r>
-          </a:p>
-          <a:p>
-            <a:r>
-              <a:rPr lang="en-US" sz="2400" dirty="0" err="1"/>
-              <a:t>MyTypes</a:t>
-            </a:r>
-            <a:r>
-              <a:rPr lang="en-US" sz="2400" dirty="0"/>
-              <a:t>, </a:t>
-            </a:r>
-            <a:r>
-              <a:rPr lang="en-US" sz="2400" dirty="0" smtClean="0"/>
-              <a:t>Version=1.0.8123.</a:t>
-            </a:r>
-            <a:r>
-              <a:rPr lang="ru-RU" sz="2400" dirty="0"/>
-              <a:t>О,</a:t>
-            </a:r>
-            <a:r>
-              <a:rPr lang="en-US" sz="2400" dirty="0"/>
-              <a:t/>
-            </a:r>
-            <a:br>
-              <a:rPr lang="en-US" sz="2400" dirty="0"/>
-            </a:br>
-            <a:r>
-              <a:rPr lang="en-US" sz="2400" dirty="0" smtClean="0"/>
-              <a:t>Culture=en-US, </a:t>
-            </a:r>
-            <a:r>
-              <a:rPr lang="en-US" sz="2400" dirty="0" err="1"/>
-              <a:t>PublicKeyToken</a:t>
-            </a:r>
-            <a:r>
-              <a:rPr lang="en-US" sz="2400" dirty="0"/>
-              <a:t>=b77a5c561934e089</a:t>
-            </a:r>
-            <a:endParaRPr lang="ru-RU" sz="2400" dirty="0" smtClean="0"/>
-          </a:p>
-          <a:p>
+            <a:pPr marL="0" indent="0">
+              <a:buNone/>
+            </a:pPr>
+            <a:r>
+              <a:rPr lang="en-US" dirty="0" smtClean="0">
+                <a:hlinkClick r:id="rId2"/>
+              </a:rPr>
+              <a:t>http</a:t>
+            </a:r>
+            <a:r>
+              <a:rPr lang="en-US" dirty="0">
+                <a:hlinkClick r:id="rId2"/>
+              </a:rPr>
+              <a:t>://</a:t>
+            </a:r>
+            <a:r>
+              <a:rPr lang="en-US" dirty="0" smtClean="0">
+                <a:hlinkClick r:id="rId2"/>
+              </a:rPr>
+              <a:t>msdn.microsoft.com/en-us/library/e74a18c4%28v=vs.110%29.aspx</a:t>
+            </a:r>
             <a:endParaRPr lang="ru-RU" dirty="0"/>
           </a:p>
         </p:txBody>
@@ -10305,7 +10383,7 @@
     </p:spTree>
     <p:extLst>
       <p:ext uri="{BB962C8B-B14F-4D97-AF65-F5344CB8AC3E}">
-        <p14:creationId xmlns:p14="http://schemas.microsoft.com/office/powerpoint/2010/main" val="1579629595"/>
+        <p14:creationId xmlns:p14="http://schemas.microsoft.com/office/powerpoint/2010/main" val="3803663968"/>
       </p:ext>
     </p:extLst>
   </p:cSld>
@@ -10351,6 +10429,327 @@
         </p:nvSpPr>
         <p:spPr/>
         <p:txBody>
+          <a:bodyPr>
+            <a:normAutofit fontScale="90000"/>
+          </a:bodyPr>
+          <a:lstStyle/>
+          <a:p>
+            <a:r>
+              <a:rPr lang="ru-RU" dirty="0" smtClean="0"/>
+              <a:t>Строгое имя сборки (</a:t>
+            </a:r>
+            <a:r>
+              <a:rPr lang="en-US" dirty="0" smtClean="0"/>
+              <a:t>strong name</a:t>
+            </a:r>
+            <a:r>
+              <a:rPr lang="ru-RU" dirty="0" smtClean="0"/>
+              <a:t>)</a:t>
+            </a:r>
+            <a:endParaRPr lang="ru-RU" dirty="0"/>
+          </a:p>
+        </p:txBody>
+      </p:sp>
+      <p:sp>
+        <p:nvSpPr>
+          <p:cNvPr id="3" name="Content Placeholder 2"/>
+          <p:cNvSpPr>
+            <a:spLocks noGrp="1"/>
+          </p:cNvSpPr>
+          <p:nvPr>
+            <p:ph idx="1"/>
+          </p:nvPr>
+        </p:nvSpPr>
+        <p:spPr/>
+        <p:txBody>
+          <a:bodyPr>
+            <a:normAutofit fontScale="62500" lnSpcReduction="20000"/>
+          </a:bodyPr>
+          <a:lstStyle/>
+          <a:p>
+            <a:pPr marL="0" indent="0">
+              <a:buNone/>
+            </a:pPr>
+            <a:r>
+              <a:rPr lang="ru-RU" dirty="0" smtClean="0">
+                <a:solidFill>
+                  <a:schemeClr val="bg1"/>
+                </a:solidFill>
+              </a:rPr>
+              <a:t>Для задания строгово имени сборки необходимы четыре составляющих:</a:t>
+            </a:r>
+          </a:p>
+          <a:p>
+            <a:pPr marL="0" indent="0">
+              <a:buNone/>
+            </a:pPr>
+            <a:endParaRPr lang="en-US" dirty="0" smtClean="0">
+              <a:solidFill>
+                <a:schemeClr val="bg1"/>
+              </a:solidFill>
+            </a:endParaRPr>
+          </a:p>
+          <a:p>
+            <a:pPr marL="514350" indent="-514350">
+              <a:buFont typeface="+mj-lt"/>
+              <a:buAutoNum type="arabicPeriod"/>
+            </a:pPr>
+            <a:r>
+              <a:rPr lang="ru-RU" dirty="0" smtClean="0">
+                <a:solidFill>
+                  <a:srgbClr val="FFFF00"/>
+                </a:solidFill>
+              </a:rPr>
+              <a:t>Имя сборки</a:t>
+            </a:r>
+            <a:endParaRPr lang="en-US" dirty="0" smtClean="0">
+              <a:solidFill>
+                <a:srgbClr val="FFFF00"/>
+              </a:solidFill>
+            </a:endParaRPr>
+          </a:p>
+          <a:p>
+            <a:pPr lvl="1"/>
+            <a:r>
+              <a:rPr lang="ru-RU" dirty="0" smtClean="0"/>
+              <a:t>Задается в свойствах проекта</a:t>
+            </a:r>
+          </a:p>
+          <a:p>
+            <a:pPr marL="514350" indent="-514350">
+              <a:buFont typeface="+mj-lt"/>
+              <a:buAutoNum type="arabicPeriod"/>
+            </a:pPr>
+            <a:r>
+              <a:rPr lang="ru-RU" dirty="0" smtClean="0">
+                <a:solidFill>
+                  <a:srgbClr val="FFFF00"/>
+                </a:solidFill>
+              </a:rPr>
+              <a:t>Номер версии сборки</a:t>
+            </a:r>
+          </a:p>
+          <a:p>
+            <a:pPr lvl="1"/>
+            <a:r>
+              <a:rPr lang="ru-RU" dirty="0" smtClean="0"/>
+              <a:t>Атрибут </a:t>
+            </a:r>
+            <a:r>
+              <a:rPr lang="en-US" dirty="0" err="1" smtClean="0"/>
+              <a:t>AssemblyVersion</a:t>
+            </a:r>
+            <a:endParaRPr lang="ru-RU" dirty="0" smtClean="0"/>
+          </a:p>
+          <a:p>
+            <a:pPr marL="514350" indent="-514350">
+              <a:buFont typeface="+mj-lt"/>
+              <a:buAutoNum type="arabicPeriod"/>
+            </a:pPr>
+            <a:r>
+              <a:rPr lang="ru-RU" dirty="0" smtClean="0">
+                <a:solidFill>
+                  <a:srgbClr val="FFFF00"/>
+                </a:solidFill>
+              </a:rPr>
+              <a:t>Культура сборки</a:t>
+            </a:r>
+          </a:p>
+          <a:p>
+            <a:pPr lvl="1"/>
+            <a:r>
+              <a:rPr lang="ru-RU" dirty="0" smtClean="0"/>
+              <a:t>Атрибут </a:t>
+            </a:r>
+            <a:r>
+              <a:rPr lang="en-US" dirty="0" err="1" smtClean="0"/>
+              <a:t>AssemblyCulture</a:t>
+            </a:r>
+            <a:endParaRPr lang="ru-RU" dirty="0" smtClean="0"/>
+          </a:p>
+          <a:p>
+            <a:pPr marL="514350" indent="-514350">
+              <a:buFont typeface="+mj-lt"/>
+              <a:buAutoNum type="arabicPeriod"/>
+            </a:pPr>
+            <a:r>
+              <a:rPr lang="en-US" dirty="0" err="1" smtClean="0">
+                <a:solidFill>
+                  <a:srgbClr val="FFFF00"/>
+                </a:solidFill>
+              </a:rPr>
+              <a:t>PublicKeyToken</a:t>
+            </a:r>
+            <a:endParaRPr lang="ru-RU" dirty="0" smtClean="0">
+              <a:solidFill>
+                <a:srgbClr val="FFFF00"/>
+              </a:solidFill>
+            </a:endParaRPr>
+          </a:p>
+          <a:p>
+            <a:pPr lvl="1"/>
+            <a:r>
+              <a:rPr lang="ru-RU" dirty="0" smtClean="0"/>
+              <a:t>Часть </a:t>
+            </a:r>
+            <a:r>
+              <a:rPr lang="en-US" dirty="0" smtClean="0"/>
+              <a:t>public </a:t>
+            </a:r>
+            <a:r>
+              <a:rPr lang="ru-RU" dirty="0" smtClean="0"/>
+              <a:t>ключа из </a:t>
+            </a:r>
+            <a:r>
+              <a:rPr lang="en-US" dirty="0" err="1" smtClean="0"/>
+              <a:t>snk</a:t>
+            </a:r>
+            <a:r>
+              <a:rPr lang="en-US" dirty="0" smtClean="0"/>
+              <a:t> </a:t>
+            </a:r>
+            <a:r>
+              <a:rPr lang="ru-RU" dirty="0" smtClean="0"/>
+              <a:t>файла</a:t>
+            </a:r>
+            <a:endParaRPr lang="en-US" dirty="0" smtClean="0"/>
+          </a:p>
+          <a:p>
+            <a:endParaRPr lang="en-US" dirty="0"/>
+          </a:p>
+          <a:p>
+            <a:r>
+              <a:rPr lang="en-US" sz="2400" dirty="0" err="1"/>
+              <a:t>MyTypes</a:t>
+            </a:r>
+            <a:r>
+              <a:rPr lang="en-US" sz="2400" dirty="0"/>
+              <a:t>, </a:t>
+            </a:r>
+            <a:r>
+              <a:rPr lang="en-US" sz="2400" dirty="0" smtClean="0"/>
+              <a:t>Version=1.0.8123.</a:t>
+            </a:r>
+            <a:r>
+              <a:rPr lang="ru-RU" sz="2400" dirty="0" smtClean="0"/>
+              <a:t>О,</a:t>
+            </a:r>
+            <a:r>
+              <a:rPr lang="en-US" sz="2400" dirty="0" smtClean="0"/>
+              <a:t/>
+            </a:r>
+            <a:br>
+              <a:rPr lang="en-US" sz="2400" dirty="0" smtClean="0"/>
+            </a:br>
+            <a:r>
+              <a:rPr lang="en-US" sz="2400" dirty="0" smtClean="0"/>
+              <a:t>Culture=neutral</a:t>
+            </a:r>
+            <a:r>
+              <a:rPr lang="en-US" sz="2400" dirty="0"/>
+              <a:t>, </a:t>
+            </a:r>
+            <a:r>
+              <a:rPr lang="en-US" sz="2400" dirty="0" err="1" smtClean="0"/>
+              <a:t>PublicKeyToken</a:t>
+            </a:r>
+            <a:r>
+              <a:rPr lang="en-US" sz="2400" dirty="0" smtClean="0"/>
+              <a:t>=b77a5c561934e089</a:t>
+            </a:r>
+          </a:p>
+          <a:p>
+            <a:r>
+              <a:rPr lang="en-US" sz="2400" dirty="0" err="1"/>
+              <a:t>MyTypes</a:t>
+            </a:r>
+            <a:r>
+              <a:rPr lang="en-US" sz="2400" dirty="0"/>
+              <a:t>, </a:t>
+            </a:r>
+            <a:r>
+              <a:rPr lang="en-US" sz="2400" dirty="0" smtClean="0"/>
+              <a:t>Version=1.0.8123.</a:t>
+            </a:r>
+            <a:r>
+              <a:rPr lang="ru-RU" sz="2400" dirty="0"/>
+              <a:t>О,</a:t>
+            </a:r>
+            <a:r>
+              <a:rPr lang="en-US" sz="2400" dirty="0"/>
+              <a:t/>
+            </a:r>
+            <a:br>
+              <a:rPr lang="en-US" sz="2400" dirty="0"/>
+            </a:br>
+            <a:r>
+              <a:rPr lang="en-US" sz="2400" dirty="0" smtClean="0"/>
+              <a:t>Culture=en-US, </a:t>
+            </a:r>
+            <a:r>
+              <a:rPr lang="en-US" sz="2400" dirty="0" err="1"/>
+              <a:t>PublicKeyToken</a:t>
+            </a:r>
+            <a:r>
+              <a:rPr lang="en-US" sz="2400" dirty="0"/>
+              <a:t>=b77a5c561934e089</a:t>
+            </a:r>
+            <a:endParaRPr lang="ru-RU" sz="2400" dirty="0" smtClean="0"/>
+          </a:p>
+          <a:p>
+            <a:endParaRPr lang="ru-RU" dirty="0"/>
+          </a:p>
+        </p:txBody>
+      </p:sp>
+    </p:spTree>
+    <p:extLst>
+      <p:ext uri="{BB962C8B-B14F-4D97-AF65-F5344CB8AC3E}">
+        <p14:creationId xmlns:p14="http://schemas.microsoft.com/office/powerpoint/2010/main" val="1579629595"/>
+      </p:ext>
+    </p:extLst>
+  </p:cSld>
+  <p:clrMapOvr>
+    <a:masterClrMapping/>
+  </p:clrMapOvr>
+  <p:timing>
+    <p:tnLst>
+      <p:par>
+        <p:cTn id="1" dur="indefinite" restart="never" nodeType="tmRoot"/>
+      </p:par>
+    </p:tnLst>
+  </p:timing>
+</p:sld>
+</file>
+
+<file path=ppt/slides/slide27.xml><?xml version="1.0" encoding="utf-8"?>
+<p:sld xmlns:a="http://schemas.openxmlformats.org/drawingml/2006/main" xmlns:r="http://schemas.openxmlformats.org/officeDocument/2006/relationships" xmlns:p="http://schemas.openxmlformats.org/presentationml/2006/main">
+  <p:cSld>
+    <p:spTree>
+      <p:nvGrpSpPr>
+        <p:cNvPr id="1" name=""/>
+        <p:cNvGrpSpPr/>
+        <p:nvPr/>
+      </p:nvGrpSpPr>
+      <p:grpSpPr>
+        <a:xfrm>
+          <a:off x="0" y="0"/>
+          <a:ext cx="0" cy="0"/>
+          <a:chOff x="0" y="0"/>
+          <a:chExt cx="0" cy="0"/>
+        </a:xfrm>
+      </p:grpSpPr>
+      <p:sp>
+        <p:nvSpPr>
+          <p:cNvPr id="2" name="Title 1"/>
+          <p:cNvSpPr>
+            <a:spLocks noGrp="1"/>
+          </p:cNvSpPr>
+          <p:nvPr>
+            <p:ph type="title"/>
+          </p:nvPr>
+        </p:nvSpPr>
+        <p:spPr/>
+        <p:txBody>
           <a:bodyPr/>
           <a:lstStyle/>
           <a:p>
@@ -10781,7 +11180,7 @@
 </p:sld>
 </file>
 
-<file path=ppt/slides/slide27.xml><?xml version="1.0" encoding="utf-8"?>
+<file path=ppt/slides/slide28.xml><?xml version="1.0" encoding="utf-8"?>
 <p:sld xmlns:a="http://schemas.openxmlformats.org/drawingml/2006/main" xmlns:r="http://schemas.openxmlformats.org/officeDocument/2006/relationships" xmlns:p="http://schemas.openxmlformats.org/presentationml/2006/main">
   <p:cSld>
     <p:spTree>
@@ -11304,7 +11703,7 @@
 </p:sld>
 </file>
 
-<file path=ppt/slides/slide28.xml><?xml version="1.0" encoding="utf-8"?>
+<file path=ppt/slides/slide29.xml><?xml version="1.0" encoding="utf-8"?>
 <p:sld xmlns:a="http://schemas.openxmlformats.org/drawingml/2006/main" xmlns:r="http://schemas.openxmlformats.org/officeDocument/2006/relationships" xmlns:p="http://schemas.openxmlformats.org/presentationml/2006/main">
   <p:cSld>
     <p:spTree>
@@ -11436,379 +11835,6 @@
     <p:extLst>
       <p:ext uri="{BB962C8B-B14F-4D97-AF65-F5344CB8AC3E}">
         <p14:creationId xmlns:p14="http://schemas.microsoft.com/office/powerpoint/2010/main" val="1521006786"/>
-      </p:ext>
-    </p:extLst>
-  </p:cSld>
-  <p:clrMapOvr>
-    <a:masterClrMapping/>
-  </p:clrMapOvr>
-  <p:timing>
-    <p:tnLst>
-      <p:par>
-        <p:cTn id="1" dur="indefinite" restart="never" nodeType="tmRoot"/>
-      </p:par>
-    </p:tnLst>
-  </p:timing>
-</p:sld>
-</file>
-
-<file path=ppt/slides/slide29.xml><?xml version="1.0" encoding="utf-8"?>
-<p:sld xmlns:a="http://schemas.openxmlformats.org/drawingml/2006/main" xmlns:r="http://schemas.openxmlformats.org/officeDocument/2006/relationships" xmlns:p="http://schemas.openxmlformats.org/presentationml/2006/main">
-  <p:cSld>
-    <p:spTree>
-      <p:nvGrpSpPr>
-        <p:cNvPr id="1" name=""/>
-        <p:cNvGrpSpPr/>
-        <p:nvPr/>
-      </p:nvGrpSpPr>
-      <p:grpSpPr>
-        <a:xfrm>
-          <a:off x="0" y="0"/>
-          <a:ext cx="0" cy="0"/>
-          <a:chOff x="0" y="0"/>
-          <a:chExt cx="0" cy="0"/>
-        </a:xfrm>
-      </p:grpSpPr>
-      <p:sp>
-        <p:nvSpPr>
-          <p:cNvPr id="6146" name="Rectangle 3"/>
-          <p:cNvSpPr>
-            <a:spLocks noChangeArrowheads="1"/>
-          </p:cNvSpPr>
-          <p:nvPr/>
-        </p:nvSpPr>
-        <p:spPr bwMode="auto">
-          <a:xfrm>
-            <a:off x="152400" y="-4763"/>
-            <a:ext cx="8763000" cy="461963"/>
-          </a:xfrm>
-          <a:prstGeom prst="rect">
-            <a:avLst/>
-          </a:prstGeom>
-          <a:noFill/>
-          <a:ln>
-            <a:noFill/>
-          </a:ln>
-          <a:extLst>
-            <a:ext uri="{909E8E84-426E-40DD-AFC4-6F175D3DCCD1}">
-              <a14:hiddenFill xmlns:a14="http://schemas.microsoft.com/office/drawing/2010/main">
-                <a:solidFill>
-                  <a:srgbClr val="FFFFFF"/>
-                </a:solidFill>
-              </a14:hiddenFill>
-            </a:ext>
-            <a:ext uri="{91240B29-F687-4F45-9708-019B960494DF}">
-              <a14:hiddenLine xmlns:a14="http://schemas.microsoft.com/office/drawing/2010/main" w="9525">
-                <a:solidFill>
-                  <a:srgbClr val="000000"/>
-                </a:solidFill>
-                <a:miter lim="800000"/>
-                <a:headEnd/>
-                <a:tailEnd/>
-              </a14:hiddenLine>
-            </a:ext>
-          </a:extLst>
-        </p:spPr>
-        <p:txBody>
-          <a:bodyPr anchor="ctr">
-            <a:spAutoFit/>
-          </a:bodyPr>
-          <a:lstStyle/>
-          <a:p>
-            <a:pPr algn="ctr"/>
-            <a:r>
-              <a:rPr lang="be-BY" sz="2400" b="1" dirty="0"/>
-              <a:t>Глобальный кэш сборок.</a:t>
-            </a:r>
-            <a:endParaRPr lang="en-US" sz="2400" b="1" dirty="0"/>
-          </a:p>
-        </p:txBody>
-      </p:sp>
-      <p:sp>
-        <p:nvSpPr>
-          <p:cNvPr id="6147" name="Rectangle 3"/>
-          <p:cNvSpPr>
-            <a:spLocks noChangeArrowheads="1"/>
-          </p:cNvSpPr>
-          <p:nvPr/>
-        </p:nvSpPr>
-        <p:spPr bwMode="auto">
-          <a:xfrm>
-            <a:off x="152400" y="482600"/>
-            <a:ext cx="8839200" cy="5016500"/>
-          </a:xfrm>
-          <a:prstGeom prst="rect">
-            <a:avLst/>
-          </a:prstGeom>
-          <a:noFill/>
-          <a:ln>
-            <a:noFill/>
-          </a:ln>
-          <a:extLst>
-            <a:ext uri="{909E8E84-426E-40DD-AFC4-6F175D3DCCD1}">
-              <a14:hiddenFill xmlns:a14="http://schemas.microsoft.com/office/drawing/2010/main">
-                <a:solidFill>
-                  <a:srgbClr val="FFFFFF"/>
-                </a:solidFill>
-              </a14:hiddenFill>
-            </a:ext>
-            <a:ext uri="{91240B29-F687-4F45-9708-019B960494DF}">
-              <a14:hiddenLine xmlns:a14="http://schemas.microsoft.com/office/drawing/2010/main" w="9525">
-                <a:solidFill>
-                  <a:srgbClr val="000000"/>
-                </a:solidFill>
-                <a:miter lim="800000"/>
-                <a:headEnd/>
-                <a:tailEnd/>
-              </a14:hiddenLine>
-            </a:ext>
-          </a:extLst>
-        </p:spPr>
-        <p:txBody>
-          <a:bodyPr anchor="ctr">
-            <a:spAutoFit/>
-          </a:bodyPr>
-          <a:lstStyle/>
-          <a:p>
-            <a:r>
-              <a:rPr lang="ru-RU" sz="1600"/>
-              <a:t>	Все публичные сборки располагаются в глобальном кэше сборок (</a:t>
-            </a:r>
-            <a:r>
-              <a:rPr lang="en-US" sz="1600"/>
-              <a:t>Global Assembly Cache, GAC</a:t>
-            </a:r>
-            <a:r>
-              <a:rPr lang="ru-RU" sz="1600"/>
-              <a:t>). Папка </a:t>
-            </a:r>
-            <a:r>
-              <a:rPr lang="en-US" sz="1600"/>
-              <a:t>GAC </a:t>
-            </a:r>
-            <a:r>
-              <a:rPr lang="ru-RU" sz="1600"/>
-              <a:t>находится по адресу </a:t>
-            </a:r>
-            <a:r>
-              <a:rPr lang="en-US" sz="1600"/>
-              <a:t>…Windows\assembly.</a:t>
-            </a:r>
-            <a:endParaRPr lang="ru-RU" sz="1600"/>
-          </a:p>
-          <a:p>
-            <a:endParaRPr lang="ru-RU" sz="1600"/>
-          </a:p>
-          <a:p>
-            <a:r>
-              <a:rPr lang="ru-RU" sz="1600"/>
-              <a:t>Сборки в </a:t>
-            </a:r>
-            <a:r>
-              <a:rPr lang="en-US" sz="1600"/>
-              <a:t>GAC </a:t>
-            </a:r>
-            <a:r>
-              <a:rPr lang="ru-RU" sz="1600"/>
-              <a:t>различаются по трем критериям</a:t>
-            </a:r>
-            <a:r>
-              <a:rPr lang="en-US" sz="1600"/>
-              <a:t>:	 </a:t>
-            </a:r>
-            <a:r>
-              <a:rPr lang="en-US" sz="1600" b="1"/>
-              <a:t>Name, Version=1.2.0.0, Culture=neutral</a:t>
-            </a:r>
-            <a:r>
-              <a:rPr lang="ru-RU" sz="1600" b="1"/>
-              <a:t>.</a:t>
-            </a:r>
-          </a:p>
-          <a:p>
-            <a:r>
-              <a:rPr lang="ru-RU" sz="1600"/>
-              <a:t>То есть имя сборки(имя файла), Версия сборки и языковая культура.</a:t>
-            </a:r>
-          </a:p>
-          <a:p>
-            <a:endParaRPr lang="ru-RU" sz="1600"/>
-          </a:p>
-          <a:p>
-            <a:r>
-              <a:rPr lang="ru-RU" sz="1600"/>
-              <a:t>	Для размещения сборки в </a:t>
-            </a:r>
-            <a:r>
-              <a:rPr lang="en-US" sz="1600"/>
-              <a:t>GAC</a:t>
-            </a:r>
-            <a:r>
-              <a:rPr lang="ru-RU" sz="1600"/>
-              <a:t>, для неё необходимо сгенерировать пару криптографических ключей, используя утилиту </a:t>
-            </a:r>
-            <a:r>
-              <a:rPr lang="en-US" sz="1600"/>
-              <a:t>sn.exe</a:t>
-            </a:r>
-            <a:r>
-              <a:rPr lang="ru-RU" sz="1600"/>
-              <a:t>, используя следующую строку</a:t>
-            </a:r>
-            <a:r>
-              <a:rPr lang="en-US" sz="1600"/>
-              <a:t>:</a:t>
-            </a:r>
-          </a:p>
-          <a:p>
-            <a:r>
-              <a:rPr lang="ru-RU" sz="1600"/>
-              <a:t>	</a:t>
-            </a:r>
-            <a:r>
-              <a:rPr lang="ru-RU" sz="1600" b="1"/>
-              <a:t> sn.exe -</a:t>
-            </a:r>
-            <a:r>
-              <a:rPr lang="en-US" sz="1600" b="1"/>
-              <a:t>k</a:t>
-            </a:r>
-            <a:r>
-              <a:rPr lang="ru-RU" sz="1600" b="1"/>
-              <a:t> </a:t>
-            </a:r>
-            <a:r>
-              <a:rPr lang="en-US" sz="1600" b="1"/>
-              <a:t>C:\</a:t>
-            </a:r>
-            <a:r>
-              <a:rPr lang="ru-RU" sz="1600" b="1"/>
-              <a:t>keys.snk</a:t>
-            </a:r>
-          </a:p>
-          <a:p>
-            <a:r>
-              <a:rPr lang="ru-RU" sz="1600"/>
-              <a:t>В качестве исполняемой среды можно использовать </a:t>
-            </a:r>
-            <a:r>
-              <a:rPr lang="en-US" sz="1600"/>
-              <a:t>Tools -&gt; Visual Studio Command Prompt.</a:t>
-            </a:r>
-          </a:p>
-          <a:p>
-            <a:endParaRPr lang="en-US" sz="1600"/>
-          </a:p>
-          <a:p>
-            <a:r>
-              <a:rPr lang="ru-RU" sz="1600"/>
-              <a:t>После того, как будет сгенерирован файл </a:t>
-            </a:r>
-            <a:r>
-              <a:rPr lang="en-US" sz="1600"/>
-              <a:t>keys.snk</a:t>
-            </a:r>
-            <a:r>
-              <a:rPr lang="ru-RU" sz="1600"/>
-              <a:t>, его необходимо указать в сборке, используя строчку</a:t>
-            </a:r>
-          </a:p>
-          <a:p>
-            <a:r>
-              <a:rPr lang="ru-RU" sz="1600"/>
-              <a:t>	</a:t>
-            </a:r>
-            <a:r>
-              <a:rPr lang="en-US" sz="1600" b="1"/>
-              <a:t> [assembly: AssemblyKeyFile("key.snk")]</a:t>
-            </a:r>
-            <a:endParaRPr lang="ru-RU" sz="1600" b="1"/>
-          </a:p>
-          <a:p>
-            <a:r>
-              <a:rPr lang="ru-RU" sz="1600"/>
-              <a:t>После чего нужно заново скомпилировать сбору. Далее можно либо перетащить </a:t>
-            </a:r>
-            <a:r>
-              <a:rPr lang="en-US" sz="1600"/>
-              <a:t>dll-</a:t>
-            </a:r>
-            <a:r>
-              <a:rPr lang="ru-RU" sz="1600"/>
-              <a:t>файл в папку со сборками, либо воспользоваться утилитой gacutil.exe</a:t>
-            </a:r>
-            <a:r>
-              <a:rPr lang="en-US" sz="1600"/>
-              <a:t>. </a:t>
-            </a:r>
-            <a:r>
-              <a:rPr lang="ru-RU" sz="1600"/>
-              <a:t>Ключ </a:t>
-            </a:r>
-            <a:r>
-              <a:rPr lang="en-US" sz="1600" b="1"/>
-              <a:t>/i</a:t>
-            </a:r>
-            <a:r>
-              <a:rPr lang="en-US" sz="1600"/>
-              <a:t> </a:t>
-            </a:r>
-            <a:r>
-              <a:rPr lang="ru-RU" sz="1600"/>
-              <a:t>помещает сборку в </a:t>
-            </a:r>
-            <a:r>
-              <a:rPr lang="en-US" sz="1600"/>
-              <a:t>GAC</a:t>
-            </a:r>
-            <a:r>
-              <a:rPr lang="ru-RU" sz="1600"/>
-              <a:t>, а ключ </a:t>
-            </a:r>
-            <a:r>
-              <a:rPr lang="en-US" sz="1600" b="1"/>
-              <a:t>/t </a:t>
-            </a:r>
-            <a:r>
-              <a:rPr lang="en-US" sz="1600"/>
-              <a:t>–</a:t>
-            </a:r>
-            <a:r>
-              <a:rPr lang="ru-RU" sz="1600"/>
-              <a:t> удаляет её оттуда.</a:t>
-            </a:r>
-            <a:endParaRPr lang="en-US" sz="1600"/>
-          </a:p>
-          <a:p>
-            <a:r>
-              <a:rPr lang="en-US" sz="1600"/>
-              <a:t>	</a:t>
-            </a:r>
-            <a:r>
-              <a:rPr lang="ru-RU" sz="1600"/>
-              <a:t>Строка для добавления сборки</a:t>
-            </a:r>
-            <a:r>
-              <a:rPr lang="en-US" sz="1600"/>
-              <a:t>:</a:t>
-            </a:r>
-          </a:p>
-          <a:p>
-            <a:r>
-              <a:rPr lang="en-US" sz="1600"/>
-              <a:t>	</a:t>
-            </a:r>
-            <a:r>
-              <a:rPr lang="en-US" sz="1600" b="1"/>
-              <a:t>gacutil.exe /i c:\Complex.dll</a:t>
-            </a:r>
-          </a:p>
-        </p:txBody>
-      </p:sp>
-    </p:spTree>
-    <p:extLst>
-      <p:ext uri="{BB962C8B-B14F-4D97-AF65-F5344CB8AC3E}">
-        <p14:creationId xmlns:p14="http://schemas.microsoft.com/office/powerpoint/2010/main" val="3748137644"/>
       </p:ext>
     </p:extLst>
   </p:cSld>
@@ -12545,6 +12571,379 @@
       </p:grpSpPr>
       <p:sp>
         <p:nvSpPr>
+          <p:cNvPr id="6146" name="Rectangle 3"/>
+          <p:cNvSpPr>
+            <a:spLocks noChangeArrowheads="1"/>
+          </p:cNvSpPr>
+          <p:nvPr/>
+        </p:nvSpPr>
+        <p:spPr bwMode="auto">
+          <a:xfrm>
+            <a:off x="152400" y="-4763"/>
+            <a:ext cx="8763000" cy="461963"/>
+          </a:xfrm>
+          <a:prstGeom prst="rect">
+            <a:avLst/>
+          </a:prstGeom>
+          <a:noFill/>
+          <a:ln>
+            <a:noFill/>
+          </a:ln>
+          <a:extLst>
+            <a:ext uri="{909E8E84-426E-40DD-AFC4-6F175D3DCCD1}">
+              <a14:hiddenFill xmlns:a14="http://schemas.microsoft.com/office/drawing/2010/main">
+                <a:solidFill>
+                  <a:srgbClr val="FFFFFF"/>
+                </a:solidFill>
+              </a14:hiddenFill>
+            </a:ext>
+            <a:ext uri="{91240B29-F687-4F45-9708-019B960494DF}">
+              <a14:hiddenLine xmlns:a14="http://schemas.microsoft.com/office/drawing/2010/main" w="9525">
+                <a:solidFill>
+                  <a:srgbClr val="000000"/>
+                </a:solidFill>
+                <a:miter lim="800000"/>
+                <a:headEnd/>
+                <a:tailEnd/>
+              </a14:hiddenLine>
+            </a:ext>
+          </a:extLst>
+        </p:spPr>
+        <p:txBody>
+          <a:bodyPr anchor="ctr">
+            <a:spAutoFit/>
+          </a:bodyPr>
+          <a:lstStyle/>
+          <a:p>
+            <a:pPr algn="ctr"/>
+            <a:r>
+              <a:rPr lang="be-BY" sz="2400" b="1" dirty="0"/>
+              <a:t>Глобальный кэш сборок.</a:t>
+            </a:r>
+            <a:endParaRPr lang="en-US" sz="2400" b="1" dirty="0"/>
+          </a:p>
+        </p:txBody>
+      </p:sp>
+      <p:sp>
+        <p:nvSpPr>
+          <p:cNvPr id="6147" name="Rectangle 3"/>
+          <p:cNvSpPr>
+            <a:spLocks noChangeArrowheads="1"/>
+          </p:cNvSpPr>
+          <p:nvPr/>
+        </p:nvSpPr>
+        <p:spPr bwMode="auto">
+          <a:xfrm>
+            <a:off x="152400" y="482600"/>
+            <a:ext cx="8839200" cy="5016500"/>
+          </a:xfrm>
+          <a:prstGeom prst="rect">
+            <a:avLst/>
+          </a:prstGeom>
+          <a:noFill/>
+          <a:ln>
+            <a:noFill/>
+          </a:ln>
+          <a:extLst>
+            <a:ext uri="{909E8E84-426E-40DD-AFC4-6F175D3DCCD1}">
+              <a14:hiddenFill xmlns:a14="http://schemas.microsoft.com/office/drawing/2010/main">
+                <a:solidFill>
+                  <a:srgbClr val="FFFFFF"/>
+                </a:solidFill>
+              </a14:hiddenFill>
+            </a:ext>
+            <a:ext uri="{91240B29-F687-4F45-9708-019B960494DF}">
+              <a14:hiddenLine xmlns:a14="http://schemas.microsoft.com/office/drawing/2010/main" w="9525">
+                <a:solidFill>
+                  <a:srgbClr val="000000"/>
+                </a:solidFill>
+                <a:miter lim="800000"/>
+                <a:headEnd/>
+                <a:tailEnd/>
+              </a14:hiddenLine>
+            </a:ext>
+          </a:extLst>
+        </p:spPr>
+        <p:txBody>
+          <a:bodyPr anchor="ctr">
+            <a:spAutoFit/>
+          </a:bodyPr>
+          <a:lstStyle/>
+          <a:p>
+            <a:r>
+              <a:rPr lang="ru-RU" sz="1600"/>
+              <a:t>	Все публичные сборки располагаются в глобальном кэше сборок (</a:t>
+            </a:r>
+            <a:r>
+              <a:rPr lang="en-US" sz="1600"/>
+              <a:t>Global Assembly Cache, GAC</a:t>
+            </a:r>
+            <a:r>
+              <a:rPr lang="ru-RU" sz="1600"/>
+              <a:t>). Папка </a:t>
+            </a:r>
+            <a:r>
+              <a:rPr lang="en-US" sz="1600"/>
+              <a:t>GAC </a:t>
+            </a:r>
+            <a:r>
+              <a:rPr lang="ru-RU" sz="1600"/>
+              <a:t>находится по адресу </a:t>
+            </a:r>
+            <a:r>
+              <a:rPr lang="en-US" sz="1600"/>
+              <a:t>…Windows\assembly.</a:t>
+            </a:r>
+            <a:endParaRPr lang="ru-RU" sz="1600"/>
+          </a:p>
+          <a:p>
+            <a:endParaRPr lang="ru-RU" sz="1600"/>
+          </a:p>
+          <a:p>
+            <a:r>
+              <a:rPr lang="ru-RU" sz="1600"/>
+              <a:t>Сборки в </a:t>
+            </a:r>
+            <a:r>
+              <a:rPr lang="en-US" sz="1600"/>
+              <a:t>GAC </a:t>
+            </a:r>
+            <a:r>
+              <a:rPr lang="ru-RU" sz="1600"/>
+              <a:t>различаются по трем критериям</a:t>
+            </a:r>
+            <a:r>
+              <a:rPr lang="en-US" sz="1600"/>
+              <a:t>:	 </a:t>
+            </a:r>
+            <a:r>
+              <a:rPr lang="en-US" sz="1600" b="1"/>
+              <a:t>Name, Version=1.2.0.0, Culture=neutral</a:t>
+            </a:r>
+            <a:r>
+              <a:rPr lang="ru-RU" sz="1600" b="1"/>
+              <a:t>.</a:t>
+            </a:r>
+          </a:p>
+          <a:p>
+            <a:r>
+              <a:rPr lang="ru-RU" sz="1600"/>
+              <a:t>То есть имя сборки(имя файла), Версия сборки и языковая культура.</a:t>
+            </a:r>
+          </a:p>
+          <a:p>
+            <a:endParaRPr lang="ru-RU" sz="1600"/>
+          </a:p>
+          <a:p>
+            <a:r>
+              <a:rPr lang="ru-RU" sz="1600"/>
+              <a:t>	Для размещения сборки в </a:t>
+            </a:r>
+            <a:r>
+              <a:rPr lang="en-US" sz="1600"/>
+              <a:t>GAC</a:t>
+            </a:r>
+            <a:r>
+              <a:rPr lang="ru-RU" sz="1600"/>
+              <a:t>, для неё необходимо сгенерировать пару криптографических ключей, используя утилиту </a:t>
+            </a:r>
+            <a:r>
+              <a:rPr lang="en-US" sz="1600"/>
+              <a:t>sn.exe</a:t>
+            </a:r>
+            <a:r>
+              <a:rPr lang="ru-RU" sz="1600"/>
+              <a:t>, используя следующую строку</a:t>
+            </a:r>
+            <a:r>
+              <a:rPr lang="en-US" sz="1600"/>
+              <a:t>:</a:t>
+            </a:r>
+          </a:p>
+          <a:p>
+            <a:r>
+              <a:rPr lang="ru-RU" sz="1600"/>
+              <a:t>	</a:t>
+            </a:r>
+            <a:r>
+              <a:rPr lang="ru-RU" sz="1600" b="1"/>
+              <a:t> sn.exe -</a:t>
+            </a:r>
+            <a:r>
+              <a:rPr lang="en-US" sz="1600" b="1"/>
+              <a:t>k</a:t>
+            </a:r>
+            <a:r>
+              <a:rPr lang="ru-RU" sz="1600" b="1"/>
+              <a:t> </a:t>
+            </a:r>
+            <a:r>
+              <a:rPr lang="en-US" sz="1600" b="1"/>
+              <a:t>C:\</a:t>
+            </a:r>
+            <a:r>
+              <a:rPr lang="ru-RU" sz="1600" b="1"/>
+              <a:t>keys.snk</a:t>
+            </a:r>
+          </a:p>
+          <a:p>
+            <a:r>
+              <a:rPr lang="ru-RU" sz="1600"/>
+              <a:t>В качестве исполняемой среды можно использовать </a:t>
+            </a:r>
+            <a:r>
+              <a:rPr lang="en-US" sz="1600"/>
+              <a:t>Tools -&gt; Visual Studio Command Prompt.</a:t>
+            </a:r>
+          </a:p>
+          <a:p>
+            <a:endParaRPr lang="en-US" sz="1600"/>
+          </a:p>
+          <a:p>
+            <a:r>
+              <a:rPr lang="ru-RU" sz="1600"/>
+              <a:t>После того, как будет сгенерирован файл </a:t>
+            </a:r>
+            <a:r>
+              <a:rPr lang="en-US" sz="1600"/>
+              <a:t>keys.snk</a:t>
+            </a:r>
+            <a:r>
+              <a:rPr lang="ru-RU" sz="1600"/>
+              <a:t>, его необходимо указать в сборке, используя строчку</a:t>
+            </a:r>
+          </a:p>
+          <a:p>
+            <a:r>
+              <a:rPr lang="ru-RU" sz="1600"/>
+              <a:t>	</a:t>
+            </a:r>
+            <a:r>
+              <a:rPr lang="en-US" sz="1600" b="1"/>
+              <a:t> [assembly: AssemblyKeyFile("key.snk")]</a:t>
+            </a:r>
+            <a:endParaRPr lang="ru-RU" sz="1600" b="1"/>
+          </a:p>
+          <a:p>
+            <a:r>
+              <a:rPr lang="ru-RU" sz="1600"/>
+              <a:t>После чего нужно заново скомпилировать сбору. Далее можно либо перетащить </a:t>
+            </a:r>
+            <a:r>
+              <a:rPr lang="en-US" sz="1600"/>
+              <a:t>dll-</a:t>
+            </a:r>
+            <a:r>
+              <a:rPr lang="ru-RU" sz="1600"/>
+              <a:t>файл в папку со сборками, либо воспользоваться утилитой gacutil.exe</a:t>
+            </a:r>
+            <a:r>
+              <a:rPr lang="en-US" sz="1600"/>
+              <a:t>. </a:t>
+            </a:r>
+            <a:r>
+              <a:rPr lang="ru-RU" sz="1600"/>
+              <a:t>Ключ </a:t>
+            </a:r>
+            <a:r>
+              <a:rPr lang="en-US" sz="1600" b="1"/>
+              <a:t>/i</a:t>
+            </a:r>
+            <a:r>
+              <a:rPr lang="en-US" sz="1600"/>
+              <a:t> </a:t>
+            </a:r>
+            <a:r>
+              <a:rPr lang="ru-RU" sz="1600"/>
+              <a:t>помещает сборку в </a:t>
+            </a:r>
+            <a:r>
+              <a:rPr lang="en-US" sz="1600"/>
+              <a:t>GAC</a:t>
+            </a:r>
+            <a:r>
+              <a:rPr lang="ru-RU" sz="1600"/>
+              <a:t>, а ключ </a:t>
+            </a:r>
+            <a:r>
+              <a:rPr lang="en-US" sz="1600" b="1"/>
+              <a:t>/t </a:t>
+            </a:r>
+            <a:r>
+              <a:rPr lang="en-US" sz="1600"/>
+              <a:t>–</a:t>
+            </a:r>
+            <a:r>
+              <a:rPr lang="ru-RU" sz="1600"/>
+              <a:t> удаляет её оттуда.</a:t>
+            </a:r>
+            <a:endParaRPr lang="en-US" sz="1600"/>
+          </a:p>
+          <a:p>
+            <a:r>
+              <a:rPr lang="en-US" sz="1600"/>
+              <a:t>	</a:t>
+            </a:r>
+            <a:r>
+              <a:rPr lang="ru-RU" sz="1600"/>
+              <a:t>Строка для добавления сборки</a:t>
+            </a:r>
+            <a:r>
+              <a:rPr lang="en-US" sz="1600"/>
+              <a:t>:</a:t>
+            </a:r>
+          </a:p>
+          <a:p>
+            <a:r>
+              <a:rPr lang="en-US" sz="1600"/>
+              <a:t>	</a:t>
+            </a:r>
+            <a:r>
+              <a:rPr lang="en-US" sz="1600" b="1"/>
+              <a:t>gacutil.exe /i c:\Complex.dll</a:t>
+            </a:r>
+          </a:p>
+        </p:txBody>
+      </p:sp>
+    </p:spTree>
+    <p:extLst>
+      <p:ext uri="{BB962C8B-B14F-4D97-AF65-F5344CB8AC3E}">
+        <p14:creationId xmlns:p14="http://schemas.microsoft.com/office/powerpoint/2010/main" val="3748137644"/>
+      </p:ext>
+    </p:extLst>
+  </p:cSld>
+  <p:clrMapOvr>
+    <a:masterClrMapping/>
+  </p:clrMapOvr>
+  <p:timing>
+    <p:tnLst>
+      <p:par>
+        <p:cTn id="1" dur="indefinite" restart="never" nodeType="tmRoot"/>
+      </p:par>
+    </p:tnLst>
+  </p:timing>
+</p:sld>
+</file>
+
+<file path=ppt/slides/slide31.xml><?xml version="1.0" encoding="utf-8"?>
+<p:sld xmlns:a="http://schemas.openxmlformats.org/drawingml/2006/main" xmlns:r="http://schemas.openxmlformats.org/officeDocument/2006/relationships" xmlns:p="http://schemas.openxmlformats.org/presentationml/2006/main">
+  <p:cSld>
+    <p:spTree>
+      <p:nvGrpSpPr>
+        <p:cNvPr id="1" name=""/>
+        <p:cNvGrpSpPr/>
+        <p:nvPr/>
+      </p:nvGrpSpPr>
+      <p:grpSpPr>
+        <a:xfrm>
+          <a:off x="0" y="0"/>
+          <a:ext cx="0" cy="0"/>
+          <a:chOff x="0" y="0"/>
+          <a:chExt cx="0" cy="0"/>
+        </a:xfrm>
+      </p:grpSpPr>
+      <p:sp>
+        <p:nvSpPr>
           <p:cNvPr id="5122" name="Rectangle 3"/>
           <p:cNvSpPr>
             <a:spLocks noChangeArrowheads="1"/>
@@ -13221,159 +13620,6 @@
     <p:extLst>
       <p:ext uri="{BB962C8B-B14F-4D97-AF65-F5344CB8AC3E}">
         <p14:creationId xmlns:p14="http://schemas.microsoft.com/office/powerpoint/2010/main" val="3864391885"/>
-      </p:ext>
-    </p:extLst>
-  </p:cSld>
-  <p:clrMapOvr>
-    <a:masterClrMapping/>
-  </p:clrMapOvr>
-  <p:timing>
-    <p:tnLst>
-      <p:par>
-        <p:cTn id="1" dur="indefinite" restart="never" nodeType="tmRoot"/>
-      </p:par>
-    </p:tnLst>
-  </p:timing>
-</p:sld>
-</file>
-
-<file path=ppt/slides/slide31.xml><?xml version="1.0" encoding="utf-8"?>
-<p:sld xmlns:a="http://schemas.openxmlformats.org/drawingml/2006/main" xmlns:r="http://schemas.openxmlformats.org/officeDocument/2006/relationships" xmlns:p="http://schemas.openxmlformats.org/presentationml/2006/main">
-  <p:cSld>
-    <p:spTree>
-      <p:nvGrpSpPr>
-        <p:cNvPr id="1" name=""/>
-        <p:cNvGrpSpPr/>
-        <p:nvPr/>
-      </p:nvGrpSpPr>
-      <p:grpSpPr>
-        <a:xfrm>
-          <a:off x="0" y="0"/>
-          <a:ext cx="0" cy="0"/>
-          <a:chOff x="0" y="0"/>
-          <a:chExt cx="0" cy="0"/>
-        </a:xfrm>
-      </p:grpSpPr>
-      <p:sp>
-        <p:nvSpPr>
-          <p:cNvPr id="2" name="Title 1"/>
-          <p:cNvSpPr>
-            <a:spLocks noGrp="1"/>
-          </p:cNvSpPr>
-          <p:nvPr>
-            <p:ph type="title"/>
-          </p:nvPr>
-        </p:nvSpPr>
-        <p:spPr/>
-        <p:txBody>
-          <a:bodyPr/>
-          <a:lstStyle/>
-          <a:p>
-            <a:r>
-              <a:rPr lang="en-US" dirty="0" smtClean="0"/>
-              <a:t>Portable Class Library</a:t>
-            </a:r>
-            <a:endParaRPr lang="en-US" dirty="0"/>
-          </a:p>
-        </p:txBody>
-      </p:sp>
-      <p:sp>
-        <p:nvSpPr>
-          <p:cNvPr id="3" name="Content Placeholder 2"/>
-          <p:cNvSpPr>
-            <a:spLocks noGrp="1"/>
-          </p:cNvSpPr>
-          <p:nvPr>
-            <p:ph idx="1"/>
-          </p:nvPr>
-        </p:nvSpPr>
-        <p:spPr/>
-        <p:txBody>
-          <a:bodyPr>
-            <a:normAutofit fontScale="92500" lnSpcReduction="20000"/>
-          </a:bodyPr>
-          <a:lstStyle/>
-          <a:p>
-            <a:pPr marL="0" indent="0">
-              <a:buNone/>
-            </a:pPr>
-            <a:r>
-              <a:rPr lang="ru-RU" dirty="0" smtClean="0"/>
-              <a:t>Проекты </a:t>
-            </a:r>
-            <a:r>
-              <a:rPr lang="en-US" dirty="0"/>
-              <a:t>Portable Class </a:t>
-            </a:r>
-            <a:r>
-              <a:rPr lang="en-US" dirty="0" smtClean="0"/>
-              <a:t>Library</a:t>
-            </a:r>
-            <a:r>
-              <a:rPr lang="ru-RU" dirty="0" smtClean="0"/>
-              <a:t> позволяют создавать сборки переносимые между разными </a:t>
-            </a:r>
-            <a:r>
-              <a:rPr lang="en-US" dirty="0" smtClean="0"/>
-              <a:t>.NET </a:t>
-            </a:r>
-            <a:r>
-              <a:rPr lang="ru-RU" dirty="0" smtClean="0"/>
-              <a:t>платформами: </a:t>
-            </a:r>
-            <a:r>
-              <a:rPr lang="en-US" dirty="0" smtClean="0"/>
-              <a:t>Windows, Windows Store (Metro), Silverlight, Windows Phone, Xbox 360. </a:t>
-            </a:r>
-            <a:r>
-              <a:rPr lang="ru-RU" dirty="0" smtClean="0"/>
-              <a:t>При создании проекта мы вибираем под какие платформы мы создаем библиотеку и тем самым добровольно ограничиваем себе возможности ради переносимости.</a:t>
-            </a:r>
-          </a:p>
-          <a:p>
-            <a:pPr marL="0" indent="0">
-              <a:buNone/>
-            </a:pPr>
-            <a:endParaRPr lang="ru-RU" dirty="0"/>
-          </a:p>
-          <a:p>
-            <a:pPr marL="0" indent="0">
-              <a:buNone/>
-            </a:pPr>
-            <a:r>
-              <a:rPr lang="ru-RU" dirty="0" smtClean="0"/>
-              <a:t>Подробности смотрите в </a:t>
-            </a:r>
-            <a:r>
-              <a:rPr lang="en-US" dirty="0" smtClean="0">
-                <a:hlinkClick r:id="rId2"/>
-              </a:rPr>
-              <a:t>Cross-Platform </a:t>
-            </a:r>
-            <a:r>
-              <a:rPr lang="en-US" dirty="0">
-                <a:hlinkClick r:id="rId2"/>
-              </a:rPr>
-              <a:t>Development with the .NET </a:t>
-            </a:r>
-            <a:r>
-              <a:rPr lang="en-US" dirty="0" smtClean="0">
-                <a:hlinkClick r:id="rId2"/>
-              </a:rPr>
-              <a:t>Framework</a:t>
-            </a:r>
-            <a:r>
-              <a:rPr lang="ru-RU" dirty="0" smtClean="0"/>
-              <a:t>.</a:t>
-            </a:r>
-            <a:endParaRPr lang="en-US" dirty="0"/>
-          </a:p>
-        </p:txBody>
-      </p:sp>
-    </p:spTree>
-    <p:extLst>
-      <p:ext uri="{BB962C8B-B14F-4D97-AF65-F5344CB8AC3E}">
-        <p14:creationId xmlns:p14="http://schemas.microsoft.com/office/powerpoint/2010/main" val="2977831934"/>
       </p:ext>
     </p:extLst>
   </p:cSld>
@@ -13424,19 +13670,7 @@
           <a:p>
             <a:r>
               <a:rPr lang="en-US" dirty="0" smtClean="0"/>
-              <a:t>CLS</a:t>
-            </a:r>
-            <a:r>
-              <a:rPr lang="ru-RU" dirty="0" smtClean="0"/>
-              <a:t> совместимые</a:t>
-            </a:r>
-            <a:r>
-              <a:rPr lang="en-US" dirty="0" smtClean="0"/>
-              <a:t> </a:t>
-            </a:r>
-            <a:r>
-              <a:rPr lang="ru-RU" dirty="0" smtClean="0"/>
-              <a:t>сборки</a:t>
+              <a:t>Portable Class Library</a:t>
             </a:r>
             <a:endParaRPr lang="en-US" dirty="0"/>
           </a:p>
@@ -13452,15 +13686,10 @@
             <p:ph idx="1"/>
           </p:nvPr>
         </p:nvSpPr>
-        <p:spPr>
-          <a:xfrm>
-            <a:off x="242616" y="1556792"/>
-            <a:ext cx="8649864" cy="4061048"/>
-          </a:xfrm>
-        </p:spPr>
+        <p:spPr/>
         <p:txBody>
           <a:bodyPr>
-            <a:normAutofit fontScale="70000" lnSpcReduction="20000"/>
+            <a:normAutofit fontScale="92500" lnSpcReduction="20000"/>
           </a:bodyPr>
           <a:lstStyle/>
           <a:p>
@@ -13469,233 +13698,81 @@
             </a:pPr>
             <a:r>
               <a:rPr lang="ru-RU" dirty="0" smtClean="0"/>
-              <a:t>Если вы создает библиотеку (сборку) для внешнего использования и хотите быть уверенными что её можно будет использовать из программ написанных на других языках (таких как </a:t>
+              <a:t>Проекты </a:t>
+            </a:r>
+            <a:r>
+              <a:rPr lang="en-US" dirty="0"/>
+              <a:t>Portable Class </a:t>
             </a:r>
             <a:r>
               <a:rPr lang="en-US" dirty="0" smtClean="0"/>
-              <a:t>VB.NET, F# </a:t>
+              <a:t>Library</a:t>
             </a:r>
             <a:r>
               <a:rPr lang="ru-RU" dirty="0" smtClean="0"/>
-              <a:t>и других)</a:t>
+              <a:t> позволяют создавать сборки переносимые между разными </a:t>
             </a:r>
             <a:r>
               <a:rPr lang="en-US" dirty="0" smtClean="0"/>
-              <a:t>, </a:t>
+              <a:t>.NET </a:t>
             </a:r>
             <a:r>
               <a:rPr lang="ru-RU" dirty="0" smtClean="0"/>
-              <a:t>то добавьте к свой сборке атрибут </a:t>
-            </a:r>
-            <a:r>
-              <a:rPr lang="en-US" dirty="0" err="1" smtClean="0"/>
-              <a:t>System.CLSCompliantAttribute</a:t>
+              <a:t>платформами: </a:t>
             </a:r>
             <a:r>
               <a:rPr lang="en-US" dirty="0" smtClean="0"/>
-              <a:t>.</a:t>
+              <a:t>Windows, Windows Store (Metro), Silverlight, Windows Phone, Xbox 360. </a:t>
+            </a:r>
+            <a:r>
+              <a:rPr lang="ru-RU" dirty="0" smtClean="0"/>
+              <a:t>При создании проекта мы вибираем под какие платформы мы создаем библиотеку и тем самым добровольно ограничиваем себе возможности ради переносимости.</a:t>
             </a:r>
           </a:p>
           <a:p>
             <a:pPr marL="0" indent="0">
               <a:buNone/>
             </a:pPr>
-            <a:endParaRPr lang="en-US" dirty="0"/>
+            <a:endParaRPr lang="ru-RU" dirty="0"/>
           </a:p>
           <a:p>
             <a:pPr marL="0" indent="0">
               <a:buNone/>
             </a:pPr>
             <a:r>
-              <a:rPr lang="en-US" dirty="0" smtClean="0"/>
-              <a:t>CLS </a:t>
-            </a:r>
-            <a:r>
               <a:rPr lang="ru-RU" dirty="0" smtClean="0"/>
-              <a:t>(</a:t>
-            </a:r>
-            <a:r>
-              <a:rPr lang="en-US" dirty="0" smtClean="0"/>
-              <a:t>Common Language Specification</a:t>
-            </a:r>
-            <a:r>
-              <a:rPr lang="ru-RU" dirty="0" smtClean="0"/>
-              <a:t>)</a:t>
-            </a:r>
-            <a:r>
-              <a:rPr lang="en-US" dirty="0" smtClean="0"/>
-              <a:t> </a:t>
-            </a:r>
-            <a:r>
-              <a:rPr lang="ru-RU" dirty="0" smtClean="0"/>
-              <a:t>является набором требований (ограничений) к языку позволяющее ему «бесшовно» взаимодействовать с программами на других языках. Это необходимо так как, </a:t>
-            </a:r>
-            <a:r>
-              <a:rPr lang="ru-RU" dirty="0"/>
-              <a:t>н</a:t>
-            </a:r>
-            <a:r>
-              <a:rPr lang="ru-RU" dirty="0" smtClean="0"/>
-              <a:t>есмотря на наличие «общего знаменателя» в виде </a:t>
-            </a:r>
-            <a:r>
-              <a:rPr lang="en-US" dirty="0" smtClean="0"/>
-              <a:t>IL </a:t>
-            </a:r>
-            <a:r>
-              <a:rPr lang="ru-RU" dirty="0" smtClean="0"/>
-              <a:t>кода, языки могут иметь весьма сильные различия. Компилятор </a:t>
-            </a:r>
-            <a:r>
-              <a:rPr lang="en-US" dirty="0" smtClean="0"/>
-              <a:t>C# </a:t>
-            </a:r>
-            <a:r>
-              <a:rPr lang="ru-RU" smtClean="0"/>
-              <a:t>проверяет </a:t>
-            </a:r>
-            <a:r>
-              <a:rPr lang="ru-RU" dirty="0" smtClean="0"/>
-              <a:t>программу на соответствие этим требованиям, только при наличии атрибута </a:t>
-            </a:r>
-            <a:r>
-              <a:rPr lang="en-US" dirty="0" err="1" smtClean="0"/>
-              <a:t>CLSCompliant</a:t>
+              <a:t>Подробности смотрите в </a:t>
+            </a:r>
+            <a:r>
+              <a:rPr lang="en-US" dirty="0" smtClean="0">
+                <a:hlinkClick r:id="rId2"/>
+              </a:rPr>
+              <a:t>Cross-Platform </a:t>
+            </a:r>
+            <a:r>
+              <a:rPr lang="en-US" dirty="0">
+                <a:hlinkClick r:id="rId2"/>
+              </a:rPr>
+              <a:t>Development with the .NET </a:t>
+            </a:r>
+            <a:r>
+              <a:rPr lang="en-US" dirty="0" smtClean="0">
+                <a:hlinkClick r:id="rId2"/>
+              </a:rPr>
+              <a:t>Framework</a:t>
             </a:r>
             <a:r>
               <a:rPr lang="ru-RU" dirty="0" smtClean="0"/>
               <a:t>.</a:t>
             </a:r>
             <a:endParaRPr lang="en-US" dirty="0"/>
-          </a:p>
-        </p:txBody>
-      </p:sp>
-      <p:sp>
-        <p:nvSpPr>
-          <p:cNvPr id="4" name="TextBox 3"/>
-          <p:cNvSpPr txBox="1"/>
-          <p:nvPr/>
-        </p:nvSpPr>
-        <p:spPr>
-          <a:xfrm>
-            <a:off x="251520" y="5805264"/>
-            <a:ext cx="8640960" cy="307777"/>
-          </a:xfrm>
-          <a:prstGeom prst="rect">
-            <a:avLst/>
-          </a:prstGeom>
-          <a:solidFill>
-            <a:schemeClr val="bg1"/>
-          </a:solidFill>
-        </p:spPr>
-        <p:txBody>
-          <a:bodyPr wrap="square" rtlCol="0">
-            <a:spAutoFit/>
-          </a:bodyPr>
-          <a:lstStyle/>
-          <a:p>
-            <a:r>
-              <a:rPr lang="en-US" sz="1400" dirty="0" smtClean="0">
-                <a:solidFill>
-                  <a:srgbClr val="000000"/>
-                </a:solidFill>
-                <a:highlight>
-                  <a:srgbClr val="FFFFFF"/>
-                </a:highlight>
-                <a:latin typeface="Courier New" panose="02070309020205020404" pitchFamily="49" charset="0"/>
-                <a:cs typeface="Courier New" panose="02070309020205020404" pitchFamily="49" charset="0"/>
-              </a:rPr>
-              <a:t>[</a:t>
-            </a:r>
-            <a:r>
-              <a:rPr lang="en-US" sz="1400" dirty="0" smtClean="0">
-                <a:solidFill>
-                  <a:srgbClr val="0000FF"/>
-                </a:solidFill>
-                <a:highlight>
-                  <a:srgbClr val="FFFFFF"/>
-                </a:highlight>
-                <a:latin typeface="Courier New" panose="02070309020205020404" pitchFamily="49" charset="0"/>
-                <a:cs typeface="Courier New" panose="02070309020205020404" pitchFamily="49" charset="0"/>
-              </a:rPr>
-              <a:t>assembly</a:t>
-            </a:r>
-            <a:r>
-              <a:rPr lang="en-US" sz="1400" dirty="0">
-                <a:solidFill>
-                  <a:srgbClr val="000000"/>
-                </a:solidFill>
-                <a:highlight>
-                  <a:srgbClr val="FFFFFF"/>
-                </a:highlight>
-                <a:latin typeface="Courier New" panose="02070309020205020404" pitchFamily="49" charset="0"/>
-                <a:cs typeface="Courier New" panose="02070309020205020404" pitchFamily="49" charset="0"/>
-              </a:rPr>
-              <a:t>: </a:t>
-            </a:r>
-            <a:r>
-              <a:rPr lang="en-US" sz="1400" dirty="0" err="1">
-                <a:solidFill>
-                  <a:srgbClr val="2B91AF"/>
-                </a:solidFill>
-                <a:highlight>
-                  <a:srgbClr val="FFFFFF"/>
-                </a:highlight>
-                <a:latin typeface="Courier New" panose="02070309020205020404" pitchFamily="49" charset="0"/>
-                <a:cs typeface="Courier New" panose="02070309020205020404" pitchFamily="49" charset="0"/>
-              </a:rPr>
-              <a:t>CLSCompliant</a:t>
-            </a:r>
-            <a:r>
-              <a:rPr lang="en-US" sz="1400" dirty="0">
-                <a:solidFill>
-                  <a:srgbClr val="000000"/>
-                </a:solidFill>
-                <a:highlight>
-                  <a:srgbClr val="FFFFFF"/>
-                </a:highlight>
-                <a:latin typeface="Courier New" panose="02070309020205020404" pitchFamily="49" charset="0"/>
-                <a:cs typeface="Courier New" panose="02070309020205020404" pitchFamily="49" charset="0"/>
-              </a:rPr>
-              <a:t>(</a:t>
-            </a:r>
-            <a:r>
-              <a:rPr lang="en-US" sz="1400" dirty="0">
-                <a:solidFill>
-                  <a:srgbClr val="0000FF"/>
-                </a:solidFill>
-                <a:highlight>
-                  <a:srgbClr val="FFFFFF"/>
-                </a:highlight>
-                <a:latin typeface="Courier New" panose="02070309020205020404" pitchFamily="49" charset="0"/>
-                <a:cs typeface="Courier New" panose="02070309020205020404" pitchFamily="49" charset="0"/>
-              </a:rPr>
-              <a:t>true</a:t>
-            </a:r>
-            <a:r>
-              <a:rPr lang="en-US" sz="1400" dirty="0" smtClean="0">
-                <a:solidFill>
-                  <a:srgbClr val="000000"/>
-                </a:solidFill>
-                <a:highlight>
-                  <a:srgbClr val="FFFFFF"/>
-                </a:highlight>
-                <a:latin typeface="Courier New" panose="02070309020205020404" pitchFamily="49" charset="0"/>
-                <a:cs typeface="Courier New" panose="02070309020205020404" pitchFamily="49" charset="0"/>
-              </a:rPr>
-              <a:t>)]</a:t>
-            </a:r>
-            <a:endParaRPr lang="ru-RU" sz="1400" dirty="0" smtClean="0">
-              <a:latin typeface="Courier New" panose="02070309020205020404" pitchFamily="49" charset="0"/>
-              <a:cs typeface="Courier New" panose="02070309020205020404" pitchFamily="49" charset="0"/>
-            </a:endParaRPr>
           </a:p>
         </p:txBody>
       </p:sp>
     </p:spTree>
     <p:extLst>
       <p:ext uri="{BB962C8B-B14F-4D97-AF65-F5344CB8AC3E}">
-        <p14:creationId xmlns:p14="http://schemas.microsoft.com/office/powerpoint/2010/main" val="910520611"/>
+        <p14:creationId xmlns:p14="http://schemas.microsoft.com/office/powerpoint/2010/main" val="2977831934"/>
       </p:ext>
     </p:extLst>
   </p:cSld>
@@ -13745,6 +13822,328 @@
           <a:lstStyle/>
           <a:p>
             <a:r>
+              <a:rPr lang="en-US" dirty="0" smtClean="0"/>
+              <a:t>CLS</a:t>
+            </a:r>
+            <a:r>
+              <a:rPr lang="ru-RU" dirty="0" smtClean="0"/>
+              <a:t> совместимые</a:t>
+            </a:r>
+            <a:r>
+              <a:rPr lang="en-US" dirty="0" smtClean="0"/>
+              <a:t> </a:t>
+            </a:r>
+            <a:r>
+              <a:rPr lang="ru-RU" dirty="0" smtClean="0"/>
+              <a:t>сборки</a:t>
+            </a:r>
+            <a:endParaRPr lang="en-US" dirty="0"/>
+          </a:p>
+        </p:txBody>
+      </p:sp>
+      <p:sp>
+        <p:nvSpPr>
+          <p:cNvPr id="3" name="Content Placeholder 2"/>
+          <p:cNvSpPr>
+            <a:spLocks noGrp="1"/>
+          </p:cNvSpPr>
+          <p:nvPr>
+            <p:ph idx="1"/>
+          </p:nvPr>
+        </p:nvSpPr>
+        <p:spPr>
+          <a:xfrm>
+            <a:off x="242616" y="1556792"/>
+            <a:ext cx="8649864" cy="4061048"/>
+          </a:xfrm>
+        </p:spPr>
+        <p:txBody>
+          <a:bodyPr>
+            <a:normAutofit fontScale="70000" lnSpcReduction="20000"/>
+          </a:bodyPr>
+          <a:lstStyle/>
+          <a:p>
+            <a:pPr marL="0" indent="0">
+              <a:buNone/>
+            </a:pPr>
+            <a:r>
+              <a:rPr lang="ru-RU" dirty="0" smtClean="0"/>
+              <a:t>Если вы создает библиотеку (сборку) для внешнего использования и хотите быть уверенными что её можно будет использовать из программ написанных на других языках (таких как </a:t>
+            </a:r>
+            <a:r>
+              <a:rPr lang="en-US" dirty="0" smtClean="0"/>
+              <a:t>VB.NET, F# </a:t>
+            </a:r>
+            <a:r>
+              <a:rPr lang="ru-RU" dirty="0" smtClean="0"/>
+              <a:t>и других)</a:t>
+            </a:r>
+            <a:r>
+              <a:rPr lang="en-US" dirty="0" smtClean="0"/>
+              <a:t>, </a:t>
+            </a:r>
+            <a:r>
+              <a:rPr lang="ru-RU" dirty="0" smtClean="0"/>
+              <a:t>то добавьте к свой сборке атрибут </a:t>
+            </a:r>
+            <a:r>
+              <a:rPr lang="en-US" dirty="0" err="1" smtClean="0"/>
+              <a:t>System.CLSCompliantAttribute</a:t>
+            </a:r>
+            <a:r>
+              <a:rPr lang="en-US" dirty="0" smtClean="0"/>
+              <a:t>.</a:t>
+            </a:r>
+          </a:p>
+          <a:p>
+            <a:pPr marL="0" indent="0">
+              <a:buNone/>
+            </a:pPr>
+            <a:endParaRPr lang="en-US" dirty="0"/>
+          </a:p>
+          <a:p>
+            <a:pPr marL="0" indent="0">
+              <a:buNone/>
+            </a:pPr>
+            <a:r>
+              <a:rPr lang="en-US" dirty="0" smtClean="0"/>
+              <a:t>CLS </a:t>
+            </a:r>
+            <a:r>
+              <a:rPr lang="ru-RU" dirty="0" smtClean="0"/>
+              <a:t>(</a:t>
+            </a:r>
+            <a:r>
+              <a:rPr lang="en-US" dirty="0" smtClean="0"/>
+              <a:t>Common Language Specification</a:t>
+            </a:r>
+            <a:r>
+              <a:rPr lang="ru-RU" dirty="0" smtClean="0"/>
+              <a:t>)</a:t>
+            </a:r>
+            <a:r>
+              <a:rPr lang="en-US" dirty="0" smtClean="0"/>
+              <a:t> </a:t>
+            </a:r>
+            <a:r>
+              <a:rPr lang="ru-RU" dirty="0" smtClean="0"/>
+              <a:t>является набором требований (ограничений) к языку позволяющее ему «бесшовно» взаимодействовать с программами на других языках. Это необходимо так как, </a:t>
+            </a:r>
+            <a:r>
+              <a:rPr lang="ru-RU" dirty="0"/>
+              <a:t>н</a:t>
+            </a:r>
+            <a:r>
+              <a:rPr lang="ru-RU" dirty="0" smtClean="0"/>
+              <a:t>есмотря на наличие «общего знаменателя» в виде </a:t>
+            </a:r>
+            <a:r>
+              <a:rPr lang="en-US" dirty="0" smtClean="0"/>
+              <a:t>IL </a:t>
+            </a:r>
+            <a:r>
+              <a:rPr lang="ru-RU" dirty="0" smtClean="0"/>
+              <a:t>кода, языки могут иметь весьма сильные различия. Компилятор </a:t>
+            </a:r>
+            <a:r>
+              <a:rPr lang="en-US" dirty="0" smtClean="0"/>
+              <a:t>C# </a:t>
+            </a:r>
+            <a:r>
+              <a:rPr lang="ru-RU" smtClean="0"/>
+              <a:t>проверяет </a:t>
+            </a:r>
+            <a:r>
+              <a:rPr lang="ru-RU" dirty="0" smtClean="0"/>
+              <a:t>программу на соответствие этим требованиям, только при наличии атрибута </a:t>
+            </a:r>
+            <a:r>
+              <a:rPr lang="en-US" dirty="0" err="1" smtClean="0"/>
+              <a:t>CLSCompliant</a:t>
+            </a:r>
+            <a:r>
+              <a:rPr lang="ru-RU" dirty="0" smtClean="0"/>
+              <a:t>.</a:t>
+            </a:r>
+            <a:endParaRPr lang="en-US" dirty="0"/>
+          </a:p>
+        </p:txBody>
+      </p:sp>
+      <p:sp>
+        <p:nvSpPr>
+          <p:cNvPr id="4" name="TextBox 3"/>
+          <p:cNvSpPr txBox="1"/>
+          <p:nvPr/>
+        </p:nvSpPr>
+        <p:spPr>
+          <a:xfrm>
+            <a:off x="251520" y="5805264"/>
+            <a:ext cx="8640960" cy="307777"/>
+          </a:xfrm>
+          <a:prstGeom prst="rect">
+            <a:avLst/>
+          </a:prstGeom>
+          <a:solidFill>
+            <a:schemeClr val="bg1"/>
+          </a:solidFill>
+        </p:spPr>
+        <p:txBody>
+          <a:bodyPr wrap="square" rtlCol="0">
+            <a:spAutoFit/>
+          </a:bodyPr>
+          <a:lstStyle/>
+          <a:p>
+            <a:r>
+              <a:rPr lang="en-US" sz="1400" dirty="0" smtClean="0">
+                <a:solidFill>
+                  <a:srgbClr val="000000"/>
+                </a:solidFill>
+                <a:highlight>
+                  <a:srgbClr val="FFFFFF"/>
+                </a:highlight>
+                <a:latin typeface="Courier New" panose="02070309020205020404" pitchFamily="49" charset="0"/>
+                <a:cs typeface="Courier New" panose="02070309020205020404" pitchFamily="49" charset="0"/>
+              </a:rPr>
+              <a:t>[</a:t>
+            </a:r>
+            <a:r>
+              <a:rPr lang="en-US" sz="1400" dirty="0" smtClean="0">
+                <a:solidFill>
+                  <a:srgbClr val="0000FF"/>
+                </a:solidFill>
+                <a:highlight>
+                  <a:srgbClr val="FFFFFF"/>
+                </a:highlight>
+                <a:latin typeface="Courier New" panose="02070309020205020404" pitchFamily="49" charset="0"/>
+                <a:cs typeface="Courier New" panose="02070309020205020404" pitchFamily="49" charset="0"/>
+              </a:rPr>
+              <a:t>assembly</a:t>
+            </a:r>
+            <a:r>
+              <a:rPr lang="en-US" sz="1400" dirty="0">
+                <a:solidFill>
+                  <a:srgbClr val="000000"/>
+                </a:solidFill>
+                <a:highlight>
+                  <a:srgbClr val="FFFFFF"/>
+                </a:highlight>
+                <a:latin typeface="Courier New" panose="02070309020205020404" pitchFamily="49" charset="0"/>
+                <a:cs typeface="Courier New" panose="02070309020205020404" pitchFamily="49" charset="0"/>
+              </a:rPr>
+              <a:t>: </a:t>
+            </a:r>
+            <a:r>
+              <a:rPr lang="en-US" sz="1400" dirty="0" err="1">
+                <a:solidFill>
+                  <a:srgbClr val="2B91AF"/>
+                </a:solidFill>
+                <a:highlight>
+                  <a:srgbClr val="FFFFFF"/>
+                </a:highlight>
+                <a:latin typeface="Courier New" panose="02070309020205020404" pitchFamily="49" charset="0"/>
+                <a:cs typeface="Courier New" panose="02070309020205020404" pitchFamily="49" charset="0"/>
+              </a:rPr>
+              <a:t>CLSCompliant</a:t>
+            </a:r>
+            <a:r>
+              <a:rPr lang="en-US" sz="1400" dirty="0">
+                <a:solidFill>
+                  <a:srgbClr val="000000"/>
+                </a:solidFill>
+                <a:highlight>
+                  <a:srgbClr val="FFFFFF"/>
+                </a:highlight>
+                <a:latin typeface="Courier New" panose="02070309020205020404" pitchFamily="49" charset="0"/>
+                <a:cs typeface="Courier New" panose="02070309020205020404" pitchFamily="49" charset="0"/>
+              </a:rPr>
+              <a:t>(</a:t>
+            </a:r>
+            <a:r>
+              <a:rPr lang="en-US" sz="1400" dirty="0">
+                <a:solidFill>
+                  <a:srgbClr val="0000FF"/>
+                </a:solidFill>
+                <a:highlight>
+                  <a:srgbClr val="FFFFFF"/>
+                </a:highlight>
+                <a:latin typeface="Courier New" panose="02070309020205020404" pitchFamily="49" charset="0"/>
+                <a:cs typeface="Courier New" panose="02070309020205020404" pitchFamily="49" charset="0"/>
+              </a:rPr>
+              <a:t>true</a:t>
+            </a:r>
+            <a:r>
+              <a:rPr lang="en-US" sz="1400" dirty="0" smtClean="0">
+                <a:solidFill>
+                  <a:srgbClr val="000000"/>
+                </a:solidFill>
+                <a:highlight>
+                  <a:srgbClr val="FFFFFF"/>
+                </a:highlight>
+                <a:latin typeface="Courier New" panose="02070309020205020404" pitchFamily="49" charset="0"/>
+                <a:cs typeface="Courier New" panose="02070309020205020404" pitchFamily="49" charset="0"/>
+              </a:rPr>
+              <a:t>)]</a:t>
+            </a:r>
+            <a:endParaRPr lang="ru-RU" sz="1400" dirty="0" smtClean="0">
+              <a:latin typeface="Courier New" panose="02070309020205020404" pitchFamily="49" charset="0"/>
+              <a:cs typeface="Courier New" panose="02070309020205020404" pitchFamily="49" charset="0"/>
+            </a:endParaRPr>
+          </a:p>
+        </p:txBody>
+      </p:sp>
+    </p:spTree>
+    <p:extLst>
+      <p:ext uri="{BB962C8B-B14F-4D97-AF65-F5344CB8AC3E}">
+        <p14:creationId xmlns:p14="http://schemas.microsoft.com/office/powerpoint/2010/main" val="910520611"/>
+      </p:ext>
+    </p:extLst>
+  </p:cSld>
+  <p:clrMapOvr>
+    <a:masterClrMapping/>
+  </p:clrMapOvr>
+  <p:timing>
+    <p:tnLst>
+      <p:par>
+        <p:cTn id="1" dur="indefinite" restart="never" nodeType="tmRoot"/>
+      </p:par>
+    </p:tnLst>
+  </p:timing>
+</p:sld>
+</file>
+
+<file path=ppt/slides/slide34.xml><?xml version="1.0" encoding="utf-8"?>
+<p:sld xmlns:a="http://schemas.openxmlformats.org/drawingml/2006/main" xmlns:r="http://schemas.openxmlformats.org/officeDocument/2006/relationships" xmlns:p="http://schemas.openxmlformats.org/presentationml/2006/main">
+  <p:cSld>
+    <p:spTree>
+      <p:nvGrpSpPr>
+        <p:cNvPr id="1" name=""/>
+        <p:cNvGrpSpPr/>
+        <p:nvPr/>
+      </p:nvGrpSpPr>
+      <p:grpSpPr>
+        <a:xfrm>
+          <a:off x="0" y="0"/>
+          <a:ext cx="0" cy="0"/>
+          <a:chOff x="0" y="0"/>
+          <a:chExt cx="0" cy="0"/>
+        </a:xfrm>
+      </p:grpSpPr>
+      <p:sp>
+        <p:nvSpPr>
+          <p:cNvPr id="2" name="Title 1"/>
+          <p:cNvSpPr>
+            <a:spLocks noGrp="1"/>
+          </p:cNvSpPr>
+          <p:nvPr>
+            <p:ph type="title"/>
+          </p:nvPr>
+        </p:nvSpPr>
+        <p:spPr/>
+        <p:txBody>
+          <a:bodyPr/>
+          <a:lstStyle/>
+          <a:p>
+            <a:r>
               <a:rPr lang="ru-RU" dirty="0" smtClean="0"/>
               <a:t>Механизм </a:t>
             </a:r>
@@ -13806,7 +14205,7 @@
 </p:sld>
 </file>
 
-<file path=ppt/slides/slide34.xml><?xml version="1.0" encoding="utf-8"?>
+<file path=ppt/slides/slide35.xml><?xml version="1.0" encoding="utf-8"?>
 <p:sld xmlns:a="http://schemas.openxmlformats.org/drawingml/2006/main" xmlns:r="http://schemas.openxmlformats.org/officeDocument/2006/relationships" xmlns:p="http://schemas.openxmlformats.org/presentationml/2006/main">
   <p:cSld>
     <p:spTree>
@@ -14677,7 +15076,7 @@
 </p:sld>
 </file>
 
-<file path=ppt/slides/slide35.xml><?xml version="1.0" encoding="utf-8"?>
+<file path=ppt/slides/slide36.xml><?xml version="1.0" encoding="utf-8"?>
 <p:sld xmlns:a="http://schemas.openxmlformats.org/drawingml/2006/main" xmlns:r="http://schemas.openxmlformats.org/officeDocument/2006/relationships" xmlns:p="http://schemas.openxmlformats.org/presentationml/2006/main">
   <p:cSld>
     <p:spTree>
@@ -15536,7 +15935,7 @@
 </p:sld>
 </file>
 
-<file path=ppt/slides/slide36.xml><?xml version="1.0" encoding="utf-8"?>
+<file path=ppt/slides/slide37.xml><?xml version="1.0" encoding="utf-8"?>
 <p:sld xmlns:a="http://schemas.openxmlformats.org/drawingml/2006/main" xmlns:r="http://schemas.openxmlformats.org/officeDocument/2006/relationships" xmlns:p="http://schemas.openxmlformats.org/presentationml/2006/main">
   <p:cSld>
     <p:spTree>
@@ -16190,7 +16589,7 @@
 </p:sld>
 </file>
 
-<file path=ppt/slides/slide37.xml><?xml version="1.0" encoding="utf-8"?>
+<file path=ppt/slides/slide38.xml><?xml version="1.0" encoding="utf-8"?>
 <p:sld xmlns:a="http://schemas.openxmlformats.org/drawingml/2006/main" xmlns:r="http://schemas.openxmlformats.org/officeDocument/2006/relationships" xmlns:p="http://schemas.openxmlformats.org/presentationml/2006/main">
   <p:cSld>
     <p:spTree>

--- a/Presentation/lesson-07-reflection.pptx
+++ b/Presentation/lesson-07-reflection.pptx
@@ -231,7 +231,7 @@
             <a:fld id="{B24A7054-7FFB-49F4-A126-5DF6E687FF53}" type="datetimeFigureOut">
               <a:rPr lang="ru-RU" smtClean="0"/>
               <a:pPr/>
-              <a:t>22.04.2014</a:t>
+              <a:t>03.06.2014</a:t>
             </a:fld>
             <a:endParaRPr lang="ru-RU"/>
           </a:p>
@@ -1515,7 +1515,7 @@
             <a:fld id="{8E6E6A2A-E9D3-4A0D-B04A-ABDD367A1E08}" type="datetimeFigureOut">
               <a:rPr lang="ru-RU" smtClean="0"/>
               <a:pPr/>
-              <a:t>22.04.2014</a:t>
+              <a:t>03.06.2014</a:t>
             </a:fld>
             <a:endParaRPr lang="ru-RU"/>
           </a:p>
@@ -1759,7 +1759,7 @@
             <a:fld id="{8E6E6A2A-E9D3-4A0D-B04A-ABDD367A1E08}" type="datetimeFigureOut">
               <a:rPr lang="ru-RU" smtClean="0"/>
               <a:pPr/>
-              <a:t>22.04.2014</a:t>
+              <a:t>03.06.2014</a:t>
             </a:fld>
             <a:endParaRPr lang="ru-RU"/>
           </a:p>
@@ -1931,7 +1931,7 @@
             <a:fld id="{8E6E6A2A-E9D3-4A0D-B04A-ABDD367A1E08}" type="datetimeFigureOut">
               <a:rPr lang="ru-RU" smtClean="0"/>
               <a:pPr/>
-              <a:t>22.04.2014</a:t>
+              <a:t>03.06.2014</a:t>
             </a:fld>
             <a:endParaRPr lang="ru-RU"/>
           </a:p>
@@ -2179,7 +2179,7 @@
             <a:fld id="{8E6E6A2A-E9D3-4A0D-B04A-ABDD367A1E08}" type="datetimeFigureOut">
               <a:rPr lang="ru-RU" smtClean="0"/>
               <a:pPr/>
-              <a:t>22.04.2014</a:t>
+              <a:t>03.06.2014</a:t>
             </a:fld>
             <a:endParaRPr lang="ru-RU"/>
           </a:p>
@@ -2469,7 +2469,7 @@
             <a:fld id="{8E6E6A2A-E9D3-4A0D-B04A-ABDD367A1E08}" type="datetimeFigureOut">
               <a:rPr lang="ru-RU" smtClean="0"/>
               <a:pPr/>
-              <a:t>22.04.2014</a:t>
+              <a:t>03.06.2014</a:t>
             </a:fld>
             <a:endParaRPr lang="ru-RU"/>
           </a:p>
@@ -2893,7 +2893,7 @@
             <a:fld id="{8E6E6A2A-E9D3-4A0D-B04A-ABDD367A1E08}" type="datetimeFigureOut">
               <a:rPr lang="ru-RU" smtClean="0"/>
               <a:pPr/>
-              <a:t>22.04.2014</a:t>
+              <a:t>03.06.2014</a:t>
             </a:fld>
             <a:endParaRPr lang="ru-RU"/>
           </a:p>
@@ -3222,7 +3222,7 @@
             <a:fld id="{8E6E6A2A-E9D3-4A0D-B04A-ABDD367A1E08}" type="datetimeFigureOut">
               <a:rPr lang="ru-RU" smtClean="0"/>
               <a:pPr/>
-              <a:t>22.04.2014</a:t>
+              <a:t>03.06.2014</a:t>
             </a:fld>
             <a:endParaRPr lang="ru-RU"/>
           </a:p>
@@ -3319,7 +3319,7 @@
             <a:fld id="{8E6E6A2A-E9D3-4A0D-B04A-ABDD367A1E08}" type="datetimeFigureOut">
               <a:rPr lang="ru-RU" smtClean="0"/>
               <a:pPr/>
-              <a:t>22.04.2014</a:t>
+              <a:t>03.06.2014</a:t>
             </a:fld>
             <a:endParaRPr lang="ru-RU"/>
           </a:p>
@@ -3598,7 +3598,7 @@
             <a:fld id="{8E6E6A2A-E9D3-4A0D-B04A-ABDD367A1E08}" type="datetimeFigureOut">
               <a:rPr lang="ru-RU" smtClean="0"/>
               <a:pPr/>
-              <a:t>22.04.2014</a:t>
+              <a:t>03.06.2014</a:t>
             </a:fld>
             <a:endParaRPr lang="ru-RU"/>
           </a:p>
@@ -3853,7 +3853,7 @@
             <a:fld id="{8E6E6A2A-E9D3-4A0D-B04A-ABDD367A1E08}" type="datetimeFigureOut">
               <a:rPr lang="ru-RU" smtClean="0"/>
               <a:pPr/>
-              <a:t>22.04.2014</a:t>
+              <a:t>03.06.2014</a:t>
             </a:fld>
             <a:endParaRPr lang="ru-RU"/>
           </a:p>
@@ -4025,7 +4025,7 @@
             <a:fld id="{8E6E6A2A-E9D3-4A0D-B04A-ABDD367A1E08}" type="datetimeFigureOut">
               <a:rPr lang="ru-RU" smtClean="0"/>
               <a:pPr/>
-              <a:t>22.04.2014</a:t>
+              <a:t>03.06.2014</a:t>
             </a:fld>
             <a:endParaRPr lang="ru-RU"/>
           </a:p>
@@ -4207,7 +4207,7 @@
             <a:fld id="{8E6E6A2A-E9D3-4A0D-B04A-ABDD367A1E08}" type="datetimeFigureOut">
               <a:rPr lang="ru-RU" smtClean="0"/>
               <a:pPr/>
-              <a:t>22.04.2014</a:t>
+              <a:t>03.06.2014</a:t>
             </a:fld>
             <a:endParaRPr lang="ru-RU"/>
           </a:p>
@@ -5445,7 +5445,7 @@
             <a:fld id="{AC3D3127-B7C4-45E3-9797-C527EC9FDD78}" type="datetimeFigureOut">
               <a:rPr lang="ru-RU" smtClean="0"/>
               <a:pPr/>
-              <a:t>22.04.2014</a:t>
+              <a:t>03.06.2014</a:t>
             </a:fld>
             <a:endParaRPr lang="ru-RU"/>
           </a:p>
@@ -5967,7 +5967,7 @@
             <a:fld id="{8E6E6A2A-E9D3-4A0D-B04A-ABDD367A1E08}" type="datetimeFigureOut">
               <a:rPr lang="ru-RU" smtClean="0"/>
               <a:pPr/>
-              <a:t>22.04.2014</a:t>
+              <a:t>03.06.2014</a:t>
             </a:fld>
             <a:endParaRPr lang="ru-RU"/>
           </a:p>
@@ -7685,7 +7685,7 @@
         </p:spPr>
         <p:txBody>
           <a:bodyPr numCol="1">
-            <a:normAutofit fontScale="92500" lnSpcReduction="10000"/>
+            <a:normAutofit fontScale="92500" lnSpcReduction="20000"/>
           </a:bodyPr>
           <a:lstStyle/>
           <a:p>
@@ -7703,7 +7703,15 @@
                   <a:schemeClr val="bg1"/>
                 </a:solidFill>
               </a:rPr>
-              <a:t>(</a:t>
+              <a:t>(VS Code Analysis </a:t>
+            </a:r>
+            <a:r>
+              <a:rPr lang="ru-RU" sz="2400" dirty="0" smtClean="0">
+                <a:solidFill>
+                  <a:schemeClr val="bg1"/>
+                </a:solidFill>
+              </a:rPr>
+              <a:t>и другие</a:t>
             </a:r>
             <a:r>
               <a:rPr lang="en-US" sz="2400" dirty="0" smtClean="0">
@@ -7711,7 +7719,17 @@
                   <a:schemeClr val="bg1"/>
                 </a:solidFill>
               </a:rPr>
-              <a:t>VS </a:t>
+              <a:t>)</a:t>
+            </a:r>
+          </a:p>
+          <a:p>
+            <a:r>
+              <a:rPr lang="ru-RU" sz="2400" dirty="0" smtClean="0">
+                <a:solidFill>
+                  <a:schemeClr val="bg1"/>
+                </a:solidFill>
+              </a:rPr>
+              <a:t>Возможность модификации кода после компиляции. (АОП, </a:t>
             </a:r>
             <a:r>
               <a:rPr lang="en-US" sz="2400" dirty="0" smtClean="0">
@@ -7719,33 +7737,15 @@
                   <a:schemeClr val="bg1"/>
                 </a:solidFill>
               </a:rPr>
-              <a:t>Code Analysis)</a:t>
-            </a:r>
-          </a:p>
-          <a:p>
+              <a:t>MS Code Contracts</a:t>
+            </a:r>
             <a:r>
               <a:rPr lang="ru-RU" sz="2400" dirty="0" smtClean="0">
                 <a:solidFill>
                   <a:schemeClr val="bg1"/>
                 </a:solidFill>
               </a:rPr>
-              <a:t>Возможность модификации кода после компиляции. (АОП и </a:t>
-            </a:r>
-            <a:r>
-              <a:rPr lang="en-US" sz="2400" dirty="0" smtClean="0">
-                <a:solidFill>
-                  <a:schemeClr val="bg1"/>
-                </a:solidFill>
-              </a:rPr>
-              <a:t>MS Code Contracts</a:t>
-            </a:r>
-            <a:r>
-              <a:rPr lang="ru-RU" sz="2400" dirty="0" smtClean="0">
-                <a:solidFill>
-                  <a:schemeClr val="bg1"/>
-                </a:solidFill>
-              </a:rPr>
-              <a:t>)</a:t>
+              <a:t> и т.д.)</a:t>
             </a:r>
             <a:endParaRPr lang="ru-RU" sz="2400" dirty="0">
               <a:solidFill>
@@ -7773,7 +7773,7 @@
           </a:p>
           <a:p>
             <a:r>
-              <a:rPr lang="ru-RU" sz="2400" smtClean="0">
+              <a:rPr lang="ru-RU" sz="2400" dirty="0" smtClean="0">
                 <a:solidFill>
                   <a:schemeClr val="bg1"/>
                 </a:solidFill>
@@ -7964,7 +7964,23 @@
                   <a:schemeClr val="bg1"/>
                 </a:solidFill>
               </a:rPr>
-              <a:t>-компиляция занимает время и дополнительную память </a:t>
+              <a:t>-компиляция занимает время и дополнительную память (станет меньшей проблемой после выхода </a:t>
+            </a:r>
+            <a:r>
+              <a:rPr lang="en-US" sz="2400" dirty="0" smtClean="0">
+                <a:solidFill>
+                  <a:schemeClr val="bg1"/>
+                </a:solidFill>
+              </a:rPr>
+              <a:t>.NET Native</a:t>
+            </a:r>
+            <a:r>
+              <a:rPr lang="ru-RU" sz="2400" dirty="0" smtClean="0">
+                <a:solidFill>
+                  <a:schemeClr val="bg1"/>
+                </a:solidFill>
+              </a:rPr>
+              <a:t>)</a:t>
             </a:r>
             <a:endParaRPr lang="en-US" sz="2400" dirty="0" smtClean="0">
               <a:solidFill>
@@ -14167,7 +14183,9 @@
         </p:nvSpPr>
         <p:spPr/>
         <p:txBody>
-          <a:bodyPr/>
+          <a:bodyPr>
+            <a:normAutofit fontScale="70000" lnSpcReduction="20000"/>
+          </a:bodyPr>
           <a:lstStyle/>
           <a:p>
             <a:pPr marL="0" indent="0">
@@ -14175,11 +14193,166 @@
             </a:pPr>
             <a:r>
               <a:rPr lang="ru-RU" dirty="0" smtClean="0"/>
+              <a:t>Реализация механизма </a:t>
+            </a:r>
+            <a:r>
+              <a:rPr lang="en-US" dirty="0" smtClean="0"/>
+              <a:t>RTTI </a:t>
+            </a:r>
+            <a:r>
+              <a:rPr lang="ru-RU" dirty="0" smtClean="0"/>
+              <a:t>(</a:t>
+            </a:r>
+            <a:r>
+              <a:rPr lang="en-US" dirty="0" smtClean="0"/>
+              <a:t>Run-time Type Information). </a:t>
+            </a:r>
+            <a:r>
+              <a:rPr lang="ru-RU" dirty="0" smtClean="0"/>
               <a:t>Пространство имен </a:t>
             </a:r>
             <a:r>
               <a:rPr lang="en-US" dirty="0" err="1" smtClean="0"/>
               <a:t>System.Reflection</a:t>
+            </a:r>
+            <a:r>
+              <a:rPr lang="en-US" dirty="0" smtClean="0"/>
+              <a:t>.</a:t>
+            </a:r>
+          </a:p>
+          <a:p>
+            <a:pPr marL="0" indent="0">
+              <a:buNone/>
+            </a:pPr>
+            <a:endParaRPr lang="en-US" dirty="0" smtClean="0"/>
+          </a:p>
+          <a:p>
+            <a:r>
+              <a:rPr lang="ru-RU" b="1" dirty="0" smtClean="0"/>
+              <a:t>Генерация кода. </a:t>
+            </a:r>
+            <a:r>
+              <a:rPr lang="ru-RU" dirty="0" smtClean="0"/>
+              <a:t>Иногда в паре с </a:t>
+            </a:r>
+            <a:r>
+              <a:rPr lang="en-US" dirty="0" smtClean="0"/>
+              <a:t>T4 </a:t>
+            </a:r>
+            <a:r>
+              <a:rPr lang="ru-RU" dirty="0" smtClean="0"/>
+              <a:t>шаблонами</a:t>
+            </a:r>
+            <a:r>
+              <a:rPr lang="en-US" dirty="0" smtClean="0"/>
+              <a:t>.</a:t>
+            </a:r>
+            <a:endParaRPr lang="en-US" dirty="0" smtClean="0"/>
+          </a:p>
+          <a:p>
+            <a:r>
+              <a:rPr lang="ru-RU" b="1" dirty="0" smtClean="0"/>
+              <a:t>Автоматическая </a:t>
+            </a:r>
+            <a:r>
+              <a:rPr lang="ru-RU" b="1" dirty="0" smtClean="0"/>
+              <a:t>генерация </a:t>
+            </a:r>
+            <a:r>
+              <a:rPr lang="en-US" b="1" dirty="0" smtClean="0"/>
+              <a:t>UI</a:t>
+            </a:r>
+            <a:r>
+              <a:rPr lang="en-US" dirty="0" smtClean="0"/>
+              <a:t> (</a:t>
+            </a:r>
+            <a:r>
+              <a:rPr lang="ru-RU" dirty="0" smtClean="0"/>
+              <a:t>например</a:t>
+            </a:r>
+            <a:r>
+              <a:rPr lang="en-US" dirty="0" smtClean="0"/>
+              <a:t>, property </a:t>
+            </a:r>
+            <a:r>
+              <a:rPr lang="en-US" dirty="0"/>
+              <a:t>editor</a:t>
+            </a:r>
+            <a:r>
+              <a:rPr lang="en-US" dirty="0" smtClean="0"/>
+              <a:t>).</a:t>
+            </a:r>
+            <a:endParaRPr lang="en-US" dirty="0"/>
+          </a:p>
+          <a:p>
+            <a:r>
+              <a:rPr lang="ru-RU" b="1" dirty="0" smtClean="0"/>
+              <a:t>Сериализация</a:t>
+            </a:r>
+            <a:r>
+              <a:rPr lang="en-US" dirty="0" smtClean="0"/>
+              <a:t>. </a:t>
+            </a:r>
+            <a:r>
+              <a:rPr lang="ru-RU" dirty="0" smtClean="0"/>
+              <a:t>Определение списка членов класса подлежащих сериализации и последующее восстановление.</a:t>
+            </a:r>
+            <a:endParaRPr lang="en-US" dirty="0"/>
+          </a:p>
+          <a:p>
+            <a:r>
+              <a:rPr lang="ru-RU" b="1" dirty="0" smtClean="0"/>
+              <a:t>Веб-сервисы</a:t>
+            </a:r>
+            <a:r>
+              <a:rPr lang="en-US" dirty="0" smtClean="0"/>
+              <a:t>. </a:t>
+            </a:r>
+            <a:r>
+              <a:rPr lang="ru-RU" dirty="0" smtClean="0"/>
+              <a:t>Близко к сериализации. Генерация классов на основе </a:t>
+            </a:r>
+            <a:r>
+              <a:rPr lang="en-US" dirty="0" smtClean="0"/>
+              <a:t>WSDL.</a:t>
+            </a:r>
+            <a:endParaRPr lang="en-US" dirty="0"/>
+          </a:p>
+          <a:p>
+            <a:r>
+              <a:rPr lang="ru-RU" b="1" dirty="0" smtClean="0"/>
+              <a:t>Предметно-ориентированные языки</a:t>
+            </a:r>
+            <a:r>
+              <a:rPr lang="en-US" b="1" dirty="0" smtClean="0"/>
+              <a:t> (DSL)</a:t>
+            </a:r>
+            <a:r>
+              <a:rPr lang="en-US" dirty="0" smtClean="0"/>
+              <a:t>. </a:t>
+            </a:r>
+            <a:r>
+              <a:rPr lang="ru-RU" dirty="0" smtClean="0"/>
+              <a:t>Интерпретированные скриптовые языки могут работать с слабо-типизированными объектами с помощью </a:t>
+            </a:r>
+            <a:r>
+              <a:rPr lang="en-US" dirty="0" smtClean="0"/>
+              <a:t>reflection.</a:t>
+            </a:r>
+            <a:endParaRPr lang="en-US" dirty="0"/>
+          </a:p>
+          <a:p>
+            <a:r>
+              <a:rPr lang="ru-RU" b="1" dirty="0" smtClean="0"/>
+              <a:t>Средства отладки</a:t>
+            </a:r>
+            <a:r>
+              <a:rPr lang="en-US" dirty="0" smtClean="0"/>
+              <a:t>. </a:t>
+            </a:r>
+            <a:r>
+              <a:rPr lang="ru-RU" dirty="0" smtClean="0"/>
+              <a:t>Исследование состояния любого объекта.</a:t>
             </a:r>
             <a:endParaRPr lang="en-US" dirty="0"/>
           </a:p>

--- a/Presentation/lesson-07-reflection.pptx
+++ b/Presentation/lesson-07-reflection.pptx
@@ -6,7 +6,7 @@
     <p:sldMasterId id="2147483663" r:id="rId2"/>
   </p:sldMasterIdLst>
   <p:notesMasterIdLst>
-    <p:notesMasterId r:id="rId41"/>
+    <p:notesMasterId r:id="rId44"/>
   </p:notesMasterIdLst>
   <p:sldIdLst>
     <p:sldId id="257" r:id="rId3"/>
@@ -42,11 +42,14 @@
     <p:sldId id="261" r:id="rId33"/>
     <p:sldId id="300" r:id="rId34"/>
     <p:sldId id="306" r:id="rId35"/>
-    <p:sldId id="299" r:id="rId36"/>
-    <p:sldId id="263" r:id="rId37"/>
-    <p:sldId id="264" r:id="rId38"/>
-    <p:sldId id="265" r:id="rId39"/>
-    <p:sldId id="271" r:id="rId40"/>
+    <p:sldId id="310" r:id="rId36"/>
+    <p:sldId id="312" r:id="rId37"/>
+    <p:sldId id="311" r:id="rId38"/>
+    <p:sldId id="299" r:id="rId39"/>
+    <p:sldId id="263" r:id="rId40"/>
+    <p:sldId id="264" r:id="rId41"/>
+    <p:sldId id="265" r:id="rId42"/>
+    <p:sldId id="271" r:id="rId43"/>
   </p:sldIdLst>
   <p:sldSz cx="9144000" cy="6858000" type="screen4x3"/>
   <p:notesSz cx="6858000" cy="9144000"/>
@@ -231,7 +234,7 @@
             <a:fld id="{B24A7054-7FFB-49F4-A126-5DF6E687FF53}" type="datetimeFigureOut">
               <a:rPr lang="ru-RU" smtClean="0"/>
               <a:pPr/>
-              <a:t>03.06.2014</a:t>
+              <a:t>16.08.2014</a:t>
             </a:fld>
             <a:endParaRPr lang="ru-RU"/>
           </a:p>
@@ -1515,7 +1518,7 @@
             <a:fld id="{8E6E6A2A-E9D3-4A0D-B04A-ABDD367A1E08}" type="datetimeFigureOut">
               <a:rPr lang="ru-RU" smtClean="0"/>
               <a:pPr/>
-              <a:t>03.06.2014</a:t>
+              <a:t>16.08.2014</a:t>
             </a:fld>
             <a:endParaRPr lang="ru-RU"/>
           </a:p>
@@ -1759,7 +1762,7 @@
             <a:fld id="{8E6E6A2A-E9D3-4A0D-B04A-ABDD367A1E08}" type="datetimeFigureOut">
               <a:rPr lang="ru-RU" smtClean="0"/>
               <a:pPr/>
-              <a:t>03.06.2014</a:t>
+              <a:t>16.08.2014</a:t>
             </a:fld>
             <a:endParaRPr lang="ru-RU"/>
           </a:p>
@@ -1931,7 +1934,7 @@
             <a:fld id="{8E6E6A2A-E9D3-4A0D-B04A-ABDD367A1E08}" type="datetimeFigureOut">
               <a:rPr lang="ru-RU" smtClean="0"/>
               <a:pPr/>
-              <a:t>03.06.2014</a:t>
+              <a:t>16.08.2014</a:t>
             </a:fld>
             <a:endParaRPr lang="ru-RU"/>
           </a:p>
@@ -2179,7 +2182,7 @@
             <a:fld id="{8E6E6A2A-E9D3-4A0D-B04A-ABDD367A1E08}" type="datetimeFigureOut">
               <a:rPr lang="ru-RU" smtClean="0"/>
               <a:pPr/>
-              <a:t>03.06.2014</a:t>
+              <a:t>16.08.2014</a:t>
             </a:fld>
             <a:endParaRPr lang="ru-RU"/>
           </a:p>
@@ -2469,7 +2472,7 @@
             <a:fld id="{8E6E6A2A-E9D3-4A0D-B04A-ABDD367A1E08}" type="datetimeFigureOut">
               <a:rPr lang="ru-RU" smtClean="0"/>
               <a:pPr/>
-              <a:t>03.06.2014</a:t>
+              <a:t>16.08.2014</a:t>
             </a:fld>
             <a:endParaRPr lang="ru-RU"/>
           </a:p>
@@ -2893,7 +2896,7 @@
             <a:fld id="{8E6E6A2A-E9D3-4A0D-B04A-ABDD367A1E08}" type="datetimeFigureOut">
               <a:rPr lang="ru-RU" smtClean="0"/>
               <a:pPr/>
-              <a:t>03.06.2014</a:t>
+              <a:t>16.08.2014</a:t>
             </a:fld>
             <a:endParaRPr lang="ru-RU"/>
           </a:p>
@@ -3222,7 +3225,7 @@
             <a:fld id="{8E6E6A2A-E9D3-4A0D-B04A-ABDD367A1E08}" type="datetimeFigureOut">
               <a:rPr lang="ru-RU" smtClean="0"/>
               <a:pPr/>
-              <a:t>03.06.2014</a:t>
+              <a:t>16.08.2014</a:t>
             </a:fld>
             <a:endParaRPr lang="ru-RU"/>
           </a:p>
@@ -3319,7 +3322,7 @@
             <a:fld id="{8E6E6A2A-E9D3-4A0D-B04A-ABDD367A1E08}" type="datetimeFigureOut">
               <a:rPr lang="ru-RU" smtClean="0"/>
               <a:pPr/>
-              <a:t>03.06.2014</a:t>
+              <a:t>16.08.2014</a:t>
             </a:fld>
             <a:endParaRPr lang="ru-RU"/>
           </a:p>
@@ -3598,7 +3601,7 @@
             <a:fld id="{8E6E6A2A-E9D3-4A0D-B04A-ABDD367A1E08}" type="datetimeFigureOut">
               <a:rPr lang="ru-RU" smtClean="0"/>
               <a:pPr/>
-              <a:t>03.06.2014</a:t>
+              <a:t>16.08.2014</a:t>
             </a:fld>
             <a:endParaRPr lang="ru-RU"/>
           </a:p>
@@ -3853,7 +3856,7 @@
             <a:fld id="{8E6E6A2A-E9D3-4A0D-B04A-ABDD367A1E08}" type="datetimeFigureOut">
               <a:rPr lang="ru-RU" smtClean="0"/>
               <a:pPr/>
-              <a:t>03.06.2014</a:t>
+              <a:t>16.08.2014</a:t>
             </a:fld>
             <a:endParaRPr lang="ru-RU"/>
           </a:p>
@@ -4025,7 +4028,7 @@
             <a:fld id="{8E6E6A2A-E9D3-4A0D-B04A-ABDD367A1E08}" type="datetimeFigureOut">
               <a:rPr lang="ru-RU" smtClean="0"/>
               <a:pPr/>
-              <a:t>03.06.2014</a:t>
+              <a:t>16.08.2014</a:t>
             </a:fld>
             <a:endParaRPr lang="ru-RU"/>
           </a:p>
@@ -4207,7 +4210,7 @@
             <a:fld id="{8E6E6A2A-E9D3-4A0D-B04A-ABDD367A1E08}" type="datetimeFigureOut">
               <a:rPr lang="ru-RU" smtClean="0"/>
               <a:pPr/>
-              <a:t>03.06.2014</a:t>
+              <a:t>16.08.2014</a:t>
             </a:fld>
             <a:endParaRPr lang="ru-RU"/>
           </a:p>
@@ -5445,7 +5448,7 @@
             <a:fld id="{AC3D3127-B7C4-45E3-9797-C527EC9FDD78}" type="datetimeFigureOut">
               <a:rPr lang="ru-RU" smtClean="0"/>
               <a:pPr/>
-              <a:t>03.06.2014</a:t>
+              <a:t>16.08.2014</a:t>
             </a:fld>
             <a:endParaRPr lang="ru-RU"/>
           </a:p>
@@ -5967,7 +5970,7 @@
             <a:fld id="{8E6E6A2A-E9D3-4A0D-B04A-ABDD367A1E08}" type="datetimeFigureOut">
               <a:rPr lang="ru-RU" smtClean="0"/>
               <a:pPr/>
-              <a:t>03.06.2014</a:t>
+              <a:t>16.08.2014</a:t>
             </a:fld>
             <a:endParaRPr lang="ru-RU"/>
           </a:p>
@@ -14154,6 +14157,543 @@
             <p:ph type="title"/>
           </p:nvPr>
         </p:nvSpPr>
+        <p:spPr>
+          <a:xfrm>
+            <a:off x="457200" y="274638"/>
+            <a:ext cx="8229600" cy="778098"/>
+          </a:xfrm>
+        </p:spPr>
+        <p:txBody>
+          <a:bodyPr>
+            <a:normAutofit/>
+          </a:bodyPr>
+          <a:lstStyle/>
+          <a:p>
+            <a:r>
+              <a:rPr lang="ru-RU" sz="3600" dirty="0" smtClean="0"/>
+              <a:t>Добавление ссылок с помощью </a:t>
+            </a:r>
+            <a:r>
+              <a:rPr lang="en-US" sz="3600" dirty="0" smtClean="0"/>
+              <a:t>NuGet</a:t>
+            </a:r>
+            <a:endParaRPr lang="ru-RU" sz="3600" dirty="0"/>
+          </a:p>
+        </p:txBody>
+      </p:sp>
+      <p:sp>
+        <p:nvSpPr>
+          <p:cNvPr id="3" name="Content Placeholder 2"/>
+          <p:cNvSpPr>
+            <a:spLocks noGrp="1"/>
+          </p:cNvSpPr>
+          <p:nvPr>
+            <p:ph idx="1"/>
+          </p:nvPr>
+        </p:nvSpPr>
+        <p:spPr>
+          <a:xfrm>
+            <a:off x="457200" y="1124744"/>
+            <a:ext cx="8229600" cy="5001419"/>
+          </a:xfrm>
+        </p:spPr>
+        <p:txBody>
+          <a:bodyPr>
+            <a:normAutofit lnSpcReduction="10000"/>
+          </a:bodyPr>
+          <a:lstStyle/>
+          <a:p>
+            <a:pPr marL="0" indent="0">
+              <a:buNone/>
+            </a:pPr>
+            <a:r>
+              <a:rPr lang="ru-RU" dirty="0" smtClean="0"/>
+              <a:t>Расширение </a:t>
+            </a:r>
+            <a:r>
+              <a:rPr lang="en-US" dirty="0" smtClean="0"/>
+              <a:t>NuGet </a:t>
+            </a:r>
+            <a:r>
+              <a:rPr lang="ru-RU" dirty="0" smtClean="0"/>
+              <a:t>упрощает работу с зависимостями в </a:t>
+            </a:r>
+            <a:r>
+              <a:rPr lang="en-US" dirty="0" smtClean="0"/>
+              <a:t>.NET </a:t>
+            </a:r>
+            <a:r>
+              <a:rPr lang="ru-RU" dirty="0" smtClean="0"/>
+              <a:t>проектах.</a:t>
+            </a:r>
+          </a:p>
+          <a:p>
+            <a:pPr marL="0" indent="0">
+              <a:buNone/>
+            </a:pPr>
+            <a:endParaRPr lang="en-US" dirty="0" smtClean="0"/>
+          </a:p>
+          <a:p>
+            <a:pPr marL="0" indent="0">
+              <a:buNone/>
+            </a:pPr>
+            <a:r>
+              <a:rPr lang="en-US" dirty="0" smtClean="0"/>
+              <a:t>NuGet </a:t>
+            </a:r>
+            <a:r>
+              <a:rPr lang="ru-RU" dirty="0" smtClean="0"/>
+              <a:t>входит в состав </a:t>
+            </a:r>
+            <a:r>
+              <a:rPr lang="en-US" dirty="0" smtClean="0"/>
+              <a:t>VS 2012 </a:t>
+            </a:r>
+            <a:r>
+              <a:rPr lang="ru-RU" dirty="0" smtClean="0"/>
+              <a:t>и выше. Для </a:t>
+            </a:r>
+            <a:r>
+              <a:rPr lang="en-US" dirty="0" smtClean="0"/>
+              <a:t>VS 2010 </a:t>
+            </a:r>
+            <a:r>
+              <a:rPr lang="ru-RU" dirty="0" smtClean="0"/>
+              <a:t>его нужно скачать с помощью </a:t>
+            </a:r>
+            <a:r>
+              <a:rPr lang="en-US" dirty="0" smtClean="0"/>
+              <a:t>Tools -&gt; Extension Manager </a:t>
+            </a:r>
+            <a:r>
+              <a:rPr lang="ru-RU" dirty="0" smtClean="0"/>
+              <a:t>или с сайта </a:t>
+            </a:r>
+            <a:r>
+              <a:rPr lang="en-US" dirty="0" smtClean="0">
+                <a:hlinkClick r:id="rId2"/>
+              </a:rPr>
+              <a:t>nuget.org</a:t>
+            </a:r>
+            <a:r>
+              <a:rPr lang="ru-RU" dirty="0" smtClean="0"/>
+              <a:t>. После установки в контекстном меню </a:t>
+            </a:r>
+            <a:r>
+              <a:rPr lang="en-US" dirty="0" smtClean="0"/>
+              <a:t>References </a:t>
+            </a:r>
+            <a:r>
+              <a:rPr lang="ru-RU" dirty="0" smtClean="0"/>
+              <a:t>появится команда </a:t>
+            </a:r>
+            <a:r>
+              <a:rPr lang="en-US" dirty="0" smtClean="0"/>
+              <a:t>“Manage NuGet Packages …”. </a:t>
+            </a:r>
+            <a:r>
+              <a:rPr lang="ru-RU" dirty="0" smtClean="0"/>
+              <a:t>Также в меню </a:t>
+            </a:r>
+            <a:r>
+              <a:rPr lang="en-US" dirty="0" smtClean="0"/>
+              <a:t>Tools </a:t>
+            </a:r>
+            <a:r>
+              <a:rPr lang="ru-RU" dirty="0" smtClean="0"/>
+              <a:t>появится меню </a:t>
+            </a:r>
+            <a:r>
+              <a:rPr lang="en-US" dirty="0" smtClean="0"/>
+              <a:t>“NuGet Package Manager”.</a:t>
+            </a:r>
+            <a:endParaRPr lang="ru-RU" dirty="0" smtClean="0"/>
+          </a:p>
+          <a:p>
+            <a:pPr marL="0" indent="0">
+              <a:buNone/>
+            </a:pPr>
+            <a:endParaRPr lang="ru-RU" dirty="0" smtClean="0"/>
+          </a:p>
+          <a:p>
+            <a:pPr marL="0" indent="0">
+              <a:buNone/>
+            </a:pPr>
+            <a:endParaRPr lang="ru-RU" dirty="0"/>
+          </a:p>
+        </p:txBody>
+      </p:sp>
+    </p:spTree>
+    <p:extLst>
+      <p:ext uri="{BB962C8B-B14F-4D97-AF65-F5344CB8AC3E}">
+        <p14:creationId xmlns:p14="http://schemas.microsoft.com/office/powerpoint/2010/main" val="861195078"/>
+      </p:ext>
+    </p:extLst>
+  </p:cSld>
+  <p:clrMapOvr>
+    <a:masterClrMapping/>
+  </p:clrMapOvr>
+  <p:timing>
+    <p:tnLst>
+      <p:par>
+        <p:cTn id="1" dur="indefinite" restart="never" nodeType="tmRoot"/>
+      </p:par>
+    </p:tnLst>
+  </p:timing>
+</p:sld>
+</file>
+
+<file path=ppt/slides/slide35.xml><?xml version="1.0" encoding="utf-8"?>
+<p:sld xmlns:a="http://schemas.openxmlformats.org/drawingml/2006/main" xmlns:r="http://schemas.openxmlformats.org/officeDocument/2006/relationships" xmlns:p="http://schemas.openxmlformats.org/presentationml/2006/main">
+  <p:cSld>
+    <p:spTree>
+      <p:nvGrpSpPr>
+        <p:cNvPr id="1" name=""/>
+        <p:cNvGrpSpPr/>
+        <p:nvPr/>
+      </p:nvGrpSpPr>
+      <p:grpSpPr>
+        <a:xfrm>
+          <a:off x="0" y="0"/>
+          <a:ext cx="0" cy="0"/>
+          <a:chOff x="0" y="0"/>
+          <a:chExt cx="0" cy="0"/>
+        </a:xfrm>
+      </p:grpSpPr>
+      <p:sp>
+        <p:nvSpPr>
+          <p:cNvPr id="2" name="Title 1"/>
+          <p:cNvSpPr>
+            <a:spLocks noGrp="1"/>
+          </p:cNvSpPr>
+          <p:nvPr>
+            <p:ph type="title"/>
+          </p:nvPr>
+        </p:nvSpPr>
+        <p:spPr/>
+        <p:txBody>
+          <a:bodyPr/>
+          <a:lstStyle/>
+          <a:p>
+            <a:r>
+              <a:rPr lang="en-US" dirty="0" smtClean="0"/>
+              <a:t>Package Manager Console</a:t>
+            </a:r>
+            <a:endParaRPr lang="ru-RU" dirty="0"/>
+          </a:p>
+        </p:txBody>
+      </p:sp>
+      <p:sp>
+        <p:nvSpPr>
+          <p:cNvPr id="3" name="Content Placeholder 2"/>
+          <p:cNvSpPr>
+            <a:spLocks noGrp="1"/>
+          </p:cNvSpPr>
+          <p:nvPr>
+            <p:ph idx="1"/>
+          </p:nvPr>
+        </p:nvSpPr>
+        <p:spPr/>
+        <p:txBody>
+          <a:bodyPr>
+            <a:normAutofit fontScale="77500" lnSpcReduction="20000"/>
+          </a:bodyPr>
+          <a:lstStyle/>
+          <a:p>
+            <a:pPr marL="0" indent="0">
+              <a:buNone/>
+            </a:pPr>
+            <a:r>
+              <a:rPr lang="ru-RU" dirty="0" smtClean="0"/>
+              <a:t>Окно </a:t>
+            </a:r>
+            <a:r>
+              <a:rPr lang="en-US" dirty="0" smtClean="0"/>
+              <a:t>Package </a:t>
+            </a:r>
+            <a:r>
+              <a:rPr lang="en-US" dirty="0"/>
+              <a:t>Manager </a:t>
+            </a:r>
+            <a:r>
+              <a:rPr lang="en-US" dirty="0" smtClean="0"/>
+              <a:t>Console</a:t>
+            </a:r>
+            <a:r>
+              <a:rPr lang="ru-RU" dirty="0" smtClean="0"/>
+              <a:t> позволяет управлять </a:t>
+            </a:r>
+            <a:r>
+              <a:rPr lang="en-US" dirty="0" smtClean="0"/>
+              <a:t>NuGet </a:t>
+            </a:r>
+            <a:r>
+              <a:rPr lang="ru-RU" dirty="0" smtClean="0"/>
+              <a:t>пакетами с помощью </a:t>
+            </a:r>
+            <a:r>
+              <a:rPr lang="en-US" dirty="0" smtClean="0"/>
+              <a:t>PowerShell </a:t>
+            </a:r>
+            <a:r>
+              <a:rPr lang="ru-RU" dirty="0" smtClean="0"/>
+              <a:t>команд прямо из </a:t>
+            </a:r>
+            <a:r>
+              <a:rPr lang="en-US" dirty="0" smtClean="0"/>
+              <a:t>Visual Studio.</a:t>
+            </a:r>
+            <a:endParaRPr lang="ru-RU" dirty="0" smtClean="0"/>
+          </a:p>
+          <a:p>
+            <a:r>
+              <a:rPr lang="en-US" dirty="0" smtClean="0"/>
+              <a:t>Add-</a:t>
+            </a:r>
+            <a:r>
+              <a:rPr lang="en-US" dirty="0" err="1" smtClean="0"/>
+              <a:t>BindingRedirect</a:t>
+            </a:r>
+            <a:endParaRPr lang="en-US" dirty="0" smtClean="0"/>
+          </a:p>
+          <a:p>
+            <a:r>
+              <a:rPr lang="en-US" dirty="0" smtClean="0"/>
+              <a:t>Get-Package</a:t>
+            </a:r>
+          </a:p>
+          <a:p>
+            <a:r>
+              <a:rPr lang="en-US" dirty="0"/>
+              <a:t>Get-Project</a:t>
+            </a:r>
+          </a:p>
+          <a:p>
+            <a:r>
+              <a:rPr lang="en-US" dirty="0" smtClean="0"/>
+              <a:t>Install-Package </a:t>
+            </a:r>
+            <a:r>
+              <a:rPr lang="ru-RU" dirty="0" smtClean="0"/>
+              <a:t>: установка пакета. Позволяет установить пакет определенной версии, что </a:t>
+            </a:r>
+            <a:r>
+              <a:rPr lang="ru-RU" smtClean="0"/>
+              <a:t>невозможно сделать через </a:t>
+            </a:r>
+            <a:r>
+              <a:rPr lang="en-US" dirty="0" smtClean="0"/>
+              <a:t>GUI.</a:t>
+            </a:r>
+            <a:endParaRPr lang="ru-RU" dirty="0" smtClean="0"/>
+          </a:p>
+          <a:p>
+            <a:r>
+              <a:rPr lang="en-US" dirty="0" smtClean="0"/>
+              <a:t>Open-</a:t>
+            </a:r>
+            <a:r>
+              <a:rPr lang="en-US" dirty="0" err="1" smtClean="0"/>
+              <a:t>PackagePage</a:t>
+            </a:r>
+            <a:endParaRPr lang="ru-RU" dirty="0" smtClean="0"/>
+          </a:p>
+          <a:p>
+            <a:r>
+              <a:rPr lang="en-US" dirty="0" smtClean="0"/>
+              <a:t>Uninstall-Package</a:t>
+            </a:r>
+            <a:endParaRPr lang="ru-RU" dirty="0" smtClean="0"/>
+          </a:p>
+          <a:p>
+            <a:r>
+              <a:rPr lang="en-US" dirty="0"/>
+              <a:t>Update-Package</a:t>
+            </a:r>
+            <a:endParaRPr lang="ru-RU" dirty="0"/>
+          </a:p>
+        </p:txBody>
+      </p:sp>
+    </p:spTree>
+    <p:extLst>
+      <p:ext uri="{BB962C8B-B14F-4D97-AF65-F5344CB8AC3E}">
+        <p14:creationId xmlns:p14="http://schemas.microsoft.com/office/powerpoint/2010/main" val="2572407753"/>
+      </p:ext>
+    </p:extLst>
+  </p:cSld>
+  <p:clrMapOvr>
+    <a:masterClrMapping/>
+  </p:clrMapOvr>
+  <p:timing>
+    <p:tnLst>
+      <p:par>
+        <p:cTn id="1" dur="indefinite" restart="never" nodeType="tmRoot"/>
+      </p:par>
+    </p:tnLst>
+  </p:timing>
+</p:sld>
+</file>
+
+<file path=ppt/slides/slide36.xml><?xml version="1.0" encoding="utf-8"?>
+<p:sld xmlns:a="http://schemas.openxmlformats.org/drawingml/2006/main" xmlns:r="http://schemas.openxmlformats.org/officeDocument/2006/relationships" xmlns:p="http://schemas.openxmlformats.org/presentationml/2006/main">
+  <p:cSld>
+    <p:spTree>
+      <p:nvGrpSpPr>
+        <p:cNvPr id="1" name=""/>
+        <p:cNvGrpSpPr/>
+        <p:nvPr/>
+      </p:nvGrpSpPr>
+      <p:grpSpPr>
+        <a:xfrm>
+          <a:off x="0" y="0"/>
+          <a:ext cx="0" cy="0"/>
+          <a:chOff x="0" y="0"/>
+          <a:chExt cx="0" cy="0"/>
+        </a:xfrm>
+      </p:grpSpPr>
+      <p:sp>
+        <p:nvSpPr>
+          <p:cNvPr id="2" name="Title 1"/>
+          <p:cNvSpPr>
+            <a:spLocks noGrp="1"/>
+          </p:cNvSpPr>
+          <p:nvPr>
+            <p:ph type="title"/>
+          </p:nvPr>
+        </p:nvSpPr>
+        <p:spPr/>
+        <p:txBody>
+          <a:bodyPr/>
+          <a:lstStyle/>
+          <a:p>
+            <a:r>
+              <a:rPr lang="ru-RU" dirty="0" smtClean="0"/>
+              <a:t>Утилиты для </a:t>
+            </a:r>
+            <a:r>
+              <a:rPr lang="en-US" dirty="0" smtClean="0"/>
+              <a:t>NuGet</a:t>
+            </a:r>
+            <a:endParaRPr lang="ru-RU" dirty="0"/>
+          </a:p>
+        </p:txBody>
+      </p:sp>
+      <p:sp>
+        <p:nvSpPr>
+          <p:cNvPr id="3" name="Content Placeholder 2"/>
+          <p:cNvSpPr>
+            <a:spLocks noGrp="1"/>
+          </p:cNvSpPr>
+          <p:nvPr>
+            <p:ph idx="1"/>
+          </p:nvPr>
+        </p:nvSpPr>
+        <p:spPr/>
+        <p:txBody>
+          <a:bodyPr>
+            <a:normAutofit/>
+          </a:bodyPr>
+          <a:lstStyle/>
+          <a:p>
+            <a:r>
+              <a:rPr lang="en-US" sz="2400" dirty="0" smtClean="0"/>
+              <a:t>NuGet </a:t>
+            </a:r>
+            <a:r>
+              <a:rPr lang="en-US" sz="2400" dirty="0"/>
+              <a:t>Package Explorer</a:t>
+            </a:r>
+            <a:br>
+              <a:rPr lang="en-US" sz="2400" dirty="0"/>
+            </a:br>
+            <a:r>
+              <a:rPr lang="en-US" sz="2400" dirty="0">
+                <a:hlinkClick r:id="rId2"/>
+              </a:rPr>
+              <a:t>http://npe.codeplex.com</a:t>
+            </a:r>
+            <a:r>
+              <a:rPr lang="en-US" sz="2400" dirty="0" smtClean="0">
+                <a:hlinkClick r:id="rId2"/>
+              </a:rPr>
+              <a:t>/</a:t>
+            </a:r>
+            <a:endParaRPr lang="en-US" sz="2400" dirty="0" smtClean="0"/>
+          </a:p>
+          <a:p>
+            <a:endParaRPr lang="ru-RU" sz="2400" dirty="0" smtClean="0"/>
+          </a:p>
+          <a:p>
+            <a:r>
+              <a:rPr lang="ru-RU" sz="2400" dirty="0" smtClean="0"/>
+              <a:t>Утилита командной строки</a:t>
+            </a:r>
+            <a:br>
+              <a:rPr lang="ru-RU" sz="2400" dirty="0" smtClean="0"/>
+            </a:br>
+            <a:r>
+              <a:rPr lang="en-US" sz="2400" dirty="0">
+                <a:hlinkClick r:id="rId3"/>
+              </a:rPr>
+              <a:t>http://</a:t>
+            </a:r>
+            <a:r>
+              <a:rPr lang="en-US" sz="2400" dirty="0" smtClean="0">
+                <a:hlinkClick r:id="rId3"/>
+              </a:rPr>
+              <a:t>docs.nuget.org/docs/start-here/installing-nuget</a:t>
+            </a:r>
+            <a:endParaRPr lang="ru-RU" sz="2400" dirty="0"/>
+          </a:p>
+        </p:txBody>
+      </p:sp>
+    </p:spTree>
+    <p:extLst>
+      <p:ext uri="{BB962C8B-B14F-4D97-AF65-F5344CB8AC3E}">
+        <p14:creationId xmlns:p14="http://schemas.microsoft.com/office/powerpoint/2010/main" val="2426017902"/>
+      </p:ext>
+    </p:extLst>
+  </p:cSld>
+  <p:clrMapOvr>
+    <a:masterClrMapping/>
+  </p:clrMapOvr>
+  <p:timing>
+    <p:tnLst>
+      <p:par>
+        <p:cTn id="1" dur="indefinite" restart="never" nodeType="tmRoot"/>
+      </p:par>
+    </p:tnLst>
+  </p:timing>
+</p:sld>
+</file>
+
+<file path=ppt/slides/slide37.xml><?xml version="1.0" encoding="utf-8"?>
+<p:sld xmlns:a="http://schemas.openxmlformats.org/drawingml/2006/main" xmlns:r="http://schemas.openxmlformats.org/officeDocument/2006/relationships" xmlns:p="http://schemas.openxmlformats.org/presentationml/2006/main">
+  <p:cSld>
+    <p:spTree>
+      <p:nvGrpSpPr>
+        <p:cNvPr id="1" name=""/>
+        <p:cNvGrpSpPr/>
+        <p:nvPr/>
+      </p:nvGrpSpPr>
+      <p:grpSpPr>
+        <a:xfrm>
+          <a:off x="0" y="0"/>
+          <a:ext cx="0" cy="0"/>
+          <a:chOff x="0" y="0"/>
+          <a:chExt cx="0" cy="0"/>
+        </a:xfrm>
+      </p:grpSpPr>
+      <p:sp>
+        <p:nvSpPr>
+          <p:cNvPr id="2" name="Title 1"/>
+          <p:cNvSpPr>
+            <a:spLocks noGrp="1"/>
+          </p:cNvSpPr>
+          <p:nvPr>
+            <p:ph type="title"/>
+          </p:nvPr>
+        </p:nvSpPr>
         <p:spPr/>
         <p:txBody>
           <a:bodyPr/>
@@ -14247,16 +14787,11 @@
               <a:rPr lang="en-US" dirty="0" smtClean="0"/>
               <a:t>.</a:t>
             </a:r>
-            <a:endParaRPr lang="en-US" dirty="0" smtClean="0"/>
           </a:p>
           <a:p>
             <a:r>
               <a:rPr lang="ru-RU" b="1" dirty="0" smtClean="0"/>
-              <a:t>Автоматическая </a:t>
-            </a:r>
-            <a:r>
-              <a:rPr lang="ru-RU" b="1" dirty="0" smtClean="0"/>
-              <a:t>генерация </a:t>
+              <a:t>Автоматическая генерация </a:t>
             </a:r>
             <a:r>
               <a:rPr lang="en-US" b="1" dirty="0" smtClean="0"/>
@@ -14378,7 +14913,7 @@
 </p:sld>
 </file>
 
-<file path=ppt/slides/slide35.xml><?xml version="1.0" encoding="utf-8"?>
+<file path=ppt/slides/slide38.xml><?xml version="1.0" encoding="utf-8"?>
 <p:sld xmlns:a="http://schemas.openxmlformats.org/drawingml/2006/main" xmlns:r="http://schemas.openxmlformats.org/officeDocument/2006/relationships" xmlns:p="http://schemas.openxmlformats.org/presentationml/2006/main">
   <p:cSld>
     <p:spTree>
@@ -15249,7 +15784,7 @@
 </p:sld>
 </file>
 
-<file path=ppt/slides/slide36.xml><?xml version="1.0" encoding="utf-8"?>
+<file path=ppt/slides/slide39.xml><?xml version="1.0" encoding="utf-8"?>
 <p:sld xmlns:a="http://schemas.openxmlformats.org/drawingml/2006/main" xmlns:r="http://schemas.openxmlformats.org/officeDocument/2006/relationships" xmlns:p="http://schemas.openxmlformats.org/presentationml/2006/main">
   <p:cSld>
     <p:spTree>
@@ -16092,1373 +16627,6 @@
     <p:extLst>
       <p:ext uri="{BB962C8B-B14F-4D97-AF65-F5344CB8AC3E}">
         <p14:creationId xmlns:p14="http://schemas.microsoft.com/office/powerpoint/2010/main" val="146513021"/>
-      </p:ext>
-    </p:extLst>
-  </p:cSld>
-  <p:clrMapOvr>
-    <a:masterClrMapping/>
-  </p:clrMapOvr>
-  <p:timing>
-    <p:tnLst>
-      <p:par>
-        <p:cTn id="1" dur="indefinite" restart="never" nodeType="tmRoot"/>
-      </p:par>
-    </p:tnLst>
-  </p:timing>
-</p:sld>
-</file>
-
-<file path=ppt/slides/slide37.xml><?xml version="1.0" encoding="utf-8"?>
-<p:sld xmlns:a="http://schemas.openxmlformats.org/drawingml/2006/main" xmlns:r="http://schemas.openxmlformats.org/officeDocument/2006/relationships" xmlns:p="http://schemas.openxmlformats.org/presentationml/2006/main">
-  <p:cSld>
-    <p:spTree>
-      <p:nvGrpSpPr>
-        <p:cNvPr id="1" name=""/>
-        <p:cNvGrpSpPr/>
-        <p:nvPr/>
-      </p:nvGrpSpPr>
-      <p:grpSpPr>
-        <a:xfrm>
-          <a:off x="0" y="0"/>
-          <a:ext cx="0" cy="0"/>
-          <a:chOff x="0" y="0"/>
-          <a:chExt cx="0" cy="0"/>
-        </a:xfrm>
-      </p:grpSpPr>
-      <p:sp>
-        <p:nvSpPr>
-          <p:cNvPr id="9218" name="Rectangle 3"/>
-          <p:cNvSpPr>
-            <a:spLocks noChangeArrowheads="1"/>
-          </p:cNvSpPr>
-          <p:nvPr/>
-        </p:nvSpPr>
-        <p:spPr bwMode="auto">
-          <a:xfrm>
-            <a:off x="152400" y="-4763"/>
-            <a:ext cx="8763000" cy="461963"/>
-          </a:xfrm>
-          <a:prstGeom prst="rect">
-            <a:avLst/>
-          </a:prstGeom>
-          <a:noFill/>
-          <a:ln>
-            <a:noFill/>
-          </a:ln>
-          <a:extLst>
-            <a:ext uri="{909E8E84-426E-40DD-AFC4-6F175D3DCCD1}">
-              <a14:hiddenFill xmlns:a14="http://schemas.microsoft.com/office/drawing/2010/main">
-                <a:solidFill>
-                  <a:srgbClr val="FFFFFF"/>
-                </a:solidFill>
-              </a14:hiddenFill>
-            </a:ext>
-            <a:ext uri="{91240B29-F687-4F45-9708-019B960494DF}">
-              <a14:hiddenLine xmlns:a14="http://schemas.microsoft.com/office/drawing/2010/main" w="9525">
-                <a:solidFill>
-                  <a:srgbClr val="000000"/>
-                </a:solidFill>
-                <a:miter lim="800000"/>
-                <a:headEnd/>
-                <a:tailEnd/>
-              </a14:hiddenLine>
-            </a:ext>
-          </a:extLst>
-        </p:spPr>
-        <p:txBody>
-          <a:bodyPr anchor="ctr">
-            <a:spAutoFit/>
-          </a:bodyPr>
-          <a:lstStyle/>
-          <a:p>
-            <a:pPr algn="ctr"/>
-            <a:r>
-              <a:rPr lang="ru-RU" sz="2400" b="1"/>
-              <a:t>Пространство </a:t>
-            </a:r>
-            <a:r>
-              <a:rPr lang="en-US" sz="2400" b="1"/>
-              <a:t>System.Reflection.</a:t>
-            </a:r>
-          </a:p>
-        </p:txBody>
-      </p:sp>
-      <p:sp>
-        <p:nvSpPr>
-          <p:cNvPr id="9219" name="Rectangle 3"/>
-          <p:cNvSpPr>
-            <a:spLocks noChangeArrowheads="1"/>
-          </p:cNvSpPr>
-          <p:nvPr/>
-        </p:nvSpPr>
-        <p:spPr bwMode="auto">
-          <a:xfrm>
-            <a:off x="152400" y="581025"/>
-            <a:ext cx="8839200" cy="336550"/>
-          </a:xfrm>
-          <a:prstGeom prst="rect">
-            <a:avLst/>
-          </a:prstGeom>
-          <a:noFill/>
-          <a:ln>
-            <a:noFill/>
-          </a:ln>
-          <a:extLst>
-            <a:ext uri="{909E8E84-426E-40DD-AFC4-6F175D3DCCD1}">
-              <a14:hiddenFill xmlns:a14="http://schemas.microsoft.com/office/drawing/2010/main">
-                <a:solidFill>
-                  <a:srgbClr val="FFFFFF"/>
-                </a:solidFill>
-              </a14:hiddenFill>
-            </a:ext>
-            <a:ext uri="{91240B29-F687-4F45-9708-019B960494DF}">
-              <a14:hiddenLine xmlns:a14="http://schemas.microsoft.com/office/drawing/2010/main" w="9525">
-                <a:solidFill>
-                  <a:srgbClr val="000000"/>
-                </a:solidFill>
-                <a:miter lim="800000"/>
-                <a:headEnd/>
-                <a:tailEnd/>
-              </a14:hiddenLine>
-            </a:ext>
-          </a:extLst>
-        </p:spPr>
-        <p:txBody>
-          <a:bodyPr anchor="ctr">
-            <a:spAutoFit/>
-          </a:bodyPr>
-          <a:lstStyle/>
-          <a:p>
-            <a:r>
-              <a:rPr lang="ru-RU" sz="1600"/>
-              <a:t>	Используя класс </a:t>
-            </a:r>
-            <a:r>
-              <a:rPr lang="en-US" sz="1600"/>
-              <a:t>Activator</a:t>
-            </a:r>
-            <a:r>
-              <a:rPr lang="ru-RU" sz="1600"/>
-              <a:t> можно создать объект нудного класса.</a:t>
-            </a:r>
-          </a:p>
-        </p:txBody>
-      </p:sp>
-      <p:sp>
-        <p:nvSpPr>
-          <p:cNvPr id="22538" name="Rectangle 10"/>
-          <p:cNvSpPr>
-            <a:spLocks noChangeArrowheads="1"/>
-          </p:cNvSpPr>
-          <p:nvPr/>
-        </p:nvSpPr>
-        <p:spPr bwMode="auto">
-          <a:xfrm>
-            <a:off x="152400" y="990600"/>
-            <a:ext cx="8839200" cy="3478213"/>
-          </a:xfrm>
-          <a:prstGeom prst="rect">
-            <a:avLst/>
-          </a:prstGeom>
-          <a:noFill/>
-          <a:ln w="9525">
-            <a:solidFill>
-              <a:schemeClr val="bg1">
-                <a:lumMod val="65000"/>
-              </a:schemeClr>
-            </a:solidFill>
-            <a:miter lim="800000"/>
-            <a:headEnd/>
-            <a:tailEnd/>
-          </a:ln>
-          <a:effectLst/>
-        </p:spPr>
-        <p:txBody>
-          <a:bodyPr anchor="ctr">
-            <a:spAutoFit/>
-          </a:bodyPr>
-          <a:lstStyle/>
-          <a:p>
-            <a:pPr eaLnBrk="0" hangingPunct="0"/>
-            <a:r>
-              <a:rPr lang="be-BY" sz="1000" dirty="0">
-                <a:solidFill>
-                  <a:schemeClr val="bg1"/>
-                </a:solidFill>
-                <a:latin typeface="Courier New" pitchFamily="49" charset="0"/>
-                <a:ea typeface="Calibri" pitchFamily="34" charset="0"/>
-                <a:cs typeface="Courier New" pitchFamily="49" charset="0"/>
-              </a:rPr>
-              <a:t>    class Program</a:t>
-            </a:r>
-            <a:endParaRPr lang="be-BY" sz="900" dirty="0">
-              <a:solidFill>
-                <a:schemeClr val="bg1"/>
-              </a:solidFill>
-              <a:ea typeface="Calibri" pitchFamily="34" charset="0"/>
-              <a:cs typeface="Courier New" pitchFamily="49" charset="0"/>
-            </a:endParaRPr>
-          </a:p>
-          <a:p>
-            <a:pPr eaLnBrk="0" hangingPunct="0"/>
-            <a:r>
-              <a:rPr lang="be-BY" sz="1000" dirty="0">
-                <a:solidFill>
-                  <a:schemeClr val="bg1"/>
-                </a:solidFill>
-                <a:latin typeface="Courier New" pitchFamily="49" charset="0"/>
-                <a:ea typeface="Calibri" pitchFamily="34" charset="0"/>
-                <a:cs typeface="Courier New" pitchFamily="49" charset="0"/>
-              </a:rPr>
-              <a:t>    {</a:t>
-            </a:r>
-            <a:endParaRPr lang="be-BY" sz="900" dirty="0">
-              <a:solidFill>
-                <a:schemeClr val="bg1"/>
-              </a:solidFill>
-              <a:ea typeface="Calibri" pitchFamily="34" charset="0"/>
-              <a:cs typeface="Courier New" pitchFamily="49" charset="0"/>
-            </a:endParaRPr>
-          </a:p>
-          <a:p>
-            <a:pPr eaLnBrk="0" hangingPunct="0"/>
-            <a:r>
-              <a:rPr lang="be-BY" sz="1000" dirty="0">
-                <a:solidFill>
-                  <a:schemeClr val="bg1"/>
-                </a:solidFill>
-                <a:latin typeface="Courier New" pitchFamily="49" charset="0"/>
-                <a:ea typeface="Calibri" pitchFamily="34" charset="0"/>
-                <a:cs typeface="Courier New" pitchFamily="49" charset="0"/>
-              </a:rPr>
-              <a:t>        static void Main(string[] args)</a:t>
-            </a:r>
-            <a:endParaRPr lang="be-BY" sz="900" dirty="0">
-              <a:solidFill>
-                <a:schemeClr val="bg1"/>
-              </a:solidFill>
-              <a:ea typeface="Calibri" pitchFamily="34" charset="0"/>
-              <a:cs typeface="Courier New" pitchFamily="49" charset="0"/>
-            </a:endParaRPr>
-          </a:p>
-          <a:p>
-            <a:pPr eaLnBrk="0" hangingPunct="0"/>
-            <a:r>
-              <a:rPr lang="be-BY" sz="1000" dirty="0">
-                <a:solidFill>
-                  <a:schemeClr val="bg1"/>
-                </a:solidFill>
-                <a:latin typeface="Courier New" pitchFamily="49" charset="0"/>
-                <a:ea typeface="Calibri" pitchFamily="34" charset="0"/>
-                <a:cs typeface="Courier New" pitchFamily="49" charset="0"/>
-              </a:rPr>
-              <a:t>        {</a:t>
-            </a:r>
-            <a:endParaRPr lang="be-BY" sz="900" dirty="0">
-              <a:solidFill>
-                <a:schemeClr val="bg1"/>
-              </a:solidFill>
-              <a:ea typeface="Calibri" pitchFamily="34" charset="0"/>
-              <a:cs typeface="Courier New" pitchFamily="49" charset="0"/>
-            </a:endParaRPr>
-          </a:p>
-          <a:p>
-            <a:pPr eaLnBrk="0" hangingPunct="0"/>
-            <a:r>
-              <a:rPr lang="be-BY" sz="1000" dirty="0">
-                <a:solidFill>
-                  <a:schemeClr val="bg1"/>
-                </a:solidFill>
-                <a:latin typeface="Courier New" pitchFamily="49" charset="0"/>
-                <a:ea typeface="Calibri" pitchFamily="34" charset="0"/>
-                <a:cs typeface="Courier New" pitchFamily="49" charset="0"/>
-              </a:rPr>
-              <a:t>            AssemblyName name = new AssemblyName("Complex");</a:t>
-            </a:r>
-            <a:endParaRPr lang="be-BY" sz="900" dirty="0">
-              <a:solidFill>
-                <a:schemeClr val="bg1"/>
-              </a:solidFill>
-              <a:ea typeface="Calibri" pitchFamily="34" charset="0"/>
-              <a:cs typeface="Courier New" pitchFamily="49" charset="0"/>
-            </a:endParaRPr>
-          </a:p>
-          <a:p>
-            <a:pPr eaLnBrk="0" hangingPunct="0"/>
-            <a:r>
-              <a:rPr lang="be-BY" sz="1000" dirty="0">
-                <a:solidFill>
-                  <a:schemeClr val="bg1"/>
-                </a:solidFill>
-                <a:latin typeface="Courier New" pitchFamily="49" charset="0"/>
-                <a:ea typeface="Calibri" pitchFamily="34" charset="0"/>
-                <a:cs typeface="Courier New" pitchFamily="49" charset="0"/>
-              </a:rPr>
-              <a:t>            name.Version = new Version(1, 0, 0, 0);</a:t>
-            </a:r>
-            <a:endParaRPr lang="be-BY" sz="900" dirty="0">
-              <a:solidFill>
-                <a:schemeClr val="bg1"/>
-              </a:solidFill>
-              <a:ea typeface="Calibri" pitchFamily="34" charset="0"/>
-              <a:cs typeface="Courier New" pitchFamily="49" charset="0"/>
-            </a:endParaRPr>
-          </a:p>
-          <a:p>
-            <a:pPr eaLnBrk="0" hangingPunct="0"/>
-            <a:r>
-              <a:rPr lang="be-BY" sz="1000" dirty="0">
-                <a:solidFill>
-                  <a:schemeClr val="bg1"/>
-                </a:solidFill>
-                <a:latin typeface="Courier New" pitchFamily="49" charset="0"/>
-                <a:ea typeface="Calibri" pitchFamily="34" charset="0"/>
-                <a:cs typeface="Courier New" pitchFamily="49" charset="0"/>
-              </a:rPr>
-              <a:t>            Assembly asm;</a:t>
-            </a:r>
-            <a:endParaRPr lang="be-BY" sz="900" dirty="0">
-              <a:solidFill>
-                <a:schemeClr val="bg1"/>
-              </a:solidFill>
-              <a:ea typeface="Calibri" pitchFamily="34" charset="0"/>
-              <a:cs typeface="Courier New" pitchFamily="49" charset="0"/>
-            </a:endParaRPr>
-          </a:p>
-          <a:p>
-            <a:pPr eaLnBrk="0" hangingPunct="0"/>
-            <a:r>
-              <a:rPr lang="be-BY" sz="1000" dirty="0">
-                <a:solidFill>
-                  <a:schemeClr val="bg1"/>
-                </a:solidFill>
-                <a:latin typeface="Courier New" pitchFamily="49" charset="0"/>
-                <a:ea typeface="Calibri" pitchFamily="34" charset="0"/>
-                <a:cs typeface="Courier New" pitchFamily="49" charset="0"/>
-              </a:rPr>
-              <a:t>            try</a:t>
-            </a:r>
-            <a:endParaRPr lang="be-BY" sz="900" dirty="0">
-              <a:solidFill>
-                <a:schemeClr val="bg1"/>
-              </a:solidFill>
-              <a:ea typeface="Calibri" pitchFamily="34" charset="0"/>
-              <a:cs typeface="Courier New" pitchFamily="49" charset="0"/>
-            </a:endParaRPr>
-          </a:p>
-          <a:p>
-            <a:pPr eaLnBrk="0" hangingPunct="0"/>
-            <a:r>
-              <a:rPr lang="be-BY" sz="1000" dirty="0">
-                <a:solidFill>
-                  <a:schemeClr val="bg1"/>
-                </a:solidFill>
-                <a:latin typeface="Courier New" pitchFamily="49" charset="0"/>
-                <a:ea typeface="Calibri" pitchFamily="34" charset="0"/>
-                <a:cs typeface="Courier New" pitchFamily="49" charset="0"/>
-              </a:rPr>
-              <a:t>            {</a:t>
-            </a:r>
-            <a:endParaRPr lang="be-BY" sz="900" dirty="0">
-              <a:solidFill>
-                <a:schemeClr val="bg1"/>
-              </a:solidFill>
-              <a:ea typeface="Calibri" pitchFamily="34" charset="0"/>
-              <a:cs typeface="Courier New" pitchFamily="49" charset="0"/>
-            </a:endParaRPr>
-          </a:p>
-          <a:p>
-            <a:pPr eaLnBrk="0" hangingPunct="0"/>
-            <a:r>
-              <a:rPr lang="be-BY" sz="1000" dirty="0">
-                <a:solidFill>
-                  <a:schemeClr val="bg1"/>
-                </a:solidFill>
-                <a:latin typeface="Courier New" pitchFamily="49" charset="0"/>
-                <a:ea typeface="Calibri" pitchFamily="34" charset="0"/>
-                <a:cs typeface="Courier New" pitchFamily="49" charset="0"/>
-              </a:rPr>
-              <a:t>                asm = Assembly.Load(name);</a:t>
-            </a:r>
-            <a:endParaRPr lang="be-BY" sz="900" dirty="0">
-              <a:solidFill>
-                <a:schemeClr val="bg1"/>
-              </a:solidFill>
-              <a:ea typeface="Calibri" pitchFamily="34" charset="0"/>
-              <a:cs typeface="Courier New" pitchFamily="49" charset="0"/>
-            </a:endParaRPr>
-          </a:p>
-          <a:p>
-            <a:pPr eaLnBrk="0" hangingPunct="0"/>
-            <a:r>
-              <a:rPr lang="be-BY" sz="1000" dirty="0">
-                <a:solidFill>
-                  <a:schemeClr val="bg1"/>
-                </a:solidFill>
-                <a:latin typeface="Courier New" pitchFamily="49" charset="0"/>
-                <a:ea typeface="Calibri" pitchFamily="34" charset="0"/>
-                <a:cs typeface="Courier New" pitchFamily="49" charset="0"/>
-              </a:rPr>
-              <a:t>            }</a:t>
-            </a:r>
-            <a:endParaRPr lang="be-BY" sz="900" dirty="0">
-              <a:solidFill>
-                <a:schemeClr val="bg1"/>
-              </a:solidFill>
-              <a:ea typeface="Calibri" pitchFamily="34" charset="0"/>
-              <a:cs typeface="Courier New" pitchFamily="49" charset="0"/>
-            </a:endParaRPr>
-          </a:p>
-          <a:p>
-            <a:pPr eaLnBrk="0" hangingPunct="0"/>
-            <a:r>
-              <a:rPr lang="be-BY" sz="1000" dirty="0">
-                <a:solidFill>
-                  <a:schemeClr val="bg1"/>
-                </a:solidFill>
-                <a:latin typeface="Courier New" pitchFamily="49" charset="0"/>
-                <a:ea typeface="Calibri" pitchFamily="34" charset="0"/>
-                <a:cs typeface="Courier New" pitchFamily="49" charset="0"/>
-              </a:rPr>
-              <a:t>            catch (FileNotFoundException e)</a:t>
-            </a:r>
-            <a:endParaRPr lang="be-BY" sz="900" dirty="0">
-              <a:solidFill>
-                <a:schemeClr val="bg1"/>
-              </a:solidFill>
-              <a:ea typeface="Calibri" pitchFamily="34" charset="0"/>
-              <a:cs typeface="Courier New" pitchFamily="49" charset="0"/>
-            </a:endParaRPr>
-          </a:p>
-          <a:p>
-            <a:pPr eaLnBrk="0" hangingPunct="0"/>
-            <a:r>
-              <a:rPr lang="be-BY" sz="1000" dirty="0">
-                <a:solidFill>
-                  <a:schemeClr val="bg1"/>
-                </a:solidFill>
-                <a:latin typeface="Courier New" pitchFamily="49" charset="0"/>
-                <a:ea typeface="Calibri" pitchFamily="34" charset="0"/>
-                <a:cs typeface="Courier New" pitchFamily="49" charset="0"/>
-              </a:rPr>
-              <a:t>            {</a:t>
-            </a:r>
-            <a:endParaRPr lang="be-BY" sz="900" dirty="0">
-              <a:solidFill>
-                <a:schemeClr val="bg1"/>
-              </a:solidFill>
-              <a:ea typeface="Calibri" pitchFamily="34" charset="0"/>
-              <a:cs typeface="Courier New" pitchFamily="49" charset="0"/>
-            </a:endParaRPr>
-          </a:p>
-          <a:p>
-            <a:pPr eaLnBrk="0" hangingPunct="0"/>
-            <a:r>
-              <a:rPr lang="be-BY" sz="1000" dirty="0">
-                <a:solidFill>
-                  <a:schemeClr val="bg1"/>
-                </a:solidFill>
-                <a:latin typeface="Courier New" pitchFamily="49" charset="0"/>
-                <a:ea typeface="Calibri" pitchFamily="34" charset="0"/>
-                <a:cs typeface="Courier New" pitchFamily="49" charset="0"/>
-              </a:rPr>
-              <a:t>                Console.WriteLine(e.Message);</a:t>
-            </a:r>
-            <a:endParaRPr lang="be-BY" sz="900" dirty="0">
-              <a:solidFill>
-                <a:schemeClr val="bg1"/>
-              </a:solidFill>
-              <a:ea typeface="Calibri" pitchFamily="34" charset="0"/>
-              <a:cs typeface="Courier New" pitchFamily="49" charset="0"/>
-            </a:endParaRPr>
-          </a:p>
-          <a:p>
-            <a:pPr eaLnBrk="0" hangingPunct="0"/>
-            <a:r>
-              <a:rPr lang="be-BY" sz="1000" dirty="0">
-                <a:solidFill>
-                  <a:schemeClr val="bg1"/>
-                </a:solidFill>
-                <a:latin typeface="Courier New" pitchFamily="49" charset="0"/>
-                <a:ea typeface="Calibri" pitchFamily="34" charset="0"/>
-                <a:cs typeface="Courier New" pitchFamily="49" charset="0"/>
-              </a:rPr>
-              <a:t>                return;</a:t>
-            </a:r>
-            <a:endParaRPr lang="be-BY" sz="900" dirty="0">
-              <a:solidFill>
-                <a:schemeClr val="bg1"/>
-              </a:solidFill>
-              <a:ea typeface="Calibri" pitchFamily="34" charset="0"/>
-              <a:cs typeface="Courier New" pitchFamily="49" charset="0"/>
-            </a:endParaRPr>
-          </a:p>
-          <a:p>
-            <a:pPr eaLnBrk="0" hangingPunct="0"/>
-            <a:r>
-              <a:rPr lang="be-BY" sz="1000" dirty="0">
-                <a:solidFill>
-                  <a:schemeClr val="bg1"/>
-                </a:solidFill>
-                <a:latin typeface="Courier New" pitchFamily="49" charset="0"/>
-                <a:ea typeface="Calibri" pitchFamily="34" charset="0"/>
-                <a:cs typeface="Courier New" pitchFamily="49" charset="0"/>
-              </a:rPr>
-              <a:t>            }</a:t>
-            </a:r>
-            <a:endParaRPr lang="be-BY" sz="900" dirty="0">
-              <a:solidFill>
-                <a:schemeClr val="bg1"/>
-              </a:solidFill>
-              <a:ea typeface="Calibri" pitchFamily="34" charset="0"/>
-              <a:cs typeface="Courier New" pitchFamily="49" charset="0"/>
-            </a:endParaRPr>
-          </a:p>
-          <a:p>
-            <a:pPr eaLnBrk="0" hangingPunct="0"/>
-            <a:r>
-              <a:rPr lang="be-BY" sz="1000" dirty="0">
-                <a:solidFill>
-                  <a:schemeClr val="bg1"/>
-                </a:solidFill>
-                <a:latin typeface="Courier New" pitchFamily="49" charset="0"/>
-                <a:ea typeface="Calibri" pitchFamily="34" charset="0"/>
-                <a:cs typeface="Courier New" pitchFamily="49" charset="0"/>
-              </a:rPr>
-              <a:t>            Type complex = asm.GetType("ComplexNumbers.Complex");</a:t>
-            </a:r>
-            <a:endParaRPr lang="be-BY" sz="900" dirty="0">
-              <a:solidFill>
-                <a:schemeClr val="bg1"/>
-              </a:solidFill>
-              <a:ea typeface="Calibri" pitchFamily="34" charset="0"/>
-              <a:cs typeface="Courier New" pitchFamily="49" charset="0"/>
-            </a:endParaRPr>
-          </a:p>
-          <a:p>
-            <a:pPr eaLnBrk="0" hangingPunct="0"/>
-            <a:r>
-              <a:rPr lang="be-BY" sz="1000" dirty="0">
-                <a:solidFill>
-                  <a:schemeClr val="bg1"/>
-                </a:solidFill>
-                <a:latin typeface="Courier New" pitchFamily="49" charset="0"/>
-                <a:ea typeface="Calibri" pitchFamily="34" charset="0"/>
-                <a:cs typeface="Courier New" pitchFamily="49" charset="0"/>
-              </a:rPr>
-              <a:t>            object obj = Activator.CreateInstance(complex, 10, 35);</a:t>
-            </a:r>
-            <a:endParaRPr lang="be-BY" sz="900" dirty="0">
-              <a:solidFill>
-                <a:schemeClr val="bg1"/>
-              </a:solidFill>
-              <a:ea typeface="Calibri" pitchFamily="34" charset="0"/>
-              <a:cs typeface="Courier New" pitchFamily="49" charset="0"/>
-            </a:endParaRPr>
-          </a:p>
-          <a:p>
-            <a:pPr eaLnBrk="0" hangingPunct="0"/>
-            <a:r>
-              <a:rPr lang="be-BY" sz="1000" dirty="0">
-                <a:solidFill>
-                  <a:schemeClr val="bg1"/>
-                </a:solidFill>
-                <a:latin typeface="Courier New" pitchFamily="49" charset="0"/>
-                <a:ea typeface="Calibri" pitchFamily="34" charset="0"/>
-                <a:cs typeface="Courier New" pitchFamily="49" charset="0"/>
-              </a:rPr>
-              <a:t>            MethodInfo mi = complex.GetMethod("Abs");   //Получаем информацию о методе Abs </a:t>
-            </a:r>
-            <a:endParaRPr lang="be-BY" sz="900" dirty="0">
-              <a:solidFill>
-                <a:schemeClr val="bg1"/>
-              </a:solidFill>
-              <a:ea typeface="Calibri" pitchFamily="34" charset="0"/>
-              <a:cs typeface="Courier New" pitchFamily="49" charset="0"/>
-            </a:endParaRPr>
-          </a:p>
-          <a:p>
-            <a:pPr eaLnBrk="0" hangingPunct="0"/>
-            <a:r>
-              <a:rPr lang="be-BY" sz="1000" dirty="0">
-                <a:solidFill>
-                  <a:schemeClr val="bg1"/>
-                </a:solidFill>
-                <a:latin typeface="Courier New" pitchFamily="49" charset="0"/>
-                <a:ea typeface="Calibri" pitchFamily="34" charset="0"/>
-                <a:cs typeface="Courier New" pitchFamily="49" charset="0"/>
-              </a:rPr>
-              <a:t>            Console.WriteLine(mi.Invoke(obj, null));    //Вызываем метод</a:t>
-            </a:r>
-            <a:endParaRPr lang="be-BY" sz="900" dirty="0">
-              <a:solidFill>
-                <a:schemeClr val="bg1"/>
-              </a:solidFill>
-              <a:ea typeface="Calibri" pitchFamily="34" charset="0"/>
-              <a:cs typeface="Courier New" pitchFamily="49" charset="0"/>
-            </a:endParaRPr>
-          </a:p>
-          <a:p>
-            <a:pPr eaLnBrk="0" hangingPunct="0"/>
-            <a:r>
-              <a:rPr lang="be-BY" sz="1000" dirty="0">
-                <a:solidFill>
-                  <a:schemeClr val="bg1"/>
-                </a:solidFill>
-                <a:latin typeface="Courier New" pitchFamily="49" charset="0"/>
-                <a:ea typeface="Calibri" pitchFamily="34" charset="0"/>
-                <a:cs typeface="Courier New" pitchFamily="49" charset="0"/>
-              </a:rPr>
-              <a:t>        }</a:t>
-            </a:r>
-            <a:endParaRPr lang="be-BY" sz="900" dirty="0">
-              <a:solidFill>
-                <a:schemeClr val="bg1"/>
-              </a:solidFill>
-              <a:ea typeface="Calibri" pitchFamily="34" charset="0"/>
-              <a:cs typeface="Courier New" pitchFamily="49" charset="0"/>
-            </a:endParaRPr>
-          </a:p>
-          <a:p>
-            <a:pPr eaLnBrk="0" hangingPunct="0"/>
-            <a:r>
-              <a:rPr lang="be-BY" sz="1000" dirty="0">
-                <a:solidFill>
-                  <a:schemeClr val="bg1"/>
-                </a:solidFill>
-                <a:latin typeface="Courier New" pitchFamily="49" charset="0"/>
-                <a:ea typeface="Calibri" pitchFamily="34" charset="0"/>
-                <a:cs typeface="Courier New" pitchFamily="49" charset="0"/>
-              </a:rPr>
-              <a:t>    }</a:t>
-            </a:r>
-            <a:endParaRPr lang="be-BY" dirty="0">
-              <a:solidFill>
-                <a:schemeClr val="bg1"/>
-              </a:solidFill>
-              <a:ea typeface="Calibri" pitchFamily="34" charset="0"/>
-              <a:cs typeface="Courier New" pitchFamily="49" charset="0"/>
-            </a:endParaRPr>
-          </a:p>
-        </p:txBody>
-      </p:sp>
-    </p:spTree>
-    <p:extLst>
-      <p:ext uri="{BB962C8B-B14F-4D97-AF65-F5344CB8AC3E}">
-        <p14:creationId xmlns:p14="http://schemas.microsoft.com/office/powerpoint/2010/main" val="2652139991"/>
-      </p:ext>
-    </p:extLst>
-  </p:cSld>
-  <p:clrMapOvr>
-    <a:masterClrMapping/>
-  </p:clrMapOvr>
-  <p:timing>
-    <p:tnLst>
-      <p:par>
-        <p:cTn id="1" dur="indefinite" restart="never" nodeType="tmRoot"/>
-      </p:par>
-    </p:tnLst>
-  </p:timing>
-</p:sld>
-</file>
-
-<file path=ppt/slides/slide38.xml><?xml version="1.0" encoding="utf-8"?>
-<p:sld xmlns:a="http://schemas.openxmlformats.org/drawingml/2006/main" xmlns:r="http://schemas.openxmlformats.org/officeDocument/2006/relationships" xmlns:p="http://schemas.openxmlformats.org/presentationml/2006/main">
-  <p:cSld>
-    <p:spTree>
-      <p:nvGrpSpPr>
-        <p:cNvPr id="1" name=""/>
-        <p:cNvGrpSpPr/>
-        <p:nvPr/>
-      </p:nvGrpSpPr>
-      <p:grpSpPr>
-        <a:xfrm>
-          <a:off x="0" y="0"/>
-          <a:ext cx="0" cy="0"/>
-          <a:chOff x="0" y="0"/>
-          <a:chExt cx="0" cy="0"/>
-        </a:xfrm>
-      </p:grpSpPr>
-      <p:sp>
-        <p:nvSpPr>
-          <p:cNvPr id="15362" name="Rectangle 3"/>
-          <p:cNvSpPr>
-            <a:spLocks noChangeArrowheads="1"/>
-          </p:cNvSpPr>
-          <p:nvPr/>
-        </p:nvSpPr>
-        <p:spPr bwMode="auto">
-          <a:xfrm>
-            <a:off x="152400" y="-4763"/>
-            <a:ext cx="8763000" cy="461963"/>
-          </a:xfrm>
-          <a:prstGeom prst="rect">
-            <a:avLst/>
-          </a:prstGeom>
-          <a:noFill/>
-          <a:ln>
-            <a:noFill/>
-          </a:ln>
-          <a:extLst>
-            <a:ext uri="{909E8E84-426E-40DD-AFC4-6F175D3DCCD1}">
-              <a14:hiddenFill xmlns:a14="http://schemas.microsoft.com/office/drawing/2010/main">
-                <a:solidFill>
-                  <a:srgbClr val="FFFFFF"/>
-                </a:solidFill>
-              </a14:hiddenFill>
-            </a:ext>
-            <a:ext uri="{91240B29-F687-4F45-9708-019B960494DF}">
-              <a14:hiddenLine xmlns:a14="http://schemas.microsoft.com/office/drawing/2010/main" w="9525">
-                <a:solidFill>
-                  <a:srgbClr val="000000"/>
-                </a:solidFill>
-                <a:miter lim="800000"/>
-                <a:headEnd/>
-                <a:tailEnd/>
-              </a14:hiddenLine>
-            </a:ext>
-          </a:extLst>
-        </p:spPr>
-        <p:txBody>
-          <a:bodyPr anchor="ctr">
-            <a:spAutoFit/>
-          </a:bodyPr>
-          <a:lstStyle/>
-          <a:p>
-            <a:pPr algn="ctr"/>
-            <a:r>
-              <a:rPr lang="ru-RU" sz="2400" b="1"/>
-              <a:t>Процессы и домены</a:t>
-            </a:r>
-            <a:r>
-              <a:rPr lang="en-US" sz="2400" b="1"/>
-              <a:t>.</a:t>
-            </a:r>
-          </a:p>
-        </p:txBody>
-      </p:sp>
-      <p:sp>
-        <p:nvSpPr>
-          <p:cNvPr id="15363" name="Rectangle 3"/>
-          <p:cNvSpPr>
-            <a:spLocks noChangeArrowheads="1"/>
-          </p:cNvSpPr>
-          <p:nvPr/>
-        </p:nvSpPr>
-        <p:spPr bwMode="auto">
-          <a:xfrm>
-            <a:off x="152400" y="457200"/>
-            <a:ext cx="8839200" cy="830263"/>
-          </a:xfrm>
-          <a:prstGeom prst="rect">
-            <a:avLst/>
-          </a:prstGeom>
-          <a:noFill/>
-          <a:ln>
-            <a:noFill/>
-          </a:ln>
-          <a:extLst>
-            <a:ext uri="{909E8E84-426E-40DD-AFC4-6F175D3DCCD1}">
-              <a14:hiddenFill xmlns:a14="http://schemas.microsoft.com/office/drawing/2010/main">
-                <a:solidFill>
-                  <a:srgbClr val="FFFFFF"/>
-                </a:solidFill>
-              </a14:hiddenFill>
-            </a:ext>
-            <a:ext uri="{91240B29-F687-4F45-9708-019B960494DF}">
-              <a14:hiddenLine xmlns:a14="http://schemas.microsoft.com/office/drawing/2010/main" w="9525">
-                <a:solidFill>
-                  <a:srgbClr val="000000"/>
-                </a:solidFill>
-                <a:miter lim="800000"/>
-                <a:headEnd/>
-                <a:tailEnd/>
-              </a14:hiddenLine>
-            </a:ext>
-          </a:extLst>
-        </p:spPr>
-        <p:txBody>
-          <a:bodyPr anchor="ctr">
-            <a:spAutoFit/>
-          </a:bodyPr>
-          <a:lstStyle/>
-          <a:p>
-            <a:endParaRPr lang="en-US" sz="1600"/>
-          </a:p>
-          <a:p>
-            <a:r>
-              <a:rPr lang="ru-RU" sz="1600"/>
-              <a:t>	Просмотр списка процессов</a:t>
-            </a:r>
-            <a:r>
-              <a:rPr lang="en-US" sz="1600"/>
-              <a:t>:</a:t>
-            </a:r>
-            <a:endParaRPr lang="ru-RU" sz="1600"/>
-          </a:p>
-          <a:p>
-            <a:r>
-              <a:rPr lang="ru-RU" sz="1600"/>
-              <a:t>	</a:t>
-            </a:r>
-          </a:p>
-        </p:txBody>
-      </p:sp>
-      <p:sp>
-        <p:nvSpPr>
-          <p:cNvPr id="39937" name="Rectangle 1"/>
-          <p:cNvSpPr>
-            <a:spLocks noChangeArrowheads="1"/>
-          </p:cNvSpPr>
-          <p:nvPr/>
-        </p:nvSpPr>
-        <p:spPr bwMode="auto">
-          <a:xfrm>
-            <a:off x="152400" y="1066800"/>
-            <a:ext cx="8839200" cy="1477963"/>
-          </a:xfrm>
-          <a:prstGeom prst="rect">
-            <a:avLst/>
-          </a:prstGeom>
-          <a:noFill/>
-          <a:ln w="9525">
-            <a:solidFill>
-              <a:schemeClr val="bg1">
-                <a:lumMod val="65000"/>
-              </a:schemeClr>
-            </a:solidFill>
-            <a:miter lim="800000"/>
-            <a:headEnd/>
-            <a:tailEnd/>
-          </a:ln>
-          <a:effectLst/>
-        </p:spPr>
-        <p:txBody>
-          <a:bodyPr anchor="ctr">
-            <a:spAutoFit/>
-          </a:bodyPr>
-          <a:lstStyle/>
-          <a:p>
-            <a:pPr eaLnBrk="0" hangingPunct="0">
-              <a:defRPr/>
-            </a:pPr>
-            <a:r>
-              <a:rPr lang="be-BY" sz="1000" dirty="0">
-                <a:solidFill>
-                  <a:schemeClr val="bg1"/>
-                </a:solidFill>
-                <a:latin typeface="Courier New" pitchFamily="49" charset="0"/>
-                <a:ea typeface="Calibri" pitchFamily="34" charset="0"/>
-                <a:cs typeface="Courier New" pitchFamily="49" charset="0"/>
-              </a:rPr>
-              <a:t>            Process current = Process.GetCurrentProcess();</a:t>
-            </a:r>
-            <a:endParaRPr lang="be-BY" sz="900" dirty="0">
-              <a:solidFill>
-                <a:schemeClr val="bg1"/>
-              </a:solidFill>
-              <a:latin typeface="Arial" pitchFamily="34" charset="0"/>
-            </a:endParaRPr>
-          </a:p>
-          <a:p>
-            <a:pPr eaLnBrk="0" hangingPunct="0">
-              <a:defRPr/>
-            </a:pPr>
-            <a:r>
-              <a:rPr lang="be-BY" sz="1000" dirty="0">
-                <a:solidFill>
-                  <a:schemeClr val="bg1"/>
-                </a:solidFill>
-                <a:latin typeface="Courier New" pitchFamily="49" charset="0"/>
-                <a:ea typeface="Calibri" pitchFamily="34" charset="0"/>
-                <a:cs typeface="Courier New" pitchFamily="49" charset="0"/>
-              </a:rPr>
-              <a:t>            foreach (Process p in Process.GetProcesses())</a:t>
-            </a:r>
-            <a:endParaRPr lang="be-BY" sz="900" dirty="0">
-              <a:solidFill>
-                <a:schemeClr val="bg1"/>
-              </a:solidFill>
-              <a:latin typeface="Arial" pitchFamily="34" charset="0"/>
-            </a:endParaRPr>
-          </a:p>
-          <a:p>
-            <a:pPr eaLnBrk="0" hangingPunct="0">
-              <a:defRPr/>
-            </a:pPr>
-            <a:r>
-              <a:rPr lang="be-BY" sz="1000" dirty="0">
-                <a:solidFill>
-                  <a:schemeClr val="bg1"/>
-                </a:solidFill>
-                <a:latin typeface="Courier New" pitchFamily="49" charset="0"/>
-                <a:ea typeface="Calibri" pitchFamily="34" charset="0"/>
-                <a:cs typeface="Courier New" pitchFamily="49" charset="0"/>
-              </a:rPr>
-              <a:t>            {</a:t>
-            </a:r>
-            <a:endParaRPr lang="be-BY" sz="900" dirty="0">
-              <a:solidFill>
-                <a:schemeClr val="bg1"/>
-              </a:solidFill>
-              <a:latin typeface="Arial" pitchFamily="34" charset="0"/>
-            </a:endParaRPr>
-          </a:p>
-          <a:p>
-            <a:pPr eaLnBrk="0" hangingPunct="0">
-              <a:defRPr/>
-            </a:pPr>
-            <a:r>
-              <a:rPr lang="be-BY" sz="1000" dirty="0">
-                <a:solidFill>
-                  <a:schemeClr val="bg1"/>
-                </a:solidFill>
-                <a:latin typeface="Courier New" pitchFamily="49" charset="0"/>
-                <a:ea typeface="Calibri" pitchFamily="34" charset="0"/>
-                <a:cs typeface="Courier New" pitchFamily="49" charset="0"/>
-              </a:rPr>
-              <a:t>                try</a:t>
-            </a:r>
-            <a:endParaRPr lang="be-BY" sz="900" dirty="0">
-              <a:solidFill>
-                <a:schemeClr val="bg1"/>
-              </a:solidFill>
-              <a:latin typeface="Arial" pitchFamily="34" charset="0"/>
-            </a:endParaRPr>
-          </a:p>
-          <a:p>
-            <a:pPr eaLnBrk="0" hangingPunct="0">
-              <a:defRPr/>
-            </a:pPr>
-            <a:r>
-              <a:rPr lang="be-BY" sz="1000" dirty="0">
-                <a:solidFill>
-                  <a:schemeClr val="bg1"/>
-                </a:solidFill>
-                <a:latin typeface="Courier New" pitchFamily="49" charset="0"/>
-                <a:ea typeface="Calibri" pitchFamily="34" charset="0"/>
-                <a:cs typeface="Courier New" pitchFamily="49" charset="0"/>
-              </a:rPr>
-              <a:t>                {</a:t>
-            </a:r>
-            <a:endParaRPr lang="be-BY" sz="900" dirty="0">
-              <a:solidFill>
-                <a:schemeClr val="bg1"/>
-              </a:solidFill>
-              <a:latin typeface="Arial" pitchFamily="34" charset="0"/>
-            </a:endParaRPr>
-          </a:p>
-          <a:p>
-            <a:pPr eaLnBrk="0" hangingPunct="0">
-              <a:defRPr/>
-            </a:pPr>
-            <a:r>
-              <a:rPr lang="be-BY" sz="1000" dirty="0">
-                <a:solidFill>
-                  <a:schemeClr val="bg1"/>
-                </a:solidFill>
-                <a:latin typeface="Courier New" pitchFamily="49" charset="0"/>
-                <a:ea typeface="Calibri" pitchFamily="34" charset="0"/>
-                <a:cs typeface="Courier New" pitchFamily="49" charset="0"/>
-              </a:rPr>
-              <a:t>                    Console.WriteLine("{0}\t{1}\t\t{2}", p.Id, p.ProcessName, p.StartTime);</a:t>
-            </a:r>
-            <a:endParaRPr lang="be-BY" sz="900" dirty="0">
-              <a:solidFill>
-                <a:schemeClr val="bg1"/>
-              </a:solidFill>
-              <a:latin typeface="Arial" pitchFamily="34" charset="0"/>
-            </a:endParaRPr>
-          </a:p>
-          <a:p>
-            <a:pPr eaLnBrk="0" hangingPunct="0">
-              <a:defRPr/>
-            </a:pPr>
-            <a:r>
-              <a:rPr lang="be-BY" sz="1000" dirty="0">
-                <a:solidFill>
-                  <a:schemeClr val="bg1"/>
-                </a:solidFill>
-                <a:latin typeface="Courier New" pitchFamily="49" charset="0"/>
-                <a:ea typeface="Calibri" pitchFamily="34" charset="0"/>
-                <a:cs typeface="Courier New" pitchFamily="49" charset="0"/>
-              </a:rPr>
-              <a:t>                }</a:t>
-            </a:r>
-            <a:endParaRPr lang="be-BY" sz="900" dirty="0">
-              <a:solidFill>
-                <a:schemeClr val="bg1"/>
-              </a:solidFill>
-              <a:latin typeface="Arial" pitchFamily="34" charset="0"/>
-            </a:endParaRPr>
-          </a:p>
-          <a:p>
-            <a:pPr eaLnBrk="0" hangingPunct="0">
-              <a:defRPr/>
-            </a:pPr>
-            <a:r>
-              <a:rPr lang="be-BY" sz="1000" dirty="0">
-                <a:solidFill>
-                  <a:schemeClr val="bg1"/>
-                </a:solidFill>
-                <a:latin typeface="Courier New" pitchFamily="49" charset="0"/>
-                <a:ea typeface="Calibri" pitchFamily="34" charset="0"/>
-                <a:cs typeface="Courier New" pitchFamily="49" charset="0"/>
-              </a:rPr>
-              <a:t>                catch { }</a:t>
-            </a:r>
-            <a:endParaRPr lang="be-BY" sz="900" dirty="0">
-              <a:solidFill>
-                <a:schemeClr val="bg1"/>
-              </a:solidFill>
-              <a:latin typeface="Arial" pitchFamily="34" charset="0"/>
-            </a:endParaRPr>
-          </a:p>
-          <a:p>
-            <a:pPr eaLnBrk="0" hangingPunct="0">
-              <a:defRPr/>
-            </a:pPr>
-            <a:r>
-              <a:rPr lang="be-BY" sz="1000" dirty="0">
-                <a:solidFill>
-                  <a:schemeClr val="bg1"/>
-                </a:solidFill>
-                <a:latin typeface="Courier New" pitchFamily="49" charset="0"/>
-                <a:ea typeface="Calibri" pitchFamily="34" charset="0"/>
-                <a:cs typeface="Courier New" pitchFamily="49" charset="0"/>
-              </a:rPr>
-              <a:t>            }</a:t>
-            </a:r>
-            <a:endParaRPr lang="be-BY" dirty="0">
-              <a:solidFill>
-                <a:schemeClr val="bg1"/>
-              </a:solidFill>
-              <a:latin typeface="Arial" pitchFamily="34" charset="0"/>
-            </a:endParaRPr>
-          </a:p>
-        </p:txBody>
-      </p:sp>
-      <p:sp>
-        <p:nvSpPr>
-          <p:cNvPr id="39939" name="Rectangle 3"/>
-          <p:cNvSpPr>
-            <a:spLocks noChangeArrowheads="1"/>
-          </p:cNvSpPr>
-          <p:nvPr/>
-        </p:nvSpPr>
-        <p:spPr bwMode="auto">
-          <a:xfrm>
-            <a:off x="152400" y="3059113"/>
-            <a:ext cx="8839200" cy="554037"/>
-          </a:xfrm>
-          <a:prstGeom prst="rect">
-            <a:avLst/>
-          </a:prstGeom>
-          <a:noFill/>
-          <a:ln w="9525">
-            <a:solidFill>
-              <a:schemeClr val="bg1">
-                <a:lumMod val="65000"/>
-              </a:schemeClr>
-            </a:solidFill>
-            <a:miter lim="800000"/>
-            <a:headEnd/>
-            <a:tailEnd/>
-          </a:ln>
-          <a:effectLst/>
-        </p:spPr>
-        <p:txBody>
-          <a:bodyPr anchor="ctr">
-            <a:spAutoFit/>
-          </a:bodyPr>
-          <a:lstStyle/>
-          <a:p>
-            <a:pPr eaLnBrk="0" hangingPunct="0">
-              <a:defRPr/>
-            </a:pPr>
-            <a:r>
-              <a:rPr lang="be-BY" sz="1000" dirty="0">
-                <a:solidFill>
-                  <a:schemeClr val="bg1"/>
-                </a:solidFill>
-                <a:latin typeface="Courier New" pitchFamily="49" charset="0"/>
-                <a:ea typeface="Calibri" pitchFamily="34" charset="0"/>
-                <a:cs typeface="Courier New" pitchFamily="49" charset="0"/>
-              </a:rPr>
-              <a:t>            Process p = Process.Start("notepad.exe");</a:t>
-            </a:r>
-            <a:endParaRPr lang="be-BY" sz="900" dirty="0">
-              <a:solidFill>
-                <a:schemeClr val="bg1"/>
-              </a:solidFill>
-              <a:latin typeface="Arial" pitchFamily="34" charset="0"/>
-            </a:endParaRPr>
-          </a:p>
-          <a:p>
-            <a:pPr eaLnBrk="0" hangingPunct="0">
-              <a:defRPr/>
-            </a:pPr>
-            <a:r>
-              <a:rPr lang="be-BY" sz="1000" dirty="0">
-                <a:solidFill>
-                  <a:schemeClr val="bg1"/>
-                </a:solidFill>
-                <a:latin typeface="Courier New" pitchFamily="49" charset="0"/>
-                <a:ea typeface="Calibri" pitchFamily="34" charset="0"/>
-                <a:cs typeface="Courier New" pitchFamily="49" charset="0"/>
-              </a:rPr>
-              <a:t>            Thread.Sleep(5000);</a:t>
-            </a:r>
-            <a:endParaRPr lang="be-BY" sz="900" dirty="0">
-              <a:solidFill>
-                <a:schemeClr val="bg1"/>
-              </a:solidFill>
-              <a:latin typeface="Arial" pitchFamily="34" charset="0"/>
-            </a:endParaRPr>
-          </a:p>
-          <a:p>
-            <a:pPr eaLnBrk="0" hangingPunct="0">
-              <a:defRPr/>
-            </a:pPr>
-            <a:r>
-              <a:rPr lang="be-BY" sz="1000" dirty="0">
-                <a:solidFill>
-                  <a:schemeClr val="bg1"/>
-                </a:solidFill>
-                <a:latin typeface="Courier New" pitchFamily="49" charset="0"/>
-                <a:ea typeface="Calibri" pitchFamily="34" charset="0"/>
-                <a:cs typeface="Courier New" pitchFamily="49" charset="0"/>
-              </a:rPr>
-              <a:t>            p.Kill();</a:t>
-            </a:r>
-            <a:endParaRPr lang="be-BY" dirty="0">
-              <a:solidFill>
-                <a:schemeClr val="bg1"/>
-              </a:solidFill>
-              <a:latin typeface="Arial" pitchFamily="34" charset="0"/>
-            </a:endParaRPr>
-          </a:p>
-        </p:txBody>
-      </p:sp>
-      <p:sp>
-        <p:nvSpPr>
-          <p:cNvPr id="39940" name="Rectangle 4"/>
-          <p:cNvSpPr>
-            <a:spLocks noChangeArrowheads="1"/>
-          </p:cNvSpPr>
-          <p:nvPr/>
-        </p:nvSpPr>
-        <p:spPr bwMode="auto">
-          <a:xfrm>
-            <a:off x="152400" y="4191000"/>
-            <a:ext cx="8839200" cy="554038"/>
-          </a:xfrm>
-          <a:prstGeom prst="rect">
-            <a:avLst/>
-          </a:prstGeom>
-          <a:noFill/>
-          <a:ln w="9525">
-            <a:solidFill>
-              <a:schemeClr val="bg1">
-                <a:lumMod val="65000"/>
-              </a:schemeClr>
-            </a:solidFill>
-            <a:miter lim="800000"/>
-            <a:headEnd/>
-            <a:tailEnd/>
-          </a:ln>
-          <a:effectLst/>
-        </p:spPr>
-        <p:txBody>
-          <a:bodyPr anchor="ctr">
-            <a:spAutoFit/>
-          </a:bodyPr>
-          <a:lstStyle/>
-          <a:p>
-            <a:pPr eaLnBrk="0" hangingPunct="0"/>
-            <a:r>
-              <a:rPr lang="be-BY" sz="1000" dirty="0">
-                <a:solidFill>
-                  <a:schemeClr val="bg1"/>
-                </a:solidFill>
-                <a:latin typeface="Courier New" pitchFamily="49" charset="0"/>
-                <a:ea typeface="Calibri" pitchFamily="34" charset="0"/>
-                <a:cs typeface="Courier New" pitchFamily="49" charset="0"/>
-              </a:rPr>
-              <a:t>            AppDomain newDomain = AppDomain.CreateDomain("nd");	//Создаем новый домен</a:t>
-            </a:r>
-            <a:endParaRPr lang="be-BY" sz="900" dirty="0">
-              <a:solidFill>
-                <a:schemeClr val="bg1"/>
-              </a:solidFill>
-              <a:ea typeface="Calibri" pitchFamily="34" charset="0"/>
-              <a:cs typeface="Courier New" pitchFamily="49" charset="0"/>
-            </a:endParaRPr>
-          </a:p>
-          <a:p>
-            <a:pPr eaLnBrk="0" hangingPunct="0"/>
-            <a:r>
-              <a:rPr lang="be-BY" sz="1000" dirty="0">
-                <a:solidFill>
-                  <a:schemeClr val="bg1"/>
-                </a:solidFill>
-                <a:latin typeface="Courier New" pitchFamily="49" charset="0"/>
-                <a:ea typeface="Calibri" pitchFamily="34" charset="0"/>
-                <a:cs typeface="Courier New" pitchFamily="49" charset="0"/>
-              </a:rPr>
-              <a:t>            newDomain.Load("assemblyName");			//Загружаем в него сборку</a:t>
-            </a:r>
-            <a:endParaRPr lang="be-BY" sz="900" dirty="0">
-              <a:solidFill>
-                <a:schemeClr val="bg1"/>
-              </a:solidFill>
-              <a:ea typeface="Calibri" pitchFamily="34" charset="0"/>
-              <a:cs typeface="Courier New" pitchFamily="49" charset="0"/>
-            </a:endParaRPr>
-          </a:p>
-          <a:p>
-            <a:pPr eaLnBrk="0" hangingPunct="0"/>
-            <a:r>
-              <a:rPr lang="be-BY" sz="1000" dirty="0">
-                <a:solidFill>
-                  <a:schemeClr val="bg1"/>
-                </a:solidFill>
-                <a:latin typeface="Courier New" pitchFamily="49" charset="0"/>
-                <a:ea typeface="Calibri" pitchFamily="34" charset="0"/>
-                <a:cs typeface="Courier New" pitchFamily="49" charset="0"/>
-              </a:rPr>
-              <a:t>            AppDomain.Unload(newDomain);			//Выгружаем домен</a:t>
-            </a:r>
-            <a:endParaRPr lang="be-BY" dirty="0">
-              <a:solidFill>
-                <a:schemeClr val="bg1"/>
-              </a:solidFill>
-              <a:ea typeface="Calibri" pitchFamily="34" charset="0"/>
-              <a:cs typeface="Courier New" pitchFamily="49" charset="0"/>
-            </a:endParaRPr>
-          </a:p>
-        </p:txBody>
-      </p:sp>
-      <p:sp>
-        <p:nvSpPr>
-          <p:cNvPr id="15367" name="Rectangle 3"/>
-          <p:cNvSpPr>
-            <a:spLocks noChangeArrowheads="1"/>
-          </p:cNvSpPr>
-          <p:nvPr/>
-        </p:nvSpPr>
-        <p:spPr bwMode="auto">
-          <a:xfrm>
-            <a:off x="152400" y="2743200"/>
-            <a:ext cx="8839200" cy="339725"/>
-          </a:xfrm>
-          <a:prstGeom prst="rect">
-            <a:avLst/>
-          </a:prstGeom>
-          <a:noFill/>
-          <a:ln>
-            <a:noFill/>
-          </a:ln>
-          <a:extLst>
-            <a:ext uri="{909E8E84-426E-40DD-AFC4-6F175D3DCCD1}">
-              <a14:hiddenFill xmlns:a14="http://schemas.microsoft.com/office/drawing/2010/main">
-                <a:solidFill>
-                  <a:srgbClr val="FFFFFF"/>
-                </a:solidFill>
-              </a14:hiddenFill>
-            </a:ext>
-            <a:ext uri="{91240B29-F687-4F45-9708-019B960494DF}">
-              <a14:hiddenLine xmlns:a14="http://schemas.microsoft.com/office/drawing/2010/main" w="9525">
-                <a:solidFill>
-                  <a:srgbClr val="000000"/>
-                </a:solidFill>
-                <a:miter lim="800000"/>
-                <a:headEnd/>
-                <a:tailEnd/>
-              </a14:hiddenLine>
-            </a:ext>
-          </a:extLst>
-        </p:spPr>
-        <p:txBody>
-          <a:bodyPr anchor="ctr">
-            <a:spAutoFit/>
-          </a:bodyPr>
-          <a:lstStyle/>
-          <a:p>
-            <a:r>
-              <a:rPr lang="ru-RU" sz="1600"/>
-              <a:t>	Создание нового процесса</a:t>
-            </a:r>
-            <a:r>
-              <a:rPr lang="en-US" sz="1600"/>
-              <a:t>:</a:t>
-            </a:r>
-            <a:endParaRPr lang="ru-RU" sz="1600"/>
-          </a:p>
-        </p:txBody>
-      </p:sp>
-      <p:sp>
-        <p:nvSpPr>
-          <p:cNvPr id="15368" name="Rectangle 3"/>
-          <p:cNvSpPr>
-            <a:spLocks noChangeArrowheads="1"/>
-          </p:cNvSpPr>
-          <p:nvPr/>
-        </p:nvSpPr>
-        <p:spPr bwMode="auto">
-          <a:xfrm>
-            <a:off x="152400" y="3886200"/>
-            <a:ext cx="8839200" cy="338138"/>
-          </a:xfrm>
-          <a:prstGeom prst="rect">
-            <a:avLst/>
-          </a:prstGeom>
-          <a:noFill/>
-          <a:ln>
-            <a:noFill/>
-          </a:ln>
-          <a:extLst>
-            <a:ext uri="{909E8E84-426E-40DD-AFC4-6F175D3DCCD1}">
-              <a14:hiddenFill xmlns:a14="http://schemas.microsoft.com/office/drawing/2010/main">
-                <a:solidFill>
-                  <a:srgbClr val="FFFFFF"/>
-                </a:solidFill>
-              </a14:hiddenFill>
-            </a:ext>
-            <a:ext uri="{91240B29-F687-4F45-9708-019B960494DF}">
-              <a14:hiddenLine xmlns:a14="http://schemas.microsoft.com/office/drawing/2010/main" w="9525">
-                <a:solidFill>
-                  <a:srgbClr val="000000"/>
-                </a:solidFill>
-                <a:miter lim="800000"/>
-                <a:headEnd/>
-                <a:tailEnd/>
-              </a14:hiddenLine>
-            </a:ext>
-          </a:extLst>
-        </p:spPr>
-        <p:txBody>
-          <a:bodyPr anchor="ctr">
-            <a:spAutoFit/>
-          </a:bodyPr>
-          <a:lstStyle/>
-          <a:p>
-            <a:r>
-              <a:rPr lang="ru-RU" sz="1600"/>
-              <a:t>	Создание домена в рамках  текущего процесса</a:t>
-            </a:r>
-            <a:r>
-              <a:rPr lang="en-US" sz="1600"/>
-              <a:t>:</a:t>
-            </a:r>
-            <a:endParaRPr lang="ru-RU" sz="1600"/>
-          </a:p>
-        </p:txBody>
-      </p:sp>
-    </p:spTree>
-    <p:extLst>
-      <p:ext uri="{BB962C8B-B14F-4D97-AF65-F5344CB8AC3E}">
-        <p14:creationId xmlns:p14="http://schemas.microsoft.com/office/powerpoint/2010/main" val="3777989149"/>
       </p:ext>
     </p:extLst>
   </p:cSld>
@@ -17775,6 +16943,1373 @@
     <p:extLst>
       <p:ext uri="{BB962C8B-B14F-4D97-AF65-F5344CB8AC3E}">
         <p14:creationId xmlns:p14="http://schemas.microsoft.com/office/powerpoint/2010/main" val="1869373615"/>
+      </p:ext>
+    </p:extLst>
+  </p:cSld>
+  <p:clrMapOvr>
+    <a:masterClrMapping/>
+  </p:clrMapOvr>
+  <p:timing>
+    <p:tnLst>
+      <p:par>
+        <p:cTn id="1" dur="indefinite" restart="never" nodeType="tmRoot"/>
+      </p:par>
+    </p:tnLst>
+  </p:timing>
+</p:sld>
+</file>
+
+<file path=ppt/slides/slide40.xml><?xml version="1.0" encoding="utf-8"?>
+<p:sld xmlns:a="http://schemas.openxmlformats.org/drawingml/2006/main" xmlns:r="http://schemas.openxmlformats.org/officeDocument/2006/relationships" xmlns:p="http://schemas.openxmlformats.org/presentationml/2006/main">
+  <p:cSld>
+    <p:spTree>
+      <p:nvGrpSpPr>
+        <p:cNvPr id="1" name=""/>
+        <p:cNvGrpSpPr/>
+        <p:nvPr/>
+      </p:nvGrpSpPr>
+      <p:grpSpPr>
+        <a:xfrm>
+          <a:off x="0" y="0"/>
+          <a:ext cx="0" cy="0"/>
+          <a:chOff x="0" y="0"/>
+          <a:chExt cx="0" cy="0"/>
+        </a:xfrm>
+      </p:grpSpPr>
+      <p:sp>
+        <p:nvSpPr>
+          <p:cNvPr id="9218" name="Rectangle 3"/>
+          <p:cNvSpPr>
+            <a:spLocks noChangeArrowheads="1"/>
+          </p:cNvSpPr>
+          <p:nvPr/>
+        </p:nvSpPr>
+        <p:spPr bwMode="auto">
+          <a:xfrm>
+            <a:off x="152400" y="-4763"/>
+            <a:ext cx="8763000" cy="461963"/>
+          </a:xfrm>
+          <a:prstGeom prst="rect">
+            <a:avLst/>
+          </a:prstGeom>
+          <a:noFill/>
+          <a:ln>
+            <a:noFill/>
+          </a:ln>
+          <a:extLst>
+            <a:ext uri="{909E8E84-426E-40DD-AFC4-6F175D3DCCD1}">
+              <a14:hiddenFill xmlns:a14="http://schemas.microsoft.com/office/drawing/2010/main">
+                <a:solidFill>
+                  <a:srgbClr val="FFFFFF"/>
+                </a:solidFill>
+              </a14:hiddenFill>
+            </a:ext>
+            <a:ext uri="{91240B29-F687-4F45-9708-019B960494DF}">
+              <a14:hiddenLine xmlns:a14="http://schemas.microsoft.com/office/drawing/2010/main" w="9525">
+                <a:solidFill>
+                  <a:srgbClr val="000000"/>
+                </a:solidFill>
+                <a:miter lim="800000"/>
+                <a:headEnd/>
+                <a:tailEnd/>
+              </a14:hiddenLine>
+            </a:ext>
+          </a:extLst>
+        </p:spPr>
+        <p:txBody>
+          <a:bodyPr anchor="ctr">
+            <a:spAutoFit/>
+          </a:bodyPr>
+          <a:lstStyle/>
+          <a:p>
+            <a:pPr algn="ctr"/>
+            <a:r>
+              <a:rPr lang="ru-RU" sz="2400" b="1"/>
+              <a:t>Пространство </a:t>
+            </a:r>
+            <a:r>
+              <a:rPr lang="en-US" sz="2400" b="1"/>
+              <a:t>System.Reflection.</a:t>
+            </a:r>
+          </a:p>
+        </p:txBody>
+      </p:sp>
+      <p:sp>
+        <p:nvSpPr>
+          <p:cNvPr id="9219" name="Rectangle 3"/>
+          <p:cNvSpPr>
+            <a:spLocks noChangeArrowheads="1"/>
+          </p:cNvSpPr>
+          <p:nvPr/>
+        </p:nvSpPr>
+        <p:spPr bwMode="auto">
+          <a:xfrm>
+            <a:off x="152400" y="581025"/>
+            <a:ext cx="8839200" cy="336550"/>
+          </a:xfrm>
+          <a:prstGeom prst="rect">
+            <a:avLst/>
+          </a:prstGeom>
+          <a:noFill/>
+          <a:ln>
+            <a:noFill/>
+          </a:ln>
+          <a:extLst>
+            <a:ext uri="{909E8E84-426E-40DD-AFC4-6F175D3DCCD1}">
+              <a14:hiddenFill xmlns:a14="http://schemas.microsoft.com/office/drawing/2010/main">
+                <a:solidFill>
+                  <a:srgbClr val="FFFFFF"/>
+                </a:solidFill>
+              </a14:hiddenFill>
+            </a:ext>
+            <a:ext uri="{91240B29-F687-4F45-9708-019B960494DF}">
+              <a14:hiddenLine xmlns:a14="http://schemas.microsoft.com/office/drawing/2010/main" w="9525">
+                <a:solidFill>
+                  <a:srgbClr val="000000"/>
+                </a:solidFill>
+                <a:miter lim="800000"/>
+                <a:headEnd/>
+                <a:tailEnd/>
+              </a14:hiddenLine>
+            </a:ext>
+          </a:extLst>
+        </p:spPr>
+        <p:txBody>
+          <a:bodyPr anchor="ctr">
+            <a:spAutoFit/>
+          </a:bodyPr>
+          <a:lstStyle/>
+          <a:p>
+            <a:r>
+              <a:rPr lang="ru-RU" sz="1600"/>
+              <a:t>	Используя класс </a:t>
+            </a:r>
+            <a:r>
+              <a:rPr lang="en-US" sz="1600"/>
+              <a:t>Activator</a:t>
+            </a:r>
+            <a:r>
+              <a:rPr lang="ru-RU" sz="1600"/>
+              <a:t> можно создать объект нудного класса.</a:t>
+            </a:r>
+          </a:p>
+        </p:txBody>
+      </p:sp>
+      <p:sp>
+        <p:nvSpPr>
+          <p:cNvPr id="22538" name="Rectangle 10"/>
+          <p:cNvSpPr>
+            <a:spLocks noChangeArrowheads="1"/>
+          </p:cNvSpPr>
+          <p:nvPr/>
+        </p:nvSpPr>
+        <p:spPr bwMode="auto">
+          <a:xfrm>
+            <a:off x="152400" y="990600"/>
+            <a:ext cx="8839200" cy="3478213"/>
+          </a:xfrm>
+          <a:prstGeom prst="rect">
+            <a:avLst/>
+          </a:prstGeom>
+          <a:noFill/>
+          <a:ln w="9525">
+            <a:solidFill>
+              <a:schemeClr val="bg1">
+                <a:lumMod val="65000"/>
+              </a:schemeClr>
+            </a:solidFill>
+            <a:miter lim="800000"/>
+            <a:headEnd/>
+            <a:tailEnd/>
+          </a:ln>
+          <a:effectLst/>
+        </p:spPr>
+        <p:txBody>
+          <a:bodyPr anchor="ctr">
+            <a:spAutoFit/>
+          </a:bodyPr>
+          <a:lstStyle/>
+          <a:p>
+            <a:pPr eaLnBrk="0" hangingPunct="0"/>
+            <a:r>
+              <a:rPr lang="be-BY" sz="1000" dirty="0">
+                <a:solidFill>
+                  <a:schemeClr val="bg1"/>
+                </a:solidFill>
+                <a:latin typeface="Courier New" pitchFamily="49" charset="0"/>
+                <a:ea typeface="Calibri" pitchFamily="34" charset="0"/>
+                <a:cs typeface="Courier New" pitchFamily="49" charset="0"/>
+              </a:rPr>
+              <a:t>    class Program</a:t>
+            </a:r>
+            <a:endParaRPr lang="be-BY" sz="900" dirty="0">
+              <a:solidFill>
+                <a:schemeClr val="bg1"/>
+              </a:solidFill>
+              <a:ea typeface="Calibri" pitchFamily="34" charset="0"/>
+              <a:cs typeface="Courier New" pitchFamily="49" charset="0"/>
+            </a:endParaRPr>
+          </a:p>
+          <a:p>
+            <a:pPr eaLnBrk="0" hangingPunct="0"/>
+            <a:r>
+              <a:rPr lang="be-BY" sz="1000" dirty="0">
+                <a:solidFill>
+                  <a:schemeClr val="bg1"/>
+                </a:solidFill>
+                <a:latin typeface="Courier New" pitchFamily="49" charset="0"/>
+                <a:ea typeface="Calibri" pitchFamily="34" charset="0"/>
+                <a:cs typeface="Courier New" pitchFamily="49" charset="0"/>
+              </a:rPr>
+              <a:t>    {</a:t>
+            </a:r>
+            <a:endParaRPr lang="be-BY" sz="900" dirty="0">
+              <a:solidFill>
+                <a:schemeClr val="bg1"/>
+              </a:solidFill>
+              <a:ea typeface="Calibri" pitchFamily="34" charset="0"/>
+              <a:cs typeface="Courier New" pitchFamily="49" charset="0"/>
+            </a:endParaRPr>
+          </a:p>
+          <a:p>
+            <a:pPr eaLnBrk="0" hangingPunct="0"/>
+            <a:r>
+              <a:rPr lang="be-BY" sz="1000" dirty="0">
+                <a:solidFill>
+                  <a:schemeClr val="bg1"/>
+                </a:solidFill>
+                <a:latin typeface="Courier New" pitchFamily="49" charset="0"/>
+                <a:ea typeface="Calibri" pitchFamily="34" charset="0"/>
+                <a:cs typeface="Courier New" pitchFamily="49" charset="0"/>
+              </a:rPr>
+              <a:t>        static void Main(string[] args)</a:t>
+            </a:r>
+            <a:endParaRPr lang="be-BY" sz="900" dirty="0">
+              <a:solidFill>
+                <a:schemeClr val="bg1"/>
+              </a:solidFill>
+              <a:ea typeface="Calibri" pitchFamily="34" charset="0"/>
+              <a:cs typeface="Courier New" pitchFamily="49" charset="0"/>
+            </a:endParaRPr>
+          </a:p>
+          <a:p>
+            <a:pPr eaLnBrk="0" hangingPunct="0"/>
+            <a:r>
+              <a:rPr lang="be-BY" sz="1000" dirty="0">
+                <a:solidFill>
+                  <a:schemeClr val="bg1"/>
+                </a:solidFill>
+                <a:latin typeface="Courier New" pitchFamily="49" charset="0"/>
+                <a:ea typeface="Calibri" pitchFamily="34" charset="0"/>
+                <a:cs typeface="Courier New" pitchFamily="49" charset="0"/>
+              </a:rPr>
+              <a:t>        {</a:t>
+            </a:r>
+            <a:endParaRPr lang="be-BY" sz="900" dirty="0">
+              <a:solidFill>
+                <a:schemeClr val="bg1"/>
+              </a:solidFill>
+              <a:ea typeface="Calibri" pitchFamily="34" charset="0"/>
+              <a:cs typeface="Courier New" pitchFamily="49" charset="0"/>
+            </a:endParaRPr>
+          </a:p>
+          <a:p>
+            <a:pPr eaLnBrk="0" hangingPunct="0"/>
+            <a:r>
+              <a:rPr lang="be-BY" sz="1000" dirty="0">
+                <a:solidFill>
+                  <a:schemeClr val="bg1"/>
+                </a:solidFill>
+                <a:latin typeface="Courier New" pitchFamily="49" charset="0"/>
+                <a:ea typeface="Calibri" pitchFamily="34" charset="0"/>
+                <a:cs typeface="Courier New" pitchFamily="49" charset="0"/>
+              </a:rPr>
+              <a:t>            AssemblyName name = new AssemblyName("Complex");</a:t>
+            </a:r>
+            <a:endParaRPr lang="be-BY" sz="900" dirty="0">
+              <a:solidFill>
+                <a:schemeClr val="bg1"/>
+              </a:solidFill>
+              <a:ea typeface="Calibri" pitchFamily="34" charset="0"/>
+              <a:cs typeface="Courier New" pitchFamily="49" charset="0"/>
+            </a:endParaRPr>
+          </a:p>
+          <a:p>
+            <a:pPr eaLnBrk="0" hangingPunct="0"/>
+            <a:r>
+              <a:rPr lang="be-BY" sz="1000" dirty="0">
+                <a:solidFill>
+                  <a:schemeClr val="bg1"/>
+                </a:solidFill>
+                <a:latin typeface="Courier New" pitchFamily="49" charset="0"/>
+                <a:ea typeface="Calibri" pitchFamily="34" charset="0"/>
+                <a:cs typeface="Courier New" pitchFamily="49" charset="0"/>
+              </a:rPr>
+              <a:t>            name.Version = new Version(1, 0, 0, 0);</a:t>
+            </a:r>
+            <a:endParaRPr lang="be-BY" sz="900" dirty="0">
+              <a:solidFill>
+                <a:schemeClr val="bg1"/>
+              </a:solidFill>
+              <a:ea typeface="Calibri" pitchFamily="34" charset="0"/>
+              <a:cs typeface="Courier New" pitchFamily="49" charset="0"/>
+            </a:endParaRPr>
+          </a:p>
+          <a:p>
+            <a:pPr eaLnBrk="0" hangingPunct="0"/>
+            <a:r>
+              <a:rPr lang="be-BY" sz="1000" dirty="0">
+                <a:solidFill>
+                  <a:schemeClr val="bg1"/>
+                </a:solidFill>
+                <a:latin typeface="Courier New" pitchFamily="49" charset="0"/>
+                <a:ea typeface="Calibri" pitchFamily="34" charset="0"/>
+                <a:cs typeface="Courier New" pitchFamily="49" charset="0"/>
+              </a:rPr>
+              <a:t>            Assembly asm;</a:t>
+            </a:r>
+            <a:endParaRPr lang="be-BY" sz="900" dirty="0">
+              <a:solidFill>
+                <a:schemeClr val="bg1"/>
+              </a:solidFill>
+              <a:ea typeface="Calibri" pitchFamily="34" charset="0"/>
+              <a:cs typeface="Courier New" pitchFamily="49" charset="0"/>
+            </a:endParaRPr>
+          </a:p>
+          <a:p>
+            <a:pPr eaLnBrk="0" hangingPunct="0"/>
+            <a:r>
+              <a:rPr lang="be-BY" sz="1000" dirty="0">
+                <a:solidFill>
+                  <a:schemeClr val="bg1"/>
+                </a:solidFill>
+                <a:latin typeface="Courier New" pitchFamily="49" charset="0"/>
+                <a:ea typeface="Calibri" pitchFamily="34" charset="0"/>
+                <a:cs typeface="Courier New" pitchFamily="49" charset="0"/>
+              </a:rPr>
+              <a:t>            try</a:t>
+            </a:r>
+            <a:endParaRPr lang="be-BY" sz="900" dirty="0">
+              <a:solidFill>
+                <a:schemeClr val="bg1"/>
+              </a:solidFill>
+              <a:ea typeface="Calibri" pitchFamily="34" charset="0"/>
+              <a:cs typeface="Courier New" pitchFamily="49" charset="0"/>
+            </a:endParaRPr>
+          </a:p>
+          <a:p>
+            <a:pPr eaLnBrk="0" hangingPunct="0"/>
+            <a:r>
+              <a:rPr lang="be-BY" sz="1000" dirty="0">
+                <a:solidFill>
+                  <a:schemeClr val="bg1"/>
+                </a:solidFill>
+                <a:latin typeface="Courier New" pitchFamily="49" charset="0"/>
+                <a:ea typeface="Calibri" pitchFamily="34" charset="0"/>
+                <a:cs typeface="Courier New" pitchFamily="49" charset="0"/>
+              </a:rPr>
+              <a:t>            {</a:t>
+            </a:r>
+            <a:endParaRPr lang="be-BY" sz="900" dirty="0">
+              <a:solidFill>
+                <a:schemeClr val="bg1"/>
+              </a:solidFill>
+              <a:ea typeface="Calibri" pitchFamily="34" charset="0"/>
+              <a:cs typeface="Courier New" pitchFamily="49" charset="0"/>
+            </a:endParaRPr>
+          </a:p>
+          <a:p>
+            <a:pPr eaLnBrk="0" hangingPunct="0"/>
+            <a:r>
+              <a:rPr lang="be-BY" sz="1000" dirty="0">
+                <a:solidFill>
+                  <a:schemeClr val="bg1"/>
+                </a:solidFill>
+                <a:latin typeface="Courier New" pitchFamily="49" charset="0"/>
+                <a:ea typeface="Calibri" pitchFamily="34" charset="0"/>
+                <a:cs typeface="Courier New" pitchFamily="49" charset="0"/>
+              </a:rPr>
+              <a:t>                asm = Assembly.Load(name);</a:t>
+            </a:r>
+            <a:endParaRPr lang="be-BY" sz="900" dirty="0">
+              <a:solidFill>
+                <a:schemeClr val="bg1"/>
+              </a:solidFill>
+              <a:ea typeface="Calibri" pitchFamily="34" charset="0"/>
+              <a:cs typeface="Courier New" pitchFamily="49" charset="0"/>
+            </a:endParaRPr>
+          </a:p>
+          <a:p>
+            <a:pPr eaLnBrk="0" hangingPunct="0"/>
+            <a:r>
+              <a:rPr lang="be-BY" sz="1000" dirty="0">
+                <a:solidFill>
+                  <a:schemeClr val="bg1"/>
+                </a:solidFill>
+                <a:latin typeface="Courier New" pitchFamily="49" charset="0"/>
+                <a:ea typeface="Calibri" pitchFamily="34" charset="0"/>
+                <a:cs typeface="Courier New" pitchFamily="49" charset="0"/>
+              </a:rPr>
+              <a:t>            }</a:t>
+            </a:r>
+            <a:endParaRPr lang="be-BY" sz="900" dirty="0">
+              <a:solidFill>
+                <a:schemeClr val="bg1"/>
+              </a:solidFill>
+              <a:ea typeface="Calibri" pitchFamily="34" charset="0"/>
+              <a:cs typeface="Courier New" pitchFamily="49" charset="0"/>
+            </a:endParaRPr>
+          </a:p>
+          <a:p>
+            <a:pPr eaLnBrk="0" hangingPunct="0"/>
+            <a:r>
+              <a:rPr lang="be-BY" sz="1000" dirty="0">
+                <a:solidFill>
+                  <a:schemeClr val="bg1"/>
+                </a:solidFill>
+                <a:latin typeface="Courier New" pitchFamily="49" charset="0"/>
+                <a:ea typeface="Calibri" pitchFamily="34" charset="0"/>
+                <a:cs typeface="Courier New" pitchFamily="49" charset="0"/>
+              </a:rPr>
+              <a:t>            catch (FileNotFoundException e)</a:t>
+            </a:r>
+            <a:endParaRPr lang="be-BY" sz="900" dirty="0">
+              <a:solidFill>
+                <a:schemeClr val="bg1"/>
+              </a:solidFill>
+              <a:ea typeface="Calibri" pitchFamily="34" charset="0"/>
+              <a:cs typeface="Courier New" pitchFamily="49" charset="0"/>
+            </a:endParaRPr>
+          </a:p>
+          <a:p>
+            <a:pPr eaLnBrk="0" hangingPunct="0"/>
+            <a:r>
+              <a:rPr lang="be-BY" sz="1000" dirty="0">
+                <a:solidFill>
+                  <a:schemeClr val="bg1"/>
+                </a:solidFill>
+                <a:latin typeface="Courier New" pitchFamily="49" charset="0"/>
+                <a:ea typeface="Calibri" pitchFamily="34" charset="0"/>
+                <a:cs typeface="Courier New" pitchFamily="49" charset="0"/>
+              </a:rPr>
+              <a:t>            {</a:t>
+            </a:r>
+            <a:endParaRPr lang="be-BY" sz="900" dirty="0">
+              <a:solidFill>
+                <a:schemeClr val="bg1"/>
+              </a:solidFill>
+              <a:ea typeface="Calibri" pitchFamily="34" charset="0"/>
+              <a:cs typeface="Courier New" pitchFamily="49" charset="0"/>
+            </a:endParaRPr>
+          </a:p>
+          <a:p>
+            <a:pPr eaLnBrk="0" hangingPunct="0"/>
+            <a:r>
+              <a:rPr lang="be-BY" sz="1000" dirty="0">
+                <a:solidFill>
+                  <a:schemeClr val="bg1"/>
+                </a:solidFill>
+                <a:latin typeface="Courier New" pitchFamily="49" charset="0"/>
+                <a:ea typeface="Calibri" pitchFamily="34" charset="0"/>
+                <a:cs typeface="Courier New" pitchFamily="49" charset="0"/>
+              </a:rPr>
+              <a:t>                Console.WriteLine(e.Message);</a:t>
+            </a:r>
+            <a:endParaRPr lang="be-BY" sz="900" dirty="0">
+              <a:solidFill>
+                <a:schemeClr val="bg1"/>
+              </a:solidFill>
+              <a:ea typeface="Calibri" pitchFamily="34" charset="0"/>
+              <a:cs typeface="Courier New" pitchFamily="49" charset="0"/>
+            </a:endParaRPr>
+          </a:p>
+          <a:p>
+            <a:pPr eaLnBrk="0" hangingPunct="0"/>
+            <a:r>
+              <a:rPr lang="be-BY" sz="1000" dirty="0">
+                <a:solidFill>
+                  <a:schemeClr val="bg1"/>
+                </a:solidFill>
+                <a:latin typeface="Courier New" pitchFamily="49" charset="0"/>
+                <a:ea typeface="Calibri" pitchFamily="34" charset="0"/>
+                <a:cs typeface="Courier New" pitchFamily="49" charset="0"/>
+              </a:rPr>
+              <a:t>                return;</a:t>
+            </a:r>
+            <a:endParaRPr lang="be-BY" sz="900" dirty="0">
+              <a:solidFill>
+                <a:schemeClr val="bg1"/>
+              </a:solidFill>
+              <a:ea typeface="Calibri" pitchFamily="34" charset="0"/>
+              <a:cs typeface="Courier New" pitchFamily="49" charset="0"/>
+            </a:endParaRPr>
+          </a:p>
+          <a:p>
+            <a:pPr eaLnBrk="0" hangingPunct="0"/>
+            <a:r>
+              <a:rPr lang="be-BY" sz="1000" dirty="0">
+                <a:solidFill>
+                  <a:schemeClr val="bg1"/>
+                </a:solidFill>
+                <a:latin typeface="Courier New" pitchFamily="49" charset="0"/>
+                <a:ea typeface="Calibri" pitchFamily="34" charset="0"/>
+                <a:cs typeface="Courier New" pitchFamily="49" charset="0"/>
+              </a:rPr>
+              <a:t>            }</a:t>
+            </a:r>
+            <a:endParaRPr lang="be-BY" sz="900" dirty="0">
+              <a:solidFill>
+                <a:schemeClr val="bg1"/>
+              </a:solidFill>
+              <a:ea typeface="Calibri" pitchFamily="34" charset="0"/>
+              <a:cs typeface="Courier New" pitchFamily="49" charset="0"/>
+            </a:endParaRPr>
+          </a:p>
+          <a:p>
+            <a:pPr eaLnBrk="0" hangingPunct="0"/>
+            <a:r>
+              <a:rPr lang="be-BY" sz="1000" dirty="0">
+                <a:solidFill>
+                  <a:schemeClr val="bg1"/>
+                </a:solidFill>
+                <a:latin typeface="Courier New" pitchFamily="49" charset="0"/>
+                <a:ea typeface="Calibri" pitchFamily="34" charset="0"/>
+                <a:cs typeface="Courier New" pitchFamily="49" charset="0"/>
+              </a:rPr>
+              <a:t>            Type complex = asm.GetType("ComplexNumbers.Complex");</a:t>
+            </a:r>
+            <a:endParaRPr lang="be-BY" sz="900" dirty="0">
+              <a:solidFill>
+                <a:schemeClr val="bg1"/>
+              </a:solidFill>
+              <a:ea typeface="Calibri" pitchFamily="34" charset="0"/>
+              <a:cs typeface="Courier New" pitchFamily="49" charset="0"/>
+            </a:endParaRPr>
+          </a:p>
+          <a:p>
+            <a:pPr eaLnBrk="0" hangingPunct="0"/>
+            <a:r>
+              <a:rPr lang="be-BY" sz="1000" dirty="0">
+                <a:solidFill>
+                  <a:schemeClr val="bg1"/>
+                </a:solidFill>
+                <a:latin typeface="Courier New" pitchFamily="49" charset="0"/>
+                <a:ea typeface="Calibri" pitchFamily="34" charset="0"/>
+                <a:cs typeface="Courier New" pitchFamily="49" charset="0"/>
+              </a:rPr>
+              <a:t>            object obj = Activator.CreateInstance(complex, 10, 35);</a:t>
+            </a:r>
+            <a:endParaRPr lang="be-BY" sz="900" dirty="0">
+              <a:solidFill>
+                <a:schemeClr val="bg1"/>
+              </a:solidFill>
+              <a:ea typeface="Calibri" pitchFamily="34" charset="0"/>
+              <a:cs typeface="Courier New" pitchFamily="49" charset="0"/>
+            </a:endParaRPr>
+          </a:p>
+          <a:p>
+            <a:pPr eaLnBrk="0" hangingPunct="0"/>
+            <a:r>
+              <a:rPr lang="be-BY" sz="1000" dirty="0">
+                <a:solidFill>
+                  <a:schemeClr val="bg1"/>
+                </a:solidFill>
+                <a:latin typeface="Courier New" pitchFamily="49" charset="0"/>
+                <a:ea typeface="Calibri" pitchFamily="34" charset="0"/>
+                <a:cs typeface="Courier New" pitchFamily="49" charset="0"/>
+              </a:rPr>
+              <a:t>            MethodInfo mi = complex.GetMethod("Abs");   //Получаем информацию о методе Abs </a:t>
+            </a:r>
+            <a:endParaRPr lang="be-BY" sz="900" dirty="0">
+              <a:solidFill>
+                <a:schemeClr val="bg1"/>
+              </a:solidFill>
+              <a:ea typeface="Calibri" pitchFamily="34" charset="0"/>
+              <a:cs typeface="Courier New" pitchFamily="49" charset="0"/>
+            </a:endParaRPr>
+          </a:p>
+          <a:p>
+            <a:pPr eaLnBrk="0" hangingPunct="0"/>
+            <a:r>
+              <a:rPr lang="be-BY" sz="1000" dirty="0">
+                <a:solidFill>
+                  <a:schemeClr val="bg1"/>
+                </a:solidFill>
+                <a:latin typeface="Courier New" pitchFamily="49" charset="0"/>
+                <a:ea typeface="Calibri" pitchFamily="34" charset="0"/>
+                <a:cs typeface="Courier New" pitchFamily="49" charset="0"/>
+              </a:rPr>
+              <a:t>            Console.WriteLine(mi.Invoke(obj, null));    //Вызываем метод</a:t>
+            </a:r>
+            <a:endParaRPr lang="be-BY" sz="900" dirty="0">
+              <a:solidFill>
+                <a:schemeClr val="bg1"/>
+              </a:solidFill>
+              <a:ea typeface="Calibri" pitchFamily="34" charset="0"/>
+              <a:cs typeface="Courier New" pitchFamily="49" charset="0"/>
+            </a:endParaRPr>
+          </a:p>
+          <a:p>
+            <a:pPr eaLnBrk="0" hangingPunct="0"/>
+            <a:r>
+              <a:rPr lang="be-BY" sz="1000" dirty="0">
+                <a:solidFill>
+                  <a:schemeClr val="bg1"/>
+                </a:solidFill>
+                <a:latin typeface="Courier New" pitchFamily="49" charset="0"/>
+                <a:ea typeface="Calibri" pitchFamily="34" charset="0"/>
+                <a:cs typeface="Courier New" pitchFamily="49" charset="0"/>
+              </a:rPr>
+              <a:t>        }</a:t>
+            </a:r>
+            <a:endParaRPr lang="be-BY" sz="900" dirty="0">
+              <a:solidFill>
+                <a:schemeClr val="bg1"/>
+              </a:solidFill>
+              <a:ea typeface="Calibri" pitchFamily="34" charset="0"/>
+              <a:cs typeface="Courier New" pitchFamily="49" charset="0"/>
+            </a:endParaRPr>
+          </a:p>
+          <a:p>
+            <a:pPr eaLnBrk="0" hangingPunct="0"/>
+            <a:r>
+              <a:rPr lang="be-BY" sz="1000" dirty="0">
+                <a:solidFill>
+                  <a:schemeClr val="bg1"/>
+                </a:solidFill>
+                <a:latin typeface="Courier New" pitchFamily="49" charset="0"/>
+                <a:ea typeface="Calibri" pitchFamily="34" charset="0"/>
+                <a:cs typeface="Courier New" pitchFamily="49" charset="0"/>
+              </a:rPr>
+              <a:t>    }</a:t>
+            </a:r>
+            <a:endParaRPr lang="be-BY" dirty="0">
+              <a:solidFill>
+                <a:schemeClr val="bg1"/>
+              </a:solidFill>
+              <a:ea typeface="Calibri" pitchFamily="34" charset="0"/>
+              <a:cs typeface="Courier New" pitchFamily="49" charset="0"/>
+            </a:endParaRPr>
+          </a:p>
+        </p:txBody>
+      </p:sp>
+    </p:spTree>
+    <p:extLst>
+      <p:ext uri="{BB962C8B-B14F-4D97-AF65-F5344CB8AC3E}">
+        <p14:creationId xmlns:p14="http://schemas.microsoft.com/office/powerpoint/2010/main" val="2652139991"/>
+      </p:ext>
+    </p:extLst>
+  </p:cSld>
+  <p:clrMapOvr>
+    <a:masterClrMapping/>
+  </p:clrMapOvr>
+  <p:timing>
+    <p:tnLst>
+      <p:par>
+        <p:cTn id="1" dur="indefinite" restart="never" nodeType="tmRoot"/>
+      </p:par>
+    </p:tnLst>
+  </p:timing>
+</p:sld>
+</file>
+
+<file path=ppt/slides/slide41.xml><?xml version="1.0" encoding="utf-8"?>
+<p:sld xmlns:a="http://schemas.openxmlformats.org/drawingml/2006/main" xmlns:r="http://schemas.openxmlformats.org/officeDocument/2006/relationships" xmlns:p="http://schemas.openxmlformats.org/presentationml/2006/main">
+  <p:cSld>
+    <p:spTree>
+      <p:nvGrpSpPr>
+        <p:cNvPr id="1" name=""/>
+        <p:cNvGrpSpPr/>
+        <p:nvPr/>
+      </p:nvGrpSpPr>
+      <p:grpSpPr>
+        <a:xfrm>
+          <a:off x="0" y="0"/>
+          <a:ext cx="0" cy="0"/>
+          <a:chOff x="0" y="0"/>
+          <a:chExt cx="0" cy="0"/>
+        </a:xfrm>
+      </p:grpSpPr>
+      <p:sp>
+        <p:nvSpPr>
+          <p:cNvPr id="15362" name="Rectangle 3"/>
+          <p:cNvSpPr>
+            <a:spLocks noChangeArrowheads="1"/>
+          </p:cNvSpPr>
+          <p:nvPr/>
+        </p:nvSpPr>
+        <p:spPr bwMode="auto">
+          <a:xfrm>
+            <a:off x="152400" y="-4763"/>
+            <a:ext cx="8763000" cy="461963"/>
+          </a:xfrm>
+          <a:prstGeom prst="rect">
+            <a:avLst/>
+          </a:prstGeom>
+          <a:noFill/>
+          <a:ln>
+            <a:noFill/>
+          </a:ln>
+          <a:extLst>
+            <a:ext uri="{909E8E84-426E-40DD-AFC4-6F175D3DCCD1}">
+              <a14:hiddenFill xmlns:a14="http://schemas.microsoft.com/office/drawing/2010/main">
+                <a:solidFill>
+                  <a:srgbClr val="FFFFFF"/>
+                </a:solidFill>
+              </a14:hiddenFill>
+            </a:ext>
+            <a:ext uri="{91240B29-F687-4F45-9708-019B960494DF}">
+              <a14:hiddenLine xmlns:a14="http://schemas.microsoft.com/office/drawing/2010/main" w="9525">
+                <a:solidFill>
+                  <a:srgbClr val="000000"/>
+                </a:solidFill>
+                <a:miter lim="800000"/>
+                <a:headEnd/>
+                <a:tailEnd/>
+              </a14:hiddenLine>
+            </a:ext>
+          </a:extLst>
+        </p:spPr>
+        <p:txBody>
+          <a:bodyPr anchor="ctr">
+            <a:spAutoFit/>
+          </a:bodyPr>
+          <a:lstStyle/>
+          <a:p>
+            <a:pPr algn="ctr"/>
+            <a:r>
+              <a:rPr lang="ru-RU" sz="2400" b="1"/>
+              <a:t>Процессы и домены</a:t>
+            </a:r>
+            <a:r>
+              <a:rPr lang="en-US" sz="2400" b="1"/>
+              <a:t>.</a:t>
+            </a:r>
+          </a:p>
+        </p:txBody>
+      </p:sp>
+      <p:sp>
+        <p:nvSpPr>
+          <p:cNvPr id="15363" name="Rectangle 3"/>
+          <p:cNvSpPr>
+            <a:spLocks noChangeArrowheads="1"/>
+          </p:cNvSpPr>
+          <p:nvPr/>
+        </p:nvSpPr>
+        <p:spPr bwMode="auto">
+          <a:xfrm>
+            <a:off x="152400" y="457200"/>
+            <a:ext cx="8839200" cy="830263"/>
+          </a:xfrm>
+          <a:prstGeom prst="rect">
+            <a:avLst/>
+          </a:prstGeom>
+          <a:noFill/>
+          <a:ln>
+            <a:noFill/>
+          </a:ln>
+          <a:extLst>
+            <a:ext uri="{909E8E84-426E-40DD-AFC4-6F175D3DCCD1}">
+              <a14:hiddenFill xmlns:a14="http://schemas.microsoft.com/office/drawing/2010/main">
+                <a:solidFill>
+                  <a:srgbClr val="FFFFFF"/>
+                </a:solidFill>
+              </a14:hiddenFill>
+            </a:ext>
+            <a:ext uri="{91240B29-F687-4F45-9708-019B960494DF}">
+              <a14:hiddenLine xmlns:a14="http://schemas.microsoft.com/office/drawing/2010/main" w="9525">
+                <a:solidFill>
+                  <a:srgbClr val="000000"/>
+                </a:solidFill>
+                <a:miter lim="800000"/>
+                <a:headEnd/>
+                <a:tailEnd/>
+              </a14:hiddenLine>
+            </a:ext>
+          </a:extLst>
+        </p:spPr>
+        <p:txBody>
+          <a:bodyPr anchor="ctr">
+            <a:spAutoFit/>
+          </a:bodyPr>
+          <a:lstStyle/>
+          <a:p>
+            <a:endParaRPr lang="en-US" sz="1600"/>
+          </a:p>
+          <a:p>
+            <a:r>
+              <a:rPr lang="ru-RU" sz="1600"/>
+              <a:t>	Просмотр списка процессов</a:t>
+            </a:r>
+            <a:r>
+              <a:rPr lang="en-US" sz="1600"/>
+              <a:t>:</a:t>
+            </a:r>
+            <a:endParaRPr lang="ru-RU" sz="1600"/>
+          </a:p>
+          <a:p>
+            <a:r>
+              <a:rPr lang="ru-RU" sz="1600"/>
+              <a:t>	</a:t>
+            </a:r>
+          </a:p>
+        </p:txBody>
+      </p:sp>
+      <p:sp>
+        <p:nvSpPr>
+          <p:cNvPr id="39937" name="Rectangle 1"/>
+          <p:cNvSpPr>
+            <a:spLocks noChangeArrowheads="1"/>
+          </p:cNvSpPr>
+          <p:nvPr/>
+        </p:nvSpPr>
+        <p:spPr bwMode="auto">
+          <a:xfrm>
+            <a:off x="152400" y="1066800"/>
+            <a:ext cx="8839200" cy="1477963"/>
+          </a:xfrm>
+          <a:prstGeom prst="rect">
+            <a:avLst/>
+          </a:prstGeom>
+          <a:noFill/>
+          <a:ln w="9525">
+            <a:solidFill>
+              <a:schemeClr val="bg1">
+                <a:lumMod val="65000"/>
+              </a:schemeClr>
+            </a:solidFill>
+            <a:miter lim="800000"/>
+            <a:headEnd/>
+            <a:tailEnd/>
+          </a:ln>
+          <a:effectLst/>
+        </p:spPr>
+        <p:txBody>
+          <a:bodyPr anchor="ctr">
+            <a:spAutoFit/>
+          </a:bodyPr>
+          <a:lstStyle/>
+          <a:p>
+            <a:pPr eaLnBrk="0" hangingPunct="0">
+              <a:defRPr/>
+            </a:pPr>
+            <a:r>
+              <a:rPr lang="be-BY" sz="1000" dirty="0">
+                <a:solidFill>
+                  <a:schemeClr val="bg1"/>
+                </a:solidFill>
+                <a:latin typeface="Courier New" pitchFamily="49" charset="0"/>
+                <a:ea typeface="Calibri" pitchFamily="34" charset="0"/>
+                <a:cs typeface="Courier New" pitchFamily="49" charset="0"/>
+              </a:rPr>
+              <a:t>            Process current = Process.GetCurrentProcess();</a:t>
+            </a:r>
+            <a:endParaRPr lang="be-BY" sz="900" dirty="0">
+              <a:solidFill>
+                <a:schemeClr val="bg1"/>
+              </a:solidFill>
+              <a:latin typeface="Arial" pitchFamily="34" charset="0"/>
+            </a:endParaRPr>
+          </a:p>
+          <a:p>
+            <a:pPr eaLnBrk="0" hangingPunct="0">
+              <a:defRPr/>
+            </a:pPr>
+            <a:r>
+              <a:rPr lang="be-BY" sz="1000" dirty="0">
+                <a:solidFill>
+                  <a:schemeClr val="bg1"/>
+                </a:solidFill>
+                <a:latin typeface="Courier New" pitchFamily="49" charset="0"/>
+                <a:ea typeface="Calibri" pitchFamily="34" charset="0"/>
+                <a:cs typeface="Courier New" pitchFamily="49" charset="0"/>
+              </a:rPr>
+              <a:t>            foreach (Process p in Process.GetProcesses())</a:t>
+            </a:r>
+            <a:endParaRPr lang="be-BY" sz="900" dirty="0">
+              <a:solidFill>
+                <a:schemeClr val="bg1"/>
+              </a:solidFill>
+              <a:latin typeface="Arial" pitchFamily="34" charset="0"/>
+            </a:endParaRPr>
+          </a:p>
+          <a:p>
+            <a:pPr eaLnBrk="0" hangingPunct="0">
+              <a:defRPr/>
+            </a:pPr>
+            <a:r>
+              <a:rPr lang="be-BY" sz="1000" dirty="0">
+                <a:solidFill>
+                  <a:schemeClr val="bg1"/>
+                </a:solidFill>
+                <a:latin typeface="Courier New" pitchFamily="49" charset="0"/>
+                <a:ea typeface="Calibri" pitchFamily="34" charset="0"/>
+                <a:cs typeface="Courier New" pitchFamily="49" charset="0"/>
+              </a:rPr>
+              <a:t>            {</a:t>
+            </a:r>
+            <a:endParaRPr lang="be-BY" sz="900" dirty="0">
+              <a:solidFill>
+                <a:schemeClr val="bg1"/>
+              </a:solidFill>
+              <a:latin typeface="Arial" pitchFamily="34" charset="0"/>
+            </a:endParaRPr>
+          </a:p>
+          <a:p>
+            <a:pPr eaLnBrk="0" hangingPunct="0">
+              <a:defRPr/>
+            </a:pPr>
+            <a:r>
+              <a:rPr lang="be-BY" sz="1000" dirty="0">
+                <a:solidFill>
+                  <a:schemeClr val="bg1"/>
+                </a:solidFill>
+                <a:latin typeface="Courier New" pitchFamily="49" charset="0"/>
+                <a:ea typeface="Calibri" pitchFamily="34" charset="0"/>
+                <a:cs typeface="Courier New" pitchFamily="49" charset="0"/>
+              </a:rPr>
+              <a:t>                try</a:t>
+            </a:r>
+            <a:endParaRPr lang="be-BY" sz="900" dirty="0">
+              <a:solidFill>
+                <a:schemeClr val="bg1"/>
+              </a:solidFill>
+              <a:latin typeface="Arial" pitchFamily="34" charset="0"/>
+            </a:endParaRPr>
+          </a:p>
+          <a:p>
+            <a:pPr eaLnBrk="0" hangingPunct="0">
+              <a:defRPr/>
+            </a:pPr>
+            <a:r>
+              <a:rPr lang="be-BY" sz="1000" dirty="0">
+                <a:solidFill>
+                  <a:schemeClr val="bg1"/>
+                </a:solidFill>
+                <a:latin typeface="Courier New" pitchFamily="49" charset="0"/>
+                <a:ea typeface="Calibri" pitchFamily="34" charset="0"/>
+                <a:cs typeface="Courier New" pitchFamily="49" charset="0"/>
+              </a:rPr>
+              <a:t>                {</a:t>
+            </a:r>
+            <a:endParaRPr lang="be-BY" sz="900" dirty="0">
+              <a:solidFill>
+                <a:schemeClr val="bg1"/>
+              </a:solidFill>
+              <a:latin typeface="Arial" pitchFamily="34" charset="0"/>
+            </a:endParaRPr>
+          </a:p>
+          <a:p>
+            <a:pPr eaLnBrk="0" hangingPunct="0">
+              <a:defRPr/>
+            </a:pPr>
+            <a:r>
+              <a:rPr lang="be-BY" sz="1000" dirty="0">
+                <a:solidFill>
+                  <a:schemeClr val="bg1"/>
+                </a:solidFill>
+                <a:latin typeface="Courier New" pitchFamily="49" charset="0"/>
+                <a:ea typeface="Calibri" pitchFamily="34" charset="0"/>
+                <a:cs typeface="Courier New" pitchFamily="49" charset="0"/>
+              </a:rPr>
+              <a:t>                    Console.WriteLine("{0}\t{1}\t\t{2}", p.Id, p.ProcessName, p.StartTime);</a:t>
+            </a:r>
+            <a:endParaRPr lang="be-BY" sz="900" dirty="0">
+              <a:solidFill>
+                <a:schemeClr val="bg1"/>
+              </a:solidFill>
+              <a:latin typeface="Arial" pitchFamily="34" charset="0"/>
+            </a:endParaRPr>
+          </a:p>
+          <a:p>
+            <a:pPr eaLnBrk="0" hangingPunct="0">
+              <a:defRPr/>
+            </a:pPr>
+            <a:r>
+              <a:rPr lang="be-BY" sz="1000" dirty="0">
+                <a:solidFill>
+                  <a:schemeClr val="bg1"/>
+                </a:solidFill>
+                <a:latin typeface="Courier New" pitchFamily="49" charset="0"/>
+                <a:ea typeface="Calibri" pitchFamily="34" charset="0"/>
+                <a:cs typeface="Courier New" pitchFamily="49" charset="0"/>
+              </a:rPr>
+              <a:t>                }</a:t>
+            </a:r>
+            <a:endParaRPr lang="be-BY" sz="900" dirty="0">
+              <a:solidFill>
+                <a:schemeClr val="bg1"/>
+              </a:solidFill>
+              <a:latin typeface="Arial" pitchFamily="34" charset="0"/>
+            </a:endParaRPr>
+          </a:p>
+          <a:p>
+            <a:pPr eaLnBrk="0" hangingPunct="0">
+              <a:defRPr/>
+            </a:pPr>
+            <a:r>
+              <a:rPr lang="be-BY" sz="1000" dirty="0">
+                <a:solidFill>
+                  <a:schemeClr val="bg1"/>
+                </a:solidFill>
+                <a:latin typeface="Courier New" pitchFamily="49" charset="0"/>
+                <a:ea typeface="Calibri" pitchFamily="34" charset="0"/>
+                <a:cs typeface="Courier New" pitchFamily="49" charset="0"/>
+              </a:rPr>
+              <a:t>                catch { }</a:t>
+            </a:r>
+            <a:endParaRPr lang="be-BY" sz="900" dirty="0">
+              <a:solidFill>
+                <a:schemeClr val="bg1"/>
+              </a:solidFill>
+              <a:latin typeface="Arial" pitchFamily="34" charset="0"/>
+            </a:endParaRPr>
+          </a:p>
+          <a:p>
+            <a:pPr eaLnBrk="0" hangingPunct="0">
+              <a:defRPr/>
+            </a:pPr>
+            <a:r>
+              <a:rPr lang="be-BY" sz="1000" dirty="0">
+                <a:solidFill>
+                  <a:schemeClr val="bg1"/>
+                </a:solidFill>
+                <a:latin typeface="Courier New" pitchFamily="49" charset="0"/>
+                <a:ea typeface="Calibri" pitchFamily="34" charset="0"/>
+                <a:cs typeface="Courier New" pitchFamily="49" charset="0"/>
+              </a:rPr>
+              <a:t>            }</a:t>
+            </a:r>
+            <a:endParaRPr lang="be-BY" dirty="0">
+              <a:solidFill>
+                <a:schemeClr val="bg1"/>
+              </a:solidFill>
+              <a:latin typeface="Arial" pitchFamily="34" charset="0"/>
+            </a:endParaRPr>
+          </a:p>
+        </p:txBody>
+      </p:sp>
+      <p:sp>
+        <p:nvSpPr>
+          <p:cNvPr id="39939" name="Rectangle 3"/>
+          <p:cNvSpPr>
+            <a:spLocks noChangeArrowheads="1"/>
+          </p:cNvSpPr>
+          <p:nvPr/>
+        </p:nvSpPr>
+        <p:spPr bwMode="auto">
+          <a:xfrm>
+            <a:off x="152400" y="3059113"/>
+            <a:ext cx="8839200" cy="554037"/>
+          </a:xfrm>
+          <a:prstGeom prst="rect">
+            <a:avLst/>
+          </a:prstGeom>
+          <a:noFill/>
+          <a:ln w="9525">
+            <a:solidFill>
+              <a:schemeClr val="bg1">
+                <a:lumMod val="65000"/>
+              </a:schemeClr>
+            </a:solidFill>
+            <a:miter lim="800000"/>
+            <a:headEnd/>
+            <a:tailEnd/>
+          </a:ln>
+          <a:effectLst/>
+        </p:spPr>
+        <p:txBody>
+          <a:bodyPr anchor="ctr">
+            <a:spAutoFit/>
+          </a:bodyPr>
+          <a:lstStyle/>
+          <a:p>
+            <a:pPr eaLnBrk="0" hangingPunct="0">
+              <a:defRPr/>
+            </a:pPr>
+            <a:r>
+              <a:rPr lang="be-BY" sz="1000" dirty="0">
+                <a:solidFill>
+                  <a:schemeClr val="bg1"/>
+                </a:solidFill>
+                <a:latin typeface="Courier New" pitchFamily="49" charset="0"/>
+                <a:ea typeface="Calibri" pitchFamily="34" charset="0"/>
+                <a:cs typeface="Courier New" pitchFamily="49" charset="0"/>
+              </a:rPr>
+              <a:t>            Process p = Process.Start("notepad.exe");</a:t>
+            </a:r>
+            <a:endParaRPr lang="be-BY" sz="900" dirty="0">
+              <a:solidFill>
+                <a:schemeClr val="bg1"/>
+              </a:solidFill>
+              <a:latin typeface="Arial" pitchFamily="34" charset="0"/>
+            </a:endParaRPr>
+          </a:p>
+          <a:p>
+            <a:pPr eaLnBrk="0" hangingPunct="0">
+              <a:defRPr/>
+            </a:pPr>
+            <a:r>
+              <a:rPr lang="be-BY" sz="1000" dirty="0">
+                <a:solidFill>
+                  <a:schemeClr val="bg1"/>
+                </a:solidFill>
+                <a:latin typeface="Courier New" pitchFamily="49" charset="0"/>
+                <a:ea typeface="Calibri" pitchFamily="34" charset="0"/>
+                <a:cs typeface="Courier New" pitchFamily="49" charset="0"/>
+              </a:rPr>
+              <a:t>            Thread.Sleep(5000);</a:t>
+            </a:r>
+            <a:endParaRPr lang="be-BY" sz="900" dirty="0">
+              <a:solidFill>
+                <a:schemeClr val="bg1"/>
+              </a:solidFill>
+              <a:latin typeface="Arial" pitchFamily="34" charset="0"/>
+            </a:endParaRPr>
+          </a:p>
+          <a:p>
+            <a:pPr eaLnBrk="0" hangingPunct="0">
+              <a:defRPr/>
+            </a:pPr>
+            <a:r>
+              <a:rPr lang="be-BY" sz="1000" dirty="0">
+                <a:solidFill>
+                  <a:schemeClr val="bg1"/>
+                </a:solidFill>
+                <a:latin typeface="Courier New" pitchFamily="49" charset="0"/>
+                <a:ea typeface="Calibri" pitchFamily="34" charset="0"/>
+                <a:cs typeface="Courier New" pitchFamily="49" charset="0"/>
+              </a:rPr>
+              <a:t>            p.Kill();</a:t>
+            </a:r>
+            <a:endParaRPr lang="be-BY" dirty="0">
+              <a:solidFill>
+                <a:schemeClr val="bg1"/>
+              </a:solidFill>
+              <a:latin typeface="Arial" pitchFamily="34" charset="0"/>
+            </a:endParaRPr>
+          </a:p>
+        </p:txBody>
+      </p:sp>
+      <p:sp>
+        <p:nvSpPr>
+          <p:cNvPr id="39940" name="Rectangle 4"/>
+          <p:cNvSpPr>
+            <a:spLocks noChangeArrowheads="1"/>
+          </p:cNvSpPr>
+          <p:nvPr/>
+        </p:nvSpPr>
+        <p:spPr bwMode="auto">
+          <a:xfrm>
+            <a:off x="152400" y="4191000"/>
+            <a:ext cx="8839200" cy="554038"/>
+          </a:xfrm>
+          <a:prstGeom prst="rect">
+            <a:avLst/>
+          </a:prstGeom>
+          <a:noFill/>
+          <a:ln w="9525">
+            <a:solidFill>
+              <a:schemeClr val="bg1">
+                <a:lumMod val="65000"/>
+              </a:schemeClr>
+            </a:solidFill>
+            <a:miter lim="800000"/>
+            <a:headEnd/>
+            <a:tailEnd/>
+          </a:ln>
+          <a:effectLst/>
+        </p:spPr>
+        <p:txBody>
+          <a:bodyPr anchor="ctr">
+            <a:spAutoFit/>
+          </a:bodyPr>
+          <a:lstStyle/>
+          <a:p>
+            <a:pPr eaLnBrk="0" hangingPunct="0"/>
+            <a:r>
+              <a:rPr lang="be-BY" sz="1000" dirty="0">
+                <a:solidFill>
+                  <a:schemeClr val="bg1"/>
+                </a:solidFill>
+                <a:latin typeface="Courier New" pitchFamily="49" charset="0"/>
+                <a:ea typeface="Calibri" pitchFamily="34" charset="0"/>
+                <a:cs typeface="Courier New" pitchFamily="49" charset="0"/>
+              </a:rPr>
+              <a:t>            AppDomain newDomain = AppDomain.CreateDomain("nd");	//Создаем новый домен</a:t>
+            </a:r>
+            <a:endParaRPr lang="be-BY" sz="900" dirty="0">
+              <a:solidFill>
+                <a:schemeClr val="bg1"/>
+              </a:solidFill>
+              <a:ea typeface="Calibri" pitchFamily="34" charset="0"/>
+              <a:cs typeface="Courier New" pitchFamily="49" charset="0"/>
+            </a:endParaRPr>
+          </a:p>
+          <a:p>
+            <a:pPr eaLnBrk="0" hangingPunct="0"/>
+            <a:r>
+              <a:rPr lang="be-BY" sz="1000" dirty="0">
+                <a:solidFill>
+                  <a:schemeClr val="bg1"/>
+                </a:solidFill>
+                <a:latin typeface="Courier New" pitchFamily="49" charset="0"/>
+                <a:ea typeface="Calibri" pitchFamily="34" charset="0"/>
+                <a:cs typeface="Courier New" pitchFamily="49" charset="0"/>
+              </a:rPr>
+              <a:t>            newDomain.Load("assemblyName");			//Загружаем в него сборку</a:t>
+            </a:r>
+            <a:endParaRPr lang="be-BY" sz="900" dirty="0">
+              <a:solidFill>
+                <a:schemeClr val="bg1"/>
+              </a:solidFill>
+              <a:ea typeface="Calibri" pitchFamily="34" charset="0"/>
+              <a:cs typeface="Courier New" pitchFamily="49" charset="0"/>
+            </a:endParaRPr>
+          </a:p>
+          <a:p>
+            <a:pPr eaLnBrk="0" hangingPunct="0"/>
+            <a:r>
+              <a:rPr lang="be-BY" sz="1000" dirty="0">
+                <a:solidFill>
+                  <a:schemeClr val="bg1"/>
+                </a:solidFill>
+                <a:latin typeface="Courier New" pitchFamily="49" charset="0"/>
+                <a:ea typeface="Calibri" pitchFamily="34" charset="0"/>
+                <a:cs typeface="Courier New" pitchFamily="49" charset="0"/>
+              </a:rPr>
+              <a:t>            AppDomain.Unload(newDomain);			//Выгружаем домен</a:t>
+            </a:r>
+            <a:endParaRPr lang="be-BY" dirty="0">
+              <a:solidFill>
+                <a:schemeClr val="bg1"/>
+              </a:solidFill>
+              <a:ea typeface="Calibri" pitchFamily="34" charset="0"/>
+              <a:cs typeface="Courier New" pitchFamily="49" charset="0"/>
+            </a:endParaRPr>
+          </a:p>
+        </p:txBody>
+      </p:sp>
+      <p:sp>
+        <p:nvSpPr>
+          <p:cNvPr id="15367" name="Rectangle 3"/>
+          <p:cNvSpPr>
+            <a:spLocks noChangeArrowheads="1"/>
+          </p:cNvSpPr>
+          <p:nvPr/>
+        </p:nvSpPr>
+        <p:spPr bwMode="auto">
+          <a:xfrm>
+            <a:off x="152400" y="2743200"/>
+            <a:ext cx="8839200" cy="339725"/>
+          </a:xfrm>
+          <a:prstGeom prst="rect">
+            <a:avLst/>
+          </a:prstGeom>
+          <a:noFill/>
+          <a:ln>
+            <a:noFill/>
+          </a:ln>
+          <a:extLst>
+            <a:ext uri="{909E8E84-426E-40DD-AFC4-6F175D3DCCD1}">
+              <a14:hiddenFill xmlns:a14="http://schemas.microsoft.com/office/drawing/2010/main">
+                <a:solidFill>
+                  <a:srgbClr val="FFFFFF"/>
+                </a:solidFill>
+              </a14:hiddenFill>
+            </a:ext>
+            <a:ext uri="{91240B29-F687-4F45-9708-019B960494DF}">
+              <a14:hiddenLine xmlns:a14="http://schemas.microsoft.com/office/drawing/2010/main" w="9525">
+                <a:solidFill>
+                  <a:srgbClr val="000000"/>
+                </a:solidFill>
+                <a:miter lim="800000"/>
+                <a:headEnd/>
+                <a:tailEnd/>
+              </a14:hiddenLine>
+            </a:ext>
+          </a:extLst>
+        </p:spPr>
+        <p:txBody>
+          <a:bodyPr anchor="ctr">
+            <a:spAutoFit/>
+          </a:bodyPr>
+          <a:lstStyle/>
+          <a:p>
+            <a:r>
+              <a:rPr lang="ru-RU" sz="1600"/>
+              <a:t>	Создание нового процесса</a:t>
+            </a:r>
+            <a:r>
+              <a:rPr lang="en-US" sz="1600"/>
+              <a:t>:</a:t>
+            </a:r>
+            <a:endParaRPr lang="ru-RU" sz="1600"/>
+          </a:p>
+        </p:txBody>
+      </p:sp>
+      <p:sp>
+        <p:nvSpPr>
+          <p:cNvPr id="15368" name="Rectangle 3"/>
+          <p:cNvSpPr>
+            <a:spLocks noChangeArrowheads="1"/>
+          </p:cNvSpPr>
+          <p:nvPr/>
+        </p:nvSpPr>
+        <p:spPr bwMode="auto">
+          <a:xfrm>
+            <a:off x="152400" y="3886200"/>
+            <a:ext cx="8839200" cy="338138"/>
+          </a:xfrm>
+          <a:prstGeom prst="rect">
+            <a:avLst/>
+          </a:prstGeom>
+          <a:noFill/>
+          <a:ln>
+            <a:noFill/>
+          </a:ln>
+          <a:extLst>
+            <a:ext uri="{909E8E84-426E-40DD-AFC4-6F175D3DCCD1}">
+              <a14:hiddenFill xmlns:a14="http://schemas.microsoft.com/office/drawing/2010/main">
+                <a:solidFill>
+                  <a:srgbClr val="FFFFFF"/>
+                </a:solidFill>
+              </a14:hiddenFill>
+            </a:ext>
+            <a:ext uri="{91240B29-F687-4F45-9708-019B960494DF}">
+              <a14:hiddenLine xmlns:a14="http://schemas.microsoft.com/office/drawing/2010/main" w="9525">
+                <a:solidFill>
+                  <a:srgbClr val="000000"/>
+                </a:solidFill>
+                <a:miter lim="800000"/>
+                <a:headEnd/>
+                <a:tailEnd/>
+              </a14:hiddenLine>
+            </a:ext>
+          </a:extLst>
+        </p:spPr>
+        <p:txBody>
+          <a:bodyPr anchor="ctr">
+            <a:spAutoFit/>
+          </a:bodyPr>
+          <a:lstStyle/>
+          <a:p>
+            <a:r>
+              <a:rPr lang="ru-RU" sz="1600"/>
+              <a:t>	Создание домена в рамках  текущего процесса</a:t>
+            </a:r>
+            <a:r>
+              <a:rPr lang="en-US" sz="1600"/>
+              <a:t>:</a:t>
+            </a:r>
+            <a:endParaRPr lang="ru-RU" sz="1600"/>
+          </a:p>
+        </p:txBody>
+      </p:sp>
+    </p:spTree>
+    <p:extLst>
+      <p:ext uri="{BB962C8B-B14F-4D97-AF65-F5344CB8AC3E}">
+        <p14:creationId xmlns:p14="http://schemas.microsoft.com/office/powerpoint/2010/main" val="3777989149"/>
       </p:ext>
     </p:extLst>
   </p:cSld>

--- a/Presentation/lesson-07-reflection.pptx
+++ b/Presentation/lesson-07-reflection.pptx
@@ -6,7 +6,7 @@
     <p:sldMasterId id="2147483663" r:id="rId2"/>
   </p:sldMasterIdLst>
   <p:notesMasterIdLst>
-    <p:notesMasterId r:id="rId44"/>
+    <p:notesMasterId r:id="rId45"/>
   </p:notesMasterIdLst>
   <p:sldIdLst>
     <p:sldId id="257" r:id="rId3"/>
@@ -26,30 +26,31 @@
     <p:sldId id="275" r:id="rId17"/>
     <p:sldId id="307" r:id="rId18"/>
     <p:sldId id="308" r:id="rId19"/>
-    <p:sldId id="273" r:id="rId20"/>
-    <p:sldId id="274" r:id="rId21"/>
-    <p:sldId id="276" r:id="rId22"/>
-    <p:sldId id="277" r:id="rId23"/>
-    <p:sldId id="280" r:id="rId24"/>
-    <p:sldId id="278" r:id="rId25"/>
-    <p:sldId id="279" r:id="rId26"/>
-    <p:sldId id="290" r:id="rId27"/>
-    <p:sldId id="281" r:id="rId28"/>
-    <p:sldId id="282" r:id="rId29"/>
-    <p:sldId id="292" r:id="rId30"/>
-    <p:sldId id="284" r:id="rId31"/>
-    <p:sldId id="262" r:id="rId32"/>
-    <p:sldId id="261" r:id="rId33"/>
-    <p:sldId id="300" r:id="rId34"/>
-    <p:sldId id="306" r:id="rId35"/>
-    <p:sldId id="310" r:id="rId36"/>
-    <p:sldId id="312" r:id="rId37"/>
-    <p:sldId id="311" r:id="rId38"/>
-    <p:sldId id="299" r:id="rId39"/>
-    <p:sldId id="263" r:id="rId40"/>
-    <p:sldId id="264" r:id="rId41"/>
-    <p:sldId id="265" r:id="rId42"/>
-    <p:sldId id="271" r:id="rId43"/>
+    <p:sldId id="313" r:id="rId20"/>
+    <p:sldId id="273" r:id="rId21"/>
+    <p:sldId id="274" r:id="rId22"/>
+    <p:sldId id="276" r:id="rId23"/>
+    <p:sldId id="277" r:id="rId24"/>
+    <p:sldId id="280" r:id="rId25"/>
+    <p:sldId id="278" r:id="rId26"/>
+    <p:sldId id="279" r:id="rId27"/>
+    <p:sldId id="290" r:id="rId28"/>
+    <p:sldId id="281" r:id="rId29"/>
+    <p:sldId id="282" r:id="rId30"/>
+    <p:sldId id="292" r:id="rId31"/>
+    <p:sldId id="284" r:id="rId32"/>
+    <p:sldId id="262" r:id="rId33"/>
+    <p:sldId id="261" r:id="rId34"/>
+    <p:sldId id="300" r:id="rId35"/>
+    <p:sldId id="306" r:id="rId36"/>
+    <p:sldId id="310" r:id="rId37"/>
+    <p:sldId id="312" r:id="rId38"/>
+    <p:sldId id="311" r:id="rId39"/>
+    <p:sldId id="299" r:id="rId40"/>
+    <p:sldId id="263" r:id="rId41"/>
+    <p:sldId id="264" r:id="rId42"/>
+    <p:sldId id="265" r:id="rId43"/>
+    <p:sldId id="271" r:id="rId44"/>
   </p:sldIdLst>
   <p:sldSz cx="9144000" cy="6858000" type="screen4x3"/>
   <p:notesSz cx="6858000" cy="9144000"/>
@@ -234,7 +235,7 @@
             <a:fld id="{B24A7054-7FFB-49F4-A126-5DF6E687FF53}" type="datetimeFigureOut">
               <a:rPr lang="ru-RU" smtClean="0"/>
               <a:pPr/>
-              <a:t>16.08.2014</a:t>
+              <a:t>04.09.2014</a:t>
             </a:fld>
             <a:endParaRPr lang="ru-RU"/>
           </a:p>
@@ -1518,7 +1519,7 @@
             <a:fld id="{8E6E6A2A-E9D3-4A0D-B04A-ABDD367A1E08}" type="datetimeFigureOut">
               <a:rPr lang="ru-RU" smtClean="0"/>
               <a:pPr/>
-              <a:t>16.08.2014</a:t>
+              <a:t>04.09.2014</a:t>
             </a:fld>
             <a:endParaRPr lang="ru-RU"/>
           </a:p>
@@ -1762,7 +1763,7 @@
             <a:fld id="{8E6E6A2A-E9D3-4A0D-B04A-ABDD367A1E08}" type="datetimeFigureOut">
               <a:rPr lang="ru-RU" smtClean="0"/>
               <a:pPr/>
-              <a:t>16.08.2014</a:t>
+              <a:t>04.09.2014</a:t>
             </a:fld>
             <a:endParaRPr lang="ru-RU"/>
           </a:p>
@@ -1934,7 +1935,7 @@
             <a:fld id="{8E6E6A2A-E9D3-4A0D-B04A-ABDD367A1E08}" type="datetimeFigureOut">
               <a:rPr lang="ru-RU" smtClean="0"/>
               <a:pPr/>
-              <a:t>16.08.2014</a:t>
+              <a:t>04.09.2014</a:t>
             </a:fld>
             <a:endParaRPr lang="ru-RU"/>
           </a:p>
@@ -2182,7 +2183,7 @@
             <a:fld id="{8E6E6A2A-E9D3-4A0D-B04A-ABDD367A1E08}" type="datetimeFigureOut">
               <a:rPr lang="ru-RU" smtClean="0"/>
               <a:pPr/>
-              <a:t>16.08.2014</a:t>
+              <a:t>04.09.2014</a:t>
             </a:fld>
             <a:endParaRPr lang="ru-RU"/>
           </a:p>
@@ -2472,7 +2473,7 @@
             <a:fld id="{8E6E6A2A-E9D3-4A0D-B04A-ABDD367A1E08}" type="datetimeFigureOut">
               <a:rPr lang="ru-RU" smtClean="0"/>
               <a:pPr/>
-              <a:t>16.08.2014</a:t>
+              <a:t>04.09.2014</a:t>
             </a:fld>
             <a:endParaRPr lang="ru-RU"/>
           </a:p>
@@ -2896,7 +2897,7 @@
             <a:fld id="{8E6E6A2A-E9D3-4A0D-B04A-ABDD367A1E08}" type="datetimeFigureOut">
               <a:rPr lang="ru-RU" smtClean="0"/>
               <a:pPr/>
-              <a:t>16.08.2014</a:t>
+              <a:t>04.09.2014</a:t>
             </a:fld>
             <a:endParaRPr lang="ru-RU"/>
           </a:p>
@@ -3225,7 +3226,7 @@
             <a:fld id="{8E6E6A2A-E9D3-4A0D-B04A-ABDD367A1E08}" type="datetimeFigureOut">
               <a:rPr lang="ru-RU" smtClean="0"/>
               <a:pPr/>
-              <a:t>16.08.2014</a:t>
+              <a:t>04.09.2014</a:t>
             </a:fld>
             <a:endParaRPr lang="ru-RU"/>
           </a:p>
@@ -3322,7 +3323,7 @@
             <a:fld id="{8E6E6A2A-E9D3-4A0D-B04A-ABDD367A1E08}" type="datetimeFigureOut">
               <a:rPr lang="ru-RU" smtClean="0"/>
               <a:pPr/>
-              <a:t>16.08.2014</a:t>
+              <a:t>04.09.2014</a:t>
             </a:fld>
             <a:endParaRPr lang="ru-RU"/>
           </a:p>
@@ -3601,7 +3602,7 @@
             <a:fld id="{8E6E6A2A-E9D3-4A0D-B04A-ABDD367A1E08}" type="datetimeFigureOut">
               <a:rPr lang="ru-RU" smtClean="0"/>
               <a:pPr/>
-              <a:t>16.08.2014</a:t>
+              <a:t>04.09.2014</a:t>
             </a:fld>
             <a:endParaRPr lang="ru-RU"/>
           </a:p>
@@ -3856,7 +3857,7 @@
             <a:fld id="{8E6E6A2A-E9D3-4A0D-B04A-ABDD367A1E08}" type="datetimeFigureOut">
               <a:rPr lang="ru-RU" smtClean="0"/>
               <a:pPr/>
-              <a:t>16.08.2014</a:t>
+              <a:t>04.09.2014</a:t>
             </a:fld>
             <a:endParaRPr lang="ru-RU"/>
           </a:p>
@@ -4028,7 +4029,7 @@
             <a:fld id="{8E6E6A2A-E9D3-4A0D-B04A-ABDD367A1E08}" type="datetimeFigureOut">
               <a:rPr lang="ru-RU" smtClean="0"/>
               <a:pPr/>
-              <a:t>16.08.2014</a:t>
+              <a:t>04.09.2014</a:t>
             </a:fld>
             <a:endParaRPr lang="ru-RU"/>
           </a:p>
@@ -4210,7 +4211,7 @@
             <a:fld id="{8E6E6A2A-E9D3-4A0D-B04A-ABDD367A1E08}" type="datetimeFigureOut">
               <a:rPr lang="ru-RU" smtClean="0"/>
               <a:pPr/>
-              <a:t>16.08.2014</a:t>
+              <a:t>04.09.2014</a:t>
             </a:fld>
             <a:endParaRPr lang="ru-RU"/>
           </a:p>
@@ -5448,7 +5449,7 @@
             <a:fld id="{AC3D3127-B7C4-45E3-9797-C527EC9FDD78}" type="datetimeFigureOut">
               <a:rPr lang="ru-RU" smtClean="0"/>
               <a:pPr/>
-              <a:t>16.08.2014</a:t>
+              <a:t>04.09.2014</a:t>
             </a:fld>
             <a:endParaRPr lang="ru-RU"/>
           </a:p>
@@ -5970,7 +5971,7 @@
             <a:fld id="{8E6E6A2A-E9D3-4A0D-B04A-ABDD367A1E08}" type="datetimeFigureOut">
               <a:rPr lang="ru-RU" smtClean="0"/>
               <a:pPr/>
-              <a:t>16.08.2014</a:t>
+              <a:t>04.09.2014</a:t>
             </a:fld>
             <a:endParaRPr lang="ru-RU"/>
           </a:p>
@@ -7688,7 +7689,7 @@
         </p:spPr>
         <p:txBody>
           <a:bodyPr numCol="1">
-            <a:normAutofit fontScale="92500" lnSpcReduction="20000"/>
+            <a:normAutofit fontScale="85000" lnSpcReduction="10000"/>
           </a:bodyPr>
           <a:lstStyle/>
           <a:p>
@@ -7698,7 +7699,30 @@
                   <a:schemeClr val="bg1"/>
                 </a:solidFill>
               </a:rPr>
-              <a:t>Возможность статического анализа уже откомпилированного кода. </a:t>
+              <a:t>Кроссплатформенность</a:t>
+            </a:r>
+            <a:endParaRPr lang="en-US" sz="2400" dirty="0" smtClean="0">
+              <a:solidFill>
+                <a:schemeClr val="bg1"/>
+              </a:solidFill>
+            </a:endParaRPr>
+          </a:p>
+          <a:p>
+            <a:r>
+              <a:rPr lang="ru-RU" sz="2400" dirty="0" smtClean="0">
+                <a:solidFill>
+                  <a:schemeClr val="bg1"/>
+                </a:solidFill>
+              </a:rPr>
+              <a:t>Возможность </a:t>
+            </a:r>
+            <a:r>
+              <a:rPr lang="ru-RU" sz="2400" dirty="0" smtClean="0">
+                <a:solidFill>
+                  <a:schemeClr val="bg1"/>
+                </a:solidFill>
+              </a:rPr>
+              <a:t>статического анализа уже откомпилированного кода. </a:t>
             </a:r>
             <a:r>
               <a:rPr lang="en-US" sz="2400" dirty="0" smtClean="0">
@@ -8754,6 +8778,13 @@
   <p:clrMapOvr>
     <a:masterClrMapping/>
   </p:clrMapOvr>
+  <p:timing>
+    <p:tnLst>
+      <p:par>
+        <p:cTn id="1" dur="indefinite" restart="never" nodeType="tmRoot"/>
+      </p:par>
+    </p:tnLst>
+  </p:timing>
 </p:sld>
 </file>
 
@@ -8790,8 +8821,20 @@
           <a:lstStyle/>
           <a:p>
             <a:r>
+              <a:rPr lang="en-US" dirty="0" smtClean="0"/>
+              <a:t>Debug </a:t>
+            </a:r>
+            <a:r>
               <a:rPr lang="ru-RU" dirty="0" smtClean="0"/>
-              <a:t>Многофайловые сборки</a:t>
+              <a:t>и </a:t>
+            </a:r>
+            <a:r>
+              <a:rPr lang="en-US" dirty="0" smtClean="0"/>
+              <a:t>Release </a:t>
+            </a:r>
+            <a:r>
+              <a:rPr lang="ru-RU" dirty="0" smtClean="0"/>
+              <a:t>конфигурации</a:t>
             </a:r>
             <a:endParaRPr lang="ru-RU" dirty="0"/>
           </a:p>
@@ -8807,83 +8850,1100 @@
             <p:ph idx="1"/>
           </p:nvPr>
         </p:nvSpPr>
-        <p:spPr/>
+        <p:spPr>
+          <a:xfrm>
+            <a:off x="457200" y="1412776"/>
+            <a:ext cx="8229600" cy="1080120"/>
+          </a:xfrm>
+        </p:spPr>
         <p:txBody>
           <a:bodyPr>
-            <a:normAutofit/>
+            <a:noAutofit/>
           </a:bodyPr>
           <a:lstStyle/>
           <a:p>
-            <a:r>
-              <a:rPr lang="ru-RU" dirty="0" smtClean="0"/>
-              <a:t>Позволяют распределять </a:t>
-            </a:r>
-            <a:r>
-              <a:rPr lang="ru-RU" dirty="0"/>
-              <a:t>типы по разным </a:t>
-            </a:r>
-            <a:r>
-              <a:rPr lang="ru-RU" dirty="0" smtClean="0"/>
-              <a:t>файлам</a:t>
-            </a:r>
-          </a:p>
-          <a:p>
-            <a:r>
-              <a:rPr lang="ru-RU" dirty="0"/>
-              <a:t>Позволяют д</a:t>
-            </a:r>
-            <a:r>
-              <a:rPr lang="ru-RU" dirty="0" smtClean="0"/>
-              <a:t>обавлять </a:t>
-            </a:r>
-            <a:r>
-              <a:rPr lang="ru-RU" dirty="0"/>
-              <a:t>к сборке файлы с ресурсами и </a:t>
-            </a:r>
-            <a:r>
-              <a:rPr lang="ru-RU" dirty="0" smtClean="0"/>
-              <a:t>данными</a:t>
-            </a:r>
-          </a:p>
-          <a:p>
-            <a:r>
-              <a:rPr lang="ru-RU" dirty="0"/>
-              <a:t>Позволяют с</a:t>
-            </a:r>
-            <a:r>
-              <a:rPr lang="ru-RU" dirty="0" smtClean="0"/>
-              <a:t>оздавать </a:t>
-            </a:r>
-            <a:r>
-              <a:rPr lang="ru-RU" dirty="0"/>
-              <a:t>сборки, состоящие из типов, написанных на разных языках </a:t>
-            </a:r>
-            <a:r>
-              <a:rPr lang="en-US" dirty="0" smtClean="0"/>
-              <a:t>	</a:t>
-            </a:r>
-            <a:r>
-              <a:rPr lang="ru-RU" dirty="0" smtClean="0"/>
-              <a:t>программирования</a:t>
-            </a:r>
-          </a:p>
-          <a:p>
-            <a:r>
-              <a:rPr lang="ru-RU" dirty="0" smtClean="0"/>
-              <a:t>Создаются с помощью утилиты </a:t>
-            </a:r>
-            <a:r>
-              <a:rPr lang="en-US" dirty="0" smtClean="0"/>
-              <a:t>AL.exe</a:t>
-            </a:r>
-            <a:endParaRPr lang="ru-RU" dirty="0"/>
+            <a:pPr marL="0" indent="0">
+              <a:buNone/>
+            </a:pPr>
+            <a:r>
+              <a:rPr lang="ru-RU" sz="2400" dirty="0" smtClean="0"/>
+              <a:t>В каждом проектов в </a:t>
+            </a:r>
+            <a:r>
+              <a:rPr lang="en-US" sz="2400" dirty="0" smtClean="0"/>
+              <a:t>VS </a:t>
+            </a:r>
+            <a:r>
+              <a:rPr lang="ru-RU" sz="2400" dirty="0" smtClean="0"/>
+              <a:t>присутствуют конфигурации </a:t>
+            </a:r>
+            <a:r>
+              <a:rPr lang="en-US" sz="2400" dirty="0" smtClean="0"/>
+              <a:t>Debug </a:t>
+            </a:r>
+            <a:r>
+              <a:rPr lang="ru-RU" sz="2400" dirty="0" smtClean="0"/>
+              <a:t>и </a:t>
+            </a:r>
+            <a:r>
+              <a:rPr lang="en-US" sz="2400" dirty="0" smtClean="0"/>
+              <a:t>Release</a:t>
+            </a:r>
+            <a:r>
+              <a:rPr lang="ru-RU" sz="2400" dirty="0" smtClean="0"/>
+              <a:t> для разных этапов в разработке</a:t>
+            </a:r>
+            <a:r>
+              <a:rPr lang="en-US" sz="2400" dirty="0" smtClean="0"/>
+              <a:t>. </a:t>
+            </a:r>
+            <a:r>
+              <a:rPr lang="ru-RU" sz="2400" dirty="0" smtClean="0"/>
+              <a:t>Конфигурация </a:t>
+            </a:r>
+            <a:r>
+              <a:rPr lang="en-US" sz="2400" dirty="0" smtClean="0"/>
+              <a:t>Debug </a:t>
+            </a:r>
+            <a:r>
+              <a:rPr lang="ru-RU" sz="2400" dirty="0" smtClean="0"/>
+              <a:t>используется в течение разработки; конфигурация </a:t>
+            </a:r>
+            <a:r>
+              <a:rPr lang="en-US" sz="2400" dirty="0" smtClean="0"/>
+              <a:t>Release </a:t>
+            </a:r>
+            <a:r>
+              <a:rPr lang="ru-RU" sz="2400" dirty="0" smtClean="0"/>
+              <a:t>для компиляции законченного приложения.</a:t>
+            </a:r>
+            <a:endParaRPr lang="ru-RU" sz="2400" dirty="0"/>
+          </a:p>
+        </p:txBody>
+      </p:sp>
+      <p:graphicFrame>
+        <p:nvGraphicFramePr>
+          <p:cNvPr id="4" name="Table 3"/>
+          <p:cNvGraphicFramePr>
+            <a:graphicFrameLocks noGrp="1"/>
+          </p:cNvGraphicFramePr>
+          <p:nvPr>
+            <p:extLst>
+              <p:ext uri="{D42A27DB-BD31-4B8C-83A1-F6EECF244321}">
+                <p14:modId xmlns:p14="http://schemas.microsoft.com/office/powerpoint/2010/main" val="563631765"/>
+              </p:ext>
+            </p:extLst>
+          </p:nvPr>
+        </p:nvGraphicFramePr>
+        <p:xfrm>
+          <a:off x="457200" y="3241784"/>
+          <a:ext cx="8291265" cy="1483360"/>
+        </p:xfrm>
+        <a:graphic>
+          <a:graphicData uri="http://schemas.openxmlformats.org/drawingml/2006/table">
+            <a:tbl>
+              <a:tblPr firstRow="1" bandRow="1">
+                <a:tableStyleId>{5C22544A-7EE6-4342-B048-85BDC9FD1C3A}</a:tableStyleId>
+              </a:tblPr>
+              <a:tblGrid>
+                <a:gridCol w="2763755"/>
+                <a:gridCol w="2763755"/>
+                <a:gridCol w="2763755"/>
+              </a:tblGrid>
+              <a:tr h="370840">
+                <a:tc>
+                  <a:txBody>
+                    <a:bodyPr/>
+                    <a:lstStyle/>
+                    <a:p>
+                      <a:r>
+                        <a:rPr lang="ru-RU" dirty="0" smtClean="0"/>
+                        <a:t>Настройка</a:t>
+                      </a:r>
+                      <a:endParaRPr lang="ru-RU" dirty="0"/>
+                    </a:p>
+                  </a:txBody>
+                  <a:tcPr>
+                    <a:lnL w="12700" cap="flat" cmpd="sng" algn="ctr">
+                      <a:solidFill>
+                        <a:srgbClr val="002060"/>
+                      </a:solidFill>
+                      <a:prstDash val="solid"/>
+                      <a:round/>
+                      <a:headEnd type="none" w="med" len="med"/>
+                      <a:tailEnd type="none" w="med" len="med"/>
+                    </a:lnL>
+                    <a:lnR w="12700" cap="flat" cmpd="sng" algn="ctr">
+                      <a:solidFill>
+                        <a:srgbClr val="002060"/>
+                      </a:solidFill>
+                      <a:prstDash val="solid"/>
+                      <a:round/>
+                      <a:headEnd type="none" w="med" len="med"/>
+                      <a:tailEnd type="none" w="med" len="med"/>
+                    </a:lnR>
+                    <a:lnT w="12700" cap="flat" cmpd="sng" algn="ctr">
+                      <a:solidFill>
+                        <a:srgbClr val="002060"/>
+                      </a:solidFill>
+                      <a:prstDash val="solid"/>
+                      <a:round/>
+                      <a:headEnd type="none" w="med" len="med"/>
+                      <a:tailEnd type="none" w="med" len="med"/>
+                    </a:lnT>
+                    <a:lnB w="12700" cap="flat" cmpd="sng" algn="ctr">
+                      <a:solidFill>
+                        <a:srgbClr val="002060"/>
+                      </a:solidFill>
+                      <a:prstDash val="solid"/>
+                      <a:round/>
+                      <a:headEnd type="none" w="med" len="med"/>
+                      <a:tailEnd type="none" w="med" len="med"/>
+                    </a:lnB>
+                    <a:lnTlToBr w="12700" cmpd="sng">
+                      <a:noFill/>
+                      <a:prstDash val="solid"/>
+                    </a:lnTlToBr>
+                    <a:lnBlToTr w="12700" cmpd="sng">
+                      <a:noFill/>
+                      <a:prstDash val="solid"/>
+                    </a:lnBlToTr>
+                    <a:solidFill>
+                      <a:schemeClr val="bg1">
+                        <a:lumMod val="50000"/>
+                      </a:schemeClr>
+                    </a:solidFill>
+                  </a:tcPr>
+                </a:tc>
+                <a:tc>
+                  <a:txBody>
+                    <a:bodyPr/>
+                    <a:lstStyle/>
+                    <a:p>
+                      <a:r>
+                        <a:rPr lang="en-US" dirty="0" smtClean="0"/>
+                        <a:t>Debug</a:t>
+                      </a:r>
+                      <a:endParaRPr lang="ru-RU" dirty="0"/>
+                    </a:p>
+                  </a:txBody>
+                  <a:tcPr>
+                    <a:lnL w="12700" cap="flat" cmpd="sng" algn="ctr">
+                      <a:solidFill>
+                        <a:srgbClr val="002060"/>
+                      </a:solidFill>
+                      <a:prstDash val="solid"/>
+                      <a:round/>
+                      <a:headEnd type="none" w="med" len="med"/>
+                      <a:tailEnd type="none" w="med" len="med"/>
+                    </a:lnL>
+                    <a:lnR w="12700" cap="flat" cmpd="sng" algn="ctr">
+                      <a:solidFill>
+                        <a:srgbClr val="002060"/>
+                      </a:solidFill>
+                      <a:prstDash val="solid"/>
+                      <a:round/>
+                      <a:headEnd type="none" w="med" len="med"/>
+                      <a:tailEnd type="none" w="med" len="med"/>
+                    </a:lnR>
+                    <a:lnT w="12700" cap="flat" cmpd="sng" algn="ctr">
+                      <a:solidFill>
+                        <a:srgbClr val="002060"/>
+                      </a:solidFill>
+                      <a:prstDash val="solid"/>
+                      <a:round/>
+                      <a:headEnd type="none" w="med" len="med"/>
+                      <a:tailEnd type="none" w="med" len="med"/>
+                    </a:lnT>
+                    <a:lnB w="12700" cap="flat" cmpd="sng" algn="ctr">
+                      <a:solidFill>
+                        <a:srgbClr val="002060"/>
+                      </a:solidFill>
+                      <a:prstDash val="solid"/>
+                      <a:round/>
+                      <a:headEnd type="none" w="med" len="med"/>
+                      <a:tailEnd type="none" w="med" len="med"/>
+                    </a:lnB>
+                    <a:lnTlToBr w="12700" cmpd="sng">
+                      <a:noFill/>
+                      <a:prstDash val="solid"/>
+                    </a:lnTlToBr>
+                    <a:lnBlToTr w="12700" cmpd="sng">
+                      <a:noFill/>
+                      <a:prstDash val="solid"/>
+                    </a:lnBlToTr>
+                    <a:solidFill>
+                      <a:schemeClr val="bg1">
+                        <a:lumMod val="50000"/>
+                      </a:schemeClr>
+                    </a:solidFill>
+                  </a:tcPr>
+                </a:tc>
+                <a:tc>
+                  <a:txBody>
+                    <a:bodyPr/>
+                    <a:lstStyle/>
+                    <a:p>
+                      <a:r>
+                        <a:rPr lang="en-US" dirty="0" smtClean="0"/>
+                        <a:t>Release</a:t>
+                      </a:r>
+                      <a:endParaRPr lang="ru-RU" dirty="0"/>
+                    </a:p>
+                  </a:txBody>
+                  <a:tcPr>
+                    <a:lnL w="12700" cap="flat" cmpd="sng" algn="ctr">
+                      <a:solidFill>
+                        <a:srgbClr val="002060"/>
+                      </a:solidFill>
+                      <a:prstDash val="solid"/>
+                      <a:round/>
+                      <a:headEnd type="none" w="med" len="med"/>
+                      <a:tailEnd type="none" w="med" len="med"/>
+                    </a:lnL>
+                    <a:lnR w="12700" cap="flat" cmpd="sng" algn="ctr">
+                      <a:solidFill>
+                        <a:srgbClr val="002060"/>
+                      </a:solidFill>
+                      <a:prstDash val="solid"/>
+                      <a:round/>
+                      <a:headEnd type="none" w="med" len="med"/>
+                      <a:tailEnd type="none" w="med" len="med"/>
+                    </a:lnR>
+                    <a:lnT w="12700" cap="flat" cmpd="sng" algn="ctr">
+                      <a:solidFill>
+                        <a:srgbClr val="002060"/>
+                      </a:solidFill>
+                      <a:prstDash val="solid"/>
+                      <a:round/>
+                      <a:headEnd type="none" w="med" len="med"/>
+                      <a:tailEnd type="none" w="med" len="med"/>
+                    </a:lnT>
+                    <a:lnB w="12700" cap="flat" cmpd="sng" algn="ctr">
+                      <a:solidFill>
+                        <a:srgbClr val="002060"/>
+                      </a:solidFill>
+                      <a:prstDash val="solid"/>
+                      <a:round/>
+                      <a:headEnd type="none" w="med" len="med"/>
+                      <a:tailEnd type="none" w="med" len="med"/>
+                    </a:lnB>
+                    <a:lnTlToBr w="12700" cmpd="sng">
+                      <a:noFill/>
+                      <a:prstDash val="solid"/>
+                    </a:lnTlToBr>
+                    <a:lnBlToTr w="12700" cmpd="sng">
+                      <a:noFill/>
+                      <a:prstDash val="solid"/>
+                    </a:lnBlToTr>
+                    <a:solidFill>
+                      <a:schemeClr val="bg1">
+                        <a:lumMod val="50000"/>
+                      </a:schemeClr>
+                    </a:solidFill>
+                  </a:tcPr>
+                </a:tc>
+              </a:tr>
+              <a:tr h="370840">
+                <a:tc>
+                  <a:txBody>
+                    <a:bodyPr/>
+                    <a:lstStyle/>
+                    <a:p>
+                      <a:r>
+                        <a:rPr lang="en-US" dirty="0" smtClean="0">
+                          <a:solidFill>
+                            <a:srgbClr val="002060"/>
+                          </a:solidFill>
+                        </a:rPr>
+                        <a:t>Define DEBUG constant</a:t>
+                      </a:r>
+                      <a:endParaRPr lang="ru-RU" dirty="0">
+                        <a:solidFill>
+                          <a:srgbClr val="002060"/>
+                        </a:solidFill>
+                      </a:endParaRPr>
+                    </a:p>
+                  </a:txBody>
+                  <a:tcPr>
+                    <a:lnL w="12700" cap="flat" cmpd="sng" algn="ctr">
+                      <a:solidFill>
+                        <a:srgbClr val="002060"/>
+                      </a:solidFill>
+                      <a:prstDash val="solid"/>
+                      <a:round/>
+                      <a:headEnd type="none" w="med" len="med"/>
+                      <a:tailEnd type="none" w="med" len="med"/>
+                    </a:lnL>
+                    <a:lnR w="12700" cap="flat" cmpd="sng" algn="ctr">
+                      <a:solidFill>
+                        <a:srgbClr val="002060"/>
+                      </a:solidFill>
+                      <a:prstDash val="solid"/>
+                      <a:round/>
+                      <a:headEnd type="none" w="med" len="med"/>
+                      <a:tailEnd type="none" w="med" len="med"/>
+                    </a:lnR>
+                    <a:lnT w="12700" cap="flat" cmpd="sng" algn="ctr">
+                      <a:solidFill>
+                        <a:srgbClr val="002060"/>
+                      </a:solidFill>
+                      <a:prstDash val="solid"/>
+                      <a:round/>
+                      <a:headEnd type="none" w="med" len="med"/>
+                      <a:tailEnd type="none" w="med" len="med"/>
+                    </a:lnT>
+                    <a:lnB w="12700" cap="flat" cmpd="sng" algn="ctr">
+                      <a:solidFill>
+                        <a:srgbClr val="002060"/>
+                      </a:solidFill>
+                      <a:prstDash val="solid"/>
+                      <a:round/>
+                      <a:headEnd type="none" w="med" len="med"/>
+                      <a:tailEnd type="none" w="med" len="med"/>
+                    </a:lnB>
+                    <a:lnTlToBr w="12700" cmpd="sng">
+                      <a:noFill/>
+                      <a:prstDash val="solid"/>
+                    </a:lnTlToBr>
+                    <a:lnBlToTr w="12700" cmpd="sng">
+                      <a:noFill/>
+                      <a:prstDash val="solid"/>
+                    </a:lnBlToTr>
+                  </a:tcPr>
+                </a:tc>
+                <a:tc>
+                  <a:txBody>
+                    <a:bodyPr/>
+                    <a:lstStyle/>
+                    <a:p>
+                      <a:r>
+                        <a:rPr lang="ru-RU" dirty="0" smtClean="0">
+                          <a:solidFill>
+                            <a:srgbClr val="002060"/>
+                          </a:solidFill>
+                        </a:rPr>
+                        <a:t>Вкл</a:t>
+                      </a:r>
+                      <a:endParaRPr lang="ru-RU" dirty="0">
+                        <a:solidFill>
+                          <a:srgbClr val="002060"/>
+                        </a:solidFill>
+                      </a:endParaRPr>
+                    </a:p>
+                  </a:txBody>
+                  <a:tcPr>
+                    <a:lnL w="12700" cap="flat" cmpd="sng" algn="ctr">
+                      <a:solidFill>
+                        <a:srgbClr val="002060"/>
+                      </a:solidFill>
+                      <a:prstDash val="solid"/>
+                      <a:round/>
+                      <a:headEnd type="none" w="med" len="med"/>
+                      <a:tailEnd type="none" w="med" len="med"/>
+                    </a:lnL>
+                    <a:lnR w="12700" cap="flat" cmpd="sng" algn="ctr">
+                      <a:solidFill>
+                        <a:srgbClr val="002060"/>
+                      </a:solidFill>
+                      <a:prstDash val="solid"/>
+                      <a:round/>
+                      <a:headEnd type="none" w="med" len="med"/>
+                      <a:tailEnd type="none" w="med" len="med"/>
+                    </a:lnR>
+                    <a:lnT w="12700" cap="flat" cmpd="sng" algn="ctr">
+                      <a:solidFill>
+                        <a:srgbClr val="002060"/>
+                      </a:solidFill>
+                      <a:prstDash val="solid"/>
+                      <a:round/>
+                      <a:headEnd type="none" w="med" len="med"/>
+                      <a:tailEnd type="none" w="med" len="med"/>
+                    </a:lnT>
+                    <a:lnB w="12700" cap="flat" cmpd="sng" algn="ctr">
+                      <a:solidFill>
+                        <a:srgbClr val="002060"/>
+                      </a:solidFill>
+                      <a:prstDash val="solid"/>
+                      <a:round/>
+                      <a:headEnd type="none" w="med" len="med"/>
+                      <a:tailEnd type="none" w="med" len="med"/>
+                    </a:lnB>
+                    <a:lnTlToBr w="12700" cmpd="sng">
+                      <a:noFill/>
+                      <a:prstDash val="solid"/>
+                    </a:lnTlToBr>
+                    <a:lnBlToTr w="12700" cmpd="sng">
+                      <a:noFill/>
+                      <a:prstDash val="solid"/>
+                    </a:lnBlToTr>
+                  </a:tcPr>
+                </a:tc>
+                <a:tc>
+                  <a:txBody>
+                    <a:bodyPr/>
+                    <a:lstStyle/>
+                    <a:p>
+                      <a:r>
+                        <a:rPr lang="ru-RU" dirty="0" smtClean="0">
+                          <a:solidFill>
+                            <a:srgbClr val="002060"/>
+                          </a:solidFill>
+                        </a:rPr>
+                        <a:t>Выкл</a:t>
+                      </a:r>
+                      <a:endParaRPr lang="ru-RU" dirty="0">
+                        <a:solidFill>
+                          <a:srgbClr val="002060"/>
+                        </a:solidFill>
+                      </a:endParaRPr>
+                    </a:p>
+                  </a:txBody>
+                  <a:tcPr>
+                    <a:lnL w="12700" cap="flat" cmpd="sng" algn="ctr">
+                      <a:solidFill>
+                        <a:srgbClr val="002060"/>
+                      </a:solidFill>
+                      <a:prstDash val="solid"/>
+                      <a:round/>
+                      <a:headEnd type="none" w="med" len="med"/>
+                      <a:tailEnd type="none" w="med" len="med"/>
+                    </a:lnL>
+                    <a:lnR w="12700" cap="flat" cmpd="sng" algn="ctr">
+                      <a:solidFill>
+                        <a:srgbClr val="002060"/>
+                      </a:solidFill>
+                      <a:prstDash val="solid"/>
+                      <a:round/>
+                      <a:headEnd type="none" w="med" len="med"/>
+                      <a:tailEnd type="none" w="med" len="med"/>
+                    </a:lnR>
+                    <a:lnT w="12700" cap="flat" cmpd="sng" algn="ctr">
+                      <a:solidFill>
+                        <a:srgbClr val="002060"/>
+                      </a:solidFill>
+                      <a:prstDash val="solid"/>
+                      <a:round/>
+                      <a:headEnd type="none" w="med" len="med"/>
+                      <a:tailEnd type="none" w="med" len="med"/>
+                    </a:lnT>
+                    <a:lnB w="12700" cap="flat" cmpd="sng" algn="ctr">
+                      <a:solidFill>
+                        <a:srgbClr val="002060"/>
+                      </a:solidFill>
+                      <a:prstDash val="solid"/>
+                      <a:round/>
+                      <a:headEnd type="none" w="med" len="med"/>
+                      <a:tailEnd type="none" w="med" len="med"/>
+                    </a:lnB>
+                    <a:lnTlToBr w="12700" cmpd="sng">
+                      <a:noFill/>
+                      <a:prstDash val="solid"/>
+                    </a:lnTlToBr>
+                    <a:lnBlToTr w="12700" cmpd="sng">
+                      <a:noFill/>
+                      <a:prstDash val="solid"/>
+                    </a:lnBlToTr>
+                  </a:tcPr>
+                </a:tc>
+              </a:tr>
+              <a:tr h="370840">
+                <a:tc>
+                  <a:txBody>
+                    <a:bodyPr/>
+                    <a:lstStyle/>
+                    <a:p>
+                      <a:r>
+                        <a:rPr lang="en-US" dirty="0" smtClean="0">
+                          <a:solidFill>
+                            <a:srgbClr val="002060"/>
+                          </a:solidFill>
+                        </a:rPr>
+                        <a:t>Optimize</a:t>
+                      </a:r>
+                      <a:r>
+                        <a:rPr lang="en-US" baseline="0" dirty="0" smtClean="0">
+                          <a:solidFill>
+                            <a:srgbClr val="002060"/>
+                          </a:solidFill>
+                        </a:rPr>
+                        <a:t> code</a:t>
+                      </a:r>
+                      <a:endParaRPr lang="ru-RU" dirty="0">
+                        <a:solidFill>
+                          <a:srgbClr val="002060"/>
+                        </a:solidFill>
+                      </a:endParaRPr>
+                    </a:p>
+                  </a:txBody>
+                  <a:tcPr>
+                    <a:lnL w="12700" cap="flat" cmpd="sng" algn="ctr">
+                      <a:solidFill>
+                        <a:srgbClr val="002060"/>
+                      </a:solidFill>
+                      <a:prstDash val="solid"/>
+                      <a:round/>
+                      <a:headEnd type="none" w="med" len="med"/>
+                      <a:tailEnd type="none" w="med" len="med"/>
+                    </a:lnL>
+                    <a:lnR w="12700" cap="flat" cmpd="sng" algn="ctr">
+                      <a:solidFill>
+                        <a:srgbClr val="002060"/>
+                      </a:solidFill>
+                      <a:prstDash val="solid"/>
+                      <a:round/>
+                      <a:headEnd type="none" w="med" len="med"/>
+                      <a:tailEnd type="none" w="med" len="med"/>
+                    </a:lnR>
+                    <a:lnT w="12700" cap="flat" cmpd="sng" algn="ctr">
+                      <a:solidFill>
+                        <a:srgbClr val="002060"/>
+                      </a:solidFill>
+                      <a:prstDash val="solid"/>
+                      <a:round/>
+                      <a:headEnd type="none" w="med" len="med"/>
+                      <a:tailEnd type="none" w="med" len="med"/>
+                    </a:lnT>
+                    <a:lnB w="12700" cap="flat" cmpd="sng" algn="ctr">
+                      <a:solidFill>
+                        <a:srgbClr val="002060"/>
+                      </a:solidFill>
+                      <a:prstDash val="solid"/>
+                      <a:round/>
+                      <a:headEnd type="none" w="med" len="med"/>
+                      <a:tailEnd type="none" w="med" len="med"/>
+                    </a:lnB>
+                    <a:lnTlToBr w="12700" cmpd="sng">
+                      <a:noFill/>
+                      <a:prstDash val="solid"/>
+                    </a:lnTlToBr>
+                    <a:lnBlToTr w="12700" cmpd="sng">
+                      <a:noFill/>
+                      <a:prstDash val="solid"/>
+                    </a:lnBlToTr>
+                  </a:tcPr>
+                </a:tc>
+                <a:tc>
+                  <a:txBody>
+                    <a:bodyPr/>
+                    <a:lstStyle/>
+                    <a:p>
+                      <a:r>
+                        <a:rPr lang="ru-RU" dirty="0" smtClean="0">
+                          <a:solidFill>
+                            <a:srgbClr val="002060"/>
+                          </a:solidFill>
+                        </a:rPr>
+                        <a:t>Выкл</a:t>
+                      </a:r>
+                      <a:endParaRPr lang="ru-RU" dirty="0">
+                        <a:solidFill>
+                          <a:srgbClr val="002060"/>
+                        </a:solidFill>
+                      </a:endParaRPr>
+                    </a:p>
+                  </a:txBody>
+                  <a:tcPr>
+                    <a:lnL w="12700" cap="flat" cmpd="sng" algn="ctr">
+                      <a:solidFill>
+                        <a:srgbClr val="002060"/>
+                      </a:solidFill>
+                      <a:prstDash val="solid"/>
+                      <a:round/>
+                      <a:headEnd type="none" w="med" len="med"/>
+                      <a:tailEnd type="none" w="med" len="med"/>
+                    </a:lnL>
+                    <a:lnR w="12700" cap="flat" cmpd="sng" algn="ctr">
+                      <a:solidFill>
+                        <a:srgbClr val="002060"/>
+                      </a:solidFill>
+                      <a:prstDash val="solid"/>
+                      <a:round/>
+                      <a:headEnd type="none" w="med" len="med"/>
+                      <a:tailEnd type="none" w="med" len="med"/>
+                    </a:lnR>
+                    <a:lnT w="12700" cap="flat" cmpd="sng" algn="ctr">
+                      <a:solidFill>
+                        <a:srgbClr val="002060"/>
+                      </a:solidFill>
+                      <a:prstDash val="solid"/>
+                      <a:round/>
+                      <a:headEnd type="none" w="med" len="med"/>
+                      <a:tailEnd type="none" w="med" len="med"/>
+                    </a:lnT>
+                    <a:lnB w="12700" cap="flat" cmpd="sng" algn="ctr">
+                      <a:solidFill>
+                        <a:srgbClr val="002060"/>
+                      </a:solidFill>
+                      <a:prstDash val="solid"/>
+                      <a:round/>
+                      <a:headEnd type="none" w="med" len="med"/>
+                      <a:tailEnd type="none" w="med" len="med"/>
+                    </a:lnB>
+                    <a:lnTlToBr w="12700" cmpd="sng">
+                      <a:noFill/>
+                      <a:prstDash val="solid"/>
+                    </a:lnTlToBr>
+                    <a:lnBlToTr w="12700" cmpd="sng">
+                      <a:noFill/>
+                      <a:prstDash val="solid"/>
+                    </a:lnBlToTr>
+                  </a:tcPr>
+                </a:tc>
+                <a:tc>
+                  <a:txBody>
+                    <a:bodyPr/>
+                    <a:lstStyle/>
+                    <a:p>
+                      <a:r>
+                        <a:rPr lang="ru-RU" dirty="0" smtClean="0">
+                          <a:solidFill>
+                            <a:srgbClr val="002060"/>
+                          </a:solidFill>
+                        </a:rPr>
+                        <a:t>Вкл</a:t>
+                      </a:r>
+                      <a:endParaRPr lang="ru-RU" dirty="0">
+                        <a:solidFill>
+                          <a:srgbClr val="002060"/>
+                        </a:solidFill>
+                      </a:endParaRPr>
+                    </a:p>
+                  </a:txBody>
+                  <a:tcPr>
+                    <a:lnL w="12700" cap="flat" cmpd="sng" algn="ctr">
+                      <a:solidFill>
+                        <a:srgbClr val="002060"/>
+                      </a:solidFill>
+                      <a:prstDash val="solid"/>
+                      <a:round/>
+                      <a:headEnd type="none" w="med" len="med"/>
+                      <a:tailEnd type="none" w="med" len="med"/>
+                    </a:lnL>
+                    <a:lnR w="12700" cap="flat" cmpd="sng" algn="ctr">
+                      <a:solidFill>
+                        <a:srgbClr val="002060"/>
+                      </a:solidFill>
+                      <a:prstDash val="solid"/>
+                      <a:round/>
+                      <a:headEnd type="none" w="med" len="med"/>
+                      <a:tailEnd type="none" w="med" len="med"/>
+                    </a:lnR>
+                    <a:lnT w="12700" cap="flat" cmpd="sng" algn="ctr">
+                      <a:solidFill>
+                        <a:srgbClr val="002060"/>
+                      </a:solidFill>
+                      <a:prstDash val="solid"/>
+                      <a:round/>
+                      <a:headEnd type="none" w="med" len="med"/>
+                      <a:tailEnd type="none" w="med" len="med"/>
+                    </a:lnT>
+                    <a:lnB w="12700" cap="flat" cmpd="sng" algn="ctr">
+                      <a:solidFill>
+                        <a:srgbClr val="002060"/>
+                      </a:solidFill>
+                      <a:prstDash val="solid"/>
+                      <a:round/>
+                      <a:headEnd type="none" w="med" len="med"/>
+                      <a:tailEnd type="none" w="med" len="med"/>
+                    </a:lnB>
+                    <a:lnTlToBr w="12700" cmpd="sng">
+                      <a:noFill/>
+                      <a:prstDash val="solid"/>
+                    </a:lnTlToBr>
+                    <a:lnBlToTr w="12700" cmpd="sng">
+                      <a:noFill/>
+                      <a:prstDash val="solid"/>
+                    </a:lnBlToTr>
+                  </a:tcPr>
+                </a:tc>
+              </a:tr>
+              <a:tr h="370840">
+                <a:tc>
+                  <a:txBody>
+                    <a:bodyPr/>
+                    <a:lstStyle/>
+                    <a:p>
+                      <a:r>
+                        <a:rPr lang="en-US" dirty="0" smtClean="0">
+                          <a:solidFill>
+                            <a:srgbClr val="002060"/>
+                          </a:solidFill>
+                        </a:rPr>
+                        <a:t>Debug</a:t>
+                      </a:r>
+                      <a:r>
+                        <a:rPr lang="en-US" baseline="0" dirty="0" smtClean="0">
+                          <a:solidFill>
+                            <a:srgbClr val="002060"/>
+                          </a:solidFill>
+                        </a:rPr>
+                        <a:t> Info</a:t>
+                      </a:r>
+                      <a:endParaRPr lang="ru-RU" dirty="0">
+                        <a:solidFill>
+                          <a:srgbClr val="002060"/>
+                        </a:solidFill>
+                      </a:endParaRPr>
+                    </a:p>
+                  </a:txBody>
+                  <a:tcPr>
+                    <a:lnL w="12700" cap="flat" cmpd="sng" algn="ctr">
+                      <a:solidFill>
+                        <a:srgbClr val="002060"/>
+                      </a:solidFill>
+                      <a:prstDash val="solid"/>
+                      <a:round/>
+                      <a:headEnd type="none" w="med" len="med"/>
+                      <a:tailEnd type="none" w="med" len="med"/>
+                    </a:lnL>
+                    <a:lnR w="12700" cap="flat" cmpd="sng" algn="ctr">
+                      <a:solidFill>
+                        <a:srgbClr val="002060"/>
+                      </a:solidFill>
+                      <a:prstDash val="solid"/>
+                      <a:round/>
+                      <a:headEnd type="none" w="med" len="med"/>
+                      <a:tailEnd type="none" w="med" len="med"/>
+                    </a:lnR>
+                    <a:lnT w="12700" cap="flat" cmpd="sng" algn="ctr">
+                      <a:solidFill>
+                        <a:srgbClr val="002060"/>
+                      </a:solidFill>
+                      <a:prstDash val="solid"/>
+                      <a:round/>
+                      <a:headEnd type="none" w="med" len="med"/>
+                      <a:tailEnd type="none" w="med" len="med"/>
+                    </a:lnT>
+                    <a:lnB w="12700" cap="flat" cmpd="sng" algn="ctr">
+                      <a:solidFill>
+                        <a:srgbClr val="002060"/>
+                      </a:solidFill>
+                      <a:prstDash val="solid"/>
+                      <a:round/>
+                      <a:headEnd type="none" w="med" len="med"/>
+                      <a:tailEnd type="none" w="med" len="med"/>
+                    </a:lnB>
+                    <a:lnTlToBr w="12700" cmpd="sng">
+                      <a:noFill/>
+                      <a:prstDash val="solid"/>
+                    </a:lnTlToBr>
+                    <a:lnBlToTr w="12700" cmpd="sng">
+                      <a:noFill/>
+                      <a:prstDash val="solid"/>
+                    </a:lnBlToTr>
+                  </a:tcPr>
+                </a:tc>
+                <a:tc>
+                  <a:txBody>
+                    <a:bodyPr/>
+                    <a:lstStyle/>
+                    <a:p>
+                      <a:r>
+                        <a:rPr lang="en-US" dirty="0" smtClean="0">
+                          <a:solidFill>
+                            <a:srgbClr val="002060"/>
+                          </a:solidFill>
+                        </a:rPr>
+                        <a:t>Full</a:t>
+                      </a:r>
+                      <a:endParaRPr lang="ru-RU" dirty="0">
+                        <a:solidFill>
+                          <a:srgbClr val="002060"/>
+                        </a:solidFill>
+                      </a:endParaRPr>
+                    </a:p>
+                  </a:txBody>
+                  <a:tcPr>
+                    <a:lnL w="12700" cap="flat" cmpd="sng" algn="ctr">
+                      <a:solidFill>
+                        <a:srgbClr val="002060"/>
+                      </a:solidFill>
+                      <a:prstDash val="solid"/>
+                      <a:round/>
+                      <a:headEnd type="none" w="med" len="med"/>
+                      <a:tailEnd type="none" w="med" len="med"/>
+                    </a:lnL>
+                    <a:lnR w="12700" cap="flat" cmpd="sng" algn="ctr">
+                      <a:solidFill>
+                        <a:srgbClr val="002060"/>
+                      </a:solidFill>
+                      <a:prstDash val="solid"/>
+                      <a:round/>
+                      <a:headEnd type="none" w="med" len="med"/>
+                      <a:tailEnd type="none" w="med" len="med"/>
+                    </a:lnR>
+                    <a:lnT w="12700" cap="flat" cmpd="sng" algn="ctr">
+                      <a:solidFill>
+                        <a:srgbClr val="002060"/>
+                      </a:solidFill>
+                      <a:prstDash val="solid"/>
+                      <a:round/>
+                      <a:headEnd type="none" w="med" len="med"/>
+                      <a:tailEnd type="none" w="med" len="med"/>
+                    </a:lnT>
+                    <a:lnB w="12700" cap="flat" cmpd="sng" algn="ctr">
+                      <a:solidFill>
+                        <a:srgbClr val="002060"/>
+                      </a:solidFill>
+                      <a:prstDash val="solid"/>
+                      <a:round/>
+                      <a:headEnd type="none" w="med" len="med"/>
+                      <a:tailEnd type="none" w="med" len="med"/>
+                    </a:lnB>
+                    <a:lnTlToBr w="12700" cmpd="sng">
+                      <a:noFill/>
+                      <a:prstDash val="solid"/>
+                    </a:lnTlToBr>
+                    <a:lnBlToTr w="12700" cmpd="sng">
+                      <a:noFill/>
+                      <a:prstDash val="solid"/>
+                    </a:lnBlToTr>
+                  </a:tcPr>
+                </a:tc>
+                <a:tc>
+                  <a:txBody>
+                    <a:bodyPr/>
+                    <a:lstStyle/>
+                    <a:p>
+                      <a:r>
+                        <a:rPr lang="en-US" dirty="0" smtClean="0">
+                          <a:solidFill>
+                            <a:srgbClr val="002060"/>
+                          </a:solidFill>
+                        </a:rPr>
+                        <a:t>PDB-only</a:t>
+                      </a:r>
+                      <a:endParaRPr lang="ru-RU" dirty="0">
+                        <a:solidFill>
+                          <a:srgbClr val="002060"/>
+                        </a:solidFill>
+                      </a:endParaRPr>
+                    </a:p>
+                  </a:txBody>
+                  <a:tcPr>
+                    <a:lnL w="12700" cap="flat" cmpd="sng" algn="ctr">
+                      <a:solidFill>
+                        <a:srgbClr val="002060"/>
+                      </a:solidFill>
+                      <a:prstDash val="solid"/>
+                      <a:round/>
+                      <a:headEnd type="none" w="med" len="med"/>
+                      <a:tailEnd type="none" w="med" len="med"/>
+                    </a:lnL>
+                    <a:lnR w="12700" cap="flat" cmpd="sng" algn="ctr">
+                      <a:solidFill>
+                        <a:srgbClr val="002060"/>
+                      </a:solidFill>
+                      <a:prstDash val="solid"/>
+                      <a:round/>
+                      <a:headEnd type="none" w="med" len="med"/>
+                      <a:tailEnd type="none" w="med" len="med"/>
+                    </a:lnR>
+                    <a:lnT w="12700" cap="flat" cmpd="sng" algn="ctr">
+                      <a:solidFill>
+                        <a:srgbClr val="002060"/>
+                      </a:solidFill>
+                      <a:prstDash val="solid"/>
+                      <a:round/>
+                      <a:headEnd type="none" w="med" len="med"/>
+                      <a:tailEnd type="none" w="med" len="med"/>
+                    </a:lnT>
+                    <a:lnB w="12700" cap="flat" cmpd="sng" algn="ctr">
+                      <a:solidFill>
+                        <a:srgbClr val="002060"/>
+                      </a:solidFill>
+                      <a:prstDash val="solid"/>
+                      <a:round/>
+                      <a:headEnd type="none" w="med" len="med"/>
+                      <a:tailEnd type="none" w="med" len="med"/>
+                    </a:lnB>
+                    <a:lnTlToBr w="12700" cmpd="sng">
+                      <a:noFill/>
+                      <a:prstDash val="solid"/>
+                    </a:lnTlToBr>
+                    <a:lnBlToTr w="12700" cmpd="sng">
+                      <a:noFill/>
+                      <a:prstDash val="solid"/>
+                    </a:lnBlToTr>
+                  </a:tcPr>
+                </a:tc>
+              </a:tr>
+            </a:tbl>
+          </a:graphicData>
+        </a:graphic>
+      </p:graphicFrame>
+      <p:sp>
+        <p:nvSpPr>
+          <p:cNvPr id="5" name="Content Placeholder 2"/>
+          <p:cNvSpPr txBox="1">
+            <a:spLocks/>
+          </p:cNvSpPr>
+          <p:nvPr/>
+        </p:nvSpPr>
+        <p:spPr>
+          <a:xfrm>
+            <a:off x="460504" y="4869160"/>
+            <a:ext cx="8229600" cy="1080120"/>
+          </a:xfrm>
+          <a:prstGeom prst="rect">
+            <a:avLst/>
+          </a:prstGeom>
+        </p:spPr>
+        <p:txBody>
+          <a:bodyPr vert="horz" lIns="91440" tIns="45720" rIns="91440" bIns="45720" rtlCol="0">
+            <a:noAutofit/>
+          </a:bodyPr>
+          <a:lstStyle>
+            <a:lvl1pPr marL="342900" indent="-342900" algn="l" defTabSz="914400" rtl="0" eaLnBrk="1" latinLnBrk="0" hangingPunct="1">
+              <a:spcBef>
+                <a:spcPct val="20000"/>
+              </a:spcBef>
+              <a:buFont typeface="Arial" pitchFamily="34" charset="0"/>
+              <a:buChar char="•"/>
+              <a:defRPr sz="3200" kern="1200">
+                <a:solidFill>
+                  <a:schemeClr val="tx1"/>
+                </a:solidFill>
+                <a:latin typeface="+mn-lt"/>
+                <a:ea typeface="+mn-ea"/>
+                <a:cs typeface="+mn-cs"/>
+              </a:defRPr>
+            </a:lvl1pPr>
+            <a:lvl2pPr marL="742950" indent="-285750" algn="l" defTabSz="914400" rtl="0" eaLnBrk="1" latinLnBrk="0" hangingPunct="1">
+              <a:spcBef>
+                <a:spcPct val="20000"/>
+              </a:spcBef>
+              <a:buFont typeface="Arial" pitchFamily="34" charset="0"/>
+              <a:buChar char="–"/>
+              <a:defRPr sz="2800" kern="1200">
+                <a:solidFill>
+                  <a:schemeClr val="tx1"/>
+                </a:solidFill>
+                <a:latin typeface="+mn-lt"/>
+                <a:ea typeface="+mn-ea"/>
+                <a:cs typeface="+mn-cs"/>
+              </a:defRPr>
+            </a:lvl2pPr>
+            <a:lvl3pPr marL="1143000" indent="-228600" algn="l" defTabSz="914400" rtl="0" eaLnBrk="1" latinLnBrk="0" hangingPunct="1">
+              <a:spcBef>
+                <a:spcPct val="20000"/>
+              </a:spcBef>
+              <a:buFont typeface="Arial" pitchFamily="34" charset="0"/>
+              <a:buChar char="•"/>
+              <a:defRPr sz="2400" kern="1200">
+                <a:solidFill>
+                  <a:schemeClr val="tx1"/>
+                </a:solidFill>
+                <a:latin typeface="+mn-lt"/>
+                <a:ea typeface="+mn-ea"/>
+                <a:cs typeface="+mn-cs"/>
+              </a:defRPr>
+            </a:lvl3pPr>
+            <a:lvl4pPr marL="1600200" indent="-228600" algn="l" defTabSz="914400" rtl="0" eaLnBrk="1" latinLnBrk="0" hangingPunct="1">
+              <a:spcBef>
+                <a:spcPct val="20000"/>
+              </a:spcBef>
+              <a:buFont typeface="Arial" pitchFamily="34" charset="0"/>
+              <a:buChar char="–"/>
+              <a:defRPr sz="2000" kern="1200">
+                <a:solidFill>
+                  <a:schemeClr val="tx1"/>
+                </a:solidFill>
+                <a:latin typeface="+mn-lt"/>
+                <a:ea typeface="+mn-ea"/>
+                <a:cs typeface="+mn-cs"/>
+              </a:defRPr>
+            </a:lvl4pPr>
+            <a:lvl5pPr marL="2057400" indent="-228600" algn="l" defTabSz="914400" rtl="0" eaLnBrk="1" latinLnBrk="0" hangingPunct="1">
+              <a:spcBef>
+                <a:spcPct val="20000"/>
+              </a:spcBef>
+              <a:buFont typeface="Arial" pitchFamily="34" charset="0"/>
+              <a:buChar char="»"/>
+              <a:defRPr sz="2000" kern="1200">
+                <a:solidFill>
+                  <a:schemeClr val="tx1"/>
+                </a:solidFill>
+                <a:latin typeface="+mn-lt"/>
+                <a:ea typeface="+mn-ea"/>
+                <a:cs typeface="+mn-cs"/>
+              </a:defRPr>
+            </a:lvl5pPr>
+            <a:lvl6pPr marL="2514600" indent="-228600" algn="l" defTabSz="914400" rtl="0" eaLnBrk="1" latinLnBrk="0" hangingPunct="1">
+              <a:spcBef>
+                <a:spcPct val="20000"/>
+              </a:spcBef>
+              <a:buFont typeface="Arial" pitchFamily="34" charset="0"/>
+              <a:buChar char="•"/>
+              <a:defRPr sz="2000" kern="1200">
+                <a:solidFill>
+                  <a:schemeClr val="tx1"/>
+                </a:solidFill>
+                <a:latin typeface="+mn-lt"/>
+                <a:ea typeface="+mn-ea"/>
+                <a:cs typeface="+mn-cs"/>
+              </a:defRPr>
+            </a:lvl6pPr>
+            <a:lvl7pPr marL="2971800" indent="-228600" algn="l" defTabSz="914400" rtl="0" eaLnBrk="1" latinLnBrk="0" hangingPunct="1">
+              <a:spcBef>
+                <a:spcPct val="20000"/>
+              </a:spcBef>
+              <a:buFont typeface="Arial" pitchFamily="34" charset="0"/>
+              <a:buChar char="•"/>
+              <a:defRPr sz="2000" kern="1200">
+                <a:solidFill>
+                  <a:schemeClr val="tx1"/>
+                </a:solidFill>
+                <a:latin typeface="+mn-lt"/>
+                <a:ea typeface="+mn-ea"/>
+                <a:cs typeface="+mn-cs"/>
+              </a:defRPr>
+            </a:lvl7pPr>
+            <a:lvl8pPr marL="3429000" indent="-228600" algn="l" defTabSz="914400" rtl="0" eaLnBrk="1" latinLnBrk="0" hangingPunct="1">
+              <a:spcBef>
+                <a:spcPct val="20000"/>
+              </a:spcBef>
+              <a:buFont typeface="Arial" pitchFamily="34" charset="0"/>
+              <a:buChar char="•"/>
+              <a:defRPr sz="2000" kern="1200">
+                <a:solidFill>
+                  <a:schemeClr val="tx1"/>
+                </a:solidFill>
+                <a:latin typeface="+mn-lt"/>
+                <a:ea typeface="+mn-ea"/>
+                <a:cs typeface="+mn-cs"/>
+              </a:defRPr>
+            </a:lvl8pPr>
+            <a:lvl9pPr marL="3886200" indent="-228600" algn="l" defTabSz="914400" rtl="0" eaLnBrk="1" latinLnBrk="0" hangingPunct="1">
+              <a:spcBef>
+                <a:spcPct val="20000"/>
+              </a:spcBef>
+              <a:buFont typeface="Arial" pitchFamily="34" charset="0"/>
+              <a:buChar char="•"/>
+              <a:defRPr sz="2000" kern="1200">
+                <a:solidFill>
+                  <a:schemeClr val="tx1"/>
+                </a:solidFill>
+                <a:latin typeface="+mn-lt"/>
+                <a:ea typeface="+mn-ea"/>
+                <a:cs typeface="+mn-cs"/>
+              </a:defRPr>
+            </a:lvl9pPr>
+          </a:lstStyle>
+          <a:p>
+            <a:pPr marL="0" indent="0">
+              <a:buFont typeface="Arial" pitchFamily="34" charset="0"/>
+              <a:buNone/>
+            </a:pPr>
+            <a:endParaRPr lang="ru-RU" sz="2400" dirty="0"/>
           </a:p>
         </p:txBody>
       </p:sp>
     </p:spTree>
     <p:extLst>
       <p:ext uri="{BB962C8B-B14F-4D97-AF65-F5344CB8AC3E}">
-        <p14:creationId xmlns:p14="http://schemas.microsoft.com/office/powerpoint/2010/main" val="2692656914"/>
+        <p14:creationId xmlns:p14="http://schemas.microsoft.com/office/powerpoint/2010/main" val="3698416756"/>
       </p:ext>
     </p:extLst>
   </p:cSld>
@@ -8927,28 +9987,97 @@
             <p:ph type="title"/>
           </p:nvPr>
         </p:nvSpPr>
-        <p:spPr>
-          <a:xfrm>
-            <a:off x="457200" y="2857500"/>
-            <a:ext cx="8229600" cy="1143000"/>
-          </a:xfrm>
-        </p:spPr>
+        <p:spPr/>
+        <p:txBody>
+          <a:bodyPr/>
+          <a:lstStyle/>
+          <a:p>
+            <a:r>
+              <a:rPr lang="ru-RU" dirty="0" smtClean="0"/>
+              <a:t>Многофайловые сборки</a:t>
+            </a:r>
+            <a:endParaRPr lang="ru-RU" dirty="0"/>
+          </a:p>
+        </p:txBody>
+      </p:sp>
+      <p:sp>
+        <p:nvSpPr>
+          <p:cNvPr id="3" name="Content Placeholder 2"/>
+          <p:cNvSpPr>
+            <a:spLocks noGrp="1"/>
+          </p:cNvSpPr>
+          <p:nvPr>
+            <p:ph idx="1"/>
+          </p:nvPr>
+        </p:nvSpPr>
+        <p:spPr/>
         <p:txBody>
           <a:bodyPr>
-            <a:normAutofit fontScale="90000"/>
+            <a:normAutofit/>
           </a:bodyPr>
           <a:lstStyle/>
           <a:p>
             <a:r>
               <a:rPr lang="ru-RU" dirty="0" smtClean="0"/>
-              <a:t>Многофайловые сборки</a:t>
-            </a:r>
-            <a:br>
+              <a:t>Позволяют распределять </a:t>
+            </a:r>
+            <a:r>
+              <a:rPr lang="ru-RU" dirty="0"/>
+              <a:t>типы по разным </a:t>
+            </a:r>
+            <a:r>
               <a:rPr lang="ru-RU" dirty="0" smtClean="0"/>
-            </a:br>
+              <a:t>файлам</a:t>
+            </a:r>
+          </a:p>
+          <a:p>
+            <a:r>
+              <a:rPr lang="ru-RU" dirty="0"/>
+              <a:t>Позволяют д</a:t>
+            </a:r>
             <a:r>
               <a:rPr lang="ru-RU" dirty="0" smtClean="0"/>
-              <a:t>Демонстрация</a:t>
+              <a:t>обавлять </a:t>
+            </a:r>
+            <a:r>
+              <a:rPr lang="ru-RU" dirty="0"/>
+              <a:t>к сборке файлы с ресурсами и </a:t>
+            </a:r>
+            <a:r>
+              <a:rPr lang="ru-RU" dirty="0" smtClean="0"/>
+              <a:t>данными</a:t>
+            </a:r>
+          </a:p>
+          <a:p>
+            <a:r>
+              <a:rPr lang="ru-RU" dirty="0"/>
+              <a:t>Позволяют с</a:t>
+            </a:r>
+            <a:r>
+              <a:rPr lang="ru-RU" dirty="0" smtClean="0"/>
+              <a:t>оздавать </a:t>
+            </a:r>
+            <a:r>
+              <a:rPr lang="ru-RU" dirty="0"/>
+              <a:t>сборки, состоящие из типов, написанных на разных языках </a:t>
+            </a:r>
+            <a:r>
+              <a:rPr lang="en-US" dirty="0" smtClean="0"/>
+              <a:t>	</a:t>
+            </a:r>
+            <a:r>
+              <a:rPr lang="ru-RU" dirty="0" smtClean="0"/>
+              <a:t>программирования</a:t>
+            </a:r>
+          </a:p>
+          <a:p>
+            <a:r>
+              <a:rPr lang="ru-RU" dirty="0" smtClean="0"/>
+              <a:t>Создаются с помощью утилиты </a:t>
+            </a:r>
+            <a:r>
+              <a:rPr lang="en-US" dirty="0" smtClean="0"/>
+              <a:t>AL.exe</a:t>
             </a:r>
             <a:endParaRPr lang="ru-RU" dirty="0"/>
           </a:p>
@@ -8957,7 +10086,7 @@
     </p:spTree>
     <p:extLst>
       <p:ext uri="{BB962C8B-B14F-4D97-AF65-F5344CB8AC3E}">
-        <p14:creationId xmlns:p14="http://schemas.microsoft.com/office/powerpoint/2010/main" val="278552390"/>
+        <p14:creationId xmlns:p14="http://schemas.microsoft.com/office/powerpoint/2010/main" val="2692656914"/>
       </p:ext>
     </p:extLst>
   </p:cSld>
@@ -9179,98 +10308,28 @@
             <p:ph type="title"/>
           </p:nvPr>
         </p:nvSpPr>
-        <p:spPr/>
+        <p:spPr>
+          <a:xfrm>
+            <a:off x="457200" y="2857500"/>
+            <a:ext cx="8229600" cy="1143000"/>
+          </a:xfrm>
+        </p:spPr>
         <p:txBody>
-          <a:bodyPr/>
+          <a:bodyPr>
+            <a:normAutofit fontScale="90000"/>
+          </a:bodyPr>
           <a:lstStyle/>
           <a:p>
             <a:r>
-              <a:rPr lang="ru-RU" dirty="0"/>
-              <a:t>Добавление сборок к проекту</a:t>
-            </a:r>
-          </a:p>
-        </p:txBody>
-      </p:sp>
-      <p:sp>
-        <p:nvSpPr>
-          <p:cNvPr id="3" name="Content Placeholder 2"/>
-          <p:cNvSpPr>
-            <a:spLocks noGrp="1"/>
-          </p:cNvSpPr>
-          <p:nvPr>
-            <p:ph idx="1"/>
-          </p:nvPr>
-        </p:nvSpPr>
-        <p:spPr/>
-        <p:txBody>
-          <a:bodyPr/>
-          <a:lstStyle/>
-          <a:p>
-            <a:r>
               <a:rPr lang="ru-RU" dirty="0" smtClean="0"/>
-              <a:t>Из меню </a:t>
-            </a:r>
-            <a:r>
-              <a:rPr lang="en-US" dirty="0" smtClean="0"/>
-              <a:t>Project -&gt; Add Reference</a:t>
-            </a:r>
-            <a:r>
+              <a:t>Многофайловые сборки</a:t>
+            </a:r>
+            <a:br>
               <a:rPr lang="ru-RU" dirty="0" smtClean="0"/>
-              <a:t> ...</a:t>
-            </a:r>
-            <a:endParaRPr lang="en-US" dirty="0" smtClean="0"/>
-          </a:p>
-          <a:p>
+            </a:br>
             <a:r>
               <a:rPr lang="ru-RU" dirty="0" smtClean="0"/>
-              <a:t>В </a:t>
-            </a:r>
-            <a:r>
-              <a:rPr lang="en-US" dirty="0" smtClean="0"/>
-              <a:t>Solution Explorer, </a:t>
-            </a:r>
-            <a:r>
-              <a:rPr lang="ru-RU" dirty="0" smtClean="0"/>
-              <a:t>найти узел </a:t>
-            </a:r>
-            <a:r>
-              <a:rPr lang="en-US" dirty="0" smtClean="0"/>
-              <a:t>References </a:t>
-            </a:r>
-            <a:r>
-              <a:rPr lang="ru-RU" dirty="0" smtClean="0"/>
-              <a:t>нужного проекта</a:t>
-            </a:r>
-            <a:r>
-              <a:rPr lang="en-US" dirty="0" smtClean="0"/>
-              <a:t>,</a:t>
-            </a:r>
-            <a:r>
-              <a:rPr lang="ru-RU" dirty="0" smtClean="0"/>
-              <a:t> вызвать контестное меню и выбрать </a:t>
-            </a:r>
-            <a:r>
-              <a:rPr lang="en-US" dirty="0"/>
-              <a:t>Add Reference</a:t>
-            </a:r>
-            <a:r>
-              <a:rPr lang="ru-RU" dirty="0"/>
-              <a:t> </a:t>
-            </a:r>
-            <a:r>
-              <a:rPr lang="ru-RU" dirty="0" smtClean="0"/>
-              <a:t>...</a:t>
-            </a:r>
-            <a:endParaRPr lang="en-US" dirty="0" smtClean="0"/>
-          </a:p>
-          <a:p>
-            <a:r>
-              <a:rPr lang="ru-RU" dirty="0" smtClean="0"/>
-              <a:t>С помощью </a:t>
-            </a:r>
-            <a:r>
-              <a:rPr lang="en-US" dirty="0" err="1" smtClean="0"/>
-              <a:t>NuGet</a:t>
+              <a:t>Демонстрация</a:t>
             </a:r>
             <a:endParaRPr lang="ru-RU" dirty="0"/>
           </a:p>
@@ -9279,7 +10338,7 @@
     </p:spTree>
     <p:extLst>
       <p:ext uri="{BB962C8B-B14F-4D97-AF65-F5344CB8AC3E}">
-        <p14:creationId xmlns:p14="http://schemas.microsoft.com/office/powerpoint/2010/main" val="210700532"/>
+        <p14:creationId xmlns:p14="http://schemas.microsoft.com/office/powerpoint/2010/main" val="278552390"/>
       </p:ext>
     </p:extLst>
   </p:cSld>
@@ -9325,16 +10384,13 @@
         </p:nvSpPr>
         <p:spPr/>
         <p:txBody>
-          <a:bodyPr>
-            <a:normAutofit/>
-          </a:bodyPr>
+          <a:bodyPr/>
           <a:lstStyle/>
           <a:p>
             <a:r>
-              <a:rPr lang="ru-RU" dirty="0" smtClean="0"/>
-              <a:t>Номер версии сборки</a:t>
-            </a:r>
-            <a:endParaRPr lang="ru-RU" dirty="0"/>
+              <a:rPr lang="ru-RU" dirty="0"/>
+              <a:t>Добавление сборок к проекту</a:t>
+            </a:r>
           </a:p>
         </p:txBody>
       </p:sp>
@@ -9354,62 +10410,70 @@
           <a:lstStyle/>
           <a:p>
             <a:r>
+              <a:rPr lang="ru-RU" dirty="0" smtClean="0"/>
+              <a:t>Из меню </a:t>
+            </a:r>
+            <a:r>
               <a:rPr lang="en-US" dirty="0" smtClean="0"/>
-              <a:t>[assembly: </a:t>
+              <a:t>Project -&gt; Add Reference</a:t>
+            </a:r>
+            <a:r>
+              <a:rPr lang="ru-RU" dirty="0" smtClean="0"/>
+              <a:t> ...</a:t>
+            </a:r>
+            <a:endParaRPr lang="en-US" dirty="0" smtClean="0"/>
+          </a:p>
+          <a:p>
+            <a:r>
+              <a:rPr lang="ru-RU" dirty="0" smtClean="0"/>
+              <a:t>В </a:t>
+            </a:r>
+            <a:r>
+              <a:rPr lang="en-US" dirty="0" smtClean="0"/>
+              <a:t>Solution Explorer, </a:t>
+            </a:r>
+            <a:r>
+              <a:rPr lang="ru-RU" dirty="0" smtClean="0"/>
+              <a:t>найти узел </a:t>
+            </a:r>
+            <a:r>
+              <a:rPr lang="en-US" dirty="0" smtClean="0"/>
+              <a:t>References </a:t>
+            </a:r>
+            <a:r>
+              <a:rPr lang="ru-RU" dirty="0" smtClean="0"/>
+              <a:t>нужного проекта</a:t>
+            </a:r>
+            <a:r>
+              <a:rPr lang="en-US" dirty="0" smtClean="0"/>
+              <a:t>,</a:t>
+            </a:r>
+            <a:r>
+              <a:rPr lang="ru-RU" dirty="0" smtClean="0"/>
+              <a:t> вызвать контестное меню и выбрать </a:t>
+            </a:r>
+            <a:r>
+              <a:rPr lang="en-US" dirty="0"/>
+              <a:t>Add Reference</a:t>
+            </a:r>
+            <a:r>
+              <a:rPr lang="ru-RU" dirty="0"/>
+              <a:t> </a:t>
+            </a:r>
+            <a:r>
+              <a:rPr lang="ru-RU" dirty="0" smtClean="0"/>
+              <a:t>...</a:t>
+            </a:r>
+            <a:endParaRPr lang="en-US" dirty="0" smtClean="0"/>
+          </a:p>
+          <a:p>
+            <a:r>
+              <a:rPr lang="ru-RU" dirty="0" smtClean="0"/>
+              <a:t>С помощью </a:t>
             </a:r>
             <a:r>
               <a:rPr lang="en-US" dirty="0" err="1" smtClean="0"/>
-              <a:t>AssemblyVersion</a:t>
-            </a:r>
-            <a:r>
-              <a:rPr lang="en-US" dirty="0" smtClean="0"/>
-              <a:t>(“1.2.3.4”)]</a:t>
-            </a:r>
-          </a:p>
-          <a:p>
-            <a:r>
-              <a:rPr lang="en-US" dirty="0" err="1" smtClean="0"/>
-              <a:t>major.minor.build.revision</a:t>
-            </a:r>
-            <a:endParaRPr lang="ru-RU" dirty="0" smtClean="0"/>
-          </a:p>
-          <a:p>
-            <a:pPr lvl="1"/>
-            <a:r>
-              <a:rPr lang="ru-RU" dirty="0" smtClean="0"/>
-              <a:t>Старший номер</a:t>
-            </a:r>
-          </a:p>
-          <a:p>
-            <a:pPr lvl="1"/>
-            <a:r>
-              <a:rPr lang="ru-RU" dirty="0" smtClean="0"/>
-              <a:t>Младший номер</a:t>
-            </a:r>
-          </a:p>
-          <a:p>
-            <a:pPr lvl="1"/>
-            <a:r>
-              <a:rPr lang="ru-RU" dirty="0" smtClean="0"/>
-              <a:t>Номер билда</a:t>
-            </a:r>
-          </a:p>
-          <a:p>
-            <a:pPr lvl="1"/>
-            <a:r>
-              <a:rPr lang="ru-RU" dirty="0" smtClean="0"/>
-              <a:t>Номер ревизии</a:t>
-            </a:r>
-            <a:endParaRPr lang="en-US" dirty="0" smtClean="0"/>
-          </a:p>
-          <a:p>
-            <a:r>
-              <a:rPr lang="ru-RU" dirty="0" smtClean="0"/>
-              <a:t>Задается в </a:t>
-            </a:r>
-            <a:r>
-              <a:rPr lang="en-US" dirty="0" err="1" smtClean="0"/>
-              <a:t>AssemblyInfo.cs</a:t>
+              <a:t>NuGet</a:t>
             </a:r>
             <a:endParaRPr lang="ru-RU" dirty="0"/>
           </a:p>
@@ -9418,7 +10482,7 @@
     </p:spTree>
     <p:extLst>
       <p:ext uri="{BB962C8B-B14F-4D97-AF65-F5344CB8AC3E}">
-        <p14:creationId xmlns:p14="http://schemas.microsoft.com/office/powerpoint/2010/main" val="746042412"/>
+        <p14:creationId xmlns:p14="http://schemas.microsoft.com/office/powerpoint/2010/main" val="210700532"/>
       </p:ext>
     </p:extLst>
   </p:cSld>
@@ -9464,12 +10528,14 @@
         </p:nvSpPr>
         <p:spPr/>
         <p:txBody>
-          <a:bodyPr/>
+          <a:bodyPr>
+            <a:normAutofit/>
+          </a:bodyPr>
           <a:lstStyle/>
           <a:p>
             <a:r>
               <a:rPr lang="ru-RU" dirty="0" smtClean="0"/>
-              <a:t>Типы развертывания</a:t>
+              <a:t>Номер версии сборки</a:t>
             </a:r>
             <a:endParaRPr lang="ru-RU" dirty="0"/>
           </a:p>
@@ -9491,14 +10557,62 @@
           <a:lstStyle/>
           <a:p>
             <a:r>
+              <a:rPr lang="en-US" dirty="0" smtClean="0"/>
+              <a:t>[assembly: </a:t>
+            </a:r>
+            <a:r>
+              <a:rPr lang="en-US" dirty="0" err="1" smtClean="0"/>
+              <a:t>AssemblyVersion</a:t>
+            </a:r>
+            <a:r>
+              <a:rPr lang="en-US" dirty="0" smtClean="0"/>
+              <a:t>(“1.2.3.4”)]</a:t>
+            </a:r>
+          </a:p>
+          <a:p>
+            <a:r>
+              <a:rPr lang="en-US" dirty="0" err="1" smtClean="0"/>
+              <a:t>major.minor.build.revision</a:t>
+            </a:r>
+            <a:endParaRPr lang="ru-RU" dirty="0" smtClean="0"/>
+          </a:p>
+          <a:p>
+            <a:pPr lvl="1"/>
+            <a:r>
               <a:rPr lang="ru-RU" dirty="0" smtClean="0"/>
-              <a:t>Закрытое</a:t>
-            </a:r>
-          </a:p>
-          <a:p>
+              <a:t>Старший номер</a:t>
+            </a:r>
+          </a:p>
+          <a:p>
+            <a:pPr lvl="1"/>
             <a:r>
               <a:rPr lang="ru-RU" dirty="0" smtClean="0"/>
-              <a:t>Совместное</a:t>
+              <a:t>Младший номер</a:t>
+            </a:r>
+          </a:p>
+          <a:p>
+            <a:pPr lvl="1"/>
+            <a:r>
+              <a:rPr lang="ru-RU" dirty="0" smtClean="0"/>
+              <a:t>Номер билда</a:t>
+            </a:r>
+          </a:p>
+          <a:p>
+            <a:pPr lvl="1"/>
+            <a:r>
+              <a:rPr lang="ru-RU" dirty="0" smtClean="0"/>
+              <a:t>Номер ревизии</a:t>
+            </a:r>
+            <a:endParaRPr lang="en-US" dirty="0" smtClean="0"/>
+          </a:p>
+          <a:p>
+            <a:r>
+              <a:rPr lang="ru-RU" dirty="0" smtClean="0"/>
+              <a:t>Задается в </a:t>
+            </a:r>
+            <a:r>
+              <a:rPr lang="en-US" dirty="0" err="1" smtClean="0"/>
+              <a:t>AssemblyInfo.cs</a:t>
             </a:r>
             <a:endParaRPr lang="ru-RU" dirty="0"/>
           </a:p>
@@ -9507,7 +10621,7 @@
     </p:spTree>
     <p:extLst>
       <p:ext uri="{BB962C8B-B14F-4D97-AF65-F5344CB8AC3E}">
-        <p14:creationId xmlns:p14="http://schemas.microsoft.com/office/powerpoint/2010/main" val="3786467353"/>
+        <p14:creationId xmlns:p14="http://schemas.microsoft.com/office/powerpoint/2010/main" val="746042412"/>
       </p:ext>
     </p:extLst>
   </p:cSld>
@@ -9553,25 +10667,12 @@
         </p:nvSpPr>
         <p:spPr/>
         <p:txBody>
-          <a:bodyPr>
-            <a:normAutofit fontScale="90000"/>
-          </a:bodyPr>
+          <a:bodyPr/>
           <a:lstStyle/>
           <a:p>
             <a:r>
-              <a:rPr lang="ru-RU" dirty="0"/>
-              <a:t>Поиск </a:t>
-            </a:r>
-            <a:r>
               <a:rPr lang="ru-RU" dirty="0" smtClean="0"/>
-              <a:t>сборки</a:t>
-            </a:r>
-            <a:br>
-              <a:rPr lang="ru-RU" dirty="0" smtClean="0"/>
-            </a:br>
-            <a:r>
-              <a:rPr lang="ru-RU" dirty="0" smtClean="0"/>
-              <a:t>Закрытое развертывание</a:t>
+              <a:t>Типы развертывания</a:t>
             </a:r>
             <a:endParaRPr lang="ru-RU" dirty="0"/>
           </a:p>
@@ -9589,260 +10690,19 @@
         </p:nvSpPr>
         <p:spPr/>
         <p:txBody>
-          <a:bodyPr>
-            <a:normAutofit fontScale="70000" lnSpcReduction="20000"/>
-          </a:bodyPr>
+          <a:bodyPr/>
           <a:lstStyle/>
           <a:p>
             <a:r>
-              <a:rPr lang="en-US" dirty="0" err="1" smtClean="0"/>
-              <a:t>AppBase</a:t>
-            </a:r>
-            <a:r>
-              <a:rPr lang="en-US" dirty="0" smtClean="0"/>
-              <a:t>\AsmName.dll</a:t>
-            </a:r>
-          </a:p>
-          <a:p>
-            <a:r>
-              <a:rPr lang="en-US" dirty="0" err="1" smtClean="0"/>
-              <a:t>AppBase</a:t>
-            </a:r>
-            <a:r>
-              <a:rPr lang="en-US" dirty="0" smtClean="0"/>
-              <a:t>\</a:t>
-            </a:r>
-            <a:r>
-              <a:rPr lang="en-US" dirty="0" err="1" smtClean="0"/>
-              <a:t>AsmName</a:t>
-            </a:r>
-            <a:r>
-              <a:rPr lang="en-US" dirty="0" smtClean="0"/>
-              <a:t>\AsmName.dll</a:t>
-            </a:r>
-            <a:endParaRPr lang="en-US" dirty="0"/>
-          </a:p>
-          <a:p>
-            <a:r>
-              <a:rPr lang="en-US" dirty="0" err="1" smtClean="0"/>
-              <a:t>AppBase</a:t>
-            </a:r>
-            <a:r>
-              <a:rPr lang="en-US" dirty="0" smtClean="0"/>
-              <a:t>\privatePath1\</a:t>
-            </a:r>
-            <a:r>
-              <a:rPr lang="en-US" dirty="0" err="1" smtClean="0"/>
-              <a:t>AsmName</a:t>
-            </a:r>
-            <a:r>
-              <a:rPr lang="en-US" dirty="0" smtClean="0"/>
-              <a:t>. </a:t>
-            </a:r>
-            <a:r>
-              <a:rPr lang="en-US" dirty="0" err="1"/>
-              <a:t>dll</a:t>
-            </a:r>
-            <a:endParaRPr lang="en-US" dirty="0"/>
-          </a:p>
-          <a:p>
-            <a:r>
-              <a:rPr lang="en-US" dirty="0" err="1" smtClean="0"/>
-              <a:t>AppBase</a:t>
-            </a:r>
-            <a:r>
-              <a:rPr lang="en-US" dirty="0" smtClean="0"/>
-              <a:t>\privatePath1\</a:t>
-            </a:r>
-            <a:r>
-              <a:rPr lang="en-US" dirty="0" err="1" smtClean="0"/>
-              <a:t>AsmName</a:t>
-            </a:r>
-            <a:r>
-              <a:rPr lang="en-US" dirty="0" smtClean="0"/>
-              <a:t>\AsmName.dll</a:t>
-            </a:r>
-            <a:endParaRPr lang="en-US" dirty="0"/>
-          </a:p>
-          <a:p>
-            <a:r>
-              <a:rPr lang="en-US" dirty="0" err="1" smtClean="0"/>
-              <a:t>AppBase</a:t>
-            </a:r>
-            <a:r>
-              <a:rPr lang="en-US" dirty="0" smtClean="0"/>
-              <a:t>\privatePath2\AsmName.dll</a:t>
-            </a:r>
-            <a:endParaRPr lang="en-US" dirty="0"/>
-          </a:p>
-          <a:p>
-            <a:r>
-              <a:rPr lang="en-US" dirty="0" err="1" smtClean="0"/>
-              <a:t>AppBase</a:t>
-            </a:r>
-            <a:r>
-              <a:rPr lang="en-US" dirty="0" smtClean="0"/>
-              <a:t>\privatePath2\</a:t>
-            </a:r>
-            <a:r>
-              <a:rPr lang="en-US" dirty="0" err="1" smtClean="0"/>
-              <a:t>AsmName</a:t>
-            </a:r>
-            <a:r>
-              <a:rPr lang="en-US" dirty="0" smtClean="0"/>
-              <a:t>\AsmName.dll</a:t>
-            </a:r>
-          </a:p>
-          <a:p>
-            <a:endParaRPr lang="en-US" dirty="0" smtClean="0"/>
-          </a:p>
-          <a:p>
-            <a:r>
-              <a:rPr lang="en-US" dirty="0" err="1" smtClean="0"/>
-              <a:t>AppBase</a:t>
-            </a:r>
-            <a:r>
-              <a:rPr lang="en-US" dirty="0" smtClean="0"/>
-              <a:t>\en-US\AsmName.dll</a:t>
-            </a:r>
-            <a:endParaRPr lang="en-US" dirty="0"/>
-          </a:p>
-          <a:p>
-            <a:r>
-              <a:rPr lang="en-US" dirty="0" err="1" smtClean="0"/>
-              <a:t>AppBase</a:t>
-            </a:r>
-            <a:r>
-              <a:rPr lang="en-US" dirty="0" smtClean="0"/>
-              <a:t>\</a:t>
-            </a:r>
-            <a:r>
-              <a:rPr lang="en-US" dirty="0"/>
-              <a:t>en-US\</a:t>
-            </a:r>
-            <a:r>
-              <a:rPr lang="en-US" dirty="0" err="1" smtClean="0"/>
-              <a:t>AsmName</a:t>
-            </a:r>
-            <a:r>
-              <a:rPr lang="en-US" dirty="0" smtClean="0"/>
-              <a:t>\AsmName.dll</a:t>
-            </a:r>
-            <a:endParaRPr lang="en-US" dirty="0"/>
-          </a:p>
-          <a:p>
-            <a:r>
-              <a:rPr lang="en-US" dirty="0" err="1" smtClean="0"/>
-              <a:t>AppBase</a:t>
-            </a:r>
-            <a:r>
-              <a:rPr lang="en-US" dirty="0" smtClean="0"/>
-              <a:t>\</a:t>
-            </a:r>
-            <a:r>
-              <a:rPr lang="en-US" dirty="0"/>
-              <a:t>en-US\</a:t>
-            </a:r>
-            <a:r>
-              <a:rPr lang="en-US" dirty="0" smtClean="0"/>
-              <a:t>privatePath1\</a:t>
-            </a:r>
-            <a:r>
-              <a:rPr lang="en-US" dirty="0" err="1" smtClean="0"/>
-              <a:t>AsmName</a:t>
-            </a:r>
-            <a:r>
-              <a:rPr lang="en-US" dirty="0"/>
-              <a:t>. </a:t>
-            </a:r>
-            <a:r>
-              <a:rPr lang="en-US" dirty="0" err="1"/>
-              <a:t>dll</a:t>
-            </a:r>
-            <a:endParaRPr lang="en-US" dirty="0"/>
-          </a:p>
-          <a:p>
-            <a:r>
-              <a:rPr lang="en-US" dirty="0" err="1" smtClean="0"/>
-              <a:t>AppBase</a:t>
-            </a:r>
-            <a:r>
-              <a:rPr lang="en-US" dirty="0" smtClean="0"/>
-              <a:t>\</a:t>
-            </a:r>
-            <a:r>
-              <a:rPr lang="en-US" dirty="0"/>
-              <a:t>en-US\</a:t>
-            </a:r>
-            <a:r>
-              <a:rPr lang="en-US" dirty="0" smtClean="0"/>
-              <a:t>privatePath1\</a:t>
-            </a:r>
-            <a:r>
-              <a:rPr lang="en-US" dirty="0" err="1" smtClean="0"/>
-              <a:t>AsmName</a:t>
-            </a:r>
-            <a:r>
-              <a:rPr lang="en-US" dirty="0" smtClean="0"/>
-              <a:t>\AsmName.dll</a:t>
-            </a:r>
-            <a:endParaRPr lang="en-US" dirty="0"/>
-          </a:p>
-          <a:p>
-            <a:r>
-              <a:rPr lang="en-US" dirty="0" err="1" smtClean="0"/>
-              <a:t>AppBase</a:t>
-            </a:r>
-            <a:r>
-              <a:rPr lang="en-US" dirty="0" smtClean="0"/>
-              <a:t>\</a:t>
-            </a:r>
-            <a:r>
-              <a:rPr lang="en-US" dirty="0"/>
-              <a:t>en-US\</a:t>
-            </a:r>
-            <a:r>
-              <a:rPr lang="en-US" dirty="0" smtClean="0"/>
-              <a:t>privatePath2\AsmName.dll</a:t>
-            </a:r>
-            <a:endParaRPr lang="en-US" dirty="0"/>
-          </a:p>
-          <a:p>
-            <a:r>
-              <a:rPr lang="en-US" dirty="0" err="1" smtClean="0"/>
-              <a:t>AppBase</a:t>
-            </a:r>
-            <a:r>
-              <a:rPr lang="en-US" dirty="0" smtClean="0"/>
-              <a:t>\</a:t>
-            </a:r>
-            <a:r>
-              <a:rPr lang="en-US" dirty="0"/>
-              <a:t>en-US\</a:t>
-            </a:r>
-            <a:r>
-              <a:rPr lang="en-US" dirty="0" smtClean="0"/>
-              <a:t>privatePath2\</a:t>
-            </a:r>
-            <a:r>
-              <a:rPr lang="en-US" dirty="0" err="1" smtClean="0"/>
-              <a:t>AsmName</a:t>
-            </a:r>
-            <a:r>
-              <a:rPr lang="en-US" dirty="0" smtClean="0"/>
-              <a:t>\</a:t>
-            </a:r>
-            <a:r>
-              <a:rPr lang="en-US" dirty="0" err="1" smtClean="0"/>
-              <a:t>AsmName</a:t>
-            </a:r>
-            <a:r>
-              <a:rPr lang="en-US" dirty="0"/>
-              <a:t>.</a:t>
-            </a:r>
-            <a:endParaRPr lang="en-US" dirty="0" smtClean="0"/>
-          </a:p>
-          <a:p>
+              <a:rPr lang="ru-RU" dirty="0" smtClean="0"/>
+              <a:t>Закрытое</a:t>
+            </a:r>
+          </a:p>
+          <a:p>
+            <a:r>
+              <a:rPr lang="ru-RU" dirty="0" smtClean="0"/>
+              <a:t>Совместное</a:t>
+            </a:r>
             <a:endParaRPr lang="ru-RU" dirty="0"/>
           </a:p>
         </p:txBody>
@@ -9850,7 +10710,7 @@
     </p:spTree>
     <p:extLst>
       <p:ext uri="{BB962C8B-B14F-4D97-AF65-F5344CB8AC3E}">
-        <p14:creationId xmlns:p14="http://schemas.microsoft.com/office/powerpoint/2010/main" val="426700887"/>
+        <p14:creationId xmlns:p14="http://schemas.microsoft.com/office/powerpoint/2010/main" val="3786467353"/>
       </p:ext>
     </p:extLst>
   </p:cSld>
@@ -9896,12 +10756,25 @@
         </p:nvSpPr>
         <p:spPr/>
         <p:txBody>
-          <a:bodyPr/>
+          <a:bodyPr>
+            <a:normAutofit fontScale="90000"/>
+          </a:bodyPr>
           <a:lstStyle/>
           <a:p>
             <a:r>
-              <a:rPr lang="en-US" dirty="0" err="1" smtClean="0"/>
-              <a:t>App.config</a:t>
+              <a:rPr lang="ru-RU" dirty="0"/>
+              <a:t>Поиск </a:t>
+            </a:r>
+            <a:r>
+              <a:rPr lang="ru-RU" dirty="0" smtClean="0"/>
+              <a:t>сборки</a:t>
+            </a:r>
+            <a:br>
+              <a:rPr lang="ru-RU" dirty="0" smtClean="0"/>
+            </a:br>
+            <a:r>
+              <a:rPr lang="ru-RU" dirty="0" smtClean="0"/>
+              <a:t>Закрытое развертывание</a:t>
             </a:r>
             <a:endParaRPr lang="ru-RU" dirty="0"/>
           </a:p>
@@ -9917,320 +10790,270 @@
             <p:ph idx="1"/>
           </p:nvPr>
         </p:nvSpPr>
-        <p:spPr>
-          <a:xfrm>
-            <a:off x="457200" y="1600201"/>
-            <a:ext cx="8229600" cy="2332856"/>
-          </a:xfrm>
-        </p:spPr>
+        <p:spPr/>
         <p:txBody>
           <a:bodyPr>
-            <a:normAutofit/>
+            <a:normAutofit fontScale="70000" lnSpcReduction="20000"/>
           </a:bodyPr>
           <a:lstStyle/>
           <a:p>
-            <a:pPr marL="0" indent="0">
-              <a:buNone/>
-            </a:pPr>
-            <a:r>
-              <a:rPr lang="en-US" sz="1400" dirty="0">
-                <a:latin typeface="Courier New" pitchFamily="49" charset="0"/>
-                <a:cs typeface="Courier New" pitchFamily="49" charset="0"/>
-              </a:rPr>
-              <a:t>&lt;?xml version="1.0"?&gt;</a:t>
-            </a:r>
-          </a:p>
-          <a:p>
-            <a:pPr marL="0" indent="0">
-              <a:buNone/>
-            </a:pPr>
-            <a:r>
-              <a:rPr lang="en-US" sz="1400" dirty="0" smtClean="0">
-                <a:latin typeface="Courier New" pitchFamily="49" charset="0"/>
-                <a:cs typeface="Courier New" pitchFamily="49" charset="0"/>
-              </a:rPr>
-              <a:t>&lt;</a:t>
-            </a:r>
-            <a:r>
-              <a:rPr lang="en-US" sz="1400" dirty="0">
-                <a:latin typeface="Courier New" pitchFamily="49" charset="0"/>
-                <a:cs typeface="Courier New" pitchFamily="49" charset="0"/>
-              </a:rPr>
-              <a:t>configuration&gt;</a:t>
-            </a:r>
-          </a:p>
-          <a:p>
-            <a:pPr marL="0" indent="0">
-              <a:buNone/>
-            </a:pPr>
-            <a:r>
-              <a:rPr lang="en-US" sz="1400" dirty="0" smtClean="0">
-                <a:latin typeface="Courier New" pitchFamily="49" charset="0"/>
-                <a:cs typeface="Courier New" pitchFamily="49" charset="0"/>
-              </a:rPr>
-              <a:t>    &lt;</a:t>
-            </a:r>
-            <a:r>
-              <a:rPr lang="en-US" sz="1400" dirty="0">
-                <a:latin typeface="Courier New" pitchFamily="49" charset="0"/>
-                <a:cs typeface="Courier New" pitchFamily="49" charset="0"/>
-              </a:rPr>
-              <a:t>runtime&gt;</a:t>
-            </a:r>
-          </a:p>
-          <a:p>
-            <a:pPr marL="0" indent="0">
-              <a:buNone/>
-            </a:pPr>
-            <a:r>
-              <a:rPr lang="en-US" sz="1400" dirty="0" smtClean="0">
-                <a:latin typeface="Courier New" pitchFamily="49" charset="0"/>
-                <a:cs typeface="Courier New" pitchFamily="49" charset="0"/>
-              </a:rPr>
-              <a:t>        &lt;</a:t>
-            </a:r>
-            <a:r>
-              <a:rPr lang="en-US" sz="1400" dirty="0" err="1">
-                <a:latin typeface="Courier New" pitchFamily="49" charset="0"/>
-                <a:cs typeface="Courier New" pitchFamily="49" charset="0"/>
-              </a:rPr>
-              <a:t>assemblyBinding</a:t>
-            </a:r>
-            <a:r>
-              <a:rPr lang="en-US" sz="1400" dirty="0">
-                <a:latin typeface="Courier New" pitchFamily="49" charset="0"/>
-                <a:cs typeface="Courier New" pitchFamily="49" charset="0"/>
-              </a:rPr>
-              <a:t> </a:t>
-            </a:r>
-            <a:r>
-              <a:rPr lang="en-US" sz="1400" dirty="0" err="1">
-                <a:latin typeface="Courier New" pitchFamily="49" charset="0"/>
-                <a:cs typeface="Courier New" pitchFamily="49" charset="0"/>
-              </a:rPr>
-              <a:t>xmlns</a:t>
-            </a:r>
-            <a:r>
-              <a:rPr lang="en-US" sz="1400" dirty="0">
-                <a:latin typeface="Courier New" pitchFamily="49" charset="0"/>
-                <a:cs typeface="Courier New" pitchFamily="49" charset="0"/>
-              </a:rPr>
-              <a:t>="urn:schemas-microsoft-com:asm.v1"&gt;</a:t>
-            </a:r>
-          </a:p>
-          <a:p>
-            <a:pPr marL="0" indent="0">
-              <a:buNone/>
-            </a:pPr>
-            <a:r>
-              <a:rPr lang="en-US" sz="1400" dirty="0" smtClean="0">
-                <a:latin typeface="Courier New" pitchFamily="49" charset="0"/>
-                <a:cs typeface="Courier New" pitchFamily="49" charset="0"/>
-              </a:rPr>
-              <a:t>            </a:t>
-            </a:r>
-            <a:r>
-              <a:rPr lang="en-US" sz="1600" dirty="0" smtClean="0">
-                <a:solidFill>
-                  <a:srgbClr val="92D050"/>
-                </a:solidFill>
-                <a:latin typeface="Courier New" pitchFamily="49" charset="0"/>
-                <a:cs typeface="Courier New" pitchFamily="49" charset="0"/>
-              </a:rPr>
-              <a:t>&lt;</a:t>
-            </a:r>
-            <a:r>
-              <a:rPr lang="en-US" sz="1600" dirty="0">
-                <a:solidFill>
-                  <a:srgbClr val="92D050"/>
-                </a:solidFill>
-                <a:latin typeface="Courier New" pitchFamily="49" charset="0"/>
-                <a:cs typeface="Courier New" pitchFamily="49" charset="0"/>
-              </a:rPr>
-              <a:t>probing </a:t>
-            </a:r>
-            <a:r>
-              <a:rPr lang="en-US" sz="1600" dirty="0" err="1">
-                <a:solidFill>
-                  <a:srgbClr val="92D050"/>
-                </a:solidFill>
-                <a:latin typeface="Courier New" pitchFamily="49" charset="0"/>
-                <a:cs typeface="Courier New" pitchFamily="49" charset="0"/>
-              </a:rPr>
-              <a:t>privatePath</a:t>
-            </a:r>
-            <a:r>
-              <a:rPr lang="en-US" sz="1600" dirty="0">
-                <a:solidFill>
-                  <a:srgbClr val="92D050"/>
-                </a:solidFill>
-                <a:latin typeface="Courier New" pitchFamily="49" charset="0"/>
-                <a:cs typeface="Courier New" pitchFamily="49" charset="0"/>
-              </a:rPr>
-              <a:t>="privatePath1;privatePath2"/&gt;</a:t>
-            </a:r>
-          </a:p>
-          <a:p>
-            <a:pPr marL="0" indent="0">
-              <a:buNone/>
-            </a:pPr>
-            <a:r>
-              <a:rPr lang="en-US" sz="1400" dirty="0" smtClean="0">
-                <a:latin typeface="Courier New" pitchFamily="49" charset="0"/>
-                <a:cs typeface="Courier New" pitchFamily="49" charset="0"/>
-              </a:rPr>
-              <a:t>        &lt;/</a:t>
-            </a:r>
-            <a:r>
-              <a:rPr lang="en-US" sz="1400" dirty="0" err="1">
-                <a:latin typeface="Courier New" pitchFamily="49" charset="0"/>
-                <a:cs typeface="Courier New" pitchFamily="49" charset="0"/>
-              </a:rPr>
-              <a:t>assemblyBinding</a:t>
-            </a:r>
-            <a:r>
-              <a:rPr lang="en-US" sz="1400" dirty="0">
-                <a:latin typeface="Courier New" pitchFamily="49" charset="0"/>
-                <a:cs typeface="Courier New" pitchFamily="49" charset="0"/>
-              </a:rPr>
-              <a:t>&gt;</a:t>
-            </a:r>
-          </a:p>
-          <a:p>
-            <a:pPr marL="0" indent="0">
-              <a:buNone/>
-            </a:pPr>
-            <a:r>
-              <a:rPr lang="en-US" sz="1400" dirty="0" smtClean="0">
-                <a:latin typeface="Courier New" pitchFamily="49" charset="0"/>
-                <a:cs typeface="Courier New" pitchFamily="49" charset="0"/>
-              </a:rPr>
-              <a:t>    &lt;/</a:t>
-            </a:r>
-            <a:r>
-              <a:rPr lang="en-US" sz="1400" dirty="0">
-                <a:latin typeface="Courier New" pitchFamily="49" charset="0"/>
-                <a:cs typeface="Courier New" pitchFamily="49" charset="0"/>
-              </a:rPr>
-              <a:t>runtime&gt;</a:t>
-            </a:r>
-          </a:p>
-          <a:p>
-            <a:pPr marL="0" indent="0">
-              <a:buNone/>
-            </a:pPr>
-            <a:r>
-              <a:rPr lang="en-US" sz="1400" dirty="0">
-                <a:latin typeface="Courier New" pitchFamily="49" charset="0"/>
-                <a:cs typeface="Courier New" pitchFamily="49" charset="0"/>
-              </a:rPr>
-              <a:t>&lt;/configuration&gt;</a:t>
-            </a:r>
-          </a:p>
-          <a:p>
-            <a:pPr marL="0" indent="0">
-              <a:buNone/>
-            </a:pPr>
-            <a:endParaRPr lang="ru-RU" sz="1400" dirty="0"/>
-          </a:p>
-        </p:txBody>
-      </p:sp>
-      <p:sp>
-        <p:nvSpPr>
-          <p:cNvPr id="4" name="Title 1"/>
-          <p:cNvSpPr txBox="1">
-            <a:spLocks/>
-          </p:cNvSpPr>
-          <p:nvPr/>
-        </p:nvSpPr>
-        <p:spPr>
-          <a:xfrm>
-            <a:off x="457200" y="3798168"/>
-            <a:ext cx="8229600" cy="1143000"/>
-          </a:xfrm>
-          <a:prstGeom prst="rect">
-            <a:avLst/>
-          </a:prstGeom>
-        </p:spPr>
-        <p:txBody>
-          <a:bodyPr vert="horz" lIns="91440" tIns="45720" rIns="91440" bIns="45720" rtlCol="0" anchor="ctr">
-            <a:normAutofit/>
-          </a:bodyPr>
-          <a:lstStyle>
-            <a:lvl1pPr algn="ctr" defTabSz="914400" rtl="0" eaLnBrk="1" latinLnBrk="0" hangingPunct="1">
-              <a:spcBef>
-                <a:spcPct val="0"/>
-              </a:spcBef>
-              <a:buNone/>
-              <a:defRPr sz="4400" kern="1200">
-                <a:solidFill>
-                  <a:schemeClr val="tx1"/>
-                </a:solidFill>
-                <a:latin typeface="+mj-lt"/>
-                <a:ea typeface="+mj-ea"/>
-                <a:cs typeface="+mj-cs"/>
-              </a:defRPr>
-            </a:lvl1pPr>
-          </a:lstStyle>
-          <a:p>
             <a:r>
               <a:rPr lang="en-US" dirty="0" err="1" smtClean="0"/>
-              <a:t>Machine.config</a:t>
-            </a:r>
+              <a:t>AppBase</a:t>
+            </a:r>
+            <a:r>
+              <a:rPr lang="en-US" dirty="0" smtClean="0"/>
+              <a:t>\AsmName.dll</a:t>
+            </a:r>
+          </a:p>
+          <a:p>
+            <a:r>
+              <a:rPr lang="en-US" dirty="0" err="1" smtClean="0"/>
+              <a:t>AppBase</a:t>
+            </a:r>
+            <a:r>
+              <a:rPr lang="en-US" dirty="0" smtClean="0"/>
+              <a:t>\</a:t>
+            </a:r>
+            <a:r>
+              <a:rPr lang="en-US" dirty="0" err="1" smtClean="0"/>
+              <a:t>AsmName</a:t>
+            </a:r>
+            <a:r>
+              <a:rPr lang="en-US" dirty="0" smtClean="0"/>
+              <a:t>\AsmName.dll</a:t>
+            </a:r>
+            <a:endParaRPr lang="en-US" dirty="0"/>
+          </a:p>
+          <a:p>
+            <a:r>
+              <a:rPr lang="en-US" dirty="0" err="1" smtClean="0"/>
+              <a:t>AppBase</a:t>
+            </a:r>
+            <a:r>
+              <a:rPr lang="en-US" dirty="0" smtClean="0"/>
+              <a:t>\privatePath1\</a:t>
+            </a:r>
+            <a:r>
+              <a:rPr lang="en-US" dirty="0" err="1" smtClean="0"/>
+              <a:t>AsmName</a:t>
+            </a:r>
+            <a:r>
+              <a:rPr lang="en-US" dirty="0" smtClean="0"/>
+              <a:t>. </a:t>
+            </a:r>
+            <a:r>
+              <a:rPr lang="en-US" dirty="0" err="1"/>
+              <a:t>dll</a:t>
+            </a:r>
+            <a:endParaRPr lang="en-US" dirty="0"/>
+          </a:p>
+          <a:p>
+            <a:r>
+              <a:rPr lang="en-US" dirty="0" err="1" smtClean="0"/>
+              <a:t>AppBase</a:t>
+            </a:r>
+            <a:r>
+              <a:rPr lang="en-US" dirty="0" smtClean="0"/>
+              <a:t>\privatePath1\</a:t>
+            </a:r>
+            <a:r>
+              <a:rPr lang="en-US" dirty="0" err="1" smtClean="0"/>
+              <a:t>AsmName</a:t>
+            </a:r>
+            <a:r>
+              <a:rPr lang="en-US" dirty="0" smtClean="0"/>
+              <a:t>\AsmName.dll</a:t>
+            </a:r>
+            <a:endParaRPr lang="en-US" dirty="0"/>
+          </a:p>
+          <a:p>
+            <a:r>
+              <a:rPr lang="en-US" dirty="0" err="1" smtClean="0"/>
+              <a:t>AppBase</a:t>
+            </a:r>
+            <a:r>
+              <a:rPr lang="en-US" dirty="0" smtClean="0"/>
+              <a:t>\privatePath2\AsmName.dll</a:t>
+            </a:r>
+            <a:endParaRPr lang="en-US" dirty="0"/>
+          </a:p>
+          <a:p>
+            <a:r>
+              <a:rPr lang="en-US" dirty="0" err="1" smtClean="0"/>
+              <a:t>AppBase</a:t>
+            </a:r>
+            <a:r>
+              <a:rPr lang="en-US" dirty="0" smtClean="0"/>
+              <a:t>\privatePath2\</a:t>
+            </a:r>
+            <a:r>
+              <a:rPr lang="en-US" dirty="0" err="1" smtClean="0"/>
+              <a:t>AsmName</a:t>
+            </a:r>
+            <a:r>
+              <a:rPr lang="en-US" dirty="0" smtClean="0"/>
+              <a:t>\AsmName.dll</a:t>
+            </a:r>
+          </a:p>
+          <a:p>
+            <a:endParaRPr lang="en-US" dirty="0" smtClean="0"/>
+          </a:p>
+          <a:p>
+            <a:r>
+              <a:rPr lang="en-US" dirty="0" err="1" smtClean="0"/>
+              <a:t>AppBase</a:t>
+            </a:r>
+            <a:r>
+              <a:rPr lang="en-US" dirty="0" smtClean="0"/>
+              <a:t>\en-US\AsmName.dll</a:t>
+            </a:r>
+            <a:endParaRPr lang="en-US" dirty="0"/>
+          </a:p>
+          <a:p>
+            <a:r>
+              <a:rPr lang="en-US" dirty="0" err="1" smtClean="0"/>
+              <a:t>AppBase</a:t>
+            </a:r>
+            <a:r>
+              <a:rPr lang="en-US" dirty="0" smtClean="0"/>
+              <a:t>\</a:t>
+            </a:r>
+            <a:r>
+              <a:rPr lang="en-US" dirty="0"/>
+              <a:t>en-US\</a:t>
+            </a:r>
+            <a:r>
+              <a:rPr lang="en-US" dirty="0" err="1" smtClean="0"/>
+              <a:t>AsmName</a:t>
+            </a:r>
+            <a:r>
+              <a:rPr lang="en-US" dirty="0" smtClean="0"/>
+              <a:t>\AsmName.dll</a:t>
+            </a:r>
+            <a:endParaRPr lang="en-US" dirty="0"/>
+          </a:p>
+          <a:p>
+            <a:r>
+              <a:rPr lang="en-US" dirty="0" err="1" smtClean="0"/>
+              <a:t>AppBase</a:t>
+            </a:r>
+            <a:r>
+              <a:rPr lang="en-US" dirty="0" smtClean="0"/>
+              <a:t>\</a:t>
+            </a:r>
+            <a:r>
+              <a:rPr lang="en-US" dirty="0"/>
+              <a:t>en-US\</a:t>
+            </a:r>
+            <a:r>
+              <a:rPr lang="en-US" dirty="0" smtClean="0"/>
+              <a:t>privatePath1\</a:t>
+            </a:r>
+            <a:r>
+              <a:rPr lang="en-US" dirty="0" err="1" smtClean="0"/>
+              <a:t>AsmName</a:t>
+            </a:r>
+            <a:r>
+              <a:rPr lang="en-US" dirty="0"/>
+              <a:t>. </a:t>
+            </a:r>
+            <a:r>
+              <a:rPr lang="en-US" dirty="0" err="1"/>
+              <a:t>dll</a:t>
+            </a:r>
+            <a:endParaRPr lang="en-US" dirty="0"/>
+          </a:p>
+          <a:p>
+            <a:r>
+              <a:rPr lang="en-US" dirty="0" err="1" smtClean="0"/>
+              <a:t>AppBase</a:t>
+            </a:r>
+            <a:r>
+              <a:rPr lang="en-US" dirty="0" smtClean="0"/>
+              <a:t>\</a:t>
+            </a:r>
+            <a:r>
+              <a:rPr lang="en-US" dirty="0"/>
+              <a:t>en-US\</a:t>
+            </a:r>
+            <a:r>
+              <a:rPr lang="en-US" dirty="0" smtClean="0"/>
+              <a:t>privatePath1\</a:t>
+            </a:r>
+            <a:r>
+              <a:rPr lang="en-US" dirty="0" err="1" smtClean="0"/>
+              <a:t>AsmName</a:t>
+            </a:r>
+            <a:r>
+              <a:rPr lang="en-US" dirty="0" smtClean="0"/>
+              <a:t>\AsmName.dll</a:t>
+            </a:r>
+            <a:endParaRPr lang="en-US" dirty="0"/>
+          </a:p>
+          <a:p>
+            <a:r>
+              <a:rPr lang="en-US" dirty="0" err="1" smtClean="0"/>
+              <a:t>AppBase</a:t>
+            </a:r>
+            <a:r>
+              <a:rPr lang="en-US" dirty="0" smtClean="0"/>
+              <a:t>\</a:t>
+            </a:r>
+            <a:r>
+              <a:rPr lang="en-US" dirty="0"/>
+              <a:t>en-US\</a:t>
+            </a:r>
+            <a:r>
+              <a:rPr lang="en-US" dirty="0" smtClean="0"/>
+              <a:t>privatePath2\AsmName.dll</a:t>
+            </a:r>
+            <a:endParaRPr lang="en-US" dirty="0"/>
+          </a:p>
+          <a:p>
+            <a:r>
+              <a:rPr lang="en-US" dirty="0" err="1" smtClean="0"/>
+              <a:t>AppBase</a:t>
+            </a:r>
+            <a:r>
+              <a:rPr lang="en-US" dirty="0" smtClean="0"/>
+              <a:t>\</a:t>
+            </a:r>
+            <a:r>
+              <a:rPr lang="en-US" dirty="0"/>
+              <a:t>en-US\</a:t>
+            </a:r>
+            <a:r>
+              <a:rPr lang="en-US" dirty="0" smtClean="0"/>
+              <a:t>privatePath2\</a:t>
+            </a:r>
+            <a:r>
+              <a:rPr lang="en-US" dirty="0" err="1" smtClean="0"/>
+              <a:t>AsmName</a:t>
+            </a:r>
+            <a:r>
+              <a:rPr lang="en-US" dirty="0" smtClean="0"/>
+              <a:t>\</a:t>
+            </a:r>
+            <a:r>
+              <a:rPr lang="en-US" dirty="0" err="1" smtClean="0"/>
+              <a:t>AsmName</a:t>
+            </a:r>
+            <a:r>
+              <a:rPr lang="en-US" dirty="0"/>
+              <a:t>.</a:t>
+            </a:r>
+            <a:endParaRPr lang="en-US" dirty="0" smtClean="0"/>
+          </a:p>
+          <a:p>
             <a:endParaRPr lang="ru-RU" dirty="0"/>
-          </a:p>
-        </p:txBody>
-      </p:sp>
-      <p:sp>
-        <p:nvSpPr>
-          <p:cNvPr id="5" name="TextBox 4"/>
-          <p:cNvSpPr txBox="1"/>
-          <p:nvPr/>
-        </p:nvSpPr>
-        <p:spPr>
-          <a:xfrm>
-            <a:off x="457200" y="5085184"/>
-            <a:ext cx="8229600" cy="523220"/>
-          </a:xfrm>
-          <a:prstGeom prst="rect">
-            <a:avLst/>
-          </a:prstGeom>
-          <a:noFill/>
-        </p:spPr>
-        <p:txBody>
-          <a:bodyPr wrap="square" rtlCol="0">
-            <a:spAutoFit/>
-          </a:bodyPr>
-          <a:lstStyle/>
-          <a:p>
-            <a:r>
-              <a:rPr lang="ru-RU" sz="2800" dirty="0" smtClean="0"/>
-              <a:t>%</a:t>
-            </a:r>
-            <a:r>
-              <a:rPr lang="en-US" sz="2800" dirty="0" err="1" smtClean="0"/>
-              <a:t>windir</a:t>
-            </a:r>
-            <a:r>
-              <a:rPr lang="en-US" sz="2800" dirty="0" smtClean="0"/>
-              <a:t>%\Microsoft.NET\Framework\</a:t>
-            </a:r>
-            <a:r>
-              <a:rPr lang="en-US" sz="2800" dirty="0" err="1" smtClean="0"/>
-              <a:t>x.y.z</a:t>
-            </a:r>
-            <a:r>
-              <a:rPr lang="en-US" sz="2800" dirty="0" smtClean="0"/>
-              <a:t>\CONFIG</a:t>
-            </a:r>
-            <a:endParaRPr lang="ru-RU" sz="2800" dirty="0" smtClean="0"/>
           </a:p>
         </p:txBody>
       </p:sp>
     </p:spTree>
     <p:extLst>
       <p:ext uri="{BB962C8B-B14F-4D97-AF65-F5344CB8AC3E}">
-        <p14:creationId xmlns:p14="http://schemas.microsoft.com/office/powerpoint/2010/main" val="4163857979"/>
+        <p14:creationId xmlns:p14="http://schemas.microsoft.com/office/powerpoint/2010/main" val="426700887"/>
       </p:ext>
     </p:extLst>
   </p:cSld>
@@ -10276,14 +11099,12 @@
         </p:nvSpPr>
         <p:spPr/>
         <p:txBody>
-          <a:bodyPr>
-            <a:normAutofit fontScale="90000"/>
-          </a:bodyPr>
+          <a:bodyPr/>
           <a:lstStyle/>
           <a:p>
             <a:r>
-              <a:rPr lang="en-US" dirty="0"/>
-              <a:t>Fuslogvw.exe (Assembly Binding Log Viewer)</a:t>
+              <a:rPr lang="en-US" dirty="0" err="1" smtClean="0"/>
+              <a:t>App.config</a:t>
             </a:r>
             <a:endParaRPr lang="ru-RU" dirty="0"/>
           </a:p>
@@ -10299,10 +11120,15 @@
             <p:ph idx="1"/>
           </p:nvPr>
         </p:nvSpPr>
-        <p:spPr/>
+        <p:spPr>
+          <a:xfrm>
+            <a:off x="457200" y="1600201"/>
+            <a:ext cx="8229600" cy="2332856"/>
+          </a:xfrm>
+        </p:spPr>
         <p:txBody>
           <a:bodyPr>
-            <a:normAutofit fontScale="92500" lnSpcReduction="20000"/>
+            <a:normAutofit/>
           </a:bodyPr>
           <a:lstStyle/>
           <a:p>
@@ -10310,99 +11136,304 @@
               <a:buNone/>
             </a:pPr>
             <a:r>
-              <a:rPr lang="ru-RU" dirty="0" smtClean="0"/>
-              <a:t>Диагностика проблем с загрузкой сборок. </a:t>
-            </a:r>
-            <a:r>
-              <a:rPr lang="ru-RU" smtClean="0"/>
-              <a:t>Является частью </a:t>
-            </a:r>
-            <a:r>
-              <a:rPr lang="en-US" dirty="0" smtClean="0"/>
-              <a:t>Windows SDK</a:t>
-            </a:r>
-            <a:r>
-              <a:rPr lang="ru-RU" dirty="0" smtClean="0"/>
-              <a:t>.</a:t>
+              <a:rPr lang="en-US" sz="1400" dirty="0">
+                <a:latin typeface="Courier New" pitchFamily="49" charset="0"/>
+                <a:cs typeface="Courier New" pitchFamily="49" charset="0"/>
+              </a:rPr>
+              <a:t>&lt;?xml version="1.0"?&gt;</a:t>
             </a:r>
           </a:p>
           <a:p>
             <a:pPr marL="0" indent="0">
               <a:buNone/>
             </a:pPr>
-            <a:endParaRPr lang="ru-RU" dirty="0" smtClean="0"/>
-          </a:p>
-          <a:p>
-            <a:r>
-              <a:rPr lang="en-US" dirty="0" smtClean="0"/>
-              <a:t>HKLM\Software\Microsoft\Fusion</a:t>
-            </a:r>
-            <a:endParaRPr lang="ru-RU" dirty="0" smtClean="0"/>
-          </a:p>
-          <a:p>
-            <a:pPr lvl="1"/>
-            <a:r>
-              <a:rPr lang="en-US" dirty="0" err="1"/>
-              <a:t>ForceLog</a:t>
-            </a:r>
-            <a:r>
-              <a:rPr lang="en-US" dirty="0"/>
-              <a:t> </a:t>
-            </a:r>
-            <a:r>
-              <a:rPr lang="ru-RU" dirty="0" smtClean="0"/>
-              <a:t>= 1</a:t>
-            </a:r>
-          </a:p>
-          <a:p>
-            <a:pPr lvl="1"/>
-            <a:r>
-              <a:rPr lang="en-US" dirty="0" err="1" smtClean="0"/>
-              <a:t>LogPath</a:t>
-            </a:r>
-            <a:r>
-              <a:rPr lang="ru-RU" dirty="0" smtClean="0"/>
-              <a:t> – путь к существующей папке для протоколирования</a:t>
+            <a:r>
+              <a:rPr lang="en-US" sz="1400" dirty="0" smtClean="0">
+                <a:latin typeface="Courier New" pitchFamily="49" charset="0"/>
+                <a:cs typeface="Courier New" pitchFamily="49" charset="0"/>
+              </a:rPr>
+              <a:t>&lt;</a:t>
+            </a:r>
+            <a:r>
+              <a:rPr lang="en-US" sz="1400" dirty="0">
+                <a:latin typeface="Courier New" pitchFamily="49" charset="0"/>
+                <a:cs typeface="Courier New" pitchFamily="49" charset="0"/>
+              </a:rPr>
+              <a:t>configuration&gt;</a:t>
             </a:r>
           </a:p>
           <a:p>
             <a:pPr marL="0" indent="0">
               <a:buNone/>
             </a:pPr>
-            <a:endParaRPr lang="ru-RU" dirty="0" smtClean="0">
-              <a:hlinkClick r:id="rId2"/>
-            </a:endParaRPr>
+            <a:r>
+              <a:rPr lang="en-US" sz="1400" dirty="0" smtClean="0">
+                <a:latin typeface="Courier New" pitchFamily="49" charset="0"/>
+                <a:cs typeface="Courier New" pitchFamily="49" charset="0"/>
+              </a:rPr>
+              <a:t>    &lt;</a:t>
+            </a:r>
+            <a:r>
+              <a:rPr lang="en-US" sz="1400" dirty="0">
+                <a:latin typeface="Courier New" pitchFamily="49" charset="0"/>
+                <a:cs typeface="Courier New" pitchFamily="49" charset="0"/>
+              </a:rPr>
+              <a:t>runtime&gt;</a:t>
+            </a:r>
           </a:p>
           <a:p>
             <a:pPr marL="0" indent="0">
               <a:buNone/>
             </a:pPr>
             <a:r>
-              <a:rPr lang="en-US" dirty="0" smtClean="0">
-                <a:hlinkClick r:id="rId2"/>
-              </a:rPr>
-              <a:t>http</a:t>
-            </a:r>
-            <a:r>
-              <a:rPr lang="en-US" dirty="0">
-                <a:hlinkClick r:id="rId2"/>
-              </a:rPr>
-              <a:t>://</a:t>
-            </a:r>
-            <a:r>
-              <a:rPr lang="en-US" dirty="0" smtClean="0">
-                <a:hlinkClick r:id="rId2"/>
-              </a:rPr>
-              <a:t>msdn.microsoft.com/en-us/library/e74a18c4%28v=vs.110%29.aspx</a:t>
+              <a:rPr lang="en-US" sz="1400" dirty="0" smtClean="0">
+                <a:latin typeface="Courier New" pitchFamily="49" charset="0"/>
+                <a:cs typeface="Courier New" pitchFamily="49" charset="0"/>
+              </a:rPr>
+              <a:t>        &lt;</a:t>
+            </a:r>
+            <a:r>
+              <a:rPr lang="en-US" sz="1400" dirty="0" err="1">
+                <a:latin typeface="Courier New" pitchFamily="49" charset="0"/>
+                <a:cs typeface="Courier New" pitchFamily="49" charset="0"/>
+              </a:rPr>
+              <a:t>assemblyBinding</a:t>
+            </a:r>
+            <a:r>
+              <a:rPr lang="en-US" sz="1400" dirty="0">
+                <a:latin typeface="Courier New" pitchFamily="49" charset="0"/>
+                <a:cs typeface="Courier New" pitchFamily="49" charset="0"/>
+              </a:rPr>
+              <a:t> </a:t>
+            </a:r>
+            <a:r>
+              <a:rPr lang="en-US" sz="1400" dirty="0" err="1">
+                <a:latin typeface="Courier New" pitchFamily="49" charset="0"/>
+                <a:cs typeface="Courier New" pitchFamily="49" charset="0"/>
+              </a:rPr>
+              <a:t>xmlns</a:t>
+            </a:r>
+            <a:r>
+              <a:rPr lang="en-US" sz="1400" dirty="0">
+                <a:latin typeface="Courier New" pitchFamily="49" charset="0"/>
+                <a:cs typeface="Courier New" pitchFamily="49" charset="0"/>
+              </a:rPr>
+              <a:t>="urn:schemas-microsoft-com:asm.v1"&gt;</a:t>
+            </a:r>
+          </a:p>
+          <a:p>
+            <a:pPr marL="0" indent="0">
+              <a:buNone/>
+            </a:pPr>
+            <a:r>
+              <a:rPr lang="en-US" sz="1400" dirty="0" smtClean="0">
+                <a:latin typeface="Courier New" pitchFamily="49" charset="0"/>
+                <a:cs typeface="Courier New" pitchFamily="49" charset="0"/>
+              </a:rPr>
+              <a:t>            </a:t>
+            </a:r>
+            <a:r>
+              <a:rPr lang="en-US" sz="1600" dirty="0" smtClean="0">
+                <a:solidFill>
+                  <a:srgbClr val="92D050"/>
+                </a:solidFill>
+                <a:latin typeface="Courier New" pitchFamily="49" charset="0"/>
+                <a:cs typeface="Courier New" pitchFamily="49" charset="0"/>
+              </a:rPr>
+              <a:t>&lt;</a:t>
+            </a:r>
+            <a:r>
+              <a:rPr lang="en-US" sz="1600" dirty="0">
+                <a:solidFill>
+                  <a:srgbClr val="92D050"/>
+                </a:solidFill>
+                <a:latin typeface="Courier New" pitchFamily="49" charset="0"/>
+                <a:cs typeface="Courier New" pitchFamily="49" charset="0"/>
+              </a:rPr>
+              <a:t>probing </a:t>
+            </a:r>
+            <a:r>
+              <a:rPr lang="en-US" sz="1600" dirty="0" err="1">
+                <a:solidFill>
+                  <a:srgbClr val="92D050"/>
+                </a:solidFill>
+                <a:latin typeface="Courier New" pitchFamily="49" charset="0"/>
+                <a:cs typeface="Courier New" pitchFamily="49" charset="0"/>
+              </a:rPr>
+              <a:t>privatePath</a:t>
+            </a:r>
+            <a:r>
+              <a:rPr lang="en-US" sz="1600" dirty="0">
+                <a:solidFill>
+                  <a:srgbClr val="92D050"/>
+                </a:solidFill>
+                <a:latin typeface="Courier New" pitchFamily="49" charset="0"/>
+                <a:cs typeface="Courier New" pitchFamily="49" charset="0"/>
+              </a:rPr>
+              <a:t>="privatePath1;privatePath2"/&gt;</a:t>
+            </a:r>
+          </a:p>
+          <a:p>
+            <a:pPr marL="0" indent="0">
+              <a:buNone/>
+            </a:pPr>
+            <a:r>
+              <a:rPr lang="en-US" sz="1400" dirty="0" smtClean="0">
+                <a:latin typeface="Courier New" pitchFamily="49" charset="0"/>
+                <a:cs typeface="Courier New" pitchFamily="49" charset="0"/>
+              </a:rPr>
+              <a:t>        &lt;/</a:t>
+            </a:r>
+            <a:r>
+              <a:rPr lang="en-US" sz="1400" dirty="0" err="1">
+                <a:latin typeface="Courier New" pitchFamily="49" charset="0"/>
+                <a:cs typeface="Courier New" pitchFamily="49" charset="0"/>
+              </a:rPr>
+              <a:t>assemblyBinding</a:t>
+            </a:r>
+            <a:r>
+              <a:rPr lang="en-US" sz="1400" dirty="0">
+                <a:latin typeface="Courier New" pitchFamily="49" charset="0"/>
+                <a:cs typeface="Courier New" pitchFamily="49" charset="0"/>
+              </a:rPr>
+              <a:t>&gt;</a:t>
+            </a:r>
+          </a:p>
+          <a:p>
+            <a:pPr marL="0" indent="0">
+              <a:buNone/>
+            </a:pPr>
+            <a:r>
+              <a:rPr lang="en-US" sz="1400" dirty="0" smtClean="0">
+                <a:latin typeface="Courier New" pitchFamily="49" charset="0"/>
+                <a:cs typeface="Courier New" pitchFamily="49" charset="0"/>
+              </a:rPr>
+              <a:t>    &lt;/</a:t>
+            </a:r>
+            <a:r>
+              <a:rPr lang="en-US" sz="1400" dirty="0">
+                <a:latin typeface="Courier New" pitchFamily="49" charset="0"/>
+                <a:cs typeface="Courier New" pitchFamily="49" charset="0"/>
+              </a:rPr>
+              <a:t>runtime&gt;</a:t>
+            </a:r>
+          </a:p>
+          <a:p>
+            <a:pPr marL="0" indent="0">
+              <a:buNone/>
+            </a:pPr>
+            <a:r>
+              <a:rPr lang="en-US" sz="1400" dirty="0">
+                <a:latin typeface="Courier New" pitchFamily="49" charset="0"/>
+                <a:cs typeface="Courier New" pitchFamily="49" charset="0"/>
+              </a:rPr>
+              <a:t>&lt;/configuration&gt;</a:t>
+            </a:r>
+          </a:p>
+          <a:p>
+            <a:pPr marL="0" indent="0">
+              <a:buNone/>
+            </a:pPr>
+            <a:endParaRPr lang="ru-RU" sz="1400" dirty="0"/>
+          </a:p>
+        </p:txBody>
+      </p:sp>
+      <p:sp>
+        <p:nvSpPr>
+          <p:cNvPr id="4" name="Title 1"/>
+          <p:cNvSpPr txBox="1">
+            <a:spLocks/>
+          </p:cNvSpPr>
+          <p:nvPr/>
+        </p:nvSpPr>
+        <p:spPr>
+          <a:xfrm>
+            <a:off x="457200" y="3798168"/>
+            <a:ext cx="8229600" cy="1143000"/>
+          </a:xfrm>
+          <a:prstGeom prst="rect">
+            <a:avLst/>
+          </a:prstGeom>
+        </p:spPr>
+        <p:txBody>
+          <a:bodyPr vert="horz" lIns="91440" tIns="45720" rIns="91440" bIns="45720" rtlCol="0" anchor="ctr">
+            <a:normAutofit/>
+          </a:bodyPr>
+          <a:lstStyle>
+            <a:lvl1pPr algn="ctr" defTabSz="914400" rtl="0" eaLnBrk="1" latinLnBrk="0" hangingPunct="1">
+              <a:spcBef>
+                <a:spcPct val="0"/>
+              </a:spcBef>
+              <a:buNone/>
+              <a:defRPr sz="4400" kern="1200">
+                <a:solidFill>
+                  <a:schemeClr val="tx1"/>
+                </a:solidFill>
+                <a:latin typeface="+mj-lt"/>
+                <a:ea typeface="+mj-ea"/>
+                <a:cs typeface="+mj-cs"/>
+              </a:defRPr>
+            </a:lvl1pPr>
+          </a:lstStyle>
+          <a:p>
+            <a:r>
+              <a:rPr lang="en-US" dirty="0" err="1" smtClean="0"/>
+              <a:t>Machine.config</a:t>
             </a:r>
             <a:endParaRPr lang="ru-RU" dirty="0"/>
+          </a:p>
+        </p:txBody>
+      </p:sp>
+      <p:sp>
+        <p:nvSpPr>
+          <p:cNvPr id="5" name="TextBox 4"/>
+          <p:cNvSpPr txBox="1"/>
+          <p:nvPr/>
+        </p:nvSpPr>
+        <p:spPr>
+          <a:xfrm>
+            <a:off x="457200" y="5085184"/>
+            <a:ext cx="8229600" cy="523220"/>
+          </a:xfrm>
+          <a:prstGeom prst="rect">
+            <a:avLst/>
+          </a:prstGeom>
+          <a:noFill/>
+        </p:spPr>
+        <p:txBody>
+          <a:bodyPr wrap="square" rtlCol="0">
+            <a:spAutoFit/>
+          </a:bodyPr>
+          <a:lstStyle/>
+          <a:p>
+            <a:r>
+              <a:rPr lang="ru-RU" sz="2800" dirty="0" smtClean="0"/>
+              <a:t>%</a:t>
+            </a:r>
+            <a:r>
+              <a:rPr lang="en-US" sz="2800" dirty="0" err="1" smtClean="0"/>
+              <a:t>windir</a:t>
+            </a:r>
+            <a:r>
+              <a:rPr lang="en-US" sz="2800" dirty="0" smtClean="0"/>
+              <a:t>%\Microsoft.NET\Framework\</a:t>
+            </a:r>
+            <a:r>
+              <a:rPr lang="en-US" sz="2800" dirty="0" err="1" smtClean="0"/>
+              <a:t>x.y.z</a:t>
+            </a:r>
+            <a:r>
+              <a:rPr lang="en-US" sz="2800" dirty="0" smtClean="0"/>
+              <a:t>\CONFIG</a:t>
+            </a:r>
+            <a:endParaRPr lang="ru-RU" sz="2800" dirty="0" smtClean="0"/>
           </a:p>
         </p:txBody>
       </p:sp>
     </p:spTree>
     <p:extLst>
       <p:ext uri="{BB962C8B-B14F-4D97-AF65-F5344CB8AC3E}">
-        <p14:creationId xmlns:p14="http://schemas.microsoft.com/office/powerpoint/2010/main" val="3803663968"/>
+        <p14:creationId xmlns:p14="http://schemas.microsoft.com/office/powerpoint/2010/main" val="4163857979"/>
       </p:ext>
     </p:extLst>
   </p:cSld>
@@ -10454,16 +11485,8 @@
           <a:lstStyle/>
           <a:p>
             <a:r>
-              <a:rPr lang="ru-RU" dirty="0" smtClean="0"/>
-              <a:t>Строгое имя сборки (</a:t>
-            </a:r>
-            <a:r>
-              <a:rPr lang="en-US" dirty="0" smtClean="0"/>
-              <a:t>strong name</a:t>
-            </a:r>
-            <a:r>
-              <a:rPr lang="ru-RU" dirty="0" smtClean="0"/>
-              <a:t>)</a:t>
+              <a:rPr lang="en-US" dirty="0"/>
+              <a:t>Fuslogvw.exe (Assembly Binding Log Viewer)</a:t>
             </a:r>
             <a:endParaRPr lang="ru-RU" dirty="0"/>
           </a:p>
@@ -10482,7 +11505,7 @@
         <p:spPr/>
         <p:txBody>
           <a:bodyPr>
-            <a:normAutofit fontScale="62500" lnSpcReduction="20000"/>
+            <a:normAutofit fontScale="92500" lnSpcReduction="20000"/>
           </a:bodyPr>
           <a:lstStyle/>
           <a:p>
@@ -10490,232 +11513,91 @@
               <a:buNone/>
             </a:pPr>
             <a:r>
-              <a:rPr lang="ru-RU" dirty="0" smtClean="0">
-                <a:solidFill>
-                  <a:schemeClr val="bg1"/>
-                </a:solidFill>
-              </a:rPr>
-              <a:t>Для задания строгово имени сборки необходимы четыре составляющих:</a:t>
+              <a:rPr lang="ru-RU" dirty="0" smtClean="0"/>
+              <a:t>Диагностика проблем с загрузкой сборок. </a:t>
+            </a:r>
+            <a:r>
+              <a:rPr lang="ru-RU" smtClean="0"/>
+              <a:t>Является частью </a:t>
+            </a:r>
+            <a:r>
+              <a:rPr lang="en-US" dirty="0" smtClean="0"/>
+              <a:t>Windows SDK</a:t>
+            </a:r>
+            <a:r>
+              <a:rPr lang="ru-RU" dirty="0" smtClean="0"/>
+              <a:t>.</a:t>
             </a:r>
           </a:p>
           <a:p>
             <a:pPr marL="0" indent="0">
               <a:buNone/>
             </a:pPr>
-            <a:endParaRPr lang="en-US" dirty="0" smtClean="0">
-              <a:solidFill>
-                <a:schemeClr val="bg1"/>
-              </a:solidFill>
+            <a:endParaRPr lang="ru-RU" dirty="0" smtClean="0"/>
+          </a:p>
+          <a:p>
+            <a:r>
+              <a:rPr lang="en-US" dirty="0" smtClean="0"/>
+              <a:t>HKLM\Software\Microsoft\Fusion</a:t>
+            </a:r>
+            <a:endParaRPr lang="ru-RU" dirty="0" smtClean="0"/>
+          </a:p>
+          <a:p>
+            <a:pPr lvl="1"/>
+            <a:r>
+              <a:rPr lang="en-US" dirty="0" err="1"/>
+              <a:t>ForceLog</a:t>
+            </a:r>
+            <a:r>
+              <a:rPr lang="en-US" dirty="0"/>
+              <a:t> </a:t>
+            </a:r>
+            <a:r>
+              <a:rPr lang="ru-RU" dirty="0" smtClean="0"/>
+              <a:t>= 1</a:t>
+            </a:r>
+          </a:p>
+          <a:p>
+            <a:pPr lvl="1"/>
+            <a:r>
+              <a:rPr lang="en-US" dirty="0" err="1" smtClean="0"/>
+              <a:t>LogPath</a:t>
+            </a:r>
+            <a:r>
+              <a:rPr lang="ru-RU" dirty="0" smtClean="0"/>
+              <a:t> – путь к существующей папке для протоколирования</a:t>
+            </a:r>
+          </a:p>
+          <a:p>
+            <a:pPr marL="0" indent="0">
+              <a:buNone/>
+            </a:pPr>
+            <a:endParaRPr lang="ru-RU" dirty="0" smtClean="0">
+              <a:hlinkClick r:id="rId2"/>
             </a:endParaRPr>
           </a:p>
           <a:p>
-            <a:pPr marL="514350" indent="-514350">
-              <a:buFont typeface="+mj-lt"/>
-              <a:buAutoNum type="arabicPeriod"/>
-            </a:pPr>
-            <a:r>
-              <a:rPr lang="ru-RU" dirty="0" smtClean="0">
-                <a:solidFill>
-                  <a:srgbClr val="FFFF00"/>
-                </a:solidFill>
-              </a:rPr>
-              <a:t>Имя сборки</a:t>
-            </a:r>
-            <a:endParaRPr lang="en-US" dirty="0" smtClean="0">
-              <a:solidFill>
-                <a:srgbClr val="FFFF00"/>
-              </a:solidFill>
-            </a:endParaRPr>
-          </a:p>
-          <a:p>
-            <a:pPr lvl="1"/>
-            <a:r>
-              <a:rPr lang="ru-RU" dirty="0" smtClean="0"/>
-              <a:t>Задается в свойствах проекта</a:t>
-            </a:r>
-          </a:p>
-          <a:p>
-            <a:pPr marL="514350" indent="-514350">
-              <a:buFont typeface="+mj-lt"/>
-              <a:buAutoNum type="arabicPeriod"/>
-            </a:pPr>
-            <a:r>
-              <a:rPr lang="ru-RU" dirty="0" smtClean="0">
-                <a:solidFill>
-                  <a:srgbClr val="FFFF00"/>
-                </a:solidFill>
-              </a:rPr>
-              <a:t>Номер версии сборки</a:t>
-            </a:r>
-          </a:p>
-          <a:p>
-            <a:pPr lvl="1"/>
-            <a:r>
-              <a:rPr lang="ru-RU" dirty="0" smtClean="0"/>
-              <a:t>Атрибут </a:t>
-            </a:r>
-            <a:r>
-              <a:rPr lang="en-US" dirty="0" err="1" smtClean="0"/>
-              <a:t>AssemblyVersion</a:t>
-            </a:r>
-            <a:endParaRPr lang="ru-RU" dirty="0" smtClean="0"/>
-          </a:p>
-          <a:p>
-            <a:pPr marL="514350" indent="-514350">
-              <a:buFont typeface="+mj-lt"/>
-              <a:buAutoNum type="arabicPeriod"/>
-            </a:pPr>
-            <a:r>
-              <a:rPr lang="ru-RU" dirty="0" smtClean="0">
-                <a:solidFill>
-                  <a:srgbClr val="FFFF00"/>
-                </a:solidFill>
-              </a:rPr>
-              <a:t>Культура сборки</a:t>
-            </a:r>
-          </a:p>
-          <a:p>
-            <a:pPr lvl="1"/>
-            <a:r>
-              <a:rPr lang="ru-RU" dirty="0" smtClean="0"/>
-              <a:t>Атрибут </a:t>
-            </a:r>
-            <a:r>
-              <a:rPr lang="en-US" dirty="0" err="1" smtClean="0"/>
-              <a:t>AssemblyCulture</a:t>
-            </a:r>
-            <a:endParaRPr lang="ru-RU" dirty="0" smtClean="0"/>
-          </a:p>
-          <a:p>
-            <a:pPr marL="514350" indent="-514350">
-              <a:buFont typeface="+mj-lt"/>
-              <a:buAutoNum type="arabicPeriod"/>
-            </a:pPr>
-            <a:r>
-              <a:rPr lang="en-US" dirty="0" err="1" smtClean="0">
-                <a:solidFill>
-                  <a:srgbClr val="FFFF00"/>
-                </a:solidFill>
-              </a:rPr>
-              <a:t>PublicKeyToken</a:t>
-            </a:r>
-            <a:endParaRPr lang="ru-RU" dirty="0" smtClean="0">
-              <a:solidFill>
-                <a:srgbClr val="FFFF00"/>
-              </a:solidFill>
-            </a:endParaRPr>
-          </a:p>
-          <a:p>
-            <a:pPr lvl="1"/>
-            <a:r>
-              <a:rPr lang="ru-RU" dirty="0" smtClean="0"/>
-              <a:t>Часть </a:t>
-            </a:r>
-            <a:r>
-              <a:rPr lang="en-US" dirty="0" smtClean="0"/>
-              <a:t>public </a:t>
-            </a:r>
-            <a:r>
-              <a:rPr lang="ru-RU" dirty="0" smtClean="0"/>
-              <a:t>ключа из </a:t>
-            </a:r>
-            <a:r>
-              <a:rPr lang="en-US" dirty="0" err="1" smtClean="0"/>
-              <a:t>snk</a:t>
-            </a:r>
-            <a:r>
-              <a:rPr lang="en-US" dirty="0" smtClean="0"/>
-              <a:t> </a:t>
-            </a:r>
-            <a:r>
-              <a:rPr lang="ru-RU" dirty="0" smtClean="0"/>
-              <a:t>файла</a:t>
-            </a:r>
-            <a:endParaRPr lang="en-US" dirty="0" smtClean="0"/>
-          </a:p>
-          <a:p>
-            <a:endParaRPr lang="en-US" dirty="0"/>
-          </a:p>
-          <a:p>
-            <a:r>
-              <a:rPr lang="en-US" sz="2400" dirty="0" err="1"/>
-              <a:t>MyTypes</a:t>
-            </a:r>
-            <a:r>
-              <a:rPr lang="en-US" sz="2400" dirty="0"/>
-              <a:t>, </a:t>
-            </a:r>
-            <a:r>
-              <a:rPr lang="en-US" sz="2400" dirty="0" smtClean="0"/>
-              <a:t>Version=1.0.8123.</a:t>
-            </a:r>
-            <a:r>
-              <a:rPr lang="ru-RU" sz="2400" dirty="0" smtClean="0"/>
-              <a:t>О,</a:t>
-            </a:r>
-            <a:r>
-              <a:rPr lang="en-US" sz="2400" dirty="0" smtClean="0"/>
-              <a:t/>
-            </a:r>
-            <a:br>
-              <a:rPr lang="en-US" sz="2400" dirty="0" smtClean="0"/>
-            </a:br>
-            <a:r>
-              <a:rPr lang="en-US" sz="2400" dirty="0" smtClean="0"/>
-              <a:t>Culture=neutral</a:t>
-            </a:r>
-            <a:r>
-              <a:rPr lang="en-US" sz="2400" dirty="0"/>
-              <a:t>, </a:t>
-            </a:r>
-            <a:r>
-              <a:rPr lang="en-US" sz="2400" dirty="0" err="1" smtClean="0"/>
-              <a:t>PublicKeyToken</a:t>
-            </a:r>
-            <a:r>
-              <a:rPr lang="en-US" sz="2400" dirty="0" smtClean="0"/>
-              <a:t>=b77a5c561934e089</a:t>
-            </a:r>
-          </a:p>
-          <a:p>
-            <a:r>
-              <a:rPr lang="en-US" sz="2400" dirty="0" err="1"/>
-              <a:t>MyTypes</a:t>
-            </a:r>
-            <a:r>
-              <a:rPr lang="en-US" sz="2400" dirty="0"/>
-              <a:t>, </a:t>
-            </a:r>
-            <a:r>
-              <a:rPr lang="en-US" sz="2400" dirty="0" smtClean="0"/>
-              <a:t>Version=1.0.8123.</a:t>
-            </a:r>
-            <a:r>
-              <a:rPr lang="ru-RU" sz="2400" dirty="0"/>
-              <a:t>О,</a:t>
-            </a:r>
-            <a:r>
-              <a:rPr lang="en-US" sz="2400" dirty="0"/>
-              <a:t/>
-            </a:r>
-            <a:br>
-              <a:rPr lang="en-US" sz="2400" dirty="0"/>
-            </a:br>
-            <a:r>
-              <a:rPr lang="en-US" sz="2400" dirty="0" smtClean="0"/>
-              <a:t>Culture=en-US, </a:t>
-            </a:r>
-            <a:r>
-              <a:rPr lang="en-US" sz="2400" dirty="0" err="1"/>
-              <a:t>PublicKeyToken</a:t>
-            </a:r>
-            <a:r>
-              <a:rPr lang="en-US" sz="2400" dirty="0"/>
-              <a:t>=b77a5c561934e089</a:t>
-            </a:r>
-            <a:endParaRPr lang="ru-RU" sz="2400" dirty="0" smtClean="0"/>
-          </a:p>
-          <a:p>
+            <a:pPr marL="0" indent="0">
+              <a:buNone/>
+            </a:pPr>
+            <a:r>
+              <a:rPr lang="en-US" dirty="0" smtClean="0">
+                <a:hlinkClick r:id="rId2"/>
+              </a:rPr>
+              <a:t>http</a:t>
+            </a:r>
+            <a:r>
+              <a:rPr lang="en-US" dirty="0">
+                <a:hlinkClick r:id="rId2"/>
+              </a:rPr>
+              <a:t>://</a:t>
+            </a:r>
+            <a:r>
+              <a:rPr lang="en-US" dirty="0" smtClean="0">
+                <a:hlinkClick r:id="rId2"/>
+              </a:rPr>
+              <a:t>msdn.microsoft.com/en-us/library/e74a18c4%28v=vs.110%29.aspx</a:t>
+            </a:r>
             <a:endParaRPr lang="ru-RU" dirty="0"/>
           </a:p>
         </p:txBody>
@@ -10723,7 +11605,7 @@
     </p:spTree>
     <p:extLst>
       <p:ext uri="{BB962C8B-B14F-4D97-AF65-F5344CB8AC3E}">
-        <p14:creationId xmlns:p14="http://schemas.microsoft.com/office/powerpoint/2010/main" val="1579629595"/>
+        <p14:creationId xmlns:p14="http://schemas.microsoft.com/office/powerpoint/2010/main" val="3803663968"/>
       </p:ext>
     </p:extLst>
   </p:cSld>
@@ -10769,6 +11651,327 @@
         </p:nvSpPr>
         <p:spPr/>
         <p:txBody>
+          <a:bodyPr>
+            <a:normAutofit fontScale="90000"/>
+          </a:bodyPr>
+          <a:lstStyle/>
+          <a:p>
+            <a:r>
+              <a:rPr lang="ru-RU" dirty="0" smtClean="0"/>
+              <a:t>Строгое имя сборки (</a:t>
+            </a:r>
+            <a:r>
+              <a:rPr lang="en-US" dirty="0" smtClean="0"/>
+              <a:t>strong name</a:t>
+            </a:r>
+            <a:r>
+              <a:rPr lang="ru-RU" dirty="0" smtClean="0"/>
+              <a:t>)</a:t>
+            </a:r>
+            <a:endParaRPr lang="ru-RU" dirty="0"/>
+          </a:p>
+        </p:txBody>
+      </p:sp>
+      <p:sp>
+        <p:nvSpPr>
+          <p:cNvPr id="3" name="Content Placeholder 2"/>
+          <p:cNvSpPr>
+            <a:spLocks noGrp="1"/>
+          </p:cNvSpPr>
+          <p:nvPr>
+            <p:ph idx="1"/>
+          </p:nvPr>
+        </p:nvSpPr>
+        <p:spPr/>
+        <p:txBody>
+          <a:bodyPr>
+            <a:normAutofit fontScale="62500" lnSpcReduction="20000"/>
+          </a:bodyPr>
+          <a:lstStyle/>
+          <a:p>
+            <a:pPr marL="0" indent="0">
+              <a:buNone/>
+            </a:pPr>
+            <a:r>
+              <a:rPr lang="ru-RU" dirty="0" smtClean="0">
+                <a:solidFill>
+                  <a:schemeClr val="bg1"/>
+                </a:solidFill>
+              </a:rPr>
+              <a:t>Для задания строгово имени сборки необходимы четыре составляющих:</a:t>
+            </a:r>
+          </a:p>
+          <a:p>
+            <a:pPr marL="0" indent="0">
+              <a:buNone/>
+            </a:pPr>
+            <a:endParaRPr lang="en-US" dirty="0" smtClean="0">
+              <a:solidFill>
+                <a:schemeClr val="bg1"/>
+              </a:solidFill>
+            </a:endParaRPr>
+          </a:p>
+          <a:p>
+            <a:pPr marL="514350" indent="-514350">
+              <a:buFont typeface="+mj-lt"/>
+              <a:buAutoNum type="arabicPeriod"/>
+            </a:pPr>
+            <a:r>
+              <a:rPr lang="ru-RU" dirty="0" smtClean="0">
+                <a:solidFill>
+                  <a:srgbClr val="FFFF00"/>
+                </a:solidFill>
+              </a:rPr>
+              <a:t>Имя сборки</a:t>
+            </a:r>
+            <a:endParaRPr lang="en-US" dirty="0" smtClean="0">
+              <a:solidFill>
+                <a:srgbClr val="FFFF00"/>
+              </a:solidFill>
+            </a:endParaRPr>
+          </a:p>
+          <a:p>
+            <a:pPr lvl="1"/>
+            <a:r>
+              <a:rPr lang="ru-RU" dirty="0" smtClean="0"/>
+              <a:t>Задается в свойствах проекта</a:t>
+            </a:r>
+          </a:p>
+          <a:p>
+            <a:pPr marL="514350" indent="-514350">
+              <a:buFont typeface="+mj-lt"/>
+              <a:buAutoNum type="arabicPeriod"/>
+            </a:pPr>
+            <a:r>
+              <a:rPr lang="ru-RU" dirty="0" smtClean="0">
+                <a:solidFill>
+                  <a:srgbClr val="FFFF00"/>
+                </a:solidFill>
+              </a:rPr>
+              <a:t>Номер версии сборки</a:t>
+            </a:r>
+          </a:p>
+          <a:p>
+            <a:pPr lvl="1"/>
+            <a:r>
+              <a:rPr lang="ru-RU" dirty="0" smtClean="0"/>
+              <a:t>Атрибут </a:t>
+            </a:r>
+            <a:r>
+              <a:rPr lang="en-US" dirty="0" err="1" smtClean="0"/>
+              <a:t>AssemblyVersion</a:t>
+            </a:r>
+            <a:endParaRPr lang="ru-RU" dirty="0" smtClean="0"/>
+          </a:p>
+          <a:p>
+            <a:pPr marL="514350" indent="-514350">
+              <a:buFont typeface="+mj-lt"/>
+              <a:buAutoNum type="arabicPeriod"/>
+            </a:pPr>
+            <a:r>
+              <a:rPr lang="ru-RU" dirty="0" smtClean="0">
+                <a:solidFill>
+                  <a:srgbClr val="FFFF00"/>
+                </a:solidFill>
+              </a:rPr>
+              <a:t>Культура сборки</a:t>
+            </a:r>
+          </a:p>
+          <a:p>
+            <a:pPr lvl="1"/>
+            <a:r>
+              <a:rPr lang="ru-RU" dirty="0" smtClean="0"/>
+              <a:t>Атрибут </a:t>
+            </a:r>
+            <a:r>
+              <a:rPr lang="en-US" dirty="0" err="1" smtClean="0"/>
+              <a:t>AssemblyCulture</a:t>
+            </a:r>
+            <a:endParaRPr lang="ru-RU" dirty="0" smtClean="0"/>
+          </a:p>
+          <a:p>
+            <a:pPr marL="514350" indent="-514350">
+              <a:buFont typeface="+mj-lt"/>
+              <a:buAutoNum type="arabicPeriod"/>
+            </a:pPr>
+            <a:r>
+              <a:rPr lang="en-US" dirty="0" err="1" smtClean="0">
+                <a:solidFill>
+                  <a:srgbClr val="FFFF00"/>
+                </a:solidFill>
+              </a:rPr>
+              <a:t>PublicKeyToken</a:t>
+            </a:r>
+            <a:endParaRPr lang="ru-RU" dirty="0" smtClean="0">
+              <a:solidFill>
+                <a:srgbClr val="FFFF00"/>
+              </a:solidFill>
+            </a:endParaRPr>
+          </a:p>
+          <a:p>
+            <a:pPr lvl="1"/>
+            <a:r>
+              <a:rPr lang="ru-RU" dirty="0" smtClean="0"/>
+              <a:t>Часть </a:t>
+            </a:r>
+            <a:r>
+              <a:rPr lang="en-US" dirty="0" smtClean="0"/>
+              <a:t>public </a:t>
+            </a:r>
+            <a:r>
+              <a:rPr lang="ru-RU" dirty="0" smtClean="0"/>
+              <a:t>ключа из </a:t>
+            </a:r>
+            <a:r>
+              <a:rPr lang="en-US" dirty="0" err="1" smtClean="0"/>
+              <a:t>snk</a:t>
+            </a:r>
+            <a:r>
+              <a:rPr lang="en-US" dirty="0" smtClean="0"/>
+              <a:t> </a:t>
+            </a:r>
+            <a:r>
+              <a:rPr lang="ru-RU" dirty="0" smtClean="0"/>
+              <a:t>файла</a:t>
+            </a:r>
+            <a:endParaRPr lang="en-US" dirty="0" smtClean="0"/>
+          </a:p>
+          <a:p>
+            <a:endParaRPr lang="en-US" dirty="0"/>
+          </a:p>
+          <a:p>
+            <a:r>
+              <a:rPr lang="en-US" sz="2400" dirty="0" err="1"/>
+              <a:t>MyTypes</a:t>
+            </a:r>
+            <a:r>
+              <a:rPr lang="en-US" sz="2400" dirty="0"/>
+              <a:t>, </a:t>
+            </a:r>
+            <a:r>
+              <a:rPr lang="en-US" sz="2400" dirty="0" smtClean="0"/>
+              <a:t>Version=1.0.8123.</a:t>
+            </a:r>
+            <a:r>
+              <a:rPr lang="ru-RU" sz="2400" dirty="0" smtClean="0"/>
+              <a:t>О,</a:t>
+            </a:r>
+            <a:r>
+              <a:rPr lang="en-US" sz="2400" dirty="0" smtClean="0"/>
+              <a:t/>
+            </a:r>
+            <a:br>
+              <a:rPr lang="en-US" sz="2400" dirty="0" smtClean="0"/>
+            </a:br>
+            <a:r>
+              <a:rPr lang="en-US" sz="2400" dirty="0" smtClean="0"/>
+              <a:t>Culture=neutral</a:t>
+            </a:r>
+            <a:r>
+              <a:rPr lang="en-US" sz="2400" dirty="0"/>
+              <a:t>, </a:t>
+            </a:r>
+            <a:r>
+              <a:rPr lang="en-US" sz="2400" dirty="0" err="1" smtClean="0"/>
+              <a:t>PublicKeyToken</a:t>
+            </a:r>
+            <a:r>
+              <a:rPr lang="en-US" sz="2400" dirty="0" smtClean="0"/>
+              <a:t>=b77a5c561934e089</a:t>
+            </a:r>
+          </a:p>
+          <a:p>
+            <a:r>
+              <a:rPr lang="en-US" sz="2400" dirty="0" err="1"/>
+              <a:t>MyTypes</a:t>
+            </a:r>
+            <a:r>
+              <a:rPr lang="en-US" sz="2400" dirty="0"/>
+              <a:t>, </a:t>
+            </a:r>
+            <a:r>
+              <a:rPr lang="en-US" sz="2400" dirty="0" smtClean="0"/>
+              <a:t>Version=1.0.8123.</a:t>
+            </a:r>
+            <a:r>
+              <a:rPr lang="ru-RU" sz="2400" dirty="0"/>
+              <a:t>О,</a:t>
+            </a:r>
+            <a:r>
+              <a:rPr lang="en-US" sz="2400" dirty="0"/>
+              <a:t/>
+            </a:r>
+            <a:br>
+              <a:rPr lang="en-US" sz="2400" dirty="0"/>
+            </a:br>
+            <a:r>
+              <a:rPr lang="en-US" sz="2400" dirty="0" smtClean="0"/>
+              <a:t>Culture=en-US, </a:t>
+            </a:r>
+            <a:r>
+              <a:rPr lang="en-US" sz="2400" dirty="0" err="1"/>
+              <a:t>PublicKeyToken</a:t>
+            </a:r>
+            <a:r>
+              <a:rPr lang="en-US" sz="2400" dirty="0"/>
+              <a:t>=b77a5c561934e089</a:t>
+            </a:r>
+            <a:endParaRPr lang="ru-RU" sz="2400" dirty="0" smtClean="0"/>
+          </a:p>
+          <a:p>
+            <a:endParaRPr lang="ru-RU" dirty="0"/>
+          </a:p>
+        </p:txBody>
+      </p:sp>
+    </p:spTree>
+    <p:extLst>
+      <p:ext uri="{BB962C8B-B14F-4D97-AF65-F5344CB8AC3E}">
+        <p14:creationId xmlns:p14="http://schemas.microsoft.com/office/powerpoint/2010/main" val="1579629595"/>
+      </p:ext>
+    </p:extLst>
+  </p:cSld>
+  <p:clrMapOvr>
+    <a:masterClrMapping/>
+  </p:clrMapOvr>
+  <p:timing>
+    <p:tnLst>
+      <p:par>
+        <p:cTn id="1" dur="indefinite" restart="never" nodeType="tmRoot"/>
+      </p:par>
+    </p:tnLst>
+  </p:timing>
+</p:sld>
+</file>
+
+<file path=ppt/slides/slide28.xml><?xml version="1.0" encoding="utf-8"?>
+<p:sld xmlns:a="http://schemas.openxmlformats.org/drawingml/2006/main" xmlns:r="http://schemas.openxmlformats.org/officeDocument/2006/relationships" xmlns:p="http://schemas.openxmlformats.org/presentationml/2006/main">
+  <p:cSld>
+    <p:spTree>
+      <p:nvGrpSpPr>
+        <p:cNvPr id="1" name=""/>
+        <p:cNvGrpSpPr/>
+        <p:nvPr/>
+      </p:nvGrpSpPr>
+      <p:grpSpPr>
+        <a:xfrm>
+          <a:off x="0" y="0"/>
+          <a:ext cx="0" cy="0"/>
+          <a:chOff x="0" y="0"/>
+          <a:chExt cx="0" cy="0"/>
+        </a:xfrm>
+      </p:grpSpPr>
+      <p:sp>
+        <p:nvSpPr>
+          <p:cNvPr id="2" name="Title 1"/>
+          <p:cNvSpPr>
+            <a:spLocks noGrp="1"/>
+          </p:cNvSpPr>
+          <p:nvPr>
+            <p:ph type="title"/>
+          </p:nvPr>
+        </p:nvSpPr>
+        <p:spPr/>
+        <p:txBody>
           <a:bodyPr/>
           <a:lstStyle/>
           <a:p>
@@ -11199,7 +12402,7 @@
 </p:sld>
 </file>
 
-<file path=ppt/slides/slide28.xml><?xml version="1.0" encoding="utf-8"?>
+<file path=ppt/slides/slide29.xml><?xml version="1.0" encoding="utf-8"?>
 <p:sld xmlns:a="http://schemas.openxmlformats.org/drawingml/2006/main" xmlns:r="http://schemas.openxmlformats.org/officeDocument/2006/relationships" xmlns:p="http://schemas.openxmlformats.org/presentationml/2006/main">
   <p:cSld>
     <p:spTree>
@@ -11722,154 +12925,6 @@
 </p:sld>
 </file>
 
-<file path=ppt/slides/slide29.xml><?xml version="1.0" encoding="utf-8"?>
-<p:sld xmlns:a="http://schemas.openxmlformats.org/drawingml/2006/main" xmlns:r="http://schemas.openxmlformats.org/officeDocument/2006/relationships" xmlns:p="http://schemas.openxmlformats.org/presentationml/2006/main">
-  <p:cSld>
-    <p:spTree>
-      <p:nvGrpSpPr>
-        <p:cNvPr id="1" name=""/>
-        <p:cNvGrpSpPr/>
-        <p:nvPr/>
-      </p:nvGrpSpPr>
-      <p:grpSpPr>
-        <a:xfrm>
-          <a:off x="0" y="0"/>
-          <a:ext cx="0" cy="0"/>
-          <a:chOff x="0" y="0"/>
-          <a:chExt cx="0" cy="0"/>
-        </a:xfrm>
-      </p:grpSpPr>
-      <p:sp>
-        <p:nvSpPr>
-          <p:cNvPr id="2" name="Title 1"/>
-          <p:cNvSpPr>
-            <a:spLocks noGrp="1"/>
-          </p:cNvSpPr>
-          <p:nvPr>
-            <p:ph type="title"/>
-          </p:nvPr>
-        </p:nvSpPr>
-        <p:spPr/>
-        <p:txBody>
-          <a:bodyPr>
-            <a:normAutofit fontScale="90000"/>
-          </a:bodyPr>
-          <a:lstStyle/>
-          <a:p>
-            <a:r>
-              <a:rPr lang="ru-RU" dirty="0" smtClean="0"/>
-              <a:t>Глобальный кеш сборок</a:t>
-            </a:r>
-            <a:r>
-              <a:rPr lang="en-US" dirty="0" smtClean="0"/>
-              <a:t/>
-            </a:r>
-            <a:br>
-              <a:rPr lang="en-US" dirty="0" smtClean="0"/>
-            </a:br>
-            <a:r>
-              <a:rPr lang="en-US" dirty="0" smtClean="0"/>
-              <a:t>Global Assembly Cache (GAC)</a:t>
-            </a:r>
-            <a:endParaRPr lang="ru-RU" dirty="0"/>
-          </a:p>
-        </p:txBody>
-      </p:sp>
-      <p:sp>
-        <p:nvSpPr>
-          <p:cNvPr id="3" name="Content Placeholder 2"/>
-          <p:cNvSpPr>
-            <a:spLocks noGrp="1"/>
-          </p:cNvSpPr>
-          <p:nvPr>
-            <p:ph idx="1"/>
-          </p:nvPr>
-        </p:nvSpPr>
-        <p:spPr/>
-        <p:txBody>
-          <a:bodyPr/>
-          <a:lstStyle/>
-          <a:p>
-            <a:r>
-              <a:rPr lang="ru-RU" dirty="0" smtClean="0"/>
-              <a:t>Расположение</a:t>
-            </a:r>
-            <a:endParaRPr lang="en-US" dirty="0" smtClean="0"/>
-          </a:p>
-          <a:p>
-            <a:pPr lvl="1"/>
-            <a:r>
-              <a:rPr lang="en-US" dirty="0" smtClean="0"/>
-              <a:t>%</a:t>
-            </a:r>
-            <a:r>
-              <a:rPr lang="en-US" dirty="0" err="1" smtClean="0"/>
-              <a:t>windir</a:t>
-            </a:r>
-            <a:r>
-              <a:rPr lang="en-US" dirty="0" smtClean="0"/>
-              <a:t>%\assembly</a:t>
-            </a:r>
-          </a:p>
-          <a:p>
-            <a:pPr lvl="1"/>
-            <a:r>
-              <a:rPr lang="en-US" dirty="0" smtClean="0"/>
-              <a:t>%</a:t>
-            </a:r>
-            <a:r>
-              <a:rPr lang="en-US" dirty="0" err="1" smtClean="0"/>
-              <a:t>windir</a:t>
-            </a:r>
-            <a:r>
-              <a:rPr lang="en-US" dirty="0" smtClean="0"/>
-              <a:t>%\Microsoft.NET\assembly</a:t>
-            </a:r>
-            <a:r>
-              <a:rPr lang="ru-RU" dirty="0" smtClean="0"/>
-              <a:t> (</a:t>
-            </a:r>
-            <a:r>
-              <a:rPr lang="en-US" dirty="0" smtClean="0"/>
-              <a:t>.NET 4+)</a:t>
-            </a:r>
-          </a:p>
-          <a:p>
-            <a:r>
-              <a:rPr lang="ru-RU" dirty="0" smtClean="0"/>
-              <a:t>Добавление сборки в </a:t>
-            </a:r>
-            <a:r>
-              <a:rPr lang="en-US" smtClean="0"/>
-              <a:t>GAC</a:t>
-            </a:r>
-          </a:p>
-          <a:p>
-            <a:pPr lvl="1"/>
-            <a:endParaRPr lang="ru-RU" dirty="0"/>
-          </a:p>
-        </p:txBody>
-      </p:sp>
-    </p:spTree>
-    <p:extLst>
-      <p:ext uri="{BB962C8B-B14F-4D97-AF65-F5344CB8AC3E}">
-        <p14:creationId xmlns:p14="http://schemas.microsoft.com/office/powerpoint/2010/main" val="1521006786"/>
-      </p:ext>
-    </p:extLst>
-  </p:cSld>
-  <p:clrMapOvr>
-    <a:masterClrMapping/>
-  </p:clrMapOvr>
-  <p:timing>
-    <p:tnLst>
-      <p:par>
-        <p:cTn id="1" dur="indefinite" restart="never" nodeType="tmRoot"/>
-      </p:par>
-    </p:tnLst>
-  </p:timing>
-</p:sld>
-</file>
-
 <file path=ppt/slides/slide3.xml><?xml version="1.0" encoding="utf-8"?>
 <p:sld xmlns:a="http://schemas.openxmlformats.org/drawingml/2006/main" xmlns:r="http://schemas.openxmlformats.org/officeDocument/2006/relationships" xmlns:p="http://schemas.openxmlformats.org/presentationml/2006/main">
   <p:cSld>
@@ -12590,6 +13645,154 @@
       </p:grpSpPr>
       <p:sp>
         <p:nvSpPr>
+          <p:cNvPr id="2" name="Title 1"/>
+          <p:cNvSpPr>
+            <a:spLocks noGrp="1"/>
+          </p:cNvSpPr>
+          <p:nvPr>
+            <p:ph type="title"/>
+          </p:nvPr>
+        </p:nvSpPr>
+        <p:spPr/>
+        <p:txBody>
+          <a:bodyPr>
+            <a:normAutofit fontScale="90000"/>
+          </a:bodyPr>
+          <a:lstStyle/>
+          <a:p>
+            <a:r>
+              <a:rPr lang="ru-RU" dirty="0" smtClean="0"/>
+              <a:t>Глобальный кеш сборок</a:t>
+            </a:r>
+            <a:r>
+              <a:rPr lang="en-US" dirty="0" smtClean="0"/>
+              <a:t/>
+            </a:r>
+            <a:br>
+              <a:rPr lang="en-US" dirty="0" smtClean="0"/>
+            </a:br>
+            <a:r>
+              <a:rPr lang="en-US" dirty="0" smtClean="0"/>
+              <a:t>Global Assembly Cache (GAC)</a:t>
+            </a:r>
+            <a:endParaRPr lang="ru-RU" dirty="0"/>
+          </a:p>
+        </p:txBody>
+      </p:sp>
+      <p:sp>
+        <p:nvSpPr>
+          <p:cNvPr id="3" name="Content Placeholder 2"/>
+          <p:cNvSpPr>
+            <a:spLocks noGrp="1"/>
+          </p:cNvSpPr>
+          <p:nvPr>
+            <p:ph idx="1"/>
+          </p:nvPr>
+        </p:nvSpPr>
+        <p:spPr/>
+        <p:txBody>
+          <a:bodyPr/>
+          <a:lstStyle/>
+          <a:p>
+            <a:r>
+              <a:rPr lang="ru-RU" dirty="0" smtClean="0"/>
+              <a:t>Расположение</a:t>
+            </a:r>
+            <a:endParaRPr lang="en-US" dirty="0" smtClean="0"/>
+          </a:p>
+          <a:p>
+            <a:pPr lvl="1"/>
+            <a:r>
+              <a:rPr lang="en-US" dirty="0" smtClean="0"/>
+              <a:t>%</a:t>
+            </a:r>
+            <a:r>
+              <a:rPr lang="en-US" dirty="0" err="1" smtClean="0"/>
+              <a:t>windir</a:t>
+            </a:r>
+            <a:r>
+              <a:rPr lang="en-US" dirty="0" smtClean="0"/>
+              <a:t>%\assembly</a:t>
+            </a:r>
+          </a:p>
+          <a:p>
+            <a:pPr lvl="1"/>
+            <a:r>
+              <a:rPr lang="en-US" dirty="0" smtClean="0"/>
+              <a:t>%</a:t>
+            </a:r>
+            <a:r>
+              <a:rPr lang="en-US" dirty="0" err="1" smtClean="0"/>
+              <a:t>windir</a:t>
+            </a:r>
+            <a:r>
+              <a:rPr lang="en-US" dirty="0" smtClean="0"/>
+              <a:t>%\Microsoft.NET\assembly</a:t>
+            </a:r>
+            <a:r>
+              <a:rPr lang="ru-RU" dirty="0" smtClean="0"/>
+              <a:t> (</a:t>
+            </a:r>
+            <a:r>
+              <a:rPr lang="en-US" dirty="0" smtClean="0"/>
+              <a:t>.NET 4+)</a:t>
+            </a:r>
+          </a:p>
+          <a:p>
+            <a:r>
+              <a:rPr lang="ru-RU" dirty="0" smtClean="0"/>
+              <a:t>Добавление сборки в </a:t>
+            </a:r>
+            <a:r>
+              <a:rPr lang="en-US" smtClean="0"/>
+              <a:t>GAC</a:t>
+            </a:r>
+          </a:p>
+          <a:p>
+            <a:pPr lvl="1"/>
+            <a:endParaRPr lang="ru-RU" dirty="0"/>
+          </a:p>
+        </p:txBody>
+      </p:sp>
+    </p:spTree>
+    <p:extLst>
+      <p:ext uri="{BB962C8B-B14F-4D97-AF65-F5344CB8AC3E}">
+        <p14:creationId xmlns:p14="http://schemas.microsoft.com/office/powerpoint/2010/main" val="1521006786"/>
+      </p:ext>
+    </p:extLst>
+  </p:cSld>
+  <p:clrMapOvr>
+    <a:masterClrMapping/>
+  </p:clrMapOvr>
+  <p:timing>
+    <p:tnLst>
+      <p:par>
+        <p:cTn id="1" dur="indefinite" restart="never" nodeType="tmRoot"/>
+      </p:par>
+    </p:tnLst>
+  </p:timing>
+</p:sld>
+</file>
+
+<file path=ppt/slides/slide31.xml><?xml version="1.0" encoding="utf-8"?>
+<p:sld xmlns:a="http://schemas.openxmlformats.org/drawingml/2006/main" xmlns:r="http://schemas.openxmlformats.org/officeDocument/2006/relationships" xmlns:p="http://schemas.openxmlformats.org/presentationml/2006/main">
+  <p:cSld>
+    <p:spTree>
+      <p:nvGrpSpPr>
+        <p:cNvPr id="1" name=""/>
+        <p:cNvGrpSpPr/>
+        <p:nvPr/>
+      </p:nvGrpSpPr>
+      <p:grpSpPr>
+        <a:xfrm>
+          <a:off x="0" y="0"/>
+          <a:ext cx="0" cy="0"/>
+          <a:chOff x="0" y="0"/>
+          <a:chExt cx="0" cy="0"/>
+        </a:xfrm>
+      </p:grpSpPr>
+      <p:sp>
+        <p:nvSpPr>
           <p:cNvPr id="6146" name="Rectangle 3"/>
           <p:cNvSpPr>
             <a:spLocks noChangeArrowheads="1"/>
@@ -12944,7 +14147,7 @@
 </p:sld>
 </file>
 
-<file path=ppt/slides/slide31.xml><?xml version="1.0" encoding="utf-8"?>
+<file path=ppt/slides/slide32.xml><?xml version="1.0" encoding="utf-8"?>
 <p:sld xmlns:a="http://schemas.openxmlformats.org/drawingml/2006/main" xmlns:r="http://schemas.openxmlformats.org/officeDocument/2006/relationships" xmlns:p="http://schemas.openxmlformats.org/presentationml/2006/main">
   <p:cSld>
     <p:spTree>
@@ -13639,159 +14842,6 @@
     <p:extLst>
       <p:ext uri="{BB962C8B-B14F-4D97-AF65-F5344CB8AC3E}">
         <p14:creationId xmlns:p14="http://schemas.microsoft.com/office/powerpoint/2010/main" val="3864391885"/>
-      </p:ext>
-    </p:extLst>
-  </p:cSld>
-  <p:clrMapOvr>
-    <a:masterClrMapping/>
-  </p:clrMapOvr>
-  <p:timing>
-    <p:tnLst>
-      <p:par>
-        <p:cTn id="1" dur="indefinite" restart="never" nodeType="tmRoot"/>
-      </p:par>
-    </p:tnLst>
-  </p:timing>
-</p:sld>
-</file>
-
-<file path=ppt/slides/slide32.xml><?xml version="1.0" encoding="utf-8"?>
-<p:sld xmlns:a="http://schemas.openxmlformats.org/drawingml/2006/main" xmlns:r="http://schemas.openxmlformats.org/officeDocument/2006/relationships" xmlns:p="http://schemas.openxmlformats.org/presentationml/2006/main">
-  <p:cSld>
-    <p:spTree>
-      <p:nvGrpSpPr>
-        <p:cNvPr id="1" name=""/>
-        <p:cNvGrpSpPr/>
-        <p:nvPr/>
-      </p:nvGrpSpPr>
-      <p:grpSpPr>
-        <a:xfrm>
-          <a:off x="0" y="0"/>
-          <a:ext cx="0" cy="0"/>
-          <a:chOff x="0" y="0"/>
-          <a:chExt cx="0" cy="0"/>
-        </a:xfrm>
-      </p:grpSpPr>
-      <p:sp>
-        <p:nvSpPr>
-          <p:cNvPr id="2" name="Title 1"/>
-          <p:cNvSpPr>
-            <a:spLocks noGrp="1"/>
-          </p:cNvSpPr>
-          <p:nvPr>
-            <p:ph type="title"/>
-          </p:nvPr>
-        </p:nvSpPr>
-        <p:spPr/>
-        <p:txBody>
-          <a:bodyPr/>
-          <a:lstStyle/>
-          <a:p>
-            <a:r>
-              <a:rPr lang="en-US" dirty="0" smtClean="0"/>
-              <a:t>Portable Class Library</a:t>
-            </a:r>
-            <a:endParaRPr lang="en-US" dirty="0"/>
-          </a:p>
-        </p:txBody>
-      </p:sp>
-      <p:sp>
-        <p:nvSpPr>
-          <p:cNvPr id="3" name="Content Placeholder 2"/>
-          <p:cNvSpPr>
-            <a:spLocks noGrp="1"/>
-          </p:cNvSpPr>
-          <p:nvPr>
-            <p:ph idx="1"/>
-          </p:nvPr>
-        </p:nvSpPr>
-        <p:spPr/>
-        <p:txBody>
-          <a:bodyPr>
-            <a:normAutofit fontScale="92500" lnSpcReduction="20000"/>
-          </a:bodyPr>
-          <a:lstStyle/>
-          <a:p>
-            <a:pPr marL="0" indent="0">
-              <a:buNone/>
-            </a:pPr>
-            <a:r>
-              <a:rPr lang="ru-RU" dirty="0" smtClean="0"/>
-              <a:t>Проекты </a:t>
-            </a:r>
-            <a:r>
-              <a:rPr lang="en-US" dirty="0"/>
-              <a:t>Portable Class </a:t>
-            </a:r>
-            <a:r>
-              <a:rPr lang="en-US" dirty="0" smtClean="0"/>
-              <a:t>Library</a:t>
-            </a:r>
-            <a:r>
-              <a:rPr lang="ru-RU" dirty="0" smtClean="0"/>
-              <a:t> позволяют создавать сборки переносимые между разными </a:t>
-            </a:r>
-            <a:r>
-              <a:rPr lang="en-US" dirty="0" smtClean="0"/>
-              <a:t>.NET </a:t>
-            </a:r>
-            <a:r>
-              <a:rPr lang="ru-RU" dirty="0" smtClean="0"/>
-              <a:t>платформами: </a:t>
-            </a:r>
-            <a:r>
-              <a:rPr lang="en-US" dirty="0" smtClean="0"/>
-              <a:t>Windows, Windows Store (Metro), Silverlight, Windows Phone, Xbox 360. </a:t>
-            </a:r>
-            <a:r>
-              <a:rPr lang="ru-RU" dirty="0" smtClean="0"/>
-              <a:t>При создании проекта мы вибираем под какие платформы мы создаем библиотеку и тем самым добровольно ограничиваем себе возможности ради переносимости.</a:t>
-            </a:r>
-          </a:p>
-          <a:p>
-            <a:pPr marL="0" indent="0">
-              <a:buNone/>
-            </a:pPr>
-            <a:endParaRPr lang="ru-RU" dirty="0"/>
-          </a:p>
-          <a:p>
-            <a:pPr marL="0" indent="0">
-              <a:buNone/>
-            </a:pPr>
-            <a:r>
-              <a:rPr lang="ru-RU" dirty="0" smtClean="0"/>
-              <a:t>Подробности смотрите в </a:t>
-            </a:r>
-            <a:r>
-              <a:rPr lang="en-US" dirty="0" smtClean="0">
-                <a:hlinkClick r:id="rId2"/>
-              </a:rPr>
-              <a:t>Cross-Platform </a:t>
-            </a:r>
-            <a:r>
-              <a:rPr lang="en-US" dirty="0">
-                <a:hlinkClick r:id="rId2"/>
-              </a:rPr>
-              <a:t>Development with the .NET </a:t>
-            </a:r>
-            <a:r>
-              <a:rPr lang="en-US" dirty="0" smtClean="0">
-                <a:hlinkClick r:id="rId2"/>
-              </a:rPr>
-              <a:t>Framework</a:t>
-            </a:r>
-            <a:r>
-              <a:rPr lang="ru-RU" dirty="0" smtClean="0"/>
-              <a:t>.</a:t>
-            </a:r>
-            <a:endParaRPr lang="en-US" dirty="0"/>
-          </a:p>
-        </p:txBody>
-      </p:sp>
-    </p:spTree>
-    <p:extLst>
-      <p:ext uri="{BB962C8B-B14F-4D97-AF65-F5344CB8AC3E}">
-        <p14:creationId xmlns:p14="http://schemas.microsoft.com/office/powerpoint/2010/main" val="2977831934"/>
       </p:ext>
     </p:extLst>
   </p:cSld>
@@ -13842,19 +14892,7 @@
           <a:p>
             <a:r>
               <a:rPr lang="en-US" dirty="0" smtClean="0"/>
-              <a:t>CLS</a:t>
-            </a:r>
-            <a:r>
-              <a:rPr lang="ru-RU" dirty="0" smtClean="0"/>
-              <a:t> совместимые</a:t>
-            </a:r>
-            <a:r>
-              <a:rPr lang="en-US" dirty="0" smtClean="0"/>
-              <a:t> </a:t>
-            </a:r>
-            <a:r>
-              <a:rPr lang="ru-RU" dirty="0" smtClean="0"/>
-              <a:t>сборки</a:t>
+              <a:t>Portable Class Library</a:t>
             </a:r>
             <a:endParaRPr lang="en-US" dirty="0"/>
           </a:p>
@@ -13870,15 +14908,10 @@
             <p:ph idx="1"/>
           </p:nvPr>
         </p:nvSpPr>
-        <p:spPr>
-          <a:xfrm>
-            <a:off x="242616" y="1556792"/>
-            <a:ext cx="8649864" cy="4061048"/>
-          </a:xfrm>
-        </p:spPr>
+        <p:spPr/>
         <p:txBody>
           <a:bodyPr>
-            <a:normAutofit fontScale="70000" lnSpcReduction="20000"/>
+            <a:normAutofit fontScale="92500" lnSpcReduction="20000"/>
           </a:bodyPr>
           <a:lstStyle/>
           <a:p>
@@ -13887,233 +14920,81 @@
             </a:pPr>
             <a:r>
               <a:rPr lang="ru-RU" dirty="0" smtClean="0"/>
-              <a:t>Если вы создает библиотеку (сборку) для внешнего использования и хотите быть уверенными что её можно будет использовать из программ написанных на других языках (таких как </a:t>
+              <a:t>Проекты </a:t>
+            </a:r>
+            <a:r>
+              <a:rPr lang="en-US" dirty="0"/>
+              <a:t>Portable Class </a:t>
             </a:r>
             <a:r>
               <a:rPr lang="en-US" dirty="0" smtClean="0"/>
-              <a:t>VB.NET, F# </a:t>
+              <a:t>Library</a:t>
             </a:r>
             <a:r>
               <a:rPr lang="ru-RU" dirty="0" smtClean="0"/>
-              <a:t>и других)</a:t>
+              <a:t> позволяют создавать сборки переносимые между разными </a:t>
             </a:r>
             <a:r>
               <a:rPr lang="en-US" dirty="0" smtClean="0"/>
-              <a:t>, </a:t>
+              <a:t>.NET </a:t>
             </a:r>
             <a:r>
               <a:rPr lang="ru-RU" dirty="0" smtClean="0"/>
-              <a:t>то добавьте к свой сборке атрибут </a:t>
-            </a:r>
-            <a:r>
-              <a:rPr lang="en-US" dirty="0" err="1" smtClean="0"/>
-              <a:t>System.CLSCompliantAttribute</a:t>
+              <a:t>платформами: </a:t>
             </a:r>
             <a:r>
               <a:rPr lang="en-US" dirty="0" smtClean="0"/>
-              <a:t>.</a:t>
+              <a:t>Windows, Windows Store (Metro), Silverlight, Windows Phone, Xbox 360. </a:t>
+            </a:r>
+            <a:r>
+              <a:rPr lang="ru-RU" dirty="0" smtClean="0"/>
+              <a:t>При создании проекта мы вибираем под какие платформы мы создаем библиотеку и тем самым добровольно ограничиваем себе возможности ради переносимости.</a:t>
             </a:r>
           </a:p>
           <a:p>
             <a:pPr marL="0" indent="0">
               <a:buNone/>
             </a:pPr>
-            <a:endParaRPr lang="en-US" dirty="0"/>
+            <a:endParaRPr lang="ru-RU" dirty="0"/>
           </a:p>
           <a:p>
             <a:pPr marL="0" indent="0">
               <a:buNone/>
             </a:pPr>
             <a:r>
-              <a:rPr lang="en-US" dirty="0" smtClean="0"/>
-              <a:t>CLS </a:t>
-            </a:r>
-            <a:r>
               <a:rPr lang="ru-RU" dirty="0" smtClean="0"/>
-              <a:t>(</a:t>
-            </a:r>
-            <a:r>
-              <a:rPr lang="en-US" dirty="0" smtClean="0"/>
-              <a:t>Common Language Specification</a:t>
-            </a:r>
-            <a:r>
-              <a:rPr lang="ru-RU" dirty="0" smtClean="0"/>
-              <a:t>)</a:t>
-            </a:r>
-            <a:r>
-              <a:rPr lang="en-US" dirty="0" smtClean="0"/>
-              <a:t> </a:t>
-            </a:r>
-            <a:r>
-              <a:rPr lang="ru-RU" dirty="0" smtClean="0"/>
-              <a:t>является набором требований (ограничений) к языку позволяющее ему «бесшовно» взаимодействовать с программами на других языках. Это необходимо так как, </a:t>
-            </a:r>
-            <a:r>
-              <a:rPr lang="ru-RU" dirty="0"/>
-              <a:t>н</a:t>
-            </a:r>
-            <a:r>
-              <a:rPr lang="ru-RU" dirty="0" smtClean="0"/>
-              <a:t>есмотря на наличие «общего знаменателя» в виде </a:t>
-            </a:r>
-            <a:r>
-              <a:rPr lang="en-US" dirty="0" smtClean="0"/>
-              <a:t>IL </a:t>
-            </a:r>
-            <a:r>
-              <a:rPr lang="ru-RU" dirty="0" smtClean="0"/>
-              <a:t>кода, языки могут иметь весьма сильные различия. Компилятор </a:t>
-            </a:r>
-            <a:r>
-              <a:rPr lang="en-US" dirty="0" smtClean="0"/>
-              <a:t>C# </a:t>
-            </a:r>
-            <a:r>
-              <a:rPr lang="ru-RU" smtClean="0"/>
-              <a:t>проверяет </a:t>
-            </a:r>
-            <a:r>
-              <a:rPr lang="ru-RU" dirty="0" smtClean="0"/>
-              <a:t>программу на соответствие этим требованиям, только при наличии атрибута </a:t>
-            </a:r>
-            <a:r>
-              <a:rPr lang="en-US" dirty="0" err="1" smtClean="0"/>
-              <a:t>CLSCompliant</a:t>
+              <a:t>Подробности смотрите в </a:t>
+            </a:r>
+            <a:r>
+              <a:rPr lang="en-US" dirty="0" smtClean="0">
+                <a:hlinkClick r:id="rId2"/>
+              </a:rPr>
+              <a:t>Cross-Platform </a:t>
+            </a:r>
+            <a:r>
+              <a:rPr lang="en-US" dirty="0">
+                <a:hlinkClick r:id="rId2"/>
+              </a:rPr>
+              <a:t>Development with the .NET </a:t>
+            </a:r>
+            <a:r>
+              <a:rPr lang="en-US" dirty="0" smtClean="0">
+                <a:hlinkClick r:id="rId2"/>
+              </a:rPr>
+              <a:t>Framework</a:t>
             </a:r>
             <a:r>
               <a:rPr lang="ru-RU" dirty="0" smtClean="0"/>
               <a:t>.</a:t>
             </a:r>
             <a:endParaRPr lang="en-US" dirty="0"/>
-          </a:p>
-        </p:txBody>
-      </p:sp>
-      <p:sp>
-        <p:nvSpPr>
-          <p:cNvPr id="4" name="TextBox 3"/>
-          <p:cNvSpPr txBox="1"/>
-          <p:nvPr/>
-        </p:nvSpPr>
-        <p:spPr>
-          <a:xfrm>
-            <a:off x="251520" y="5805264"/>
-            <a:ext cx="8640960" cy="307777"/>
-          </a:xfrm>
-          <a:prstGeom prst="rect">
-            <a:avLst/>
-          </a:prstGeom>
-          <a:solidFill>
-            <a:schemeClr val="bg1"/>
-          </a:solidFill>
-        </p:spPr>
-        <p:txBody>
-          <a:bodyPr wrap="square" rtlCol="0">
-            <a:spAutoFit/>
-          </a:bodyPr>
-          <a:lstStyle/>
-          <a:p>
-            <a:r>
-              <a:rPr lang="en-US" sz="1400" dirty="0" smtClean="0">
-                <a:solidFill>
-                  <a:srgbClr val="000000"/>
-                </a:solidFill>
-                <a:highlight>
-                  <a:srgbClr val="FFFFFF"/>
-                </a:highlight>
-                <a:latin typeface="Courier New" panose="02070309020205020404" pitchFamily="49" charset="0"/>
-                <a:cs typeface="Courier New" panose="02070309020205020404" pitchFamily="49" charset="0"/>
-              </a:rPr>
-              <a:t>[</a:t>
-            </a:r>
-            <a:r>
-              <a:rPr lang="en-US" sz="1400" dirty="0" smtClean="0">
-                <a:solidFill>
-                  <a:srgbClr val="0000FF"/>
-                </a:solidFill>
-                <a:highlight>
-                  <a:srgbClr val="FFFFFF"/>
-                </a:highlight>
-                <a:latin typeface="Courier New" panose="02070309020205020404" pitchFamily="49" charset="0"/>
-                <a:cs typeface="Courier New" panose="02070309020205020404" pitchFamily="49" charset="0"/>
-              </a:rPr>
-              <a:t>assembly</a:t>
-            </a:r>
-            <a:r>
-              <a:rPr lang="en-US" sz="1400" dirty="0">
-                <a:solidFill>
-                  <a:srgbClr val="000000"/>
-                </a:solidFill>
-                <a:highlight>
-                  <a:srgbClr val="FFFFFF"/>
-                </a:highlight>
-                <a:latin typeface="Courier New" panose="02070309020205020404" pitchFamily="49" charset="0"/>
-                <a:cs typeface="Courier New" panose="02070309020205020404" pitchFamily="49" charset="0"/>
-              </a:rPr>
-              <a:t>: </a:t>
-            </a:r>
-            <a:r>
-              <a:rPr lang="en-US" sz="1400" dirty="0" err="1">
-                <a:solidFill>
-                  <a:srgbClr val="2B91AF"/>
-                </a:solidFill>
-                <a:highlight>
-                  <a:srgbClr val="FFFFFF"/>
-                </a:highlight>
-                <a:latin typeface="Courier New" panose="02070309020205020404" pitchFamily="49" charset="0"/>
-                <a:cs typeface="Courier New" panose="02070309020205020404" pitchFamily="49" charset="0"/>
-              </a:rPr>
-              <a:t>CLSCompliant</a:t>
-            </a:r>
-            <a:r>
-              <a:rPr lang="en-US" sz="1400" dirty="0">
-                <a:solidFill>
-                  <a:srgbClr val="000000"/>
-                </a:solidFill>
-                <a:highlight>
-                  <a:srgbClr val="FFFFFF"/>
-                </a:highlight>
-                <a:latin typeface="Courier New" panose="02070309020205020404" pitchFamily="49" charset="0"/>
-                <a:cs typeface="Courier New" panose="02070309020205020404" pitchFamily="49" charset="0"/>
-              </a:rPr>
-              <a:t>(</a:t>
-            </a:r>
-            <a:r>
-              <a:rPr lang="en-US" sz="1400" dirty="0">
-                <a:solidFill>
-                  <a:srgbClr val="0000FF"/>
-                </a:solidFill>
-                <a:highlight>
-                  <a:srgbClr val="FFFFFF"/>
-                </a:highlight>
-                <a:latin typeface="Courier New" panose="02070309020205020404" pitchFamily="49" charset="0"/>
-                <a:cs typeface="Courier New" panose="02070309020205020404" pitchFamily="49" charset="0"/>
-              </a:rPr>
-              <a:t>true</a:t>
-            </a:r>
-            <a:r>
-              <a:rPr lang="en-US" sz="1400" dirty="0" smtClean="0">
-                <a:solidFill>
-                  <a:srgbClr val="000000"/>
-                </a:solidFill>
-                <a:highlight>
-                  <a:srgbClr val="FFFFFF"/>
-                </a:highlight>
-                <a:latin typeface="Courier New" panose="02070309020205020404" pitchFamily="49" charset="0"/>
-                <a:cs typeface="Courier New" panose="02070309020205020404" pitchFamily="49" charset="0"/>
-              </a:rPr>
-              <a:t>)]</a:t>
-            </a:r>
-            <a:endParaRPr lang="ru-RU" sz="1400" dirty="0" smtClean="0">
-              <a:latin typeface="Courier New" panose="02070309020205020404" pitchFamily="49" charset="0"/>
-              <a:cs typeface="Courier New" panose="02070309020205020404" pitchFamily="49" charset="0"/>
-            </a:endParaRPr>
           </a:p>
         </p:txBody>
       </p:sp>
     </p:spTree>
     <p:extLst>
       <p:ext uri="{BB962C8B-B14F-4D97-AF65-F5344CB8AC3E}">
-        <p14:creationId xmlns:p14="http://schemas.microsoft.com/office/powerpoint/2010/main" val="910520611"/>
+        <p14:creationId xmlns:p14="http://schemas.microsoft.com/office/powerpoint/2010/main" val="2977831934"/>
       </p:ext>
     </p:extLst>
   </p:cSld>
@@ -14157,27 +15038,28 @@
             <p:ph type="title"/>
           </p:nvPr>
         </p:nvSpPr>
-        <p:spPr>
-          <a:xfrm>
-            <a:off x="457200" y="274638"/>
-            <a:ext cx="8229600" cy="778098"/>
-          </a:xfrm>
-        </p:spPr>
+        <p:spPr/>
         <p:txBody>
-          <a:bodyPr>
-            <a:normAutofit/>
-          </a:bodyPr>
+          <a:bodyPr/>
           <a:lstStyle/>
           <a:p>
             <a:r>
-              <a:rPr lang="ru-RU" sz="3600" dirty="0" smtClean="0"/>
-              <a:t>Добавление ссылок с помощью </a:t>
-            </a:r>
-            <a:r>
-              <a:rPr lang="en-US" sz="3600" dirty="0" smtClean="0"/>
-              <a:t>NuGet</a:t>
-            </a:r>
-            <a:endParaRPr lang="ru-RU" sz="3600" dirty="0"/>
+              <a:rPr lang="en-US" dirty="0" smtClean="0"/>
+              <a:t>CLS</a:t>
+            </a:r>
+            <a:r>
+              <a:rPr lang="ru-RU" dirty="0" smtClean="0"/>
+              <a:t> совместимые</a:t>
+            </a:r>
+            <a:r>
+              <a:rPr lang="en-US" dirty="0" smtClean="0"/>
+              <a:t> </a:t>
+            </a:r>
+            <a:r>
+              <a:rPr lang="ru-RU" dirty="0" smtClean="0"/>
+              <a:t>сборки</a:t>
+            </a:r>
+            <a:endParaRPr lang="en-US" dirty="0"/>
           </a:p>
         </p:txBody>
       </p:sp>
@@ -14193,13 +15075,13 @@
         </p:nvSpPr>
         <p:spPr>
           <a:xfrm>
-            <a:off x="457200" y="1124744"/>
-            <a:ext cx="8229600" cy="5001419"/>
+            <a:off x="242616" y="1556792"/>
+            <a:ext cx="8649864" cy="4061048"/>
           </a:xfrm>
         </p:spPr>
         <p:txBody>
           <a:bodyPr>
-            <a:normAutofit lnSpcReduction="10000"/>
+            <a:normAutofit fontScale="70000" lnSpcReduction="20000"/>
           </a:bodyPr>
           <a:lstStyle/>
           <a:p>
@@ -14208,30 +15090,38 @@
             </a:pPr>
             <a:r>
               <a:rPr lang="ru-RU" dirty="0" smtClean="0"/>
-              <a:t>Расширение </a:t>
+              <a:t>Если вы создает библиотеку (сборку) для внешнего использования и хотите быть уверенными что её можно будет использовать из программ написанных на других языках (таких как </a:t>
             </a:r>
             <a:r>
               <a:rPr lang="en-US" dirty="0" smtClean="0"/>
-              <a:t>NuGet </a:t>
+              <a:t>VB.NET, F# </a:t>
             </a:r>
             <a:r>
               <a:rPr lang="ru-RU" dirty="0" smtClean="0"/>
-              <a:t>упрощает работу с зависимостями в </a:t>
+              <a:t>и других)</a:t>
             </a:r>
             <a:r>
               <a:rPr lang="en-US" dirty="0" smtClean="0"/>
-              <a:t>.NET </a:t>
+              <a:t>, </a:t>
             </a:r>
             <a:r>
               <a:rPr lang="ru-RU" dirty="0" smtClean="0"/>
-              <a:t>проектах.</a:t>
+              <a:t>то добавьте к свой сборке атрибут </a:t>
+            </a:r>
+            <a:r>
+              <a:rPr lang="en-US" dirty="0" err="1" smtClean="0"/>
+              <a:t>System.CLSCompliantAttribute</a:t>
+            </a:r>
+            <a:r>
+              <a:rPr lang="en-US" dirty="0" smtClean="0"/>
+              <a:t>.</a:t>
             </a:r>
           </a:p>
           <a:p>
             <a:pPr marL="0" indent="0">
               <a:buNone/>
             </a:pPr>
-            <a:endParaRPr lang="en-US" dirty="0" smtClean="0"/>
+            <a:endParaRPr lang="en-US" dirty="0"/>
           </a:p>
           <a:p>
             <a:pPr marL="0" indent="0">
@@ -14239,94 +15129,194 @@
             </a:pPr>
             <a:r>
               <a:rPr lang="en-US" dirty="0" smtClean="0"/>
-              <a:t>NuGet </a:t>
+              <a:t>CLS </a:t>
             </a:r>
             <a:r>
               <a:rPr lang="ru-RU" dirty="0" smtClean="0"/>
-              <a:t>входит в состав </a:t>
+              <a:t>(</a:t>
             </a:r>
             <a:r>
               <a:rPr lang="en-US" dirty="0" smtClean="0"/>
-              <a:t>VS 2012 </a:t>
+              <a:t>Common Language Specification</a:t>
             </a:r>
             <a:r>
               <a:rPr lang="ru-RU" dirty="0" smtClean="0"/>
-              <a:t>и выше. Для </a:t>
+              <a:t>)</a:t>
             </a:r>
             <a:r>
               <a:rPr lang="en-US" dirty="0" smtClean="0"/>
-              <a:t>VS 2010 </a:t>
+              <a:t> </a:t>
             </a:r>
             <a:r>
               <a:rPr lang="ru-RU" dirty="0" smtClean="0"/>
-              <a:t>его нужно скачать с помощью </a:t>
+              <a:t>является набором требований (ограничений) к языку позволяющее ему «бесшовно» взаимодействовать с программами на других языках. Это необходимо так как, </a:t>
+            </a:r>
+            <a:r>
+              <a:rPr lang="ru-RU" dirty="0"/>
+              <a:t>н</a:t>
+            </a:r>
+            <a:r>
+              <a:rPr lang="ru-RU" dirty="0" smtClean="0"/>
+              <a:t>есмотря на наличие «общего знаменателя» в виде </a:t>
             </a:r>
             <a:r>
               <a:rPr lang="en-US" dirty="0" smtClean="0"/>
-              <a:t>Tools -&gt; Extension Manager </a:t>
+              <a:t>IL </a:t>
             </a:r>
             <a:r>
               <a:rPr lang="ru-RU" dirty="0" smtClean="0"/>
-              <a:t>или с сайта </a:t>
-            </a:r>
-            <a:r>
-              <a:rPr lang="en-US" dirty="0" smtClean="0">
-                <a:hlinkClick r:id="rId2"/>
-              </a:rPr>
-              <a:t>nuget.org</a:t>
+              <a:t>кода, языки могут иметь весьма сильные различия. Компилятор </a:t>
+            </a:r>
+            <a:r>
+              <a:rPr lang="en-US" dirty="0" smtClean="0"/>
+              <a:t>C# </a:t>
+            </a:r>
+            <a:r>
+              <a:rPr lang="ru-RU" smtClean="0"/>
+              <a:t>проверяет </a:t>
             </a:r>
             <a:r>
               <a:rPr lang="ru-RU" dirty="0" smtClean="0"/>
-              <a:t>. После установки в контекстном меню </a:t>
-            </a:r>
-            <a:r>
-              <a:rPr lang="en-US" dirty="0" smtClean="0"/>
-              <a:t>References </a:t>
+              <a:t>программу на соответствие этим требованиям, только при наличии атрибута </a:t>
+            </a:r>
+            <a:r>
+              <a:rPr lang="en-US" dirty="0" err="1" smtClean="0"/>
+              <a:t>CLSCompliant</a:t>
             </a:r>
             <a:r>
               <a:rPr lang="ru-RU" dirty="0" smtClean="0"/>
-              <a:t>появится команда </a:t>
-            </a:r>
-            <a:r>
-              <a:rPr lang="en-US" dirty="0" smtClean="0"/>
-              <a:t>“Manage NuGet Packages …”. </a:t>
-            </a:r>
-            <a:r>
-              <a:rPr lang="ru-RU" dirty="0" smtClean="0"/>
-              <a:t>Также в меню </a:t>
-            </a:r>
-            <a:r>
-              <a:rPr lang="en-US" dirty="0" smtClean="0"/>
-              <a:t>Tools </a:t>
-            </a:r>
-            <a:r>
-              <a:rPr lang="ru-RU" dirty="0" smtClean="0"/>
-              <a:t>появится меню </a:t>
-            </a:r>
-            <a:r>
-              <a:rPr lang="en-US" dirty="0" smtClean="0"/>
-              <a:t>“NuGet Package Manager”.</a:t>
-            </a:r>
-            <a:endParaRPr lang="ru-RU" dirty="0" smtClean="0"/>
-          </a:p>
-          <a:p>
-            <a:pPr marL="0" indent="0">
-              <a:buNone/>
-            </a:pPr>
-            <a:endParaRPr lang="ru-RU" dirty="0" smtClean="0"/>
-          </a:p>
-          <a:p>
-            <a:pPr marL="0" indent="0">
-              <a:buNone/>
-            </a:pPr>
-            <a:endParaRPr lang="ru-RU" dirty="0"/>
+              <a:t>.</a:t>
+            </a:r>
+            <a:endParaRPr lang="en-US" dirty="0"/>
+          </a:p>
+        </p:txBody>
+      </p:sp>
+      <p:sp>
+        <p:nvSpPr>
+          <p:cNvPr id="4" name="TextBox 3"/>
+          <p:cNvSpPr txBox="1"/>
+          <p:nvPr/>
+        </p:nvSpPr>
+        <p:spPr>
+          <a:xfrm>
+            <a:off x="251520" y="5805264"/>
+            <a:ext cx="8640960" cy="307777"/>
+          </a:xfrm>
+          <a:prstGeom prst="rect">
+            <a:avLst/>
+          </a:prstGeom>
+          <a:solidFill>
+            <a:schemeClr val="bg1"/>
+          </a:solidFill>
+        </p:spPr>
+        <p:txBody>
+          <a:bodyPr wrap="square" rtlCol="0">
+            <a:spAutoFit/>
+          </a:bodyPr>
+          <a:lstStyle/>
+          <a:p>
+            <a:r>
+              <a:rPr lang="en-US" sz="1400" dirty="0" smtClean="0">
+                <a:solidFill>
+                  <a:srgbClr val="000000"/>
+                </a:solidFill>
+                <a:highlight>
+                  <a:srgbClr val="FFFFFF"/>
+                </a:highlight>
+                <a:latin typeface="Courier New" panose="02070309020205020404" pitchFamily="49" charset="0"/>
+                <a:cs typeface="Courier New" panose="02070309020205020404" pitchFamily="49" charset="0"/>
+              </a:rPr>
+              <a:t>[</a:t>
+            </a:r>
+            <a:r>
+              <a:rPr lang="en-US" sz="1400" dirty="0" smtClean="0">
+                <a:solidFill>
+                  <a:srgbClr val="0000FF"/>
+                </a:solidFill>
+                <a:highlight>
+                  <a:srgbClr val="FFFFFF"/>
+                </a:highlight>
+                <a:latin typeface="Courier New" panose="02070309020205020404" pitchFamily="49" charset="0"/>
+                <a:cs typeface="Courier New" panose="02070309020205020404" pitchFamily="49" charset="0"/>
+              </a:rPr>
+              <a:t>assembly</a:t>
+            </a:r>
+            <a:r>
+              <a:rPr lang="en-US" sz="1400" dirty="0">
+                <a:solidFill>
+                  <a:srgbClr val="000000"/>
+                </a:solidFill>
+                <a:highlight>
+                  <a:srgbClr val="FFFFFF"/>
+                </a:highlight>
+                <a:latin typeface="Courier New" panose="02070309020205020404" pitchFamily="49" charset="0"/>
+                <a:cs typeface="Courier New" panose="02070309020205020404" pitchFamily="49" charset="0"/>
+              </a:rPr>
+              <a:t>: </a:t>
+            </a:r>
+            <a:r>
+              <a:rPr lang="en-US" sz="1400" dirty="0" err="1">
+                <a:solidFill>
+                  <a:srgbClr val="2B91AF"/>
+                </a:solidFill>
+                <a:highlight>
+                  <a:srgbClr val="FFFFFF"/>
+                </a:highlight>
+                <a:latin typeface="Courier New" panose="02070309020205020404" pitchFamily="49" charset="0"/>
+                <a:cs typeface="Courier New" panose="02070309020205020404" pitchFamily="49" charset="0"/>
+              </a:rPr>
+              <a:t>CLSCompliant</a:t>
+            </a:r>
+            <a:r>
+              <a:rPr lang="en-US" sz="1400" dirty="0">
+                <a:solidFill>
+                  <a:srgbClr val="000000"/>
+                </a:solidFill>
+                <a:highlight>
+                  <a:srgbClr val="FFFFFF"/>
+                </a:highlight>
+                <a:latin typeface="Courier New" panose="02070309020205020404" pitchFamily="49" charset="0"/>
+                <a:cs typeface="Courier New" panose="02070309020205020404" pitchFamily="49" charset="0"/>
+              </a:rPr>
+              <a:t>(</a:t>
+            </a:r>
+            <a:r>
+              <a:rPr lang="en-US" sz="1400" dirty="0">
+                <a:solidFill>
+                  <a:srgbClr val="0000FF"/>
+                </a:solidFill>
+                <a:highlight>
+                  <a:srgbClr val="FFFFFF"/>
+                </a:highlight>
+                <a:latin typeface="Courier New" panose="02070309020205020404" pitchFamily="49" charset="0"/>
+                <a:cs typeface="Courier New" panose="02070309020205020404" pitchFamily="49" charset="0"/>
+              </a:rPr>
+              <a:t>true</a:t>
+            </a:r>
+            <a:r>
+              <a:rPr lang="en-US" sz="1400" dirty="0" smtClean="0">
+                <a:solidFill>
+                  <a:srgbClr val="000000"/>
+                </a:solidFill>
+                <a:highlight>
+                  <a:srgbClr val="FFFFFF"/>
+                </a:highlight>
+                <a:latin typeface="Courier New" panose="02070309020205020404" pitchFamily="49" charset="0"/>
+                <a:cs typeface="Courier New" panose="02070309020205020404" pitchFamily="49" charset="0"/>
+              </a:rPr>
+              <a:t>)]</a:t>
+            </a:r>
+            <a:endParaRPr lang="ru-RU" sz="1400" dirty="0" smtClean="0">
+              <a:latin typeface="Courier New" panose="02070309020205020404" pitchFamily="49" charset="0"/>
+              <a:cs typeface="Courier New" panose="02070309020205020404" pitchFamily="49" charset="0"/>
+            </a:endParaRPr>
           </a:p>
         </p:txBody>
       </p:sp>
     </p:spTree>
     <p:extLst>
       <p:ext uri="{BB962C8B-B14F-4D97-AF65-F5344CB8AC3E}">
-        <p14:creationId xmlns:p14="http://schemas.microsoft.com/office/powerpoint/2010/main" val="861195078"/>
+        <p14:creationId xmlns:p14="http://schemas.microsoft.com/office/powerpoint/2010/main" val="910520611"/>
       </p:ext>
     </p:extLst>
   </p:cSld>
@@ -14370,16 +15360,27 @@
             <p:ph type="title"/>
           </p:nvPr>
         </p:nvSpPr>
-        <p:spPr/>
+        <p:spPr>
+          <a:xfrm>
+            <a:off x="457200" y="274638"/>
+            <a:ext cx="8229600" cy="778098"/>
+          </a:xfrm>
+        </p:spPr>
         <p:txBody>
-          <a:bodyPr/>
+          <a:bodyPr>
+            <a:normAutofit/>
+          </a:bodyPr>
           <a:lstStyle/>
           <a:p>
             <a:r>
-              <a:rPr lang="en-US" dirty="0" smtClean="0"/>
-              <a:t>Package Manager Console</a:t>
-            </a:r>
-            <a:endParaRPr lang="ru-RU" dirty="0"/>
+              <a:rPr lang="ru-RU" sz="3600" dirty="0" smtClean="0"/>
+              <a:t>Добавление ссылок с помощью </a:t>
+            </a:r>
+            <a:r>
+              <a:rPr lang="en-US" sz="3600" dirty="0" smtClean="0"/>
+              <a:t>NuGet</a:t>
+            </a:r>
+            <a:endParaRPr lang="ru-RU" sz="3600" dirty="0"/>
           </a:p>
         </p:txBody>
       </p:sp>
@@ -14393,10 +15394,15 @@
             <p:ph idx="1"/>
           </p:nvPr>
         </p:nvSpPr>
-        <p:spPr/>
+        <p:spPr>
+          <a:xfrm>
+            <a:off x="457200" y="1124744"/>
+            <a:ext cx="8229600" cy="5001419"/>
+          </a:xfrm>
+        </p:spPr>
         <p:txBody>
           <a:bodyPr>
-            <a:normAutofit fontScale="77500" lnSpcReduction="20000"/>
+            <a:normAutofit lnSpcReduction="10000"/>
           </a:bodyPr>
           <a:lstStyle/>
           <a:p>
@@ -14405,23 +15411,7 @@
             </a:pPr>
             <a:r>
               <a:rPr lang="ru-RU" dirty="0" smtClean="0"/>
-              <a:t>Окно </a:t>
-            </a:r>
-            <a:r>
-              <a:rPr lang="en-US" dirty="0" smtClean="0"/>
-              <a:t>Package </a:t>
-            </a:r>
-            <a:r>
-              <a:rPr lang="en-US" dirty="0"/>
-              <a:t>Manager </a:t>
-            </a:r>
-            <a:r>
-              <a:rPr lang="en-US" dirty="0" smtClean="0"/>
-              <a:t>Console</a:t>
-            </a:r>
-            <a:r>
-              <a:rPr lang="ru-RU" dirty="0" smtClean="0"/>
-              <a:t> позволяет управлять </a:t>
+              <a:t>Расширение </a:t>
             </a:r>
             <a:r>
               <a:rPr lang="en-US" dirty="0" smtClean="0"/>
@@ -14429,87 +15419,109 @@
             </a:r>
             <a:r>
               <a:rPr lang="ru-RU" dirty="0" smtClean="0"/>
-              <a:t>пакетами с помощью </a:t>
+              <a:t>упрощает работу с зависимостями в </a:t>
             </a:r>
             <a:r>
               <a:rPr lang="en-US" dirty="0" smtClean="0"/>
-              <a:t>PowerShell </a:t>
+              <a:t>.NET </a:t>
             </a:r>
             <a:r>
               <a:rPr lang="ru-RU" dirty="0" smtClean="0"/>
-              <a:t>команд прямо из </a:t>
-            </a:r>
+              <a:t>проектах.</a:t>
+            </a:r>
+          </a:p>
+          <a:p>
+            <a:pPr marL="0" indent="0">
+              <a:buNone/>
+            </a:pPr>
+            <a:endParaRPr lang="en-US" dirty="0" smtClean="0"/>
+          </a:p>
+          <a:p>
+            <a:pPr marL="0" indent="0">
+              <a:buNone/>
+            </a:pPr>
             <a:r>
               <a:rPr lang="en-US" dirty="0" smtClean="0"/>
-              <a:t>Visual Studio.</a:t>
+              <a:t>NuGet </a:t>
+            </a:r>
+            <a:r>
+              <a:rPr lang="ru-RU" dirty="0" smtClean="0"/>
+              <a:t>входит в состав </a:t>
+            </a:r>
+            <a:r>
+              <a:rPr lang="en-US" dirty="0" smtClean="0"/>
+              <a:t>VS 2012 </a:t>
+            </a:r>
+            <a:r>
+              <a:rPr lang="ru-RU" dirty="0" smtClean="0"/>
+              <a:t>и выше. Для </a:t>
+            </a:r>
+            <a:r>
+              <a:rPr lang="en-US" dirty="0" smtClean="0"/>
+              <a:t>VS 2010 </a:t>
+            </a:r>
+            <a:r>
+              <a:rPr lang="ru-RU" dirty="0" smtClean="0"/>
+              <a:t>его нужно скачать с помощью </a:t>
+            </a:r>
+            <a:r>
+              <a:rPr lang="en-US" dirty="0" smtClean="0"/>
+              <a:t>Tools -&gt; Extension Manager </a:t>
+            </a:r>
+            <a:r>
+              <a:rPr lang="ru-RU" dirty="0" smtClean="0"/>
+              <a:t>или с сайта </a:t>
+            </a:r>
+            <a:r>
+              <a:rPr lang="en-US" dirty="0" smtClean="0">
+                <a:hlinkClick r:id="rId2"/>
+              </a:rPr>
+              <a:t>nuget.org</a:t>
+            </a:r>
+            <a:r>
+              <a:rPr lang="ru-RU" dirty="0" smtClean="0"/>
+              <a:t>. После установки в контекстном меню </a:t>
+            </a:r>
+            <a:r>
+              <a:rPr lang="en-US" dirty="0" smtClean="0"/>
+              <a:t>References </a:t>
+            </a:r>
+            <a:r>
+              <a:rPr lang="ru-RU" dirty="0" smtClean="0"/>
+              <a:t>появится команда </a:t>
+            </a:r>
+            <a:r>
+              <a:rPr lang="en-US" dirty="0" smtClean="0"/>
+              <a:t>“Manage NuGet Packages …”. </a:t>
+            </a:r>
+            <a:r>
+              <a:rPr lang="ru-RU" dirty="0" smtClean="0"/>
+              <a:t>Также в меню </a:t>
+            </a:r>
+            <a:r>
+              <a:rPr lang="en-US" dirty="0" smtClean="0"/>
+              <a:t>Tools </a:t>
+            </a:r>
+            <a:r>
+              <a:rPr lang="ru-RU" dirty="0" smtClean="0"/>
+              <a:t>появится меню </a:t>
+            </a:r>
+            <a:r>
+              <a:rPr lang="en-US" dirty="0" smtClean="0"/>
+              <a:t>“NuGet Package Manager”.</a:t>
             </a:r>
             <a:endParaRPr lang="ru-RU" dirty="0" smtClean="0"/>
           </a:p>
           <a:p>
-            <a:r>
-              <a:rPr lang="en-US" dirty="0" smtClean="0"/>
-              <a:t>Add-</a:t>
-            </a:r>
-            <a:r>
-              <a:rPr lang="en-US" dirty="0" err="1" smtClean="0"/>
-              <a:t>BindingRedirect</a:t>
-            </a:r>
-            <a:endParaRPr lang="en-US" dirty="0" smtClean="0"/>
-          </a:p>
-          <a:p>
-            <a:r>
-              <a:rPr lang="en-US" dirty="0" smtClean="0"/>
-              <a:t>Get-Package</a:t>
-            </a:r>
-          </a:p>
-          <a:p>
-            <a:r>
-              <a:rPr lang="en-US" dirty="0"/>
-              <a:t>Get-Project</a:t>
-            </a:r>
-          </a:p>
-          <a:p>
-            <a:r>
-              <a:rPr lang="en-US" dirty="0" smtClean="0"/>
-              <a:t>Install-Package </a:t>
-            </a:r>
-            <a:r>
-              <a:rPr lang="ru-RU" dirty="0" smtClean="0"/>
-              <a:t>: установка пакета. Позволяет установить пакет определенной версии, что </a:t>
-            </a:r>
-            <a:r>
-              <a:rPr lang="ru-RU" smtClean="0"/>
-              <a:t>невозможно сделать через </a:t>
-            </a:r>
-            <a:r>
-              <a:rPr lang="en-US" dirty="0" smtClean="0"/>
-              <a:t>GUI.</a:t>
-            </a:r>
+            <a:pPr marL="0" indent="0">
+              <a:buNone/>
+            </a:pPr>
             <a:endParaRPr lang="ru-RU" dirty="0" smtClean="0"/>
           </a:p>
           <a:p>
-            <a:r>
-              <a:rPr lang="en-US" dirty="0" smtClean="0"/>
-              <a:t>Open-</a:t>
-            </a:r>
-            <a:r>
-              <a:rPr lang="en-US" dirty="0" err="1" smtClean="0"/>
-              <a:t>PackagePage</a:t>
-            </a:r>
-            <a:endParaRPr lang="ru-RU" dirty="0" smtClean="0"/>
-          </a:p>
-          <a:p>
-            <a:r>
-              <a:rPr lang="en-US" dirty="0" smtClean="0"/>
-              <a:t>Uninstall-Package</a:t>
-            </a:r>
-            <a:endParaRPr lang="ru-RU" dirty="0" smtClean="0"/>
-          </a:p>
-          <a:p>
-            <a:r>
-              <a:rPr lang="en-US" dirty="0"/>
-              <a:t>Update-Package</a:t>
-            </a:r>
+            <a:pPr marL="0" indent="0">
+              <a:buNone/>
+            </a:pPr>
             <a:endParaRPr lang="ru-RU" dirty="0"/>
           </a:p>
         </p:txBody>
@@ -14517,7 +15529,7 @@
     </p:spTree>
     <p:extLst>
       <p:ext uri="{BB962C8B-B14F-4D97-AF65-F5344CB8AC3E}">
-        <p14:creationId xmlns:p14="http://schemas.microsoft.com/office/powerpoint/2010/main" val="2572407753"/>
+        <p14:creationId xmlns:p14="http://schemas.microsoft.com/office/powerpoint/2010/main" val="861195078"/>
       </p:ext>
     </p:extLst>
   </p:cSld>
@@ -14567,12 +15579,8 @@
           <a:lstStyle/>
           <a:p>
             <a:r>
-              <a:rPr lang="ru-RU" dirty="0" smtClean="0"/>
-              <a:t>Утилиты для </a:t>
-            </a:r>
-            <a:r>
               <a:rPr lang="en-US" dirty="0" smtClean="0"/>
-              <a:t>NuGet</a:t>
+              <a:t>Package Manager Console</a:t>
             </a:r>
             <a:endParaRPr lang="ru-RU" dirty="0"/>
           </a:p>
@@ -14591,66 +15599,128 @@
         <p:spPr/>
         <p:txBody>
           <a:bodyPr>
-            <a:normAutofit/>
+            <a:normAutofit fontScale="77500" lnSpcReduction="20000"/>
           </a:bodyPr>
           <a:lstStyle/>
           <a:p>
-            <a:r>
-              <a:rPr lang="en-US" sz="2400" dirty="0" smtClean="0"/>
+            <a:pPr marL="0" indent="0">
+              <a:buNone/>
+            </a:pPr>
+            <a:r>
+              <a:rPr lang="ru-RU" dirty="0" smtClean="0"/>
+              <a:t>Окно </a:t>
+            </a:r>
+            <a:r>
+              <a:rPr lang="en-US" dirty="0" smtClean="0"/>
+              <a:t>Package </a:t>
+            </a:r>
+            <a:r>
+              <a:rPr lang="en-US" dirty="0"/>
+              <a:t>Manager </a:t>
+            </a:r>
+            <a:r>
+              <a:rPr lang="en-US" dirty="0" smtClean="0"/>
+              <a:t>Console</a:t>
+            </a:r>
+            <a:r>
+              <a:rPr lang="ru-RU" dirty="0" smtClean="0"/>
+              <a:t> позволяет управлять </a:t>
+            </a:r>
+            <a:r>
+              <a:rPr lang="en-US" dirty="0" smtClean="0"/>
               <a:t>NuGet </a:t>
             </a:r>
             <a:r>
-              <a:rPr lang="en-US" sz="2400" dirty="0"/>
-              <a:t>Package Explorer</a:t>
-            </a:r>
-            <a:br>
-              <a:rPr lang="en-US" sz="2400" dirty="0"/>
-            </a:br>
-            <a:r>
-              <a:rPr lang="en-US" sz="2400" dirty="0">
-                <a:hlinkClick r:id="rId2"/>
-              </a:rPr>
-              <a:t>http://npe.codeplex.com</a:t>
-            </a:r>
-            <a:r>
-              <a:rPr lang="en-US" sz="2400" dirty="0" smtClean="0">
-                <a:hlinkClick r:id="rId2"/>
-              </a:rPr>
-              <a:t>/</a:t>
-            </a:r>
-            <a:endParaRPr lang="en-US" sz="2400" dirty="0" smtClean="0"/>
-          </a:p>
-          <a:p>
-            <a:endParaRPr lang="ru-RU" sz="2400" dirty="0" smtClean="0"/>
-          </a:p>
-          <a:p>
-            <a:r>
-              <a:rPr lang="ru-RU" sz="2400" dirty="0" smtClean="0"/>
-              <a:t>Утилита командной строки</a:t>
-            </a:r>
-            <a:br>
-              <a:rPr lang="ru-RU" sz="2400" dirty="0" smtClean="0"/>
-            </a:br>
-            <a:r>
-              <a:rPr lang="en-US" sz="2400" dirty="0">
-                <a:hlinkClick r:id="rId3"/>
-              </a:rPr>
-              <a:t>http://</a:t>
-            </a:r>
-            <a:r>
-              <a:rPr lang="en-US" sz="2400" dirty="0" smtClean="0">
-                <a:hlinkClick r:id="rId3"/>
-              </a:rPr>
-              <a:t>docs.nuget.org/docs/start-here/installing-nuget</a:t>
-            </a:r>
-            <a:endParaRPr lang="ru-RU" sz="2400" dirty="0"/>
+              <a:rPr lang="ru-RU" dirty="0" smtClean="0"/>
+              <a:t>пакетами с помощью </a:t>
+            </a:r>
+            <a:r>
+              <a:rPr lang="en-US" dirty="0" smtClean="0"/>
+              <a:t>PowerShell </a:t>
+            </a:r>
+            <a:r>
+              <a:rPr lang="ru-RU" dirty="0" smtClean="0"/>
+              <a:t>команд прямо из </a:t>
+            </a:r>
+            <a:r>
+              <a:rPr lang="en-US" dirty="0" smtClean="0"/>
+              <a:t>Visual Studio.</a:t>
+            </a:r>
+            <a:endParaRPr lang="ru-RU" dirty="0" smtClean="0"/>
+          </a:p>
+          <a:p>
+            <a:r>
+              <a:rPr lang="en-US" dirty="0" smtClean="0"/>
+              <a:t>Add-</a:t>
+            </a:r>
+            <a:r>
+              <a:rPr lang="en-US" dirty="0" err="1" smtClean="0"/>
+              <a:t>BindingRedirect</a:t>
+            </a:r>
+            <a:endParaRPr lang="en-US" dirty="0" smtClean="0"/>
+          </a:p>
+          <a:p>
+            <a:r>
+              <a:rPr lang="en-US" dirty="0" smtClean="0"/>
+              <a:t>Get-Package</a:t>
+            </a:r>
+          </a:p>
+          <a:p>
+            <a:r>
+              <a:rPr lang="en-US" dirty="0"/>
+              <a:t>Get-Project</a:t>
+            </a:r>
+          </a:p>
+          <a:p>
+            <a:r>
+              <a:rPr lang="en-US" dirty="0" smtClean="0"/>
+              <a:t>Install-Package </a:t>
+            </a:r>
+            <a:r>
+              <a:rPr lang="ru-RU" dirty="0" smtClean="0"/>
+              <a:t>: установка пакета. Позволяет установить пакет определенной версии, что </a:t>
+            </a:r>
+            <a:r>
+              <a:rPr lang="ru-RU" smtClean="0"/>
+              <a:t>невозможно сделать через </a:t>
+            </a:r>
+            <a:r>
+              <a:rPr lang="en-US" dirty="0" smtClean="0"/>
+              <a:t>GUI.</a:t>
+            </a:r>
+            <a:endParaRPr lang="ru-RU" dirty="0" smtClean="0"/>
+          </a:p>
+          <a:p>
+            <a:r>
+              <a:rPr lang="en-US" dirty="0" smtClean="0"/>
+              <a:t>Open-</a:t>
+            </a:r>
+            <a:r>
+              <a:rPr lang="en-US" dirty="0" err="1" smtClean="0"/>
+              <a:t>PackagePage</a:t>
+            </a:r>
+            <a:endParaRPr lang="ru-RU" dirty="0" smtClean="0"/>
+          </a:p>
+          <a:p>
+            <a:r>
+              <a:rPr lang="en-US" dirty="0" smtClean="0"/>
+              <a:t>Uninstall-Package</a:t>
+            </a:r>
+            <a:endParaRPr lang="ru-RU" dirty="0" smtClean="0"/>
+          </a:p>
+          <a:p>
+            <a:r>
+              <a:rPr lang="en-US" dirty="0"/>
+              <a:t>Update-Package</a:t>
+            </a:r>
+            <a:endParaRPr lang="ru-RU" dirty="0"/>
           </a:p>
         </p:txBody>
       </p:sp>
     </p:spTree>
     <p:extLst>
       <p:ext uri="{BB962C8B-B14F-4D97-AF65-F5344CB8AC3E}">
-        <p14:creationId xmlns:p14="http://schemas.microsoft.com/office/powerpoint/2010/main" val="2426017902"/>
+        <p14:creationId xmlns:p14="http://schemas.microsoft.com/office/powerpoint/2010/main" val="2572407753"/>
       </p:ext>
     </p:extLst>
   </p:cSld>
@@ -14701,6 +15771,139 @@
           <a:p>
             <a:r>
               <a:rPr lang="ru-RU" dirty="0" smtClean="0"/>
+              <a:t>Утилиты для </a:t>
+            </a:r>
+            <a:r>
+              <a:rPr lang="en-US" dirty="0" smtClean="0"/>
+              <a:t>NuGet</a:t>
+            </a:r>
+            <a:endParaRPr lang="ru-RU" dirty="0"/>
+          </a:p>
+        </p:txBody>
+      </p:sp>
+      <p:sp>
+        <p:nvSpPr>
+          <p:cNvPr id="3" name="Content Placeholder 2"/>
+          <p:cNvSpPr>
+            <a:spLocks noGrp="1"/>
+          </p:cNvSpPr>
+          <p:nvPr>
+            <p:ph idx="1"/>
+          </p:nvPr>
+        </p:nvSpPr>
+        <p:spPr/>
+        <p:txBody>
+          <a:bodyPr>
+            <a:normAutofit/>
+          </a:bodyPr>
+          <a:lstStyle/>
+          <a:p>
+            <a:r>
+              <a:rPr lang="en-US" sz="2400" dirty="0" smtClean="0"/>
+              <a:t>NuGet </a:t>
+            </a:r>
+            <a:r>
+              <a:rPr lang="en-US" sz="2400" dirty="0"/>
+              <a:t>Package Explorer</a:t>
+            </a:r>
+            <a:br>
+              <a:rPr lang="en-US" sz="2400" dirty="0"/>
+            </a:br>
+            <a:r>
+              <a:rPr lang="en-US" sz="2400" dirty="0">
+                <a:hlinkClick r:id="rId2"/>
+              </a:rPr>
+              <a:t>http://npe.codeplex.com</a:t>
+            </a:r>
+            <a:r>
+              <a:rPr lang="en-US" sz="2400" dirty="0" smtClean="0">
+                <a:hlinkClick r:id="rId2"/>
+              </a:rPr>
+              <a:t>/</a:t>
+            </a:r>
+            <a:endParaRPr lang="en-US" sz="2400" dirty="0" smtClean="0"/>
+          </a:p>
+          <a:p>
+            <a:endParaRPr lang="ru-RU" sz="2400" dirty="0" smtClean="0"/>
+          </a:p>
+          <a:p>
+            <a:r>
+              <a:rPr lang="ru-RU" sz="2400" dirty="0" smtClean="0"/>
+              <a:t>Утилита командной строки</a:t>
+            </a:r>
+            <a:br>
+              <a:rPr lang="ru-RU" sz="2400" dirty="0" smtClean="0"/>
+            </a:br>
+            <a:r>
+              <a:rPr lang="en-US" sz="2400" dirty="0">
+                <a:hlinkClick r:id="rId3"/>
+              </a:rPr>
+              <a:t>http://</a:t>
+            </a:r>
+            <a:r>
+              <a:rPr lang="en-US" sz="2400" dirty="0" smtClean="0">
+                <a:hlinkClick r:id="rId3"/>
+              </a:rPr>
+              <a:t>docs.nuget.org/docs/start-here/installing-nuget</a:t>
+            </a:r>
+            <a:endParaRPr lang="ru-RU" sz="2400" dirty="0"/>
+          </a:p>
+        </p:txBody>
+      </p:sp>
+    </p:spTree>
+    <p:extLst>
+      <p:ext uri="{BB962C8B-B14F-4D97-AF65-F5344CB8AC3E}">
+        <p14:creationId xmlns:p14="http://schemas.microsoft.com/office/powerpoint/2010/main" val="2426017902"/>
+      </p:ext>
+    </p:extLst>
+  </p:cSld>
+  <p:clrMapOvr>
+    <a:masterClrMapping/>
+  </p:clrMapOvr>
+  <p:timing>
+    <p:tnLst>
+      <p:par>
+        <p:cTn id="1" dur="indefinite" restart="never" nodeType="tmRoot"/>
+      </p:par>
+    </p:tnLst>
+  </p:timing>
+</p:sld>
+</file>
+
+<file path=ppt/slides/slide38.xml><?xml version="1.0" encoding="utf-8"?>
+<p:sld xmlns:a="http://schemas.openxmlformats.org/drawingml/2006/main" xmlns:r="http://schemas.openxmlformats.org/officeDocument/2006/relationships" xmlns:p="http://schemas.openxmlformats.org/presentationml/2006/main">
+  <p:cSld>
+    <p:spTree>
+      <p:nvGrpSpPr>
+        <p:cNvPr id="1" name=""/>
+        <p:cNvGrpSpPr/>
+        <p:nvPr/>
+      </p:nvGrpSpPr>
+      <p:grpSpPr>
+        <a:xfrm>
+          <a:off x="0" y="0"/>
+          <a:ext cx="0" cy="0"/>
+          <a:chOff x="0" y="0"/>
+          <a:chExt cx="0" cy="0"/>
+        </a:xfrm>
+      </p:grpSpPr>
+      <p:sp>
+        <p:nvSpPr>
+          <p:cNvPr id="2" name="Title 1"/>
+          <p:cNvSpPr>
+            <a:spLocks noGrp="1"/>
+          </p:cNvSpPr>
+          <p:nvPr>
+            <p:ph type="title"/>
+          </p:nvPr>
+        </p:nvSpPr>
+        <p:spPr/>
+        <p:txBody>
+          <a:bodyPr/>
+          <a:lstStyle/>
+          <a:p>
+            <a:r>
+              <a:rPr lang="ru-RU" dirty="0" smtClean="0"/>
               <a:t>Механизм </a:t>
             </a:r>
             <a:r>
@@ -14913,7 +16116,7 @@
 </p:sld>
 </file>
 
-<file path=ppt/slides/slide38.xml><?xml version="1.0" encoding="utf-8"?>
+<file path=ppt/slides/slide39.xml><?xml version="1.0" encoding="utf-8"?>
 <p:sld xmlns:a="http://schemas.openxmlformats.org/drawingml/2006/main" xmlns:r="http://schemas.openxmlformats.org/officeDocument/2006/relationships" xmlns:p="http://schemas.openxmlformats.org/presentationml/2006/main">
   <p:cSld>
     <p:spTree>
@@ -15768,865 +16971,6 @@
     <p:extLst>
       <p:ext uri="{BB962C8B-B14F-4D97-AF65-F5344CB8AC3E}">
         <p14:creationId xmlns:p14="http://schemas.microsoft.com/office/powerpoint/2010/main" val="3702071643"/>
-      </p:ext>
-    </p:extLst>
-  </p:cSld>
-  <p:clrMapOvr>
-    <a:masterClrMapping/>
-  </p:clrMapOvr>
-  <p:timing>
-    <p:tnLst>
-      <p:par>
-        <p:cTn id="1" dur="indefinite" restart="never" nodeType="tmRoot"/>
-      </p:par>
-    </p:tnLst>
-  </p:timing>
-</p:sld>
-</file>
-
-<file path=ppt/slides/slide39.xml><?xml version="1.0" encoding="utf-8"?>
-<p:sld xmlns:a="http://schemas.openxmlformats.org/drawingml/2006/main" xmlns:r="http://schemas.openxmlformats.org/officeDocument/2006/relationships" xmlns:p="http://schemas.openxmlformats.org/presentationml/2006/main">
-  <p:cSld>
-    <p:spTree>
-      <p:nvGrpSpPr>
-        <p:cNvPr id="1" name=""/>
-        <p:cNvGrpSpPr/>
-        <p:nvPr/>
-      </p:nvGrpSpPr>
-      <p:grpSpPr>
-        <a:xfrm>
-          <a:off x="0" y="0"/>
-          <a:ext cx="0" cy="0"/>
-          <a:chOff x="0" y="0"/>
-          <a:chExt cx="0" cy="0"/>
-        </a:xfrm>
-      </p:grpSpPr>
-      <p:sp>
-        <p:nvSpPr>
-          <p:cNvPr id="8194" name="Rectangle 3"/>
-          <p:cNvSpPr>
-            <a:spLocks noChangeArrowheads="1"/>
-          </p:cNvSpPr>
-          <p:nvPr/>
-        </p:nvSpPr>
-        <p:spPr bwMode="auto">
-          <a:xfrm>
-            <a:off x="152400" y="-4763"/>
-            <a:ext cx="8763000" cy="461963"/>
-          </a:xfrm>
-          <a:prstGeom prst="rect">
-            <a:avLst/>
-          </a:prstGeom>
-          <a:noFill/>
-          <a:ln>
-            <a:noFill/>
-          </a:ln>
-          <a:extLst>
-            <a:ext uri="{909E8E84-426E-40DD-AFC4-6F175D3DCCD1}">
-              <a14:hiddenFill xmlns:a14="http://schemas.microsoft.com/office/drawing/2010/main">
-                <a:solidFill>
-                  <a:srgbClr val="FFFFFF"/>
-                </a:solidFill>
-              </a14:hiddenFill>
-            </a:ext>
-            <a:ext uri="{91240B29-F687-4F45-9708-019B960494DF}">
-              <a14:hiddenLine xmlns:a14="http://schemas.microsoft.com/office/drawing/2010/main" w="9525">
-                <a:solidFill>
-                  <a:srgbClr val="000000"/>
-                </a:solidFill>
-                <a:miter lim="800000"/>
-                <a:headEnd/>
-                <a:tailEnd/>
-              </a14:hiddenLine>
-            </a:ext>
-          </a:extLst>
-        </p:spPr>
-        <p:txBody>
-          <a:bodyPr anchor="ctr">
-            <a:spAutoFit/>
-          </a:bodyPr>
-          <a:lstStyle/>
-          <a:p>
-            <a:pPr algn="ctr"/>
-            <a:r>
-              <a:rPr lang="ru-RU" sz="2400" b="1"/>
-              <a:t>Пространство </a:t>
-            </a:r>
-            <a:r>
-              <a:rPr lang="en-US" sz="2400" b="1"/>
-              <a:t>System.Reflection.</a:t>
-            </a:r>
-          </a:p>
-        </p:txBody>
-      </p:sp>
-      <p:sp>
-        <p:nvSpPr>
-          <p:cNvPr id="8195" name="Rectangle 3"/>
-          <p:cNvSpPr>
-            <a:spLocks noChangeArrowheads="1"/>
-          </p:cNvSpPr>
-          <p:nvPr/>
-        </p:nvSpPr>
-        <p:spPr bwMode="auto">
-          <a:xfrm>
-            <a:off x="152400" y="457200"/>
-            <a:ext cx="8839200" cy="584200"/>
-          </a:xfrm>
-          <a:prstGeom prst="rect">
-            <a:avLst/>
-          </a:prstGeom>
-          <a:noFill/>
-          <a:ln>
-            <a:noFill/>
-          </a:ln>
-          <a:extLst>
-            <a:ext uri="{909E8E84-426E-40DD-AFC4-6F175D3DCCD1}">
-              <a14:hiddenFill xmlns:a14="http://schemas.microsoft.com/office/drawing/2010/main">
-                <a:solidFill>
-                  <a:srgbClr val="FFFFFF"/>
-                </a:solidFill>
-              </a14:hiddenFill>
-            </a:ext>
-            <a:ext uri="{91240B29-F687-4F45-9708-019B960494DF}">
-              <a14:hiddenLine xmlns:a14="http://schemas.microsoft.com/office/drawing/2010/main" w="9525">
-                <a:solidFill>
-                  <a:srgbClr val="000000"/>
-                </a:solidFill>
-                <a:miter lim="800000"/>
-                <a:headEnd/>
-                <a:tailEnd/>
-              </a14:hiddenLine>
-            </a:ext>
-          </a:extLst>
-        </p:spPr>
-        <p:txBody>
-          <a:bodyPr anchor="ctr">
-            <a:spAutoFit/>
-          </a:bodyPr>
-          <a:lstStyle/>
-          <a:p>
-            <a:r>
-              <a:rPr lang="ru-RU" sz="1600"/>
-              <a:t>	Данное пространство предназначено для динамической загрузки и обработки сборок. Загружаемая сборка представлена объектом </a:t>
-            </a:r>
-            <a:r>
-              <a:rPr lang="en-US" sz="1600"/>
-              <a:t>Assembly.</a:t>
-            </a:r>
-            <a:endParaRPr lang="ru-RU" sz="1600"/>
-          </a:p>
-        </p:txBody>
-      </p:sp>
-      <p:sp>
-        <p:nvSpPr>
-          <p:cNvPr id="31745" name="Rectangle 1"/>
-          <p:cNvSpPr>
-            <a:spLocks noChangeArrowheads="1"/>
-          </p:cNvSpPr>
-          <p:nvPr/>
-        </p:nvSpPr>
-        <p:spPr bwMode="auto">
-          <a:xfrm>
-            <a:off x="152400" y="1066800"/>
-            <a:ext cx="8839200" cy="1477963"/>
-          </a:xfrm>
-          <a:prstGeom prst="rect">
-            <a:avLst/>
-          </a:prstGeom>
-          <a:noFill/>
-          <a:ln w="9525">
-            <a:solidFill>
-              <a:schemeClr val="bg1">
-                <a:lumMod val="65000"/>
-              </a:schemeClr>
-            </a:solidFill>
-            <a:miter lim="800000"/>
-            <a:headEnd/>
-            <a:tailEnd/>
-          </a:ln>
-          <a:effectLst/>
-        </p:spPr>
-        <p:txBody>
-          <a:bodyPr anchor="ctr">
-            <a:spAutoFit/>
-          </a:bodyPr>
-          <a:lstStyle/>
-          <a:p>
-            <a:pPr eaLnBrk="0" hangingPunct="0">
-              <a:defRPr/>
-            </a:pPr>
-            <a:r>
-              <a:rPr lang="be-BY" sz="1000" dirty="0">
-                <a:solidFill>
-                  <a:schemeClr val="bg1"/>
-                </a:solidFill>
-                <a:latin typeface="Courier New" pitchFamily="49" charset="0"/>
-                <a:ea typeface="Calibri" pitchFamily="34" charset="0"/>
-                <a:cs typeface="Courier New" pitchFamily="49" charset="0"/>
-              </a:rPr>
-              <a:t>            Assembly asm;</a:t>
-            </a:r>
-            <a:endParaRPr lang="be-BY" sz="900" dirty="0">
-              <a:solidFill>
-                <a:schemeClr val="bg1"/>
-              </a:solidFill>
-              <a:latin typeface="Arial" pitchFamily="34" charset="0"/>
-            </a:endParaRPr>
-          </a:p>
-          <a:p>
-            <a:pPr eaLnBrk="0" hangingPunct="0">
-              <a:defRPr/>
-            </a:pPr>
-            <a:r>
-              <a:rPr lang="be-BY" sz="1000" dirty="0">
-                <a:solidFill>
-                  <a:schemeClr val="bg1"/>
-                </a:solidFill>
-                <a:latin typeface="Courier New" pitchFamily="49" charset="0"/>
-                <a:ea typeface="Calibri" pitchFamily="34" charset="0"/>
-                <a:cs typeface="Courier New" pitchFamily="49" charset="0"/>
-              </a:rPr>
-              <a:t>            try</a:t>
-            </a:r>
-            <a:endParaRPr lang="be-BY" sz="900" dirty="0">
-              <a:solidFill>
-                <a:schemeClr val="bg1"/>
-              </a:solidFill>
-              <a:latin typeface="Arial" pitchFamily="34" charset="0"/>
-            </a:endParaRPr>
-          </a:p>
-          <a:p>
-            <a:pPr eaLnBrk="0" hangingPunct="0">
-              <a:defRPr/>
-            </a:pPr>
-            <a:r>
-              <a:rPr lang="be-BY" sz="1000" dirty="0">
-                <a:solidFill>
-                  <a:schemeClr val="bg1"/>
-                </a:solidFill>
-                <a:latin typeface="Courier New" pitchFamily="49" charset="0"/>
-                <a:ea typeface="Calibri" pitchFamily="34" charset="0"/>
-                <a:cs typeface="Courier New" pitchFamily="49" charset="0"/>
-              </a:rPr>
-              <a:t>            {</a:t>
-            </a:r>
-            <a:endParaRPr lang="be-BY" sz="900" dirty="0">
-              <a:solidFill>
-                <a:schemeClr val="bg1"/>
-              </a:solidFill>
-              <a:latin typeface="Arial" pitchFamily="34" charset="0"/>
-            </a:endParaRPr>
-          </a:p>
-          <a:p>
-            <a:pPr eaLnBrk="0" hangingPunct="0">
-              <a:defRPr/>
-            </a:pPr>
-            <a:r>
-              <a:rPr lang="be-BY" sz="1000" dirty="0">
-                <a:solidFill>
-                  <a:schemeClr val="bg1"/>
-                </a:solidFill>
-                <a:latin typeface="Courier New" pitchFamily="49" charset="0"/>
-                <a:ea typeface="Calibri" pitchFamily="34" charset="0"/>
-                <a:cs typeface="Courier New" pitchFamily="49" charset="0"/>
-              </a:rPr>
-              <a:t>                asm = Assembly.Load("Complex");</a:t>
-            </a:r>
-            <a:endParaRPr lang="be-BY" sz="900" dirty="0">
-              <a:solidFill>
-                <a:schemeClr val="bg1"/>
-              </a:solidFill>
-              <a:latin typeface="Arial" pitchFamily="34" charset="0"/>
-            </a:endParaRPr>
-          </a:p>
-          <a:p>
-            <a:pPr eaLnBrk="0" hangingPunct="0">
-              <a:defRPr/>
-            </a:pPr>
-            <a:r>
-              <a:rPr lang="be-BY" sz="1000" dirty="0">
-                <a:solidFill>
-                  <a:schemeClr val="bg1"/>
-                </a:solidFill>
-                <a:latin typeface="Courier New" pitchFamily="49" charset="0"/>
-                <a:ea typeface="Calibri" pitchFamily="34" charset="0"/>
-                <a:cs typeface="Courier New" pitchFamily="49" charset="0"/>
-              </a:rPr>
-              <a:t>            }</a:t>
-            </a:r>
-            <a:endParaRPr lang="be-BY" sz="900" dirty="0">
-              <a:solidFill>
-                <a:schemeClr val="bg1"/>
-              </a:solidFill>
-              <a:latin typeface="Arial" pitchFamily="34" charset="0"/>
-            </a:endParaRPr>
-          </a:p>
-          <a:p>
-            <a:pPr eaLnBrk="0" hangingPunct="0">
-              <a:defRPr/>
-            </a:pPr>
-            <a:r>
-              <a:rPr lang="be-BY" sz="1000" dirty="0">
-                <a:solidFill>
-                  <a:schemeClr val="bg1"/>
-                </a:solidFill>
-                <a:latin typeface="Courier New" pitchFamily="49" charset="0"/>
-                <a:ea typeface="Calibri" pitchFamily="34" charset="0"/>
-                <a:cs typeface="Courier New" pitchFamily="49" charset="0"/>
-              </a:rPr>
-              <a:t>            catch (FileNotFoundException e)</a:t>
-            </a:r>
-            <a:endParaRPr lang="be-BY" sz="900" dirty="0">
-              <a:solidFill>
-                <a:schemeClr val="bg1"/>
-              </a:solidFill>
-              <a:latin typeface="Arial" pitchFamily="34" charset="0"/>
-            </a:endParaRPr>
-          </a:p>
-          <a:p>
-            <a:pPr eaLnBrk="0" hangingPunct="0">
-              <a:defRPr/>
-            </a:pPr>
-            <a:r>
-              <a:rPr lang="be-BY" sz="1000" dirty="0">
-                <a:solidFill>
-                  <a:schemeClr val="bg1"/>
-                </a:solidFill>
-                <a:latin typeface="Courier New" pitchFamily="49" charset="0"/>
-                <a:ea typeface="Calibri" pitchFamily="34" charset="0"/>
-                <a:cs typeface="Courier New" pitchFamily="49" charset="0"/>
-              </a:rPr>
-              <a:t>            {</a:t>
-            </a:r>
-            <a:endParaRPr lang="be-BY" sz="900" dirty="0">
-              <a:solidFill>
-                <a:schemeClr val="bg1"/>
-              </a:solidFill>
-              <a:latin typeface="Arial" pitchFamily="34" charset="0"/>
-            </a:endParaRPr>
-          </a:p>
-          <a:p>
-            <a:pPr eaLnBrk="0" hangingPunct="0">
-              <a:defRPr/>
-            </a:pPr>
-            <a:r>
-              <a:rPr lang="be-BY" sz="1000" dirty="0">
-                <a:solidFill>
-                  <a:schemeClr val="bg1"/>
-                </a:solidFill>
-                <a:latin typeface="Courier New" pitchFamily="49" charset="0"/>
-                <a:ea typeface="Calibri" pitchFamily="34" charset="0"/>
-                <a:cs typeface="Courier New" pitchFamily="49" charset="0"/>
-              </a:rPr>
-              <a:t>                Console.WriteLine(e.Message);</a:t>
-            </a:r>
-            <a:endParaRPr lang="be-BY" sz="900" dirty="0">
-              <a:solidFill>
-                <a:schemeClr val="bg1"/>
-              </a:solidFill>
-              <a:latin typeface="Arial" pitchFamily="34" charset="0"/>
-            </a:endParaRPr>
-          </a:p>
-          <a:p>
-            <a:pPr eaLnBrk="0" hangingPunct="0">
-              <a:defRPr/>
-            </a:pPr>
-            <a:r>
-              <a:rPr lang="be-BY" sz="1000" dirty="0">
-                <a:solidFill>
-                  <a:schemeClr val="bg1"/>
-                </a:solidFill>
-                <a:latin typeface="Courier New" pitchFamily="49" charset="0"/>
-                <a:ea typeface="Calibri" pitchFamily="34" charset="0"/>
-                <a:cs typeface="Courier New" pitchFamily="49" charset="0"/>
-              </a:rPr>
-              <a:t>            }</a:t>
-            </a:r>
-            <a:endParaRPr lang="be-BY" dirty="0">
-              <a:solidFill>
-                <a:schemeClr val="bg1"/>
-              </a:solidFill>
-              <a:latin typeface="Arial" pitchFamily="34" charset="0"/>
-            </a:endParaRPr>
-          </a:p>
-        </p:txBody>
-      </p:sp>
-      <p:sp>
-        <p:nvSpPr>
-          <p:cNvPr id="8197" name="Rectangle 5"/>
-          <p:cNvSpPr>
-            <a:spLocks noChangeArrowheads="1"/>
-          </p:cNvSpPr>
-          <p:nvPr/>
-        </p:nvSpPr>
-        <p:spPr bwMode="auto">
-          <a:xfrm>
-            <a:off x="152400" y="2709863"/>
-            <a:ext cx="8839200" cy="338137"/>
-          </a:xfrm>
-          <a:prstGeom prst="rect">
-            <a:avLst/>
-          </a:prstGeom>
-          <a:noFill/>
-          <a:ln>
-            <a:noFill/>
-          </a:ln>
-          <a:extLst>
-            <a:ext uri="{909E8E84-426E-40DD-AFC4-6F175D3DCCD1}">
-              <a14:hiddenFill xmlns:a14="http://schemas.microsoft.com/office/drawing/2010/main">
-                <a:solidFill>
-                  <a:srgbClr val="FFFFFF"/>
-                </a:solidFill>
-              </a14:hiddenFill>
-            </a:ext>
-            <a:ext uri="{91240B29-F687-4F45-9708-019B960494DF}">
-              <a14:hiddenLine xmlns:a14="http://schemas.microsoft.com/office/drawing/2010/main" w="9525">
-                <a:solidFill>
-                  <a:srgbClr val="000000"/>
-                </a:solidFill>
-                <a:miter lim="800000"/>
-                <a:headEnd/>
-                <a:tailEnd/>
-              </a14:hiddenLine>
-            </a:ext>
-          </a:extLst>
-        </p:spPr>
-        <p:txBody>
-          <a:bodyPr anchor="ctr">
-            <a:spAutoFit/>
-          </a:bodyPr>
-          <a:lstStyle/>
-          <a:p>
-            <a:r>
-              <a:rPr lang="ru-RU" sz="1600"/>
-              <a:t>	Также для загрузки сборки можно использовать объект </a:t>
-            </a:r>
-            <a:r>
-              <a:rPr lang="en-US" sz="1600"/>
-              <a:t>AssemblyName</a:t>
-            </a:r>
-            <a:r>
-              <a:rPr lang="ru-RU" sz="1600"/>
-              <a:t>.</a:t>
-            </a:r>
-          </a:p>
-        </p:txBody>
-      </p:sp>
-      <p:sp>
-        <p:nvSpPr>
-          <p:cNvPr id="31746" name="Rectangle 2"/>
-          <p:cNvSpPr>
-            <a:spLocks noChangeArrowheads="1"/>
-          </p:cNvSpPr>
-          <p:nvPr/>
-        </p:nvSpPr>
-        <p:spPr bwMode="auto">
-          <a:xfrm>
-            <a:off x="152400" y="3048000"/>
-            <a:ext cx="8839200" cy="1784350"/>
-          </a:xfrm>
-          <a:prstGeom prst="rect">
-            <a:avLst/>
-          </a:prstGeom>
-          <a:noFill/>
-          <a:ln w="9525">
-            <a:solidFill>
-              <a:schemeClr val="bg1">
-                <a:lumMod val="65000"/>
-              </a:schemeClr>
-            </a:solidFill>
-            <a:miter lim="800000"/>
-            <a:headEnd/>
-            <a:tailEnd/>
-          </a:ln>
-          <a:effectLst/>
-        </p:spPr>
-        <p:txBody>
-          <a:bodyPr anchor="ctr">
-            <a:spAutoFit/>
-          </a:bodyPr>
-          <a:lstStyle/>
-          <a:p>
-            <a:pPr eaLnBrk="0" hangingPunct="0">
-              <a:defRPr/>
-            </a:pPr>
-            <a:r>
-              <a:rPr lang="be-BY" sz="1000" dirty="0">
-                <a:solidFill>
-                  <a:schemeClr val="bg1"/>
-                </a:solidFill>
-                <a:latin typeface="Courier New" pitchFamily="49" charset="0"/>
-                <a:ea typeface="Calibri" pitchFamily="34" charset="0"/>
-                <a:cs typeface="Courier New" pitchFamily="49" charset="0"/>
-              </a:rPr>
-              <a:t>            AssemblyName name = new AssemblyName("Complex");</a:t>
-            </a:r>
-            <a:endParaRPr lang="be-BY" sz="900" dirty="0">
-              <a:solidFill>
-                <a:schemeClr val="bg1"/>
-              </a:solidFill>
-              <a:latin typeface="Arial" pitchFamily="34" charset="0"/>
-            </a:endParaRPr>
-          </a:p>
-          <a:p>
-            <a:pPr eaLnBrk="0" hangingPunct="0">
-              <a:defRPr/>
-            </a:pPr>
-            <a:r>
-              <a:rPr lang="be-BY" sz="1000" dirty="0">
-                <a:solidFill>
-                  <a:schemeClr val="bg1"/>
-                </a:solidFill>
-                <a:latin typeface="Courier New" pitchFamily="49" charset="0"/>
-                <a:ea typeface="Calibri" pitchFamily="34" charset="0"/>
-                <a:cs typeface="Courier New" pitchFamily="49" charset="0"/>
-              </a:rPr>
-              <a:t>            name.Version = new Version(1, 0, 0, 0);</a:t>
-            </a:r>
-            <a:endParaRPr lang="be-BY" sz="900" dirty="0">
-              <a:solidFill>
-                <a:schemeClr val="bg1"/>
-              </a:solidFill>
-              <a:latin typeface="Arial" pitchFamily="34" charset="0"/>
-            </a:endParaRPr>
-          </a:p>
-          <a:p>
-            <a:pPr eaLnBrk="0" hangingPunct="0">
-              <a:defRPr/>
-            </a:pPr>
-            <a:r>
-              <a:rPr lang="be-BY" sz="1000" dirty="0">
-                <a:solidFill>
-                  <a:schemeClr val="bg1"/>
-                </a:solidFill>
-                <a:latin typeface="Courier New" pitchFamily="49" charset="0"/>
-                <a:ea typeface="Calibri" pitchFamily="34" charset="0"/>
-                <a:cs typeface="Courier New" pitchFamily="49" charset="0"/>
-              </a:rPr>
-              <a:t>            Assembly asm;</a:t>
-            </a:r>
-            <a:endParaRPr lang="be-BY" sz="900" dirty="0">
-              <a:solidFill>
-                <a:schemeClr val="bg1"/>
-              </a:solidFill>
-              <a:latin typeface="Arial" pitchFamily="34" charset="0"/>
-            </a:endParaRPr>
-          </a:p>
-          <a:p>
-            <a:pPr eaLnBrk="0" hangingPunct="0">
-              <a:defRPr/>
-            </a:pPr>
-            <a:r>
-              <a:rPr lang="be-BY" sz="1000" dirty="0">
-                <a:solidFill>
-                  <a:schemeClr val="bg1"/>
-                </a:solidFill>
-                <a:latin typeface="Courier New" pitchFamily="49" charset="0"/>
-                <a:ea typeface="Calibri" pitchFamily="34" charset="0"/>
-                <a:cs typeface="Courier New" pitchFamily="49" charset="0"/>
-              </a:rPr>
-              <a:t>            try</a:t>
-            </a:r>
-            <a:endParaRPr lang="be-BY" sz="900" dirty="0">
-              <a:solidFill>
-                <a:schemeClr val="bg1"/>
-              </a:solidFill>
-              <a:latin typeface="Arial" pitchFamily="34" charset="0"/>
-            </a:endParaRPr>
-          </a:p>
-          <a:p>
-            <a:pPr eaLnBrk="0" hangingPunct="0">
-              <a:defRPr/>
-            </a:pPr>
-            <a:r>
-              <a:rPr lang="be-BY" sz="1000" dirty="0">
-                <a:solidFill>
-                  <a:schemeClr val="bg1"/>
-                </a:solidFill>
-                <a:latin typeface="Courier New" pitchFamily="49" charset="0"/>
-                <a:ea typeface="Calibri" pitchFamily="34" charset="0"/>
-                <a:cs typeface="Courier New" pitchFamily="49" charset="0"/>
-              </a:rPr>
-              <a:t>            {</a:t>
-            </a:r>
-            <a:endParaRPr lang="be-BY" sz="900" dirty="0">
-              <a:solidFill>
-                <a:schemeClr val="bg1"/>
-              </a:solidFill>
-              <a:latin typeface="Arial" pitchFamily="34" charset="0"/>
-            </a:endParaRPr>
-          </a:p>
-          <a:p>
-            <a:pPr eaLnBrk="0" hangingPunct="0">
-              <a:defRPr/>
-            </a:pPr>
-            <a:r>
-              <a:rPr lang="be-BY" sz="1000" dirty="0">
-                <a:solidFill>
-                  <a:schemeClr val="bg1"/>
-                </a:solidFill>
-                <a:latin typeface="Courier New" pitchFamily="49" charset="0"/>
-                <a:ea typeface="Calibri" pitchFamily="34" charset="0"/>
-                <a:cs typeface="Courier New" pitchFamily="49" charset="0"/>
-              </a:rPr>
-              <a:t>                asm = Assembly.Load(name);</a:t>
-            </a:r>
-            <a:endParaRPr lang="be-BY" sz="900" dirty="0">
-              <a:solidFill>
-                <a:schemeClr val="bg1"/>
-              </a:solidFill>
-              <a:latin typeface="Arial" pitchFamily="34" charset="0"/>
-            </a:endParaRPr>
-          </a:p>
-          <a:p>
-            <a:pPr eaLnBrk="0" hangingPunct="0">
-              <a:defRPr/>
-            </a:pPr>
-            <a:r>
-              <a:rPr lang="be-BY" sz="1000" dirty="0">
-                <a:solidFill>
-                  <a:schemeClr val="bg1"/>
-                </a:solidFill>
-                <a:latin typeface="Courier New" pitchFamily="49" charset="0"/>
-                <a:ea typeface="Calibri" pitchFamily="34" charset="0"/>
-                <a:cs typeface="Courier New" pitchFamily="49" charset="0"/>
-              </a:rPr>
-              <a:t>            }</a:t>
-            </a:r>
-            <a:endParaRPr lang="be-BY" sz="900" dirty="0">
-              <a:solidFill>
-                <a:schemeClr val="bg1"/>
-              </a:solidFill>
-              <a:latin typeface="Arial" pitchFamily="34" charset="0"/>
-            </a:endParaRPr>
-          </a:p>
-          <a:p>
-            <a:pPr eaLnBrk="0" hangingPunct="0">
-              <a:defRPr/>
-            </a:pPr>
-            <a:r>
-              <a:rPr lang="be-BY" sz="1000" dirty="0">
-                <a:solidFill>
-                  <a:schemeClr val="bg1"/>
-                </a:solidFill>
-                <a:latin typeface="Courier New" pitchFamily="49" charset="0"/>
-                <a:ea typeface="Calibri" pitchFamily="34" charset="0"/>
-                <a:cs typeface="Courier New" pitchFamily="49" charset="0"/>
-              </a:rPr>
-              <a:t>            catch (FileNotFoundException e)</a:t>
-            </a:r>
-            <a:endParaRPr lang="be-BY" sz="900" dirty="0">
-              <a:solidFill>
-                <a:schemeClr val="bg1"/>
-              </a:solidFill>
-              <a:latin typeface="Arial" pitchFamily="34" charset="0"/>
-            </a:endParaRPr>
-          </a:p>
-          <a:p>
-            <a:pPr eaLnBrk="0" hangingPunct="0">
-              <a:defRPr/>
-            </a:pPr>
-            <a:r>
-              <a:rPr lang="be-BY" sz="1000" dirty="0">
-                <a:solidFill>
-                  <a:schemeClr val="bg1"/>
-                </a:solidFill>
-                <a:latin typeface="Courier New" pitchFamily="49" charset="0"/>
-                <a:ea typeface="Calibri" pitchFamily="34" charset="0"/>
-                <a:cs typeface="Courier New" pitchFamily="49" charset="0"/>
-              </a:rPr>
-              <a:t>            {</a:t>
-            </a:r>
-            <a:endParaRPr lang="be-BY" sz="900" dirty="0">
-              <a:solidFill>
-                <a:schemeClr val="bg1"/>
-              </a:solidFill>
-              <a:latin typeface="Arial" pitchFamily="34" charset="0"/>
-            </a:endParaRPr>
-          </a:p>
-          <a:p>
-            <a:pPr eaLnBrk="0" hangingPunct="0">
-              <a:defRPr/>
-            </a:pPr>
-            <a:r>
-              <a:rPr lang="be-BY" sz="1000" dirty="0">
-                <a:solidFill>
-                  <a:schemeClr val="bg1"/>
-                </a:solidFill>
-                <a:latin typeface="Courier New" pitchFamily="49" charset="0"/>
-                <a:ea typeface="Calibri" pitchFamily="34" charset="0"/>
-                <a:cs typeface="Courier New" pitchFamily="49" charset="0"/>
-              </a:rPr>
-              <a:t>                Console.WriteLine(e.Message);</a:t>
-            </a:r>
-            <a:endParaRPr lang="be-BY" sz="900" dirty="0">
-              <a:solidFill>
-                <a:schemeClr val="bg1"/>
-              </a:solidFill>
-              <a:latin typeface="Arial" pitchFamily="34" charset="0"/>
-            </a:endParaRPr>
-          </a:p>
-          <a:p>
-            <a:pPr eaLnBrk="0" hangingPunct="0">
-              <a:defRPr/>
-            </a:pPr>
-            <a:r>
-              <a:rPr lang="be-BY" sz="1000" dirty="0">
-                <a:solidFill>
-                  <a:schemeClr val="bg1"/>
-                </a:solidFill>
-                <a:latin typeface="Courier New" pitchFamily="49" charset="0"/>
-                <a:ea typeface="Calibri" pitchFamily="34" charset="0"/>
-                <a:cs typeface="Courier New" pitchFamily="49" charset="0"/>
-              </a:rPr>
-              <a:t>            }</a:t>
-            </a:r>
-            <a:endParaRPr lang="be-BY" dirty="0">
-              <a:solidFill>
-                <a:schemeClr val="bg1"/>
-              </a:solidFill>
-              <a:latin typeface="Arial" pitchFamily="34" charset="0"/>
-            </a:endParaRPr>
-          </a:p>
-        </p:txBody>
-      </p:sp>
-      <p:sp>
-        <p:nvSpPr>
-          <p:cNvPr id="8199" name="Rectangle 7"/>
-          <p:cNvSpPr>
-            <a:spLocks noChangeArrowheads="1"/>
-          </p:cNvSpPr>
-          <p:nvPr/>
-        </p:nvSpPr>
-        <p:spPr bwMode="auto">
-          <a:xfrm>
-            <a:off x="152400" y="5053013"/>
-            <a:ext cx="8839200" cy="338137"/>
-          </a:xfrm>
-          <a:prstGeom prst="rect">
-            <a:avLst/>
-          </a:prstGeom>
-          <a:noFill/>
-          <a:ln>
-            <a:noFill/>
-          </a:ln>
-          <a:extLst>
-            <a:ext uri="{909E8E84-426E-40DD-AFC4-6F175D3DCCD1}">
-              <a14:hiddenFill xmlns:a14="http://schemas.microsoft.com/office/drawing/2010/main">
-                <a:solidFill>
-                  <a:srgbClr val="FFFFFF"/>
-                </a:solidFill>
-              </a14:hiddenFill>
-            </a:ext>
-            <a:ext uri="{91240B29-F687-4F45-9708-019B960494DF}">
-              <a14:hiddenLine xmlns:a14="http://schemas.microsoft.com/office/drawing/2010/main" w="9525">
-                <a:solidFill>
-                  <a:srgbClr val="000000"/>
-                </a:solidFill>
-                <a:miter lim="800000"/>
-                <a:headEnd/>
-                <a:tailEnd/>
-              </a14:hiddenLine>
-            </a:ext>
-          </a:extLst>
-        </p:spPr>
-        <p:txBody>
-          <a:bodyPr anchor="ctr">
-            <a:spAutoFit/>
-          </a:bodyPr>
-          <a:lstStyle/>
-          <a:p>
-            <a:r>
-              <a:rPr lang="ru-RU" sz="1600"/>
-              <a:t>…после чего можно получить информацию о типах находящихся в сборке.</a:t>
-            </a:r>
-          </a:p>
-        </p:txBody>
-      </p:sp>
-      <p:sp>
-        <p:nvSpPr>
-          <p:cNvPr id="31747" name="Rectangle 8"/>
-          <p:cNvSpPr>
-            <a:spLocks noChangeArrowheads="1"/>
-          </p:cNvSpPr>
-          <p:nvPr/>
-        </p:nvSpPr>
-        <p:spPr bwMode="auto">
-          <a:xfrm>
-            <a:off x="152400" y="5391150"/>
-            <a:ext cx="8839200" cy="400050"/>
-          </a:xfrm>
-          <a:prstGeom prst="rect">
-            <a:avLst/>
-          </a:prstGeom>
-          <a:noFill/>
-          <a:ln w="9525">
-            <a:solidFill>
-              <a:schemeClr val="bg1">
-                <a:lumMod val="65000"/>
-              </a:schemeClr>
-            </a:solidFill>
-            <a:miter lim="800000"/>
-            <a:headEnd/>
-            <a:tailEnd/>
-          </a:ln>
-          <a:effectLst/>
-        </p:spPr>
-        <p:txBody>
-          <a:bodyPr anchor="ctr">
-            <a:spAutoFit/>
-          </a:bodyPr>
-          <a:lstStyle/>
-          <a:p>
-            <a:pPr eaLnBrk="0" hangingPunct="0">
-              <a:defRPr/>
-            </a:pPr>
-            <a:r>
-              <a:rPr lang="be-BY" sz="1000" dirty="0">
-                <a:solidFill>
-                  <a:schemeClr val="bg1"/>
-                </a:solidFill>
-                <a:latin typeface="Courier New" pitchFamily="49" charset="0"/>
-                <a:ea typeface="Calibri" pitchFamily="34" charset="0"/>
-                <a:cs typeface="Courier New" pitchFamily="49" charset="0"/>
-              </a:rPr>
-              <a:t>            foreach (Type t in asm.GetTypes())</a:t>
-            </a:r>
-            <a:endParaRPr lang="be-BY" sz="900" dirty="0">
-              <a:solidFill>
-                <a:schemeClr val="bg1"/>
-              </a:solidFill>
-              <a:latin typeface="Arial" pitchFamily="34" charset="0"/>
-            </a:endParaRPr>
-          </a:p>
-          <a:p>
-            <a:pPr eaLnBrk="0" hangingPunct="0">
-              <a:defRPr/>
-            </a:pPr>
-            <a:r>
-              <a:rPr lang="be-BY" sz="1000" dirty="0">
-                <a:solidFill>
-                  <a:schemeClr val="bg1"/>
-                </a:solidFill>
-                <a:latin typeface="Courier New" pitchFamily="49" charset="0"/>
-                <a:ea typeface="Calibri" pitchFamily="34" charset="0"/>
-                <a:cs typeface="Courier New" pitchFamily="49" charset="0"/>
-              </a:rPr>
-              <a:t>                Console.WriteLine(t);</a:t>
-            </a:r>
-            <a:endParaRPr lang="be-BY" dirty="0">
-              <a:solidFill>
-                <a:schemeClr val="bg1"/>
-              </a:solidFill>
-              <a:latin typeface="Arial" pitchFamily="34" charset="0"/>
-            </a:endParaRPr>
-          </a:p>
-        </p:txBody>
-      </p:sp>
-    </p:spTree>
-    <p:extLst>
-      <p:ext uri="{BB962C8B-B14F-4D97-AF65-F5344CB8AC3E}">
-        <p14:creationId xmlns:p14="http://schemas.microsoft.com/office/powerpoint/2010/main" val="146513021"/>
       </p:ext>
     </p:extLst>
   </p:cSld>
@@ -16978,6 +17322,865 @@
       </p:grpSpPr>
       <p:sp>
         <p:nvSpPr>
+          <p:cNvPr id="8194" name="Rectangle 3"/>
+          <p:cNvSpPr>
+            <a:spLocks noChangeArrowheads="1"/>
+          </p:cNvSpPr>
+          <p:nvPr/>
+        </p:nvSpPr>
+        <p:spPr bwMode="auto">
+          <a:xfrm>
+            <a:off x="152400" y="-4763"/>
+            <a:ext cx="8763000" cy="461963"/>
+          </a:xfrm>
+          <a:prstGeom prst="rect">
+            <a:avLst/>
+          </a:prstGeom>
+          <a:noFill/>
+          <a:ln>
+            <a:noFill/>
+          </a:ln>
+          <a:extLst>
+            <a:ext uri="{909E8E84-426E-40DD-AFC4-6F175D3DCCD1}">
+              <a14:hiddenFill xmlns:a14="http://schemas.microsoft.com/office/drawing/2010/main">
+                <a:solidFill>
+                  <a:srgbClr val="FFFFFF"/>
+                </a:solidFill>
+              </a14:hiddenFill>
+            </a:ext>
+            <a:ext uri="{91240B29-F687-4F45-9708-019B960494DF}">
+              <a14:hiddenLine xmlns:a14="http://schemas.microsoft.com/office/drawing/2010/main" w="9525">
+                <a:solidFill>
+                  <a:srgbClr val="000000"/>
+                </a:solidFill>
+                <a:miter lim="800000"/>
+                <a:headEnd/>
+                <a:tailEnd/>
+              </a14:hiddenLine>
+            </a:ext>
+          </a:extLst>
+        </p:spPr>
+        <p:txBody>
+          <a:bodyPr anchor="ctr">
+            <a:spAutoFit/>
+          </a:bodyPr>
+          <a:lstStyle/>
+          <a:p>
+            <a:pPr algn="ctr"/>
+            <a:r>
+              <a:rPr lang="ru-RU" sz="2400" b="1"/>
+              <a:t>Пространство </a:t>
+            </a:r>
+            <a:r>
+              <a:rPr lang="en-US" sz="2400" b="1"/>
+              <a:t>System.Reflection.</a:t>
+            </a:r>
+          </a:p>
+        </p:txBody>
+      </p:sp>
+      <p:sp>
+        <p:nvSpPr>
+          <p:cNvPr id="8195" name="Rectangle 3"/>
+          <p:cNvSpPr>
+            <a:spLocks noChangeArrowheads="1"/>
+          </p:cNvSpPr>
+          <p:nvPr/>
+        </p:nvSpPr>
+        <p:spPr bwMode="auto">
+          <a:xfrm>
+            <a:off x="152400" y="457200"/>
+            <a:ext cx="8839200" cy="584200"/>
+          </a:xfrm>
+          <a:prstGeom prst="rect">
+            <a:avLst/>
+          </a:prstGeom>
+          <a:noFill/>
+          <a:ln>
+            <a:noFill/>
+          </a:ln>
+          <a:extLst>
+            <a:ext uri="{909E8E84-426E-40DD-AFC4-6F175D3DCCD1}">
+              <a14:hiddenFill xmlns:a14="http://schemas.microsoft.com/office/drawing/2010/main">
+                <a:solidFill>
+                  <a:srgbClr val="FFFFFF"/>
+                </a:solidFill>
+              </a14:hiddenFill>
+            </a:ext>
+            <a:ext uri="{91240B29-F687-4F45-9708-019B960494DF}">
+              <a14:hiddenLine xmlns:a14="http://schemas.microsoft.com/office/drawing/2010/main" w="9525">
+                <a:solidFill>
+                  <a:srgbClr val="000000"/>
+                </a:solidFill>
+                <a:miter lim="800000"/>
+                <a:headEnd/>
+                <a:tailEnd/>
+              </a14:hiddenLine>
+            </a:ext>
+          </a:extLst>
+        </p:spPr>
+        <p:txBody>
+          <a:bodyPr anchor="ctr">
+            <a:spAutoFit/>
+          </a:bodyPr>
+          <a:lstStyle/>
+          <a:p>
+            <a:r>
+              <a:rPr lang="ru-RU" sz="1600"/>
+              <a:t>	Данное пространство предназначено для динамической загрузки и обработки сборок. Загружаемая сборка представлена объектом </a:t>
+            </a:r>
+            <a:r>
+              <a:rPr lang="en-US" sz="1600"/>
+              <a:t>Assembly.</a:t>
+            </a:r>
+            <a:endParaRPr lang="ru-RU" sz="1600"/>
+          </a:p>
+        </p:txBody>
+      </p:sp>
+      <p:sp>
+        <p:nvSpPr>
+          <p:cNvPr id="31745" name="Rectangle 1"/>
+          <p:cNvSpPr>
+            <a:spLocks noChangeArrowheads="1"/>
+          </p:cNvSpPr>
+          <p:nvPr/>
+        </p:nvSpPr>
+        <p:spPr bwMode="auto">
+          <a:xfrm>
+            <a:off x="152400" y="1066800"/>
+            <a:ext cx="8839200" cy="1477963"/>
+          </a:xfrm>
+          <a:prstGeom prst="rect">
+            <a:avLst/>
+          </a:prstGeom>
+          <a:noFill/>
+          <a:ln w="9525">
+            <a:solidFill>
+              <a:schemeClr val="bg1">
+                <a:lumMod val="65000"/>
+              </a:schemeClr>
+            </a:solidFill>
+            <a:miter lim="800000"/>
+            <a:headEnd/>
+            <a:tailEnd/>
+          </a:ln>
+          <a:effectLst/>
+        </p:spPr>
+        <p:txBody>
+          <a:bodyPr anchor="ctr">
+            <a:spAutoFit/>
+          </a:bodyPr>
+          <a:lstStyle/>
+          <a:p>
+            <a:pPr eaLnBrk="0" hangingPunct="0">
+              <a:defRPr/>
+            </a:pPr>
+            <a:r>
+              <a:rPr lang="be-BY" sz="1000" dirty="0">
+                <a:solidFill>
+                  <a:schemeClr val="bg1"/>
+                </a:solidFill>
+                <a:latin typeface="Courier New" pitchFamily="49" charset="0"/>
+                <a:ea typeface="Calibri" pitchFamily="34" charset="0"/>
+                <a:cs typeface="Courier New" pitchFamily="49" charset="0"/>
+              </a:rPr>
+              <a:t>            Assembly asm;</a:t>
+            </a:r>
+            <a:endParaRPr lang="be-BY" sz="900" dirty="0">
+              <a:solidFill>
+                <a:schemeClr val="bg1"/>
+              </a:solidFill>
+              <a:latin typeface="Arial" pitchFamily="34" charset="0"/>
+            </a:endParaRPr>
+          </a:p>
+          <a:p>
+            <a:pPr eaLnBrk="0" hangingPunct="0">
+              <a:defRPr/>
+            </a:pPr>
+            <a:r>
+              <a:rPr lang="be-BY" sz="1000" dirty="0">
+                <a:solidFill>
+                  <a:schemeClr val="bg1"/>
+                </a:solidFill>
+                <a:latin typeface="Courier New" pitchFamily="49" charset="0"/>
+                <a:ea typeface="Calibri" pitchFamily="34" charset="0"/>
+                <a:cs typeface="Courier New" pitchFamily="49" charset="0"/>
+              </a:rPr>
+              <a:t>            try</a:t>
+            </a:r>
+            <a:endParaRPr lang="be-BY" sz="900" dirty="0">
+              <a:solidFill>
+                <a:schemeClr val="bg1"/>
+              </a:solidFill>
+              <a:latin typeface="Arial" pitchFamily="34" charset="0"/>
+            </a:endParaRPr>
+          </a:p>
+          <a:p>
+            <a:pPr eaLnBrk="0" hangingPunct="0">
+              <a:defRPr/>
+            </a:pPr>
+            <a:r>
+              <a:rPr lang="be-BY" sz="1000" dirty="0">
+                <a:solidFill>
+                  <a:schemeClr val="bg1"/>
+                </a:solidFill>
+                <a:latin typeface="Courier New" pitchFamily="49" charset="0"/>
+                <a:ea typeface="Calibri" pitchFamily="34" charset="0"/>
+                <a:cs typeface="Courier New" pitchFamily="49" charset="0"/>
+              </a:rPr>
+              <a:t>            {</a:t>
+            </a:r>
+            <a:endParaRPr lang="be-BY" sz="900" dirty="0">
+              <a:solidFill>
+                <a:schemeClr val="bg1"/>
+              </a:solidFill>
+              <a:latin typeface="Arial" pitchFamily="34" charset="0"/>
+            </a:endParaRPr>
+          </a:p>
+          <a:p>
+            <a:pPr eaLnBrk="0" hangingPunct="0">
+              <a:defRPr/>
+            </a:pPr>
+            <a:r>
+              <a:rPr lang="be-BY" sz="1000" dirty="0">
+                <a:solidFill>
+                  <a:schemeClr val="bg1"/>
+                </a:solidFill>
+                <a:latin typeface="Courier New" pitchFamily="49" charset="0"/>
+                <a:ea typeface="Calibri" pitchFamily="34" charset="0"/>
+                <a:cs typeface="Courier New" pitchFamily="49" charset="0"/>
+              </a:rPr>
+              <a:t>                asm = Assembly.Load("Complex");</a:t>
+            </a:r>
+            <a:endParaRPr lang="be-BY" sz="900" dirty="0">
+              <a:solidFill>
+                <a:schemeClr val="bg1"/>
+              </a:solidFill>
+              <a:latin typeface="Arial" pitchFamily="34" charset="0"/>
+            </a:endParaRPr>
+          </a:p>
+          <a:p>
+            <a:pPr eaLnBrk="0" hangingPunct="0">
+              <a:defRPr/>
+            </a:pPr>
+            <a:r>
+              <a:rPr lang="be-BY" sz="1000" dirty="0">
+                <a:solidFill>
+                  <a:schemeClr val="bg1"/>
+                </a:solidFill>
+                <a:latin typeface="Courier New" pitchFamily="49" charset="0"/>
+                <a:ea typeface="Calibri" pitchFamily="34" charset="0"/>
+                <a:cs typeface="Courier New" pitchFamily="49" charset="0"/>
+              </a:rPr>
+              <a:t>            }</a:t>
+            </a:r>
+            <a:endParaRPr lang="be-BY" sz="900" dirty="0">
+              <a:solidFill>
+                <a:schemeClr val="bg1"/>
+              </a:solidFill>
+              <a:latin typeface="Arial" pitchFamily="34" charset="0"/>
+            </a:endParaRPr>
+          </a:p>
+          <a:p>
+            <a:pPr eaLnBrk="0" hangingPunct="0">
+              <a:defRPr/>
+            </a:pPr>
+            <a:r>
+              <a:rPr lang="be-BY" sz="1000" dirty="0">
+                <a:solidFill>
+                  <a:schemeClr val="bg1"/>
+                </a:solidFill>
+                <a:latin typeface="Courier New" pitchFamily="49" charset="0"/>
+                <a:ea typeface="Calibri" pitchFamily="34" charset="0"/>
+                <a:cs typeface="Courier New" pitchFamily="49" charset="0"/>
+              </a:rPr>
+              <a:t>            catch (FileNotFoundException e)</a:t>
+            </a:r>
+            <a:endParaRPr lang="be-BY" sz="900" dirty="0">
+              <a:solidFill>
+                <a:schemeClr val="bg1"/>
+              </a:solidFill>
+              <a:latin typeface="Arial" pitchFamily="34" charset="0"/>
+            </a:endParaRPr>
+          </a:p>
+          <a:p>
+            <a:pPr eaLnBrk="0" hangingPunct="0">
+              <a:defRPr/>
+            </a:pPr>
+            <a:r>
+              <a:rPr lang="be-BY" sz="1000" dirty="0">
+                <a:solidFill>
+                  <a:schemeClr val="bg1"/>
+                </a:solidFill>
+                <a:latin typeface="Courier New" pitchFamily="49" charset="0"/>
+                <a:ea typeface="Calibri" pitchFamily="34" charset="0"/>
+                <a:cs typeface="Courier New" pitchFamily="49" charset="0"/>
+              </a:rPr>
+              <a:t>            {</a:t>
+            </a:r>
+            <a:endParaRPr lang="be-BY" sz="900" dirty="0">
+              <a:solidFill>
+                <a:schemeClr val="bg1"/>
+              </a:solidFill>
+              <a:latin typeface="Arial" pitchFamily="34" charset="0"/>
+            </a:endParaRPr>
+          </a:p>
+          <a:p>
+            <a:pPr eaLnBrk="0" hangingPunct="0">
+              <a:defRPr/>
+            </a:pPr>
+            <a:r>
+              <a:rPr lang="be-BY" sz="1000" dirty="0">
+                <a:solidFill>
+                  <a:schemeClr val="bg1"/>
+                </a:solidFill>
+                <a:latin typeface="Courier New" pitchFamily="49" charset="0"/>
+                <a:ea typeface="Calibri" pitchFamily="34" charset="0"/>
+                <a:cs typeface="Courier New" pitchFamily="49" charset="0"/>
+              </a:rPr>
+              <a:t>                Console.WriteLine(e.Message);</a:t>
+            </a:r>
+            <a:endParaRPr lang="be-BY" sz="900" dirty="0">
+              <a:solidFill>
+                <a:schemeClr val="bg1"/>
+              </a:solidFill>
+              <a:latin typeface="Arial" pitchFamily="34" charset="0"/>
+            </a:endParaRPr>
+          </a:p>
+          <a:p>
+            <a:pPr eaLnBrk="0" hangingPunct="0">
+              <a:defRPr/>
+            </a:pPr>
+            <a:r>
+              <a:rPr lang="be-BY" sz="1000" dirty="0">
+                <a:solidFill>
+                  <a:schemeClr val="bg1"/>
+                </a:solidFill>
+                <a:latin typeface="Courier New" pitchFamily="49" charset="0"/>
+                <a:ea typeface="Calibri" pitchFamily="34" charset="0"/>
+                <a:cs typeface="Courier New" pitchFamily="49" charset="0"/>
+              </a:rPr>
+              <a:t>            }</a:t>
+            </a:r>
+            <a:endParaRPr lang="be-BY" dirty="0">
+              <a:solidFill>
+                <a:schemeClr val="bg1"/>
+              </a:solidFill>
+              <a:latin typeface="Arial" pitchFamily="34" charset="0"/>
+            </a:endParaRPr>
+          </a:p>
+        </p:txBody>
+      </p:sp>
+      <p:sp>
+        <p:nvSpPr>
+          <p:cNvPr id="8197" name="Rectangle 5"/>
+          <p:cNvSpPr>
+            <a:spLocks noChangeArrowheads="1"/>
+          </p:cNvSpPr>
+          <p:nvPr/>
+        </p:nvSpPr>
+        <p:spPr bwMode="auto">
+          <a:xfrm>
+            <a:off x="152400" y="2709863"/>
+            <a:ext cx="8839200" cy="338137"/>
+          </a:xfrm>
+          <a:prstGeom prst="rect">
+            <a:avLst/>
+          </a:prstGeom>
+          <a:noFill/>
+          <a:ln>
+            <a:noFill/>
+          </a:ln>
+          <a:extLst>
+            <a:ext uri="{909E8E84-426E-40DD-AFC4-6F175D3DCCD1}">
+              <a14:hiddenFill xmlns:a14="http://schemas.microsoft.com/office/drawing/2010/main">
+                <a:solidFill>
+                  <a:srgbClr val="FFFFFF"/>
+                </a:solidFill>
+              </a14:hiddenFill>
+            </a:ext>
+            <a:ext uri="{91240B29-F687-4F45-9708-019B960494DF}">
+              <a14:hiddenLine xmlns:a14="http://schemas.microsoft.com/office/drawing/2010/main" w="9525">
+                <a:solidFill>
+                  <a:srgbClr val="000000"/>
+                </a:solidFill>
+                <a:miter lim="800000"/>
+                <a:headEnd/>
+                <a:tailEnd/>
+              </a14:hiddenLine>
+            </a:ext>
+          </a:extLst>
+        </p:spPr>
+        <p:txBody>
+          <a:bodyPr anchor="ctr">
+            <a:spAutoFit/>
+          </a:bodyPr>
+          <a:lstStyle/>
+          <a:p>
+            <a:r>
+              <a:rPr lang="ru-RU" sz="1600"/>
+              <a:t>	Также для загрузки сборки можно использовать объект </a:t>
+            </a:r>
+            <a:r>
+              <a:rPr lang="en-US" sz="1600"/>
+              <a:t>AssemblyName</a:t>
+            </a:r>
+            <a:r>
+              <a:rPr lang="ru-RU" sz="1600"/>
+              <a:t>.</a:t>
+            </a:r>
+          </a:p>
+        </p:txBody>
+      </p:sp>
+      <p:sp>
+        <p:nvSpPr>
+          <p:cNvPr id="31746" name="Rectangle 2"/>
+          <p:cNvSpPr>
+            <a:spLocks noChangeArrowheads="1"/>
+          </p:cNvSpPr>
+          <p:nvPr/>
+        </p:nvSpPr>
+        <p:spPr bwMode="auto">
+          <a:xfrm>
+            <a:off x="152400" y="3048000"/>
+            <a:ext cx="8839200" cy="1784350"/>
+          </a:xfrm>
+          <a:prstGeom prst="rect">
+            <a:avLst/>
+          </a:prstGeom>
+          <a:noFill/>
+          <a:ln w="9525">
+            <a:solidFill>
+              <a:schemeClr val="bg1">
+                <a:lumMod val="65000"/>
+              </a:schemeClr>
+            </a:solidFill>
+            <a:miter lim="800000"/>
+            <a:headEnd/>
+            <a:tailEnd/>
+          </a:ln>
+          <a:effectLst/>
+        </p:spPr>
+        <p:txBody>
+          <a:bodyPr anchor="ctr">
+            <a:spAutoFit/>
+          </a:bodyPr>
+          <a:lstStyle/>
+          <a:p>
+            <a:pPr eaLnBrk="0" hangingPunct="0">
+              <a:defRPr/>
+            </a:pPr>
+            <a:r>
+              <a:rPr lang="be-BY" sz="1000" dirty="0">
+                <a:solidFill>
+                  <a:schemeClr val="bg1"/>
+                </a:solidFill>
+                <a:latin typeface="Courier New" pitchFamily="49" charset="0"/>
+                <a:ea typeface="Calibri" pitchFamily="34" charset="0"/>
+                <a:cs typeface="Courier New" pitchFamily="49" charset="0"/>
+              </a:rPr>
+              <a:t>            AssemblyName name = new AssemblyName("Complex");</a:t>
+            </a:r>
+            <a:endParaRPr lang="be-BY" sz="900" dirty="0">
+              <a:solidFill>
+                <a:schemeClr val="bg1"/>
+              </a:solidFill>
+              <a:latin typeface="Arial" pitchFamily="34" charset="0"/>
+            </a:endParaRPr>
+          </a:p>
+          <a:p>
+            <a:pPr eaLnBrk="0" hangingPunct="0">
+              <a:defRPr/>
+            </a:pPr>
+            <a:r>
+              <a:rPr lang="be-BY" sz="1000" dirty="0">
+                <a:solidFill>
+                  <a:schemeClr val="bg1"/>
+                </a:solidFill>
+                <a:latin typeface="Courier New" pitchFamily="49" charset="0"/>
+                <a:ea typeface="Calibri" pitchFamily="34" charset="0"/>
+                <a:cs typeface="Courier New" pitchFamily="49" charset="0"/>
+              </a:rPr>
+              <a:t>            name.Version = new Version(1, 0, 0, 0);</a:t>
+            </a:r>
+            <a:endParaRPr lang="be-BY" sz="900" dirty="0">
+              <a:solidFill>
+                <a:schemeClr val="bg1"/>
+              </a:solidFill>
+              <a:latin typeface="Arial" pitchFamily="34" charset="0"/>
+            </a:endParaRPr>
+          </a:p>
+          <a:p>
+            <a:pPr eaLnBrk="0" hangingPunct="0">
+              <a:defRPr/>
+            </a:pPr>
+            <a:r>
+              <a:rPr lang="be-BY" sz="1000" dirty="0">
+                <a:solidFill>
+                  <a:schemeClr val="bg1"/>
+                </a:solidFill>
+                <a:latin typeface="Courier New" pitchFamily="49" charset="0"/>
+                <a:ea typeface="Calibri" pitchFamily="34" charset="0"/>
+                <a:cs typeface="Courier New" pitchFamily="49" charset="0"/>
+              </a:rPr>
+              <a:t>            Assembly asm;</a:t>
+            </a:r>
+            <a:endParaRPr lang="be-BY" sz="900" dirty="0">
+              <a:solidFill>
+                <a:schemeClr val="bg1"/>
+              </a:solidFill>
+              <a:latin typeface="Arial" pitchFamily="34" charset="0"/>
+            </a:endParaRPr>
+          </a:p>
+          <a:p>
+            <a:pPr eaLnBrk="0" hangingPunct="0">
+              <a:defRPr/>
+            </a:pPr>
+            <a:r>
+              <a:rPr lang="be-BY" sz="1000" dirty="0">
+                <a:solidFill>
+                  <a:schemeClr val="bg1"/>
+                </a:solidFill>
+                <a:latin typeface="Courier New" pitchFamily="49" charset="0"/>
+                <a:ea typeface="Calibri" pitchFamily="34" charset="0"/>
+                <a:cs typeface="Courier New" pitchFamily="49" charset="0"/>
+              </a:rPr>
+              <a:t>            try</a:t>
+            </a:r>
+            <a:endParaRPr lang="be-BY" sz="900" dirty="0">
+              <a:solidFill>
+                <a:schemeClr val="bg1"/>
+              </a:solidFill>
+              <a:latin typeface="Arial" pitchFamily="34" charset="0"/>
+            </a:endParaRPr>
+          </a:p>
+          <a:p>
+            <a:pPr eaLnBrk="0" hangingPunct="0">
+              <a:defRPr/>
+            </a:pPr>
+            <a:r>
+              <a:rPr lang="be-BY" sz="1000" dirty="0">
+                <a:solidFill>
+                  <a:schemeClr val="bg1"/>
+                </a:solidFill>
+                <a:latin typeface="Courier New" pitchFamily="49" charset="0"/>
+                <a:ea typeface="Calibri" pitchFamily="34" charset="0"/>
+                <a:cs typeface="Courier New" pitchFamily="49" charset="0"/>
+              </a:rPr>
+              <a:t>            {</a:t>
+            </a:r>
+            <a:endParaRPr lang="be-BY" sz="900" dirty="0">
+              <a:solidFill>
+                <a:schemeClr val="bg1"/>
+              </a:solidFill>
+              <a:latin typeface="Arial" pitchFamily="34" charset="0"/>
+            </a:endParaRPr>
+          </a:p>
+          <a:p>
+            <a:pPr eaLnBrk="0" hangingPunct="0">
+              <a:defRPr/>
+            </a:pPr>
+            <a:r>
+              <a:rPr lang="be-BY" sz="1000" dirty="0">
+                <a:solidFill>
+                  <a:schemeClr val="bg1"/>
+                </a:solidFill>
+                <a:latin typeface="Courier New" pitchFamily="49" charset="0"/>
+                <a:ea typeface="Calibri" pitchFamily="34" charset="0"/>
+                <a:cs typeface="Courier New" pitchFamily="49" charset="0"/>
+              </a:rPr>
+              <a:t>                asm = Assembly.Load(name);</a:t>
+            </a:r>
+            <a:endParaRPr lang="be-BY" sz="900" dirty="0">
+              <a:solidFill>
+                <a:schemeClr val="bg1"/>
+              </a:solidFill>
+              <a:latin typeface="Arial" pitchFamily="34" charset="0"/>
+            </a:endParaRPr>
+          </a:p>
+          <a:p>
+            <a:pPr eaLnBrk="0" hangingPunct="0">
+              <a:defRPr/>
+            </a:pPr>
+            <a:r>
+              <a:rPr lang="be-BY" sz="1000" dirty="0">
+                <a:solidFill>
+                  <a:schemeClr val="bg1"/>
+                </a:solidFill>
+                <a:latin typeface="Courier New" pitchFamily="49" charset="0"/>
+                <a:ea typeface="Calibri" pitchFamily="34" charset="0"/>
+                <a:cs typeface="Courier New" pitchFamily="49" charset="0"/>
+              </a:rPr>
+              <a:t>            }</a:t>
+            </a:r>
+            <a:endParaRPr lang="be-BY" sz="900" dirty="0">
+              <a:solidFill>
+                <a:schemeClr val="bg1"/>
+              </a:solidFill>
+              <a:latin typeface="Arial" pitchFamily="34" charset="0"/>
+            </a:endParaRPr>
+          </a:p>
+          <a:p>
+            <a:pPr eaLnBrk="0" hangingPunct="0">
+              <a:defRPr/>
+            </a:pPr>
+            <a:r>
+              <a:rPr lang="be-BY" sz="1000" dirty="0">
+                <a:solidFill>
+                  <a:schemeClr val="bg1"/>
+                </a:solidFill>
+                <a:latin typeface="Courier New" pitchFamily="49" charset="0"/>
+                <a:ea typeface="Calibri" pitchFamily="34" charset="0"/>
+                <a:cs typeface="Courier New" pitchFamily="49" charset="0"/>
+              </a:rPr>
+              <a:t>            catch (FileNotFoundException e)</a:t>
+            </a:r>
+            <a:endParaRPr lang="be-BY" sz="900" dirty="0">
+              <a:solidFill>
+                <a:schemeClr val="bg1"/>
+              </a:solidFill>
+              <a:latin typeface="Arial" pitchFamily="34" charset="0"/>
+            </a:endParaRPr>
+          </a:p>
+          <a:p>
+            <a:pPr eaLnBrk="0" hangingPunct="0">
+              <a:defRPr/>
+            </a:pPr>
+            <a:r>
+              <a:rPr lang="be-BY" sz="1000" dirty="0">
+                <a:solidFill>
+                  <a:schemeClr val="bg1"/>
+                </a:solidFill>
+                <a:latin typeface="Courier New" pitchFamily="49" charset="0"/>
+                <a:ea typeface="Calibri" pitchFamily="34" charset="0"/>
+                <a:cs typeface="Courier New" pitchFamily="49" charset="0"/>
+              </a:rPr>
+              <a:t>            {</a:t>
+            </a:r>
+            <a:endParaRPr lang="be-BY" sz="900" dirty="0">
+              <a:solidFill>
+                <a:schemeClr val="bg1"/>
+              </a:solidFill>
+              <a:latin typeface="Arial" pitchFamily="34" charset="0"/>
+            </a:endParaRPr>
+          </a:p>
+          <a:p>
+            <a:pPr eaLnBrk="0" hangingPunct="0">
+              <a:defRPr/>
+            </a:pPr>
+            <a:r>
+              <a:rPr lang="be-BY" sz="1000" dirty="0">
+                <a:solidFill>
+                  <a:schemeClr val="bg1"/>
+                </a:solidFill>
+                <a:latin typeface="Courier New" pitchFamily="49" charset="0"/>
+                <a:ea typeface="Calibri" pitchFamily="34" charset="0"/>
+                <a:cs typeface="Courier New" pitchFamily="49" charset="0"/>
+              </a:rPr>
+              <a:t>                Console.WriteLine(e.Message);</a:t>
+            </a:r>
+            <a:endParaRPr lang="be-BY" sz="900" dirty="0">
+              <a:solidFill>
+                <a:schemeClr val="bg1"/>
+              </a:solidFill>
+              <a:latin typeface="Arial" pitchFamily="34" charset="0"/>
+            </a:endParaRPr>
+          </a:p>
+          <a:p>
+            <a:pPr eaLnBrk="0" hangingPunct="0">
+              <a:defRPr/>
+            </a:pPr>
+            <a:r>
+              <a:rPr lang="be-BY" sz="1000" dirty="0">
+                <a:solidFill>
+                  <a:schemeClr val="bg1"/>
+                </a:solidFill>
+                <a:latin typeface="Courier New" pitchFamily="49" charset="0"/>
+                <a:ea typeface="Calibri" pitchFamily="34" charset="0"/>
+                <a:cs typeface="Courier New" pitchFamily="49" charset="0"/>
+              </a:rPr>
+              <a:t>            }</a:t>
+            </a:r>
+            <a:endParaRPr lang="be-BY" dirty="0">
+              <a:solidFill>
+                <a:schemeClr val="bg1"/>
+              </a:solidFill>
+              <a:latin typeface="Arial" pitchFamily="34" charset="0"/>
+            </a:endParaRPr>
+          </a:p>
+        </p:txBody>
+      </p:sp>
+      <p:sp>
+        <p:nvSpPr>
+          <p:cNvPr id="8199" name="Rectangle 7"/>
+          <p:cNvSpPr>
+            <a:spLocks noChangeArrowheads="1"/>
+          </p:cNvSpPr>
+          <p:nvPr/>
+        </p:nvSpPr>
+        <p:spPr bwMode="auto">
+          <a:xfrm>
+            <a:off x="152400" y="5053013"/>
+            <a:ext cx="8839200" cy="338137"/>
+          </a:xfrm>
+          <a:prstGeom prst="rect">
+            <a:avLst/>
+          </a:prstGeom>
+          <a:noFill/>
+          <a:ln>
+            <a:noFill/>
+          </a:ln>
+          <a:extLst>
+            <a:ext uri="{909E8E84-426E-40DD-AFC4-6F175D3DCCD1}">
+              <a14:hiddenFill xmlns:a14="http://schemas.microsoft.com/office/drawing/2010/main">
+                <a:solidFill>
+                  <a:srgbClr val="FFFFFF"/>
+                </a:solidFill>
+              </a14:hiddenFill>
+            </a:ext>
+            <a:ext uri="{91240B29-F687-4F45-9708-019B960494DF}">
+              <a14:hiddenLine xmlns:a14="http://schemas.microsoft.com/office/drawing/2010/main" w="9525">
+                <a:solidFill>
+                  <a:srgbClr val="000000"/>
+                </a:solidFill>
+                <a:miter lim="800000"/>
+                <a:headEnd/>
+                <a:tailEnd/>
+              </a14:hiddenLine>
+            </a:ext>
+          </a:extLst>
+        </p:spPr>
+        <p:txBody>
+          <a:bodyPr anchor="ctr">
+            <a:spAutoFit/>
+          </a:bodyPr>
+          <a:lstStyle/>
+          <a:p>
+            <a:r>
+              <a:rPr lang="ru-RU" sz="1600"/>
+              <a:t>…после чего можно получить информацию о типах находящихся в сборке.</a:t>
+            </a:r>
+          </a:p>
+        </p:txBody>
+      </p:sp>
+      <p:sp>
+        <p:nvSpPr>
+          <p:cNvPr id="31747" name="Rectangle 8"/>
+          <p:cNvSpPr>
+            <a:spLocks noChangeArrowheads="1"/>
+          </p:cNvSpPr>
+          <p:nvPr/>
+        </p:nvSpPr>
+        <p:spPr bwMode="auto">
+          <a:xfrm>
+            <a:off x="152400" y="5391150"/>
+            <a:ext cx="8839200" cy="400050"/>
+          </a:xfrm>
+          <a:prstGeom prst="rect">
+            <a:avLst/>
+          </a:prstGeom>
+          <a:noFill/>
+          <a:ln w="9525">
+            <a:solidFill>
+              <a:schemeClr val="bg1">
+                <a:lumMod val="65000"/>
+              </a:schemeClr>
+            </a:solidFill>
+            <a:miter lim="800000"/>
+            <a:headEnd/>
+            <a:tailEnd/>
+          </a:ln>
+          <a:effectLst/>
+        </p:spPr>
+        <p:txBody>
+          <a:bodyPr anchor="ctr">
+            <a:spAutoFit/>
+          </a:bodyPr>
+          <a:lstStyle/>
+          <a:p>
+            <a:pPr eaLnBrk="0" hangingPunct="0">
+              <a:defRPr/>
+            </a:pPr>
+            <a:r>
+              <a:rPr lang="be-BY" sz="1000" dirty="0">
+                <a:solidFill>
+                  <a:schemeClr val="bg1"/>
+                </a:solidFill>
+                <a:latin typeface="Courier New" pitchFamily="49" charset="0"/>
+                <a:ea typeface="Calibri" pitchFamily="34" charset="0"/>
+                <a:cs typeface="Courier New" pitchFamily="49" charset="0"/>
+              </a:rPr>
+              <a:t>            foreach (Type t in asm.GetTypes())</a:t>
+            </a:r>
+            <a:endParaRPr lang="be-BY" sz="900" dirty="0">
+              <a:solidFill>
+                <a:schemeClr val="bg1"/>
+              </a:solidFill>
+              <a:latin typeface="Arial" pitchFamily="34" charset="0"/>
+            </a:endParaRPr>
+          </a:p>
+          <a:p>
+            <a:pPr eaLnBrk="0" hangingPunct="0">
+              <a:defRPr/>
+            </a:pPr>
+            <a:r>
+              <a:rPr lang="be-BY" sz="1000" dirty="0">
+                <a:solidFill>
+                  <a:schemeClr val="bg1"/>
+                </a:solidFill>
+                <a:latin typeface="Courier New" pitchFamily="49" charset="0"/>
+                <a:ea typeface="Calibri" pitchFamily="34" charset="0"/>
+                <a:cs typeface="Courier New" pitchFamily="49" charset="0"/>
+              </a:rPr>
+              <a:t>                Console.WriteLine(t);</a:t>
+            </a:r>
+            <a:endParaRPr lang="be-BY" dirty="0">
+              <a:solidFill>
+                <a:schemeClr val="bg1"/>
+              </a:solidFill>
+              <a:latin typeface="Arial" pitchFamily="34" charset="0"/>
+            </a:endParaRPr>
+          </a:p>
+        </p:txBody>
+      </p:sp>
+    </p:spTree>
+    <p:extLst>
+      <p:ext uri="{BB962C8B-B14F-4D97-AF65-F5344CB8AC3E}">
+        <p14:creationId xmlns:p14="http://schemas.microsoft.com/office/powerpoint/2010/main" val="146513021"/>
+      </p:ext>
+    </p:extLst>
+  </p:cSld>
+  <p:clrMapOvr>
+    <a:masterClrMapping/>
+  </p:clrMapOvr>
+  <p:timing>
+    <p:tnLst>
+      <p:par>
+        <p:cTn id="1" dur="indefinite" restart="never" nodeType="tmRoot"/>
+      </p:par>
+    </p:tnLst>
+  </p:timing>
+</p:sld>
+</file>
+
+<file path=ppt/slides/slide41.xml><?xml version="1.0" encoding="utf-8"?>
+<p:sld xmlns:a="http://schemas.openxmlformats.org/drawingml/2006/main" xmlns:r="http://schemas.openxmlformats.org/officeDocument/2006/relationships" xmlns:p="http://schemas.openxmlformats.org/presentationml/2006/main">
+  <p:cSld>
+    <p:spTree>
+      <p:nvGrpSpPr>
+        <p:cNvPr id="1" name=""/>
+        <p:cNvGrpSpPr/>
+        <p:nvPr/>
+      </p:nvGrpSpPr>
+      <p:grpSpPr>
+        <a:xfrm>
+          <a:off x="0" y="0"/>
+          <a:ext cx="0" cy="0"/>
+          <a:chOff x="0" y="0"/>
+          <a:chExt cx="0" cy="0"/>
+        </a:xfrm>
+      </p:grpSpPr>
+      <p:sp>
+        <p:nvSpPr>
           <p:cNvPr id="9218" name="Rectangle 3"/>
           <p:cNvSpPr>
             <a:spLocks noChangeArrowheads="1"/>
@@ -17613,7 +18816,7 @@
 </p:sld>
 </file>
 
-<file path=ppt/slides/slide41.xml><?xml version="1.0" encoding="utf-8"?>
+<file path=ppt/slides/slide42.xml><?xml version="1.0" encoding="utf-8"?>
 <p:sld xmlns:a="http://schemas.openxmlformats.org/drawingml/2006/main" xmlns:r="http://schemas.openxmlformats.org/officeDocument/2006/relationships" xmlns:p="http://schemas.openxmlformats.org/presentationml/2006/main">
   <p:cSld>
     <p:spTree>

--- a/Presentation/lesson-07-reflection.pptx
+++ b/Presentation/lesson-07-reflection.pptx
@@ -235,7 +235,7 @@
             <a:fld id="{B24A7054-7FFB-49F4-A126-5DF6E687FF53}" type="datetimeFigureOut">
               <a:rPr lang="ru-RU" smtClean="0"/>
               <a:pPr/>
-              <a:t>04.09.2014</a:t>
+              <a:t>11.09.2014</a:t>
             </a:fld>
             <a:endParaRPr lang="ru-RU"/>
           </a:p>
@@ -1519,7 +1519,7 @@
             <a:fld id="{8E6E6A2A-E9D3-4A0D-B04A-ABDD367A1E08}" type="datetimeFigureOut">
               <a:rPr lang="ru-RU" smtClean="0"/>
               <a:pPr/>
-              <a:t>04.09.2014</a:t>
+              <a:t>11.09.2014</a:t>
             </a:fld>
             <a:endParaRPr lang="ru-RU"/>
           </a:p>
@@ -1763,7 +1763,7 @@
             <a:fld id="{8E6E6A2A-E9D3-4A0D-B04A-ABDD367A1E08}" type="datetimeFigureOut">
               <a:rPr lang="ru-RU" smtClean="0"/>
               <a:pPr/>
-              <a:t>04.09.2014</a:t>
+              <a:t>11.09.2014</a:t>
             </a:fld>
             <a:endParaRPr lang="ru-RU"/>
           </a:p>
@@ -1935,7 +1935,7 @@
             <a:fld id="{8E6E6A2A-E9D3-4A0D-B04A-ABDD367A1E08}" type="datetimeFigureOut">
               <a:rPr lang="ru-RU" smtClean="0"/>
               <a:pPr/>
-              <a:t>04.09.2014</a:t>
+              <a:t>11.09.2014</a:t>
             </a:fld>
             <a:endParaRPr lang="ru-RU"/>
           </a:p>
@@ -2183,7 +2183,7 @@
             <a:fld id="{8E6E6A2A-E9D3-4A0D-B04A-ABDD367A1E08}" type="datetimeFigureOut">
               <a:rPr lang="ru-RU" smtClean="0"/>
               <a:pPr/>
-              <a:t>04.09.2014</a:t>
+              <a:t>11.09.2014</a:t>
             </a:fld>
             <a:endParaRPr lang="ru-RU"/>
           </a:p>
@@ -2473,7 +2473,7 @@
             <a:fld id="{8E6E6A2A-E9D3-4A0D-B04A-ABDD367A1E08}" type="datetimeFigureOut">
               <a:rPr lang="ru-RU" smtClean="0"/>
               <a:pPr/>
-              <a:t>04.09.2014</a:t>
+              <a:t>11.09.2014</a:t>
             </a:fld>
             <a:endParaRPr lang="ru-RU"/>
           </a:p>
@@ -2897,7 +2897,7 @@
             <a:fld id="{8E6E6A2A-E9D3-4A0D-B04A-ABDD367A1E08}" type="datetimeFigureOut">
               <a:rPr lang="ru-RU" smtClean="0"/>
               <a:pPr/>
-              <a:t>04.09.2014</a:t>
+              <a:t>11.09.2014</a:t>
             </a:fld>
             <a:endParaRPr lang="ru-RU"/>
           </a:p>
@@ -3226,7 +3226,7 @@
             <a:fld id="{8E6E6A2A-E9D3-4A0D-B04A-ABDD367A1E08}" type="datetimeFigureOut">
               <a:rPr lang="ru-RU" smtClean="0"/>
               <a:pPr/>
-              <a:t>04.09.2014</a:t>
+              <a:t>11.09.2014</a:t>
             </a:fld>
             <a:endParaRPr lang="ru-RU"/>
           </a:p>
@@ -3323,7 +3323,7 @@
             <a:fld id="{8E6E6A2A-E9D3-4A0D-B04A-ABDD367A1E08}" type="datetimeFigureOut">
               <a:rPr lang="ru-RU" smtClean="0"/>
               <a:pPr/>
-              <a:t>04.09.2014</a:t>
+              <a:t>11.09.2014</a:t>
             </a:fld>
             <a:endParaRPr lang="ru-RU"/>
           </a:p>
@@ -3602,7 +3602,7 @@
             <a:fld id="{8E6E6A2A-E9D3-4A0D-B04A-ABDD367A1E08}" type="datetimeFigureOut">
               <a:rPr lang="ru-RU" smtClean="0"/>
               <a:pPr/>
-              <a:t>04.09.2014</a:t>
+              <a:t>11.09.2014</a:t>
             </a:fld>
             <a:endParaRPr lang="ru-RU"/>
           </a:p>
@@ -3857,7 +3857,7 @@
             <a:fld id="{8E6E6A2A-E9D3-4A0D-B04A-ABDD367A1E08}" type="datetimeFigureOut">
               <a:rPr lang="ru-RU" smtClean="0"/>
               <a:pPr/>
-              <a:t>04.09.2014</a:t>
+              <a:t>11.09.2014</a:t>
             </a:fld>
             <a:endParaRPr lang="ru-RU"/>
           </a:p>
@@ -4029,7 +4029,7 @@
             <a:fld id="{8E6E6A2A-E9D3-4A0D-B04A-ABDD367A1E08}" type="datetimeFigureOut">
               <a:rPr lang="ru-RU" smtClean="0"/>
               <a:pPr/>
-              <a:t>04.09.2014</a:t>
+              <a:t>11.09.2014</a:t>
             </a:fld>
             <a:endParaRPr lang="ru-RU"/>
           </a:p>
@@ -4211,7 +4211,7 @@
             <a:fld id="{8E6E6A2A-E9D3-4A0D-B04A-ABDD367A1E08}" type="datetimeFigureOut">
               <a:rPr lang="ru-RU" smtClean="0"/>
               <a:pPr/>
-              <a:t>04.09.2014</a:t>
+              <a:t>11.09.2014</a:t>
             </a:fld>
             <a:endParaRPr lang="ru-RU"/>
           </a:p>
@@ -5449,7 +5449,7 @@
             <a:fld id="{AC3D3127-B7C4-45E3-9797-C527EC9FDD78}" type="datetimeFigureOut">
               <a:rPr lang="ru-RU" smtClean="0"/>
               <a:pPr/>
-              <a:t>04.09.2014</a:t>
+              <a:t>11.09.2014</a:t>
             </a:fld>
             <a:endParaRPr lang="ru-RU"/>
           </a:p>
@@ -5971,7 +5971,7 @@
             <a:fld id="{8E6E6A2A-E9D3-4A0D-B04A-ABDD367A1E08}" type="datetimeFigureOut">
               <a:rPr lang="ru-RU" smtClean="0"/>
               <a:pPr/>
-              <a:t>04.09.2014</a:t>
+              <a:t>11.09.2014</a:t>
             </a:fld>
             <a:endParaRPr lang="ru-RU"/>
           </a:p>
@@ -7714,15 +7714,7 @@
                   <a:schemeClr val="bg1"/>
                 </a:solidFill>
               </a:rPr>
-              <a:t>Возможность </a:t>
-            </a:r>
-            <a:r>
-              <a:rPr lang="ru-RU" sz="2400" dirty="0" smtClean="0">
-                <a:solidFill>
-                  <a:schemeClr val="bg1"/>
-                </a:solidFill>
-              </a:rPr>
-              <a:t>статического анализа уже откомпилированного кода. </a:t>
+              <a:t>Возможность статического анализа уже откомпилированного кода. </a:t>
             </a:r>
             <a:r>
               <a:rPr lang="en-US" sz="2400" dirty="0" smtClean="0">
@@ -13691,7 +13683,9 @@
         </p:nvSpPr>
         <p:spPr/>
         <p:txBody>
-          <a:bodyPr/>
+          <a:bodyPr>
+            <a:normAutofit fontScale="92500"/>
+          </a:bodyPr>
           <a:lstStyle/>
           <a:p>
             <a:r>
@@ -13735,8 +13729,21 @@
             </a:r>
             <a:r>
               <a:rPr lang="en-US" dirty="0" smtClean="0"/>
-              <a:t>.NET 4+)</a:t>
-            </a:r>
+              <a:t>.NET </a:t>
+            </a:r>
+            <a:r>
+              <a:rPr lang="en-US" dirty="0" smtClean="0"/>
+              <a:t>4 </a:t>
+            </a:r>
+            <a:r>
+              <a:rPr lang="ru-RU" dirty="0" smtClean="0"/>
+              <a:t>и выше</a:t>
+            </a:r>
+            <a:r>
+              <a:rPr lang="en-US" dirty="0" smtClean="0"/>
+              <a:t>)</a:t>
+            </a:r>
+            <a:endParaRPr lang="en-US" dirty="0" smtClean="0"/>
           </a:p>
           <a:p>
             <a:r>
@@ -13744,9 +13751,74 @@
               <a:t>Добавление сборки в </a:t>
             </a:r>
             <a:r>
-              <a:rPr lang="en-US" smtClean="0"/>
+              <a:rPr lang="en-US" dirty="0" smtClean="0"/>
               <a:t>GAC</a:t>
             </a:r>
+          </a:p>
+          <a:p>
+            <a:pPr lvl="1"/>
+            <a:r>
+              <a:rPr lang="ru-RU" dirty="0" smtClean="0"/>
+              <a:t>На компьютере разработчика</a:t>
+            </a:r>
+          </a:p>
+          <a:p>
+            <a:pPr lvl="2"/>
+            <a:r>
+              <a:rPr lang="en-US" dirty="0" err="1" smtClean="0"/>
+              <a:t>gacutil</a:t>
+            </a:r>
+            <a:r>
+              <a:rPr lang="ru-RU" dirty="0" smtClean="0"/>
+              <a:t> из </a:t>
+            </a:r>
+            <a:r>
+              <a:rPr lang="en-US" dirty="0" smtClean="0"/>
+              <a:t>Windows SDK</a:t>
+            </a:r>
+          </a:p>
+          <a:p>
+            <a:pPr lvl="2"/>
+            <a:r>
+              <a:rPr lang="ru-RU" dirty="0" smtClean="0"/>
+              <a:t>Для </a:t>
+            </a:r>
+            <a:r>
+              <a:rPr lang="en-US" dirty="0" smtClean="0"/>
+              <a:t>.NET 1.0 - 3.5 drag-n-drop </a:t>
+            </a:r>
+            <a:r>
+              <a:rPr lang="ru-RU" dirty="0" smtClean="0"/>
+              <a:t>в папку </a:t>
+            </a:r>
+            <a:r>
+              <a:rPr lang="en-US" dirty="0" smtClean="0"/>
+              <a:t>%</a:t>
+            </a:r>
+            <a:r>
+              <a:rPr lang="en-US" dirty="0" err="1" smtClean="0"/>
+              <a:t>windir</a:t>
+            </a:r>
+            <a:r>
+              <a:rPr lang="en-US" dirty="0" smtClean="0"/>
+              <a:t>%\assembly</a:t>
+            </a:r>
+          </a:p>
+          <a:p>
+            <a:pPr lvl="1"/>
+            <a:r>
+              <a:rPr lang="ru-RU" dirty="0" smtClean="0"/>
+              <a:t>На компьютере клиента</a:t>
+            </a:r>
+            <a:endParaRPr lang="en-US" dirty="0" smtClean="0"/>
+          </a:p>
+          <a:p>
+            <a:pPr lvl="2"/>
+            <a:r>
+              <a:rPr lang="ru-RU" dirty="0" smtClean="0"/>
+              <a:t>Программа установки</a:t>
+            </a:r>
+            <a:endParaRPr lang="en-US" dirty="0" smtClean="0"/>
           </a:p>
           <a:p>
             <a:pPr lvl="1"/>

--- a/Presentation/lesson-07-reflection.pptx
+++ b/Presentation/lesson-07-reflection.pptx
@@ -6,7 +6,7 @@
     <p:sldMasterId id="2147483663" r:id="rId2"/>
   </p:sldMasterIdLst>
   <p:notesMasterIdLst>
-    <p:notesMasterId r:id="rId45"/>
+    <p:notesMasterId r:id="rId46"/>
   </p:notesMasterIdLst>
   <p:sldIdLst>
     <p:sldId id="257" r:id="rId3"/>
@@ -15,42 +15,43 @@
     <p:sldId id="305" r:id="rId6"/>
     <p:sldId id="294" r:id="rId7"/>
     <p:sldId id="295" r:id="rId8"/>
-    <p:sldId id="297" r:id="rId9"/>
-    <p:sldId id="296" r:id="rId10"/>
-    <p:sldId id="298" r:id="rId11"/>
-    <p:sldId id="301" r:id="rId12"/>
-    <p:sldId id="302" r:id="rId13"/>
-    <p:sldId id="309" r:id="rId14"/>
-    <p:sldId id="303" r:id="rId15"/>
-    <p:sldId id="304" r:id="rId16"/>
-    <p:sldId id="275" r:id="rId17"/>
-    <p:sldId id="307" r:id="rId18"/>
-    <p:sldId id="308" r:id="rId19"/>
-    <p:sldId id="313" r:id="rId20"/>
-    <p:sldId id="273" r:id="rId21"/>
-    <p:sldId id="274" r:id="rId22"/>
-    <p:sldId id="276" r:id="rId23"/>
-    <p:sldId id="277" r:id="rId24"/>
-    <p:sldId id="280" r:id="rId25"/>
-    <p:sldId id="278" r:id="rId26"/>
-    <p:sldId id="279" r:id="rId27"/>
-    <p:sldId id="290" r:id="rId28"/>
-    <p:sldId id="281" r:id="rId29"/>
-    <p:sldId id="282" r:id="rId30"/>
-    <p:sldId id="292" r:id="rId31"/>
-    <p:sldId id="284" r:id="rId32"/>
-    <p:sldId id="262" r:id="rId33"/>
-    <p:sldId id="261" r:id="rId34"/>
-    <p:sldId id="300" r:id="rId35"/>
-    <p:sldId id="306" r:id="rId36"/>
-    <p:sldId id="310" r:id="rId37"/>
-    <p:sldId id="312" r:id="rId38"/>
-    <p:sldId id="311" r:id="rId39"/>
-    <p:sldId id="299" r:id="rId40"/>
-    <p:sldId id="263" r:id="rId41"/>
-    <p:sldId id="264" r:id="rId42"/>
-    <p:sldId id="265" r:id="rId43"/>
-    <p:sldId id="271" r:id="rId44"/>
+    <p:sldId id="314" r:id="rId9"/>
+    <p:sldId id="297" r:id="rId10"/>
+    <p:sldId id="296" r:id="rId11"/>
+    <p:sldId id="298" r:id="rId12"/>
+    <p:sldId id="301" r:id="rId13"/>
+    <p:sldId id="302" r:id="rId14"/>
+    <p:sldId id="309" r:id="rId15"/>
+    <p:sldId id="303" r:id="rId16"/>
+    <p:sldId id="304" r:id="rId17"/>
+    <p:sldId id="275" r:id="rId18"/>
+    <p:sldId id="307" r:id="rId19"/>
+    <p:sldId id="308" r:id="rId20"/>
+    <p:sldId id="313" r:id="rId21"/>
+    <p:sldId id="273" r:id="rId22"/>
+    <p:sldId id="274" r:id="rId23"/>
+    <p:sldId id="276" r:id="rId24"/>
+    <p:sldId id="277" r:id="rId25"/>
+    <p:sldId id="280" r:id="rId26"/>
+    <p:sldId id="278" r:id="rId27"/>
+    <p:sldId id="279" r:id="rId28"/>
+    <p:sldId id="290" r:id="rId29"/>
+    <p:sldId id="281" r:id="rId30"/>
+    <p:sldId id="282" r:id="rId31"/>
+    <p:sldId id="292" r:id="rId32"/>
+    <p:sldId id="284" r:id="rId33"/>
+    <p:sldId id="262" r:id="rId34"/>
+    <p:sldId id="261" r:id="rId35"/>
+    <p:sldId id="300" r:id="rId36"/>
+    <p:sldId id="306" r:id="rId37"/>
+    <p:sldId id="310" r:id="rId38"/>
+    <p:sldId id="312" r:id="rId39"/>
+    <p:sldId id="311" r:id="rId40"/>
+    <p:sldId id="299" r:id="rId41"/>
+    <p:sldId id="263" r:id="rId42"/>
+    <p:sldId id="264" r:id="rId43"/>
+    <p:sldId id="265" r:id="rId44"/>
+    <p:sldId id="271" r:id="rId45"/>
   </p:sldIdLst>
   <p:sldSz cx="9144000" cy="6858000" type="screen4x3"/>
   <p:notesSz cx="6858000" cy="9144000"/>
@@ -6543,6 +6544,186 @@
 <file path=ppt/slides/slide10.xml><?xml version="1.0" encoding="utf-8"?>
 <p:sld xmlns:a="http://schemas.openxmlformats.org/drawingml/2006/main" xmlns:r="http://schemas.openxmlformats.org/officeDocument/2006/relationships" xmlns:p="http://schemas.openxmlformats.org/presentationml/2006/main">
   <p:cSld>
+    <p:spTree>
+      <p:nvGrpSpPr>
+        <p:cNvPr id="1" name=""/>
+        <p:cNvGrpSpPr/>
+        <p:nvPr/>
+      </p:nvGrpSpPr>
+      <p:grpSpPr>
+        <a:xfrm>
+          <a:off x="0" y="0"/>
+          <a:ext cx="0" cy="0"/>
+          <a:chOff x="0" y="0"/>
+          <a:chExt cx="0" cy="0"/>
+        </a:xfrm>
+      </p:grpSpPr>
+      <p:sp>
+        <p:nvSpPr>
+          <p:cNvPr id="2" name="Title 1"/>
+          <p:cNvSpPr>
+            <a:spLocks noGrp="1"/>
+          </p:cNvSpPr>
+          <p:nvPr>
+            <p:ph type="title"/>
+          </p:nvPr>
+        </p:nvSpPr>
+        <p:spPr/>
+        <p:txBody>
+          <a:bodyPr/>
+          <a:lstStyle/>
+          <a:p>
+            <a:r>
+              <a:rPr lang="ru-RU" dirty="0" smtClean="0"/>
+              <a:t>Понятие сборки (</a:t>
+            </a:r>
+            <a:r>
+              <a:rPr lang="en-US" dirty="0" smtClean="0"/>
+              <a:t>assembly)</a:t>
+            </a:r>
+            <a:endParaRPr lang="ru-RU" dirty="0"/>
+          </a:p>
+        </p:txBody>
+      </p:sp>
+      <p:sp>
+        <p:nvSpPr>
+          <p:cNvPr id="3" name="Content Placeholder 2"/>
+          <p:cNvSpPr>
+            <a:spLocks noGrp="1"/>
+          </p:cNvSpPr>
+          <p:nvPr>
+            <p:ph idx="1"/>
+          </p:nvPr>
+        </p:nvSpPr>
+        <p:spPr/>
+        <p:txBody>
+          <a:bodyPr>
+            <a:normAutofit fontScale="92500" lnSpcReduction="20000"/>
+          </a:bodyPr>
+          <a:lstStyle/>
+          <a:p>
+            <a:pPr marL="514350" indent="-514350">
+              <a:buFont typeface="+mj-lt"/>
+              <a:buAutoNum type="arabicPeriod"/>
+            </a:pPr>
+            <a:r>
+              <a:rPr lang="ru-RU" dirty="0" smtClean="0"/>
+              <a:t>Это логическая </a:t>
+            </a:r>
+            <a:r>
+              <a:rPr lang="ru-RU" dirty="0"/>
+              <a:t>группировка одного или нескольких </a:t>
+            </a:r>
+            <a:r>
+              <a:rPr lang="ru-RU" dirty="0" smtClean="0"/>
+              <a:t>управляемых </a:t>
+            </a:r>
+            <a:r>
+              <a:rPr lang="ru-RU" dirty="0"/>
+              <a:t>модулей или файлов </a:t>
+            </a:r>
+            <a:r>
+              <a:rPr lang="ru-RU" dirty="0" smtClean="0"/>
+              <a:t>ресурсов.</a:t>
+            </a:r>
+          </a:p>
+          <a:p>
+            <a:pPr marL="514350" indent="-514350">
+              <a:buFont typeface="+mj-lt"/>
+              <a:buAutoNum type="arabicPeriod"/>
+            </a:pPr>
+            <a:r>
+              <a:rPr lang="ru-RU" dirty="0" smtClean="0"/>
+              <a:t>Это </a:t>
+            </a:r>
+            <a:r>
+              <a:rPr lang="ru-RU" dirty="0"/>
+              <a:t>самая маленькая </a:t>
+            </a:r>
+            <a:r>
+              <a:rPr lang="ru-RU" dirty="0" smtClean="0"/>
+              <a:t>единица, с </a:t>
+            </a:r>
+            <a:r>
+              <a:rPr lang="ru-RU" dirty="0"/>
+              <a:t>точки зрения повторного использования, безопасности и отслеживания версий.</a:t>
+            </a:r>
+          </a:p>
+          <a:p>
+            <a:r>
+              <a:rPr lang="ru-RU" dirty="0" smtClean="0"/>
+              <a:t>Сборки бывают однофайловые </a:t>
+            </a:r>
+            <a:r>
+              <a:rPr lang="ru-RU" dirty="0"/>
+              <a:t>или </a:t>
+            </a:r>
+            <a:r>
+              <a:rPr lang="ru-RU" dirty="0" smtClean="0"/>
+              <a:t>многофайловые</a:t>
+            </a:r>
+            <a:endParaRPr lang="en-US" dirty="0" smtClean="0"/>
+          </a:p>
+          <a:p>
+            <a:r>
+              <a:rPr lang="ru-RU" dirty="0"/>
+              <a:t>В </a:t>
+            </a:r>
+            <a:r>
+              <a:rPr lang="ru-RU" dirty="0" smtClean="0"/>
+              <a:t>главном основной </a:t>
+            </a:r>
+            <a:r>
+              <a:rPr lang="ru-RU" dirty="0"/>
+              <a:t>сборки содержится манифест </a:t>
+            </a:r>
+            <a:r>
+              <a:rPr lang="ru-RU" dirty="0" smtClean="0"/>
+              <a:t>(</a:t>
+            </a:r>
+            <a:r>
+              <a:rPr lang="en-US" dirty="0" smtClean="0"/>
+              <a:t>manifest</a:t>
+            </a:r>
+            <a:r>
+              <a:rPr lang="ru-RU" dirty="0" smtClean="0"/>
+              <a:t>) – </a:t>
+            </a:r>
+            <a:r>
+              <a:rPr lang="ru-RU" dirty="0"/>
+              <a:t>информация о самой сборке и о всех её </a:t>
+            </a:r>
+            <a:r>
+              <a:rPr lang="ru-RU" dirty="0" smtClean="0"/>
+              <a:t>частях.</a:t>
+            </a:r>
+            <a:endParaRPr lang="ru-RU" dirty="0"/>
+          </a:p>
+        </p:txBody>
+      </p:sp>
+    </p:spTree>
+    <p:extLst>
+      <p:ext uri="{BB962C8B-B14F-4D97-AF65-F5344CB8AC3E}">
+        <p14:creationId xmlns:p14="http://schemas.microsoft.com/office/powerpoint/2010/main" val="3728793559"/>
+      </p:ext>
+    </p:extLst>
+  </p:cSld>
+  <p:clrMapOvr>
+    <a:masterClrMapping/>
+  </p:clrMapOvr>
+  <p:timing>
+    <p:tnLst>
+      <p:par>
+        <p:cTn id="1" dur="indefinite" restart="never" nodeType="tmRoot"/>
+      </p:par>
+    </p:tnLst>
+  </p:timing>
+</p:sld>
+</file>
+
+<file path=ppt/slides/slide11.xml><?xml version="1.0" encoding="utf-8"?>
+<p:sld xmlns:a="http://schemas.openxmlformats.org/drawingml/2006/main" xmlns:r="http://schemas.openxmlformats.org/officeDocument/2006/relationships" xmlns:p="http://schemas.openxmlformats.org/presentationml/2006/main">
+  <p:cSld>
     <p:bg>
       <p:bgPr>
         <a:blipFill dpi="0" rotWithShape="1">
@@ -7388,7 +7569,7 @@
 </p:sld>
 </file>
 
-<file path=ppt/slides/slide11.xml><?xml version="1.0" encoding="utf-8"?>
+<file path=ppt/slides/slide12.xml><?xml version="1.0" encoding="utf-8"?>
 <p:sld xmlns:a="http://schemas.openxmlformats.org/drawingml/2006/main" xmlns:r="http://schemas.openxmlformats.org/officeDocument/2006/relationships" xmlns:p="http://schemas.openxmlformats.org/presentationml/2006/main">
   <p:cSld>
     <p:spTree>
@@ -7611,7 +7792,7 @@
 </p:sld>
 </file>
 
-<file path=ppt/slides/slide12.xml><?xml version="1.0" encoding="utf-8"?>
+<file path=ppt/slides/slide13.xml><?xml version="1.0" encoding="utf-8"?>
 <p:sld xmlns:a="http://schemas.openxmlformats.org/drawingml/2006/main" xmlns:r="http://schemas.openxmlformats.org/officeDocument/2006/relationships" xmlns:p="http://schemas.openxmlformats.org/presentationml/2006/main">
   <p:cSld>
     <p:spTree>
@@ -8044,7 +8225,7 @@
 </p:sld>
 </file>
 
-<file path=ppt/slides/slide13.xml><?xml version="1.0" encoding="utf-8"?>
+<file path=ppt/slides/slide14.xml><?xml version="1.0" encoding="utf-8"?>
 <p:sld xmlns:a="http://schemas.openxmlformats.org/drawingml/2006/main" xmlns:r="http://schemas.openxmlformats.org/officeDocument/2006/relationships" xmlns:p="http://schemas.openxmlformats.org/presentationml/2006/main">
   <p:cSld>
     <p:spTree>
@@ -8150,7 +8331,7 @@
 </p:sld>
 </file>
 
-<file path=ppt/slides/slide14.xml><?xml version="1.0" encoding="utf-8"?>
+<file path=ppt/slides/slide15.xml><?xml version="1.0" encoding="utf-8"?>
 <p:sld xmlns:a="http://schemas.openxmlformats.org/drawingml/2006/main" xmlns:r="http://schemas.openxmlformats.org/officeDocument/2006/relationships" xmlns:p="http://schemas.openxmlformats.org/presentationml/2006/main">
   <p:cSld>
     <p:spTree>
@@ -8465,7 +8646,7 @@
 </p:sld>
 </file>
 
-<file path=ppt/slides/slide15.xml><?xml version="1.0" encoding="utf-8"?>
+<file path=ppt/slides/slide16.xml><?xml version="1.0" encoding="utf-8"?>
 <p:sld xmlns:a="http://schemas.openxmlformats.org/drawingml/2006/main" xmlns:r="http://schemas.openxmlformats.org/officeDocument/2006/relationships" xmlns:p="http://schemas.openxmlformats.org/presentationml/2006/main">
   <p:cSld>
     <p:spTree>
@@ -8543,7 +8724,7 @@
 </p:sld>
 </file>
 
-<file path=ppt/slides/slide16.xml><?xml version="1.0" encoding="utf-8"?>
+<file path=ppt/slides/slide17.xml><?xml version="1.0" encoding="utf-8"?>
 <p:sld xmlns:a="http://schemas.openxmlformats.org/drawingml/2006/main" xmlns:r="http://schemas.openxmlformats.org/officeDocument/2006/relationships" xmlns:p="http://schemas.openxmlformats.org/presentationml/2006/main">
   <p:cSld>
     <p:spTree>
@@ -8655,7 +8836,7 @@
 </p:sld>
 </file>
 
-<file path=ppt/slides/slide17.xml><?xml version="1.0" encoding="utf-8"?>
+<file path=ppt/slides/slide18.xml><?xml version="1.0" encoding="utf-8"?>
 <p:sld xmlns:a="http://schemas.openxmlformats.org/drawingml/2006/main" xmlns:r="http://schemas.openxmlformats.org/officeDocument/2006/relationships" xmlns:p="http://schemas.openxmlformats.org/presentationml/2006/main">
   <p:cSld>
     <p:spTree>
@@ -8780,7 +8961,7 @@
 </p:sld>
 </file>
 
-<file path=ppt/slides/slide18.xml><?xml version="1.0" encoding="utf-8"?>
+<file path=ppt/slides/slide19.xml><?xml version="1.0" encoding="utf-8"?>
 <p:sld xmlns:a="http://schemas.openxmlformats.org/drawingml/2006/main" xmlns:r="http://schemas.openxmlformats.org/officeDocument/2006/relationships" xmlns:p="http://schemas.openxmlformats.org/presentationml/2006/main">
   <p:cSld>
     <p:spTree>
@@ -9952,149 +10133,6 @@
 </p:sld>
 </file>
 
-<file path=ppt/slides/slide19.xml><?xml version="1.0" encoding="utf-8"?>
-<p:sld xmlns:a="http://schemas.openxmlformats.org/drawingml/2006/main" xmlns:r="http://schemas.openxmlformats.org/officeDocument/2006/relationships" xmlns:p="http://schemas.openxmlformats.org/presentationml/2006/main">
-  <p:cSld>
-    <p:spTree>
-      <p:nvGrpSpPr>
-        <p:cNvPr id="1" name=""/>
-        <p:cNvGrpSpPr/>
-        <p:nvPr/>
-      </p:nvGrpSpPr>
-      <p:grpSpPr>
-        <a:xfrm>
-          <a:off x="0" y="0"/>
-          <a:ext cx="0" cy="0"/>
-          <a:chOff x="0" y="0"/>
-          <a:chExt cx="0" cy="0"/>
-        </a:xfrm>
-      </p:grpSpPr>
-      <p:sp>
-        <p:nvSpPr>
-          <p:cNvPr id="2" name="Title 1"/>
-          <p:cNvSpPr>
-            <a:spLocks noGrp="1"/>
-          </p:cNvSpPr>
-          <p:nvPr>
-            <p:ph type="title"/>
-          </p:nvPr>
-        </p:nvSpPr>
-        <p:spPr/>
-        <p:txBody>
-          <a:bodyPr/>
-          <a:lstStyle/>
-          <a:p>
-            <a:r>
-              <a:rPr lang="ru-RU" dirty="0" smtClean="0"/>
-              <a:t>Многофайловые сборки</a:t>
-            </a:r>
-            <a:endParaRPr lang="ru-RU" dirty="0"/>
-          </a:p>
-        </p:txBody>
-      </p:sp>
-      <p:sp>
-        <p:nvSpPr>
-          <p:cNvPr id="3" name="Content Placeholder 2"/>
-          <p:cNvSpPr>
-            <a:spLocks noGrp="1"/>
-          </p:cNvSpPr>
-          <p:nvPr>
-            <p:ph idx="1"/>
-          </p:nvPr>
-        </p:nvSpPr>
-        <p:spPr/>
-        <p:txBody>
-          <a:bodyPr>
-            <a:normAutofit/>
-          </a:bodyPr>
-          <a:lstStyle/>
-          <a:p>
-            <a:r>
-              <a:rPr lang="ru-RU" dirty="0" smtClean="0"/>
-              <a:t>Позволяют распределять </a:t>
-            </a:r>
-            <a:r>
-              <a:rPr lang="ru-RU" dirty="0"/>
-              <a:t>типы по разным </a:t>
-            </a:r>
-            <a:r>
-              <a:rPr lang="ru-RU" dirty="0" smtClean="0"/>
-              <a:t>файлам</a:t>
-            </a:r>
-          </a:p>
-          <a:p>
-            <a:r>
-              <a:rPr lang="ru-RU" dirty="0"/>
-              <a:t>Позволяют д</a:t>
-            </a:r>
-            <a:r>
-              <a:rPr lang="ru-RU" dirty="0" smtClean="0"/>
-              <a:t>обавлять </a:t>
-            </a:r>
-            <a:r>
-              <a:rPr lang="ru-RU" dirty="0"/>
-              <a:t>к сборке файлы с ресурсами и </a:t>
-            </a:r>
-            <a:r>
-              <a:rPr lang="ru-RU" dirty="0" smtClean="0"/>
-              <a:t>данными</a:t>
-            </a:r>
-          </a:p>
-          <a:p>
-            <a:r>
-              <a:rPr lang="ru-RU" dirty="0"/>
-              <a:t>Позволяют с</a:t>
-            </a:r>
-            <a:r>
-              <a:rPr lang="ru-RU" dirty="0" smtClean="0"/>
-              <a:t>оздавать </a:t>
-            </a:r>
-            <a:r>
-              <a:rPr lang="ru-RU" dirty="0"/>
-              <a:t>сборки, состоящие из типов, написанных на разных языках </a:t>
-            </a:r>
-            <a:r>
-              <a:rPr lang="en-US" dirty="0" smtClean="0"/>
-              <a:t>	</a:t>
-            </a:r>
-            <a:r>
-              <a:rPr lang="ru-RU" dirty="0" smtClean="0"/>
-              <a:t>программирования</a:t>
-            </a:r>
-          </a:p>
-          <a:p>
-            <a:r>
-              <a:rPr lang="ru-RU" dirty="0" smtClean="0"/>
-              <a:t>Создаются с помощью утилиты </a:t>
-            </a:r>
-            <a:r>
-              <a:rPr lang="en-US" dirty="0" smtClean="0"/>
-              <a:t>AL.exe</a:t>
-            </a:r>
-            <a:endParaRPr lang="ru-RU" dirty="0"/>
-          </a:p>
-        </p:txBody>
-      </p:sp>
-    </p:spTree>
-    <p:extLst>
-      <p:ext uri="{BB962C8B-B14F-4D97-AF65-F5344CB8AC3E}">
-        <p14:creationId xmlns:p14="http://schemas.microsoft.com/office/powerpoint/2010/main" val="2692656914"/>
-      </p:ext>
-    </p:extLst>
-  </p:cSld>
-  <p:clrMapOvr>
-    <a:masterClrMapping/>
-  </p:clrMapOvr>
-  <p:timing>
-    <p:tnLst>
-      <p:par>
-        <p:cTn id="1" dur="indefinite" restart="never" nodeType="tmRoot"/>
-      </p:par>
-    </p:tnLst>
-  </p:timing>
-</p:sld>
-</file>
-
 <file path=ppt/slides/slide2.xml><?xml version="1.0" encoding="utf-8"?>
 <p:sld xmlns:a="http://schemas.openxmlformats.org/drawingml/2006/main" xmlns:r="http://schemas.openxmlformats.org/officeDocument/2006/relationships" xmlns:p="http://schemas.openxmlformats.org/presentationml/2006/main">
   <p:cSld>
@@ -10300,28 +10338,97 @@
             <p:ph type="title"/>
           </p:nvPr>
         </p:nvSpPr>
-        <p:spPr>
-          <a:xfrm>
-            <a:off x="457200" y="2857500"/>
-            <a:ext cx="8229600" cy="1143000"/>
-          </a:xfrm>
-        </p:spPr>
+        <p:spPr/>
+        <p:txBody>
+          <a:bodyPr/>
+          <a:lstStyle/>
+          <a:p>
+            <a:r>
+              <a:rPr lang="ru-RU" dirty="0" smtClean="0"/>
+              <a:t>Многофайловые сборки</a:t>
+            </a:r>
+            <a:endParaRPr lang="ru-RU" dirty="0"/>
+          </a:p>
+        </p:txBody>
+      </p:sp>
+      <p:sp>
+        <p:nvSpPr>
+          <p:cNvPr id="3" name="Content Placeholder 2"/>
+          <p:cNvSpPr>
+            <a:spLocks noGrp="1"/>
+          </p:cNvSpPr>
+          <p:nvPr>
+            <p:ph idx="1"/>
+          </p:nvPr>
+        </p:nvSpPr>
+        <p:spPr/>
         <p:txBody>
           <a:bodyPr>
-            <a:normAutofit fontScale="90000"/>
+            <a:normAutofit/>
           </a:bodyPr>
           <a:lstStyle/>
           <a:p>
             <a:r>
               <a:rPr lang="ru-RU" dirty="0" smtClean="0"/>
-              <a:t>Многофайловые сборки</a:t>
-            </a:r>
-            <a:br>
+              <a:t>Позволяют распределять </a:t>
+            </a:r>
+            <a:r>
+              <a:rPr lang="ru-RU" dirty="0"/>
+              <a:t>типы по разным </a:t>
+            </a:r>
+            <a:r>
               <a:rPr lang="ru-RU" dirty="0" smtClean="0"/>
-            </a:br>
+              <a:t>файлам</a:t>
+            </a:r>
+          </a:p>
+          <a:p>
+            <a:r>
+              <a:rPr lang="ru-RU" dirty="0"/>
+              <a:t>Позволяют д</a:t>
+            </a:r>
             <a:r>
               <a:rPr lang="ru-RU" dirty="0" smtClean="0"/>
-              <a:t>Демонстрация</a:t>
+              <a:t>обавлять </a:t>
+            </a:r>
+            <a:r>
+              <a:rPr lang="ru-RU" dirty="0"/>
+              <a:t>к сборке файлы с ресурсами и </a:t>
+            </a:r>
+            <a:r>
+              <a:rPr lang="ru-RU" dirty="0" smtClean="0"/>
+              <a:t>данными</a:t>
+            </a:r>
+          </a:p>
+          <a:p>
+            <a:r>
+              <a:rPr lang="ru-RU" dirty="0"/>
+              <a:t>Позволяют с</a:t>
+            </a:r>
+            <a:r>
+              <a:rPr lang="ru-RU" dirty="0" smtClean="0"/>
+              <a:t>оздавать </a:t>
+            </a:r>
+            <a:r>
+              <a:rPr lang="ru-RU" dirty="0"/>
+              <a:t>сборки, состоящие из типов, написанных на разных языках </a:t>
+            </a:r>
+            <a:r>
+              <a:rPr lang="en-US" dirty="0" smtClean="0"/>
+              <a:t>	</a:t>
+            </a:r>
+            <a:r>
+              <a:rPr lang="ru-RU" dirty="0" smtClean="0"/>
+              <a:t>программирования</a:t>
+            </a:r>
+          </a:p>
+          <a:p>
+            <a:r>
+              <a:rPr lang="ru-RU" dirty="0" smtClean="0"/>
+              <a:t>Создаются с помощью утилиты </a:t>
+            </a:r>
+            <a:r>
+              <a:rPr lang="en-US" dirty="0" smtClean="0"/>
+              <a:t>AL.exe</a:t>
             </a:r>
             <a:endParaRPr lang="ru-RU" dirty="0"/>
           </a:p>
@@ -10330,7 +10437,7 @@
     </p:spTree>
     <p:extLst>
       <p:ext uri="{BB962C8B-B14F-4D97-AF65-F5344CB8AC3E}">
-        <p14:creationId xmlns:p14="http://schemas.microsoft.com/office/powerpoint/2010/main" val="278552390"/>
+        <p14:creationId xmlns:p14="http://schemas.microsoft.com/office/powerpoint/2010/main" val="2692656914"/>
       </p:ext>
     </p:extLst>
   </p:cSld>
@@ -10374,98 +10481,28 @@
             <p:ph type="title"/>
           </p:nvPr>
         </p:nvSpPr>
-        <p:spPr/>
+        <p:spPr>
+          <a:xfrm>
+            <a:off x="457200" y="2857500"/>
+            <a:ext cx="8229600" cy="1143000"/>
+          </a:xfrm>
+        </p:spPr>
         <p:txBody>
-          <a:bodyPr/>
+          <a:bodyPr>
+            <a:normAutofit fontScale="90000"/>
+          </a:bodyPr>
           <a:lstStyle/>
           <a:p>
             <a:r>
-              <a:rPr lang="ru-RU" dirty="0"/>
-              <a:t>Добавление сборок к проекту</a:t>
-            </a:r>
-          </a:p>
-        </p:txBody>
-      </p:sp>
-      <p:sp>
-        <p:nvSpPr>
-          <p:cNvPr id="3" name="Content Placeholder 2"/>
-          <p:cNvSpPr>
-            <a:spLocks noGrp="1"/>
-          </p:cNvSpPr>
-          <p:nvPr>
-            <p:ph idx="1"/>
-          </p:nvPr>
-        </p:nvSpPr>
-        <p:spPr/>
-        <p:txBody>
-          <a:bodyPr/>
-          <a:lstStyle/>
-          <a:p>
-            <a:r>
               <a:rPr lang="ru-RU" dirty="0" smtClean="0"/>
-              <a:t>Из меню </a:t>
-            </a:r>
-            <a:r>
-              <a:rPr lang="en-US" dirty="0" smtClean="0"/>
-              <a:t>Project -&gt; Add Reference</a:t>
-            </a:r>
-            <a:r>
+              <a:t>Многофайловые сборки</a:t>
+            </a:r>
+            <a:br>
               <a:rPr lang="ru-RU" dirty="0" smtClean="0"/>
-              <a:t> ...</a:t>
-            </a:r>
-            <a:endParaRPr lang="en-US" dirty="0" smtClean="0"/>
-          </a:p>
-          <a:p>
+            </a:br>
             <a:r>
               <a:rPr lang="ru-RU" dirty="0" smtClean="0"/>
-              <a:t>В </a:t>
-            </a:r>
-            <a:r>
-              <a:rPr lang="en-US" dirty="0" smtClean="0"/>
-              <a:t>Solution Explorer, </a:t>
-            </a:r>
-            <a:r>
-              <a:rPr lang="ru-RU" dirty="0" smtClean="0"/>
-              <a:t>найти узел </a:t>
-            </a:r>
-            <a:r>
-              <a:rPr lang="en-US" dirty="0" smtClean="0"/>
-              <a:t>References </a:t>
-            </a:r>
-            <a:r>
-              <a:rPr lang="ru-RU" dirty="0" smtClean="0"/>
-              <a:t>нужного проекта</a:t>
-            </a:r>
-            <a:r>
-              <a:rPr lang="en-US" dirty="0" smtClean="0"/>
-              <a:t>,</a:t>
-            </a:r>
-            <a:r>
-              <a:rPr lang="ru-RU" dirty="0" smtClean="0"/>
-              <a:t> вызвать контестное меню и выбрать </a:t>
-            </a:r>
-            <a:r>
-              <a:rPr lang="en-US" dirty="0"/>
-              <a:t>Add Reference</a:t>
-            </a:r>
-            <a:r>
-              <a:rPr lang="ru-RU" dirty="0"/>
-              <a:t> </a:t>
-            </a:r>
-            <a:r>
-              <a:rPr lang="ru-RU" dirty="0" smtClean="0"/>
-              <a:t>...</a:t>
-            </a:r>
-            <a:endParaRPr lang="en-US" dirty="0" smtClean="0"/>
-          </a:p>
-          <a:p>
-            <a:r>
-              <a:rPr lang="ru-RU" dirty="0" smtClean="0"/>
-              <a:t>С помощью </a:t>
-            </a:r>
-            <a:r>
-              <a:rPr lang="en-US" dirty="0" err="1" smtClean="0"/>
-              <a:t>NuGet</a:t>
+              <a:t>Демонстрация</a:t>
             </a:r>
             <a:endParaRPr lang="ru-RU" dirty="0"/>
           </a:p>
@@ -10474,7 +10511,7 @@
     </p:spTree>
     <p:extLst>
       <p:ext uri="{BB962C8B-B14F-4D97-AF65-F5344CB8AC3E}">
-        <p14:creationId xmlns:p14="http://schemas.microsoft.com/office/powerpoint/2010/main" val="210700532"/>
+        <p14:creationId xmlns:p14="http://schemas.microsoft.com/office/powerpoint/2010/main" val="278552390"/>
       </p:ext>
     </p:extLst>
   </p:cSld>
@@ -10520,16 +10557,13 @@
         </p:nvSpPr>
         <p:spPr/>
         <p:txBody>
-          <a:bodyPr>
-            <a:normAutofit/>
-          </a:bodyPr>
+          <a:bodyPr/>
           <a:lstStyle/>
           <a:p>
             <a:r>
-              <a:rPr lang="ru-RU" dirty="0" smtClean="0"/>
-              <a:t>Номер версии сборки</a:t>
-            </a:r>
-            <a:endParaRPr lang="ru-RU" dirty="0"/>
+              <a:rPr lang="ru-RU" dirty="0"/>
+              <a:t>Добавление сборок к проекту</a:t>
+            </a:r>
           </a:p>
         </p:txBody>
       </p:sp>
@@ -10549,62 +10583,70 @@
           <a:lstStyle/>
           <a:p>
             <a:r>
+              <a:rPr lang="ru-RU" dirty="0" smtClean="0"/>
+              <a:t>Из меню </a:t>
+            </a:r>
+            <a:r>
               <a:rPr lang="en-US" dirty="0" smtClean="0"/>
-              <a:t>[assembly: </a:t>
+              <a:t>Project -&gt; Add Reference</a:t>
+            </a:r>
+            <a:r>
+              <a:rPr lang="ru-RU" dirty="0" smtClean="0"/>
+              <a:t> ...</a:t>
+            </a:r>
+            <a:endParaRPr lang="en-US" dirty="0" smtClean="0"/>
+          </a:p>
+          <a:p>
+            <a:r>
+              <a:rPr lang="ru-RU" dirty="0" smtClean="0"/>
+              <a:t>В </a:t>
+            </a:r>
+            <a:r>
+              <a:rPr lang="en-US" dirty="0" smtClean="0"/>
+              <a:t>Solution Explorer, </a:t>
+            </a:r>
+            <a:r>
+              <a:rPr lang="ru-RU" dirty="0" smtClean="0"/>
+              <a:t>найти узел </a:t>
+            </a:r>
+            <a:r>
+              <a:rPr lang="en-US" dirty="0" smtClean="0"/>
+              <a:t>References </a:t>
+            </a:r>
+            <a:r>
+              <a:rPr lang="ru-RU" dirty="0" smtClean="0"/>
+              <a:t>нужного проекта</a:t>
+            </a:r>
+            <a:r>
+              <a:rPr lang="en-US" dirty="0" smtClean="0"/>
+              <a:t>,</a:t>
+            </a:r>
+            <a:r>
+              <a:rPr lang="ru-RU" dirty="0" smtClean="0"/>
+              <a:t> вызвать контестное меню и выбрать </a:t>
+            </a:r>
+            <a:r>
+              <a:rPr lang="en-US" dirty="0"/>
+              <a:t>Add Reference</a:t>
+            </a:r>
+            <a:r>
+              <a:rPr lang="ru-RU" dirty="0"/>
+              <a:t> </a:t>
+            </a:r>
+            <a:r>
+              <a:rPr lang="ru-RU" dirty="0" smtClean="0"/>
+              <a:t>...</a:t>
+            </a:r>
+            <a:endParaRPr lang="en-US" dirty="0" smtClean="0"/>
+          </a:p>
+          <a:p>
+            <a:r>
+              <a:rPr lang="ru-RU" dirty="0" smtClean="0"/>
+              <a:t>С помощью </a:t>
             </a:r>
             <a:r>
               <a:rPr lang="en-US" dirty="0" err="1" smtClean="0"/>
-              <a:t>AssemblyVersion</a:t>
-            </a:r>
-            <a:r>
-              <a:rPr lang="en-US" dirty="0" smtClean="0"/>
-              <a:t>(“1.2.3.4”)]</a:t>
-            </a:r>
-          </a:p>
-          <a:p>
-            <a:r>
-              <a:rPr lang="en-US" dirty="0" err="1" smtClean="0"/>
-              <a:t>major.minor.build.revision</a:t>
-            </a:r>
-            <a:endParaRPr lang="ru-RU" dirty="0" smtClean="0"/>
-          </a:p>
-          <a:p>
-            <a:pPr lvl="1"/>
-            <a:r>
-              <a:rPr lang="ru-RU" dirty="0" smtClean="0"/>
-              <a:t>Старший номер</a:t>
-            </a:r>
-          </a:p>
-          <a:p>
-            <a:pPr lvl="1"/>
-            <a:r>
-              <a:rPr lang="ru-RU" dirty="0" smtClean="0"/>
-              <a:t>Младший номер</a:t>
-            </a:r>
-          </a:p>
-          <a:p>
-            <a:pPr lvl="1"/>
-            <a:r>
-              <a:rPr lang="ru-RU" dirty="0" smtClean="0"/>
-              <a:t>Номер билда</a:t>
-            </a:r>
-          </a:p>
-          <a:p>
-            <a:pPr lvl="1"/>
-            <a:r>
-              <a:rPr lang="ru-RU" dirty="0" smtClean="0"/>
-              <a:t>Номер ревизии</a:t>
-            </a:r>
-            <a:endParaRPr lang="en-US" dirty="0" smtClean="0"/>
-          </a:p>
-          <a:p>
-            <a:r>
-              <a:rPr lang="ru-RU" dirty="0" smtClean="0"/>
-              <a:t>Задается в </a:t>
-            </a:r>
-            <a:r>
-              <a:rPr lang="en-US" dirty="0" err="1" smtClean="0"/>
-              <a:t>AssemblyInfo.cs</a:t>
+              <a:t>NuGet</a:t>
             </a:r>
             <a:endParaRPr lang="ru-RU" dirty="0"/>
           </a:p>
@@ -10613,7 +10655,7 @@
     </p:spTree>
     <p:extLst>
       <p:ext uri="{BB962C8B-B14F-4D97-AF65-F5344CB8AC3E}">
-        <p14:creationId xmlns:p14="http://schemas.microsoft.com/office/powerpoint/2010/main" val="746042412"/>
+        <p14:creationId xmlns:p14="http://schemas.microsoft.com/office/powerpoint/2010/main" val="210700532"/>
       </p:ext>
     </p:extLst>
   </p:cSld>
@@ -10659,12 +10701,14 @@
         </p:nvSpPr>
         <p:spPr/>
         <p:txBody>
-          <a:bodyPr/>
+          <a:bodyPr>
+            <a:normAutofit/>
+          </a:bodyPr>
           <a:lstStyle/>
           <a:p>
             <a:r>
               <a:rPr lang="ru-RU" dirty="0" smtClean="0"/>
-              <a:t>Типы развертывания</a:t>
+              <a:t>Номер версии сборки</a:t>
             </a:r>
             <a:endParaRPr lang="ru-RU" dirty="0"/>
           </a:p>
@@ -10686,14 +10730,62 @@
           <a:lstStyle/>
           <a:p>
             <a:r>
+              <a:rPr lang="en-US" dirty="0" smtClean="0"/>
+              <a:t>[assembly: </a:t>
+            </a:r>
+            <a:r>
+              <a:rPr lang="en-US" dirty="0" err="1" smtClean="0"/>
+              <a:t>AssemblyVersion</a:t>
+            </a:r>
+            <a:r>
+              <a:rPr lang="en-US" dirty="0" smtClean="0"/>
+              <a:t>(“1.2.3.4”)]</a:t>
+            </a:r>
+          </a:p>
+          <a:p>
+            <a:r>
+              <a:rPr lang="en-US" dirty="0" err="1" smtClean="0"/>
+              <a:t>major.minor.build.revision</a:t>
+            </a:r>
+            <a:endParaRPr lang="ru-RU" dirty="0" smtClean="0"/>
+          </a:p>
+          <a:p>
+            <a:pPr lvl="1"/>
+            <a:r>
               <a:rPr lang="ru-RU" dirty="0" smtClean="0"/>
-              <a:t>Закрытое</a:t>
-            </a:r>
-          </a:p>
-          <a:p>
+              <a:t>Старший номер</a:t>
+            </a:r>
+          </a:p>
+          <a:p>
+            <a:pPr lvl="1"/>
             <a:r>
               <a:rPr lang="ru-RU" dirty="0" smtClean="0"/>
-              <a:t>Совместное</a:t>
+              <a:t>Младший номер</a:t>
+            </a:r>
+          </a:p>
+          <a:p>
+            <a:pPr lvl="1"/>
+            <a:r>
+              <a:rPr lang="ru-RU" dirty="0" smtClean="0"/>
+              <a:t>Номер билда</a:t>
+            </a:r>
+          </a:p>
+          <a:p>
+            <a:pPr lvl="1"/>
+            <a:r>
+              <a:rPr lang="ru-RU" dirty="0" smtClean="0"/>
+              <a:t>Номер ревизии</a:t>
+            </a:r>
+            <a:endParaRPr lang="en-US" dirty="0" smtClean="0"/>
+          </a:p>
+          <a:p>
+            <a:r>
+              <a:rPr lang="ru-RU" dirty="0" smtClean="0"/>
+              <a:t>Задается в </a:t>
+            </a:r>
+            <a:r>
+              <a:rPr lang="en-US" dirty="0" err="1" smtClean="0"/>
+              <a:t>AssemblyInfo.cs</a:t>
             </a:r>
             <a:endParaRPr lang="ru-RU" dirty="0"/>
           </a:p>
@@ -10702,7 +10794,7 @@
     </p:spTree>
     <p:extLst>
       <p:ext uri="{BB962C8B-B14F-4D97-AF65-F5344CB8AC3E}">
-        <p14:creationId xmlns:p14="http://schemas.microsoft.com/office/powerpoint/2010/main" val="3786467353"/>
+        <p14:creationId xmlns:p14="http://schemas.microsoft.com/office/powerpoint/2010/main" val="746042412"/>
       </p:ext>
     </p:extLst>
   </p:cSld>
@@ -10748,25 +10840,12 @@
         </p:nvSpPr>
         <p:spPr/>
         <p:txBody>
-          <a:bodyPr>
-            <a:normAutofit fontScale="90000"/>
-          </a:bodyPr>
+          <a:bodyPr/>
           <a:lstStyle/>
           <a:p>
             <a:r>
-              <a:rPr lang="ru-RU" dirty="0"/>
-              <a:t>Поиск </a:t>
-            </a:r>
-            <a:r>
               <a:rPr lang="ru-RU" dirty="0" smtClean="0"/>
-              <a:t>сборки</a:t>
-            </a:r>
-            <a:br>
-              <a:rPr lang="ru-RU" dirty="0" smtClean="0"/>
-            </a:br>
-            <a:r>
-              <a:rPr lang="ru-RU" dirty="0" smtClean="0"/>
-              <a:t>Закрытое развертывание</a:t>
+              <a:t>Типы развертывания</a:t>
             </a:r>
             <a:endParaRPr lang="ru-RU" dirty="0"/>
           </a:p>
@@ -10784,260 +10863,19 @@
         </p:nvSpPr>
         <p:spPr/>
         <p:txBody>
-          <a:bodyPr>
-            <a:normAutofit fontScale="70000" lnSpcReduction="20000"/>
-          </a:bodyPr>
+          <a:bodyPr/>
           <a:lstStyle/>
           <a:p>
             <a:r>
-              <a:rPr lang="en-US" dirty="0" err="1" smtClean="0"/>
-              <a:t>AppBase</a:t>
-            </a:r>
-            <a:r>
-              <a:rPr lang="en-US" dirty="0" smtClean="0"/>
-              <a:t>\AsmName.dll</a:t>
-            </a:r>
-          </a:p>
-          <a:p>
-            <a:r>
-              <a:rPr lang="en-US" dirty="0" err="1" smtClean="0"/>
-              <a:t>AppBase</a:t>
-            </a:r>
-            <a:r>
-              <a:rPr lang="en-US" dirty="0" smtClean="0"/>
-              <a:t>\</a:t>
-            </a:r>
-            <a:r>
-              <a:rPr lang="en-US" dirty="0" err="1" smtClean="0"/>
-              <a:t>AsmName</a:t>
-            </a:r>
-            <a:r>
-              <a:rPr lang="en-US" dirty="0" smtClean="0"/>
-              <a:t>\AsmName.dll</a:t>
-            </a:r>
-            <a:endParaRPr lang="en-US" dirty="0"/>
-          </a:p>
-          <a:p>
-            <a:r>
-              <a:rPr lang="en-US" dirty="0" err="1" smtClean="0"/>
-              <a:t>AppBase</a:t>
-            </a:r>
-            <a:r>
-              <a:rPr lang="en-US" dirty="0" smtClean="0"/>
-              <a:t>\privatePath1\</a:t>
-            </a:r>
-            <a:r>
-              <a:rPr lang="en-US" dirty="0" err="1" smtClean="0"/>
-              <a:t>AsmName</a:t>
-            </a:r>
-            <a:r>
-              <a:rPr lang="en-US" dirty="0" smtClean="0"/>
-              <a:t>. </a:t>
-            </a:r>
-            <a:r>
-              <a:rPr lang="en-US" dirty="0" err="1"/>
-              <a:t>dll</a:t>
-            </a:r>
-            <a:endParaRPr lang="en-US" dirty="0"/>
-          </a:p>
-          <a:p>
-            <a:r>
-              <a:rPr lang="en-US" dirty="0" err="1" smtClean="0"/>
-              <a:t>AppBase</a:t>
-            </a:r>
-            <a:r>
-              <a:rPr lang="en-US" dirty="0" smtClean="0"/>
-              <a:t>\privatePath1\</a:t>
-            </a:r>
-            <a:r>
-              <a:rPr lang="en-US" dirty="0" err="1" smtClean="0"/>
-              <a:t>AsmName</a:t>
-            </a:r>
-            <a:r>
-              <a:rPr lang="en-US" dirty="0" smtClean="0"/>
-              <a:t>\AsmName.dll</a:t>
-            </a:r>
-            <a:endParaRPr lang="en-US" dirty="0"/>
-          </a:p>
-          <a:p>
-            <a:r>
-              <a:rPr lang="en-US" dirty="0" err="1" smtClean="0"/>
-              <a:t>AppBase</a:t>
-            </a:r>
-            <a:r>
-              <a:rPr lang="en-US" dirty="0" smtClean="0"/>
-              <a:t>\privatePath2\AsmName.dll</a:t>
-            </a:r>
-            <a:endParaRPr lang="en-US" dirty="0"/>
-          </a:p>
-          <a:p>
-            <a:r>
-              <a:rPr lang="en-US" dirty="0" err="1" smtClean="0"/>
-              <a:t>AppBase</a:t>
-            </a:r>
-            <a:r>
-              <a:rPr lang="en-US" dirty="0" smtClean="0"/>
-              <a:t>\privatePath2\</a:t>
-            </a:r>
-            <a:r>
-              <a:rPr lang="en-US" dirty="0" err="1" smtClean="0"/>
-              <a:t>AsmName</a:t>
-            </a:r>
-            <a:r>
-              <a:rPr lang="en-US" dirty="0" smtClean="0"/>
-              <a:t>\AsmName.dll</a:t>
-            </a:r>
-          </a:p>
-          <a:p>
-            <a:endParaRPr lang="en-US" dirty="0" smtClean="0"/>
-          </a:p>
-          <a:p>
-            <a:r>
-              <a:rPr lang="en-US" dirty="0" err="1" smtClean="0"/>
-              <a:t>AppBase</a:t>
-            </a:r>
-            <a:r>
-              <a:rPr lang="en-US" dirty="0" smtClean="0"/>
-              <a:t>\en-US\AsmName.dll</a:t>
-            </a:r>
-            <a:endParaRPr lang="en-US" dirty="0"/>
-          </a:p>
-          <a:p>
-            <a:r>
-              <a:rPr lang="en-US" dirty="0" err="1" smtClean="0"/>
-              <a:t>AppBase</a:t>
-            </a:r>
-            <a:r>
-              <a:rPr lang="en-US" dirty="0" smtClean="0"/>
-              <a:t>\</a:t>
-            </a:r>
-            <a:r>
-              <a:rPr lang="en-US" dirty="0"/>
-              <a:t>en-US\</a:t>
-            </a:r>
-            <a:r>
-              <a:rPr lang="en-US" dirty="0" err="1" smtClean="0"/>
-              <a:t>AsmName</a:t>
-            </a:r>
-            <a:r>
-              <a:rPr lang="en-US" dirty="0" smtClean="0"/>
-              <a:t>\AsmName.dll</a:t>
-            </a:r>
-            <a:endParaRPr lang="en-US" dirty="0"/>
-          </a:p>
-          <a:p>
-            <a:r>
-              <a:rPr lang="en-US" dirty="0" err="1" smtClean="0"/>
-              <a:t>AppBase</a:t>
-            </a:r>
-            <a:r>
-              <a:rPr lang="en-US" dirty="0" smtClean="0"/>
-              <a:t>\</a:t>
-            </a:r>
-            <a:r>
-              <a:rPr lang="en-US" dirty="0"/>
-              <a:t>en-US\</a:t>
-            </a:r>
-            <a:r>
-              <a:rPr lang="en-US" dirty="0" smtClean="0"/>
-              <a:t>privatePath1\</a:t>
-            </a:r>
-            <a:r>
-              <a:rPr lang="en-US" dirty="0" err="1" smtClean="0"/>
-              <a:t>AsmName</a:t>
-            </a:r>
-            <a:r>
-              <a:rPr lang="en-US" dirty="0"/>
-              <a:t>. </a:t>
-            </a:r>
-            <a:r>
-              <a:rPr lang="en-US" dirty="0" err="1"/>
-              <a:t>dll</a:t>
-            </a:r>
-            <a:endParaRPr lang="en-US" dirty="0"/>
-          </a:p>
-          <a:p>
-            <a:r>
-              <a:rPr lang="en-US" dirty="0" err="1" smtClean="0"/>
-              <a:t>AppBase</a:t>
-            </a:r>
-            <a:r>
-              <a:rPr lang="en-US" dirty="0" smtClean="0"/>
-              <a:t>\</a:t>
-            </a:r>
-            <a:r>
-              <a:rPr lang="en-US" dirty="0"/>
-              <a:t>en-US\</a:t>
-            </a:r>
-            <a:r>
-              <a:rPr lang="en-US" dirty="0" smtClean="0"/>
-              <a:t>privatePath1\</a:t>
-            </a:r>
-            <a:r>
-              <a:rPr lang="en-US" dirty="0" err="1" smtClean="0"/>
-              <a:t>AsmName</a:t>
-            </a:r>
-            <a:r>
-              <a:rPr lang="en-US" dirty="0" smtClean="0"/>
-              <a:t>\AsmName.dll</a:t>
-            </a:r>
-            <a:endParaRPr lang="en-US" dirty="0"/>
-          </a:p>
-          <a:p>
-            <a:r>
-              <a:rPr lang="en-US" dirty="0" err="1" smtClean="0"/>
-              <a:t>AppBase</a:t>
-            </a:r>
-            <a:r>
-              <a:rPr lang="en-US" dirty="0" smtClean="0"/>
-              <a:t>\</a:t>
-            </a:r>
-            <a:r>
-              <a:rPr lang="en-US" dirty="0"/>
-              <a:t>en-US\</a:t>
-            </a:r>
-            <a:r>
-              <a:rPr lang="en-US" dirty="0" smtClean="0"/>
-              <a:t>privatePath2\AsmName.dll</a:t>
-            </a:r>
-            <a:endParaRPr lang="en-US" dirty="0"/>
-          </a:p>
-          <a:p>
-            <a:r>
-              <a:rPr lang="en-US" dirty="0" err="1" smtClean="0"/>
-              <a:t>AppBase</a:t>
-            </a:r>
-            <a:r>
-              <a:rPr lang="en-US" dirty="0" smtClean="0"/>
-              <a:t>\</a:t>
-            </a:r>
-            <a:r>
-              <a:rPr lang="en-US" dirty="0"/>
-              <a:t>en-US\</a:t>
-            </a:r>
-            <a:r>
-              <a:rPr lang="en-US" dirty="0" smtClean="0"/>
-              <a:t>privatePath2\</a:t>
-            </a:r>
-            <a:r>
-              <a:rPr lang="en-US" dirty="0" err="1" smtClean="0"/>
-              <a:t>AsmName</a:t>
-            </a:r>
-            <a:r>
-              <a:rPr lang="en-US" dirty="0" smtClean="0"/>
-              <a:t>\</a:t>
-            </a:r>
-            <a:r>
-              <a:rPr lang="en-US" dirty="0" err="1" smtClean="0"/>
-              <a:t>AsmName</a:t>
-            </a:r>
-            <a:r>
-              <a:rPr lang="en-US" dirty="0"/>
-              <a:t>.</a:t>
-            </a:r>
-            <a:endParaRPr lang="en-US" dirty="0" smtClean="0"/>
-          </a:p>
-          <a:p>
+              <a:rPr lang="ru-RU" dirty="0" smtClean="0"/>
+              <a:t>Закрытое</a:t>
+            </a:r>
+          </a:p>
+          <a:p>
+            <a:r>
+              <a:rPr lang="ru-RU" dirty="0" smtClean="0"/>
+              <a:t>Совместное</a:t>
+            </a:r>
             <a:endParaRPr lang="ru-RU" dirty="0"/>
           </a:p>
         </p:txBody>
@@ -11045,7 +10883,7 @@
     </p:spTree>
     <p:extLst>
       <p:ext uri="{BB962C8B-B14F-4D97-AF65-F5344CB8AC3E}">
-        <p14:creationId xmlns:p14="http://schemas.microsoft.com/office/powerpoint/2010/main" val="426700887"/>
+        <p14:creationId xmlns:p14="http://schemas.microsoft.com/office/powerpoint/2010/main" val="3786467353"/>
       </p:ext>
     </p:extLst>
   </p:cSld>
@@ -11091,12 +10929,25 @@
         </p:nvSpPr>
         <p:spPr/>
         <p:txBody>
-          <a:bodyPr/>
+          <a:bodyPr>
+            <a:normAutofit fontScale="90000"/>
+          </a:bodyPr>
           <a:lstStyle/>
           <a:p>
             <a:r>
-              <a:rPr lang="en-US" dirty="0" err="1" smtClean="0"/>
-              <a:t>App.config</a:t>
+              <a:rPr lang="ru-RU" dirty="0"/>
+              <a:t>Поиск </a:t>
+            </a:r>
+            <a:r>
+              <a:rPr lang="ru-RU" dirty="0" smtClean="0"/>
+              <a:t>сборки</a:t>
+            </a:r>
+            <a:br>
+              <a:rPr lang="ru-RU" dirty="0" smtClean="0"/>
+            </a:br>
+            <a:r>
+              <a:rPr lang="ru-RU" dirty="0" smtClean="0"/>
+              <a:t>Закрытое развертывание</a:t>
             </a:r>
             <a:endParaRPr lang="ru-RU" dirty="0"/>
           </a:p>
@@ -11112,320 +10963,270 @@
             <p:ph idx="1"/>
           </p:nvPr>
         </p:nvSpPr>
-        <p:spPr>
-          <a:xfrm>
-            <a:off x="457200" y="1600201"/>
-            <a:ext cx="8229600" cy="2332856"/>
-          </a:xfrm>
-        </p:spPr>
+        <p:spPr/>
         <p:txBody>
           <a:bodyPr>
-            <a:normAutofit/>
+            <a:normAutofit fontScale="70000" lnSpcReduction="20000"/>
           </a:bodyPr>
           <a:lstStyle/>
           <a:p>
-            <a:pPr marL="0" indent="0">
-              <a:buNone/>
-            </a:pPr>
-            <a:r>
-              <a:rPr lang="en-US" sz="1400" dirty="0">
-                <a:latin typeface="Courier New" pitchFamily="49" charset="0"/>
-                <a:cs typeface="Courier New" pitchFamily="49" charset="0"/>
-              </a:rPr>
-              <a:t>&lt;?xml version="1.0"?&gt;</a:t>
-            </a:r>
-          </a:p>
-          <a:p>
-            <a:pPr marL="0" indent="0">
-              <a:buNone/>
-            </a:pPr>
-            <a:r>
-              <a:rPr lang="en-US" sz="1400" dirty="0" smtClean="0">
-                <a:latin typeface="Courier New" pitchFamily="49" charset="0"/>
-                <a:cs typeface="Courier New" pitchFamily="49" charset="0"/>
-              </a:rPr>
-              <a:t>&lt;</a:t>
-            </a:r>
-            <a:r>
-              <a:rPr lang="en-US" sz="1400" dirty="0">
-                <a:latin typeface="Courier New" pitchFamily="49" charset="0"/>
-                <a:cs typeface="Courier New" pitchFamily="49" charset="0"/>
-              </a:rPr>
-              <a:t>configuration&gt;</a:t>
-            </a:r>
-          </a:p>
-          <a:p>
-            <a:pPr marL="0" indent="0">
-              <a:buNone/>
-            </a:pPr>
-            <a:r>
-              <a:rPr lang="en-US" sz="1400" dirty="0" smtClean="0">
-                <a:latin typeface="Courier New" pitchFamily="49" charset="0"/>
-                <a:cs typeface="Courier New" pitchFamily="49" charset="0"/>
-              </a:rPr>
-              <a:t>    &lt;</a:t>
-            </a:r>
-            <a:r>
-              <a:rPr lang="en-US" sz="1400" dirty="0">
-                <a:latin typeface="Courier New" pitchFamily="49" charset="0"/>
-                <a:cs typeface="Courier New" pitchFamily="49" charset="0"/>
-              </a:rPr>
-              <a:t>runtime&gt;</a:t>
-            </a:r>
-          </a:p>
-          <a:p>
-            <a:pPr marL="0" indent="0">
-              <a:buNone/>
-            </a:pPr>
-            <a:r>
-              <a:rPr lang="en-US" sz="1400" dirty="0" smtClean="0">
-                <a:latin typeface="Courier New" pitchFamily="49" charset="0"/>
-                <a:cs typeface="Courier New" pitchFamily="49" charset="0"/>
-              </a:rPr>
-              <a:t>        &lt;</a:t>
-            </a:r>
-            <a:r>
-              <a:rPr lang="en-US" sz="1400" dirty="0" err="1">
-                <a:latin typeface="Courier New" pitchFamily="49" charset="0"/>
-                <a:cs typeface="Courier New" pitchFamily="49" charset="0"/>
-              </a:rPr>
-              <a:t>assemblyBinding</a:t>
-            </a:r>
-            <a:r>
-              <a:rPr lang="en-US" sz="1400" dirty="0">
-                <a:latin typeface="Courier New" pitchFamily="49" charset="0"/>
-                <a:cs typeface="Courier New" pitchFamily="49" charset="0"/>
-              </a:rPr>
-              <a:t> </a:t>
-            </a:r>
-            <a:r>
-              <a:rPr lang="en-US" sz="1400" dirty="0" err="1">
-                <a:latin typeface="Courier New" pitchFamily="49" charset="0"/>
-                <a:cs typeface="Courier New" pitchFamily="49" charset="0"/>
-              </a:rPr>
-              <a:t>xmlns</a:t>
-            </a:r>
-            <a:r>
-              <a:rPr lang="en-US" sz="1400" dirty="0">
-                <a:latin typeface="Courier New" pitchFamily="49" charset="0"/>
-                <a:cs typeface="Courier New" pitchFamily="49" charset="0"/>
-              </a:rPr>
-              <a:t>="urn:schemas-microsoft-com:asm.v1"&gt;</a:t>
-            </a:r>
-          </a:p>
-          <a:p>
-            <a:pPr marL="0" indent="0">
-              <a:buNone/>
-            </a:pPr>
-            <a:r>
-              <a:rPr lang="en-US" sz="1400" dirty="0" smtClean="0">
-                <a:latin typeface="Courier New" pitchFamily="49" charset="0"/>
-                <a:cs typeface="Courier New" pitchFamily="49" charset="0"/>
-              </a:rPr>
-              <a:t>            </a:t>
-            </a:r>
-            <a:r>
-              <a:rPr lang="en-US" sz="1600" dirty="0" smtClean="0">
-                <a:solidFill>
-                  <a:srgbClr val="92D050"/>
-                </a:solidFill>
-                <a:latin typeface="Courier New" pitchFamily="49" charset="0"/>
-                <a:cs typeface="Courier New" pitchFamily="49" charset="0"/>
-              </a:rPr>
-              <a:t>&lt;</a:t>
-            </a:r>
-            <a:r>
-              <a:rPr lang="en-US" sz="1600" dirty="0">
-                <a:solidFill>
-                  <a:srgbClr val="92D050"/>
-                </a:solidFill>
-                <a:latin typeface="Courier New" pitchFamily="49" charset="0"/>
-                <a:cs typeface="Courier New" pitchFamily="49" charset="0"/>
-              </a:rPr>
-              <a:t>probing </a:t>
-            </a:r>
-            <a:r>
-              <a:rPr lang="en-US" sz="1600" dirty="0" err="1">
-                <a:solidFill>
-                  <a:srgbClr val="92D050"/>
-                </a:solidFill>
-                <a:latin typeface="Courier New" pitchFamily="49" charset="0"/>
-                <a:cs typeface="Courier New" pitchFamily="49" charset="0"/>
-              </a:rPr>
-              <a:t>privatePath</a:t>
-            </a:r>
-            <a:r>
-              <a:rPr lang="en-US" sz="1600" dirty="0">
-                <a:solidFill>
-                  <a:srgbClr val="92D050"/>
-                </a:solidFill>
-                <a:latin typeface="Courier New" pitchFamily="49" charset="0"/>
-                <a:cs typeface="Courier New" pitchFamily="49" charset="0"/>
-              </a:rPr>
-              <a:t>="privatePath1;privatePath2"/&gt;</a:t>
-            </a:r>
-          </a:p>
-          <a:p>
-            <a:pPr marL="0" indent="0">
-              <a:buNone/>
-            </a:pPr>
-            <a:r>
-              <a:rPr lang="en-US" sz="1400" dirty="0" smtClean="0">
-                <a:latin typeface="Courier New" pitchFamily="49" charset="0"/>
-                <a:cs typeface="Courier New" pitchFamily="49" charset="0"/>
-              </a:rPr>
-              <a:t>        &lt;/</a:t>
-            </a:r>
-            <a:r>
-              <a:rPr lang="en-US" sz="1400" dirty="0" err="1">
-                <a:latin typeface="Courier New" pitchFamily="49" charset="0"/>
-                <a:cs typeface="Courier New" pitchFamily="49" charset="0"/>
-              </a:rPr>
-              <a:t>assemblyBinding</a:t>
-            </a:r>
-            <a:r>
-              <a:rPr lang="en-US" sz="1400" dirty="0">
-                <a:latin typeface="Courier New" pitchFamily="49" charset="0"/>
-                <a:cs typeface="Courier New" pitchFamily="49" charset="0"/>
-              </a:rPr>
-              <a:t>&gt;</a:t>
-            </a:r>
-          </a:p>
-          <a:p>
-            <a:pPr marL="0" indent="0">
-              <a:buNone/>
-            </a:pPr>
-            <a:r>
-              <a:rPr lang="en-US" sz="1400" dirty="0" smtClean="0">
-                <a:latin typeface="Courier New" pitchFamily="49" charset="0"/>
-                <a:cs typeface="Courier New" pitchFamily="49" charset="0"/>
-              </a:rPr>
-              <a:t>    &lt;/</a:t>
-            </a:r>
-            <a:r>
-              <a:rPr lang="en-US" sz="1400" dirty="0">
-                <a:latin typeface="Courier New" pitchFamily="49" charset="0"/>
-                <a:cs typeface="Courier New" pitchFamily="49" charset="0"/>
-              </a:rPr>
-              <a:t>runtime&gt;</a:t>
-            </a:r>
-          </a:p>
-          <a:p>
-            <a:pPr marL="0" indent="0">
-              <a:buNone/>
-            </a:pPr>
-            <a:r>
-              <a:rPr lang="en-US" sz="1400" dirty="0">
-                <a:latin typeface="Courier New" pitchFamily="49" charset="0"/>
-                <a:cs typeface="Courier New" pitchFamily="49" charset="0"/>
-              </a:rPr>
-              <a:t>&lt;/configuration&gt;</a:t>
-            </a:r>
-          </a:p>
-          <a:p>
-            <a:pPr marL="0" indent="0">
-              <a:buNone/>
-            </a:pPr>
-            <a:endParaRPr lang="ru-RU" sz="1400" dirty="0"/>
-          </a:p>
-        </p:txBody>
-      </p:sp>
-      <p:sp>
-        <p:nvSpPr>
-          <p:cNvPr id="4" name="Title 1"/>
-          <p:cNvSpPr txBox="1">
-            <a:spLocks/>
-          </p:cNvSpPr>
-          <p:nvPr/>
-        </p:nvSpPr>
-        <p:spPr>
-          <a:xfrm>
-            <a:off x="457200" y="3798168"/>
-            <a:ext cx="8229600" cy="1143000"/>
-          </a:xfrm>
-          <a:prstGeom prst="rect">
-            <a:avLst/>
-          </a:prstGeom>
-        </p:spPr>
-        <p:txBody>
-          <a:bodyPr vert="horz" lIns="91440" tIns="45720" rIns="91440" bIns="45720" rtlCol="0" anchor="ctr">
-            <a:normAutofit/>
-          </a:bodyPr>
-          <a:lstStyle>
-            <a:lvl1pPr algn="ctr" defTabSz="914400" rtl="0" eaLnBrk="1" latinLnBrk="0" hangingPunct="1">
-              <a:spcBef>
-                <a:spcPct val="0"/>
-              </a:spcBef>
-              <a:buNone/>
-              <a:defRPr sz="4400" kern="1200">
-                <a:solidFill>
-                  <a:schemeClr val="tx1"/>
-                </a:solidFill>
-                <a:latin typeface="+mj-lt"/>
-                <a:ea typeface="+mj-ea"/>
-                <a:cs typeface="+mj-cs"/>
-              </a:defRPr>
-            </a:lvl1pPr>
-          </a:lstStyle>
-          <a:p>
             <a:r>
               <a:rPr lang="en-US" dirty="0" err="1" smtClean="0"/>
-              <a:t>Machine.config</a:t>
-            </a:r>
+              <a:t>AppBase</a:t>
+            </a:r>
+            <a:r>
+              <a:rPr lang="en-US" dirty="0" smtClean="0"/>
+              <a:t>\AsmName.dll</a:t>
+            </a:r>
+          </a:p>
+          <a:p>
+            <a:r>
+              <a:rPr lang="en-US" dirty="0" err="1" smtClean="0"/>
+              <a:t>AppBase</a:t>
+            </a:r>
+            <a:r>
+              <a:rPr lang="en-US" dirty="0" smtClean="0"/>
+              <a:t>\</a:t>
+            </a:r>
+            <a:r>
+              <a:rPr lang="en-US" dirty="0" err="1" smtClean="0"/>
+              <a:t>AsmName</a:t>
+            </a:r>
+            <a:r>
+              <a:rPr lang="en-US" dirty="0" smtClean="0"/>
+              <a:t>\AsmName.dll</a:t>
+            </a:r>
+            <a:endParaRPr lang="en-US" dirty="0"/>
+          </a:p>
+          <a:p>
+            <a:r>
+              <a:rPr lang="en-US" dirty="0" err="1" smtClean="0"/>
+              <a:t>AppBase</a:t>
+            </a:r>
+            <a:r>
+              <a:rPr lang="en-US" dirty="0" smtClean="0"/>
+              <a:t>\privatePath1\</a:t>
+            </a:r>
+            <a:r>
+              <a:rPr lang="en-US" dirty="0" err="1" smtClean="0"/>
+              <a:t>AsmName</a:t>
+            </a:r>
+            <a:r>
+              <a:rPr lang="en-US" dirty="0" smtClean="0"/>
+              <a:t>. </a:t>
+            </a:r>
+            <a:r>
+              <a:rPr lang="en-US" dirty="0" err="1"/>
+              <a:t>dll</a:t>
+            </a:r>
+            <a:endParaRPr lang="en-US" dirty="0"/>
+          </a:p>
+          <a:p>
+            <a:r>
+              <a:rPr lang="en-US" dirty="0" err="1" smtClean="0"/>
+              <a:t>AppBase</a:t>
+            </a:r>
+            <a:r>
+              <a:rPr lang="en-US" dirty="0" smtClean="0"/>
+              <a:t>\privatePath1\</a:t>
+            </a:r>
+            <a:r>
+              <a:rPr lang="en-US" dirty="0" err="1" smtClean="0"/>
+              <a:t>AsmName</a:t>
+            </a:r>
+            <a:r>
+              <a:rPr lang="en-US" dirty="0" smtClean="0"/>
+              <a:t>\AsmName.dll</a:t>
+            </a:r>
+            <a:endParaRPr lang="en-US" dirty="0"/>
+          </a:p>
+          <a:p>
+            <a:r>
+              <a:rPr lang="en-US" dirty="0" err="1" smtClean="0"/>
+              <a:t>AppBase</a:t>
+            </a:r>
+            <a:r>
+              <a:rPr lang="en-US" dirty="0" smtClean="0"/>
+              <a:t>\privatePath2\AsmName.dll</a:t>
+            </a:r>
+            <a:endParaRPr lang="en-US" dirty="0"/>
+          </a:p>
+          <a:p>
+            <a:r>
+              <a:rPr lang="en-US" dirty="0" err="1" smtClean="0"/>
+              <a:t>AppBase</a:t>
+            </a:r>
+            <a:r>
+              <a:rPr lang="en-US" dirty="0" smtClean="0"/>
+              <a:t>\privatePath2\</a:t>
+            </a:r>
+            <a:r>
+              <a:rPr lang="en-US" dirty="0" err="1" smtClean="0"/>
+              <a:t>AsmName</a:t>
+            </a:r>
+            <a:r>
+              <a:rPr lang="en-US" dirty="0" smtClean="0"/>
+              <a:t>\AsmName.dll</a:t>
+            </a:r>
+          </a:p>
+          <a:p>
+            <a:endParaRPr lang="en-US" dirty="0" smtClean="0"/>
+          </a:p>
+          <a:p>
+            <a:r>
+              <a:rPr lang="en-US" dirty="0" err="1" smtClean="0"/>
+              <a:t>AppBase</a:t>
+            </a:r>
+            <a:r>
+              <a:rPr lang="en-US" dirty="0" smtClean="0"/>
+              <a:t>\en-US\AsmName.dll</a:t>
+            </a:r>
+            <a:endParaRPr lang="en-US" dirty="0"/>
+          </a:p>
+          <a:p>
+            <a:r>
+              <a:rPr lang="en-US" dirty="0" err="1" smtClean="0"/>
+              <a:t>AppBase</a:t>
+            </a:r>
+            <a:r>
+              <a:rPr lang="en-US" dirty="0" smtClean="0"/>
+              <a:t>\</a:t>
+            </a:r>
+            <a:r>
+              <a:rPr lang="en-US" dirty="0"/>
+              <a:t>en-US\</a:t>
+            </a:r>
+            <a:r>
+              <a:rPr lang="en-US" dirty="0" err="1" smtClean="0"/>
+              <a:t>AsmName</a:t>
+            </a:r>
+            <a:r>
+              <a:rPr lang="en-US" dirty="0" smtClean="0"/>
+              <a:t>\AsmName.dll</a:t>
+            </a:r>
+            <a:endParaRPr lang="en-US" dirty="0"/>
+          </a:p>
+          <a:p>
+            <a:r>
+              <a:rPr lang="en-US" dirty="0" err="1" smtClean="0"/>
+              <a:t>AppBase</a:t>
+            </a:r>
+            <a:r>
+              <a:rPr lang="en-US" dirty="0" smtClean="0"/>
+              <a:t>\</a:t>
+            </a:r>
+            <a:r>
+              <a:rPr lang="en-US" dirty="0"/>
+              <a:t>en-US\</a:t>
+            </a:r>
+            <a:r>
+              <a:rPr lang="en-US" dirty="0" smtClean="0"/>
+              <a:t>privatePath1\</a:t>
+            </a:r>
+            <a:r>
+              <a:rPr lang="en-US" dirty="0" err="1" smtClean="0"/>
+              <a:t>AsmName</a:t>
+            </a:r>
+            <a:r>
+              <a:rPr lang="en-US" dirty="0"/>
+              <a:t>. </a:t>
+            </a:r>
+            <a:r>
+              <a:rPr lang="en-US" dirty="0" err="1"/>
+              <a:t>dll</a:t>
+            </a:r>
+            <a:endParaRPr lang="en-US" dirty="0"/>
+          </a:p>
+          <a:p>
+            <a:r>
+              <a:rPr lang="en-US" dirty="0" err="1" smtClean="0"/>
+              <a:t>AppBase</a:t>
+            </a:r>
+            <a:r>
+              <a:rPr lang="en-US" dirty="0" smtClean="0"/>
+              <a:t>\</a:t>
+            </a:r>
+            <a:r>
+              <a:rPr lang="en-US" dirty="0"/>
+              <a:t>en-US\</a:t>
+            </a:r>
+            <a:r>
+              <a:rPr lang="en-US" dirty="0" smtClean="0"/>
+              <a:t>privatePath1\</a:t>
+            </a:r>
+            <a:r>
+              <a:rPr lang="en-US" dirty="0" err="1" smtClean="0"/>
+              <a:t>AsmName</a:t>
+            </a:r>
+            <a:r>
+              <a:rPr lang="en-US" dirty="0" smtClean="0"/>
+              <a:t>\AsmName.dll</a:t>
+            </a:r>
+            <a:endParaRPr lang="en-US" dirty="0"/>
+          </a:p>
+          <a:p>
+            <a:r>
+              <a:rPr lang="en-US" dirty="0" err="1" smtClean="0"/>
+              <a:t>AppBase</a:t>
+            </a:r>
+            <a:r>
+              <a:rPr lang="en-US" dirty="0" smtClean="0"/>
+              <a:t>\</a:t>
+            </a:r>
+            <a:r>
+              <a:rPr lang="en-US" dirty="0"/>
+              <a:t>en-US\</a:t>
+            </a:r>
+            <a:r>
+              <a:rPr lang="en-US" dirty="0" smtClean="0"/>
+              <a:t>privatePath2\AsmName.dll</a:t>
+            </a:r>
+            <a:endParaRPr lang="en-US" dirty="0"/>
+          </a:p>
+          <a:p>
+            <a:r>
+              <a:rPr lang="en-US" dirty="0" err="1" smtClean="0"/>
+              <a:t>AppBase</a:t>
+            </a:r>
+            <a:r>
+              <a:rPr lang="en-US" dirty="0" smtClean="0"/>
+              <a:t>\</a:t>
+            </a:r>
+            <a:r>
+              <a:rPr lang="en-US" dirty="0"/>
+              <a:t>en-US\</a:t>
+            </a:r>
+            <a:r>
+              <a:rPr lang="en-US" dirty="0" smtClean="0"/>
+              <a:t>privatePath2\</a:t>
+            </a:r>
+            <a:r>
+              <a:rPr lang="en-US" dirty="0" err="1" smtClean="0"/>
+              <a:t>AsmName</a:t>
+            </a:r>
+            <a:r>
+              <a:rPr lang="en-US" dirty="0" smtClean="0"/>
+              <a:t>\</a:t>
+            </a:r>
+            <a:r>
+              <a:rPr lang="en-US" dirty="0" err="1" smtClean="0"/>
+              <a:t>AsmName</a:t>
+            </a:r>
+            <a:r>
+              <a:rPr lang="en-US" dirty="0"/>
+              <a:t>.</a:t>
+            </a:r>
+            <a:endParaRPr lang="en-US" dirty="0" smtClean="0"/>
+          </a:p>
+          <a:p>
             <a:endParaRPr lang="ru-RU" dirty="0"/>
-          </a:p>
-        </p:txBody>
-      </p:sp>
-      <p:sp>
-        <p:nvSpPr>
-          <p:cNvPr id="5" name="TextBox 4"/>
-          <p:cNvSpPr txBox="1"/>
-          <p:nvPr/>
-        </p:nvSpPr>
-        <p:spPr>
-          <a:xfrm>
-            <a:off x="457200" y="5085184"/>
-            <a:ext cx="8229600" cy="523220"/>
-          </a:xfrm>
-          <a:prstGeom prst="rect">
-            <a:avLst/>
-          </a:prstGeom>
-          <a:noFill/>
-        </p:spPr>
-        <p:txBody>
-          <a:bodyPr wrap="square" rtlCol="0">
-            <a:spAutoFit/>
-          </a:bodyPr>
-          <a:lstStyle/>
-          <a:p>
-            <a:r>
-              <a:rPr lang="ru-RU" sz="2800" dirty="0" smtClean="0"/>
-              <a:t>%</a:t>
-            </a:r>
-            <a:r>
-              <a:rPr lang="en-US" sz="2800" dirty="0" err="1" smtClean="0"/>
-              <a:t>windir</a:t>
-            </a:r>
-            <a:r>
-              <a:rPr lang="en-US" sz="2800" dirty="0" smtClean="0"/>
-              <a:t>%\Microsoft.NET\Framework\</a:t>
-            </a:r>
-            <a:r>
-              <a:rPr lang="en-US" sz="2800" dirty="0" err="1" smtClean="0"/>
-              <a:t>x.y.z</a:t>
-            </a:r>
-            <a:r>
-              <a:rPr lang="en-US" sz="2800" dirty="0" smtClean="0"/>
-              <a:t>\CONFIG</a:t>
-            </a:r>
-            <a:endParaRPr lang="ru-RU" sz="2800" dirty="0" smtClean="0"/>
           </a:p>
         </p:txBody>
       </p:sp>
     </p:spTree>
     <p:extLst>
       <p:ext uri="{BB962C8B-B14F-4D97-AF65-F5344CB8AC3E}">
-        <p14:creationId xmlns:p14="http://schemas.microsoft.com/office/powerpoint/2010/main" val="4163857979"/>
+        <p14:creationId xmlns:p14="http://schemas.microsoft.com/office/powerpoint/2010/main" val="426700887"/>
       </p:ext>
     </p:extLst>
   </p:cSld>
@@ -11471,14 +11272,12 @@
         </p:nvSpPr>
         <p:spPr/>
         <p:txBody>
-          <a:bodyPr>
-            <a:normAutofit fontScale="90000"/>
-          </a:bodyPr>
+          <a:bodyPr/>
           <a:lstStyle/>
           <a:p>
             <a:r>
-              <a:rPr lang="en-US" dirty="0"/>
-              <a:t>Fuslogvw.exe (Assembly Binding Log Viewer)</a:t>
+              <a:rPr lang="en-US" dirty="0" err="1" smtClean="0"/>
+              <a:t>App.config</a:t>
             </a:r>
             <a:endParaRPr lang="ru-RU" dirty="0"/>
           </a:p>
@@ -11494,10 +11293,15 @@
             <p:ph idx="1"/>
           </p:nvPr>
         </p:nvSpPr>
-        <p:spPr/>
+        <p:spPr>
+          <a:xfrm>
+            <a:off x="457200" y="1600201"/>
+            <a:ext cx="8229600" cy="2332856"/>
+          </a:xfrm>
+        </p:spPr>
         <p:txBody>
           <a:bodyPr>
-            <a:normAutofit fontScale="92500" lnSpcReduction="20000"/>
+            <a:normAutofit/>
           </a:bodyPr>
           <a:lstStyle/>
           <a:p>
@@ -11505,99 +11309,304 @@
               <a:buNone/>
             </a:pPr>
             <a:r>
-              <a:rPr lang="ru-RU" dirty="0" smtClean="0"/>
-              <a:t>Диагностика проблем с загрузкой сборок. </a:t>
-            </a:r>
-            <a:r>
-              <a:rPr lang="ru-RU" smtClean="0"/>
-              <a:t>Является частью </a:t>
-            </a:r>
-            <a:r>
-              <a:rPr lang="en-US" dirty="0" smtClean="0"/>
-              <a:t>Windows SDK</a:t>
-            </a:r>
-            <a:r>
-              <a:rPr lang="ru-RU" dirty="0" smtClean="0"/>
-              <a:t>.</a:t>
+              <a:rPr lang="en-US" sz="1400" dirty="0">
+                <a:latin typeface="Courier New" pitchFamily="49" charset="0"/>
+                <a:cs typeface="Courier New" pitchFamily="49" charset="0"/>
+              </a:rPr>
+              <a:t>&lt;?xml version="1.0"?&gt;</a:t>
             </a:r>
           </a:p>
           <a:p>
             <a:pPr marL="0" indent="0">
               <a:buNone/>
             </a:pPr>
-            <a:endParaRPr lang="ru-RU" dirty="0" smtClean="0"/>
-          </a:p>
-          <a:p>
-            <a:r>
-              <a:rPr lang="en-US" dirty="0" smtClean="0"/>
-              <a:t>HKLM\Software\Microsoft\Fusion</a:t>
-            </a:r>
-            <a:endParaRPr lang="ru-RU" dirty="0" smtClean="0"/>
-          </a:p>
-          <a:p>
-            <a:pPr lvl="1"/>
-            <a:r>
-              <a:rPr lang="en-US" dirty="0" err="1"/>
-              <a:t>ForceLog</a:t>
-            </a:r>
-            <a:r>
-              <a:rPr lang="en-US" dirty="0"/>
-              <a:t> </a:t>
-            </a:r>
-            <a:r>
-              <a:rPr lang="ru-RU" dirty="0" smtClean="0"/>
-              <a:t>= 1</a:t>
-            </a:r>
-          </a:p>
-          <a:p>
-            <a:pPr lvl="1"/>
-            <a:r>
-              <a:rPr lang="en-US" dirty="0" err="1" smtClean="0"/>
-              <a:t>LogPath</a:t>
-            </a:r>
-            <a:r>
-              <a:rPr lang="ru-RU" dirty="0" smtClean="0"/>
-              <a:t> – путь к существующей папке для протоколирования</a:t>
+            <a:r>
+              <a:rPr lang="en-US" sz="1400" dirty="0" smtClean="0">
+                <a:latin typeface="Courier New" pitchFamily="49" charset="0"/>
+                <a:cs typeface="Courier New" pitchFamily="49" charset="0"/>
+              </a:rPr>
+              <a:t>&lt;</a:t>
+            </a:r>
+            <a:r>
+              <a:rPr lang="en-US" sz="1400" dirty="0">
+                <a:latin typeface="Courier New" pitchFamily="49" charset="0"/>
+                <a:cs typeface="Courier New" pitchFamily="49" charset="0"/>
+              </a:rPr>
+              <a:t>configuration&gt;</a:t>
             </a:r>
           </a:p>
           <a:p>
             <a:pPr marL="0" indent="0">
               <a:buNone/>
             </a:pPr>
-            <a:endParaRPr lang="ru-RU" dirty="0" smtClean="0">
-              <a:hlinkClick r:id="rId2"/>
-            </a:endParaRPr>
+            <a:r>
+              <a:rPr lang="en-US" sz="1400" dirty="0" smtClean="0">
+                <a:latin typeface="Courier New" pitchFamily="49" charset="0"/>
+                <a:cs typeface="Courier New" pitchFamily="49" charset="0"/>
+              </a:rPr>
+              <a:t>    &lt;</a:t>
+            </a:r>
+            <a:r>
+              <a:rPr lang="en-US" sz="1400" dirty="0">
+                <a:latin typeface="Courier New" pitchFamily="49" charset="0"/>
+                <a:cs typeface="Courier New" pitchFamily="49" charset="0"/>
+              </a:rPr>
+              <a:t>runtime&gt;</a:t>
+            </a:r>
           </a:p>
           <a:p>
             <a:pPr marL="0" indent="0">
               <a:buNone/>
             </a:pPr>
             <a:r>
-              <a:rPr lang="en-US" dirty="0" smtClean="0">
-                <a:hlinkClick r:id="rId2"/>
-              </a:rPr>
-              <a:t>http</a:t>
-            </a:r>
-            <a:r>
-              <a:rPr lang="en-US" dirty="0">
-                <a:hlinkClick r:id="rId2"/>
-              </a:rPr>
-              <a:t>://</a:t>
-            </a:r>
-            <a:r>
-              <a:rPr lang="en-US" dirty="0" smtClean="0">
-                <a:hlinkClick r:id="rId2"/>
-              </a:rPr>
-              <a:t>msdn.microsoft.com/en-us/library/e74a18c4%28v=vs.110%29.aspx</a:t>
+              <a:rPr lang="en-US" sz="1400" dirty="0" smtClean="0">
+                <a:latin typeface="Courier New" pitchFamily="49" charset="0"/>
+                <a:cs typeface="Courier New" pitchFamily="49" charset="0"/>
+              </a:rPr>
+              <a:t>        &lt;</a:t>
+            </a:r>
+            <a:r>
+              <a:rPr lang="en-US" sz="1400" dirty="0" err="1">
+                <a:latin typeface="Courier New" pitchFamily="49" charset="0"/>
+                <a:cs typeface="Courier New" pitchFamily="49" charset="0"/>
+              </a:rPr>
+              <a:t>assemblyBinding</a:t>
+            </a:r>
+            <a:r>
+              <a:rPr lang="en-US" sz="1400" dirty="0">
+                <a:latin typeface="Courier New" pitchFamily="49" charset="0"/>
+                <a:cs typeface="Courier New" pitchFamily="49" charset="0"/>
+              </a:rPr>
+              <a:t> </a:t>
+            </a:r>
+            <a:r>
+              <a:rPr lang="en-US" sz="1400" dirty="0" err="1">
+                <a:latin typeface="Courier New" pitchFamily="49" charset="0"/>
+                <a:cs typeface="Courier New" pitchFamily="49" charset="0"/>
+              </a:rPr>
+              <a:t>xmlns</a:t>
+            </a:r>
+            <a:r>
+              <a:rPr lang="en-US" sz="1400" dirty="0">
+                <a:latin typeface="Courier New" pitchFamily="49" charset="0"/>
+                <a:cs typeface="Courier New" pitchFamily="49" charset="0"/>
+              </a:rPr>
+              <a:t>="urn:schemas-microsoft-com:asm.v1"&gt;</a:t>
+            </a:r>
+          </a:p>
+          <a:p>
+            <a:pPr marL="0" indent="0">
+              <a:buNone/>
+            </a:pPr>
+            <a:r>
+              <a:rPr lang="en-US" sz="1400" dirty="0" smtClean="0">
+                <a:latin typeface="Courier New" pitchFamily="49" charset="0"/>
+                <a:cs typeface="Courier New" pitchFamily="49" charset="0"/>
+              </a:rPr>
+              <a:t>            </a:t>
+            </a:r>
+            <a:r>
+              <a:rPr lang="en-US" sz="1600" dirty="0" smtClean="0">
+                <a:solidFill>
+                  <a:srgbClr val="92D050"/>
+                </a:solidFill>
+                <a:latin typeface="Courier New" pitchFamily="49" charset="0"/>
+                <a:cs typeface="Courier New" pitchFamily="49" charset="0"/>
+              </a:rPr>
+              <a:t>&lt;</a:t>
+            </a:r>
+            <a:r>
+              <a:rPr lang="en-US" sz="1600" dirty="0">
+                <a:solidFill>
+                  <a:srgbClr val="92D050"/>
+                </a:solidFill>
+                <a:latin typeface="Courier New" pitchFamily="49" charset="0"/>
+                <a:cs typeface="Courier New" pitchFamily="49" charset="0"/>
+              </a:rPr>
+              <a:t>probing </a:t>
+            </a:r>
+            <a:r>
+              <a:rPr lang="en-US" sz="1600" dirty="0" err="1">
+                <a:solidFill>
+                  <a:srgbClr val="92D050"/>
+                </a:solidFill>
+                <a:latin typeface="Courier New" pitchFamily="49" charset="0"/>
+                <a:cs typeface="Courier New" pitchFamily="49" charset="0"/>
+              </a:rPr>
+              <a:t>privatePath</a:t>
+            </a:r>
+            <a:r>
+              <a:rPr lang="en-US" sz="1600" dirty="0">
+                <a:solidFill>
+                  <a:srgbClr val="92D050"/>
+                </a:solidFill>
+                <a:latin typeface="Courier New" pitchFamily="49" charset="0"/>
+                <a:cs typeface="Courier New" pitchFamily="49" charset="0"/>
+              </a:rPr>
+              <a:t>="privatePath1;privatePath2"/&gt;</a:t>
+            </a:r>
+          </a:p>
+          <a:p>
+            <a:pPr marL="0" indent="0">
+              <a:buNone/>
+            </a:pPr>
+            <a:r>
+              <a:rPr lang="en-US" sz="1400" dirty="0" smtClean="0">
+                <a:latin typeface="Courier New" pitchFamily="49" charset="0"/>
+                <a:cs typeface="Courier New" pitchFamily="49" charset="0"/>
+              </a:rPr>
+              <a:t>        &lt;/</a:t>
+            </a:r>
+            <a:r>
+              <a:rPr lang="en-US" sz="1400" dirty="0" err="1">
+                <a:latin typeface="Courier New" pitchFamily="49" charset="0"/>
+                <a:cs typeface="Courier New" pitchFamily="49" charset="0"/>
+              </a:rPr>
+              <a:t>assemblyBinding</a:t>
+            </a:r>
+            <a:r>
+              <a:rPr lang="en-US" sz="1400" dirty="0">
+                <a:latin typeface="Courier New" pitchFamily="49" charset="0"/>
+                <a:cs typeface="Courier New" pitchFamily="49" charset="0"/>
+              </a:rPr>
+              <a:t>&gt;</a:t>
+            </a:r>
+          </a:p>
+          <a:p>
+            <a:pPr marL="0" indent="0">
+              <a:buNone/>
+            </a:pPr>
+            <a:r>
+              <a:rPr lang="en-US" sz="1400" dirty="0" smtClean="0">
+                <a:latin typeface="Courier New" pitchFamily="49" charset="0"/>
+                <a:cs typeface="Courier New" pitchFamily="49" charset="0"/>
+              </a:rPr>
+              <a:t>    &lt;/</a:t>
+            </a:r>
+            <a:r>
+              <a:rPr lang="en-US" sz="1400" dirty="0">
+                <a:latin typeface="Courier New" pitchFamily="49" charset="0"/>
+                <a:cs typeface="Courier New" pitchFamily="49" charset="0"/>
+              </a:rPr>
+              <a:t>runtime&gt;</a:t>
+            </a:r>
+          </a:p>
+          <a:p>
+            <a:pPr marL="0" indent="0">
+              <a:buNone/>
+            </a:pPr>
+            <a:r>
+              <a:rPr lang="en-US" sz="1400" dirty="0">
+                <a:latin typeface="Courier New" pitchFamily="49" charset="0"/>
+                <a:cs typeface="Courier New" pitchFamily="49" charset="0"/>
+              </a:rPr>
+              <a:t>&lt;/configuration&gt;</a:t>
+            </a:r>
+          </a:p>
+          <a:p>
+            <a:pPr marL="0" indent="0">
+              <a:buNone/>
+            </a:pPr>
+            <a:endParaRPr lang="ru-RU" sz="1400" dirty="0"/>
+          </a:p>
+        </p:txBody>
+      </p:sp>
+      <p:sp>
+        <p:nvSpPr>
+          <p:cNvPr id="4" name="Title 1"/>
+          <p:cNvSpPr txBox="1">
+            <a:spLocks/>
+          </p:cNvSpPr>
+          <p:nvPr/>
+        </p:nvSpPr>
+        <p:spPr>
+          <a:xfrm>
+            <a:off x="457200" y="3798168"/>
+            <a:ext cx="8229600" cy="1143000"/>
+          </a:xfrm>
+          <a:prstGeom prst="rect">
+            <a:avLst/>
+          </a:prstGeom>
+        </p:spPr>
+        <p:txBody>
+          <a:bodyPr vert="horz" lIns="91440" tIns="45720" rIns="91440" bIns="45720" rtlCol="0" anchor="ctr">
+            <a:normAutofit/>
+          </a:bodyPr>
+          <a:lstStyle>
+            <a:lvl1pPr algn="ctr" defTabSz="914400" rtl="0" eaLnBrk="1" latinLnBrk="0" hangingPunct="1">
+              <a:spcBef>
+                <a:spcPct val="0"/>
+              </a:spcBef>
+              <a:buNone/>
+              <a:defRPr sz="4400" kern="1200">
+                <a:solidFill>
+                  <a:schemeClr val="tx1"/>
+                </a:solidFill>
+                <a:latin typeface="+mj-lt"/>
+                <a:ea typeface="+mj-ea"/>
+                <a:cs typeface="+mj-cs"/>
+              </a:defRPr>
+            </a:lvl1pPr>
+          </a:lstStyle>
+          <a:p>
+            <a:r>
+              <a:rPr lang="en-US" dirty="0" err="1" smtClean="0"/>
+              <a:t>Machine.config</a:t>
             </a:r>
             <a:endParaRPr lang="ru-RU" dirty="0"/>
+          </a:p>
+        </p:txBody>
+      </p:sp>
+      <p:sp>
+        <p:nvSpPr>
+          <p:cNvPr id="5" name="TextBox 4"/>
+          <p:cNvSpPr txBox="1"/>
+          <p:nvPr/>
+        </p:nvSpPr>
+        <p:spPr>
+          <a:xfrm>
+            <a:off x="457200" y="5085184"/>
+            <a:ext cx="8229600" cy="523220"/>
+          </a:xfrm>
+          <a:prstGeom prst="rect">
+            <a:avLst/>
+          </a:prstGeom>
+          <a:noFill/>
+        </p:spPr>
+        <p:txBody>
+          <a:bodyPr wrap="square" rtlCol="0">
+            <a:spAutoFit/>
+          </a:bodyPr>
+          <a:lstStyle/>
+          <a:p>
+            <a:r>
+              <a:rPr lang="ru-RU" sz="2800" dirty="0" smtClean="0"/>
+              <a:t>%</a:t>
+            </a:r>
+            <a:r>
+              <a:rPr lang="en-US" sz="2800" dirty="0" err="1" smtClean="0"/>
+              <a:t>windir</a:t>
+            </a:r>
+            <a:r>
+              <a:rPr lang="en-US" sz="2800" dirty="0" smtClean="0"/>
+              <a:t>%\Microsoft.NET\Framework\</a:t>
+            </a:r>
+            <a:r>
+              <a:rPr lang="en-US" sz="2800" dirty="0" err="1" smtClean="0"/>
+              <a:t>x.y.z</a:t>
+            </a:r>
+            <a:r>
+              <a:rPr lang="en-US" sz="2800" dirty="0" smtClean="0"/>
+              <a:t>\CONFIG</a:t>
+            </a:r>
+            <a:endParaRPr lang="ru-RU" sz="2800" dirty="0" smtClean="0"/>
           </a:p>
         </p:txBody>
       </p:sp>
     </p:spTree>
     <p:extLst>
       <p:ext uri="{BB962C8B-B14F-4D97-AF65-F5344CB8AC3E}">
-        <p14:creationId xmlns:p14="http://schemas.microsoft.com/office/powerpoint/2010/main" val="3803663968"/>
+        <p14:creationId xmlns:p14="http://schemas.microsoft.com/office/powerpoint/2010/main" val="4163857979"/>
       </p:ext>
     </p:extLst>
   </p:cSld>
@@ -11649,16 +11658,8 @@
           <a:lstStyle/>
           <a:p>
             <a:r>
-              <a:rPr lang="ru-RU" dirty="0" smtClean="0"/>
-              <a:t>Строгое имя сборки (</a:t>
-            </a:r>
-            <a:r>
-              <a:rPr lang="en-US" dirty="0" smtClean="0"/>
-              <a:t>strong name</a:t>
-            </a:r>
-            <a:r>
-              <a:rPr lang="ru-RU" dirty="0" smtClean="0"/>
-              <a:t>)</a:t>
+              <a:rPr lang="en-US" dirty="0"/>
+              <a:t>Fuslogvw.exe (Assembly Binding Log Viewer)</a:t>
             </a:r>
             <a:endParaRPr lang="ru-RU" dirty="0"/>
           </a:p>
@@ -11677,7 +11678,7 @@
         <p:spPr/>
         <p:txBody>
           <a:bodyPr>
-            <a:normAutofit fontScale="62500" lnSpcReduction="20000"/>
+            <a:normAutofit fontScale="92500" lnSpcReduction="20000"/>
           </a:bodyPr>
           <a:lstStyle/>
           <a:p>
@@ -11685,232 +11686,91 @@
               <a:buNone/>
             </a:pPr>
             <a:r>
-              <a:rPr lang="ru-RU" dirty="0" smtClean="0">
-                <a:solidFill>
-                  <a:schemeClr val="bg1"/>
-                </a:solidFill>
-              </a:rPr>
-              <a:t>Для задания строгово имени сборки необходимы четыре составляющих:</a:t>
+              <a:rPr lang="ru-RU" dirty="0" smtClean="0"/>
+              <a:t>Диагностика проблем с загрузкой сборок. </a:t>
+            </a:r>
+            <a:r>
+              <a:rPr lang="ru-RU" smtClean="0"/>
+              <a:t>Является частью </a:t>
+            </a:r>
+            <a:r>
+              <a:rPr lang="en-US" dirty="0" smtClean="0"/>
+              <a:t>Windows SDK</a:t>
+            </a:r>
+            <a:r>
+              <a:rPr lang="ru-RU" dirty="0" smtClean="0"/>
+              <a:t>.</a:t>
             </a:r>
           </a:p>
           <a:p>
             <a:pPr marL="0" indent="0">
               <a:buNone/>
             </a:pPr>
-            <a:endParaRPr lang="en-US" dirty="0" smtClean="0">
-              <a:solidFill>
-                <a:schemeClr val="bg1"/>
-              </a:solidFill>
+            <a:endParaRPr lang="ru-RU" dirty="0" smtClean="0"/>
+          </a:p>
+          <a:p>
+            <a:r>
+              <a:rPr lang="en-US" dirty="0" smtClean="0"/>
+              <a:t>HKLM\Software\Microsoft\Fusion</a:t>
+            </a:r>
+            <a:endParaRPr lang="ru-RU" dirty="0" smtClean="0"/>
+          </a:p>
+          <a:p>
+            <a:pPr lvl="1"/>
+            <a:r>
+              <a:rPr lang="en-US" dirty="0" err="1"/>
+              <a:t>ForceLog</a:t>
+            </a:r>
+            <a:r>
+              <a:rPr lang="en-US" dirty="0"/>
+              <a:t> </a:t>
+            </a:r>
+            <a:r>
+              <a:rPr lang="ru-RU" dirty="0" smtClean="0"/>
+              <a:t>= 1</a:t>
+            </a:r>
+          </a:p>
+          <a:p>
+            <a:pPr lvl="1"/>
+            <a:r>
+              <a:rPr lang="en-US" dirty="0" err="1" smtClean="0"/>
+              <a:t>LogPath</a:t>
+            </a:r>
+            <a:r>
+              <a:rPr lang="ru-RU" dirty="0" smtClean="0"/>
+              <a:t> – путь к существующей папке для протоколирования</a:t>
+            </a:r>
+          </a:p>
+          <a:p>
+            <a:pPr marL="0" indent="0">
+              <a:buNone/>
+            </a:pPr>
+            <a:endParaRPr lang="ru-RU" dirty="0" smtClean="0">
+              <a:hlinkClick r:id="rId2"/>
             </a:endParaRPr>
           </a:p>
           <a:p>
-            <a:pPr marL="514350" indent="-514350">
-              <a:buFont typeface="+mj-lt"/>
-              <a:buAutoNum type="arabicPeriod"/>
-            </a:pPr>
-            <a:r>
-              <a:rPr lang="ru-RU" dirty="0" smtClean="0">
-                <a:solidFill>
-                  <a:srgbClr val="FFFF00"/>
-                </a:solidFill>
-              </a:rPr>
-              <a:t>Имя сборки</a:t>
-            </a:r>
-            <a:endParaRPr lang="en-US" dirty="0" smtClean="0">
-              <a:solidFill>
-                <a:srgbClr val="FFFF00"/>
-              </a:solidFill>
-            </a:endParaRPr>
-          </a:p>
-          <a:p>
-            <a:pPr lvl="1"/>
-            <a:r>
-              <a:rPr lang="ru-RU" dirty="0" smtClean="0"/>
-              <a:t>Задается в свойствах проекта</a:t>
-            </a:r>
-          </a:p>
-          <a:p>
-            <a:pPr marL="514350" indent="-514350">
-              <a:buFont typeface="+mj-lt"/>
-              <a:buAutoNum type="arabicPeriod"/>
-            </a:pPr>
-            <a:r>
-              <a:rPr lang="ru-RU" dirty="0" smtClean="0">
-                <a:solidFill>
-                  <a:srgbClr val="FFFF00"/>
-                </a:solidFill>
-              </a:rPr>
-              <a:t>Номер версии сборки</a:t>
-            </a:r>
-          </a:p>
-          <a:p>
-            <a:pPr lvl="1"/>
-            <a:r>
-              <a:rPr lang="ru-RU" dirty="0" smtClean="0"/>
-              <a:t>Атрибут </a:t>
-            </a:r>
-            <a:r>
-              <a:rPr lang="en-US" dirty="0" err="1" smtClean="0"/>
-              <a:t>AssemblyVersion</a:t>
-            </a:r>
-            <a:endParaRPr lang="ru-RU" dirty="0" smtClean="0"/>
-          </a:p>
-          <a:p>
-            <a:pPr marL="514350" indent="-514350">
-              <a:buFont typeface="+mj-lt"/>
-              <a:buAutoNum type="arabicPeriod"/>
-            </a:pPr>
-            <a:r>
-              <a:rPr lang="ru-RU" dirty="0" smtClean="0">
-                <a:solidFill>
-                  <a:srgbClr val="FFFF00"/>
-                </a:solidFill>
-              </a:rPr>
-              <a:t>Культура сборки</a:t>
-            </a:r>
-          </a:p>
-          <a:p>
-            <a:pPr lvl="1"/>
-            <a:r>
-              <a:rPr lang="ru-RU" dirty="0" smtClean="0"/>
-              <a:t>Атрибут </a:t>
-            </a:r>
-            <a:r>
-              <a:rPr lang="en-US" dirty="0" err="1" smtClean="0"/>
-              <a:t>AssemblyCulture</a:t>
-            </a:r>
-            <a:endParaRPr lang="ru-RU" dirty="0" smtClean="0"/>
-          </a:p>
-          <a:p>
-            <a:pPr marL="514350" indent="-514350">
-              <a:buFont typeface="+mj-lt"/>
-              <a:buAutoNum type="arabicPeriod"/>
-            </a:pPr>
-            <a:r>
-              <a:rPr lang="en-US" dirty="0" err="1" smtClean="0">
-                <a:solidFill>
-                  <a:srgbClr val="FFFF00"/>
-                </a:solidFill>
-              </a:rPr>
-              <a:t>PublicKeyToken</a:t>
-            </a:r>
-            <a:endParaRPr lang="ru-RU" dirty="0" smtClean="0">
-              <a:solidFill>
-                <a:srgbClr val="FFFF00"/>
-              </a:solidFill>
-            </a:endParaRPr>
-          </a:p>
-          <a:p>
-            <a:pPr lvl="1"/>
-            <a:r>
-              <a:rPr lang="ru-RU" dirty="0" smtClean="0"/>
-              <a:t>Часть </a:t>
-            </a:r>
-            <a:r>
-              <a:rPr lang="en-US" dirty="0" smtClean="0"/>
-              <a:t>public </a:t>
-            </a:r>
-            <a:r>
-              <a:rPr lang="ru-RU" dirty="0" smtClean="0"/>
-              <a:t>ключа из </a:t>
-            </a:r>
-            <a:r>
-              <a:rPr lang="en-US" dirty="0" err="1" smtClean="0"/>
-              <a:t>snk</a:t>
-            </a:r>
-            <a:r>
-              <a:rPr lang="en-US" dirty="0" smtClean="0"/>
-              <a:t> </a:t>
-            </a:r>
-            <a:r>
-              <a:rPr lang="ru-RU" dirty="0" smtClean="0"/>
-              <a:t>файла</a:t>
-            </a:r>
-            <a:endParaRPr lang="en-US" dirty="0" smtClean="0"/>
-          </a:p>
-          <a:p>
-            <a:endParaRPr lang="en-US" dirty="0"/>
-          </a:p>
-          <a:p>
-            <a:r>
-              <a:rPr lang="en-US" sz="2400" dirty="0" err="1"/>
-              <a:t>MyTypes</a:t>
-            </a:r>
-            <a:r>
-              <a:rPr lang="en-US" sz="2400" dirty="0"/>
-              <a:t>, </a:t>
-            </a:r>
-            <a:r>
-              <a:rPr lang="en-US" sz="2400" dirty="0" smtClean="0"/>
-              <a:t>Version=1.0.8123.</a:t>
-            </a:r>
-            <a:r>
-              <a:rPr lang="ru-RU" sz="2400" dirty="0" smtClean="0"/>
-              <a:t>О,</a:t>
-            </a:r>
-            <a:r>
-              <a:rPr lang="en-US" sz="2400" dirty="0" smtClean="0"/>
-              <a:t/>
-            </a:r>
-            <a:br>
-              <a:rPr lang="en-US" sz="2400" dirty="0" smtClean="0"/>
-            </a:br>
-            <a:r>
-              <a:rPr lang="en-US" sz="2400" dirty="0" smtClean="0"/>
-              <a:t>Culture=neutral</a:t>
-            </a:r>
-            <a:r>
-              <a:rPr lang="en-US" sz="2400" dirty="0"/>
-              <a:t>, </a:t>
-            </a:r>
-            <a:r>
-              <a:rPr lang="en-US" sz="2400" dirty="0" err="1" smtClean="0"/>
-              <a:t>PublicKeyToken</a:t>
-            </a:r>
-            <a:r>
-              <a:rPr lang="en-US" sz="2400" dirty="0" smtClean="0"/>
-              <a:t>=b77a5c561934e089</a:t>
-            </a:r>
-          </a:p>
-          <a:p>
-            <a:r>
-              <a:rPr lang="en-US" sz="2400" dirty="0" err="1"/>
-              <a:t>MyTypes</a:t>
-            </a:r>
-            <a:r>
-              <a:rPr lang="en-US" sz="2400" dirty="0"/>
-              <a:t>, </a:t>
-            </a:r>
-            <a:r>
-              <a:rPr lang="en-US" sz="2400" dirty="0" smtClean="0"/>
-              <a:t>Version=1.0.8123.</a:t>
-            </a:r>
-            <a:r>
-              <a:rPr lang="ru-RU" sz="2400" dirty="0"/>
-              <a:t>О,</a:t>
-            </a:r>
-            <a:r>
-              <a:rPr lang="en-US" sz="2400" dirty="0"/>
-              <a:t/>
-            </a:r>
-            <a:br>
-              <a:rPr lang="en-US" sz="2400" dirty="0"/>
-            </a:br>
-            <a:r>
-              <a:rPr lang="en-US" sz="2400" dirty="0" smtClean="0"/>
-              <a:t>Culture=en-US, </a:t>
-            </a:r>
-            <a:r>
-              <a:rPr lang="en-US" sz="2400" dirty="0" err="1"/>
-              <a:t>PublicKeyToken</a:t>
-            </a:r>
-            <a:r>
-              <a:rPr lang="en-US" sz="2400" dirty="0"/>
-              <a:t>=b77a5c561934e089</a:t>
-            </a:r>
-            <a:endParaRPr lang="ru-RU" sz="2400" dirty="0" smtClean="0"/>
-          </a:p>
-          <a:p>
+            <a:pPr marL="0" indent="0">
+              <a:buNone/>
+            </a:pPr>
+            <a:r>
+              <a:rPr lang="en-US" dirty="0" smtClean="0">
+                <a:hlinkClick r:id="rId2"/>
+              </a:rPr>
+              <a:t>http</a:t>
+            </a:r>
+            <a:r>
+              <a:rPr lang="en-US" dirty="0">
+                <a:hlinkClick r:id="rId2"/>
+              </a:rPr>
+              <a:t>://</a:t>
+            </a:r>
+            <a:r>
+              <a:rPr lang="en-US" dirty="0" smtClean="0">
+                <a:hlinkClick r:id="rId2"/>
+              </a:rPr>
+              <a:t>msdn.microsoft.com/en-us/library/e74a18c4%28v=vs.110%29.aspx</a:t>
+            </a:r>
             <a:endParaRPr lang="ru-RU" dirty="0"/>
           </a:p>
         </p:txBody>
@@ -11918,7 +11778,7 @@
     </p:spTree>
     <p:extLst>
       <p:ext uri="{BB962C8B-B14F-4D97-AF65-F5344CB8AC3E}">
-        <p14:creationId xmlns:p14="http://schemas.microsoft.com/office/powerpoint/2010/main" val="1579629595"/>
+        <p14:creationId xmlns:p14="http://schemas.microsoft.com/office/powerpoint/2010/main" val="3803663968"/>
       </p:ext>
     </p:extLst>
   </p:cSld>
@@ -11964,6 +11824,327 @@
         </p:nvSpPr>
         <p:spPr/>
         <p:txBody>
+          <a:bodyPr>
+            <a:normAutofit fontScale="90000"/>
+          </a:bodyPr>
+          <a:lstStyle/>
+          <a:p>
+            <a:r>
+              <a:rPr lang="ru-RU" dirty="0" smtClean="0"/>
+              <a:t>Строгое имя сборки (</a:t>
+            </a:r>
+            <a:r>
+              <a:rPr lang="en-US" dirty="0" smtClean="0"/>
+              <a:t>strong name</a:t>
+            </a:r>
+            <a:r>
+              <a:rPr lang="ru-RU" dirty="0" smtClean="0"/>
+              <a:t>)</a:t>
+            </a:r>
+            <a:endParaRPr lang="ru-RU" dirty="0"/>
+          </a:p>
+        </p:txBody>
+      </p:sp>
+      <p:sp>
+        <p:nvSpPr>
+          <p:cNvPr id="3" name="Content Placeholder 2"/>
+          <p:cNvSpPr>
+            <a:spLocks noGrp="1"/>
+          </p:cNvSpPr>
+          <p:nvPr>
+            <p:ph idx="1"/>
+          </p:nvPr>
+        </p:nvSpPr>
+        <p:spPr/>
+        <p:txBody>
+          <a:bodyPr>
+            <a:normAutofit fontScale="62500" lnSpcReduction="20000"/>
+          </a:bodyPr>
+          <a:lstStyle/>
+          <a:p>
+            <a:pPr marL="0" indent="0">
+              <a:buNone/>
+            </a:pPr>
+            <a:r>
+              <a:rPr lang="ru-RU" dirty="0" smtClean="0">
+                <a:solidFill>
+                  <a:schemeClr val="bg1"/>
+                </a:solidFill>
+              </a:rPr>
+              <a:t>Для задания строгово имени сборки необходимы четыре составляющих:</a:t>
+            </a:r>
+          </a:p>
+          <a:p>
+            <a:pPr marL="0" indent="0">
+              <a:buNone/>
+            </a:pPr>
+            <a:endParaRPr lang="en-US" dirty="0" smtClean="0">
+              <a:solidFill>
+                <a:schemeClr val="bg1"/>
+              </a:solidFill>
+            </a:endParaRPr>
+          </a:p>
+          <a:p>
+            <a:pPr marL="514350" indent="-514350">
+              <a:buFont typeface="+mj-lt"/>
+              <a:buAutoNum type="arabicPeriod"/>
+            </a:pPr>
+            <a:r>
+              <a:rPr lang="ru-RU" dirty="0" smtClean="0">
+                <a:solidFill>
+                  <a:srgbClr val="FFFF00"/>
+                </a:solidFill>
+              </a:rPr>
+              <a:t>Имя сборки</a:t>
+            </a:r>
+            <a:endParaRPr lang="en-US" dirty="0" smtClean="0">
+              <a:solidFill>
+                <a:srgbClr val="FFFF00"/>
+              </a:solidFill>
+            </a:endParaRPr>
+          </a:p>
+          <a:p>
+            <a:pPr lvl="1"/>
+            <a:r>
+              <a:rPr lang="ru-RU" dirty="0" smtClean="0"/>
+              <a:t>Задается в свойствах проекта</a:t>
+            </a:r>
+          </a:p>
+          <a:p>
+            <a:pPr marL="514350" indent="-514350">
+              <a:buFont typeface="+mj-lt"/>
+              <a:buAutoNum type="arabicPeriod"/>
+            </a:pPr>
+            <a:r>
+              <a:rPr lang="ru-RU" dirty="0" smtClean="0">
+                <a:solidFill>
+                  <a:srgbClr val="FFFF00"/>
+                </a:solidFill>
+              </a:rPr>
+              <a:t>Номер версии сборки</a:t>
+            </a:r>
+          </a:p>
+          <a:p>
+            <a:pPr lvl="1"/>
+            <a:r>
+              <a:rPr lang="ru-RU" dirty="0" smtClean="0"/>
+              <a:t>Атрибут </a:t>
+            </a:r>
+            <a:r>
+              <a:rPr lang="en-US" dirty="0" err="1" smtClean="0"/>
+              <a:t>AssemblyVersion</a:t>
+            </a:r>
+            <a:endParaRPr lang="ru-RU" dirty="0" smtClean="0"/>
+          </a:p>
+          <a:p>
+            <a:pPr marL="514350" indent="-514350">
+              <a:buFont typeface="+mj-lt"/>
+              <a:buAutoNum type="arabicPeriod"/>
+            </a:pPr>
+            <a:r>
+              <a:rPr lang="ru-RU" dirty="0" smtClean="0">
+                <a:solidFill>
+                  <a:srgbClr val="FFFF00"/>
+                </a:solidFill>
+              </a:rPr>
+              <a:t>Культура сборки</a:t>
+            </a:r>
+          </a:p>
+          <a:p>
+            <a:pPr lvl="1"/>
+            <a:r>
+              <a:rPr lang="ru-RU" dirty="0" smtClean="0"/>
+              <a:t>Атрибут </a:t>
+            </a:r>
+            <a:r>
+              <a:rPr lang="en-US" dirty="0" err="1" smtClean="0"/>
+              <a:t>AssemblyCulture</a:t>
+            </a:r>
+            <a:endParaRPr lang="ru-RU" dirty="0" smtClean="0"/>
+          </a:p>
+          <a:p>
+            <a:pPr marL="514350" indent="-514350">
+              <a:buFont typeface="+mj-lt"/>
+              <a:buAutoNum type="arabicPeriod"/>
+            </a:pPr>
+            <a:r>
+              <a:rPr lang="en-US" dirty="0" err="1" smtClean="0">
+                <a:solidFill>
+                  <a:srgbClr val="FFFF00"/>
+                </a:solidFill>
+              </a:rPr>
+              <a:t>PublicKeyToken</a:t>
+            </a:r>
+            <a:endParaRPr lang="ru-RU" dirty="0" smtClean="0">
+              <a:solidFill>
+                <a:srgbClr val="FFFF00"/>
+              </a:solidFill>
+            </a:endParaRPr>
+          </a:p>
+          <a:p>
+            <a:pPr lvl="1"/>
+            <a:r>
+              <a:rPr lang="ru-RU" dirty="0" smtClean="0"/>
+              <a:t>Часть </a:t>
+            </a:r>
+            <a:r>
+              <a:rPr lang="en-US" dirty="0" smtClean="0"/>
+              <a:t>public </a:t>
+            </a:r>
+            <a:r>
+              <a:rPr lang="ru-RU" dirty="0" smtClean="0"/>
+              <a:t>ключа из </a:t>
+            </a:r>
+            <a:r>
+              <a:rPr lang="en-US" dirty="0" err="1" smtClean="0"/>
+              <a:t>snk</a:t>
+            </a:r>
+            <a:r>
+              <a:rPr lang="en-US" dirty="0" smtClean="0"/>
+              <a:t> </a:t>
+            </a:r>
+            <a:r>
+              <a:rPr lang="ru-RU" dirty="0" smtClean="0"/>
+              <a:t>файла</a:t>
+            </a:r>
+            <a:endParaRPr lang="en-US" dirty="0" smtClean="0"/>
+          </a:p>
+          <a:p>
+            <a:endParaRPr lang="en-US" dirty="0"/>
+          </a:p>
+          <a:p>
+            <a:r>
+              <a:rPr lang="en-US" sz="2400" dirty="0" err="1"/>
+              <a:t>MyTypes</a:t>
+            </a:r>
+            <a:r>
+              <a:rPr lang="en-US" sz="2400" dirty="0"/>
+              <a:t>, </a:t>
+            </a:r>
+            <a:r>
+              <a:rPr lang="en-US" sz="2400" dirty="0" smtClean="0"/>
+              <a:t>Version=1.0.8123.</a:t>
+            </a:r>
+            <a:r>
+              <a:rPr lang="ru-RU" sz="2400" dirty="0" smtClean="0"/>
+              <a:t>О,</a:t>
+            </a:r>
+            <a:r>
+              <a:rPr lang="en-US" sz="2400" dirty="0" smtClean="0"/>
+              <a:t/>
+            </a:r>
+            <a:br>
+              <a:rPr lang="en-US" sz="2400" dirty="0" smtClean="0"/>
+            </a:br>
+            <a:r>
+              <a:rPr lang="en-US" sz="2400" dirty="0" smtClean="0"/>
+              <a:t>Culture=neutral</a:t>
+            </a:r>
+            <a:r>
+              <a:rPr lang="en-US" sz="2400" dirty="0"/>
+              <a:t>, </a:t>
+            </a:r>
+            <a:r>
+              <a:rPr lang="en-US" sz="2400" dirty="0" err="1" smtClean="0"/>
+              <a:t>PublicKeyToken</a:t>
+            </a:r>
+            <a:r>
+              <a:rPr lang="en-US" sz="2400" dirty="0" smtClean="0"/>
+              <a:t>=b77a5c561934e089</a:t>
+            </a:r>
+          </a:p>
+          <a:p>
+            <a:r>
+              <a:rPr lang="en-US" sz="2400" dirty="0" err="1"/>
+              <a:t>MyTypes</a:t>
+            </a:r>
+            <a:r>
+              <a:rPr lang="en-US" sz="2400" dirty="0"/>
+              <a:t>, </a:t>
+            </a:r>
+            <a:r>
+              <a:rPr lang="en-US" sz="2400" dirty="0" smtClean="0"/>
+              <a:t>Version=1.0.8123.</a:t>
+            </a:r>
+            <a:r>
+              <a:rPr lang="ru-RU" sz="2400" dirty="0"/>
+              <a:t>О,</a:t>
+            </a:r>
+            <a:r>
+              <a:rPr lang="en-US" sz="2400" dirty="0"/>
+              <a:t/>
+            </a:r>
+            <a:br>
+              <a:rPr lang="en-US" sz="2400" dirty="0"/>
+            </a:br>
+            <a:r>
+              <a:rPr lang="en-US" sz="2400" dirty="0" smtClean="0"/>
+              <a:t>Culture=en-US, </a:t>
+            </a:r>
+            <a:r>
+              <a:rPr lang="en-US" sz="2400" dirty="0" err="1"/>
+              <a:t>PublicKeyToken</a:t>
+            </a:r>
+            <a:r>
+              <a:rPr lang="en-US" sz="2400" dirty="0"/>
+              <a:t>=b77a5c561934e089</a:t>
+            </a:r>
+            <a:endParaRPr lang="ru-RU" sz="2400" dirty="0" smtClean="0"/>
+          </a:p>
+          <a:p>
+            <a:endParaRPr lang="ru-RU" dirty="0"/>
+          </a:p>
+        </p:txBody>
+      </p:sp>
+    </p:spTree>
+    <p:extLst>
+      <p:ext uri="{BB962C8B-B14F-4D97-AF65-F5344CB8AC3E}">
+        <p14:creationId xmlns:p14="http://schemas.microsoft.com/office/powerpoint/2010/main" val="1579629595"/>
+      </p:ext>
+    </p:extLst>
+  </p:cSld>
+  <p:clrMapOvr>
+    <a:masterClrMapping/>
+  </p:clrMapOvr>
+  <p:timing>
+    <p:tnLst>
+      <p:par>
+        <p:cTn id="1" dur="indefinite" restart="never" nodeType="tmRoot"/>
+      </p:par>
+    </p:tnLst>
+  </p:timing>
+</p:sld>
+</file>
+
+<file path=ppt/slides/slide29.xml><?xml version="1.0" encoding="utf-8"?>
+<p:sld xmlns:a="http://schemas.openxmlformats.org/drawingml/2006/main" xmlns:r="http://schemas.openxmlformats.org/officeDocument/2006/relationships" xmlns:p="http://schemas.openxmlformats.org/presentationml/2006/main">
+  <p:cSld>
+    <p:spTree>
+      <p:nvGrpSpPr>
+        <p:cNvPr id="1" name=""/>
+        <p:cNvGrpSpPr/>
+        <p:nvPr/>
+      </p:nvGrpSpPr>
+      <p:grpSpPr>
+        <a:xfrm>
+          <a:off x="0" y="0"/>
+          <a:ext cx="0" cy="0"/>
+          <a:chOff x="0" y="0"/>
+          <a:chExt cx="0" cy="0"/>
+        </a:xfrm>
+      </p:grpSpPr>
+      <p:sp>
+        <p:nvSpPr>
+          <p:cNvPr id="2" name="Title 1"/>
+          <p:cNvSpPr>
+            <a:spLocks noGrp="1"/>
+          </p:cNvSpPr>
+          <p:nvPr>
+            <p:ph type="title"/>
+          </p:nvPr>
+        </p:nvSpPr>
+        <p:spPr/>
+        <p:txBody>
           <a:bodyPr/>
           <a:lstStyle/>
           <a:p>
@@ -12394,7 +12575,708 @@
 </p:sld>
 </file>
 
-<file path=ppt/slides/slide29.xml><?xml version="1.0" encoding="utf-8"?>
+<file path=ppt/slides/slide3.xml><?xml version="1.0" encoding="utf-8"?>
+<p:sld xmlns:a="http://schemas.openxmlformats.org/drawingml/2006/main" xmlns:r="http://schemas.openxmlformats.org/officeDocument/2006/relationships" xmlns:p="http://schemas.openxmlformats.org/presentationml/2006/main">
+  <p:cSld>
+    <p:spTree>
+      <p:nvGrpSpPr>
+        <p:cNvPr id="1" name=""/>
+        <p:cNvGrpSpPr/>
+        <p:nvPr/>
+      </p:nvGrpSpPr>
+      <p:grpSpPr>
+        <a:xfrm>
+          <a:off x="0" y="0"/>
+          <a:ext cx="0" cy="0"/>
+          <a:chOff x="0" y="0"/>
+          <a:chExt cx="0" cy="0"/>
+        </a:xfrm>
+      </p:grpSpPr>
+      <p:sp>
+        <p:nvSpPr>
+          <p:cNvPr id="10242" name="Rectangle 3"/>
+          <p:cNvSpPr>
+            <a:spLocks noChangeArrowheads="1"/>
+          </p:cNvSpPr>
+          <p:nvPr/>
+        </p:nvSpPr>
+        <p:spPr bwMode="auto">
+          <a:xfrm>
+            <a:off x="129480" y="46365"/>
+            <a:ext cx="8763000" cy="646331"/>
+          </a:xfrm>
+          <a:prstGeom prst="rect">
+            <a:avLst/>
+          </a:prstGeom>
+          <a:noFill/>
+          <a:ln>
+            <a:noFill/>
+          </a:ln>
+          <a:extLst>
+            <a:ext uri="{909E8E84-426E-40DD-AFC4-6F175D3DCCD1}">
+              <a14:hiddenFill xmlns:a14="http://schemas.microsoft.com/office/drawing/2010/main">
+                <a:solidFill>
+                  <a:srgbClr val="FFFFFF"/>
+                </a:solidFill>
+              </a14:hiddenFill>
+            </a:ext>
+            <a:ext uri="{91240B29-F687-4F45-9708-019B960494DF}">
+              <a14:hiddenLine xmlns:a14="http://schemas.microsoft.com/office/drawing/2010/main" w="9525">
+                <a:solidFill>
+                  <a:srgbClr val="000000"/>
+                </a:solidFill>
+                <a:miter lim="800000"/>
+                <a:headEnd/>
+                <a:tailEnd/>
+              </a14:hiddenLine>
+            </a:ext>
+          </a:extLst>
+        </p:spPr>
+        <p:txBody>
+          <a:bodyPr anchor="ctr">
+            <a:spAutoFit/>
+          </a:bodyPr>
+          <a:lstStyle/>
+          <a:p>
+            <a:pPr algn="ctr"/>
+            <a:r>
+              <a:rPr lang="ru-RU" sz="3600" dirty="0" smtClean="0"/>
+              <a:t>Атрибуты</a:t>
+            </a:r>
+            <a:r>
+              <a:rPr lang="en-US" sz="3600" dirty="0" smtClean="0"/>
+              <a:t> (</a:t>
+            </a:r>
+            <a:r>
+              <a:rPr lang="en-US" sz="3600" dirty="0"/>
+              <a:t>custom attributes</a:t>
+            </a:r>
+            <a:r>
+              <a:rPr lang="en-US" sz="3600" dirty="0" smtClean="0"/>
+              <a:t>)</a:t>
+            </a:r>
+            <a:endParaRPr lang="en-US" sz="3600" dirty="0"/>
+          </a:p>
+        </p:txBody>
+      </p:sp>
+      <p:sp>
+        <p:nvSpPr>
+          <p:cNvPr id="10243" name="Rectangle 3"/>
+          <p:cNvSpPr>
+            <a:spLocks noChangeArrowheads="1"/>
+          </p:cNvSpPr>
+          <p:nvPr/>
+        </p:nvSpPr>
+        <p:spPr bwMode="auto">
+          <a:xfrm>
+            <a:off x="152400" y="581025"/>
+            <a:ext cx="8839200" cy="2554288"/>
+          </a:xfrm>
+          <a:prstGeom prst="rect">
+            <a:avLst/>
+          </a:prstGeom>
+          <a:noFill/>
+          <a:ln>
+            <a:noFill/>
+          </a:ln>
+          <a:extLst>
+            <a:ext uri="{909E8E84-426E-40DD-AFC4-6F175D3DCCD1}">
+              <a14:hiddenFill xmlns:a14="http://schemas.microsoft.com/office/drawing/2010/main">
+                <a:solidFill>
+                  <a:srgbClr val="FFFFFF"/>
+                </a:solidFill>
+              </a14:hiddenFill>
+            </a:ext>
+            <a:ext uri="{91240B29-F687-4F45-9708-019B960494DF}">
+              <a14:hiddenLine xmlns:a14="http://schemas.microsoft.com/office/drawing/2010/main" w="9525">
+                <a:solidFill>
+                  <a:srgbClr val="000000"/>
+                </a:solidFill>
+                <a:miter lim="800000"/>
+                <a:headEnd/>
+                <a:tailEnd/>
+              </a14:hiddenLine>
+            </a:ext>
+          </a:extLst>
+        </p:spPr>
+        <p:txBody>
+          <a:bodyPr anchor="ctr">
+            <a:spAutoFit/>
+          </a:bodyPr>
+          <a:lstStyle/>
+          <a:p>
+            <a:r>
+              <a:rPr lang="ru-RU" sz="1600" dirty="0"/>
+              <a:t>	Атрибуты – программные средства, позволяющие внеси дополнительную информацию в метаданных, связанных с типом. Все атрибуты делятся на 4 группы</a:t>
+            </a:r>
+            <a:r>
+              <a:rPr lang="en-US" sz="1600" dirty="0"/>
+              <a:t>:</a:t>
+            </a:r>
+          </a:p>
+          <a:p>
+            <a:pPr lvl="1">
+              <a:buFont typeface="Arial" charset="0"/>
+              <a:buChar char="•"/>
+            </a:pPr>
+            <a:r>
+              <a:rPr lang="ru-RU" sz="1600" b="1" i="1" dirty="0"/>
+              <a:t>Атрибуты, используемые компилятором</a:t>
+            </a:r>
+            <a:r>
+              <a:rPr lang="ru-RU" sz="1600" b="1" dirty="0"/>
+              <a:t>. </a:t>
+            </a:r>
+            <a:r>
+              <a:rPr lang="ru-RU" sz="1600" dirty="0"/>
+              <a:t>Информация этих атрибутов используется компилятором для генерации кода.</a:t>
+            </a:r>
+            <a:endParaRPr lang="be-BY" sz="1600" dirty="0"/>
+          </a:p>
+          <a:p>
+            <a:pPr lvl="1">
+              <a:buFont typeface="Arial" charset="0"/>
+              <a:buChar char="•"/>
+            </a:pPr>
+            <a:r>
+              <a:rPr lang="ru-RU" sz="1600" b="1" i="1" dirty="0"/>
+              <a:t>Атрибуты, используемые средой исполнения</a:t>
+            </a:r>
+            <a:r>
+              <a:rPr lang="ru-RU" sz="1600" b="1" dirty="0"/>
+              <a:t>.</a:t>
+            </a:r>
+            <a:endParaRPr lang="be-BY" sz="1600" b="1" dirty="0"/>
+          </a:p>
+          <a:p>
+            <a:pPr lvl="1">
+              <a:buFont typeface="Arial" charset="0"/>
+              <a:buChar char="•"/>
+            </a:pPr>
+            <a:r>
+              <a:rPr lang="ru-RU" sz="1600" b="1" i="1" dirty="0"/>
+              <a:t>Атрибуты, используемые библиотекой классов</a:t>
+            </a:r>
+            <a:r>
+              <a:rPr lang="ru-RU" sz="1600" b="1" dirty="0"/>
+              <a:t>. </a:t>
+            </a:r>
+            <a:r>
+              <a:rPr lang="ru-RU" sz="1600" dirty="0"/>
+              <a:t>Применяются в служебных целях классами, входящими в состав стандартной библиотеки.</a:t>
+            </a:r>
+            <a:endParaRPr lang="be-BY" sz="1600" dirty="0"/>
+          </a:p>
+          <a:p>
+            <a:pPr lvl="1">
+              <a:buFont typeface="Arial" charset="0"/>
+              <a:buChar char="•"/>
+            </a:pPr>
+            <a:r>
+              <a:rPr lang="ru-RU" sz="1600" b="1" i="1" dirty="0"/>
+              <a:t>Пользовательские атрибуты</a:t>
+            </a:r>
+            <a:r>
+              <a:rPr lang="ru-RU" sz="1600" b="1" dirty="0"/>
+              <a:t>. </a:t>
+            </a:r>
+            <a:r>
+              <a:rPr lang="ru-RU" sz="1600" dirty="0"/>
+              <a:t>Это атрибуты, созданные программистом.</a:t>
+            </a:r>
+            <a:endParaRPr lang="en-US" sz="1600" dirty="0"/>
+          </a:p>
+          <a:p>
+            <a:r>
+              <a:rPr lang="en-US" sz="1600" dirty="0"/>
+              <a:t>	</a:t>
+            </a:r>
+            <a:r>
+              <a:rPr lang="ru-RU" sz="1600" dirty="0"/>
+              <a:t>При использовании атрибута,  его имя записывается и квадратных скобках перед тем элементом, к которому он принадлежит, например</a:t>
+            </a:r>
+            <a:r>
+              <a:rPr lang="en-US" sz="1600" dirty="0"/>
+              <a:t>:</a:t>
+            </a:r>
+            <a:endParaRPr lang="ru-RU" sz="1600" dirty="0"/>
+          </a:p>
+        </p:txBody>
+      </p:sp>
+      <p:sp>
+        <p:nvSpPr>
+          <p:cNvPr id="34817" name="Rectangle 1"/>
+          <p:cNvSpPr>
+            <a:spLocks noChangeArrowheads="1"/>
+          </p:cNvSpPr>
+          <p:nvPr/>
+        </p:nvSpPr>
+        <p:spPr bwMode="auto">
+          <a:xfrm>
+            <a:off x="152400" y="3200400"/>
+            <a:ext cx="8839200" cy="862013"/>
+          </a:xfrm>
+          <a:prstGeom prst="rect">
+            <a:avLst/>
+          </a:prstGeom>
+          <a:noFill/>
+          <a:ln w="9525">
+            <a:solidFill>
+              <a:schemeClr val="bg1">
+                <a:lumMod val="65000"/>
+              </a:schemeClr>
+            </a:solidFill>
+            <a:miter lim="800000"/>
+            <a:headEnd/>
+            <a:tailEnd/>
+          </a:ln>
+          <a:effectLst/>
+        </p:spPr>
+        <p:txBody>
+          <a:bodyPr anchor="ctr">
+            <a:spAutoFit/>
+          </a:bodyPr>
+          <a:lstStyle/>
+          <a:p>
+            <a:pPr eaLnBrk="0" hangingPunct="0">
+              <a:defRPr/>
+            </a:pPr>
+            <a:r>
+              <a:rPr lang="be-BY" sz="1000" dirty="0">
+                <a:solidFill>
+                  <a:schemeClr val="bg1"/>
+                </a:solidFill>
+                <a:latin typeface="Courier New" pitchFamily="49" charset="0"/>
+                <a:ea typeface="Calibri" pitchFamily="34" charset="0"/>
+                <a:cs typeface="Courier New" pitchFamily="49" charset="0"/>
+              </a:rPr>
+              <a:t>    [Serializable]</a:t>
+            </a:r>
+            <a:endParaRPr lang="be-BY" sz="900" dirty="0">
+              <a:solidFill>
+                <a:schemeClr val="bg1"/>
+              </a:solidFill>
+              <a:latin typeface="Arial" pitchFamily="34" charset="0"/>
+            </a:endParaRPr>
+          </a:p>
+          <a:p>
+            <a:pPr eaLnBrk="0" hangingPunct="0">
+              <a:defRPr/>
+            </a:pPr>
+            <a:r>
+              <a:rPr lang="be-BY" sz="1000" dirty="0">
+                <a:solidFill>
+                  <a:schemeClr val="bg1"/>
+                </a:solidFill>
+                <a:latin typeface="Courier New" pitchFamily="49" charset="0"/>
+                <a:ea typeface="Calibri" pitchFamily="34" charset="0"/>
+                <a:cs typeface="Courier New" pitchFamily="49" charset="0"/>
+              </a:rPr>
+              <a:t>    class SomeClass</a:t>
+            </a:r>
+            <a:endParaRPr lang="be-BY" sz="900" dirty="0">
+              <a:solidFill>
+                <a:schemeClr val="bg1"/>
+              </a:solidFill>
+              <a:latin typeface="Arial" pitchFamily="34" charset="0"/>
+            </a:endParaRPr>
+          </a:p>
+          <a:p>
+            <a:pPr eaLnBrk="0" hangingPunct="0">
+              <a:defRPr/>
+            </a:pPr>
+            <a:r>
+              <a:rPr lang="be-BY" sz="1000" dirty="0">
+                <a:solidFill>
+                  <a:schemeClr val="bg1"/>
+                </a:solidFill>
+                <a:latin typeface="Courier New" pitchFamily="49" charset="0"/>
+                <a:ea typeface="Calibri" pitchFamily="34" charset="0"/>
+                <a:cs typeface="Courier New" pitchFamily="49" charset="0"/>
+              </a:rPr>
+              <a:t>    {</a:t>
+            </a:r>
+            <a:endParaRPr lang="en-US" sz="1000" dirty="0">
+              <a:solidFill>
+                <a:schemeClr val="bg1"/>
+              </a:solidFill>
+              <a:latin typeface="Courier New" pitchFamily="49" charset="0"/>
+              <a:ea typeface="Calibri" pitchFamily="34" charset="0"/>
+              <a:cs typeface="Courier New" pitchFamily="49" charset="0"/>
+            </a:endParaRPr>
+          </a:p>
+          <a:p>
+            <a:pPr eaLnBrk="0" hangingPunct="0">
+              <a:defRPr/>
+            </a:pPr>
+            <a:r>
+              <a:rPr lang="en-US" sz="1000" dirty="0">
+                <a:solidFill>
+                  <a:schemeClr val="bg1"/>
+                </a:solidFill>
+                <a:latin typeface="Courier New" pitchFamily="49" charset="0"/>
+                <a:cs typeface="Courier New" pitchFamily="49" charset="0"/>
+              </a:rPr>
+              <a:t>. . . . . . . . . . . . . . . . . .</a:t>
+            </a:r>
+            <a:endParaRPr lang="be-BY" sz="900" dirty="0">
+              <a:solidFill>
+                <a:schemeClr val="bg1"/>
+              </a:solidFill>
+              <a:latin typeface="Arial" pitchFamily="34" charset="0"/>
+            </a:endParaRPr>
+          </a:p>
+          <a:p>
+            <a:pPr eaLnBrk="0" hangingPunct="0">
+              <a:defRPr/>
+            </a:pPr>
+            <a:r>
+              <a:rPr lang="be-BY" sz="1000" dirty="0">
+                <a:solidFill>
+                  <a:schemeClr val="bg1"/>
+                </a:solidFill>
+                <a:latin typeface="Courier New" pitchFamily="49" charset="0"/>
+                <a:ea typeface="Calibri" pitchFamily="34" charset="0"/>
+                <a:cs typeface="Courier New" pitchFamily="49" charset="0"/>
+              </a:rPr>
+              <a:t>    }</a:t>
+            </a:r>
+            <a:endParaRPr lang="be-BY" dirty="0">
+              <a:solidFill>
+                <a:schemeClr val="bg1"/>
+              </a:solidFill>
+              <a:latin typeface="Arial" pitchFamily="34" charset="0"/>
+            </a:endParaRPr>
+          </a:p>
+        </p:txBody>
+      </p:sp>
+      <p:sp>
+        <p:nvSpPr>
+          <p:cNvPr id="10245" name="Rectangle 3"/>
+          <p:cNvSpPr>
+            <a:spLocks noChangeArrowheads="1"/>
+          </p:cNvSpPr>
+          <p:nvPr/>
+        </p:nvSpPr>
+        <p:spPr bwMode="auto">
+          <a:xfrm>
+            <a:off x="152400" y="4090988"/>
+            <a:ext cx="8839200" cy="862012"/>
+          </a:xfrm>
+          <a:prstGeom prst="rect">
+            <a:avLst/>
+          </a:prstGeom>
+          <a:noFill/>
+          <a:ln>
+            <a:noFill/>
+          </a:ln>
+          <a:extLst>
+            <a:ext uri="{909E8E84-426E-40DD-AFC4-6F175D3DCCD1}">
+              <a14:hiddenFill xmlns:a14="http://schemas.microsoft.com/office/drawing/2010/main">
+                <a:solidFill>
+                  <a:srgbClr val="FFFFFF"/>
+                </a:solidFill>
+              </a14:hiddenFill>
+            </a:ext>
+            <a:ext uri="{91240B29-F687-4F45-9708-019B960494DF}">
+              <a14:hiddenLine xmlns:a14="http://schemas.microsoft.com/office/drawing/2010/main" w="9525">
+                <a:solidFill>
+                  <a:srgbClr val="000000"/>
+                </a:solidFill>
+                <a:miter lim="800000"/>
+                <a:headEnd/>
+                <a:tailEnd/>
+              </a14:hiddenLine>
+            </a:ext>
+          </a:extLst>
+        </p:spPr>
+        <p:txBody>
+          <a:bodyPr anchor="ctr">
+            <a:spAutoFit/>
+          </a:bodyPr>
+          <a:lstStyle/>
+          <a:p>
+            <a:r>
+              <a:rPr lang="ru-RU" sz="1600"/>
+              <a:t>Если возникает двусмысленность в принадлежности атрибута тому или другому элементу можно воспользоваться специальным модификатором</a:t>
+            </a:r>
+            <a:r>
+              <a:rPr lang="en-US" sz="1600"/>
+              <a:t>:</a:t>
+            </a:r>
+          </a:p>
+          <a:p>
+            <a:r>
+              <a:rPr lang="en-US" sz="1600"/>
+              <a:t>	</a:t>
+            </a:r>
+            <a:r>
+              <a:rPr lang="ru-RU" sz="1600" b="1"/>
+              <a:t>assembly, </a:t>
+            </a:r>
+            <a:r>
+              <a:rPr lang="en-US" sz="1600" b="1"/>
+              <a:t>module</a:t>
+            </a:r>
+            <a:r>
+              <a:rPr lang="ru-RU" sz="1600" b="1"/>
+              <a:t>, </a:t>
+            </a:r>
+            <a:r>
+              <a:rPr lang="en-US" sz="1600" b="1"/>
+              <a:t>field</a:t>
+            </a:r>
+            <a:r>
+              <a:rPr lang="ru-RU" sz="1600" b="1"/>
+              <a:t>, </a:t>
+            </a:r>
+            <a:r>
+              <a:rPr lang="en-US" sz="1600" b="1"/>
+              <a:t>event</a:t>
+            </a:r>
+            <a:r>
+              <a:rPr lang="ru-RU" sz="1600" b="1"/>
+              <a:t>, </a:t>
+            </a:r>
+            <a:r>
+              <a:rPr lang="en-US" sz="1600" b="1"/>
+              <a:t>method</a:t>
+            </a:r>
+            <a:r>
+              <a:rPr lang="ru-RU" sz="1600" b="1"/>
+              <a:t>, </a:t>
+            </a:r>
+            <a:r>
+              <a:rPr lang="en-US" sz="1600" b="1"/>
+              <a:t>param</a:t>
+            </a:r>
+            <a:r>
+              <a:rPr lang="ru-RU" sz="1600" b="1"/>
+              <a:t>, property, return, type</a:t>
+            </a:r>
+          </a:p>
+        </p:txBody>
+      </p:sp>
+      <p:sp>
+        <p:nvSpPr>
+          <p:cNvPr id="34818" name="Rectangle 2"/>
+          <p:cNvSpPr>
+            <a:spLocks noChangeArrowheads="1"/>
+          </p:cNvSpPr>
+          <p:nvPr/>
+        </p:nvSpPr>
+        <p:spPr bwMode="auto">
+          <a:xfrm>
+            <a:off x="152400" y="4953000"/>
+            <a:ext cx="8839200" cy="369888"/>
+          </a:xfrm>
+          <a:prstGeom prst="rect">
+            <a:avLst/>
+          </a:prstGeom>
+          <a:noFill/>
+          <a:ln w="9525">
+            <a:solidFill>
+              <a:schemeClr val="bg1">
+                <a:lumMod val="65000"/>
+              </a:schemeClr>
+            </a:solidFill>
+            <a:miter lim="800000"/>
+            <a:headEnd/>
+            <a:tailEnd/>
+          </a:ln>
+          <a:effectLst/>
+        </p:spPr>
+        <p:txBody>
+          <a:bodyPr anchor="ctr">
+            <a:spAutoFit/>
+          </a:bodyPr>
+          <a:lstStyle/>
+          <a:p>
+            <a:pPr eaLnBrk="0" hangingPunct="0">
+              <a:defRPr/>
+            </a:pPr>
+            <a:r>
+              <a:rPr lang="be-BY" dirty="0">
+                <a:solidFill>
+                  <a:schemeClr val="bg1"/>
+                </a:solidFill>
+                <a:latin typeface="Courier New" pitchFamily="49" charset="0"/>
+                <a:ea typeface="Calibri" pitchFamily="34" charset="0"/>
+                <a:cs typeface="Courier New" pitchFamily="49" charset="0"/>
+              </a:rPr>
+              <a:t>    [class: Serializable]</a:t>
+            </a:r>
+            <a:endParaRPr lang="be-BY" dirty="0">
+              <a:solidFill>
+                <a:schemeClr val="bg1"/>
+              </a:solidFill>
+              <a:latin typeface="Arial" pitchFamily="34" charset="0"/>
+            </a:endParaRPr>
+          </a:p>
+        </p:txBody>
+      </p:sp>
+      <p:sp>
+        <p:nvSpPr>
+          <p:cNvPr id="10247" name="Rectangle 3"/>
+          <p:cNvSpPr>
+            <a:spLocks noChangeArrowheads="1"/>
+          </p:cNvSpPr>
+          <p:nvPr/>
+        </p:nvSpPr>
+        <p:spPr bwMode="auto">
+          <a:xfrm>
+            <a:off x="152400" y="5310188"/>
+            <a:ext cx="8839200" cy="831850"/>
+          </a:xfrm>
+          <a:prstGeom prst="rect">
+            <a:avLst/>
+          </a:prstGeom>
+          <a:noFill/>
+          <a:ln>
+            <a:noFill/>
+          </a:ln>
+          <a:extLst>
+            <a:ext uri="{909E8E84-426E-40DD-AFC4-6F175D3DCCD1}">
+              <a14:hiddenFill xmlns:a14="http://schemas.microsoft.com/office/drawing/2010/main">
+                <a:solidFill>
+                  <a:srgbClr val="FFFFFF"/>
+                </a:solidFill>
+              </a14:hiddenFill>
+            </a:ext>
+            <a:ext uri="{91240B29-F687-4F45-9708-019B960494DF}">
+              <a14:hiddenLine xmlns:a14="http://schemas.microsoft.com/office/drawing/2010/main" w="9525">
+                <a:solidFill>
+                  <a:srgbClr val="000000"/>
+                </a:solidFill>
+                <a:miter lim="800000"/>
+                <a:headEnd/>
+                <a:tailEnd/>
+              </a14:hiddenLine>
+            </a:ext>
+          </a:extLst>
+        </p:spPr>
+        <p:txBody>
+          <a:bodyPr anchor="ctr">
+            <a:spAutoFit/>
+          </a:bodyPr>
+          <a:lstStyle/>
+          <a:p>
+            <a:r>
+              <a:rPr lang="ru-RU" sz="1600"/>
+              <a:t>Так как атрибут – это класс, унаследованный от </a:t>
+            </a:r>
+            <a:r>
+              <a:rPr lang="en-US" sz="1600"/>
+              <a:t>System.Attribute,</a:t>
+            </a:r>
+            <a:r>
+              <a:rPr lang="ru-RU" sz="1600"/>
+              <a:t> то он может иметь конструктор с параметрами. В этому случае, параметры записываются в скобках после имения атрибута.</a:t>
+            </a:r>
+          </a:p>
+        </p:txBody>
+      </p:sp>
+      <p:sp>
+        <p:nvSpPr>
+          <p:cNvPr id="34819" name="Rectangle 3"/>
+          <p:cNvSpPr>
+            <a:spLocks noChangeArrowheads="1"/>
+          </p:cNvSpPr>
+          <p:nvPr/>
+        </p:nvSpPr>
+        <p:spPr bwMode="auto">
+          <a:xfrm>
+            <a:off x="152400" y="6248400"/>
+            <a:ext cx="8839200" cy="369888"/>
+          </a:xfrm>
+          <a:prstGeom prst="rect">
+            <a:avLst/>
+          </a:prstGeom>
+          <a:noFill/>
+          <a:ln w="9525">
+            <a:solidFill>
+              <a:schemeClr val="bg1">
+                <a:lumMod val="65000"/>
+              </a:schemeClr>
+            </a:solidFill>
+            <a:miter lim="800000"/>
+            <a:headEnd/>
+            <a:tailEnd/>
+          </a:ln>
+          <a:effectLst/>
+        </p:spPr>
+        <p:txBody>
+          <a:bodyPr anchor="ctr">
+            <a:spAutoFit/>
+          </a:bodyPr>
+          <a:lstStyle/>
+          <a:p>
+            <a:pPr eaLnBrk="0" hangingPunct="0">
+              <a:defRPr/>
+            </a:pPr>
+            <a:r>
+              <a:rPr lang="be-BY" dirty="0">
+                <a:solidFill>
+                  <a:schemeClr val="bg1"/>
+                </a:solidFill>
+                <a:latin typeface="Courier New" pitchFamily="49" charset="0"/>
+                <a:ea typeface="Calibri" pitchFamily="34" charset="0"/>
+                <a:cs typeface="Courier New" pitchFamily="49" charset="0"/>
+              </a:rPr>
+              <a:t>    </a:t>
+            </a:r>
+            <a:r>
+              <a:rPr lang="en-US" dirty="0">
+                <a:solidFill>
+                  <a:schemeClr val="bg1"/>
+                </a:solidFill>
+                <a:latin typeface="Courier New" pitchFamily="49" charset="0"/>
+                <a:ea typeface="Calibri" pitchFamily="34" charset="0"/>
+                <a:cs typeface="Courier New" pitchFamily="49" charset="0"/>
+              </a:rPr>
+              <a:t>[</a:t>
+            </a:r>
+            <a:r>
+              <a:rPr lang="be-BY" dirty="0">
+                <a:solidFill>
+                  <a:schemeClr val="bg1"/>
+                </a:solidFill>
+                <a:latin typeface="Courier New" pitchFamily="49" charset="0"/>
+                <a:ea typeface="Calibri" pitchFamily="34" charset="0"/>
+                <a:cs typeface="Courier New" pitchFamily="49" charset="0"/>
+              </a:rPr>
+              <a:t>DllImport("system.dll")]</a:t>
+            </a:r>
+            <a:endParaRPr lang="be-BY" dirty="0">
+              <a:solidFill>
+                <a:schemeClr val="bg1"/>
+              </a:solidFill>
+              <a:latin typeface="Arial" pitchFamily="34" charset="0"/>
+            </a:endParaRPr>
+          </a:p>
+        </p:txBody>
+      </p:sp>
+    </p:spTree>
+    <p:extLst>
+      <p:ext uri="{BB962C8B-B14F-4D97-AF65-F5344CB8AC3E}">
+        <p14:creationId xmlns:p14="http://schemas.microsoft.com/office/powerpoint/2010/main" val="1869373615"/>
+      </p:ext>
+    </p:extLst>
+  </p:cSld>
+  <p:clrMapOvr>
+    <a:masterClrMapping/>
+  </p:clrMapOvr>
+  <p:timing>
+    <p:tnLst>
+      <p:par>
+        <p:cTn id="1" dur="indefinite" restart="never" nodeType="tmRoot"/>
+      </p:par>
+    </p:tnLst>
+  </p:timing>
+</p:sld>
+</file>
+
+<file path=ppt/slides/slide30.xml><?xml version="1.0" encoding="utf-8"?>
 <p:sld xmlns:a="http://schemas.openxmlformats.org/drawingml/2006/main" xmlns:r="http://schemas.openxmlformats.org/officeDocument/2006/relationships" xmlns:p="http://schemas.openxmlformats.org/presentationml/2006/main">
   <p:cSld>
     <p:spTree>
@@ -12917,708 +13799,7 @@
 </p:sld>
 </file>
 
-<file path=ppt/slides/slide3.xml><?xml version="1.0" encoding="utf-8"?>
-<p:sld xmlns:a="http://schemas.openxmlformats.org/drawingml/2006/main" xmlns:r="http://schemas.openxmlformats.org/officeDocument/2006/relationships" xmlns:p="http://schemas.openxmlformats.org/presentationml/2006/main">
-  <p:cSld>
-    <p:spTree>
-      <p:nvGrpSpPr>
-        <p:cNvPr id="1" name=""/>
-        <p:cNvGrpSpPr/>
-        <p:nvPr/>
-      </p:nvGrpSpPr>
-      <p:grpSpPr>
-        <a:xfrm>
-          <a:off x="0" y="0"/>
-          <a:ext cx="0" cy="0"/>
-          <a:chOff x="0" y="0"/>
-          <a:chExt cx="0" cy="0"/>
-        </a:xfrm>
-      </p:grpSpPr>
-      <p:sp>
-        <p:nvSpPr>
-          <p:cNvPr id="10242" name="Rectangle 3"/>
-          <p:cNvSpPr>
-            <a:spLocks noChangeArrowheads="1"/>
-          </p:cNvSpPr>
-          <p:nvPr/>
-        </p:nvSpPr>
-        <p:spPr bwMode="auto">
-          <a:xfrm>
-            <a:off x="129480" y="46365"/>
-            <a:ext cx="8763000" cy="646331"/>
-          </a:xfrm>
-          <a:prstGeom prst="rect">
-            <a:avLst/>
-          </a:prstGeom>
-          <a:noFill/>
-          <a:ln>
-            <a:noFill/>
-          </a:ln>
-          <a:extLst>
-            <a:ext uri="{909E8E84-426E-40DD-AFC4-6F175D3DCCD1}">
-              <a14:hiddenFill xmlns:a14="http://schemas.microsoft.com/office/drawing/2010/main">
-                <a:solidFill>
-                  <a:srgbClr val="FFFFFF"/>
-                </a:solidFill>
-              </a14:hiddenFill>
-            </a:ext>
-            <a:ext uri="{91240B29-F687-4F45-9708-019B960494DF}">
-              <a14:hiddenLine xmlns:a14="http://schemas.microsoft.com/office/drawing/2010/main" w="9525">
-                <a:solidFill>
-                  <a:srgbClr val="000000"/>
-                </a:solidFill>
-                <a:miter lim="800000"/>
-                <a:headEnd/>
-                <a:tailEnd/>
-              </a14:hiddenLine>
-            </a:ext>
-          </a:extLst>
-        </p:spPr>
-        <p:txBody>
-          <a:bodyPr anchor="ctr">
-            <a:spAutoFit/>
-          </a:bodyPr>
-          <a:lstStyle/>
-          <a:p>
-            <a:pPr algn="ctr"/>
-            <a:r>
-              <a:rPr lang="ru-RU" sz="3600" dirty="0" smtClean="0"/>
-              <a:t>Атрибуты</a:t>
-            </a:r>
-            <a:r>
-              <a:rPr lang="en-US" sz="3600" dirty="0" smtClean="0"/>
-              <a:t> (</a:t>
-            </a:r>
-            <a:r>
-              <a:rPr lang="en-US" sz="3600" dirty="0"/>
-              <a:t>custom attributes</a:t>
-            </a:r>
-            <a:r>
-              <a:rPr lang="en-US" sz="3600" dirty="0" smtClean="0"/>
-              <a:t>)</a:t>
-            </a:r>
-            <a:endParaRPr lang="en-US" sz="3600" dirty="0"/>
-          </a:p>
-        </p:txBody>
-      </p:sp>
-      <p:sp>
-        <p:nvSpPr>
-          <p:cNvPr id="10243" name="Rectangle 3"/>
-          <p:cNvSpPr>
-            <a:spLocks noChangeArrowheads="1"/>
-          </p:cNvSpPr>
-          <p:nvPr/>
-        </p:nvSpPr>
-        <p:spPr bwMode="auto">
-          <a:xfrm>
-            <a:off x="152400" y="581025"/>
-            <a:ext cx="8839200" cy="2554288"/>
-          </a:xfrm>
-          <a:prstGeom prst="rect">
-            <a:avLst/>
-          </a:prstGeom>
-          <a:noFill/>
-          <a:ln>
-            <a:noFill/>
-          </a:ln>
-          <a:extLst>
-            <a:ext uri="{909E8E84-426E-40DD-AFC4-6F175D3DCCD1}">
-              <a14:hiddenFill xmlns:a14="http://schemas.microsoft.com/office/drawing/2010/main">
-                <a:solidFill>
-                  <a:srgbClr val="FFFFFF"/>
-                </a:solidFill>
-              </a14:hiddenFill>
-            </a:ext>
-            <a:ext uri="{91240B29-F687-4F45-9708-019B960494DF}">
-              <a14:hiddenLine xmlns:a14="http://schemas.microsoft.com/office/drawing/2010/main" w="9525">
-                <a:solidFill>
-                  <a:srgbClr val="000000"/>
-                </a:solidFill>
-                <a:miter lim="800000"/>
-                <a:headEnd/>
-                <a:tailEnd/>
-              </a14:hiddenLine>
-            </a:ext>
-          </a:extLst>
-        </p:spPr>
-        <p:txBody>
-          <a:bodyPr anchor="ctr">
-            <a:spAutoFit/>
-          </a:bodyPr>
-          <a:lstStyle/>
-          <a:p>
-            <a:r>
-              <a:rPr lang="ru-RU" sz="1600" dirty="0"/>
-              <a:t>	Атрибуты – программные средства, позволяющие внеси дополнительную информацию в метаданных, связанных с типом. Все атрибуты делятся на 4 группы</a:t>
-            </a:r>
-            <a:r>
-              <a:rPr lang="en-US" sz="1600" dirty="0"/>
-              <a:t>:</a:t>
-            </a:r>
-          </a:p>
-          <a:p>
-            <a:pPr lvl="1">
-              <a:buFont typeface="Arial" charset="0"/>
-              <a:buChar char="•"/>
-            </a:pPr>
-            <a:r>
-              <a:rPr lang="ru-RU" sz="1600" b="1" i="1" dirty="0"/>
-              <a:t>Атрибуты, используемые компилятором</a:t>
-            </a:r>
-            <a:r>
-              <a:rPr lang="ru-RU" sz="1600" b="1" dirty="0"/>
-              <a:t>. </a:t>
-            </a:r>
-            <a:r>
-              <a:rPr lang="ru-RU" sz="1600" dirty="0"/>
-              <a:t>Информация этих атрибутов используется компилятором для генерации кода.</a:t>
-            </a:r>
-            <a:endParaRPr lang="be-BY" sz="1600" dirty="0"/>
-          </a:p>
-          <a:p>
-            <a:pPr lvl="1">
-              <a:buFont typeface="Arial" charset="0"/>
-              <a:buChar char="•"/>
-            </a:pPr>
-            <a:r>
-              <a:rPr lang="ru-RU" sz="1600" b="1" i="1" dirty="0"/>
-              <a:t>Атрибуты, используемые средой исполнения</a:t>
-            </a:r>
-            <a:r>
-              <a:rPr lang="ru-RU" sz="1600" b="1" dirty="0"/>
-              <a:t>.</a:t>
-            </a:r>
-            <a:endParaRPr lang="be-BY" sz="1600" b="1" dirty="0"/>
-          </a:p>
-          <a:p>
-            <a:pPr lvl="1">
-              <a:buFont typeface="Arial" charset="0"/>
-              <a:buChar char="•"/>
-            </a:pPr>
-            <a:r>
-              <a:rPr lang="ru-RU" sz="1600" b="1" i="1" dirty="0"/>
-              <a:t>Атрибуты, используемые библиотекой классов</a:t>
-            </a:r>
-            <a:r>
-              <a:rPr lang="ru-RU" sz="1600" b="1" dirty="0"/>
-              <a:t>. </a:t>
-            </a:r>
-            <a:r>
-              <a:rPr lang="ru-RU" sz="1600" dirty="0"/>
-              <a:t>Применяются в служебных целях классами, входящими в состав стандартной библиотеки.</a:t>
-            </a:r>
-            <a:endParaRPr lang="be-BY" sz="1600" dirty="0"/>
-          </a:p>
-          <a:p>
-            <a:pPr lvl="1">
-              <a:buFont typeface="Arial" charset="0"/>
-              <a:buChar char="•"/>
-            </a:pPr>
-            <a:r>
-              <a:rPr lang="ru-RU" sz="1600" b="1" i="1" dirty="0"/>
-              <a:t>Пользовательские атрибуты</a:t>
-            </a:r>
-            <a:r>
-              <a:rPr lang="ru-RU" sz="1600" b="1" dirty="0"/>
-              <a:t>. </a:t>
-            </a:r>
-            <a:r>
-              <a:rPr lang="ru-RU" sz="1600" dirty="0"/>
-              <a:t>Это атрибуты, созданные программистом.</a:t>
-            </a:r>
-            <a:endParaRPr lang="en-US" sz="1600" dirty="0"/>
-          </a:p>
-          <a:p>
-            <a:r>
-              <a:rPr lang="en-US" sz="1600" dirty="0"/>
-              <a:t>	</a:t>
-            </a:r>
-            <a:r>
-              <a:rPr lang="ru-RU" sz="1600" dirty="0"/>
-              <a:t>При использовании атрибута,  его имя записывается и квадратных скобках перед тем элементом, к которому он принадлежит, например</a:t>
-            </a:r>
-            <a:r>
-              <a:rPr lang="en-US" sz="1600" dirty="0"/>
-              <a:t>:</a:t>
-            </a:r>
-            <a:endParaRPr lang="ru-RU" sz="1600" dirty="0"/>
-          </a:p>
-        </p:txBody>
-      </p:sp>
-      <p:sp>
-        <p:nvSpPr>
-          <p:cNvPr id="34817" name="Rectangle 1"/>
-          <p:cNvSpPr>
-            <a:spLocks noChangeArrowheads="1"/>
-          </p:cNvSpPr>
-          <p:nvPr/>
-        </p:nvSpPr>
-        <p:spPr bwMode="auto">
-          <a:xfrm>
-            <a:off x="152400" y="3200400"/>
-            <a:ext cx="8839200" cy="862013"/>
-          </a:xfrm>
-          <a:prstGeom prst="rect">
-            <a:avLst/>
-          </a:prstGeom>
-          <a:noFill/>
-          <a:ln w="9525">
-            <a:solidFill>
-              <a:schemeClr val="bg1">
-                <a:lumMod val="65000"/>
-              </a:schemeClr>
-            </a:solidFill>
-            <a:miter lim="800000"/>
-            <a:headEnd/>
-            <a:tailEnd/>
-          </a:ln>
-          <a:effectLst/>
-        </p:spPr>
-        <p:txBody>
-          <a:bodyPr anchor="ctr">
-            <a:spAutoFit/>
-          </a:bodyPr>
-          <a:lstStyle/>
-          <a:p>
-            <a:pPr eaLnBrk="0" hangingPunct="0">
-              <a:defRPr/>
-            </a:pPr>
-            <a:r>
-              <a:rPr lang="be-BY" sz="1000" dirty="0">
-                <a:solidFill>
-                  <a:schemeClr val="bg1"/>
-                </a:solidFill>
-                <a:latin typeface="Courier New" pitchFamily="49" charset="0"/>
-                <a:ea typeface="Calibri" pitchFamily="34" charset="0"/>
-                <a:cs typeface="Courier New" pitchFamily="49" charset="0"/>
-              </a:rPr>
-              <a:t>    [Serializable]</a:t>
-            </a:r>
-            <a:endParaRPr lang="be-BY" sz="900" dirty="0">
-              <a:solidFill>
-                <a:schemeClr val="bg1"/>
-              </a:solidFill>
-              <a:latin typeface="Arial" pitchFamily="34" charset="0"/>
-            </a:endParaRPr>
-          </a:p>
-          <a:p>
-            <a:pPr eaLnBrk="0" hangingPunct="0">
-              <a:defRPr/>
-            </a:pPr>
-            <a:r>
-              <a:rPr lang="be-BY" sz="1000" dirty="0">
-                <a:solidFill>
-                  <a:schemeClr val="bg1"/>
-                </a:solidFill>
-                <a:latin typeface="Courier New" pitchFamily="49" charset="0"/>
-                <a:ea typeface="Calibri" pitchFamily="34" charset="0"/>
-                <a:cs typeface="Courier New" pitchFamily="49" charset="0"/>
-              </a:rPr>
-              <a:t>    class SomeClass</a:t>
-            </a:r>
-            <a:endParaRPr lang="be-BY" sz="900" dirty="0">
-              <a:solidFill>
-                <a:schemeClr val="bg1"/>
-              </a:solidFill>
-              <a:latin typeface="Arial" pitchFamily="34" charset="0"/>
-            </a:endParaRPr>
-          </a:p>
-          <a:p>
-            <a:pPr eaLnBrk="0" hangingPunct="0">
-              <a:defRPr/>
-            </a:pPr>
-            <a:r>
-              <a:rPr lang="be-BY" sz="1000" dirty="0">
-                <a:solidFill>
-                  <a:schemeClr val="bg1"/>
-                </a:solidFill>
-                <a:latin typeface="Courier New" pitchFamily="49" charset="0"/>
-                <a:ea typeface="Calibri" pitchFamily="34" charset="0"/>
-                <a:cs typeface="Courier New" pitchFamily="49" charset="0"/>
-              </a:rPr>
-              <a:t>    {</a:t>
-            </a:r>
-            <a:endParaRPr lang="en-US" sz="1000" dirty="0">
-              <a:solidFill>
-                <a:schemeClr val="bg1"/>
-              </a:solidFill>
-              <a:latin typeface="Courier New" pitchFamily="49" charset="0"/>
-              <a:ea typeface="Calibri" pitchFamily="34" charset="0"/>
-              <a:cs typeface="Courier New" pitchFamily="49" charset="0"/>
-            </a:endParaRPr>
-          </a:p>
-          <a:p>
-            <a:pPr eaLnBrk="0" hangingPunct="0">
-              <a:defRPr/>
-            </a:pPr>
-            <a:r>
-              <a:rPr lang="en-US" sz="1000" dirty="0">
-                <a:solidFill>
-                  <a:schemeClr val="bg1"/>
-                </a:solidFill>
-                <a:latin typeface="Courier New" pitchFamily="49" charset="0"/>
-                <a:cs typeface="Courier New" pitchFamily="49" charset="0"/>
-              </a:rPr>
-              <a:t>. . . . . . . . . . . . . . . . . .</a:t>
-            </a:r>
-            <a:endParaRPr lang="be-BY" sz="900" dirty="0">
-              <a:solidFill>
-                <a:schemeClr val="bg1"/>
-              </a:solidFill>
-              <a:latin typeface="Arial" pitchFamily="34" charset="0"/>
-            </a:endParaRPr>
-          </a:p>
-          <a:p>
-            <a:pPr eaLnBrk="0" hangingPunct="0">
-              <a:defRPr/>
-            </a:pPr>
-            <a:r>
-              <a:rPr lang="be-BY" sz="1000" dirty="0">
-                <a:solidFill>
-                  <a:schemeClr val="bg1"/>
-                </a:solidFill>
-                <a:latin typeface="Courier New" pitchFamily="49" charset="0"/>
-                <a:ea typeface="Calibri" pitchFamily="34" charset="0"/>
-                <a:cs typeface="Courier New" pitchFamily="49" charset="0"/>
-              </a:rPr>
-              <a:t>    }</a:t>
-            </a:r>
-            <a:endParaRPr lang="be-BY" dirty="0">
-              <a:solidFill>
-                <a:schemeClr val="bg1"/>
-              </a:solidFill>
-              <a:latin typeface="Arial" pitchFamily="34" charset="0"/>
-            </a:endParaRPr>
-          </a:p>
-        </p:txBody>
-      </p:sp>
-      <p:sp>
-        <p:nvSpPr>
-          <p:cNvPr id="10245" name="Rectangle 3"/>
-          <p:cNvSpPr>
-            <a:spLocks noChangeArrowheads="1"/>
-          </p:cNvSpPr>
-          <p:nvPr/>
-        </p:nvSpPr>
-        <p:spPr bwMode="auto">
-          <a:xfrm>
-            <a:off x="152400" y="4090988"/>
-            <a:ext cx="8839200" cy="862012"/>
-          </a:xfrm>
-          <a:prstGeom prst="rect">
-            <a:avLst/>
-          </a:prstGeom>
-          <a:noFill/>
-          <a:ln>
-            <a:noFill/>
-          </a:ln>
-          <a:extLst>
-            <a:ext uri="{909E8E84-426E-40DD-AFC4-6F175D3DCCD1}">
-              <a14:hiddenFill xmlns:a14="http://schemas.microsoft.com/office/drawing/2010/main">
-                <a:solidFill>
-                  <a:srgbClr val="FFFFFF"/>
-                </a:solidFill>
-              </a14:hiddenFill>
-            </a:ext>
-            <a:ext uri="{91240B29-F687-4F45-9708-019B960494DF}">
-              <a14:hiddenLine xmlns:a14="http://schemas.microsoft.com/office/drawing/2010/main" w="9525">
-                <a:solidFill>
-                  <a:srgbClr val="000000"/>
-                </a:solidFill>
-                <a:miter lim="800000"/>
-                <a:headEnd/>
-                <a:tailEnd/>
-              </a14:hiddenLine>
-            </a:ext>
-          </a:extLst>
-        </p:spPr>
-        <p:txBody>
-          <a:bodyPr anchor="ctr">
-            <a:spAutoFit/>
-          </a:bodyPr>
-          <a:lstStyle/>
-          <a:p>
-            <a:r>
-              <a:rPr lang="ru-RU" sz="1600"/>
-              <a:t>Если возникает двусмысленность в принадлежности атрибута тому или другому элементу можно воспользоваться специальным модификатором</a:t>
-            </a:r>
-            <a:r>
-              <a:rPr lang="en-US" sz="1600"/>
-              <a:t>:</a:t>
-            </a:r>
-          </a:p>
-          <a:p>
-            <a:r>
-              <a:rPr lang="en-US" sz="1600"/>
-              <a:t>	</a:t>
-            </a:r>
-            <a:r>
-              <a:rPr lang="ru-RU" sz="1600" b="1"/>
-              <a:t>assembly, </a:t>
-            </a:r>
-            <a:r>
-              <a:rPr lang="en-US" sz="1600" b="1"/>
-              <a:t>module</a:t>
-            </a:r>
-            <a:r>
-              <a:rPr lang="ru-RU" sz="1600" b="1"/>
-              <a:t>, </a:t>
-            </a:r>
-            <a:r>
-              <a:rPr lang="en-US" sz="1600" b="1"/>
-              <a:t>field</a:t>
-            </a:r>
-            <a:r>
-              <a:rPr lang="ru-RU" sz="1600" b="1"/>
-              <a:t>, </a:t>
-            </a:r>
-            <a:r>
-              <a:rPr lang="en-US" sz="1600" b="1"/>
-              <a:t>event</a:t>
-            </a:r>
-            <a:r>
-              <a:rPr lang="ru-RU" sz="1600" b="1"/>
-              <a:t>, </a:t>
-            </a:r>
-            <a:r>
-              <a:rPr lang="en-US" sz="1600" b="1"/>
-              <a:t>method</a:t>
-            </a:r>
-            <a:r>
-              <a:rPr lang="ru-RU" sz="1600" b="1"/>
-              <a:t>, </a:t>
-            </a:r>
-            <a:r>
-              <a:rPr lang="en-US" sz="1600" b="1"/>
-              <a:t>param</a:t>
-            </a:r>
-            <a:r>
-              <a:rPr lang="ru-RU" sz="1600" b="1"/>
-              <a:t>, property, return, type</a:t>
-            </a:r>
-          </a:p>
-        </p:txBody>
-      </p:sp>
-      <p:sp>
-        <p:nvSpPr>
-          <p:cNvPr id="34818" name="Rectangle 2"/>
-          <p:cNvSpPr>
-            <a:spLocks noChangeArrowheads="1"/>
-          </p:cNvSpPr>
-          <p:nvPr/>
-        </p:nvSpPr>
-        <p:spPr bwMode="auto">
-          <a:xfrm>
-            <a:off x="152400" y="4953000"/>
-            <a:ext cx="8839200" cy="369888"/>
-          </a:xfrm>
-          <a:prstGeom prst="rect">
-            <a:avLst/>
-          </a:prstGeom>
-          <a:noFill/>
-          <a:ln w="9525">
-            <a:solidFill>
-              <a:schemeClr val="bg1">
-                <a:lumMod val="65000"/>
-              </a:schemeClr>
-            </a:solidFill>
-            <a:miter lim="800000"/>
-            <a:headEnd/>
-            <a:tailEnd/>
-          </a:ln>
-          <a:effectLst/>
-        </p:spPr>
-        <p:txBody>
-          <a:bodyPr anchor="ctr">
-            <a:spAutoFit/>
-          </a:bodyPr>
-          <a:lstStyle/>
-          <a:p>
-            <a:pPr eaLnBrk="0" hangingPunct="0">
-              <a:defRPr/>
-            </a:pPr>
-            <a:r>
-              <a:rPr lang="be-BY" dirty="0">
-                <a:solidFill>
-                  <a:schemeClr val="bg1"/>
-                </a:solidFill>
-                <a:latin typeface="Courier New" pitchFamily="49" charset="0"/>
-                <a:ea typeface="Calibri" pitchFamily="34" charset="0"/>
-                <a:cs typeface="Courier New" pitchFamily="49" charset="0"/>
-              </a:rPr>
-              <a:t>    [class: Serializable]</a:t>
-            </a:r>
-            <a:endParaRPr lang="be-BY" dirty="0">
-              <a:solidFill>
-                <a:schemeClr val="bg1"/>
-              </a:solidFill>
-              <a:latin typeface="Arial" pitchFamily="34" charset="0"/>
-            </a:endParaRPr>
-          </a:p>
-        </p:txBody>
-      </p:sp>
-      <p:sp>
-        <p:nvSpPr>
-          <p:cNvPr id="10247" name="Rectangle 3"/>
-          <p:cNvSpPr>
-            <a:spLocks noChangeArrowheads="1"/>
-          </p:cNvSpPr>
-          <p:nvPr/>
-        </p:nvSpPr>
-        <p:spPr bwMode="auto">
-          <a:xfrm>
-            <a:off x="152400" y="5310188"/>
-            <a:ext cx="8839200" cy="831850"/>
-          </a:xfrm>
-          <a:prstGeom prst="rect">
-            <a:avLst/>
-          </a:prstGeom>
-          <a:noFill/>
-          <a:ln>
-            <a:noFill/>
-          </a:ln>
-          <a:extLst>
-            <a:ext uri="{909E8E84-426E-40DD-AFC4-6F175D3DCCD1}">
-              <a14:hiddenFill xmlns:a14="http://schemas.microsoft.com/office/drawing/2010/main">
-                <a:solidFill>
-                  <a:srgbClr val="FFFFFF"/>
-                </a:solidFill>
-              </a14:hiddenFill>
-            </a:ext>
-            <a:ext uri="{91240B29-F687-4F45-9708-019B960494DF}">
-              <a14:hiddenLine xmlns:a14="http://schemas.microsoft.com/office/drawing/2010/main" w="9525">
-                <a:solidFill>
-                  <a:srgbClr val="000000"/>
-                </a:solidFill>
-                <a:miter lim="800000"/>
-                <a:headEnd/>
-                <a:tailEnd/>
-              </a14:hiddenLine>
-            </a:ext>
-          </a:extLst>
-        </p:spPr>
-        <p:txBody>
-          <a:bodyPr anchor="ctr">
-            <a:spAutoFit/>
-          </a:bodyPr>
-          <a:lstStyle/>
-          <a:p>
-            <a:r>
-              <a:rPr lang="ru-RU" sz="1600"/>
-              <a:t>Так как атрибут – это класс, унаследованный от </a:t>
-            </a:r>
-            <a:r>
-              <a:rPr lang="en-US" sz="1600"/>
-              <a:t>System.Attribute,</a:t>
-            </a:r>
-            <a:r>
-              <a:rPr lang="ru-RU" sz="1600"/>
-              <a:t> то он может иметь конструктор с параметрами. В этому случае, параметры записываются в скобках после имения атрибута.</a:t>
-            </a:r>
-          </a:p>
-        </p:txBody>
-      </p:sp>
-      <p:sp>
-        <p:nvSpPr>
-          <p:cNvPr id="34819" name="Rectangle 3"/>
-          <p:cNvSpPr>
-            <a:spLocks noChangeArrowheads="1"/>
-          </p:cNvSpPr>
-          <p:nvPr/>
-        </p:nvSpPr>
-        <p:spPr bwMode="auto">
-          <a:xfrm>
-            <a:off x="152400" y="6248400"/>
-            <a:ext cx="8839200" cy="369888"/>
-          </a:xfrm>
-          <a:prstGeom prst="rect">
-            <a:avLst/>
-          </a:prstGeom>
-          <a:noFill/>
-          <a:ln w="9525">
-            <a:solidFill>
-              <a:schemeClr val="bg1">
-                <a:lumMod val="65000"/>
-              </a:schemeClr>
-            </a:solidFill>
-            <a:miter lim="800000"/>
-            <a:headEnd/>
-            <a:tailEnd/>
-          </a:ln>
-          <a:effectLst/>
-        </p:spPr>
-        <p:txBody>
-          <a:bodyPr anchor="ctr">
-            <a:spAutoFit/>
-          </a:bodyPr>
-          <a:lstStyle/>
-          <a:p>
-            <a:pPr eaLnBrk="0" hangingPunct="0">
-              <a:defRPr/>
-            </a:pPr>
-            <a:r>
-              <a:rPr lang="be-BY" dirty="0">
-                <a:solidFill>
-                  <a:schemeClr val="bg1"/>
-                </a:solidFill>
-                <a:latin typeface="Courier New" pitchFamily="49" charset="0"/>
-                <a:ea typeface="Calibri" pitchFamily="34" charset="0"/>
-                <a:cs typeface="Courier New" pitchFamily="49" charset="0"/>
-              </a:rPr>
-              <a:t>    </a:t>
-            </a:r>
-            <a:r>
-              <a:rPr lang="en-US" dirty="0">
-                <a:solidFill>
-                  <a:schemeClr val="bg1"/>
-                </a:solidFill>
-                <a:latin typeface="Courier New" pitchFamily="49" charset="0"/>
-                <a:ea typeface="Calibri" pitchFamily="34" charset="0"/>
-                <a:cs typeface="Courier New" pitchFamily="49" charset="0"/>
-              </a:rPr>
-              <a:t>[</a:t>
-            </a:r>
-            <a:r>
-              <a:rPr lang="be-BY" dirty="0">
-                <a:solidFill>
-                  <a:schemeClr val="bg1"/>
-                </a:solidFill>
-                <a:latin typeface="Courier New" pitchFamily="49" charset="0"/>
-                <a:ea typeface="Calibri" pitchFamily="34" charset="0"/>
-                <a:cs typeface="Courier New" pitchFamily="49" charset="0"/>
-              </a:rPr>
-              <a:t>DllImport("system.dll")]</a:t>
-            </a:r>
-            <a:endParaRPr lang="be-BY" dirty="0">
-              <a:solidFill>
-                <a:schemeClr val="bg1"/>
-              </a:solidFill>
-              <a:latin typeface="Arial" pitchFamily="34" charset="0"/>
-            </a:endParaRPr>
-          </a:p>
-        </p:txBody>
-      </p:sp>
-    </p:spTree>
-    <p:extLst>
-      <p:ext uri="{BB962C8B-B14F-4D97-AF65-F5344CB8AC3E}">
-        <p14:creationId xmlns:p14="http://schemas.microsoft.com/office/powerpoint/2010/main" val="1869373615"/>
-      </p:ext>
-    </p:extLst>
-  </p:cSld>
-  <p:clrMapOvr>
-    <a:masterClrMapping/>
-  </p:clrMapOvr>
-  <p:timing>
-    <p:tnLst>
-      <p:par>
-        <p:cTn id="1" dur="indefinite" restart="never" nodeType="tmRoot"/>
-      </p:par>
-    </p:tnLst>
-  </p:timing>
-</p:sld>
-</file>
-
-<file path=ppt/slides/slide30.xml><?xml version="1.0" encoding="utf-8"?>
+<file path=ppt/slides/slide31.xml><?xml version="1.0" encoding="utf-8"?>
 <p:sld xmlns:a="http://schemas.openxmlformats.org/drawingml/2006/main" xmlns:r="http://schemas.openxmlformats.org/officeDocument/2006/relationships" xmlns:p="http://schemas.openxmlformats.org/presentationml/2006/main">
   <p:cSld>
     <p:spTree>
@@ -13729,11 +13910,7 @@
             </a:r>
             <a:r>
               <a:rPr lang="en-US" dirty="0" smtClean="0"/>
-              <a:t>.NET </a:t>
-            </a:r>
-            <a:r>
-              <a:rPr lang="en-US" dirty="0" smtClean="0"/>
-              <a:t>4 </a:t>
+              <a:t>.NET 4 </a:t>
             </a:r>
             <a:r>
               <a:rPr lang="ru-RU" dirty="0" smtClean="0"/>
@@ -13743,7 +13920,6 @@
               <a:rPr lang="en-US" dirty="0" smtClean="0"/>
               <a:t>)</a:t>
             </a:r>
-            <a:endParaRPr lang="en-US" dirty="0" smtClean="0"/>
           </a:p>
           <a:p>
             <a:r>
@@ -13846,7 +14022,7 @@
 </p:sld>
 </file>
 
-<file path=ppt/slides/slide31.xml><?xml version="1.0" encoding="utf-8"?>
+<file path=ppt/slides/slide32.xml><?xml version="1.0" encoding="utf-8"?>
 <p:sld xmlns:a="http://schemas.openxmlformats.org/drawingml/2006/main" xmlns:r="http://schemas.openxmlformats.org/officeDocument/2006/relationships" xmlns:p="http://schemas.openxmlformats.org/presentationml/2006/main">
   <p:cSld>
     <p:spTree>
@@ -14219,7 +14395,7 @@
 </p:sld>
 </file>
 
-<file path=ppt/slides/slide32.xml><?xml version="1.0" encoding="utf-8"?>
+<file path=ppt/slides/slide33.xml><?xml version="1.0" encoding="utf-8"?>
 <p:sld xmlns:a="http://schemas.openxmlformats.org/drawingml/2006/main" xmlns:r="http://schemas.openxmlformats.org/officeDocument/2006/relationships" xmlns:p="http://schemas.openxmlformats.org/presentationml/2006/main">
   <p:cSld>
     <p:spTree>
@@ -14914,159 +15090,6 @@
     <p:extLst>
       <p:ext uri="{BB962C8B-B14F-4D97-AF65-F5344CB8AC3E}">
         <p14:creationId xmlns:p14="http://schemas.microsoft.com/office/powerpoint/2010/main" val="3864391885"/>
-      </p:ext>
-    </p:extLst>
-  </p:cSld>
-  <p:clrMapOvr>
-    <a:masterClrMapping/>
-  </p:clrMapOvr>
-  <p:timing>
-    <p:tnLst>
-      <p:par>
-        <p:cTn id="1" dur="indefinite" restart="never" nodeType="tmRoot"/>
-      </p:par>
-    </p:tnLst>
-  </p:timing>
-</p:sld>
-</file>
-
-<file path=ppt/slides/slide33.xml><?xml version="1.0" encoding="utf-8"?>
-<p:sld xmlns:a="http://schemas.openxmlformats.org/drawingml/2006/main" xmlns:r="http://schemas.openxmlformats.org/officeDocument/2006/relationships" xmlns:p="http://schemas.openxmlformats.org/presentationml/2006/main">
-  <p:cSld>
-    <p:spTree>
-      <p:nvGrpSpPr>
-        <p:cNvPr id="1" name=""/>
-        <p:cNvGrpSpPr/>
-        <p:nvPr/>
-      </p:nvGrpSpPr>
-      <p:grpSpPr>
-        <a:xfrm>
-          <a:off x="0" y="0"/>
-          <a:ext cx="0" cy="0"/>
-          <a:chOff x="0" y="0"/>
-          <a:chExt cx="0" cy="0"/>
-        </a:xfrm>
-      </p:grpSpPr>
-      <p:sp>
-        <p:nvSpPr>
-          <p:cNvPr id="2" name="Title 1"/>
-          <p:cNvSpPr>
-            <a:spLocks noGrp="1"/>
-          </p:cNvSpPr>
-          <p:nvPr>
-            <p:ph type="title"/>
-          </p:nvPr>
-        </p:nvSpPr>
-        <p:spPr/>
-        <p:txBody>
-          <a:bodyPr/>
-          <a:lstStyle/>
-          <a:p>
-            <a:r>
-              <a:rPr lang="en-US" dirty="0" smtClean="0"/>
-              <a:t>Portable Class Library</a:t>
-            </a:r>
-            <a:endParaRPr lang="en-US" dirty="0"/>
-          </a:p>
-        </p:txBody>
-      </p:sp>
-      <p:sp>
-        <p:nvSpPr>
-          <p:cNvPr id="3" name="Content Placeholder 2"/>
-          <p:cNvSpPr>
-            <a:spLocks noGrp="1"/>
-          </p:cNvSpPr>
-          <p:nvPr>
-            <p:ph idx="1"/>
-          </p:nvPr>
-        </p:nvSpPr>
-        <p:spPr/>
-        <p:txBody>
-          <a:bodyPr>
-            <a:normAutofit fontScale="92500" lnSpcReduction="20000"/>
-          </a:bodyPr>
-          <a:lstStyle/>
-          <a:p>
-            <a:pPr marL="0" indent="0">
-              <a:buNone/>
-            </a:pPr>
-            <a:r>
-              <a:rPr lang="ru-RU" dirty="0" smtClean="0"/>
-              <a:t>Проекты </a:t>
-            </a:r>
-            <a:r>
-              <a:rPr lang="en-US" dirty="0"/>
-              <a:t>Portable Class </a:t>
-            </a:r>
-            <a:r>
-              <a:rPr lang="en-US" dirty="0" smtClean="0"/>
-              <a:t>Library</a:t>
-            </a:r>
-            <a:r>
-              <a:rPr lang="ru-RU" dirty="0" smtClean="0"/>
-              <a:t> позволяют создавать сборки переносимые между разными </a:t>
-            </a:r>
-            <a:r>
-              <a:rPr lang="en-US" dirty="0" smtClean="0"/>
-              <a:t>.NET </a:t>
-            </a:r>
-            <a:r>
-              <a:rPr lang="ru-RU" dirty="0" smtClean="0"/>
-              <a:t>платформами: </a:t>
-            </a:r>
-            <a:r>
-              <a:rPr lang="en-US" dirty="0" smtClean="0"/>
-              <a:t>Windows, Windows Store (Metro), Silverlight, Windows Phone, Xbox 360. </a:t>
-            </a:r>
-            <a:r>
-              <a:rPr lang="ru-RU" dirty="0" smtClean="0"/>
-              <a:t>При создании проекта мы вибираем под какие платформы мы создаем библиотеку и тем самым добровольно ограничиваем себе возможности ради переносимости.</a:t>
-            </a:r>
-          </a:p>
-          <a:p>
-            <a:pPr marL="0" indent="0">
-              <a:buNone/>
-            </a:pPr>
-            <a:endParaRPr lang="ru-RU" dirty="0"/>
-          </a:p>
-          <a:p>
-            <a:pPr marL="0" indent="0">
-              <a:buNone/>
-            </a:pPr>
-            <a:r>
-              <a:rPr lang="ru-RU" dirty="0" smtClean="0"/>
-              <a:t>Подробности смотрите в </a:t>
-            </a:r>
-            <a:r>
-              <a:rPr lang="en-US" dirty="0" smtClean="0">
-                <a:hlinkClick r:id="rId2"/>
-              </a:rPr>
-              <a:t>Cross-Platform </a:t>
-            </a:r>
-            <a:r>
-              <a:rPr lang="en-US" dirty="0">
-                <a:hlinkClick r:id="rId2"/>
-              </a:rPr>
-              <a:t>Development with the .NET </a:t>
-            </a:r>
-            <a:r>
-              <a:rPr lang="en-US" dirty="0" smtClean="0">
-                <a:hlinkClick r:id="rId2"/>
-              </a:rPr>
-              <a:t>Framework</a:t>
-            </a:r>
-            <a:r>
-              <a:rPr lang="ru-RU" dirty="0" smtClean="0"/>
-              <a:t>.</a:t>
-            </a:r>
-            <a:endParaRPr lang="en-US" dirty="0"/>
-          </a:p>
-        </p:txBody>
-      </p:sp>
-    </p:spTree>
-    <p:extLst>
-      <p:ext uri="{BB962C8B-B14F-4D97-AF65-F5344CB8AC3E}">
-        <p14:creationId xmlns:p14="http://schemas.microsoft.com/office/powerpoint/2010/main" val="2977831934"/>
       </p:ext>
     </p:extLst>
   </p:cSld>
@@ -15117,19 +15140,7 @@
           <a:p>
             <a:r>
               <a:rPr lang="en-US" dirty="0" smtClean="0"/>
-              <a:t>CLS</a:t>
-            </a:r>
-            <a:r>
-              <a:rPr lang="ru-RU" dirty="0" smtClean="0"/>
-              <a:t> совместимые</a:t>
-            </a:r>
-            <a:r>
-              <a:rPr lang="en-US" dirty="0" smtClean="0"/>
-              <a:t> </a:t>
-            </a:r>
-            <a:r>
-              <a:rPr lang="ru-RU" dirty="0" smtClean="0"/>
-              <a:t>сборки</a:t>
+              <a:t>Portable Class Library</a:t>
             </a:r>
             <a:endParaRPr lang="en-US" dirty="0"/>
           </a:p>
@@ -15145,15 +15156,10 @@
             <p:ph idx="1"/>
           </p:nvPr>
         </p:nvSpPr>
-        <p:spPr>
-          <a:xfrm>
-            <a:off x="242616" y="1556792"/>
-            <a:ext cx="8649864" cy="4061048"/>
-          </a:xfrm>
-        </p:spPr>
+        <p:spPr/>
         <p:txBody>
           <a:bodyPr>
-            <a:normAutofit fontScale="70000" lnSpcReduction="20000"/>
+            <a:normAutofit fontScale="92500" lnSpcReduction="20000"/>
           </a:bodyPr>
           <a:lstStyle/>
           <a:p>
@@ -15162,233 +15168,81 @@
             </a:pPr>
             <a:r>
               <a:rPr lang="ru-RU" dirty="0" smtClean="0"/>
-              <a:t>Если вы создает библиотеку (сборку) для внешнего использования и хотите быть уверенными что её можно будет использовать из программ написанных на других языках (таких как </a:t>
+              <a:t>Проекты </a:t>
+            </a:r>
+            <a:r>
+              <a:rPr lang="en-US" dirty="0"/>
+              <a:t>Portable Class </a:t>
             </a:r>
             <a:r>
               <a:rPr lang="en-US" dirty="0" smtClean="0"/>
-              <a:t>VB.NET, F# </a:t>
+              <a:t>Library</a:t>
             </a:r>
             <a:r>
               <a:rPr lang="ru-RU" dirty="0" smtClean="0"/>
-              <a:t>и других)</a:t>
+              <a:t> позволяют создавать сборки переносимые между разными </a:t>
             </a:r>
             <a:r>
               <a:rPr lang="en-US" dirty="0" smtClean="0"/>
-              <a:t>, </a:t>
+              <a:t>.NET </a:t>
             </a:r>
             <a:r>
               <a:rPr lang="ru-RU" dirty="0" smtClean="0"/>
-              <a:t>то добавьте к свой сборке атрибут </a:t>
-            </a:r>
-            <a:r>
-              <a:rPr lang="en-US" dirty="0" err="1" smtClean="0"/>
-              <a:t>System.CLSCompliantAttribute</a:t>
+              <a:t>платформами: </a:t>
             </a:r>
             <a:r>
               <a:rPr lang="en-US" dirty="0" smtClean="0"/>
-              <a:t>.</a:t>
+              <a:t>Windows, Windows Store (Metro), Silverlight, Windows Phone, Xbox 360. </a:t>
+            </a:r>
+            <a:r>
+              <a:rPr lang="ru-RU" dirty="0" smtClean="0"/>
+              <a:t>При создании проекта мы вибираем под какие платформы мы создаем библиотеку и тем самым добровольно ограничиваем себе возможности ради переносимости.</a:t>
             </a:r>
           </a:p>
           <a:p>
             <a:pPr marL="0" indent="0">
               <a:buNone/>
             </a:pPr>
-            <a:endParaRPr lang="en-US" dirty="0"/>
+            <a:endParaRPr lang="ru-RU" dirty="0"/>
           </a:p>
           <a:p>
             <a:pPr marL="0" indent="0">
               <a:buNone/>
             </a:pPr>
             <a:r>
-              <a:rPr lang="en-US" dirty="0" smtClean="0"/>
-              <a:t>CLS </a:t>
-            </a:r>
-            <a:r>
               <a:rPr lang="ru-RU" dirty="0" smtClean="0"/>
-              <a:t>(</a:t>
-            </a:r>
-            <a:r>
-              <a:rPr lang="en-US" dirty="0" smtClean="0"/>
-              <a:t>Common Language Specification</a:t>
-            </a:r>
-            <a:r>
-              <a:rPr lang="ru-RU" dirty="0" smtClean="0"/>
-              <a:t>)</a:t>
-            </a:r>
-            <a:r>
-              <a:rPr lang="en-US" dirty="0" smtClean="0"/>
-              <a:t> </a:t>
-            </a:r>
-            <a:r>
-              <a:rPr lang="ru-RU" dirty="0" smtClean="0"/>
-              <a:t>является набором требований (ограничений) к языку позволяющее ему «бесшовно» взаимодействовать с программами на других языках. Это необходимо так как, </a:t>
-            </a:r>
-            <a:r>
-              <a:rPr lang="ru-RU" dirty="0"/>
-              <a:t>н</a:t>
-            </a:r>
-            <a:r>
-              <a:rPr lang="ru-RU" dirty="0" smtClean="0"/>
-              <a:t>есмотря на наличие «общего знаменателя» в виде </a:t>
-            </a:r>
-            <a:r>
-              <a:rPr lang="en-US" dirty="0" smtClean="0"/>
-              <a:t>IL </a:t>
-            </a:r>
-            <a:r>
-              <a:rPr lang="ru-RU" dirty="0" smtClean="0"/>
-              <a:t>кода, языки могут иметь весьма сильные различия. Компилятор </a:t>
-            </a:r>
-            <a:r>
-              <a:rPr lang="en-US" dirty="0" smtClean="0"/>
-              <a:t>C# </a:t>
-            </a:r>
-            <a:r>
-              <a:rPr lang="ru-RU" smtClean="0"/>
-              <a:t>проверяет </a:t>
-            </a:r>
-            <a:r>
-              <a:rPr lang="ru-RU" dirty="0" smtClean="0"/>
-              <a:t>программу на соответствие этим требованиям, только при наличии атрибута </a:t>
-            </a:r>
-            <a:r>
-              <a:rPr lang="en-US" dirty="0" err="1" smtClean="0"/>
-              <a:t>CLSCompliant</a:t>
+              <a:t>Подробности смотрите в </a:t>
+            </a:r>
+            <a:r>
+              <a:rPr lang="en-US" dirty="0" smtClean="0">
+                <a:hlinkClick r:id="rId2"/>
+              </a:rPr>
+              <a:t>Cross-Platform </a:t>
+            </a:r>
+            <a:r>
+              <a:rPr lang="en-US" dirty="0">
+                <a:hlinkClick r:id="rId2"/>
+              </a:rPr>
+              <a:t>Development with the .NET </a:t>
+            </a:r>
+            <a:r>
+              <a:rPr lang="en-US" dirty="0" smtClean="0">
+                <a:hlinkClick r:id="rId2"/>
+              </a:rPr>
+              <a:t>Framework</a:t>
             </a:r>
             <a:r>
               <a:rPr lang="ru-RU" dirty="0" smtClean="0"/>
               <a:t>.</a:t>
             </a:r>
             <a:endParaRPr lang="en-US" dirty="0"/>
-          </a:p>
-        </p:txBody>
-      </p:sp>
-      <p:sp>
-        <p:nvSpPr>
-          <p:cNvPr id="4" name="TextBox 3"/>
-          <p:cNvSpPr txBox="1"/>
-          <p:nvPr/>
-        </p:nvSpPr>
-        <p:spPr>
-          <a:xfrm>
-            <a:off x="251520" y="5805264"/>
-            <a:ext cx="8640960" cy="307777"/>
-          </a:xfrm>
-          <a:prstGeom prst="rect">
-            <a:avLst/>
-          </a:prstGeom>
-          <a:solidFill>
-            <a:schemeClr val="bg1"/>
-          </a:solidFill>
-        </p:spPr>
-        <p:txBody>
-          <a:bodyPr wrap="square" rtlCol="0">
-            <a:spAutoFit/>
-          </a:bodyPr>
-          <a:lstStyle/>
-          <a:p>
-            <a:r>
-              <a:rPr lang="en-US" sz="1400" dirty="0" smtClean="0">
-                <a:solidFill>
-                  <a:srgbClr val="000000"/>
-                </a:solidFill>
-                <a:highlight>
-                  <a:srgbClr val="FFFFFF"/>
-                </a:highlight>
-                <a:latin typeface="Courier New" panose="02070309020205020404" pitchFamily="49" charset="0"/>
-                <a:cs typeface="Courier New" panose="02070309020205020404" pitchFamily="49" charset="0"/>
-              </a:rPr>
-              <a:t>[</a:t>
-            </a:r>
-            <a:r>
-              <a:rPr lang="en-US" sz="1400" dirty="0" smtClean="0">
-                <a:solidFill>
-                  <a:srgbClr val="0000FF"/>
-                </a:solidFill>
-                <a:highlight>
-                  <a:srgbClr val="FFFFFF"/>
-                </a:highlight>
-                <a:latin typeface="Courier New" panose="02070309020205020404" pitchFamily="49" charset="0"/>
-                <a:cs typeface="Courier New" panose="02070309020205020404" pitchFamily="49" charset="0"/>
-              </a:rPr>
-              <a:t>assembly</a:t>
-            </a:r>
-            <a:r>
-              <a:rPr lang="en-US" sz="1400" dirty="0">
-                <a:solidFill>
-                  <a:srgbClr val="000000"/>
-                </a:solidFill>
-                <a:highlight>
-                  <a:srgbClr val="FFFFFF"/>
-                </a:highlight>
-                <a:latin typeface="Courier New" panose="02070309020205020404" pitchFamily="49" charset="0"/>
-                <a:cs typeface="Courier New" panose="02070309020205020404" pitchFamily="49" charset="0"/>
-              </a:rPr>
-              <a:t>: </a:t>
-            </a:r>
-            <a:r>
-              <a:rPr lang="en-US" sz="1400" dirty="0" err="1">
-                <a:solidFill>
-                  <a:srgbClr val="2B91AF"/>
-                </a:solidFill>
-                <a:highlight>
-                  <a:srgbClr val="FFFFFF"/>
-                </a:highlight>
-                <a:latin typeface="Courier New" panose="02070309020205020404" pitchFamily="49" charset="0"/>
-                <a:cs typeface="Courier New" panose="02070309020205020404" pitchFamily="49" charset="0"/>
-              </a:rPr>
-              <a:t>CLSCompliant</a:t>
-            </a:r>
-            <a:r>
-              <a:rPr lang="en-US" sz="1400" dirty="0">
-                <a:solidFill>
-                  <a:srgbClr val="000000"/>
-                </a:solidFill>
-                <a:highlight>
-                  <a:srgbClr val="FFFFFF"/>
-                </a:highlight>
-                <a:latin typeface="Courier New" panose="02070309020205020404" pitchFamily="49" charset="0"/>
-                <a:cs typeface="Courier New" panose="02070309020205020404" pitchFamily="49" charset="0"/>
-              </a:rPr>
-              <a:t>(</a:t>
-            </a:r>
-            <a:r>
-              <a:rPr lang="en-US" sz="1400" dirty="0">
-                <a:solidFill>
-                  <a:srgbClr val="0000FF"/>
-                </a:solidFill>
-                <a:highlight>
-                  <a:srgbClr val="FFFFFF"/>
-                </a:highlight>
-                <a:latin typeface="Courier New" panose="02070309020205020404" pitchFamily="49" charset="0"/>
-                <a:cs typeface="Courier New" panose="02070309020205020404" pitchFamily="49" charset="0"/>
-              </a:rPr>
-              <a:t>true</a:t>
-            </a:r>
-            <a:r>
-              <a:rPr lang="en-US" sz="1400" dirty="0" smtClean="0">
-                <a:solidFill>
-                  <a:srgbClr val="000000"/>
-                </a:solidFill>
-                <a:highlight>
-                  <a:srgbClr val="FFFFFF"/>
-                </a:highlight>
-                <a:latin typeface="Courier New" panose="02070309020205020404" pitchFamily="49" charset="0"/>
-                <a:cs typeface="Courier New" panose="02070309020205020404" pitchFamily="49" charset="0"/>
-              </a:rPr>
-              <a:t>)]</a:t>
-            </a:r>
-            <a:endParaRPr lang="ru-RU" sz="1400" dirty="0" smtClean="0">
-              <a:latin typeface="Courier New" panose="02070309020205020404" pitchFamily="49" charset="0"/>
-              <a:cs typeface="Courier New" panose="02070309020205020404" pitchFamily="49" charset="0"/>
-            </a:endParaRPr>
           </a:p>
         </p:txBody>
       </p:sp>
     </p:spTree>
     <p:extLst>
       <p:ext uri="{BB962C8B-B14F-4D97-AF65-F5344CB8AC3E}">
-        <p14:creationId xmlns:p14="http://schemas.microsoft.com/office/powerpoint/2010/main" val="910520611"/>
+        <p14:creationId xmlns:p14="http://schemas.microsoft.com/office/powerpoint/2010/main" val="2977831934"/>
       </p:ext>
     </p:extLst>
   </p:cSld>
@@ -15432,27 +15286,28 @@
             <p:ph type="title"/>
           </p:nvPr>
         </p:nvSpPr>
-        <p:spPr>
-          <a:xfrm>
-            <a:off x="457200" y="274638"/>
-            <a:ext cx="8229600" cy="778098"/>
-          </a:xfrm>
-        </p:spPr>
+        <p:spPr/>
         <p:txBody>
-          <a:bodyPr>
-            <a:normAutofit/>
-          </a:bodyPr>
+          <a:bodyPr/>
           <a:lstStyle/>
           <a:p>
             <a:r>
-              <a:rPr lang="ru-RU" sz="3600" dirty="0" smtClean="0"/>
-              <a:t>Добавление ссылок с помощью </a:t>
-            </a:r>
-            <a:r>
-              <a:rPr lang="en-US" sz="3600" dirty="0" smtClean="0"/>
-              <a:t>NuGet</a:t>
-            </a:r>
-            <a:endParaRPr lang="ru-RU" sz="3600" dirty="0"/>
+              <a:rPr lang="en-US" dirty="0" smtClean="0"/>
+              <a:t>CLS</a:t>
+            </a:r>
+            <a:r>
+              <a:rPr lang="ru-RU" dirty="0" smtClean="0"/>
+              <a:t> совместимые</a:t>
+            </a:r>
+            <a:r>
+              <a:rPr lang="en-US" dirty="0" smtClean="0"/>
+              <a:t> </a:t>
+            </a:r>
+            <a:r>
+              <a:rPr lang="ru-RU" dirty="0" smtClean="0"/>
+              <a:t>сборки</a:t>
+            </a:r>
+            <a:endParaRPr lang="en-US" dirty="0"/>
           </a:p>
         </p:txBody>
       </p:sp>
@@ -15468,13 +15323,13 @@
         </p:nvSpPr>
         <p:spPr>
           <a:xfrm>
-            <a:off x="457200" y="1124744"/>
-            <a:ext cx="8229600" cy="5001419"/>
+            <a:off x="242616" y="1556792"/>
+            <a:ext cx="8649864" cy="4061048"/>
           </a:xfrm>
         </p:spPr>
         <p:txBody>
           <a:bodyPr>
-            <a:normAutofit lnSpcReduction="10000"/>
+            <a:normAutofit fontScale="70000" lnSpcReduction="20000"/>
           </a:bodyPr>
           <a:lstStyle/>
           <a:p>
@@ -15483,30 +15338,38 @@
             </a:pPr>
             <a:r>
               <a:rPr lang="ru-RU" dirty="0" smtClean="0"/>
-              <a:t>Расширение </a:t>
+              <a:t>Если вы создает библиотеку (сборку) для внешнего использования и хотите быть уверенными что её можно будет использовать из программ написанных на других языках (таких как </a:t>
             </a:r>
             <a:r>
               <a:rPr lang="en-US" dirty="0" smtClean="0"/>
-              <a:t>NuGet </a:t>
+              <a:t>VB.NET, F# </a:t>
             </a:r>
             <a:r>
               <a:rPr lang="ru-RU" dirty="0" smtClean="0"/>
-              <a:t>упрощает работу с зависимостями в </a:t>
+              <a:t>и других)</a:t>
             </a:r>
             <a:r>
               <a:rPr lang="en-US" dirty="0" smtClean="0"/>
-              <a:t>.NET </a:t>
+              <a:t>, </a:t>
             </a:r>
             <a:r>
               <a:rPr lang="ru-RU" dirty="0" smtClean="0"/>
-              <a:t>проектах.</a:t>
+              <a:t>то добавьте к свой сборке атрибут </a:t>
+            </a:r>
+            <a:r>
+              <a:rPr lang="en-US" dirty="0" err="1" smtClean="0"/>
+              <a:t>System.CLSCompliantAttribute</a:t>
+            </a:r>
+            <a:r>
+              <a:rPr lang="en-US" dirty="0" smtClean="0"/>
+              <a:t>.</a:t>
             </a:r>
           </a:p>
           <a:p>
             <a:pPr marL="0" indent="0">
               <a:buNone/>
             </a:pPr>
-            <a:endParaRPr lang="en-US" dirty="0" smtClean="0"/>
+            <a:endParaRPr lang="en-US" dirty="0"/>
           </a:p>
           <a:p>
             <a:pPr marL="0" indent="0">
@@ -15514,94 +15377,194 @@
             </a:pPr>
             <a:r>
               <a:rPr lang="en-US" dirty="0" smtClean="0"/>
-              <a:t>NuGet </a:t>
+              <a:t>CLS </a:t>
             </a:r>
             <a:r>
               <a:rPr lang="ru-RU" dirty="0" smtClean="0"/>
-              <a:t>входит в состав </a:t>
+              <a:t>(</a:t>
             </a:r>
             <a:r>
               <a:rPr lang="en-US" dirty="0" smtClean="0"/>
-              <a:t>VS 2012 </a:t>
+              <a:t>Common Language Specification</a:t>
             </a:r>
             <a:r>
               <a:rPr lang="ru-RU" dirty="0" smtClean="0"/>
-              <a:t>и выше. Для </a:t>
+              <a:t>)</a:t>
             </a:r>
             <a:r>
               <a:rPr lang="en-US" dirty="0" smtClean="0"/>
-              <a:t>VS 2010 </a:t>
+              <a:t> </a:t>
             </a:r>
             <a:r>
               <a:rPr lang="ru-RU" dirty="0" smtClean="0"/>
-              <a:t>его нужно скачать с помощью </a:t>
+              <a:t>является набором требований (ограничений) к языку позволяющее ему «бесшовно» взаимодействовать с программами на других языках. Это необходимо так как, </a:t>
+            </a:r>
+            <a:r>
+              <a:rPr lang="ru-RU" dirty="0"/>
+              <a:t>н</a:t>
+            </a:r>
+            <a:r>
+              <a:rPr lang="ru-RU" dirty="0" smtClean="0"/>
+              <a:t>есмотря на наличие «общего знаменателя» в виде </a:t>
             </a:r>
             <a:r>
               <a:rPr lang="en-US" dirty="0" smtClean="0"/>
-              <a:t>Tools -&gt; Extension Manager </a:t>
+              <a:t>IL </a:t>
             </a:r>
             <a:r>
               <a:rPr lang="ru-RU" dirty="0" smtClean="0"/>
-              <a:t>или с сайта </a:t>
-            </a:r>
-            <a:r>
-              <a:rPr lang="en-US" dirty="0" smtClean="0">
-                <a:hlinkClick r:id="rId2"/>
-              </a:rPr>
-              <a:t>nuget.org</a:t>
+              <a:t>кода, языки могут иметь весьма сильные различия. Компилятор </a:t>
+            </a:r>
+            <a:r>
+              <a:rPr lang="en-US" dirty="0" smtClean="0"/>
+              <a:t>C# </a:t>
+            </a:r>
+            <a:r>
+              <a:rPr lang="ru-RU" smtClean="0"/>
+              <a:t>проверяет </a:t>
             </a:r>
             <a:r>
               <a:rPr lang="ru-RU" dirty="0" smtClean="0"/>
-              <a:t>. После установки в контекстном меню </a:t>
-            </a:r>
-            <a:r>
-              <a:rPr lang="en-US" dirty="0" smtClean="0"/>
-              <a:t>References </a:t>
+              <a:t>программу на соответствие этим требованиям, только при наличии атрибута </a:t>
+            </a:r>
+            <a:r>
+              <a:rPr lang="en-US" dirty="0" err="1" smtClean="0"/>
+              <a:t>CLSCompliant</a:t>
             </a:r>
             <a:r>
               <a:rPr lang="ru-RU" dirty="0" smtClean="0"/>
-              <a:t>появится команда </a:t>
-            </a:r>
-            <a:r>
-              <a:rPr lang="en-US" dirty="0" smtClean="0"/>
-              <a:t>“Manage NuGet Packages …”. </a:t>
-            </a:r>
-            <a:r>
-              <a:rPr lang="ru-RU" dirty="0" smtClean="0"/>
-              <a:t>Также в меню </a:t>
-            </a:r>
-            <a:r>
-              <a:rPr lang="en-US" dirty="0" smtClean="0"/>
-              <a:t>Tools </a:t>
-            </a:r>
-            <a:r>
-              <a:rPr lang="ru-RU" dirty="0" smtClean="0"/>
-              <a:t>появится меню </a:t>
-            </a:r>
-            <a:r>
-              <a:rPr lang="en-US" dirty="0" smtClean="0"/>
-              <a:t>“NuGet Package Manager”.</a:t>
-            </a:r>
-            <a:endParaRPr lang="ru-RU" dirty="0" smtClean="0"/>
-          </a:p>
-          <a:p>
-            <a:pPr marL="0" indent="0">
-              <a:buNone/>
-            </a:pPr>
-            <a:endParaRPr lang="ru-RU" dirty="0" smtClean="0"/>
-          </a:p>
-          <a:p>
-            <a:pPr marL="0" indent="0">
-              <a:buNone/>
-            </a:pPr>
-            <a:endParaRPr lang="ru-RU" dirty="0"/>
+              <a:t>.</a:t>
+            </a:r>
+            <a:endParaRPr lang="en-US" dirty="0"/>
+          </a:p>
+        </p:txBody>
+      </p:sp>
+      <p:sp>
+        <p:nvSpPr>
+          <p:cNvPr id="4" name="TextBox 3"/>
+          <p:cNvSpPr txBox="1"/>
+          <p:nvPr/>
+        </p:nvSpPr>
+        <p:spPr>
+          <a:xfrm>
+            <a:off x="251520" y="5805264"/>
+            <a:ext cx="8640960" cy="307777"/>
+          </a:xfrm>
+          <a:prstGeom prst="rect">
+            <a:avLst/>
+          </a:prstGeom>
+          <a:solidFill>
+            <a:schemeClr val="bg1"/>
+          </a:solidFill>
+        </p:spPr>
+        <p:txBody>
+          <a:bodyPr wrap="square" rtlCol="0">
+            <a:spAutoFit/>
+          </a:bodyPr>
+          <a:lstStyle/>
+          <a:p>
+            <a:r>
+              <a:rPr lang="en-US" sz="1400" dirty="0" smtClean="0">
+                <a:solidFill>
+                  <a:srgbClr val="000000"/>
+                </a:solidFill>
+                <a:highlight>
+                  <a:srgbClr val="FFFFFF"/>
+                </a:highlight>
+                <a:latin typeface="Courier New" panose="02070309020205020404" pitchFamily="49" charset="0"/>
+                <a:cs typeface="Courier New" panose="02070309020205020404" pitchFamily="49" charset="0"/>
+              </a:rPr>
+              <a:t>[</a:t>
+            </a:r>
+            <a:r>
+              <a:rPr lang="en-US" sz="1400" dirty="0" smtClean="0">
+                <a:solidFill>
+                  <a:srgbClr val="0000FF"/>
+                </a:solidFill>
+                <a:highlight>
+                  <a:srgbClr val="FFFFFF"/>
+                </a:highlight>
+                <a:latin typeface="Courier New" panose="02070309020205020404" pitchFamily="49" charset="0"/>
+                <a:cs typeface="Courier New" panose="02070309020205020404" pitchFamily="49" charset="0"/>
+              </a:rPr>
+              <a:t>assembly</a:t>
+            </a:r>
+            <a:r>
+              <a:rPr lang="en-US" sz="1400" dirty="0">
+                <a:solidFill>
+                  <a:srgbClr val="000000"/>
+                </a:solidFill>
+                <a:highlight>
+                  <a:srgbClr val="FFFFFF"/>
+                </a:highlight>
+                <a:latin typeface="Courier New" panose="02070309020205020404" pitchFamily="49" charset="0"/>
+                <a:cs typeface="Courier New" panose="02070309020205020404" pitchFamily="49" charset="0"/>
+              </a:rPr>
+              <a:t>: </a:t>
+            </a:r>
+            <a:r>
+              <a:rPr lang="en-US" sz="1400" dirty="0" err="1">
+                <a:solidFill>
+                  <a:srgbClr val="2B91AF"/>
+                </a:solidFill>
+                <a:highlight>
+                  <a:srgbClr val="FFFFFF"/>
+                </a:highlight>
+                <a:latin typeface="Courier New" panose="02070309020205020404" pitchFamily="49" charset="0"/>
+                <a:cs typeface="Courier New" panose="02070309020205020404" pitchFamily="49" charset="0"/>
+              </a:rPr>
+              <a:t>CLSCompliant</a:t>
+            </a:r>
+            <a:r>
+              <a:rPr lang="en-US" sz="1400" dirty="0">
+                <a:solidFill>
+                  <a:srgbClr val="000000"/>
+                </a:solidFill>
+                <a:highlight>
+                  <a:srgbClr val="FFFFFF"/>
+                </a:highlight>
+                <a:latin typeface="Courier New" panose="02070309020205020404" pitchFamily="49" charset="0"/>
+                <a:cs typeface="Courier New" panose="02070309020205020404" pitchFamily="49" charset="0"/>
+              </a:rPr>
+              <a:t>(</a:t>
+            </a:r>
+            <a:r>
+              <a:rPr lang="en-US" sz="1400" dirty="0">
+                <a:solidFill>
+                  <a:srgbClr val="0000FF"/>
+                </a:solidFill>
+                <a:highlight>
+                  <a:srgbClr val="FFFFFF"/>
+                </a:highlight>
+                <a:latin typeface="Courier New" panose="02070309020205020404" pitchFamily="49" charset="0"/>
+                <a:cs typeface="Courier New" panose="02070309020205020404" pitchFamily="49" charset="0"/>
+              </a:rPr>
+              <a:t>true</a:t>
+            </a:r>
+            <a:r>
+              <a:rPr lang="en-US" sz="1400" dirty="0" smtClean="0">
+                <a:solidFill>
+                  <a:srgbClr val="000000"/>
+                </a:solidFill>
+                <a:highlight>
+                  <a:srgbClr val="FFFFFF"/>
+                </a:highlight>
+                <a:latin typeface="Courier New" panose="02070309020205020404" pitchFamily="49" charset="0"/>
+                <a:cs typeface="Courier New" panose="02070309020205020404" pitchFamily="49" charset="0"/>
+              </a:rPr>
+              <a:t>)]</a:t>
+            </a:r>
+            <a:endParaRPr lang="ru-RU" sz="1400" dirty="0" smtClean="0">
+              <a:latin typeface="Courier New" panose="02070309020205020404" pitchFamily="49" charset="0"/>
+              <a:cs typeface="Courier New" panose="02070309020205020404" pitchFamily="49" charset="0"/>
+            </a:endParaRPr>
           </a:p>
         </p:txBody>
       </p:sp>
     </p:spTree>
     <p:extLst>
       <p:ext uri="{BB962C8B-B14F-4D97-AF65-F5344CB8AC3E}">
-        <p14:creationId xmlns:p14="http://schemas.microsoft.com/office/powerpoint/2010/main" val="861195078"/>
+        <p14:creationId xmlns:p14="http://schemas.microsoft.com/office/powerpoint/2010/main" val="910520611"/>
       </p:ext>
     </p:extLst>
   </p:cSld>
@@ -15645,16 +15608,27 @@
             <p:ph type="title"/>
           </p:nvPr>
         </p:nvSpPr>
-        <p:spPr/>
+        <p:spPr>
+          <a:xfrm>
+            <a:off x="457200" y="274638"/>
+            <a:ext cx="8229600" cy="778098"/>
+          </a:xfrm>
+        </p:spPr>
         <p:txBody>
-          <a:bodyPr/>
+          <a:bodyPr>
+            <a:normAutofit/>
+          </a:bodyPr>
           <a:lstStyle/>
           <a:p>
             <a:r>
-              <a:rPr lang="en-US" dirty="0" smtClean="0"/>
-              <a:t>Package Manager Console</a:t>
-            </a:r>
-            <a:endParaRPr lang="ru-RU" dirty="0"/>
+              <a:rPr lang="ru-RU" sz="3600" dirty="0" smtClean="0"/>
+              <a:t>Добавление ссылок с помощью </a:t>
+            </a:r>
+            <a:r>
+              <a:rPr lang="en-US" sz="3600" dirty="0" smtClean="0"/>
+              <a:t>NuGet</a:t>
+            </a:r>
+            <a:endParaRPr lang="ru-RU" sz="3600" dirty="0"/>
           </a:p>
         </p:txBody>
       </p:sp>
@@ -15668,10 +15642,15 @@
             <p:ph idx="1"/>
           </p:nvPr>
         </p:nvSpPr>
-        <p:spPr/>
+        <p:spPr>
+          <a:xfrm>
+            <a:off x="457200" y="1124744"/>
+            <a:ext cx="8229600" cy="5001419"/>
+          </a:xfrm>
+        </p:spPr>
         <p:txBody>
           <a:bodyPr>
-            <a:normAutofit fontScale="77500" lnSpcReduction="20000"/>
+            <a:normAutofit lnSpcReduction="10000"/>
           </a:bodyPr>
           <a:lstStyle/>
           <a:p>
@@ -15680,23 +15659,7 @@
             </a:pPr>
             <a:r>
               <a:rPr lang="ru-RU" dirty="0" smtClean="0"/>
-              <a:t>Окно </a:t>
-            </a:r>
-            <a:r>
-              <a:rPr lang="en-US" dirty="0" smtClean="0"/>
-              <a:t>Package </a:t>
-            </a:r>
-            <a:r>
-              <a:rPr lang="en-US" dirty="0"/>
-              <a:t>Manager </a:t>
-            </a:r>
-            <a:r>
-              <a:rPr lang="en-US" dirty="0" smtClean="0"/>
-              <a:t>Console</a:t>
-            </a:r>
-            <a:r>
-              <a:rPr lang="ru-RU" dirty="0" smtClean="0"/>
-              <a:t> позволяет управлять </a:t>
+              <a:t>Расширение </a:t>
             </a:r>
             <a:r>
               <a:rPr lang="en-US" dirty="0" smtClean="0"/>
@@ -15704,87 +15667,109 @@
             </a:r>
             <a:r>
               <a:rPr lang="ru-RU" dirty="0" smtClean="0"/>
-              <a:t>пакетами с помощью </a:t>
+              <a:t>упрощает работу с зависимостями в </a:t>
             </a:r>
             <a:r>
               <a:rPr lang="en-US" dirty="0" smtClean="0"/>
-              <a:t>PowerShell </a:t>
+              <a:t>.NET </a:t>
             </a:r>
             <a:r>
               <a:rPr lang="ru-RU" dirty="0" smtClean="0"/>
-              <a:t>команд прямо из </a:t>
-            </a:r>
+              <a:t>проектах.</a:t>
+            </a:r>
+          </a:p>
+          <a:p>
+            <a:pPr marL="0" indent="0">
+              <a:buNone/>
+            </a:pPr>
+            <a:endParaRPr lang="en-US" dirty="0" smtClean="0"/>
+          </a:p>
+          <a:p>
+            <a:pPr marL="0" indent="0">
+              <a:buNone/>
+            </a:pPr>
             <a:r>
               <a:rPr lang="en-US" dirty="0" smtClean="0"/>
-              <a:t>Visual Studio.</a:t>
+              <a:t>NuGet </a:t>
+            </a:r>
+            <a:r>
+              <a:rPr lang="ru-RU" dirty="0" smtClean="0"/>
+              <a:t>входит в состав </a:t>
+            </a:r>
+            <a:r>
+              <a:rPr lang="en-US" dirty="0" smtClean="0"/>
+              <a:t>VS 2012 </a:t>
+            </a:r>
+            <a:r>
+              <a:rPr lang="ru-RU" dirty="0" smtClean="0"/>
+              <a:t>и выше. Для </a:t>
+            </a:r>
+            <a:r>
+              <a:rPr lang="en-US" dirty="0" smtClean="0"/>
+              <a:t>VS 2010 </a:t>
+            </a:r>
+            <a:r>
+              <a:rPr lang="ru-RU" dirty="0" smtClean="0"/>
+              <a:t>его нужно скачать с помощью </a:t>
+            </a:r>
+            <a:r>
+              <a:rPr lang="en-US" dirty="0" smtClean="0"/>
+              <a:t>Tools -&gt; Extension Manager </a:t>
+            </a:r>
+            <a:r>
+              <a:rPr lang="ru-RU" dirty="0" smtClean="0"/>
+              <a:t>или с сайта </a:t>
+            </a:r>
+            <a:r>
+              <a:rPr lang="en-US" dirty="0" smtClean="0">
+                <a:hlinkClick r:id="rId2"/>
+              </a:rPr>
+              <a:t>nuget.org</a:t>
+            </a:r>
+            <a:r>
+              <a:rPr lang="ru-RU" dirty="0" smtClean="0"/>
+              <a:t>. После установки в контекстном меню </a:t>
+            </a:r>
+            <a:r>
+              <a:rPr lang="en-US" dirty="0" smtClean="0"/>
+              <a:t>References </a:t>
+            </a:r>
+            <a:r>
+              <a:rPr lang="ru-RU" dirty="0" smtClean="0"/>
+              <a:t>появится команда </a:t>
+            </a:r>
+            <a:r>
+              <a:rPr lang="en-US" dirty="0" smtClean="0"/>
+              <a:t>“Manage NuGet Packages …”. </a:t>
+            </a:r>
+            <a:r>
+              <a:rPr lang="ru-RU" dirty="0" smtClean="0"/>
+              <a:t>Также в меню </a:t>
+            </a:r>
+            <a:r>
+              <a:rPr lang="en-US" dirty="0" smtClean="0"/>
+              <a:t>Tools </a:t>
+            </a:r>
+            <a:r>
+              <a:rPr lang="ru-RU" dirty="0" smtClean="0"/>
+              <a:t>появится меню </a:t>
+            </a:r>
+            <a:r>
+              <a:rPr lang="en-US" dirty="0" smtClean="0"/>
+              <a:t>“NuGet Package Manager”.</a:t>
             </a:r>
             <a:endParaRPr lang="ru-RU" dirty="0" smtClean="0"/>
           </a:p>
           <a:p>
-            <a:r>
-              <a:rPr lang="en-US" dirty="0" smtClean="0"/>
-              <a:t>Add-</a:t>
-            </a:r>
-            <a:r>
-              <a:rPr lang="en-US" dirty="0" err="1" smtClean="0"/>
-              <a:t>BindingRedirect</a:t>
-            </a:r>
-            <a:endParaRPr lang="en-US" dirty="0" smtClean="0"/>
-          </a:p>
-          <a:p>
-            <a:r>
-              <a:rPr lang="en-US" dirty="0" smtClean="0"/>
-              <a:t>Get-Package</a:t>
-            </a:r>
-          </a:p>
-          <a:p>
-            <a:r>
-              <a:rPr lang="en-US" dirty="0"/>
-              <a:t>Get-Project</a:t>
-            </a:r>
-          </a:p>
-          <a:p>
-            <a:r>
-              <a:rPr lang="en-US" dirty="0" smtClean="0"/>
-              <a:t>Install-Package </a:t>
-            </a:r>
-            <a:r>
-              <a:rPr lang="ru-RU" dirty="0" smtClean="0"/>
-              <a:t>: установка пакета. Позволяет установить пакет определенной версии, что </a:t>
-            </a:r>
-            <a:r>
-              <a:rPr lang="ru-RU" smtClean="0"/>
-              <a:t>невозможно сделать через </a:t>
-            </a:r>
-            <a:r>
-              <a:rPr lang="en-US" dirty="0" smtClean="0"/>
-              <a:t>GUI.</a:t>
-            </a:r>
+            <a:pPr marL="0" indent="0">
+              <a:buNone/>
+            </a:pPr>
             <a:endParaRPr lang="ru-RU" dirty="0" smtClean="0"/>
           </a:p>
           <a:p>
-            <a:r>
-              <a:rPr lang="en-US" dirty="0" smtClean="0"/>
-              <a:t>Open-</a:t>
-            </a:r>
-            <a:r>
-              <a:rPr lang="en-US" dirty="0" err="1" smtClean="0"/>
-              <a:t>PackagePage</a:t>
-            </a:r>
-            <a:endParaRPr lang="ru-RU" dirty="0" smtClean="0"/>
-          </a:p>
-          <a:p>
-            <a:r>
-              <a:rPr lang="en-US" dirty="0" smtClean="0"/>
-              <a:t>Uninstall-Package</a:t>
-            </a:r>
-            <a:endParaRPr lang="ru-RU" dirty="0" smtClean="0"/>
-          </a:p>
-          <a:p>
-            <a:r>
-              <a:rPr lang="en-US" dirty="0"/>
-              <a:t>Update-Package</a:t>
-            </a:r>
+            <a:pPr marL="0" indent="0">
+              <a:buNone/>
+            </a:pPr>
             <a:endParaRPr lang="ru-RU" dirty="0"/>
           </a:p>
         </p:txBody>
@@ -15792,7 +15777,7 @@
     </p:spTree>
     <p:extLst>
       <p:ext uri="{BB962C8B-B14F-4D97-AF65-F5344CB8AC3E}">
-        <p14:creationId xmlns:p14="http://schemas.microsoft.com/office/powerpoint/2010/main" val="2572407753"/>
+        <p14:creationId xmlns:p14="http://schemas.microsoft.com/office/powerpoint/2010/main" val="861195078"/>
       </p:ext>
     </p:extLst>
   </p:cSld>
@@ -15842,12 +15827,8 @@
           <a:lstStyle/>
           <a:p>
             <a:r>
-              <a:rPr lang="ru-RU" dirty="0" smtClean="0"/>
-              <a:t>Утилиты для </a:t>
-            </a:r>
-            <a:r>
               <a:rPr lang="en-US" dirty="0" smtClean="0"/>
-              <a:t>NuGet</a:t>
+              <a:t>Package Manager Console</a:t>
             </a:r>
             <a:endParaRPr lang="ru-RU" dirty="0"/>
           </a:p>
@@ -15866,66 +15847,128 @@
         <p:spPr/>
         <p:txBody>
           <a:bodyPr>
-            <a:normAutofit/>
+            <a:normAutofit fontScale="77500" lnSpcReduction="20000"/>
           </a:bodyPr>
           <a:lstStyle/>
           <a:p>
-            <a:r>
-              <a:rPr lang="en-US" sz="2400" dirty="0" smtClean="0"/>
+            <a:pPr marL="0" indent="0">
+              <a:buNone/>
+            </a:pPr>
+            <a:r>
+              <a:rPr lang="ru-RU" dirty="0" smtClean="0"/>
+              <a:t>Окно </a:t>
+            </a:r>
+            <a:r>
+              <a:rPr lang="en-US" dirty="0" smtClean="0"/>
+              <a:t>Package </a:t>
+            </a:r>
+            <a:r>
+              <a:rPr lang="en-US" dirty="0"/>
+              <a:t>Manager </a:t>
+            </a:r>
+            <a:r>
+              <a:rPr lang="en-US" dirty="0" smtClean="0"/>
+              <a:t>Console</a:t>
+            </a:r>
+            <a:r>
+              <a:rPr lang="ru-RU" dirty="0" smtClean="0"/>
+              <a:t> позволяет управлять </a:t>
+            </a:r>
+            <a:r>
+              <a:rPr lang="en-US" dirty="0" smtClean="0"/>
               <a:t>NuGet </a:t>
             </a:r>
             <a:r>
-              <a:rPr lang="en-US" sz="2400" dirty="0"/>
-              <a:t>Package Explorer</a:t>
-            </a:r>
-            <a:br>
-              <a:rPr lang="en-US" sz="2400" dirty="0"/>
-            </a:br>
-            <a:r>
-              <a:rPr lang="en-US" sz="2400" dirty="0">
-                <a:hlinkClick r:id="rId2"/>
-              </a:rPr>
-              <a:t>http://npe.codeplex.com</a:t>
-            </a:r>
-            <a:r>
-              <a:rPr lang="en-US" sz="2400" dirty="0" smtClean="0">
-                <a:hlinkClick r:id="rId2"/>
-              </a:rPr>
-              <a:t>/</a:t>
-            </a:r>
-            <a:endParaRPr lang="en-US" sz="2400" dirty="0" smtClean="0"/>
-          </a:p>
-          <a:p>
-            <a:endParaRPr lang="ru-RU" sz="2400" dirty="0" smtClean="0"/>
-          </a:p>
-          <a:p>
-            <a:r>
-              <a:rPr lang="ru-RU" sz="2400" dirty="0" smtClean="0"/>
-              <a:t>Утилита командной строки</a:t>
-            </a:r>
-            <a:br>
-              <a:rPr lang="ru-RU" sz="2400" dirty="0" smtClean="0"/>
-            </a:br>
-            <a:r>
-              <a:rPr lang="en-US" sz="2400" dirty="0">
-                <a:hlinkClick r:id="rId3"/>
-              </a:rPr>
-              <a:t>http://</a:t>
-            </a:r>
-            <a:r>
-              <a:rPr lang="en-US" sz="2400" dirty="0" smtClean="0">
-                <a:hlinkClick r:id="rId3"/>
-              </a:rPr>
-              <a:t>docs.nuget.org/docs/start-here/installing-nuget</a:t>
-            </a:r>
-            <a:endParaRPr lang="ru-RU" sz="2400" dirty="0"/>
+              <a:rPr lang="ru-RU" dirty="0" smtClean="0"/>
+              <a:t>пакетами с помощью </a:t>
+            </a:r>
+            <a:r>
+              <a:rPr lang="en-US" dirty="0" smtClean="0"/>
+              <a:t>PowerShell </a:t>
+            </a:r>
+            <a:r>
+              <a:rPr lang="ru-RU" dirty="0" smtClean="0"/>
+              <a:t>команд прямо из </a:t>
+            </a:r>
+            <a:r>
+              <a:rPr lang="en-US" dirty="0" smtClean="0"/>
+              <a:t>Visual Studio.</a:t>
+            </a:r>
+            <a:endParaRPr lang="ru-RU" dirty="0" smtClean="0"/>
+          </a:p>
+          <a:p>
+            <a:r>
+              <a:rPr lang="en-US" dirty="0" smtClean="0"/>
+              <a:t>Add-</a:t>
+            </a:r>
+            <a:r>
+              <a:rPr lang="en-US" dirty="0" err="1" smtClean="0"/>
+              <a:t>BindingRedirect</a:t>
+            </a:r>
+            <a:endParaRPr lang="en-US" dirty="0" smtClean="0"/>
+          </a:p>
+          <a:p>
+            <a:r>
+              <a:rPr lang="en-US" dirty="0" smtClean="0"/>
+              <a:t>Get-Package</a:t>
+            </a:r>
+          </a:p>
+          <a:p>
+            <a:r>
+              <a:rPr lang="en-US" dirty="0"/>
+              <a:t>Get-Project</a:t>
+            </a:r>
+          </a:p>
+          <a:p>
+            <a:r>
+              <a:rPr lang="en-US" dirty="0" smtClean="0"/>
+              <a:t>Install-Package </a:t>
+            </a:r>
+            <a:r>
+              <a:rPr lang="ru-RU" dirty="0" smtClean="0"/>
+              <a:t>: установка пакета. Позволяет установить пакет определенной версии, что </a:t>
+            </a:r>
+            <a:r>
+              <a:rPr lang="ru-RU" smtClean="0"/>
+              <a:t>невозможно сделать через </a:t>
+            </a:r>
+            <a:r>
+              <a:rPr lang="en-US" dirty="0" smtClean="0"/>
+              <a:t>GUI.</a:t>
+            </a:r>
+            <a:endParaRPr lang="ru-RU" dirty="0" smtClean="0"/>
+          </a:p>
+          <a:p>
+            <a:r>
+              <a:rPr lang="en-US" dirty="0" smtClean="0"/>
+              <a:t>Open-</a:t>
+            </a:r>
+            <a:r>
+              <a:rPr lang="en-US" dirty="0" err="1" smtClean="0"/>
+              <a:t>PackagePage</a:t>
+            </a:r>
+            <a:endParaRPr lang="ru-RU" dirty="0" smtClean="0"/>
+          </a:p>
+          <a:p>
+            <a:r>
+              <a:rPr lang="en-US" dirty="0" smtClean="0"/>
+              <a:t>Uninstall-Package</a:t>
+            </a:r>
+            <a:endParaRPr lang="ru-RU" dirty="0" smtClean="0"/>
+          </a:p>
+          <a:p>
+            <a:r>
+              <a:rPr lang="en-US" dirty="0"/>
+              <a:t>Update-Package</a:t>
+            </a:r>
+            <a:endParaRPr lang="ru-RU" dirty="0"/>
           </a:p>
         </p:txBody>
       </p:sp>
     </p:spTree>
     <p:extLst>
       <p:ext uri="{BB962C8B-B14F-4D97-AF65-F5344CB8AC3E}">
-        <p14:creationId xmlns:p14="http://schemas.microsoft.com/office/powerpoint/2010/main" val="2426017902"/>
+        <p14:creationId xmlns:p14="http://schemas.microsoft.com/office/powerpoint/2010/main" val="2572407753"/>
       </p:ext>
     </p:extLst>
   </p:cSld>
@@ -15976,13 +16019,13 @@
           <a:p>
             <a:r>
               <a:rPr lang="ru-RU" dirty="0" smtClean="0"/>
-              <a:t>Механизм </a:t>
+              <a:t>Утилиты для </a:t>
             </a:r>
             <a:r>
               <a:rPr lang="en-US" dirty="0" smtClean="0"/>
-              <a:t>Reflection</a:t>
-            </a:r>
-            <a:endParaRPr lang="en-US" dirty="0"/>
+              <a:t>NuGet</a:t>
+            </a:r>
+            <a:endParaRPr lang="ru-RU" dirty="0"/>
           </a:p>
         </p:txBody>
       </p:sp>
@@ -15999,179 +16042,66 @@
         <p:spPr/>
         <p:txBody>
           <a:bodyPr>
-            <a:normAutofit fontScale="70000" lnSpcReduction="20000"/>
+            <a:normAutofit/>
           </a:bodyPr>
           <a:lstStyle/>
           <a:p>
-            <a:pPr marL="0" indent="0">
-              <a:buNone/>
-            </a:pPr>
-            <a:r>
-              <a:rPr lang="ru-RU" dirty="0" smtClean="0"/>
-              <a:t>Реализация механизма </a:t>
-            </a:r>
-            <a:r>
-              <a:rPr lang="en-US" dirty="0" smtClean="0"/>
-              <a:t>RTTI </a:t>
-            </a:r>
-            <a:r>
-              <a:rPr lang="ru-RU" dirty="0" smtClean="0"/>
-              <a:t>(</a:t>
-            </a:r>
-            <a:r>
-              <a:rPr lang="en-US" dirty="0" smtClean="0"/>
-              <a:t>Run-time Type Information). </a:t>
-            </a:r>
-            <a:r>
-              <a:rPr lang="ru-RU" dirty="0" smtClean="0"/>
-              <a:t>Пространство имен </a:t>
-            </a:r>
-            <a:r>
-              <a:rPr lang="en-US" dirty="0" err="1" smtClean="0"/>
-              <a:t>System.Reflection</a:t>
-            </a:r>
-            <a:r>
-              <a:rPr lang="en-US" dirty="0" smtClean="0"/>
-              <a:t>.</a:t>
-            </a:r>
-          </a:p>
-          <a:p>
-            <a:pPr marL="0" indent="0">
-              <a:buNone/>
-            </a:pPr>
-            <a:endParaRPr lang="en-US" dirty="0" smtClean="0"/>
-          </a:p>
-          <a:p>
-            <a:r>
-              <a:rPr lang="ru-RU" b="1" dirty="0" smtClean="0"/>
-              <a:t>Генерация кода. </a:t>
-            </a:r>
-            <a:r>
-              <a:rPr lang="ru-RU" dirty="0" smtClean="0"/>
-              <a:t>Иногда в паре с </a:t>
-            </a:r>
-            <a:r>
-              <a:rPr lang="en-US" dirty="0" smtClean="0"/>
-              <a:t>T4 </a:t>
-            </a:r>
-            <a:r>
-              <a:rPr lang="ru-RU" dirty="0" smtClean="0"/>
-              <a:t>шаблонами</a:t>
-            </a:r>
-            <a:r>
-              <a:rPr lang="en-US" dirty="0" smtClean="0"/>
-              <a:t>.</a:t>
-            </a:r>
-          </a:p>
-          <a:p>
-            <a:r>
-              <a:rPr lang="ru-RU" b="1" dirty="0" smtClean="0"/>
-              <a:t>Автоматическая генерация </a:t>
-            </a:r>
-            <a:r>
-              <a:rPr lang="en-US" b="1" dirty="0" smtClean="0"/>
-              <a:t>UI</a:t>
-            </a:r>
-            <a:r>
-              <a:rPr lang="en-US" dirty="0" smtClean="0"/>
-              <a:t> (</a:t>
-            </a:r>
-            <a:r>
-              <a:rPr lang="ru-RU" dirty="0" smtClean="0"/>
-              <a:t>например</a:t>
-            </a:r>
-            <a:r>
-              <a:rPr lang="en-US" dirty="0" smtClean="0"/>
-              <a:t>, property </a:t>
-            </a:r>
-            <a:r>
-              <a:rPr lang="en-US" dirty="0"/>
-              <a:t>editor</a:t>
-            </a:r>
-            <a:r>
-              <a:rPr lang="en-US" dirty="0" smtClean="0"/>
-              <a:t>).</a:t>
-            </a:r>
-            <a:endParaRPr lang="en-US" dirty="0"/>
-          </a:p>
-          <a:p>
-            <a:r>
-              <a:rPr lang="ru-RU" b="1" dirty="0" smtClean="0"/>
-              <a:t>Сериализация</a:t>
-            </a:r>
-            <a:r>
-              <a:rPr lang="en-US" dirty="0" smtClean="0"/>
-              <a:t>. </a:t>
-            </a:r>
-            <a:r>
-              <a:rPr lang="ru-RU" dirty="0" smtClean="0"/>
-              <a:t>Определение списка членов класса подлежащих сериализации и последующее восстановление.</a:t>
-            </a:r>
-            <a:endParaRPr lang="en-US" dirty="0"/>
-          </a:p>
-          <a:p>
-            <a:r>
-              <a:rPr lang="ru-RU" b="1" dirty="0" smtClean="0"/>
-              <a:t>Веб-сервисы</a:t>
-            </a:r>
-            <a:r>
-              <a:rPr lang="en-US" dirty="0" smtClean="0"/>
-              <a:t>. </a:t>
-            </a:r>
-            <a:r>
-              <a:rPr lang="ru-RU" dirty="0" smtClean="0"/>
-              <a:t>Близко к сериализации. Генерация классов на основе </a:t>
-            </a:r>
-            <a:r>
-              <a:rPr lang="en-US" dirty="0" smtClean="0"/>
-              <a:t>WSDL.</a:t>
-            </a:r>
-            <a:endParaRPr lang="en-US" dirty="0"/>
-          </a:p>
-          <a:p>
-            <a:r>
-              <a:rPr lang="ru-RU" b="1" dirty="0" smtClean="0"/>
-              <a:t>Предметно-ориентированные языки</a:t>
-            </a:r>
-            <a:r>
-              <a:rPr lang="en-US" b="1" dirty="0" smtClean="0"/>
-              <a:t> (DSL)</a:t>
-            </a:r>
-            <a:r>
-              <a:rPr lang="en-US" dirty="0" smtClean="0"/>
-              <a:t>. </a:t>
-            </a:r>
-            <a:r>
-              <a:rPr lang="ru-RU" dirty="0" smtClean="0"/>
-              <a:t>Интерпретированные скриптовые языки могут работать с слабо-типизированными объектами с помощью </a:t>
-            </a:r>
-            <a:r>
-              <a:rPr lang="en-US" dirty="0" smtClean="0"/>
-              <a:t>reflection.</a:t>
-            </a:r>
-            <a:endParaRPr lang="en-US" dirty="0"/>
-          </a:p>
-          <a:p>
-            <a:r>
-              <a:rPr lang="ru-RU" b="1" dirty="0" smtClean="0"/>
-              <a:t>Средства отладки</a:t>
-            </a:r>
-            <a:r>
-              <a:rPr lang="en-US" dirty="0" smtClean="0"/>
-              <a:t>. </a:t>
-            </a:r>
-            <a:r>
-              <a:rPr lang="ru-RU" dirty="0" smtClean="0"/>
-              <a:t>Исследование состояния любого объекта.</a:t>
-            </a:r>
-            <a:endParaRPr lang="en-US" dirty="0"/>
+            <a:r>
+              <a:rPr lang="en-US" sz="2400" dirty="0" smtClean="0"/>
+              <a:t>NuGet </a:t>
+            </a:r>
+            <a:r>
+              <a:rPr lang="en-US" sz="2400" dirty="0"/>
+              <a:t>Package Explorer</a:t>
+            </a:r>
+            <a:br>
+              <a:rPr lang="en-US" sz="2400" dirty="0"/>
+            </a:br>
+            <a:r>
+              <a:rPr lang="en-US" sz="2400" dirty="0">
+                <a:hlinkClick r:id="rId2"/>
+              </a:rPr>
+              <a:t>http://npe.codeplex.com</a:t>
+            </a:r>
+            <a:r>
+              <a:rPr lang="en-US" sz="2400" dirty="0" smtClean="0">
+                <a:hlinkClick r:id="rId2"/>
+              </a:rPr>
+              <a:t>/</a:t>
+            </a:r>
+            <a:endParaRPr lang="en-US" sz="2400" dirty="0" smtClean="0"/>
+          </a:p>
+          <a:p>
+            <a:endParaRPr lang="ru-RU" sz="2400" dirty="0" smtClean="0"/>
+          </a:p>
+          <a:p>
+            <a:r>
+              <a:rPr lang="ru-RU" sz="2400" dirty="0" smtClean="0"/>
+              <a:t>Утилита командной строки</a:t>
+            </a:r>
+            <a:br>
+              <a:rPr lang="ru-RU" sz="2400" dirty="0" smtClean="0"/>
+            </a:br>
+            <a:r>
+              <a:rPr lang="en-US" sz="2400" dirty="0">
+                <a:hlinkClick r:id="rId3"/>
+              </a:rPr>
+              <a:t>http://</a:t>
+            </a:r>
+            <a:r>
+              <a:rPr lang="en-US" sz="2400" dirty="0" smtClean="0">
+                <a:hlinkClick r:id="rId3"/>
+              </a:rPr>
+              <a:t>docs.nuget.org/docs/start-here/installing-nuget</a:t>
+            </a:r>
+            <a:endParaRPr lang="ru-RU" sz="2400" dirty="0"/>
           </a:p>
         </p:txBody>
       </p:sp>
     </p:spTree>
     <p:extLst>
       <p:ext uri="{BB962C8B-B14F-4D97-AF65-F5344CB8AC3E}">
-        <p14:creationId xmlns:p14="http://schemas.microsoft.com/office/powerpoint/2010/main" val="2096666648"/>
+        <p14:creationId xmlns:p14="http://schemas.microsoft.com/office/powerpoint/2010/main" val="2426017902"/>
       </p:ext>
     </p:extLst>
   </p:cSld>
@@ -16207,842 +16137,217 @@
       </p:grpSpPr>
       <p:sp>
         <p:nvSpPr>
-          <p:cNvPr id="7170" name="Rectangle 3"/>
+          <p:cNvPr id="2" name="Title 1"/>
           <p:cNvSpPr>
-            <a:spLocks noChangeArrowheads="1"/>
+            <a:spLocks noGrp="1"/>
           </p:cNvSpPr>
-          <p:nvPr/>
+          <p:nvPr>
+            <p:ph type="title"/>
+          </p:nvPr>
         </p:nvSpPr>
-        <p:spPr bwMode="auto">
-          <a:xfrm>
-            <a:off x="152400" y="-4763"/>
-            <a:ext cx="8763000" cy="461963"/>
-          </a:xfrm>
-          <a:prstGeom prst="rect">
-            <a:avLst/>
-          </a:prstGeom>
-          <a:noFill/>
-          <a:ln>
-            <a:noFill/>
-          </a:ln>
-          <a:extLst>
-            <a:ext uri="{909E8E84-426E-40DD-AFC4-6F175D3DCCD1}">
-              <a14:hiddenFill xmlns:a14="http://schemas.microsoft.com/office/drawing/2010/main">
-                <a:solidFill>
-                  <a:srgbClr val="FFFFFF"/>
-                </a:solidFill>
-              </a14:hiddenFill>
-            </a:ext>
-            <a:ext uri="{91240B29-F687-4F45-9708-019B960494DF}">
-              <a14:hiddenLine xmlns:a14="http://schemas.microsoft.com/office/drawing/2010/main" w="9525">
-                <a:solidFill>
-                  <a:srgbClr val="000000"/>
-                </a:solidFill>
-                <a:miter lim="800000"/>
-                <a:headEnd/>
-                <a:tailEnd/>
-              </a14:hiddenLine>
-            </a:ext>
-          </a:extLst>
-        </p:spPr>
+        <p:spPr/>
         <p:txBody>
-          <a:bodyPr anchor="ctr">
-            <a:spAutoFit/>
-          </a:bodyPr>
+          <a:bodyPr/>
           <a:lstStyle/>
           <a:p>
-            <a:pPr algn="ctr"/>
-            <a:r>
-              <a:rPr lang="ru-RU" sz="2400" b="1"/>
-              <a:t>Рефлексия типов</a:t>
-            </a:r>
-            <a:r>
-              <a:rPr lang="be-BY" sz="2400" b="1"/>
-              <a:t>.</a:t>
-            </a:r>
-            <a:r>
-              <a:rPr lang="en-US" sz="2400" b="1"/>
-              <a:t> </a:t>
-            </a:r>
-            <a:r>
-              <a:rPr lang="ru-RU" sz="2400" b="1"/>
-              <a:t>Класс </a:t>
-            </a:r>
-            <a:r>
-              <a:rPr lang="en-US" sz="2400" b="1"/>
-              <a:t>Type.</a:t>
-            </a:r>
+            <a:r>
+              <a:rPr lang="ru-RU" dirty="0" smtClean="0"/>
+              <a:t>Механизм </a:t>
+            </a:r>
+            <a:r>
+              <a:rPr lang="en-US" dirty="0" smtClean="0"/>
+              <a:t>Reflection</a:t>
+            </a:r>
+            <a:endParaRPr lang="en-US" dirty="0"/>
           </a:p>
         </p:txBody>
       </p:sp>
       <p:sp>
         <p:nvSpPr>
-          <p:cNvPr id="7171" name="Rectangle 3"/>
+          <p:cNvPr id="3" name="Content Placeholder 2"/>
           <p:cNvSpPr>
-            <a:spLocks noChangeArrowheads="1"/>
+            <a:spLocks noGrp="1"/>
           </p:cNvSpPr>
-          <p:nvPr/>
+          <p:nvPr>
+            <p:ph idx="1"/>
+          </p:nvPr>
         </p:nvSpPr>
-        <p:spPr bwMode="auto">
-          <a:xfrm>
-            <a:off x="152400" y="457200"/>
-            <a:ext cx="8839200" cy="1570038"/>
-          </a:xfrm>
-          <a:prstGeom prst="rect">
-            <a:avLst/>
-          </a:prstGeom>
-          <a:noFill/>
-          <a:ln>
-            <a:noFill/>
-          </a:ln>
-          <a:extLst>
-            <a:ext uri="{909E8E84-426E-40DD-AFC4-6F175D3DCCD1}">
-              <a14:hiddenFill xmlns:a14="http://schemas.microsoft.com/office/drawing/2010/main">
-                <a:solidFill>
-                  <a:srgbClr val="FFFFFF"/>
-                </a:solidFill>
-              </a14:hiddenFill>
-            </a:ext>
-            <a:ext uri="{91240B29-F687-4F45-9708-019B960494DF}">
-              <a14:hiddenLine xmlns:a14="http://schemas.microsoft.com/office/drawing/2010/main" w="9525">
-                <a:solidFill>
-                  <a:srgbClr val="000000"/>
-                </a:solidFill>
-                <a:miter lim="800000"/>
-                <a:headEnd/>
-                <a:tailEnd/>
-              </a14:hiddenLine>
-            </a:ext>
-          </a:extLst>
-        </p:spPr>
+        <p:spPr/>
         <p:txBody>
-          <a:bodyPr anchor="ctr">
-            <a:spAutoFit/>
+          <a:bodyPr>
+            <a:normAutofit fontScale="70000" lnSpcReduction="20000"/>
           </a:bodyPr>
           <a:lstStyle/>
           <a:p>
-            <a:r>
-              <a:rPr lang="ru-RU" sz="1600"/>
-              <a:t>	Рефлексия – процесс обнаружения типов во время работы программы. Используя рефлексию, пользователь может динамически подгружать сборки, создавать и использовать объекты классов, описанные в этих сборках.</a:t>
-            </a:r>
-          </a:p>
-          <a:p>
-            <a:r>
-              <a:rPr lang="ru-RU" sz="1600"/>
-              <a:t>	Ключевым классом является класс </a:t>
-            </a:r>
-            <a:r>
-              <a:rPr lang="en-US" sz="1600"/>
-              <a:t>Type</a:t>
-            </a:r>
-            <a:r>
-              <a:rPr lang="ru-RU" sz="1600"/>
-              <a:t>, позволяющий получить полную информацию о существующем, либо о загруженном типе. Получить объект класса </a:t>
-            </a:r>
-            <a:r>
-              <a:rPr lang="en-US" sz="1600"/>
-              <a:t>Type </a:t>
-            </a:r>
-            <a:r>
-              <a:rPr lang="ru-RU" sz="1600"/>
-              <a:t>можно несколькими способами</a:t>
-            </a:r>
-            <a:r>
-              <a:rPr lang="en-US" sz="1600"/>
-              <a:t>:</a:t>
-            </a:r>
-            <a:endParaRPr lang="ru-RU" sz="1600"/>
-          </a:p>
-        </p:txBody>
-      </p:sp>
-      <p:sp>
-        <p:nvSpPr>
-          <p:cNvPr id="19457" name="Rectangle 1"/>
-          <p:cNvSpPr>
-            <a:spLocks noChangeArrowheads="1"/>
-          </p:cNvSpPr>
-          <p:nvPr/>
-        </p:nvSpPr>
-        <p:spPr bwMode="auto">
-          <a:xfrm>
-            <a:off x="152400" y="2032000"/>
-            <a:ext cx="8839200" cy="1169988"/>
-          </a:xfrm>
-          <a:prstGeom prst="rect">
-            <a:avLst/>
-          </a:prstGeom>
-          <a:noFill/>
-          <a:ln w="9525">
-            <a:solidFill>
-              <a:schemeClr val="bg1">
-                <a:lumMod val="65000"/>
-              </a:schemeClr>
-            </a:solidFill>
-            <a:miter lim="800000"/>
-            <a:headEnd/>
-            <a:tailEnd/>
-          </a:ln>
-          <a:effectLst/>
-        </p:spPr>
-        <p:txBody>
-          <a:bodyPr anchor="ctr">
-            <a:spAutoFit/>
-          </a:bodyPr>
-          <a:lstStyle/>
-          <a:p>
-            <a:pPr eaLnBrk="0" hangingPunct="0">
-              <a:defRPr/>
-            </a:pPr>
-            <a:r>
-              <a:rPr lang="be-BY" sz="1000" dirty="0">
-                <a:solidFill>
-                  <a:schemeClr val="bg1"/>
-                </a:solidFill>
-                <a:latin typeface="Courier New" pitchFamily="49" charset="0"/>
-                <a:ea typeface="Calibri" pitchFamily="34" charset="0"/>
-                <a:cs typeface="Courier New" pitchFamily="49" charset="0"/>
-              </a:rPr>
-              <a:t>            Complex value = new Complex();</a:t>
-            </a:r>
-            <a:endParaRPr lang="be-BY" sz="900" dirty="0">
-              <a:solidFill>
-                <a:schemeClr val="bg1"/>
-              </a:solidFill>
-              <a:latin typeface="Arial" pitchFamily="34" charset="0"/>
-            </a:endParaRPr>
-          </a:p>
-          <a:p>
-            <a:pPr eaLnBrk="0" hangingPunct="0">
-              <a:defRPr/>
-            </a:pPr>
-            <a:r>
-              <a:rPr lang="be-BY" sz="1000" dirty="0">
-                <a:solidFill>
-                  <a:schemeClr val="bg1"/>
-                </a:solidFill>
-                <a:latin typeface="Courier New" pitchFamily="49" charset="0"/>
-                <a:ea typeface="Calibri" pitchFamily="34" charset="0"/>
-                <a:cs typeface="Courier New" pitchFamily="49" charset="0"/>
-              </a:rPr>
-              <a:t>            Type type1 = value.GetType();</a:t>
-            </a:r>
-            <a:endParaRPr lang="be-BY" sz="900" dirty="0">
-              <a:solidFill>
-                <a:schemeClr val="bg1"/>
-              </a:solidFill>
-              <a:latin typeface="Arial" pitchFamily="34" charset="0"/>
-            </a:endParaRPr>
-          </a:p>
-          <a:p>
-            <a:pPr eaLnBrk="0" hangingPunct="0">
-              <a:defRPr/>
-            </a:pPr>
-            <a:r>
-              <a:rPr lang="be-BY" sz="1000" dirty="0">
-                <a:solidFill>
-                  <a:schemeClr val="bg1"/>
-                </a:solidFill>
-                <a:latin typeface="Courier New" pitchFamily="49" charset="0"/>
-                <a:ea typeface="Calibri" pitchFamily="34" charset="0"/>
-                <a:cs typeface="Courier New" pitchFamily="49" charset="0"/>
-              </a:rPr>
-              <a:t>            Type type2 = Type.GetType("Complex</a:t>
-            </a:r>
-            <a:r>
-              <a:rPr lang="en-US" sz="1000" dirty="0">
-                <a:solidFill>
-                  <a:schemeClr val="bg1"/>
-                </a:solidFill>
-                <a:latin typeface="Courier New" pitchFamily="49" charset="0"/>
-                <a:ea typeface="Calibri" pitchFamily="34" charset="0"/>
-                <a:cs typeface="Courier New" pitchFamily="49" charset="0"/>
-              </a:rPr>
-              <a:t>Numbers.</a:t>
-            </a:r>
-            <a:r>
-              <a:rPr lang="be-BY" sz="1000" dirty="0">
-                <a:solidFill>
-                  <a:schemeClr val="bg1"/>
-                </a:solidFill>
-                <a:latin typeface="Courier New" pitchFamily="49" charset="0"/>
-                <a:ea typeface="Calibri" pitchFamily="34" charset="0"/>
-                <a:cs typeface="Courier New" pitchFamily="49" charset="0"/>
-              </a:rPr>
-              <a:t>Complex",false,true);</a:t>
-            </a:r>
-            <a:endParaRPr lang="be-BY" sz="900" dirty="0">
-              <a:solidFill>
-                <a:schemeClr val="bg1"/>
-              </a:solidFill>
-              <a:latin typeface="Arial" pitchFamily="34" charset="0"/>
-            </a:endParaRPr>
-          </a:p>
-          <a:p>
-            <a:pPr eaLnBrk="0" hangingPunct="0">
-              <a:defRPr/>
-            </a:pPr>
-            <a:r>
-              <a:rPr lang="be-BY" sz="1000" dirty="0">
-                <a:solidFill>
-                  <a:schemeClr val="bg1"/>
-                </a:solidFill>
-                <a:latin typeface="Courier New" pitchFamily="49" charset="0"/>
-                <a:ea typeface="Calibri" pitchFamily="34" charset="0"/>
-                <a:cs typeface="Courier New" pitchFamily="49" charset="0"/>
-              </a:rPr>
-              <a:t>            Type type3 = typeof(Complex);</a:t>
-            </a:r>
-            <a:endParaRPr lang="be-BY" sz="900" dirty="0">
-              <a:solidFill>
-                <a:schemeClr val="bg1"/>
-              </a:solidFill>
-              <a:latin typeface="Arial" pitchFamily="34" charset="0"/>
-            </a:endParaRPr>
-          </a:p>
-          <a:p>
-            <a:pPr eaLnBrk="0" hangingPunct="0">
-              <a:defRPr/>
-            </a:pPr>
-            <a:r>
-              <a:rPr lang="be-BY" sz="1000" dirty="0">
-                <a:solidFill>
-                  <a:schemeClr val="bg1"/>
-                </a:solidFill>
-                <a:latin typeface="Courier New" pitchFamily="49" charset="0"/>
-                <a:ea typeface="Calibri" pitchFamily="34" charset="0"/>
-                <a:cs typeface="Courier New" pitchFamily="49" charset="0"/>
-              </a:rPr>
-              <a:t>            Console.WriteLine(type1);</a:t>
-            </a:r>
-            <a:endParaRPr lang="be-BY" sz="900" dirty="0">
-              <a:solidFill>
-                <a:schemeClr val="bg1"/>
-              </a:solidFill>
-              <a:latin typeface="Arial" pitchFamily="34" charset="0"/>
-            </a:endParaRPr>
-          </a:p>
-          <a:p>
-            <a:pPr eaLnBrk="0" hangingPunct="0">
-              <a:defRPr/>
-            </a:pPr>
-            <a:r>
-              <a:rPr lang="be-BY" sz="1000" dirty="0">
-                <a:solidFill>
-                  <a:schemeClr val="bg1"/>
-                </a:solidFill>
-                <a:latin typeface="Courier New" pitchFamily="49" charset="0"/>
-                <a:ea typeface="Calibri" pitchFamily="34" charset="0"/>
-                <a:cs typeface="Courier New" pitchFamily="49" charset="0"/>
-              </a:rPr>
-              <a:t>            Console.WriteLine(type2);</a:t>
-            </a:r>
-            <a:endParaRPr lang="be-BY" sz="900" dirty="0">
-              <a:solidFill>
-                <a:schemeClr val="bg1"/>
-              </a:solidFill>
-              <a:latin typeface="Arial" pitchFamily="34" charset="0"/>
-            </a:endParaRPr>
-          </a:p>
-          <a:p>
-            <a:pPr eaLnBrk="0" hangingPunct="0">
-              <a:defRPr/>
-            </a:pPr>
-            <a:r>
-              <a:rPr lang="be-BY" sz="1000" dirty="0">
-                <a:solidFill>
-                  <a:schemeClr val="bg1"/>
-                </a:solidFill>
-                <a:latin typeface="Courier New" pitchFamily="49" charset="0"/>
-                <a:ea typeface="Calibri" pitchFamily="34" charset="0"/>
-                <a:cs typeface="Courier New" pitchFamily="49" charset="0"/>
-              </a:rPr>
-              <a:t>            Console.WriteLine(type3);</a:t>
-            </a:r>
-            <a:endParaRPr lang="be-BY" dirty="0">
-              <a:solidFill>
-                <a:schemeClr val="bg1"/>
-              </a:solidFill>
-              <a:latin typeface="Arial" pitchFamily="34" charset="0"/>
-            </a:endParaRPr>
-          </a:p>
-        </p:txBody>
-      </p:sp>
-      <p:sp>
-        <p:nvSpPr>
-          <p:cNvPr id="7173" name="Rectangle 5"/>
-          <p:cNvSpPr>
-            <a:spLocks noChangeArrowheads="1"/>
-          </p:cNvSpPr>
-          <p:nvPr/>
-        </p:nvSpPr>
-        <p:spPr bwMode="auto">
-          <a:xfrm>
-            <a:off x="152400" y="3276600"/>
-            <a:ext cx="8839200" cy="584200"/>
-          </a:xfrm>
-          <a:prstGeom prst="rect">
-            <a:avLst/>
-          </a:prstGeom>
-          <a:noFill/>
-          <a:ln>
-            <a:noFill/>
-          </a:ln>
-          <a:extLst>
-            <a:ext uri="{909E8E84-426E-40DD-AFC4-6F175D3DCCD1}">
-              <a14:hiddenFill xmlns:a14="http://schemas.microsoft.com/office/drawing/2010/main">
-                <a:solidFill>
-                  <a:srgbClr val="FFFFFF"/>
-                </a:solidFill>
-              </a14:hiddenFill>
-            </a:ext>
-            <a:ext uri="{91240B29-F687-4F45-9708-019B960494DF}">
-              <a14:hiddenLine xmlns:a14="http://schemas.microsoft.com/office/drawing/2010/main" w="9525">
-                <a:solidFill>
-                  <a:srgbClr val="000000"/>
-                </a:solidFill>
-                <a:miter lim="800000"/>
-                <a:headEnd/>
-                <a:tailEnd/>
-              </a14:hiddenLine>
-            </a:ext>
-          </a:extLst>
-        </p:spPr>
-        <p:txBody>
-          <a:bodyPr anchor="ctr">
-            <a:spAutoFit/>
-          </a:bodyPr>
-          <a:lstStyle/>
-          <a:p>
-            <a:r>
-              <a:rPr lang="ru-RU" sz="1600"/>
-              <a:t>Далее, используя свойства и методы объекта можно получить исчерпывающую информацию о типе</a:t>
-            </a:r>
-            <a:r>
-              <a:rPr lang="en-US" sz="1600"/>
-              <a:t>:</a:t>
-            </a:r>
-            <a:endParaRPr lang="ru-RU" sz="1600"/>
-          </a:p>
-        </p:txBody>
-      </p:sp>
-      <p:sp>
-        <p:nvSpPr>
-          <p:cNvPr id="19458" name="Rectangle 2"/>
-          <p:cNvSpPr>
-            <a:spLocks noChangeArrowheads="1"/>
-          </p:cNvSpPr>
-          <p:nvPr/>
-        </p:nvSpPr>
-        <p:spPr bwMode="auto">
-          <a:xfrm>
-            <a:off x="152400" y="3897313"/>
-            <a:ext cx="8839200" cy="2832100"/>
-          </a:xfrm>
-          <a:prstGeom prst="rect">
-            <a:avLst/>
-          </a:prstGeom>
-          <a:noFill/>
-          <a:ln w="9525">
-            <a:solidFill>
-              <a:schemeClr val="bg1">
-                <a:lumMod val="65000"/>
-              </a:schemeClr>
-            </a:solidFill>
-            <a:miter lim="800000"/>
-            <a:headEnd/>
-            <a:tailEnd/>
-          </a:ln>
-          <a:effectLst/>
-        </p:spPr>
-        <p:txBody>
-          <a:bodyPr anchor="ctr">
-            <a:spAutoFit/>
-          </a:bodyPr>
-          <a:lstStyle/>
-          <a:p>
-            <a:pPr eaLnBrk="0" hangingPunct="0">
-              <a:defRPr/>
-            </a:pPr>
-            <a:r>
-              <a:rPr lang="be-BY" sz="1000" dirty="0">
-                <a:solidFill>
-                  <a:schemeClr val="bg1"/>
-                </a:solidFill>
-                <a:latin typeface="Courier New" pitchFamily="49" charset="0"/>
-                <a:ea typeface="Calibri" pitchFamily="34" charset="0"/>
-                <a:cs typeface="Courier New" pitchFamily="49" charset="0"/>
-              </a:rPr>
-              <a:t>            Type type = typeof(Complex);</a:t>
-            </a:r>
-            <a:endParaRPr lang="en-US" sz="1000" dirty="0">
-              <a:solidFill>
-                <a:schemeClr val="bg1"/>
-              </a:solidFill>
-              <a:latin typeface="Courier New" pitchFamily="49" charset="0"/>
-              <a:ea typeface="Calibri" pitchFamily="34" charset="0"/>
-              <a:cs typeface="Courier New" pitchFamily="49" charset="0"/>
-            </a:endParaRPr>
-          </a:p>
-          <a:p>
-            <a:pPr eaLnBrk="0" hangingPunct="0">
-              <a:defRPr/>
-            </a:pPr>
-            <a:endParaRPr lang="be-BY" sz="900" dirty="0">
-              <a:solidFill>
-                <a:schemeClr val="bg1"/>
-              </a:solidFill>
-              <a:latin typeface="Arial" pitchFamily="34" charset="0"/>
-            </a:endParaRPr>
-          </a:p>
-          <a:p>
-            <a:pPr eaLnBrk="0" hangingPunct="0">
-              <a:defRPr/>
-            </a:pPr>
-            <a:r>
-              <a:rPr lang="be-BY" sz="1000" dirty="0">
-                <a:solidFill>
-                  <a:schemeClr val="bg1"/>
-                </a:solidFill>
-                <a:latin typeface="Courier New" pitchFamily="49" charset="0"/>
-                <a:ea typeface="Calibri" pitchFamily="34" charset="0"/>
-                <a:cs typeface="Courier New" pitchFamily="49" charset="0"/>
-              </a:rPr>
-              <a:t>            foreach (ConstructorInfo ci in type.GetConstructors())</a:t>
-            </a:r>
-            <a:endParaRPr lang="be-BY" sz="900" dirty="0">
-              <a:solidFill>
-                <a:schemeClr val="bg1"/>
-              </a:solidFill>
-              <a:latin typeface="Arial" pitchFamily="34" charset="0"/>
-            </a:endParaRPr>
-          </a:p>
-          <a:p>
-            <a:pPr eaLnBrk="0" hangingPunct="0">
-              <a:defRPr/>
-            </a:pPr>
-            <a:r>
-              <a:rPr lang="be-BY" sz="1000" dirty="0">
-                <a:solidFill>
-                  <a:schemeClr val="bg1"/>
-                </a:solidFill>
-                <a:latin typeface="Courier New" pitchFamily="49" charset="0"/>
-                <a:ea typeface="Calibri" pitchFamily="34" charset="0"/>
-                <a:cs typeface="Courier New" pitchFamily="49" charset="0"/>
-              </a:rPr>
-              <a:t>            {</a:t>
-            </a:r>
-            <a:endParaRPr lang="be-BY" sz="900" dirty="0">
-              <a:solidFill>
-                <a:schemeClr val="bg1"/>
-              </a:solidFill>
-              <a:latin typeface="Arial" pitchFamily="34" charset="0"/>
-            </a:endParaRPr>
-          </a:p>
-          <a:p>
-            <a:pPr eaLnBrk="0" hangingPunct="0">
-              <a:defRPr/>
-            </a:pPr>
-            <a:r>
-              <a:rPr lang="be-BY" sz="1000" dirty="0">
-                <a:solidFill>
-                  <a:schemeClr val="bg1"/>
-                </a:solidFill>
-                <a:latin typeface="Courier New" pitchFamily="49" charset="0"/>
-                <a:ea typeface="Calibri" pitchFamily="34" charset="0"/>
-                <a:cs typeface="Courier New" pitchFamily="49" charset="0"/>
-              </a:rPr>
-              <a:t>                Console.Write("Constructor, Params:");</a:t>
-            </a:r>
-            <a:endParaRPr lang="be-BY" sz="900" dirty="0">
-              <a:solidFill>
-                <a:schemeClr val="bg1"/>
-              </a:solidFill>
-              <a:latin typeface="Arial" pitchFamily="34" charset="0"/>
-            </a:endParaRPr>
-          </a:p>
-          <a:p>
-            <a:pPr eaLnBrk="0" hangingPunct="0">
-              <a:defRPr/>
-            </a:pPr>
-            <a:r>
-              <a:rPr lang="be-BY" sz="1000" dirty="0">
-                <a:solidFill>
-                  <a:schemeClr val="bg1"/>
-                </a:solidFill>
-                <a:latin typeface="Courier New" pitchFamily="49" charset="0"/>
-                <a:ea typeface="Calibri" pitchFamily="34" charset="0"/>
-                <a:cs typeface="Courier New" pitchFamily="49" charset="0"/>
-              </a:rPr>
-              <a:t>                foreach(ParameterInfo pi in ci.GetParameters())</a:t>
-            </a:r>
-            <a:endParaRPr lang="be-BY" sz="900" dirty="0">
-              <a:solidFill>
-                <a:schemeClr val="bg1"/>
-              </a:solidFill>
-              <a:latin typeface="Arial" pitchFamily="34" charset="0"/>
-            </a:endParaRPr>
-          </a:p>
-          <a:p>
-            <a:pPr eaLnBrk="0" hangingPunct="0">
-              <a:defRPr/>
-            </a:pPr>
-            <a:r>
-              <a:rPr lang="be-BY" sz="1000" dirty="0">
-                <a:solidFill>
-                  <a:schemeClr val="bg1"/>
-                </a:solidFill>
-                <a:latin typeface="Courier New" pitchFamily="49" charset="0"/>
-                <a:ea typeface="Calibri" pitchFamily="34" charset="0"/>
-                <a:cs typeface="Courier New" pitchFamily="49" charset="0"/>
-              </a:rPr>
-              <a:t>                    Console.Write(" {0} - {1};",pi.ParameterType,pi.Name);</a:t>
-            </a:r>
-            <a:endParaRPr lang="be-BY" sz="900" dirty="0">
-              <a:solidFill>
-                <a:schemeClr val="bg1"/>
-              </a:solidFill>
-              <a:latin typeface="Arial" pitchFamily="34" charset="0"/>
-            </a:endParaRPr>
-          </a:p>
-          <a:p>
-            <a:pPr eaLnBrk="0" hangingPunct="0">
-              <a:defRPr/>
-            </a:pPr>
-            <a:r>
-              <a:rPr lang="be-BY" sz="1000" dirty="0">
-                <a:solidFill>
-                  <a:schemeClr val="bg1"/>
-                </a:solidFill>
-                <a:latin typeface="Courier New" pitchFamily="49" charset="0"/>
-                <a:ea typeface="Calibri" pitchFamily="34" charset="0"/>
-                <a:cs typeface="Courier New" pitchFamily="49" charset="0"/>
-              </a:rPr>
-              <a:t>                Console.WriteLine();</a:t>
-            </a:r>
-            <a:endParaRPr lang="be-BY" sz="900" dirty="0">
-              <a:solidFill>
-                <a:schemeClr val="bg1"/>
-              </a:solidFill>
-              <a:latin typeface="Arial" pitchFamily="34" charset="0"/>
-            </a:endParaRPr>
-          </a:p>
-          <a:p>
-            <a:pPr eaLnBrk="0" hangingPunct="0">
-              <a:defRPr/>
-            </a:pPr>
-            <a:r>
-              <a:rPr lang="be-BY" sz="1000" dirty="0">
-                <a:solidFill>
-                  <a:schemeClr val="bg1"/>
-                </a:solidFill>
-                <a:latin typeface="Courier New" pitchFamily="49" charset="0"/>
-                <a:ea typeface="Calibri" pitchFamily="34" charset="0"/>
-                <a:cs typeface="Courier New" pitchFamily="49" charset="0"/>
-              </a:rPr>
-              <a:t>            }</a:t>
-            </a:r>
-            <a:endParaRPr lang="en-US" sz="1000" dirty="0">
-              <a:solidFill>
-                <a:schemeClr val="bg1"/>
-              </a:solidFill>
-              <a:latin typeface="Courier New" pitchFamily="49" charset="0"/>
-              <a:ea typeface="Calibri" pitchFamily="34" charset="0"/>
-              <a:cs typeface="Courier New" pitchFamily="49" charset="0"/>
-            </a:endParaRPr>
-          </a:p>
-          <a:p>
-            <a:pPr eaLnBrk="0" hangingPunct="0">
-              <a:defRPr/>
-            </a:pPr>
-            <a:endParaRPr lang="be-BY" sz="900" dirty="0">
-              <a:solidFill>
-                <a:schemeClr val="bg1"/>
-              </a:solidFill>
-              <a:latin typeface="Arial" pitchFamily="34" charset="0"/>
-            </a:endParaRPr>
-          </a:p>
-          <a:p>
-            <a:pPr eaLnBrk="0" hangingPunct="0">
-              <a:defRPr/>
-            </a:pPr>
-            <a:r>
-              <a:rPr lang="be-BY" sz="1000" dirty="0">
-                <a:solidFill>
-                  <a:schemeClr val="bg1"/>
-                </a:solidFill>
-                <a:latin typeface="Courier New" pitchFamily="49" charset="0"/>
-                <a:ea typeface="Calibri" pitchFamily="34" charset="0"/>
-                <a:cs typeface="Courier New" pitchFamily="49" charset="0"/>
-              </a:rPr>
-              <a:t>            foreach (MethodInfo mi in type.GetMethods())</a:t>
-            </a:r>
-            <a:endParaRPr lang="be-BY" sz="900" dirty="0">
-              <a:solidFill>
-                <a:schemeClr val="bg1"/>
-              </a:solidFill>
-              <a:latin typeface="Arial" pitchFamily="34" charset="0"/>
-            </a:endParaRPr>
-          </a:p>
-          <a:p>
-            <a:pPr eaLnBrk="0" hangingPunct="0">
-              <a:defRPr/>
-            </a:pPr>
-            <a:r>
-              <a:rPr lang="be-BY" sz="1000" dirty="0">
-                <a:solidFill>
-                  <a:schemeClr val="bg1"/>
-                </a:solidFill>
-                <a:latin typeface="Courier New" pitchFamily="49" charset="0"/>
-                <a:ea typeface="Calibri" pitchFamily="34" charset="0"/>
-                <a:cs typeface="Courier New" pitchFamily="49" charset="0"/>
-              </a:rPr>
-              <a:t>            {</a:t>
-            </a:r>
-            <a:endParaRPr lang="be-BY" sz="900" dirty="0">
-              <a:solidFill>
-                <a:schemeClr val="bg1"/>
-              </a:solidFill>
-              <a:latin typeface="Arial" pitchFamily="34" charset="0"/>
-            </a:endParaRPr>
-          </a:p>
-          <a:p>
-            <a:pPr eaLnBrk="0" hangingPunct="0">
-              <a:defRPr/>
-            </a:pPr>
-            <a:r>
-              <a:rPr lang="be-BY" sz="1000" dirty="0">
-                <a:solidFill>
-                  <a:schemeClr val="bg1"/>
-                </a:solidFill>
-                <a:latin typeface="Courier New" pitchFamily="49" charset="0"/>
-                <a:ea typeface="Calibri" pitchFamily="34" charset="0"/>
-                <a:cs typeface="Courier New" pitchFamily="49" charset="0"/>
-              </a:rPr>
-              <a:t>                Console.WriteLine("Metod {0} {1}",mi.ReturnType,mi.Name);</a:t>
-            </a:r>
-            <a:endParaRPr lang="be-BY" sz="900" dirty="0">
-              <a:solidFill>
-                <a:schemeClr val="bg1"/>
-              </a:solidFill>
-              <a:latin typeface="Arial" pitchFamily="34" charset="0"/>
-            </a:endParaRPr>
-          </a:p>
-          <a:p>
-            <a:pPr eaLnBrk="0" hangingPunct="0">
-              <a:defRPr/>
-            </a:pPr>
-            <a:r>
-              <a:rPr lang="be-BY" sz="1000" dirty="0">
-                <a:solidFill>
-                  <a:schemeClr val="bg1"/>
-                </a:solidFill>
-                <a:latin typeface="Courier New" pitchFamily="49" charset="0"/>
-                <a:ea typeface="Calibri" pitchFamily="34" charset="0"/>
-                <a:cs typeface="Courier New" pitchFamily="49" charset="0"/>
-              </a:rPr>
-              <a:t>                Console.Write("  Params : ");</a:t>
-            </a:r>
-            <a:endParaRPr lang="be-BY" sz="900" dirty="0">
-              <a:solidFill>
-                <a:schemeClr val="bg1"/>
-              </a:solidFill>
-              <a:latin typeface="Arial" pitchFamily="34" charset="0"/>
-            </a:endParaRPr>
-          </a:p>
-          <a:p>
-            <a:pPr eaLnBrk="0" hangingPunct="0">
-              <a:defRPr/>
-            </a:pPr>
-            <a:r>
-              <a:rPr lang="be-BY" sz="1000" dirty="0">
-                <a:solidFill>
-                  <a:schemeClr val="bg1"/>
-                </a:solidFill>
-                <a:latin typeface="Courier New" pitchFamily="49" charset="0"/>
-                <a:ea typeface="Calibri" pitchFamily="34" charset="0"/>
-                <a:cs typeface="Courier New" pitchFamily="49" charset="0"/>
-              </a:rPr>
-              <a:t>                foreach (ParameterInfo pi in mi.GetParameters())</a:t>
-            </a:r>
-            <a:endParaRPr lang="be-BY" sz="900" dirty="0">
-              <a:solidFill>
-                <a:schemeClr val="bg1"/>
-              </a:solidFill>
-              <a:latin typeface="Arial" pitchFamily="34" charset="0"/>
-            </a:endParaRPr>
-          </a:p>
-          <a:p>
-            <a:pPr eaLnBrk="0" hangingPunct="0">
-              <a:defRPr/>
-            </a:pPr>
-            <a:r>
-              <a:rPr lang="be-BY" sz="1000" dirty="0">
-                <a:solidFill>
-                  <a:schemeClr val="bg1"/>
-                </a:solidFill>
-                <a:latin typeface="Courier New" pitchFamily="49" charset="0"/>
-                <a:ea typeface="Calibri" pitchFamily="34" charset="0"/>
-                <a:cs typeface="Courier New" pitchFamily="49" charset="0"/>
-              </a:rPr>
-              <a:t>                    Console.Write(" {0} - {1};", pi.ParameterType, pi.Name);</a:t>
-            </a:r>
-            <a:endParaRPr lang="be-BY" sz="900" dirty="0">
-              <a:solidFill>
-                <a:schemeClr val="bg1"/>
-              </a:solidFill>
-              <a:latin typeface="Arial" pitchFamily="34" charset="0"/>
-            </a:endParaRPr>
-          </a:p>
-          <a:p>
-            <a:pPr eaLnBrk="0" hangingPunct="0">
-              <a:defRPr/>
-            </a:pPr>
-            <a:r>
-              <a:rPr lang="be-BY" sz="1000" dirty="0">
-                <a:solidFill>
-                  <a:schemeClr val="bg1"/>
-                </a:solidFill>
-                <a:latin typeface="Courier New" pitchFamily="49" charset="0"/>
-                <a:ea typeface="Calibri" pitchFamily="34" charset="0"/>
-                <a:cs typeface="Courier New" pitchFamily="49" charset="0"/>
-              </a:rPr>
-              <a:t>                Console.WriteLine();</a:t>
-            </a:r>
-            <a:endParaRPr lang="be-BY" sz="900" dirty="0">
-              <a:solidFill>
-                <a:schemeClr val="bg1"/>
-              </a:solidFill>
-              <a:latin typeface="Arial" pitchFamily="34" charset="0"/>
-            </a:endParaRPr>
-          </a:p>
-          <a:p>
-            <a:pPr eaLnBrk="0" hangingPunct="0">
-              <a:defRPr/>
-            </a:pPr>
-            <a:r>
-              <a:rPr lang="be-BY" sz="1000" dirty="0">
-                <a:solidFill>
-                  <a:schemeClr val="bg1"/>
-                </a:solidFill>
-                <a:latin typeface="Courier New" pitchFamily="49" charset="0"/>
-                <a:ea typeface="Calibri" pitchFamily="34" charset="0"/>
-                <a:cs typeface="Courier New" pitchFamily="49" charset="0"/>
-              </a:rPr>
-              <a:t>            }</a:t>
-            </a:r>
-            <a:endParaRPr lang="be-BY" dirty="0">
-              <a:solidFill>
-                <a:schemeClr val="bg1"/>
-              </a:solidFill>
-              <a:latin typeface="Arial" pitchFamily="34" charset="0"/>
-            </a:endParaRPr>
+            <a:pPr marL="0" indent="0">
+              <a:buNone/>
+            </a:pPr>
+            <a:r>
+              <a:rPr lang="ru-RU" dirty="0" smtClean="0"/>
+              <a:t>Реализация механизма </a:t>
+            </a:r>
+            <a:r>
+              <a:rPr lang="en-US" dirty="0" smtClean="0"/>
+              <a:t>RTTI </a:t>
+            </a:r>
+            <a:r>
+              <a:rPr lang="ru-RU" dirty="0" smtClean="0"/>
+              <a:t>(</a:t>
+            </a:r>
+            <a:r>
+              <a:rPr lang="en-US" dirty="0" smtClean="0"/>
+              <a:t>Run-time Type Information). </a:t>
+            </a:r>
+            <a:r>
+              <a:rPr lang="ru-RU" dirty="0" smtClean="0"/>
+              <a:t>Пространство имен </a:t>
+            </a:r>
+            <a:r>
+              <a:rPr lang="en-US" dirty="0" err="1" smtClean="0"/>
+              <a:t>System.Reflection</a:t>
+            </a:r>
+            <a:r>
+              <a:rPr lang="en-US" dirty="0" smtClean="0"/>
+              <a:t>.</a:t>
+            </a:r>
+          </a:p>
+          <a:p>
+            <a:pPr marL="0" indent="0">
+              <a:buNone/>
+            </a:pPr>
+            <a:endParaRPr lang="en-US" dirty="0" smtClean="0"/>
+          </a:p>
+          <a:p>
+            <a:r>
+              <a:rPr lang="ru-RU" b="1" dirty="0" smtClean="0"/>
+              <a:t>Генерация кода. </a:t>
+            </a:r>
+            <a:r>
+              <a:rPr lang="ru-RU" dirty="0" smtClean="0"/>
+              <a:t>Иногда в паре с </a:t>
+            </a:r>
+            <a:r>
+              <a:rPr lang="en-US" dirty="0" smtClean="0"/>
+              <a:t>T4 </a:t>
+            </a:r>
+            <a:r>
+              <a:rPr lang="ru-RU" dirty="0" smtClean="0"/>
+              <a:t>шаблонами</a:t>
+            </a:r>
+            <a:r>
+              <a:rPr lang="en-US" dirty="0" smtClean="0"/>
+              <a:t>.</a:t>
+            </a:r>
+          </a:p>
+          <a:p>
+            <a:r>
+              <a:rPr lang="ru-RU" b="1" dirty="0" smtClean="0"/>
+              <a:t>Автоматическая генерация </a:t>
+            </a:r>
+            <a:r>
+              <a:rPr lang="en-US" b="1" dirty="0" smtClean="0"/>
+              <a:t>UI</a:t>
+            </a:r>
+            <a:r>
+              <a:rPr lang="en-US" dirty="0" smtClean="0"/>
+              <a:t> (</a:t>
+            </a:r>
+            <a:r>
+              <a:rPr lang="ru-RU" dirty="0" smtClean="0"/>
+              <a:t>например</a:t>
+            </a:r>
+            <a:r>
+              <a:rPr lang="en-US" dirty="0" smtClean="0"/>
+              <a:t>, property </a:t>
+            </a:r>
+            <a:r>
+              <a:rPr lang="en-US" dirty="0"/>
+              <a:t>editor</a:t>
+            </a:r>
+            <a:r>
+              <a:rPr lang="en-US" dirty="0" smtClean="0"/>
+              <a:t>).</a:t>
+            </a:r>
+            <a:endParaRPr lang="en-US" dirty="0"/>
+          </a:p>
+          <a:p>
+            <a:r>
+              <a:rPr lang="ru-RU" b="1" dirty="0" smtClean="0"/>
+              <a:t>Сериализация</a:t>
+            </a:r>
+            <a:r>
+              <a:rPr lang="en-US" dirty="0" smtClean="0"/>
+              <a:t>. </a:t>
+            </a:r>
+            <a:r>
+              <a:rPr lang="ru-RU" dirty="0" smtClean="0"/>
+              <a:t>Определение списка членов класса подлежащих сериализации и последующее восстановление.</a:t>
+            </a:r>
+            <a:endParaRPr lang="en-US" dirty="0"/>
+          </a:p>
+          <a:p>
+            <a:r>
+              <a:rPr lang="ru-RU" b="1" dirty="0" smtClean="0"/>
+              <a:t>Веб-сервисы</a:t>
+            </a:r>
+            <a:r>
+              <a:rPr lang="en-US" dirty="0" smtClean="0"/>
+              <a:t>. </a:t>
+            </a:r>
+            <a:r>
+              <a:rPr lang="ru-RU" dirty="0" smtClean="0"/>
+              <a:t>Близко к сериализации. Генерация классов на основе </a:t>
+            </a:r>
+            <a:r>
+              <a:rPr lang="en-US" dirty="0" smtClean="0"/>
+              <a:t>WSDL.</a:t>
+            </a:r>
+            <a:endParaRPr lang="en-US" dirty="0"/>
+          </a:p>
+          <a:p>
+            <a:r>
+              <a:rPr lang="ru-RU" b="1" dirty="0" smtClean="0"/>
+              <a:t>Предметно-ориентированные языки</a:t>
+            </a:r>
+            <a:r>
+              <a:rPr lang="en-US" b="1" dirty="0" smtClean="0"/>
+              <a:t> (DSL)</a:t>
+            </a:r>
+            <a:r>
+              <a:rPr lang="en-US" dirty="0" smtClean="0"/>
+              <a:t>. </a:t>
+            </a:r>
+            <a:r>
+              <a:rPr lang="ru-RU" dirty="0" smtClean="0"/>
+              <a:t>Интерпретированные скриптовые языки могут работать с слабо-типизированными объектами с помощью </a:t>
+            </a:r>
+            <a:r>
+              <a:rPr lang="en-US" dirty="0" smtClean="0"/>
+              <a:t>reflection.</a:t>
+            </a:r>
+            <a:endParaRPr lang="en-US" dirty="0"/>
+          </a:p>
+          <a:p>
+            <a:r>
+              <a:rPr lang="ru-RU" b="1" dirty="0" smtClean="0"/>
+              <a:t>Средства отладки</a:t>
+            </a:r>
+            <a:r>
+              <a:rPr lang="en-US" dirty="0" smtClean="0"/>
+              <a:t>. </a:t>
+            </a:r>
+            <a:r>
+              <a:rPr lang="ru-RU" dirty="0" smtClean="0"/>
+              <a:t>Исследование состояния любого объекта.</a:t>
+            </a:r>
+            <a:endParaRPr lang="en-US" dirty="0"/>
           </a:p>
         </p:txBody>
       </p:sp>
     </p:spTree>
     <p:extLst>
       <p:ext uri="{BB962C8B-B14F-4D97-AF65-F5344CB8AC3E}">
-        <p14:creationId xmlns:p14="http://schemas.microsoft.com/office/powerpoint/2010/main" val="3702071643"/>
+        <p14:creationId xmlns:p14="http://schemas.microsoft.com/office/powerpoint/2010/main" val="2096666648"/>
       </p:ext>
     </p:extLst>
   </p:cSld>
@@ -17394,6 +16699,877 @@
       </p:grpSpPr>
       <p:sp>
         <p:nvSpPr>
+          <p:cNvPr id="7170" name="Rectangle 3"/>
+          <p:cNvSpPr>
+            <a:spLocks noChangeArrowheads="1"/>
+          </p:cNvSpPr>
+          <p:nvPr/>
+        </p:nvSpPr>
+        <p:spPr bwMode="auto">
+          <a:xfrm>
+            <a:off x="152400" y="-4763"/>
+            <a:ext cx="8763000" cy="461963"/>
+          </a:xfrm>
+          <a:prstGeom prst="rect">
+            <a:avLst/>
+          </a:prstGeom>
+          <a:noFill/>
+          <a:ln>
+            <a:noFill/>
+          </a:ln>
+          <a:extLst>
+            <a:ext uri="{909E8E84-426E-40DD-AFC4-6F175D3DCCD1}">
+              <a14:hiddenFill xmlns:a14="http://schemas.microsoft.com/office/drawing/2010/main">
+                <a:solidFill>
+                  <a:srgbClr val="FFFFFF"/>
+                </a:solidFill>
+              </a14:hiddenFill>
+            </a:ext>
+            <a:ext uri="{91240B29-F687-4F45-9708-019B960494DF}">
+              <a14:hiddenLine xmlns:a14="http://schemas.microsoft.com/office/drawing/2010/main" w="9525">
+                <a:solidFill>
+                  <a:srgbClr val="000000"/>
+                </a:solidFill>
+                <a:miter lim="800000"/>
+                <a:headEnd/>
+                <a:tailEnd/>
+              </a14:hiddenLine>
+            </a:ext>
+          </a:extLst>
+        </p:spPr>
+        <p:txBody>
+          <a:bodyPr anchor="ctr">
+            <a:spAutoFit/>
+          </a:bodyPr>
+          <a:lstStyle/>
+          <a:p>
+            <a:pPr algn="ctr"/>
+            <a:r>
+              <a:rPr lang="ru-RU" sz="2400" b="1"/>
+              <a:t>Рефлексия типов</a:t>
+            </a:r>
+            <a:r>
+              <a:rPr lang="be-BY" sz="2400" b="1"/>
+              <a:t>.</a:t>
+            </a:r>
+            <a:r>
+              <a:rPr lang="en-US" sz="2400" b="1"/>
+              <a:t> </a:t>
+            </a:r>
+            <a:r>
+              <a:rPr lang="ru-RU" sz="2400" b="1"/>
+              <a:t>Класс </a:t>
+            </a:r>
+            <a:r>
+              <a:rPr lang="en-US" sz="2400" b="1"/>
+              <a:t>Type.</a:t>
+            </a:r>
+          </a:p>
+        </p:txBody>
+      </p:sp>
+      <p:sp>
+        <p:nvSpPr>
+          <p:cNvPr id="7171" name="Rectangle 3"/>
+          <p:cNvSpPr>
+            <a:spLocks noChangeArrowheads="1"/>
+          </p:cNvSpPr>
+          <p:nvPr/>
+        </p:nvSpPr>
+        <p:spPr bwMode="auto">
+          <a:xfrm>
+            <a:off x="152400" y="457200"/>
+            <a:ext cx="8839200" cy="1570038"/>
+          </a:xfrm>
+          <a:prstGeom prst="rect">
+            <a:avLst/>
+          </a:prstGeom>
+          <a:noFill/>
+          <a:ln>
+            <a:noFill/>
+          </a:ln>
+          <a:extLst>
+            <a:ext uri="{909E8E84-426E-40DD-AFC4-6F175D3DCCD1}">
+              <a14:hiddenFill xmlns:a14="http://schemas.microsoft.com/office/drawing/2010/main">
+                <a:solidFill>
+                  <a:srgbClr val="FFFFFF"/>
+                </a:solidFill>
+              </a14:hiddenFill>
+            </a:ext>
+            <a:ext uri="{91240B29-F687-4F45-9708-019B960494DF}">
+              <a14:hiddenLine xmlns:a14="http://schemas.microsoft.com/office/drawing/2010/main" w="9525">
+                <a:solidFill>
+                  <a:srgbClr val="000000"/>
+                </a:solidFill>
+                <a:miter lim="800000"/>
+                <a:headEnd/>
+                <a:tailEnd/>
+              </a14:hiddenLine>
+            </a:ext>
+          </a:extLst>
+        </p:spPr>
+        <p:txBody>
+          <a:bodyPr anchor="ctr">
+            <a:spAutoFit/>
+          </a:bodyPr>
+          <a:lstStyle/>
+          <a:p>
+            <a:r>
+              <a:rPr lang="ru-RU" sz="1600"/>
+              <a:t>	Рефлексия – процесс обнаружения типов во время работы программы. Используя рефлексию, пользователь может динамически подгружать сборки, создавать и использовать объекты классов, описанные в этих сборках.</a:t>
+            </a:r>
+          </a:p>
+          <a:p>
+            <a:r>
+              <a:rPr lang="ru-RU" sz="1600"/>
+              <a:t>	Ключевым классом является класс </a:t>
+            </a:r>
+            <a:r>
+              <a:rPr lang="en-US" sz="1600"/>
+              <a:t>Type</a:t>
+            </a:r>
+            <a:r>
+              <a:rPr lang="ru-RU" sz="1600"/>
+              <a:t>, позволяющий получить полную информацию о существующем, либо о загруженном типе. Получить объект класса </a:t>
+            </a:r>
+            <a:r>
+              <a:rPr lang="en-US" sz="1600"/>
+              <a:t>Type </a:t>
+            </a:r>
+            <a:r>
+              <a:rPr lang="ru-RU" sz="1600"/>
+              <a:t>можно несколькими способами</a:t>
+            </a:r>
+            <a:r>
+              <a:rPr lang="en-US" sz="1600"/>
+              <a:t>:</a:t>
+            </a:r>
+            <a:endParaRPr lang="ru-RU" sz="1600"/>
+          </a:p>
+        </p:txBody>
+      </p:sp>
+      <p:sp>
+        <p:nvSpPr>
+          <p:cNvPr id="19457" name="Rectangle 1"/>
+          <p:cNvSpPr>
+            <a:spLocks noChangeArrowheads="1"/>
+          </p:cNvSpPr>
+          <p:nvPr/>
+        </p:nvSpPr>
+        <p:spPr bwMode="auto">
+          <a:xfrm>
+            <a:off x="152400" y="2032000"/>
+            <a:ext cx="8839200" cy="1169988"/>
+          </a:xfrm>
+          <a:prstGeom prst="rect">
+            <a:avLst/>
+          </a:prstGeom>
+          <a:noFill/>
+          <a:ln w="9525">
+            <a:solidFill>
+              <a:schemeClr val="bg1">
+                <a:lumMod val="65000"/>
+              </a:schemeClr>
+            </a:solidFill>
+            <a:miter lim="800000"/>
+            <a:headEnd/>
+            <a:tailEnd/>
+          </a:ln>
+          <a:effectLst/>
+        </p:spPr>
+        <p:txBody>
+          <a:bodyPr anchor="ctr">
+            <a:spAutoFit/>
+          </a:bodyPr>
+          <a:lstStyle/>
+          <a:p>
+            <a:pPr eaLnBrk="0" hangingPunct="0">
+              <a:defRPr/>
+            </a:pPr>
+            <a:r>
+              <a:rPr lang="be-BY" sz="1000" dirty="0">
+                <a:solidFill>
+                  <a:schemeClr val="bg1"/>
+                </a:solidFill>
+                <a:latin typeface="Courier New" pitchFamily="49" charset="0"/>
+                <a:ea typeface="Calibri" pitchFamily="34" charset="0"/>
+                <a:cs typeface="Courier New" pitchFamily="49" charset="0"/>
+              </a:rPr>
+              <a:t>            Complex value = new Complex();</a:t>
+            </a:r>
+            <a:endParaRPr lang="be-BY" sz="900" dirty="0">
+              <a:solidFill>
+                <a:schemeClr val="bg1"/>
+              </a:solidFill>
+              <a:latin typeface="Arial" pitchFamily="34" charset="0"/>
+            </a:endParaRPr>
+          </a:p>
+          <a:p>
+            <a:pPr eaLnBrk="0" hangingPunct="0">
+              <a:defRPr/>
+            </a:pPr>
+            <a:r>
+              <a:rPr lang="be-BY" sz="1000" dirty="0">
+                <a:solidFill>
+                  <a:schemeClr val="bg1"/>
+                </a:solidFill>
+                <a:latin typeface="Courier New" pitchFamily="49" charset="0"/>
+                <a:ea typeface="Calibri" pitchFamily="34" charset="0"/>
+                <a:cs typeface="Courier New" pitchFamily="49" charset="0"/>
+              </a:rPr>
+              <a:t>            Type type1 = value.GetType();</a:t>
+            </a:r>
+            <a:endParaRPr lang="be-BY" sz="900" dirty="0">
+              <a:solidFill>
+                <a:schemeClr val="bg1"/>
+              </a:solidFill>
+              <a:latin typeface="Arial" pitchFamily="34" charset="0"/>
+            </a:endParaRPr>
+          </a:p>
+          <a:p>
+            <a:pPr eaLnBrk="0" hangingPunct="0">
+              <a:defRPr/>
+            </a:pPr>
+            <a:r>
+              <a:rPr lang="be-BY" sz="1000" dirty="0">
+                <a:solidFill>
+                  <a:schemeClr val="bg1"/>
+                </a:solidFill>
+                <a:latin typeface="Courier New" pitchFamily="49" charset="0"/>
+                <a:ea typeface="Calibri" pitchFamily="34" charset="0"/>
+                <a:cs typeface="Courier New" pitchFamily="49" charset="0"/>
+              </a:rPr>
+              <a:t>            Type type2 = Type.GetType("Complex</a:t>
+            </a:r>
+            <a:r>
+              <a:rPr lang="en-US" sz="1000" dirty="0">
+                <a:solidFill>
+                  <a:schemeClr val="bg1"/>
+                </a:solidFill>
+                <a:latin typeface="Courier New" pitchFamily="49" charset="0"/>
+                <a:ea typeface="Calibri" pitchFamily="34" charset="0"/>
+                <a:cs typeface="Courier New" pitchFamily="49" charset="0"/>
+              </a:rPr>
+              <a:t>Numbers.</a:t>
+            </a:r>
+            <a:r>
+              <a:rPr lang="be-BY" sz="1000" dirty="0">
+                <a:solidFill>
+                  <a:schemeClr val="bg1"/>
+                </a:solidFill>
+                <a:latin typeface="Courier New" pitchFamily="49" charset="0"/>
+                <a:ea typeface="Calibri" pitchFamily="34" charset="0"/>
+                <a:cs typeface="Courier New" pitchFamily="49" charset="0"/>
+              </a:rPr>
+              <a:t>Complex",false,true);</a:t>
+            </a:r>
+            <a:endParaRPr lang="be-BY" sz="900" dirty="0">
+              <a:solidFill>
+                <a:schemeClr val="bg1"/>
+              </a:solidFill>
+              <a:latin typeface="Arial" pitchFamily="34" charset="0"/>
+            </a:endParaRPr>
+          </a:p>
+          <a:p>
+            <a:pPr eaLnBrk="0" hangingPunct="0">
+              <a:defRPr/>
+            </a:pPr>
+            <a:r>
+              <a:rPr lang="be-BY" sz="1000" dirty="0">
+                <a:solidFill>
+                  <a:schemeClr val="bg1"/>
+                </a:solidFill>
+                <a:latin typeface="Courier New" pitchFamily="49" charset="0"/>
+                <a:ea typeface="Calibri" pitchFamily="34" charset="0"/>
+                <a:cs typeface="Courier New" pitchFamily="49" charset="0"/>
+              </a:rPr>
+              <a:t>            Type type3 = typeof(Complex);</a:t>
+            </a:r>
+            <a:endParaRPr lang="be-BY" sz="900" dirty="0">
+              <a:solidFill>
+                <a:schemeClr val="bg1"/>
+              </a:solidFill>
+              <a:latin typeface="Arial" pitchFamily="34" charset="0"/>
+            </a:endParaRPr>
+          </a:p>
+          <a:p>
+            <a:pPr eaLnBrk="0" hangingPunct="0">
+              <a:defRPr/>
+            </a:pPr>
+            <a:r>
+              <a:rPr lang="be-BY" sz="1000" dirty="0">
+                <a:solidFill>
+                  <a:schemeClr val="bg1"/>
+                </a:solidFill>
+                <a:latin typeface="Courier New" pitchFamily="49" charset="0"/>
+                <a:ea typeface="Calibri" pitchFamily="34" charset="0"/>
+                <a:cs typeface="Courier New" pitchFamily="49" charset="0"/>
+              </a:rPr>
+              <a:t>            Console.WriteLine(type1);</a:t>
+            </a:r>
+            <a:endParaRPr lang="be-BY" sz="900" dirty="0">
+              <a:solidFill>
+                <a:schemeClr val="bg1"/>
+              </a:solidFill>
+              <a:latin typeface="Arial" pitchFamily="34" charset="0"/>
+            </a:endParaRPr>
+          </a:p>
+          <a:p>
+            <a:pPr eaLnBrk="0" hangingPunct="0">
+              <a:defRPr/>
+            </a:pPr>
+            <a:r>
+              <a:rPr lang="be-BY" sz="1000" dirty="0">
+                <a:solidFill>
+                  <a:schemeClr val="bg1"/>
+                </a:solidFill>
+                <a:latin typeface="Courier New" pitchFamily="49" charset="0"/>
+                <a:ea typeface="Calibri" pitchFamily="34" charset="0"/>
+                <a:cs typeface="Courier New" pitchFamily="49" charset="0"/>
+              </a:rPr>
+              <a:t>            Console.WriteLine(type2);</a:t>
+            </a:r>
+            <a:endParaRPr lang="be-BY" sz="900" dirty="0">
+              <a:solidFill>
+                <a:schemeClr val="bg1"/>
+              </a:solidFill>
+              <a:latin typeface="Arial" pitchFamily="34" charset="0"/>
+            </a:endParaRPr>
+          </a:p>
+          <a:p>
+            <a:pPr eaLnBrk="0" hangingPunct="0">
+              <a:defRPr/>
+            </a:pPr>
+            <a:r>
+              <a:rPr lang="be-BY" sz="1000" dirty="0">
+                <a:solidFill>
+                  <a:schemeClr val="bg1"/>
+                </a:solidFill>
+                <a:latin typeface="Courier New" pitchFamily="49" charset="0"/>
+                <a:ea typeface="Calibri" pitchFamily="34" charset="0"/>
+                <a:cs typeface="Courier New" pitchFamily="49" charset="0"/>
+              </a:rPr>
+              <a:t>            Console.WriteLine(type3);</a:t>
+            </a:r>
+            <a:endParaRPr lang="be-BY" dirty="0">
+              <a:solidFill>
+                <a:schemeClr val="bg1"/>
+              </a:solidFill>
+              <a:latin typeface="Arial" pitchFamily="34" charset="0"/>
+            </a:endParaRPr>
+          </a:p>
+        </p:txBody>
+      </p:sp>
+      <p:sp>
+        <p:nvSpPr>
+          <p:cNvPr id="7173" name="Rectangle 5"/>
+          <p:cNvSpPr>
+            <a:spLocks noChangeArrowheads="1"/>
+          </p:cNvSpPr>
+          <p:nvPr/>
+        </p:nvSpPr>
+        <p:spPr bwMode="auto">
+          <a:xfrm>
+            <a:off x="152400" y="3276600"/>
+            <a:ext cx="8839200" cy="584200"/>
+          </a:xfrm>
+          <a:prstGeom prst="rect">
+            <a:avLst/>
+          </a:prstGeom>
+          <a:noFill/>
+          <a:ln>
+            <a:noFill/>
+          </a:ln>
+          <a:extLst>
+            <a:ext uri="{909E8E84-426E-40DD-AFC4-6F175D3DCCD1}">
+              <a14:hiddenFill xmlns:a14="http://schemas.microsoft.com/office/drawing/2010/main">
+                <a:solidFill>
+                  <a:srgbClr val="FFFFFF"/>
+                </a:solidFill>
+              </a14:hiddenFill>
+            </a:ext>
+            <a:ext uri="{91240B29-F687-4F45-9708-019B960494DF}">
+              <a14:hiddenLine xmlns:a14="http://schemas.microsoft.com/office/drawing/2010/main" w="9525">
+                <a:solidFill>
+                  <a:srgbClr val="000000"/>
+                </a:solidFill>
+                <a:miter lim="800000"/>
+                <a:headEnd/>
+                <a:tailEnd/>
+              </a14:hiddenLine>
+            </a:ext>
+          </a:extLst>
+        </p:spPr>
+        <p:txBody>
+          <a:bodyPr anchor="ctr">
+            <a:spAutoFit/>
+          </a:bodyPr>
+          <a:lstStyle/>
+          <a:p>
+            <a:r>
+              <a:rPr lang="ru-RU" sz="1600"/>
+              <a:t>Далее, используя свойства и методы объекта можно получить исчерпывающую информацию о типе</a:t>
+            </a:r>
+            <a:r>
+              <a:rPr lang="en-US" sz="1600"/>
+              <a:t>:</a:t>
+            </a:r>
+            <a:endParaRPr lang="ru-RU" sz="1600"/>
+          </a:p>
+        </p:txBody>
+      </p:sp>
+      <p:sp>
+        <p:nvSpPr>
+          <p:cNvPr id="19458" name="Rectangle 2"/>
+          <p:cNvSpPr>
+            <a:spLocks noChangeArrowheads="1"/>
+          </p:cNvSpPr>
+          <p:nvPr/>
+        </p:nvSpPr>
+        <p:spPr bwMode="auto">
+          <a:xfrm>
+            <a:off x="152400" y="3897313"/>
+            <a:ext cx="8839200" cy="2832100"/>
+          </a:xfrm>
+          <a:prstGeom prst="rect">
+            <a:avLst/>
+          </a:prstGeom>
+          <a:noFill/>
+          <a:ln w="9525">
+            <a:solidFill>
+              <a:schemeClr val="bg1">
+                <a:lumMod val="65000"/>
+              </a:schemeClr>
+            </a:solidFill>
+            <a:miter lim="800000"/>
+            <a:headEnd/>
+            <a:tailEnd/>
+          </a:ln>
+          <a:effectLst/>
+        </p:spPr>
+        <p:txBody>
+          <a:bodyPr anchor="ctr">
+            <a:spAutoFit/>
+          </a:bodyPr>
+          <a:lstStyle/>
+          <a:p>
+            <a:pPr eaLnBrk="0" hangingPunct="0">
+              <a:defRPr/>
+            </a:pPr>
+            <a:r>
+              <a:rPr lang="be-BY" sz="1000" dirty="0">
+                <a:solidFill>
+                  <a:schemeClr val="bg1"/>
+                </a:solidFill>
+                <a:latin typeface="Courier New" pitchFamily="49" charset="0"/>
+                <a:ea typeface="Calibri" pitchFamily="34" charset="0"/>
+                <a:cs typeface="Courier New" pitchFamily="49" charset="0"/>
+              </a:rPr>
+              <a:t>            Type type = typeof(Complex);</a:t>
+            </a:r>
+            <a:endParaRPr lang="en-US" sz="1000" dirty="0">
+              <a:solidFill>
+                <a:schemeClr val="bg1"/>
+              </a:solidFill>
+              <a:latin typeface="Courier New" pitchFamily="49" charset="0"/>
+              <a:ea typeface="Calibri" pitchFamily="34" charset="0"/>
+              <a:cs typeface="Courier New" pitchFamily="49" charset="0"/>
+            </a:endParaRPr>
+          </a:p>
+          <a:p>
+            <a:pPr eaLnBrk="0" hangingPunct="0">
+              <a:defRPr/>
+            </a:pPr>
+            <a:endParaRPr lang="be-BY" sz="900" dirty="0">
+              <a:solidFill>
+                <a:schemeClr val="bg1"/>
+              </a:solidFill>
+              <a:latin typeface="Arial" pitchFamily="34" charset="0"/>
+            </a:endParaRPr>
+          </a:p>
+          <a:p>
+            <a:pPr eaLnBrk="0" hangingPunct="0">
+              <a:defRPr/>
+            </a:pPr>
+            <a:r>
+              <a:rPr lang="be-BY" sz="1000" dirty="0">
+                <a:solidFill>
+                  <a:schemeClr val="bg1"/>
+                </a:solidFill>
+                <a:latin typeface="Courier New" pitchFamily="49" charset="0"/>
+                <a:ea typeface="Calibri" pitchFamily="34" charset="0"/>
+                <a:cs typeface="Courier New" pitchFamily="49" charset="0"/>
+              </a:rPr>
+              <a:t>            foreach (ConstructorInfo ci in type.GetConstructors())</a:t>
+            </a:r>
+            <a:endParaRPr lang="be-BY" sz="900" dirty="0">
+              <a:solidFill>
+                <a:schemeClr val="bg1"/>
+              </a:solidFill>
+              <a:latin typeface="Arial" pitchFamily="34" charset="0"/>
+            </a:endParaRPr>
+          </a:p>
+          <a:p>
+            <a:pPr eaLnBrk="0" hangingPunct="0">
+              <a:defRPr/>
+            </a:pPr>
+            <a:r>
+              <a:rPr lang="be-BY" sz="1000" dirty="0">
+                <a:solidFill>
+                  <a:schemeClr val="bg1"/>
+                </a:solidFill>
+                <a:latin typeface="Courier New" pitchFamily="49" charset="0"/>
+                <a:ea typeface="Calibri" pitchFamily="34" charset="0"/>
+                <a:cs typeface="Courier New" pitchFamily="49" charset="0"/>
+              </a:rPr>
+              <a:t>            {</a:t>
+            </a:r>
+            <a:endParaRPr lang="be-BY" sz="900" dirty="0">
+              <a:solidFill>
+                <a:schemeClr val="bg1"/>
+              </a:solidFill>
+              <a:latin typeface="Arial" pitchFamily="34" charset="0"/>
+            </a:endParaRPr>
+          </a:p>
+          <a:p>
+            <a:pPr eaLnBrk="0" hangingPunct="0">
+              <a:defRPr/>
+            </a:pPr>
+            <a:r>
+              <a:rPr lang="be-BY" sz="1000" dirty="0">
+                <a:solidFill>
+                  <a:schemeClr val="bg1"/>
+                </a:solidFill>
+                <a:latin typeface="Courier New" pitchFamily="49" charset="0"/>
+                <a:ea typeface="Calibri" pitchFamily="34" charset="0"/>
+                <a:cs typeface="Courier New" pitchFamily="49" charset="0"/>
+              </a:rPr>
+              <a:t>                Console.Write("Constructor, Params:");</a:t>
+            </a:r>
+            <a:endParaRPr lang="be-BY" sz="900" dirty="0">
+              <a:solidFill>
+                <a:schemeClr val="bg1"/>
+              </a:solidFill>
+              <a:latin typeface="Arial" pitchFamily="34" charset="0"/>
+            </a:endParaRPr>
+          </a:p>
+          <a:p>
+            <a:pPr eaLnBrk="0" hangingPunct="0">
+              <a:defRPr/>
+            </a:pPr>
+            <a:r>
+              <a:rPr lang="be-BY" sz="1000" dirty="0">
+                <a:solidFill>
+                  <a:schemeClr val="bg1"/>
+                </a:solidFill>
+                <a:latin typeface="Courier New" pitchFamily="49" charset="0"/>
+                <a:ea typeface="Calibri" pitchFamily="34" charset="0"/>
+                <a:cs typeface="Courier New" pitchFamily="49" charset="0"/>
+              </a:rPr>
+              <a:t>                foreach(ParameterInfo pi in ci.GetParameters())</a:t>
+            </a:r>
+            <a:endParaRPr lang="be-BY" sz="900" dirty="0">
+              <a:solidFill>
+                <a:schemeClr val="bg1"/>
+              </a:solidFill>
+              <a:latin typeface="Arial" pitchFamily="34" charset="0"/>
+            </a:endParaRPr>
+          </a:p>
+          <a:p>
+            <a:pPr eaLnBrk="0" hangingPunct="0">
+              <a:defRPr/>
+            </a:pPr>
+            <a:r>
+              <a:rPr lang="be-BY" sz="1000" dirty="0">
+                <a:solidFill>
+                  <a:schemeClr val="bg1"/>
+                </a:solidFill>
+                <a:latin typeface="Courier New" pitchFamily="49" charset="0"/>
+                <a:ea typeface="Calibri" pitchFamily="34" charset="0"/>
+                <a:cs typeface="Courier New" pitchFamily="49" charset="0"/>
+              </a:rPr>
+              <a:t>                    Console.Write(" {0} - {1};",pi.ParameterType,pi.Name);</a:t>
+            </a:r>
+            <a:endParaRPr lang="be-BY" sz="900" dirty="0">
+              <a:solidFill>
+                <a:schemeClr val="bg1"/>
+              </a:solidFill>
+              <a:latin typeface="Arial" pitchFamily="34" charset="0"/>
+            </a:endParaRPr>
+          </a:p>
+          <a:p>
+            <a:pPr eaLnBrk="0" hangingPunct="0">
+              <a:defRPr/>
+            </a:pPr>
+            <a:r>
+              <a:rPr lang="be-BY" sz="1000" dirty="0">
+                <a:solidFill>
+                  <a:schemeClr val="bg1"/>
+                </a:solidFill>
+                <a:latin typeface="Courier New" pitchFamily="49" charset="0"/>
+                <a:ea typeface="Calibri" pitchFamily="34" charset="0"/>
+                <a:cs typeface="Courier New" pitchFamily="49" charset="0"/>
+              </a:rPr>
+              <a:t>                Console.WriteLine();</a:t>
+            </a:r>
+            <a:endParaRPr lang="be-BY" sz="900" dirty="0">
+              <a:solidFill>
+                <a:schemeClr val="bg1"/>
+              </a:solidFill>
+              <a:latin typeface="Arial" pitchFamily="34" charset="0"/>
+            </a:endParaRPr>
+          </a:p>
+          <a:p>
+            <a:pPr eaLnBrk="0" hangingPunct="0">
+              <a:defRPr/>
+            </a:pPr>
+            <a:r>
+              <a:rPr lang="be-BY" sz="1000" dirty="0">
+                <a:solidFill>
+                  <a:schemeClr val="bg1"/>
+                </a:solidFill>
+                <a:latin typeface="Courier New" pitchFamily="49" charset="0"/>
+                <a:ea typeface="Calibri" pitchFamily="34" charset="0"/>
+                <a:cs typeface="Courier New" pitchFamily="49" charset="0"/>
+              </a:rPr>
+              <a:t>            }</a:t>
+            </a:r>
+            <a:endParaRPr lang="en-US" sz="1000" dirty="0">
+              <a:solidFill>
+                <a:schemeClr val="bg1"/>
+              </a:solidFill>
+              <a:latin typeface="Courier New" pitchFamily="49" charset="0"/>
+              <a:ea typeface="Calibri" pitchFamily="34" charset="0"/>
+              <a:cs typeface="Courier New" pitchFamily="49" charset="0"/>
+            </a:endParaRPr>
+          </a:p>
+          <a:p>
+            <a:pPr eaLnBrk="0" hangingPunct="0">
+              <a:defRPr/>
+            </a:pPr>
+            <a:endParaRPr lang="be-BY" sz="900" dirty="0">
+              <a:solidFill>
+                <a:schemeClr val="bg1"/>
+              </a:solidFill>
+              <a:latin typeface="Arial" pitchFamily="34" charset="0"/>
+            </a:endParaRPr>
+          </a:p>
+          <a:p>
+            <a:pPr eaLnBrk="0" hangingPunct="0">
+              <a:defRPr/>
+            </a:pPr>
+            <a:r>
+              <a:rPr lang="be-BY" sz="1000" dirty="0">
+                <a:solidFill>
+                  <a:schemeClr val="bg1"/>
+                </a:solidFill>
+                <a:latin typeface="Courier New" pitchFamily="49" charset="0"/>
+                <a:ea typeface="Calibri" pitchFamily="34" charset="0"/>
+                <a:cs typeface="Courier New" pitchFamily="49" charset="0"/>
+              </a:rPr>
+              <a:t>            foreach (MethodInfo mi in type.GetMethods())</a:t>
+            </a:r>
+            <a:endParaRPr lang="be-BY" sz="900" dirty="0">
+              <a:solidFill>
+                <a:schemeClr val="bg1"/>
+              </a:solidFill>
+              <a:latin typeface="Arial" pitchFamily="34" charset="0"/>
+            </a:endParaRPr>
+          </a:p>
+          <a:p>
+            <a:pPr eaLnBrk="0" hangingPunct="0">
+              <a:defRPr/>
+            </a:pPr>
+            <a:r>
+              <a:rPr lang="be-BY" sz="1000" dirty="0">
+                <a:solidFill>
+                  <a:schemeClr val="bg1"/>
+                </a:solidFill>
+                <a:latin typeface="Courier New" pitchFamily="49" charset="0"/>
+                <a:ea typeface="Calibri" pitchFamily="34" charset="0"/>
+                <a:cs typeface="Courier New" pitchFamily="49" charset="0"/>
+              </a:rPr>
+              <a:t>            {</a:t>
+            </a:r>
+            <a:endParaRPr lang="be-BY" sz="900" dirty="0">
+              <a:solidFill>
+                <a:schemeClr val="bg1"/>
+              </a:solidFill>
+              <a:latin typeface="Arial" pitchFamily="34" charset="0"/>
+            </a:endParaRPr>
+          </a:p>
+          <a:p>
+            <a:pPr eaLnBrk="0" hangingPunct="0">
+              <a:defRPr/>
+            </a:pPr>
+            <a:r>
+              <a:rPr lang="be-BY" sz="1000" dirty="0">
+                <a:solidFill>
+                  <a:schemeClr val="bg1"/>
+                </a:solidFill>
+                <a:latin typeface="Courier New" pitchFamily="49" charset="0"/>
+                <a:ea typeface="Calibri" pitchFamily="34" charset="0"/>
+                <a:cs typeface="Courier New" pitchFamily="49" charset="0"/>
+              </a:rPr>
+              <a:t>                Console.WriteLine("Metod {0} {1}",mi.ReturnType,mi.Name);</a:t>
+            </a:r>
+            <a:endParaRPr lang="be-BY" sz="900" dirty="0">
+              <a:solidFill>
+                <a:schemeClr val="bg1"/>
+              </a:solidFill>
+              <a:latin typeface="Arial" pitchFamily="34" charset="0"/>
+            </a:endParaRPr>
+          </a:p>
+          <a:p>
+            <a:pPr eaLnBrk="0" hangingPunct="0">
+              <a:defRPr/>
+            </a:pPr>
+            <a:r>
+              <a:rPr lang="be-BY" sz="1000" dirty="0">
+                <a:solidFill>
+                  <a:schemeClr val="bg1"/>
+                </a:solidFill>
+                <a:latin typeface="Courier New" pitchFamily="49" charset="0"/>
+                <a:ea typeface="Calibri" pitchFamily="34" charset="0"/>
+                <a:cs typeface="Courier New" pitchFamily="49" charset="0"/>
+              </a:rPr>
+              <a:t>                Console.Write("  Params : ");</a:t>
+            </a:r>
+            <a:endParaRPr lang="be-BY" sz="900" dirty="0">
+              <a:solidFill>
+                <a:schemeClr val="bg1"/>
+              </a:solidFill>
+              <a:latin typeface="Arial" pitchFamily="34" charset="0"/>
+            </a:endParaRPr>
+          </a:p>
+          <a:p>
+            <a:pPr eaLnBrk="0" hangingPunct="0">
+              <a:defRPr/>
+            </a:pPr>
+            <a:r>
+              <a:rPr lang="be-BY" sz="1000" dirty="0">
+                <a:solidFill>
+                  <a:schemeClr val="bg1"/>
+                </a:solidFill>
+                <a:latin typeface="Courier New" pitchFamily="49" charset="0"/>
+                <a:ea typeface="Calibri" pitchFamily="34" charset="0"/>
+                <a:cs typeface="Courier New" pitchFamily="49" charset="0"/>
+              </a:rPr>
+              <a:t>                foreach (ParameterInfo pi in mi.GetParameters())</a:t>
+            </a:r>
+            <a:endParaRPr lang="be-BY" sz="900" dirty="0">
+              <a:solidFill>
+                <a:schemeClr val="bg1"/>
+              </a:solidFill>
+              <a:latin typeface="Arial" pitchFamily="34" charset="0"/>
+            </a:endParaRPr>
+          </a:p>
+          <a:p>
+            <a:pPr eaLnBrk="0" hangingPunct="0">
+              <a:defRPr/>
+            </a:pPr>
+            <a:r>
+              <a:rPr lang="be-BY" sz="1000" dirty="0">
+                <a:solidFill>
+                  <a:schemeClr val="bg1"/>
+                </a:solidFill>
+                <a:latin typeface="Courier New" pitchFamily="49" charset="0"/>
+                <a:ea typeface="Calibri" pitchFamily="34" charset="0"/>
+                <a:cs typeface="Courier New" pitchFamily="49" charset="0"/>
+              </a:rPr>
+              <a:t>                    Console.Write(" {0} - {1};", pi.ParameterType, pi.Name);</a:t>
+            </a:r>
+            <a:endParaRPr lang="be-BY" sz="900" dirty="0">
+              <a:solidFill>
+                <a:schemeClr val="bg1"/>
+              </a:solidFill>
+              <a:latin typeface="Arial" pitchFamily="34" charset="0"/>
+            </a:endParaRPr>
+          </a:p>
+          <a:p>
+            <a:pPr eaLnBrk="0" hangingPunct="0">
+              <a:defRPr/>
+            </a:pPr>
+            <a:r>
+              <a:rPr lang="be-BY" sz="1000" dirty="0">
+                <a:solidFill>
+                  <a:schemeClr val="bg1"/>
+                </a:solidFill>
+                <a:latin typeface="Courier New" pitchFamily="49" charset="0"/>
+                <a:ea typeface="Calibri" pitchFamily="34" charset="0"/>
+                <a:cs typeface="Courier New" pitchFamily="49" charset="0"/>
+              </a:rPr>
+              <a:t>                Console.WriteLine();</a:t>
+            </a:r>
+            <a:endParaRPr lang="be-BY" sz="900" dirty="0">
+              <a:solidFill>
+                <a:schemeClr val="bg1"/>
+              </a:solidFill>
+              <a:latin typeface="Arial" pitchFamily="34" charset="0"/>
+            </a:endParaRPr>
+          </a:p>
+          <a:p>
+            <a:pPr eaLnBrk="0" hangingPunct="0">
+              <a:defRPr/>
+            </a:pPr>
+            <a:r>
+              <a:rPr lang="be-BY" sz="1000" dirty="0">
+                <a:solidFill>
+                  <a:schemeClr val="bg1"/>
+                </a:solidFill>
+                <a:latin typeface="Courier New" pitchFamily="49" charset="0"/>
+                <a:ea typeface="Calibri" pitchFamily="34" charset="0"/>
+                <a:cs typeface="Courier New" pitchFamily="49" charset="0"/>
+              </a:rPr>
+              <a:t>            }</a:t>
+            </a:r>
+            <a:endParaRPr lang="be-BY" dirty="0">
+              <a:solidFill>
+                <a:schemeClr val="bg1"/>
+              </a:solidFill>
+              <a:latin typeface="Arial" pitchFamily="34" charset="0"/>
+            </a:endParaRPr>
+          </a:p>
+        </p:txBody>
+      </p:sp>
+    </p:spTree>
+    <p:extLst>
+      <p:ext uri="{BB962C8B-B14F-4D97-AF65-F5344CB8AC3E}">
+        <p14:creationId xmlns:p14="http://schemas.microsoft.com/office/powerpoint/2010/main" val="3702071643"/>
+      </p:ext>
+    </p:extLst>
+  </p:cSld>
+  <p:clrMapOvr>
+    <a:masterClrMapping/>
+  </p:clrMapOvr>
+  <p:timing>
+    <p:tnLst>
+      <p:par>
+        <p:cTn id="1" dur="indefinite" restart="never" nodeType="tmRoot"/>
+      </p:par>
+    </p:tnLst>
+  </p:timing>
+</p:sld>
+</file>
+
+<file path=ppt/slides/slide41.xml><?xml version="1.0" encoding="utf-8"?>
+<p:sld xmlns:a="http://schemas.openxmlformats.org/drawingml/2006/main" xmlns:r="http://schemas.openxmlformats.org/officeDocument/2006/relationships" xmlns:p="http://schemas.openxmlformats.org/presentationml/2006/main">
+  <p:cSld>
+    <p:spTree>
+      <p:nvGrpSpPr>
+        <p:cNvPr id="1" name=""/>
+        <p:cNvGrpSpPr/>
+        <p:nvPr/>
+      </p:nvGrpSpPr>
+      <p:grpSpPr>
+        <a:xfrm>
+          <a:off x="0" y="0"/>
+          <a:ext cx="0" cy="0"/>
+          <a:chOff x="0" y="0"/>
+          <a:chExt cx="0" cy="0"/>
+        </a:xfrm>
+      </p:grpSpPr>
+      <p:sp>
+        <p:nvSpPr>
           <p:cNvPr id="8194" name="Rectangle 3"/>
           <p:cNvSpPr>
             <a:spLocks noChangeArrowheads="1"/>
@@ -18234,7 +18410,7 @@
 </p:sld>
 </file>
 
-<file path=ppt/slides/slide41.xml><?xml version="1.0" encoding="utf-8"?>
+<file path=ppt/slides/slide42.xml><?xml version="1.0" encoding="utf-8"?>
 <p:sld xmlns:a="http://schemas.openxmlformats.org/drawingml/2006/main" xmlns:r="http://schemas.openxmlformats.org/officeDocument/2006/relationships" xmlns:p="http://schemas.openxmlformats.org/presentationml/2006/main">
   <p:cSld>
     <p:spTree>
@@ -18888,7 +19064,7 @@
 </p:sld>
 </file>
 
-<file path=ppt/slides/slide42.xml><?xml version="1.0" encoding="utf-8"?>
+<file path=ppt/slides/slide43.xml><?xml version="1.0" encoding="utf-8"?>
 <p:sld xmlns:a="http://schemas.openxmlformats.org/drawingml/2006/main" xmlns:r="http://schemas.openxmlformats.org/officeDocument/2006/relationships" xmlns:p="http://schemas.openxmlformats.org/presentationml/2006/main">
   <p:cSld>
     <p:spTree>
@@ -21954,6 +22130,299 @@
       </p:grpSpPr>
       <p:sp>
         <p:nvSpPr>
+          <p:cNvPr id="12290" name="Rectangle 3"/>
+          <p:cNvSpPr>
+            <a:spLocks noChangeArrowheads="1"/>
+          </p:cNvSpPr>
+          <p:nvPr/>
+        </p:nvSpPr>
+        <p:spPr bwMode="auto">
+          <a:xfrm>
+            <a:off x="152400" y="-4763"/>
+            <a:ext cx="8763000" cy="461963"/>
+          </a:xfrm>
+          <a:prstGeom prst="rect">
+            <a:avLst/>
+          </a:prstGeom>
+          <a:noFill/>
+          <a:ln>
+            <a:noFill/>
+          </a:ln>
+          <a:extLst>
+            <a:ext uri="{909E8E84-426E-40DD-AFC4-6F175D3DCCD1}">
+              <a14:hiddenFill xmlns:a14="http://schemas.microsoft.com/office/drawing/2010/main">
+                <a:solidFill>
+                  <a:srgbClr val="FFFFFF"/>
+                </a:solidFill>
+              </a14:hiddenFill>
+            </a:ext>
+            <a:ext uri="{91240B29-F687-4F45-9708-019B960494DF}">
+              <a14:hiddenLine xmlns:a14="http://schemas.microsoft.com/office/drawing/2010/main" w="9525">
+                <a:solidFill>
+                  <a:srgbClr val="000000"/>
+                </a:solidFill>
+                <a:miter lim="800000"/>
+                <a:headEnd/>
+                <a:tailEnd/>
+              </a14:hiddenLine>
+            </a:ext>
+          </a:extLst>
+        </p:spPr>
+        <p:txBody>
+          <a:bodyPr anchor="ctr">
+            <a:spAutoFit/>
+          </a:bodyPr>
+          <a:lstStyle/>
+          <a:p>
+            <a:pPr algn="ctr"/>
+            <a:r>
+              <a:rPr lang="en-US" sz="2400" b="1" dirty="0" smtClean="0"/>
+              <a:t>P/Invoke </a:t>
+            </a:r>
+            <a:r>
+              <a:rPr lang="ru-RU" sz="2400" b="1" dirty="0" smtClean="0"/>
+              <a:t>ссылки</a:t>
+            </a:r>
+            <a:endParaRPr lang="en-US" sz="2400" b="1" dirty="0"/>
+          </a:p>
+        </p:txBody>
+      </p:sp>
+      <p:sp>
+        <p:nvSpPr>
+          <p:cNvPr id="12291" name="Rectangle 3"/>
+          <p:cNvSpPr>
+            <a:spLocks noChangeArrowheads="1"/>
+          </p:cNvSpPr>
+          <p:nvPr/>
+        </p:nvSpPr>
+        <p:spPr bwMode="auto">
+          <a:xfrm>
+            <a:off x="152400" y="1073642"/>
+            <a:ext cx="8839200" cy="1077218"/>
+          </a:xfrm>
+          <a:prstGeom prst="rect">
+            <a:avLst/>
+          </a:prstGeom>
+          <a:noFill/>
+          <a:ln>
+            <a:noFill/>
+          </a:ln>
+          <a:extLst>
+            <a:ext uri="{909E8E84-426E-40DD-AFC4-6F175D3DCCD1}">
+              <a14:hiddenFill xmlns:a14="http://schemas.microsoft.com/office/drawing/2010/main">
+                <a:solidFill>
+                  <a:srgbClr val="FFFFFF"/>
+                </a:solidFill>
+              </a14:hiddenFill>
+            </a:ext>
+            <a:ext uri="{91240B29-F687-4F45-9708-019B960494DF}">
+              <a14:hiddenLine xmlns:a14="http://schemas.microsoft.com/office/drawing/2010/main" w="9525">
+                <a:solidFill>
+                  <a:srgbClr val="000000"/>
+                </a:solidFill>
+                <a:miter lim="800000"/>
+                <a:headEnd/>
+                <a:tailEnd/>
+              </a14:hiddenLine>
+            </a:ext>
+          </a:extLst>
+        </p:spPr>
+        <p:txBody>
+          <a:bodyPr anchor="ctr">
+            <a:spAutoFit/>
+          </a:bodyPr>
+          <a:lstStyle/>
+          <a:p>
+            <a:pPr marL="285750" indent="-285750">
+              <a:buFont typeface="Arial" panose="020B0604020202020204" pitchFamily="34" charset="0"/>
+              <a:buChar char="•"/>
+            </a:pPr>
+            <a:r>
+              <a:rPr lang="en-US" sz="1600" dirty="0">
+                <a:solidFill>
+                  <a:schemeClr val="bg1"/>
+                </a:solidFill>
+                <a:ea typeface="Calibri" pitchFamily="34" charset="0"/>
+                <a:cs typeface="Arial" panose="020B0604020202020204" pitchFamily="34" charset="0"/>
+                <a:hlinkClick r:id="rId2"/>
+              </a:rPr>
+              <a:t>http://pinvoke.net</a:t>
+            </a:r>
+            <a:r>
+              <a:rPr lang="en-US" sz="1600" dirty="0" smtClean="0">
+                <a:solidFill>
+                  <a:schemeClr val="bg1"/>
+                </a:solidFill>
+                <a:ea typeface="Calibri" pitchFamily="34" charset="0"/>
+                <a:cs typeface="Arial" panose="020B0604020202020204" pitchFamily="34" charset="0"/>
+                <a:hlinkClick r:id="rId2"/>
+              </a:rPr>
+              <a:t>/</a:t>
+            </a:r>
+            <a:r>
+              <a:rPr lang="en-US" sz="1600" dirty="0" smtClean="0">
+                <a:solidFill>
+                  <a:schemeClr val="bg1"/>
+                </a:solidFill>
+                <a:ea typeface="Calibri" pitchFamily="34" charset="0"/>
+                <a:cs typeface="Arial" panose="020B0604020202020204" pitchFamily="34" charset="0"/>
+              </a:rPr>
+              <a:t> - </a:t>
+            </a:r>
+            <a:r>
+              <a:rPr lang="ru-RU" sz="1600" dirty="0" smtClean="0">
+                <a:solidFill>
+                  <a:schemeClr val="bg1"/>
+                </a:solidFill>
+                <a:ea typeface="Calibri" pitchFamily="34" charset="0"/>
+                <a:cs typeface="Arial" panose="020B0604020202020204" pitchFamily="34" charset="0"/>
+              </a:rPr>
+              <a:t>готовые объявления  </a:t>
+            </a:r>
+            <a:r>
+              <a:rPr lang="en-US" sz="1600" dirty="0" smtClean="0">
+                <a:solidFill>
+                  <a:schemeClr val="bg1"/>
+                </a:solidFill>
+                <a:ea typeface="Calibri" pitchFamily="34" charset="0"/>
+                <a:cs typeface="Arial" panose="020B0604020202020204" pitchFamily="34" charset="0"/>
+              </a:rPr>
+              <a:t>Windows API </a:t>
+            </a:r>
+            <a:r>
+              <a:rPr lang="ru-RU" sz="1600" dirty="0" smtClean="0">
+                <a:solidFill>
+                  <a:schemeClr val="bg1"/>
+                </a:solidFill>
+                <a:ea typeface="Calibri" pitchFamily="34" charset="0"/>
+                <a:cs typeface="Arial" panose="020B0604020202020204" pitchFamily="34" charset="0"/>
+              </a:rPr>
+              <a:t>функций и структур</a:t>
+            </a:r>
+          </a:p>
+          <a:p>
+            <a:pPr marL="285750" indent="-285750">
+              <a:buFont typeface="Arial" panose="020B0604020202020204" pitchFamily="34" charset="0"/>
+              <a:buChar char="•"/>
+            </a:pPr>
+            <a:endParaRPr lang="ru-RU" sz="1600" dirty="0">
+              <a:solidFill>
+                <a:schemeClr val="bg1"/>
+              </a:solidFill>
+              <a:ea typeface="Calibri" pitchFamily="34" charset="0"/>
+              <a:cs typeface="Arial" panose="020B0604020202020204" pitchFamily="34" charset="0"/>
+            </a:endParaRPr>
+          </a:p>
+          <a:p>
+            <a:pPr marL="285750" indent="-285750">
+              <a:buFont typeface="Arial" panose="020B0604020202020204" pitchFamily="34" charset="0"/>
+              <a:buChar char="•"/>
+            </a:pPr>
+            <a:r>
+              <a:rPr lang="en-US" sz="1600" dirty="0" smtClean="0">
+                <a:ea typeface="Calibri" pitchFamily="34" charset="0"/>
+                <a:cs typeface="Arial" panose="020B0604020202020204" pitchFamily="34" charset="0"/>
+                <a:hlinkClick r:id="rId3"/>
+              </a:rPr>
+              <a:t>P/Invoke </a:t>
+            </a:r>
+            <a:r>
+              <a:rPr lang="en-US" sz="1600" dirty="0">
+                <a:ea typeface="Calibri" pitchFamily="34" charset="0"/>
+                <a:cs typeface="Arial" panose="020B0604020202020204" pitchFamily="34" charset="0"/>
+                <a:hlinkClick r:id="rId3"/>
+              </a:rPr>
+              <a:t>Interop </a:t>
+            </a:r>
+            <a:r>
+              <a:rPr lang="en-US" sz="1600" dirty="0" smtClean="0">
+                <a:ea typeface="Calibri" pitchFamily="34" charset="0"/>
+                <a:cs typeface="Arial" panose="020B0604020202020204" pitchFamily="34" charset="0"/>
+                <a:hlinkClick r:id="rId3"/>
+              </a:rPr>
+              <a:t>Assistant</a:t>
+            </a:r>
+            <a:r>
+              <a:rPr lang="ru-RU" sz="1600" dirty="0" smtClean="0">
+                <a:ea typeface="Calibri" pitchFamily="34" charset="0"/>
+                <a:cs typeface="Arial" panose="020B0604020202020204" pitchFamily="34" charset="0"/>
+              </a:rPr>
+              <a:t> – утилита для генерации объявлений функций для </a:t>
+            </a:r>
+            <a:r>
+              <a:rPr lang="en-US" sz="1600" dirty="0" smtClean="0">
+                <a:ea typeface="Calibri" pitchFamily="34" charset="0"/>
+                <a:cs typeface="Arial" panose="020B0604020202020204" pitchFamily="34" charset="0"/>
+              </a:rPr>
+              <a:t>P/Invoke. </a:t>
+            </a:r>
+            <a:r>
+              <a:rPr lang="ru-RU" sz="1600" dirty="0" smtClean="0">
+                <a:ea typeface="Calibri" pitchFamily="34" charset="0"/>
+                <a:cs typeface="Arial" panose="020B0604020202020204" pitchFamily="34" charset="0"/>
+              </a:rPr>
+              <a:t>Также включает базу данных </a:t>
+            </a:r>
+            <a:r>
+              <a:rPr lang="en-US" sz="1600" dirty="0" smtClean="0">
+                <a:ea typeface="Calibri" pitchFamily="34" charset="0"/>
+                <a:cs typeface="Arial" panose="020B0604020202020204" pitchFamily="34" charset="0"/>
+              </a:rPr>
+              <a:t>Windows </a:t>
+            </a:r>
+            <a:r>
+              <a:rPr lang="ru-RU" sz="1600" dirty="0" smtClean="0">
+                <a:ea typeface="Calibri" pitchFamily="34" charset="0"/>
+                <a:cs typeface="Arial" panose="020B0604020202020204" pitchFamily="34" charset="0"/>
+              </a:rPr>
+              <a:t>констант.</a:t>
+            </a:r>
+            <a:endParaRPr lang="ru-RU" sz="1600" dirty="0">
+              <a:ea typeface="Calibri" pitchFamily="34" charset="0"/>
+              <a:cs typeface="Arial" panose="020B0604020202020204" pitchFamily="34" charset="0"/>
+            </a:endParaRPr>
+          </a:p>
+        </p:txBody>
+      </p:sp>
+    </p:spTree>
+    <p:extLst>
+      <p:ext uri="{BB962C8B-B14F-4D97-AF65-F5344CB8AC3E}">
+        <p14:creationId xmlns:p14="http://schemas.microsoft.com/office/powerpoint/2010/main" val="2812800510"/>
+      </p:ext>
+    </p:extLst>
+  </p:cSld>
+  <p:clrMapOvr>
+    <a:masterClrMapping/>
+  </p:clrMapOvr>
+  <p:timing>
+    <p:tnLst>
+      <p:par>
+        <p:cTn id="1" dur="indefinite" restart="never" nodeType="tmRoot"/>
+      </p:par>
+    </p:tnLst>
+  </p:timing>
+</p:sld>
+</file>
+
+<file path=ppt/slides/slide8.xml><?xml version="1.0" encoding="utf-8"?>
+<p:sld xmlns:a="http://schemas.openxmlformats.org/drawingml/2006/main" xmlns:r="http://schemas.openxmlformats.org/officeDocument/2006/relationships" xmlns:p="http://schemas.openxmlformats.org/presentationml/2006/main">
+  <p:cSld>
+    <p:spTree>
+      <p:nvGrpSpPr>
+        <p:cNvPr id="1" name=""/>
+        <p:cNvGrpSpPr/>
+        <p:nvPr/>
+      </p:nvGrpSpPr>
+      <p:grpSpPr>
+        <a:xfrm>
+          <a:off x="0" y="0"/>
+          <a:ext cx="0" cy="0"/>
+          <a:chOff x="0" y="0"/>
+          <a:chExt cx="0" cy="0"/>
+        </a:xfrm>
+      </p:grpSpPr>
+      <p:sp>
+        <p:nvSpPr>
           <p:cNvPr id="14338" name="Rectangle 3"/>
           <p:cNvSpPr>
             <a:spLocks noChangeArrowheads="1"/>
@@ -22372,7 +22841,7 @@
 </p:sld>
 </file>
 
-<file path=ppt/slides/slide8.xml><?xml version="1.0" encoding="utf-8"?>
+<file path=ppt/slides/slide9.xml><?xml version="1.0" encoding="utf-8"?>
 <p:sld xmlns:a="http://schemas.openxmlformats.org/drawingml/2006/main" xmlns:r="http://schemas.openxmlformats.org/officeDocument/2006/relationships" xmlns:p="http://schemas.openxmlformats.org/presentationml/2006/main">
   <p:cSld>
     <p:spTree>
@@ -23255,186 +23724,6 @@
     <p:extLst>
       <p:ext uri="{BB962C8B-B14F-4D97-AF65-F5344CB8AC3E}">
         <p14:creationId xmlns:p14="http://schemas.microsoft.com/office/powerpoint/2010/main" val="2569235925"/>
-      </p:ext>
-    </p:extLst>
-  </p:cSld>
-  <p:clrMapOvr>
-    <a:masterClrMapping/>
-  </p:clrMapOvr>
-  <p:timing>
-    <p:tnLst>
-      <p:par>
-        <p:cTn id="1" dur="indefinite" restart="never" nodeType="tmRoot"/>
-      </p:par>
-    </p:tnLst>
-  </p:timing>
-</p:sld>
-</file>
-
-<file path=ppt/slides/slide9.xml><?xml version="1.0" encoding="utf-8"?>
-<p:sld xmlns:a="http://schemas.openxmlformats.org/drawingml/2006/main" xmlns:r="http://schemas.openxmlformats.org/officeDocument/2006/relationships" xmlns:p="http://schemas.openxmlformats.org/presentationml/2006/main">
-  <p:cSld>
-    <p:spTree>
-      <p:nvGrpSpPr>
-        <p:cNvPr id="1" name=""/>
-        <p:cNvGrpSpPr/>
-        <p:nvPr/>
-      </p:nvGrpSpPr>
-      <p:grpSpPr>
-        <a:xfrm>
-          <a:off x="0" y="0"/>
-          <a:ext cx="0" cy="0"/>
-          <a:chOff x="0" y="0"/>
-          <a:chExt cx="0" cy="0"/>
-        </a:xfrm>
-      </p:grpSpPr>
-      <p:sp>
-        <p:nvSpPr>
-          <p:cNvPr id="2" name="Title 1"/>
-          <p:cNvSpPr>
-            <a:spLocks noGrp="1"/>
-          </p:cNvSpPr>
-          <p:nvPr>
-            <p:ph type="title"/>
-          </p:nvPr>
-        </p:nvSpPr>
-        <p:spPr/>
-        <p:txBody>
-          <a:bodyPr/>
-          <a:lstStyle/>
-          <a:p>
-            <a:r>
-              <a:rPr lang="ru-RU" dirty="0" smtClean="0"/>
-              <a:t>Понятие сборки (</a:t>
-            </a:r>
-            <a:r>
-              <a:rPr lang="en-US" dirty="0" smtClean="0"/>
-              <a:t>assembly)</a:t>
-            </a:r>
-            <a:endParaRPr lang="ru-RU" dirty="0"/>
-          </a:p>
-        </p:txBody>
-      </p:sp>
-      <p:sp>
-        <p:nvSpPr>
-          <p:cNvPr id="3" name="Content Placeholder 2"/>
-          <p:cNvSpPr>
-            <a:spLocks noGrp="1"/>
-          </p:cNvSpPr>
-          <p:nvPr>
-            <p:ph idx="1"/>
-          </p:nvPr>
-        </p:nvSpPr>
-        <p:spPr/>
-        <p:txBody>
-          <a:bodyPr>
-            <a:normAutofit fontScale="92500" lnSpcReduction="20000"/>
-          </a:bodyPr>
-          <a:lstStyle/>
-          <a:p>
-            <a:pPr marL="514350" indent="-514350">
-              <a:buFont typeface="+mj-lt"/>
-              <a:buAutoNum type="arabicPeriod"/>
-            </a:pPr>
-            <a:r>
-              <a:rPr lang="ru-RU" dirty="0" smtClean="0"/>
-              <a:t>Это логическая </a:t>
-            </a:r>
-            <a:r>
-              <a:rPr lang="ru-RU" dirty="0"/>
-              <a:t>группировка одного или нескольких </a:t>
-            </a:r>
-            <a:r>
-              <a:rPr lang="ru-RU" dirty="0" smtClean="0"/>
-              <a:t>управляемых </a:t>
-            </a:r>
-            <a:r>
-              <a:rPr lang="ru-RU" dirty="0"/>
-              <a:t>модулей или файлов </a:t>
-            </a:r>
-            <a:r>
-              <a:rPr lang="ru-RU" dirty="0" smtClean="0"/>
-              <a:t>ресурсов.</a:t>
-            </a:r>
-          </a:p>
-          <a:p>
-            <a:pPr marL="514350" indent="-514350">
-              <a:buFont typeface="+mj-lt"/>
-              <a:buAutoNum type="arabicPeriod"/>
-            </a:pPr>
-            <a:r>
-              <a:rPr lang="ru-RU" dirty="0" smtClean="0"/>
-              <a:t>Это </a:t>
-            </a:r>
-            <a:r>
-              <a:rPr lang="ru-RU" dirty="0"/>
-              <a:t>самая маленькая </a:t>
-            </a:r>
-            <a:r>
-              <a:rPr lang="ru-RU" dirty="0" smtClean="0"/>
-              <a:t>единица, с </a:t>
-            </a:r>
-            <a:r>
-              <a:rPr lang="ru-RU" dirty="0"/>
-              <a:t>точки зрения повторного использования, безопасности и отслеживания версий.</a:t>
-            </a:r>
-          </a:p>
-          <a:p>
-            <a:r>
-              <a:rPr lang="ru-RU" dirty="0" smtClean="0"/>
-              <a:t>Сборки бывают однофайловые </a:t>
-            </a:r>
-            <a:r>
-              <a:rPr lang="ru-RU" dirty="0"/>
-              <a:t>или </a:t>
-            </a:r>
-            <a:r>
-              <a:rPr lang="ru-RU" dirty="0" smtClean="0"/>
-              <a:t>многофайловые</a:t>
-            </a:r>
-            <a:endParaRPr lang="en-US" dirty="0" smtClean="0"/>
-          </a:p>
-          <a:p>
-            <a:r>
-              <a:rPr lang="ru-RU" dirty="0"/>
-              <a:t>В </a:t>
-            </a:r>
-            <a:r>
-              <a:rPr lang="ru-RU" dirty="0" smtClean="0"/>
-              <a:t>главном основной </a:t>
-            </a:r>
-            <a:r>
-              <a:rPr lang="ru-RU" dirty="0"/>
-              <a:t>сборки содержится манифест </a:t>
-            </a:r>
-            <a:r>
-              <a:rPr lang="ru-RU" dirty="0" smtClean="0"/>
-              <a:t>(</a:t>
-            </a:r>
-            <a:r>
-              <a:rPr lang="en-US" dirty="0" smtClean="0"/>
-              <a:t>manifest</a:t>
-            </a:r>
-            <a:r>
-              <a:rPr lang="ru-RU" dirty="0" smtClean="0"/>
-              <a:t>) – </a:t>
-            </a:r>
-            <a:r>
-              <a:rPr lang="ru-RU" dirty="0"/>
-              <a:t>информация о самой сборке и о всех её </a:t>
-            </a:r>
-            <a:r>
-              <a:rPr lang="ru-RU" dirty="0" smtClean="0"/>
-              <a:t>частях.</a:t>
-            </a:r>
-            <a:endParaRPr lang="ru-RU" dirty="0"/>
-          </a:p>
-        </p:txBody>
-      </p:sp>
-    </p:spTree>
-    <p:extLst>
-      <p:ext uri="{BB962C8B-B14F-4D97-AF65-F5344CB8AC3E}">
-        <p14:creationId xmlns:p14="http://schemas.microsoft.com/office/powerpoint/2010/main" val="3728793559"/>
       </p:ext>
     </p:extLst>
   </p:cSld>

--- a/Presentation/lesson-07-reflection.pptx
+++ b/Presentation/lesson-07-reflection.pptx
@@ -6,7 +6,7 @@
     <p:sldMasterId id="2147483663" r:id="rId2"/>
   </p:sldMasterIdLst>
   <p:notesMasterIdLst>
-    <p:notesMasterId r:id="rId46"/>
+    <p:notesMasterId r:id="rId47"/>
   </p:notesMasterIdLst>
   <p:sldIdLst>
     <p:sldId id="257" r:id="rId3"/>
@@ -39,19 +39,20 @@
     <p:sldId id="281" r:id="rId30"/>
     <p:sldId id="282" r:id="rId31"/>
     <p:sldId id="292" r:id="rId32"/>
-    <p:sldId id="284" r:id="rId33"/>
-    <p:sldId id="262" r:id="rId34"/>
-    <p:sldId id="261" r:id="rId35"/>
-    <p:sldId id="300" r:id="rId36"/>
-    <p:sldId id="306" r:id="rId37"/>
-    <p:sldId id="310" r:id="rId38"/>
-    <p:sldId id="312" r:id="rId39"/>
-    <p:sldId id="311" r:id="rId40"/>
-    <p:sldId id="299" r:id="rId41"/>
-    <p:sldId id="263" r:id="rId42"/>
-    <p:sldId id="264" r:id="rId43"/>
-    <p:sldId id="265" r:id="rId44"/>
-    <p:sldId id="271" r:id="rId45"/>
+    <p:sldId id="315" r:id="rId33"/>
+    <p:sldId id="284" r:id="rId34"/>
+    <p:sldId id="262" r:id="rId35"/>
+    <p:sldId id="261" r:id="rId36"/>
+    <p:sldId id="300" r:id="rId37"/>
+    <p:sldId id="306" r:id="rId38"/>
+    <p:sldId id="310" r:id="rId39"/>
+    <p:sldId id="312" r:id="rId40"/>
+    <p:sldId id="311" r:id="rId41"/>
+    <p:sldId id="299" r:id="rId42"/>
+    <p:sldId id="263" r:id="rId43"/>
+    <p:sldId id="264" r:id="rId44"/>
+    <p:sldId id="265" r:id="rId45"/>
+    <p:sldId id="271" r:id="rId46"/>
   </p:sldIdLst>
   <p:sldSz cx="9144000" cy="6858000" type="screen4x3"/>
   <p:notesSz cx="6858000" cy="9144000"/>
@@ -236,7 +237,7 @@
             <a:fld id="{B24A7054-7FFB-49F4-A126-5DF6E687FF53}" type="datetimeFigureOut">
               <a:rPr lang="ru-RU" smtClean="0"/>
               <a:pPr/>
-              <a:t>11.09.2014</a:t>
+              <a:t>12.09.2014</a:t>
             </a:fld>
             <a:endParaRPr lang="ru-RU"/>
           </a:p>
@@ -1520,7 +1521,7 @@
             <a:fld id="{8E6E6A2A-E9D3-4A0D-B04A-ABDD367A1E08}" type="datetimeFigureOut">
               <a:rPr lang="ru-RU" smtClean="0"/>
               <a:pPr/>
-              <a:t>11.09.2014</a:t>
+              <a:t>12.09.2014</a:t>
             </a:fld>
             <a:endParaRPr lang="ru-RU"/>
           </a:p>
@@ -1764,7 +1765,7 @@
             <a:fld id="{8E6E6A2A-E9D3-4A0D-B04A-ABDD367A1E08}" type="datetimeFigureOut">
               <a:rPr lang="ru-RU" smtClean="0"/>
               <a:pPr/>
-              <a:t>11.09.2014</a:t>
+              <a:t>12.09.2014</a:t>
             </a:fld>
             <a:endParaRPr lang="ru-RU"/>
           </a:p>
@@ -1936,7 +1937,7 @@
             <a:fld id="{8E6E6A2A-E9D3-4A0D-B04A-ABDD367A1E08}" type="datetimeFigureOut">
               <a:rPr lang="ru-RU" smtClean="0"/>
               <a:pPr/>
-              <a:t>11.09.2014</a:t>
+              <a:t>12.09.2014</a:t>
             </a:fld>
             <a:endParaRPr lang="ru-RU"/>
           </a:p>
@@ -2184,7 +2185,7 @@
             <a:fld id="{8E6E6A2A-E9D3-4A0D-B04A-ABDD367A1E08}" type="datetimeFigureOut">
               <a:rPr lang="ru-RU" smtClean="0"/>
               <a:pPr/>
-              <a:t>11.09.2014</a:t>
+              <a:t>12.09.2014</a:t>
             </a:fld>
             <a:endParaRPr lang="ru-RU"/>
           </a:p>
@@ -2474,7 +2475,7 @@
             <a:fld id="{8E6E6A2A-E9D3-4A0D-B04A-ABDD367A1E08}" type="datetimeFigureOut">
               <a:rPr lang="ru-RU" smtClean="0"/>
               <a:pPr/>
-              <a:t>11.09.2014</a:t>
+              <a:t>12.09.2014</a:t>
             </a:fld>
             <a:endParaRPr lang="ru-RU"/>
           </a:p>
@@ -2898,7 +2899,7 @@
             <a:fld id="{8E6E6A2A-E9D3-4A0D-B04A-ABDD367A1E08}" type="datetimeFigureOut">
               <a:rPr lang="ru-RU" smtClean="0"/>
               <a:pPr/>
-              <a:t>11.09.2014</a:t>
+              <a:t>12.09.2014</a:t>
             </a:fld>
             <a:endParaRPr lang="ru-RU"/>
           </a:p>
@@ -3227,7 +3228,7 @@
             <a:fld id="{8E6E6A2A-E9D3-4A0D-B04A-ABDD367A1E08}" type="datetimeFigureOut">
               <a:rPr lang="ru-RU" smtClean="0"/>
               <a:pPr/>
-              <a:t>11.09.2014</a:t>
+              <a:t>12.09.2014</a:t>
             </a:fld>
             <a:endParaRPr lang="ru-RU"/>
           </a:p>
@@ -3324,7 +3325,7 @@
             <a:fld id="{8E6E6A2A-E9D3-4A0D-B04A-ABDD367A1E08}" type="datetimeFigureOut">
               <a:rPr lang="ru-RU" smtClean="0"/>
               <a:pPr/>
-              <a:t>11.09.2014</a:t>
+              <a:t>12.09.2014</a:t>
             </a:fld>
             <a:endParaRPr lang="ru-RU"/>
           </a:p>
@@ -3603,7 +3604,7 @@
             <a:fld id="{8E6E6A2A-E9D3-4A0D-B04A-ABDD367A1E08}" type="datetimeFigureOut">
               <a:rPr lang="ru-RU" smtClean="0"/>
               <a:pPr/>
-              <a:t>11.09.2014</a:t>
+              <a:t>12.09.2014</a:t>
             </a:fld>
             <a:endParaRPr lang="ru-RU"/>
           </a:p>
@@ -3858,7 +3859,7 @@
             <a:fld id="{8E6E6A2A-E9D3-4A0D-B04A-ABDD367A1E08}" type="datetimeFigureOut">
               <a:rPr lang="ru-RU" smtClean="0"/>
               <a:pPr/>
-              <a:t>11.09.2014</a:t>
+              <a:t>12.09.2014</a:t>
             </a:fld>
             <a:endParaRPr lang="ru-RU"/>
           </a:p>
@@ -4030,7 +4031,7 @@
             <a:fld id="{8E6E6A2A-E9D3-4A0D-B04A-ABDD367A1E08}" type="datetimeFigureOut">
               <a:rPr lang="ru-RU" smtClean="0"/>
               <a:pPr/>
-              <a:t>11.09.2014</a:t>
+              <a:t>12.09.2014</a:t>
             </a:fld>
             <a:endParaRPr lang="ru-RU"/>
           </a:p>
@@ -4212,7 +4213,7 @@
             <a:fld id="{8E6E6A2A-E9D3-4A0D-B04A-ABDD367A1E08}" type="datetimeFigureOut">
               <a:rPr lang="ru-RU" smtClean="0"/>
               <a:pPr/>
-              <a:t>11.09.2014</a:t>
+              <a:t>12.09.2014</a:t>
             </a:fld>
             <a:endParaRPr lang="ru-RU"/>
           </a:p>
@@ -5450,7 +5451,7 @@
             <a:fld id="{AC3D3127-B7C4-45E3-9797-C527EC9FDD78}" type="datetimeFigureOut">
               <a:rPr lang="ru-RU" smtClean="0"/>
               <a:pPr/>
-              <a:t>11.09.2014</a:t>
+              <a:t>12.09.2014</a:t>
             </a:fld>
             <a:endParaRPr lang="ru-RU"/>
           </a:p>
@@ -5972,7 +5973,7 @@
             <a:fld id="{8E6E6A2A-E9D3-4A0D-B04A-ABDD367A1E08}" type="datetimeFigureOut">
               <a:rPr lang="ru-RU" smtClean="0"/>
               <a:pPr/>
-              <a:t>11.09.2014</a:t>
+              <a:t>12.09.2014</a:t>
             </a:fld>
             <a:endParaRPr lang="ru-RU"/>
           </a:p>
@@ -13835,6 +13836,94 @@
           <a:p>
             <a:r>
               <a:rPr lang="ru-RU" dirty="0" smtClean="0"/>
+              <a:t>Строгое имя и ссылки на</a:t>
+            </a:r>
+            <a:br>
+              <a:rPr lang="ru-RU" dirty="0" smtClean="0"/>
+            </a:br>
+            <a:r>
+              <a:rPr lang="ru-RU" dirty="0" smtClean="0"/>
+              <a:t>другие сборки</a:t>
+            </a:r>
+            <a:endParaRPr lang="ru-RU" dirty="0"/>
+          </a:p>
+        </p:txBody>
+      </p:sp>
+      <p:sp>
+        <p:nvSpPr>
+          <p:cNvPr id="3" name="Content Placeholder 2"/>
+          <p:cNvSpPr>
+            <a:spLocks noGrp="1"/>
+          </p:cNvSpPr>
+          <p:nvPr>
+            <p:ph idx="1"/>
+          </p:nvPr>
+        </p:nvSpPr>
+        <p:spPr/>
+        <p:txBody>
+          <a:bodyPr/>
+          <a:lstStyle/>
+          <a:p>
+            <a:pPr marL="0" indent="0">
+              <a:buNone/>
+            </a:pPr>
+            <a:r>
+              <a:rPr lang="ru-RU" dirty="0" smtClean="0"/>
+              <a:t>Чтобы сборку получила строгое имя она также должна ссылаться только на сборки со строгим именем. Это необходимо из соображений беопасности чтобы нельзя было подменить неподписанную сборку.</a:t>
+            </a:r>
+            <a:endParaRPr lang="ru-RU" dirty="0"/>
+          </a:p>
+        </p:txBody>
+      </p:sp>
+    </p:spTree>
+    <p:extLst>
+      <p:ext uri="{BB962C8B-B14F-4D97-AF65-F5344CB8AC3E}">
+        <p14:creationId xmlns:p14="http://schemas.microsoft.com/office/powerpoint/2010/main" val="1023611748"/>
+      </p:ext>
+    </p:extLst>
+  </p:cSld>
+  <p:clrMapOvr>
+    <a:masterClrMapping/>
+  </p:clrMapOvr>
+</p:sld>
+</file>
+
+<file path=ppt/slides/slide32.xml><?xml version="1.0" encoding="utf-8"?>
+<p:sld xmlns:a="http://schemas.openxmlformats.org/drawingml/2006/main" xmlns:r="http://schemas.openxmlformats.org/officeDocument/2006/relationships" xmlns:p="http://schemas.openxmlformats.org/presentationml/2006/main">
+  <p:cSld>
+    <p:spTree>
+      <p:nvGrpSpPr>
+        <p:cNvPr id="1" name=""/>
+        <p:cNvGrpSpPr/>
+        <p:nvPr/>
+      </p:nvGrpSpPr>
+      <p:grpSpPr>
+        <a:xfrm>
+          <a:off x="0" y="0"/>
+          <a:ext cx="0" cy="0"/>
+          <a:chOff x="0" y="0"/>
+          <a:chExt cx="0" cy="0"/>
+        </a:xfrm>
+      </p:grpSpPr>
+      <p:sp>
+        <p:nvSpPr>
+          <p:cNvPr id="2" name="Title 1"/>
+          <p:cNvSpPr>
+            <a:spLocks noGrp="1"/>
+          </p:cNvSpPr>
+          <p:nvPr>
+            <p:ph type="title"/>
+          </p:nvPr>
+        </p:nvSpPr>
+        <p:spPr/>
+        <p:txBody>
+          <a:bodyPr>
+            <a:normAutofit fontScale="90000"/>
+          </a:bodyPr>
+          <a:lstStyle/>
+          <a:p>
+            <a:r>
+              <a:rPr lang="ru-RU" dirty="0" smtClean="0"/>
               <a:t>Глобальный кеш сборок</a:t>
             </a:r>
             <a:r>
@@ -14022,7 +14111,7 @@
 </p:sld>
 </file>
 
-<file path=ppt/slides/slide32.xml><?xml version="1.0" encoding="utf-8"?>
+<file path=ppt/slides/slide33.xml><?xml version="1.0" encoding="utf-8"?>
 <p:sld xmlns:a="http://schemas.openxmlformats.org/drawingml/2006/main" xmlns:r="http://schemas.openxmlformats.org/officeDocument/2006/relationships" xmlns:p="http://schemas.openxmlformats.org/presentationml/2006/main">
   <p:cSld>
     <p:spTree>
@@ -14395,7 +14484,7 @@
 </p:sld>
 </file>
 
-<file path=ppt/slides/slide33.xml><?xml version="1.0" encoding="utf-8"?>
+<file path=ppt/slides/slide34.xml><?xml version="1.0" encoding="utf-8"?>
 <p:sld xmlns:a="http://schemas.openxmlformats.org/drawingml/2006/main" xmlns:r="http://schemas.openxmlformats.org/officeDocument/2006/relationships" xmlns:p="http://schemas.openxmlformats.org/presentationml/2006/main">
   <p:cSld>
     <p:spTree>
@@ -15090,159 +15179,6 @@
     <p:extLst>
       <p:ext uri="{BB962C8B-B14F-4D97-AF65-F5344CB8AC3E}">
         <p14:creationId xmlns:p14="http://schemas.microsoft.com/office/powerpoint/2010/main" val="3864391885"/>
-      </p:ext>
-    </p:extLst>
-  </p:cSld>
-  <p:clrMapOvr>
-    <a:masterClrMapping/>
-  </p:clrMapOvr>
-  <p:timing>
-    <p:tnLst>
-      <p:par>
-        <p:cTn id="1" dur="indefinite" restart="never" nodeType="tmRoot"/>
-      </p:par>
-    </p:tnLst>
-  </p:timing>
-</p:sld>
-</file>
-
-<file path=ppt/slides/slide34.xml><?xml version="1.0" encoding="utf-8"?>
-<p:sld xmlns:a="http://schemas.openxmlformats.org/drawingml/2006/main" xmlns:r="http://schemas.openxmlformats.org/officeDocument/2006/relationships" xmlns:p="http://schemas.openxmlformats.org/presentationml/2006/main">
-  <p:cSld>
-    <p:spTree>
-      <p:nvGrpSpPr>
-        <p:cNvPr id="1" name=""/>
-        <p:cNvGrpSpPr/>
-        <p:nvPr/>
-      </p:nvGrpSpPr>
-      <p:grpSpPr>
-        <a:xfrm>
-          <a:off x="0" y="0"/>
-          <a:ext cx="0" cy="0"/>
-          <a:chOff x="0" y="0"/>
-          <a:chExt cx="0" cy="0"/>
-        </a:xfrm>
-      </p:grpSpPr>
-      <p:sp>
-        <p:nvSpPr>
-          <p:cNvPr id="2" name="Title 1"/>
-          <p:cNvSpPr>
-            <a:spLocks noGrp="1"/>
-          </p:cNvSpPr>
-          <p:nvPr>
-            <p:ph type="title"/>
-          </p:nvPr>
-        </p:nvSpPr>
-        <p:spPr/>
-        <p:txBody>
-          <a:bodyPr/>
-          <a:lstStyle/>
-          <a:p>
-            <a:r>
-              <a:rPr lang="en-US" dirty="0" smtClean="0"/>
-              <a:t>Portable Class Library</a:t>
-            </a:r>
-            <a:endParaRPr lang="en-US" dirty="0"/>
-          </a:p>
-        </p:txBody>
-      </p:sp>
-      <p:sp>
-        <p:nvSpPr>
-          <p:cNvPr id="3" name="Content Placeholder 2"/>
-          <p:cNvSpPr>
-            <a:spLocks noGrp="1"/>
-          </p:cNvSpPr>
-          <p:nvPr>
-            <p:ph idx="1"/>
-          </p:nvPr>
-        </p:nvSpPr>
-        <p:spPr/>
-        <p:txBody>
-          <a:bodyPr>
-            <a:normAutofit fontScale="92500" lnSpcReduction="20000"/>
-          </a:bodyPr>
-          <a:lstStyle/>
-          <a:p>
-            <a:pPr marL="0" indent="0">
-              <a:buNone/>
-            </a:pPr>
-            <a:r>
-              <a:rPr lang="ru-RU" dirty="0" smtClean="0"/>
-              <a:t>Проекты </a:t>
-            </a:r>
-            <a:r>
-              <a:rPr lang="en-US" dirty="0"/>
-              <a:t>Portable Class </a:t>
-            </a:r>
-            <a:r>
-              <a:rPr lang="en-US" dirty="0" smtClean="0"/>
-              <a:t>Library</a:t>
-            </a:r>
-            <a:r>
-              <a:rPr lang="ru-RU" dirty="0" smtClean="0"/>
-              <a:t> позволяют создавать сборки переносимые между разными </a:t>
-            </a:r>
-            <a:r>
-              <a:rPr lang="en-US" dirty="0" smtClean="0"/>
-              <a:t>.NET </a:t>
-            </a:r>
-            <a:r>
-              <a:rPr lang="ru-RU" dirty="0" smtClean="0"/>
-              <a:t>платформами: </a:t>
-            </a:r>
-            <a:r>
-              <a:rPr lang="en-US" dirty="0" smtClean="0"/>
-              <a:t>Windows, Windows Store (Metro), Silverlight, Windows Phone, Xbox 360. </a:t>
-            </a:r>
-            <a:r>
-              <a:rPr lang="ru-RU" dirty="0" smtClean="0"/>
-              <a:t>При создании проекта мы вибираем под какие платформы мы создаем библиотеку и тем самым добровольно ограничиваем себе возможности ради переносимости.</a:t>
-            </a:r>
-          </a:p>
-          <a:p>
-            <a:pPr marL="0" indent="0">
-              <a:buNone/>
-            </a:pPr>
-            <a:endParaRPr lang="ru-RU" dirty="0"/>
-          </a:p>
-          <a:p>
-            <a:pPr marL="0" indent="0">
-              <a:buNone/>
-            </a:pPr>
-            <a:r>
-              <a:rPr lang="ru-RU" dirty="0" smtClean="0"/>
-              <a:t>Подробности смотрите в </a:t>
-            </a:r>
-            <a:r>
-              <a:rPr lang="en-US" dirty="0" smtClean="0">
-                <a:hlinkClick r:id="rId2"/>
-              </a:rPr>
-              <a:t>Cross-Platform </a:t>
-            </a:r>
-            <a:r>
-              <a:rPr lang="en-US" dirty="0">
-                <a:hlinkClick r:id="rId2"/>
-              </a:rPr>
-              <a:t>Development with the .NET </a:t>
-            </a:r>
-            <a:r>
-              <a:rPr lang="en-US" dirty="0" smtClean="0">
-                <a:hlinkClick r:id="rId2"/>
-              </a:rPr>
-              <a:t>Framework</a:t>
-            </a:r>
-            <a:r>
-              <a:rPr lang="ru-RU" dirty="0" smtClean="0"/>
-              <a:t>.</a:t>
-            </a:r>
-            <a:endParaRPr lang="en-US" dirty="0"/>
-          </a:p>
-        </p:txBody>
-      </p:sp>
-    </p:spTree>
-    <p:extLst>
-      <p:ext uri="{BB962C8B-B14F-4D97-AF65-F5344CB8AC3E}">
-        <p14:creationId xmlns:p14="http://schemas.microsoft.com/office/powerpoint/2010/main" val="2977831934"/>
       </p:ext>
     </p:extLst>
   </p:cSld>
@@ -15293,19 +15229,7 @@
           <a:p>
             <a:r>
               <a:rPr lang="en-US" dirty="0" smtClean="0"/>
-              <a:t>CLS</a:t>
-            </a:r>
-            <a:r>
-              <a:rPr lang="ru-RU" dirty="0" smtClean="0"/>
-              <a:t> совместимые</a:t>
-            </a:r>
-            <a:r>
-              <a:rPr lang="en-US" dirty="0" smtClean="0"/>
-              <a:t> </a:t>
-            </a:r>
-            <a:r>
-              <a:rPr lang="ru-RU" dirty="0" smtClean="0"/>
-              <a:t>сборки</a:t>
+              <a:t>Portable Class Library</a:t>
             </a:r>
             <a:endParaRPr lang="en-US" dirty="0"/>
           </a:p>
@@ -15321,15 +15245,10 @@
             <p:ph idx="1"/>
           </p:nvPr>
         </p:nvSpPr>
-        <p:spPr>
-          <a:xfrm>
-            <a:off x="242616" y="1556792"/>
-            <a:ext cx="8649864" cy="4061048"/>
-          </a:xfrm>
-        </p:spPr>
+        <p:spPr/>
         <p:txBody>
           <a:bodyPr>
-            <a:normAutofit fontScale="70000" lnSpcReduction="20000"/>
+            <a:normAutofit fontScale="92500" lnSpcReduction="20000"/>
           </a:bodyPr>
           <a:lstStyle/>
           <a:p>
@@ -15338,233 +15257,81 @@
             </a:pPr>
             <a:r>
               <a:rPr lang="ru-RU" dirty="0" smtClean="0"/>
-              <a:t>Если вы создает библиотеку (сборку) для внешнего использования и хотите быть уверенными что её можно будет использовать из программ написанных на других языках (таких как </a:t>
+              <a:t>Проекты </a:t>
+            </a:r>
+            <a:r>
+              <a:rPr lang="en-US" dirty="0"/>
+              <a:t>Portable Class </a:t>
             </a:r>
             <a:r>
               <a:rPr lang="en-US" dirty="0" smtClean="0"/>
-              <a:t>VB.NET, F# </a:t>
+              <a:t>Library</a:t>
             </a:r>
             <a:r>
               <a:rPr lang="ru-RU" dirty="0" smtClean="0"/>
-              <a:t>и других)</a:t>
+              <a:t> позволяют создавать сборки переносимые между разными </a:t>
             </a:r>
             <a:r>
               <a:rPr lang="en-US" dirty="0" smtClean="0"/>
-              <a:t>, </a:t>
+              <a:t>.NET </a:t>
             </a:r>
             <a:r>
               <a:rPr lang="ru-RU" dirty="0" smtClean="0"/>
-              <a:t>то добавьте к свой сборке атрибут </a:t>
-            </a:r>
-            <a:r>
-              <a:rPr lang="en-US" dirty="0" err="1" smtClean="0"/>
-              <a:t>System.CLSCompliantAttribute</a:t>
+              <a:t>платформами: </a:t>
             </a:r>
             <a:r>
               <a:rPr lang="en-US" dirty="0" smtClean="0"/>
-              <a:t>.</a:t>
+              <a:t>Windows, Windows Store (Metro), Silverlight, Windows Phone, Xbox 360. </a:t>
+            </a:r>
+            <a:r>
+              <a:rPr lang="ru-RU" dirty="0" smtClean="0"/>
+              <a:t>При создании проекта мы вибираем под какие платформы мы создаем библиотеку и тем самым добровольно ограничиваем себе возможности ради переносимости.</a:t>
             </a:r>
           </a:p>
           <a:p>
             <a:pPr marL="0" indent="0">
               <a:buNone/>
             </a:pPr>
-            <a:endParaRPr lang="en-US" dirty="0"/>
+            <a:endParaRPr lang="ru-RU" dirty="0"/>
           </a:p>
           <a:p>
             <a:pPr marL="0" indent="0">
               <a:buNone/>
             </a:pPr>
             <a:r>
-              <a:rPr lang="en-US" dirty="0" smtClean="0"/>
-              <a:t>CLS </a:t>
-            </a:r>
-            <a:r>
               <a:rPr lang="ru-RU" dirty="0" smtClean="0"/>
-              <a:t>(</a:t>
-            </a:r>
-            <a:r>
-              <a:rPr lang="en-US" dirty="0" smtClean="0"/>
-              <a:t>Common Language Specification</a:t>
-            </a:r>
-            <a:r>
-              <a:rPr lang="ru-RU" dirty="0" smtClean="0"/>
-              <a:t>)</a:t>
-            </a:r>
-            <a:r>
-              <a:rPr lang="en-US" dirty="0" smtClean="0"/>
-              <a:t> </a:t>
-            </a:r>
-            <a:r>
-              <a:rPr lang="ru-RU" dirty="0" smtClean="0"/>
-              <a:t>является набором требований (ограничений) к языку позволяющее ему «бесшовно» взаимодействовать с программами на других языках. Это необходимо так как, </a:t>
-            </a:r>
-            <a:r>
-              <a:rPr lang="ru-RU" dirty="0"/>
-              <a:t>н</a:t>
-            </a:r>
-            <a:r>
-              <a:rPr lang="ru-RU" dirty="0" smtClean="0"/>
-              <a:t>есмотря на наличие «общего знаменателя» в виде </a:t>
-            </a:r>
-            <a:r>
-              <a:rPr lang="en-US" dirty="0" smtClean="0"/>
-              <a:t>IL </a:t>
-            </a:r>
-            <a:r>
-              <a:rPr lang="ru-RU" dirty="0" smtClean="0"/>
-              <a:t>кода, языки могут иметь весьма сильные различия. Компилятор </a:t>
-            </a:r>
-            <a:r>
-              <a:rPr lang="en-US" dirty="0" smtClean="0"/>
-              <a:t>C# </a:t>
-            </a:r>
-            <a:r>
-              <a:rPr lang="ru-RU" smtClean="0"/>
-              <a:t>проверяет </a:t>
-            </a:r>
-            <a:r>
-              <a:rPr lang="ru-RU" dirty="0" smtClean="0"/>
-              <a:t>программу на соответствие этим требованиям, только при наличии атрибута </a:t>
-            </a:r>
-            <a:r>
-              <a:rPr lang="en-US" dirty="0" err="1" smtClean="0"/>
-              <a:t>CLSCompliant</a:t>
+              <a:t>Подробности смотрите в </a:t>
+            </a:r>
+            <a:r>
+              <a:rPr lang="en-US" dirty="0" smtClean="0">
+                <a:hlinkClick r:id="rId2"/>
+              </a:rPr>
+              <a:t>Cross-Platform </a:t>
+            </a:r>
+            <a:r>
+              <a:rPr lang="en-US" dirty="0">
+                <a:hlinkClick r:id="rId2"/>
+              </a:rPr>
+              <a:t>Development with the .NET </a:t>
+            </a:r>
+            <a:r>
+              <a:rPr lang="en-US" dirty="0" smtClean="0">
+                <a:hlinkClick r:id="rId2"/>
+              </a:rPr>
+              <a:t>Framework</a:t>
             </a:r>
             <a:r>
               <a:rPr lang="ru-RU" dirty="0" smtClean="0"/>
               <a:t>.</a:t>
             </a:r>
             <a:endParaRPr lang="en-US" dirty="0"/>
-          </a:p>
-        </p:txBody>
-      </p:sp>
-      <p:sp>
-        <p:nvSpPr>
-          <p:cNvPr id="4" name="TextBox 3"/>
-          <p:cNvSpPr txBox="1"/>
-          <p:nvPr/>
-        </p:nvSpPr>
-        <p:spPr>
-          <a:xfrm>
-            <a:off x="251520" y="5805264"/>
-            <a:ext cx="8640960" cy="307777"/>
-          </a:xfrm>
-          <a:prstGeom prst="rect">
-            <a:avLst/>
-          </a:prstGeom>
-          <a:solidFill>
-            <a:schemeClr val="bg1"/>
-          </a:solidFill>
-        </p:spPr>
-        <p:txBody>
-          <a:bodyPr wrap="square" rtlCol="0">
-            <a:spAutoFit/>
-          </a:bodyPr>
-          <a:lstStyle/>
-          <a:p>
-            <a:r>
-              <a:rPr lang="en-US" sz="1400" dirty="0" smtClean="0">
-                <a:solidFill>
-                  <a:srgbClr val="000000"/>
-                </a:solidFill>
-                <a:highlight>
-                  <a:srgbClr val="FFFFFF"/>
-                </a:highlight>
-                <a:latin typeface="Courier New" panose="02070309020205020404" pitchFamily="49" charset="0"/>
-                <a:cs typeface="Courier New" panose="02070309020205020404" pitchFamily="49" charset="0"/>
-              </a:rPr>
-              <a:t>[</a:t>
-            </a:r>
-            <a:r>
-              <a:rPr lang="en-US" sz="1400" dirty="0" smtClean="0">
-                <a:solidFill>
-                  <a:srgbClr val="0000FF"/>
-                </a:solidFill>
-                <a:highlight>
-                  <a:srgbClr val="FFFFFF"/>
-                </a:highlight>
-                <a:latin typeface="Courier New" panose="02070309020205020404" pitchFamily="49" charset="0"/>
-                <a:cs typeface="Courier New" panose="02070309020205020404" pitchFamily="49" charset="0"/>
-              </a:rPr>
-              <a:t>assembly</a:t>
-            </a:r>
-            <a:r>
-              <a:rPr lang="en-US" sz="1400" dirty="0">
-                <a:solidFill>
-                  <a:srgbClr val="000000"/>
-                </a:solidFill>
-                <a:highlight>
-                  <a:srgbClr val="FFFFFF"/>
-                </a:highlight>
-                <a:latin typeface="Courier New" panose="02070309020205020404" pitchFamily="49" charset="0"/>
-                <a:cs typeface="Courier New" panose="02070309020205020404" pitchFamily="49" charset="0"/>
-              </a:rPr>
-              <a:t>: </a:t>
-            </a:r>
-            <a:r>
-              <a:rPr lang="en-US" sz="1400" dirty="0" err="1">
-                <a:solidFill>
-                  <a:srgbClr val="2B91AF"/>
-                </a:solidFill>
-                <a:highlight>
-                  <a:srgbClr val="FFFFFF"/>
-                </a:highlight>
-                <a:latin typeface="Courier New" panose="02070309020205020404" pitchFamily="49" charset="0"/>
-                <a:cs typeface="Courier New" panose="02070309020205020404" pitchFamily="49" charset="0"/>
-              </a:rPr>
-              <a:t>CLSCompliant</a:t>
-            </a:r>
-            <a:r>
-              <a:rPr lang="en-US" sz="1400" dirty="0">
-                <a:solidFill>
-                  <a:srgbClr val="000000"/>
-                </a:solidFill>
-                <a:highlight>
-                  <a:srgbClr val="FFFFFF"/>
-                </a:highlight>
-                <a:latin typeface="Courier New" panose="02070309020205020404" pitchFamily="49" charset="0"/>
-                <a:cs typeface="Courier New" panose="02070309020205020404" pitchFamily="49" charset="0"/>
-              </a:rPr>
-              <a:t>(</a:t>
-            </a:r>
-            <a:r>
-              <a:rPr lang="en-US" sz="1400" dirty="0">
-                <a:solidFill>
-                  <a:srgbClr val="0000FF"/>
-                </a:solidFill>
-                <a:highlight>
-                  <a:srgbClr val="FFFFFF"/>
-                </a:highlight>
-                <a:latin typeface="Courier New" panose="02070309020205020404" pitchFamily="49" charset="0"/>
-                <a:cs typeface="Courier New" panose="02070309020205020404" pitchFamily="49" charset="0"/>
-              </a:rPr>
-              <a:t>true</a:t>
-            </a:r>
-            <a:r>
-              <a:rPr lang="en-US" sz="1400" dirty="0" smtClean="0">
-                <a:solidFill>
-                  <a:srgbClr val="000000"/>
-                </a:solidFill>
-                <a:highlight>
-                  <a:srgbClr val="FFFFFF"/>
-                </a:highlight>
-                <a:latin typeface="Courier New" panose="02070309020205020404" pitchFamily="49" charset="0"/>
-                <a:cs typeface="Courier New" panose="02070309020205020404" pitchFamily="49" charset="0"/>
-              </a:rPr>
-              <a:t>)]</a:t>
-            </a:r>
-            <a:endParaRPr lang="ru-RU" sz="1400" dirty="0" smtClean="0">
-              <a:latin typeface="Courier New" panose="02070309020205020404" pitchFamily="49" charset="0"/>
-              <a:cs typeface="Courier New" panose="02070309020205020404" pitchFamily="49" charset="0"/>
-            </a:endParaRPr>
           </a:p>
         </p:txBody>
       </p:sp>
     </p:spTree>
     <p:extLst>
       <p:ext uri="{BB962C8B-B14F-4D97-AF65-F5344CB8AC3E}">
-        <p14:creationId xmlns:p14="http://schemas.microsoft.com/office/powerpoint/2010/main" val="910520611"/>
+        <p14:creationId xmlns:p14="http://schemas.microsoft.com/office/powerpoint/2010/main" val="2977831934"/>
       </p:ext>
     </p:extLst>
   </p:cSld>
@@ -15608,27 +15375,28 @@
             <p:ph type="title"/>
           </p:nvPr>
         </p:nvSpPr>
-        <p:spPr>
-          <a:xfrm>
-            <a:off x="457200" y="274638"/>
-            <a:ext cx="8229600" cy="778098"/>
-          </a:xfrm>
-        </p:spPr>
+        <p:spPr/>
         <p:txBody>
-          <a:bodyPr>
-            <a:normAutofit/>
-          </a:bodyPr>
+          <a:bodyPr/>
           <a:lstStyle/>
           <a:p>
             <a:r>
-              <a:rPr lang="ru-RU" sz="3600" dirty="0" smtClean="0"/>
-              <a:t>Добавление ссылок с помощью </a:t>
-            </a:r>
-            <a:r>
-              <a:rPr lang="en-US" sz="3600" dirty="0" smtClean="0"/>
-              <a:t>NuGet</a:t>
-            </a:r>
-            <a:endParaRPr lang="ru-RU" sz="3600" dirty="0"/>
+              <a:rPr lang="en-US" dirty="0" smtClean="0"/>
+              <a:t>CLS</a:t>
+            </a:r>
+            <a:r>
+              <a:rPr lang="ru-RU" dirty="0" smtClean="0"/>
+              <a:t> совместимые</a:t>
+            </a:r>
+            <a:r>
+              <a:rPr lang="en-US" dirty="0" smtClean="0"/>
+              <a:t> </a:t>
+            </a:r>
+            <a:r>
+              <a:rPr lang="ru-RU" dirty="0" smtClean="0"/>
+              <a:t>сборки</a:t>
+            </a:r>
+            <a:endParaRPr lang="en-US" dirty="0"/>
           </a:p>
         </p:txBody>
       </p:sp>
@@ -15644,13 +15412,13 @@
         </p:nvSpPr>
         <p:spPr>
           <a:xfrm>
-            <a:off x="457200" y="1124744"/>
-            <a:ext cx="8229600" cy="5001419"/>
+            <a:off x="242616" y="1556792"/>
+            <a:ext cx="8649864" cy="4061048"/>
           </a:xfrm>
         </p:spPr>
         <p:txBody>
           <a:bodyPr>
-            <a:normAutofit lnSpcReduction="10000"/>
+            <a:normAutofit fontScale="70000" lnSpcReduction="20000"/>
           </a:bodyPr>
           <a:lstStyle/>
           <a:p>
@@ -15659,30 +15427,38 @@
             </a:pPr>
             <a:r>
               <a:rPr lang="ru-RU" dirty="0" smtClean="0"/>
-              <a:t>Расширение </a:t>
+              <a:t>Если вы создает библиотеку (сборку) для внешнего использования и хотите быть уверенными что её можно будет использовать из программ написанных на других языках (таких как </a:t>
             </a:r>
             <a:r>
               <a:rPr lang="en-US" dirty="0" smtClean="0"/>
-              <a:t>NuGet </a:t>
+              <a:t>VB.NET, F# </a:t>
             </a:r>
             <a:r>
               <a:rPr lang="ru-RU" dirty="0" smtClean="0"/>
-              <a:t>упрощает работу с зависимостями в </a:t>
+              <a:t>и других)</a:t>
             </a:r>
             <a:r>
               <a:rPr lang="en-US" dirty="0" smtClean="0"/>
-              <a:t>.NET </a:t>
+              <a:t>, </a:t>
             </a:r>
             <a:r>
               <a:rPr lang="ru-RU" dirty="0" smtClean="0"/>
-              <a:t>проектах.</a:t>
+              <a:t>то добавьте к свой сборке атрибут </a:t>
+            </a:r>
+            <a:r>
+              <a:rPr lang="en-US" dirty="0" err="1" smtClean="0"/>
+              <a:t>System.CLSCompliantAttribute</a:t>
+            </a:r>
+            <a:r>
+              <a:rPr lang="en-US" dirty="0" smtClean="0"/>
+              <a:t>.</a:t>
             </a:r>
           </a:p>
           <a:p>
             <a:pPr marL="0" indent="0">
               <a:buNone/>
             </a:pPr>
-            <a:endParaRPr lang="en-US" dirty="0" smtClean="0"/>
+            <a:endParaRPr lang="en-US" dirty="0"/>
           </a:p>
           <a:p>
             <a:pPr marL="0" indent="0">
@@ -15690,94 +15466,194 @@
             </a:pPr>
             <a:r>
               <a:rPr lang="en-US" dirty="0" smtClean="0"/>
-              <a:t>NuGet </a:t>
+              <a:t>CLS </a:t>
             </a:r>
             <a:r>
               <a:rPr lang="ru-RU" dirty="0" smtClean="0"/>
-              <a:t>входит в состав </a:t>
+              <a:t>(</a:t>
             </a:r>
             <a:r>
               <a:rPr lang="en-US" dirty="0" smtClean="0"/>
-              <a:t>VS 2012 </a:t>
+              <a:t>Common Language Specification</a:t>
             </a:r>
             <a:r>
               <a:rPr lang="ru-RU" dirty="0" smtClean="0"/>
-              <a:t>и выше. Для </a:t>
+              <a:t>)</a:t>
             </a:r>
             <a:r>
               <a:rPr lang="en-US" dirty="0" smtClean="0"/>
-              <a:t>VS 2010 </a:t>
+              <a:t> </a:t>
             </a:r>
             <a:r>
               <a:rPr lang="ru-RU" dirty="0" smtClean="0"/>
-              <a:t>его нужно скачать с помощью </a:t>
+              <a:t>является набором требований (ограничений) к языку позволяющее ему «бесшовно» взаимодействовать с программами на других языках. Это необходимо так как, </a:t>
+            </a:r>
+            <a:r>
+              <a:rPr lang="ru-RU" dirty="0"/>
+              <a:t>н</a:t>
+            </a:r>
+            <a:r>
+              <a:rPr lang="ru-RU" dirty="0" smtClean="0"/>
+              <a:t>есмотря на наличие «общего знаменателя» в виде </a:t>
             </a:r>
             <a:r>
               <a:rPr lang="en-US" dirty="0" smtClean="0"/>
-              <a:t>Tools -&gt; Extension Manager </a:t>
+              <a:t>IL </a:t>
             </a:r>
             <a:r>
               <a:rPr lang="ru-RU" dirty="0" smtClean="0"/>
-              <a:t>или с сайта </a:t>
-            </a:r>
-            <a:r>
-              <a:rPr lang="en-US" dirty="0" smtClean="0">
-                <a:hlinkClick r:id="rId2"/>
-              </a:rPr>
-              <a:t>nuget.org</a:t>
+              <a:t>кода, языки могут иметь весьма сильные различия. Компилятор </a:t>
+            </a:r>
+            <a:r>
+              <a:rPr lang="en-US" dirty="0" smtClean="0"/>
+              <a:t>C# </a:t>
+            </a:r>
+            <a:r>
+              <a:rPr lang="ru-RU" smtClean="0"/>
+              <a:t>проверяет </a:t>
             </a:r>
             <a:r>
               <a:rPr lang="ru-RU" dirty="0" smtClean="0"/>
-              <a:t>. После установки в контекстном меню </a:t>
-            </a:r>
-            <a:r>
-              <a:rPr lang="en-US" dirty="0" smtClean="0"/>
-              <a:t>References </a:t>
+              <a:t>программу на соответствие этим требованиям, только при наличии атрибута </a:t>
+            </a:r>
+            <a:r>
+              <a:rPr lang="en-US" dirty="0" err="1" smtClean="0"/>
+              <a:t>CLSCompliant</a:t>
             </a:r>
             <a:r>
               <a:rPr lang="ru-RU" dirty="0" smtClean="0"/>
-              <a:t>появится команда </a:t>
-            </a:r>
-            <a:r>
-              <a:rPr lang="en-US" dirty="0" smtClean="0"/>
-              <a:t>“Manage NuGet Packages …”. </a:t>
-            </a:r>
-            <a:r>
-              <a:rPr lang="ru-RU" dirty="0" smtClean="0"/>
-              <a:t>Также в меню </a:t>
-            </a:r>
-            <a:r>
-              <a:rPr lang="en-US" dirty="0" smtClean="0"/>
-              <a:t>Tools </a:t>
-            </a:r>
-            <a:r>
-              <a:rPr lang="ru-RU" dirty="0" smtClean="0"/>
-              <a:t>появится меню </a:t>
-            </a:r>
-            <a:r>
-              <a:rPr lang="en-US" dirty="0" smtClean="0"/>
-              <a:t>“NuGet Package Manager”.</a:t>
-            </a:r>
-            <a:endParaRPr lang="ru-RU" dirty="0" smtClean="0"/>
-          </a:p>
-          <a:p>
-            <a:pPr marL="0" indent="0">
-              <a:buNone/>
-            </a:pPr>
-            <a:endParaRPr lang="ru-RU" dirty="0" smtClean="0"/>
-          </a:p>
-          <a:p>
-            <a:pPr marL="0" indent="0">
-              <a:buNone/>
-            </a:pPr>
-            <a:endParaRPr lang="ru-RU" dirty="0"/>
+              <a:t>.</a:t>
+            </a:r>
+            <a:endParaRPr lang="en-US" dirty="0"/>
+          </a:p>
+        </p:txBody>
+      </p:sp>
+      <p:sp>
+        <p:nvSpPr>
+          <p:cNvPr id="4" name="TextBox 3"/>
+          <p:cNvSpPr txBox="1"/>
+          <p:nvPr/>
+        </p:nvSpPr>
+        <p:spPr>
+          <a:xfrm>
+            <a:off x="251520" y="5805264"/>
+            <a:ext cx="8640960" cy="307777"/>
+          </a:xfrm>
+          <a:prstGeom prst="rect">
+            <a:avLst/>
+          </a:prstGeom>
+          <a:solidFill>
+            <a:schemeClr val="bg1"/>
+          </a:solidFill>
+        </p:spPr>
+        <p:txBody>
+          <a:bodyPr wrap="square" rtlCol="0">
+            <a:spAutoFit/>
+          </a:bodyPr>
+          <a:lstStyle/>
+          <a:p>
+            <a:r>
+              <a:rPr lang="en-US" sz="1400" dirty="0" smtClean="0">
+                <a:solidFill>
+                  <a:srgbClr val="000000"/>
+                </a:solidFill>
+                <a:highlight>
+                  <a:srgbClr val="FFFFFF"/>
+                </a:highlight>
+                <a:latin typeface="Courier New" panose="02070309020205020404" pitchFamily="49" charset="0"/>
+                <a:cs typeface="Courier New" panose="02070309020205020404" pitchFamily="49" charset="0"/>
+              </a:rPr>
+              <a:t>[</a:t>
+            </a:r>
+            <a:r>
+              <a:rPr lang="en-US" sz="1400" dirty="0" smtClean="0">
+                <a:solidFill>
+                  <a:srgbClr val="0000FF"/>
+                </a:solidFill>
+                <a:highlight>
+                  <a:srgbClr val="FFFFFF"/>
+                </a:highlight>
+                <a:latin typeface="Courier New" panose="02070309020205020404" pitchFamily="49" charset="0"/>
+                <a:cs typeface="Courier New" panose="02070309020205020404" pitchFamily="49" charset="0"/>
+              </a:rPr>
+              <a:t>assembly</a:t>
+            </a:r>
+            <a:r>
+              <a:rPr lang="en-US" sz="1400" dirty="0">
+                <a:solidFill>
+                  <a:srgbClr val="000000"/>
+                </a:solidFill>
+                <a:highlight>
+                  <a:srgbClr val="FFFFFF"/>
+                </a:highlight>
+                <a:latin typeface="Courier New" panose="02070309020205020404" pitchFamily="49" charset="0"/>
+                <a:cs typeface="Courier New" panose="02070309020205020404" pitchFamily="49" charset="0"/>
+              </a:rPr>
+              <a:t>: </a:t>
+            </a:r>
+            <a:r>
+              <a:rPr lang="en-US" sz="1400" dirty="0" err="1">
+                <a:solidFill>
+                  <a:srgbClr val="2B91AF"/>
+                </a:solidFill>
+                <a:highlight>
+                  <a:srgbClr val="FFFFFF"/>
+                </a:highlight>
+                <a:latin typeface="Courier New" panose="02070309020205020404" pitchFamily="49" charset="0"/>
+                <a:cs typeface="Courier New" panose="02070309020205020404" pitchFamily="49" charset="0"/>
+              </a:rPr>
+              <a:t>CLSCompliant</a:t>
+            </a:r>
+            <a:r>
+              <a:rPr lang="en-US" sz="1400" dirty="0">
+                <a:solidFill>
+                  <a:srgbClr val="000000"/>
+                </a:solidFill>
+                <a:highlight>
+                  <a:srgbClr val="FFFFFF"/>
+                </a:highlight>
+                <a:latin typeface="Courier New" panose="02070309020205020404" pitchFamily="49" charset="0"/>
+                <a:cs typeface="Courier New" panose="02070309020205020404" pitchFamily="49" charset="0"/>
+              </a:rPr>
+              <a:t>(</a:t>
+            </a:r>
+            <a:r>
+              <a:rPr lang="en-US" sz="1400" dirty="0">
+                <a:solidFill>
+                  <a:srgbClr val="0000FF"/>
+                </a:solidFill>
+                <a:highlight>
+                  <a:srgbClr val="FFFFFF"/>
+                </a:highlight>
+                <a:latin typeface="Courier New" panose="02070309020205020404" pitchFamily="49" charset="0"/>
+                <a:cs typeface="Courier New" panose="02070309020205020404" pitchFamily="49" charset="0"/>
+              </a:rPr>
+              <a:t>true</a:t>
+            </a:r>
+            <a:r>
+              <a:rPr lang="en-US" sz="1400" dirty="0" smtClean="0">
+                <a:solidFill>
+                  <a:srgbClr val="000000"/>
+                </a:solidFill>
+                <a:highlight>
+                  <a:srgbClr val="FFFFFF"/>
+                </a:highlight>
+                <a:latin typeface="Courier New" panose="02070309020205020404" pitchFamily="49" charset="0"/>
+                <a:cs typeface="Courier New" panose="02070309020205020404" pitchFamily="49" charset="0"/>
+              </a:rPr>
+              <a:t>)]</a:t>
+            </a:r>
+            <a:endParaRPr lang="ru-RU" sz="1400" dirty="0" smtClean="0">
+              <a:latin typeface="Courier New" panose="02070309020205020404" pitchFamily="49" charset="0"/>
+              <a:cs typeface="Courier New" panose="02070309020205020404" pitchFamily="49" charset="0"/>
+            </a:endParaRPr>
           </a:p>
         </p:txBody>
       </p:sp>
     </p:spTree>
     <p:extLst>
       <p:ext uri="{BB962C8B-B14F-4D97-AF65-F5344CB8AC3E}">
-        <p14:creationId xmlns:p14="http://schemas.microsoft.com/office/powerpoint/2010/main" val="861195078"/>
+        <p14:creationId xmlns:p14="http://schemas.microsoft.com/office/powerpoint/2010/main" val="910520611"/>
       </p:ext>
     </p:extLst>
   </p:cSld>
@@ -15821,16 +15697,27 @@
             <p:ph type="title"/>
           </p:nvPr>
         </p:nvSpPr>
-        <p:spPr/>
+        <p:spPr>
+          <a:xfrm>
+            <a:off x="457200" y="274638"/>
+            <a:ext cx="8229600" cy="778098"/>
+          </a:xfrm>
+        </p:spPr>
         <p:txBody>
-          <a:bodyPr/>
+          <a:bodyPr>
+            <a:normAutofit/>
+          </a:bodyPr>
           <a:lstStyle/>
           <a:p>
             <a:r>
-              <a:rPr lang="en-US" dirty="0" smtClean="0"/>
-              <a:t>Package Manager Console</a:t>
-            </a:r>
-            <a:endParaRPr lang="ru-RU" dirty="0"/>
+              <a:rPr lang="ru-RU" sz="3600" dirty="0" smtClean="0"/>
+              <a:t>Добавление ссылок с помощью </a:t>
+            </a:r>
+            <a:r>
+              <a:rPr lang="en-US" sz="3600" dirty="0" smtClean="0"/>
+              <a:t>NuGet</a:t>
+            </a:r>
+            <a:endParaRPr lang="ru-RU" sz="3600" dirty="0"/>
           </a:p>
         </p:txBody>
       </p:sp>
@@ -15844,10 +15731,15 @@
             <p:ph idx="1"/>
           </p:nvPr>
         </p:nvSpPr>
-        <p:spPr/>
+        <p:spPr>
+          <a:xfrm>
+            <a:off x="457200" y="1124744"/>
+            <a:ext cx="8229600" cy="5001419"/>
+          </a:xfrm>
+        </p:spPr>
         <p:txBody>
           <a:bodyPr>
-            <a:normAutofit fontScale="77500" lnSpcReduction="20000"/>
+            <a:normAutofit lnSpcReduction="10000"/>
           </a:bodyPr>
           <a:lstStyle/>
           <a:p>
@@ -15856,23 +15748,7 @@
             </a:pPr>
             <a:r>
               <a:rPr lang="ru-RU" dirty="0" smtClean="0"/>
-              <a:t>Окно </a:t>
-            </a:r>
-            <a:r>
-              <a:rPr lang="en-US" dirty="0" smtClean="0"/>
-              <a:t>Package </a:t>
-            </a:r>
-            <a:r>
-              <a:rPr lang="en-US" dirty="0"/>
-              <a:t>Manager </a:t>
-            </a:r>
-            <a:r>
-              <a:rPr lang="en-US" dirty="0" smtClean="0"/>
-              <a:t>Console</a:t>
-            </a:r>
-            <a:r>
-              <a:rPr lang="ru-RU" dirty="0" smtClean="0"/>
-              <a:t> позволяет управлять </a:t>
+              <a:t>Расширение </a:t>
             </a:r>
             <a:r>
               <a:rPr lang="en-US" dirty="0" smtClean="0"/>
@@ -15880,87 +15756,109 @@
             </a:r>
             <a:r>
               <a:rPr lang="ru-RU" dirty="0" smtClean="0"/>
-              <a:t>пакетами с помощью </a:t>
+              <a:t>упрощает работу с зависимостями в </a:t>
             </a:r>
             <a:r>
               <a:rPr lang="en-US" dirty="0" smtClean="0"/>
-              <a:t>PowerShell </a:t>
+              <a:t>.NET </a:t>
             </a:r>
             <a:r>
               <a:rPr lang="ru-RU" dirty="0" smtClean="0"/>
-              <a:t>команд прямо из </a:t>
-            </a:r>
+              <a:t>проектах.</a:t>
+            </a:r>
+          </a:p>
+          <a:p>
+            <a:pPr marL="0" indent="0">
+              <a:buNone/>
+            </a:pPr>
+            <a:endParaRPr lang="en-US" dirty="0" smtClean="0"/>
+          </a:p>
+          <a:p>
+            <a:pPr marL="0" indent="0">
+              <a:buNone/>
+            </a:pPr>
             <a:r>
               <a:rPr lang="en-US" dirty="0" smtClean="0"/>
-              <a:t>Visual Studio.</a:t>
+              <a:t>NuGet </a:t>
+            </a:r>
+            <a:r>
+              <a:rPr lang="ru-RU" dirty="0" smtClean="0"/>
+              <a:t>входит в состав </a:t>
+            </a:r>
+            <a:r>
+              <a:rPr lang="en-US" dirty="0" smtClean="0"/>
+              <a:t>VS 2012 </a:t>
+            </a:r>
+            <a:r>
+              <a:rPr lang="ru-RU" dirty="0" smtClean="0"/>
+              <a:t>и выше. Для </a:t>
+            </a:r>
+            <a:r>
+              <a:rPr lang="en-US" dirty="0" smtClean="0"/>
+              <a:t>VS 2010 </a:t>
+            </a:r>
+            <a:r>
+              <a:rPr lang="ru-RU" dirty="0" smtClean="0"/>
+              <a:t>его нужно скачать с помощью </a:t>
+            </a:r>
+            <a:r>
+              <a:rPr lang="en-US" dirty="0" smtClean="0"/>
+              <a:t>Tools -&gt; Extension Manager </a:t>
+            </a:r>
+            <a:r>
+              <a:rPr lang="ru-RU" dirty="0" smtClean="0"/>
+              <a:t>или с сайта </a:t>
+            </a:r>
+            <a:r>
+              <a:rPr lang="en-US" dirty="0" smtClean="0">
+                <a:hlinkClick r:id="rId2"/>
+              </a:rPr>
+              <a:t>nuget.org</a:t>
+            </a:r>
+            <a:r>
+              <a:rPr lang="ru-RU" dirty="0" smtClean="0"/>
+              <a:t>. После установки в контекстном меню </a:t>
+            </a:r>
+            <a:r>
+              <a:rPr lang="en-US" dirty="0" smtClean="0"/>
+              <a:t>References </a:t>
+            </a:r>
+            <a:r>
+              <a:rPr lang="ru-RU" dirty="0" smtClean="0"/>
+              <a:t>появится команда </a:t>
+            </a:r>
+            <a:r>
+              <a:rPr lang="en-US" dirty="0" smtClean="0"/>
+              <a:t>“Manage NuGet Packages …”. </a:t>
+            </a:r>
+            <a:r>
+              <a:rPr lang="ru-RU" dirty="0" smtClean="0"/>
+              <a:t>Также в меню </a:t>
+            </a:r>
+            <a:r>
+              <a:rPr lang="en-US" dirty="0" smtClean="0"/>
+              <a:t>Tools </a:t>
+            </a:r>
+            <a:r>
+              <a:rPr lang="ru-RU" dirty="0" smtClean="0"/>
+              <a:t>появится меню </a:t>
+            </a:r>
+            <a:r>
+              <a:rPr lang="en-US" dirty="0" smtClean="0"/>
+              <a:t>“NuGet Package Manager”.</a:t>
             </a:r>
             <a:endParaRPr lang="ru-RU" dirty="0" smtClean="0"/>
           </a:p>
           <a:p>
-            <a:r>
-              <a:rPr lang="en-US" dirty="0" smtClean="0"/>
-              <a:t>Add-</a:t>
-            </a:r>
-            <a:r>
-              <a:rPr lang="en-US" dirty="0" err="1" smtClean="0"/>
-              <a:t>BindingRedirect</a:t>
-            </a:r>
-            <a:endParaRPr lang="en-US" dirty="0" smtClean="0"/>
-          </a:p>
-          <a:p>
-            <a:r>
-              <a:rPr lang="en-US" dirty="0" smtClean="0"/>
-              <a:t>Get-Package</a:t>
-            </a:r>
-          </a:p>
-          <a:p>
-            <a:r>
-              <a:rPr lang="en-US" dirty="0"/>
-              <a:t>Get-Project</a:t>
-            </a:r>
-          </a:p>
-          <a:p>
-            <a:r>
-              <a:rPr lang="en-US" dirty="0" smtClean="0"/>
-              <a:t>Install-Package </a:t>
-            </a:r>
-            <a:r>
-              <a:rPr lang="ru-RU" dirty="0" smtClean="0"/>
-              <a:t>: установка пакета. Позволяет установить пакет определенной версии, что </a:t>
-            </a:r>
-            <a:r>
-              <a:rPr lang="ru-RU" smtClean="0"/>
-              <a:t>невозможно сделать через </a:t>
-            </a:r>
-            <a:r>
-              <a:rPr lang="en-US" dirty="0" smtClean="0"/>
-              <a:t>GUI.</a:t>
-            </a:r>
+            <a:pPr marL="0" indent="0">
+              <a:buNone/>
+            </a:pPr>
             <a:endParaRPr lang="ru-RU" dirty="0" smtClean="0"/>
           </a:p>
           <a:p>
-            <a:r>
-              <a:rPr lang="en-US" dirty="0" smtClean="0"/>
-              <a:t>Open-</a:t>
-            </a:r>
-            <a:r>
-              <a:rPr lang="en-US" dirty="0" err="1" smtClean="0"/>
-              <a:t>PackagePage</a:t>
-            </a:r>
-            <a:endParaRPr lang="ru-RU" dirty="0" smtClean="0"/>
-          </a:p>
-          <a:p>
-            <a:r>
-              <a:rPr lang="en-US" dirty="0" smtClean="0"/>
-              <a:t>Uninstall-Package</a:t>
-            </a:r>
-            <a:endParaRPr lang="ru-RU" dirty="0" smtClean="0"/>
-          </a:p>
-          <a:p>
-            <a:r>
-              <a:rPr lang="en-US" dirty="0"/>
-              <a:t>Update-Package</a:t>
-            </a:r>
+            <a:pPr marL="0" indent="0">
+              <a:buNone/>
+            </a:pPr>
             <a:endParaRPr lang="ru-RU" dirty="0"/>
           </a:p>
         </p:txBody>
@@ -15968,7 +15866,7 @@
     </p:spTree>
     <p:extLst>
       <p:ext uri="{BB962C8B-B14F-4D97-AF65-F5344CB8AC3E}">
-        <p14:creationId xmlns:p14="http://schemas.microsoft.com/office/powerpoint/2010/main" val="2572407753"/>
+        <p14:creationId xmlns:p14="http://schemas.microsoft.com/office/powerpoint/2010/main" val="861195078"/>
       </p:ext>
     </p:extLst>
   </p:cSld>
@@ -16018,12 +15916,8 @@
           <a:lstStyle/>
           <a:p>
             <a:r>
-              <a:rPr lang="ru-RU" dirty="0" smtClean="0"/>
-              <a:t>Утилиты для </a:t>
-            </a:r>
-            <a:r>
               <a:rPr lang="en-US" dirty="0" smtClean="0"/>
-              <a:t>NuGet</a:t>
+              <a:t>Package Manager Console</a:t>
             </a:r>
             <a:endParaRPr lang="ru-RU" dirty="0"/>
           </a:p>
@@ -16042,66 +15936,128 @@
         <p:spPr/>
         <p:txBody>
           <a:bodyPr>
-            <a:normAutofit/>
+            <a:normAutofit fontScale="77500" lnSpcReduction="20000"/>
           </a:bodyPr>
           <a:lstStyle/>
           <a:p>
-            <a:r>
-              <a:rPr lang="en-US" sz="2400" dirty="0" smtClean="0"/>
+            <a:pPr marL="0" indent="0">
+              <a:buNone/>
+            </a:pPr>
+            <a:r>
+              <a:rPr lang="ru-RU" dirty="0" smtClean="0"/>
+              <a:t>Окно </a:t>
+            </a:r>
+            <a:r>
+              <a:rPr lang="en-US" dirty="0" smtClean="0"/>
+              <a:t>Package </a:t>
+            </a:r>
+            <a:r>
+              <a:rPr lang="en-US" dirty="0"/>
+              <a:t>Manager </a:t>
+            </a:r>
+            <a:r>
+              <a:rPr lang="en-US" dirty="0" smtClean="0"/>
+              <a:t>Console</a:t>
+            </a:r>
+            <a:r>
+              <a:rPr lang="ru-RU" dirty="0" smtClean="0"/>
+              <a:t> позволяет управлять </a:t>
+            </a:r>
+            <a:r>
+              <a:rPr lang="en-US" dirty="0" smtClean="0"/>
               <a:t>NuGet </a:t>
             </a:r>
             <a:r>
-              <a:rPr lang="en-US" sz="2400" dirty="0"/>
-              <a:t>Package Explorer</a:t>
-            </a:r>
-            <a:br>
-              <a:rPr lang="en-US" sz="2400" dirty="0"/>
-            </a:br>
-            <a:r>
-              <a:rPr lang="en-US" sz="2400" dirty="0">
-                <a:hlinkClick r:id="rId2"/>
-              </a:rPr>
-              <a:t>http://npe.codeplex.com</a:t>
-            </a:r>
-            <a:r>
-              <a:rPr lang="en-US" sz="2400" dirty="0" smtClean="0">
-                <a:hlinkClick r:id="rId2"/>
-              </a:rPr>
-              <a:t>/</a:t>
-            </a:r>
-            <a:endParaRPr lang="en-US" sz="2400" dirty="0" smtClean="0"/>
-          </a:p>
-          <a:p>
-            <a:endParaRPr lang="ru-RU" sz="2400" dirty="0" smtClean="0"/>
-          </a:p>
-          <a:p>
-            <a:r>
-              <a:rPr lang="ru-RU" sz="2400" dirty="0" smtClean="0"/>
-              <a:t>Утилита командной строки</a:t>
-            </a:r>
-            <a:br>
-              <a:rPr lang="ru-RU" sz="2400" dirty="0" smtClean="0"/>
-            </a:br>
-            <a:r>
-              <a:rPr lang="en-US" sz="2400" dirty="0">
-                <a:hlinkClick r:id="rId3"/>
-              </a:rPr>
-              <a:t>http://</a:t>
-            </a:r>
-            <a:r>
-              <a:rPr lang="en-US" sz="2400" dirty="0" smtClean="0">
-                <a:hlinkClick r:id="rId3"/>
-              </a:rPr>
-              <a:t>docs.nuget.org/docs/start-here/installing-nuget</a:t>
-            </a:r>
-            <a:endParaRPr lang="ru-RU" sz="2400" dirty="0"/>
+              <a:rPr lang="ru-RU" dirty="0" smtClean="0"/>
+              <a:t>пакетами с помощью </a:t>
+            </a:r>
+            <a:r>
+              <a:rPr lang="en-US" dirty="0" smtClean="0"/>
+              <a:t>PowerShell </a:t>
+            </a:r>
+            <a:r>
+              <a:rPr lang="ru-RU" dirty="0" smtClean="0"/>
+              <a:t>команд прямо из </a:t>
+            </a:r>
+            <a:r>
+              <a:rPr lang="en-US" dirty="0" smtClean="0"/>
+              <a:t>Visual Studio.</a:t>
+            </a:r>
+            <a:endParaRPr lang="ru-RU" dirty="0" smtClean="0"/>
+          </a:p>
+          <a:p>
+            <a:r>
+              <a:rPr lang="en-US" dirty="0" smtClean="0"/>
+              <a:t>Add-</a:t>
+            </a:r>
+            <a:r>
+              <a:rPr lang="en-US" dirty="0" err="1" smtClean="0"/>
+              <a:t>BindingRedirect</a:t>
+            </a:r>
+            <a:endParaRPr lang="en-US" dirty="0" smtClean="0"/>
+          </a:p>
+          <a:p>
+            <a:r>
+              <a:rPr lang="en-US" dirty="0" smtClean="0"/>
+              <a:t>Get-Package</a:t>
+            </a:r>
+          </a:p>
+          <a:p>
+            <a:r>
+              <a:rPr lang="en-US" dirty="0"/>
+              <a:t>Get-Project</a:t>
+            </a:r>
+          </a:p>
+          <a:p>
+            <a:r>
+              <a:rPr lang="en-US" dirty="0" smtClean="0"/>
+              <a:t>Install-Package </a:t>
+            </a:r>
+            <a:r>
+              <a:rPr lang="ru-RU" dirty="0" smtClean="0"/>
+              <a:t>: установка пакета. Позволяет установить пакет определенной версии, что </a:t>
+            </a:r>
+            <a:r>
+              <a:rPr lang="ru-RU" smtClean="0"/>
+              <a:t>невозможно сделать через </a:t>
+            </a:r>
+            <a:r>
+              <a:rPr lang="en-US" dirty="0" smtClean="0"/>
+              <a:t>GUI.</a:t>
+            </a:r>
+            <a:endParaRPr lang="ru-RU" dirty="0" smtClean="0"/>
+          </a:p>
+          <a:p>
+            <a:r>
+              <a:rPr lang="en-US" dirty="0" smtClean="0"/>
+              <a:t>Open-</a:t>
+            </a:r>
+            <a:r>
+              <a:rPr lang="en-US" dirty="0" err="1" smtClean="0"/>
+              <a:t>PackagePage</a:t>
+            </a:r>
+            <a:endParaRPr lang="ru-RU" dirty="0" smtClean="0"/>
+          </a:p>
+          <a:p>
+            <a:r>
+              <a:rPr lang="en-US" dirty="0" smtClean="0"/>
+              <a:t>Uninstall-Package</a:t>
+            </a:r>
+            <a:endParaRPr lang="ru-RU" dirty="0" smtClean="0"/>
+          </a:p>
+          <a:p>
+            <a:r>
+              <a:rPr lang="en-US" dirty="0"/>
+              <a:t>Update-Package</a:t>
+            </a:r>
+            <a:endParaRPr lang="ru-RU" dirty="0"/>
           </a:p>
         </p:txBody>
       </p:sp>
     </p:spTree>
     <p:extLst>
       <p:ext uri="{BB962C8B-B14F-4D97-AF65-F5344CB8AC3E}">
-        <p14:creationId xmlns:p14="http://schemas.microsoft.com/office/powerpoint/2010/main" val="2426017902"/>
+        <p14:creationId xmlns:p14="http://schemas.microsoft.com/office/powerpoint/2010/main" val="2572407753"/>
       </p:ext>
     </p:extLst>
   </p:cSld>
@@ -16152,13 +16108,13 @@
           <a:p>
             <a:r>
               <a:rPr lang="ru-RU" dirty="0" smtClean="0"/>
-              <a:t>Механизм </a:t>
+              <a:t>Утилиты для </a:t>
             </a:r>
             <a:r>
               <a:rPr lang="en-US" dirty="0" smtClean="0"/>
-              <a:t>Reflection</a:t>
-            </a:r>
-            <a:endParaRPr lang="en-US" dirty="0"/>
+              <a:t>NuGet</a:t>
+            </a:r>
+            <a:endParaRPr lang="ru-RU" dirty="0"/>
           </a:p>
         </p:txBody>
       </p:sp>
@@ -16175,179 +16131,66 @@
         <p:spPr/>
         <p:txBody>
           <a:bodyPr>
-            <a:normAutofit fontScale="70000" lnSpcReduction="20000"/>
+            <a:normAutofit/>
           </a:bodyPr>
           <a:lstStyle/>
           <a:p>
-            <a:pPr marL="0" indent="0">
-              <a:buNone/>
-            </a:pPr>
-            <a:r>
-              <a:rPr lang="ru-RU" dirty="0" smtClean="0"/>
-              <a:t>Реализация механизма </a:t>
-            </a:r>
-            <a:r>
-              <a:rPr lang="en-US" dirty="0" smtClean="0"/>
-              <a:t>RTTI </a:t>
-            </a:r>
-            <a:r>
-              <a:rPr lang="ru-RU" dirty="0" smtClean="0"/>
-              <a:t>(</a:t>
-            </a:r>
-            <a:r>
-              <a:rPr lang="en-US" dirty="0" smtClean="0"/>
-              <a:t>Run-time Type Information). </a:t>
-            </a:r>
-            <a:r>
-              <a:rPr lang="ru-RU" dirty="0" smtClean="0"/>
-              <a:t>Пространство имен </a:t>
-            </a:r>
-            <a:r>
-              <a:rPr lang="en-US" dirty="0" err="1" smtClean="0"/>
-              <a:t>System.Reflection</a:t>
-            </a:r>
-            <a:r>
-              <a:rPr lang="en-US" dirty="0" smtClean="0"/>
-              <a:t>.</a:t>
-            </a:r>
-          </a:p>
-          <a:p>
-            <a:pPr marL="0" indent="0">
-              <a:buNone/>
-            </a:pPr>
-            <a:endParaRPr lang="en-US" dirty="0" smtClean="0"/>
-          </a:p>
-          <a:p>
-            <a:r>
-              <a:rPr lang="ru-RU" b="1" dirty="0" smtClean="0"/>
-              <a:t>Генерация кода. </a:t>
-            </a:r>
-            <a:r>
-              <a:rPr lang="ru-RU" dirty="0" smtClean="0"/>
-              <a:t>Иногда в паре с </a:t>
-            </a:r>
-            <a:r>
-              <a:rPr lang="en-US" dirty="0" smtClean="0"/>
-              <a:t>T4 </a:t>
-            </a:r>
-            <a:r>
-              <a:rPr lang="ru-RU" dirty="0" smtClean="0"/>
-              <a:t>шаблонами</a:t>
-            </a:r>
-            <a:r>
-              <a:rPr lang="en-US" dirty="0" smtClean="0"/>
-              <a:t>.</a:t>
-            </a:r>
-          </a:p>
-          <a:p>
-            <a:r>
-              <a:rPr lang="ru-RU" b="1" dirty="0" smtClean="0"/>
-              <a:t>Автоматическая генерация </a:t>
-            </a:r>
-            <a:r>
-              <a:rPr lang="en-US" b="1" dirty="0" smtClean="0"/>
-              <a:t>UI</a:t>
-            </a:r>
-            <a:r>
-              <a:rPr lang="en-US" dirty="0" smtClean="0"/>
-              <a:t> (</a:t>
-            </a:r>
-            <a:r>
-              <a:rPr lang="ru-RU" dirty="0" smtClean="0"/>
-              <a:t>например</a:t>
-            </a:r>
-            <a:r>
-              <a:rPr lang="en-US" dirty="0" smtClean="0"/>
-              <a:t>, property </a:t>
-            </a:r>
-            <a:r>
-              <a:rPr lang="en-US" dirty="0"/>
-              <a:t>editor</a:t>
-            </a:r>
-            <a:r>
-              <a:rPr lang="en-US" dirty="0" smtClean="0"/>
-              <a:t>).</a:t>
-            </a:r>
-            <a:endParaRPr lang="en-US" dirty="0"/>
-          </a:p>
-          <a:p>
-            <a:r>
-              <a:rPr lang="ru-RU" b="1" dirty="0" smtClean="0"/>
-              <a:t>Сериализация</a:t>
-            </a:r>
-            <a:r>
-              <a:rPr lang="en-US" dirty="0" smtClean="0"/>
-              <a:t>. </a:t>
-            </a:r>
-            <a:r>
-              <a:rPr lang="ru-RU" dirty="0" smtClean="0"/>
-              <a:t>Определение списка членов класса подлежащих сериализации и последующее восстановление.</a:t>
-            </a:r>
-            <a:endParaRPr lang="en-US" dirty="0"/>
-          </a:p>
-          <a:p>
-            <a:r>
-              <a:rPr lang="ru-RU" b="1" dirty="0" smtClean="0"/>
-              <a:t>Веб-сервисы</a:t>
-            </a:r>
-            <a:r>
-              <a:rPr lang="en-US" dirty="0" smtClean="0"/>
-              <a:t>. </a:t>
-            </a:r>
-            <a:r>
-              <a:rPr lang="ru-RU" dirty="0" smtClean="0"/>
-              <a:t>Близко к сериализации. Генерация классов на основе </a:t>
-            </a:r>
-            <a:r>
-              <a:rPr lang="en-US" dirty="0" smtClean="0"/>
-              <a:t>WSDL.</a:t>
-            </a:r>
-            <a:endParaRPr lang="en-US" dirty="0"/>
-          </a:p>
-          <a:p>
-            <a:r>
-              <a:rPr lang="ru-RU" b="1" dirty="0" smtClean="0"/>
-              <a:t>Предметно-ориентированные языки</a:t>
-            </a:r>
-            <a:r>
-              <a:rPr lang="en-US" b="1" dirty="0" smtClean="0"/>
-              <a:t> (DSL)</a:t>
-            </a:r>
-            <a:r>
-              <a:rPr lang="en-US" dirty="0" smtClean="0"/>
-              <a:t>. </a:t>
-            </a:r>
-            <a:r>
-              <a:rPr lang="ru-RU" dirty="0" smtClean="0"/>
-              <a:t>Интерпретированные скриптовые языки могут работать с слабо-типизированными объектами с помощью </a:t>
-            </a:r>
-            <a:r>
-              <a:rPr lang="en-US" dirty="0" smtClean="0"/>
-              <a:t>reflection.</a:t>
-            </a:r>
-            <a:endParaRPr lang="en-US" dirty="0"/>
-          </a:p>
-          <a:p>
-            <a:r>
-              <a:rPr lang="ru-RU" b="1" dirty="0" smtClean="0"/>
-              <a:t>Средства отладки</a:t>
-            </a:r>
-            <a:r>
-              <a:rPr lang="en-US" dirty="0" smtClean="0"/>
-              <a:t>. </a:t>
-            </a:r>
-            <a:r>
-              <a:rPr lang="ru-RU" dirty="0" smtClean="0"/>
-              <a:t>Исследование состояния любого объекта.</a:t>
-            </a:r>
-            <a:endParaRPr lang="en-US" dirty="0"/>
+            <a:r>
+              <a:rPr lang="en-US" sz="2400" dirty="0" smtClean="0"/>
+              <a:t>NuGet </a:t>
+            </a:r>
+            <a:r>
+              <a:rPr lang="en-US" sz="2400" dirty="0"/>
+              <a:t>Package Explorer</a:t>
+            </a:r>
+            <a:br>
+              <a:rPr lang="en-US" sz="2400" dirty="0"/>
+            </a:br>
+            <a:r>
+              <a:rPr lang="en-US" sz="2400" dirty="0">
+                <a:hlinkClick r:id="rId2"/>
+              </a:rPr>
+              <a:t>http://npe.codeplex.com</a:t>
+            </a:r>
+            <a:r>
+              <a:rPr lang="en-US" sz="2400" dirty="0" smtClean="0">
+                <a:hlinkClick r:id="rId2"/>
+              </a:rPr>
+              <a:t>/</a:t>
+            </a:r>
+            <a:endParaRPr lang="en-US" sz="2400" dirty="0" smtClean="0"/>
+          </a:p>
+          <a:p>
+            <a:endParaRPr lang="ru-RU" sz="2400" dirty="0" smtClean="0"/>
+          </a:p>
+          <a:p>
+            <a:r>
+              <a:rPr lang="ru-RU" sz="2400" dirty="0" smtClean="0"/>
+              <a:t>Утилита командной строки</a:t>
+            </a:r>
+            <a:br>
+              <a:rPr lang="ru-RU" sz="2400" dirty="0" smtClean="0"/>
+            </a:br>
+            <a:r>
+              <a:rPr lang="en-US" sz="2400" dirty="0">
+                <a:hlinkClick r:id="rId3"/>
+              </a:rPr>
+              <a:t>http://</a:t>
+            </a:r>
+            <a:r>
+              <a:rPr lang="en-US" sz="2400" dirty="0" smtClean="0">
+                <a:hlinkClick r:id="rId3"/>
+              </a:rPr>
+              <a:t>docs.nuget.org/docs/start-here/installing-nuget</a:t>
+            </a:r>
+            <a:endParaRPr lang="ru-RU" sz="2400" dirty="0"/>
           </a:p>
         </p:txBody>
       </p:sp>
     </p:spTree>
     <p:extLst>
       <p:ext uri="{BB962C8B-B14F-4D97-AF65-F5344CB8AC3E}">
-        <p14:creationId xmlns:p14="http://schemas.microsoft.com/office/powerpoint/2010/main" val="2096666648"/>
+        <p14:creationId xmlns:p14="http://schemas.microsoft.com/office/powerpoint/2010/main" val="2426017902"/>
       </p:ext>
     </p:extLst>
   </p:cSld>
@@ -16699,6 +16542,252 @@
       </p:grpSpPr>
       <p:sp>
         <p:nvSpPr>
+          <p:cNvPr id="2" name="Title 1"/>
+          <p:cNvSpPr>
+            <a:spLocks noGrp="1"/>
+          </p:cNvSpPr>
+          <p:nvPr>
+            <p:ph type="title"/>
+          </p:nvPr>
+        </p:nvSpPr>
+        <p:spPr/>
+        <p:txBody>
+          <a:bodyPr/>
+          <a:lstStyle/>
+          <a:p>
+            <a:r>
+              <a:rPr lang="ru-RU" dirty="0" smtClean="0"/>
+              <a:t>Механизм </a:t>
+            </a:r>
+            <a:r>
+              <a:rPr lang="en-US" dirty="0" smtClean="0"/>
+              <a:t>Reflection</a:t>
+            </a:r>
+            <a:endParaRPr lang="en-US" dirty="0"/>
+          </a:p>
+        </p:txBody>
+      </p:sp>
+      <p:sp>
+        <p:nvSpPr>
+          <p:cNvPr id="3" name="Content Placeholder 2"/>
+          <p:cNvSpPr>
+            <a:spLocks noGrp="1"/>
+          </p:cNvSpPr>
+          <p:nvPr>
+            <p:ph idx="1"/>
+          </p:nvPr>
+        </p:nvSpPr>
+        <p:spPr/>
+        <p:txBody>
+          <a:bodyPr>
+            <a:normAutofit fontScale="70000" lnSpcReduction="20000"/>
+          </a:bodyPr>
+          <a:lstStyle/>
+          <a:p>
+            <a:pPr marL="0" indent="0">
+              <a:buNone/>
+            </a:pPr>
+            <a:r>
+              <a:rPr lang="ru-RU" dirty="0" smtClean="0"/>
+              <a:t>Реализация механизма </a:t>
+            </a:r>
+            <a:r>
+              <a:rPr lang="en-US" dirty="0" smtClean="0"/>
+              <a:t>RTTI </a:t>
+            </a:r>
+            <a:r>
+              <a:rPr lang="ru-RU" dirty="0" smtClean="0"/>
+              <a:t>(</a:t>
+            </a:r>
+            <a:r>
+              <a:rPr lang="en-US" dirty="0" smtClean="0"/>
+              <a:t>Run-time Type Information). </a:t>
+            </a:r>
+            <a:r>
+              <a:rPr lang="ru-RU" dirty="0" smtClean="0"/>
+              <a:t>Пространство имен </a:t>
+            </a:r>
+            <a:r>
+              <a:rPr lang="en-US" dirty="0" err="1" smtClean="0"/>
+              <a:t>System.Reflection</a:t>
+            </a:r>
+            <a:r>
+              <a:rPr lang="en-US" dirty="0" smtClean="0"/>
+              <a:t>.</a:t>
+            </a:r>
+          </a:p>
+          <a:p>
+            <a:pPr marL="0" indent="0">
+              <a:buNone/>
+            </a:pPr>
+            <a:endParaRPr lang="en-US" dirty="0" smtClean="0"/>
+          </a:p>
+          <a:p>
+            <a:r>
+              <a:rPr lang="ru-RU" b="1" dirty="0" smtClean="0"/>
+              <a:t>Генерация кода. </a:t>
+            </a:r>
+            <a:r>
+              <a:rPr lang="ru-RU" dirty="0" smtClean="0"/>
+              <a:t>Иногда в паре с </a:t>
+            </a:r>
+            <a:r>
+              <a:rPr lang="en-US" dirty="0" smtClean="0"/>
+              <a:t>T4 </a:t>
+            </a:r>
+            <a:r>
+              <a:rPr lang="ru-RU" dirty="0" smtClean="0"/>
+              <a:t>шаблонами</a:t>
+            </a:r>
+            <a:r>
+              <a:rPr lang="en-US" dirty="0" smtClean="0"/>
+              <a:t>.</a:t>
+            </a:r>
+          </a:p>
+          <a:p>
+            <a:r>
+              <a:rPr lang="ru-RU" b="1" dirty="0" smtClean="0"/>
+              <a:t>Автоматическая генерация </a:t>
+            </a:r>
+            <a:r>
+              <a:rPr lang="en-US" b="1" dirty="0" smtClean="0"/>
+              <a:t>UI</a:t>
+            </a:r>
+            <a:r>
+              <a:rPr lang="en-US" dirty="0" smtClean="0"/>
+              <a:t> (</a:t>
+            </a:r>
+            <a:r>
+              <a:rPr lang="ru-RU" dirty="0" smtClean="0"/>
+              <a:t>например</a:t>
+            </a:r>
+            <a:r>
+              <a:rPr lang="en-US" dirty="0" smtClean="0"/>
+              <a:t>, property </a:t>
+            </a:r>
+            <a:r>
+              <a:rPr lang="en-US" dirty="0"/>
+              <a:t>editor</a:t>
+            </a:r>
+            <a:r>
+              <a:rPr lang="en-US" dirty="0" smtClean="0"/>
+              <a:t>).</a:t>
+            </a:r>
+            <a:endParaRPr lang="en-US" dirty="0"/>
+          </a:p>
+          <a:p>
+            <a:r>
+              <a:rPr lang="ru-RU" b="1" dirty="0" smtClean="0"/>
+              <a:t>Сериализация</a:t>
+            </a:r>
+            <a:r>
+              <a:rPr lang="en-US" dirty="0" smtClean="0"/>
+              <a:t>. </a:t>
+            </a:r>
+            <a:r>
+              <a:rPr lang="ru-RU" dirty="0" smtClean="0"/>
+              <a:t>Определение списка членов класса подлежащих сериализации и последующее восстановление.</a:t>
+            </a:r>
+            <a:endParaRPr lang="en-US" dirty="0"/>
+          </a:p>
+          <a:p>
+            <a:r>
+              <a:rPr lang="ru-RU" b="1" dirty="0" smtClean="0"/>
+              <a:t>Веб-сервисы</a:t>
+            </a:r>
+            <a:r>
+              <a:rPr lang="en-US" dirty="0" smtClean="0"/>
+              <a:t>. </a:t>
+            </a:r>
+            <a:r>
+              <a:rPr lang="ru-RU" dirty="0" smtClean="0"/>
+              <a:t>Близко к сериализации. Генерация классов на основе </a:t>
+            </a:r>
+            <a:r>
+              <a:rPr lang="en-US" dirty="0" smtClean="0"/>
+              <a:t>WSDL.</a:t>
+            </a:r>
+            <a:endParaRPr lang="en-US" dirty="0"/>
+          </a:p>
+          <a:p>
+            <a:r>
+              <a:rPr lang="ru-RU" b="1" dirty="0" smtClean="0"/>
+              <a:t>Предметно-ориентированные языки</a:t>
+            </a:r>
+            <a:r>
+              <a:rPr lang="en-US" b="1" dirty="0" smtClean="0"/>
+              <a:t> (DSL)</a:t>
+            </a:r>
+            <a:r>
+              <a:rPr lang="en-US" dirty="0" smtClean="0"/>
+              <a:t>. </a:t>
+            </a:r>
+            <a:r>
+              <a:rPr lang="ru-RU" dirty="0" smtClean="0"/>
+              <a:t>Интерпретированные скриптовые языки могут работать с слабо-типизированными объектами с помощью </a:t>
+            </a:r>
+            <a:r>
+              <a:rPr lang="en-US" dirty="0" smtClean="0"/>
+              <a:t>reflection.</a:t>
+            </a:r>
+            <a:endParaRPr lang="en-US" dirty="0"/>
+          </a:p>
+          <a:p>
+            <a:r>
+              <a:rPr lang="ru-RU" b="1" dirty="0" smtClean="0"/>
+              <a:t>Средства отладки</a:t>
+            </a:r>
+            <a:r>
+              <a:rPr lang="en-US" dirty="0" smtClean="0"/>
+              <a:t>. </a:t>
+            </a:r>
+            <a:r>
+              <a:rPr lang="ru-RU" dirty="0" smtClean="0"/>
+              <a:t>Исследование состояния любого объекта.</a:t>
+            </a:r>
+            <a:endParaRPr lang="en-US" dirty="0"/>
+          </a:p>
+        </p:txBody>
+      </p:sp>
+    </p:spTree>
+    <p:extLst>
+      <p:ext uri="{BB962C8B-B14F-4D97-AF65-F5344CB8AC3E}">
+        <p14:creationId xmlns:p14="http://schemas.microsoft.com/office/powerpoint/2010/main" val="2096666648"/>
+      </p:ext>
+    </p:extLst>
+  </p:cSld>
+  <p:clrMapOvr>
+    <a:masterClrMapping/>
+  </p:clrMapOvr>
+  <p:timing>
+    <p:tnLst>
+      <p:par>
+        <p:cTn id="1" dur="indefinite" restart="never" nodeType="tmRoot"/>
+      </p:par>
+    </p:tnLst>
+  </p:timing>
+</p:sld>
+</file>
+
+<file path=ppt/slides/slide41.xml><?xml version="1.0" encoding="utf-8"?>
+<p:sld xmlns:a="http://schemas.openxmlformats.org/drawingml/2006/main" xmlns:r="http://schemas.openxmlformats.org/officeDocument/2006/relationships" xmlns:p="http://schemas.openxmlformats.org/presentationml/2006/main">
+  <p:cSld>
+    <p:spTree>
+      <p:nvGrpSpPr>
+        <p:cNvPr id="1" name=""/>
+        <p:cNvGrpSpPr/>
+        <p:nvPr/>
+      </p:nvGrpSpPr>
+      <p:grpSpPr>
+        <a:xfrm>
+          <a:off x="0" y="0"/>
+          <a:ext cx="0" cy="0"/>
+          <a:chOff x="0" y="0"/>
+          <a:chExt cx="0" cy="0"/>
+        </a:xfrm>
+      </p:grpSpPr>
+      <p:sp>
+        <p:nvSpPr>
           <p:cNvPr id="7170" name="Rectangle 3"/>
           <p:cNvSpPr>
             <a:spLocks noChangeArrowheads="1"/>
@@ -17551,7 +17640,7 @@
 </p:sld>
 </file>
 
-<file path=ppt/slides/slide41.xml><?xml version="1.0" encoding="utf-8"?>
+<file path=ppt/slides/slide42.xml><?xml version="1.0" encoding="utf-8"?>
 <p:sld xmlns:a="http://schemas.openxmlformats.org/drawingml/2006/main" xmlns:r="http://schemas.openxmlformats.org/officeDocument/2006/relationships" xmlns:p="http://schemas.openxmlformats.org/presentationml/2006/main">
   <p:cSld>
     <p:spTree>
@@ -18410,7 +18499,7 @@
 </p:sld>
 </file>
 
-<file path=ppt/slides/slide42.xml><?xml version="1.0" encoding="utf-8"?>
+<file path=ppt/slides/slide43.xml><?xml version="1.0" encoding="utf-8"?>
 <p:sld xmlns:a="http://schemas.openxmlformats.org/drawingml/2006/main" xmlns:r="http://schemas.openxmlformats.org/officeDocument/2006/relationships" xmlns:p="http://schemas.openxmlformats.org/presentationml/2006/main">
   <p:cSld>
     <p:spTree>
@@ -19064,7 +19153,7 @@
 </p:sld>
 </file>
 
-<file path=ppt/slides/slide43.xml><?xml version="1.0" encoding="utf-8"?>
+<file path=ppt/slides/slide44.xml><?xml version="1.0" encoding="utf-8"?>
 <p:sld xmlns:a="http://schemas.openxmlformats.org/drawingml/2006/main" xmlns:r="http://schemas.openxmlformats.org/officeDocument/2006/relationships" xmlns:p="http://schemas.openxmlformats.org/presentationml/2006/main">
   <p:cSld>
     <p:spTree>

--- a/Presentation/lesson-07-reflection.pptx
+++ b/Presentation/lesson-07-reflection.pptx
@@ -6,7 +6,7 @@
     <p:sldMasterId id="2147483663" r:id="rId2"/>
   </p:sldMasterIdLst>
   <p:notesMasterIdLst>
-    <p:notesMasterId r:id="rId47"/>
+    <p:notesMasterId r:id="rId48"/>
   </p:notesMasterIdLst>
   <p:sldIdLst>
     <p:sldId id="257" r:id="rId3"/>
@@ -48,11 +48,12 @@
     <p:sldId id="310" r:id="rId39"/>
     <p:sldId id="312" r:id="rId40"/>
     <p:sldId id="311" r:id="rId41"/>
-    <p:sldId id="299" r:id="rId42"/>
-    <p:sldId id="263" r:id="rId43"/>
-    <p:sldId id="264" r:id="rId44"/>
-    <p:sldId id="265" r:id="rId45"/>
-    <p:sldId id="271" r:id="rId46"/>
+    <p:sldId id="318" r:id="rId42"/>
+    <p:sldId id="299" r:id="rId43"/>
+    <p:sldId id="263" r:id="rId44"/>
+    <p:sldId id="264" r:id="rId45"/>
+    <p:sldId id="265" r:id="rId46"/>
+    <p:sldId id="271" r:id="rId47"/>
   </p:sldIdLst>
   <p:sldSz cx="9144000" cy="6858000" type="screen4x3"/>
   <p:notesSz cx="6858000" cy="9144000"/>
@@ -237,7 +238,7 @@
             <a:fld id="{B24A7054-7FFB-49F4-A126-5DF6E687FF53}" type="datetimeFigureOut">
               <a:rPr lang="ru-RU" smtClean="0"/>
               <a:pPr/>
-              <a:t>12.09.2014</a:t>
+              <a:t>13.09.2014</a:t>
             </a:fld>
             <a:endParaRPr lang="ru-RU"/>
           </a:p>
@@ -1521,7 +1522,7 @@
             <a:fld id="{8E6E6A2A-E9D3-4A0D-B04A-ABDD367A1E08}" type="datetimeFigureOut">
               <a:rPr lang="ru-RU" smtClean="0"/>
               <a:pPr/>
-              <a:t>12.09.2014</a:t>
+              <a:t>13.09.2014</a:t>
             </a:fld>
             <a:endParaRPr lang="ru-RU"/>
           </a:p>
@@ -1765,7 +1766,7 @@
             <a:fld id="{8E6E6A2A-E9D3-4A0D-B04A-ABDD367A1E08}" type="datetimeFigureOut">
               <a:rPr lang="ru-RU" smtClean="0"/>
               <a:pPr/>
-              <a:t>12.09.2014</a:t>
+              <a:t>13.09.2014</a:t>
             </a:fld>
             <a:endParaRPr lang="ru-RU"/>
           </a:p>
@@ -1937,7 +1938,7 @@
             <a:fld id="{8E6E6A2A-E9D3-4A0D-B04A-ABDD367A1E08}" type="datetimeFigureOut">
               <a:rPr lang="ru-RU" smtClean="0"/>
               <a:pPr/>
-              <a:t>12.09.2014</a:t>
+              <a:t>13.09.2014</a:t>
             </a:fld>
             <a:endParaRPr lang="ru-RU"/>
           </a:p>
@@ -2185,7 +2186,7 @@
             <a:fld id="{8E6E6A2A-E9D3-4A0D-B04A-ABDD367A1E08}" type="datetimeFigureOut">
               <a:rPr lang="ru-RU" smtClean="0"/>
               <a:pPr/>
-              <a:t>12.09.2014</a:t>
+              <a:t>13.09.2014</a:t>
             </a:fld>
             <a:endParaRPr lang="ru-RU"/>
           </a:p>
@@ -2475,7 +2476,7 @@
             <a:fld id="{8E6E6A2A-E9D3-4A0D-B04A-ABDD367A1E08}" type="datetimeFigureOut">
               <a:rPr lang="ru-RU" smtClean="0"/>
               <a:pPr/>
-              <a:t>12.09.2014</a:t>
+              <a:t>13.09.2014</a:t>
             </a:fld>
             <a:endParaRPr lang="ru-RU"/>
           </a:p>
@@ -2899,7 +2900,7 @@
             <a:fld id="{8E6E6A2A-E9D3-4A0D-B04A-ABDD367A1E08}" type="datetimeFigureOut">
               <a:rPr lang="ru-RU" smtClean="0"/>
               <a:pPr/>
-              <a:t>12.09.2014</a:t>
+              <a:t>13.09.2014</a:t>
             </a:fld>
             <a:endParaRPr lang="ru-RU"/>
           </a:p>
@@ -3228,7 +3229,7 @@
             <a:fld id="{8E6E6A2A-E9D3-4A0D-B04A-ABDD367A1E08}" type="datetimeFigureOut">
               <a:rPr lang="ru-RU" smtClean="0"/>
               <a:pPr/>
-              <a:t>12.09.2014</a:t>
+              <a:t>13.09.2014</a:t>
             </a:fld>
             <a:endParaRPr lang="ru-RU"/>
           </a:p>
@@ -3325,7 +3326,7 @@
             <a:fld id="{8E6E6A2A-E9D3-4A0D-B04A-ABDD367A1E08}" type="datetimeFigureOut">
               <a:rPr lang="ru-RU" smtClean="0"/>
               <a:pPr/>
-              <a:t>12.09.2014</a:t>
+              <a:t>13.09.2014</a:t>
             </a:fld>
             <a:endParaRPr lang="ru-RU"/>
           </a:p>
@@ -3604,7 +3605,7 @@
             <a:fld id="{8E6E6A2A-E9D3-4A0D-B04A-ABDD367A1E08}" type="datetimeFigureOut">
               <a:rPr lang="ru-RU" smtClean="0"/>
               <a:pPr/>
-              <a:t>12.09.2014</a:t>
+              <a:t>13.09.2014</a:t>
             </a:fld>
             <a:endParaRPr lang="ru-RU"/>
           </a:p>
@@ -3859,7 +3860,7 @@
             <a:fld id="{8E6E6A2A-E9D3-4A0D-B04A-ABDD367A1E08}" type="datetimeFigureOut">
               <a:rPr lang="ru-RU" smtClean="0"/>
               <a:pPr/>
-              <a:t>12.09.2014</a:t>
+              <a:t>13.09.2014</a:t>
             </a:fld>
             <a:endParaRPr lang="ru-RU"/>
           </a:p>
@@ -4031,7 +4032,7 @@
             <a:fld id="{8E6E6A2A-E9D3-4A0D-B04A-ABDD367A1E08}" type="datetimeFigureOut">
               <a:rPr lang="ru-RU" smtClean="0"/>
               <a:pPr/>
-              <a:t>12.09.2014</a:t>
+              <a:t>13.09.2014</a:t>
             </a:fld>
             <a:endParaRPr lang="ru-RU"/>
           </a:p>
@@ -4213,7 +4214,7 @@
             <a:fld id="{8E6E6A2A-E9D3-4A0D-B04A-ABDD367A1E08}" type="datetimeFigureOut">
               <a:rPr lang="ru-RU" smtClean="0"/>
               <a:pPr/>
-              <a:t>12.09.2014</a:t>
+              <a:t>13.09.2014</a:t>
             </a:fld>
             <a:endParaRPr lang="ru-RU"/>
           </a:p>
@@ -5451,7 +5452,7 @@
             <a:fld id="{AC3D3127-B7C4-45E3-9797-C527EC9FDD78}" type="datetimeFigureOut">
               <a:rPr lang="ru-RU" smtClean="0"/>
               <a:pPr/>
-              <a:t>12.09.2014</a:t>
+              <a:t>13.09.2014</a:t>
             </a:fld>
             <a:endParaRPr lang="ru-RU"/>
           </a:p>
@@ -5973,7 +5974,7 @@
             <a:fld id="{8E6E6A2A-E9D3-4A0D-B04A-ABDD367A1E08}" type="datetimeFigureOut">
               <a:rPr lang="ru-RU" smtClean="0"/>
               <a:pPr/>
-              <a:t>12.09.2014</a:t>
+              <a:t>13.09.2014</a:t>
             </a:fld>
             <a:endParaRPr lang="ru-RU"/>
           </a:p>
@@ -16550,6 +16551,365 @@
             <p:ph type="title"/>
           </p:nvPr>
         </p:nvSpPr>
+        <p:spPr>
+          <a:xfrm>
+            <a:off x="457200" y="274638"/>
+            <a:ext cx="8229600" cy="706090"/>
+          </a:xfrm>
+        </p:spPr>
+        <p:txBody>
+          <a:bodyPr>
+            <a:normAutofit/>
+          </a:bodyPr>
+          <a:lstStyle/>
+          <a:p>
+            <a:r>
+              <a:rPr lang="ru-RU" sz="3200" dirty="0" smtClean="0"/>
+              <a:t>Отладка </a:t>
+            </a:r>
+            <a:r>
+              <a:rPr lang="en-US" sz="3200" dirty="0" smtClean="0"/>
+              <a:t>.NET </a:t>
+            </a:r>
+            <a:r>
+              <a:rPr lang="ru-RU" sz="3200" dirty="0" smtClean="0"/>
+              <a:t>с помощью </a:t>
+            </a:r>
+            <a:r>
+              <a:rPr lang="en-US" sz="3200" dirty="0" smtClean="0"/>
+              <a:t>reference source</a:t>
+            </a:r>
+            <a:endParaRPr lang="ru-RU" sz="3200" dirty="0"/>
+          </a:p>
+        </p:txBody>
+      </p:sp>
+      <p:sp>
+        <p:nvSpPr>
+          <p:cNvPr id="3" name="Content Placeholder 2"/>
+          <p:cNvSpPr>
+            <a:spLocks noGrp="1"/>
+          </p:cNvSpPr>
+          <p:nvPr>
+            <p:ph idx="1"/>
+          </p:nvPr>
+        </p:nvSpPr>
+        <p:spPr>
+          <a:xfrm>
+            <a:off x="457200" y="980728"/>
+            <a:ext cx="8229600" cy="864096"/>
+          </a:xfrm>
+        </p:spPr>
+        <p:txBody>
+          <a:bodyPr>
+            <a:noAutofit/>
+          </a:bodyPr>
+          <a:lstStyle/>
+          <a:p>
+            <a:pPr marL="0" indent="0">
+              <a:buNone/>
+            </a:pPr>
+            <a:r>
+              <a:rPr lang="ru-RU" sz="2400" dirty="0" smtClean="0"/>
+              <a:t>Работает только для </a:t>
+            </a:r>
+            <a:r>
+              <a:rPr lang="en-US" sz="2400" dirty="0" smtClean="0"/>
+              <a:t>.NET 4.5.1 </a:t>
+            </a:r>
+            <a:r>
+              <a:rPr lang="ru-RU" sz="2400" dirty="0" smtClean="0"/>
+              <a:t>в </a:t>
+            </a:r>
+            <a:r>
+              <a:rPr lang="en-US" sz="2400" dirty="0" smtClean="0"/>
+              <a:t>VS 2012 </a:t>
+            </a:r>
+            <a:r>
+              <a:rPr lang="ru-RU" sz="2400" dirty="0" smtClean="0"/>
+              <a:t>и выше</a:t>
+            </a:r>
+            <a:r>
+              <a:rPr lang="en-US" sz="2400" dirty="0" smtClean="0"/>
+              <a:t>!</a:t>
+            </a:r>
+            <a:endParaRPr lang="ru-RU" sz="2400" dirty="0"/>
+          </a:p>
+          <a:p>
+            <a:pPr marL="0" indent="0">
+              <a:buNone/>
+            </a:pPr>
+            <a:r>
+              <a:rPr lang="ru-RU" sz="2400" dirty="0" smtClean="0"/>
+              <a:t>Необходимые настройки:</a:t>
+            </a:r>
+            <a:endParaRPr lang="ru-RU" sz="2400" dirty="0"/>
+          </a:p>
+        </p:txBody>
+      </p:sp>
+      <p:pic>
+        <p:nvPicPr>
+          <p:cNvPr id="1027" name="Picture 3"/>
+          <p:cNvPicPr>
+            <a:picLocks noChangeAspect="1" noChangeArrowheads="1"/>
+          </p:cNvPicPr>
+          <p:nvPr/>
+        </p:nvPicPr>
+        <p:blipFill>
+          <a:blip r:embed="rId2">
+            <a:extLst>
+              <a:ext uri="{28A0092B-C50C-407E-A947-70E740481C1C}">
+                <a14:useLocalDpi xmlns:a14="http://schemas.microsoft.com/office/drawing/2010/main" val="0"/>
+              </a:ext>
+            </a:extLst>
+          </a:blip>
+          <a:srcRect/>
+          <a:stretch>
+            <a:fillRect/>
+          </a:stretch>
+        </p:blipFill>
+        <p:spPr bwMode="auto">
+          <a:xfrm>
+            <a:off x="3995936" y="1459979"/>
+            <a:ext cx="4200525" cy="2905125"/>
+          </a:xfrm>
+          <a:prstGeom prst="rect">
+            <a:avLst/>
+          </a:prstGeom>
+          <a:noFill/>
+          <a:ln>
+            <a:noFill/>
+          </a:ln>
+          <a:effectLst/>
+          <a:extLst>
+            <a:ext uri="{909E8E84-426E-40DD-AFC4-6F175D3DCCD1}">
+              <a14:hiddenFill xmlns:a14="http://schemas.microsoft.com/office/drawing/2010/main">
+                <a:solidFill>
+                  <a:schemeClr val="accent1"/>
+                </a:solidFill>
+              </a14:hiddenFill>
+            </a:ext>
+            <a:ext uri="{91240B29-F687-4F45-9708-019B960494DF}">
+              <a14:hiddenLine xmlns:a14="http://schemas.microsoft.com/office/drawing/2010/main" w="9525">
+                <a:solidFill>
+                  <a:schemeClr val="tx1"/>
+                </a:solidFill>
+                <a:miter lim="800000"/>
+                <a:headEnd/>
+                <a:tailEnd/>
+              </a14:hiddenLine>
+            </a:ext>
+            <a:ext uri="{AF507438-7753-43E0-B8FC-AC1667EBCBE1}">
+              <a14:hiddenEffects xmlns:a14="http://schemas.microsoft.com/office/drawing/2010/main">
+                <a:effectLst>
+                  <a:outerShdw dist="35921" dir="2700000" algn="ctr" rotWithShape="0">
+                    <a:schemeClr val="bg2"/>
+                  </a:outerShdw>
+                </a:effectLst>
+              </a14:hiddenEffects>
+            </a:ext>
+          </a:extLst>
+        </p:spPr>
+      </p:pic>
+      <p:sp>
+        <p:nvSpPr>
+          <p:cNvPr id="4" name="TextBox 3"/>
+          <p:cNvSpPr txBox="1"/>
+          <p:nvPr/>
+        </p:nvSpPr>
+        <p:spPr>
+          <a:xfrm>
+            <a:off x="543158" y="2597756"/>
+            <a:ext cx="2722669" cy="461665"/>
+          </a:xfrm>
+          <a:prstGeom prst="rect">
+            <a:avLst/>
+          </a:prstGeom>
+          <a:noFill/>
+        </p:spPr>
+        <p:txBody>
+          <a:bodyPr wrap="none" rtlCol="0">
+            <a:spAutoFit/>
+          </a:bodyPr>
+          <a:lstStyle/>
+          <a:p>
+            <a:pPr algn="ctr"/>
+            <a:r>
+              <a:rPr lang="en-US" sz="2400" dirty="0" smtClean="0"/>
+              <a:t>Debugger \ General:</a:t>
+            </a:r>
+            <a:endParaRPr lang="ru-RU" sz="2400" dirty="0" smtClean="0"/>
+          </a:p>
+        </p:txBody>
+      </p:sp>
+      <p:pic>
+        <p:nvPicPr>
+          <p:cNvPr id="1028" name="Picture 4"/>
+          <p:cNvPicPr>
+            <a:picLocks noChangeAspect="1" noChangeArrowheads="1"/>
+          </p:cNvPicPr>
+          <p:nvPr/>
+        </p:nvPicPr>
+        <p:blipFill>
+          <a:blip r:embed="rId3">
+            <a:extLst>
+              <a:ext uri="{28A0092B-C50C-407E-A947-70E740481C1C}">
+                <a14:useLocalDpi xmlns:a14="http://schemas.microsoft.com/office/drawing/2010/main" val="0"/>
+              </a:ext>
+            </a:extLst>
+          </a:blip>
+          <a:srcRect/>
+          <a:stretch>
+            <a:fillRect/>
+          </a:stretch>
+        </p:blipFill>
+        <p:spPr bwMode="auto">
+          <a:xfrm>
+            <a:off x="3995936" y="5085184"/>
+            <a:ext cx="4381500" cy="1352550"/>
+          </a:xfrm>
+          <a:prstGeom prst="rect">
+            <a:avLst/>
+          </a:prstGeom>
+          <a:noFill/>
+          <a:ln>
+            <a:noFill/>
+          </a:ln>
+          <a:effectLst/>
+          <a:extLst>
+            <a:ext uri="{909E8E84-426E-40DD-AFC4-6F175D3DCCD1}">
+              <a14:hiddenFill xmlns:a14="http://schemas.microsoft.com/office/drawing/2010/main">
+                <a:solidFill>
+                  <a:schemeClr val="accent1"/>
+                </a:solidFill>
+              </a14:hiddenFill>
+            </a:ext>
+            <a:ext uri="{91240B29-F687-4F45-9708-019B960494DF}">
+              <a14:hiddenLine xmlns:a14="http://schemas.microsoft.com/office/drawing/2010/main" w="9525">
+                <a:solidFill>
+                  <a:schemeClr val="tx1"/>
+                </a:solidFill>
+                <a:miter lim="800000"/>
+                <a:headEnd/>
+                <a:tailEnd/>
+              </a14:hiddenLine>
+            </a:ext>
+            <a:ext uri="{AF507438-7753-43E0-B8FC-AC1667EBCBE1}">
+              <a14:hiddenEffects xmlns:a14="http://schemas.microsoft.com/office/drawing/2010/main">
+                <a:effectLst>
+                  <a:outerShdw dist="35921" dir="2700000" algn="ctr" rotWithShape="0">
+                    <a:schemeClr val="bg2"/>
+                  </a:outerShdw>
+                </a:effectLst>
+              </a14:hiddenEffects>
+            </a:ext>
+          </a:extLst>
+        </p:spPr>
+      </p:pic>
+      <p:sp>
+        <p:nvSpPr>
+          <p:cNvPr id="8" name="TextBox 7"/>
+          <p:cNvSpPr txBox="1"/>
+          <p:nvPr/>
+        </p:nvSpPr>
+        <p:spPr>
+          <a:xfrm>
+            <a:off x="516260" y="5085184"/>
+            <a:ext cx="2776466" cy="461665"/>
+          </a:xfrm>
+          <a:prstGeom prst="rect">
+            <a:avLst/>
+          </a:prstGeom>
+          <a:noFill/>
+        </p:spPr>
+        <p:txBody>
+          <a:bodyPr wrap="none" rtlCol="0">
+            <a:spAutoFit/>
+          </a:bodyPr>
+          <a:lstStyle/>
+          <a:p>
+            <a:pPr algn="ctr"/>
+            <a:r>
+              <a:rPr lang="en-US" sz="2400" dirty="0" smtClean="0"/>
+              <a:t>Debugger \ Symbols:</a:t>
+            </a:r>
+          </a:p>
+        </p:txBody>
+      </p:sp>
+      <p:sp>
+        <p:nvSpPr>
+          <p:cNvPr id="5" name="TextBox 4"/>
+          <p:cNvSpPr txBox="1"/>
+          <p:nvPr/>
+        </p:nvSpPr>
+        <p:spPr>
+          <a:xfrm>
+            <a:off x="2483768" y="4581128"/>
+            <a:ext cx="6192593" cy="369332"/>
+          </a:xfrm>
+          <a:prstGeom prst="rect">
+            <a:avLst/>
+          </a:prstGeom>
+          <a:noFill/>
+        </p:spPr>
+        <p:txBody>
+          <a:bodyPr wrap="none" rtlCol="0">
+            <a:spAutoFit/>
+          </a:bodyPr>
+          <a:lstStyle/>
+          <a:p>
+            <a:pPr algn="ctr"/>
+            <a:r>
+              <a:rPr lang="ru-RU" dirty="0" smtClean="0"/>
+              <a:t>Добавьте адрес </a:t>
+            </a:r>
+            <a:r>
+              <a:rPr lang="en-US" dirty="0"/>
+              <a:t>http://referencesource.microsoft.com/symbols</a:t>
+            </a:r>
+            <a:endParaRPr lang="ru-RU" dirty="0" smtClean="0"/>
+          </a:p>
+        </p:txBody>
+      </p:sp>
+    </p:spTree>
+    <p:extLst>
+      <p:ext uri="{BB962C8B-B14F-4D97-AF65-F5344CB8AC3E}">
+        <p14:creationId xmlns:p14="http://schemas.microsoft.com/office/powerpoint/2010/main" val="2605966343"/>
+      </p:ext>
+    </p:extLst>
+  </p:cSld>
+  <p:clrMapOvr>
+    <a:masterClrMapping/>
+  </p:clrMapOvr>
+</p:sld>
+</file>
+
+<file path=ppt/slides/slide41.xml><?xml version="1.0" encoding="utf-8"?>
+<p:sld xmlns:a="http://schemas.openxmlformats.org/drawingml/2006/main" xmlns:r="http://schemas.openxmlformats.org/officeDocument/2006/relationships" xmlns:p="http://schemas.openxmlformats.org/presentationml/2006/main">
+  <p:cSld>
+    <p:spTree>
+      <p:nvGrpSpPr>
+        <p:cNvPr id="1" name=""/>
+        <p:cNvGrpSpPr/>
+        <p:nvPr/>
+      </p:nvGrpSpPr>
+      <p:grpSpPr>
+        <a:xfrm>
+          <a:off x="0" y="0"/>
+          <a:ext cx="0" cy="0"/>
+          <a:chOff x="0" y="0"/>
+          <a:chExt cx="0" cy="0"/>
+        </a:xfrm>
+      </p:grpSpPr>
+      <p:sp>
+        <p:nvSpPr>
+          <p:cNvPr id="2" name="Title 1"/>
+          <p:cNvSpPr>
+            <a:spLocks noGrp="1"/>
+          </p:cNvSpPr>
+          <p:nvPr>
+            <p:ph type="title"/>
+          </p:nvPr>
+        </p:nvSpPr>
         <p:spPr/>
         <p:txBody>
           <a:bodyPr/>
@@ -16769,7 +17129,7 @@
 </p:sld>
 </file>
 
-<file path=ppt/slides/slide41.xml><?xml version="1.0" encoding="utf-8"?>
+<file path=ppt/slides/slide42.xml><?xml version="1.0" encoding="utf-8"?>
 <p:sld xmlns:a="http://schemas.openxmlformats.org/drawingml/2006/main" xmlns:r="http://schemas.openxmlformats.org/officeDocument/2006/relationships" xmlns:p="http://schemas.openxmlformats.org/presentationml/2006/main">
   <p:cSld>
     <p:spTree>
@@ -17640,7 +18000,7 @@
 </p:sld>
 </file>
 
-<file path=ppt/slides/slide42.xml><?xml version="1.0" encoding="utf-8"?>
+<file path=ppt/slides/slide43.xml><?xml version="1.0" encoding="utf-8"?>
 <p:sld xmlns:a="http://schemas.openxmlformats.org/drawingml/2006/main" xmlns:r="http://schemas.openxmlformats.org/officeDocument/2006/relationships" xmlns:p="http://schemas.openxmlformats.org/presentationml/2006/main">
   <p:cSld>
     <p:spTree>
@@ -18499,7 +18859,7 @@
 </p:sld>
 </file>
 
-<file path=ppt/slides/slide43.xml><?xml version="1.0" encoding="utf-8"?>
+<file path=ppt/slides/slide44.xml><?xml version="1.0" encoding="utf-8"?>
 <p:sld xmlns:a="http://schemas.openxmlformats.org/drawingml/2006/main" xmlns:r="http://schemas.openxmlformats.org/officeDocument/2006/relationships" xmlns:p="http://schemas.openxmlformats.org/presentationml/2006/main">
   <p:cSld>
     <p:spTree>
@@ -19153,7 +19513,7 @@
 </p:sld>
 </file>
 
-<file path=ppt/slides/slide44.xml><?xml version="1.0" encoding="utf-8"?>
+<file path=ppt/slides/slide45.xml><?xml version="1.0" encoding="utf-8"?>
 <p:sld xmlns:a="http://schemas.openxmlformats.org/drawingml/2006/main" xmlns:r="http://schemas.openxmlformats.org/officeDocument/2006/relationships" xmlns:p="http://schemas.openxmlformats.org/presentationml/2006/main">
   <p:cSld>
     <p:spTree>

--- a/Presentation/lesson-07-reflection.pptx
+++ b/Presentation/lesson-07-reflection.pptx
@@ -6,7 +6,7 @@
     <p:sldMasterId id="2147483663" r:id="rId2"/>
   </p:sldMasterIdLst>
   <p:notesMasterIdLst>
-    <p:notesMasterId r:id="rId48"/>
+    <p:notesMasterId r:id="rId49"/>
   </p:notesMasterIdLst>
   <p:sldIdLst>
     <p:sldId id="257" r:id="rId3"/>
@@ -49,11 +49,12 @@
     <p:sldId id="312" r:id="rId40"/>
     <p:sldId id="311" r:id="rId41"/>
     <p:sldId id="318" r:id="rId42"/>
-    <p:sldId id="299" r:id="rId43"/>
-    <p:sldId id="263" r:id="rId44"/>
-    <p:sldId id="264" r:id="rId45"/>
-    <p:sldId id="265" r:id="rId46"/>
-    <p:sldId id="271" r:id="rId47"/>
+    <p:sldId id="319" r:id="rId43"/>
+    <p:sldId id="299" r:id="rId44"/>
+    <p:sldId id="263" r:id="rId45"/>
+    <p:sldId id="264" r:id="rId46"/>
+    <p:sldId id="265" r:id="rId47"/>
+    <p:sldId id="271" r:id="rId48"/>
   </p:sldIdLst>
   <p:sldSz cx="9144000" cy="6858000" type="screen4x3"/>
   <p:notesSz cx="6858000" cy="9144000"/>
@@ -238,7 +239,7 @@
             <a:fld id="{B24A7054-7FFB-49F4-A126-5DF6E687FF53}" type="datetimeFigureOut">
               <a:rPr lang="ru-RU" smtClean="0"/>
               <a:pPr/>
-              <a:t>13.09.2014</a:t>
+              <a:t>16.09.2014</a:t>
             </a:fld>
             <a:endParaRPr lang="ru-RU"/>
           </a:p>
@@ -1522,7 +1523,7 @@
             <a:fld id="{8E6E6A2A-E9D3-4A0D-B04A-ABDD367A1E08}" type="datetimeFigureOut">
               <a:rPr lang="ru-RU" smtClean="0"/>
               <a:pPr/>
-              <a:t>13.09.2014</a:t>
+              <a:t>16.09.2014</a:t>
             </a:fld>
             <a:endParaRPr lang="ru-RU"/>
           </a:p>
@@ -1766,7 +1767,7 @@
             <a:fld id="{8E6E6A2A-E9D3-4A0D-B04A-ABDD367A1E08}" type="datetimeFigureOut">
               <a:rPr lang="ru-RU" smtClean="0"/>
               <a:pPr/>
-              <a:t>13.09.2014</a:t>
+              <a:t>16.09.2014</a:t>
             </a:fld>
             <a:endParaRPr lang="ru-RU"/>
           </a:p>
@@ -1938,7 +1939,7 @@
             <a:fld id="{8E6E6A2A-E9D3-4A0D-B04A-ABDD367A1E08}" type="datetimeFigureOut">
               <a:rPr lang="ru-RU" smtClean="0"/>
               <a:pPr/>
-              <a:t>13.09.2014</a:t>
+              <a:t>16.09.2014</a:t>
             </a:fld>
             <a:endParaRPr lang="ru-RU"/>
           </a:p>
@@ -2186,7 +2187,7 @@
             <a:fld id="{8E6E6A2A-E9D3-4A0D-B04A-ABDD367A1E08}" type="datetimeFigureOut">
               <a:rPr lang="ru-RU" smtClean="0"/>
               <a:pPr/>
-              <a:t>13.09.2014</a:t>
+              <a:t>16.09.2014</a:t>
             </a:fld>
             <a:endParaRPr lang="ru-RU"/>
           </a:p>
@@ -2476,7 +2477,7 @@
             <a:fld id="{8E6E6A2A-E9D3-4A0D-B04A-ABDD367A1E08}" type="datetimeFigureOut">
               <a:rPr lang="ru-RU" smtClean="0"/>
               <a:pPr/>
-              <a:t>13.09.2014</a:t>
+              <a:t>16.09.2014</a:t>
             </a:fld>
             <a:endParaRPr lang="ru-RU"/>
           </a:p>
@@ -2900,7 +2901,7 @@
             <a:fld id="{8E6E6A2A-E9D3-4A0D-B04A-ABDD367A1E08}" type="datetimeFigureOut">
               <a:rPr lang="ru-RU" smtClean="0"/>
               <a:pPr/>
-              <a:t>13.09.2014</a:t>
+              <a:t>16.09.2014</a:t>
             </a:fld>
             <a:endParaRPr lang="ru-RU"/>
           </a:p>
@@ -3229,7 +3230,7 @@
             <a:fld id="{8E6E6A2A-E9D3-4A0D-B04A-ABDD367A1E08}" type="datetimeFigureOut">
               <a:rPr lang="ru-RU" smtClean="0"/>
               <a:pPr/>
-              <a:t>13.09.2014</a:t>
+              <a:t>16.09.2014</a:t>
             </a:fld>
             <a:endParaRPr lang="ru-RU"/>
           </a:p>
@@ -3326,7 +3327,7 @@
             <a:fld id="{8E6E6A2A-E9D3-4A0D-B04A-ABDD367A1E08}" type="datetimeFigureOut">
               <a:rPr lang="ru-RU" smtClean="0"/>
               <a:pPr/>
-              <a:t>13.09.2014</a:t>
+              <a:t>16.09.2014</a:t>
             </a:fld>
             <a:endParaRPr lang="ru-RU"/>
           </a:p>
@@ -3605,7 +3606,7 @@
             <a:fld id="{8E6E6A2A-E9D3-4A0D-B04A-ABDD367A1E08}" type="datetimeFigureOut">
               <a:rPr lang="ru-RU" smtClean="0"/>
               <a:pPr/>
-              <a:t>13.09.2014</a:t>
+              <a:t>16.09.2014</a:t>
             </a:fld>
             <a:endParaRPr lang="ru-RU"/>
           </a:p>
@@ -3860,7 +3861,7 @@
             <a:fld id="{8E6E6A2A-E9D3-4A0D-B04A-ABDD367A1E08}" type="datetimeFigureOut">
               <a:rPr lang="ru-RU" smtClean="0"/>
               <a:pPr/>
-              <a:t>13.09.2014</a:t>
+              <a:t>16.09.2014</a:t>
             </a:fld>
             <a:endParaRPr lang="ru-RU"/>
           </a:p>
@@ -4032,7 +4033,7 @@
             <a:fld id="{8E6E6A2A-E9D3-4A0D-B04A-ABDD367A1E08}" type="datetimeFigureOut">
               <a:rPr lang="ru-RU" smtClean="0"/>
               <a:pPr/>
-              <a:t>13.09.2014</a:t>
+              <a:t>16.09.2014</a:t>
             </a:fld>
             <a:endParaRPr lang="ru-RU"/>
           </a:p>
@@ -4214,7 +4215,7 @@
             <a:fld id="{8E6E6A2A-E9D3-4A0D-B04A-ABDD367A1E08}" type="datetimeFigureOut">
               <a:rPr lang="ru-RU" smtClean="0"/>
               <a:pPr/>
-              <a:t>13.09.2014</a:t>
+              <a:t>16.09.2014</a:t>
             </a:fld>
             <a:endParaRPr lang="ru-RU"/>
           </a:p>
@@ -5452,7 +5453,7 @@
             <a:fld id="{AC3D3127-B7C4-45E3-9797-C527EC9FDD78}" type="datetimeFigureOut">
               <a:rPr lang="ru-RU" smtClean="0"/>
               <a:pPr/>
-              <a:t>13.09.2014</a:t>
+              <a:t>16.09.2014</a:t>
             </a:fld>
             <a:endParaRPr lang="ru-RU"/>
           </a:p>
@@ -5974,7 +5975,7 @@
             <a:fld id="{8E6E6A2A-E9D3-4A0D-B04A-ABDD367A1E08}" type="datetimeFigureOut">
               <a:rPr lang="ru-RU" smtClean="0"/>
               <a:pPr/>
-              <a:t>13.09.2014</a:t>
+              <a:t>16.09.2014</a:t>
             </a:fld>
             <a:endParaRPr lang="ru-RU"/>
           </a:p>
@@ -13886,6 +13887,13 @@
   <p:clrMapOvr>
     <a:masterClrMapping/>
   </p:clrMapOvr>
+  <p:timing>
+    <p:tnLst>
+      <p:par>
+        <p:cTn id="1" dur="indefinite" restart="never" nodeType="tmRoot"/>
+      </p:par>
+    </p:tnLst>
+  </p:timing>
 </p:sld>
 </file>
 
@@ -16880,6 +16888,13 @@
   <p:clrMapOvr>
     <a:masterClrMapping/>
   </p:clrMapOvr>
+  <p:timing>
+    <p:tnLst>
+      <p:par>
+        <p:cTn id="1" dur="indefinite" restart="never" nodeType="tmRoot"/>
+      </p:par>
+    </p:tnLst>
+  </p:timing>
 </p:sld>
 </file>
 
@@ -16910,6 +16925,194 @@
             <p:ph type="title"/>
           </p:nvPr>
         </p:nvSpPr>
+        <p:spPr>
+          <a:xfrm>
+            <a:off x="457200" y="274638"/>
+            <a:ext cx="8229600" cy="706090"/>
+          </a:xfrm>
+        </p:spPr>
+        <p:txBody>
+          <a:bodyPr>
+            <a:normAutofit/>
+          </a:bodyPr>
+          <a:lstStyle/>
+          <a:p>
+            <a:r>
+              <a:rPr lang="ru-RU" sz="3200" dirty="0" smtClean="0"/>
+              <a:t>Отладка </a:t>
+            </a:r>
+            <a:r>
+              <a:rPr lang="en-US" sz="3200" dirty="0" smtClean="0"/>
+              <a:t>.NET </a:t>
+            </a:r>
+            <a:r>
+              <a:rPr lang="ru-RU" sz="3200" dirty="0" smtClean="0"/>
+              <a:t>с помощью </a:t>
+            </a:r>
+            <a:r>
+              <a:rPr lang="en-US" sz="3200" dirty="0" err="1" smtClean="0"/>
+              <a:t>dotPeek</a:t>
+            </a:r>
+            <a:r>
+              <a:rPr lang="en-US" sz="3200" dirty="0" smtClean="0"/>
+              <a:t> 1.2+</a:t>
+            </a:r>
+            <a:endParaRPr lang="ru-RU" sz="3200" dirty="0"/>
+          </a:p>
+        </p:txBody>
+      </p:sp>
+      <p:sp>
+        <p:nvSpPr>
+          <p:cNvPr id="3" name="Content Placeholder 2"/>
+          <p:cNvSpPr>
+            <a:spLocks noGrp="1"/>
+          </p:cNvSpPr>
+          <p:nvPr>
+            <p:ph idx="1"/>
+          </p:nvPr>
+        </p:nvSpPr>
+        <p:spPr>
+          <a:xfrm>
+            <a:off x="457200" y="980728"/>
+            <a:ext cx="8229600" cy="2520280"/>
+          </a:xfrm>
+        </p:spPr>
+        <p:txBody>
+          <a:bodyPr>
+            <a:noAutofit/>
+          </a:bodyPr>
+          <a:lstStyle/>
+          <a:p>
+            <a:pPr marL="0" indent="0">
+              <a:buNone/>
+            </a:pPr>
+            <a:r>
+              <a:rPr lang="ru-RU" sz="2400" dirty="0" smtClean="0"/>
+              <a:t>В </a:t>
+            </a:r>
+            <a:r>
+              <a:rPr lang="en-US" sz="2400" dirty="0" err="1" smtClean="0"/>
+              <a:t>dotPeek</a:t>
+            </a:r>
+            <a:r>
+              <a:rPr lang="en-US" sz="2400" dirty="0" smtClean="0"/>
+              <a:t> 1.2 </a:t>
+            </a:r>
+            <a:r>
+              <a:rPr lang="ru-RU" sz="2400" dirty="0" smtClean="0"/>
+              <a:t>была добавлена команда «</a:t>
+            </a:r>
+            <a:r>
+              <a:rPr lang="en-US" sz="2400" dirty="0" smtClean="0"/>
+              <a:t>Generate PDB</a:t>
+            </a:r>
+            <a:r>
+              <a:rPr lang="ru-RU" sz="2400" dirty="0" smtClean="0"/>
+              <a:t>» и поддержка </a:t>
+            </a:r>
+            <a:r>
+              <a:rPr lang="en-US" sz="2400" dirty="0" smtClean="0"/>
+              <a:t>Symbol Server. </a:t>
+            </a:r>
+            <a:r>
+              <a:rPr lang="ru-RU" sz="2400" dirty="0" smtClean="0"/>
+              <a:t>С их помощью можно отлаживать </a:t>
+            </a:r>
+            <a:r>
+              <a:rPr lang="en-US" sz="2400" dirty="0" smtClean="0"/>
+              <a:t>.NET </a:t>
+            </a:r>
+            <a:r>
+              <a:rPr lang="ru-RU" sz="2400" dirty="0" smtClean="0"/>
+              <a:t>и чужие сборки. Подробности читайте на сайте </a:t>
+            </a:r>
+            <a:r>
+              <a:rPr lang="en-US" sz="2400" dirty="0" smtClean="0"/>
+              <a:t>JetBrains:</a:t>
+            </a:r>
+            <a:endParaRPr lang="ru-RU" sz="2400" dirty="0" smtClean="0">
+              <a:hlinkClick r:id="rId2"/>
+            </a:endParaRPr>
+          </a:p>
+          <a:p>
+            <a:pPr marL="0" indent="0">
+              <a:buNone/>
+            </a:pPr>
+            <a:endParaRPr lang="en-US" sz="2400" dirty="0" smtClean="0"/>
+          </a:p>
+          <a:p>
+            <a:pPr marL="0" indent="0">
+              <a:buNone/>
+            </a:pPr>
+            <a:r>
+              <a:rPr lang="en-US" sz="2400" dirty="0" smtClean="0">
+                <a:hlinkClick r:id="rId2"/>
+              </a:rPr>
+              <a:t>http</a:t>
+            </a:r>
+            <a:r>
+              <a:rPr lang="en-US" sz="2400" dirty="0">
+                <a:hlinkClick r:id="rId2"/>
+              </a:rPr>
+              <a:t>://</a:t>
+            </a:r>
+            <a:r>
+              <a:rPr lang="en-US" sz="2400" dirty="0" smtClean="0">
+                <a:hlinkClick r:id="rId2"/>
+              </a:rPr>
+              <a:t>confluence.jetbrains.com/display/NETCOM/dotPeek+Symbol+Server+and+PDB+Generation</a:t>
+            </a:r>
+            <a:endParaRPr lang="ru-RU" sz="2400" dirty="0"/>
+          </a:p>
+        </p:txBody>
+      </p:sp>
+    </p:spTree>
+    <p:extLst>
+      <p:ext uri="{BB962C8B-B14F-4D97-AF65-F5344CB8AC3E}">
+        <p14:creationId xmlns:p14="http://schemas.microsoft.com/office/powerpoint/2010/main" val="3583458690"/>
+      </p:ext>
+    </p:extLst>
+  </p:cSld>
+  <p:clrMapOvr>
+    <a:masterClrMapping/>
+  </p:clrMapOvr>
+  <p:timing>
+    <p:tnLst>
+      <p:par>
+        <p:cTn id="1" dur="indefinite" restart="never" nodeType="tmRoot"/>
+      </p:par>
+    </p:tnLst>
+  </p:timing>
+</p:sld>
+</file>
+
+<file path=ppt/slides/slide42.xml><?xml version="1.0" encoding="utf-8"?>
+<p:sld xmlns:a="http://schemas.openxmlformats.org/drawingml/2006/main" xmlns:r="http://schemas.openxmlformats.org/officeDocument/2006/relationships" xmlns:p="http://schemas.openxmlformats.org/presentationml/2006/main">
+  <p:cSld>
+    <p:spTree>
+      <p:nvGrpSpPr>
+        <p:cNvPr id="1" name=""/>
+        <p:cNvGrpSpPr/>
+        <p:nvPr/>
+      </p:nvGrpSpPr>
+      <p:grpSpPr>
+        <a:xfrm>
+          <a:off x="0" y="0"/>
+          <a:ext cx="0" cy="0"/>
+          <a:chOff x="0" y="0"/>
+          <a:chExt cx="0" cy="0"/>
+        </a:xfrm>
+      </p:grpSpPr>
+      <p:sp>
+        <p:nvSpPr>
+          <p:cNvPr id="2" name="Title 1"/>
+          <p:cNvSpPr>
+            <a:spLocks noGrp="1"/>
+          </p:cNvSpPr>
+          <p:nvPr>
+            <p:ph type="title"/>
+          </p:nvPr>
+        </p:nvSpPr>
         <p:spPr/>
         <p:txBody>
           <a:bodyPr/>
@@ -17129,7 +17332,7 @@
 </p:sld>
 </file>
 
-<file path=ppt/slides/slide42.xml><?xml version="1.0" encoding="utf-8"?>
+<file path=ppt/slides/slide43.xml><?xml version="1.0" encoding="utf-8"?>
 <p:sld xmlns:a="http://schemas.openxmlformats.org/drawingml/2006/main" xmlns:r="http://schemas.openxmlformats.org/officeDocument/2006/relationships" xmlns:p="http://schemas.openxmlformats.org/presentationml/2006/main">
   <p:cSld>
     <p:spTree>
@@ -18000,7 +18203,7 @@
 </p:sld>
 </file>
 
-<file path=ppt/slides/slide43.xml><?xml version="1.0" encoding="utf-8"?>
+<file path=ppt/slides/slide44.xml><?xml version="1.0" encoding="utf-8"?>
 <p:sld xmlns:a="http://schemas.openxmlformats.org/drawingml/2006/main" xmlns:r="http://schemas.openxmlformats.org/officeDocument/2006/relationships" xmlns:p="http://schemas.openxmlformats.org/presentationml/2006/main">
   <p:cSld>
     <p:spTree>
@@ -18859,7 +19062,7 @@
 </p:sld>
 </file>
 
-<file path=ppt/slides/slide44.xml><?xml version="1.0" encoding="utf-8"?>
+<file path=ppt/slides/slide45.xml><?xml version="1.0" encoding="utf-8"?>
 <p:sld xmlns:a="http://schemas.openxmlformats.org/drawingml/2006/main" xmlns:r="http://schemas.openxmlformats.org/officeDocument/2006/relationships" xmlns:p="http://schemas.openxmlformats.org/presentationml/2006/main">
   <p:cSld>
     <p:spTree>
@@ -19513,7 +19716,7 @@
 </p:sld>
 </file>
 
-<file path=ppt/slides/slide45.xml><?xml version="1.0" encoding="utf-8"?>
+<file path=ppt/slides/slide46.xml><?xml version="1.0" encoding="utf-8"?>
 <p:sld xmlns:a="http://schemas.openxmlformats.org/drawingml/2006/main" xmlns:r="http://schemas.openxmlformats.org/officeDocument/2006/relationships" xmlns:p="http://schemas.openxmlformats.org/presentationml/2006/main">
   <p:cSld>
     <p:spTree>

--- a/Presentation/lesson-07-reflection.pptx
+++ b/Presentation/lesson-07-reflection.pptx
@@ -6,7 +6,7 @@
     <p:sldMasterId id="2147483663" r:id="rId2"/>
   </p:sldMasterIdLst>
   <p:notesMasterIdLst>
-    <p:notesMasterId r:id="rId49"/>
+    <p:notesMasterId r:id="rId51"/>
   </p:notesMasterIdLst>
   <p:sldIdLst>
     <p:sldId id="257" r:id="rId3"/>
@@ -22,39 +22,41 @@
     <p:sldId id="301" r:id="rId13"/>
     <p:sldId id="302" r:id="rId14"/>
     <p:sldId id="309" r:id="rId15"/>
-    <p:sldId id="303" r:id="rId16"/>
-    <p:sldId id="304" r:id="rId17"/>
-    <p:sldId id="275" r:id="rId18"/>
-    <p:sldId id="307" r:id="rId19"/>
-    <p:sldId id="308" r:id="rId20"/>
-    <p:sldId id="313" r:id="rId21"/>
-    <p:sldId id="273" r:id="rId22"/>
-    <p:sldId id="274" r:id="rId23"/>
-    <p:sldId id="276" r:id="rId24"/>
-    <p:sldId id="277" r:id="rId25"/>
-    <p:sldId id="280" r:id="rId26"/>
-    <p:sldId id="278" r:id="rId27"/>
-    <p:sldId id="279" r:id="rId28"/>
-    <p:sldId id="290" r:id="rId29"/>
-    <p:sldId id="281" r:id="rId30"/>
-    <p:sldId id="282" r:id="rId31"/>
-    <p:sldId id="292" r:id="rId32"/>
-    <p:sldId id="315" r:id="rId33"/>
-    <p:sldId id="284" r:id="rId34"/>
-    <p:sldId id="262" r:id="rId35"/>
-    <p:sldId id="261" r:id="rId36"/>
-    <p:sldId id="300" r:id="rId37"/>
-    <p:sldId id="306" r:id="rId38"/>
-    <p:sldId id="310" r:id="rId39"/>
-    <p:sldId id="312" r:id="rId40"/>
-    <p:sldId id="311" r:id="rId41"/>
-    <p:sldId id="318" r:id="rId42"/>
-    <p:sldId id="319" r:id="rId43"/>
-    <p:sldId id="299" r:id="rId44"/>
-    <p:sldId id="263" r:id="rId45"/>
-    <p:sldId id="264" r:id="rId46"/>
-    <p:sldId id="265" r:id="rId47"/>
-    <p:sldId id="271" r:id="rId48"/>
+    <p:sldId id="320" r:id="rId16"/>
+    <p:sldId id="321" r:id="rId17"/>
+    <p:sldId id="303" r:id="rId18"/>
+    <p:sldId id="304" r:id="rId19"/>
+    <p:sldId id="275" r:id="rId20"/>
+    <p:sldId id="307" r:id="rId21"/>
+    <p:sldId id="308" r:id="rId22"/>
+    <p:sldId id="313" r:id="rId23"/>
+    <p:sldId id="273" r:id="rId24"/>
+    <p:sldId id="274" r:id="rId25"/>
+    <p:sldId id="276" r:id="rId26"/>
+    <p:sldId id="277" r:id="rId27"/>
+    <p:sldId id="280" r:id="rId28"/>
+    <p:sldId id="278" r:id="rId29"/>
+    <p:sldId id="279" r:id="rId30"/>
+    <p:sldId id="290" r:id="rId31"/>
+    <p:sldId id="281" r:id="rId32"/>
+    <p:sldId id="282" r:id="rId33"/>
+    <p:sldId id="292" r:id="rId34"/>
+    <p:sldId id="315" r:id="rId35"/>
+    <p:sldId id="284" r:id="rId36"/>
+    <p:sldId id="262" r:id="rId37"/>
+    <p:sldId id="261" r:id="rId38"/>
+    <p:sldId id="300" r:id="rId39"/>
+    <p:sldId id="306" r:id="rId40"/>
+    <p:sldId id="310" r:id="rId41"/>
+    <p:sldId id="312" r:id="rId42"/>
+    <p:sldId id="311" r:id="rId43"/>
+    <p:sldId id="318" r:id="rId44"/>
+    <p:sldId id="319" r:id="rId45"/>
+    <p:sldId id="299" r:id="rId46"/>
+    <p:sldId id="263" r:id="rId47"/>
+    <p:sldId id="264" r:id="rId48"/>
+    <p:sldId id="265" r:id="rId49"/>
+    <p:sldId id="271" r:id="rId50"/>
   </p:sldIdLst>
   <p:sldSz cx="9144000" cy="6858000" type="screen4x3"/>
   <p:notesSz cx="6858000" cy="9144000"/>
@@ -239,7 +241,7 @@
             <a:fld id="{B24A7054-7FFB-49F4-A126-5DF6E687FF53}" type="datetimeFigureOut">
               <a:rPr lang="ru-RU" smtClean="0"/>
               <a:pPr/>
-              <a:t>16.09.2014</a:t>
+              <a:t>14.10.2014</a:t>
             </a:fld>
             <a:endParaRPr lang="ru-RU"/>
           </a:p>
@@ -1523,7 +1525,7 @@
             <a:fld id="{8E6E6A2A-E9D3-4A0D-B04A-ABDD367A1E08}" type="datetimeFigureOut">
               <a:rPr lang="ru-RU" smtClean="0"/>
               <a:pPr/>
-              <a:t>16.09.2014</a:t>
+              <a:t>14.10.2014</a:t>
             </a:fld>
             <a:endParaRPr lang="ru-RU"/>
           </a:p>
@@ -1767,7 +1769,7 @@
             <a:fld id="{8E6E6A2A-E9D3-4A0D-B04A-ABDD367A1E08}" type="datetimeFigureOut">
               <a:rPr lang="ru-RU" smtClean="0"/>
               <a:pPr/>
-              <a:t>16.09.2014</a:t>
+              <a:t>14.10.2014</a:t>
             </a:fld>
             <a:endParaRPr lang="ru-RU"/>
           </a:p>
@@ -1939,7 +1941,7 @@
             <a:fld id="{8E6E6A2A-E9D3-4A0D-B04A-ABDD367A1E08}" type="datetimeFigureOut">
               <a:rPr lang="ru-RU" smtClean="0"/>
               <a:pPr/>
-              <a:t>16.09.2014</a:t>
+              <a:t>14.10.2014</a:t>
             </a:fld>
             <a:endParaRPr lang="ru-RU"/>
           </a:p>
@@ -2187,7 +2189,7 @@
             <a:fld id="{8E6E6A2A-E9D3-4A0D-B04A-ABDD367A1E08}" type="datetimeFigureOut">
               <a:rPr lang="ru-RU" smtClean="0"/>
               <a:pPr/>
-              <a:t>16.09.2014</a:t>
+              <a:t>14.10.2014</a:t>
             </a:fld>
             <a:endParaRPr lang="ru-RU"/>
           </a:p>
@@ -2477,7 +2479,7 @@
             <a:fld id="{8E6E6A2A-E9D3-4A0D-B04A-ABDD367A1E08}" type="datetimeFigureOut">
               <a:rPr lang="ru-RU" smtClean="0"/>
               <a:pPr/>
-              <a:t>16.09.2014</a:t>
+              <a:t>14.10.2014</a:t>
             </a:fld>
             <a:endParaRPr lang="ru-RU"/>
           </a:p>
@@ -2901,7 +2903,7 @@
             <a:fld id="{8E6E6A2A-E9D3-4A0D-B04A-ABDD367A1E08}" type="datetimeFigureOut">
               <a:rPr lang="ru-RU" smtClean="0"/>
               <a:pPr/>
-              <a:t>16.09.2014</a:t>
+              <a:t>14.10.2014</a:t>
             </a:fld>
             <a:endParaRPr lang="ru-RU"/>
           </a:p>
@@ -3230,7 +3232,7 @@
             <a:fld id="{8E6E6A2A-E9D3-4A0D-B04A-ABDD367A1E08}" type="datetimeFigureOut">
               <a:rPr lang="ru-RU" smtClean="0"/>
               <a:pPr/>
-              <a:t>16.09.2014</a:t>
+              <a:t>14.10.2014</a:t>
             </a:fld>
             <a:endParaRPr lang="ru-RU"/>
           </a:p>
@@ -3327,7 +3329,7 @@
             <a:fld id="{8E6E6A2A-E9D3-4A0D-B04A-ABDD367A1E08}" type="datetimeFigureOut">
               <a:rPr lang="ru-RU" smtClean="0"/>
               <a:pPr/>
-              <a:t>16.09.2014</a:t>
+              <a:t>14.10.2014</a:t>
             </a:fld>
             <a:endParaRPr lang="ru-RU"/>
           </a:p>
@@ -3606,7 +3608,7 @@
             <a:fld id="{8E6E6A2A-E9D3-4A0D-B04A-ABDD367A1E08}" type="datetimeFigureOut">
               <a:rPr lang="ru-RU" smtClean="0"/>
               <a:pPr/>
-              <a:t>16.09.2014</a:t>
+              <a:t>14.10.2014</a:t>
             </a:fld>
             <a:endParaRPr lang="ru-RU"/>
           </a:p>
@@ -3861,7 +3863,7 @@
             <a:fld id="{8E6E6A2A-E9D3-4A0D-B04A-ABDD367A1E08}" type="datetimeFigureOut">
               <a:rPr lang="ru-RU" smtClean="0"/>
               <a:pPr/>
-              <a:t>16.09.2014</a:t>
+              <a:t>14.10.2014</a:t>
             </a:fld>
             <a:endParaRPr lang="ru-RU"/>
           </a:p>
@@ -4033,7 +4035,7 @@
             <a:fld id="{8E6E6A2A-E9D3-4A0D-B04A-ABDD367A1E08}" type="datetimeFigureOut">
               <a:rPr lang="ru-RU" smtClean="0"/>
               <a:pPr/>
-              <a:t>16.09.2014</a:t>
+              <a:t>14.10.2014</a:t>
             </a:fld>
             <a:endParaRPr lang="ru-RU"/>
           </a:p>
@@ -4215,7 +4217,7 @@
             <a:fld id="{8E6E6A2A-E9D3-4A0D-B04A-ABDD367A1E08}" type="datetimeFigureOut">
               <a:rPr lang="ru-RU" smtClean="0"/>
               <a:pPr/>
-              <a:t>16.09.2014</a:t>
+              <a:t>14.10.2014</a:t>
             </a:fld>
             <a:endParaRPr lang="ru-RU"/>
           </a:p>
@@ -5453,7 +5455,7 @@
             <a:fld id="{AC3D3127-B7C4-45E3-9797-C527EC9FDD78}" type="datetimeFigureOut">
               <a:rPr lang="ru-RU" smtClean="0"/>
               <a:pPr/>
-              <a:t>16.09.2014</a:t>
+              <a:t>14.10.2014</a:t>
             </a:fld>
             <a:endParaRPr lang="ru-RU"/>
           </a:p>
@@ -5975,7 +5977,7 @@
             <a:fld id="{8E6E6A2A-E9D3-4A0D-B04A-ABDD367A1E08}" type="datetimeFigureOut">
               <a:rPr lang="ru-RU" smtClean="0"/>
               <a:pPr/>
-              <a:t>16.09.2014</a:t>
+              <a:t>14.10.2014</a:t>
             </a:fld>
             <a:endParaRPr lang="ru-RU"/>
           </a:p>
@@ -8247,6 +8249,392 @@
       </p:grpSpPr>
       <p:sp>
         <p:nvSpPr>
+          <p:cNvPr id="2" name="Title 1"/>
+          <p:cNvSpPr>
+            <a:spLocks noGrp="1"/>
+          </p:cNvSpPr>
+          <p:nvPr>
+            <p:ph type="title"/>
+          </p:nvPr>
+        </p:nvSpPr>
+        <p:spPr/>
+        <p:txBody>
+          <a:bodyPr>
+            <a:normAutofit fontScale="90000"/>
+          </a:bodyPr>
+          <a:lstStyle/>
+          <a:p>
+            <a:r>
+              <a:rPr lang="ru-RU" dirty="0" smtClean="0"/>
+              <a:t>Предварительная компиляция с помощью </a:t>
+            </a:r>
+            <a:r>
+              <a:rPr lang="en-US" dirty="0" smtClean="0"/>
+              <a:t>NGEN</a:t>
+            </a:r>
+            <a:endParaRPr lang="ru-RU" dirty="0"/>
+          </a:p>
+        </p:txBody>
+      </p:sp>
+      <p:sp>
+        <p:nvSpPr>
+          <p:cNvPr id="3" name="Content Placeholder 2"/>
+          <p:cNvSpPr>
+            <a:spLocks noGrp="1"/>
+          </p:cNvSpPr>
+          <p:nvPr>
+            <p:ph idx="1"/>
+          </p:nvPr>
+        </p:nvSpPr>
+        <p:spPr/>
+        <p:txBody>
+          <a:bodyPr>
+            <a:normAutofit fontScale="92500" lnSpcReduction="20000"/>
+          </a:bodyPr>
+          <a:lstStyle/>
+          <a:p>
+            <a:pPr marL="0" indent="0">
+              <a:buNone/>
+            </a:pPr>
+            <a:r>
+              <a:rPr lang="en-US" dirty="0" smtClean="0"/>
+              <a:t>JIT </a:t>
+            </a:r>
+            <a:r>
+              <a:rPr lang="ru-RU" dirty="0" smtClean="0"/>
+              <a:t>компиляция из </a:t>
+            </a:r>
+            <a:r>
+              <a:rPr lang="en-US" dirty="0" smtClean="0"/>
+              <a:t>IL </a:t>
+            </a:r>
+            <a:r>
+              <a:rPr lang="ru-RU" dirty="0" smtClean="0"/>
+              <a:t>кода в машинный происходит прямо в памяти при каждом запуске приложения. Это может привести к замедлению работы приложения. С помощью утилиты </a:t>
+            </a:r>
+            <a:r>
+              <a:rPr lang="en-US" dirty="0" smtClean="0"/>
+              <a:t>ngen.exe </a:t>
+            </a:r>
+            <a:r>
+              <a:rPr lang="ru-RU" dirty="0" smtClean="0"/>
+              <a:t>можно выполнить полную компиляцию в машинный код. Данный процесс не меняет </a:t>
+            </a:r>
+            <a:r>
+              <a:rPr lang="en-US" dirty="0" smtClean="0"/>
+              <a:t>exe/</a:t>
+            </a:r>
+            <a:r>
+              <a:rPr lang="en-US" dirty="0" err="1" smtClean="0"/>
+              <a:t>dll</a:t>
+            </a:r>
+            <a:r>
+              <a:rPr lang="ru-RU" dirty="0" smtClean="0"/>
+              <a:t>, а создает откомпилированную копию файла где-то в системных папках.</a:t>
+            </a:r>
+          </a:p>
+          <a:p>
+            <a:pPr marL="0" indent="0">
+              <a:buNone/>
+            </a:pPr>
+            <a:endParaRPr lang="ru-RU" dirty="0"/>
+          </a:p>
+          <a:p>
+            <a:pPr marL="0" indent="0">
+              <a:buNone/>
+            </a:pPr>
+            <a:r>
+              <a:rPr lang="en-US" sz="2600" dirty="0">
+                <a:latin typeface="Consolas" panose="020B0609020204030204" pitchFamily="49" charset="0"/>
+                <a:cs typeface="Consolas" panose="020B0609020204030204" pitchFamily="49" charset="0"/>
+              </a:rPr>
+              <a:t>C:\</a:t>
+            </a:r>
+            <a:r>
+              <a:rPr lang="en-US" sz="2600" dirty="0" smtClean="0">
+                <a:latin typeface="Consolas" panose="020B0609020204030204" pitchFamily="49" charset="0"/>
+                <a:cs typeface="Consolas" panose="020B0609020204030204" pitchFamily="49" charset="0"/>
+              </a:rPr>
+              <a:t>Windows\Microsoft.NET\Framework\v4.0.30319\</a:t>
+            </a:r>
+            <a:br>
+              <a:rPr lang="en-US" sz="2600" dirty="0" smtClean="0">
+                <a:latin typeface="Consolas" panose="020B0609020204030204" pitchFamily="49" charset="0"/>
+                <a:cs typeface="Consolas" panose="020B0609020204030204" pitchFamily="49" charset="0"/>
+              </a:rPr>
+            </a:br>
+            <a:r>
+              <a:rPr lang="en-US" sz="2600" dirty="0" smtClean="0">
+                <a:latin typeface="Consolas" panose="020B0609020204030204" pitchFamily="49" charset="0"/>
+                <a:cs typeface="Consolas" panose="020B0609020204030204" pitchFamily="49" charset="0"/>
+              </a:rPr>
+              <a:t>ngen.exe install &lt;</a:t>
+            </a:r>
+            <a:r>
+              <a:rPr lang="ru-RU" sz="2600" dirty="0" smtClean="0">
+                <a:latin typeface="Consolas" panose="020B0609020204030204" pitchFamily="49" charset="0"/>
+                <a:cs typeface="Consolas" panose="020B0609020204030204" pitchFamily="49" charset="0"/>
+              </a:rPr>
+              <a:t>Путь к </a:t>
+            </a:r>
+            <a:r>
+              <a:rPr lang="en-US" sz="2600" dirty="0" smtClean="0">
+                <a:latin typeface="Consolas" panose="020B0609020204030204" pitchFamily="49" charset="0"/>
+                <a:cs typeface="Consolas" panose="020B0609020204030204" pitchFamily="49" charset="0"/>
+              </a:rPr>
+              <a:t>EXE </a:t>
+            </a:r>
+            <a:r>
+              <a:rPr lang="ru-RU" sz="2600" dirty="0" smtClean="0">
+                <a:latin typeface="Consolas" panose="020B0609020204030204" pitchFamily="49" charset="0"/>
+                <a:cs typeface="Consolas" panose="020B0609020204030204" pitchFamily="49" charset="0"/>
+              </a:rPr>
+              <a:t>или </a:t>
+            </a:r>
+            <a:r>
+              <a:rPr lang="en-US" sz="2600" dirty="0" smtClean="0">
+                <a:latin typeface="Consolas" panose="020B0609020204030204" pitchFamily="49" charset="0"/>
+                <a:cs typeface="Consolas" panose="020B0609020204030204" pitchFamily="49" charset="0"/>
+              </a:rPr>
+              <a:t>DLL&gt;</a:t>
+            </a:r>
+            <a:endParaRPr lang="ru-RU" sz="2600" dirty="0">
+              <a:latin typeface="Consolas" panose="020B0609020204030204" pitchFamily="49" charset="0"/>
+              <a:cs typeface="Consolas" panose="020B0609020204030204" pitchFamily="49" charset="0"/>
+            </a:endParaRPr>
+          </a:p>
+        </p:txBody>
+      </p:sp>
+    </p:spTree>
+    <p:extLst>
+      <p:ext uri="{BB962C8B-B14F-4D97-AF65-F5344CB8AC3E}">
+        <p14:creationId xmlns:p14="http://schemas.microsoft.com/office/powerpoint/2010/main" val="1855497704"/>
+      </p:ext>
+    </p:extLst>
+  </p:cSld>
+  <p:clrMapOvr>
+    <a:masterClrMapping/>
+  </p:clrMapOvr>
+  <p:timing>
+    <p:tnLst>
+      <p:par>
+        <p:cTn id="1" dur="indefinite" restart="never" nodeType="tmRoot"/>
+      </p:par>
+    </p:tnLst>
+  </p:timing>
+</p:sld>
+</file>
+
+<file path=ppt/slides/slide15.xml><?xml version="1.0" encoding="utf-8"?>
+<p:sld xmlns:a="http://schemas.openxmlformats.org/drawingml/2006/main" xmlns:r="http://schemas.openxmlformats.org/officeDocument/2006/relationships" xmlns:p="http://schemas.openxmlformats.org/presentationml/2006/main">
+  <p:cSld>
+    <p:spTree>
+      <p:nvGrpSpPr>
+        <p:cNvPr id="1" name=""/>
+        <p:cNvGrpSpPr/>
+        <p:nvPr/>
+      </p:nvGrpSpPr>
+      <p:grpSpPr>
+        <a:xfrm>
+          <a:off x="0" y="0"/>
+          <a:ext cx="0" cy="0"/>
+          <a:chOff x="0" y="0"/>
+          <a:chExt cx="0" cy="0"/>
+        </a:xfrm>
+      </p:grpSpPr>
+      <p:sp>
+        <p:nvSpPr>
+          <p:cNvPr id="2" name="Title 1"/>
+          <p:cNvSpPr>
+            <a:spLocks noGrp="1"/>
+          </p:cNvSpPr>
+          <p:nvPr>
+            <p:ph type="title"/>
+          </p:nvPr>
+        </p:nvSpPr>
+        <p:spPr/>
+        <p:txBody>
+          <a:bodyPr>
+            <a:normAutofit fontScale="90000"/>
+          </a:bodyPr>
+          <a:lstStyle/>
+          <a:p>
+            <a:r>
+              <a:rPr lang="ru-RU" dirty="0"/>
+              <a:t>Технология</a:t>
+            </a:r>
+            <a:r>
+              <a:rPr lang="en-US" dirty="0" smtClean="0"/>
+              <a:t> .NET Native </a:t>
+            </a:r>
+            <a:r>
+              <a:rPr lang="ru-RU" dirty="0" smtClean="0">
+                <a:solidFill>
+                  <a:srgbClr val="FFFF00"/>
+                </a:solidFill>
+              </a:rPr>
+              <a:t>(</a:t>
+            </a:r>
+            <a:r>
+              <a:rPr lang="el-GR" dirty="0" smtClean="0">
+                <a:solidFill>
+                  <a:srgbClr val="FFFF00"/>
+                </a:solidFill>
+                <a:latin typeface="Calibri"/>
+              </a:rPr>
+              <a:t>β</a:t>
+            </a:r>
+            <a:r>
+              <a:rPr lang="ru-RU" dirty="0" smtClean="0">
+                <a:solidFill>
+                  <a:srgbClr val="FFFF00"/>
+                </a:solidFill>
+                <a:latin typeface="Calibri"/>
+              </a:rPr>
+              <a:t>-версия!)</a:t>
+            </a:r>
+            <a:endParaRPr lang="ru-RU" dirty="0">
+              <a:solidFill>
+                <a:srgbClr val="FFFF00"/>
+              </a:solidFill>
+            </a:endParaRPr>
+          </a:p>
+        </p:txBody>
+      </p:sp>
+      <p:sp>
+        <p:nvSpPr>
+          <p:cNvPr id="3" name="Content Placeholder 2"/>
+          <p:cNvSpPr>
+            <a:spLocks noGrp="1"/>
+          </p:cNvSpPr>
+          <p:nvPr>
+            <p:ph idx="1"/>
+          </p:nvPr>
+        </p:nvSpPr>
+        <p:spPr/>
+        <p:txBody>
+          <a:bodyPr>
+            <a:normAutofit fontScale="92500" lnSpcReduction="20000"/>
+          </a:bodyPr>
+          <a:lstStyle/>
+          <a:p>
+            <a:pPr marL="0" indent="0">
+              <a:buNone/>
+            </a:pPr>
+            <a:r>
+              <a:rPr lang="ru-RU" dirty="0" smtClean="0"/>
+              <a:t>Технология </a:t>
+            </a:r>
+            <a:r>
+              <a:rPr lang="en-US" dirty="0" smtClean="0"/>
+              <a:t>.NET Native</a:t>
+            </a:r>
+            <a:r>
+              <a:rPr lang="ru-RU" dirty="0" smtClean="0"/>
+              <a:t> позволяет откомпилировать </a:t>
+            </a:r>
+            <a:r>
+              <a:rPr lang="en-US" dirty="0" smtClean="0"/>
+              <a:t>IL </a:t>
+            </a:r>
+            <a:r>
+              <a:rPr lang="ru-RU" dirty="0" smtClean="0"/>
+              <a:t>код в машинный с помощью </a:t>
+            </a:r>
+            <a:r>
+              <a:rPr lang="en-US" dirty="0" smtClean="0"/>
+              <a:t>C++ </a:t>
+            </a:r>
+            <a:r>
+              <a:rPr lang="ru-RU" dirty="0" smtClean="0"/>
+              <a:t>компилятора получив на выходе сильно оптимизированный </a:t>
+            </a:r>
+            <a:r>
+              <a:rPr lang="ru-RU" dirty="0"/>
+              <a:t>монолитный </a:t>
+            </a:r>
+            <a:r>
+              <a:rPr lang="ru-RU" dirty="0" smtClean="0"/>
+              <a:t>исполняемый модуль. Он будет потреблять меньше памяти и работать быстрее. Пока доступна только для </a:t>
+            </a:r>
+            <a:r>
+              <a:rPr lang="en-US" dirty="0" smtClean="0"/>
+              <a:t>Windows Store </a:t>
+            </a:r>
+            <a:r>
+              <a:rPr lang="ru-RU" dirty="0" smtClean="0"/>
+              <a:t>приложений при использовании </a:t>
+            </a:r>
+            <a:r>
+              <a:rPr lang="en-US" dirty="0" smtClean="0"/>
+              <a:t>Visual Studio 2013 Update 2.</a:t>
+            </a:r>
+          </a:p>
+          <a:p>
+            <a:pPr marL="0" indent="0">
+              <a:buNone/>
+            </a:pPr>
+            <a:endParaRPr lang="en-US" dirty="0"/>
+          </a:p>
+          <a:p>
+            <a:pPr marL="0" indent="0">
+              <a:buNone/>
+            </a:pPr>
+            <a:r>
+              <a:rPr lang="en-US" dirty="0">
+                <a:hlinkClick r:id="rId2"/>
+              </a:rPr>
+              <a:t>http://</a:t>
+            </a:r>
+            <a:r>
+              <a:rPr lang="en-US" dirty="0" smtClean="0">
+                <a:hlinkClick r:id="rId2"/>
+              </a:rPr>
+              <a:t>msdn.microsoft.com/en-us/vstudio/dotnetnative.aspx</a:t>
+            </a:r>
+            <a:endParaRPr lang="ru-RU" dirty="0"/>
+          </a:p>
+        </p:txBody>
+      </p:sp>
+    </p:spTree>
+    <p:extLst>
+      <p:ext uri="{BB962C8B-B14F-4D97-AF65-F5344CB8AC3E}">
+        <p14:creationId xmlns:p14="http://schemas.microsoft.com/office/powerpoint/2010/main" val="3570442353"/>
+      </p:ext>
+    </p:extLst>
+  </p:cSld>
+  <p:clrMapOvr>
+    <a:masterClrMapping/>
+  </p:clrMapOvr>
+  <p:timing>
+    <p:tnLst>
+      <p:par>
+        <p:cTn id="1" dur="indefinite" restart="never" nodeType="tmRoot"/>
+      </p:par>
+    </p:tnLst>
+  </p:timing>
+</p:sld>
+</file>
+
+<file path=ppt/slides/slide16.xml><?xml version="1.0" encoding="utf-8"?>
+<p:sld xmlns:a="http://schemas.openxmlformats.org/drawingml/2006/main" xmlns:r="http://schemas.openxmlformats.org/officeDocument/2006/relationships" xmlns:p="http://schemas.openxmlformats.org/presentationml/2006/main">
+  <p:cSld>
+    <p:spTree>
+      <p:nvGrpSpPr>
+        <p:cNvPr id="1" name=""/>
+        <p:cNvGrpSpPr/>
+        <p:nvPr/>
+      </p:nvGrpSpPr>
+      <p:grpSpPr>
+        <a:xfrm>
+          <a:off x="0" y="0"/>
+          <a:ext cx="0" cy="0"/>
+          <a:chOff x="0" y="0"/>
+          <a:chExt cx="0" cy="0"/>
+        </a:xfrm>
+      </p:grpSpPr>
+      <p:sp>
+        <p:nvSpPr>
           <p:cNvPr id="3" name="Rectangle 2"/>
           <p:cNvSpPr/>
           <p:nvPr/>
@@ -8334,7 +8722,7 @@
 </p:sld>
 </file>
 
-<file path=ppt/slides/slide15.xml><?xml version="1.0" encoding="utf-8"?>
+<file path=ppt/slides/slide17.xml><?xml version="1.0" encoding="utf-8"?>
 <p:sld xmlns:a="http://schemas.openxmlformats.org/drawingml/2006/main" xmlns:r="http://schemas.openxmlformats.org/officeDocument/2006/relationships" xmlns:p="http://schemas.openxmlformats.org/presentationml/2006/main">
   <p:cSld>
     <p:spTree>
@@ -8649,7 +9037,7 @@
 </p:sld>
 </file>
 
-<file path=ppt/slides/slide16.xml><?xml version="1.0" encoding="utf-8"?>
+<file path=ppt/slides/slide18.xml><?xml version="1.0" encoding="utf-8"?>
 <p:sld xmlns:a="http://schemas.openxmlformats.org/drawingml/2006/main" xmlns:r="http://schemas.openxmlformats.org/officeDocument/2006/relationships" xmlns:p="http://schemas.openxmlformats.org/presentationml/2006/main">
   <p:cSld>
     <p:spTree>
@@ -8727,7 +9115,7 @@
 </p:sld>
 </file>
 
-<file path=ppt/slides/slide17.xml><?xml version="1.0" encoding="utf-8"?>
+<file path=ppt/slides/slide19.xml><?xml version="1.0" encoding="utf-8"?>
 <p:sld xmlns:a="http://schemas.openxmlformats.org/drawingml/2006/main" xmlns:r="http://schemas.openxmlformats.org/officeDocument/2006/relationships" xmlns:p="http://schemas.openxmlformats.org/presentationml/2006/main">
   <p:cSld>
     <p:spTree>
@@ -8839,7 +9227,185 @@
 </p:sld>
 </file>
 
-<file path=ppt/slides/slide18.xml><?xml version="1.0" encoding="utf-8"?>
+<file path=ppt/slides/slide2.xml><?xml version="1.0" encoding="utf-8"?>
+<p:sld xmlns:a="http://schemas.openxmlformats.org/drawingml/2006/main" xmlns:r="http://schemas.openxmlformats.org/officeDocument/2006/relationships" xmlns:p="http://schemas.openxmlformats.org/presentationml/2006/main">
+  <p:cSld>
+    <p:spTree>
+      <p:nvGrpSpPr>
+        <p:cNvPr id="1" name=""/>
+        <p:cNvGrpSpPr/>
+        <p:nvPr/>
+      </p:nvGrpSpPr>
+      <p:grpSpPr>
+        <a:xfrm>
+          <a:off x="0" y="0"/>
+          <a:ext cx="0" cy="0"/>
+          <a:chOff x="0" y="0"/>
+          <a:chExt cx="0" cy="0"/>
+        </a:xfrm>
+      </p:grpSpPr>
+      <p:sp>
+        <p:nvSpPr>
+          <p:cNvPr id="2" name="Title 1"/>
+          <p:cNvSpPr>
+            <a:spLocks noGrp="1"/>
+          </p:cNvSpPr>
+          <p:nvPr>
+            <p:ph type="title"/>
+          </p:nvPr>
+        </p:nvSpPr>
+        <p:spPr/>
+        <p:txBody>
+          <a:bodyPr/>
+          <a:lstStyle/>
+          <a:p>
+            <a:r>
+              <a:rPr lang="ru-RU" dirty="0">
+                <a:solidFill>
+                  <a:schemeClr val="bg1"/>
+                </a:solidFill>
+              </a:rPr>
+              <a:t>Материалы для обучения</a:t>
+            </a:r>
+            <a:endParaRPr lang="en-US" dirty="0">
+              <a:solidFill>
+                <a:schemeClr val="bg1"/>
+              </a:solidFill>
+            </a:endParaRPr>
+          </a:p>
+        </p:txBody>
+      </p:sp>
+      <p:sp>
+        <p:nvSpPr>
+          <p:cNvPr id="3" name="Content Placeholder 2"/>
+          <p:cNvSpPr>
+            <a:spLocks noGrp="1"/>
+          </p:cNvSpPr>
+          <p:nvPr>
+            <p:ph idx="1"/>
+          </p:nvPr>
+        </p:nvSpPr>
+        <p:spPr/>
+        <p:txBody>
+          <a:bodyPr/>
+          <a:lstStyle/>
+          <a:p>
+            <a:r>
+              <a:rPr lang="en-US" dirty="0">
+                <a:solidFill>
+                  <a:schemeClr val="bg1"/>
+                </a:solidFill>
+                <a:hlinkClick r:id="rId2"/>
+              </a:rPr>
+              <a:t>https://</a:t>
+            </a:r>
+            <a:r>
+              <a:rPr lang="en-US" dirty="0" smtClean="0">
+                <a:solidFill>
+                  <a:schemeClr val="bg1"/>
+                </a:solidFill>
+                <a:hlinkClick r:id="rId2"/>
+              </a:rPr>
+              <a:t>github.com/bazile/Training</a:t>
+            </a:r>
+            <a:r>
+              <a:rPr lang="en-US" dirty="0" smtClean="0">
+                <a:solidFill>
+                  <a:schemeClr val="bg1"/>
+                </a:solidFill>
+              </a:rPr>
+              <a:t/>
+            </a:r>
+            <a:br>
+              <a:rPr lang="en-US" dirty="0" smtClean="0">
+                <a:solidFill>
+                  <a:schemeClr val="bg1"/>
+                </a:solidFill>
+              </a:rPr>
+            </a:br>
+            <a:r>
+              <a:rPr lang="ru-RU" dirty="0" smtClean="0">
+                <a:solidFill>
+                  <a:schemeClr val="bg1"/>
+                </a:solidFill>
+              </a:rPr>
+              <a:t>Презентации и примеры кода используемые во время занятия</a:t>
+            </a:r>
+          </a:p>
+          <a:p>
+            <a:endParaRPr lang="ru-RU" dirty="0" smtClean="0">
+              <a:solidFill>
+                <a:schemeClr val="bg1"/>
+              </a:solidFill>
+            </a:endParaRPr>
+          </a:p>
+          <a:p>
+            <a:r>
+              <a:rPr lang="en-US" dirty="0">
+                <a:solidFill>
+                  <a:schemeClr val="bg1"/>
+                </a:solidFill>
+                <a:hlinkClick r:id="rId3"/>
+              </a:rPr>
+              <a:t>http://belhard.nullptr.ru</a:t>
+            </a:r>
+            <a:r>
+              <a:rPr lang="en-US" dirty="0" smtClean="0">
+                <a:solidFill>
+                  <a:schemeClr val="bg1"/>
+                </a:solidFill>
+                <a:hlinkClick r:id="rId3"/>
+              </a:rPr>
+              <a:t>/</a:t>
+            </a:r>
+            <a:r>
+              <a:rPr lang="ru-RU" dirty="0" smtClean="0">
+                <a:solidFill>
+                  <a:schemeClr val="bg1"/>
+                </a:solidFill>
+              </a:rPr>
+              <a:t/>
+            </a:r>
+            <a:br>
+              <a:rPr lang="ru-RU" dirty="0" smtClean="0">
+                <a:solidFill>
+                  <a:schemeClr val="bg1"/>
+                </a:solidFill>
+              </a:rPr>
+            </a:br>
+            <a:r>
+              <a:rPr lang="ru-RU" dirty="0" smtClean="0">
+                <a:solidFill>
+                  <a:schemeClr val="bg1"/>
+                </a:solidFill>
+              </a:rPr>
+              <a:t>Книги, примеры к ним и другие полезные файлы.</a:t>
+            </a:r>
+            <a:endParaRPr lang="ru-RU" dirty="0">
+              <a:solidFill>
+                <a:schemeClr val="bg1"/>
+              </a:solidFill>
+            </a:endParaRPr>
+          </a:p>
+          <a:p>
+            <a:endParaRPr lang="en-US" dirty="0"/>
+          </a:p>
+        </p:txBody>
+      </p:sp>
+    </p:spTree>
+    <p:extLst>
+      <p:ext uri="{BB962C8B-B14F-4D97-AF65-F5344CB8AC3E}">
+        <p14:creationId xmlns:p14="http://schemas.microsoft.com/office/powerpoint/2010/main" val="239018590"/>
+      </p:ext>
+    </p:extLst>
+  </p:cSld>
+  <p:clrMapOvr>
+    <a:masterClrMapping/>
+  </p:clrMapOvr>
+</p:sld>
+</file>
+
+<file path=ppt/slides/slide20.xml><?xml version="1.0" encoding="utf-8"?>
 <p:sld xmlns:a="http://schemas.openxmlformats.org/drawingml/2006/main" xmlns:r="http://schemas.openxmlformats.org/officeDocument/2006/relationships" xmlns:p="http://schemas.openxmlformats.org/presentationml/2006/main">
   <p:cSld>
     <p:spTree>
@@ -8964,7 +9530,7 @@
 </p:sld>
 </file>
 
-<file path=ppt/slides/slide19.xml><?xml version="1.0" encoding="utf-8"?>
+<file path=ppt/slides/slide21.xml><?xml version="1.0" encoding="utf-8"?>
 <p:sld xmlns:a="http://schemas.openxmlformats.org/drawingml/2006/main" xmlns:r="http://schemas.openxmlformats.org/officeDocument/2006/relationships" xmlns:p="http://schemas.openxmlformats.org/presentationml/2006/main">
   <p:cSld>
     <p:spTree>
@@ -10136,401 +10702,6 @@
 </p:sld>
 </file>
 
-<file path=ppt/slides/slide2.xml><?xml version="1.0" encoding="utf-8"?>
-<p:sld xmlns:a="http://schemas.openxmlformats.org/drawingml/2006/main" xmlns:r="http://schemas.openxmlformats.org/officeDocument/2006/relationships" xmlns:p="http://schemas.openxmlformats.org/presentationml/2006/main">
-  <p:cSld>
-    <p:spTree>
-      <p:nvGrpSpPr>
-        <p:cNvPr id="1" name=""/>
-        <p:cNvGrpSpPr/>
-        <p:nvPr/>
-      </p:nvGrpSpPr>
-      <p:grpSpPr>
-        <a:xfrm>
-          <a:off x="0" y="0"/>
-          <a:ext cx="0" cy="0"/>
-          <a:chOff x="0" y="0"/>
-          <a:chExt cx="0" cy="0"/>
-        </a:xfrm>
-      </p:grpSpPr>
-      <p:sp>
-        <p:nvSpPr>
-          <p:cNvPr id="2" name="Title 1"/>
-          <p:cNvSpPr>
-            <a:spLocks noGrp="1"/>
-          </p:cNvSpPr>
-          <p:nvPr>
-            <p:ph type="title"/>
-          </p:nvPr>
-        </p:nvSpPr>
-        <p:spPr/>
-        <p:txBody>
-          <a:bodyPr/>
-          <a:lstStyle/>
-          <a:p>
-            <a:r>
-              <a:rPr lang="ru-RU" dirty="0">
-                <a:solidFill>
-                  <a:schemeClr val="bg1"/>
-                </a:solidFill>
-              </a:rPr>
-              <a:t>Материалы для обучения</a:t>
-            </a:r>
-            <a:endParaRPr lang="en-US" dirty="0">
-              <a:solidFill>
-                <a:schemeClr val="bg1"/>
-              </a:solidFill>
-            </a:endParaRPr>
-          </a:p>
-        </p:txBody>
-      </p:sp>
-      <p:sp>
-        <p:nvSpPr>
-          <p:cNvPr id="3" name="Content Placeholder 2"/>
-          <p:cNvSpPr>
-            <a:spLocks noGrp="1"/>
-          </p:cNvSpPr>
-          <p:nvPr>
-            <p:ph idx="1"/>
-          </p:nvPr>
-        </p:nvSpPr>
-        <p:spPr/>
-        <p:txBody>
-          <a:bodyPr/>
-          <a:lstStyle/>
-          <a:p>
-            <a:r>
-              <a:rPr lang="en-US" dirty="0">
-                <a:solidFill>
-                  <a:schemeClr val="bg1"/>
-                </a:solidFill>
-                <a:hlinkClick r:id="rId2"/>
-              </a:rPr>
-              <a:t>https://</a:t>
-            </a:r>
-            <a:r>
-              <a:rPr lang="en-US" dirty="0" smtClean="0">
-                <a:solidFill>
-                  <a:schemeClr val="bg1"/>
-                </a:solidFill>
-                <a:hlinkClick r:id="rId2"/>
-              </a:rPr>
-              <a:t>github.com/bazile/Training</a:t>
-            </a:r>
-            <a:r>
-              <a:rPr lang="en-US" dirty="0" smtClean="0">
-                <a:solidFill>
-                  <a:schemeClr val="bg1"/>
-                </a:solidFill>
-              </a:rPr>
-              <a:t/>
-            </a:r>
-            <a:br>
-              <a:rPr lang="en-US" dirty="0" smtClean="0">
-                <a:solidFill>
-                  <a:schemeClr val="bg1"/>
-                </a:solidFill>
-              </a:rPr>
-            </a:br>
-            <a:r>
-              <a:rPr lang="ru-RU" dirty="0" smtClean="0">
-                <a:solidFill>
-                  <a:schemeClr val="bg1"/>
-                </a:solidFill>
-              </a:rPr>
-              <a:t>Презентации и примеры кода используемые во время занятия</a:t>
-            </a:r>
-          </a:p>
-          <a:p>
-            <a:endParaRPr lang="ru-RU" dirty="0" smtClean="0">
-              <a:solidFill>
-                <a:schemeClr val="bg1"/>
-              </a:solidFill>
-            </a:endParaRPr>
-          </a:p>
-          <a:p>
-            <a:r>
-              <a:rPr lang="en-US" dirty="0">
-                <a:solidFill>
-                  <a:schemeClr val="bg1"/>
-                </a:solidFill>
-                <a:hlinkClick r:id="rId3"/>
-              </a:rPr>
-              <a:t>http://belhard.nullptr.ru</a:t>
-            </a:r>
-            <a:r>
-              <a:rPr lang="en-US" dirty="0" smtClean="0">
-                <a:solidFill>
-                  <a:schemeClr val="bg1"/>
-                </a:solidFill>
-                <a:hlinkClick r:id="rId3"/>
-              </a:rPr>
-              <a:t>/</a:t>
-            </a:r>
-            <a:r>
-              <a:rPr lang="ru-RU" dirty="0" smtClean="0">
-                <a:solidFill>
-                  <a:schemeClr val="bg1"/>
-                </a:solidFill>
-              </a:rPr>
-              <a:t/>
-            </a:r>
-            <a:br>
-              <a:rPr lang="ru-RU" dirty="0" smtClean="0">
-                <a:solidFill>
-                  <a:schemeClr val="bg1"/>
-                </a:solidFill>
-              </a:rPr>
-            </a:br>
-            <a:r>
-              <a:rPr lang="ru-RU" dirty="0" smtClean="0">
-                <a:solidFill>
-                  <a:schemeClr val="bg1"/>
-                </a:solidFill>
-              </a:rPr>
-              <a:t>Книги, примеры к ним и другие полезные файлы.</a:t>
-            </a:r>
-            <a:endParaRPr lang="ru-RU" dirty="0">
-              <a:solidFill>
-                <a:schemeClr val="bg1"/>
-              </a:solidFill>
-            </a:endParaRPr>
-          </a:p>
-          <a:p>
-            <a:endParaRPr lang="en-US" dirty="0"/>
-          </a:p>
-        </p:txBody>
-      </p:sp>
-    </p:spTree>
-    <p:extLst>
-      <p:ext uri="{BB962C8B-B14F-4D97-AF65-F5344CB8AC3E}">
-        <p14:creationId xmlns:p14="http://schemas.microsoft.com/office/powerpoint/2010/main" val="239018590"/>
-      </p:ext>
-    </p:extLst>
-  </p:cSld>
-  <p:clrMapOvr>
-    <a:masterClrMapping/>
-  </p:clrMapOvr>
-</p:sld>
-</file>
-
-<file path=ppt/slides/slide20.xml><?xml version="1.0" encoding="utf-8"?>
-<p:sld xmlns:a="http://schemas.openxmlformats.org/drawingml/2006/main" xmlns:r="http://schemas.openxmlformats.org/officeDocument/2006/relationships" xmlns:p="http://schemas.openxmlformats.org/presentationml/2006/main">
-  <p:cSld>
-    <p:spTree>
-      <p:nvGrpSpPr>
-        <p:cNvPr id="1" name=""/>
-        <p:cNvGrpSpPr/>
-        <p:nvPr/>
-      </p:nvGrpSpPr>
-      <p:grpSpPr>
-        <a:xfrm>
-          <a:off x="0" y="0"/>
-          <a:ext cx="0" cy="0"/>
-          <a:chOff x="0" y="0"/>
-          <a:chExt cx="0" cy="0"/>
-        </a:xfrm>
-      </p:grpSpPr>
-      <p:sp>
-        <p:nvSpPr>
-          <p:cNvPr id="2" name="Title 1"/>
-          <p:cNvSpPr>
-            <a:spLocks noGrp="1"/>
-          </p:cNvSpPr>
-          <p:nvPr>
-            <p:ph type="title"/>
-          </p:nvPr>
-        </p:nvSpPr>
-        <p:spPr/>
-        <p:txBody>
-          <a:bodyPr/>
-          <a:lstStyle/>
-          <a:p>
-            <a:r>
-              <a:rPr lang="ru-RU" dirty="0" smtClean="0"/>
-              <a:t>Многофайловые сборки</a:t>
-            </a:r>
-            <a:endParaRPr lang="ru-RU" dirty="0"/>
-          </a:p>
-        </p:txBody>
-      </p:sp>
-      <p:sp>
-        <p:nvSpPr>
-          <p:cNvPr id="3" name="Content Placeholder 2"/>
-          <p:cNvSpPr>
-            <a:spLocks noGrp="1"/>
-          </p:cNvSpPr>
-          <p:nvPr>
-            <p:ph idx="1"/>
-          </p:nvPr>
-        </p:nvSpPr>
-        <p:spPr/>
-        <p:txBody>
-          <a:bodyPr>
-            <a:normAutofit/>
-          </a:bodyPr>
-          <a:lstStyle/>
-          <a:p>
-            <a:r>
-              <a:rPr lang="ru-RU" dirty="0" smtClean="0"/>
-              <a:t>Позволяют распределять </a:t>
-            </a:r>
-            <a:r>
-              <a:rPr lang="ru-RU" dirty="0"/>
-              <a:t>типы по разным </a:t>
-            </a:r>
-            <a:r>
-              <a:rPr lang="ru-RU" dirty="0" smtClean="0"/>
-              <a:t>файлам</a:t>
-            </a:r>
-          </a:p>
-          <a:p>
-            <a:r>
-              <a:rPr lang="ru-RU" dirty="0"/>
-              <a:t>Позволяют д</a:t>
-            </a:r>
-            <a:r>
-              <a:rPr lang="ru-RU" dirty="0" smtClean="0"/>
-              <a:t>обавлять </a:t>
-            </a:r>
-            <a:r>
-              <a:rPr lang="ru-RU" dirty="0"/>
-              <a:t>к сборке файлы с ресурсами и </a:t>
-            </a:r>
-            <a:r>
-              <a:rPr lang="ru-RU" dirty="0" smtClean="0"/>
-              <a:t>данными</a:t>
-            </a:r>
-          </a:p>
-          <a:p>
-            <a:r>
-              <a:rPr lang="ru-RU" dirty="0"/>
-              <a:t>Позволяют с</a:t>
-            </a:r>
-            <a:r>
-              <a:rPr lang="ru-RU" dirty="0" smtClean="0"/>
-              <a:t>оздавать </a:t>
-            </a:r>
-            <a:r>
-              <a:rPr lang="ru-RU" dirty="0"/>
-              <a:t>сборки, состоящие из типов, написанных на разных языках </a:t>
-            </a:r>
-            <a:r>
-              <a:rPr lang="en-US" dirty="0" smtClean="0"/>
-              <a:t>	</a:t>
-            </a:r>
-            <a:r>
-              <a:rPr lang="ru-RU" dirty="0" smtClean="0"/>
-              <a:t>программирования</a:t>
-            </a:r>
-          </a:p>
-          <a:p>
-            <a:r>
-              <a:rPr lang="ru-RU" dirty="0" smtClean="0"/>
-              <a:t>Создаются с помощью утилиты </a:t>
-            </a:r>
-            <a:r>
-              <a:rPr lang="en-US" dirty="0" smtClean="0"/>
-              <a:t>AL.exe</a:t>
-            </a:r>
-            <a:endParaRPr lang="ru-RU" dirty="0"/>
-          </a:p>
-        </p:txBody>
-      </p:sp>
-    </p:spTree>
-    <p:extLst>
-      <p:ext uri="{BB962C8B-B14F-4D97-AF65-F5344CB8AC3E}">
-        <p14:creationId xmlns:p14="http://schemas.microsoft.com/office/powerpoint/2010/main" val="2692656914"/>
-      </p:ext>
-    </p:extLst>
-  </p:cSld>
-  <p:clrMapOvr>
-    <a:masterClrMapping/>
-  </p:clrMapOvr>
-  <p:timing>
-    <p:tnLst>
-      <p:par>
-        <p:cTn id="1" dur="indefinite" restart="never" nodeType="tmRoot"/>
-      </p:par>
-    </p:tnLst>
-  </p:timing>
-</p:sld>
-</file>
-
-<file path=ppt/slides/slide21.xml><?xml version="1.0" encoding="utf-8"?>
-<p:sld xmlns:a="http://schemas.openxmlformats.org/drawingml/2006/main" xmlns:r="http://schemas.openxmlformats.org/officeDocument/2006/relationships" xmlns:p="http://schemas.openxmlformats.org/presentationml/2006/main">
-  <p:cSld>
-    <p:spTree>
-      <p:nvGrpSpPr>
-        <p:cNvPr id="1" name=""/>
-        <p:cNvGrpSpPr/>
-        <p:nvPr/>
-      </p:nvGrpSpPr>
-      <p:grpSpPr>
-        <a:xfrm>
-          <a:off x="0" y="0"/>
-          <a:ext cx="0" cy="0"/>
-          <a:chOff x="0" y="0"/>
-          <a:chExt cx="0" cy="0"/>
-        </a:xfrm>
-      </p:grpSpPr>
-      <p:sp>
-        <p:nvSpPr>
-          <p:cNvPr id="2" name="Title 1"/>
-          <p:cNvSpPr>
-            <a:spLocks noGrp="1"/>
-          </p:cNvSpPr>
-          <p:nvPr>
-            <p:ph type="title"/>
-          </p:nvPr>
-        </p:nvSpPr>
-        <p:spPr>
-          <a:xfrm>
-            <a:off x="457200" y="2857500"/>
-            <a:ext cx="8229600" cy="1143000"/>
-          </a:xfrm>
-        </p:spPr>
-        <p:txBody>
-          <a:bodyPr>
-            <a:normAutofit fontScale="90000"/>
-          </a:bodyPr>
-          <a:lstStyle/>
-          <a:p>
-            <a:r>
-              <a:rPr lang="ru-RU" dirty="0" smtClean="0"/>
-              <a:t>Многофайловые сборки</a:t>
-            </a:r>
-            <a:br>
-              <a:rPr lang="ru-RU" dirty="0" smtClean="0"/>
-            </a:br>
-            <a:r>
-              <a:rPr lang="ru-RU" dirty="0" smtClean="0"/>
-              <a:t>Демонстрация</a:t>
-            </a:r>
-            <a:endParaRPr lang="ru-RU" dirty="0"/>
-          </a:p>
-        </p:txBody>
-      </p:sp>
-    </p:spTree>
-    <p:extLst>
-      <p:ext uri="{BB962C8B-B14F-4D97-AF65-F5344CB8AC3E}">
-        <p14:creationId xmlns:p14="http://schemas.microsoft.com/office/powerpoint/2010/main" val="278552390"/>
-      </p:ext>
-    </p:extLst>
-  </p:cSld>
-  <p:clrMapOvr>
-    <a:masterClrMapping/>
-  </p:clrMapOvr>
-  <p:timing>
-    <p:tnLst>
-      <p:par>
-        <p:cTn id="1" dur="indefinite" restart="never" nodeType="tmRoot"/>
-      </p:par>
-    </p:tnLst>
-  </p:timing>
-</p:sld>
-</file>
-
 <file path=ppt/slides/slide22.xml><?xml version="1.0" encoding="utf-8"?>
 <p:sld xmlns:a="http://schemas.openxmlformats.org/drawingml/2006/main" xmlns:r="http://schemas.openxmlformats.org/officeDocument/2006/relationships" xmlns:p="http://schemas.openxmlformats.org/presentationml/2006/main">
   <p:cSld>
@@ -10564,9 +10735,10 @@
           <a:lstStyle/>
           <a:p>
             <a:r>
-              <a:rPr lang="ru-RU" dirty="0"/>
-              <a:t>Добавление сборок к проекту</a:t>
-            </a:r>
+              <a:rPr lang="ru-RU" dirty="0" smtClean="0"/>
+              <a:t>Многофайловые сборки</a:t>
+            </a:r>
+            <a:endParaRPr lang="ru-RU" dirty="0"/>
           </a:p>
         </p:txBody>
       </p:sp>
@@ -10582,74 +10754,72 @@
         </p:nvSpPr>
         <p:spPr/>
         <p:txBody>
-          <a:bodyPr/>
+          <a:bodyPr>
+            <a:normAutofit/>
+          </a:bodyPr>
           <a:lstStyle/>
           <a:p>
             <a:r>
               <a:rPr lang="ru-RU" dirty="0" smtClean="0"/>
-              <a:t>Из меню </a:t>
+              <a:t>Позволяют распределять </a:t>
+            </a:r>
+            <a:r>
+              <a:rPr lang="ru-RU" dirty="0"/>
+              <a:t>типы по разным </a:t>
+            </a:r>
+            <a:r>
+              <a:rPr lang="ru-RU" dirty="0" smtClean="0"/>
+              <a:t>файлам</a:t>
+            </a:r>
+          </a:p>
+          <a:p>
+            <a:r>
+              <a:rPr lang="ru-RU" dirty="0"/>
+              <a:t>Позволяют д</a:t>
+            </a:r>
+            <a:r>
+              <a:rPr lang="ru-RU" dirty="0" smtClean="0"/>
+              <a:t>обавлять </a:t>
+            </a:r>
+            <a:r>
+              <a:rPr lang="ru-RU" dirty="0"/>
+              <a:t>к сборке файлы с ресурсами и </a:t>
+            </a:r>
+            <a:r>
+              <a:rPr lang="ru-RU" dirty="0" smtClean="0"/>
+              <a:t>данными</a:t>
+            </a:r>
+          </a:p>
+          <a:p>
+            <a:r>
+              <a:rPr lang="ru-RU" dirty="0"/>
+              <a:t>Позволяют с</a:t>
+            </a:r>
+            <a:r>
+              <a:rPr lang="ru-RU" dirty="0" smtClean="0"/>
+              <a:t>оздавать </a:t>
+            </a:r>
+            <a:r>
+              <a:rPr lang="ru-RU" dirty="0"/>
+              <a:t>сборки, состоящие из типов, написанных на разных языках </a:t>
             </a:r>
             <a:r>
               <a:rPr lang="en-US" dirty="0" smtClean="0"/>
-              <a:t>Project -&gt; Add Reference</a:t>
+              <a:t>	</a:t>
             </a:r>
             <a:r>
               <a:rPr lang="ru-RU" dirty="0" smtClean="0"/>
-              <a:t> ...</a:t>
-            </a:r>
-            <a:endParaRPr lang="en-US" dirty="0" smtClean="0"/>
+              <a:t>программирования</a:t>
+            </a:r>
           </a:p>
           <a:p>
             <a:r>
               <a:rPr lang="ru-RU" dirty="0" smtClean="0"/>
-              <a:t>В </a:t>
+              <a:t>Создаются с помощью утилиты </a:t>
             </a:r>
             <a:r>
               <a:rPr lang="en-US" dirty="0" smtClean="0"/>
-              <a:t>Solution Explorer, </a:t>
-            </a:r>
-            <a:r>
-              <a:rPr lang="ru-RU" dirty="0" smtClean="0"/>
-              <a:t>найти узел </a:t>
-            </a:r>
-            <a:r>
-              <a:rPr lang="en-US" dirty="0" smtClean="0"/>
-              <a:t>References </a:t>
-            </a:r>
-            <a:r>
-              <a:rPr lang="ru-RU" dirty="0" smtClean="0"/>
-              <a:t>нужного проекта</a:t>
-            </a:r>
-            <a:r>
-              <a:rPr lang="en-US" dirty="0" smtClean="0"/>
-              <a:t>,</a:t>
-            </a:r>
-            <a:r>
-              <a:rPr lang="ru-RU" dirty="0" smtClean="0"/>
-              <a:t> вызвать контестное меню и выбрать </a:t>
-            </a:r>
-            <a:r>
-              <a:rPr lang="en-US" dirty="0"/>
-              <a:t>Add Reference</a:t>
-            </a:r>
-            <a:r>
-              <a:rPr lang="ru-RU" dirty="0"/>
-              <a:t> </a:t>
-            </a:r>
-            <a:r>
-              <a:rPr lang="ru-RU" dirty="0" smtClean="0"/>
-              <a:t>...</a:t>
-            </a:r>
-            <a:endParaRPr lang="en-US" dirty="0" smtClean="0"/>
-          </a:p>
-          <a:p>
-            <a:r>
-              <a:rPr lang="ru-RU" dirty="0" smtClean="0"/>
-              <a:t>С помощью </a:t>
-            </a:r>
-            <a:r>
-              <a:rPr lang="en-US" dirty="0" err="1" smtClean="0"/>
-              <a:t>NuGet</a:t>
+              <a:t>AL.exe</a:t>
             </a:r>
             <a:endParaRPr lang="ru-RU" dirty="0"/>
           </a:p>
@@ -10658,7 +10828,7 @@
     </p:spTree>
     <p:extLst>
       <p:ext uri="{BB962C8B-B14F-4D97-AF65-F5344CB8AC3E}">
-        <p14:creationId xmlns:p14="http://schemas.microsoft.com/office/powerpoint/2010/main" val="210700532"/>
+        <p14:creationId xmlns:p14="http://schemas.microsoft.com/office/powerpoint/2010/main" val="2692656914"/>
       </p:ext>
     </p:extLst>
   </p:cSld>
@@ -10702,93 +10872,28 @@
             <p:ph type="title"/>
           </p:nvPr>
         </p:nvSpPr>
-        <p:spPr/>
+        <p:spPr>
+          <a:xfrm>
+            <a:off x="457200" y="2857500"/>
+            <a:ext cx="8229600" cy="1143000"/>
+          </a:xfrm>
+        </p:spPr>
         <p:txBody>
           <a:bodyPr>
-            <a:normAutofit/>
+            <a:normAutofit fontScale="90000"/>
           </a:bodyPr>
           <a:lstStyle/>
           <a:p>
             <a:r>
               <a:rPr lang="ru-RU" dirty="0" smtClean="0"/>
-              <a:t>Номер версии сборки</a:t>
-            </a:r>
-            <a:endParaRPr lang="ru-RU" dirty="0"/>
-          </a:p>
-        </p:txBody>
-      </p:sp>
-      <p:sp>
-        <p:nvSpPr>
-          <p:cNvPr id="3" name="Content Placeholder 2"/>
-          <p:cNvSpPr>
-            <a:spLocks noGrp="1"/>
-          </p:cNvSpPr>
-          <p:nvPr>
-            <p:ph idx="1"/>
-          </p:nvPr>
-        </p:nvSpPr>
-        <p:spPr/>
-        <p:txBody>
-          <a:bodyPr/>
-          <a:lstStyle/>
-          <a:p>
-            <a:r>
-              <a:rPr lang="en-US" dirty="0" smtClean="0"/>
-              <a:t>[assembly: </a:t>
-            </a:r>
-            <a:r>
-              <a:rPr lang="en-US" dirty="0" err="1" smtClean="0"/>
-              <a:t>AssemblyVersion</a:t>
-            </a:r>
-            <a:r>
-              <a:rPr lang="en-US" dirty="0" smtClean="0"/>
-              <a:t>(“1.2.3.4”)]</a:t>
-            </a:r>
-          </a:p>
-          <a:p>
-            <a:r>
-              <a:rPr lang="en-US" dirty="0" err="1" smtClean="0"/>
-              <a:t>major.minor.build.revision</a:t>
-            </a:r>
-            <a:endParaRPr lang="ru-RU" dirty="0" smtClean="0"/>
-          </a:p>
-          <a:p>
-            <a:pPr lvl="1"/>
-            <a:r>
+              <a:t>Многофайловые сборки</a:t>
+            </a:r>
+            <a:br>
               <a:rPr lang="ru-RU" dirty="0" smtClean="0"/>
-              <a:t>Старший номер</a:t>
-            </a:r>
-          </a:p>
-          <a:p>
-            <a:pPr lvl="1"/>
+            </a:br>
             <a:r>
               <a:rPr lang="ru-RU" dirty="0" smtClean="0"/>
-              <a:t>Младший номер</a:t>
-            </a:r>
-          </a:p>
-          <a:p>
-            <a:pPr lvl="1"/>
-            <a:r>
-              <a:rPr lang="ru-RU" dirty="0" smtClean="0"/>
-              <a:t>Номер билда</a:t>
-            </a:r>
-          </a:p>
-          <a:p>
-            <a:pPr lvl="1"/>
-            <a:r>
-              <a:rPr lang="ru-RU" dirty="0" smtClean="0"/>
-              <a:t>Номер ревизии</a:t>
-            </a:r>
-            <a:endParaRPr lang="en-US" dirty="0" smtClean="0"/>
-          </a:p>
-          <a:p>
-            <a:r>
-              <a:rPr lang="ru-RU" dirty="0" smtClean="0"/>
-              <a:t>Задается в </a:t>
-            </a:r>
-            <a:r>
-              <a:rPr lang="en-US" dirty="0" err="1" smtClean="0"/>
-              <a:t>AssemblyInfo.cs</a:t>
+              <a:t>Демонстрация</a:t>
             </a:r>
             <a:endParaRPr lang="ru-RU" dirty="0"/>
           </a:p>
@@ -10797,7 +10902,7 @@
     </p:spTree>
     <p:extLst>
       <p:ext uri="{BB962C8B-B14F-4D97-AF65-F5344CB8AC3E}">
-        <p14:creationId xmlns:p14="http://schemas.microsoft.com/office/powerpoint/2010/main" val="746042412"/>
+        <p14:creationId xmlns:p14="http://schemas.microsoft.com/office/powerpoint/2010/main" val="278552390"/>
       </p:ext>
     </p:extLst>
   </p:cSld>
@@ -10847,10 +10952,9 @@
           <a:lstStyle/>
           <a:p>
             <a:r>
-              <a:rPr lang="ru-RU" dirty="0" smtClean="0"/>
-              <a:t>Типы развертывания</a:t>
-            </a:r>
-            <a:endParaRPr lang="ru-RU" dirty="0"/>
+              <a:rPr lang="ru-RU" dirty="0"/>
+              <a:t>Добавление сборок к проекту</a:t>
+            </a:r>
           </a:p>
         </p:txBody>
       </p:sp>
@@ -10871,13 +10975,69 @@
           <a:p>
             <a:r>
               <a:rPr lang="ru-RU" dirty="0" smtClean="0"/>
-              <a:t>Закрытое</a:t>
-            </a:r>
-          </a:p>
-          <a:p>
+              <a:t>Из меню </a:t>
+            </a:r>
+            <a:r>
+              <a:rPr lang="en-US" dirty="0" smtClean="0"/>
+              <a:t>Project -&gt; Add Reference</a:t>
+            </a:r>
             <a:r>
               <a:rPr lang="ru-RU" dirty="0" smtClean="0"/>
-              <a:t>Совместное</a:t>
+              <a:t> ...</a:t>
+            </a:r>
+            <a:endParaRPr lang="en-US" dirty="0" smtClean="0"/>
+          </a:p>
+          <a:p>
+            <a:r>
+              <a:rPr lang="ru-RU" dirty="0" smtClean="0"/>
+              <a:t>В </a:t>
+            </a:r>
+            <a:r>
+              <a:rPr lang="en-US" dirty="0" smtClean="0"/>
+              <a:t>Solution Explorer, </a:t>
+            </a:r>
+            <a:r>
+              <a:rPr lang="ru-RU" dirty="0" smtClean="0"/>
+              <a:t>найти узел </a:t>
+            </a:r>
+            <a:r>
+              <a:rPr lang="en-US" dirty="0" smtClean="0"/>
+              <a:t>References </a:t>
+            </a:r>
+            <a:r>
+              <a:rPr lang="ru-RU" dirty="0" smtClean="0"/>
+              <a:t>нужного проекта</a:t>
+            </a:r>
+            <a:r>
+              <a:rPr lang="en-US" dirty="0" smtClean="0"/>
+              <a:t>,</a:t>
+            </a:r>
+            <a:r>
+              <a:rPr lang="ru-RU" dirty="0" smtClean="0"/>
+              <a:t> вызвать контестное меню и выбрать </a:t>
+            </a:r>
+            <a:r>
+              <a:rPr lang="en-US" dirty="0"/>
+              <a:t>Add Reference</a:t>
+            </a:r>
+            <a:r>
+              <a:rPr lang="ru-RU" dirty="0"/>
+              <a:t> </a:t>
+            </a:r>
+            <a:r>
+              <a:rPr lang="ru-RU" dirty="0" smtClean="0"/>
+              <a:t>...</a:t>
+            </a:r>
+            <a:endParaRPr lang="en-US" dirty="0" smtClean="0"/>
+          </a:p>
+          <a:p>
+            <a:r>
+              <a:rPr lang="ru-RU" dirty="0" smtClean="0"/>
+              <a:t>С помощью </a:t>
+            </a:r>
+            <a:r>
+              <a:rPr lang="en-US" dirty="0" err="1" smtClean="0"/>
+              <a:t>NuGet</a:t>
             </a:r>
             <a:endParaRPr lang="ru-RU" dirty="0"/>
           </a:p>
@@ -10886,7 +11046,7 @@
     </p:spTree>
     <p:extLst>
       <p:ext uri="{BB962C8B-B14F-4D97-AF65-F5344CB8AC3E}">
-        <p14:creationId xmlns:p14="http://schemas.microsoft.com/office/powerpoint/2010/main" val="3786467353"/>
+        <p14:creationId xmlns:p14="http://schemas.microsoft.com/office/powerpoint/2010/main" val="210700532"/>
       </p:ext>
     </p:extLst>
   </p:cSld>
@@ -10933,24 +11093,13 @@
         <p:spPr/>
         <p:txBody>
           <a:bodyPr>
-            <a:normAutofit fontScale="90000"/>
+            <a:normAutofit/>
           </a:bodyPr>
           <a:lstStyle/>
           <a:p>
             <a:r>
-              <a:rPr lang="ru-RU" dirty="0"/>
-              <a:t>Поиск </a:t>
-            </a:r>
-            <a:r>
               <a:rPr lang="ru-RU" dirty="0" smtClean="0"/>
-              <a:t>сборки</a:t>
-            </a:r>
-            <a:br>
-              <a:rPr lang="ru-RU" dirty="0" smtClean="0"/>
-            </a:br>
-            <a:r>
-              <a:rPr lang="ru-RU" dirty="0" smtClean="0"/>
-              <a:t>Закрытое развертывание</a:t>
+              <a:t>Номер версии сборки</a:t>
             </a:r>
             <a:endParaRPr lang="ru-RU" dirty="0"/>
           </a:p>
@@ -10968,260 +11117,67 @@
         </p:nvSpPr>
         <p:spPr/>
         <p:txBody>
-          <a:bodyPr>
-            <a:normAutofit fontScale="70000" lnSpcReduction="20000"/>
-          </a:bodyPr>
+          <a:bodyPr/>
           <a:lstStyle/>
           <a:p>
             <a:r>
+              <a:rPr lang="en-US" dirty="0" smtClean="0"/>
+              <a:t>[assembly: </a:t>
+            </a:r>
+            <a:r>
               <a:rPr lang="en-US" dirty="0" err="1" smtClean="0"/>
-              <a:t>AppBase</a:t>
+              <a:t>AssemblyVersion</a:t>
             </a:r>
             <a:r>
               <a:rPr lang="en-US" dirty="0" smtClean="0"/>
-              <a:t>\AsmName.dll</a:t>
+              <a:t>(“1.2.3.4”)]</a:t>
             </a:r>
           </a:p>
           <a:p>
             <a:r>
               <a:rPr lang="en-US" dirty="0" err="1" smtClean="0"/>
-              <a:t>AppBase</a:t>
-            </a:r>
-            <a:r>
-              <a:rPr lang="en-US" dirty="0" smtClean="0"/>
-              <a:t>\</a:t>
+              <a:t>major.minor.build.revision</a:t>
+            </a:r>
+            <a:endParaRPr lang="ru-RU" dirty="0" smtClean="0"/>
+          </a:p>
+          <a:p>
+            <a:pPr lvl="1"/>
+            <a:r>
+              <a:rPr lang="ru-RU" dirty="0" smtClean="0"/>
+              <a:t>Старший номер</a:t>
+            </a:r>
+          </a:p>
+          <a:p>
+            <a:pPr lvl="1"/>
+            <a:r>
+              <a:rPr lang="ru-RU" dirty="0" smtClean="0"/>
+              <a:t>Младший номер</a:t>
+            </a:r>
+          </a:p>
+          <a:p>
+            <a:pPr lvl="1"/>
+            <a:r>
+              <a:rPr lang="ru-RU" dirty="0" smtClean="0"/>
+              <a:t>Номер билда</a:t>
+            </a:r>
+          </a:p>
+          <a:p>
+            <a:pPr lvl="1"/>
+            <a:r>
+              <a:rPr lang="ru-RU" dirty="0" smtClean="0"/>
+              <a:t>Номер ревизии</a:t>
+            </a:r>
+            <a:endParaRPr lang="en-US" dirty="0" smtClean="0"/>
+          </a:p>
+          <a:p>
+            <a:r>
+              <a:rPr lang="ru-RU" dirty="0" smtClean="0"/>
+              <a:t>Задается в </a:t>
             </a:r>
             <a:r>
               <a:rPr lang="en-US" dirty="0" err="1" smtClean="0"/>
-              <a:t>AsmName</a:t>
-            </a:r>
-            <a:r>
-              <a:rPr lang="en-US" dirty="0" smtClean="0"/>
-              <a:t>\AsmName.dll</a:t>
-            </a:r>
-            <a:endParaRPr lang="en-US" dirty="0"/>
-          </a:p>
-          <a:p>
-            <a:r>
-              <a:rPr lang="en-US" dirty="0" err="1" smtClean="0"/>
-              <a:t>AppBase</a:t>
-            </a:r>
-            <a:r>
-              <a:rPr lang="en-US" dirty="0" smtClean="0"/>
-              <a:t>\privatePath1\</a:t>
-            </a:r>
-            <a:r>
-              <a:rPr lang="en-US" dirty="0" err="1" smtClean="0"/>
-              <a:t>AsmName</a:t>
-            </a:r>
-            <a:r>
-              <a:rPr lang="en-US" dirty="0" smtClean="0"/>
-              <a:t>. </a:t>
-            </a:r>
-            <a:r>
-              <a:rPr lang="en-US" dirty="0" err="1"/>
-              <a:t>dll</a:t>
-            </a:r>
-            <a:endParaRPr lang="en-US" dirty="0"/>
-          </a:p>
-          <a:p>
-            <a:r>
-              <a:rPr lang="en-US" dirty="0" err="1" smtClean="0"/>
-              <a:t>AppBase</a:t>
-            </a:r>
-            <a:r>
-              <a:rPr lang="en-US" dirty="0" smtClean="0"/>
-              <a:t>\privatePath1\</a:t>
-            </a:r>
-            <a:r>
-              <a:rPr lang="en-US" dirty="0" err="1" smtClean="0"/>
-              <a:t>AsmName</a:t>
-            </a:r>
-            <a:r>
-              <a:rPr lang="en-US" dirty="0" smtClean="0"/>
-              <a:t>\AsmName.dll</a:t>
-            </a:r>
-            <a:endParaRPr lang="en-US" dirty="0"/>
-          </a:p>
-          <a:p>
-            <a:r>
-              <a:rPr lang="en-US" dirty="0" err="1" smtClean="0"/>
-              <a:t>AppBase</a:t>
-            </a:r>
-            <a:r>
-              <a:rPr lang="en-US" dirty="0" smtClean="0"/>
-              <a:t>\privatePath2\AsmName.dll</a:t>
-            </a:r>
-            <a:endParaRPr lang="en-US" dirty="0"/>
-          </a:p>
-          <a:p>
-            <a:r>
-              <a:rPr lang="en-US" dirty="0" err="1" smtClean="0"/>
-              <a:t>AppBase</a:t>
-            </a:r>
-            <a:r>
-              <a:rPr lang="en-US" dirty="0" smtClean="0"/>
-              <a:t>\privatePath2\</a:t>
-            </a:r>
-            <a:r>
-              <a:rPr lang="en-US" dirty="0" err="1" smtClean="0"/>
-              <a:t>AsmName</a:t>
-            </a:r>
-            <a:r>
-              <a:rPr lang="en-US" dirty="0" smtClean="0"/>
-              <a:t>\AsmName.dll</a:t>
-            </a:r>
-          </a:p>
-          <a:p>
-            <a:endParaRPr lang="en-US" dirty="0" smtClean="0"/>
-          </a:p>
-          <a:p>
-            <a:r>
-              <a:rPr lang="en-US" dirty="0" err="1" smtClean="0"/>
-              <a:t>AppBase</a:t>
-            </a:r>
-            <a:r>
-              <a:rPr lang="en-US" dirty="0" smtClean="0"/>
-              <a:t>\en-US\AsmName.dll</a:t>
-            </a:r>
-            <a:endParaRPr lang="en-US" dirty="0"/>
-          </a:p>
-          <a:p>
-            <a:r>
-              <a:rPr lang="en-US" dirty="0" err="1" smtClean="0"/>
-              <a:t>AppBase</a:t>
-            </a:r>
-            <a:r>
-              <a:rPr lang="en-US" dirty="0" smtClean="0"/>
-              <a:t>\</a:t>
-            </a:r>
-            <a:r>
-              <a:rPr lang="en-US" dirty="0"/>
-              <a:t>en-US\</a:t>
-            </a:r>
-            <a:r>
-              <a:rPr lang="en-US" dirty="0" err="1" smtClean="0"/>
-              <a:t>AsmName</a:t>
-            </a:r>
-            <a:r>
-              <a:rPr lang="en-US" dirty="0" smtClean="0"/>
-              <a:t>\AsmName.dll</a:t>
-            </a:r>
-            <a:endParaRPr lang="en-US" dirty="0"/>
-          </a:p>
-          <a:p>
-            <a:r>
-              <a:rPr lang="en-US" dirty="0" err="1" smtClean="0"/>
-              <a:t>AppBase</a:t>
-            </a:r>
-            <a:r>
-              <a:rPr lang="en-US" dirty="0" smtClean="0"/>
-              <a:t>\</a:t>
-            </a:r>
-            <a:r>
-              <a:rPr lang="en-US" dirty="0"/>
-              <a:t>en-US\</a:t>
-            </a:r>
-            <a:r>
-              <a:rPr lang="en-US" dirty="0" smtClean="0"/>
-              <a:t>privatePath1\</a:t>
-            </a:r>
-            <a:r>
-              <a:rPr lang="en-US" dirty="0" err="1" smtClean="0"/>
-              <a:t>AsmName</a:t>
-            </a:r>
-            <a:r>
-              <a:rPr lang="en-US" dirty="0"/>
-              <a:t>. </a:t>
-            </a:r>
-            <a:r>
-              <a:rPr lang="en-US" dirty="0" err="1"/>
-              <a:t>dll</a:t>
-            </a:r>
-            <a:endParaRPr lang="en-US" dirty="0"/>
-          </a:p>
-          <a:p>
-            <a:r>
-              <a:rPr lang="en-US" dirty="0" err="1" smtClean="0"/>
-              <a:t>AppBase</a:t>
-            </a:r>
-            <a:r>
-              <a:rPr lang="en-US" dirty="0" smtClean="0"/>
-              <a:t>\</a:t>
-            </a:r>
-            <a:r>
-              <a:rPr lang="en-US" dirty="0"/>
-              <a:t>en-US\</a:t>
-            </a:r>
-            <a:r>
-              <a:rPr lang="en-US" dirty="0" smtClean="0"/>
-              <a:t>privatePath1\</a:t>
-            </a:r>
-            <a:r>
-              <a:rPr lang="en-US" dirty="0" err="1" smtClean="0"/>
-              <a:t>AsmName</a:t>
-            </a:r>
-            <a:r>
-              <a:rPr lang="en-US" dirty="0" smtClean="0"/>
-              <a:t>\AsmName.dll</a:t>
-            </a:r>
-            <a:endParaRPr lang="en-US" dirty="0"/>
-          </a:p>
-          <a:p>
-            <a:r>
-              <a:rPr lang="en-US" dirty="0" err="1" smtClean="0"/>
-              <a:t>AppBase</a:t>
-            </a:r>
-            <a:r>
-              <a:rPr lang="en-US" dirty="0" smtClean="0"/>
-              <a:t>\</a:t>
-            </a:r>
-            <a:r>
-              <a:rPr lang="en-US" dirty="0"/>
-              <a:t>en-US\</a:t>
-            </a:r>
-            <a:r>
-              <a:rPr lang="en-US" dirty="0" smtClean="0"/>
-              <a:t>privatePath2\AsmName.dll</a:t>
-            </a:r>
-            <a:endParaRPr lang="en-US" dirty="0"/>
-          </a:p>
-          <a:p>
-            <a:r>
-              <a:rPr lang="en-US" dirty="0" err="1" smtClean="0"/>
-              <a:t>AppBase</a:t>
-            </a:r>
-            <a:r>
-              <a:rPr lang="en-US" dirty="0" smtClean="0"/>
-              <a:t>\</a:t>
-            </a:r>
-            <a:r>
-              <a:rPr lang="en-US" dirty="0"/>
-              <a:t>en-US\</a:t>
-            </a:r>
-            <a:r>
-              <a:rPr lang="en-US" dirty="0" smtClean="0"/>
-              <a:t>privatePath2\</a:t>
-            </a:r>
-            <a:r>
-              <a:rPr lang="en-US" dirty="0" err="1" smtClean="0"/>
-              <a:t>AsmName</a:t>
-            </a:r>
-            <a:r>
-              <a:rPr lang="en-US" dirty="0" smtClean="0"/>
-              <a:t>\</a:t>
-            </a:r>
-            <a:r>
-              <a:rPr lang="en-US" dirty="0" err="1" smtClean="0"/>
-              <a:t>AsmName</a:t>
-            </a:r>
-            <a:r>
-              <a:rPr lang="en-US" dirty="0"/>
-              <a:t>.</a:t>
-            </a:r>
-            <a:endParaRPr lang="en-US" dirty="0" smtClean="0"/>
-          </a:p>
-          <a:p>
+              <a:t>AssemblyInfo.cs</a:t>
+            </a:r>
             <a:endParaRPr lang="ru-RU" dirty="0"/>
           </a:p>
         </p:txBody>
@@ -11229,7 +11185,7 @@
     </p:spTree>
     <p:extLst>
       <p:ext uri="{BB962C8B-B14F-4D97-AF65-F5344CB8AC3E}">
-        <p14:creationId xmlns:p14="http://schemas.microsoft.com/office/powerpoint/2010/main" val="426700887"/>
+        <p14:creationId xmlns:p14="http://schemas.microsoft.com/office/powerpoint/2010/main" val="746042412"/>
       </p:ext>
     </p:extLst>
   </p:cSld>
@@ -11279,8 +11235,8 @@
           <a:lstStyle/>
           <a:p>
             <a:r>
-              <a:rPr lang="en-US" dirty="0" err="1" smtClean="0"/>
-              <a:t>App.config</a:t>
+              <a:rPr lang="ru-RU" dirty="0" smtClean="0"/>
+              <a:t>Типы развертывания</a:t>
             </a:r>
             <a:endParaRPr lang="ru-RU" dirty="0"/>
           </a:p>
@@ -11296,320 +11252,29 @@
             <p:ph idx="1"/>
           </p:nvPr>
         </p:nvSpPr>
-        <p:spPr>
-          <a:xfrm>
-            <a:off x="457200" y="1600201"/>
-            <a:ext cx="8229600" cy="2332856"/>
-          </a:xfrm>
-        </p:spPr>
+        <p:spPr/>
         <p:txBody>
-          <a:bodyPr>
-            <a:normAutofit/>
-          </a:bodyPr>
+          <a:bodyPr/>
           <a:lstStyle/>
           <a:p>
-            <a:pPr marL="0" indent="0">
-              <a:buNone/>
-            </a:pPr>
-            <a:r>
-              <a:rPr lang="en-US" sz="1400" dirty="0">
-                <a:latin typeface="Courier New" pitchFamily="49" charset="0"/>
-                <a:cs typeface="Courier New" pitchFamily="49" charset="0"/>
-              </a:rPr>
-              <a:t>&lt;?xml version="1.0"?&gt;</a:t>
-            </a:r>
-          </a:p>
-          <a:p>
-            <a:pPr marL="0" indent="0">
-              <a:buNone/>
-            </a:pPr>
-            <a:r>
-              <a:rPr lang="en-US" sz="1400" dirty="0" smtClean="0">
-                <a:latin typeface="Courier New" pitchFamily="49" charset="0"/>
-                <a:cs typeface="Courier New" pitchFamily="49" charset="0"/>
-              </a:rPr>
-              <a:t>&lt;</a:t>
-            </a:r>
-            <a:r>
-              <a:rPr lang="en-US" sz="1400" dirty="0">
-                <a:latin typeface="Courier New" pitchFamily="49" charset="0"/>
-                <a:cs typeface="Courier New" pitchFamily="49" charset="0"/>
-              </a:rPr>
-              <a:t>configuration&gt;</a:t>
-            </a:r>
-          </a:p>
-          <a:p>
-            <a:pPr marL="0" indent="0">
-              <a:buNone/>
-            </a:pPr>
-            <a:r>
-              <a:rPr lang="en-US" sz="1400" dirty="0" smtClean="0">
-                <a:latin typeface="Courier New" pitchFamily="49" charset="0"/>
-                <a:cs typeface="Courier New" pitchFamily="49" charset="0"/>
-              </a:rPr>
-              <a:t>    &lt;</a:t>
-            </a:r>
-            <a:r>
-              <a:rPr lang="en-US" sz="1400" dirty="0">
-                <a:latin typeface="Courier New" pitchFamily="49" charset="0"/>
-                <a:cs typeface="Courier New" pitchFamily="49" charset="0"/>
-              </a:rPr>
-              <a:t>runtime&gt;</a:t>
-            </a:r>
-          </a:p>
-          <a:p>
-            <a:pPr marL="0" indent="0">
-              <a:buNone/>
-            </a:pPr>
-            <a:r>
-              <a:rPr lang="en-US" sz="1400" dirty="0" smtClean="0">
-                <a:latin typeface="Courier New" pitchFamily="49" charset="0"/>
-                <a:cs typeface="Courier New" pitchFamily="49" charset="0"/>
-              </a:rPr>
-              <a:t>        &lt;</a:t>
-            </a:r>
-            <a:r>
-              <a:rPr lang="en-US" sz="1400" dirty="0" err="1">
-                <a:latin typeface="Courier New" pitchFamily="49" charset="0"/>
-                <a:cs typeface="Courier New" pitchFamily="49" charset="0"/>
-              </a:rPr>
-              <a:t>assemblyBinding</a:t>
-            </a:r>
-            <a:r>
-              <a:rPr lang="en-US" sz="1400" dirty="0">
-                <a:latin typeface="Courier New" pitchFamily="49" charset="0"/>
-                <a:cs typeface="Courier New" pitchFamily="49" charset="0"/>
-              </a:rPr>
-              <a:t> </a:t>
-            </a:r>
-            <a:r>
-              <a:rPr lang="en-US" sz="1400" dirty="0" err="1">
-                <a:latin typeface="Courier New" pitchFamily="49" charset="0"/>
-                <a:cs typeface="Courier New" pitchFamily="49" charset="0"/>
-              </a:rPr>
-              <a:t>xmlns</a:t>
-            </a:r>
-            <a:r>
-              <a:rPr lang="en-US" sz="1400" dirty="0">
-                <a:latin typeface="Courier New" pitchFamily="49" charset="0"/>
-                <a:cs typeface="Courier New" pitchFamily="49" charset="0"/>
-              </a:rPr>
-              <a:t>="urn:schemas-microsoft-com:asm.v1"&gt;</a:t>
-            </a:r>
-          </a:p>
-          <a:p>
-            <a:pPr marL="0" indent="0">
-              <a:buNone/>
-            </a:pPr>
-            <a:r>
-              <a:rPr lang="en-US" sz="1400" dirty="0" smtClean="0">
-                <a:latin typeface="Courier New" pitchFamily="49" charset="0"/>
-                <a:cs typeface="Courier New" pitchFamily="49" charset="0"/>
-              </a:rPr>
-              <a:t>            </a:t>
-            </a:r>
-            <a:r>
-              <a:rPr lang="en-US" sz="1600" dirty="0" smtClean="0">
-                <a:solidFill>
-                  <a:srgbClr val="92D050"/>
-                </a:solidFill>
-                <a:latin typeface="Courier New" pitchFamily="49" charset="0"/>
-                <a:cs typeface="Courier New" pitchFamily="49" charset="0"/>
-              </a:rPr>
-              <a:t>&lt;</a:t>
-            </a:r>
-            <a:r>
-              <a:rPr lang="en-US" sz="1600" dirty="0">
-                <a:solidFill>
-                  <a:srgbClr val="92D050"/>
-                </a:solidFill>
-                <a:latin typeface="Courier New" pitchFamily="49" charset="0"/>
-                <a:cs typeface="Courier New" pitchFamily="49" charset="0"/>
-              </a:rPr>
-              <a:t>probing </a:t>
-            </a:r>
-            <a:r>
-              <a:rPr lang="en-US" sz="1600" dirty="0" err="1">
-                <a:solidFill>
-                  <a:srgbClr val="92D050"/>
-                </a:solidFill>
-                <a:latin typeface="Courier New" pitchFamily="49" charset="0"/>
-                <a:cs typeface="Courier New" pitchFamily="49" charset="0"/>
-              </a:rPr>
-              <a:t>privatePath</a:t>
-            </a:r>
-            <a:r>
-              <a:rPr lang="en-US" sz="1600" dirty="0">
-                <a:solidFill>
-                  <a:srgbClr val="92D050"/>
-                </a:solidFill>
-                <a:latin typeface="Courier New" pitchFamily="49" charset="0"/>
-                <a:cs typeface="Courier New" pitchFamily="49" charset="0"/>
-              </a:rPr>
-              <a:t>="privatePath1;privatePath2"/&gt;</a:t>
-            </a:r>
-          </a:p>
-          <a:p>
-            <a:pPr marL="0" indent="0">
-              <a:buNone/>
-            </a:pPr>
-            <a:r>
-              <a:rPr lang="en-US" sz="1400" dirty="0" smtClean="0">
-                <a:latin typeface="Courier New" pitchFamily="49" charset="0"/>
-                <a:cs typeface="Courier New" pitchFamily="49" charset="0"/>
-              </a:rPr>
-              <a:t>        &lt;/</a:t>
-            </a:r>
-            <a:r>
-              <a:rPr lang="en-US" sz="1400" dirty="0" err="1">
-                <a:latin typeface="Courier New" pitchFamily="49" charset="0"/>
-                <a:cs typeface="Courier New" pitchFamily="49" charset="0"/>
-              </a:rPr>
-              <a:t>assemblyBinding</a:t>
-            </a:r>
-            <a:r>
-              <a:rPr lang="en-US" sz="1400" dirty="0">
-                <a:latin typeface="Courier New" pitchFamily="49" charset="0"/>
-                <a:cs typeface="Courier New" pitchFamily="49" charset="0"/>
-              </a:rPr>
-              <a:t>&gt;</a:t>
-            </a:r>
-          </a:p>
-          <a:p>
-            <a:pPr marL="0" indent="0">
-              <a:buNone/>
-            </a:pPr>
-            <a:r>
-              <a:rPr lang="en-US" sz="1400" dirty="0" smtClean="0">
-                <a:latin typeface="Courier New" pitchFamily="49" charset="0"/>
-                <a:cs typeface="Courier New" pitchFamily="49" charset="0"/>
-              </a:rPr>
-              <a:t>    &lt;/</a:t>
-            </a:r>
-            <a:r>
-              <a:rPr lang="en-US" sz="1400" dirty="0">
-                <a:latin typeface="Courier New" pitchFamily="49" charset="0"/>
-                <a:cs typeface="Courier New" pitchFamily="49" charset="0"/>
-              </a:rPr>
-              <a:t>runtime&gt;</a:t>
-            </a:r>
-          </a:p>
-          <a:p>
-            <a:pPr marL="0" indent="0">
-              <a:buNone/>
-            </a:pPr>
-            <a:r>
-              <a:rPr lang="en-US" sz="1400" dirty="0">
-                <a:latin typeface="Courier New" pitchFamily="49" charset="0"/>
-                <a:cs typeface="Courier New" pitchFamily="49" charset="0"/>
-              </a:rPr>
-              <a:t>&lt;/configuration&gt;</a:t>
-            </a:r>
-          </a:p>
-          <a:p>
-            <a:pPr marL="0" indent="0">
-              <a:buNone/>
-            </a:pPr>
-            <a:endParaRPr lang="ru-RU" sz="1400" dirty="0"/>
-          </a:p>
-        </p:txBody>
-      </p:sp>
-      <p:sp>
-        <p:nvSpPr>
-          <p:cNvPr id="4" name="Title 1"/>
-          <p:cNvSpPr txBox="1">
-            <a:spLocks/>
-          </p:cNvSpPr>
-          <p:nvPr/>
-        </p:nvSpPr>
-        <p:spPr>
-          <a:xfrm>
-            <a:off x="457200" y="3798168"/>
-            <a:ext cx="8229600" cy="1143000"/>
-          </a:xfrm>
-          <a:prstGeom prst="rect">
-            <a:avLst/>
-          </a:prstGeom>
-        </p:spPr>
-        <p:txBody>
-          <a:bodyPr vert="horz" lIns="91440" tIns="45720" rIns="91440" bIns="45720" rtlCol="0" anchor="ctr">
-            <a:normAutofit/>
-          </a:bodyPr>
-          <a:lstStyle>
-            <a:lvl1pPr algn="ctr" defTabSz="914400" rtl="0" eaLnBrk="1" latinLnBrk="0" hangingPunct="1">
-              <a:spcBef>
-                <a:spcPct val="0"/>
-              </a:spcBef>
-              <a:buNone/>
-              <a:defRPr sz="4400" kern="1200">
-                <a:solidFill>
-                  <a:schemeClr val="tx1"/>
-                </a:solidFill>
-                <a:latin typeface="+mj-lt"/>
-                <a:ea typeface="+mj-ea"/>
-                <a:cs typeface="+mj-cs"/>
-              </a:defRPr>
-            </a:lvl1pPr>
-          </a:lstStyle>
-          <a:p>
-            <a:r>
-              <a:rPr lang="en-US" dirty="0" err="1" smtClean="0"/>
-              <a:t>Machine.config</a:t>
+            <a:r>
+              <a:rPr lang="ru-RU" dirty="0" smtClean="0"/>
+              <a:t>Закрытое</a:t>
+            </a:r>
+          </a:p>
+          <a:p>
+            <a:r>
+              <a:rPr lang="ru-RU" dirty="0" smtClean="0"/>
+              <a:t>Совместное</a:t>
             </a:r>
             <a:endParaRPr lang="ru-RU" dirty="0"/>
-          </a:p>
-        </p:txBody>
-      </p:sp>
-      <p:sp>
-        <p:nvSpPr>
-          <p:cNvPr id="5" name="TextBox 4"/>
-          <p:cNvSpPr txBox="1"/>
-          <p:nvPr/>
-        </p:nvSpPr>
-        <p:spPr>
-          <a:xfrm>
-            <a:off x="457200" y="5085184"/>
-            <a:ext cx="8229600" cy="523220"/>
-          </a:xfrm>
-          <a:prstGeom prst="rect">
-            <a:avLst/>
-          </a:prstGeom>
-          <a:noFill/>
-        </p:spPr>
-        <p:txBody>
-          <a:bodyPr wrap="square" rtlCol="0">
-            <a:spAutoFit/>
-          </a:bodyPr>
-          <a:lstStyle/>
-          <a:p>
-            <a:r>
-              <a:rPr lang="ru-RU" sz="2800" dirty="0" smtClean="0"/>
-              <a:t>%</a:t>
-            </a:r>
-            <a:r>
-              <a:rPr lang="en-US" sz="2800" dirty="0" err="1" smtClean="0"/>
-              <a:t>windir</a:t>
-            </a:r>
-            <a:r>
-              <a:rPr lang="en-US" sz="2800" dirty="0" smtClean="0"/>
-              <a:t>%\Microsoft.NET\Framework\</a:t>
-            </a:r>
-            <a:r>
-              <a:rPr lang="en-US" sz="2800" dirty="0" err="1" smtClean="0"/>
-              <a:t>x.y.z</a:t>
-            </a:r>
-            <a:r>
-              <a:rPr lang="en-US" sz="2800" dirty="0" smtClean="0"/>
-              <a:t>\CONFIG</a:t>
-            </a:r>
-            <a:endParaRPr lang="ru-RU" sz="2800" dirty="0" smtClean="0"/>
           </a:p>
         </p:txBody>
       </p:sp>
     </p:spTree>
     <p:extLst>
       <p:ext uri="{BB962C8B-B14F-4D97-AF65-F5344CB8AC3E}">
-        <p14:creationId xmlns:p14="http://schemas.microsoft.com/office/powerpoint/2010/main" val="4163857979"/>
+        <p14:creationId xmlns:p14="http://schemas.microsoft.com/office/powerpoint/2010/main" val="3786467353"/>
       </p:ext>
     </p:extLst>
   </p:cSld>
@@ -11661,8 +11326,19 @@
           <a:lstStyle/>
           <a:p>
             <a:r>
-              <a:rPr lang="en-US" dirty="0"/>
-              <a:t>Fuslogvw.exe (Assembly Binding Log Viewer)</a:t>
+              <a:rPr lang="ru-RU" dirty="0"/>
+              <a:t>Поиск </a:t>
+            </a:r>
+            <a:r>
+              <a:rPr lang="ru-RU" dirty="0" smtClean="0"/>
+              <a:t>сборки</a:t>
+            </a:r>
+            <a:br>
+              <a:rPr lang="ru-RU" dirty="0" smtClean="0"/>
+            </a:br>
+            <a:r>
+              <a:rPr lang="ru-RU" dirty="0" smtClean="0"/>
+              <a:t>Закрытое развертывание</a:t>
             </a:r>
             <a:endParaRPr lang="ru-RU" dirty="0"/>
           </a:p>
@@ -11681,99 +11357,259 @@
         <p:spPr/>
         <p:txBody>
           <a:bodyPr>
-            <a:normAutofit fontScale="92500" lnSpcReduction="20000"/>
+            <a:normAutofit fontScale="70000" lnSpcReduction="20000"/>
           </a:bodyPr>
           <a:lstStyle/>
           <a:p>
-            <a:pPr marL="0" indent="0">
-              <a:buNone/>
-            </a:pPr>
-            <a:r>
-              <a:rPr lang="ru-RU" dirty="0" smtClean="0"/>
-              <a:t>Диагностика проблем с загрузкой сборок. </a:t>
-            </a:r>
-            <a:r>
-              <a:rPr lang="ru-RU" smtClean="0"/>
-              <a:t>Является частью </a:t>
+            <a:r>
+              <a:rPr lang="en-US" dirty="0" err="1" smtClean="0"/>
+              <a:t>AppBase</a:t>
             </a:r>
             <a:r>
               <a:rPr lang="en-US" dirty="0" smtClean="0"/>
-              <a:t>Windows SDK</a:t>
-            </a:r>
-            <a:r>
-              <a:rPr lang="ru-RU" dirty="0" smtClean="0"/>
+              <a:t>\AsmName.dll</a:t>
+            </a:r>
+          </a:p>
+          <a:p>
+            <a:r>
+              <a:rPr lang="en-US" dirty="0" err="1" smtClean="0"/>
+              <a:t>AppBase</a:t>
+            </a:r>
+            <a:r>
+              <a:rPr lang="en-US" dirty="0" smtClean="0"/>
+              <a:t>\</a:t>
+            </a:r>
+            <a:r>
+              <a:rPr lang="en-US" dirty="0" err="1" smtClean="0"/>
+              <a:t>AsmName</a:t>
+            </a:r>
+            <a:r>
+              <a:rPr lang="en-US" dirty="0" smtClean="0"/>
+              <a:t>\AsmName.dll</a:t>
+            </a:r>
+            <a:endParaRPr lang="en-US" dirty="0"/>
+          </a:p>
+          <a:p>
+            <a:r>
+              <a:rPr lang="en-US" dirty="0" err="1" smtClean="0"/>
+              <a:t>AppBase</a:t>
+            </a:r>
+            <a:r>
+              <a:rPr lang="en-US" dirty="0" smtClean="0"/>
+              <a:t>\privatePath1\</a:t>
+            </a:r>
+            <a:r>
+              <a:rPr lang="en-US" dirty="0" err="1" smtClean="0"/>
+              <a:t>AsmName</a:t>
+            </a:r>
+            <a:r>
+              <a:rPr lang="en-US" dirty="0" smtClean="0"/>
+              <a:t>. </a:t>
+            </a:r>
+            <a:r>
+              <a:rPr lang="en-US" dirty="0" err="1"/>
+              <a:t>dll</a:t>
+            </a:r>
+            <a:endParaRPr lang="en-US" dirty="0"/>
+          </a:p>
+          <a:p>
+            <a:r>
+              <a:rPr lang="en-US" dirty="0" err="1" smtClean="0"/>
+              <a:t>AppBase</a:t>
+            </a:r>
+            <a:r>
+              <a:rPr lang="en-US" dirty="0" smtClean="0"/>
+              <a:t>\privatePath1\</a:t>
+            </a:r>
+            <a:r>
+              <a:rPr lang="en-US" dirty="0" err="1" smtClean="0"/>
+              <a:t>AsmName</a:t>
+            </a:r>
+            <a:r>
+              <a:rPr lang="en-US" dirty="0" smtClean="0"/>
+              <a:t>\AsmName.dll</a:t>
+            </a:r>
+            <a:endParaRPr lang="en-US" dirty="0"/>
+          </a:p>
+          <a:p>
+            <a:r>
+              <a:rPr lang="en-US" dirty="0" err="1" smtClean="0"/>
+              <a:t>AppBase</a:t>
+            </a:r>
+            <a:r>
+              <a:rPr lang="en-US" dirty="0" smtClean="0"/>
+              <a:t>\privatePath2\AsmName.dll</a:t>
+            </a:r>
+            <a:endParaRPr lang="en-US" dirty="0"/>
+          </a:p>
+          <a:p>
+            <a:r>
+              <a:rPr lang="en-US" dirty="0" err="1" smtClean="0"/>
+              <a:t>AppBase</a:t>
+            </a:r>
+            <a:r>
+              <a:rPr lang="en-US" dirty="0" smtClean="0"/>
+              <a:t>\privatePath2\</a:t>
+            </a:r>
+            <a:r>
+              <a:rPr lang="en-US" dirty="0" err="1" smtClean="0"/>
+              <a:t>AsmName</a:t>
+            </a:r>
+            <a:r>
+              <a:rPr lang="en-US" dirty="0" smtClean="0"/>
+              <a:t>\AsmName.dll</a:t>
+            </a:r>
+          </a:p>
+          <a:p>
+            <a:endParaRPr lang="en-US" dirty="0" smtClean="0"/>
+          </a:p>
+          <a:p>
+            <a:r>
+              <a:rPr lang="en-US" dirty="0" err="1" smtClean="0"/>
+              <a:t>AppBase</a:t>
+            </a:r>
+            <a:r>
+              <a:rPr lang="en-US" dirty="0" smtClean="0"/>
+              <a:t>\en-US\AsmName.dll</a:t>
+            </a:r>
+            <a:endParaRPr lang="en-US" dirty="0"/>
+          </a:p>
+          <a:p>
+            <a:r>
+              <a:rPr lang="en-US" dirty="0" err="1" smtClean="0"/>
+              <a:t>AppBase</a:t>
+            </a:r>
+            <a:r>
+              <a:rPr lang="en-US" dirty="0" smtClean="0"/>
+              <a:t>\</a:t>
+            </a:r>
+            <a:r>
+              <a:rPr lang="en-US" dirty="0"/>
+              <a:t>en-US\</a:t>
+            </a:r>
+            <a:r>
+              <a:rPr lang="en-US" dirty="0" err="1" smtClean="0"/>
+              <a:t>AsmName</a:t>
+            </a:r>
+            <a:r>
+              <a:rPr lang="en-US" dirty="0" smtClean="0"/>
+              <a:t>\AsmName.dll</a:t>
+            </a:r>
+            <a:endParaRPr lang="en-US" dirty="0"/>
+          </a:p>
+          <a:p>
+            <a:r>
+              <a:rPr lang="en-US" dirty="0" err="1" smtClean="0"/>
+              <a:t>AppBase</a:t>
+            </a:r>
+            <a:r>
+              <a:rPr lang="en-US" dirty="0" smtClean="0"/>
+              <a:t>\</a:t>
+            </a:r>
+            <a:r>
+              <a:rPr lang="en-US" dirty="0"/>
+              <a:t>en-US\</a:t>
+            </a:r>
+            <a:r>
+              <a:rPr lang="en-US" dirty="0" smtClean="0"/>
+              <a:t>privatePath1\</a:t>
+            </a:r>
+            <a:r>
+              <a:rPr lang="en-US" dirty="0" err="1" smtClean="0"/>
+              <a:t>AsmName</a:t>
+            </a:r>
+            <a:r>
+              <a:rPr lang="en-US" dirty="0"/>
+              <a:t>. </a:t>
+            </a:r>
+            <a:r>
+              <a:rPr lang="en-US" dirty="0" err="1"/>
+              <a:t>dll</a:t>
+            </a:r>
+            <a:endParaRPr lang="en-US" dirty="0"/>
+          </a:p>
+          <a:p>
+            <a:r>
+              <a:rPr lang="en-US" dirty="0" err="1" smtClean="0"/>
+              <a:t>AppBase</a:t>
+            </a:r>
+            <a:r>
+              <a:rPr lang="en-US" dirty="0" smtClean="0"/>
+              <a:t>\</a:t>
+            </a:r>
+            <a:r>
+              <a:rPr lang="en-US" dirty="0"/>
+              <a:t>en-US\</a:t>
+            </a:r>
+            <a:r>
+              <a:rPr lang="en-US" dirty="0" smtClean="0"/>
+              <a:t>privatePath1\</a:t>
+            </a:r>
+            <a:r>
+              <a:rPr lang="en-US" dirty="0" err="1" smtClean="0"/>
+              <a:t>AsmName</a:t>
+            </a:r>
+            <a:r>
+              <a:rPr lang="en-US" dirty="0" smtClean="0"/>
+              <a:t>\AsmName.dll</a:t>
+            </a:r>
+            <a:endParaRPr lang="en-US" dirty="0"/>
+          </a:p>
+          <a:p>
+            <a:r>
+              <a:rPr lang="en-US" dirty="0" err="1" smtClean="0"/>
+              <a:t>AppBase</a:t>
+            </a:r>
+            <a:r>
+              <a:rPr lang="en-US" dirty="0" smtClean="0"/>
+              <a:t>\</a:t>
+            </a:r>
+            <a:r>
+              <a:rPr lang="en-US" dirty="0"/>
+              <a:t>en-US\</a:t>
+            </a:r>
+            <a:r>
+              <a:rPr lang="en-US" dirty="0" smtClean="0"/>
+              <a:t>privatePath2\AsmName.dll</a:t>
+            </a:r>
+            <a:endParaRPr lang="en-US" dirty="0"/>
+          </a:p>
+          <a:p>
+            <a:r>
+              <a:rPr lang="en-US" dirty="0" err="1" smtClean="0"/>
+              <a:t>AppBase</a:t>
+            </a:r>
+            <a:r>
+              <a:rPr lang="en-US" dirty="0" smtClean="0"/>
+              <a:t>\</a:t>
+            </a:r>
+            <a:r>
+              <a:rPr lang="en-US" dirty="0"/>
+              <a:t>en-US\</a:t>
+            </a:r>
+            <a:r>
+              <a:rPr lang="en-US" dirty="0" smtClean="0"/>
+              <a:t>privatePath2\</a:t>
+            </a:r>
+            <a:r>
+              <a:rPr lang="en-US" dirty="0" err="1" smtClean="0"/>
+              <a:t>AsmName</a:t>
+            </a:r>
+            <a:r>
+              <a:rPr lang="en-US" dirty="0" smtClean="0"/>
+              <a:t>\</a:t>
+            </a:r>
+            <a:r>
+              <a:rPr lang="en-US" dirty="0" err="1" smtClean="0"/>
+              <a:t>AsmName</a:t>
+            </a:r>
+            <a:r>
+              <a:rPr lang="en-US" dirty="0"/>
               <a:t>.</a:t>
             </a:r>
-          </a:p>
-          <a:p>
-            <a:pPr marL="0" indent="0">
-              <a:buNone/>
-            </a:pPr>
-            <a:endParaRPr lang="ru-RU" dirty="0" smtClean="0"/>
-          </a:p>
-          <a:p>
-            <a:r>
-              <a:rPr lang="en-US" dirty="0" smtClean="0"/>
-              <a:t>HKLM\Software\Microsoft\Fusion</a:t>
-            </a:r>
-            <a:endParaRPr lang="ru-RU" dirty="0" smtClean="0"/>
-          </a:p>
-          <a:p>
-            <a:pPr lvl="1"/>
-            <a:r>
-              <a:rPr lang="en-US" dirty="0" err="1"/>
-              <a:t>ForceLog</a:t>
-            </a:r>
-            <a:r>
-              <a:rPr lang="en-US" dirty="0"/>
-              <a:t> </a:t>
-            </a:r>
-            <a:r>
-              <a:rPr lang="ru-RU" dirty="0" smtClean="0"/>
-              <a:t>= 1</a:t>
-            </a:r>
-          </a:p>
-          <a:p>
-            <a:pPr lvl="1"/>
-            <a:r>
-              <a:rPr lang="en-US" dirty="0" err="1" smtClean="0"/>
-              <a:t>LogPath</a:t>
-            </a:r>
-            <a:r>
-              <a:rPr lang="ru-RU" dirty="0" smtClean="0"/>
-              <a:t> – путь к существующей папке для протоколирования</a:t>
-            </a:r>
-          </a:p>
-          <a:p>
-            <a:pPr marL="0" indent="0">
-              <a:buNone/>
-            </a:pPr>
-            <a:endParaRPr lang="ru-RU" dirty="0" smtClean="0">
-              <a:hlinkClick r:id="rId2"/>
-            </a:endParaRPr>
-          </a:p>
-          <a:p>
-            <a:pPr marL="0" indent="0">
-              <a:buNone/>
-            </a:pPr>
-            <a:r>
-              <a:rPr lang="en-US" dirty="0" smtClean="0">
-                <a:hlinkClick r:id="rId2"/>
-              </a:rPr>
-              <a:t>http</a:t>
-            </a:r>
-            <a:r>
-              <a:rPr lang="en-US" dirty="0">
-                <a:hlinkClick r:id="rId2"/>
-              </a:rPr>
-              <a:t>://</a:t>
-            </a:r>
-            <a:r>
-              <a:rPr lang="en-US" dirty="0" smtClean="0">
-                <a:hlinkClick r:id="rId2"/>
-              </a:rPr>
-              <a:t>msdn.microsoft.com/en-us/library/e74a18c4%28v=vs.110%29.aspx</a:t>
-            </a:r>
+            <a:endParaRPr lang="en-US" dirty="0" smtClean="0"/>
+          </a:p>
+          <a:p>
             <a:endParaRPr lang="ru-RU" dirty="0"/>
           </a:p>
         </p:txBody>
@@ -11781,7 +11617,7 @@
     </p:spTree>
     <p:extLst>
       <p:ext uri="{BB962C8B-B14F-4D97-AF65-F5344CB8AC3E}">
-        <p14:creationId xmlns:p14="http://schemas.microsoft.com/office/powerpoint/2010/main" val="3803663968"/>
+        <p14:creationId xmlns:p14="http://schemas.microsoft.com/office/powerpoint/2010/main" val="426700887"/>
       </p:ext>
     </p:extLst>
   </p:cSld>
@@ -11827,22 +11663,12 @@
         </p:nvSpPr>
         <p:spPr/>
         <p:txBody>
-          <a:bodyPr>
-            <a:normAutofit fontScale="90000"/>
-          </a:bodyPr>
+          <a:bodyPr/>
           <a:lstStyle/>
           <a:p>
             <a:r>
-              <a:rPr lang="ru-RU" dirty="0" smtClean="0"/>
-              <a:t>Строгое имя сборки (</a:t>
-            </a:r>
-            <a:r>
-              <a:rPr lang="en-US" dirty="0" smtClean="0"/>
-              <a:t>strong name</a:t>
-            </a:r>
-            <a:r>
-              <a:rPr lang="ru-RU" dirty="0" smtClean="0"/>
-              <a:t>)</a:t>
+              <a:rPr lang="en-US" dirty="0" err="1" smtClean="0"/>
+              <a:t>App.config</a:t>
             </a:r>
             <a:endParaRPr lang="ru-RU" dirty="0"/>
           </a:p>
@@ -11858,10 +11684,15 @@
             <p:ph idx="1"/>
           </p:nvPr>
         </p:nvSpPr>
-        <p:spPr/>
+        <p:spPr>
+          <a:xfrm>
+            <a:off x="457200" y="1600201"/>
+            <a:ext cx="8229600" cy="2332856"/>
+          </a:xfrm>
+        </p:spPr>
         <p:txBody>
           <a:bodyPr>
-            <a:normAutofit fontScale="62500" lnSpcReduction="20000"/>
+            <a:normAutofit/>
           </a:bodyPr>
           <a:lstStyle/>
           <a:p>
@@ -11869,240 +11700,304 @@
               <a:buNone/>
             </a:pPr>
             <a:r>
-              <a:rPr lang="ru-RU" dirty="0" smtClean="0">
-                <a:solidFill>
-                  <a:schemeClr val="bg1"/>
-                </a:solidFill>
-              </a:rPr>
-              <a:t>Для задания строгово имени сборки необходимы четыре составляющих:</a:t>
+              <a:rPr lang="en-US" sz="1400" dirty="0">
+                <a:latin typeface="Courier New" pitchFamily="49" charset="0"/>
+                <a:cs typeface="Courier New" pitchFamily="49" charset="0"/>
+              </a:rPr>
+              <a:t>&lt;?xml version="1.0"?&gt;</a:t>
             </a:r>
           </a:p>
           <a:p>
             <a:pPr marL="0" indent="0">
               <a:buNone/>
             </a:pPr>
-            <a:endParaRPr lang="en-US" dirty="0" smtClean="0">
-              <a:solidFill>
-                <a:schemeClr val="bg1"/>
-              </a:solidFill>
-            </a:endParaRPr>
-          </a:p>
-          <a:p>
-            <a:pPr marL="514350" indent="-514350">
-              <a:buFont typeface="+mj-lt"/>
-              <a:buAutoNum type="arabicPeriod"/>
-            </a:pPr>
-            <a:r>
-              <a:rPr lang="ru-RU" dirty="0" smtClean="0">
-                <a:solidFill>
-                  <a:srgbClr val="FFFF00"/>
-                </a:solidFill>
-              </a:rPr>
-              <a:t>Имя сборки</a:t>
-            </a:r>
-            <a:endParaRPr lang="en-US" dirty="0" smtClean="0">
-              <a:solidFill>
-                <a:srgbClr val="FFFF00"/>
-              </a:solidFill>
-            </a:endParaRPr>
-          </a:p>
-          <a:p>
-            <a:pPr lvl="1"/>
-            <a:r>
-              <a:rPr lang="ru-RU" dirty="0" smtClean="0"/>
-              <a:t>Задается в свойствах проекта</a:t>
-            </a:r>
-          </a:p>
-          <a:p>
-            <a:pPr marL="514350" indent="-514350">
-              <a:buFont typeface="+mj-lt"/>
-              <a:buAutoNum type="arabicPeriod"/>
-            </a:pPr>
-            <a:r>
-              <a:rPr lang="ru-RU" dirty="0" smtClean="0">
-                <a:solidFill>
-                  <a:srgbClr val="FFFF00"/>
-                </a:solidFill>
-              </a:rPr>
-              <a:t>Номер версии сборки</a:t>
-            </a:r>
-          </a:p>
-          <a:p>
-            <a:pPr lvl="1"/>
-            <a:r>
-              <a:rPr lang="ru-RU" dirty="0" smtClean="0"/>
-              <a:t>Атрибут </a:t>
-            </a:r>
+            <a:r>
+              <a:rPr lang="en-US" sz="1400" dirty="0" smtClean="0">
+                <a:latin typeface="Courier New" pitchFamily="49" charset="0"/>
+                <a:cs typeface="Courier New" pitchFamily="49" charset="0"/>
+              </a:rPr>
+              <a:t>&lt;</a:t>
+            </a:r>
+            <a:r>
+              <a:rPr lang="en-US" sz="1400" dirty="0">
+                <a:latin typeface="Courier New" pitchFamily="49" charset="0"/>
+                <a:cs typeface="Courier New" pitchFamily="49" charset="0"/>
+              </a:rPr>
+              <a:t>configuration&gt;</a:t>
+            </a:r>
+          </a:p>
+          <a:p>
+            <a:pPr marL="0" indent="0">
+              <a:buNone/>
+            </a:pPr>
+            <a:r>
+              <a:rPr lang="en-US" sz="1400" dirty="0" smtClean="0">
+                <a:latin typeface="Courier New" pitchFamily="49" charset="0"/>
+                <a:cs typeface="Courier New" pitchFamily="49" charset="0"/>
+              </a:rPr>
+              <a:t>    &lt;</a:t>
+            </a:r>
+            <a:r>
+              <a:rPr lang="en-US" sz="1400" dirty="0">
+                <a:latin typeface="Courier New" pitchFamily="49" charset="0"/>
+                <a:cs typeface="Courier New" pitchFamily="49" charset="0"/>
+              </a:rPr>
+              <a:t>runtime&gt;</a:t>
+            </a:r>
+          </a:p>
+          <a:p>
+            <a:pPr marL="0" indent="0">
+              <a:buNone/>
+            </a:pPr>
+            <a:r>
+              <a:rPr lang="en-US" sz="1400" dirty="0" smtClean="0">
+                <a:latin typeface="Courier New" pitchFamily="49" charset="0"/>
+                <a:cs typeface="Courier New" pitchFamily="49" charset="0"/>
+              </a:rPr>
+              <a:t>        &lt;</a:t>
+            </a:r>
+            <a:r>
+              <a:rPr lang="en-US" sz="1400" dirty="0" err="1">
+                <a:latin typeface="Courier New" pitchFamily="49" charset="0"/>
+                <a:cs typeface="Courier New" pitchFamily="49" charset="0"/>
+              </a:rPr>
+              <a:t>assemblyBinding</a:t>
+            </a:r>
+            <a:r>
+              <a:rPr lang="en-US" sz="1400" dirty="0">
+                <a:latin typeface="Courier New" pitchFamily="49" charset="0"/>
+                <a:cs typeface="Courier New" pitchFamily="49" charset="0"/>
+              </a:rPr>
+              <a:t> </a:t>
+            </a:r>
+            <a:r>
+              <a:rPr lang="en-US" sz="1400" dirty="0" err="1">
+                <a:latin typeface="Courier New" pitchFamily="49" charset="0"/>
+                <a:cs typeface="Courier New" pitchFamily="49" charset="0"/>
+              </a:rPr>
+              <a:t>xmlns</a:t>
+            </a:r>
+            <a:r>
+              <a:rPr lang="en-US" sz="1400" dirty="0">
+                <a:latin typeface="Courier New" pitchFamily="49" charset="0"/>
+                <a:cs typeface="Courier New" pitchFamily="49" charset="0"/>
+              </a:rPr>
+              <a:t>="urn:schemas-microsoft-com:asm.v1"&gt;</a:t>
+            </a:r>
+          </a:p>
+          <a:p>
+            <a:pPr marL="0" indent="0">
+              <a:buNone/>
+            </a:pPr>
+            <a:r>
+              <a:rPr lang="en-US" sz="1400" dirty="0" smtClean="0">
+                <a:latin typeface="Courier New" pitchFamily="49" charset="0"/>
+                <a:cs typeface="Courier New" pitchFamily="49" charset="0"/>
+              </a:rPr>
+              <a:t>            </a:t>
+            </a:r>
+            <a:r>
+              <a:rPr lang="en-US" sz="1600" dirty="0" smtClean="0">
+                <a:solidFill>
+                  <a:srgbClr val="92D050"/>
+                </a:solidFill>
+                <a:latin typeface="Courier New" pitchFamily="49" charset="0"/>
+                <a:cs typeface="Courier New" pitchFamily="49" charset="0"/>
+              </a:rPr>
+              <a:t>&lt;</a:t>
+            </a:r>
+            <a:r>
+              <a:rPr lang="en-US" sz="1600" dirty="0">
+                <a:solidFill>
+                  <a:srgbClr val="92D050"/>
+                </a:solidFill>
+                <a:latin typeface="Courier New" pitchFamily="49" charset="0"/>
+                <a:cs typeface="Courier New" pitchFamily="49" charset="0"/>
+              </a:rPr>
+              <a:t>probing </a:t>
+            </a:r>
+            <a:r>
+              <a:rPr lang="en-US" sz="1600" dirty="0" err="1">
+                <a:solidFill>
+                  <a:srgbClr val="92D050"/>
+                </a:solidFill>
+                <a:latin typeface="Courier New" pitchFamily="49" charset="0"/>
+                <a:cs typeface="Courier New" pitchFamily="49" charset="0"/>
+              </a:rPr>
+              <a:t>privatePath</a:t>
+            </a:r>
+            <a:r>
+              <a:rPr lang="en-US" sz="1600" dirty="0">
+                <a:solidFill>
+                  <a:srgbClr val="92D050"/>
+                </a:solidFill>
+                <a:latin typeface="Courier New" pitchFamily="49" charset="0"/>
+                <a:cs typeface="Courier New" pitchFamily="49" charset="0"/>
+              </a:rPr>
+              <a:t>="privatePath1;privatePath2"/&gt;</a:t>
+            </a:r>
+          </a:p>
+          <a:p>
+            <a:pPr marL="0" indent="0">
+              <a:buNone/>
+            </a:pPr>
+            <a:r>
+              <a:rPr lang="en-US" sz="1400" dirty="0" smtClean="0">
+                <a:latin typeface="Courier New" pitchFamily="49" charset="0"/>
+                <a:cs typeface="Courier New" pitchFamily="49" charset="0"/>
+              </a:rPr>
+              <a:t>        &lt;/</a:t>
+            </a:r>
+            <a:r>
+              <a:rPr lang="en-US" sz="1400" dirty="0" err="1">
+                <a:latin typeface="Courier New" pitchFamily="49" charset="0"/>
+                <a:cs typeface="Courier New" pitchFamily="49" charset="0"/>
+              </a:rPr>
+              <a:t>assemblyBinding</a:t>
+            </a:r>
+            <a:r>
+              <a:rPr lang="en-US" sz="1400" dirty="0">
+                <a:latin typeface="Courier New" pitchFamily="49" charset="0"/>
+                <a:cs typeface="Courier New" pitchFamily="49" charset="0"/>
+              </a:rPr>
+              <a:t>&gt;</a:t>
+            </a:r>
+          </a:p>
+          <a:p>
+            <a:pPr marL="0" indent="0">
+              <a:buNone/>
+            </a:pPr>
+            <a:r>
+              <a:rPr lang="en-US" sz="1400" dirty="0" smtClean="0">
+                <a:latin typeface="Courier New" pitchFamily="49" charset="0"/>
+                <a:cs typeface="Courier New" pitchFamily="49" charset="0"/>
+              </a:rPr>
+              <a:t>    &lt;/</a:t>
+            </a:r>
+            <a:r>
+              <a:rPr lang="en-US" sz="1400" dirty="0">
+                <a:latin typeface="Courier New" pitchFamily="49" charset="0"/>
+                <a:cs typeface="Courier New" pitchFamily="49" charset="0"/>
+              </a:rPr>
+              <a:t>runtime&gt;</a:t>
+            </a:r>
+          </a:p>
+          <a:p>
+            <a:pPr marL="0" indent="0">
+              <a:buNone/>
+            </a:pPr>
+            <a:r>
+              <a:rPr lang="en-US" sz="1400" dirty="0">
+                <a:latin typeface="Courier New" pitchFamily="49" charset="0"/>
+                <a:cs typeface="Courier New" pitchFamily="49" charset="0"/>
+              </a:rPr>
+              <a:t>&lt;/configuration&gt;</a:t>
+            </a:r>
+          </a:p>
+          <a:p>
+            <a:pPr marL="0" indent="0">
+              <a:buNone/>
+            </a:pPr>
+            <a:endParaRPr lang="ru-RU" sz="1400" dirty="0"/>
+          </a:p>
+        </p:txBody>
+      </p:sp>
+      <p:sp>
+        <p:nvSpPr>
+          <p:cNvPr id="4" name="Title 1"/>
+          <p:cNvSpPr txBox="1">
+            <a:spLocks/>
+          </p:cNvSpPr>
+          <p:nvPr/>
+        </p:nvSpPr>
+        <p:spPr>
+          <a:xfrm>
+            <a:off x="457200" y="3798168"/>
+            <a:ext cx="8229600" cy="1143000"/>
+          </a:xfrm>
+          <a:prstGeom prst="rect">
+            <a:avLst/>
+          </a:prstGeom>
+        </p:spPr>
+        <p:txBody>
+          <a:bodyPr vert="horz" lIns="91440" tIns="45720" rIns="91440" bIns="45720" rtlCol="0" anchor="ctr">
+            <a:normAutofit/>
+          </a:bodyPr>
+          <a:lstStyle>
+            <a:lvl1pPr algn="ctr" defTabSz="914400" rtl="0" eaLnBrk="1" latinLnBrk="0" hangingPunct="1">
+              <a:spcBef>
+                <a:spcPct val="0"/>
+              </a:spcBef>
+              <a:buNone/>
+              <a:defRPr sz="4400" kern="1200">
+                <a:solidFill>
+                  <a:schemeClr val="tx1"/>
+                </a:solidFill>
+                <a:latin typeface="+mj-lt"/>
+                <a:ea typeface="+mj-ea"/>
+                <a:cs typeface="+mj-cs"/>
+              </a:defRPr>
+            </a:lvl1pPr>
+          </a:lstStyle>
+          <a:p>
             <a:r>
               <a:rPr lang="en-US" dirty="0" err="1" smtClean="0"/>
-              <a:t>AssemblyVersion</a:t>
-            </a:r>
-            <a:endParaRPr lang="ru-RU" dirty="0" smtClean="0"/>
-          </a:p>
-          <a:p>
-            <a:pPr marL="514350" indent="-514350">
-              <a:buFont typeface="+mj-lt"/>
-              <a:buAutoNum type="arabicPeriod"/>
-            </a:pPr>
-            <a:r>
-              <a:rPr lang="ru-RU" dirty="0" smtClean="0">
-                <a:solidFill>
-                  <a:srgbClr val="FFFF00"/>
-                </a:solidFill>
-              </a:rPr>
-              <a:t>Культура сборки</a:t>
-            </a:r>
-          </a:p>
-          <a:p>
-            <a:pPr lvl="1"/>
-            <a:r>
-              <a:rPr lang="ru-RU" dirty="0" smtClean="0"/>
-              <a:t>Атрибут </a:t>
-            </a:r>
-            <a:r>
-              <a:rPr lang="en-US" dirty="0" err="1" smtClean="0"/>
-              <a:t>AssemblyCulture</a:t>
-            </a:r>
-            <a:endParaRPr lang="ru-RU" dirty="0" smtClean="0"/>
-          </a:p>
-          <a:p>
-            <a:pPr marL="514350" indent="-514350">
-              <a:buFont typeface="+mj-lt"/>
-              <a:buAutoNum type="arabicPeriod"/>
-            </a:pPr>
-            <a:r>
-              <a:rPr lang="en-US" dirty="0" err="1" smtClean="0">
-                <a:solidFill>
-                  <a:srgbClr val="FFFF00"/>
-                </a:solidFill>
-              </a:rPr>
-              <a:t>PublicKeyToken</a:t>
-            </a:r>
-            <a:endParaRPr lang="ru-RU" dirty="0" smtClean="0">
-              <a:solidFill>
-                <a:srgbClr val="FFFF00"/>
-              </a:solidFill>
-            </a:endParaRPr>
-          </a:p>
-          <a:p>
-            <a:pPr lvl="1"/>
-            <a:r>
-              <a:rPr lang="ru-RU" dirty="0" smtClean="0"/>
-              <a:t>Часть </a:t>
-            </a:r>
-            <a:r>
-              <a:rPr lang="en-US" dirty="0" smtClean="0"/>
-              <a:t>public </a:t>
-            </a:r>
-            <a:r>
-              <a:rPr lang="ru-RU" dirty="0" smtClean="0"/>
-              <a:t>ключа из </a:t>
-            </a:r>
-            <a:r>
-              <a:rPr lang="en-US" dirty="0" err="1" smtClean="0"/>
-              <a:t>snk</a:t>
-            </a:r>
-            <a:r>
-              <a:rPr lang="en-US" dirty="0" smtClean="0"/>
-              <a:t> </a:t>
-            </a:r>
-            <a:r>
-              <a:rPr lang="ru-RU" dirty="0" smtClean="0"/>
-              <a:t>файла</a:t>
-            </a:r>
-            <a:endParaRPr lang="en-US" dirty="0" smtClean="0"/>
-          </a:p>
-          <a:p>
-            <a:endParaRPr lang="en-US" dirty="0"/>
-          </a:p>
-          <a:p>
-            <a:r>
-              <a:rPr lang="en-US" sz="2400" dirty="0" err="1"/>
-              <a:t>MyTypes</a:t>
-            </a:r>
-            <a:r>
-              <a:rPr lang="en-US" sz="2400" dirty="0"/>
-              <a:t>, </a:t>
-            </a:r>
-            <a:r>
-              <a:rPr lang="en-US" sz="2400" dirty="0" smtClean="0"/>
-              <a:t>Version=1.0.8123.</a:t>
-            </a:r>
-            <a:r>
-              <a:rPr lang="ru-RU" sz="2400" dirty="0" smtClean="0"/>
-              <a:t>О,</a:t>
-            </a:r>
-            <a:r>
-              <a:rPr lang="en-US" sz="2400" dirty="0" smtClean="0"/>
-              <a:t/>
-            </a:r>
-            <a:br>
-              <a:rPr lang="en-US" sz="2400" dirty="0" smtClean="0"/>
-            </a:br>
-            <a:r>
-              <a:rPr lang="en-US" sz="2400" dirty="0" smtClean="0"/>
-              <a:t>Culture=neutral</a:t>
-            </a:r>
-            <a:r>
-              <a:rPr lang="en-US" sz="2400" dirty="0"/>
-              <a:t>, </a:t>
-            </a:r>
-            <a:r>
-              <a:rPr lang="en-US" sz="2400" dirty="0" err="1" smtClean="0"/>
-              <a:t>PublicKeyToken</a:t>
-            </a:r>
-            <a:r>
-              <a:rPr lang="en-US" sz="2400" dirty="0" smtClean="0"/>
-              <a:t>=b77a5c561934e089</a:t>
-            </a:r>
-          </a:p>
-          <a:p>
-            <a:r>
-              <a:rPr lang="en-US" sz="2400" dirty="0" err="1"/>
-              <a:t>MyTypes</a:t>
-            </a:r>
-            <a:r>
-              <a:rPr lang="en-US" sz="2400" dirty="0"/>
-              <a:t>, </a:t>
-            </a:r>
-            <a:r>
-              <a:rPr lang="en-US" sz="2400" dirty="0" smtClean="0"/>
-              <a:t>Version=1.0.8123.</a:t>
-            </a:r>
-            <a:r>
-              <a:rPr lang="ru-RU" sz="2400" dirty="0"/>
-              <a:t>О,</a:t>
-            </a:r>
-            <a:r>
-              <a:rPr lang="en-US" sz="2400" dirty="0"/>
-              <a:t/>
-            </a:r>
-            <a:br>
-              <a:rPr lang="en-US" sz="2400" dirty="0"/>
-            </a:br>
-            <a:r>
-              <a:rPr lang="en-US" sz="2400" dirty="0" smtClean="0"/>
-              <a:t>Culture=en-US, </a:t>
-            </a:r>
-            <a:r>
-              <a:rPr lang="en-US" sz="2400" dirty="0" err="1"/>
-              <a:t>PublicKeyToken</a:t>
-            </a:r>
-            <a:r>
-              <a:rPr lang="en-US" sz="2400" dirty="0"/>
-              <a:t>=b77a5c561934e089</a:t>
-            </a:r>
-            <a:endParaRPr lang="ru-RU" sz="2400" dirty="0" smtClean="0"/>
-          </a:p>
-          <a:p>
+              <a:t>Machine.config</a:t>
+            </a:r>
             <a:endParaRPr lang="ru-RU" dirty="0"/>
+          </a:p>
+        </p:txBody>
+      </p:sp>
+      <p:sp>
+        <p:nvSpPr>
+          <p:cNvPr id="5" name="TextBox 4"/>
+          <p:cNvSpPr txBox="1"/>
+          <p:nvPr/>
+        </p:nvSpPr>
+        <p:spPr>
+          <a:xfrm>
+            <a:off x="457200" y="5085184"/>
+            <a:ext cx="8229600" cy="523220"/>
+          </a:xfrm>
+          <a:prstGeom prst="rect">
+            <a:avLst/>
+          </a:prstGeom>
+          <a:noFill/>
+        </p:spPr>
+        <p:txBody>
+          <a:bodyPr wrap="square" rtlCol="0">
+            <a:spAutoFit/>
+          </a:bodyPr>
+          <a:lstStyle/>
+          <a:p>
+            <a:r>
+              <a:rPr lang="ru-RU" sz="2800" dirty="0" smtClean="0"/>
+              <a:t>%</a:t>
+            </a:r>
+            <a:r>
+              <a:rPr lang="en-US" sz="2800" dirty="0" err="1" smtClean="0"/>
+              <a:t>windir</a:t>
+            </a:r>
+            <a:r>
+              <a:rPr lang="en-US" sz="2800" dirty="0" smtClean="0"/>
+              <a:t>%\Microsoft.NET\Framework\</a:t>
+            </a:r>
+            <a:r>
+              <a:rPr lang="en-US" sz="2800" dirty="0" err="1" smtClean="0"/>
+              <a:t>x.y.z</a:t>
+            </a:r>
+            <a:r>
+              <a:rPr lang="en-US" sz="2800" dirty="0" smtClean="0"/>
+              <a:t>\CONFIG</a:t>
+            </a:r>
+            <a:endParaRPr lang="ru-RU" sz="2800" dirty="0" smtClean="0"/>
           </a:p>
         </p:txBody>
       </p:sp>
     </p:spTree>
     <p:extLst>
       <p:ext uri="{BB962C8B-B14F-4D97-AF65-F5344CB8AC3E}">
-        <p14:creationId xmlns:p14="http://schemas.microsoft.com/office/powerpoint/2010/main" val="1579629595"/>
+        <p14:creationId xmlns:p14="http://schemas.microsoft.com/office/powerpoint/2010/main" val="4163857979"/>
       </p:ext>
     </p:extLst>
   </p:cSld>
@@ -12148,16 +12043,14 @@
         </p:nvSpPr>
         <p:spPr/>
         <p:txBody>
-          <a:bodyPr/>
+          <a:bodyPr>
+            <a:normAutofit fontScale="90000"/>
+          </a:bodyPr>
           <a:lstStyle/>
           <a:p>
             <a:r>
-              <a:rPr lang="ru-RU" dirty="0" smtClean="0"/>
-              <a:t>Файл </a:t>
-            </a:r>
-            <a:r>
-              <a:rPr lang="en-US" dirty="0" err="1" smtClean="0"/>
-              <a:t>AssemblyInfo.cs</a:t>
+              <a:rPr lang="en-US" dirty="0"/>
+              <a:t>Fuslogvw.exe (Assembly Binding Log Viewer)</a:t>
             </a:r>
             <a:endParaRPr lang="ru-RU" dirty="0"/>
           </a:p>
@@ -12176,7 +12069,7 @@
         <p:spPr/>
         <p:txBody>
           <a:bodyPr>
-            <a:normAutofit/>
+            <a:normAutofit fontScale="92500" lnSpcReduction="20000"/>
           </a:bodyPr>
           <a:lstStyle/>
           <a:p>
@@ -12184,384 +12077,99 @@
               <a:buNone/>
             </a:pPr>
             <a:r>
-              <a:rPr lang="en-US" sz="1800" dirty="0">
-                <a:solidFill>
-                  <a:srgbClr val="FFC000"/>
-                </a:solidFill>
-                <a:latin typeface="Courier New" pitchFamily="49" charset="0"/>
-                <a:cs typeface="Courier New" pitchFamily="49" charset="0"/>
-              </a:rPr>
-              <a:t>[assembly: </a:t>
-            </a:r>
-            <a:r>
-              <a:rPr lang="en-US" sz="1800" dirty="0" err="1">
-                <a:solidFill>
-                  <a:srgbClr val="FFC000"/>
-                </a:solidFill>
-                <a:latin typeface="Courier New" pitchFamily="49" charset="0"/>
-                <a:cs typeface="Courier New" pitchFamily="49" charset="0"/>
-              </a:rPr>
-              <a:t>AssemblyTitle</a:t>
-            </a:r>
-            <a:r>
-              <a:rPr lang="en-US" sz="1800" dirty="0">
-                <a:solidFill>
-                  <a:srgbClr val="FFC000"/>
-                </a:solidFill>
-                <a:latin typeface="Courier New" pitchFamily="49" charset="0"/>
-                <a:cs typeface="Courier New" pitchFamily="49" charset="0"/>
-              </a:rPr>
-              <a:t>("</a:t>
-            </a:r>
-            <a:r>
-              <a:rPr lang="en-US" sz="1800" dirty="0" err="1">
-                <a:solidFill>
-                  <a:srgbClr val="FFC000"/>
-                </a:solidFill>
-                <a:latin typeface="Courier New" pitchFamily="49" charset="0"/>
-                <a:cs typeface="Courier New" pitchFamily="49" charset="0"/>
-              </a:rPr>
-              <a:t>SatelliteAssembliesDemo</a:t>
-            </a:r>
-            <a:r>
-              <a:rPr lang="en-US" sz="1800" dirty="0">
-                <a:solidFill>
-                  <a:srgbClr val="FFC000"/>
-                </a:solidFill>
-                <a:latin typeface="Courier New" pitchFamily="49" charset="0"/>
-                <a:cs typeface="Courier New" pitchFamily="49" charset="0"/>
-              </a:rPr>
-              <a:t>")]</a:t>
+              <a:rPr lang="ru-RU" dirty="0" smtClean="0"/>
+              <a:t>Диагностика проблем с загрузкой сборок. </a:t>
+            </a:r>
+            <a:r>
+              <a:rPr lang="ru-RU" smtClean="0"/>
+              <a:t>Является частью </a:t>
+            </a:r>
+            <a:r>
+              <a:rPr lang="en-US" dirty="0" smtClean="0"/>
+              <a:t>Windows SDK</a:t>
+            </a:r>
+            <a:r>
+              <a:rPr lang="ru-RU" dirty="0" smtClean="0"/>
+              <a:t>.</a:t>
             </a:r>
           </a:p>
           <a:p>
             <a:pPr marL="0" indent="0">
               <a:buNone/>
             </a:pPr>
-            <a:r>
-              <a:rPr lang="en-US" sz="1800" dirty="0">
-                <a:latin typeface="Courier New" pitchFamily="49" charset="0"/>
-                <a:cs typeface="Courier New" pitchFamily="49" charset="0"/>
-              </a:rPr>
-              <a:t>[assembly: </a:t>
-            </a:r>
-            <a:r>
-              <a:rPr lang="en-US" sz="1800" dirty="0" err="1">
-                <a:latin typeface="Courier New" pitchFamily="49" charset="0"/>
-                <a:cs typeface="Courier New" pitchFamily="49" charset="0"/>
-              </a:rPr>
-              <a:t>AssemblyDescription</a:t>
-            </a:r>
-            <a:r>
-              <a:rPr lang="en-US" sz="1800" dirty="0">
-                <a:latin typeface="Courier New" pitchFamily="49" charset="0"/>
-                <a:cs typeface="Courier New" pitchFamily="49" charset="0"/>
-              </a:rPr>
-              <a:t>("")]</a:t>
+            <a:endParaRPr lang="ru-RU" dirty="0" smtClean="0"/>
+          </a:p>
+          <a:p>
+            <a:r>
+              <a:rPr lang="en-US" dirty="0" smtClean="0"/>
+              <a:t>HKLM\Software\Microsoft\Fusion</a:t>
+            </a:r>
+            <a:endParaRPr lang="ru-RU" dirty="0" smtClean="0"/>
+          </a:p>
+          <a:p>
+            <a:pPr lvl="1"/>
+            <a:r>
+              <a:rPr lang="en-US" dirty="0" err="1"/>
+              <a:t>ForceLog</a:t>
+            </a:r>
+            <a:r>
+              <a:rPr lang="en-US" dirty="0"/>
+              <a:t> </a:t>
+            </a:r>
+            <a:r>
+              <a:rPr lang="ru-RU" dirty="0" smtClean="0"/>
+              <a:t>= 1</a:t>
+            </a:r>
+          </a:p>
+          <a:p>
+            <a:pPr lvl="1"/>
+            <a:r>
+              <a:rPr lang="en-US" dirty="0" err="1" smtClean="0"/>
+              <a:t>LogPath</a:t>
+            </a:r>
+            <a:r>
+              <a:rPr lang="ru-RU" dirty="0" smtClean="0"/>
+              <a:t> – путь к существующей папке для протоколирования</a:t>
             </a:r>
           </a:p>
           <a:p>
             <a:pPr marL="0" indent="0">
               <a:buNone/>
             </a:pPr>
-            <a:r>
-              <a:rPr lang="en-US" sz="1800" dirty="0">
-                <a:latin typeface="Courier New" pitchFamily="49" charset="0"/>
-                <a:cs typeface="Courier New" pitchFamily="49" charset="0"/>
-              </a:rPr>
-              <a:t>[assembly: </a:t>
-            </a:r>
-            <a:r>
-              <a:rPr lang="en-US" sz="1800" dirty="0" err="1">
-                <a:latin typeface="Courier New" pitchFamily="49" charset="0"/>
-                <a:cs typeface="Courier New" pitchFamily="49" charset="0"/>
-              </a:rPr>
-              <a:t>AssemblyConfiguration</a:t>
-            </a:r>
-            <a:r>
-              <a:rPr lang="en-US" sz="1800" dirty="0">
-                <a:latin typeface="Courier New" pitchFamily="49" charset="0"/>
-                <a:cs typeface="Courier New" pitchFamily="49" charset="0"/>
-              </a:rPr>
-              <a:t>("")]</a:t>
-            </a:r>
+            <a:endParaRPr lang="ru-RU" dirty="0" smtClean="0">
+              <a:hlinkClick r:id="rId2"/>
+            </a:endParaRPr>
           </a:p>
           <a:p>
             <a:pPr marL="0" indent="0">
               <a:buNone/>
             </a:pPr>
             <a:r>
-              <a:rPr lang="en-US" sz="1800" dirty="0">
-                <a:latin typeface="Courier New" pitchFamily="49" charset="0"/>
-                <a:cs typeface="Courier New" pitchFamily="49" charset="0"/>
-              </a:rPr>
-              <a:t>[assembly: </a:t>
-            </a:r>
-            <a:r>
-              <a:rPr lang="en-US" sz="1800" dirty="0" err="1">
-                <a:latin typeface="Courier New" pitchFamily="49" charset="0"/>
-                <a:cs typeface="Courier New" pitchFamily="49" charset="0"/>
-              </a:rPr>
-              <a:t>AssemblyCompany</a:t>
-            </a:r>
-            <a:r>
-              <a:rPr lang="en-US" sz="1800" dirty="0">
-                <a:latin typeface="Courier New" pitchFamily="49" charset="0"/>
-                <a:cs typeface="Courier New" pitchFamily="49" charset="0"/>
-              </a:rPr>
-              <a:t>("")]</a:t>
-            </a:r>
-          </a:p>
-          <a:p>
-            <a:pPr marL="0" indent="0">
-              <a:buNone/>
-            </a:pPr>
-            <a:r>
-              <a:rPr lang="en-US" sz="1800" dirty="0">
-                <a:latin typeface="Courier New" pitchFamily="49" charset="0"/>
-                <a:cs typeface="Courier New" pitchFamily="49" charset="0"/>
-              </a:rPr>
-              <a:t>[assembly: </a:t>
-            </a:r>
-            <a:r>
-              <a:rPr lang="en-US" sz="1800" dirty="0" err="1">
-                <a:latin typeface="Courier New" pitchFamily="49" charset="0"/>
-                <a:cs typeface="Courier New" pitchFamily="49" charset="0"/>
-              </a:rPr>
-              <a:t>AssemblyProduct</a:t>
-            </a:r>
-            <a:r>
-              <a:rPr lang="en-US" sz="1800" dirty="0">
-                <a:latin typeface="Courier New" pitchFamily="49" charset="0"/>
-                <a:cs typeface="Courier New" pitchFamily="49" charset="0"/>
-              </a:rPr>
-              <a:t>("</a:t>
-            </a:r>
-            <a:r>
-              <a:rPr lang="en-US" sz="1800" dirty="0" err="1">
-                <a:latin typeface="Courier New" pitchFamily="49" charset="0"/>
-                <a:cs typeface="Courier New" pitchFamily="49" charset="0"/>
-              </a:rPr>
-              <a:t>SatelliteAssembliesDemo</a:t>
-            </a:r>
-            <a:r>
-              <a:rPr lang="en-US" sz="1800" dirty="0">
-                <a:latin typeface="Courier New" pitchFamily="49" charset="0"/>
-                <a:cs typeface="Courier New" pitchFamily="49" charset="0"/>
-              </a:rPr>
-              <a:t>")]</a:t>
-            </a:r>
-          </a:p>
-          <a:p>
-            <a:pPr marL="0" indent="0">
-              <a:buNone/>
-            </a:pPr>
-            <a:r>
-              <a:rPr lang="en-US" sz="1800" dirty="0">
-                <a:latin typeface="Courier New" pitchFamily="49" charset="0"/>
-                <a:cs typeface="Courier New" pitchFamily="49" charset="0"/>
-              </a:rPr>
-              <a:t>[assembly: </a:t>
-            </a:r>
-            <a:r>
-              <a:rPr lang="en-US" sz="1800" dirty="0" err="1">
-                <a:latin typeface="Courier New" pitchFamily="49" charset="0"/>
-                <a:cs typeface="Courier New" pitchFamily="49" charset="0"/>
-              </a:rPr>
-              <a:t>AssemblyCopyright</a:t>
-            </a:r>
-            <a:r>
-              <a:rPr lang="en-US" sz="1800" dirty="0">
-                <a:latin typeface="Courier New" pitchFamily="49" charset="0"/>
-                <a:cs typeface="Courier New" pitchFamily="49" charset="0"/>
-              </a:rPr>
-              <a:t>("Copyright ©  2012")]</a:t>
-            </a:r>
-          </a:p>
-          <a:p>
-            <a:pPr marL="0" indent="0">
-              <a:buNone/>
-            </a:pPr>
-            <a:r>
-              <a:rPr lang="en-US" sz="1800" dirty="0">
-                <a:latin typeface="Courier New" pitchFamily="49" charset="0"/>
-                <a:cs typeface="Courier New" pitchFamily="49" charset="0"/>
-              </a:rPr>
-              <a:t>[assembly: </a:t>
-            </a:r>
-            <a:r>
-              <a:rPr lang="en-US" sz="1800" dirty="0" err="1">
-                <a:latin typeface="Courier New" pitchFamily="49" charset="0"/>
-                <a:cs typeface="Courier New" pitchFamily="49" charset="0"/>
-              </a:rPr>
-              <a:t>AssemblyTrademark</a:t>
-            </a:r>
-            <a:r>
-              <a:rPr lang="en-US" sz="1800" dirty="0">
-                <a:latin typeface="Courier New" pitchFamily="49" charset="0"/>
-                <a:cs typeface="Courier New" pitchFamily="49" charset="0"/>
-              </a:rPr>
-              <a:t>("")]</a:t>
-            </a:r>
-          </a:p>
-          <a:p>
-            <a:pPr marL="0" indent="0">
-              <a:buNone/>
-            </a:pPr>
-            <a:r>
-              <a:rPr lang="en-US" sz="1800" dirty="0">
-                <a:solidFill>
-                  <a:srgbClr val="FFC000"/>
-                </a:solidFill>
-                <a:latin typeface="Courier New" pitchFamily="49" charset="0"/>
-                <a:cs typeface="Courier New" pitchFamily="49" charset="0"/>
-              </a:rPr>
-              <a:t>[assembly: </a:t>
-            </a:r>
-            <a:r>
-              <a:rPr lang="en-US" sz="1800" dirty="0" err="1">
-                <a:solidFill>
-                  <a:srgbClr val="FFC000"/>
-                </a:solidFill>
-                <a:latin typeface="Courier New" pitchFamily="49" charset="0"/>
-                <a:cs typeface="Courier New" pitchFamily="49" charset="0"/>
-              </a:rPr>
-              <a:t>AssemblyCulture</a:t>
-            </a:r>
-            <a:r>
-              <a:rPr lang="en-US" sz="1800" dirty="0">
-                <a:solidFill>
-                  <a:srgbClr val="FFC000"/>
-                </a:solidFill>
-                <a:latin typeface="Courier New" pitchFamily="49" charset="0"/>
-                <a:cs typeface="Courier New" pitchFamily="49" charset="0"/>
-              </a:rPr>
-              <a:t>("")]</a:t>
-            </a:r>
-          </a:p>
-          <a:p>
-            <a:pPr marL="0" indent="0">
-              <a:buNone/>
-            </a:pPr>
-            <a:endParaRPr lang="ru-RU" sz="1800" dirty="0">
-              <a:latin typeface="Courier New" pitchFamily="49" charset="0"/>
-              <a:cs typeface="Courier New" pitchFamily="49" charset="0"/>
-            </a:endParaRPr>
-          </a:p>
-          <a:p>
-            <a:pPr marL="0" indent="0">
-              <a:buNone/>
-            </a:pPr>
-            <a:r>
-              <a:rPr lang="en-US" sz="1800" dirty="0">
-                <a:solidFill>
-                  <a:srgbClr val="FFC000"/>
-                </a:solidFill>
-                <a:latin typeface="Courier New" pitchFamily="49" charset="0"/>
-                <a:cs typeface="Courier New" pitchFamily="49" charset="0"/>
-              </a:rPr>
-              <a:t>[assembly: </a:t>
-            </a:r>
-            <a:r>
-              <a:rPr lang="en-US" sz="1800" dirty="0" err="1">
-                <a:solidFill>
-                  <a:srgbClr val="FFC000"/>
-                </a:solidFill>
-                <a:latin typeface="Courier New" pitchFamily="49" charset="0"/>
-                <a:cs typeface="Courier New" pitchFamily="49" charset="0"/>
-              </a:rPr>
-              <a:t>AssemblyVersion</a:t>
-            </a:r>
-            <a:r>
-              <a:rPr lang="en-US" sz="1800" dirty="0">
-                <a:solidFill>
-                  <a:srgbClr val="FFC000"/>
-                </a:solidFill>
-                <a:latin typeface="Courier New" pitchFamily="49" charset="0"/>
-                <a:cs typeface="Courier New" pitchFamily="49" charset="0"/>
-              </a:rPr>
-              <a:t>("1.0.0.0</a:t>
-            </a:r>
-            <a:r>
-              <a:rPr lang="en-US" sz="1800" dirty="0" smtClean="0">
-                <a:solidFill>
-                  <a:srgbClr val="FFC000"/>
-                </a:solidFill>
-                <a:latin typeface="Courier New" pitchFamily="49" charset="0"/>
-                <a:cs typeface="Courier New" pitchFamily="49" charset="0"/>
-              </a:rPr>
-              <a:t>")] // </a:t>
-            </a:r>
-            <a:r>
-              <a:rPr lang="ru-RU" sz="1800" dirty="0" smtClean="0">
-                <a:solidFill>
-                  <a:srgbClr val="FFC000"/>
-                </a:solidFill>
-                <a:latin typeface="Courier New" pitchFamily="49" charset="0"/>
-                <a:cs typeface="Courier New" pitchFamily="49" charset="0"/>
-              </a:rPr>
-              <a:t>Версия сборки</a:t>
-            </a:r>
-            <a:endParaRPr lang="en-US" sz="1800" dirty="0">
-              <a:solidFill>
-                <a:srgbClr val="FFC000"/>
-              </a:solidFill>
-              <a:latin typeface="Courier New" pitchFamily="49" charset="0"/>
-              <a:cs typeface="Courier New" pitchFamily="49" charset="0"/>
-            </a:endParaRPr>
-          </a:p>
-          <a:p>
-            <a:pPr marL="0" indent="0">
-              <a:buNone/>
-            </a:pPr>
-            <a:r>
-              <a:rPr lang="en-US" sz="1800" dirty="0" smtClean="0">
-                <a:latin typeface="Courier New" pitchFamily="49" charset="0"/>
-                <a:cs typeface="Courier New" pitchFamily="49" charset="0"/>
-              </a:rPr>
-              <a:t>[assembly: </a:t>
-            </a:r>
-            <a:r>
-              <a:rPr lang="en-US" sz="1800" dirty="0" err="1" smtClean="0">
-                <a:latin typeface="Courier New" pitchFamily="49" charset="0"/>
-                <a:cs typeface="Courier New" pitchFamily="49" charset="0"/>
-              </a:rPr>
-              <a:t>AssemblyFileVersion</a:t>
-            </a:r>
-            <a:r>
-              <a:rPr lang="en-US" sz="1800" dirty="0" smtClean="0">
-                <a:latin typeface="Courier New" pitchFamily="49" charset="0"/>
-                <a:cs typeface="Courier New" pitchFamily="49" charset="0"/>
-              </a:rPr>
-              <a:t>("1.0.0.0")]</a:t>
-            </a:r>
-            <a:r>
-              <a:rPr lang="ru-RU" sz="1800" dirty="0" smtClean="0">
-                <a:latin typeface="Courier New" pitchFamily="49" charset="0"/>
-                <a:cs typeface="Courier New" pitchFamily="49" charset="0"/>
-              </a:rPr>
-              <a:t> // Версия файла</a:t>
-            </a:r>
-            <a:endParaRPr lang="en-US" sz="1800" dirty="0" smtClean="0">
-              <a:latin typeface="Courier New" pitchFamily="49" charset="0"/>
-              <a:cs typeface="Courier New" pitchFamily="49" charset="0"/>
-            </a:endParaRPr>
-          </a:p>
-          <a:p>
-            <a:pPr marL="0" indent="0">
-              <a:buNone/>
-            </a:pPr>
-            <a:endParaRPr lang="ru-RU" sz="1800" dirty="0">
-              <a:latin typeface="Courier New" pitchFamily="49" charset="0"/>
-              <a:cs typeface="Courier New" pitchFamily="49" charset="0"/>
-            </a:endParaRPr>
+              <a:rPr lang="en-US" dirty="0" smtClean="0">
+                <a:hlinkClick r:id="rId2"/>
+              </a:rPr>
+              <a:t>http</a:t>
+            </a:r>
+            <a:r>
+              <a:rPr lang="en-US" dirty="0">
+                <a:hlinkClick r:id="rId2"/>
+              </a:rPr>
+              <a:t>://</a:t>
+            </a:r>
+            <a:r>
+              <a:rPr lang="en-US" dirty="0" smtClean="0">
+                <a:hlinkClick r:id="rId2"/>
+              </a:rPr>
+              <a:t>msdn.microsoft.com/en-us/library/e74a18c4%28v=vs.110%29.aspx</a:t>
+            </a:r>
+            <a:endParaRPr lang="ru-RU" dirty="0"/>
           </a:p>
         </p:txBody>
       </p:sp>
     </p:spTree>
     <p:extLst>
       <p:ext uri="{BB962C8B-B14F-4D97-AF65-F5344CB8AC3E}">
-        <p14:creationId xmlns:p14="http://schemas.microsoft.com/office/powerpoint/2010/main" val="2033864528"/>
+        <p14:creationId xmlns:p14="http://schemas.microsoft.com/office/powerpoint/2010/main" val="3803663968"/>
       </p:ext>
     </p:extLst>
   </p:cSld>
@@ -13280,6 +12888,786 @@
 </file>
 
 <file path=ppt/slides/slide30.xml><?xml version="1.0" encoding="utf-8"?>
+<p:sld xmlns:a="http://schemas.openxmlformats.org/drawingml/2006/main" xmlns:r="http://schemas.openxmlformats.org/officeDocument/2006/relationships" xmlns:p="http://schemas.openxmlformats.org/presentationml/2006/main">
+  <p:cSld>
+    <p:spTree>
+      <p:nvGrpSpPr>
+        <p:cNvPr id="1" name=""/>
+        <p:cNvGrpSpPr/>
+        <p:nvPr/>
+      </p:nvGrpSpPr>
+      <p:grpSpPr>
+        <a:xfrm>
+          <a:off x="0" y="0"/>
+          <a:ext cx="0" cy="0"/>
+          <a:chOff x="0" y="0"/>
+          <a:chExt cx="0" cy="0"/>
+        </a:xfrm>
+      </p:grpSpPr>
+      <p:sp>
+        <p:nvSpPr>
+          <p:cNvPr id="2" name="Title 1"/>
+          <p:cNvSpPr>
+            <a:spLocks noGrp="1"/>
+          </p:cNvSpPr>
+          <p:nvPr>
+            <p:ph type="title"/>
+          </p:nvPr>
+        </p:nvSpPr>
+        <p:spPr/>
+        <p:txBody>
+          <a:bodyPr>
+            <a:normAutofit fontScale="90000"/>
+          </a:bodyPr>
+          <a:lstStyle/>
+          <a:p>
+            <a:r>
+              <a:rPr lang="ru-RU" dirty="0" smtClean="0"/>
+              <a:t>Строгое имя сборки (</a:t>
+            </a:r>
+            <a:r>
+              <a:rPr lang="en-US" dirty="0" smtClean="0"/>
+              <a:t>strong name</a:t>
+            </a:r>
+            <a:r>
+              <a:rPr lang="ru-RU" dirty="0" smtClean="0"/>
+              <a:t>)</a:t>
+            </a:r>
+            <a:endParaRPr lang="ru-RU" dirty="0"/>
+          </a:p>
+        </p:txBody>
+      </p:sp>
+      <p:sp>
+        <p:nvSpPr>
+          <p:cNvPr id="3" name="Content Placeholder 2"/>
+          <p:cNvSpPr>
+            <a:spLocks noGrp="1"/>
+          </p:cNvSpPr>
+          <p:nvPr>
+            <p:ph idx="1"/>
+          </p:nvPr>
+        </p:nvSpPr>
+        <p:spPr/>
+        <p:txBody>
+          <a:bodyPr>
+            <a:normAutofit fontScale="62500" lnSpcReduction="20000"/>
+          </a:bodyPr>
+          <a:lstStyle/>
+          <a:p>
+            <a:pPr marL="0" indent="0">
+              <a:buNone/>
+            </a:pPr>
+            <a:r>
+              <a:rPr lang="ru-RU" dirty="0" smtClean="0">
+                <a:solidFill>
+                  <a:schemeClr val="bg1"/>
+                </a:solidFill>
+              </a:rPr>
+              <a:t>Для задания строгово имени сборки необходимы четыре составляющих:</a:t>
+            </a:r>
+          </a:p>
+          <a:p>
+            <a:pPr marL="0" indent="0">
+              <a:buNone/>
+            </a:pPr>
+            <a:endParaRPr lang="en-US" dirty="0" smtClean="0">
+              <a:solidFill>
+                <a:schemeClr val="bg1"/>
+              </a:solidFill>
+            </a:endParaRPr>
+          </a:p>
+          <a:p>
+            <a:pPr marL="514350" indent="-514350">
+              <a:buFont typeface="+mj-lt"/>
+              <a:buAutoNum type="arabicPeriod"/>
+            </a:pPr>
+            <a:r>
+              <a:rPr lang="ru-RU" dirty="0" smtClean="0">
+                <a:solidFill>
+                  <a:srgbClr val="FFFF00"/>
+                </a:solidFill>
+              </a:rPr>
+              <a:t>Имя сборки</a:t>
+            </a:r>
+            <a:endParaRPr lang="en-US" dirty="0" smtClean="0">
+              <a:solidFill>
+                <a:srgbClr val="FFFF00"/>
+              </a:solidFill>
+            </a:endParaRPr>
+          </a:p>
+          <a:p>
+            <a:pPr lvl="1"/>
+            <a:r>
+              <a:rPr lang="ru-RU" dirty="0" smtClean="0"/>
+              <a:t>Задается в свойствах проекта</a:t>
+            </a:r>
+          </a:p>
+          <a:p>
+            <a:pPr marL="514350" indent="-514350">
+              <a:buFont typeface="+mj-lt"/>
+              <a:buAutoNum type="arabicPeriod"/>
+            </a:pPr>
+            <a:r>
+              <a:rPr lang="ru-RU" dirty="0" smtClean="0">
+                <a:solidFill>
+                  <a:srgbClr val="FFFF00"/>
+                </a:solidFill>
+              </a:rPr>
+              <a:t>Номер версии сборки</a:t>
+            </a:r>
+          </a:p>
+          <a:p>
+            <a:pPr lvl="1"/>
+            <a:r>
+              <a:rPr lang="ru-RU" dirty="0" smtClean="0"/>
+              <a:t>Атрибут </a:t>
+            </a:r>
+            <a:r>
+              <a:rPr lang="en-US" dirty="0" err="1" smtClean="0"/>
+              <a:t>AssemblyVersion</a:t>
+            </a:r>
+            <a:endParaRPr lang="ru-RU" dirty="0" smtClean="0"/>
+          </a:p>
+          <a:p>
+            <a:pPr marL="514350" indent="-514350">
+              <a:buFont typeface="+mj-lt"/>
+              <a:buAutoNum type="arabicPeriod"/>
+            </a:pPr>
+            <a:r>
+              <a:rPr lang="ru-RU" dirty="0" smtClean="0">
+                <a:solidFill>
+                  <a:srgbClr val="FFFF00"/>
+                </a:solidFill>
+              </a:rPr>
+              <a:t>Культура сборки</a:t>
+            </a:r>
+          </a:p>
+          <a:p>
+            <a:pPr lvl="1"/>
+            <a:r>
+              <a:rPr lang="ru-RU" dirty="0" smtClean="0"/>
+              <a:t>Атрибут </a:t>
+            </a:r>
+            <a:r>
+              <a:rPr lang="en-US" dirty="0" err="1" smtClean="0"/>
+              <a:t>AssemblyCulture</a:t>
+            </a:r>
+            <a:endParaRPr lang="ru-RU" dirty="0" smtClean="0"/>
+          </a:p>
+          <a:p>
+            <a:pPr marL="514350" indent="-514350">
+              <a:buFont typeface="+mj-lt"/>
+              <a:buAutoNum type="arabicPeriod"/>
+            </a:pPr>
+            <a:r>
+              <a:rPr lang="en-US" dirty="0" err="1" smtClean="0">
+                <a:solidFill>
+                  <a:srgbClr val="FFFF00"/>
+                </a:solidFill>
+              </a:rPr>
+              <a:t>PublicKeyToken</a:t>
+            </a:r>
+            <a:endParaRPr lang="ru-RU" dirty="0" smtClean="0">
+              <a:solidFill>
+                <a:srgbClr val="FFFF00"/>
+              </a:solidFill>
+            </a:endParaRPr>
+          </a:p>
+          <a:p>
+            <a:pPr lvl="1"/>
+            <a:r>
+              <a:rPr lang="ru-RU" dirty="0" smtClean="0"/>
+              <a:t>Часть </a:t>
+            </a:r>
+            <a:r>
+              <a:rPr lang="en-US" dirty="0" smtClean="0"/>
+              <a:t>public </a:t>
+            </a:r>
+            <a:r>
+              <a:rPr lang="ru-RU" dirty="0" smtClean="0"/>
+              <a:t>ключа из </a:t>
+            </a:r>
+            <a:r>
+              <a:rPr lang="en-US" dirty="0" err="1" smtClean="0"/>
+              <a:t>snk</a:t>
+            </a:r>
+            <a:r>
+              <a:rPr lang="en-US" dirty="0" smtClean="0"/>
+              <a:t> </a:t>
+            </a:r>
+            <a:r>
+              <a:rPr lang="ru-RU" dirty="0" smtClean="0"/>
+              <a:t>файла</a:t>
+            </a:r>
+            <a:endParaRPr lang="en-US" dirty="0" smtClean="0"/>
+          </a:p>
+          <a:p>
+            <a:endParaRPr lang="en-US" dirty="0"/>
+          </a:p>
+          <a:p>
+            <a:r>
+              <a:rPr lang="en-US" sz="2400" dirty="0" err="1"/>
+              <a:t>MyTypes</a:t>
+            </a:r>
+            <a:r>
+              <a:rPr lang="en-US" sz="2400" dirty="0"/>
+              <a:t>, </a:t>
+            </a:r>
+            <a:r>
+              <a:rPr lang="en-US" sz="2400" dirty="0" smtClean="0"/>
+              <a:t>Version=1.0.8123.</a:t>
+            </a:r>
+            <a:r>
+              <a:rPr lang="ru-RU" sz="2400" dirty="0" smtClean="0"/>
+              <a:t>О,</a:t>
+            </a:r>
+            <a:r>
+              <a:rPr lang="en-US" sz="2400" dirty="0" smtClean="0"/>
+              <a:t/>
+            </a:r>
+            <a:br>
+              <a:rPr lang="en-US" sz="2400" dirty="0" smtClean="0"/>
+            </a:br>
+            <a:r>
+              <a:rPr lang="en-US" sz="2400" dirty="0" smtClean="0"/>
+              <a:t>Culture=neutral</a:t>
+            </a:r>
+            <a:r>
+              <a:rPr lang="en-US" sz="2400" dirty="0"/>
+              <a:t>, </a:t>
+            </a:r>
+            <a:r>
+              <a:rPr lang="en-US" sz="2400" dirty="0" err="1" smtClean="0"/>
+              <a:t>PublicKeyToken</a:t>
+            </a:r>
+            <a:r>
+              <a:rPr lang="en-US" sz="2400" dirty="0" smtClean="0"/>
+              <a:t>=b77a5c561934e089</a:t>
+            </a:r>
+          </a:p>
+          <a:p>
+            <a:r>
+              <a:rPr lang="en-US" sz="2400" dirty="0" err="1"/>
+              <a:t>MyTypes</a:t>
+            </a:r>
+            <a:r>
+              <a:rPr lang="en-US" sz="2400" dirty="0"/>
+              <a:t>, </a:t>
+            </a:r>
+            <a:r>
+              <a:rPr lang="en-US" sz="2400" dirty="0" smtClean="0"/>
+              <a:t>Version=1.0.8123.</a:t>
+            </a:r>
+            <a:r>
+              <a:rPr lang="ru-RU" sz="2400" dirty="0"/>
+              <a:t>О,</a:t>
+            </a:r>
+            <a:r>
+              <a:rPr lang="en-US" sz="2400" dirty="0"/>
+              <a:t/>
+            </a:r>
+            <a:br>
+              <a:rPr lang="en-US" sz="2400" dirty="0"/>
+            </a:br>
+            <a:r>
+              <a:rPr lang="en-US" sz="2400" dirty="0" smtClean="0"/>
+              <a:t>Culture=en-US, </a:t>
+            </a:r>
+            <a:r>
+              <a:rPr lang="en-US" sz="2400" dirty="0" err="1"/>
+              <a:t>PublicKeyToken</a:t>
+            </a:r>
+            <a:r>
+              <a:rPr lang="en-US" sz="2400" dirty="0"/>
+              <a:t>=b77a5c561934e089</a:t>
+            </a:r>
+            <a:endParaRPr lang="ru-RU" sz="2400" dirty="0" smtClean="0"/>
+          </a:p>
+          <a:p>
+            <a:endParaRPr lang="ru-RU" dirty="0"/>
+          </a:p>
+        </p:txBody>
+      </p:sp>
+    </p:spTree>
+    <p:extLst>
+      <p:ext uri="{BB962C8B-B14F-4D97-AF65-F5344CB8AC3E}">
+        <p14:creationId xmlns:p14="http://schemas.microsoft.com/office/powerpoint/2010/main" val="1579629595"/>
+      </p:ext>
+    </p:extLst>
+  </p:cSld>
+  <p:clrMapOvr>
+    <a:masterClrMapping/>
+  </p:clrMapOvr>
+  <p:timing>
+    <p:tnLst>
+      <p:par>
+        <p:cTn id="1" dur="indefinite" restart="never" nodeType="tmRoot"/>
+      </p:par>
+    </p:tnLst>
+  </p:timing>
+</p:sld>
+</file>
+
+<file path=ppt/slides/slide31.xml><?xml version="1.0" encoding="utf-8"?>
+<p:sld xmlns:a="http://schemas.openxmlformats.org/drawingml/2006/main" xmlns:r="http://schemas.openxmlformats.org/officeDocument/2006/relationships" xmlns:p="http://schemas.openxmlformats.org/presentationml/2006/main">
+  <p:cSld>
+    <p:spTree>
+      <p:nvGrpSpPr>
+        <p:cNvPr id="1" name=""/>
+        <p:cNvGrpSpPr/>
+        <p:nvPr/>
+      </p:nvGrpSpPr>
+      <p:grpSpPr>
+        <a:xfrm>
+          <a:off x="0" y="0"/>
+          <a:ext cx="0" cy="0"/>
+          <a:chOff x="0" y="0"/>
+          <a:chExt cx="0" cy="0"/>
+        </a:xfrm>
+      </p:grpSpPr>
+      <p:sp>
+        <p:nvSpPr>
+          <p:cNvPr id="2" name="Title 1"/>
+          <p:cNvSpPr>
+            <a:spLocks noGrp="1"/>
+          </p:cNvSpPr>
+          <p:nvPr>
+            <p:ph type="title"/>
+          </p:nvPr>
+        </p:nvSpPr>
+        <p:spPr/>
+        <p:txBody>
+          <a:bodyPr/>
+          <a:lstStyle/>
+          <a:p>
+            <a:r>
+              <a:rPr lang="ru-RU" dirty="0" smtClean="0"/>
+              <a:t>Файл </a:t>
+            </a:r>
+            <a:r>
+              <a:rPr lang="en-US" dirty="0" err="1" smtClean="0"/>
+              <a:t>AssemblyInfo.cs</a:t>
+            </a:r>
+            <a:endParaRPr lang="ru-RU" dirty="0"/>
+          </a:p>
+        </p:txBody>
+      </p:sp>
+      <p:sp>
+        <p:nvSpPr>
+          <p:cNvPr id="3" name="Content Placeholder 2"/>
+          <p:cNvSpPr>
+            <a:spLocks noGrp="1"/>
+          </p:cNvSpPr>
+          <p:nvPr>
+            <p:ph idx="1"/>
+          </p:nvPr>
+        </p:nvSpPr>
+        <p:spPr/>
+        <p:txBody>
+          <a:bodyPr>
+            <a:normAutofit/>
+          </a:bodyPr>
+          <a:lstStyle/>
+          <a:p>
+            <a:pPr marL="0" indent="0">
+              <a:buNone/>
+            </a:pPr>
+            <a:r>
+              <a:rPr lang="en-US" sz="1800" dirty="0">
+                <a:solidFill>
+                  <a:srgbClr val="FFC000"/>
+                </a:solidFill>
+                <a:latin typeface="Courier New" pitchFamily="49" charset="0"/>
+                <a:cs typeface="Courier New" pitchFamily="49" charset="0"/>
+              </a:rPr>
+              <a:t>[assembly: </a:t>
+            </a:r>
+            <a:r>
+              <a:rPr lang="en-US" sz="1800" dirty="0" err="1">
+                <a:solidFill>
+                  <a:srgbClr val="FFC000"/>
+                </a:solidFill>
+                <a:latin typeface="Courier New" pitchFamily="49" charset="0"/>
+                <a:cs typeface="Courier New" pitchFamily="49" charset="0"/>
+              </a:rPr>
+              <a:t>AssemblyTitle</a:t>
+            </a:r>
+            <a:r>
+              <a:rPr lang="en-US" sz="1800" dirty="0">
+                <a:solidFill>
+                  <a:srgbClr val="FFC000"/>
+                </a:solidFill>
+                <a:latin typeface="Courier New" pitchFamily="49" charset="0"/>
+                <a:cs typeface="Courier New" pitchFamily="49" charset="0"/>
+              </a:rPr>
+              <a:t>("</a:t>
+            </a:r>
+            <a:r>
+              <a:rPr lang="en-US" sz="1800" dirty="0" err="1">
+                <a:solidFill>
+                  <a:srgbClr val="FFC000"/>
+                </a:solidFill>
+                <a:latin typeface="Courier New" pitchFamily="49" charset="0"/>
+                <a:cs typeface="Courier New" pitchFamily="49" charset="0"/>
+              </a:rPr>
+              <a:t>SatelliteAssembliesDemo</a:t>
+            </a:r>
+            <a:r>
+              <a:rPr lang="en-US" sz="1800" dirty="0">
+                <a:solidFill>
+                  <a:srgbClr val="FFC000"/>
+                </a:solidFill>
+                <a:latin typeface="Courier New" pitchFamily="49" charset="0"/>
+                <a:cs typeface="Courier New" pitchFamily="49" charset="0"/>
+              </a:rPr>
+              <a:t>")]</a:t>
+            </a:r>
+          </a:p>
+          <a:p>
+            <a:pPr marL="0" indent="0">
+              <a:buNone/>
+            </a:pPr>
+            <a:r>
+              <a:rPr lang="en-US" sz="1800" dirty="0">
+                <a:latin typeface="Courier New" pitchFamily="49" charset="0"/>
+                <a:cs typeface="Courier New" pitchFamily="49" charset="0"/>
+              </a:rPr>
+              <a:t>[assembly: </a:t>
+            </a:r>
+            <a:r>
+              <a:rPr lang="en-US" sz="1800" dirty="0" err="1">
+                <a:latin typeface="Courier New" pitchFamily="49" charset="0"/>
+                <a:cs typeface="Courier New" pitchFamily="49" charset="0"/>
+              </a:rPr>
+              <a:t>AssemblyDescription</a:t>
+            </a:r>
+            <a:r>
+              <a:rPr lang="en-US" sz="1800" dirty="0">
+                <a:latin typeface="Courier New" pitchFamily="49" charset="0"/>
+                <a:cs typeface="Courier New" pitchFamily="49" charset="0"/>
+              </a:rPr>
+              <a:t>("")]</a:t>
+            </a:r>
+          </a:p>
+          <a:p>
+            <a:pPr marL="0" indent="0">
+              <a:buNone/>
+            </a:pPr>
+            <a:r>
+              <a:rPr lang="en-US" sz="1800" dirty="0">
+                <a:latin typeface="Courier New" pitchFamily="49" charset="0"/>
+                <a:cs typeface="Courier New" pitchFamily="49" charset="0"/>
+              </a:rPr>
+              <a:t>[assembly: </a:t>
+            </a:r>
+            <a:r>
+              <a:rPr lang="en-US" sz="1800" dirty="0" err="1">
+                <a:latin typeface="Courier New" pitchFamily="49" charset="0"/>
+                <a:cs typeface="Courier New" pitchFamily="49" charset="0"/>
+              </a:rPr>
+              <a:t>AssemblyConfiguration</a:t>
+            </a:r>
+            <a:r>
+              <a:rPr lang="en-US" sz="1800" dirty="0">
+                <a:latin typeface="Courier New" pitchFamily="49" charset="0"/>
+                <a:cs typeface="Courier New" pitchFamily="49" charset="0"/>
+              </a:rPr>
+              <a:t>("")]</a:t>
+            </a:r>
+          </a:p>
+          <a:p>
+            <a:pPr marL="0" indent="0">
+              <a:buNone/>
+            </a:pPr>
+            <a:r>
+              <a:rPr lang="en-US" sz="1800" dirty="0">
+                <a:latin typeface="Courier New" pitchFamily="49" charset="0"/>
+                <a:cs typeface="Courier New" pitchFamily="49" charset="0"/>
+              </a:rPr>
+              <a:t>[assembly: </a:t>
+            </a:r>
+            <a:r>
+              <a:rPr lang="en-US" sz="1800" dirty="0" err="1">
+                <a:latin typeface="Courier New" pitchFamily="49" charset="0"/>
+                <a:cs typeface="Courier New" pitchFamily="49" charset="0"/>
+              </a:rPr>
+              <a:t>AssemblyCompany</a:t>
+            </a:r>
+            <a:r>
+              <a:rPr lang="en-US" sz="1800" dirty="0">
+                <a:latin typeface="Courier New" pitchFamily="49" charset="0"/>
+                <a:cs typeface="Courier New" pitchFamily="49" charset="0"/>
+              </a:rPr>
+              <a:t>("")]</a:t>
+            </a:r>
+          </a:p>
+          <a:p>
+            <a:pPr marL="0" indent="0">
+              <a:buNone/>
+            </a:pPr>
+            <a:r>
+              <a:rPr lang="en-US" sz="1800" dirty="0">
+                <a:latin typeface="Courier New" pitchFamily="49" charset="0"/>
+                <a:cs typeface="Courier New" pitchFamily="49" charset="0"/>
+              </a:rPr>
+              <a:t>[assembly: </a:t>
+            </a:r>
+            <a:r>
+              <a:rPr lang="en-US" sz="1800" dirty="0" err="1">
+                <a:latin typeface="Courier New" pitchFamily="49" charset="0"/>
+                <a:cs typeface="Courier New" pitchFamily="49" charset="0"/>
+              </a:rPr>
+              <a:t>AssemblyProduct</a:t>
+            </a:r>
+            <a:r>
+              <a:rPr lang="en-US" sz="1800" dirty="0">
+                <a:latin typeface="Courier New" pitchFamily="49" charset="0"/>
+                <a:cs typeface="Courier New" pitchFamily="49" charset="0"/>
+              </a:rPr>
+              <a:t>("</a:t>
+            </a:r>
+            <a:r>
+              <a:rPr lang="en-US" sz="1800" dirty="0" err="1">
+                <a:latin typeface="Courier New" pitchFamily="49" charset="0"/>
+                <a:cs typeface="Courier New" pitchFamily="49" charset="0"/>
+              </a:rPr>
+              <a:t>SatelliteAssembliesDemo</a:t>
+            </a:r>
+            <a:r>
+              <a:rPr lang="en-US" sz="1800" dirty="0">
+                <a:latin typeface="Courier New" pitchFamily="49" charset="0"/>
+                <a:cs typeface="Courier New" pitchFamily="49" charset="0"/>
+              </a:rPr>
+              <a:t>")]</a:t>
+            </a:r>
+          </a:p>
+          <a:p>
+            <a:pPr marL="0" indent="0">
+              <a:buNone/>
+            </a:pPr>
+            <a:r>
+              <a:rPr lang="en-US" sz="1800" dirty="0">
+                <a:latin typeface="Courier New" pitchFamily="49" charset="0"/>
+                <a:cs typeface="Courier New" pitchFamily="49" charset="0"/>
+              </a:rPr>
+              <a:t>[assembly: </a:t>
+            </a:r>
+            <a:r>
+              <a:rPr lang="en-US" sz="1800" dirty="0" err="1">
+                <a:latin typeface="Courier New" pitchFamily="49" charset="0"/>
+                <a:cs typeface="Courier New" pitchFamily="49" charset="0"/>
+              </a:rPr>
+              <a:t>AssemblyCopyright</a:t>
+            </a:r>
+            <a:r>
+              <a:rPr lang="en-US" sz="1800" dirty="0">
+                <a:latin typeface="Courier New" pitchFamily="49" charset="0"/>
+                <a:cs typeface="Courier New" pitchFamily="49" charset="0"/>
+              </a:rPr>
+              <a:t>("Copyright ©  2012")]</a:t>
+            </a:r>
+          </a:p>
+          <a:p>
+            <a:pPr marL="0" indent="0">
+              <a:buNone/>
+            </a:pPr>
+            <a:r>
+              <a:rPr lang="en-US" sz="1800" dirty="0">
+                <a:latin typeface="Courier New" pitchFamily="49" charset="0"/>
+                <a:cs typeface="Courier New" pitchFamily="49" charset="0"/>
+              </a:rPr>
+              <a:t>[assembly: </a:t>
+            </a:r>
+            <a:r>
+              <a:rPr lang="en-US" sz="1800" dirty="0" err="1">
+                <a:latin typeface="Courier New" pitchFamily="49" charset="0"/>
+                <a:cs typeface="Courier New" pitchFamily="49" charset="0"/>
+              </a:rPr>
+              <a:t>AssemblyTrademark</a:t>
+            </a:r>
+            <a:r>
+              <a:rPr lang="en-US" sz="1800" dirty="0">
+                <a:latin typeface="Courier New" pitchFamily="49" charset="0"/>
+                <a:cs typeface="Courier New" pitchFamily="49" charset="0"/>
+              </a:rPr>
+              <a:t>("")]</a:t>
+            </a:r>
+          </a:p>
+          <a:p>
+            <a:pPr marL="0" indent="0">
+              <a:buNone/>
+            </a:pPr>
+            <a:r>
+              <a:rPr lang="en-US" sz="1800" dirty="0">
+                <a:solidFill>
+                  <a:srgbClr val="FFC000"/>
+                </a:solidFill>
+                <a:latin typeface="Courier New" pitchFamily="49" charset="0"/>
+                <a:cs typeface="Courier New" pitchFamily="49" charset="0"/>
+              </a:rPr>
+              <a:t>[assembly: </a:t>
+            </a:r>
+            <a:r>
+              <a:rPr lang="en-US" sz="1800" dirty="0" err="1">
+                <a:solidFill>
+                  <a:srgbClr val="FFC000"/>
+                </a:solidFill>
+                <a:latin typeface="Courier New" pitchFamily="49" charset="0"/>
+                <a:cs typeface="Courier New" pitchFamily="49" charset="0"/>
+              </a:rPr>
+              <a:t>AssemblyCulture</a:t>
+            </a:r>
+            <a:r>
+              <a:rPr lang="en-US" sz="1800" dirty="0">
+                <a:solidFill>
+                  <a:srgbClr val="FFC000"/>
+                </a:solidFill>
+                <a:latin typeface="Courier New" pitchFamily="49" charset="0"/>
+                <a:cs typeface="Courier New" pitchFamily="49" charset="0"/>
+              </a:rPr>
+              <a:t>("")]</a:t>
+            </a:r>
+          </a:p>
+          <a:p>
+            <a:pPr marL="0" indent="0">
+              <a:buNone/>
+            </a:pPr>
+            <a:endParaRPr lang="ru-RU" sz="1800" dirty="0">
+              <a:latin typeface="Courier New" pitchFamily="49" charset="0"/>
+              <a:cs typeface="Courier New" pitchFamily="49" charset="0"/>
+            </a:endParaRPr>
+          </a:p>
+          <a:p>
+            <a:pPr marL="0" indent="0">
+              <a:buNone/>
+            </a:pPr>
+            <a:r>
+              <a:rPr lang="en-US" sz="1800" dirty="0">
+                <a:solidFill>
+                  <a:srgbClr val="FFC000"/>
+                </a:solidFill>
+                <a:latin typeface="Courier New" pitchFamily="49" charset="0"/>
+                <a:cs typeface="Courier New" pitchFamily="49" charset="0"/>
+              </a:rPr>
+              <a:t>[assembly: </a:t>
+            </a:r>
+            <a:r>
+              <a:rPr lang="en-US" sz="1800" dirty="0" err="1">
+                <a:solidFill>
+                  <a:srgbClr val="FFC000"/>
+                </a:solidFill>
+                <a:latin typeface="Courier New" pitchFamily="49" charset="0"/>
+                <a:cs typeface="Courier New" pitchFamily="49" charset="0"/>
+              </a:rPr>
+              <a:t>AssemblyVersion</a:t>
+            </a:r>
+            <a:r>
+              <a:rPr lang="en-US" sz="1800" dirty="0">
+                <a:solidFill>
+                  <a:srgbClr val="FFC000"/>
+                </a:solidFill>
+                <a:latin typeface="Courier New" pitchFamily="49" charset="0"/>
+                <a:cs typeface="Courier New" pitchFamily="49" charset="0"/>
+              </a:rPr>
+              <a:t>("1.0.0.0</a:t>
+            </a:r>
+            <a:r>
+              <a:rPr lang="en-US" sz="1800" dirty="0" smtClean="0">
+                <a:solidFill>
+                  <a:srgbClr val="FFC000"/>
+                </a:solidFill>
+                <a:latin typeface="Courier New" pitchFamily="49" charset="0"/>
+                <a:cs typeface="Courier New" pitchFamily="49" charset="0"/>
+              </a:rPr>
+              <a:t>")] // </a:t>
+            </a:r>
+            <a:r>
+              <a:rPr lang="ru-RU" sz="1800" dirty="0" smtClean="0">
+                <a:solidFill>
+                  <a:srgbClr val="FFC000"/>
+                </a:solidFill>
+                <a:latin typeface="Courier New" pitchFamily="49" charset="0"/>
+                <a:cs typeface="Courier New" pitchFamily="49" charset="0"/>
+              </a:rPr>
+              <a:t>Версия сборки</a:t>
+            </a:r>
+            <a:endParaRPr lang="en-US" sz="1800" dirty="0">
+              <a:solidFill>
+                <a:srgbClr val="FFC000"/>
+              </a:solidFill>
+              <a:latin typeface="Courier New" pitchFamily="49" charset="0"/>
+              <a:cs typeface="Courier New" pitchFamily="49" charset="0"/>
+            </a:endParaRPr>
+          </a:p>
+          <a:p>
+            <a:pPr marL="0" indent="0">
+              <a:buNone/>
+            </a:pPr>
+            <a:r>
+              <a:rPr lang="en-US" sz="1800" dirty="0" smtClean="0">
+                <a:latin typeface="Courier New" pitchFamily="49" charset="0"/>
+                <a:cs typeface="Courier New" pitchFamily="49" charset="0"/>
+              </a:rPr>
+              <a:t>[assembly: </a:t>
+            </a:r>
+            <a:r>
+              <a:rPr lang="en-US" sz="1800" dirty="0" err="1" smtClean="0">
+                <a:latin typeface="Courier New" pitchFamily="49" charset="0"/>
+                <a:cs typeface="Courier New" pitchFamily="49" charset="0"/>
+              </a:rPr>
+              <a:t>AssemblyFileVersion</a:t>
+            </a:r>
+            <a:r>
+              <a:rPr lang="en-US" sz="1800" dirty="0" smtClean="0">
+                <a:latin typeface="Courier New" pitchFamily="49" charset="0"/>
+                <a:cs typeface="Courier New" pitchFamily="49" charset="0"/>
+              </a:rPr>
+              <a:t>("1.0.0.0")]</a:t>
+            </a:r>
+            <a:r>
+              <a:rPr lang="ru-RU" sz="1800" dirty="0" smtClean="0">
+                <a:latin typeface="Courier New" pitchFamily="49" charset="0"/>
+                <a:cs typeface="Courier New" pitchFamily="49" charset="0"/>
+              </a:rPr>
+              <a:t> // Версия файла</a:t>
+            </a:r>
+            <a:endParaRPr lang="en-US" sz="1800" dirty="0" smtClean="0">
+              <a:latin typeface="Courier New" pitchFamily="49" charset="0"/>
+              <a:cs typeface="Courier New" pitchFamily="49" charset="0"/>
+            </a:endParaRPr>
+          </a:p>
+          <a:p>
+            <a:pPr marL="0" indent="0">
+              <a:buNone/>
+            </a:pPr>
+            <a:endParaRPr lang="ru-RU" sz="1800" dirty="0">
+              <a:latin typeface="Courier New" pitchFamily="49" charset="0"/>
+              <a:cs typeface="Courier New" pitchFamily="49" charset="0"/>
+            </a:endParaRPr>
+          </a:p>
+        </p:txBody>
+      </p:sp>
+    </p:spTree>
+    <p:extLst>
+      <p:ext uri="{BB962C8B-B14F-4D97-AF65-F5344CB8AC3E}">
+        <p14:creationId xmlns:p14="http://schemas.microsoft.com/office/powerpoint/2010/main" val="2033864528"/>
+      </p:ext>
+    </p:extLst>
+  </p:cSld>
+  <p:clrMapOvr>
+    <a:masterClrMapping/>
+  </p:clrMapOvr>
+  <p:timing>
+    <p:tnLst>
+      <p:par>
+        <p:cTn id="1" dur="indefinite" restart="never" nodeType="tmRoot"/>
+      </p:par>
+    </p:tnLst>
+  </p:timing>
+</p:sld>
+</file>
+
+<file path=ppt/slides/slide32.xml><?xml version="1.0" encoding="utf-8"?>
 <p:sld xmlns:a="http://schemas.openxmlformats.org/drawingml/2006/main" xmlns:r="http://schemas.openxmlformats.org/officeDocument/2006/relationships" xmlns:p="http://schemas.openxmlformats.org/presentationml/2006/main">
   <p:cSld>
     <p:spTree>
@@ -13802,7 +14190,7 @@
 </p:sld>
 </file>
 
-<file path=ppt/slides/slide31.xml><?xml version="1.0" encoding="utf-8"?>
+<file path=ppt/slides/slide33.xml><?xml version="1.0" encoding="utf-8"?>
 <p:sld xmlns:a="http://schemas.openxmlformats.org/drawingml/2006/main" xmlns:r="http://schemas.openxmlformats.org/officeDocument/2006/relationships" xmlns:p="http://schemas.openxmlformats.org/presentationml/2006/main">
   <p:cSld>
     <p:spTree>
@@ -13897,7 +14285,7 @@
 </p:sld>
 </file>
 
-<file path=ppt/slides/slide32.xml><?xml version="1.0" encoding="utf-8"?>
+<file path=ppt/slides/slide34.xml><?xml version="1.0" encoding="utf-8"?>
 <p:sld xmlns:a="http://schemas.openxmlformats.org/drawingml/2006/main" xmlns:r="http://schemas.openxmlformats.org/officeDocument/2006/relationships" xmlns:p="http://schemas.openxmlformats.org/presentationml/2006/main">
   <p:cSld>
     <p:spTree>
@@ -14120,7 +14508,7 @@
 </p:sld>
 </file>
 
-<file path=ppt/slides/slide33.xml><?xml version="1.0" encoding="utf-8"?>
+<file path=ppt/slides/slide35.xml><?xml version="1.0" encoding="utf-8"?>
 <p:sld xmlns:a="http://schemas.openxmlformats.org/drawingml/2006/main" xmlns:r="http://schemas.openxmlformats.org/officeDocument/2006/relationships" xmlns:p="http://schemas.openxmlformats.org/presentationml/2006/main">
   <p:cSld>
     <p:spTree>
@@ -14493,7 +14881,7 @@
 </p:sld>
 </file>
 
-<file path=ppt/slides/slide34.xml><?xml version="1.0" encoding="utf-8"?>
+<file path=ppt/slides/slide36.xml><?xml version="1.0" encoding="utf-8"?>
 <p:sld xmlns:a="http://schemas.openxmlformats.org/drawingml/2006/main" xmlns:r="http://schemas.openxmlformats.org/officeDocument/2006/relationships" xmlns:p="http://schemas.openxmlformats.org/presentationml/2006/main">
   <p:cSld>
     <p:spTree>
@@ -15188,481 +15576,6 @@
     <p:extLst>
       <p:ext uri="{BB962C8B-B14F-4D97-AF65-F5344CB8AC3E}">
         <p14:creationId xmlns:p14="http://schemas.microsoft.com/office/powerpoint/2010/main" val="3864391885"/>
-      </p:ext>
-    </p:extLst>
-  </p:cSld>
-  <p:clrMapOvr>
-    <a:masterClrMapping/>
-  </p:clrMapOvr>
-  <p:timing>
-    <p:tnLst>
-      <p:par>
-        <p:cTn id="1" dur="indefinite" restart="never" nodeType="tmRoot"/>
-      </p:par>
-    </p:tnLst>
-  </p:timing>
-</p:sld>
-</file>
-
-<file path=ppt/slides/slide35.xml><?xml version="1.0" encoding="utf-8"?>
-<p:sld xmlns:a="http://schemas.openxmlformats.org/drawingml/2006/main" xmlns:r="http://schemas.openxmlformats.org/officeDocument/2006/relationships" xmlns:p="http://schemas.openxmlformats.org/presentationml/2006/main">
-  <p:cSld>
-    <p:spTree>
-      <p:nvGrpSpPr>
-        <p:cNvPr id="1" name=""/>
-        <p:cNvGrpSpPr/>
-        <p:nvPr/>
-      </p:nvGrpSpPr>
-      <p:grpSpPr>
-        <a:xfrm>
-          <a:off x="0" y="0"/>
-          <a:ext cx="0" cy="0"/>
-          <a:chOff x="0" y="0"/>
-          <a:chExt cx="0" cy="0"/>
-        </a:xfrm>
-      </p:grpSpPr>
-      <p:sp>
-        <p:nvSpPr>
-          <p:cNvPr id="2" name="Title 1"/>
-          <p:cNvSpPr>
-            <a:spLocks noGrp="1"/>
-          </p:cNvSpPr>
-          <p:nvPr>
-            <p:ph type="title"/>
-          </p:nvPr>
-        </p:nvSpPr>
-        <p:spPr/>
-        <p:txBody>
-          <a:bodyPr/>
-          <a:lstStyle/>
-          <a:p>
-            <a:r>
-              <a:rPr lang="en-US" dirty="0" smtClean="0"/>
-              <a:t>Portable Class Library</a:t>
-            </a:r>
-            <a:endParaRPr lang="en-US" dirty="0"/>
-          </a:p>
-        </p:txBody>
-      </p:sp>
-      <p:sp>
-        <p:nvSpPr>
-          <p:cNvPr id="3" name="Content Placeholder 2"/>
-          <p:cNvSpPr>
-            <a:spLocks noGrp="1"/>
-          </p:cNvSpPr>
-          <p:nvPr>
-            <p:ph idx="1"/>
-          </p:nvPr>
-        </p:nvSpPr>
-        <p:spPr/>
-        <p:txBody>
-          <a:bodyPr>
-            <a:normAutofit fontScale="92500" lnSpcReduction="20000"/>
-          </a:bodyPr>
-          <a:lstStyle/>
-          <a:p>
-            <a:pPr marL="0" indent="0">
-              <a:buNone/>
-            </a:pPr>
-            <a:r>
-              <a:rPr lang="ru-RU" dirty="0" smtClean="0"/>
-              <a:t>Проекты </a:t>
-            </a:r>
-            <a:r>
-              <a:rPr lang="en-US" dirty="0"/>
-              <a:t>Portable Class </a:t>
-            </a:r>
-            <a:r>
-              <a:rPr lang="en-US" dirty="0" smtClean="0"/>
-              <a:t>Library</a:t>
-            </a:r>
-            <a:r>
-              <a:rPr lang="ru-RU" dirty="0" smtClean="0"/>
-              <a:t> позволяют создавать сборки переносимые между разными </a:t>
-            </a:r>
-            <a:r>
-              <a:rPr lang="en-US" dirty="0" smtClean="0"/>
-              <a:t>.NET </a:t>
-            </a:r>
-            <a:r>
-              <a:rPr lang="ru-RU" dirty="0" smtClean="0"/>
-              <a:t>платформами: </a:t>
-            </a:r>
-            <a:r>
-              <a:rPr lang="en-US" dirty="0" smtClean="0"/>
-              <a:t>Windows, Windows Store (Metro), Silverlight, Windows Phone, Xbox 360. </a:t>
-            </a:r>
-            <a:r>
-              <a:rPr lang="ru-RU" dirty="0" smtClean="0"/>
-              <a:t>При создании проекта мы вибираем под какие платформы мы создаем библиотеку и тем самым добровольно ограничиваем себе возможности ради переносимости.</a:t>
-            </a:r>
-          </a:p>
-          <a:p>
-            <a:pPr marL="0" indent="0">
-              <a:buNone/>
-            </a:pPr>
-            <a:endParaRPr lang="ru-RU" dirty="0"/>
-          </a:p>
-          <a:p>
-            <a:pPr marL="0" indent="0">
-              <a:buNone/>
-            </a:pPr>
-            <a:r>
-              <a:rPr lang="ru-RU" dirty="0" smtClean="0"/>
-              <a:t>Подробности смотрите в </a:t>
-            </a:r>
-            <a:r>
-              <a:rPr lang="en-US" dirty="0" smtClean="0">
-                <a:hlinkClick r:id="rId2"/>
-              </a:rPr>
-              <a:t>Cross-Platform </a:t>
-            </a:r>
-            <a:r>
-              <a:rPr lang="en-US" dirty="0">
-                <a:hlinkClick r:id="rId2"/>
-              </a:rPr>
-              <a:t>Development with the .NET </a:t>
-            </a:r>
-            <a:r>
-              <a:rPr lang="en-US" dirty="0" smtClean="0">
-                <a:hlinkClick r:id="rId2"/>
-              </a:rPr>
-              <a:t>Framework</a:t>
-            </a:r>
-            <a:r>
-              <a:rPr lang="ru-RU" dirty="0" smtClean="0"/>
-              <a:t>.</a:t>
-            </a:r>
-            <a:endParaRPr lang="en-US" dirty="0"/>
-          </a:p>
-        </p:txBody>
-      </p:sp>
-    </p:spTree>
-    <p:extLst>
-      <p:ext uri="{BB962C8B-B14F-4D97-AF65-F5344CB8AC3E}">
-        <p14:creationId xmlns:p14="http://schemas.microsoft.com/office/powerpoint/2010/main" val="2977831934"/>
-      </p:ext>
-    </p:extLst>
-  </p:cSld>
-  <p:clrMapOvr>
-    <a:masterClrMapping/>
-  </p:clrMapOvr>
-  <p:timing>
-    <p:tnLst>
-      <p:par>
-        <p:cTn id="1" dur="indefinite" restart="never" nodeType="tmRoot"/>
-      </p:par>
-    </p:tnLst>
-  </p:timing>
-</p:sld>
-</file>
-
-<file path=ppt/slides/slide36.xml><?xml version="1.0" encoding="utf-8"?>
-<p:sld xmlns:a="http://schemas.openxmlformats.org/drawingml/2006/main" xmlns:r="http://schemas.openxmlformats.org/officeDocument/2006/relationships" xmlns:p="http://schemas.openxmlformats.org/presentationml/2006/main">
-  <p:cSld>
-    <p:spTree>
-      <p:nvGrpSpPr>
-        <p:cNvPr id="1" name=""/>
-        <p:cNvGrpSpPr/>
-        <p:nvPr/>
-      </p:nvGrpSpPr>
-      <p:grpSpPr>
-        <a:xfrm>
-          <a:off x="0" y="0"/>
-          <a:ext cx="0" cy="0"/>
-          <a:chOff x="0" y="0"/>
-          <a:chExt cx="0" cy="0"/>
-        </a:xfrm>
-      </p:grpSpPr>
-      <p:sp>
-        <p:nvSpPr>
-          <p:cNvPr id="2" name="Title 1"/>
-          <p:cNvSpPr>
-            <a:spLocks noGrp="1"/>
-          </p:cNvSpPr>
-          <p:nvPr>
-            <p:ph type="title"/>
-          </p:nvPr>
-        </p:nvSpPr>
-        <p:spPr/>
-        <p:txBody>
-          <a:bodyPr/>
-          <a:lstStyle/>
-          <a:p>
-            <a:r>
-              <a:rPr lang="en-US" dirty="0" smtClean="0"/>
-              <a:t>CLS</a:t>
-            </a:r>
-            <a:r>
-              <a:rPr lang="ru-RU" dirty="0" smtClean="0"/>
-              <a:t> совместимые</a:t>
-            </a:r>
-            <a:r>
-              <a:rPr lang="en-US" dirty="0" smtClean="0"/>
-              <a:t> </a:t>
-            </a:r>
-            <a:r>
-              <a:rPr lang="ru-RU" dirty="0" smtClean="0"/>
-              <a:t>сборки</a:t>
-            </a:r>
-            <a:endParaRPr lang="en-US" dirty="0"/>
-          </a:p>
-        </p:txBody>
-      </p:sp>
-      <p:sp>
-        <p:nvSpPr>
-          <p:cNvPr id="3" name="Content Placeholder 2"/>
-          <p:cNvSpPr>
-            <a:spLocks noGrp="1"/>
-          </p:cNvSpPr>
-          <p:nvPr>
-            <p:ph idx="1"/>
-          </p:nvPr>
-        </p:nvSpPr>
-        <p:spPr>
-          <a:xfrm>
-            <a:off x="242616" y="1556792"/>
-            <a:ext cx="8649864" cy="4061048"/>
-          </a:xfrm>
-        </p:spPr>
-        <p:txBody>
-          <a:bodyPr>
-            <a:normAutofit fontScale="70000" lnSpcReduction="20000"/>
-          </a:bodyPr>
-          <a:lstStyle/>
-          <a:p>
-            <a:pPr marL="0" indent="0">
-              <a:buNone/>
-            </a:pPr>
-            <a:r>
-              <a:rPr lang="ru-RU" dirty="0" smtClean="0"/>
-              <a:t>Если вы создает библиотеку (сборку) для внешнего использования и хотите быть уверенными что её можно будет использовать из программ написанных на других языках (таких как </a:t>
-            </a:r>
-            <a:r>
-              <a:rPr lang="en-US" dirty="0" smtClean="0"/>
-              <a:t>VB.NET, F# </a:t>
-            </a:r>
-            <a:r>
-              <a:rPr lang="ru-RU" dirty="0" smtClean="0"/>
-              <a:t>и других)</a:t>
-            </a:r>
-            <a:r>
-              <a:rPr lang="en-US" dirty="0" smtClean="0"/>
-              <a:t>, </a:t>
-            </a:r>
-            <a:r>
-              <a:rPr lang="ru-RU" dirty="0" smtClean="0"/>
-              <a:t>то добавьте к свой сборке атрибут </a:t>
-            </a:r>
-            <a:r>
-              <a:rPr lang="en-US" dirty="0" err="1" smtClean="0"/>
-              <a:t>System.CLSCompliantAttribute</a:t>
-            </a:r>
-            <a:r>
-              <a:rPr lang="en-US" dirty="0" smtClean="0"/>
-              <a:t>.</a:t>
-            </a:r>
-          </a:p>
-          <a:p>
-            <a:pPr marL="0" indent="0">
-              <a:buNone/>
-            </a:pPr>
-            <a:endParaRPr lang="en-US" dirty="0"/>
-          </a:p>
-          <a:p>
-            <a:pPr marL="0" indent="0">
-              <a:buNone/>
-            </a:pPr>
-            <a:r>
-              <a:rPr lang="en-US" dirty="0" smtClean="0"/>
-              <a:t>CLS </a:t>
-            </a:r>
-            <a:r>
-              <a:rPr lang="ru-RU" dirty="0" smtClean="0"/>
-              <a:t>(</a:t>
-            </a:r>
-            <a:r>
-              <a:rPr lang="en-US" dirty="0" smtClean="0"/>
-              <a:t>Common Language Specification</a:t>
-            </a:r>
-            <a:r>
-              <a:rPr lang="ru-RU" dirty="0" smtClean="0"/>
-              <a:t>)</a:t>
-            </a:r>
-            <a:r>
-              <a:rPr lang="en-US" dirty="0" smtClean="0"/>
-              <a:t> </a:t>
-            </a:r>
-            <a:r>
-              <a:rPr lang="ru-RU" dirty="0" smtClean="0"/>
-              <a:t>является набором требований (ограничений) к языку позволяющее ему «бесшовно» взаимодействовать с программами на других языках. Это необходимо так как, </a:t>
-            </a:r>
-            <a:r>
-              <a:rPr lang="ru-RU" dirty="0"/>
-              <a:t>н</a:t>
-            </a:r>
-            <a:r>
-              <a:rPr lang="ru-RU" dirty="0" smtClean="0"/>
-              <a:t>есмотря на наличие «общего знаменателя» в виде </a:t>
-            </a:r>
-            <a:r>
-              <a:rPr lang="en-US" dirty="0" smtClean="0"/>
-              <a:t>IL </a:t>
-            </a:r>
-            <a:r>
-              <a:rPr lang="ru-RU" dirty="0" smtClean="0"/>
-              <a:t>кода, языки могут иметь весьма сильные различия. Компилятор </a:t>
-            </a:r>
-            <a:r>
-              <a:rPr lang="en-US" dirty="0" smtClean="0"/>
-              <a:t>C# </a:t>
-            </a:r>
-            <a:r>
-              <a:rPr lang="ru-RU" smtClean="0"/>
-              <a:t>проверяет </a:t>
-            </a:r>
-            <a:r>
-              <a:rPr lang="ru-RU" dirty="0" smtClean="0"/>
-              <a:t>программу на соответствие этим требованиям, только при наличии атрибута </a:t>
-            </a:r>
-            <a:r>
-              <a:rPr lang="en-US" dirty="0" err="1" smtClean="0"/>
-              <a:t>CLSCompliant</a:t>
-            </a:r>
-            <a:r>
-              <a:rPr lang="ru-RU" dirty="0" smtClean="0"/>
-              <a:t>.</a:t>
-            </a:r>
-            <a:endParaRPr lang="en-US" dirty="0"/>
-          </a:p>
-        </p:txBody>
-      </p:sp>
-      <p:sp>
-        <p:nvSpPr>
-          <p:cNvPr id="4" name="TextBox 3"/>
-          <p:cNvSpPr txBox="1"/>
-          <p:nvPr/>
-        </p:nvSpPr>
-        <p:spPr>
-          <a:xfrm>
-            <a:off x="251520" y="5805264"/>
-            <a:ext cx="8640960" cy="307777"/>
-          </a:xfrm>
-          <a:prstGeom prst="rect">
-            <a:avLst/>
-          </a:prstGeom>
-          <a:solidFill>
-            <a:schemeClr val="bg1"/>
-          </a:solidFill>
-        </p:spPr>
-        <p:txBody>
-          <a:bodyPr wrap="square" rtlCol="0">
-            <a:spAutoFit/>
-          </a:bodyPr>
-          <a:lstStyle/>
-          <a:p>
-            <a:r>
-              <a:rPr lang="en-US" sz="1400" dirty="0" smtClean="0">
-                <a:solidFill>
-                  <a:srgbClr val="000000"/>
-                </a:solidFill>
-                <a:highlight>
-                  <a:srgbClr val="FFFFFF"/>
-                </a:highlight>
-                <a:latin typeface="Courier New" panose="02070309020205020404" pitchFamily="49" charset="0"/>
-                <a:cs typeface="Courier New" panose="02070309020205020404" pitchFamily="49" charset="0"/>
-              </a:rPr>
-              <a:t>[</a:t>
-            </a:r>
-            <a:r>
-              <a:rPr lang="en-US" sz="1400" dirty="0" smtClean="0">
-                <a:solidFill>
-                  <a:srgbClr val="0000FF"/>
-                </a:solidFill>
-                <a:highlight>
-                  <a:srgbClr val="FFFFFF"/>
-                </a:highlight>
-                <a:latin typeface="Courier New" panose="02070309020205020404" pitchFamily="49" charset="0"/>
-                <a:cs typeface="Courier New" panose="02070309020205020404" pitchFamily="49" charset="0"/>
-              </a:rPr>
-              <a:t>assembly</a:t>
-            </a:r>
-            <a:r>
-              <a:rPr lang="en-US" sz="1400" dirty="0">
-                <a:solidFill>
-                  <a:srgbClr val="000000"/>
-                </a:solidFill>
-                <a:highlight>
-                  <a:srgbClr val="FFFFFF"/>
-                </a:highlight>
-                <a:latin typeface="Courier New" panose="02070309020205020404" pitchFamily="49" charset="0"/>
-                <a:cs typeface="Courier New" panose="02070309020205020404" pitchFamily="49" charset="0"/>
-              </a:rPr>
-              <a:t>: </a:t>
-            </a:r>
-            <a:r>
-              <a:rPr lang="en-US" sz="1400" dirty="0" err="1">
-                <a:solidFill>
-                  <a:srgbClr val="2B91AF"/>
-                </a:solidFill>
-                <a:highlight>
-                  <a:srgbClr val="FFFFFF"/>
-                </a:highlight>
-                <a:latin typeface="Courier New" panose="02070309020205020404" pitchFamily="49" charset="0"/>
-                <a:cs typeface="Courier New" panose="02070309020205020404" pitchFamily="49" charset="0"/>
-              </a:rPr>
-              <a:t>CLSCompliant</a:t>
-            </a:r>
-            <a:r>
-              <a:rPr lang="en-US" sz="1400" dirty="0">
-                <a:solidFill>
-                  <a:srgbClr val="000000"/>
-                </a:solidFill>
-                <a:highlight>
-                  <a:srgbClr val="FFFFFF"/>
-                </a:highlight>
-                <a:latin typeface="Courier New" panose="02070309020205020404" pitchFamily="49" charset="0"/>
-                <a:cs typeface="Courier New" panose="02070309020205020404" pitchFamily="49" charset="0"/>
-              </a:rPr>
-              <a:t>(</a:t>
-            </a:r>
-            <a:r>
-              <a:rPr lang="en-US" sz="1400" dirty="0">
-                <a:solidFill>
-                  <a:srgbClr val="0000FF"/>
-                </a:solidFill>
-                <a:highlight>
-                  <a:srgbClr val="FFFFFF"/>
-                </a:highlight>
-                <a:latin typeface="Courier New" panose="02070309020205020404" pitchFamily="49" charset="0"/>
-                <a:cs typeface="Courier New" panose="02070309020205020404" pitchFamily="49" charset="0"/>
-              </a:rPr>
-              <a:t>true</a:t>
-            </a:r>
-            <a:r>
-              <a:rPr lang="en-US" sz="1400" dirty="0" smtClean="0">
-                <a:solidFill>
-                  <a:srgbClr val="000000"/>
-                </a:solidFill>
-                <a:highlight>
-                  <a:srgbClr val="FFFFFF"/>
-                </a:highlight>
-                <a:latin typeface="Courier New" panose="02070309020205020404" pitchFamily="49" charset="0"/>
-                <a:cs typeface="Courier New" panose="02070309020205020404" pitchFamily="49" charset="0"/>
-              </a:rPr>
-              <a:t>)]</a:t>
-            </a:r>
-            <a:endParaRPr lang="ru-RU" sz="1400" dirty="0" smtClean="0">
-              <a:latin typeface="Courier New" panose="02070309020205020404" pitchFamily="49" charset="0"/>
-              <a:cs typeface="Courier New" panose="02070309020205020404" pitchFamily="49" charset="0"/>
-            </a:endParaRPr>
-          </a:p>
-        </p:txBody>
-      </p:sp>
-    </p:spTree>
-    <p:extLst>
-      <p:ext uri="{BB962C8B-B14F-4D97-AF65-F5344CB8AC3E}">
-        <p14:creationId xmlns:p14="http://schemas.microsoft.com/office/powerpoint/2010/main" val="910520611"/>
       </p:ext>
     </p:extLst>
   </p:cSld>
@@ -15706,27 +15619,16 @@
             <p:ph type="title"/>
           </p:nvPr>
         </p:nvSpPr>
-        <p:spPr>
-          <a:xfrm>
-            <a:off x="457200" y="274638"/>
-            <a:ext cx="8229600" cy="778098"/>
-          </a:xfrm>
-        </p:spPr>
+        <p:spPr/>
         <p:txBody>
-          <a:bodyPr>
-            <a:normAutofit/>
-          </a:bodyPr>
+          <a:bodyPr/>
           <a:lstStyle/>
           <a:p>
             <a:r>
-              <a:rPr lang="ru-RU" sz="3600" dirty="0" smtClean="0"/>
-              <a:t>Добавление ссылок с помощью </a:t>
-            </a:r>
-            <a:r>
-              <a:rPr lang="en-US" sz="3600" dirty="0" smtClean="0"/>
-              <a:t>NuGet</a:t>
-            </a:r>
-            <a:endParaRPr lang="ru-RU" sz="3600" dirty="0"/>
+              <a:rPr lang="en-US" dirty="0" smtClean="0"/>
+              <a:t>Portable Class Library</a:t>
+            </a:r>
+            <a:endParaRPr lang="en-US" dirty="0"/>
           </a:p>
         </p:txBody>
       </p:sp>
@@ -15740,15 +15642,10 @@
             <p:ph idx="1"/>
           </p:nvPr>
         </p:nvSpPr>
-        <p:spPr>
-          <a:xfrm>
-            <a:off x="457200" y="1124744"/>
-            <a:ext cx="8229600" cy="5001419"/>
-          </a:xfrm>
-        </p:spPr>
+        <p:spPr/>
         <p:txBody>
           <a:bodyPr>
-            <a:normAutofit lnSpcReduction="10000"/>
+            <a:normAutofit fontScale="92500" lnSpcReduction="20000"/>
           </a:bodyPr>
           <a:lstStyle/>
           <a:p>
@@ -15757,15 +15654,19 @@
             </a:pPr>
             <a:r>
               <a:rPr lang="ru-RU" dirty="0" smtClean="0"/>
-              <a:t>Расширение </a:t>
+              <a:t>Проекты </a:t>
+            </a:r>
+            <a:r>
+              <a:rPr lang="en-US" dirty="0"/>
+              <a:t>Portable Class </a:t>
             </a:r>
             <a:r>
               <a:rPr lang="en-US" dirty="0" smtClean="0"/>
-              <a:t>NuGet </a:t>
+              <a:t>Library</a:t>
             </a:r>
             <a:r>
               <a:rPr lang="ru-RU" dirty="0" smtClean="0"/>
-              <a:t>упрощает работу с зависимостями в </a:t>
+              <a:t> позволяют создавать сборки переносимые между разными </a:t>
             </a:r>
             <a:r>
               <a:rPr lang="en-US" dirty="0" smtClean="0"/>
@@ -15773,109 +15674,61 @@
             </a:r>
             <a:r>
               <a:rPr lang="ru-RU" dirty="0" smtClean="0"/>
-              <a:t>проектах.</a:t>
+              <a:t>платформами: </a:t>
+            </a:r>
+            <a:r>
+              <a:rPr lang="en-US" dirty="0" smtClean="0"/>
+              <a:t>Windows, Windows Store (Metro), Silverlight, Windows Phone, Xbox 360. </a:t>
+            </a:r>
+            <a:r>
+              <a:rPr lang="ru-RU" dirty="0" smtClean="0"/>
+              <a:t>При создании проекта мы вибираем под какие платформы мы создаем библиотеку и тем самым добровольно ограничиваем себе возможности ради переносимости.</a:t>
             </a:r>
           </a:p>
           <a:p>
             <a:pPr marL="0" indent="0">
               <a:buNone/>
             </a:pPr>
-            <a:endParaRPr lang="en-US" dirty="0" smtClean="0"/>
+            <a:endParaRPr lang="ru-RU" dirty="0"/>
           </a:p>
           <a:p>
             <a:pPr marL="0" indent="0">
               <a:buNone/>
             </a:pPr>
             <a:r>
-              <a:rPr lang="en-US" dirty="0" smtClean="0"/>
-              <a:t>NuGet </a:t>
-            </a:r>
-            <a:r>
               <a:rPr lang="ru-RU" dirty="0" smtClean="0"/>
-              <a:t>входит в состав </a:t>
-            </a:r>
-            <a:r>
-              <a:rPr lang="en-US" dirty="0" smtClean="0"/>
-              <a:t>VS 2012 </a:t>
-            </a:r>
-            <a:r>
-              <a:rPr lang="ru-RU" dirty="0" smtClean="0"/>
-              <a:t>и выше. Для </a:t>
-            </a:r>
-            <a:r>
-              <a:rPr lang="en-US" dirty="0" smtClean="0"/>
-              <a:t>VS 2010 </a:t>
-            </a:r>
-            <a:r>
-              <a:rPr lang="ru-RU" dirty="0" smtClean="0"/>
-              <a:t>его нужно скачать с помощью </a:t>
-            </a:r>
-            <a:r>
-              <a:rPr lang="en-US" dirty="0" smtClean="0"/>
-              <a:t>Tools -&gt; Extension Manager </a:t>
-            </a:r>
-            <a:r>
-              <a:rPr lang="ru-RU" dirty="0" smtClean="0"/>
-              <a:t>или с сайта </a:t>
+              <a:t>Подробности смотрите в </a:t>
             </a:r>
             <a:r>
               <a:rPr lang="en-US" dirty="0" smtClean="0">
                 <a:hlinkClick r:id="rId2"/>
               </a:rPr>
-              <a:t>nuget.org</a:t>
+              <a:t>Cross-Platform </a:t>
+            </a:r>
+            <a:r>
+              <a:rPr lang="en-US" dirty="0">
+                <a:hlinkClick r:id="rId2"/>
+              </a:rPr>
+              <a:t>Development with the .NET </a:t>
+            </a:r>
+            <a:r>
+              <a:rPr lang="en-US" dirty="0" smtClean="0">
+                <a:hlinkClick r:id="rId2"/>
+              </a:rPr>
+              <a:t>Framework</a:t>
             </a:r>
             <a:r>
               <a:rPr lang="ru-RU" dirty="0" smtClean="0"/>
-              <a:t>. После установки в контекстном меню </a:t>
-            </a:r>
-            <a:r>
-              <a:rPr lang="en-US" dirty="0" smtClean="0"/>
-              <a:t>References </a:t>
-            </a:r>
-            <a:r>
-              <a:rPr lang="ru-RU" dirty="0" smtClean="0"/>
-              <a:t>появится команда </a:t>
-            </a:r>
-            <a:r>
-              <a:rPr lang="en-US" dirty="0" smtClean="0"/>
-              <a:t>“Manage NuGet Packages …”. </a:t>
-            </a:r>
-            <a:r>
-              <a:rPr lang="ru-RU" dirty="0" smtClean="0"/>
-              <a:t>Также в меню </a:t>
-            </a:r>
-            <a:r>
-              <a:rPr lang="en-US" dirty="0" smtClean="0"/>
-              <a:t>Tools </a:t>
-            </a:r>
-            <a:r>
-              <a:rPr lang="ru-RU" dirty="0" smtClean="0"/>
-              <a:t>появится меню </a:t>
-            </a:r>
-            <a:r>
-              <a:rPr lang="en-US" dirty="0" smtClean="0"/>
-              <a:t>“NuGet Package Manager”.</a:t>
-            </a:r>
-            <a:endParaRPr lang="ru-RU" dirty="0" smtClean="0"/>
-          </a:p>
-          <a:p>
-            <a:pPr marL="0" indent="0">
-              <a:buNone/>
-            </a:pPr>
-            <a:endParaRPr lang="ru-RU" dirty="0" smtClean="0"/>
-          </a:p>
-          <a:p>
-            <a:pPr marL="0" indent="0">
-              <a:buNone/>
-            </a:pPr>
-            <a:endParaRPr lang="ru-RU" dirty="0"/>
+              <a:t>.</a:t>
+            </a:r>
+            <a:endParaRPr lang="en-US" dirty="0"/>
           </a:p>
         </p:txBody>
       </p:sp>
     </p:spTree>
     <p:extLst>
       <p:ext uri="{BB962C8B-B14F-4D97-AF65-F5344CB8AC3E}">
-        <p14:creationId xmlns:p14="http://schemas.microsoft.com/office/powerpoint/2010/main" val="861195078"/>
+        <p14:creationId xmlns:p14="http://schemas.microsoft.com/office/powerpoint/2010/main" val="2977831934"/>
       </p:ext>
     </p:extLst>
   </p:cSld>
@@ -15926,9 +15779,21 @@
           <a:p>
             <a:r>
               <a:rPr lang="en-US" dirty="0" smtClean="0"/>
-              <a:t>Package Manager Console</a:t>
-            </a:r>
-            <a:endParaRPr lang="ru-RU" dirty="0"/>
+              <a:t>CLS</a:t>
+            </a:r>
+            <a:r>
+              <a:rPr lang="ru-RU" dirty="0" smtClean="0"/>
+              <a:t> совместимые</a:t>
+            </a:r>
+            <a:r>
+              <a:rPr lang="en-US" dirty="0" smtClean="0"/>
+              <a:t> </a:t>
+            </a:r>
+            <a:r>
+              <a:rPr lang="ru-RU" dirty="0" smtClean="0"/>
+              <a:t>сборки</a:t>
+            </a:r>
+            <a:endParaRPr lang="en-US" dirty="0"/>
           </a:p>
         </p:txBody>
       </p:sp>
@@ -15942,10 +15807,15 @@
             <p:ph idx="1"/>
           </p:nvPr>
         </p:nvSpPr>
-        <p:spPr/>
+        <p:spPr>
+          <a:xfrm>
+            <a:off x="242616" y="1556792"/>
+            <a:ext cx="8649864" cy="4061048"/>
+          </a:xfrm>
+        </p:spPr>
         <p:txBody>
           <a:bodyPr>
-            <a:normAutofit fontScale="77500" lnSpcReduction="20000"/>
+            <a:normAutofit fontScale="70000" lnSpcReduction="20000"/>
           </a:bodyPr>
           <a:lstStyle/>
           <a:p>
@@ -15954,119 +15824,233 @@
             </a:pPr>
             <a:r>
               <a:rPr lang="ru-RU" dirty="0" smtClean="0"/>
-              <a:t>Окно </a:t>
+              <a:t>Если вы создает библиотеку (сборку) для внешнего использования и хотите быть уверенными что её можно будет использовать из программ написанных на других языках (таких как </a:t>
             </a:r>
             <a:r>
               <a:rPr lang="en-US" dirty="0" smtClean="0"/>
-              <a:t>Package </a:t>
-            </a:r>
-            <a:r>
-              <a:rPr lang="en-US" dirty="0"/>
-              <a:t>Manager </a:t>
+              <a:t>VB.NET, F# </a:t>
+            </a:r>
+            <a:r>
+              <a:rPr lang="ru-RU" dirty="0" smtClean="0"/>
+              <a:t>и других)</a:t>
             </a:r>
             <a:r>
               <a:rPr lang="en-US" dirty="0" smtClean="0"/>
-              <a:t>Console</a:t>
+              <a:t>, </a:t>
             </a:r>
             <a:r>
               <a:rPr lang="ru-RU" dirty="0" smtClean="0"/>
-              <a:t> позволяет управлять </a:t>
+              <a:t>то добавьте к свой сборке атрибут </a:t>
+            </a:r>
+            <a:r>
+              <a:rPr lang="en-US" dirty="0" err="1" smtClean="0"/>
+              <a:t>System.CLSCompliantAttribute</a:t>
             </a:r>
             <a:r>
               <a:rPr lang="en-US" dirty="0" smtClean="0"/>
-              <a:t>NuGet </a:t>
+              <a:t>.</a:t>
+            </a:r>
+          </a:p>
+          <a:p>
+            <a:pPr marL="0" indent="0">
+              <a:buNone/>
+            </a:pPr>
+            <a:endParaRPr lang="en-US" dirty="0"/>
+          </a:p>
+          <a:p>
+            <a:pPr marL="0" indent="0">
+              <a:buNone/>
+            </a:pPr>
+            <a:r>
+              <a:rPr lang="en-US" dirty="0" smtClean="0"/>
+              <a:t>CLS </a:t>
             </a:r>
             <a:r>
               <a:rPr lang="ru-RU" dirty="0" smtClean="0"/>
-              <a:t>пакетами с помощью </a:t>
+              <a:t>(</a:t>
             </a:r>
             <a:r>
               <a:rPr lang="en-US" dirty="0" smtClean="0"/>
-              <a:t>PowerShell </a:t>
+              <a:t>Common Language Specification</a:t>
             </a:r>
             <a:r>
               <a:rPr lang="ru-RU" dirty="0" smtClean="0"/>
-              <a:t>команд прямо из </a:t>
+              <a:t>)</a:t>
             </a:r>
             <a:r>
               <a:rPr lang="en-US" dirty="0" smtClean="0"/>
-              <a:t>Visual Studio.</a:t>
-            </a:r>
-            <a:endParaRPr lang="ru-RU" dirty="0" smtClean="0"/>
-          </a:p>
-          <a:p>
+              <a:t> </a:t>
+            </a:r>
+            <a:r>
+              <a:rPr lang="ru-RU" dirty="0" smtClean="0"/>
+              <a:t>является набором требований (ограничений) к языку позволяющее ему «бесшовно» взаимодействовать с программами на других языках. Это необходимо так как, </a:t>
+            </a:r>
+            <a:r>
+              <a:rPr lang="ru-RU" dirty="0"/>
+              <a:t>н</a:t>
+            </a:r>
+            <a:r>
+              <a:rPr lang="ru-RU" dirty="0" smtClean="0"/>
+              <a:t>есмотря на наличие «общего знаменателя» в виде </a:t>
+            </a:r>
             <a:r>
               <a:rPr lang="en-US" dirty="0" smtClean="0"/>
-              <a:t>Add-</a:t>
+              <a:t>IL </a:t>
+            </a:r>
+            <a:r>
+              <a:rPr lang="ru-RU" dirty="0" smtClean="0"/>
+              <a:t>кода, языки могут иметь весьма сильные различия. Компилятор </a:t>
+            </a:r>
+            <a:r>
+              <a:rPr lang="en-US" dirty="0" smtClean="0"/>
+              <a:t>C# </a:t>
+            </a:r>
+            <a:r>
+              <a:rPr lang="ru-RU" smtClean="0"/>
+              <a:t>проверяет </a:t>
+            </a:r>
+            <a:r>
+              <a:rPr lang="ru-RU" dirty="0" smtClean="0"/>
+              <a:t>программу на соответствие этим требованиям, только при наличии атрибута </a:t>
             </a:r>
             <a:r>
               <a:rPr lang="en-US" dirty="0" err="1" smtClean="0"/>
-              <a:t>BindingRedirect</a:t>
-            </a:r>
-            <a:endParaRPr lang="en-US" dirty="0" smtClean="0"/>
-          </a:p>
-          <a:p>
-            <a:r>
-              <a:rPr lang="en-US" dirty="0" smtClean="0"/>
-              <a:t>Get-Package</a:t>
-            </a:r>
-          </a:p>
-          <a:p>
-            <a:r>
-              <a:rPr lang="en-US" dirty="0"/>
-              <a:t>Get-Project</a:t>
-            </a:r>
-          </a:p>
-          <a:p>
-            <a:r>
-              <a:rPr lang="en-US" dirty="0" smtClean="0"/>
-              <a:t>Install-Package </a:t>
+              <a:t>CLSCompliant</a:t>
             </a:r>
             <a:r>
               <a:rPr lang="ru-RU" dirty="0" smtClean="0"/>
-              <a:t>: установка пакета. Позволяет установить пакет определенной версии, что </a:t>
-            </a:r>
-            <a:r>
-              <a:rPr lang="ru-RU" smtClean="0"/>
-              <a:t>невозможно сделать через </a:t>
-            </a:r>
-            <a:r>
-              <a:rPr lang="en-US" dirty="0" smtClean="0"/>
-              <a:t>GUI.</a:t>
-            </a:r>
-            <a:endParaRPr lang="ru-RU" dirty="0" smtClean="0"/>
-          </a:p>
-          <a:p>
-            <a:r>
-              <a:rPr lang="en-US" dirty="0" smtClean="0"/>
-              <a:t>Open-</a:t>
-            </a:r>
-            <a:r>
-              <a:rPr lang="en-US" dirty="0" err="1" smtClean="0"/>
-              <a:t>PackagePage</a:t>
-            </a:r>
-            <a:endParaRPr lang="ru-RU" dirty="0" smtClean="0"/>
-          </a:p>
-          <a:p>
-            <a:r>
-              <a:rPr lang="en-US" dirty="0" smtClean="0"/>
-              <a:t>Uninstall-Package</a:t>
-            </a:r>
-            <a:endParaRPr lang="ru-RU" dirty="0" smtClean="0"/>
-          </a:p>
-          <a:p>
-            <a:r>
-              <a:rPr lang="en-US" dirty="0"/>
-              <a:t>Update-Package</a:t>
-            </a:r>
-            <a:endParaRPr lang="ru-RU" dirty="0"/>
+              <a:t>.</a:t>
+            </a:r>
+            <a:endParaRPr lang="en-US" dirty="0"/>
+          </a:p>
+        </p:txBody>
+      </p:sp>
+      <p:sp>
+        <p:nvSpPr>
+          <p:cNvPr id="4" name="TextBox 3"/>
+          <p:cNvSpPr txBox="1"/>
+          <p:nvPr/>
+        </p:nvSpPr>
+        <p:spPr>
+          <a:xfrm>
+            <a:off x="251520" y="5805264"/>
+            <a:ext cx="8640960" cy="307777"/>
+          </a:xfrm>
+          <a:prstGeom prst="rect">
+            <a:avLst/>
+          </a:prstGeom>
+          <a:solidFill>
+            <a:schemeClr val="bg1"/>
+          </a:solidFill>
+        </p:spPr>
+        <p:txBody>
+          <a:bodyPr wrap="square" rtlCol="0">
+            <a:spAutoFit/>
+          </a:bodyPr>
+          <a:lstStyle/>
+          <a:p>
+            <a:r>
+              <a:rPr lang="en-US" sz="1400" dirty="0" smtClean="0">
+                <a:solidFill>
+                  <a:srgbClr val="000000"/>
+                </a:solidFill>
+                <a:highlight>
+                  <a:srgbClr val="FFFFFF"/>
+                </a:highlight>
+                <a:latin typeface="Courier New" panose="02070309020205020404" pitchFamily="49" charset="0"/>
+                <a:cs typeface="Courier New" panose="02070309020205020404" pitchFamily="49" charset="0"/>
+              </a:rPr>
+              <a:t>[</a:t>
+            </a:r>
+            <a:r>
+              <a:rPr lang="en-US" sz="1400" dirty="0" smtClean="0">
+                <a:solidFill>
+                  <a:srgbClr val="0000FF"/>
+                </a:solidFill>
+                <a:highlight>
+                  <a:srgbClr val="FFFFFF"/>
+                </a:highlight>
+                <a:latin typeface="Courier New" panose="02070309020205020404" pitchFamily="49" charset="0"/>
+                <a:cs typeface="Courier New" panose="02070309020205020404" pitchFamily="49" charset="0"/>
+              </a:rPr>
+              <a:t>assembly</a:t>
+            </a:r>
+            <a:r>
+              <a:rPr lang="en-US" sz="1400" dirty="0">
+                <a:solidFill>
+                  <a:srgbClr val="000000"/>
+                </a:solidFill>
+                <a:highlight>
+                  <a:srgbClr val="FFFFFF"/>
+                </a:highlight>
+                <a:latin typeface="Courier New" panose="02070309020205020404" pitchFamily="49" charset="0"/>
+                <a:cs typeface="Courier New" panose="02070309020205020404" pitchFamily="49" charset="0"/>
+              </a:rPr>
+              <a:t>: </a:t>
+            </a:r>
+            <a:r>
+              <a:rPr lang="en-US" sz="1400" dirty="0" err="1">
+                <a:solidFill>
+                  <a:srgbClr val="2B91AF"/>
+                </a:solidFill>
+                <a:highlight>
+                  <a:srgbClr val="FFFFFF"/>
+                </a:highlight>
+                <a:latin typeface="Courier New" panose="02070309020205020404" pitchFamily="49" charset="0"/>
+                <a:cs typeface="Courier New" panose="02070309020205020404" pitchFamily="49" charset="0"/>
+              </a:rPr>
+              <a:t>CLSCompliant</a:t>
+            </a:r>
+            <a:r>
+              <a:rPr lang="en-US" sz="1400" dirty="0">
+                <a:solidFill>
+                  <a:srgbClr val="000000"/>
+                </a:solidFill>
+                <a:highlight>
+                  <a:srgbClr val="FFFFFF"/>
+                </a:highlight>
+                <a:latin typeface="Courier New" panose="02070309020205020404" pitchFamily="49" charset="0"/>
+                <a:cs typeface="Courier New" panose="02070309020205020404" pitchFamily="49" charset="0"/>
+              </a:rPr>
+              <a:t>(</a:t>
+            </a:r>
+            <a:r>
+              <a:rPr lang="en-US" sz="1400" dirty="0">
+                <a:solidFill>
+                  <a:srgbClr val="0000FF"/>
+                </a:solidFill>
+                <a:highlight>
+                  <a:srgbClr val="FFFFFF"/>
+                </a:highlight>
+                <a:latin typeface="Courier New" panose="02070309020205020404" pitchFamily="49" charset="0"/>
+                <a:cs typeface="Courier New" panose="02070309020205020404" pitchFamily="49" charset="0"/>
+              </a:rPr>
+              <a:t>true</a:t>
+            </a:r>
+            <a:r>
+              <a:rPr lang="en-US" sz="1400" dirty="0" smtClean="0">
+                <a:solidFill>
+                  <a:srgbClr val="000000"/>
+                </a:solidFill>
+                <a:highlight>
+                  <a:srgbClr val="FFFFFF"/>
+                </a:highlight>
+                <a:latin typeface="Courier New" panose="02070309020205020404" pitchFamily="49" charset="0"/>
+                <a:cs typeface="Courier New" panose="02070309020205020404" pitchFamily="49" charset="0"/>
+              </a:rPr>
+              <a:t>)]</a:t>
+            </a:r>
+            <a:endParaRPr lang="ru-RU" sz="1400" dirty="0" smtClean="0">
+              <a:latin typeface="Courier New" panose="02070309020205020404" pitchFamily="49" charset="0"/>
+              <a:cs typeface="Courier New" panose="02070309020205020404" pitchFamily="49" charset="0"/>
+            </a:endParaRPr>
           </a:p>
         </p:txBody>
       </p:sp>
     </p:spTree>
     <p:extLst>
       <p:ext uri="{BB962C8B-B14F-4D97-AF65-F5344CB8AC3E}">
-        <p14:creationId xmlns:p14="http://schemas.microsoft.com/office/powerpoint/2010/main" val="2572407753"/>
+        <p14:creationId xmlns:p14="http://schemas.microsoft.com/office/powerpoint/2010/main" val="910520611"/>
       </p:ext>
     </p:extLst>
   </p:cSld>
@@ -16110,20 +16094,27 @@
             <p:ph type="title"/>
           </p:nvPr>
         </p:nvSpPr>
-        <p:spPr/>
+        <p:spPr>
+          <a:xfrm>
+            <a:off x="457200" y="274638"/>
+            <a:ext cx="8229600" cy="778098"/>
+          </a:xfrm>
+        </p:spPr>
         <p:txBody>
-          <a:bodyPr/>
+          <a:bodyPr>
+            <a:normAutofit/>
+          </a:bodyPr>
           <a:lstStyle/>
           <a:p>
             <a:r>
-              <a:rPr lang="ru-RU" dirty="0" smtClean="0"/>
-              <a:t>Утилиты для </a:t>
-            </a:r>
-            <a:r>
-              <a:rPr lang="en-US" dirty="0" smtClean="0"/>
+              <a:rPr lang="ru-RU" sz="3600" dirty="0" smtClean="0"/>
+              <a:t>Добавление ссылок с помощью </a:t>
+            </a:r>
+            <a:r>
+              <a:rPr lang="en-US" sz="3600" dirty="0" smtClean="0"/>
               <a:t>NuGet</a:t>
             </a:r>
-            <a:endParaRPr lang="ru-RU" dirty="0"/>
+            <a:endParaRPr lang="ru-RU" sz="3600" dirty="0"/>
           </a:p>
         </p:txBody>
       </p:sp>
@@ -16137,69 +16128,142 @@
             <p:ph idx="1"/>
           </p:nvPr>
         </p:nvSpPr>
-        <p:spPr/>
+        <p:spPr>
+          <a:xfrm>
+            <a:off x="457200" y="1124744"/>
+            <a:ext cx="8229600" cy="5001419"/>
+          </a:xfrm>
+        </p:spPr>
         <p:txBody>
           <a:bodyPr>
-            <a:normAutofit/>
+            <a:normAutofit lnSpcReduction="10000"/>
           </a:bodyPr>
           <a:lstStyle/>
           <a:p>
-            <a:r>
-              <a:rPr lang="en-US" sz="2400" dirty="0" smtClean="0"/>
+            <a:pPr marL="0" indent="0">
+              <a:buNone/>
+            </a:pPr>
+            <a:r>
+              <a:rPr lang="ru-RU" dirty="0" smtClean="0"/>
+              <a:t>Расширение </a:t>
+            </a:r>
+            <a:r>
+              <a:rPr lang="en-US" dirty="0" smtClean="0"/>
               <a:t>NuGet </a:t>
             </a:r>
             <a:r>
-              <a:rPr lang="en-US" sz="2400" dirty="0"/>
-              <a:t>Package Explorer</a:t>
-            </a:r>
-            <a:br>
-              <a:rPr lang="en-US" sz="2400" dirty="0"/>
-            </a:br>
-            <a:r>
-              <a:rPr lang="en-US" sz="2400" dirty="0">
+              <a:rPr lang="ru-RU" dirty="0" smtClean="0"/>
+              <a:t>упрощает работу с зависимостями в </a:t>
+            </a:r>
+            <a:r>
+              <a:rPr lang="en-US" dirty="0" smtClean="0"/>
+              <a:t>.NET </a:t>
+            </a:r>
+            <a:r>
+              <a:rPr lang="ru-RU" dirty="0" smtClean="0"/>
+              <a:t>проектах.</a:t>
+            </a:r>
+          </a:p>
+          <a:p>
+            <a:pPr marL="0" indent="0">
+              <a:buNone/>
+            </a:pPr>
+            <a:endParaRPr lang="en-US" dirty="0" smtClean="0"/>
+          </a:p>
+          <a:p>
+            <a:pPr marL="0" indent="0">
+              <a:buNone/>
+            </a:pPr>
+            <a:r>
+              <a:rPr lang="en-US" dirty="0" smtClean="0"/>
+              <a:t>NuGet </a:t>
+            </a:r>
+            <a:r>
+              <a:rPr lang="ru-RU" dirty="0" smtClean="0"/>
+              <a:t>входит в состав </a:t>
+            </a:r>
+            <a:r>
+              <a:rPr lang="en-US" dirty="0" smtClean="0"/>
+              <a:t>VS 2012 </a:t>
+            </a:r>
+            <a:r>
+              <a:rPr lang="ru-RU" dirty="0" smtClean="0"/>
+              <a:t>и выше. Для </a:t>
+            </a:r>
+            <a:r>
+              <a:rPr lang="en-US" dirty="0" smtClean="0"/>
+              <a:t>VS 2010 </a:t>
+            </a:r>
+            <a:r>
+              <a:rPr lang="ru-RU" dirty="0" smtClean="0"/>
+              <a:t>его нужно скачать с помощью </a:t>
+            </a:r>
+            <a:r>
+              <a:rPr lang="en-US" dirty="0" smtClean="0"/>
+              <a:t>Tools -&gt; Extension Manager </a:t>
+            </a:r>
+            <a:r>
+              <a:rPr lang="ru-RU" dirty="0" smtClean="0"/>
+              <a:t>или с сайта </a:t>
+            </a:r>
+            <a:r>
+              <a:rPr lang="en-US" dirty="0" smtClean="0">
                 <a:hlinkClick r:id="rId2"/>
               </a:rPr>
-              <a:t>http://npe.codeplex.com</a:t>
-            </a:r>
-            <a:r>
-              <a:rPr lang="en-US" sz="2400" dirty="0" smtClean="0">
-                <a:hlinkClick r:id="rId2"/>
-              </a:rPr>
-              <a:t>/</a:t>
-            </a:r>
-            <a:endParaRPr lang="en-US" sz="2400" dirty="0" smtClean="0"/>
-          </a:p>
-          <a:p>
-            <a:endParaRPr lang="ru-RU" sz="2400" dirty="0" smtClean="0"/>
-          </a:p>
-          <a:p>
-            <a:r>
-              <a:rPr lang="ru-RU" sz="2400" dirty="0" smtClean="0"/>
-              <a:t>Утилита командной строки</a:t>
-            </a:r>
-            <a:br>
-              <a:rPr lang="ru-RU" sz="2400" dirty="0" smtClean="0"/>
-            </a:br>
-            <a:r>
-              <a:rPr lang="en-US" sz="2400" dirty="0">
-                <a:hlinkClick r:id="rId3"/>
-              </a:rPr>
-              <a:t>http://</a:t>
-            </a:r>
-            <a:r>
-              <a:rPr lang="en-US" sz="2400" dirty="0" smtClean="0">
-                <a:hlinkClick r:id="rId3"/>
-              </a:rPr>
-              <a:t>docs.nuget.org/docs/start-here/installing-nuget</a:t>
-            </a:r>
-            <a:endParaRPr lang="ru-RU" sz="2400" dirty="0"/>
+              <a:t>nuget.org</a:t>
+            </a:r>
+            <a:r>
+              <a:rPr lang="ru-RU" dirty="0" smtClean="0"/>
+              <a:t>. После установки в контекстном меню </a:t>
+            </a:r>
+            <a:r>
+              <a:rPr lang="en-US" dirty="0" smtClean="0"/>
+              <a:t>References </a:t>
+            </a:r>
+            <a:r>
+              <a:rPr lang="ru-RU" dirty="0" smtClean="0"/>
+              <a:t>появится команда </a:t>
+            </a:r>
+            <a:r>
+              <a:rPr lang="en-US" dirty="0" smtClean="0"/>
+              <a:t>“Manage NuGet Packages …”. </a:t>
+            </a:r>
+            <a:r>
+              <a:rPr lang="ru-RU" dirty="0" smtClean="0"/>
+              <a:t>Также в меню </a:t>
+            </a:r>
+            <a:r>
+              <a:rPr lang="en-US" dirty="0" smtClean="0"/>
+              <a:t>Tools </a:t>
+            </a:r>
+            <a:r>
+              <a:rPr lang="ru-RU" dirty="0" smtClean="0"/>
+              <a:t>появится меню </a:t>
+            </a:r>
+            <a:r>
+              <a:rPr lang="en-US" dirty="0" smtClean="0"/>
+              <a:t>“NuGet Package Manager”.</a:t>
+            </a:r>
+            <a:endParaRPr lang="ru-RU" dirty="0" smtClean="0"/>
+          </a:p>
+          <a:p>
+            <a:pPr marL="0" indent="0">
+              <a:buNone/>
+            </a:pPr>
+            <a:endParaRPr lang="ru-RU" dirty="0" smtClean="0"/>
+          </a:p>
+          <a:p>
+            <a:pPr marL="0" indent="0">
+              <a:buNone/>
+            </a:pPr>
+            <a:endParaRPr lang="ru-RU" dirty="0"/>
           </a:p>
         </p:txBody>
       </p:sp>
     </p:spTree>
     <p:extLst>
       <p:ext uri="{BB962C8B-B14F-4D97-AF65-F5344CB8AC3E}">
-        <p14:creationId xmlns:p14="http://schemas.microsoft.com/office/powerpoint/2010/main" val="2426017902"/>
+        <p14:creationId xmlns:p14="http://schemas.microsoft.com/office/powerpoint/2010/main" val="861195078"/>
       </p:ext>
     </p:extLst>
   </p:cSld>
@@ -16559,35 +16623,16 @@
             <p:ph type="title"/>
           </p:nvPr>
         </p:nvSpPr>
-        <p:spPr>
-          <a:xfrm>
-            <a:off x="457200" y="274638"/>
-            <a:ext cx="8229600" cy="706090"/>
-          </a:xfrm>
-        </p:spPr>
+        <p:spPr/>
         <p:txBody>
-          <a:bodyPr>
-            <a:normAutofit/>
-          </a:bodyPr>
+          <a:bodyPr/>
           <a:lstStyle/>
           <a:p>
             <a:r>
-              <a:rPr lang="ru-RU" sz="3200" dirty="0" smtClean="0"/>
-              <a:t>Отладка </a:t>
-            </a:r>
-            <a:r>
-              <a:rPr lang="en-US" sz="3200" dirty="0" smtClean="0"/>
-              <a:t>.NET </a:t>
-            </a:r>
-            <a:r>
-              <a:rPr lang="ru-RU" sz="3200" dirty="0" smtClean="0"/>
-              <a:t>с помощью </a:t>
-            </a:r>
-            <a:r>
-              <a:rPr lang="en-US" sz="3200" dirty="0" smtClean="0"/>
-              <a:t>reference source</a:t>
-            </a:r>
-            <a:endParaRPr lang="ru-RU" sz="3200" dirty="0"/>
+              <a:rPr lang="en-US" dirty="0" smtClean="0"/>
+              <a:t>Package Manager Console</a:t>
+            </a:r>
+            <a:endParaRPr lang="ru-RU" dirty="0"/>
           </a:p>
         </p:txBody>
       </p:sp>
@@ -16601,15 +16646,10 @@
             <p:ph idx="1"/>
           </p:nvPr>
         </p:nvSpPr>
-        <p:spPr>
-          <a:xfrm>
-            <a:off x="457200" y="980728"/>
-            <a:ext cx="8229600" cy="864096"/>
-          </a:xfrm>
-        </p:spPr>
+        <p:spPr/>
         <p:txBody>
           <a:bodyPr>
-            <a:noAutofit/>
+            <a:normAutofit fontScale="77500" lnSpcReduction="20000"/>
           </a:bodyPr>
           <a:lstStyle/>
           <a:p>
@@ -16617,271 +16657,120 @@
               <a:buNone/>
             </a:pPr>
             <a:r>
-              <a:rPr lang="ru-RU" sz="2400" dirty="0" smtClean="0"/>
-              <a:t>Работает только для </a:t>
-            </a:r>
-            <a:r>
-              <a:rPr lang="en-US" sz="2400" dirty="0" smtClean="0"/>
-              <a:t>.NET 4.5.1 </a:t>
-            </a:r>
-            <a:r>
-              <a:rPr lang="ru-RU" sz="2400" dirty="0" smtClean="0"/>
-              <a:t>в </a:t>
-            </a:r>
-            <a:r>
-              <a:rPr lang="en-US" sz="2400" dirty="0" smtClean="0"/>
-              <a:t>VS 2012 </a:t>
-            </a:r>
-            <a:r>
-              <a:rPr lang="ru-RU" sz="2400" dirty="0" smtClean="0"/>
-              <a:t>и выше</a:t>
-            </a:r>
-            <a:r>
-              <a:rPr lang="en-US" sz="2400" dirty="0" smtClean="0"/>
-              <a:t>!</a:t>
-            </a:r>
-            <a:endParaRPr lang="ru-RU" sz="2400" dirty="0"/>
-          </a:p>
-          <a:p>
-            <a:pPr marL="0" indent="0">
-              <a:buNone/>
-            </a:pPr>
-            <a:r>
-              <a:rPr lang="ru-RU" sz="2400" dirty="0" smtClean="0"/>
-              <a:t>Необходимые настройки:</a:t>
-            </a:r>
-            <a:endParaRPr lang="ru-RU" sz="2400" dirty="0"/>
-          </a:p>
-        </p:txBody>
-      </p:sp>
-      <p:pic>
-        <p:nvPicPr>
-          <p:cNvPr id="1027" name="Picture 3"/>
-          <p:cNvPicPr>
-            <a:picLocks noChangeAspect="1" noChangeArrowheads="1"/>
-          </p:cNvPicPr>
-          <p:nvPr/>
-        </p:nvPicPr>
-        <p:blipFill>
-          <a:blip r:embed="rId2">
-            <a:extLst>
-              <a:ext uri="{28A0092B-C50C-407E-A947-70E740481C1C}">
-                <a14:useLocalDpi xmlns:a14="http://schemas.microsoft.com/office/drawing/2010/main" val="0"/>
-              </a:ext>
-            </a:extLst>
-          </a:blip>
-          <a:srcRect/>
-          <a:stretch>
-            <a:fillRect/>
-          </a:stretch>
-        </p:blipFill>
-        <p:spPr bwMode="auto">
-          <a:xfrm>
-            <a:off x="3995936" y="1459979"/>
-            <a:ext cx="4200525" cy="2905125"/>
-          </a:xfrm>
-          <a:prstGeom prst="rect">
-            <a:avLst/>
-          </a:prstGeom>
-          <a:noFill/>
-          <a:ln>
-            <a:noFill/>
-          </a:ln>
-          <a:effectLst/>
-          <a:extLst>
-            <a:ext uri="{909E8E84-426E-40DD-AFC4-6F175D3DCCD1}">
-              <a14:hiddenFill xmlns:a14="http://schemas.microsoft.com/office/drawing/2010/main">
-                <a:solidFill>
-                  <a:schemeClr val="accent1"/>
-                </a:solidFill>
-              </a14:hiddenFill>
-            </a:ext>
-            <a:ext uri="{91240B29-F687-4F45-9708-019B960494DF}">
-              <a14:hiddenLine xmlns:a14="http://schemas.microsoft.com/office/drawing/2010/main" w="9525">
-                <a:solidFill>
-                  <a:schemeClr val="tx1"/>
-                </a:solidFill>
-                <a:miter lim="800000"/>
-                <a:headEnd/>
-                <a:tailEnd/>
-              </a14:hiddenLine>
-            </a:ext>
-            <a:ext uri="{AF507438-7753-43E0-B8FC-AC1667EBCBE1}">
-              <a14:hiddenEffects xmlns:a14="http://schemas.microsoft.com/office/drawing/2010/main">
-                <a:effectLst>
-                  <a:outerShdw dist="35921" dir="2700000" algn="ctr" rotWithShape="0">
-                    <a:schemeClr val="bg2"/>
-                  </a:outerShdw>
-                </a:effectLst>
-              </a14:hiddenEffects>
-            </a:ext>
-          </a:extLst>
-        </p:spPr>
-      </p:pic>
-      <p:sp>
-        <p:nvSpPr>
-          <p:cNvPr id="4" name="TextBox 3"/>
-          <p:cNvSpPr txBox="1"/>
-          <p:nvPr/>
-        </p:nvSpPr>
-        <p:spPr>
-          <a:xfrm>
-            <a:off x="543158" y="2597756"/>
-            <a:ext cx="2722669" cy="461665"/>
-          </a:xfrm>
-          <a:prstGeom prst="rect">
-            <a:avLst/>
-          </a:prstGeom>
-          <a:noFill/>
-        </p:spPr>
-        <p:txBody>
-          <a:bodyPr wrap="none" rtlCol="0">
-            <a:spAutoFit/>
-          </a:bodyPr>
-          <a:lstStyle/>
-          <a:p>
-            <a:pPr algn="ctr"/>
-            <a:r>
-              <a:rPr lang="en-US" sz="2400" dirty="0" smtClean="0"/>
-              <a:t>Debugger \ General:</a:t>
-            </a:r>
-            <a:endParaRPr lang="ru-RU" sz="2400" dirty="0" smtClean="0"/>
-          </a:p>
-        </p:txBody>
-      </p:sp>
-      <p:pic>
-        <p:nvPicPr>
-          <p:cNvPr id="1028" name="Picture 4"/>
-          <p:cNvPicPr>
-            <a:picLocks noChangeAspect="1" noChangeArrowheads="1"/>
-          </p:cNvPicPr>
-          <p:nvPr/>
-        </p:nvPicPr>
-        <p:blipFill>
-          <a:blip r:embed="rId3">
-            <a:extLst>
-              <a:ext uri="{28A0092B-C50C-407E-A947-70E740481C1C}">
-                <a14:useLocalDpi xmlns:a14="http://schemas.microsoft.com/office/drawing/2010/main" val="0"/>
-              </a:ext>
-            </a:extLst>
-          </a:blip>
-          <a:srcRect/>
-          <a:stretch>
-            <a:fillRect/>
-          </a:stretch>
-        </p:blipFill>
-        <p:spPr bwMode="auto">
-          <a:xfrm>
-            <a:off x="3995936" y="5085184"/>
-            <a:ext cx="4381500" cy="1352550"/>
-          </a:xfrm>
-          <a:prstGeom prst="rect">
-            <a:avLst/>
-          </a:prstGeom>
-          <a:noFill/>
-          <a:ln>
-            <a:noFill/>
-          </a:ln>
-          <a:effectLst/>
-          <a:extLst>
-            <a:ext uri="{909E8E84-426E-40DD-AFC4-6F175D3DCCD1}">
-              <a14:hiddenFill xmlns:a14="http://schemas.microsoft.com/office/drawing/2010/main">
-                <a:solidFill>
-                  <a:schemeClr val="accent1"/>
-                </a:solidFill>
-              </a14:hiddenFill>
-            </a:ext>
-            <a:ext uri="{91240B29-F687-4F45-9708-019B960494DF}">
-              <a14:hiddenLine xmlns:a14="http://schemas.microsoft.com/office/drawing/2010/main" w="9525">
-                <a:solidFill>
-                  <a:schemeClr val="tx1"/>
-                </a:solidFill>
-                <a:miter lim="800000"/>
-                <a:headEnd/>
-                <a:tailEnd/>
-              </a14:hiddenLine>
-            </a:ext>
-            <a:ext uri="{AF507438-7753-43E0-B8FC-AC1667EBCBE1}">
-              <a14:hiddenEffects xmlns:a14="http://schemas.microsoft.com/office/drawing/2010/main">
-                <a:effectLst>
-                  <a:outerShdw dist="35921" dir="2700000" algn="ctr" rotWithShape="0">
-                    <a:schemeClr val="bg2"/>
-                  </a:outerShdw>
-                </a:effectLst>
-              </a14:hiddenEffects>
-            </a:ext>
-          </a:extLst>
-        </p:spPr>
-      </p:pic>
-      <p:sp>
-        <p:nvSpPr>
-          <p:cNvPr id="8" name="TextBox 7"/>
-          <p:cNvSpPr txBox="1"/>
-          <p:nvPr/>
-        </p:nvSpPr>
-        <p:spPr>
-          <a:xfrm>
-            <a:off x="516260" y="5085184"/>
-            <a:ext cx="2776466" cy="461665"/>
-          </a:xfrm>
-          <a:prstGeom prst="rect">
-            <a:avLst/>
-          </a:prstGeom>
-          <a:noFill/>
-        </p:spPr>
-        <p:txBody>
-          <a:bodyPr wrap="none" rtlCol="0">
-            <a:spAutoFit/>
-          </a:bodyPr>
-          <a:lstStyle/>
-          <a:p>
-            <a:pPr algn="ctr"/>
-            <a:r>
-              <a:rPr lang="en-US" sz="2400" dirty="0" smtClean="0"/>
-              <a:t>Debugger \ Symbols:</a:t>
-            </a:r>
-          </a:p>
-        </p:txBody>
-      </p:sp>
-      <p:sp>
-        <p:nvSpPr>
-          <p:cNvPr id="5" name="TextBox 4"/>
-          <p:cNvSpPr txBox="1"/>
-          <p:nvPr/>
-        </p:nvSpPr>
-        <p:spPr>
-          <a:xfrm>
-            <a:off x="2483768" y="4581128"/>
-            <a:ext cx="6192593" cy="369332"/>
-          </a:xfrm>
-          <a:prstGeom prst="rect">
-            <a:avLst/>
-          </a:prstGeom>
-          <a:noFill/>
-        </p:spPr>
-        <p:txBody>
-          <a:bodyPr wrap="none" rtlCol="0">
-            <a:spAutoFit/>
-          </a:bodyPr>
-          <a:lstStyle/>
-          <a:p>
-            <a:pPr algn="ctr"/>
-            <a:r>
               <a:rPr lang="ru-RU" dirty="0" smtClean="0"/>
-              <a:t>Добавьте адрес </a:t>
+              <a:t>Окно </a:t>
+            </a:r>
+            <a:r>
+              <a:rPr lang="en-US" dirty="0" smtClean="0"/>
+              <a:t>Package </a:t>
             </a:r>
             <a:r>
               <a:rPr lang="en-US" dirty="0"/>
-              <a:t>http://referencesource.microsoft.com/symbols</a:t>
+              <a:t>Manager </a:t>
+            </a:r>
+            <a:r>
+              <a:rPr lang="en-US" dirty="0" smtClean="0"/>
+              <a:t>Console</a:t>
+            </a:r>
+            <a:r>
+              <a:rPr lang="ru-RU" dirty="0" smtClean="0"/>
+              <a:t> позволяет управлять </a:t>
+            </a:r>
+            <a:r>
+              <a:rPr lang="en-US" dirty="0" smtClean="0"/>
+              <a:t>NuGet </a:t>
+            </a:r>
+            <a:r>
+              <a:rPr lang="ru-RU" dirty="0" smtClean="0"/>
+              <a:t>пакетами с помощью </a:t>
+            </a:r>
+            <a:r>
+              <a:rPr lang="en-US" dirty="0" smtClean="0"/>
+              <a:t>PowerShell </a:t>
+            </a:r>
+            <a:r>
+              <a:rPr lang="ru-RU" dirty="0" smtClean="0"/>
+              <a:t>команд прямо из </a:t>
+            </a:r>
+            <a:r>
+              <a:rPr lang="en-US" dirty="0" smtClean="0"/>
+              <a:t>Visual Studio.</a:t>
             </a:r>
             <a:endParaRPr lang="ru-RU" dirty="0" smtClean="0"/>
+          </a:p>
+          <a:p>
+            <a:r>
+              <a:rPr lang="en-US" dirty="0" smtClean="0"/>
+              <a:t>Add-</a:t>
+            </a:r>
+            <a:r>
+              <a:rPr lang="en-US" dirty="0" err="1" smtClean="0"/>
+              <a:t>BindingRedirect</a:t>
+            </a:r>
+            <a:endParaRPr lang="en-US" dirty="0" smtClean="0"/>
+          </a:p>
+          <a:p>
+            <a:r>
+              <a:rPr lang="en-US" dirty="0" smtClean="0"/>
+              <a:t>Get-Package</a:t>
+            </a:r>
+          </a:p>
+          <a:p>
+            <a:r>
+              <a:rPr lang="en-US" dirty="0"/>
+              <a:t>Get-Project</a:t>
+            </a:r>
+          </a:p>
+          <a:p>
+            <a:r>
+              <a:rPr lang="en-US" dirty="0" smtClean="0"/>
+              <a:t>Install-Package </a:t>
+            </a:r>
+            <a:r>
+              <a:rPr lang="ru-RU" dirty="0" smtClean="0"/>
+              <a:t>: установка пакета. Позволяет установить пакет определенной версии, что </a:t>
+            </a:r>
+            <a:r>
+              <a:rPr lang="ru-RU" smtClean="0"/>
+              <a:t>невозможно сделать через </a:t>
+            </a:r>
+            <a:r>
+              <a:rPr lang="en-US" dirty="0" smtClean="0"/>
+              <a:t>GUI.</a:t>
+            </a:r>
+            <a:endParaRPr lang="ru-RU" dirty="0" smtClean="0"/>
+          </a:p>
+          <a:p>
+            <a:r>
+              <a:rPr lang="en-US" dirty="0" smtClean="0"/>
+              <a:t>Open-</a:t>
+            </a:r>
+            <a:r>
+              <a:rPr lang="en-US" dirty="0" err="1" smtClean="0"/>
+              <a:t>PackagePage</a:t>
+            </a:r>
+            <a:endParaRPr lang="ru-RU" dirty="0" smtClean="0"/>
+          </a:p>
+          <a:p>
+            <a:r>
+              <a:rPr lang="en-US" dirty="0" smtClean="0"/>
+              <a:t>Uninstall-Package</a:t>
+            </a:r>
+            <a:endParaRPr lang="ru-RU" dirty="0" smtClean="0"/>
+          </a:p>
+          <a:p>
+            <a:r>
+              <a:rPr lang="en-US" dirty="0"/>
+              <a:t>Update-Package</a:t>
+            </a:r>
+            <a:endParaRPr lang="ru-RU" dirty="0"/>
           </a:p>
         </p:txBody>
       </p:sp>
     </p:spTree>
     <p:extLst>
       <p:ext uri="{BB962C8B-B14F-4D97-AF65-F5344CB8AC3E}">
-        <p14:creationId xmlns:p14="http://schemas.microsoft.com/office/powerpoint/2010/main" val="2605966343"/>
+        <p14:creationId xmlns:p14="http://schemas.microsoft.com/office/powerpoint/2010/main" val="2572407753"/>
       </p:ext>
     </p:extLst>
   </p:cSld>
@@ -16925,39 +16814,20 @@
             <p:ph type="title"/>
           </p:nvPr>
         </p:nvSpPr>
-        <p:spPr>
-          <a:xfrm>
-            <a:off x="457200" y="274638"/>
-            <a:ext cx="8229600" cy="706090"/>
-          </a:xfrm>
-        </p:spPr>
+        <p:spPr/>
         <p:txBody>
-          <a:bodyPr>
-            <a:normAutofit/>
-          </a:bodyPr>
+          <a:bodyPr/>
           <a:lstStyle/>
           <a:p>
             <a:r>
-              <a:rPr lang="ru-RU" sz="3200" dirty="0" smtClean="0"/>
-              <a:t>Отладка </a:t>
-            </a:r>
-            <a:r>
-              <a:rPr lang="en-US" sz="3200" dirty="0" smtClean="0"/>
-              <a:t>.NET </a:t>
-            </a:r>
-            <a:r>
-              <a:rPr lang="ru-RU" sz="3200" dirty="0" smtClean="0"/>
-              <a:t>с помощью </a:t>
-            </a:r>
-            <a:r>
-              <a:rPr lang="en-US" sz="3200" dirty="0" err="1" smtClean="0"/>
-              <a:t>dotPeek</a:t>
-            </a:r>
-            <a:r>
-              <a:rPr lang="en-US" sz="3200" dirty="0" smtClean="0"/>
-              <a:t> 1.2+</a:t>
-            </a:r>
-            <a:endParaRPr lang="ru-RU" sz="3200" dirty="0"/>
+              <a:rPr lang="ru-RU" dirty="0" smtClean="0"/>
+              <a:t>Утилиты для </a:t>
+            </a:r>
+            <a:r>
+              <a:rPr lang="en-US" dirty="0" smtClean="0"/>
+              <a:t>NuGet</a:t>
+            </a:r>
+            <a:endParaRPr lang="ru-RU" dirty="0"/>
           </a:p>
         </p:txBody>
       </p:sp>
@@ -16971,96 +16841,60 @@
             <p:ph idx="1"/>
           </p:nvPr>
         </p:nvSpPr>
-        <p:spPr>
-          <a:xfrm>
-            <a:off x="457200" y="980728"/>
-            <a:ext cx="8229600" cy="2520280"/>
-          </a:xfrm>
-        </p:spPr>
+        <p:spPr/>
         <p:txBody>
           <a:bodyPr>
-            <a:noAutofit/>
+            <a:normAutofit/>
           </a:bodyPr>
           <a:lstStyle/>
           <a:p>
-            <a:pPr marL="0" indent="0">
-              <a:buNone/>
-            </a:pPr>
-            <a:r>
-              <a:rPr lang="ru-RU" sz="2400" dirty="0" smtClean="0"/>
-              <a:t>В </a:t>
-            </a:r>
-            <a:r>
-              <a:rPr lang="en-US" sz="2400" dirty="0" err="1" smtClean="0"/>
-              <a:t>dotPeek</a:t>
-            </a:r>
             <a:r>
               <a:rPr lang="en-US" sz="2400" dirty="0" smtClean="0"/>
-              <a:t> 1.2 </a:t>
-            </a:r>
-            <a:r>
-              <a:rPr lang="ru-RU" sz="2400" dirty="0" smtClean="0"/>
-              <a:t>была добавлена команда «</a:t>
-            </a:r>
-            <a:r>
-              <a:rPr lang="en-US" sz="2400" dirty="0" smtClean="0"/>
-              <a:t>Generate PDB</a:t>
-            </a:r>
-            <a:r>
-              <a:rPr lang="ru-RU" sz="2400" dirty="0" smtClean="0"/>
-              <a:t>» и поддержка </a:t>
-            </a:r>
-            <a:r>
-              <a:rPr lang="en-US" sz="2400" dirty="0" smtClean="0"/>
-              <a:t>Symbol Server. </a:t>
-            </a:r>
-            <a:r>
-              <a:rPr lang="ru-RU" sz="2400" dirty="0" smtClean="0"/>
-              <a:t>С их помощью можно отлаживать </a:t>
-            </a:r>
-            <a:r>
-              <a:rPr lang="en-US" sz="2400" dirty="0" smtClean="0"/>
-              <a:t>.NET </a:t>
-            </a:r>
-            <a:r>
-              <a:rPr lang="ru-RU" sz="2400" dirty="0" smtClean="0"/>
-              <a:t>и чужие сборки. Подробности читайте на сайте </a:t>
-            </a:r>
-            <a:r>
-              <a:rPr lang="en-US" sz="2400" dirty="0" smtClean="0"/>
-              <a:t>JetBrains:</a:t>
-            </a:r>
-            <a:endParaRPr lang="ru-RU" sz="2400" dirty="0" smtClean="0">
-              <a:hlinkClick r:id="rId2"/>
-            </a:endParaRPr>
-          </a:p>
-          <a:p>
-            <a:pPr marL="0" indent="0">
-              <a:buNone/>
-            </a:pPr>
-            <a:endParaRPr lang="en-US" sz="2400" dirty="0" smtClean="0"/>
-          </a:p>
-          <a:p>
-            <a:pPr marL="0" indent="0">
-              <a:buNone/>
-            </a:pPr>
+              <a:t>NuGet </a:t>
+            </a:r>
+            <a:r>
+              <a:rPr lang="en-US" sz="2400" dirty="0"/>
+              <a:t>Package Explorer</a:t>
+            </a:r>
+            <a:br>
+              <a:rPr lang="en-US" sz="2400" dirty="0"/>
+            </a:br>
+            <a:r>
+              <a:rPr lang="en-US" sz="2400" dirty="0">
+                <a:hlinkClick r:id="rId2"/>
+              </a:rPr>
+              <a:t>http://npe.codeplex.com</a:t>
+            </a:r>
             <a:r>
               <a:rPr lang="en-US" sz="2400" dirty="0" smtClean="0">
                 <a:hlinkClick r:id="rId2"/>
               </a:rPr>
-              <a:t>http</a:t>
-            </a:r>
+              <a:t>/</a:t>
+            </a:r>
+            <a:endParaRPr lang="en-US" sz="2400" dirty="0" smtClean="0"/>
+          </a:p>
+          <a:p>
+            <a:endParaRPr lang="ru-RU" sz="2400" dirty="0" smtClean="0"/>
+          </a:p>
+          <a:p>
+            <a:r>
+              <a:rPr lang="ru-RU" sz="2400" dirty="0" smtClean="0"/>
+              <a:t>Утилита командной строки</a:t>
+            </a:r>
+            <a:br>
+              <a:rPr lang="ru-RU" sz="2400" dirty="0" smtClean="0"/>
+            </a:br>
             <a:r>
               <a:rPr lang="en-US" sz="2400" dirty="0">
-                <a:hlinkClick r:id="rId2"/>
-              </a:rPr>
-              <a:t>://</a:t>
+                <a:hlinkClick r:id="rId3"/>
+              </a:rPr>
+              <a:t>http://</a:t>
             </a:r>
             <a:r>
               <a:rPr lang="en-US" sz="2400" dirty="0" smtClean="0">
-                <a:hlinkClick r:id="rId2"/>
-              </a:rPr>
-              <a:t>confluence.jetbrains.com/display/NETCOM/dotPeek+Symbol+Server+and+PDB+Generation</a:t>
+                <a:hlinkClick r:id="rId3"/>
+              </a:rPr>
+              <a:t>docs.nuget.org/docs/start-here/installing-nuget</a:t>
             </a:r>
             <a:endParaRPr lang="ru-RU" sz="2400" dirty="0"/>
           </a:p>
@@ -17069,7 +16903,7 @@
     </p:spTree>
     <p:extLst>
       <p:ext uri="{BB962C8B-B14F-4D97-AF65-F5344CB8AC3E}">
-        <p14:creationId xmlns:p14="http://schemas.microsoft.com/office/powerpoint/2010/main" val="3583458690"/>
+        <p14:creationId xmlns:p14="http://schemas.microsoft.com/office/powerpoint/2010/main" val="2426017902"/>
       </p:ext>
     </p:extLst>
   </p:cSld>
@@ -17113,6 +16947,560 @@
             <p:ph type="title"/>
           </p:nvPr>
         </p:nvSpPr>
+        <p:spPr>
+          <a:xfrm>
+            <a:off x="457200" y="274638"/>
+            <a:ext cx="8229600" cy="706090"/>
+          </a:xfrm>
+        </p:spPr>
+        <p:txBody>
+          <a:bodyPr>
+            <a:normAutofit/>
+          </a:bodyPr>
+          <a:lstStyle/>
+          <a:p>
+            <a:r>
+              <a:rPr lang="ru-RU" sz="3200" dirty="0" smtClean="0"/>
+              <a:t>Отладка </a:t>
+            </a:r>
+            <a:r>
+              <a:rPr lang="en-US" sz="3200" dirty="0" smtClean="0"/>
+              <a:t>.NET </a:t>
+            </a:r>
+            <a:r>
+              <a:rPr lang="ru-RU" sz="3200" dirty="0" smtClean="0"/>
+              <a:t>с помощью </a:t>
+            </a:r>
+            <a:r>
+              <a:rPr lang="en-US" sz="3200" dirty="0" smtClean="0"/>
+              <a:t>reference source</a:t>
+            </a:r>
+            <a:endParaRPr lang="ru-RU" sz="3200" dirty="0"/>
+          </a:p>
+        </p:txBody>
+      </p:sp>
+      <p:sp>
+        <p:nvSpPr>
+          <p:cNvPr id="3" name="Content Placeholder 2"/>
+          <p:cNvSpPr>
+            <a:spLocks noGrp="1"/>
+          </p:cNvSpPr>
+          <p:nvPr>
+            <p:ph idx="1"/>
+          </p:nvPr>
+        </p:nvSpPr>
+        <p:spPr>
+          <a:xfrm>
+            <a:off x="457200" y="980728"/>
+            <a:ext cx="8229600" cy="864096"/>
+          </a:xfrm>
+        </p:spPr>
+        <p:txBody>
+          <a:bodyPr>
+            <a:noAutofit/>
+          </a:bodyPr>
+          <a:lstStyle/>
+          <a:p>
+            <a:pPr marL="0" indent="0">
+              <a:buNone/>
+            </a:pPr>
+            <a:r>
+              <a:rPr lang="ru-RU" sz="2400" dirty="0" smtClean="0"/>
+              <a:t>Работает только для </a:t>
+            </a:r>
+            <a:r>
+              <a:rPr lang="en-US" sz="2400" dirty="0" smtClean="0"/>
+              <a:t>.NET 4.5.1 </a:t>
+            </a:r>
+            <a:r>
+              <a:rPr lang="ru-RU" sz="2400" dirty="0" smtClean="0"/>
+              <a:t>в </a:t>
+            </a:r>
+            <a:r>
+              <a:rPr lang="en-US" sz="2400" dirty="0" smtClean="0"/>
+              <a:t>VS 2012 </a:t>
+            </a:r>
+            <a:r>
+              <a:rPr lang="ru-RU" sz="2400" dirty="0" smtClean="0"/>
+              <a:t>и выше</a:t>
+            </a:r>
+            <a:r>
+              <a:rPr lang="en-US" sz="2400" dirty="0" smtClean="0"/>
+              <a:t>!</a:t>
+            </a:r>
+            <a:endParaRPr lang="ru-RU" sz="2400" dirty="0"/>
+          </a:p>
+          <a:p>
+            <a:pPr marL="0" indent="0">
+              <a:buNone/>
+            </a:pPr>
+            <a:r>
+              <a:rPr lang="ru-RU" sz="2400" dirty="0" smtClean="0"/>
+              <a:t>Необходимые настройки:</a:t>
+            </a:r>
+            <a:endParaRPr lang="ru-RU" sz="2400" dirty="0"/>
+          </a:p>
+        </p:txBody>
+      </p:sp>
+      <p:pic>
+        <p:nvPicPr>
+          <p:cNvPr id="1027" name="Picture 3"/>
+          <p:cNvPicPr>
+            <a:picLocks noChangeAspect="1" noChangeArrowheads="1"/>
+          </p:cNvPicPr>
+          <p:nvPr/>
+        </p:nvPicPr>
+        <p:blipFill>
+          <a:blip r:embed="rId2">
+            <a:extLst>
+              <a:ext uri="{28A0092B-C50C-407E-A947-70E740481C1C}">
+                <a14:useLocalDpi xmlns:a14="http://schemas.microsoft.com/office/drawing/2010/main" val="0"/>
+              </a:ext>
+            </a:extLst>
+          </a:blip>
+          <a:srcRect/>
+          <a:stretch>
+            <a:fillRect/>
+          </a:stretch>
+        </p:blipFill>
+        <p:spPr bwMode="auto">
+          <a:xfrm>
+            <a:off x="3995936" y="1459979"/>
+            <a:ext cx="4200525" cy="2905125"/>
+          </a:xfrm>
+          <a:prstGeom prst="rect">
+            <a:avLst/>
+          </a:prstGeom>
+          <a:noFill/>
+          <a:ln>
+            <a:noFill/>
+          </a:ln>
+          <a:effectLst/>
+          <a:extLst>
+            <a:ext uri="{909E8E84-426E-40DD-AFC4-6F175D3DCCD1}">
+              <a14:hiddenFill xmlns:a14="http://schemas.microsoft.com/office/drawing/2010/main">
+                <a:solidFill>
+                  <a:schemeClr val="accent1"/>
+                </a:solidFill>
+              </a14:hiddenFill>
+            </a:ext>
+            <a:ext uri="{91240B29-F687-4F45-9708-019B960494DF}">
+              <a14:hiddenLine xmlns:a14="http://schemas.microsoft.com/office/drawing/2010/main" w="9525">
+                <a:solidFill>
+                  <a:schemeClr val="tx1"/>
+                </a:solidFill>
+                <a:miter lim="800000"/>
+                <a:headEnd/>
+                <a:tailEnd/>
+              </a14:hiddenLine>
+            </a:ext>
+            <a:ext uri="{AF507438-7753-43E0-B8FC-AC1667EBCBE1}">
+              <a14:hiddenEffects xmlns:a14="http://schemas.microsoft.com/office/drawing/2010/main">
+                <a:effectLst>
+                  <a:outerShdw dist="35921" dir="2700000" algn="ctr" rotWithShape="0">
+                    <a:schemeClr val="bg2"/>
+                  </a:outerShdw>
+                </a:effectLst>
+              </a14:hiddenEffects>
+            </a:ext>
+          </a:extLst>
+        </p:spPr>
+      </p:pic>
+      <p:sp>
+        <p:nvSpPr>
+          <p:cNvPr id="4" name="TextBox 3"/>
+          <p:cNvSpPr txBox="1"/>
+          <p:nvPr/>
+        </p:nvSpPr>
+        <p:spPr>
+          <a:xfrm>
+            <a:off x="543158" y="2597756"/>
+            <a:ext cx="2722669" cy="461665"/>
+          </a:xfrm>
+          <a:prstGeom prst="rect">
+            <a:avLst/>
+          </a:prstGeom>
+          <a:noFill/>
+        </p:spPr>
+        <p:txBody>
+          <a:bodyPr wrap="none" rtlCol="0">
+            <a:spAutoFit/>
+          </a:bodyPr>
+          <a:lstStyle/>
+          <a:p>
+            <a:pPr algn="ctr"/>
+            <a:r>
+              <a:rPr lang="en-US" sz="2400" dirty="0" smtClean="0"/>
+              <a:t>Debugger \ General:</a:t>
+            </a:r>
+            <a:endParaRPr lang="ru-RU" sz="2400" dirty="0" smtClean="0"/>
+          </a:p>
+        </p:txBody>
+      </p:sp>
+      <p:pic>
+        <p:nvPicPr>
+          <p:cNvPr id="1028" name="Picture 4"/>
+          <p:cNvPicPr>
+            <a:picLocks noChangeAspect="1" noChangeArrowheads="1"/>
+          </p:cNvPicPr>
+          <p:nvPr/>
+        </p:nvPicPr>
+        <p:blipFill>
+          <a:blip r:embed="rId3">
+            <a:extLst>
+              <a:ext uri="{28A0092B-C50C-407E-A947-70E740481C1C}">
+                <a14:useLocalDpi xmlns:a14="http://schemas.microsoft.com/office/drawing/2010/main" val="0"/>
+              </a:ext>
+            </a:extLst>
+          </a:blip>
+          <a:srcRect/>
+          <a:stretch>
+            <a:fillRect/>
+          </a:stretch>
+        </p:blipFill>
+        <p:spPr bwMode="auto">
+          <a:xfrm>
+            <a:off x="3995936" y="5085184"/>
+            <a:ext cx="4381500" cy="1352550"/>
+          </a:xfrm>
+          <a:prstGeom prst="rect">
+            <a:avLst/>
+          </a:prstGeom>
+          <a:noFill/>
+          <a:ln>
+            <a:noFill/>
+          </a:ln>
+          <a:effectLst/>
+          <a:extLst>
+            <a:ext uri="{909E8E84-426E-40DD-AFC4-6F175D3DCCD1}">
+              <a14:hiddenFill xmlns:a14="http://schemas.microsoft.com/office/drawing/2010/main">
+                <a:solidFill>
+                  <a:schemeClr val="accent1"/>
+                </a:solidFill>
+              </a14:hiddenFill>
+            </a:ext>
+            <a:ext uri="{91240B29-F687-4F45-9708-019B960494DF}">
+              <a14:hiddenLine xmlns:a14="http://schemas.microsoft.com/office/drawing/2010/main" w="9525">
+                <a:solidFill>
+                  <a:schemeClr val="tx1"/>
+                </a:solidFill>
+                <a:miter lim="800000"/>
+                <a:headEnd/>
+                <a:tailEnd/>
+              </a14:hiddenLine>
+            </a:ext>
+            <a:ext uri="{AF507438-7753-43E0-B8FC-AC1667EBCBE1}">
+              <a14:hiddenEffects xmlns:a14="http://schemas.microsoft.com/office/drawing/2010/main">
+                <a:effectLst>
+                  <a:outerShdw dist="35921" dir="2700000" algn="ctr" rotWithShape="0">
+                    <a:schemeClr val="bg2"/>
+                  </a:outerShdw>
+                </a:effectLst>
+              </a14:hiddenEffects>
+            </a:ext>
+          </a:extLst>
+        </p:spPr>
+      </p:pic>
+      <p:sp>
+        <p:nvSpPr>
+          <p:cNvPr id="8" name="TextBox 7"/>
+          <p:cNvSpPr txBox="1"/>
+          <p:nvPr/>
+        </p:nvSpPr>
+        <p:spPr>
+          <a:xfrm>
+            <a:off x="516260" y="5085184"/>
+            <a:ext cx="2776466" cy="461665"/>
+          </a:xfrm>
+          <a:prstGeom prst="rect">
+            <a:avLst/>
+          </a:prstGeom>
+          <a:noFill/>
+        </p:spPr>
+        <p:txBody>
+          <a:bodyPr wrap="none" rtlCol="0">
+            <a:spAutoFit/>
+          </a:bodyPr>
+          <a:lstStyle/>
+          <a:p>
+            <a:pPr algn="ctr"/>
+            <a:r>
+              <a:rPr lang="en-US" sz="2400" dirty="0" smtClean="0"/>
+              <a:t>Debugger \ Symbols:</a:t>
+            </a:r>
+          </a:p>
+        </p:txBody>
+      </p:sp>
+      <p:sp>
+        <p:nvSpPr>
+          <p:cNvPr id="5" name="TextBox 4"/>
+          <p:cNvSpPr txBox="1"/>
+          <p:nvPr/>
+        </p:nvSpPr>
+        <p:spPr>
+          <a:xfrm>
+            <a:off x="2483768" y="4581128"/>
+            <a:ext cx="6192593" cy="369332"/>
+          </a:xfrm>
+          <a:prstGeom prst="rect">
+            <a:avLst/>
+          </a:prstGeom>
+          <a:noFill/>
+        </p:spPr>
+        <p:txBody>
+          <a:bodyPr wrap="none" rtlCol="0">
+            <a:spAutoFit/>
+          </a:bodyPr>
+          <a:lstStyle/>
+          <a:p>
+            <a:pPr algn="ctr"/>
+            <a:r>
+              <a:rPr lang="ru-RU" dirty="0" smtClean="0"/>
+              <a:t>Добавьте адрес </a:t>
+            </a:r>
+            <a:r>
+              <a:rPr lang="en-US" dirty="0"/>
+              <a:t>http://referencesource.microsoft.com/symbols</a:t>
+            </a:r>
+            <a:endParaRPr lang="ru-RU" dirty="0" smtClean="0"/>
+          </a:p>
+        </p:txBody>
+      </p:sp>
+    </p:spTree>
+    <p:extLst>
+      <p:ext uri="{BB962C8B-B14F-4D97-AF65-F5344CB8AC3E}">
+        <p14:creationId xmlns:p14="http://schemas.microsoft.com/office/powerpoint/2010/main" val="2605966343"/>
+      </p:ext>
+    </p:extLst>
+  </p:cSld>
+  <p:clrMapOvr>
+    <a:masterClrMapping/>
+  </p:clrMapOvr>
+  <p:timing>
+    <p:tnLst>
+      <p:par>
+        <p:cTn id="1" dur="indefinite" restart="never" nodeType="tmRoot"/>
+      </p:par>
+    </p:tnLst>
+  </p:timing>
+</p:sld>
+</file>
+
+<file path=ppt/slides/slide43.xml><?xml version="1.0" encoding="utf-8"?>
+<p:sld xmlns:a="http://schemas.openxmlformats.org/drawingml/2006/main" xmlns:r="http://schemas.openxmlformats.org/officeDocument/2006/relationships" xmlns:p="http://schemas.openxmlformats.org/presentationml/2006/main">
+  <p:cSld>
+    <p:spTree>
+      <p:nvGrpSpPr>
+        <p:cNvPr id="1" name=""/>
+        <p:cNvGrpSpPr/>
+        <p:nvPr/>
+      </p:nvGrpSpPr>
+      <p:grpSpPr>
+        <a:xfrm>
+          <a:off x="0" y="0"/>
+          <a:ext cx="0" cy="0"/>
+          <a:chOff x="0" y="0"/>
+          <a:chExt cx="0" cy="0"/>
+        </a:xfrm>
+      </p:grpSpPr>
+      <p:sp>
+        <p:nvSpPr>
+          <p:cNvPr id="2" name="Title 1"/>
+          <p:cNvSpPr>
+            <a:spLocks noGrp="1"/>
+          </p:cNvSpPr>
+          <p:nvPr>
+            <p:ph type="title"/>
+          </p:nvPr>
+        </p:nvSpPr>
+        <p:spPr>
+          <a:xfrm>
+            <a:off x="457200" y="274638"/>
+            <a:ext cx="8229600" cy="706090"/>
+          </a:xfrm>
+        </p:spPr>
+        <p:txBody>
+          <a:bodyPr>
+            <a:normAutofit/>
+          </a:bodyPr>
+          <a:lstStyle/>
+          <a:p>
+            <a:r>
+              <a:rPr lang="ru-RU" sz="3200" dirty="0" smtClean="0"/>
+              <a:t>Отладка </a:t>
+            </a:r>
+            <a:r>
+              <a:rPr lang="en-US" sz="3200" dirty="0" smtClean="0"/>
+              <a:t>.NET </a:t>
+            </a:r>
+            <a:r>
+              <a:rPr lang="ru-RU" sz="3200" dirty="0" smtClean="0"/>
+              <a:t>с помощью </a:t>
+            </a:r>
+            <a:r>
+              <a:rPr lang="en-US" sz="3200" dirty="0" err="1" smtClean="0"/>
+              <a:t>dotPeek</a:t>
+            </a:r>
+            <a:r>
+              <a:rPr lang="en-US" sz="3200" dirty="0" smtClean="0"/>
+              <a:t> 1.2+</a:t>
+            </a:r>
+            <a:endParaRPr lang="ru-RU" sz="3200" dirty="0"/>
+          </a:p>
+        </p:txBody>
+      </p:sp>
+      <p:sp>
+        <p:nvSpPr>
+          <p:cNvPr id="3" name="Content Placeholder 2"/>
+          <p:cNvSpPr>
+            <a:spLocks noGrp="1"/>
+          </p:cNvSpPr>
+          <p:nvPr>
+            <p:ph idx="1"/>
+          </p:nvPr>
+        </p:nvSpPr>
+        <p:spPr>
+          <a:xfrm>
+            <a:off x="457200" y="980728"/>
+            <a:ext cx="8229600" cy="2520280"/>
+          </a:xfrm>
+        </p:spPr>
+        <p:txBody>
+          <a:bodyPr>
+            <a:noAutofit/>
+          </a:bodyPr>
+          <a:lstStyle/>
+          <a:p>
+            <a:pPr marL="0" indent="0">
+              <a:buNone/>
+            </a:pPr>
+            <a:r>
+              <a:rPr lang="ru-RU" sz="2400" dirty="0" smtClean="0"/>
+              <a:t>В </a:t>
+            </a:r>
+            <a:r>
+              <a:rPr lang="en-US" sz="2400" dirty="0" err="1" smtClean="0"/>
+              <a:t>dotPeek</a:t>
+            </a:r>
+            <a:r>
+              <a:rPr lang="en-US" sz="2400" dirty="0" smtClean="0"/>
+              <a:t> 1.2 </a:t>
+            </a:r>
+            <a:r>
+              <a:rPr lang="ru-RU" sz="2400" dirty="0" smtClean="0"/>
+              <a:t>была добавлена команда «</a:t>
+            </a:r>
+            <a:r>
+              <a:rPr lang="en-US" sz="2400" dirty="0" smtClean="0"/>
+              <a:t>Generate PDB</a:t>
+            </a:r>
+            <a:r>
+              <a:rPr lang="ru-RU" sz="2400" dirty="0" smtClean="0"/>
+              <a:t>» и поддержка </a:t>
+            </a:r>
+            <a:r>
+              <a:rPr lang="en-US" sz="2400" dirty="0" smtClean="0"/>
+              <a:t>Symbol Server. </a:t>
+            </a:r>
+            <a:r>
+              <a:rPr lang="ru-RU" sz="2400" dirty="0" smtClean="0"/>
+              <a:t>С их помощью можно отлаживать </a:t>
+            </a:r>
+            <a:r>
+              <a:rPr lang="en-US" sz="2400" dirty="0" smtClean="0"/>
+              <a:t>.NET </a:t>
+            </a:r>
+            <a:r>
+              <a:rPr lang="ru-RU" sz="2400" dirty="0" smtClean="0"/>
+              <a:t>и чужие сборки. Подробности читайте на сайте </a:t>
+            </a:r>
+            <a:r>
+              <a:rPr lang="en-US" sz="2400" dirty="0" smtClean="0"/>
+              <a:t>JetBrains:</a:t>
+            </a:r>
+            <a:endParaRPr lang="ru-RU" sz="2400" dirty="0" smtClean="0">
+              <a:hlinkClick r:id="rId2"/>
+            </a:endParaRPr>
+          </a:p>
+          <a:p>
+            <a:pPr marL="0" indent="0">
+              <a:buNone/>
+            </a:pPr>
+            <a:endParaRPr lang="en-US" sz="2400" dirty="0" smtClean="0"/>
+          </a:p>
+          <a:p>
+            <a:pPr marL="0" indent="0">
+              <a:buNone/>
+            </a:pPr>
+            <a:r>
+              <a:rPr lang="en-US" sz="2400" dirty="0" smtClean="0">
+                <a:hlinkClick r:id="rId2"/>
+              </a:rPr>
+              <a:t>http</a:t>
+            </a:r>
+            <a:r>
+              <a:rPr lang="en-US" sz="2400" dirty="0">
+                <a:hlinkClick r:id="rId2"/>
+              </a:rPr>
+              <a:t>://</a:t>
+            </a:r>
+            <a:r>
+              <a:rPr lang="en-US" sz="2400" dirty="0" smtClean="0">
+                <a:hlinkClick r:id="rId2"/>
+              </a:rPr>
+              <a:t>confluence.jetbrains.com/display/NETCOM/dotPeek+Symbol+Server+and+PDB+Generation</a:t>
+            </a:r>
+            <a:endParaRPr lang="ru-RU" sz="2400" dirty="0"/>
+          </a:p>
+        </p:txBody>
+      </p:sp>
+    </p:spTree>
+    <p:extLst>
+      <p:ext uri="{BB962C8B-B14F-4D97-AF65-F5344CB8AC3E}">
+        <p14:creationId xmlns:p14="http://schemas.microsoft.com/office/powerpoint/2010/main" val="3583458690"/>
+      </p:ext>
+    </p:extLst>
+  </p:cSld>
+  <p:clrMapOvr>
+    <a:masterClrMapping/>
+  </p:clrMapOvr>
+  <p:timing>
+    <p:tnLst>
+      <p:par>
+        <p:cTn id="1" dur="indefinite" restart="never" nodeType="tmRoot"/>
+      </p:par>
+    </p:tnLst>
+  </p:timing>
+</p:sld>
+</file>
+
+<file path=ppt/slides/slide44.xml><?xml version="1.0" encoding="utf-8"?>
+<p:sld xmlns:a="http://schemas.openxmlformats.org/drawingml/2006/main" xmlns:r="http://schemas.openxmlformats.org/officeDocument/2006/relationships" xmlns:p="http://schemas.openxmlformats.org/presentationml/2006/main">
+  <p:cSld>
+    <p:spTree>
+      <p:nvGrpSpPr>
+        <p:cNvPr id="1" name=""/>
+        <p:cNvGrpSpPr/>
+        <p:nvPr/>
+      </p:nvGrpSpPr>
+      <p:grpSpPr>
+        <a:xfrm>
+          <a:off x="0" y="0"/>
+          <a:ext cx="0" cy="0"/>
+          <a:chOff x="0" y="0"/>
+          <a:chExt cx="0" cy="0"/>
+        </a:xfrm>
+      </p:grpSpPr>
+      <p:sp>
+        <p:nvSpPr>
+          <p:cNvPr id="2" name="Title 1"/>
+          <p:cNvSpPr>
+            <a:spLocks noGrp="1"/>
+          </p:cNvSpPr>
+          <p:nvPr>
+            <p:ph type="title"/>
+          </p:nvPr>
+        </p:nvSpPr>
         <p:spPr/>
         <p:txBody>
           <a:bodyPr/>
@@ -17332,7 +17720,7 @@
 </p:sld>
 </file>
 
-<file path=ppt/slides/slide43.xml><?xml version="1.0" encoding="utf-8"?>
+<file path=ppt/slides/slide45.xml><?xml version="1.0" encoding="utf-8"?>
 <p:sld xmlns:a="http://schemas.openxmlformats.org/drawingml/2006/main" xmlns:r="http://schemas.openxmlformats.org/officeDocument/2006/relationships" xmlns:p="http://schemas.openxmlformats.org/presentationml/2006/main">
   <p:cSld>
     <p:spTree>
@@ -18203,7 +18591,7 @@
 </p:sld>
 </file>
 
-<file path=ppt/slides/slide44.xml><?xml version="1.0" encoding="utf-8"?>
+<file path=ppt/slides/slide46.xml><?xml version="1.0" encoding="utf-8"?>
 <p:sld xmlns:a="http://schemas.openxmlformats.org/drawingml/2006/main" xmlns:r="http://schemas.openxmlformats.org/officeDocument/2006/relationships" xmlns:p="http://schemas.openxmlformats.org/presentationml/2006/main">
   <p:cSld>
     <p:spTree>
@@ -19062,7 +19450,7 @@
 </p:sld>
 </file>
 
-<file path=ppt/slides/slide45.xml><?xml version="1.0" encoding="utf-8"?>
+<file path=ppt/slides/slide47.xml><?xml version="1.0" encoding="utf-8"?>
 <p:sld xmlns:a="http://schemas.openxmlformats.org/drawingml/2006/main" xmlns:r="http://schemas.openxmlformats.org/officeDocument/2006/relationships" xmlns:p="http://schemas.openxmlformats.org/presentationml/2006/main">
   <p:cSld>
     <p:spTree>
@@ -19716,7 +20104,7 @@
 </p:sld>
 </file>
 
-<file path=ppt/slides/slide46.xml><?xml version="1.0" encoding="utf-8"?>
+<file path=ppt/slides/slide48.xml><?xml version="1.0" encoding="utf-8"?>
 <p:sld xmlns:a="http://schemas.openxmlformats.org/drawingml/2006/main" xmlns:r="http://schemas.openxmlformats.org/officeDocument/2006/relationships" xmlns:p="http://schemas.openxmlformats.org/presentationml/2006/main">
   <p:cSld>
     <p:spTree>

--- a/Presentation/lesson-07-reflection.pptx
+++ b/Presentation/lesson-07-reflection.pptx
@@ -6,7 +6,7 @@
     <p:sldMasterId id="2147483663" r:id="rId2"/>
   </p:sldMasterIdLst>
   <p:notesMasterIdLst>
-    <p:notesMasterId r:id="rId51"/>
+    <p:notesMasterId r:id="rId52"/>
   </p:notesMasterIdLst>
   <p:sldIdLst>
     <p:sldId id="257" r:id="rId3"/>
@@ -50,13 +50,14 @@
     <p:sldId id="310" r:id="rId41"/>
     <p:sldId id="312" r:id="rId42"/>
     <p:sldId id="311" r:id="rId43"/>
-    <p:sldId id="318" r:id="rId44"/>
-    <p:sldId id="319" r:id="rId45"/>
-    <p:sldId id="299" r:id="rId46"/>
-    <p:sldId id="263" r:id="rId47"/>
-    <p:sldId id="264" r:id="rId48"/>
-    <p:sldId id="265" r:id="rId49"/>
-    <p:sldId id="271" r:id="rId50"/>
+    <p:sldId id="322" r:id="rId44"/>
+    <p:sldId id="318" r:id="rId45"/>
+    <p:sldId id="319" r:id="rId46"/>
+    <p:sldId id="299" r:id="rId47"/>
+    <p:sldId id="263" r:id="rId48"/>
+    <p:sldId id="264" r:id="rId49"/>
+    <p:sldId id="265" r:id="rId50"/>
+    <p:sldId id="271" r:id="rId51"/>
   </p:sldIdLst>
   <p:sldSz cx="9144000" cy="6858000" type="screen4x3"/>
   <p:notesSz cx="6858000" cy="9144000"/>
@@ -241,7 +242,7 @@
             <a:fld id="{B24A7054-7FFB-49F4-A126-5DF6E687FF53}" type="datetimeFigureOut">
               <a:rPr lang="ru-RU" smtClean="0"/>
               <a:pPr/>
-              <a:t>14.10.2014</a:t>
+              <a:t>23.01.2015</a:t>
             </a:fld>
             <a:endParaRPr lang="ru-RU"/>
           </a:p>
@@ -1525,7 +1526,7 @@
             <a:fld id="{8E6E6A2A-E9D3-4A0D-B04A-ABDD367A1E08}" type="datetimeFigureOut">
               <a:rPr lang="ru-RU" smtClean="0"/>
               <a:pPr/>
-              <a:t>14.10.2014</a:t>
+              <a:t>23.01.2015</a:t>
             </a:fld>
             <a:endParaRPr lang="ru-RU"/>
           </a:p>
@@ -1769,7 +1770,7 @@
             <a:fld id="{8E6E6A2A-E9D3-4A0D-B04A-ABDD367A1E08}" type="datetimeFigureOut">
               <a:rPr lang="ru-RU" smtClean="0"/>
               <a:pPr/>
-              <a:t>14.10.2014</a:t>
+              <a:t>23.01.2015</a:t>
             </a:fld>
             <a:endParaRPr lang="ru-RU"/>
           </a:p>
@@ -1941,7 +1942,7 @@
             <a:fld id="{8E6E6A2A-E9D3-4A0D-B04A-ABDD367A1E08}" type="datetimeFigureOut">
               <a:rPr lang="ru-RU" smtClean="0"/>
               <a:pPr/>
-              <a:t>14.10.2014</a:t>
+              <a:t>23.01.2015</a:t>
             </a:fld>
             <a:endParaRPr lang="ru-RU"/>
           </a:p>
@@ -2189,7 +2190,7 @@
             <a:fld id="{8E6E6A2A-E9D3-4A0D-B04A-ABDD367A1E08}" type="datetimeFigureOut">
               <a:rPr lang="ru-RU" smtClean="0"/>
               <a:pPr/>
-              <a:t>14.10.2014</a:t>
+              <a:t>23.01.2015</a:t>
             </a:fld>
             <a:endParaRPr lang="ru-RU"/>
           </a:p>
@@ -2479,7 +2480,7 @@
             <a:fld id="{8E6E6A2A-E9D3-4A0D-B04A-ABDD367A1E08}" type="datetimeFigureOut">
               <a:rPr lang="ru-RU" smtClean="0"/>
               <a:pPr/>
-              <a:t>14.10.2014</a:t>
+              <a:t>23.01.2015</a:t>
             </a:fld>
             <a:endParaRPr lang="ru-RU"/>
           </a:p>
@@ -2903,7 +2904,7 @@
             <a:fld id="{8E6E6A2A-E9D3-4A0D-B04A-ABDD367A1E08}" type="datetimeFigureOut">
               <a:rPr lang="ru-RU" smtClean="0"/>
               <a:pPr/>
-              <a:t>14.10.2014</a:t>
+              <a:t>23.01.2015</a:t>
             </a:fld>
             <a:endParaRPr lang="ru-RU"/>
           </a:p>
@@ -3232,7 +3233,7 @@
             <a:fld id="{8E6E6A2A-E9D3-4A0D-B04A-ABDD367A1E08}" type="datetimeFigureOut">
               <a:rPr lang="ru-RU" smtClean="0"/>
               <a:pPr/>
-              <a:t>14.10.2014</a:t>
+              <a:t>23.01.2015</a:t>
             </a:fld>
             <a:endParaRPr lang="ru-RU"/>
           </a:p>
@@ -3329,7 +3330,7 @@
             <a:fld id="{8E6E6A2A-E9D3-4A0D-B04A-ABDD367A1E08}" type="datetimeFigureOut">
               <a:rPr lang="ru-RU" smtClean="0"/>
               <a:pPr/>
-              <a:t>14.10.2014</a:t>
+              <a:t>23.01.2015</a:t>
             </a:fld>
             <a:endParaRPr lang="ru-RU"/>
           </a:p>
@@ -3608,7 +3609,7 @@
             <a:fld id="{8E6E6A2A-E9D3-4A0D-B04A-ABDD367A1E08}" type="datetimeFigureOut">
               <a:rPr lang="ru-RU" smtClean="0"/>
               <a:pPr/>
-              <a:t>14.10.2014</a:t>
+              <a:t>23.01.2015</a:t>
             </a:fld>
             <a:endParaRPr lang="ru-RU"/>
           </a:p>
@@ -3863,7 +3864,7 @@
             <a:fld id="{8E6E6A2A-E9D3-4A0D-B04A-ABDD367A1E08}" type="datetimeFigureOut">
               <a:rPr lang="ru-RU" smtClean="0"/>
               <a:pPr/>
-              <a:t>14.10.2014</a:t>
+              <a:t>23.01.2015</a:t>
             </a:fld>
             <a:endParaRPr lang="ru-RU"/>
           </a:p>
@@ -4035,7 +4036,7 @@
             <a:fld id="{8E6E6A2A-E9D3-4A0D-B04A-ABDD367A1E08}" type="datetimeFigureOut">
               <a:rPr lang="ru-RU" smtClean="0"/>
               <a:pPr/>
-              <a:t>14.10.2014</a:t>
+              <a:t>23.01.2015</a:t>
             </a:fld>
             <a:endParaRPr lang="ru-RU"/>
           </a:p>
@@ -4217,7 +4218,7 @@
             <a:fld id="{8E6E6A2A-E9D3-4A0D-B04A-ABDD367A1E08}" type="datetimeFigureOut">
               <a:rPr lang="ru-RU" smtClean="0"/>
               <a:pPr/>
-              <a:t>14.10.2014</a:t>
+              <a:t>23.01.2015</a:t>
             </a:fld>
             <a:endParaRPr lang="ru-RU"/>
           </a:p>
@@ -5455,7 +5456,7 @@
             <a:fld id="{AC3D3127-B7C4-45E3-9797-C527EC9FDD78}" type="datetimeFigureOut">
               <a:rPr lang="ru-RU" smtClean="0"/>
               <a:pPr/>
-              <a:t>14.10.2014</a:t>
+              <a:t>23.01.2015</a:t>
             </a:fld>
             <a:endParaRPr lang="ru-RU"/>
           </a:p>
@@ -5977,7 +5978,7 @@
             <a:fld id="{8E6E6A2A-E9D3-4A0D-B04A-ABDD367A1E08}" type="datetimeFigureOut">
               <a:rPr lang="ru-RU" smtClean="0"/>
               <a:pPr/>
-              <a:t>14.10.2014</a:t>
+              <a:t>23.01.2015</a:t>
             </a:fld>
             <a:endParaRPr lang="ru-RU"/>
           </a:p>
@@ -16947,35 +16948,18 @@
             <p:ph type="title"/>
           </p:nvPr>
         </p:nvSpPr>
-        <p:spPr>
-          <a:xfrm>
-            <a:off x="457200" y="274638"/>
-            <a:ext cx="8229600" cy="706090"/>
-          </a:xfrm>
-        </p:spPr>
+        <p:spPr/>
         <p:txBody>
           <a:bodyPr>
-            <a:normAutofit/>
+            <a:normAutofit fontScale="90000"/>
           </a:bodyPr>
           <a:lstStyle/>
           <a:p>
             <a:r>
-              <a:rPr lang="ru-RU" sz="3200" dirty="0" smtClean="0"/>
-              <a:t>Отладка </a:t>
-            </a:r>
-            <a:r>
-              <a:rPr lang="en-US" sz="3200" dirty="0" smtClean="0"/>
-              <a:t>.NET </a:t>
-            </a:r>
-            <a:r>
-              <a:rPr lang="ru-RU" sz="3200" dirty="0" smtClean="0"/>
-              <a:t>с помощью </a:t>
-            </a:r>
-            <a:r>
-              <a:rPr lang="en-US" sz="3200" dirty="0" smtClean="0"/>
-              <a:t>reference source</a:t>
-            </a:r>
-            <a:endParaRPr lang="ru-RU" sz="3200" dirty="0"/>
+              <a:rPr lang="ru-RU" dirty="0" smtClean="0"/>
+              <a:t>Распространение своих библиотек</a:t>
+            </a:r>
+            <a:endParaRPr lang="ru-RU" dirty="0"/>
           </a:p>
         </p:txBody>
       </p:sp>
@@ -16989,15 +16973,10 @@
             <p:ph idx="1"/>
           </p:nvPr>
         </p:nvSpPr>
-        <p:spPr>
-          <a:xfrm>
-            <a:off x="457200" y="980728"/>
-            <a:ext cx="8229600" cy="864096"/>
-          </a:xfrm>
-        </p:spPr>
+        <p:spPr/>
         <p:txBody>
           <a:bodyPr>
-            <a:noAutofit/>
+            <a:normAutofit fontScale="70000" lnSpcReduction="20000"/>
           </a:bodyPr>
           <a:lstStyle/>
           <a:p>
@@ -17005,271 +16984,102 @@
               <a:buNone/>
             </a:pPr>
             <a:r>
-              <a:rPr lang="ru-RU" sz="2400" dirty="0" smtClean="0"/>
-              <a:t>Работает только для </a:t>
-            </a:r>
-            <a:r>
-              <a:rPr lang="en-US" sz="2400" dirty="0" smtClean="0"/>
-              <a:t>.NET 4.5.1 </a:t>
-            </a:r>
-            <a:r>
-              <a:rPr lang="ru-RU" sz="2400" dirty="0" smtClean="0"/>
-              <a:t>в </a:t>
-            </a:r>
-            <a:r>
-              <a:rPr lang="en-US" sz="2400" dirty="0" smtClean="0"/>
-              <a:t>VS 2012 </a:t>
-            </a:r>
-            <a:r>
-              <a:rPr lang="ru-RU" sz="2400" dirty="0" smtClean="0"/>
-              <a:t>и выше</a:t>
-            </a:r>
-            <a:r>
-              <a:rPr lang="en-US" sz="2400" dirty="0" smtClean="0"/>
-              <a:t>!</a:t>
-            </a:r>
-            <a:endParaRPr lang="ru-RU" sz="2400" dirty="0"/>
+              <a:rPr lang="ru-RU" dirty="0" smtClean="0"/>
+              <a:t>Хорошими библиотеками следует делиться с сообществом! Проекты с открытым исходны</a:t>
+            </a:r>
+            <a:r>
+              <a:rPr lang="ru-RU" dirty="0"/>
+              <a:t>м</a:t>
+            </a:r>
+            <a:r>
+              <a:rPr lang="ru-RU" dirty="0" smtClean="0"/>
+              <a:t> кодом можно размещать на специальных сайтах:</a:t>
+            </a:r>
+          </a:p>
+          <a:p>
+            <a:endParaRPr lang="ru-RU" dirty="0" smtClean="0">
+              <a:hlinkClick r:id="rId2"/>
+            </a:endParaRPr>
+          </a:p>
+          <a:p>
+            <a:r>
+              <a:rPr lang="en-US" dirty="0" smtClean="0">
+                <a:hlinkClick r:id="rId2"/>
+              </a:rPr>
+              <a:t>www.codeplex.com</a:t>
+            </a:r>
+            <a:endParaRPr lang="ru-RU" dirty="0" smtClean="0"/>
+          </a:p>
+          <a:p>
+            <a:r>
+              <a:rPr lang="en-US" dirty="0" smtClean="0">
+                <a:hlinkClick r:id="rId3"/>
+              </a:rPr>
+              <a:t>github.com</a:t>
+            </a:r>
+            <a:endParaRPr lang="ru-RU" dirty="0" smtClean="0"/>
+          </a:p>
+          <a:p>
+            <a:r>
+              <a:rPr lang="en-US" dirty="0" smtClean="0">
+                <a:hlinkClick r:id="rId4"/>
+              </a:rPr>
+              <a:t>code.google.com</a:t>
+            </a:r>
+            <a:endParaRPr lang="ru-RU" dirty="0" smtClean="0"/>
+          </a:p>
+          <a:p>
+            <a:r>
+              <a:rPr lang="ru-RU" dirty="0" smtClean="0"/>
+              <a:t>и других ...</a:t>
+            </a:r>
+            <a:endParaRPr lang="en-US" dirty="0" smtClean="0"/>
+          </a:p>
+          <a:p>
+            <a:endParaRPr lang="en-US" dirty="0" smtClean="0"/>
           </a:p>
           <a:p>
             <a:pPr marL="0" indent="0">
               <a:buNone/>
             </a:pPr>
             <a:r>
-              <a:rPr lang="ru-RU" sz="2400" dirty="0" smtClean="0"/>
-              <a:t>Необходимые настройки:</a:t>
-            </a:r>
-            <a:endParaRPr lang="ru-RU" sz="2400" dirty="0"/>
-          </a:p>
-        </p:txBody>
-      </p:sp>
-      <p:pic>
-        <p:nvPicPr>
-          <p:cNvPr id="1027" name="Picture 3"/>
-          <p:cNvPicPr>
-            <a:picLocks noChangeAspect="1" noChangeArrowheads="1"/>
-          </p:cNvPicPr>
-          <p:nvPr/>
-        </p:nvPicPr>
-        <p:blipFill>
-          <a:blip r:embed="rId2">
-            <a:extLst>
-              <a:ext uri="{28A0092B-C50C-407E-A947-70E740481C1C}">
-                <a14:useLocalDpi xmlns:a14="http://schemas.microsoft.com/office/drawing/2010/main" val="0"/>
-              </a:ext>
-            </a:extLst>
-          </a:blip>
-          <a:srcRect/>
-          <a:stretch>
-            <a:fillRect/>
-          </a:stretch>
-        </p:blipFill>
-        <p:spPr bwMode="auto">
-          <a:xfrm>
-            <a:off x="3995936" y="1459979"/>
-            <a:ext cx="4200525" cy="2905125"/>
-          </a:xfrm>
-          <a:prstGeom prst="rect">
-            <a:avLst/>
-          </a:prstGeom>
-          <a:noFill/>
-          <a:ln>
-            <a:noFill/>
-          </a:ln>
-          <a:effectLst/>
-          <a:extLst>
-            <a:ext uri="{909E8E84-426E-40DD-AFC4-6F175D3DCCD1}">
-              <a14:hiddenFill xmlns:a14="http://schemas.microsoft.com/office/drawing/2010/main">
-                <a:solidFill>
-                  <a:schemeClr val="accent1"/>
-                </a:solidFill>
-              </a14:hiddenFill>
-            </a:ext>
-            <a:ext uri="{91240B29-F687-4F45-9708-019B960494DF}">
-              <a14:hiddenLine xmlns:a14="http://schemas.microsoft.com/office/drawing/2010/main" w="9525">
-                <a:solidFill>
-                  <a:schemeClr val="tx1"/>
-                </a:solidFill>
-                <a:miter lim="800000"/>
-                <a:headEnd/>
-                <a:tailEnd/>
-              </a14:hiddenLine>
-            </a:ext>
-            <a:ext uri="{AF507438-7753-43E0-B8FC-AC1667EBCBE1}">
-              <a14:hiddenEffects xmlns:a14="http://schemas.microsoft.com/office/drawing/2010/main">
-                <a:effectLst>
-                  <a:outerShdw dist="35921" dir="2700000" algn="ctr" rotWithShape="0">
-                    <a:schemeClr val="bg2"/>
-                  </a:outerShdw>
-                </a:effectLst>
-              </a14:hiddenEffects>
-            </a:ext>
-          </a:extLst>
-        </p:spPr>
-      </p:pic>
-      <p:sp>
-        <p:nvSpPr>
-          <p:cNvPr id="4" name="TextBox 3"/>
-          <p:cNvSpPr txBox="1"/>
-          <p:nvPr/>
-        </p:nvSpPr>
-        <p:spPr>
-          <a:xfrm>
-            <a:off x="543158" y="2597756"/>
-            <a:ext cx="2722669" cy="461665"/>
-          </a:xfrm>
-          <a:prstGeom prst="rect">
-            <a:avLst/>
-          </a:prstGeom>
-          <a:noFill/>
-        </p:spPr>
-        <p:txBody>
-          <a:bodyPr wrap="none" rtlCol="0">
-            <a:spAutoFit/>
-          </a:bodyPr>
-          <a:lstStyle/>
-          <a:p>
-            <a:pPr algn="ctr"/>
-            <a:r>
-              <a:rPr lang="en-US" sz="2400" dirty="0" smtClean="0"/>
-              <a:t>Debugger \ General:</a:t>
-            </a:r>
-            <a:endParaRPr lang="ru-RU" sz="2400" dirty="0" smtClean="0"/>
-          </a:p>
-        </p:txBody>
-      </p:sp>
-      <p:pic>
-        <p:nvPicPr>
-          <p:cNvPr id="1028" name="Picture 4"/>
-          <p:cNvPicPr>
-            <a:picLocks noChangeAspect="1" noChangeArrowheads="1"/>
-          </p:cNvPicPr>
-          <p:nvPr/>
-        </p:nvPicPr>
-        <p:blipFill>
-          <a:blip r:embed="rId3">
-            <a:extLst>
-              <a:ext uri="{28A0092B-C50C-407E-A947-70E740481C1C}">
-                <a14:useLocalDpi xmlns:a14="http://schemas.microsoft.com/office/drawing/2010/main" val="0"/>
-              </a:ext>
-            </a:extLst>
-          </a:blip>
-          <a:srcRect/>
-          <a:stretch>
-            <a:fillRect/>
-          </a:stretch>
-        </p:blipFill>
-        <p:spPr bwMode="auto">
-          <a:xfrm>
-            <a:off x="3995936" y="5085184"/>
-            <a:ext cx="4381500" cy="1352550"/>
-          </a:xfrm>
-          <a:prstGeom prst="rect">
-            <a:avLst/>
-          </a:prstGeom>
-          <a:noFill/>
-          <a:ln>
-            <a:noFill/>
-          </a:ln>
-          <a:effectLst/>
-          <a:extLst>
-            <a:ext uri="{909E8E84-426E-40DD-AFC4-6F175D3DCCD1}">
-              <a14:hiddenFill xmlns:a14="http://schemas.microsoft.com/office/drawing/2010/main">
-                <a:solidFill>
-                  <a:schemeClr val="accent1"/>
-                </a:solidFill>
-              </a14:hiddenFill>
-            </a:ext>
-            <a:ext uri="{91240B29-F687-4F45-9708-019B960494DF}">
-              <a14:hiddenLine xmlns:a14="http://schemas.microsoft.com/office/drawing/2010/main" w="9525">
-                <a:solidFill>
-                  <a:schemeClr val="tx1"/>
-                </a:solidFill>
-                <a:miter lim="800000"/>
-                <a:headEnd/>
-                <a:tailEnd/>
-              </a14:hiddenLine>
-            </a:ext>
-            <a:ext uri="{AF507438-7753-43E0-B8FC-AC1667EBCBE1}">
-              <a14:hiddenEffects xmlns:a14="http://schemas.microsoft.com/office/drawing/2010/main">
-                <a:effectLst>
-                  <a:outerShdw dist="35921" dir="2700000" algn="ctr" rotWithShape="0">
-                    <a:schemeClr val="bg2"/>
-                  </a:outerShdw>
-                </a:effectLst>
-              </a14:hiddenEffects>
-            </a:ext>
-          </a:extLst>
-        </p:spPr>
-      </p:pic>
-      <p:sp>
-        <p:nvSpPr>
-          <p:cNvPr id="8" name="TextBox 7"/>
-          <p:cNvSpPr txBox="1"/>
-          <p:nvPr/>
-        </p:nvSpPr>
-        <p:spPr>
-          <a:xfrm>
-            <a:off x="516260" y="5085184"/>
-            <a:ext cx="2776466" cy="461665"/>
-          </a:xfrm>
-          <a:prstGeom prst="rect">
-            <a:avLst/>
-          </a:prstGeom>
-          <a:noFill/>
-        </p:spPr>
-        <p:txBody>
-          <a:bodyPr wrap="none" rtlCol="0">
-            <a:spAutoFit/>
-          </a:bodyPr>
-          <a:lstStyle/>
-          <a:p>
-            <a:pPr algn="ctr"/>
-            <a:r>
-              <a:rPr lang="en-US" sz="2400" dirty="0" smtClean="0"/>
-              <a:t>Debugger \ Symbols:</a:t>
-            </a:r>
-          </a:p>
-        </p:txBody>
-      </p:sp>
-      <p:sp>
-        <p:nvSpPr>
-          <p:cNvPr id="5" name="TextBox 4"/>
-          <p:cNvSpPr txBox="1"/>
-          <p:nvPr/>
-        </p:nvSpPr>
-        <p:spPr>
-          <a:xfrm>
-            <a:off x="2483768" y="4581128"/>
-            <a:ext cx="6192593" cy="369332"/>
-          </a:xfrm>
-          <a:prstGeom prst="rect">
-            <a:avLst/>
-          </a:prstGeom>
-          <a:noFill/>
-        </p:spPr>
-        <p:txBody>
-          <a:bodyPr wrap="none" rtlCol="0">
-            <a:spAutoFit/>
-          </a:bodyPr>
-          <a:lstStyle/>
-          <a:p>
-            <a:pPr algn="ctr"/>
-            <a:r>
               <a:rPr lang="ru-RU" dirty="0" smtClean="0"/>
-              <a:t>Добавьте адрес </a:t>
-            </a:r>
-            <a:r>
-              <a:rPr lang="en-US" dirty="0"/>
-              <a:t>http://referencesource.microsoft.com/symbols</a:t>
+              <a:t>Выбрать лицензию можно с помощью сайта </a:t>
+            </a:r>
+            <a:r>
+              <a:rPr lang="en-US" dirty="0" smtClean="0">
+                <a:hlinkClick r:id="rId5"/>
+              </a:rPr>
+              <a:t>choosealicense.com</a:t>
             </a:r>
             <a:endParaRPr lang="ru-RU" dirty="0" smtClean="0"/>
+          </a:p>
+          <a:p>
+            <a:pPr marL="0" indent="0">
+              <a:buNone/>
+            </a:pPr>
+            <a:endParaRPr lang="ru-RU" dirty="0" smtClean="0"/>
+          </a:p>
+          <a:p>
+            <a:pPr marL="0" indent="0">
+              <a:buNone/>
+            </a:pPr>
+            <a:r>
+              <a:rPr lang="ru-RU" dirty="0" smtClean="0"/>
+              <a:t>Откомпилированную версию не забудьте разместить на </a:t>
+            </a:r>
+            <a:r>
+              <a:rPr lang="en-US" dirty="0" smtClean="0"/>
+              <a:t>nuget.org.</a:t>
+            </a:r>
+            <a:endParaRPr lang="ru-RU" dirty="0"/>
           </a:p>
         </p:txBody>
       </p:sp>
     </p:spTree>
     <p:extLst>
       <p:ext uri="{BB962C8B-B14F-4D97-AF65-F5344CB8AC3E}">
-        <p14:creationId xmlns:p14="http://schemas.microsoft.com/office/powerpoint/2010/main" val="2605966343"/>
+        <p14:creationId xmlns:p14="http://schemas.microsoft.com/office/powerpoint/2010/main" val="4107856204"/>
       </p:ext>
     </p:extLst>
   </p:cSld>
@@ -17338,12 +17148,8 @@
               <a:t>с помощью </a:t>
             </a:r>
             <a:r>
-              <a:rPr lang="en-US" sz="3200" dirty="0" err="1" smtClean="0"/>
-              <a:t>dotPeek</a:t>
-            </a:r>
-            <a:r>
               <a:rPr lang="en-US" sz="3200" dirty="0" smtClean="0"/>
-              <a:t> 1.2+</a:t>
+              <a:t>reference source</a:t>
             </a:r>
             <a:endParaRPr lang="ru-RU" sz="3200" dirty="0"/>
           </a:p>
@@ -17362,7 +17168,7 @@
         <p:spPr>
           <a:xfrm>
             <a:off x="457200" y="980728"/>
-            <a:ext cx="8229600" cy="2520280"/>
+            <a:ext cx="8229600" cy="864096"/>
           </a:xfrm>
         </p:spPr>
         <p:txBody>
@@ -17376,88 +17182,270 @@
             </a:pPr>
             <a:r>
               <a:rPr lang="ru-RU" sz="2400" dirty="0" smtClean="0"/>
-              <a:t>В </a:t>
-            </a:r>
-            <a:r>
-              <a:rPr lang="en-US" sz="2400" dirty="0" err="1" smtClean="0"/>
-              <a:t>dotPeek</a:t>
+              <a:t>Работает только для </a:t>
             </a:r>
             <a:r>
               <a:rPr lang="en-US" sz="2400" dirty="0" smtClean="0"/>
-              <a:t> 1.2 </a:t>
+              <a:t>.NET 4.5.1 </a:t>
             </a:r>
             <a:r>
               <a:rPr lang="ru-RU" sz="2400" dirty="0" smtClean="0"/>
-              <a:t>была добавлена команда «</a:t>
+              <a:t>в </a:t>
             </a:r>
             <a:r>
               <a:rPr lang="en-US" sz="2400" dirty="0" smtClean="0"/>
-              <a:t>Generate PDB</a:t>
+              <a:t>VS 2012 </a:t>
             </a:r>
             <a:r>
               <a:rPr lang="ru-RU" sz="2400" dirty="0" smtClean="0"/>
-              <a:t>» и поддержка </a:t>
+              <a:t>и выше</a:t>
             </a:r>
             <a:r>
               <a:rPr lang="en-US" sz="2400" dirty="0" smtClean="0"/>
-              <a:t>Symbol Server. </a:t>
-            </a:r>
-            <a:r>
-              <a:rPr lang="ru-RU" sz="2400" dirty="0" smtClean="0"/>
-              <a:t>С их помощью можно отлаживать </a:t>
-            </a:r>
-            <a:r>
-              <a:rPr lang="en-US" sz="2400" dirty="0" smtClean="0"/>
-              <a:t>.NET </a:t>
-            </a:r>
-            <a:r>
-              <a:rPr lang="ru-RU" sz="2400" dirty="0" smtClean="0"/>
-              <a:t>и чужие сборки. Подробности читайте на сайте </a:t>
-            </a:r>
-            <a:r>
-              <a:rPr lang="en-US" sz="2400" dirty="0" smtClean="0"/>
-              <a:t>JetBrains:</a:t>
-            </a:r>
-            <a:endParaRPr lang="ru-RU" sz="2400" dirty="0" smtClean="0">
-              <a:hlinkClick r:id="rId2"/>
-            </a:endParaRPr>
+              <a:t>!</a:t>
+            </a:r>
+            <a:endParaRPr lang="ru-RU" sz="2400" dirty="0"/>
           </a:p>
           <a:p>
             <a:pPr marL="0" indent="0">
               <a:buNone/>
             </a:pPr>
-            <a:endParaRPr lang="en-US" sz="2400" dirty="0" smtClean="0"/>
-          </a:p>
-          <a:p>
-            <a:pPr marL="0" indent="0">
-              <a:buNone/>
-            </a:pPr>
-            <a:r>
-              <a:rPr lang="en-US" sz="2400" dirty="0" smtClean="0">
-                <a:hlinkClick r:id="rId2"/>
-              </a:rPr>
-              <a:t>http</a:t>
-            </a:r>
-            <a:r>
-              <a:rPr lang="en-US" sz="2400" dirty="0">
-                <a:hlinkClick r:id="rId2"/>
-              </a:rPr>
-              <a:t>://</a:t>
-            </a:r>
-            <a:r>
-              <a:rPr lang="en-US" sz="2400" dirty="0" smtClean="0">
-                <a:hlinkClick r:id="rId2"/>
-              </a:rPr>
-              <a:t>confluence.jetbrains.com/display/NETCOM/dotPeek+Symbol+Server+and+PDB+Generation</a:t>
+            <a:r>
+              <a:rPr lang="ru-RU" sz="2400" dirty="0" smtClean="0"/>
+              <a:t>Необходимые настройки:</a:t>
             </a:r>
             <a:endParaRPr lang="ru-RU" sz="2400" dirty="0"/>
+          </a:p>
+        </p:txBody>
+      </p:sp>
+      <p:pic>
+        <p:nvPicPr>
+          <p:cNvPr id="1027" name="Picture 3"/>
+          <p:cNvPicPr>
+            <a:picLocks noChangeAspect="1" noChangeArrowheads="1"/>
+          </p:cNvPicPr>
+          <p:nvPr/>
+        </p:nvPicPr>
+        <p:blipFill>
+          <a:blip r:embed="rId2">
+            <a:extLst>
+              <a:ext uri="{28A0092B-C50C-407E-A947-70E740481C1C}">
+                <a14:useLocalDpi xmlns:a14="http://schemas.microsoft.com/office/drawing/2010/main" val="0"/>
+              </a:ext>
+            </a:extLst>
+          </a:blip>
+          <a:srcRect/>
+          <a:stretch>
+            <a:fillRect/>
+          </a:stretch>
+        </p:blipFill>
+        <p:spPr bwMode="auto">
+          <a:xfrm>
+            <a:off x="3995936" y="1459979"/>
+            <a:ext cx="4200525" cy="2905125"/>
+          </a:xfrm>
+          <a:prstGeom prst="rect">
+            <a:avLst/>
+          </a:prstGeom>
+          <a:noFill/>
+          <a:ln>
+            <a:noFill/>
+          </a:ln>
+          <a:effectLst/>
+          <a:extLst>
+            <a:ext uri="{909E8E84-426E-40DD-AFC4-6F175D3DCCD1}">
+              <a14:hiddenFill xmlns:a14="http://schemas.microsoft.com/office/drawing/2010/main">
+                <a:solidFill>
+                  <a:schemeClr val="accent1"/>
+                </a:solidFill>
+              </a14:hiddenFill>
+            </a:ext>
+            <a:ext uri="{91240B29-F687-4F45-9708-019B960494DF}">
+              <a14:hiddenLine xmlns:a14="http://schemas.microsoft.com/office/drawing/2010/main" w="9525">
+                <a:solidFill>
+                  <a:schemeClr val="tx1"/>
+                </a:solidFill>
+                <a:miter lim="800000"/>
+                <a:headEnd/>
+                <a:tailEnd/>
+              </a14:hiddenLine>
+            </a:ext>
+            <a:ext uri="{AF507438-7753-43E0-B8FC-AC1667EBCBE1}">
+              <a14:hiddenEffects xmlns:a14="http://schemas.microsoft.com/office/drawing/2010/main">
+                <a:effectLst>
+                  <a:outerShdw dist="35921" dir="2700000" algn="ctr" rotWithShape="0">
+                    <a:schemeClr val="bg2"/>
+                  </a:outerShdw>
+                </a:effectLst>
+              </a14:hiddenEffects>
+            </a:ext>
+          </a:extLst>
+        </p:spPr>
+      </p:pic>
+      <p:sp>
+        <p:nvSpPr>
+          <p:cNvPr id="4" name="TextBox 3"/>
+          <p:cNvSpPr txBox="1"/>
+          <p:nvPr/>
+        </p:nvSpPr>
+        <p:spPr>
+          <a:xfrm>
+            <a:off x="543158" y="2597756"/>
+            <a:ext cx="2722669" cy="461665"/>
+          </a:xfrm>
+          <a:prstGeom prst="rect">
+            <a:avLst/>
+          </a:prstGeom>
+          <a:noFill/>
+        </p:spPr>
+        <p:txBody>
+          <a:bodyPr wrap="none" rtlCol="0">
+            <a:spAutoFit/>
+          </a:bodyPr>
+          <a:lstStyle/>
+          <a:p>
+            <a:pPr algn="ctr"/>
+            <a:r>
+              <a:rPr lang="en-US" sz="2400" dirty="0" smtClean="0"/>
+              <a:t>Debugger \ General:</a:t>
+            </a:r>
+            <a:endParaRPr lang="ru-RU" sz="2400" dirty="0" smtClean="0"/>
+          </a:p>
+        </p:txBody>
+      </p:sp>
+      <p:pic>
+        <p:nvPicPr>
+          <p:cNvPr id="1028" name="Picture 4"/>
+          <p:cNvPicPr>
+            <a:picLocks noChangeAspect="1" noChangeArrowheads="1"/>
+          </p:cNvPicPr>
+          <p:nvPr/>
+        </p:nvPicPr>
+        <p:blipFill>
+          <a:blip r:embed="rId3">
+            <a:extLst>
+              <a:ext uri="{28A0092B-C50C-407E-A947-70E740481C1C}">
+                <a14:useLocalDpi xmlns:a14="http://schemas.microsoft.com/office/drawing/2010/main" val="0"/>
+              </a:ext>
+            </a:extLst>
+          </a:blip>
+          <a:srcRect/>
+          <a:stretch>
+            <a:fillRect/>
+          </a:stretch>
+        </p:blipFill>
+        <p:spPr bwMode="auto">
+          <a:xfrm>
+            <a:off x="3995936" y="5085184"/>
+            <a:ext cx="4381500" cy="1352550"/>
+          </a:xfrm>
+          <a:prstGeom prst="rect">
+            <a:avLst/>
+          </a:prstGeom>
+          <a:noFill/>
+          <a:ln>
+            <a:noFill/>
+          </a:ln>
+          <a:effectLst/>
+          <a:extLst>
+            <a:ext uri="{909E8E84-426E-40DD-AFC4-6F175D3DCCD1}">
+              <a14:hiddenFill xmlns:a14="http://schemas.microsoft.com/office/drawing/2010/main">
+                <a:solidFill>
+                  <a:schemeClr val="accent1"/>
+                </a:solidFill>
+              </a14:hiddenFill>
+            </a:ext>
+            <a:ext uri="{91240B29-F687-4F45-9708-019B960494DF}">
+              <a14:hiddenLine xmlns:a14="http://schemas.microsoft.com/office/drawing/2010/main" w="9525">
+                <a:solidFill>
+                  <a:schemeClr val="tx1"/>
+                </a:solidFill>
+                <a:miter lim="800000"/>
+                <a:headEnd/>
+                <a:tailEnd/>
+              </a14:hiddenLine>
+            </a:ext>
+            <a:ext uri="{AF507438-7753-43E0-B8FC-AC1667EBCBE1}">
+              <a14:hiddenEffects xmlns:a14="http://schemas.microsoft.com/office/drawing/2010/main">
+                <a:effectLst>
+                  <a:outerShdw dist="35921" dir="2700000" algn="ctr" rotWithShape="0">
+                    <a:schemeClr val="bg2"/>
+                  </a:outerShdw>
+                </a:effectLst>
+              </a14:hiddenEffects>
+            </a:ext>
+          </a:extLst>
+        </p:spPr>
+      </p:pic>
+      <p:sp>
+        <p:nvSpPr>
+          <p:cNvPr id="8" name="TextBox 7"/>
+          <p:cNvSpPr txBox="1"/>
+          <p:nvPr/>
+        </p:nvSpPr>
+        <p:spPr>
+          <a:xfrm>
+            <a:off x="516260" y="5085184"/>
+            <a:ext cx="2776466" cy="461665"/>
+          </a:xfrm>
+          <a:prstGeom prst="rect">
+            <a:avLst/>
+          </a:prstGeom>
+          <a:noFill/>
+        </p:spPr>
+        <p:txBody>
+          <a:bodyPr wrap="none" rtlCol="0">
+            <a:spAutoFit/>
+          </a:bodyPr>
+          <a:lstStyle/>
+          <a:p>
+            <a:pPr algn="ctr"/>
+            <a:r>
+              <a:rPr lang="en-US" sz="2400" dirty="0" smtClean="0"/>
+              <a:t>Debugger \ Symbols:</a:t>
+            </a:r>
+          </a:p>
+        </p:txBody>
+      </p:sp>
+      <p:sp>
+        <p:nvSpPr>
+          <p:cNvPr id="5" name="TextBox 4"/>
+          <p:cNvSpPr txBox="1"/>
+          <p:nvPr/>
+        </p:nvSpPr>
+        <p:spPr>
+          <a:xfrm>
+            <a:off x="2483768" y="4581128"/>
+            <a:ext cx="6192593" cy="369332"/>
+          </a:xfrm>
+          <a:prstGeom prst="rect">
+            <a:avLst/>
+          </a:prstGeom>
+          <a:noFill/>
+        </p:spPr>
+        <p:txBody>
+          <a:bodyPr wrap="none" rtlCol="0">
+            <a:spAutoFit/>
+          </a:bodyPr>
+          <a:lstStyle/>
+          <a:p>
+            <a:pPr algn="ctr"/>
+            <a:r>
+              <a:rPr lang="ru-RU" dirty="0" smtClean="0"/>
+              <a:t>Добавьте адрес </a:t>
+            </a:r>
+            <a:r>
+              <a:rPr lang="en-US" dirty="0"/>
+              <a:t>http://referencesource.microsoft.com/symbols</a:t>
+            </a:r>
+            <a:endParaRPr lang="ru-RU" dirty="0" smtClean="0"/>
           </a:p>
         </p:txBody>
       </p:sp>
     </p:spTree>
     <p:extLst>
       <p:ext uri="{BB962C8B-B14F-4D97-AF65-F5344CB8AC3E}">
-        <p14:creationId xmlns:p14="http://schemas.microsoft.com/office/powerpoint/2010/main" val="3583458690"/>
+        <p14:creationId xmlns:p14="http://schemas.microsoft.com/office/powerpoint/2010/main" val="2605966343"/>
       </p:ext>
     </p:extLst>
   </p:cSld>
@@ -17501,6 +17489,194 @@
             <p:ph type="title"/>
           </p:nvPr>
         </p:nvSpPr>
+        <p:spPr>
+          <a:xfrm>
+            <a:off x="457200" y="274638"/>
+            <a:ext cx="8229600" cy="706090"/>
+          </a:xfrm>
+        </p:spPr>
+        <p:txBody>
+          <a:bodyPr>
+            <a:normAutofit/>
+          </a:bodyPr>
+          <a:lstStyle/>
+          <a:p>
+            <a:r>
+              <a:rPr lang="ru-RU" sz="3200" dirty="0" smtClean="0"/>
+              <a:t>Отладка </a:t>
+            </a:r>
+            <a:r>
+              <a:rPr lang="en-US" sz="3200" dirty="0" smtClean="0"/>
+              <a:t>.NET </a:t>
+            </a:r>
+            <a:r>
+              <a:rPr lang="ru-RU" sz="3200" dirty="0" smtClean="0"/>
+              <a:t>с помощью </a:t>
+            </a:r>
+            <a:r>
+              <a:rPr lang="en-US" sz="3200" dirty="0" err="1" smtClean="0"/>
+              <a:t>dotPeek</a:t>
+            </a:r>
+            <a:r>
+              <a:rPr lang="en-US" sz="3200" dirty="0" smtClean="0"/>
+              <a:t> 1.2+</a:t>
+            </a:r>
+            <a:endParaRPr lang="ru-RU" sz="3200" dirty="0"/>
+          </a:p>
+        </p:txBody>
+      </p:sp>
+      <p:sp>
+        <p:nvSpPr>
+          <p:cNvPr id="3" name="Content Placeholder 2"/>
+          <p:cNvSpPr>
+            <a:spLocks noGrp="1"/>
+          </p:cNvSpPr>
+          <p:nvPr>
+            <p:ph idx="1"/>
+          </p:nvPr>
+        </p:nvSpPr>
+        <p:spPr>
+          <a:xfrm>
+            <a:off x="457200" y="980728"/>
+            <a:ext cx="8229600" cy="2520280"/>
+          </a:xfrm>
+        </p:spPr>
+        <p:txBody>
+          <a:bodyPr>
+            <a:noAutofit/>
+          </a:bodyPr>
+          <a:lstStyle/>
+          <a:p>
+            <a:pPr marL="0" indent="0">
+              <a:buNone/>
+            </a:pPr>
+            <a:r>
+              <a:rPr lang="ru-RU" sz="2400" dirty="0" smtClean="0"/>
+              <a:t>В </a:t>
+            </a:r>
+            <a:r>
+              <a:rPr lang="en-US" sz="2400" dirty="0" err="1" smtClean="0"/>
+              <a:t>dotPeek</a:t>
+            </a:r>
+            <a:r>
+              <a:rPr lang="en-US" sz="2400" dirty="0" smtClean="0"/>
+              <a:t> 1.2 </a:t>
+            </a:r>
+            <a:r>
+              <a:rPr lang="ru-RU" sz="2400" dirty="0" smtClean="0"/>
+              <a:t>была добавлена команда «</a:t>
+            </a:r>
+            <a:r>
+              <a:rPr lang="en-US" sz="2400" dirty="0" smtClean="0"/>
+              <a:t>Generate PDB</a:t>
+            </a:r>
+            <a:r>
+              <a:rPr lang="ru-RU" sz="2400" dirty="0" smtClean="0"/>
+              <a:t>» и поддержка </a:t>
+            </a:r>
+            <a:r>
+              <a:rPr lang="en-US" sz="2400" dirty="0" smtClean="0"/>
+              <a:t>Symbol Server. </a:t>
+            </a:r>
+            <a:r>
+              <a:rPr lang="ru-RU" sz="2400" dirty="0" smtClean="0"/>
+              <a:t>С их помощью можно отлаживать </a:t>
+            </a:r>
+            <a:r>
+              <a:rPr lang="en-US" sz="2400" dirty="0" smtClean="0"/>
+              <a:t>.NET </a:t>
+            </a:r>
+            <a:r>
+              <a:rPr lang="ru-RU" sz="2400" dirty="0" smtClean="0"/>
+              <a:t>и чужие сборки. Подробности читайте на сайте </a:t>
+            </a:r>
+            <a:r>
+              <a:rPr lang="en-US" sz="2400" dirty="0" smtClean="0"/>
+              <a:t>JetBrains:</a:t>
+            </a:r>
+            <a:endParaRPr lang="ru-RU" sz="2400" dirty="0" smtClean="0">
+              <a:hlinkClick r:id="rId2"/>
+            </a:endParaRPr>
+          </a:p>
+          <a:p>
+            <a:pPr marL="0" indent="0">
+              <a:buNone/>
+            </a:pPr>
+            <a:endParaRPr lang="en-US" sz="2400" dirty="0" smtClean="0"/>
+          </a:p>
+          <a:p>
+            <a:pPr marL="0" indent="0">
+              <a:buNone/>
+            </a:pPr>
+            <a:r>
+              <a:rPr lang="en-US" sz="2400" dirty="0" smtClean="0">
+                <a:hlinkClick r:id="rId2"/>
+              </a:rPr>
+              <a:t>http</a:t>
+            </a:r>
+            <a:r>
+              <a:rPr lang="en-US" sz="2400" dirty="0">
+                <a:hlinkClick r:id="rId2"/>
+              </a:rPr>
+              <a:t>://</a:t>
+            </a:r>
+            <a:r>
+              <a:rPr lang="en-US" sz="2400" dirty="0" smtClean="0">
+                <a:hlinkClick r:id="rId2"/>
+              </a:rPr>
+              <a:t>confluence.jetbrains.com/display/NETCOM/dotPeek+Symbol+Server+and+PDB+Generation</a:t>
+            </a:r>
+            <a:endParaRPr lang="ru-RU" sz="2400" dirty="0"/>
+          </a:p>
+        </p:txBody>
+      </p:sp>
+    </p:spTree>
+    <p:extLst>
+      <p:ext uri="{BB962C8B-B14F-4D97-AF65-F5344CB8AC3E}">
+        <p14:creationId xmlns:p14="http://schemas.microsoft.com/office/powerpoint/2010/main" val="3583458690"/>
+      </p:ext>
+    </p:extLst>
+  </p:cSld>
+  <p:clrMapOvr>
+    <a:masterClrMapping/>
+  </p:clrMapOvr>
+  <p:timing>
+    <p:tnLst>
+      <p:par>
+        <p:cTn id="1" dur="indefinite" restart="never" nodeType="tmRoot"/>
+      </p:par>
+    </p:tnLst>
+  </p:timing>
+</p:sld>
+</file>
+
+<file path=ppt/slides/slide45.xml><?xml version="1.0" encoding="utf-8"?>
+<p:sld xmlns:a="http://schemas.openxmlformats.org/drawingml/2006/main" xmlns:r="http://schemas.openxmlformats.org/officeDocument/2006/relationships" xmlns:p="http://schemas.openxmlformats.org/presentationml/2006/main">
+  <p:cSld>
+    <p:spTree>
+      <p:nvGrpSpPr>
+        <p:cNvPr id="1" name=""/>
+        <p:cNvGrpSpPr/>
+        <p:nvPr/>
+      </p:nvGrpSpPr>
+      <p:grpSpPr>
+        <a:xfrm>
+          <a:off x="0" y="0"/>
+          <a:ext cx="0" cy="0"/>
+          <a:chOff x="0" y="0"/>
+          <a:chExt cx="0" cy="0"/>
+        </a:xfrm>
+      </p:grpSpPr>
+      <p:sp>
+        <p:nvSpPr>
+          <p:cNvPr id="2" name="Title 1"/>
+          <p:cNvSpPr>
+            <a:spLocks noGrp="1"/>
+          </p:cNvSpPr>
+          <p:nvPr>
+            <p:ph type="title"/>
+          </p:nvPr>
+        </p:nvSpPr>
         <p:spPr/>
         <p:txBody>
           <a:bodyPr/>
@@ -17720,7 +17896,7 @@
 </p:sld>
 </file>
 
-<file path=ppt/slides/slide45.xml><?xml version="1.0" encoding="utf-8"?>
+<file path=ppt/slides/slide46.xml><?xml version="1.0" encoding="utf-8"?>
 <p:sld xmlns:a="http://schemas.openxmlformats.org/drawingml/2006/main" xmlns:r="http://schemas.openxmlformats.org/officeDocument/2006/relationships" xmlns:p="http://schemas.openxmlformats.org/presentationml/2006/main">
   <p:cSld>
     <p:spTree>
@@ -18591,7 +18767,7 @@
 </p:sld>
 </file>
 
-<file path=ppt/slides/slide46.xml><?xml version="1.0" encoding="utf-8"?>
+<file path=ppt/slides/slide47.xml><?xml version="1.0" encoding="utf-8"?>
 <p:sld xmlns:a="http://schemas.openxmlformats.org/drawingml/2006/main" xmlns:r="http://schemas.openxmlformats.org/officeDocument/2006/relationships" xmlns:p="http://schemas.openxmlformats.org/presentationml/2006/main">
   <p:cSld>
     <p:spTree>
@@ -19450,7 +19626,7 @@
 </p:sld>
 </file>
 
-<file path=ppt/slides/slide47.xml><?xml version="1.0" encoding="utf-8"?>
+<file path=ppt/slides/slide48.xml><?xml version="1.0" encoding="utf-8"?>
 <p:sld xmlns:a="http://schemas.openxmlformats.org/drawingml/2006/main" xmlns:r="http://schemas.openxmlformats.org/officeDocument/2006/relationships" xmlns:p="http://schemas.openxmlformats.org/presentationml/2006/main">
   <p:cSld>
     <p:spTree>
@@ -20104,7 +20280,7 @@
 </p:sld>
 </file>
 
-<file path=ppt/slides/slide48.xml><?xml version="1.0" encoding="utf-8"?>
+<file path=ppt/slides/slide49.xml><?xml version="1.0" encoding="utf-8"?>
 <p:sld xmlns:a="http://schemas.openxmlformats.org/drawingml/2006/main" xmlns:r="http://schemas.openxmlformats.org/officeDocument/2006/relationships" xmlns:p="http://schemas.openxmlformats.org/presentationml/2006/main">
   <p:cSld>
     <p:spTree>

--- a/Presentation/lesson-07-reflection.pptx
+++ b/Presentation/lesson-07-reflection.pptx
@@ -6,7 +6,7 @@
     <p:sldMasterId id="2147483663" r:id="rId2"/>
   </p:sldMasterIdLst>
   <p:notesMasterIdLst>
-    <p:notesMasterId r:id="rId52"/>
+    <p:notesMasterId r:id="rId53"/>
   </p:notesMasterIdLst>
   <p:sldIdLst>
     <p:sldId id="257" r:id="rId3"/>
@@ -47,17 +47,18 @@
     <p:sldId id="261" r:id="rId38"/>
     <p:sldId id="300" r:id="rId39"/>
     <p:sldId id="306" r:id="rId40"/>
-    <p:sldId id="310" r:id="rId41"/>
-    <p:sldId id="312" r:id="rId42"/>
-    <p:sldId id="311" r:id="rId43"/>
-    <p:sldId id="322" r:id="rId44"/>
-    <p:sldId id="318" r:id="rId45"/>
-    <p:sldId id="319" r:id="rId46"/>
-    <p:sldId id="299" r:id="rId47"/>
-    <p:sldId id="263" r:id="rId48"/>
-    <p:sldId id="264" r:id="rId49"/>
-    <p:sldId id="265" r:id="rId50"/>
-    <p:sldId id="271" r:id="rId51"/>
+    <p:sldId id="323" r:id="rId41"/>
+    <p:sldId id="310" r:id="rId42"/>
+    <p:sldId id="312" r:id="rId43"/>
+    <p:sldId id="311" r:id="rId44"/>
+    <p:sldId id="322" r:id="rId45"/>
+    <p:sldId id="318" r:id="rId46"/>
+    <p:sldId id="319" r:id="rId47"/>
+    <p:sldId id="299" r:id="rId48"/>
+    <p:sldId id="263" r:id="rId49"/>
+    <p:sldId id="264" r:id="rId50"/>
+    <p:sldId id="265" r:id="rId51"/>
+    <p:sldId id="271" r:id="rId52"/>
   </p:sldIdLst>
   <p:sldSz cx="9144000" cy="6858000" type="screen4x3"/>
   <p:notesSz cx="6858000" cy="9144000"/>
@@ -242,7 +243,7 @@
             <a:fld id="{B24A7054-7FFB-49F4-A126-5DF6E687FF53}" type="datetimeFigureOut">
               <a:rPr lang="ru-RU" smtClean="0"/>
               <a:pPr/>
-              <a:t>23.01.2015</a:t>
+              <a:t>01.02.2015</a:t>
             </a:fld>
             <a:endParaRPr lang="ru-RU"/>
           </a:p>
@@ -1526,7 +1527,7 @@
             <a:fld id="{8E6E6A2A-E9D3-4A0D-B04A-ABDD367A1E08}" type="datetimeFigureOut">
               <a:rPr lang="ru-RU" smtClean="0"/>
               <a:pPr/>
-              <a:t>23.01.2015</a:t>
+              <a:t>01.02.2015</a:t>
             </a:fld>
             <a:endParaRPr lang="ru-RU"/>
           </a:p>
@@ -1770,7 +1771,7 @@
             <a:fld id="{8E6E6A2A-E9D3-4A0D-B04A-ABDD367A1E08}" type="datetimeFigureOut">
               <a:rPr lang="ru-RU" smtClean="0"/>
               <a:pPr/>
-              <a:t>23.01.2015</a:t>
+              <a:t>01.02.2015</a:t>
             </a:fld>
             <a:endParaRPr lang="ru-RU"/>
           </a:p>
@@ -1942,7 +1943,7 @@
             <a:fld id="{8E6E6A2A-E9D3-4A0D-B04A-ABDD367A1E08}" type="datetimeFigureOut">
               <a:rPr lang="ru-RU" smtClean="0"/>
               <a:pPr/>
-              <a:t>23.01.2015</a:t>
+              <a:t>01.02.2015</a:t>
             </a:fld>
             <a:endParaRPr lang="ru-RU"/>
           </a:p>
@@ -2190,7 +2191,7 @@
             <a:fld id="{8E6E6A2A-E9D3-4A0D-B04A-ABDD367A1E08}" type="datetimeFigureOut">
               <a:rPr lang="ru-RU" smtClean="0"/>
               <a:pPr/>
-              <a:t>23.01.2015</a:t>
+              <a:t>01.02.2015</a:t>
             </a:fld>
             <a:endParaRPr lang="ru-RU"/>
           </a:p>
@@ -2480,7 +2481,7 @@
             <a:fld id="{8E6E6A2A-E9D3-4A0D-B04A-ABDD367A1E08}" type="datetimeFigureOut">
               <a:rPr lang="ru-RU" smtClean="0"/>
               <a:pPr/>
-              <a:t>23.01.2015</a:t>
+              <a:t>01.02.2015</a:t>
             </a:fld>
             <a:endParaRPr lang="ru-RU"/>
           </a:p>
@@ -2904,7 +2905,7 @@
             <a:fld id="{8E6E6A2A-E9D3-4A0D-B04A-ABDD367A1E08}" type="datetimeFigureOut">
               <a:rPr lang="ru-RU" smtClean="0"/>
               <a:pPr/>
-              <a:t>23.01.2015</a:t>
+              <a:t>01.02.2015</a:t>
             </a:fld>
             <a:endParaRPr lang="ru-RU"/>
           </a:p>
@@ -3233,7 +3234,7 @@
             <a:fld id="{8E6E6A2A-E9D3-4A0D-B04A-ABDD367A1E08}" type="datetimeFigureOut">
               <a:rPr lang="ru-RU" smtClean="0"/>
               <a:pPr/>
-              <a:t>23.01.2015</a:t>
+              <a:t>01.02.2015</a:t>
             </a:fld>
             <a:endParaRPr lang="ru-RU"/>
           </a:p>
@@ -3330,7 +3331,7 @@
             <a:fld id="{8E6E6A2A-E9D3-4A0D-B04A-ABDD367A1E08}" type="datetimeFigureOut">
               <a:rPr lang="ru-RU" smtClean="0"/>
               <a:pPr/>
-              <a:t>23.01.2015</a:t>
+              <a:t>01.02.2015</a:t>
             </a:fld>
             <a:endParaRPr lang="ru-RU"/>
           </a:p>
@@ -3609,7 +3610,7 @@
             <a:fld id="{8E6E6A2A-E9D3-4A0D-B04A-ABDD367A1E08}" type="datetimeFigureOut">
               <a:rPr lang="ru-RU" smtClean="0"/>
               <a:pPr/>
-              <a:t>23.01.2015</a:t>
+              <a:t>01.02.2015</a:t>
             </a:fld>
             <a:endParaRPr lang="ru-RU"/>
           </a:p>
@@ -3864,7 +3865,7 @@
             <a:fld id="{8E6E6A2A-E9D3-4A0D-B04A-ABDD367A1E08}" type="datetimeFigureOut">
               <a:rPr lang="ru-RU" smtClean="0"/>
               <a:pPr/>
-              <a:t>23.01.2015</a:t>
+              <a:t>01.02.2015</a:t>
             </a:fld>
             <a:endParaRPr lang="ru-RU"/>
           </a:p>
@@ -4036,7 +4037,7 @@
             <a:fld id="{8E6E6A2A-E9D3-4A0D-B04A-ABDD367A1E08}" type="datetimeFigureOut">
               <a:rPr lang="ru-RU" smtClean="0"/>
               <a:pPr/>
-              <a:t>23.01.2015</a:t>
+              <a:t>01.02.2015</a:t>
             </a:fld>
             <a:endParaRPr lang="ru-RU"/>
           </a:p>
@@ -4218,7 +4219,7 @@
             <a:fld id="{8E6E6A2A-E9D3-4A0D-B04A-ABDD367A1E08}" type="datetimeFigureOut">
               <a:rPr lang="ru-RU" smtClean="0"/>
               <a:pPr/>
-              <a:t>23.01.2015</a:t>
+              <a:t>01.02.2015</a:t>
             </a:fld>
             <a:endParaRPr lang="ru-RU"/>
           </a:p>
@@ -5456,7 +5457,7 @@
             <a:fld id="{AC3D3127-B7C4-45E3-9797-C527EC9FDD78}" type="datetimeFigureOut">
               <a:rPr lang="ru-RU" smtClean="0"/>
               <a:pPr/>
-              <a:t>23.01.2015</a:t>
+              <a:t>01.02.2015</a:t>
             </a:fld>
             <a:endParaRPr lang="ru-RU"/>
           </a:p>
@@ -5978,7 +5979,7 @@
             <a:fld id="{8E6E6A2A-E9D3-4A0D-B04A-ABDD367A1E08}" type="datetimeFigureOut">
               <a:rPr lang="ru-RU" smtClean="0"/>
               <a:pPr/>
-              <a:t>23.01.2015</a:t>
+              <a:t>01.02.2015</a:t>
             </a:fld>
             <a:endParaRPr lang="ru-RU"/>
           </a:p>
@@ -16095,27 +16096,18 @@
             <p:ph type="title"/>
           </p:nvPr>
         </p:nvSpPr>
-        <p:spPr>
-          <a:xfrm>
-            <a:off x="457200" y="274638"/>
-            <a:ext cx="8229600" cy="778098"/>
-          </a:xfrm>
-        </p:spPr>
+        <p:spPr/>
         <p:txBody>
           <a:bodyPr>
-            <a:normAutofit/>
+            <a:normAutofit fontScale="90000"/>
           </a:bodyPr>
           <a:lstStyle/>
           <a:p>
             <a:r>
-              <a:rPr lang="ru-RU" sz="3600" dirty="0" smtClean="0"/>
-              <a:t>Добавление ссылок с помощью </a:t>
-            </a:r>
-            <a:r>
-              <a:rPr lang="en-US" sz="3600" dirty="0" smtClean="0"/>
-              <a:t>NuGet</a:t>
-            </a:r>
-            <a:endParaRPr lang="ru-RU" sz="3600" dirty="0"/>
+              <a:rPr lang="ru-RU" dirty="0" smtClean="0"/>
+              <a:t>Организация проекта с внешними зависимостями</a:t>
+            </a:r>
+            <a:endParaRPr lang="ru-RU" dirty="0"/>
           </a:p>
         </p:txBody>
       </p:sp>
@@ -16129,15 +16121,10 @@
             <p:ph idx="1"/>
           </p:nvPr>
         </p:nvSpPr>
-        <p:spPr>
-          <a:xfrm>
-            <a:off x="457200" y="1124744"/>
-            <a:ext cx="8229600" cy="5001419"/>
-          </a:xfrm>
-        </p:spPr>
+        <p:spPr/>
         <p:txBody>
           <a:bodyPr>
-            <a:normAutofit lnSpcReduction="10000"/>
+            <a:normAutofit fontScale="77500" lnSpcReduction="20000"/>
           </a:bodyPr>
           <a:lstStyle/>
           <a:p>
@@ -16146,117 +16133,69 @@
             </a:pPr>
             <a:r>
               <a:rPr lang="ru-RU" dirty="0" smtClean="0"/>
-              <a:t>Расширение </a:t>
+              <a:t>Стремитесь организовывать проекты </a:t>
             </a:r>
             <a:r>
               <a:rPr lang="en-US" dirty="0" smtClean="0"/>
-              <a:t>NuGet </a:t>
+              <a:t>Visual Studio</a:t>
             </a:r>
             <a:r>
               <a:rPr lang="ru-RU" dirty="0" smtClean="0"/>
-              <a:t>упрощает работу с зависимостями в </a:t>
+              <a:t> так чтобы их можно было переносить из одной папки в другую и на другой компьютер без ошибок компиляции.</a:t>
+            </a:r>
+          </a:p>
+          <a:p>
+            <a:endParaRPr lang="ru-RU" dirty="0" smtClean="0"/>
+          </a:p>
+          <a:p>
+            <a:r>
+              <a:rPr lang="ru-RU" dirty="0" smtClean="0"/>
+              <a:t>При создании нового проекта не забудьте установить переключатель «</a:t>
             </a:r>
             <a:r>
               <a:rPr lang="en-US" dirty="0" smtClean="0"/>
-              <a:t>.NET </a:t>
+              <a:t>Create directory for solution</a:t>
             </a:r>
             <a:r>
               <a:rPr lang="ru-RU" dirty="0" smtClean="0"/>
-              <a:t>проектах.</a:t>
-            </a:r>
-          </a:p>
-          <a:p>
-            <a:pPr marL="0" indent="0">
-              <a:buNone/>
-            </a:pPr>
-            <a:endParaRPr lang="en-US" dirty="0" smtClean="0"/>
-          </a:p>
-          <a:p>
-            <a:pPr marL="0" indent="0">
-              <a:buNone/>
-            </a:pPr>
+              <a:t>»</a:t>
+            </a:r>
+          </a:p>
+          <a:p>
+            <a:r>
+              <a:rPr lang="ru-RU" dirty="0" smtClean="0"/>
+              <a:t>Все внешние зависимости и утилиты необходимые для компиляции проекта должно находиться в папке проекта:</a:t>
+            </a:r>
+          </a:p>
+          <a:p>
+            <a:pPr lvl="1"/>
+            <a:r>
+              <a:rPr lang="ru-RU" dirty="0" smtClean="0"/>
+              <a:t>Библиотеки можно разместить в папке </a:t>
+            </a:r>
             <a:r>
               <a:rPr lang="en-US" dirty="0" smtClean="0"/>
-              <a:t>NuGet </a:t>
+              <a:t>libs </a:t>
             </a:r>
             <a:r>
               <a:rPr lang="ru-RU" dirty="0" smtClean="0"/>
-              <a:t>входит в состав </a:t>
+              <a:t>в папке с решением;</a:t>
+            </a:r>
+          </a:p>
+          <a:p>
+            <a:pPr lvl="1"/>
+            <a:r>
+              <a:rPr lang="ru-RU" dirty="0" smtClean="0"/>
+              <a:t>Внешние утилиты в папке </a:t>
             </a:r>
             <a:r>
               <a:rPr lang="en-US" dirty="0" smtClean="0"/>
-              <a:t>VS 2012 </a:t>
+              <a:t>tools </a:t>
             </a:r>
             <a:r>
               <a:rPr lang="ru-RU" dirty="0" smtClean="0"/>
-              <a:t>и выше. Для </a:t>
-            </a:r>
-            <a:r>
-              <a:rPr lang="en-US" dirty="0" smtClean="0"/>
-              <a:t>VS 2010 </a:t>
-            </a:r>
-            <a:r>
-              <a:rPr lang="ru-RU" dirty="0" smtClean="0"/>
-              <a:t>его нужно скачать с помощью </a:t>
-            </a:r>
-            <a:r>
-              <a:rPr lang="en-US" dirty="0" smtClean="0"/>
-              <a:t>Tools -&gt; Extension Manager </a:t>
-            </a:r>
-            <a:r>
-              <a:rPr lang="ru-RU" dirty="0" smtClean="0"/>
-              <a:t>или с сайта </a:t>
-            </a:r>
-            <a:r>
-              <a:rPr lang="en-US" dirty="0" smtClean="0">
-                <a:hlinkClick r:id="rId2"/>
-              </a:rPr>
-              <a:t>nuget.org</a:t>
-            </a:r>
-            <a:r>
-              <a:rPr lang="ru-RU" dirty="0" smtClean="0"/>
-              <a:t>. После установки в контекстном меню </a:t>
-            </a:r>
-            <a:r>
-              <a:rPr lang="en-US" dirty="0" smtClean="0"/>
-              <a:t>References </a:t>
-            </a:r>
-            <a:r>
-              <a:rPr lang="ru-RU" dirty="0" smtClean="0"/>
-              <a:t>появится команда </a:t>
-            </a:r>
-            <a:r>
-              <a:rPr lang="en-US" dirty="0" smtClean="0"/>
-              <a:t>“Manage NuGet Packages …”. </a:t>
-            </a:r>
-            <a:r>
-              <a:rPr lang="ru-RU" dirty="0" smtClean="0"/>
-              <a:t>Также в меню </a:t>
-            </a:r>
-            <a:r>
-              <a:rPr lang="en-US" dirty="0" smtClean="0"/>
-              <a:t>Tools </a:t>
-            </a:r>
-            <a:r>
-              <a:rPr lang="ru-RU" dirty="0" smtClean="0"/>
-              <a:t>появится меню </a:t>
-            </a:r>
-            <a:r>
-              <a:rPr lang="en-US" dirty="0" smtClean="0"/>
-              <a:t>“NuGet Package Manager”.</a:t>
-            </a:r>
-            <a:endParaRPr lang="ru-RU" dirty="0" smtClean="0"/>
-          </a:p>
-          <a:p>
-            <a:pPr marL="0" indent="0">
-              <a:buNone/>
-            </a:pPr>
-            <a:endParaRPr lang="ru-RU" dirty="0" smtClean="0"/>
-          </a:p>
-          <a:p>
-            <a:pPr marL="0" indent="0">
-              <a:buNone/>
-            </a:pPr>
+              <a:t>в папке с решением.</a:t>
+            </a:r>
             <a:endParaRPr lang="ru-RU" dirty="0"/>
           </a:p>
         </p:txBody>
@@ -16264,20 +16203,13 @@
     </p:spTree>
     <p:extLst>
       <p:ext uri="{BB962C8B-B14F-4D97-AF65-F5344CB8AC3E}">
-        <p14:creationId xmlns:p14="http://schemas.microsoft.com/office/powerpoint/2010/main" val="861195078"/>
+        <p14:creationId xmlns:p14="http://schemas.microsoft.com/office/powerpoint/2010/main" val="572115315"/>
       </p:ext>
     </p:extLst>
   </p:cSld>
   <p:clrMapOvr>
     <a:masterClrMapping/>
   </p:clrMapOvr>
-  <p:timing>
-    <p:tnLst>
-      <p:par>
-        <p:cTn id="1" dur="indefinite" restart="never" nodeType="tmRoot"/>
-      </p:par>
-    </p:tnLst>
-  </p:timing>
 </p:sld>
 </file>
 
@@ -16624,16 +16556,27 @@
             <p:ph type="title"/>
           </p:nvPr>
         </p:nvSpPr>
-        <p:spPr/>
+        <p:spPr>
+          <a:xfrm>
+            <a:off x="457200" y="274638"/>
+            <a:ext cx="8229600" cy="778098"/>
+          </a:xfrm>
+        </p:spPr>
         <p:txBody>
-          <a:bodyPr/>
+          <a:bodyPr>
+            <a:normAutofit/>
+          </a:bodyPr>
           <a:lstStyle/>
           <a:p>
             <a:r>
-              <a:rPr lang="en-US" dirty="0" smtClean="0"/>
-              <a:t>Package Manager Console</a:t>
-            </a:r>
-            <a:endParaRPr lang="ru-RU" dirty="0"/>
+              <a:rPr lang="ru-RU" sz="3600" dirty="0" smtClean="0"/>
+              <a:t>Добавление ссылок с помощью </a:t>
+            </a:r>
+            <a:r>
+              <a:rPr lang="en-US" sz="3600" dirty="0" smtClean="0"/>
+              <a:t>NuGet</a:t>
+            </a:r>
+            <a:endParaRPr lang="ru-RU" sz="3600" dirty="0"/>
           </a:p>
         </p:txBody>
       </p:sp>
@@ -16647,10 +16590,15 @@
             <p:ph idx="1"/>
           </p:nvPr>
         </p:nvSpPr>
-        <p:spPr/>
+        <p:spPr>
+          <a:xfrm>
+            <a:off x="457200" y="1124744"/>
+            <a:ext cx="8229600" cy="5001419"/>
+          </a:xfrm>
+        </p:spPr>
         <p:txBody>
           <a:bodyPr>
-            <a:normAutofit fontScale="77500" lnSpcReduction="20000"/>
+            <a:normAutofit lnSpcReduction="10000"/>
           </a:bodyPr>
           <a:lstStyle/>
           <a:p>
@@ -16659,23 +16607,7 @@
             </a:pPr>
             <a:r>
               <a:rPr lang="ru-RU" dirty="0" smtClean="0"/>
-              <a:t>Окно </a:t>
-            </a:r>
-            <a:r>
-              <a:rPr lang="en-US" dirty="0" smtClean="0"/>
-              <a:t>Package </a:t>
-            </a:r>
-            <a:r>
-              <a:rPr lang="en-US" dirty="0"/>
-              <a:t>Manager </a:t>
-            </a:r>
-            <a:r>
-              <a:rPr lang="en-US" dirty="0" smtClean="0"/>
-              <a:t>Console</a:t>
-            </a:r>
-            <a:r>
-              <a:rPr lang="ru-RU" dirty="0" smtClean="0"/>
-              <a:t> позволяет управлять </a:t>
+              <a:t>Расширение </a:t>
             </a:r>
             <a:r>
               <a:rPr lang="en-US" dirty="0" smtClean="0"/>
@@ -16683,87 +16615,109 @@
             </a:r>
             <a:r>
               <a:rPr lang="ru-RU" dirty="0" smtClean="0"/>
-              <a:t>пакетами с помощью </a:t>
+              <a:t>упрощает работу с зависимостями в </a:t>
             </a:r>
             <a:r>
               <a:rPr lang="en-US" dirty="0" smtClean="0"/>
-              <a:t>PowerShell </a:t>
+              <a:t>.NET </a:t>
             </a:r>
             <a:r>
               <a:rPr lang="ru-RU" dirty="0" smtClean="0"/>
-              <a:t>команд прямо из </a:t>
-            </a:r>
+              <a:t>проектах.</a:t>
+            </a:r>
+          </a:p>
+          <a:p>
+            <a:pPr marL="0" indent="0">
+              <a:buNone/>
+            </a:pPr>
+            <a:endParaRPr lang="en-US" dirty="0" smtClean="0"/>
+          </a:p>
+          <a:p>
+            <a:pPr marL="0" indent="0">
+              <a:buNone/>
+            </a:pPr>
             <a:r>
               <a:rPr lang="en-US" dirty="0" smtClean="0"/>
-              <a:t>Visual Studio.</a:t>
+              <a:t>NuGet </a:t>
+            </a:r>
+            <a:r>
+              <a:rPr lang="ru-RU" dirty="0" smtClean="0"/>
+              <a:t>входит в состав </a:t>
+            </a:r>
+            <a:r>
+              <a:rPr lang="en-US" dirty="0" smtClean="0"/>
+              <a:t>VS 2012 </a:t>
+            </a:r>
+            <a:r>
+              <a:rPr lang="ru-RU" dirty="0" smtClean="0"/>
+              <a:t>и выше. Для </a:t>
+            </a:r>
+            <a:r>
+              <a:rPr lang="en-US" dirty="0" smtClean="0"/>
+              <a:t>VS 2010 </a:t>
+            </a:r>
+            <a:r>
+              <a:rPr lang="ru-RU" dirty="0" smtClean="0"/>
+              <a:t>его нужно скачать с помощью </a:t>
+            </a:r>
+            <a:r>
+              <a:rPr lang="en-US" dirty="0" smtClean="0"/>
+              <a:t>Tools -&gt; Extension Manager </a:t>
+            </a:r>
+            <a:r>
+              <a:rPr lang="ru-RU" dirty="0" smtClean="0"/>
+              <a:t>или с сайта </a:t>
+            </a:r>
+            <a:r>
+              <a:rPr lang="en-US" dirty="0" smtClean="0">
+                <a:hlinkClick r:id="rId2"/>
+              </a:rPr>
+              <a:t>nuget.org</a:t>
+            </a:r>
+            <a:r>
+              <a:rPr lang="ru-RU" dirty="0" smtClean="0"/>
+              <a:t>. После установки в контекстном меню </a:t>
+            </a:r>
+            <a:r>
+              <a:rPr lang="en-US" dirty="0" smtClean="0"/>
+              <a:t>References </a:t>
+            </a:r>
+            <a:r>
+              <a:rPr lang="ru-RU" dirty="0" smtClean="0"/>
+              <a:t>появится команда </a:t>
+            </a:r>
+            <a:r>
+              <a:rPr lang="en-US" dirty="0" smtClean="0"/>
+              <a:t>“Manage NuGet Packages …”. </a:t>
+            </a:r>
+            <a:r>
+              <a:rPr lang="ru-RU" dirty="0" smtClean="0"/>
+              <a:t>Также в меню </a:t>
+            </a:r>
+            <a:r>
+              <a:rPr lang="en-US" dirty="0" smtClean="0"/>
+              <a:t>Tools </a:t>
+            </a:r>
+            <a:r>
+              <a:rPr lang="ru-RU" dirty="0" smtClean="0"/>
+              <a:t>появится меню </a:t>
+            </a:r>
+            <a:r>
+              <a:rPr lang="en-US" dirty="0" smtClean="0"/>
+              <a:t>“NuGet Package Manager”.</a:t>
             </a:r>
             <a:endParaRPr lang="ru-RU" dirty="0" smtClean="0"/>
           </a:p>
           <a:p>
-            <a:r>
-              <a:rPr lang="en-US" dirty="0" smtClean="0"/>
-              <a:t>Add-</a:t>
-            </a:r>
-            <a:r>
-              <a:rPr lang="en-US" dirty="0" err="1" smtClean="0"/>
-              <a:t>BindingRedirect</a:t>
-            </a:r>
-            <a:endParaRPr lang="en-US" dirty="0" smtClean="0"/>
-          </a:p>
-          <a:p>
-            <a:r>
-              <a:rPr lang="en-US" dirty="0" smtClean="0"/>
-              <a:t>Get-Package</a:t>
-            </a:r>
-          </a:p>
-          <a:p>
-            <a:r>
-              <a:rPr lang="en-US" dirty="0"/>
-              <a:t>Get-Project</a:t>
-            </a:r>
-          </a:p>
-          <a:p>
-            <a:r>
-              <a:rPr lang="en-US" dirty="0" smtClean="0"/>
-              <a:t>Install-Package </a:t>
-            </a:r>
-            <a:r>
-              <a:rPr lang="ru-RU" dirty="0" smtClean="0"/>
-              <a:t>: установка пакета. Позволяет установить пакет определенной версии, что </a:t>
-            </a:r>
-            <a:r>
-              <a:rPr lang="ru-RU" smtClean="0"/>
-              <a:t>невозможно сделать через </a:t>
-            </a:r>
-            <a:r>
-              <a:rPr lang="en-US" dirty="0" smtClean="0"/>
-              <a:t>GUI.</a:t>
-            </a:r>
+            <a:pPr marL="0" indent="0">
+              <a:buNone/>
+            </a:pPr>
             <a:endParaRPr lang="ru-RU" dirty="0" smtClean="0"/>
           </a:p>
           <a:p>
-            <a:r>
-              <a:rPr lang="en-US" dirty="0" smtClean="0"/>
-              <a:t>Open-</a:t>
-            </a:r>
-            <a:r>
-              <a:rPr lang="en-US" dirty="0" err="1" smtClean="0"/>
-              <a:t>PackagePage</a:t>
-            </a:r>
-            <a:endParaRPr lang="ru-RU" dirty="0" smtClean="0"/>
-          </a:p>
-          <a:p>
-            <a:r>
-              <a:rPr lang="en-US" dirty="0" smtClean="0"/>
-              <a:t>Uninstall-Package</a:t>
-            </a:r>
-            <a:endParaRPr lang="ru-RU" dirty="0" smtClean="0"/>
-          </a:p>
-          <a:p>
-            <a:r>
-              <a:rPr lang="en-US" dirty="0"/>
-              <a:t>Update-Package</a:t>
-            </a:r>
+            <a:pPr marL="0" indent="0">
+              <a:buNone/>
+            </a:pPr>
             <a:endParaRPr lang="ru-RU" dirty="0"/>
           </a:p>
         </p:txBody>
@@ -16771,7 +16725,7 @@
     </p:spTree>
     <p:extLst>
       <p:ext uri="{BB962C8B-B14F-4D97-AF65-F5344CB8AC3E}">
-        <p14:creationId xmlns:p14="http://schemas.microsoft.com/office/powerpoint/2010/main" val="2572407753"/>
+        <p14:creationId xmlns:p14="http://schemas.microsoft.com/office/powerpoint/2010/main" val="861195078"/>
       </p:ext>
     </p:extLst>
   </p:cSld>
@@ -16821,12 +16775,8 @@
           <a:lstStyle/>
           <a:p>
             <a:r>
-              <a:rPr lang="ru-RU" dirty="0" smtClean="0"/>
-              <a:t>Утилиты для </a:t>
-            </a:r>
-            <a:r>
               <a:rPr lang="en-US" dirty="0" smtClean="0"/>
-              <a:t>NuGet</a:t>
+              <a:t>Package Manager Console</a:t>
             </a:r>
             <a:endParaRPr lang="ru-RU" dirty="0"/>
           </a:p>
@@ -16845,66 +16795,128 @@
         <p:spPr/>
         <p:txBody>
           <a:bodyPr>
-            <a:normAutofit/>
+            <a:normAutofit fontScale="77500" lnSpcReduction="20000"/>
           </a:bodyPr>
           <a:lstStyle/>
           <a:p>
-            <a:r>
-              <a:rPr lang="en-US" sz="2400" dirty="0" smtClean="0"/>
+            <a:pPr marL="0" indent="0">
+              <a:buNone/>
+            </a:pPr>
+            <a:r>
+              <a:rPr lang="ru-RU" dirty="0" smtClean="0"/>
+              <a:t>Окно </a:t>
+            </a:r>
+            <a:r>
+              <a:rPr lang="en-US" dirty="0" smtClean="0"/>
+              <a:t>Package </a:t>
+            </a:r>
+            <a:r>
+              <a:rPr lang="en-US" dirty="0"/>
+              <a:t>Manager </a:t>
+            </a:r>
+            <a:r>
+              <a:rPr lang="en-US" dirty="0" smtClean="0"/>
+              <a:t>Console</a:t>
+            </a:r>
+            <a:r>
+              <a:rPr lang="ru-RU" dirty="0" smtClean="0"/>
+              <a:t> позволяет управлять </a:t>
+            </a:r>
+            <a:r>
+              <a:rPr lang="en-US" dirty="0" smtClean="0"/>
               <a:t>NuGet </a:t>
             </a:r>
             <a:r>
-              <a:rPr lang="en-US" sz="2400" dirty="0"/>
-              <a:t>Package Explorer</a:t>
-            </a:r>
-            <a:br>
-              <a:rPr lang="en-US" sz="2400" dirty="0"/>
-            </a:br>
-            <a:r>
-              <a:rPr lang="en-US" sz="2400" dirty="0">
-                <a:hlinkClick r:id="rId2"/>
-              </a:rPr>
-              <a:t>http://npe.codeplex.com</a:t>
-            </a:r>
-            <a:r>
-              <a:rPr lang="en-US" sz="2400" dirty="0" smtClean="0">
-                <a:hlinkClick r:id="rId2"/>
-              </a:rPr>
-              <a:t>/</a:t>
-            </a:r>
-            <a:endParaRPr lang="en-US" sz="2400" dirty="0" smtClean="0"/>
-          </a:p>
-          <a:p>
-            <a:endParaRPr lang="ru-RU" sz="2400" dirty="0" smtClean="0"/>
-          </a:p>
-          <a:p>
-            <a:r>
-              <a:rPr lang="ru-RU" sz="2400" dirty="0" smtClean="0"/>
-              <a:t>Утилита командной строки</a:t>
-            </a:r>
-            <a:br>
-              <a:rPr lang="ru-RU" sz="2400" dirty="0" smtClean="0"/>
-            </a:br>
-            <a:r>
-              <a:rPr lang="en-US" sz="2400" dirty="0">
-                <a:hlinkClick r:id="rId3"/>
-              </a:rPr>
-              <a:t>http://</a:t>
-            </a:r>
-            <a:r>
-              <a:rPr lang="en-US" sz="2400" dirty="0" smtClean="0">
-                <a:hlinkClick r:id="rId3"/>
-              </a:rPr>
-              <a:t>docs.nuget.org/docs/start-here/installing-nuget</a:t>
-            </a:r>
-            <a:endParaRPr lang="ru-RU" sz="2400" dirty="0"/>
+              <a:rPr lang="ru-RU" dirty="0" smtClean="0"/>
+              <a:t>пакетами с помощью </a:t>
+            </a:r>
+            <a:r>
+              <a:rPr lang="en-US" dirty="0" smtClean="0"/>
+              <a:t>PowerShell </a:t>
+            </a:r>
+            <a:r>
+              <a:rPr lang="ru-RU" dirty="0" smtClean="0"/>
+              <a:t>команд прямо из </a:t>
+            </a:r>
+            <a:r>
+              <a:rPr lang="en-US" dirty="0" smtClean="0"/>
+              <a:t>Visual Studio.</a:t>
+            </a:r>
+            <a:endParaRPr lang="ru-RU" dirty="0" smtClean="0"/>
+          </a:p>
+          <a:p>
+            <a:r>
+              <a:rPr lang="en-US" dirty="0" smtClean="0"/>
+              <a:t>Add-</a:t>
+            </a:r>
+            <a:r>
+              <a:rPr lang="en-US" dirty="0" err="1" smtClean="0"/>
+              <a:t>BindingRedirect</a:t>
+            </a:r>
+            <a:endParaRPr lang="en-US" dirty="0" smtClean="0"/>
+          </a:p>
+          <a:p>
+            <a:r>
+              <a:rPr lang="en-US" dirty="0" smtClean="0"/>
+              <a:t>Get-Package</a:t>
+            </a:r>
+          </a:p>
+          <a:p>
+            <a:r>
+              <a:rPr lang="en-US" dirty="0"/>
+              <a:t>Get-Project</a:t>
+            </a:r>
+          </a:p>
+          <a:p>
+            <a:r>
+              <a:rPr lang="en-US" dirty="0" smtClean="0"/>
+              <a:t>Install-Package </a:t>
+            </a:r>
+            <a:r>
+              <a:rPr lang="ru-RU" dirty="0" smtClean="0"/>
+              <a:t>: установка пакета. Позволяет установить пакет определенной версии, что </a:t>
+            </a:r>
+            <a:r>
+              <a:rPr lang="ru-RU" smtClean="0"/>
+              <a:t>невозможно сделать через </a:t>
+            </a:r>
+            <a:r>
+              <a:rPr lang="en-US" dirty="0" smtClean="0"/>
+              <a:t>GUI.</a:t>
+            </a:r>
+            <a:endParaRPr lang="ru-RU" dirty="0" smtClean="0"/>
+          </a:p>
+          <a:p>
+            <a:r>
+              <a:rPr lang="en-US" dirty="0" smtClean="0"/>
+              <a:t>Open-</a:t>
+            </a:r>
+            <a:r>
+              <a:rPr lang="en-US" dirty="0" err="1" smtClean="0"/>
+              <a:t>PackagePage</a:t>
+            </a:r>
+            <a:endParaRPr lang="ru-RU" dirty="0" smtClean="0"/>
+          </a:p>
+          <a:p>
+            <a:r>
+              <a:rPr lang="en-US" dirty="0" smtClean="0"/>
+              <a:t>Uninstall-Package</a:t>
+            </a:r>
+            <a:endParaRPr lang="ru-RU" dirty="0" smtClean="0"/>
+          </a:p>
+          <a:p>
+            <a:r>
+              <a:rPr lang="en-US" dirty="0"/>
+              <a:t>Update-Package</a:t>
+            </a:r>
+            <a:endParaRPr lang="ru-RU" dirty="0"/>
           </a:p>
         </p:txBody>
       </p:sp>
     </p:spTree>
     <p:extLst>
       <p:ext uri="{BB962C8B-B14F-4D97-AF65-F5344CB8AC3E}">
-        <p14:creationId xmlns:p14="http://schemas.microsoft.com/office/powerpoint/2010/main" val="2426017902"/>
+        <p14:creationId xmlns:p14="http://schemas.microsoft.com/office/powerpoint/2010/main" val="2572407753"/>
       </p:ext>
     </p:extLst>
   </p:cSld>
@@ -16950,14 +16962,16 @@
         </p:nvSpPr>
         <p:spPr/>
         <p:txBody>
-          <a:bodyPr>
-            <a:normAutofit fontScale="90000"/>
-          </a:bodyPr>
+          <a:bodyPr/>
           <a:lstStyle/>
           <a:p>
             <a:r>
               <a:rPr lang="ru-RU" dirty="0" smtClean="0"/>
-              <a:t>Распространение своих библиотек</a:t>
+              <a:t>Утилиты для </a:t>
+            </a:r>
+            <a:r>
+              <a:rPr lang="en-US" dirty="0" smtClean="0"/>
+              <a:t>NuGet</a:t>
             </a:r>
             <a:endParaRPr lang="ru-RU" dirty="0"/>
           </a:p>
@@ -16976,110 +16990,66 @@
         <p:spPr/>
         <p:txBody>
           <a:bodyPr>
-            <a:normAutofit fontScale="70000" lnSpcReduction="20000"/>
+            <a:normAutofit/>
           </a:bodyPr>
           <a:lstStyle/>
           <a:p>
-            <a:pPr marL="0" indent="0">
-              <a:buNone/>
-            </a:pPr>
-            <a:r>
-              <a:rPr lang="ru-RU" dirty="0" smtClean="0"/>
-              <a:t>Хорошими библиотеками следует делиться с сообществом! Проекты с открытым исходны</a:t>
-            </a:r>
-            <a:r>
-              <a:rPr lang="ru-RU" dirty="0"/>
-              <a:t>м</a:t>
-            </a:r>
-            <a:r>
-              <a:rPr lang="ru-RU" dirty="0" smtClean="0"/>
-              <a:t> кодом можно размещать на специальных сайтах:</a:t>
-            </a:r>
-          </a:p>
-          <a:p>
-            <a:endParaRPr lang="ru-RU" dirty="0" smtClean="0">
-              <a:hlinkClick r:id="rId2"/>
-            </a:endParaRPr>
-          </a:p>
-          <a:p>
-            <a:r>
-              <a:rPr lang="en-US" dirty="0" smtClean="0">
+            <a:r>
+              <a:rPr lang="en-US" sz="2400" dirty="0" smtClean="0"/>
+              <a:t>NuGet </a:t>
+            </a:r>
+            <a:r>
+              <a:rPr lang="en-US" sz="2400" dirty="0"/>
+              <a:t>Package Explorer</a:t>
+            </a:r>
+            <a:br>
+              <a:rPr lang="en-US" sz="2400" dirty="0"/>
+            </a:br>
+            <a:r>
+              <a:rPr lang="en-US" sz="2400" dirty="0">
                 <a:hlinkClick r:id="rId2"/>
               </a:rPr>
-              <a:t>www.codeplex.com</a:t>
-            </a:r>
-            <a:endParaRPr lang="ru-RU" dirty="0" smtClean="0"/>
-          </a:p>
-          <a:p>
-            <a:r>
-              <a:rPr lang="en-US" dirty="0" smtClean="0">
+              <a:t>http://npe.codeplex.com</a:t>
+            </a:r>
+            <a:r>
+              <a:rPr lang="en-US" sz="2400" dirty="0" smtClean="0">
+                <a:hlinkClick r:id="rId2"/>
+              </a:rPr>
+              <a:t>/</a:t>
+            </a:r>
+            <a:endParaRPr lang="en-US" sz="2400" dirty="0" smtClean="0"/>
+          </a:p>
+          <a:p>
+            <a:endParaRPr lang="ru-RU" sz="2400" dirty="0" smtClean="0"/>
+          </a:p>
+          <a:p>
+            <a:r>
+              <a:rPr lang="ru-RU" sz="2400" dirty="0" smtClean="0"/>
+              <a:t>Утилита командной строки</a:t>
+            </a:r>
+            <a:br>
+              <a:rPr lang="ru-RU" sz="2400" dirty="0" smtClean="0"/>
+            </a:br>
+            <a:r>
+              <a:rPr lang="en-US" sz="2400" dirty="0">
                 <a:hlinkClick r:id="rId3"/>
               </a:rPr>
-              <a:t>github.com</a:t>
-            </a:r>
-            <a:endParaRPr lang="ru-RU" dirty="0" smtClean="0"/>
-          </a:p>
-          <a:p>
-            <a:r>
-              <a:rPr lang="en-US" dirty="0" smtClean="0">
-                <a:hlinkClick r:id="rId4"/>
-              </a:rPr>
-              <a:t>code.google.com</a:t>
-            </a:r>
-            <a:endParaRPr lang="ru-RU" dirty="0" smtClean="0"/>
-          </a:p>
-          <a:p>
-            <a:r>
-              <a:rPr lang="ru-RU" dirty="0" smtClean="0"/>
-              <a:t>и других ...</a:t>
-            </a:r>
-            <a:endParaRPr lang="en-US" dirty="0" smtClean="0"/>
-          </a:p>
-          <a:p>
-            <a:endParaRPr lang="en-US" dirty="0" smtClean="0"/>
-          </a:p>
-          <a:p>
-            <a:pPr marL="0" indent="0">
-              <a:buNone/>
-            </a:pPr>
-            <a:r>
-              <a:rPr lang="ru-RU" dirty="0" smtClean="0"/>
-              <a:t>Выбрать лицензию можно с помощью сайта </a:t>
-            </a:r>
-            <a:r>
-              <a:rPr lang="en-US" dirty="0" smtClean="0">
-                <a:hlinkClick r:id="rId5"/>
-              </a:rPr>
-              <a:t>choosealicense.com</a:t>
-            </a:r>
-            <a:endParaRPr lang="ru-RU" dirty="0" smtClean="0"/>
-          </a:p>
-          <a:p>
-            <a:pPr marL="0" indent="0">
-              <a:buNone/>
-            </a:pPr>
-            <a:endParaRPr lang="ru-RU" dirty="0" smtClean="0"/>
-          </a:p>
-          <a:p>
-            <a:pPr marL="0" indent="0">
-              <a:buNone/>
-            </a:pPr>
-            <a:r>
-              <a:rPr lang="ru-RU" dirty="0" smtClean="0"/>
-              <a:t>Откомпилированную версию не забудьте разместить на </a:t>
-            </a:r>
-            <a:r>
-              <a:rPr lang="en-US" dirty="0" smtClean="0"/>
-              <a:t>nuget.org.</a:t>
-            </a:r>
-            <a:endParaRPr lang="ru-RU" dirty="0"/>
+              <a:t>http://</a:t>
+            </a:r>
+            <a:r>
+              <a:rPr lang="en-US" sz="2400" dirty="0" smtClean="0">
+                <a:hlinkClick r:id="rId3"/>
+              </a:rPr>
+              <a:t>docs.nuget.org/docs/start-here/installing-nuget</a:t>
+            </a:r>
+            <a:endParaRPr lang="ru-RU" sz="2400" dirty="0"/>
           </a:p>
         </p:txBody>
       </p:sp>
     </p:spTree>
     <p:extLst>
       <p:ext uri="{BB962C8B-B14F-4D97-AF65-F5344CB8AC3E}">
-        <p14:creationId xmlns:p14="http://schemas.microsoft.com/office/powerpoint/2010/main" val="4107856204"/>
+        <p14:creationId xmlns:p14="http://schemas.microsoft.com/office/powerpoint/2010/main" val="2426017902"/>
       </p:ext>
     </p:extLst>
   </p:cSld>
@@ -17123,35 +17093,18 @@
             <p:ph type="title"/>
           </p:nvPr>
         </p:nvSpPr>
-        <p:spPr>
-          <a:xfrm>
-            <a:off x="457200" y="274638"/>
-            <a:ext cx="8229600" cy="706090"/>
-          </a:xfrm>
-        </p:spPr>
+        <p:spPr/>
         <p:txBody>
           <a:bodyPr>
-            <a:normAutofit/>
+            <a:normAutofit fontScale="90000"/>
           </a:bodyPr>
           <a:lstStyle/>
           <a:p>
             <a:r>
-              <a:rPr lang="ru-RU" sz="3200" dirty="0" smtClean="0"/>
-              <a:t>Отладка </a:t>
-            </a:r>
-            <a:r>
-              <a:rPr lang="en-US" sz="3200" dirty="0" smtClean="0"/>
-              <a:t>.NET </a:t>
-            </a:r>
-            <a:r>
-              <a:rPr lang="ru-RU" sz="3200" dirty="0" smtClean="0"/>
-              <a:t>с помощью </a:t>
-            </a:r>
-            <a:r>
-              <a:rPr lang="en-US" sz="3200" dirty="0" smtClean="0"/>
-              <a:t>reference source</a:t>
-            </a:r>
-            <a:endParaRPr lang="ru-RU" sz="3200" dirty="0"/>
+              <a:rPr lang="ru-RU" dirty="0" smtClean="0"/>
+              <a:t>Распространение своих библиотек</a:t>
+            </a:r>
+            <a:endParaRPr lang="ru-RU" dirty="0"/>
           </a:p>
         </p:txBody>
       </p:sp>
@@ -17165,15 +17118,10 @@
             <p:ph idx="1"/>
           </p:nvPr>
         </p:nvSpPr>
-        <p:spPr>
-          <a:xfrm>
-            <a:off x="457200" y="980728"/>
-            <a:ext cx="8229600" cy="864096"/>
-          </a:xfrm>
-        </p:spPr>
+        <p:spPr/>
         <p:txBody>
           <a:bodyPr>
-            <a:noAutofit/>
+            <a:normAutofit fontScale="70000" lnSpcReduction="20000"/>
           </a:bodyPr>
           <a:lstStyle/>
           <a:p>
@@ -17181,271 +17129,102 @@
               <a:buNone/>
             </a:pPr>
             <a:r>
-              <a:rPr lang="ru-RU" sz="2400" dirty="0" smtClean="0"/>
-              <a:t>Работает только для </a:t>
-            </a:r>
-            <a:r>
-              <a:rPr lang="en-US" sz="2400" dirty="0" smtClean="0"/>
-              <a:t>.NET 4.5.1 </a:t>
-            </a:r>
-            <a:r>
-              <a:rPr lang="ru-RU" sz="2400" dirty="0" smtClean="0"/>
-              <a:t>в </a:t>
-            </a:r>
-            <a:r>
-              <a:rPr lang="en-US" sz="2400" dirty="0" smtClean="0"/>
-              <a:t>VS 2012 </a:t>
-            </a:r>
-            <a:r>
-              <a:rPr lang="ru-RU" sz="2400" dirty="0" smtClean="0"/>
-              <a:t>и выше</a:t>
-            </a:r>
-            <a:r>
-              <a:rPr lang="en-US" sz="2400" dirty="0" smtClean="0"/>
-              <a:t>!</a:t>
-            </a:r>
-            <a:endParaRPr lang="ru-RU" sz="2400" dirty="0"/>
+              <a:rPr lang="ru-RU" dirty="0" smtClean="0"/>
+              <a:t>Хорошими библиотеками следует делиться с сообществом! Проекты с открытым исходны</a:t>
+            </a:r>
+            <a:r>
+              <a:rPr lang="ru-RU" dirty="0"/>
+              <a:t>м</a:t>
+            </a:r>
+            <a:r>
+              <a:rPr lang="ru-RU" dirty="0" smtClean="0"/>
+              <a:t> кодом можно размещать на специальных сайтах:</a:t>
+            </a:r>
+          </a:p>
+          <a:p>
+            <a:endParaRPr lang="ru-RU" dirty="0" smtClean="0">
+              <a:hlinkClick r:id="rId2"/>
+            </a:endParaRPr>
+          </a:p>
+          <a:p>
+            <a:r>
+              <a:rPr lang="en-US" dirty="0" smtClean="0">
+                <a:hlinkClick r:id="rId2"/>
+              </a:rPr>
+              <a:t>www.codeplex.com</a:t>
+            </a:r>
+            <a:endParaRPr lang="ru-RU" dirty="0" smtClean="0"/>
+          </a:p>
+          <a:p>
+            <a:r>
+              <a:rPr lang="en-US" dirty="0" smtClean="0">
+                <a:hlinkClick r:id="rId3"/>
+              </a:rPr>
+              <a:t>github.com</a:t>
+            </a:r>
+            <a:endParaRPr lang="ru-RU" dirty="0" smtClean="0"/>
+          </a:p>
+          <a:p>
+            <a:r>
+              <a:rPr lang="en-US" dirty="0" smtClean="0">
+                <a:hlinkClick r:id="rId4"/>
+              </a:rPr>
+              <a:t>code.google.com</a:t>
+            </a:r>
+            <a:endParaRPr lang="ru-RU" dirty="0" smtClean="0"/>
+          </a:p>
+          <a:p>
+            <a:r>
+              <a:rPr lang="ru-RU" dirty="0" smtClean="0"/>
+              <a:t>и других ...</a:t>
+            </a:r>
+            <a:endParaRPr lang="en-US" dirty="0" smtClean="0"/>
+          </a:p>
+          <a:p>
+            <a:endParaRPr lang="en-US" dirty="0" smtClean="0"/>
           </a:p>
           <a:p>
             <a:pPr marL="0" indent="0">
               <a:buNone/>
             </a:pPr>
             <a:r>
-              <a:rPr lang="ru-RU" sz="2400" dirty="0" smtClean="0"/>
-              <a:t>Необходимые настройки:</a:t>
-            </a:r>
-            <a:endParaRPr lang="ru-RU" sz="2400" dirty="0"/>
-          </a:p>
-        </p:txBody>
-      </p:sp>
-      <p:pic>
-        <p:nvPicPr>
-          <p:cNvPr id="1027" name="Picture 3"/>
-          <p:cNvPicPr>
-            <a:picLocks noChangeAspect="1" noChangeArrowheads="1"/>
-          </p:cNvPicPr>
-          <p:nvPr/>
-        </p:nvPicPr>
-        <p:blipFill>
-          <a:blip r:embed="rId2">
-            <a:extLst>
-              <a:ext uri="{28A0092B-C50C-407E-A947-70E740481C1C}">
-                <a14:useLocalDpi xmlns:a14="http://schemas.microsoft.com/office/drawing/2010/main" val="0"/>
-              </a:ext>
-            </a:extLst>
-          </a:blip>
-          <a:srcRect/>
-          <a:stretch>
-            <a:fillRect/>
-          </a:stretch>
-        </p:blipFill>
-        <p:spPr bwMode="auto">
-          <a:xfrm>
-            <a:off x="3995936" y="1459979"/>
-            <a:ext cx="4200525" cy="2905125"/>
-          </a:xfrm>
-          <a:prstGeom prst="rect">
-            <a:avLst/>
-          </a:prstGeom>
-          <a:noFill/>
-          <a:ln>
-            <a:noFill/>
-          </a:ln>
-          <a:effectLst/>
-          <a:extLst>
-            <a:ext uri="{909E8E84-426E-40DD-AFC4-6F175D3DCCD1}">
-              <a14:hiddenFill xmlns:a14="http://schemas.microsoft.com/office/drawing/2010/main">
-                <a:solidFill>
-                  <a:schemeClr val="accent1"/>
-                </a:solidFill>
-              </a14:hiddenFill>
-            </a:ext>
-            <a:ext uri="{91240B29-F687-4F45-9708-019B960494DF}">
-              <a14:hiddenLine xmlns:a14="http://schemas.microsoft.com/office/drawing/2010/main" w="9525">
-                <a:solidFill>
-                  <a:schemeClr val="tx1"/>
-                </a:solidFill>
-                <a:miter lim="800000"/>
-                <a:headEnd/>
-                <a:tailEnd/>
-              </a14:hiddenLine>
-            </a:ext>
-            <a:ext uri="{AF507438-7753-43E0-B8FC-AC1667EBCBE1}">
-              <a14:hiddenEffects xmlns:a14="http://schemas.microsoft.com/office/drawing/2010/main">
-                <a:effectLst>
-                  <a:outerShdw dist="35921" dir="2700000" algn="ctr" rotWithShape="0">
-                    <a:schemeClr val="bg2"/>
-                  </a:outerShdw>
-                </a:effectLst>
-              </a14:hiddenEffects>
-            </a:ext>
-          </a:extLst>
-        </p:spPr>
-      </p:pic>
-      <p:sp>
-        <p:nvSpPr>
-          <p:cNvPr id="4" name="TextBox 3"/>
-          <p:cNvSpPr txBox="1"/>
-          <p:nvPr/>
-        </p:nvSpPr>
-        <p:spPr>
-          <a:xfrm>
-            <a:off x="543158" y="2597756"/>
-            <a:ext cx="2722669" cy="461665"/>
-          </a:xfrm>
-          <a:prstGeom prst="rect">
-            <a:avLst/>
-          </a:prstGeom>
-          <a:noFill/>
-        </p:spPr>
-        <p:txBody>
-          <a:bodyPr wrap="none" rtlCol="0">
-            <a:spAutoFit/>
-          </a:bodyPr>
-          <a:lstStyle/>
-          <a:p>
-            <a:pPr algn="ctr"/>
-            <a:r>
-              <a:rPr lang="en-US" sz="2400" dirty="0" smtClean="0"/>
-              <a:t>Debugger \ General:</a:t>
-            </a:r>
-            <a:endParaRPr lang="ru-RU" sz="2400" dirty="0" smtClean="0"/>
-          </a:p>
-        </p:txBody>
-      </p:sp>
-      <p:pic>
-        <p:nvPicPr>
-          <p:cNvPr id="1028" name="Picture 4"/>
-          <p:cNvPicPr>
-            <a:picLocks noChangeAspect="1" noChangeArrowheads="1"/>
-          </p:cNvPicPr>
-          <p:nvPr/>
-        </p:nvPicPr>
-        <p:blipFill>
-          <a:blip r:embed="rId3">
-            <a:extLst>
-              <a:ext uri="{28A0092B-C50C-407E-A947-70E740481C1C}">
-                <a14:useLocalDpi xmlns:a14="http://schemas.microsoft.com/office/drawing/2010/main" val="0"/>
-              </a:ext>
-            </a:extLst>
-          </a:blip>
-          <a:srcRect/>
-          <a:stretch>
-            <a:fillRect/>
-          </a:stretch>
-        </p:blipFill>
-        <p:spPr bwMode="auto">
-          <a:xfrm>
-            <a:off x="3995936" y="5085184"/>
-            <a:ext cx="4381500" cy="1352550"/>
-          </a:xfrm>
-          <a:prstGeom prst="rect">
-            <a:avLst/>
-          </a:prstGeom>
-          <a:noFill/>
-          <a:ln>
-            <a:noFill/>
-          </a:ln>
-          <a:effectLst/>
-          <a:extLst>
-            <a:ext uri="{909E8E84-426E-40DD-AFC4-6F175D3DCCD1}">
-              <a14:hiddenFill xmlns:a14="http://schemas.microsoft.com/office/drawing/2010/main">
-                <a:solidFill>
-                  <a:schemeClr val="accent1"/>
-                </a:solidFill>
-              </a14:hiddenFill>
-            </a:ext>
-            <a:ext uri="{91240B29-F687-4F45-9708-019B960494DF}">
-              <a14:hiddenLine xmlns:a14="http://schemas.microsoft.com/office/drawing/2010/main" w="9525">
-                <a:solidFill>
-                  <a:schemeClr val="tx1"/>
-                </a:solidFill>
-                <a:miter lim="800000"/>
-                <a:headEnd/>
-                <a:tailEnd/>
-              </a14:hiddenLine>
-            </a:ext>
-            <a:ext uri="{AF507438-7753-43E0-B8FC-AC1667EBCBE1}">
-              <a14:hiddenEffects xmlns:a14="http://schemas.microsoft.com/office/drawing/2010/main">
-                <a:effectLst>
-                  <a:outerShdw dist="35921" dir="2700000" algn="ctr" rotWithShape="0">
-                    <a:schemeClr val="bg2"/>
-                  </a:outerShdw>
-                </a:effectLst>
-              </a14:hiddenEffects>
-            </a:ext>
-          </a:extLst>
-        </p:spPr>
-      </p:pic>
-      <p:sp>
-        <p:nvSpPr>
-          <p:cNvPr id="8" name="TextBox 7"/>
-          <p:cNvSpPr txBox="1"/>
-          <p:nvPr/>
-        </p:nvSpPr>
-        <p:spPr>
-          <a:xfrm>
-            <a:off x="516260" y="5085184"/>
-            <a:ext cx="2776466" cy="461665"/>
-          </a:xfrm>
-          <a:prstGeom prst="rect">
-            <a:avLst/>
-          </a:prstGeom>
-          <a:noFill/>
-        </p:spPr>
-        <p:txBody>
-          <a:bodyPr wrap="none" rtlCol="0">
-            <a:spAutoFit/>
-          </a:bodyPr>
-          <a:lstStyle/>
-          <a:p>
-            <a:pPr algn="ctr"/>
-            <a:r>
-              <a:rPr lang="en-US" sz="2400" dirty="0" smtClean="0"/>
-              <a:t>Debugger \ Symbols:</a:t>
-            </a:r>
-          </a:p>
-        </p:txBody>
-      </p:sp>
-      <p:sp>
-        <p:nvSpPr>
-          <p:cNvPr id="5" name="TextBox 4"/>
-          <p:cNvSpPr txBox="1"/>
-          <p:nvPr/>
-        </p:nvSpPr>
-        <p:spPr>
-          <a:xfrm>
-            <a:off x="2483768" y="4581128"/>
-            <a:ext cx="6192593" cy="369332"/>
-          </a:xfrm>
-          <a:prstGeom prst="rect">
-            <a:avLst/>
-          </a:prstGeom>
-          <a:noFill/>
-        </p:spPr>
-        <p:txBody>
-          <a:bodyPr wrap="none" rtlCol="0">
-            <a:spAutoFit/>
-          </a:bodyPr>
-          <a:lstStyle/>
-          <a:p>
-            <a:pPr algn="ctr"/>
-            <a:r>
               <a:rPr lang="ru-RU" dirty="0" smtClean="0"/>
-              <a:t>Добавьте адрес </a:t>
-            </a:r>
-            <a:r>
-              <a:rPr lang="en-US" dirty="0"/>
-              <a:t>http://referencesource.microsoft.com/symbols</a:t>
+              <a:t>Выбрать лицензию можно с помощью сайта </a:t>
+            </a:r>
+            <a:r>
+              <a:rPr lang="en-US" dirty="0" smtClean="0">
+                <a:hlinkClick r:id="rId5"/>
+              </a:rPr>
+              <a:t>choosealicense.com</a:t>
             </a:r>
             <a:endParaRPr lang="ru-RU" dirty="0" smtClean="0"/>
+          </a:p>
+          <a:p>
+            <a:pPr marL="0" indent="0">
+              <a:buNone/>
+            </a:pPr>
+            <a:endParaRPr lang="ru-RU" dirty="0" smtClean="0"/>
+          </a:p>
+          <a:p>
+            <a:pPr marL="0" indent="0">
+              <a:buNone/>
+            </a:pPr>
+            <a:r>
+              <a:rPr lang="ru-RU" dirty="0" smtClean="0"/>
+              <a:t>Откомпилированную версию не забудьте разместить на </a:t>
+            </a:r>
+            <a:r>
+              <a:rPr lang="en-US" dirty="0" smtClean="0"/>
+              <a:t>nuget.org.</a:t>
+            </a:r>
+            <a:endParaRPr lang="ru-RU" dirty="0"/>
           </a:p>
         </p:txBody>
       </p:sp>
     </p:spTree>
     <p:extLst>
       <p:ext uri="{BB962C8B-B14F-4D97-AF65-F5344CB8AC3E}">
-        <p14:creationId xmlns:p14="http://schemas.microsoft.com/office/powerpoint/2010/main" val="2605966343"/>
+        <p14:creationId xmlns:p14="http://schemas.microsoft.com/office/powerpoint/2010/main" val="4107856204"/>
       </p:ext>
     </p:extLst>
   </p:cSld>
@@ -17514,12 +17293,8 @@
               <a:t>с помощью </a:t>
             </a:r>
             <a:r>
-              <a:rPr lang="en-US" sz="3200" dirty="0" err="1" smtClean="0"/>
-              <a:t>dotPeek</a:t>
-            </a:r>
-            <a:r>
               <a:rPr lang="en-US" sz="3200" dirty="0" smtClean="0"/>
-              <a:t> 1.2+</a:t>
+              <a:t>reference source</a:t>
             </a:r>
             <a:endParaRPr lang="ru-RU" sz="3200" dirty="0"/>
           </a:p>
@@ -17538,7 +17313,7 @@
         <p:spPr>
           <a:xfrm>
             <a:off x="457200" y="980728"/>
-            <a:ext cx="8229600" cy="2520280"/>
+            <a:ext cx="8229600" cy="864096"/>
           </a:xfrm>
         </p:spPr>
         <p:txBody>
@@ -17552,88 +17327,270 @@
             </a:pPr>
             <a:r>
               <a:rPr lang="ru-RU" sz="2400" dirty="0" smtClean="0"/>
-              <a:t>В </a:t>
-            </a:r>
-            <a:r>
-              <a:rPr lang="en-US" sz="2400" dirty="0" err="1" smtClean="0"/>
-              <a:t>dotPeek</a:t>
+              <a:t>Работает только для </a:t>
             </a:r>
             <a:r>
               <a:rPr lang="en-US" sz="2400" dirty="0" smtClean="0"/>
-              <a:t> 1.2 </a:t>
+              <a:t>.NET 4.5.1 </a:t>
             </a:r>
             <a:r>
               <a:rPr lang="ru-RU" sz="2400" dirty="0" smtClean="0"/>
-              <a:t>была добавлена команда «</a:t>
+              <a:t>в </a:t>
             </a:r>
             <a:r>
               <a:rPr lang="en-US" sz="2400" dirty="0" smtClean="0"/>
-              <a:t>Generate PDB</a:t>
+              <a:t>VS 2012 </a:t>
             </a:r>
             <a:r>
               <a:rPr lang="ru-RU" sz="2400" dirty="0" smtClean="0"/>
-              <a:t>» и поддержка </a:t>
+              <a:t>и выше</a:t>
             </a:r>
             <a:r>
               <a:rPr lang="en-US" sz="2400" dirty="0" smtClean="0"/>
-              <a:t>Symbol Server. </a:t>
-            </a:r>
-            <a:r>
-              <a:rPr lang="ru-RU" sz="2400" dirty="0" smtClean="0"/>
-              <a:t>С их помощью можно отлаживать </a:t>
-            </a:r>
-            <a:r>
-              <a:rPr lang="en-US" sz="2400" dirty="0" smtClean="0"/>
-              <a:t>.NET </a:t>
-            </a:r>
-            <a:r>
-              <a:rPr lang="ru-RU" sz="2400" dirty="0" smtClean="0"/>
-              <a:t>и чужие сборки. Подробности читайте на сайте </a:t>
-            </a:r>
-            <a:r>
-              <a:rPr lang="en-US" sz="2400" dirty="0" smtClean="0"/>
-              <a:t>JetBrains:</a:t>
-            </a:r>
-            <a:endParaRPr lang="ru-RU" sz="2400" dirty="0" smtClean="0">
-              <a:hlinkClick r:id="rId2"/>
-            </a:endParaRPr>
+              <a:t>!</a:t>
+            </a:r>
+            <a:endParaRPr lang="ru-RU" sz="2400" dirty="0"/>
           </a:p>
           <a:p>
             <a:pPr marL="0" indent="0">
               <a:buNone/>
             </a:pPr>
-            <a:endParaRPr lang="en-US" sz="2400" dirty="0" smtClean="0"/>
-          </a:p>
-          <a:p>
-            <a:pPr marL="0" indent="0">
-              <a:buNone/>
-            </a:pPr>
-            <a:r>
-              <a:rPr lang="en-US" sz="2400" dirty="0" smtClean="0">
-                <a:hlinkClick r:id="rId2"/>
-              </a:rPr>
-              <a:t>http</a:t>
-            </a:r>
-            <a:r>
-              <a:rPr lang="en-US" sz="2400" dirty="0">
-                <a:hlinkClick r:id="rId2"/>
-              </a:rPr>
-              <a:t>://</a:t>
-            </a:r>
-            <a:r>
-              <a:rPr lang="en-US" sz="2400" dirty="0" smtClean="0">
-                <a:hlinkClick r:id="rId2"/>
-              </a:rPr>
-              <a:t>confluence.jetbrains.com/display/NETCOM/dotPeek+Symbol+Server+and+PDB+Generation</a:t>
+            <a:r>
+              <a:rPr lang="ru-RU" sz="2400" dirty="0" smtClean="0"/>
+              <a:t>Необходимые настройки:</a:t>
             </a:r>
             <a:endParaRPr lang="ru-RU" sz="2400" dirty="0"/>
+          </a:p>
+        </p:txBody>
+      </p:sp>
+      <p:pic>
+        <p:nvPicPr>
+          <p:cNvPr id="1027" name="Picture 3"/>
+          <p:cNvPicPr>
+            <a:picLocks noChangeAspect="1" noChangeArrowheads="1"/>
+          </p:cNvPicPr>
+          <p:nvPr/>
+        </p:nvPicPr>
+        <p:blipFill>
+          <a:blip r:embed="rId2">
+            <a:extLst>
+              <a:ext uri="{28A0092B-C50C-407E-A947-70E740481C1C}">
+                <a14:useLocalDpi xmlns:a14="http://schemas.microsoft.com/office/drawing/2010/main" val="0"/>
+              </a:ext>
+            </a:extLst>
+          </a:blip>
+          <a:srcRect/>
+          <a:stretch>
+            <a:fillRect/>
+          </a:stretch>
+        </p:blipFill>
+        <p:spPr bwMode="auto">
+          <a:xfrm>
+            <a:off x="3995936" y="1459979"/>
+            <a:ext cx="4200525" cy="2905125"/>
+          </a:xfrm>
+          <a:prstGeom prst="rect">
+            <a:avLst/>
+          </a:prstGeom>
+          <a:noFill/>
+          <a:ln>
+            <a:noFill/>
+          </a:ln>
+          <a:effectLst/>
+          <a:extLst>
+            <a:ext uri="{909E8E84-426E-40DD-AFC4-6F175D3DCCD1}">
+              <a14:hiddenFill xmlns:a14="http://schemas.microsoft.com/office/drawing/2010/main">
+                <a:solidFill>
+                  <a:schemeClr val="accent1"/>
+                </a:solidFill>
+              </a14:hiddenFill>
+            </a:ext>
+            <a:ext uri="{91240B29-F687-4F45-9708-019B960494DF}">
+              <a14:hiddenLine xmlns:a14="http://schemas.microsoft.com/office/drawing/2010/main" w="9525">
+                <a:solidFill>
+                  <a:schemeClr val="tx1"/>
+                </a:solidFill>
+                <a:miter lim="800000"/>
+                <a:headEnd/>
+                <a:tailEnd/>
+              </a14:hiddenLine>
+            </a:ext>
+            <a:ext uri="{AF507438-7753-43E0-B8FC-AC1667EBCBE1}">
+              <a14:hiddenEffects xmlns:a14="http://schemas.microsoft.com/office/drawing/2010/main">
+                <a:effectLst>
+                  <a:outerShdw dist="35921" dir="2700000" algn="ctr" rotWithShape="0">
+                    <a:schemeClr val="bg2"/>
+                  </a:outerShdw>
+                </a:effectLst>
+              </a14:hiddenEffects>
+            </a:ext>
+          </a:extLst>
+        </p:spPr>
+      </p:pic>
+      <p:sp>
+        <p:nvSpPr>
+          <p:cNvPr id="4" name="TextBox 3"/>
+          <p:cNvSpPr txBox="1"/>
+          <p:nvPr/>
+        </p:nvSpPr>
+        <p:spPr>
+          <a:xfrm>
+            <a:off x="543158" y="2597756"/>
+            <a:ext cx="2722669" cy="461665"/>
+          </a:xfrm>
+          <a:prstGeom prst="rect">
+            <a:avLst/>
+          </a:prstGeom>
+          <a:noFill/>
+        </p:spPr>
+        <p:txBody>
+          <a:bodyPr wrap="none" rtlCol="0">
+            <a:spAutoFit/>
+          </a:bodyPr>
+          <a:lstStyle/>
+          <a:p>
+            <a:pPr algn="ctr"/>
+            <a:r>
+              <a:rPr lang="en-US" sz="2400" dirty="0" smtClean="0"/>
+              <a:t>Debugger \ General:</a:t>
+            </a:r>
+            <a:endParaRPr lang="ru-RU" sz="2400" dirty="0" smtClean="0"/>
+          </a:p>
+        </p:txBody>
+      </p:sp>
+      <p:pic>
+        <p:nvPicPr>
+          <p:cNvPr id="1028" name="Picture 4"/>
+          <p:cNvPicPr>
+            <a:picLocks noChangeAspect="1" noChangeArrowheads="1"/>
+          </p:cNvPicPr>
+          <p:nvPr/>
+        </p:nvPicPr>
+        <p:blipFill>
+          <a:blip r:embed="rId3">
+            <a:extLst>
+              <a:ext uri="{28A0092B-C50C-407E-A947-70E740481C1C}">
+                <a14:useLocalDpi xmlns:a14="http://schemas.microsoft.com/office/drawing/2010/main" val="0"/>
+              </a:ext>
+            </a:extLst>
+          </a:blip>
+          <a:srcRect/>
+          <a:stretch>
+            <a:fillRect/>
+          </a:stretch>
+        </p:blipFill>
+        <p:spPr bwMode="auto">
+          <a:xfrm>
+            <a:off x="3995936" y="5085184"/>
+            <a:ext cx="4381500" cy="1352550"/>
+          </a:xfrm>
+          <a:prstGeom prst="rect">
+            <a:avLst/>
+          </a:prstGeom>
+          <a:noFill/>
+          <a:ln>
+            <a:noFill/>
+          </a:ln>
+          <a:effectLst/>
+          <a:extLst>
+            <a:ext uri="{909E8E84-426E-40DD-AFC4-6F175D3DCCD1}">
+              <a14:hiddenFill xmlns:a14="http://schemas.microsoft.com/office/drawing/2010/main">
+                <a:solidFill>
+                  <a:schemeClr val="accent1"/>
+                </a:solidFill>
+              </a14:hiddenFill>
+            </a:ext>
+            <a:ext uri="{91240B29-F687-4F45-9708-019B960494DF}">
+              <a14:hiddenLine xmlns:a14="http://schemas.microsoft.com/office/drawing/2010/main" w="9525">
+                <a:solidFill>
+                  <a:schemeClr val="tx1"/>
+                </a:solidFill>
+                <a:miter lim="800000"/>
+                <a:headEnd/>
+                <a:tailEnd/>
+              </a14:hiddenLine>
+            </a:ext>
+            <a:ext uri="{AF507438-7753-43E0-B8FC-AC1667EBCBE1}">
+              <a14:hiddenEffects xmlns:a14="http://schemas.microsoft.com/office/drawing/2010/main">
+                <a:effectLst>
+                  <a:outerShdw dist="35921" dir="2700000" algn="ctr" rotWithShape="0">
+                    <a:schemeClr val="bg2"/>
+                  </a:outerShdw>
+                </a:effectLst>
+              </a14:hiddenEffects>
+            </a:ext>
+          </a:extLst>
+        </p:spPr>
+      </p:pic>
+      <p:sp>
+        <p:nvSpPr>
+          <p:cNvPr id="8" name="TextBox 7"/>
+          <p:cNvSpPr txBox="1"/>
+          <p:nvPr/>
+        </p:nvSpPr>
+        <p:spPr>
+          <a:xfrm>
+            <a:off x="516260" y="5085184"/>
+            <a:ext cx="2776466" cy="461665"/>
+          </a:xfrm>
+          <a:prstGeom prst="rect">
+            <a:avLst/>
+          </a:prstGeom>
+          <a:noFill/>
+        </p:spPr>
+        <p:txBody>
+          <a:bodyPr wrap="none" rtlCol="0">
+            <a:spAutoFit/>
+          </a:bodyPr>
+          <a:lstStyle/>
+          <a:p>
+            <a:pPr algn="ctr"/>
+            <a:r>
+              <a:rPr lang="en-US" sz="2400" dirty="0" smtClean="0"/>
+              <a:t>Debugger \ Symbols:</a:t>
+            </a:r>
+          </a:p>
+        </p:txBody>
+      </p:sp>
+      <p:sp>
+        <p:nvSpPr>
+          <p:cNvPr id="5" name="TextBox 4"/>
+          <p:cNvSpPr txBox="1"/>
+          <p:nvPr/>
+        </p:nvSpPr>
+        <p:spPr>
+          <a:xfrm>
+            <a:off x="2483768" y="4581128"/>
+            <a:ext cx="6192593" cy="369332"/>
+          </a:xfrm>
+          <a:prstGeom prst="rect">
+            <a:avLst/>
+          </a:prstGeom>
+          <a:noFill/>
+        </p:spPr>
+        <p:txBody>
+          <a:bodyPr wrap="none" rtlCol="0">
+            <a:spAutoFit/>
+          </a:bodyPr>
+          <a:lstStyle/>
+          <a:p>
+            <a:pPr algn="ctr"/>
+            <a:r>
+              <a:rPr lang="ru-RU" dirty="0" smtClean="0"/>
+              <a:t>Добавьте адрес </a:t>
+            </a:r>
+            <a:r>
+              <a:rPr lang="en-US" dirty="0"/>
+              <a:t>http://referencesource.microsoft.com/symbols</a:t>
+            </a:r>
+            <a:endParaRPr lang="ru-RU" dirty="0" smtClean="0"/>
           </a:p>
         </p:txBody>
       </p:sp>
     </p:spTree>
     <p:extLst>
       <p:ext uri="{BB962C8B-B14F-4D97-AF65-F5344CB8AC3E}">
-        <p14:creationId xmlns:p14="http://schemas.microsoft.com/office/powerpoint/2010/main" val="3583458690"/>
+        <p14:creationId xmlns:p14="http://schemas.microsoft.com/office/powerpoint/2010/main" val="2605966343"/>
       </p:ext>
     </p:extLst>
   </p:cSld>
@@ -17677,6 +17634,194 @@
             <p:ph type="title"/>
           </p:nvPr>
         </p:nvSpPr>
+        <p:spPr>
+          <a:xfrm>
+            <a:off x="457200" y="274638"/>
+            <a:ext cx="8229600" cy="706090"/>
+          </a:xfrm>
+        </p:spPr>
+        <p:txBody>
+          <a:bodyPr>
+            <a:normAutofit/>
+          </a:bodyPr>
+          <a:lstStyle/>
+          <a:p>
+            <a:r>
+              <a:rPr lang="ru-RU" sz="3200" dirty="0" smtClean="0"/>
+              <a:t>Отладка </a:t>
+            </a:r>
+            <a:r>
+              <a:rPr lang="en-US" sz="3200" dirty="0" smtClean="0"/>
+              <a:t>.NET </a:t>
+            </a:r>
+            <a:r>
+              <a:rPr lang="ru-RU" sz="3200" dirty="0" smtClean="0"/>
+              <a:t>с помощью </a:t>
+            </a:r>
+            <a:r>
+              <a:rPr lang="en-US" sz="3200" dirty="0" err="1" smtClean="0"/>
+              <a:t>dotPeek</a:t>
+            </a:r>
+            <a:r>
+              <a:rPr lang="en-US" sz="3200" dirty="0" smtClean="0"/>
+              <a:t> 1.2+</a:t>
+            </a:r>
+            <a:endParaRPr lang="ru-RU" sz="3200" dirty="0"/>
+          </a:p>
+        </p:txBody>
+      </p:sp>
+      <p:sp>
+        <p:nvSpPr>
+          <p:cNvPr id="3" name="Content Placeholder 2"/>
+          <p:cNvSpPr>
+            <a:spLocks noGrp="1"/>
+          </p:cNvSpPr>
+          <p:nvPr>
+            <p:ph idx="1"/>
+          </p:nvPr>
+        </p:nvSpPr>
+        <p:spPr>
+          <a:xfrm>
+            <a:off x="457200" y="980728"/>
+            <a:ext cx="8229600" cy="2520280"/>
+          </a:xfrm>
+        </p:spPr>
+        <p:txBody>
+          <a:bodyPr>
+            <a:noAutofit/>
+          </a:bodyPr>
+          <a:lstStyle/>
+          <a:p>
+            <a:pPr marL="0" indent="0">
+              <a:buNone/>
+            </a:pPr>
+            <a:r>
+              <a:rPr lang="ru-RU" sz="2400" dirty="0" smtClean="0"/>
+              <a:t>В </a:t>
+            </a:r>
+            <a:r>
+              <a:rPr lang="en-US" sz="2400" dirty="0" err="1" smtClean="0"/>
+              <a:t>dotPeek</a:t>
+            </a:r>
+            <a:r>
+              <a:rPr lang="en-US" sz="2400" dirty="0" smtClean="0"/>
+              <a:t> 1.2 </a:t>
+            </a:r>
+            <a:r>
+              <a:rPr lang="ru-RU" sz="2400" dirty="0" smtClean="0"/>
+              <a:t>была добавлена команда «</a:t>
+            </a:r>
+            <a:r>
+              <a:rPr lang="en-US" sz="2400" dirty="0" smtClean="0"/>
+              <a:t>Generate PDB</a:t>
+            </a:r>
+            <a:r>
+              <a:rPr lang="ru-RU" sz="2400" dirty="0" smtClean="0"/>
+              <a:t>» и поддержка </a:t>
+            </a:r>
+            <a:r>
+              <a:rPr lang="en-US" sz="2400" dirty="0" smtClean="0"/>
+              <a:t>Symbol Server. </a:t>
+            </a:r>
+            <a:r>
+              <a:rPr lang="ru-RU" sz="2400" dirty="0" smtClean="0"/>
+              <a:t>С их помощью можно отлаживать </a:t>
+            </a:r>
+            <a:r>
+              <a:rPr lang="en-US" sz="2400" dirty="0" smtClean="0"/>
+              <a:t>.NET </a:t>
+            </a:r>
+            <a:r>
+              <a:rPr lang="ru-RU" sz="2400" dirty="0" smtClean="0"/>
+              <a:t>и чужие сборки. Подробности читайте на сайте </a:t>
+            </a:r>
+            <a:r>
+              <a:rPr lang="en-US" sz="2400" dirty="0" smtClean="0"/>
+              <a:t>JetBrains:</a:t>
+            </a:r>
+            <a:endParaRPr lang="ru-RU" sz="2400" dirty="0" smtClean="0">
+              <a:hlinkClick r:id="rId2"/>
+            </a:endParaRPr>
+          </a:p>
+          <a:p>
+            <a:pPr marL="0" indent="0">
+              <a:buNone/>
+            </a:pPr>
+            <a:endParaRPr lang="en-US" sz="2400" dirty="0" smtClean="0"/>
+          </a:p>
+          <a:p>
+            <a:pPr marL="0" indent="0">
+              <a:buNone/>
+            </a:pPr>
+            <a:r>
+              <a:rPr lang="en-US" sz="2400" dirty="0" smtClean="0">
+                <a:hlinkClick r:id="rId2"/>
+              </a:rPr>
+              <a:t>http</a:t>
+            </a:r>
+            <a:r>
+              <a:rPr lang="en-US" sz="2400" dirty="0">
+                <a:hlinkClick r:id="rId2"/>
+              </a:rPr>
+              <a:t>://</a:t>
+            </a:r>
+            <a:r>
+              <a:rPr lang="en-US" sz="2400" dirty="0" smtClean="0">
+                <a:hlinkClick r:id="rId2"/>
+              </a:rPr>
+              <a:t>confluence.jetbrains.com/display/NETCOM/dotPeek+Symbol+Server+and+PDB+Generation</a:t>
+            </a:r>
+            <a:endParaRPr lang="ru-RU" sz="2400" dirty="0"/>
+          </a:p>
+        </p:txBody>
+      </p:sp>
+    </p:spTree>
+    <p:extLst>
+      <p:ext uri="{BB962C8B-B14F-4D97-AF65-F5344CB8AC3E}">
+        <p14:creationId xmlns:p14="http://schemas.microsoft.com/office/powerpoint/2010/main" val="3583458690"/>
+      </p:ext>
+    </p:extLst>
+  </p:cSld>
+  <p:clrMapOvr>
+    <a:masterClrMapping/>
+  </p:clrMapOvr>
+  <p:timing>
+    <p:tnLst>
+      <p:par>
+        <p:cTn id="1" dur="indefinite" restart="never" nodeType="tmRoot"/>
+      </p:par>
+    </p:tnLst>
+  </p:timing>
+</p:sld>
+</file>
+
+<file path=ppt/slides/slide46.xml><?xml version="1.0" encoding="utf-8"?>
+<p:sld xmlns:a="http://schemas.openxmlformats.org/drawingml/2006/main" xmlns:r="http://schemas.openxmlformats.org/officeDocument/2006/relationships" xmlns:p="http://schemas.openxmlformats.org/presentationml/2006/main">
+  <p:cSld>
+    <p:spTree>
+      <p:nvGrpSpPr>
+        <p:cNvPr id="1" name=""/>
+        <p:cNvGrpSpPr/>
+        <p:nvPr/>
+      </p:nvGrpSpPr>
+      <p:grpSpPr>
+        <a:xfrm>
+          <a:off x="0" y="0"/>
+          <a:ext cx="0" cy="0"/>
+          <a:chOff x="0" y="0"/>
+          <a:chExt cx="0" cy="0"/>
+        </a:xfrm>
+      </p:grpSpPr>
+      <p:sp>
+        <p:nvSpPr>
+          <p:cNvPr id="2" name="Title 1"/>
+          <p:cNvSpPr>
+            <a:spLocks noGrp="1"/>
+          </p:cNvSpPr>
+          <p:nvPr>
+            <p:ph type="title"/>
+          </p:nvPr>
+        </p:nvSpPr>
         <p:spPr/>
         <p:txBody>
           <a:bodyPr/>
@@ -17896,7 +18041,7 @@
 </p:sld>
 </file>
 
-<file path=ppt/slides/slide46.xml><?xml version="1.0" encoding="utf-8"?>
+<file path=ppt/slides/slide47.xml><?xml version="1.0" encoding="utf-8"?>
 <p:sld xmlns:a="http://schemas.openxmlformats.org/drawingml/2006/main" xmlns:r="http://schemas.openxmlformats.org/officeDocument/2006/relationships" xmlns:p="http://schemas.openxmlformats.org/presentationml/2006/main">
   <p:cSld>
     <p:spTree>
@@ -18767,7 +18912,7 @@
 </p:sld>
 </file>
 
-<file path=ppt/slides/slide47.xml><?xml version="1.0" encoding="utf-8"?>
+<file path=ppt/slides/slide48.xml><?xml version="1.0" encoding="utf-8"?>
 <p:sld xmlns:a="http://schemas.openxmlformats.org/drawingml/2006/main" xmlns:r="http://schemas.openxmlformats.org/officeDocument/2006/relationships" xmlns:p="http://schemas.openxmlformats.org/presentationml/2006/main">
   <p:cSld>
     <p:spTree>
@@ -19626,7 +19771,7 @@
 </p:sld>
 </file>
 
-<file path=ppt/slides/slide48.xml><?xml version="1.0" encoding="utf-8"?>
+<file path=ppt/slides/slide49.xml><?xml version="1.0" encoding="utf-8"?>
 <p:sld xmlns:a="http://schemas.openxmlformats.org/drawingml/2006/main" xmlns:r="http://schemas.openxmlformats.org/officeDocument/2006/relationships" xmlns:p="http://schemas.openxmlformats.org/presentationml/2006/main">
   <p:cSld>
     <p:spTree>
@@ -20264,719 +20409,6 @@
     <p:extLst>
       <p:ext uri="{BB962C8B-B14F-4D97-AF65-F5344CB8AC3E}">
         <p14:creationId xmlns:p14="http://schemas.microsoft.com/office/powerpoint/2010/main" val="2652139991"/>
-      </p:ext>
-    </p:extLst>
-  </p:cSld>
-  <p:clrMapOvr>
-    <a:masterClrMapping/>
-  </p:clrMapOvr>
-  <p:timing>
-    <p:tnLst>
-      <p:par>
-        <p:cTn id="1" dur="indefinite" restart="never" nodeType="tmRoot"/>
-      </p:par>
-    </p:tnLst>
-  </p:timing>
-</p:sld>
-</file>
-
-<file path=ppt/slides/slide49.xml><?xml version="1.0" encoding="utf-8"?>
-<p:sld xmlns:a="http://schemas.openxmlformats.org/drawingml/2006/main" xmlns:r="http://schemas.openxmlformats.org/officeDocument/2006/relationships" xmlns:p="http://schemas.openxmlformats.org/presentationml/2006/main">
-  <p:cSld>
-    <p:spTree>
-      <p:nvGrpSpPr>
-        <p:cNvPr id="1" name=""/>
-        <p:cNvGrpSpPr/>
-        <p:nvPr/>
-      </p:nvGrpSpPr>
-      <p:grpSpPr>
-        <a:xfrm>
-          <a:off x="0" y="0"/>
-          <a:ext cx="0" cy="0"/>
-          <a:chOff x="0" y="0"/>
-          <a:chExt cx="0" cy="0"/>
-        </a:xfrm>
-      </p:grpSpPr>
-      <p:sp>
-        <p:nvSpPr>
-          <p:cNvPr id="15362" name="Rectangle 3"/>
-          <p:cNvSpPr>
-            <a:spLocks noChangeArrowheads="1"/>
-          </p:cNvSpPr>
-          <p:nvPr/>
-        </p:nvSpPr>
-        <p:spPr bwMode="auto">
-          <a:xfrm>
-            <a:off x="152400" y="-4763"/>
-            <a:ext cx="8763000" cy="461963"/>
-          </a:xfrm>
-          <a:prstGeom prst="rect">
-            <a:avLst/>
-          </a:prstGeom>
-          <a:noFill/>
-          <a:ln>
-            <a:noFill/>
-          </a:ln>
-          <a:extLst>
-            <a:ext uri="{909E8E84-426E-40DD-AFC4-6F175D3DCCD1}">
-              <a14:hiddenFill xmlns:a14="http://schemas.microsoft.com/office/drawing/2010/main">
-                <a:solidFill>
-                  <a:srgbClr val="FFFFFF"/>
-                </a:solidFill>
-              </a14:hiddenFill>
-            </a:ext>
-            <a:ext uri="{91240B29-F687-4F45-9708-019B960494DF}">
-              <a14:hiddenLine xmlns:a14="http://schemas.microsoft.com/office/drawing/2010/main" w="9525">
-                <a:solidFill>
-                  <a:srgbClr val="000000"/>
-                </a:solidFill>
-                <a:miter lim="800000"/>
-                <a:headEnd/>
-                <a:tailEnd/>
-              </a14:hiddenLine>
-            </a:ext>
-          </a:extLst>
-        </p:spPr>
-        <p:txBody>
-          <a:bodyPr anchor="ctr">
-            <a:spAutoFit/>
-          </a:bodyPr>
-          <a:lstStyle/>
-          <a:p>
-            <a:pPr algn="ctr"/>
-            <a:r>
-              <a:rPr lang="ru-RU" sz="2400" b="1"/>
-              <a:t>Процессы и домены</a:t>
-            </a:r>
-            <a:r>
-              <a:rPr lang="en-US" sz="2400" b="1"/>
-              <a:t>.</a:t>
-            </a:r>
-          </a:p>
-        </p:txBody>
-      </p:sp>
-      <p:sp>
-        <p:nvSpPr>
-          <p:cNvPr id="15363" name="Rectangle 3"/>
-          <p:cNvSpPr>
-            <a:spLocks noChangeArrowheads="1"/>
-          </p:cNvSpPr>
-          <p:nvPr/>
-        </p:nvSpPr>
-        <p:spPr bwMode="auto">
-          <a:xfrm>
-            <a:off x="152400" y="457200"/>
-            <a:ext cx="8839200" cy="830263"/>
-          </a:xfrm>
-          <a:prstGeom prst="rect">
-            <a:avLst/>
-          </a:prstGeom>
-          <a:noFill/>
-          <a:ln>
-            <a:noFill/>
-          </a:ln>
-          <a:extLst>
-            <a:ext uri="{909E8E84-426E-40DD-AFC4-6F175D3DCCD1}">
-              <a14:hiddenFill xmlns:a14="http://schemas.microsoft.com/office/drawing/2010/main">
-                <a:solidFill>
-                  <a:srgbClr val="FFFFFF"/>
-                </a:solidFill>
-              </a14:hiddenFill>
-            </a:ext>
-            <a:ext uri="{91240B29-F687-4F45-9708-019B960494DF}">
-              <a14:hiddenLine xmlns:a14="http://schemas.microsoft.com/office/drawing/2010/main" w="9525">
-                <a:solidFill>
-                  <a:srgbClr val="000000"/>
-                </a:solidFill>
-                <a:miter lim="800000"/>
-                <a:headEnd/>
-                <a:tailEnd/>
-              </a14:hiddenLine>
-            </a:ext>
-          </a:extLst>
-        </p:spPr>
-        <p:txBody>
-          <a:bodyPr anchor="ctr">
-            <a:spAutoFit/>
-          </a:bodyPr>
-          <a:lstStyle/>
-          <a:p>
-            <a:endParaRPr lang="en-US" sz="1600"/>
-          </a:p>
-          <a:p>
-            <a:r>
-              <a:rPr lang="ru-RU" sz="1600"/>
-              <a:t>	Просмотр списка процессов</a:t>
-            </a:r>
-            <a:r>
-              <a:rPr lang="en-US" sz="1600"/>
-              <a:t>:</a:t>
-            </a:r>
-            <a:endParaRPr lang="ru-RU" sz="1600"/>
-          </a:p>
-          <a:p>
-            <a:r>
-              <a:rPr lang="ru-RU" sz="1600"/>
-              <a:t>	</a:t>
-            </a:r>
-          </a:p>
-        </p:txBody>
-      </p:sp>
-      <p:sp>
-        <p:nvSpPr>
-          <p:cNvPr id="39937" name="Rectangle 1"/>
-          <p:cNvSpPr>
-            <a:spLocks noChangeArrowheads="1"/>
-          </p:cNvSpPr>
-          <p:nvPr/>
-        </p:nvSpPr>
-        <p:spPr bwMode="auto">
-          <a:xfrm>
-            <a:off x="152400" y="1066800"/>
-            <a:ext cx="8839200" cy="1477963"/>
-          </a:xfrm>
-          <a:prstGeom prst="rect">
-            <a:avLst/>
-          </a:prstGeom>
-          <a:noFill/>
-          <a:ln w="9525">
-            <a:solidFill>
-              <a:schemeClr val="bg1">
-                <a:lumMod val="65000"/>
-              </a:schemeClr>
-            </a:solidFill>
-            <a:miter lim="800000"/>
-            <a:headEnd/>
-            <a:tailEnd/>
-          </a:ln>
-          <a:effectLst/>
-        </p:spPr>
-        <p:txBody>
-          <a:bodyPr anchor="ctr">
-            <a:spAutoFit/>
-          </a:bodyPr>
-          <a:lstStyle/>
-          <a:p>
-            <a:pPr eaLnBrk="0" hangingPunct="0">
-              <a:defRPr/>
-            </a:pPr>
-            <a:r>
-              <a:rPr lang="be-BY" sz="1000" dirty="0">
-                <a:solidFill>
-                  <a:schemeClr val="bg1"/>
-                </a:solidFill>
-                <a:latin typeface="Courier New" pitchFamily="49" charset="0"/>
-                <a:ea typeface="Calibri" pitchFamily="34" charset="0"/>
-                <a:cs typeface="Courier New" pitchFamily="49" charset="0"/>
-              </a:rPr>
-              <a:t>            Process current = Process.GetCurrentProcess();</a:t>
-            </a:r>
-            <a:endParaRPr lang="be-BY" sz="900" dirty="0">
-              <a:solidFill>
-                <a:schemeClr val="bg1"/>
-              </a:solidFill>
-              <a:latin typeface="Arial" pitchFamily="34" charset="0"/>
-            </a:endParaRPr>
-          </a:p>
-          <a:p>
-            <a:pPr eaLnBrk="0" hangingPunct="0">
-              <a:defRPr/>
-            </a:pPr>
-            <a:r>
-              <a:rPr lang="be-BY" sz="1000" dirty="0">
-                <a:solidFill>
-                  <a:schemeClr val="bg1"/>
-                </a:solidFill>
-                <a:latin typeface="Courier New" pitchFamily="49" charset="0"/>
-                <a:ea typeface="Calibri" pitchFamily="34" charset="0"/>
-                <a:cs typeface="Courier New" pitchFamily="49" charset="0"/>
-              </a:rPr>
-              <a:t>            foreach (Process p in Process.GetProcesses())</a:t>
-            </a:r>
-            <a:endParaRPr lang="be-BY" sz="900" dirty="0">
-              <a:solidFill>
-                <a:schemeClr val="bg1"/>
-              </a:solidFill>
-              <a:latin typeface="Arial" pitchFamily="34" charset="0"/>
-            </a:endParaRPr>
-          </a:p>
-          <a:p>
-            <a:pPr eaLnBrk="0" hangingPunct="0">
-              <a:defRPr/>
-            </a:pPr>
-            <a:r>
-              <a:rPr lang="be-BY" sz="1000" dirty="0">
-                <a:solidFill>
-                  <a:schemeClr val="bg1"/>
-                </a:solidFill>
-                <a:latin typeface="Courier New" pitchFamily="49" charset="0"/>
-                <a:ea typeface="Calibri" pitchFamily="34" charset="0"/>
-                <a:cs typeface="Courier New" pitchFamily="49" charset="0"/>
-              </a:rPr>
-              <a:t>            {</a:t>
-            </a:r>
-            <a:endParaRPr lang="be-BY" sz="900" dirty="0">
-              <a:solidFill>
-                <a:schemeClr val="bg1"/>
-              </a:solidFill>
-              <a:latin typeface="Arial" pitchFamily="34" charset="0"/>
-            </a:endParaRPr>
-          </a:p>
-          <a:p>
-            <a:pPr eaLnBrk="0" hangingPunct="0">
-              <a:defRPr/>
-            </a:pPr>
-            <a:r>
-              <a:rPr lang="be-BY" sz="1000" dirty="0">
-                <a:solidFill>
-                  <a:schemeClr val="bg1"/>
-                </a:solidFill>
-                <a:latin typeface="Courier New" pitchFamily="49" charset="0"/>
-                <a:ea typeface="Calibri" pitchFamily="34" charset="0"/>
-                <a:cs typeface="Courier New" pitchFamily="49" charset="0"/>
-              </a:rPr>
-              <a:t>                try</a:t>
-            </a:r>
-            <a:endParaRPr lang="be-BY" sz="900" dirty="0">
-              <a:solidFill>
-                <a:schemeClr val="bg1"/>
-              </a:solidFill>
-              <a:latin typeface="Arial" pitchFamily="34" charset="0"/>
-            </a:endParaRPr>
-          </a:p>
-          <a:p>
-            <a:pPr eaLnBrk="0" hangingPunct="0">
-              <a:defRPr/>
-            </a:pPr>
-            <a:r>
-              <a:rPr lang="be-BY" sz="1000" dirty="0">
-                <a:solidFill>
-                  <a:schemeClr val="bg1"/>
-                </a:solidFill>
-                <a:latin typeface="Courier New" pitchFamily="49" charset="0"/>
-                <a:ea typeface="Calibri" pitchFamily="34" charset="0"/>
-                <a:cs typeface="Courier New" pitchFamily="49" charset="0"/>
-              </a:rPr>
-              <a:t>                {</a:t>
-            </a:r>
-            <a:endParaRPr lang="be-BY" sz="900" dirty="0">
-              <a:solidFill>
-                <a:schemeClr val="bg1"/>
-              </a:solidFill>
-              <a:latin typeface="Arial" pitchFamily="34" charset="0"/>
-            </a:endParaRPr>
-          </a:p>
-          <a:p>
-            <a:pPr eaLnBrk="0" hangingPunct="0">
-              <a:defRPr/>
-            </a:pPr>
-            <a:r>
-              <a:rPr lang="be-BY" sz="1000" dirty="0">
-                <a:solidFill>
-                  <a:schemeClr val="bg1"/>
-                </a:solidFill>
-                <a:latin typeface="Courier New" pitchFamily="49" charset="0"/>
-                <a:ea typeface="Calibri" pitchFamily="34" charset="0"/>
-                <a:cs typeface="Courier New" pitchFamily="49" charset="0"/>
-              </a:rPr>
-              <a:t>                    Console.WriteLine("{0}\t{1}\t\t{2}", p.Id, p.ProcessName, p.StartTime);</a:t>
-            </a:r>
-            <a:endParaRPr lang="be-BY" sz="900" dirty="0">
-              <a:solidFill>
-                <a:schemeClr val="bg1"/>
-              </a:solidFill>
-              <a:latin typeface="Arial" pitchFamily="34" charset="0"/>
-            </a:endParaRPr>
-          </a:p>
-          <a:p>
-            <a:pPr eaLnBrk="0" hangingPunct="0">
-              <a:defRPr/>
-            </a:pPr>
-            <a:r>
-              <a:rPr lang="be-BY" sz="1000" dirty="0">
-                <a:solidFill>
-                  <a:schemeClr val="bg1"/>
-                </a:solidFill>
-                <a:latin typeface="Courier New" pitchFamily="49" charset="0"/>
-                <a:ea typeface="Calibri" pitchFamily="34" charset="0"/>
-                <a:cs typeface="Courier New" pitchFamily="49" charset="0"/>
-              </a:rPr>
-              <a:t>                }</a:t>
-            </a:r>
-            <a:endParaRPr lang="be-BY" sz="900" dirty="0">
-              <a:solidFill>
-                <a:schemeClr val="bg1"/>
-              </a:solidFill>
-              <a:latin typeface="Arial" pitchFamily="34" charset="0"/>
-            </a:endParaRPr>
-          </a:p>
-          <a:p>
-            <a:pPr eaLnBrk="0" hangingPunct="0">
-              <a:defRPr/>
-            </a:pPr>
-            <a:r>
-              <a:rPr lang="be-BY" sz="1000" dirty="0">
-                <a:solidFill>
-                  <a:schemeClr val="bg1"/>
-                </a:solidFill>
-                <a:latin typeface="Courier New" pitchFamily="49" charset="0"/>
-                <a:ea typeface="Calibri" pitchFamily="34" charset="0"/>
-                <a:cs typeface="Courier New" pitchFamily="49" charset="0"/>
-              </a:rPr>
-              <a:t>                catch { }</a:t>
-            </a:r>
-            <a:endParaRPr lang="be-BY" sz="900" dirty="0">
-              <a:solidFill>
-                <a:schemeClr val="bg1"/>
-              </a:solidFill>
-              <a:latin typeface="Arial" pitchFamily="34" charset="0"/>
-            </a:endParaRPr>
-          </a:p>
-          <a:p>
-            <a:pPr eaLnBrk="0" hangingPunct="0">
-              <a:defRPr/>
-            </a:pPr>
-            <a:r>
-              <a:rPr lang="be-BY" sz="1000" dirty="0">
-                <a:solidFill>
-                  <a:schemeClr val="bg1"/>
-                </a:solidFill>
-                <a:latin typeface="Courier New" pitchFamily="49" charset="0"/>
-                <a:ea typeface="Calibri" pitchFamily="34" charset="0"/>
-                <a:cs typeface="Courier New" pitchFamily="49" charset="0"/>
-              </a:rPr>
-              <a:t>            }</a:t>
-            </a:r>
-            <a:endParaRPr lang="be-BY" dirty="0">
-              <a:solidFill>
-                <a:schemeClr val="bg1"/>
-              </a:solidFill>
-              <a:latin typeface="Arial" pitchFamily="34" charset="0"/>
-            </a:endParaRPr>
-          </a:p>
-        </p:txBody>
-      </p:sp>
-      <p:sp>
-        <p:nvSpPr>
-          <p:cNvPr id="39939" name="Rectangle 3"/>
-          <p:cNvSpPr>
-            <a:spLocks noChangeArrowheads="1"/>
-          </p:cNvSpPr>
-          <p:nvPr/>
-        </p:nvSpPr>
-        <p:spPr bwMode="auto">
-          <a:xfrm>
-            <a:off x="152400" y="3059113"/>
-            <a:ext cx="8839200" cy="554037"/>
-          </a:xfrm>
-          <a:prstGeom prst="rect">
-            <a:avLst/>
-          </a:prstGeom>
-          <a:noFill/>
-          <a:ln w="9525">
-            <a:solidFill>
-              <a:schemeClr val="bg1">
-                <a:lumMod val="65000"/>
-              </a:schemeClr>
-            </a:solidFill>
-            <a:miter lim="800000"/>
-            <a:headEnd/>
-            <a:tailEnd/>
-          </a:ln>
-          <a:effectLst/>
-        </p:spPr>
-        <p:txBody>
-          <a:bodyPr anchor="ctr">
-            <a:spAutoFit/>
-          </a:bodyPr>
-          <a:lstStyle/>
-          <a:p>
-            <a:pPr eaLnBrk="0" hangingPunct="0">
-              <a:defRPr/>
-            </a:pPr>
-            <a:r>
-              <a:rPr lang="be-BY" sz="1000" dirty="0">
-                <a:solidFill>
-                  <a:schemeClr val="bg1"/>
-                </a:solidFill>
-                <a:latin typeface="Courier New" pitchFamily="49" charset="0"/>
-                <a:ea typeface="Calibri" pitchFamily="34" charset="0"/>
-                <a:cs typeface="Courier New" pitchFamily="49" charset="0"/>
-              </a:rPr>
-              <a:t>            Process p = Process.Start("notepad.exe");</a:t>
-            </a:r>
-            <a:endParaRPr lang="be-BY" sz="900" dirty="0">
-              <a:solidFill>
-                <a:schemeClr val="bg1"/>
-              </a:solidFill>
-              <a:latin typeface="Arial" pitchFamily="34" charset="0"/>
-            </a:endParaRPr>
-          </a:p>
-          <a:p>
-            <a:pPr eaLnBrk="0" hangingPunct="0">
-              <a:defRPr/>
-            </a:pPr>
-            <a:r>
-              <a:rPr lang="be-BY" sz="1000" dirty="0">
-                <a:solidFill>
-                  <a:schemeClr val="bg1"/>
-                </a:solidFill>
-                <a:latin typeface="Courier New" pitchFamily="49" charset="0"/>
-                <a:ea typeface="Calibri" pitchFamily="34" charset="0"/>
-                <a:cs typeface="Courier New" pitchFamily="49" charset="0"/>
-              </a:rPr>
-              <a:t>            Thread.Sleep(5000);</a:t>
-            </a:r>
-            <a:endParaRPr lang="be-BY" sz="900" dirty="0">
-              <a:solidFill>
-                <a:schemeClr val="bg1"/>
-              </a:solidFill>
-              <a:latin typeface="Arial" pitchFamily="34" charset="0"/>
-            </a:endParaRPr>
-          </a:p>
-          <a:p>
-            <a:pPr eaLnBrk="0" hangingPunct="0">
-              <a:defRPr/>
-            </a:pPr>
-            <a:r>
-              <a:rPr lang="be-BY" sz="1000" dirty="0">
-                <a:solidFill>
-                  <a:schemeClr val="bg1"/>
-                </a:solidFill>
-                <a:latin typeface="Courier New" pitchFamily="49" charset="0"/>
-                <a:ea typeface="Calibri" pitchFamily="34" charset="0"/>
-                <a:cs typeface="Courier New" pitchFamily="49" charset="0"/>
-              </a:rPr>
-              <a:t>            p.Kill();</a:t>
-            </a:r>
-            <a:endParaRPr lang="be-BY" dirty="0">
-              <a:solidFill>
-                <a:schemeClr val="bg1"/>
-              </a:solidFill>
-              <a:latin typeface="Arial" pitchFamily="34" charset="0"/>
-            </a:endParaRPr>
-          </a:p>
-        </p:txBody>
-      </p:sp>
-      <p:sp>
-        <p:nvSpPr>
-          <p:cNvPr id="39940" name="Rectangle 4"/>
-          <p:cNvSpPr>
-            <a:spLocks noChangeArrowheads="1"/>
-          </p:cNvSpPr>
-          <p:nvPr/>
-        </p:nvSpPr>
-        <p:spPr bwMode="auto">
-          <a:xfrm>
-            <a:off x="152400" y="4191000"/>
-            <a:ext cx="8839200" cy="554038"/>
-          </a:xfrm>
-          <a:prstGeom prst="rect">
-            <a:avLst/>
-          </a:prstGeom>
-          <a:noFill/>
-          <a:ln w="9525">
-            <a:solidFill>
-              <a:schemeClr val="bg1">
-                <a:lumMod val="65000"/>
-              </a:schemeClr>
-            </a:solidFill>
-            <a:miter lim="800000"/>
-            <a:headEnd/>
-            <a:tailEnd/>
-          </a:ln>
-          <a:effectLst/>
-        </p:spPr>
-        <p:txBody>
-          <a:bodyPr anchor="ctr">
-            <a:spAutoFit/>
-          </a:bodyPr>
-          <a:lstStyle/>
-          <a:p>
-            <a:pPr eaLnBrk="0" hangingPunct="0"/>
-            <a:r>
-              <a:rPr lang="be-BY" sz="1000" dirty="0">
-                <a:solidFill>
-                  <a:schemeClr val="bg1"/>
-                </a:solidFill>
-                <a:latin typeface="Courier New" pitchFamily="49" charset="0"/>
-                <a:ea typeface="Calibri" pitchFamily="34" charset="0"/>
-                <a:cs typeface="Courier New" pitchFamily="49" charset="0"/>
-              </a:rPr>
-              <a:t>            AppDomain newDomain = AppDomain.CreateDomain("nd");	//Создаем новый домен</a:t>
-            </a:r>
-            <a:endParaRPr lang="be-BY" sz="900" dirty="0">
-              <a:solidFill>
-                <a:schemeClr val="bg1"/>
-              </a:solidFill>
-              <a:ea typeface="Calibri" pitchFamily="34" charset="0"/>
-              <a:cs typeface="Courier New" pitchFamily="49" charset="0"/>
-            </a:endParaRPr>
-          </a:p>
-          <a:p>
-            <a:pPr eaLnBrk="0" hangingPunct="0"/>
-            <a:r>
-              <a:rPr lang="be-BY" sz="1000" dirty="0">
-                <a:solidFill>
-                  <a:schemeClr val="bg1"/>
-                </a:solidFill>
-                <a:latin typeface="Courier New" pitchFamily="49" charset="0"/>
-                <a:ea typeface="Calibri" pitchFamily="34" charset="0"/>
-                <a:cs typeface="Courier New" pitchFamily="49" charset="0"/>
-              </a:rPr>
-              <a:t>            newDomain.Load("assemblyName");			//Загружаем в него сборку</a:t>
-            </a:r>
-            <a:endParaRPr lang="be-BY" sz="900" dirty="0">
-              <a:solidFill>
-                <a:schemeClr val="bg1"/>
-              </a:solidFill>
-              <a:ea typeface="Calibri" pitchFamily="34" charset="0"/>
-              <a:cs typeface="Courier New" pitchFamily="49" charset="0"/>
-            </a:endParaRPr>
-          </a:p>
-          <a:p>
-            <a:pPr eaLnBrk="0" hangingPunct="0"/>
-            <a:r>
-              <a:rPr lang="be-BY" sz="1000" dirty="0">
-                <a:solidFill>
-                  <a:schemeClr val="bg1"/>
-                </a:solidFill>
-                <a:latin typeface="Courier New" pitchFamily="49" charset="0"/>
-                <a:ea typeface="Calibri" pitchFamily="34" charset="0"/>
-                <a:cs typeface="Courier New" pitchFamily="49" charset="0"/>
-              </a:rPr>
-              <a:t>            AppDomain.Unload(newDomain);			//Выгружаем домен</a:t>
-            </a:r>
-            <a:endParaRPr lang="be-BY" dirty="0">
-              <a:solidFill>
-                <a:schemeClr val="bg1"/>
-              </a:solidFill>
-              <a:ea typeface="Calibri" pitchFamily="34" charset="0"/>
-              <a:cs typeface="Courier New" pitchFamily="49" charset="0"/>
-            </a:endParaRPr>
-          </a:p>
-        </p:txBody>
-      </p:sp>
-      <p:sp>
-        <p:nvSpPr>
-          <p:cNvPr id="15367" name="Rectangle 3"/>
-          <p:cNvSpPr>
-            <a:spLocks noChangeArrowheads="1"/>
-          </p:cNvSpPr>
-          <p:nvPr/>
-        </p:nvSpPr>
-        <p:spPr bwMode="auto">
-          <a:xfrm>
-            <a:off x="152400" y="2743200"/>
-            <a:ext cx="8839200" cy="339725"/>
-          </a:xfrm>
-          <a:prstGeom prst="rect">
-            <a:avLst/>
-          </a:prstGeom>
-          <a:noFill/>
-          <a:ln>
-            <a:noFill/>
-          </a:ln>
-          <a:extLst>
-            <a:ext uri="{909E8E84-426E-40DD-AFC4-6F175D3DCCD1}">
-              <a14:hiddenFill xmlns:a14="http://schemas.microsoft.com/office/drawing/2010/main">
-                <a:solidFill>
-                  <a:srgbClr val="FFFFFF"/>
-                </a:solidFill>
-              </a14:hiddenFill>
-            </a:ext>
-            <a:ext uri="{91240B29-F687-4F45-9708-019B960494DF}">
-              <a14:hiddenLine xmlns:a14="http://schemas.microsoft.com/office/drawing/2010/main" w="9525">
-                <a:solidFill>
-                  <a:srgbClr val="000000"/>
-                </a:solidFill>
-                <a:miter lim="800000"/>
-                <a:headEnd/>
-                <a:tailEnd/>
-              </a14:hiddenLine>
-            </a:ext>
-          </a:extLst>
-        </p:spPr>
-        <p:txBody>
-          <a:bodyPr anchor="ctr">
-            <a:spAutoFit/>
-          </a:bodyPr>
-          <a:lstStyle/>
-          <a:p>
-            <a:r>
-              <a:rPr lang="ru-RU" sz="1600"/>
-              <a:t>	Создание нового процесса</a:t>
-            </a:r>
-            <a:r>
-              <a:rPr lang="en-US" sz="1600"/>
-              <a:t>:</a:t>
-            </a:r>
-            <a:endParaRPr lang="ru-RU" sz="1600"/>
-          </a:p>
-        </p:txBody>
-      </p:sp>
-      <p:sp>
-        <p:nvSpPr>
-          <p:cNvPr id="15368" name="Rectangle 3"/>
-          <p:cNvSpPr>
-            <a:spLocks noChangeArrowheads="1"/>
-          </p:cNvSpPr>
-          <p:nvPr/>
-        </p:nvSpPr>
-        <p:spPr bwMode="auto">
-          <a:xfrm>
-            <a:off x="152400" y="3886200"/>
-            <a:ext cx="8839200" cy="338138"/>
-          </a:xfrm>
-          <a:prstGeom prst="rect">
-            <a:avLst/>
-          </a:prstGeom>
-          <a:noFill/>
-          <a:ln>
-            <a:noFill/>
-          </a:ln>
-          <a:extLst>
-            <a:ext uri="{909E8E84-426E-40DD-AFC4-6F175D3DCCD1}">
-              <a14:hiddenFill xmlns:a14="http://schemas.microsoft.com/office/drawing/2010/main">
-                <a:solidFill>
-                  <a:srgbClr val="FFFFFF"/>
-                </a:solidFill>
-              </a14:hiddenFill>
-            </a:ext>
-            <a:ext uri="{91240B29-F687-4F45-9708-019B960494DF}">
-              <a14:hiddenLine xmlns:a14="http://schemas.microsoft.com/office/drawing/2010/main" w="9525">
-                <a:solidFill>
-                  <a:srgbClr val="000000"/>
-                </a:solidFill>
-                <a:miter lim="800000"/>
-                <a:headEnd/>
-                <a:tailEnd/>
-              </a14:hiddenLine>
-            </a:ext>
-          </a:extLst>
-        </p:spPr>
-        <p:txBody>
-          <a:bodyPr anchor="ctr">
-            <a:spAutoFit/>
-          </a:bodyPr>
-          <a:lstStyle/>
-          <a:p>
-            <a:r>
-              <a:rPr lang="ru-RU" sz="1600"/>
-              <a:t>	Создание домена в рамках  текущего процесса</a:t>
-            </a:r>
-            <a:r>
-              <a:rPr lang="en-US" sz="1600"/>
-              <a:t>:</a:t>
-            </a:r>
-            <a:endParaRPr lang="ru-RU" sz="1600"/>
-          </a:p>
-        </p:txBody>
-      </p:sp>
-    </p:spTree>
-    <p:extLst>
-      <p:ext uri="{BB962C8B-B14F-4D97-AF65-F5344CB8AC3E}">
-        <p14:creationId xmlns:p14="http://schemas.microsoft.com/office/powerpoint/2010/main" val="3777989149"/>
       </p:ext>
     </p:extLst>
   </p:cSld>
@@ -22450,6 +21882,719 @@
 </p:sld>
 </file>
 
+<file path=ppt/slides/slide50.xml><?xml version="1.0" encoding="utf-8"?>
+<p:sld xmlns:a="http://schemas.openxmlformats.org/drawingml/2006/main" xmlns:r="http://schemas.openxmlformats.org/officeDocument/2006/relationships" xmlns:p="http://schemas.openxmlformats.org/presentationml/2006/main">
+  <p:cSld>
+    <p:spTree>
+      <p:nvGrpSpPr>
+        <p:cNvPr id="1" name=""/>
+        <p:cNvGrpSpPr/>
+        <p:nvPr/>
+      </p:nvGrpSpPr>
+      <p:grpSpPr>
+        <a:xfrm>
+          <a:off x="0" y="0"/>
+          <a:ext cx="0" cy="0"/>
+          <a:chOff x="0" y="0"/>
+          <a:chExt cx="0" cy="0"/>
+        </a:xfrm>
+      </p:grpSpPr>
+      <p:sp>
+        <p:nvSpPr>
+          <p:cNvPr id="15362" name="Rectangle 3"/>
+          <p:cNvSpPr>
+            <a:spLocks noChangeArrowheads="1"/>
+          </p:cNvSpPr>
+          <p:nvPr/>
+        </p:nvSpPr>
+        <p:spPr bwMode="auto">
+          <a:xfrm>
+            <a:off x="152400" y="-4763"/>
+            <a:ext cx="8763000" cy="461963"/>
+          </a:xfrm>
+          <a:prstGeom prst="rect">
+            <a:avLst/>
+          </a:prstGeom>
+          <a:noFill/>
+          <a:ln>
+            <a:noFill/>
+          </a:ln>
+          <a:extLst>
+            <a:ext uri="{909E8E84-426E-40DD-AFC4-6F175D3DCCD1}">
+              <a14:hiddenFill xmlns:a14="http://schemas.microsoft.com/office/drawing/2010/main">
+                <a:solidFill>
+                  <a:srgbClr val="FFFFFF"/>
+                </a:solidFill>
+              </a14:hiddenFill>
+            </a:ext>
+            <a:ext uri="{91240B29-F687-4F45-9708-019B960494DF}">
+              <a14:hiddenLine xmlns:a14="http://schemas.microsoft.com/office/drawing/2010/main" w="9525">
+                <a:solidFill>
+                  <a:srgbClr val="000000"/>
+                </a:solidFill>
+                <a:miter lim="800000"/>
+                <a:headEnd/>
+                <a:tailEnd/>
+              </a14:hiddenLine>
+            </a:ext>
+          </a:extLst>
+        </p:spPr>
+        <p:txBody>
+          <a:bodyPr anchor="ctr">
+            <a:spAutoFit/>
+          </a:bodyPr>
+          <a:lstStyle/>
+          <a:p>
+            <a:pPr algn="ctr"/>
+            <a:r>
+              <a:rPr lang="ru-RU" sz="2400" b="1"/>
+              <a:t>Процессы и домены</a:t>
+            </a:r>
+            <a:r>
+              <a:rPr lang="en-US" sz="2400" b="1"/>
+              <a:t>.</a:t>
+            </a:r>
+          </a:p>
+        </p:txBody>
+      </p:sp>
+      <p:sp>
+        <p:nvSpPr>
+          <p:cNvPr id="15363" name="Rectangle 3"/>
+          <p:cNvSpPr>
+            <a:spLocks noChangeArrowheads="1"/>
+          </p:cNvSpPr>
+          <p:nvPr/>
+        </p:nvSpPr>
+        <p:spPr bwMode="auto">
+          <a:xfrm>
+            <a:off x="152400" y="457200"/>
+            <a:ext cx="8839200" cy="830263"/>
+          </a:xfrm>
+          <a:prstGeom prst="rect">
+            <a:avLst/>
+          </a:prstGeom>
+          <a:noFill/>
+          <a:ln>
+            <a:noFill/>
+          </a:ln>
+          <a:extLst>
+            <a:ext uri="{909E8E84-426E-40DD-AFC4-6F175D3DCCD1}">
+              <a14:hiddenFill xmlns:a14="http://schemas.microsoft.com/office/drawing/2010/main">
+                <a:solidFill>
+                  <a:srgbClr val="FFFFFF"/>
+                </a:solidFill>
+              </a14:hiddenFill>
+            </a:ext>
+            <a:ext uri="{91240B29-F687-4F45-9708-019B960494DF}">
+              <a14:hiddenLine xmlns:a14="http://schemas.microsoft.com/office/drawing/2010/main" w="9525">
+                <a:solidFill>
+                  <a:srgbClr val="000000"/>
+                </a:solidFill>
+                <a:miter lim="800000"/>
+                <a:headEnd/>
+                <a:tailEnd/>
+              </a14:hiddenLine>
+            </a:ext>
+          </a:extLst>
+        </p:spPr>
+        <p:txBody>
+          <a:bodyPr anchor="ctr">
+            <a:spAutoFit/>
+          </a:bodyPr>
+          <a:lstStyle/>
+          <a:p>
+            <a:endParaRPr lang="en-US" sz="1600"/>
+          </a:p>
+          <a:p>
+            <a:r>
+              <a:rPr lang="ru-RU" sz="1600"/>
+              <a:t>	Просмотр списка процессов</a:t>
+            </a:r>
+            <a:r>
+              <a:rPr lang="en-US" sz="1600"/>
+              <a:t>:</a:t>
+            </a:r>
+            <a:endParaRPr lang="ru-RU" sz="1600"/>
+          </a:p>
+          <a:p>
+            <a:r>
+              <a:rPr lang="ru-RU" sz="1600"/>
+              <a:t>	</a:t>
+            </a:r>
+          </a:p>
+        </p:txBody>
+      </p:sp>
+      <p:sp>
+        <p:nvSpPr>
+          <p:cNvPr id="39937" name="Rectangle 1"/>
+          <p:cNvSpPr>
+            <a:spLocks noChangeArrowheads="1"/>
+          </p:cNvSpPr>
+          <p:nvPr/>
+        </p:nvSpPr>
+        <p:spPr bwMode="auto">
+          <a:xfrm>
+            <a:off x="152400" y="1066800"/>
+            <a:ext cx="8839200" cy="1477963"/>
+          </a:xfrm>
+          <a:prstGeom prst="rect">
+            <a:avLst/>
+          </a:prstGeom>
+          <a:noFill/>
+          <a:ln w="9525">
+            <a:solidFill>
+              <a:schemeClr val="bg1">
+                <a:lumMod val="65000"/>
+              </a:schemeClr>
+            </a:solidFill>
+            <a:miter lim="800000"/>
+            <a:headEnd/>
+            <a:tailEnd/>
+          </a:ln>
+          <a:effectLst/>
+        </p:spPr>
+        <p:txBody>
+          <a:bodyPr anchor="ctr">
+            <a:spAutoFit/>
+          </a:bodyPr>
+          <a:lstStyle/>
+          <a:p>
+            <a:pPr eaLnBrk="0" hangingPunct="0">
+              <a:defRPr/>
+            </a:pPr>
+            <a:r>
+              <a:rPr lang="be-BY" sz="1000" dirty="0">
+                <a:solidFill>
+                  <a:schemeClr val="bg1"/>
+                </a:solidFill>
+                <a:latin typeface="Courier New" pitchFamily="49" charset="0"/>
+                <a:ea typeface="Calibri" pitchFamily="34" charset="0"/>
+                <a:cs typeface="Courier New" pitchFamily="49" charset="0"/>
+              </a:rPr>
+              <a:t>            Process current = Process.GetCurrentProcess();</a:t>
+            </a:r>
+            <a:endParaRPr lang="be-BY" sz="900" dirty="0">
+              <a:solidFill>
+                <a:schemeClr val="bg1"/>
+              </a:solidFill>
+              <a:latin typeface="Arial" pitchFamily="34" charset="0"/>
+            </a:endParaRPr>
+          </a:p>
+          <a:p>
+            <a:pPr eaLnBrk="0" hangingPunct="0">
+              <a:defRPr/>
+            </a:pPr>
+            <a:r>
+              <a:rPr lang="be-BY" sz="1000" dirty="0">
+                <a:solidFill>
+                  <a:schemeClr val="bg1"/>
+                </a:solidFill>
+                <a:latin typeface="Courier New" pitchFamily="49" charset="0"/>
+                <a:ea typeface="Calibri" pitchFamily="34" charset="0"/>
+                <a:cs typeface="Courier New" pitchFamily="49" charset="0"/>
+              </a:rPr>
+              <a:t>            foreach (Process p in Process.GetProcesses())</a:t>
+            </a:r>
+            <a:endParaRPr lang="be-BY" sz="900" dirty="0">
+              <a:solidFill>
+                <a:schemeClr val="bg1"/>
+              </a:solidFill>
+              <a:latin typeface="Arial" pitchFamily="34" charset="0"/>
+            </a:endParaRPr>
+          </a:p>
+          <a:p>
+            <a:pPr eaLnBrk="0" hangingPunct="0">
+              <a:defRPr/>
+            </a:pPr>
+            <a:r>
+              <a:rPr lang="be-BY" sz="1000" dirty="0">
+                <a:solidFill>
+                  <a:schemeClr val="bg1"/>
+                </a:solidFill>
+                <a:latin typeface="Courier New" pitchFamily="49" charset="0"/>
+                <a:ea typeface="Calibri" pitchFamily="34" charset="0"/>
+                <a:cs typeface="Courier New" pitchFamily="49" charset="0"/>
+              </a:rPr>
+              <a:t>            {</a:t>
+            </a:r>
+            <a:endParaRPr lang="be-BY" sz="900" dirty="0">
+              <a:solidFill>
+                <a:schemeClr val="bg1"/>
+              </a:solidFill>
+              <a:latin typeface="Arial" pitchFamily="34" charset="0"/>
+            </a:endParaRPr>
+          </a:p>
+          <a:p>
+            <a:pPr eaLnBrk="0" hangingPunct="0">
+              <a:defRPr/>
+            </a:pPr>
+            <a:r>
+              <a:rPr lang="be-BY" sz="1000" dirty="0">
+                <a:solidFill>
+                  <a:schemeClr val="bg1"/>
+                </a:solidFill>
+                <a:latin typeface="Courier New" pitchFamily="49" charset="0"/>
+                <a:ea typeface="Calibri" pitchFamily="34" charset="0"/>
+                <a:cs typeface="Courier New" pitchFamily="49" charset="0"/>
+              </a:rPr>
+              <a:t>                try</a:t>
+            </a:r>
+            <a:endParaRPr lang="be-BY" sz="900" dirty="0">
+              <a:solidFill>
+                <a:schemeClr val="bg1"/>
+              </a:solidFill>
+              <a:latin typeface="Arial" pitchFamily="34" charset="0"/>
+            </a:endParaRPr>
+          </a:p>
+          <a:p>
+            <a:pPr eaLnBrk="0" hangingPunct="0">
+              <a:defRPr/>
+            </a:pPr>
+            <a:r>
+              <a:rPr lang="be-BY" sz="1000" dirty="0">
+                <a:solidFill>
+                  <a:schemeClr val="bg1"/>
+                </a:solidFill>
+                <a:latin typeface="Courier New" pitchFamily="49" charset="0"/>
+                <a:ea typeface="Calibri" pitchFamily="34" charset="0"/>
+                <a:cs typeface="Courier New" pitchFamily="49" charset="0"/>
+              </a:rPr>
+              <a:t>                {</a:t>
+            </a:r>
+            <a:endParaRPr lang="be-BY" sz="900" dirty="0">
+              <a:solidFill>
+                <a:schemeClr val="bg1"/>
+              </a:solidFill>
+              <a:latin typeface="Arial" pitchFamily="34" charset="0"/>
+            </a:endParaRPr>
+          </a:p>
+          <a:p>
+            <a:pPr eaLnBrk="0" hangingPunct="0">
+              <a:defRPr/>
+            </a:pPr>
+            <a:r>
+              <a:rPr lang="be-BY" sz="1000" dirty="0">
+                <a:solidFill>
+                  <a:schemeClr val="bg1"/>
+                </a:solidFill>
+                <a:latin typeface="Courier New" pitchFamily="49" charset="0"/>
+                <a:ea typeface="Calibri" pitchFamily="34" charset="0"/>
+                <a:cs typeface="Courier New" pitchFamily="49" charset="0"/>
+              </a:rPr>
+              <a:t>                    Console.WriteLine("{0}\t{1}\t\t{2}", p.Id, p.ProcessName, p.StartTime);</a:t>
+            </a:r>
+            <a:endParaRPr lang="be-BY" sz="900" dirty="0">
+              <a:solidFill>
+                <a:schemeClr val="bg1"/>
+              </a:solidFill>
+              <a:latin typeface="Arial" pitchFamily="34" charset="0"/>
+            </a:endParaRPr>
+          </a:p>
+          <a:p>
+            <a:pPr eaLnBrk="0" hangingPunct="0">
+              <a:defRPr/>
+            </a:pPr>
+            <a:r>
+              <a:rPr lang="be-BY" sz="1000" dirty="0">
+                <a:solidFill>
+                  <a:schemeClr val="bg1"/>
+                </a:solidFill>
+                <a:latin typeface="Courier New" pitchFamily="49" charset="0"/>
+                <a:ea typeface="Calibri" pitchFamily="34" charset="0"/>
+                <a:cs typeface="Courier New" pitchFamily="49" charset="0"/>
+              </a:rPr>
+              <a:t>                }</a:t>
+            </a:r>
+            <a:endParaRPr lang="be-BY" sz="900" dirty="0">
+              <a:solidFill>
+                <a:schemeClr val="bg1"/>
+              </a:solidFill>
+              <a:latin typeface="Arial" pitchFamily="34" charset="0"/>
+            </a:endParaRPr>
+          </a:p>
+          <a:p>
+            <a:pPr eaLnBrk="0" hangingPunct="0">
+              <a:defRPr/>
+            </a:pPr>
+            <a:r>
+              <a:rPr lang="be-BY" sz="1000" dirty="0">
+                <a:solidFill>
+                  <a:schemeClr val="bg1"/>
+                </a:solidFill>
+                <a:latin typeface="Courier New" pitchFamily="49" charset="0"/>
+                <a:ea typeface="Calibri" pitchFamily="34" charset="0"/>
+                <a:cs typeface="Courier New" pitchFamily="49" charset="0"/>
+              </a:rPr>
+              <a:t>                catch { }</a:t>
+            </a:r>
+            <a:endParaRPr lang="be-BY" sz="900" dirty="0">
+              <a:solidFill>
+                <a:schemeClr val="bg1"/>
+              </a:solidFill>
+              <a:latin typeface="Arial" pitchFamily="34" charset="0"/>
+            </a:endParaRPr>
+          </a:p>
+          <a:p>
+            <a:pPr eaLnBrk="0" hangingPunct="0">
+              <a:defRPr/>
+            </a:pPr>
+            <a:r>
+              <a:rPr lang="be-BY" sz="1000" dirty="0">
+                <a:solidFill>
+                  <a:schemeClr val="bg1"/>
+                </a:solidFill>
+                <a:latin typeface="Courier New" pitchFamily="49" charset="0"/>
+                <a:ea typeface="Calibri" pitchFamily="34" charset="0"/>
+                <a:cs typeface="Courier New" pitchFamily="49" charset="0"/>
+              </a:rPr>
+              <a:t>            }</a:t>
+            </a:r>
+            <a:endParaRPr lang="be-BY" dirty="0">
+              <a:solidFill>
+                <a:schemeClr val="bg1"/>
+              </a:solidFill>
+              <a:latin typeface="Arial" pitchFamily="34" charset="0"/>
+            </a:endParaRPr>
+          </a:p>
+        </p:txBody>
+      </p:sp>
+      <p:sp>
+        <p:nvSpPr>
+          <p:cNvPr id="39939" name="Rectangle 3"/>
+          <p:cNvSpPr>
+            <a:spLocks noChangeArrowheads="1"/>
+          </p:cNvSpPr>
+          <p:nvPr/>
+        </p:nvSpPr>
+        <p:spPr bwMode="auto">
+          <a:xfrm>
+            <a:off x="152400" y="3059113"/>
+            <a:ext cx="8839200" cy="554037"/>
+          </a:xfrm>
+          <a:prstGeom prst="rect">
+            <a:avLst/>
+          </a:prstGeom>
+          <a:noFill/>
+          <a:ln w="9525">
+            <a:solidFill>
+              <a:schemeClr val="bg1">
+                <a:lumMod val="65000"/>
+              </a:schemeClr>
+            </a:solidFill>
+            <a:miter lim="800000"/>
+            <a:headEnd/>
+            <a:tailEnd/>
+          </a:ln>
+          <a:effectLst/>
+        </p:spPr>
+        <p:txBody>
+          <a:bodyPr anchor="ctr">
+            <a:spAutoFit/>
+          </a:bodyPr>
+          <a:lstStyle/>
+          <a:p>
+            <a:pPr eaLnBrk="0" hangingPunct="0">
+              <a:defRPr/>
+            </a:pPr>
+            <a:r>
+              <a:rPr lang="be-BY" sz="1000" dirty="0">
+                <a:solidFill>
+                  <a:schemeClr val="bg1"/>
+                </a:solidFill>
+                <a:latin typeface="Courier New" pitchFamily="49" charset="0"/>
+                <a:ea typeface="Calibri" pitchFamily="34" charset="0"/>
+                <a:cs typeface="Courier New" pitchFamily="49" charset="0"/>
+              </a:rPr>
+              <a:t>            Process p = Process.Start("notepad.exe");</a:t>
+            </a:r>
+            <a:endParaRPr lang="be-BY" sz="900" dirty="0">
+              <a:solidFill>
+                <a:schemeClr val="bg1"/>
+              </a:solidFill>
+              <a:latin typeface="Arial" pitchFamily="34" charset="0"/>
+            </a:endParaRPr>
+          </a:p>
+          <a:p>
+            <a:pPr eaLnBrk="0" hangingPunct="0">
+              <a:defRPr/>
+            </a:pPr>
+            <a:r>
+              <a:rPr lang="be-BY" sz="1000" dirty="0">
+                <a:solidFill>
+                  <a:schemeClr val="bg1"/>
+                </a:solidFill>
+                <a:latin typeface="Courier New" pitchFamily="49" charset="0"/>
+                <a:ea typeface="Calibri" pitchFamily="34" charset="0"/>
+                <a:cs typeface="Courier New" pitchFamily="49" charset="0"/>
+              </a:rPr>
+              <a:t>            Thread.Sleep(5000);</a:t>
+            </a:r>
+            <a:endParaRPr lang="be-BY" sz="900" dirty="0">
+              <a:solidFill>
+                <a:schemeClr val="bg1"/>
+              </a:solidFill>
+              <a:latin typeface="Arial" pitchFamily="34" charset="0"/>
+            </a:endParaRPr>
+          </a:p>
+          <a:p>
+            <a:pPr eaLnBrk="0" hangingPunct="0">
+              <a:defRPr/>
+            </a:pPr>
+            <a:r>
+              <a:rPr lang="be-BY" sz="1000" dirty="0">
+                <a:solidFill>
+                  <a:schemeClr val="bg1"/>
+                </a:solidFill>
+                <a:latin typeface="Courier New" pitchFamily="49" charset="0"/>
+                <a:ea typeface="Calibri" pitchFamily="34" charset="0"/>
+                <a:cs typeface="Courier New" pitchFamily="49" charset="0"/>
+              </a:rPr>
+              <a:t>            p.Kill();</a:t>
+            </a:r>
+            <a:endParaRPr lang="be-BY" dirty="0">
+              <a:solidFill>
+                <a:schemeClr val="bg1"/>
+              </a:solidFill>
+              <a:latin typeface="Arial" pitchFamily="34" charset="0"/>
+            </a:endParaRPr>
+          </a:p>
+        </p:txBody>
+      </p:sp>
+      <p:sp>
+        <p:nvSpPr>
+          <p:cNvPr id="39940" name="Rectangle 4"/>
+          <p:cNvSpPr>
+            <a:spLocks noChangeArrowheads="1"/>
+          </p:cNvSpPr>
+          <p:nvPr/>
+        </p:nvSpPr>
+        <p:spPr bwMode="auto">
+          <a:xfrm>
+            <a:off x="152400" y="4191000"/>
+            <a:ext cx="8839200" cy="554038"/>
+          </a:xfrm>
+          <a:prstGeom prst="rect">
+            <a:avLst/>
+          </a:prstGeom>
+          <a:noFill/>
+          <a:ln w="9525">
+            <a:solidFill>
+              <a:schemeClr val="bg1">
+                <a:lumMod val="65000"/>
+              </a:schemeClr>
+            </a:solidFill>
+            <a:miter lim="800000"/>
+            <a:headEnd/>
+            <a:tailEnd/>
+          </a:ln>
+          <a:effectLst/>
+        </p:spPr>
+        <p:txBody>
+          <a:bodyPr anchor="ctr">
+            <a:spAutoFit/>
+          </a:bodyPr>
+          <a:lstStyle/>
+          <a:p>
+            <a:pPr eaLnBrk="0" hangingPunct="0"/>
+            <a:r>
+              <a:rPr lang="be-BY" sz="1000" dirty="0">
+                <a:solidFill>
+                  <a:schemeClr val="bg1"/>
+                </a:solidFill>
+                <a:latin typeface="Courier New" pitchFamily="49" charset="0"/>
+                <a:ea typeface="Calibri" pitchFamily="34" charset="0"/>
+                <a:cs typeface="Courier New" pitchFamily="49" charset="0"/>
+              </a:rPr>
+              <a:t>            AppDomain newDomain = AppDomain.CreateDomain("nd");	//Создаем новый домен</a:t>
+            </a:r>
+            <a:endParaRPr lang="be-BY" sz="900" dirty="0">
+              <a:solidFill>
+                <a:schemeClr val="bg1"/>
+              </a:solidFill>
+              <a:ea typeface="Calibri" pitchFamily="34" charset="0"/>
+              <a:cs typeface="Courier New" pitchFamily="49" charset="0"/>
+            </a:endParaRPr>
+          </a:p>
+          <a:p>
+            <a:pPr eaLnBrk="0" hangingPunct="0"/>
+            <a:r>
+              <a:rPr lang="be-BY" sz="1000" dirty="0">
+                <a:solidFill>
+                  <a:schemeClr val="bg1"/>
+                </a:solidFill>
+                <a:latin typeface="Courier New" pitchFamily="49" charset="0"/>
+                <a:ea typeface="Calibri" pitchFamily="34" charset="0"/>
+                <a:cs typeface="Courier New" pitchFamily="49" charset="0"/>
+              </a:rPr>
+              <a:t>            newDomain.Load("assemblyName");			//Загружаем в него сборку</a:t>
+            </a:r>
+            <a:endParaRPr lang="be-BY" sz="900" dirty="0">
+              <a:solidFill>
+                <a:schemeClr val="bg1"/>
+              </a:solidFill>
+              <a:ea typeface="Calibri" pitchFamily="34" charset="0"/>
+              <a:cs typeface="Courier New" pitchFamily="49" charset="0"/>
+            </a:endParaRPr>
+          </a:p>
+          <a:p>
+            <a:pPr eaLnBrk="0" hangingPunct="0"/>
+            <a:r>
+              <a:rPr lang="be-BY" sz="1000" dirty="0">
+                <a:solidFill>
+                  <a:schemeClr val="bg1"/>
+                </a:solidFill>
+                <a:latin typeface="Courier New" pitchFamily="49" charset="0"/>
+                <a:ea typeface="Calibri" pitchFamily="34" charset="0"/>
+                <a:cs typeface="Courier New" pitchFamily="49" charset="0"/>
+              </a:rPr>
+              <a:t>            AppDomain.Unload(newDomain);			//Выгружаем домен</a:t>
+            </a:r>
+            <a:endParaRPr lang="be-BY" dirty="0">
+              <a:solidFill>
+                <a:schemeClr val="bg1"/>
+              </a:solidFill>
+              <a:ea typeface="Calibri" pitchFamily="34" charset="0"/>
+              <a:cs typeface="Courier New" pitchFamily="49" charset="0"/>
+            </a:endParaRPr>
+          </a:p>
+        </p:txBody>
+      </p:sp>
+      <p:sp>
+        <p:nvSpPr>
+          <p:cNvPr id="15367" name="Rectangle 3"/>
+          <p:cNvSpPr>
+            <a:spLocks noChangeArrowheads="1"/>
+          </p:cNvSpPr>
+          <p:nvPr/>
+        </p:nvSpPr>
+        <p:spPr bwMode="auto">
+          <a:xfrm>
+            <a:off x="152400" y="2743200"/>
+            <a:ext cx="8839200" cy="339725"/>
+          </a:xfrm>
+          <a:prstGeom prst="rect">
+            <a:avLst/>
+          </a:prstGeom>
+          <a:noFill/>
+          <a:ln>
+            <a:noFill/>
+          </a:ln>
+          <a:extLst>
+            <a:ext uri="{909E8E84-426E-40DD-AFC4-6F175D3DCCD1}">
+              <a14:hiddenFill xmlns:a14="http://schemas.microsoft.com/office/drawing/2010/main">
+                <a:solidFill>
+                  <a:srgbClr val="FFFFFF"/>
+                </a:solidFill>
+              </a14:hiddenFill>
+            </a:ext>
+            <a:ext uri="{91240B29-F687-4F45-9708-019B960494DF}">
+              <a14:hiddenLine xmlns:a14="http://schemas.microsoft.com/office/drawing/2010/main" w="9525">
+                <a:solidFill>
+                  <a:srgbClr val="000000"/>
+                </a:solidFill>
+                <a:miter lim="800000"/>
+                <a:headEnd/>
+                <a:tailEnd/>
+              </a14:hiddenLine>
+            </a:ext>
+          </a:extLst>
+        </p:spPr>
+        <p:txBody>
+          <a:bodyPr anchor="ctr">
+            <a:spAutoFit/>
+          </a:bodyPr>
+          <a:lstStyle/>
+          <a:p>
+            <a:r>
+              <a:rPr lang="ru-RU" sz="1600"/>
+              <a:t>	Создание нового процесса</a:t>
+            </a:r>
+            <a:r>
+              <a:rPr lang="en-US" sz="1600"/>
+              <a:t>:</a:t>
+            </a:r>
+            <a:endParaRPr lang="ru-RU" sz="1600"/>
+          </a:p>
+        </p:txBody>
+      </p:sp>
+      <p:sp>
+        <p:nvSpPr>
+          <p:cNvPr id="15368" name="Rectangle 3"/>
+          <p:cNvSpPr>
+            <a:spLocks noChangeArrowheads="1"/>
+          </p:cNvSpPr>
+          <p:nvPr/>
+        </p:nvSpPr>
+        <p:spPr bwMode="auto">
+          <a:xfrm>
+            <a:off x="152400" y="3886200"/>
+            <a:ext cx="8839200" cy="338138"/>
+          </a:xfrm>
+          <a:prstGeom prst="rect">
+            <a:avLst/>
+          </a:prstGeom>
+          <a:noFill/>
+          <a:ln>
+            <a:noFill/>
+          </a:ln>
+          <a:extLst>
+            <a:ext uri="{909E8E84-426E-40DD-AFC4-6F175D3DCCD1}">
+              <a14:hiddenFill xmlns:a14="http://schemas.microsoft.com/office/drawing/2010/main">
+                <a:solidFill>
+                  <a:srgbClr val="FFFFFF"/>
+                </a:solidFill>
+              </a14:hiddenFill>
+            </a:ext>
+            <a:ext uri="{91240B29-F687-4F45-9708-019B960494DF}">
+              <a14:hiddenLine xmlns:a14="http://schemas.microsoft.com/office/drawing/2010/main" w="9525">
+                <a:solidFill>
+                  <a:srgbClr val="000000"/>
+                </a:solidFill>
+                <a:miter lim="800000"/>
+                <a:headEnd/>
+                <a:tailEnd/>
+              </a14:hiddenLine>
+            </a:ext>
+          </a:extLst>
+        </p:spPr>
+        <p:txBody>
+          <a:bodyPr anchor="ctr">
+            <a:spAutoFit/>
+          </a:bodyPr>
+          <a:lstStyle/>
+          <a:p>
+            <a:r>
+              <a:rPr lang="ru-RU" sz="1600"/>
+              <a:t>	Создание домена в рамках  текущего процесса</a:t>
+            </a:r>
+            <a:r>
+              <a:rPr lang="en-US" sz="1600"/>
+              <a:t>:</a:t>
+            </a:r>
+            <a:endParaRPr lang="ru-RU" sz="1600"/>
+          </a:p>
+        </p:txBody>
+      </p:sp>
+    </p:spTree>
+    <p:extLst>
+      <p:ext uri="{BB962C8B-B14F-4D97-AF65-F5344CB8AC3E}">
+        <p14:creationId xmlns:p14="http://schemas.microsoft.com/office/powerpoint/2010/main" val="3777989149"/>
+      </p:ext>
+    </p:extLst>
+  </p:cSld>
+  <p:clrMapOvr>
+    <a:masterClrMapping/>
+  </p:clrMapOvr>
+  <p:timing>
+    <p:tnLst>
+      <p:par>
+        <p:cTn id="1" dur="indefinite" restart="never" nodeType="tmRoot"/>
+      </p:par>
+    </p:tnLst>
+  </p:timing>
+</p:sld>
+</file>
+
 <file path=ppt/slides/slide6.xml><?xml version="1.0" encoding="utf-8"?>
 <p:sld xmlns:a="http://schemas.openxmlformats.org/drawingml/2006/main" xmlns:r="http://schemas.openxmlformats.org/officeDocument/2006/relationships" xmlns:p="http://schemas.openxmlformats.org/presentationml/2006/main">
   <p:cSld>

--- a/Presentation/lesson-07-reflection.pptx
+++ b/Presentation/lesson-07-reflection.pptx
@@ -6,7 +6,7 @@
     <p:sldMasterId id="2147483663" r:id="rId2"/>
   </p:sldMasterIdLst>
   <p:notesMasterIdLst>
-    <p:notesMasterId r:id="rId53"/>
+    <p:notesMasterId r:id="rId54"/>
   </p:notesMasterIdLst>
   <p:sldIdLst>
     <p:sldId id="257" r:id="rId3"/>
@@ -50,15 +50,16 @@
     <p:sldId id="323" r:id="rId41"/>
     <p:sldId id="310" r:id="rId42"/>
     <p:sldId id="312" r:id="rId43"/>
-    <p:sldId id="311" r:id="rId44"/>
-    <p:sldId id="322" r:id="rId45"/>
-    <p:sldId id="318" r:id="rId46"/>
-    <p:sldId id="319" r:id="rId47"/>
-    <p:sldId id="299" r:id="rId48"/>
-    <p:sldId id="263" r:id="rId49"/>
-    <p:sldId id="264" r:id="rId50"/>
-    <p:sldId id="265" r:id="rId51"/>
-    <p:sldId id="271" r:id="rId52"/>
+    <p:sldId id="324" r:id="rId44"/>
+    <p:sldId id="311" r:id="rId45"/>
+    <p:sldId id="322" r:id="rId46"/>
+    <p:sldId id="318" r:id="rId47"/>
+    <p:sldId id="319" r:id="rId48"/>
+    <p:sldId id="299" r:id="rId49"/>
+    <p:sldId id="263" r:id="rId50"/>
+    <p:sldId id="264" r:id="rId51"/>
+    <p:sldId id="265" r:id="rId52"/>
+    <p:sldId id="271" r:id="rId53"/>
   </p:sldIdLst>
   <p:sldSz cx="9144000" cy="6858000" type="screen4x3"/>
   <p:notesSz cx="6858000" cy="9144000"/>
@@ -243,7 +244,7 @@
             <a:fld id="{B24A7054-7FFB-49F4-A126-5DF6E687FF53}" type="datetimeFigureOut">
               <a:rPr lang="ru-RU" smtClean="0"/>
               <a:pPr/>
-              <a:t>01.02.2015</a:t>
+              <a:t>28.02.2015</a:t>
             </a:fld>
             <a:endParaRPr lang="ru-RU"/>
           </a:p>
@@ -1527,7 +1528,7 @@
             <a:fld id="{8E6E6A2A-E9D3-4A0D-B04A-ABDD367A1E08}" type="datetimeFigureOut">
               <a:rPr lang="ru-RU" smtClean="0"/>
               <a:pPr/>
-              <a:t>01.02.2015</a:t>
+              <a:t>28.02.2015</a:t>
             </a:fld>
             <a:endParaRPr lang="ru-RU"/>
           </a:p>
@@ -1771,7 +1772,7 @@
             <a:fld id="{8E6E6A2A-E9D3-4A0D-B04A-ABDD367A1E08}" type="datetimeFigureOut">
               <a:rPr lang="ru-RU" smtClean="0"/>
               <a:pPr/>
-              <a:t>01.02.2015</a:t>
+              <a:t>28.02.2015</a:t>
             </a:fld>
             <a:endParaRPr lang="ru-RU"/>
           </a:p>
@@ -1943,7 +1944,7 @@
             <a:fld id="{8E6E6A2A-E9D3-4A0D-B04A-ABDD367A1E08}" type="datetimeFigureOut">
               <a:rPr lang="ru-RU" smtClean="0"/>
               <a:pPr/>
-              <a:t>01.02.2015</a:t>
+              <a:t>28.02.2015</a:t>
             </a:fld>
             <a:endParaRPr lang="ru-RU"/>
           </a:p>
@@ -2191,7 +2192,7 @@
             <a:fld id="{8E6E6A2A-E9D3-4A0D-B04A-ABDD367A1E08}" type="datetimeFigureOut">
               <a:rPr lang="ru-RU" smtClean="0"/>
               <a:pPr/>
-              <a:t>01.02.2015</a:t>
+              <a:t>28.02.2015</a:t>
             </a:fld>
             <a:endParaRPr lang="ru-RU"/>
           </a:p>
@@ -2481,7 +2482,7 @@
             <a:fld id="{8E6E6A2A-E9D3-4A0D-B04A-ABDD367A1E08}" type="datetimeFigureOut">
               <a:rPr lang="ru-RU" smtClean="0"/>
               <a:pPr/>
-              <a:t>01.02.2015</a:t>
+              <a:t>28.02.2015</a:t>
             </a:fld>
             <a:endParaRPr lang="ru-RU"/>
           </a:p>
@@ -2905,7 +2906,7 @@
             <a:fld id="{8E6E6A2A-E9D3-4A0D-B04A-ABDD367A1E08}" type="datetimeFigureOut">
               <a:rPr lang="ru-RU" smtClean="0"/>
               <a:pPr/>
-              <a:t>01.02.2015</a:t>
+              <a:t>28.02.2015</a:t>
             </a:fld>
             <a:endParaRPr lang="ru-RU"/>
           </a:p>
@@ -3234,7 +3235,7 @@
             <a:fld id="{8E6E6A2A-E9D3-4A0D-B04A-ABDD367A1E08}" type="datetimeFigureOut">
               <a:rPr lang="ru-RU" smtClean="0"/>
               <a:pPr/>
-              <a:t>01.02.2015</a:t>
+              <a:t>28.02.2015</a:t>
             </a:fld>
             <a:endParaRPr lang="ru-RU"/>
           </a:p>
@@ -3331,7 +3332,7 @@
             <a:fld id="{8E6E6A2A-E9D3-4A0D-B04A-ABDD367A1E08}" type="datetimeFigureOut">
               <a:rPr lang="ru-RU" smtClean="0"/>
               <a:pPr/>
-              <a:t>01.02.2015</a:t>
+              <a:t>28.02.2015</a:t>
             </a:fld>
             <a:endParaRPr lang="ru-RU"/>
           </a:p>
@@ -3610,7 +3611,7 @@
             <a:fld id="{8E6E6A2A-E9D3-4A0D-B04A-ABDD367A1E08}" type="datetimeFigureOut">
               <a:rPr lang="ru-RU" smtClean="0"/>
               <a:pPr/>
-              <a:t>01.02.2015</a:t>
+              <a:t>28.02.2015</a:t>
             </a:fld>
             <a:endParaRPr lang="ru-RU"/>
           </a:p>
@@ -3865,7 +3866,7 @@
             <a:fld id="{8E6E6A2A-E9D3-4A0D-B04A-ABDD367A1E08}" type="datetimeFigureOut">
               <a:rPr lang="ru-RU" smtClean="0"/>
               <a:pPr/>
-              <a:t>01.02.2015</a:t>
+              <a:t>28.02.2015</a:t>
             </a:fld>
             <a:endParaRPr lang="ru-RU"/>
           </a:p>
@@ -4037,7 +4038,7 @@
             <a:fld id="{8E6E6A2A-E9D3-4A0D-B04A-ABDD367A1E08}" type="datetimeFigureOut">
               <a:rPr lang="ru-RU" smtClean="0"/>
               <a:pPr/>
-              <a:t>01.02.2015</a:t>
+              <a:t>28.02.2015</a:t>
             </a:fld>
             <a:endParaRPr lang="ru-RU"/>
           </a:p>
@@ -4219,7 +4220,7 @@
             <a:fld id="{8E6E6A2A-E9D3-4A0D-B04A-ABDD367A1E08}" type="datetimeFigureOut">
               <a:rPr lang="ru-RU" smtClean="0"/>
               <a:pPr/>
-              <a:t>01.02.2015</a:t>
+              <a:t>28.02.2015</a:t>
             </a:fld>
             <a:endParaRPr lang="ru-RU"/>
           </a:p>
@@ -5457,7 +5458,7 @@
             <a:fld id="{AC3D3127-B7C4-45E3-9797-C527EC9FDD78}" type="datetimeFigureOut">
               <a:rPr lang="ru-RU" smtClean="0"/>
               <a:pPr/>
-              <a:t>01.02.2015</a:t>
+              <a:t>28.02.2015</a:t>
             </a:fld>
             <a:endParaRPr lang="ru-RU"/>
           </a:p>
@@ -5979,7 +5980,7 @@
             <a:fld id="{8E6E6A2A-E9D3-4A0D-B04A-ABDD367A1E08}" type="datetimeFigureOut">
               <a:rPr lang="ru-RU" smtClean="0"/>
               <a:pPr/>
-              <a:t>01.02.2015</a:t>
+              <a:t>28.02.2015</a:t>
             </a:fld>
             <a:endParaRPr lang="ru-RU"/>
           </a:p>
@@ -16966,12 +16967,8 @@
           <a:lstStyle/>
           <a:p>
             <a:r>
-              <a:rPr lang="ru-RU" dirty="0" smtClean="0"/>
-              <a:t>Утилиты для </a:t>
-            </a:r>
-            <a:r>
               <a:rPr lang="en-US" dirty="0" smtClean="0"/>
-              <a:t>NuGet</a:t>
+              <a:t>NuGet Package Of the Week</a:t>
             </a:r>
             <a:endParaRPr lang="ru-RU" dirty="0"/>
           </a:p>
@@ -16989,67 +16986,61 @@
         </p:nvSpPr>
         <p:spPr/>
         <p:txBody>
-          <a:bodyPr>
-            <a:normAutofit/>
-          </a:bodyPr>
+          <a:bodyPr/>
           <a:lstStyle/>
           <a:p>
-            <a:r>
-              <a:rPr lang="en-US" sz="2400" dirty="0" smtClean="0"/>
-              <a:t>NuGet </a:t>
-            </a:r>
-            <a:r>
-              <a:rPr lang="en-US" sz="2400" dirty="0"/>
-              <a:t>Package Explorer</a:t>
-            </a:r>
-            <a:br>
-              <a:rPr lang="en-US" sz="2400" dirty="0"/>
-            </a:br>
+            <a:pPr marL="0" indent="0">
+              <a:buNone/>
+            </a:pPr>
             <a:r>
               <a:rPr lang="en-US" sz="2400" dirty="0">
                 <a:hlinkClick r:id="rId2"/>
               </a:rPr>
-              <a:t>http://npe.codeplex.com</a:t>
+              <a:t>http://</a:t>
             </a:r>
             <a:r>
               <a:rPr lang="en-US" sz="2400" dirty="0" smtClean="0">
                 <a:hlinkClick r:id="rId2"/>
               </a:rPr>
-              <a:t>/</a:t>
+              <a:t>www.hanselman.com/blog/archives.aspx#NuGetPOW</a:t>
             </a:r>
             <a:endParaRPr lang="en-US" sz="2400" dirty="0" smtClean="0"/>
           </a:p>
           <a:p>
-            <a:endParaRPr lang="ru-RU" sz="2400" dirty="0" smtClean="0"/>
-          </a:p>
-          <a:p>
-            <a:r>
-              <a:rPr lang="ru-RU" sz="2400" dirty="0" smtClean="0"/>
-              <a:t>Утилита командной строки</a:t>
-            </a:r>
-            <a:br>
-              <a:rPr lang="ru-RU" sz="2400" dirty="0" smtClean="0"/>
-            </a:br>
-            <a:r>
-              <a:rPr lang="en-US" sz="2400" dirty="0">
-                <a:hlinkClick r:id="rId3"/>
-              </a:rPr>
-              <a:t>http://</a:t>
-            </a:r>
-            <a:r>
-              <a:rPr lang="en-US" sz="2400" dirty="0" smtClean="0">
-                <a:hlinkClick r:id="rId3"/>
-              </a:rPr>
-              <a:t>docs.nuget.org/docs/start-here/installing-nuget</a:t>
-            </a:r>
-            <a:endParaRPr lang="ru-RU" sz="2400" dirty="0"/>
+            <a:pPr marL="0" indent="0">
+              <a:buNone/>
+            </a:pPr>
+            <a:endParaRPr lang="en-US" dirty="0" smtClean="0"/>
+          </a:p>
+          <a:p>
+            <a:r>
+              <a:rPr lang="en-US" dirty="0" smtClean="0"/>
+              <a:t>Polly (</a:t>
+            </a:r>
+            <a:r>
+              <a:rPr lang="ru-RU" dirty="0" smtClean="0"/>
+              <a:t>удобная обработка исключений)</a:t>
+            </a:r>
+          </a:p>
+          <a:p>
+            <a:r>
+              <a:rPr lang="en-US" dirty="0"/>
+              <a:t>Humanizer </a:t>
+            </a:r>
+            <a:r>
+              <a:rPr lang="ru-RU" dirty="0" smtClean="0"/>
+              <a:t>(вывод стандартных типов в виде удобном для пользователей)</a:t>
+            </a:r>
+          </a:p>
+          <a:p>
+            <a:endParaRPr lang="ru-RU" dirty="0"/>
           </a:p>
         </p:txBody>
       </p:sp>
     </p:spTree>
     <p:extLst>
       <p:ext uri="{BB962C8B-B14F-4D97-AF65-F5344CB8AC3E}">
-        <p14:creationId xmlns:p14="http://schemas.microsoft.com/office/powerpoint/2010/main" val="2426017902"/>
+        <p14:creationId xmlns:p14="http://schemas.microsoft.com/office/powerpoint/2010/main" val="815437126"/>
       </p:ext>
     </p:extLst>
   </p:cSld>
@@ -17095,14 +17086,16 @@
         </p:nvSpPr>
         <p:spPr/>
         <p:txBody>
-          <a:bodyPr>
-            <a:normAutofit fontScale="90000"/>
-          </a:bodyPr>
+          <a:bodyPr/>
           <a:lstStyle/>
           <a:p>
             <a:r>
               <a:rPr lang="ru-RU" dirty="0" smtClean="0"/>
-              <a:t>Распространение своих библиотек</a:t>
+              <a:t>Утилиты для </a:t>
+            </a:r>
+            <a:r>
+              <a:rPr lang="en-US" dirty="0" smtClean="0"/>
+              <a:t>NuGet</a:t>
             </a:r>
             <a:endParaRPr lang="ru-RU" dirty="0"/>
           </a:p>
@@ -17121,110 +17114,66 @@
         <p:spPr/>
         <p:txBody>
           <a:bodyPr>
-            <a:normAutofit fontScale="70000" lnSpcReduction="20000"/>
+            <a:normAutofit/>
           </a:bodyPr>
           <a:lstStyle/>
           <a:p>
-            <a:pPr marL="0" indent="0">
-              <a:buNone/>
-            </a:pPr>
-            <a:r>
-              <a:rPr lang="ru-RU" dirty="0" smtClean="0"/>
-              <a:t>Хорошими библиотеками следует делиться с сообществом! Проекты с открытым исходны</a:t>
-            </a:r>
-            <a:r>
-              <a:rPr lang="ru-RU" dirty="0"/>
-              <a:t>м</a:t>
-            </a:r>
-            <a:r>
-              <a:rPr lang="ru-RU" dirty="0" smtClean="0"/>
-              <a:t> кодом можно размещать на специальных сайтах:</a:t>
-            </a:r>
-          </a:p>
-          <a:p>
-            <a:endParaRPr lang="ru-RU" dirty="0" smtClean="0">
-              <a:hlinkClick r:id="rId2"/>
-            </a:endParaRPr>
-          </a:p>
-          <a:p>
-            <a:r>
-              <a:rPr lang="en-US" dirty="0" smtClean="0">
+            <a:r>
+              <a:rPr lang="en-US" sz="2400" dirty="0" smtClean="0"/>
+              <a:t>NuGet </a:t>
+            </a:r>
+            <a:r>
+              <a:rPr lang="en-US" sz="2400" dirty="0"/>
+              <a:t>Package Explorer</a:t>
+            </a:r>
+            <a:br>
+              <a:rPr lang="en-US" sz="2400" dirty="0"/>
+            </a:br>
+            <a:r>
+              <a:rPr lang="en-US" sz="2400" dirty="0">
                 <a:hlinkClick r:id="rId2"/>
               </a:rPr>
-              <a:t>www.codeplex.com</a:t>
-            </a:r>
-            <a:endParaRPr lang="ru-RU" dirty="0" smtClean="0"/>
-          </a:p>
-          <a:p>
-            <a:r>
-              <a:rPr lang="en-US" dirty="0" smtClean="0">
+              <a:t>http://npe.codeplex.com</a:t>
+            </a:r>
+            <a:r>
+              <a:rPr lang="en-US" sz="2400" dirty="0" smtClean="0">
+                <a:hlinkClick r:id="rId2"/>
+              </a:rPr>
+              <a:t>/</a:t>
+            </a:r>
+            <a:endParaRPr lang="en-US" sz="2400" dirty="0" smtClean="0"/>
+          </a:p>
+          <a:p>
+            <a:endParaRPr lang="ru-RU" sz="2400" dirty="0" smtClean="0"/>
+          </a:p>
+          <a:p>
+            <a:r>
+              <a:rPr lang="ru-RU" sz="2400" dirty="0" smtClean="0"/>
+              <a:t>Утилита командной строки</a:t>
+            </a:r>
+            <a:br>
+              <a:rPr lang="ru-RU" sz="2400" dirty="0" smtClean="0"/>
+            </a:br>
+            <a:r>
+              <a:rPr lang="en-US" sz="2400" dirty="0">
                 <a:hlinkClick r:id="rId3"/>
               </a:rPr>
-              <a:t>github.com</a:t>
-            </a:r>
-            <a:endParaRPr lang="ru-RU" dirty="0" smtClean="0"/>
-          </a:p>
-          <a:p>
-            <a:r>
-              <a:rPr lang="en-US" dirty="0" smtClean="0">
-                <a:hlinkClick r:id="rId4"/>
-              </a:rPr>
-              <a:t>code.google.com</a:t>
-            </a:r>
-            <a:endParaRPr lang="ru-RU" dirty="0" smtClean="0"/>
-          </a:p>
-          <a:p>
-            <a:r>
-              <a:rPr lang="ru-RU" dirty="0" smtClean="0"/>
-              <a:t>и других ...</a:t>
-            </a:r>
-            <a:endParaRPr lang="en-US" dirty="0" smtClean="0"/>
-          </a:p>
-          <a:p>
-            <a:endParaRPr lang="en-US" dirty="0" smtClean="0"/>
-          </a:p>
-          <a:p>
-            <a:pPr marL="0" indent="0">
-              <a:buNone/>
-            </a:pPr>
-            <a:r>
-              <a:rPr lang="ru-RU" dirty="0" smtClean="0"/>
-              <a:t>Выбрать лицензию можно с помощью сайта </a:t>
-            </a:r>
-            <a:r>
-              <a:rPr lang="en-US" dirty="0" smtClean="0">
-                <a:hlinkClick r:id="rId5"/>
-              </a:rPr>
-              <a:t>choosealicense.com</a:t>
-            </a:r>
-            <a:endParaRPr lang="ru-RU" dirty="0" smtClean="0"/>
-          </a:p>
-          <a:p>
-            <a:pPr marL="0" indent="0">
-              <a:buNone/>
-            </a:pPr>
-            <a:endParaRPr lang="ru-RU" dirty="0" smtClean="0"/>
-          </a:p>
-          <a:p>
-            <a:pPr marL="0" indent="0">
-              <a:buNone/>
-            </a:pPr>
-            <a:r>
-              <a:rPr lang="ru-RU" dirty="0" smtClean="0"/>
-              <a:t>Откомпилированную версию не забудьте разместить на </a:t>
-            </a:r>
-            <a:r>
-              <a:rPr lang="en-US" dirty="0" smtClean="0"/>
-              <a:t>nuget.org.</a:t>
-            </a:r>
-            <a:endParaRPr lang="ru-RU" dirty="0"/>
+              <a:t>http://</a:t>
+            </a:r>
+            <a:r>
+              <a:rPr lang="en-US" sz="2400" dirty="0" smtClean="0">
+                <a:hlinkClick r:id="rId3"/>
+              </a:rPr>
+              <a:t>docs.nuget.org/docs/start-here/installing-nuget</a:t>
+            </a:r>
+            <a:endParaRPr lang="ru-RU" sz="2400" dirty="0"/>
           </a:p>
         </p:txBody>
       </p:sp>
     </p:spTree>
     <p:extLst>
       <p:ext uri="{BB962C8B-B14F-4D97-AF65-F5344CB8AC3E}">
-        <p14:creationId xmlns:p14="http://schemas.microsoft.com/office/powerpoint/2010/main" val="4107856204"/>
+        <p14:creationId xmlns:p14="http://schemas.microsoft.com/office/powerpoint/2010/main" val="2426017902"/>
       </p:ext>
     </p:extLst>
   </p:cSld>
@@ -17268,35 +17217,18 @@
             <p:ph type="title"/>
           </p:nvPr>
         </p:nvSpPr>
-        <p:spPr>
-          <a:xfrm>
-            <a:off x="457200" y="274638"/>
-            <a:ext cx="8229600" cy="706090"/>
-          </a:xfrm>
-        </p:spPr>
+        <p:spPr/>
         <p:txBody>
           <a:bodyPr>
-            <a:normAutofit/>
+            <a:normAutofit fontScale="90000"/>
           </a:bodyPr>
           <a:lstStyle/>
           <a:p>
             <a:r>
-              <a:rPr lang="ru-RU" sz="3200" dirty="0" smtClean="0"/>
-              <a:t>Отладка </a:t>
-            </a:r>
-            <a:r>
-              <a:rPr lang="en-US" sz="3200" dirty="0" smtClean="0"/>
-              <a:t>.NET </a:t>
-            </a:r>
-            <a:r>
-              <a:rPr lang="ru-RU" sz="3200" dirty="0" smtClean="0"/>
-              <a:t>с помощью </a:t>
-            </a:r>
-            <a:r>
-              <a:rPr lang="en-US" sz="3200" dirty="0" smtClean="0"/>
-              <a:t>reference source</a:t>
-            </a:r>
-            <a:endParaRPr lang="ru-RU" sz="3200" dirty="0"/>
+              <a:rPr lang="ru-RU" dirty="0" smtClean="0"/>
+              <a:t>Распространение своих библиотек</a:t>
+            </a:r>
+            <a:endParaRPr lang="ru-RU" dirty="0"/>
           </a:p>
         </p:txBody>
       </p:sp>
@@ -17310,15 +17242,10 @@
             <p:ph idx="1"/>
           </p:nvPr>
         </p:nvSpPr>
-        <p:spPr>
-          <a:xfrm>
-            <a:off x="457200" y="980728"/>
-            <a:ext cx="8229600" cy="864096"/>
-          </a:xfrm>
-        </p:spPr>
+        <p:spPr/>
         <p:txBody>
           <a:bodyPr>
-            <a:noAutofit/>
+            <a:normAutofit fontScale="70000" lnSpcReduction="20000"/>
           </a:bodyPr>
           <a:lstStyle/>
           <a:p>
@@ -17326,271 +17253,102 @@
               <a:buNone/>
             </a:pPr>
             <a:r>
-              <a:rPr lang="ru-RU" sz="2400" dirty="0" smtClean="0"/>
-              <a:t>Работает только для </a:t>
-            </a:r>
-            <a:r>
-              <a:rPr lang="en-US" sz="2400" dirty="0" smtClean="0"/>
-              <a:t>.NET 4.5.1 </a:t>
-            </a:r>
-            <a:r>
-              <a:rPr lang="ru-RU" sz="2400" dirty="0" smtClean="0"/>
-              <a:t>в </a:t>
-            </a:r>
-            <a:r>
-              <a:rPr lang="en-US" sz="2400" dirty="0" smtClean="0"/>
-              <a:t>VS 2012 </a:t>
-            </a:r>
-            <a:r>
-              <a:rPr lang="ru-RU" sz="2400" dirty="0" smtClean="0"/>
-              <a:t>и выше</a:t>
-            </a:r>
-            <a:r>
-              <a:rPr lang="en-US" sz="2400" dirty="0" smtClean="0"/>
-              <a:t>!</a:t>
-            </a:r>
-            <a:endParaRPr lang="ru-RU" sz="2400" dirty="0"/>
+              <a:rPr lang="ru-RU" dirty="0" smtClean="0"/>
+              <a:t>Хорошими библиотеками следует делиться с сообществом! Проекты с открытым исходны</a:t>
+            </a:r>
+            <a:r>
+              <a:rPr lang="ru-RU" dirty="0"/>
+              <a:t>м</a:t>
+            </a:r>
+            <a:r>
+              <a:rPr lang="ru-RU" dirty="0" smtClean="0"/>
+              <a:t> кодом можно размещать на специальных сайтах:</a:t>
+            </a:r>
+          </a:p>
+          <a:p>
+            <a:endParaRPr lang="ru-RU" dirty="0" smtClean="0">
+              <a:hlinkClick r:id="rId2"/>
+            </a:endParaRPr>
+          </a:p>
+          <a:p>
+            <a:r>
+              <a:rPr lang="en-US" dirty="0" smtClean="0">
+                <a:hlinkClick r:id="rId2"/>
+              </a:rPr>
+              <a:t>www.codeplex.com</a:t>
+            </a:r>
+            <a:endParaRPr lang="ru-RU" dirty="0" smtClean="0"/>
+          </a:p>
+          <a:p>
+            <a:r>
+              <a:rPr lang="en-US" dirty="0" smtClean="0">
+                <a:hlinkClick r:id="rId3"/>
+              </a:rPr>
+              <a:t>github.com</a:t>
+            </a:r>
+            <a:endParaRPr lang="ru-RU" dirty="0" smtClean="0"/>
+          </a:p>
+          <a:p>
+            <a:r>
+              <a:rPr lang="en-US" dirty="0" smtClean="0">
+                <a:hlinkClick r:id="rId4"/>
+              </a:rPr>
+              <a:t>code.google.com</a:t>
+            </a:r>
+            <a:endParaRPr lang="ru-RU" dirty="0" smtClean="0"/>
+          </a:p>
+          <a:p>
+            <a:r>
+              <a:rPr lang="ru-RU" dirty="0" smtClean="0"/>
+              <a:t>и других ...</a:t>
+            </a:r>
+            <a:endParaRPr lang="en-US" dirty="0" smtClean="0"/>
+          </a:p>
+          <a:p>
+            <a:endParaRPr lang="en-US" dirty="0" smtClean="0"/>
           </a:p>
           <a:p>
             <a:pPr marL="0" indent="0">
               <a:buNone/>
             </a:pPr>
             <a:r>
-              <a:rPr lang="ru-RU" sz="2400" dirty="0" smtClean="0"/>
-              <a:t>Необходимые настройки:</a:t>
-            </a:r>
-            <a:endParaRPr lang="ru-RU" sz="2400" dirty="0"/>
-          </a:p>
-        </p:txBody>
-      </p:sp>
-      <p:pic>
-        <p:nvPicPr>
-          <p:cNvPr id="1027" name="Picture 3"/>
-          <p:cNvPicPr>
-            <a:picLocks noChangeAspect="1" noChangeArrowheads="1"/>
-          </p:cNvPicPr>
-          <p:nvPr/>
-        </p:nvPicPr>
-        <p:blipFill>
-          <a:blip r:embed="rId2">
-            <a:extLst>
-              <a:ext uri="{28A0092B-C50C-407E-A947-70E740481C1C}">
-                <a14:useLocalDpi xmlns:a14="http://schemas.microsoft.com/office/drawing/2010/main" val="0"/>
-              </a:ext>
-            </a:extLst>
-          </a:blip>
-          <a:srcRect/>
-          <a:stretch>
-            <a:fillRect/>
-          </a:stretch>
-        </p:blipFill>
-        <p:spPr bwMode="auto">
-          <a:xfrm>
-            <a:off x="3995936" y="1459979"/>
-            <a:ext cx="4200525" cy="2905125"/>
-          </a:xfrm>
-          <a:prstGeom prst="rect">
-            <a:avLst/>
-          </a:prstGeom>
-          <a:noFill/>
-          <a:ln>
-            <a:noFill/>
-          </a:ln>
-          <a:effectLst/>
-          <a:extLst>
-            <a:ext uri="{909E8E84-426E-40DD-AFC4-6F175D3DCCD1}">
-              <a14:hiddenFill xmlns:a14="http://schemas.microsoft.com/office/drawing/2010/main">
-                <a:solidFill>
-                  <a:schemeClr val="accent1"/>
-                </a:solidFill>
-              </a14:hiddenFill>
-            </a:ext>
-            <a:ext uri="{91240B29-F687-4F45-9708-019B960494DF}">
-              <a14:hiddenLine xmlns:a14="http://schemas.microsoft.com/office/drawing/2010/main" w="9525">
-                <a:solidFill>
-                  <a:schemeClr val="tx1"/>
-                </a:solidFill>
-                <a:miter lim="800000"/>
-                <a:headEnd/>
-                <a:tailEnd/>
-              </a14:hiddenLine>
-            </a:ext>
-            <a:ext uri="{AF507438-7753-43E0-B8FC-AC1667EBCBE1}">
-              <a14:hiddenEffects xmlns:a14="http://schemas.microsoft.com/office/drawing/2010/main">
-                <a:effectLst>
-                  <a:outerShdw dist="35921" dir="2700000" algn="ctr" rotWithShape="0">
-                    <a:schemeClr val="bg2"/>
-                  </a:outerShdw>
-                </a:effectLst>
-              </a14:hiddenEffects>
-            </a:ext>
-          </a:extLst>
-        </p:spPr>
-      </p:pic>
-      <p:sp>
-        <p:nvSpPr>
-          <p:cNvPr id="4" name="TextBox 3"/>
-          <p:cNvSpPr txBox="1"/>
-          <p:nvPr/>
-        </p:nvSpPr>
-        <p:spPr>
-          <a:xfrm>
-            <a:off x="543158" y="2597756"/>
-            <a:ext cx="2722669" cy="461665"/>
-          </a:xfrm>
-          <a:prstGeom prst="rect">
-            <a:avLst/>
-          </a:prstGeom>
-          <a:noFill/>
-        </p:spPr>
-        <p:txBody>
-          <a:bodyPr wrap="none" rtlCol="0">
-            <a:spAutoFit/>
-          </a:bodyPr>
-          <a:lstStyle/>
-          <a:p>
-            <a:pPr algn="ctr"/>
-            <a:r>
-              <a:rPr lang="en-US" sz="2400" dirty="0" smtClean="0"/>
-              <a:t>Debugger \ General:</a:t>
-            </a:r>
-            <a:endParaRPr lang="ru-RU" sz="2400" dirty="0" smtClean="0"/>
-          </a:p>
-        </p:txBody>
-      </p:sp>
-      <p:pic>
-        <p:nvPicPr>
-          <p:cNvPr id="1028" name="Picture 4"/>
-          <p:cNvPicPr>
-            <a:picLocks noChangeAspect="1" noChangeArrowheads="1"/>
-          </p:cNvPicPr>
-          <p:nvPr/>
-        </p:nvPicPr>
-        <p:blipFill>
-          <a:blip r:embed="rId3">
-            <a:extLst>
-              <a:ext uri="{28A0092B-C50C-407E-A947-70E740481C1C}">
-                <a14:useLocalDpi xmlns:a14="http://schemas.microsoft.com/office/drawing/2010/main" val="0"/>
-              </a:ext>
-            </a:extLst>
-          </a:blip>
-          <a:srcRect/>
-          <a:stretch>
-            <a:fillRect/>
-          </a:stretch>
-        </p:blipFill>
-        <p:spPr bwMode="auto">
-          <a:xfrm>
-            <a:off x="3995936" y="5085184"/>
-            <a:ext cx="4381500" cy="1352550"/>
-          </a:xfrm>
-          <a:prstGeom prst="rect">
-            <a:avLst/>
-          </a:prstGeom>
-          <a:noFill/>
-          <a:ln>
-            <a:noFill/>
-          </a:ln>
-          <a:effectLst/>
-          <a:extLst>
-            <a:ext uri="{909E8E84-426E-40DD-AFC4-6F175D3DCCD1}">
-              <a14:hiddenFill xmlns:a14="http://schemas.microsoft.com/office/drawing/2010/main">
-                <a:solidFill>
-                  <a:schemeClr val="accent1"/>
-                </a:solidFill>
-              </a14:hiddenFill>
-            </a:ext>
-            <a:ext uri="{91240B29-F687-4F45-9708-019B960494DF}">
-              <a14:hiddenLine xmlns:a14="http://schemas.microsoft.com/office/drawing/2010/main" w="9525">
-                <a:solidFill>
-                  <a:schemeClr val="tx1"/>
-                </a:solidFill>
-                <a:miter lim="800000"/>
-                <a:headEnd/>
-                <a:tailEnd/>
-              </a14:hiddenLine>
-            </a:ext>
-            <a:ext uri="{AF507438-7753-43E0-B8FC-AC1667EBCBE1}">
-              <a14:hiddenEffects xmlns:a14="http://schemas.microsoft.com/office/drawing/2010/main">
-                <a:effectLst>
-                  <a:outerShdw dist="35921" dir="2700000" algn="ctr" rotWithShape="0">
-                    <a:schemeClr val="bg2"/>
-                  </a:outerShdw>
-                </a:effectLst>
-              </a14:hiddenEffects>
-            </a:ext>
-          </a:extLst>
-        </p:spPr>
-      </p:pic>
-      <p:sp>
-        <p:nvSpPr>
-          <p:cNvPr id="8" name="TextBox 7"/>
-          <p:cNvSpPr txBox="1"/>
-          <p:nvPr/>
-        </p:nvSpPr>
-        <p:spPr>
-          <a:xfrm>
-            <a:off x="516260" y="5085184"/>
-            <a:ext cx="2776466" cy="461665"/>
-          </a:xfrm>
-          <a:prstGeom prst="rect">
-            <a:avLst/>
-          </a:prstGeom>
-          <a:noFill/>
-        </p:spPr>
-        <p:txBody>
-          <a:bodyPr wrap="none" rtlCol="0">
-            <a:spAutoFit/>
-          </a:bodyPr>
-          <a:lstStyle/>
-          <a:p>
-            <a:pPr algn="ctr"/>
-            <a:r>
-              <a:rPr lang="en-US" sz="2400" dirty="0" smtClean="0"/>
-              <a:t>Debugger \ Symbols:</a:t>
-            </a:r>
-          </a:p>
-        </p:txBody>
-      </p:sp>
-      <p:sp>
-        <p:nvSpPr>
-          <p:cNvPr id="5" name="TextBox 4"/>
-          <p:cNvSpPr txBox="1"/>
-          <p:nvPr/>
-        </p:nvSpPr>
-        <p:spPr>
-          <a:xfrm>
-            <a:off x="2483768" y="4581128"/>
-            <a:ext cx="6192593" cy="369332"/>
-          </a:xfrm>
-          <a:prstGeom prst="rect">
-            <a:avLst/>
-          </a:prstGeom>
-          <a:noFill/>
-        </p:spPr>
-        <p:txBody>
-          <a:bodyPr wrap="none" rtlCol="0">
-            <a:spAutoFit/>
-          </a:bodyPr>
-          <a:lstStyle/>
-          <a:p>
-            <a:pPr algn="ctr"/>
-            <a:r>
               <a:rPr lang="ru-RU" dirty="0" smtClean="0"/>
-              <a:t>Добавьте адрес </a:t>
-            </a:r>
-            <a:r>
-              <a:rPr lang="en-US" dirty="0"/>
-              <a:t>http://referencesource.microsoft.com/symbols</a:t>
+              <a:t>Выбрать лицензию можно с помощью сайта </a:t>
+            </a:r>
+            <a:r>
+              <a:rPr lang="en-US" dirty="0" smtClean="0">
+                <a:hlinkClick r:id="rId5"/>
+              </a:rPr>
+              <a:t>choosealicense.com</a:t>
             </a:r>
             <a:endParaRPr lang="ru-RU" dirty="0" smtClean="0"/>
+          </a:p>
+          <a:p>
+            <a:pPr marL="0" indent="0">
+              <a:buNone/>
+            </a:pPr>
+            <a:endParaRPr lang="ru-RU" dirty="0" smtClean="0"/>
+          </a:p>
+          <a:p>
+            <a:pPr marL="0" indent="0">
+              <a:buNone/>
+            </a:pPr>
+            <a:r>
+              <a:rPr lang="ru-RU" dirty="0" smtClean="0"/>
+              <a:t>Откомпилированную версию не забудьте разместить на </a:t>
+            </a:r>
+            <a:r>
+              <a:rPr lang="en-US" dirty="0" smtClean="0"/>
+              <a:t>nuget.org.</a:t>
+            </a:r>
+            <a:endParaRPr lang="ru-RU" dirty="0"/>
           </a:p>
         </p:txBody>
       </p:sp>
     </p:spTree>
     <p:extLst>
       <p:ext uri="{BB962C8B-B14F-4D97-AF65-F5344CB8AC3E}">
-        <p14:creationId xmlns:p14="http://schemas.microsoft.com/office/powerpoint/2010/main" val="2605966343"/>
+        <p14:creationId xmlns:p14="http://schemas.microsoft.com/office/powerpoint/2010/main" val="4107856204"/>
       </p:ext>
     </p:extLst>
   </p:cSld>
@@ -17659,12 +17417,8 @@
               <a:t>с помощью </a:t>
             </a:r>
             <a:r>
-              <a:rPr lang="en-US" sz="3200" dirty="0" err="1" smtClean="0"/>
-              <a:t>dotPeek</a:t>
-            </a:r>
-            <a:r>
               <a:rPr lang="en-US" sz="3200" dirty="0" smtClean="0"/>
-              <a:t> 1.2+</a:t>
+              <a:t>reference source</a:t>
             </a:r>
             <a:endParaRPr lang="ru-RU" sz="3200" dirty="0"/>
           </a:p>
@@ -17683,7 +17437,7 @@
         <p:spPr>
           <a:xfrm>
             <a:off x="457200" y="980728"/>
-            <a:ext cx="8229600" cy="2520280"/>
+            <a:ext cx="8229600" cy="864096"/>
           </a:xfrm>
         </p:spPr>
         <p:txBody>
@@ -17697,88 +17451,270 @@
             </a:pPr>
             <a:r>
               <a:rPr lang="ru-RU" sz="2400" dirty="0" smtClean="0"/>
-              <a:t>В </a:t>
-            </a:r>
-            <a:r>
-              <a:rPr lang="en-US" sz="2400" dirty="0" err="1" smtClean="0"/>
-              <a:t>dotPeek</a:t>
+              <a:t>Работает только для </a:t>
             </a:r>
             <a:r>
               <a:rPr lang="en-US" sz="2400" dirty="0" smtClean="0"/>
-              <a:t> 1.2 </a:t>
+              <a:t>.NET 4.5.1 </a:t>
             </a:r>
             <a:r>
               <a:rPr lang="ru-RU" sz="2400" dirty="0" smtClean="0"/>
-              <a:t>была добавлена команда «</a:t>
+              <a:t>в </a:t>
             </a:r>
             <a:r>
               <a:rPr lang="en-US" sz="2400" dirty="0" smtClean="0"/>
-              <a:t>Generate PDB</a:t>
+              <a:t>VS 2012 </a:t>
             </a:r>
             <a:r>
               <a:rPr lang="ru-RU" sz="2400" dirty="0" smtClean="0"/>
-              <a:t>» и поддержка </a:t>
+              <a:t>и выше</a:t>
             </a:r>
             <a:r>
               <a:rPr lang="en-US" sz="2400" dirty="0" smtClean="0"/>
-              <a:t>Symbol Server. </a:t>
-            </a:r>
-            <a:r>
-              <a:rPr lang="ru-RU" sz="2400" dirty="0" smtClean="0"/>
-              <a:t>С их помощью можно отлаживать </a:t>
-            </a:r>
-            <a:r>
-              <a:rPr lang="en-US" sz="2400" dirty="0" smtClean="0"/>
-              <a:t>.NET </a:t>
-            </a:r>
-            <a:r>
-              <a:rPr lang="ru-RU" sz="2400" dirty="0" smtClean="0"/>
-              <a:t>и чужие сборки. Подробности читайте на сайте </a:t>
-            </a:r>
-            <a:r>
-              <a:rPr lang="en-US" sz="2400" dirty="0" smtClean="0"/>
-              <a:t>JetBrains:</a:t>
-            </a:r>
-            <a:endParaRPr lang="ru-RU" sz="2400" dirty="0" smtClean="0">
-              <a:hlinkClick r:id="rId2"/>
-            </a:endParaRPr>
+              <a:t>!</a:t>
+            </a:r>
+            <a:endParaRPr lang="ru-RU" sz="2400" dirty="0"/>
           </a:p>
           <a:p>
             <a:pPr marL="0" indent="0">
               <a:buNone/>
             </a:pPr>
-            <a:endParaRPr lang="en-US" sz="2400" dirty="0" smtClean="0"/>
-          </a:p>
-          <a:p>
-            <a:pPr marL="0" indent="0">
-              <a:buNone/>
-            </a:pPr>
-            <a:r>
-              <a:rPr lang="en-US" sz="2400" dirty="0" smtClean="0">
-                <a:hlinkClick r:id="rId2"/>
-              </a:rPr>
-              <a:t>http</a:t>
-            </a:r>
-            <a:r>
-              <a:rPr lang="en-US" sz="2400" dirty="0">
-                <a:hlinkClick r:id="rId2"/>
-              </a:rPr>
-              <a:t>://</a:t>
-            </a:r>
-            <a:r>
-              <a:rPr lang="en-US" sz="2400" dirty="0" smtClean="0">
-                <a:hlinkClick r:id="rId2"/>
-              </a:rPr>
-              <a:t>confluence.jetbrains.com/display/NETCOM/dotPeek+Symbol+Server+and+PDB+Generation</a:t>
+            <a:r>
+              <a:rPr lang="ru-RU" sz="2400" dirty="0" smtClean="0"/>
+              <a:t>Необходимые настройки:</a:t>
             </a:r>
             <a:endParaRPr lang="ru-RU" sz="2400" dirty="0"/>
+          </a:p>
+        </p:txBody>
+      </p:sp>
+      <p:pic>
+        <p:nvPicPr>
+          <p:cNvPr id="1027" name="Picture 3"/>
+          <p:cNvPicPr>
+            <a:picLocks noChangeAspect="1" noChangeArrowheads="1"/>
+          </p:cNvPicPr>
+          <p:nvPr/>
+        </p:nvPicPr>
+        <p:blipFill>
+          <a:blip r:embed="rId2">
+            <a:extLst>
+              <a:ext uri="{28A0092B-C50C-407E-A947-70E740481C1C}">
+                <a14:useLocalDpi xmlns:a14="http://schemas.microsoft.com/office/drawing/2010/main" val="0"/>
+              </a:ext>
+            </a:extLst>
+          </a:blip>
+          <a:srcRect/>
+          <a:stretch>
+            <a:fillRect/>
+          </a:stretch>
+        </p:blipFill>
+        <p:spPr bwMode="auto">
+          <a:xfrm>
+            <a:off x="3995936" y="1459979"/>
+            <a:ext cx="4200525" cy="2905125"/>
+          </a:xfrm>
+          <a:prstGeom prst="rect">
+            <a:avLst/>
+          </a:prstGeom>
+          <a:noFill/>
+          <a:ln>
+            <a:noFill/>
+          </a:ln>
+          <a:effectLst/>
+          <a:extLst>
+            <a:ext uri="{909E8E84-426E-40DD-AFC4-6F175D3DCCD1}">
+              <a14:hiddenFill xmlns:a14="http://schemas.microsoft.com/office/drawing/2010/main">
+                <a:solidFill>
+                  <a:schemeClr val="accent1"/>
+                </a:solidFill>
+              </a14:hiddenFill>
+            </a:ext>
+            <a:ext uri="{91240B29-F687-4F45-9708-019B960494DF}">
+              <a14:hiddenLine xmlns:a14="http://schemas.microsoft.com/office/drawing/2010/main" w="9525">
+                <a:solidFill>
+                  <a:schemeClr val="tx1"/>
+                </a:solidFill>
+                <a:miter lim="800000"/>
+                <a:headEnd/>
+                <a:tailEnd/>
+              </a14:hiddenLine>
+            </a:ext>
+            <a:ext uri="{AF507438-7753-43E0-B8FC-AC1667EBCBE1}">
+              <a14:hiddenEffects xmlns:a14="http://schemas.microsoft.com/office/drawing/2010/main">
+                <a:effectLst>
+                  <a:outerShdw dist="35921" dir="2700000" algn="ctr" rotWithShape="0">
+                    <a:schemeClr val="bg2"/>
+                  </a:outerShdw>
+                </a:effectLst>
+              </a14:hiddenEffects>
+            </a:ext>
+          </a:extLst>
+        </p:spPr>
+      </p:pic>
+      <p:sp>
+        <p:nvSpPr>
+          <p:cNvPr id="4" name="TextBox 3"/>
+          <p:cNvSpPr txBox="1"/>
+          <p:nvPr/>
+        </p:nvSpPr>
+        <p:spPr>
+          <a:xfrm>
+            <a:off x="543158" y="2597756"/>
+            <a:ext cx="2722669" cy="461665"/>
+          </a:xfrm>
+          <a:prstGeom prst="rect">
+            <a:avLst/>
+          </a:prstGeom>
+          <a:noFill/>
+        </p:spPr>
+        <p:txBody>
+          <a:bodyPr wrap="none" rtlCol="0">
+            <a:spAutoFit/>
+          </a:bodyPr>
+          <a:lstStyle/>
+          <a:p>
+            <a:pPr algn="ctr"/>
+            <a:r>
+              <a:rPr lang="en-US" sz="2400" dirty="0" smtClean="0"/>
+              <a:t>Debugger \ General:</a:t>
+            </a:r>
+            <a:endParaRPr lang="ru-RU" sz="2400" dirty="0" smtClean="0"/>
+          </a:p>
+        </p:txBody>
+      </p:sp>
+      <p:pic>
+        <p:nvPicPr>
+          <p:cNvPr id="1028" name="Picture 4"/>
+          <p:cNvPicPr>
+            <a:picLocks noChangeAspect="1" noChangeArrowheads="1"/>
+          </p:cNvPicPr>
+          <p:nvPr/>
+        </p:nvPicPr>
+        <p:blipFill>
+          <a:blip r:embed="rId3">
+            <a:extLst>
+              <a:ext uri="{28A0092B-C50C-407E-A947-70E740481C1C}">
+                <a14:useLocalDpi xmlns:a14="http://schemas.microsoft.com/office/drawing/2010/main" val="0"/>
+              </a:ext>
+            </a:extLst>
+          </a:blip>
+          <a:srcRect/>
+          <a:stretch>
+            <a:fillRect/>
+          </a:stretch>
+        </p:blipFill>
+        <p:spPr bwMode="auto">
+          <a:xfrm>
+            <a:off x="3995936" y="5085184"/>
+            <a:ext cx="4381500" cy="1352550"/>
+          </a:xfrm>
+          <a:prstGeom prst="rect">
+            <a:avLst/>
+          </a:prstGeom>
+          <a:noFill/>
+          <a:ln>
+            <a:noFill/>
+          </a:ln>
+          <a:effectLst/>
+          <a:extLst>
+            <a:ext uri="{909E8E84-426E-40DD-AFC4-6F175D3DCCD1}">
+              <a14:hiddenFill xmlns:a14="http://schemas.microsoft.com/office/drawing/2010/main">
+                <a:solidFill>
+                  <a:schemeClr val="accent1"/>
+                </a:solidFill>
+              </a14:hiddenFill>
+            </a:ext>
+            <a:ext uri="{91240B29-F687-4F45-9708-019B960494DF}">
+              <a14:hiddenLine xmlns:a14="http://schemas.microsoft.com/office/drawing/2010/main" w="9525">
+                <a:solidFill>
+                  <a:schemeClr val="tx1"/>
+                </a:solidFill>
+                <a:miter lim="800000"/>
+                <a:headEnd/>
+                <a:tailEnd/>
+              </a14:hiddenLine>
+            </a:ext>
+            <a:ext uri="{AF507438-7753-43E0-B8FC-AC1667EBCBE1}">
+              <a14:hiddenEffects xmlns:a14="http://schemas.microsoft.com/office/drawing/2010/main">
+                <a:effectLst>
+                  <a:outerShdw dist="35921" dir="2700000" algn="ctr" rotWithShape="0">
+                    <a:schemeClr val="bg2"/>
+                  </a:outerShdw>
+                </a:effectLst>
+              </a14:hiddenEffects>
+            </a:ext>
+          </a:extLst>
+        </p:spPr>
+      </p:pic>
+      <p:sp>
+        <p:nvSpPr>
+          <p:cNvPr id="8" name="TextBox 7"/>
+          <p:cNvSpPr txBox="1"/>
+          <p:nvPr/>
+        </p:nvSpPr>
+        <p:spPr>
+          <a:xfrm>
+            <a:off x="516260" y="5085184"/>
+            <a:ext cx="2776466" cy="461665"/>
+          </a:xfrm>
+          <a:prstGeom prst="rect">
+            <a:avLst/>
+          </a:prstGeom>
+          <a:noFill/>
+        </p:spPr>
+        <p:txBody>
+          <a:bodyPr wrap="none" rtlCol="0">
+            <a:spAutoFit/>
+          </a:bodyPr>
+          <a:lstStyle/>
+          <a:p>
+            <a:pPr algn="ctr"/>
+            <a:r>
+              <a:rPr lang="en-US" sz="2400" dirty="0" smtClean="0"/>
+              <a:t>Debugger \ Symbols:</a:t>
+            </a:r>
+          </a:p>
+        </p:txBody>
+      </p:sp>
+      <p:sp>
+        <p:nvSpPr>
+          <p:cNvPr id="5" name="TextBox 4"/>
+          <p:cNvSpPr txBox="1"/>
+          <p:nvPr/>
+        </p:nvSpPr>
+        <p:spPr>
+          <a:xfrm>
+            <a:off x="2483768" y="4581128"/>
+            <a:ext cx="6192593" cy="369332"/>
+          </a:xfrm>
+          <a:prstGeom prst="rect">
+            <a:avLst/>
+          </a:prstGeom>
+          <a:noFill/>
+        </p:spPr>
+        <p:txBody>
+          <a:bodyPr wrap="none" rtlCol="0">
+            <a:spAutoFit/>
+          </a:bodyPr>
+          <a:lstStyle/>
+          <a:p>
+            <a:pPr algn="ctr"/>
+            <a:r>
+              <a:rPr lang="ru-RU" dirty="0" smtClean="0"/>
+              <a:t>Добавьте адрес </a:t>
+            </a:r>
+            <a:r>
+              <a:rPr lang="en-US" dirty="0"/>
+              <a:t>http://referencesource.microsoft.com/symbols</a:t>
+            </a:r>
+            <a:endParaRPr lang="ru-RU" dirty="0" smtClean="0"/>
           </a:p>
         </p:txBody>
       </p:sp>
     </p:spTree>
     <p:extLst>
       <p:ext uri="{BB962C8B-B14F-4D97-AF65-F5344CB8AC3E}">
-        <p14:creationId xmlns:p14="http://schemas.microsoft.com/office/powerpoint/2010/main" val="3583458690"/>
+        <p14:creationId xmlns:p14="http://schemas.microsoft.com/office/powerpoint/2010/main" val="2605966343"/>
       </p:ext>
     </p:extLst>
   </p:cSld>
@@ -17822,6 +17758,194 @@
             <p:ph type="title"/>
           </p:nvPr>
         </p:nvSpPr>
+        <p:spPr>
+          <a:xfrm>
+            <a:off x="457200" y="274638"/>
+            <a:ext cx="8229600" cy="706090"/>
+          </a:xfrm>
+        </p:spPr>
+        <p:txBody>
+          <a:bodyPr>
+            <a:normAutofit/>
+          </a:bodyPr>
+          <a:lstStyle/>
+          <a:p>
+            <a:r>
+              <a:rPr lang="ru-RU" sz="3200" dirty="0" smtClean="0"/>
+              <a:t>Отладка </a:t>
+            </a:r>
+            <a:r>
+              <a:rPr lang="en-US" sz="3200" dirty="0" smtClean="0"/>
+              <a:t>.NET </a:t>
+            </a:r>
+            <a:r>
+              <a:rPr lang="ru-RU" sz="3200" dirty="0" smtClean="0"/>
+              <a:t>с помощью </a:t>
+            </a:r>
+            <a:r>
+              <a:rPr lang="en-US" sz="3200" dirty="0" err="1" smtClean="0"/>
+              <a:t>dotPeek</a:t>
+            </a:r>
+            <a:r>
+              <a:rPr lang="en-US" sz="3200" dirty="0" smtClean="0"/>
+              <a:t> 1.2+</a:t>
+            </a:r>
+            <a:endParaRPr lang="ru-RU" sz="3200" dirty="0"/>
+          </a:p>
+        </p:txBody>
+      </p:sp>
+      <p:sp>
+        <p:nvSpPr>
+          <p:cNvPr id="3" name="Content Placeholder 2"/>
+          <p:cNvSpPr>
+            <a:spLocks noGrp="1"/>
+          </p:cNvSpPr>
+          <p:nvPr>
+            <p:ph idx="1"/>
+          </p:nvPr>
+        </p:nvSpPr>
+        <p:spPr>
+          <a:xfrm>
+            <a:off x="457200" y="980728"/>
+            <a:ext cx="8229600" cy="2520280"/>
+          </a:xfrm>
+        </p:spPr>
+        <p:txBody>
+          <a:bodyPr>
+            <a:noAutofit/>
+          </a:bodyPr>
+          <a:lstStyle/>
+          <a:p>
+            <a:pPr marL="0" indent="0">
+              <a:buNone/>
+            </a:pPr>
+            <a:r>
+              <a:rPr lang="ru-RU" sz="2400" dirty="0" smtClean="0"/>
+              <a:t>В </a:t>
+            </a:r>
+            <a:r>
+              <a:rPr lang="en-US" sz="2400" dirty="0" err="1" smtClean="0"/>
+              <a:t>dotPeek</a:t>
+            </a:r>
+            <a:r>
+              <a:rPr lang="en-US" sz="2400" dirty="0" smtClean="0"/>
+              <a:t> 1.2 </a:t>
+            </a:r>
+            <a:r>
+              <a:rPr lang="ru-RU" sz="2400" dirty="0" smtClean="0"/>
+              <a:t>была добавлена команда «</a:t>
+            </a:r>
+            <a:r>
+              <a:rPr lang="en-US" sz="2400" dirty="0" smtClean="0"/>
+              <a:t>Generate PDB</a:t>
+            </a:r>
+            <a:r>
+              <a:rPr lang="ru-RU" sz="2400" dirty="0" smtClean="0"/>
+              <a:t>» и поддержка </a:t>
+            </a:r>
+            <a:r>
+              <a:rPr lang="en-US" sz="2400" dirty="0" smtClean="0"/>
+              <a:t>Symbol Server. </a:t>
+            </a:r>
+            <a:r>
+              <a:rPr lang="ru-RU" sz="2400" dirty="0" smtClean="0"/>
+              <a:t>С их помощью можно отлаживать </a:t>
+            </a:r>
+            <a:r>
+              <a:rPr lang="en-US" sz="2400" dirty="0" smtClean="0"/>
+              <a:t>.NET </a:t>
+            </a:r>
+            <a:r>
+              <a:rPr lang="ru-RU" sz="2400" dirty="0" smtClean="0"/>
+              <a:t>и чужие сборки. Подробности читайте на сайте </a:t>
+            </a:r>
+            <a:r>
+              <a:rPr lang="en-US" sz="2400" dirty="0" smtClean="0"/>
+              <a:t>JetBrains:</a:t>
+            </a:r>
+            <a:endParaRPr lang="ru-RU" sz="2400" dirty="0" smtClean="0">
+              <a:hlinkClick r:id="rId2"/>
+            </a:endParaRPr>
+          </a:p>
+          <a:p>
+            <a:pPr marL="0" indent="0">
+              <a:buNone/>
+            </a:pPr>
+            <a:endParaRPr lang="en-US" sz="2400" dirty="0" smtClean="0"/>
+          </a:p>
+          <a:p>
+            <a:pPr marL="0" indent="0">
+              <a:buNone/>
+            </a:pPr>
+            <a:r>
+              <a:rPr lang="en-US" sz="2400" dirty="0" smtClean="0">
+                <a:hlinkClick r:id="rId2"/>
+              </a:rPr>
+              <a:t>http</a:t>
+            </a:r>
+            <a:r>
+              <a:rPr lang="en-US" sz="2400" dirty="0">
+                <a:hlinkClick r:id="rId2"/>
+              </a:rPr>
+              <a:t>://</a:t>
+            </a:r>
+            <a:r>
+              <a:rPr lang="en-US" sz="2400" dirty="0" smtClean="0">
+                <a:hlinkClick r:id="rId2"/>
+              </a:rPr>
+              <a:t>confluence.jetbrains.com/display/NETCOM/dotPeek+Symbol+Server+and+PDB+Generation</a:t>
+            </a:r>
+            <a:endParaRPr lang="ru-RU" sz="2400" dirty="0"/>
+          </a:p>
+        </p:txBody>
+      </p:sp>
+    </p:spTree>
+    <p:extLst>
+      <p:ext uri="{BB962C8B-B14F-4D97-AF65-F5344CB8AC3E}">
+        <p14:creationId xmlns:p14="http://schemas.microsoft.com/office/powerpoint/2010/main" val="3583458690"/>
+      </p:ext>
+    </p:extLst>
+  </p:cSld>
+  <p:clrMapOvr>
+    <a:masterClrMapping/>
+  </p:clrMapOvr>
+  <p:timing>
+    <p:tnLst>
+      <p:par>
+        <p:cTn id="1" dur="indefinite" restart="never" nodeType="tmRoot"/>
+      </p:par>
+    </p:tnLst>
+  </p:timing>
+</p:sld>
+</file>
+
+<file path=ppt/slides/slide47.xml><?xml version="1.0" encoding="utf-8"?>
+<p:sld xmlns:a="http://schemas.openxmlformats.org/drawingml/2006/main" xmlns:r="http://schemas.openxmlformats.org/officeDocument/2006/relationships" xmlns:p="http://schemas.openxmlformats.org/presentationml/2006/main">
+  <p:cSld>
+    <p:spTree>
+      <p:nvGrpSpPr>
+        <p:cNvPr id="1" name=""/>
+        <p:cNvGrpSpPr/>
+        <p:nvPr/>
+      </p:nvGrpSpPr>
+      <p:grpSpPr>
+        <a:xfrm>
+          <a:off x="0" y="0"/>
+          <a:ext cx="0" cy="0"/>
+          <a:chOff x="0" y="0"/>
+          <a:chExt cx="0" cy="0"/>
+        </a:xfrm>
+      </p:grpSpPr>
+      <p:sp>
+        <p:nvSpPr>
+          <p:cNvPr id="2" name="Title 1"/>
+          <p:cNvSpPr>
+            <a:spLocks noGrp="1"/>
+          </p:cNvSpPr>
+          <p:nvPr>
+            <p:ph type="title"/>
+          </p:nvPr>
+        </p:nvSpPr>
         <p:spPr/>
         <p:txBody>
           <a:bodyPr/>
@@ -18041,7 +18165,7 @@
 </p:sld>
 </file>
 
-<file path=ppt/slides/slide47.xml><?xml version="1.0" encoding="utf-8"?>
+<file path=ppt/slides/slide48.xml><?xml version="1.0" encoding="utf-8"?>
 <p:sld xmlns:a="http://schemas.openxmlformats.org/drawingml/2006/main" xmlns:r="http://schemas.openxmlformats.org/officeDocument/2006/relationships" xmlns:p="http://schemas.openxmlformats.org/presentationml/2006/main">
   <p:cSld>
     <p:spTree>
@@ -18912,7 +19036,7 @@
 </p:sld>
 </file>
 
-<file path=ppt/slides/slide48.xml><?xml version="1.0" encoding="utf-8"?>
+<file path=ppt/slides/slide49.xml><?xml version="1.0" encoding="utf-8"?>
 <p:sld xmlns:a="http://schemas.openxmlformats.org/drawingml/2006/main" xmlns:r="http://schemas.openxmlformats.org/officeDocument/2006/relationships" xmlns:p="http://schemas.openxmlformats.org/presentationml/2006/main">
   <p:cSld>
     <p:spTree>
@@ -19755,660 +19879,6 @@
     <p:extLst>
       <p:ext uri="{BB962C8B-B14F-4D97-AF65-F5344CB8AC3E}">
         <p14:creationId xmlns:p14="http://schemas.microsoft.com/office/powerpoint/2010/main" val="146513021"/>
-      </p:ext>
-    </p:extLst>
-  </p:cSld>
-  <p:clrMapOvr>
-    <a:masterClrMapping/>
-  </p:clrMapOvr>
-  <p:timing>
-    <p:tnLst>
-      <p:par>
-        <p:cTn id="1" dur="indefinite" restart="never" nodeType="tmRoot"/>
-      </p:par>
-    </p:tnLst>
-  </p:timing>
-</p:sld>
-</file>
-
-<file path=ppt/slides/slide49.xml><?xml version="1.0" encoding="utf-8"?>
-<p:sld xmlns:a="http://schemas.openxmlformats.org/drawingml/2006/main" xmlns:r="http://schemas.openxmlformats.org/officeDocument/2006/relationships" xmlns:p="http://schemas.openxmlformats.org/presentationml/2006/main">
-  <p:cSld>
-    <p:spTree>
-      <p:nvGrpSpPr>
-        <p:cNvPr id="1" name=""/>
-        <p:cNvGrpSpPr/>
-        <p:nvPr/>
-      </p:nvGrpSpPr>
-      <p:grpSpPr>
-        <a:xfrm>
-          <a:off x="0" y="0"/>
-          <a:ext cx="0" cy="0"/>
-          <a:chOff x="0" y="0"/>
-          <a:chExt cx="0" cy="0"/>
-        </a:xfrm>
-      </p:grpSpPr>
-      <p:sp>
-        <p:nvSpPr>
-          <p:cNvPr id="9218" name="Rectangle 3"/>
-          <p:cNvSpPr>
-            <a:spLocks noChangeArrowheads="1"/>
-          </p:cNvSpPr>
-          <p:nvPr/>
-        </p:nvSpPr>
-        <p:spPr bwMode="auto">
-          <a:xfrm>
-            <a:off x="152400" y="-4763"/>
-            <a:ext cx="8763000" cy="461963"/>
-          </a:xfrm>
-          <a:prstGeom prst="rect">
-            <a:avLst/>
-          </a:prstGeom>
-          <a:noFill/>
-          <a:ln>
-            <a:noFill/>
-          </a:ln>
-          <a:extLst>
-            <a:ext uri="{909E8E84-426E-40DD-AFC4-6F175D3DCCD1}">
-              <a14:hiddenFill xmlns:a14="http://schemas.microsoft.com/office/drawing/2010/main">
-                <a:solidFill>
-                  <a:srgbClr val="FFFFFF"/>
-                </a:solidFill>
-              </a14:hiddenFill>
-            </a:ext>
-            <a:ext uri="{91240B29-F687-4F45-9708-019B960494DF}">
-              <a14:hiddenLine xmlns:a14="http://schemas.microsoft.com/office/drawing/2010/main" w="9525">
-                <a:solidFill>
-                  <a:srgbClr val="000000"/>
-                </a:solidFill>
-                <a:miter lim="800000"/>
-                <a:headEnd/>
-                <a:tailEnd/>
-              </a14:hiddenLine>
-            </a:ext>
-          </a:extLst>
-        </p:spPr>
-        <p:txBody>
-          <a:bodyPr anchor="ctr">
-            <a:spAutoFit/>
-          </a:bodyPr>
-          <a:lstStyle/>
-          <a:p>
-            <a:pPr algn="ctr"/>
-            <a:r>
-              <a:rPr lang="ru-RU" sz="2400" b="1"/>
-              <a:t>Пространство </a:t>
-            </a:r>
-            <a:r>
-              <a:rPr lang="en-US" sz="2400" b="1"/>
-              <a:t>System.Reflection.</a:t>
-            </a:r>
-          </a:p>
-        </p:txBody>
-      </p:sp>
-      <p:sp>
-        <p:nvSpPr>
-          <p:cNvPr id="9219" name="Rectangle 3"/>
-          <p:cNvSpPr>
-            <a:spLocks noChangeArrowheads="1"/>
-          </p:cNvSpPr>
-          <p:nvPr/>
-        </p:nvSpPr>
-        <p:spPr bwMode="auto">
-          <a:xfrm>
-            <a:off x="152400" y="581025"/>
-            <a:ext cx="8839200" cy="336550"/>
-          </a:xfrm>
-          <a:prstGeom prst="rect">
-            <a:avLst/>
-          </a:prstGeom>
-          <a:noFill/>
-          <a:ln>
-            <a:noFill/>
-          </a:ln>
-          <a:extLst>
-            <a:ext uri="{909E8E84-426E-40DD-AFC4-6F175D3DCCD1}">
-              <a14:hiddenFill xmlns:a14="http://schemas.microsoft.com/office/drawing/2010/main">
-                <a:solidFill>
-                  <a:srgbClr val="FFFFFF"/>
-                </a:solidFill>
-              </a14:hiddenFill>
-            </a:ext>
-            <a:ext uri="{91240B29-F687-4F45-9708-019B960494DF}">
-              <a14:hiddenLine xmlns:a14="http://schemas.microsoft.com/office/drawing/2010/main" w="9525">
-                <a:solidFill>
-                  <a:srgbClr val="000000"/>
-                </a:solidFill>
-                <a:miter lim="800000"/>
-                <a:headEnd/>
-                <a:tailEnd/>
-              </a14:hiddenLine>
-            </a:ext>
-          </a:extLst>
-        </p:spPr>
-        <p:txBody>
-          <a:bodyPr anchor="ctr">
-            <a:spAutoFit/>
-          </a:bodyPr>
-          <a:lstStyle/>
-          <a:p>
-            <a:r>
-              <a:rPr lang="ru-RU" sz="1600"/>
-              <a:t>	Используя класс </a:t>
-            </a:r>
-            <a:r>
-              <a:rPr lang="en-US" sz="1600"/>
-              <a:t>Activator</a:t>
-            </a:r>
-            <a:r>
-              <a:rPr lang="ru-RU" sz="1600"/>
-              <a:t> можно создать объект нудного класса.</a:t>
-            </a:r>
-          </a:p>
-        </p:txBody>
-      </p:sp>
-      <p:sp>
-        <p:nvSpPr>
-          <p:cNvPr id="22538" name="Rectangle 10"/>
-          <p:cNvSpPr>
-            <a:spLocks noChangeArrowheads="1"/>
-          </p:cNvSpPr>
-          <p:nvPr/>
-        </p:nvSpPr>
-        <p:spPr bwMode="auto">
-          <a:xfrm>
-            <a:off x="152400" y="990600"/>
-            <a:ext cx="8839200" cy="3478213"/>
-          </a:xfrm>
-          <a:prstGeom prst="rect">
-            <a:avLst/>
-          </a:prstGeom>
-          <a:noFill/>
-          <a:ln w="9525">
-            <a:solidFill>
-              <a:schemeClr val="bg1">
-                <a:lumMod val="65000"/>
-              </a:schemeClr>
-            </a:solidFill>
-            <a:miter lim="800000"/>
-            <a:headEnd/>
-            <a:tailEnd/>
-          </a:ln>
-          <a:effectLst/>
-        </p:spPr>
-        <p:txBody>
-          <a:bodyPr anchor="ctr">
-            <a:spAutoFit/>
-          </a:bodyPr>
-          <a:lstStyle/>
-          <a:p>
-            <a:pPr eaLnBrk="0" hangingPunct="0"/>
-            <a:r>
-              <a:rPr lang="be-BY" sz="1000" dirty="0">
-                <a:solidFill>
-                  <a:schemeClr val="bg1"/>
-                </a:solidFill>
-                <a:latin typeface="Courier New" pitchFamily="49" charset="0"/>
-                <a:ea typeface="Calibri" pitchFamily="34" charset="0"/>
-                <a:cs typeface="Courier New" pitchFamily="49" charset="0"/>
-              </a:rPr>
-              <a:t>    class Program</a:t>
-            </a:r>
-            <a:endParaRPr lang="be-BY" sz="900" dirty="0">
-              <a:solidFill>
-                <a:schemeClr val="bg1"/>
-              </a:solidFill>
-              <a:ea typeface="Calibri" pitchFamily="34" charset="0"/>
-              <a:cs typeface="Courier New" pitchFamily="49" charset="0"/>
-            </a:endParaRPr>
-          </a:p>
-          <a:p>
-            <a:pPr eaLnBrk="0" hangingPunct="0"/>
-            <a:r>
-              <a:rPr lang="be-BY" sz="1000" dirty="0">
-                <a:solidFill>
-                  <a:schemeClr val="bg1"/>
-                </a:solidFill>
-                <a:latin typeface="Courier New" pitchFamily="49" charset="0"/>
-                <a:ea typeface="Calibri" pitchFamily="34" charset="0"/>
-                <a:cs typeface="Courier New" pitchFamily="49" charset="0"/>
-              </a:rPr>
-              <a:t>    {</a:t>
-            </a:r>
-            <a:endParaRPr lang="be-BY" sz="900" dirty="0">
-              <a:solidFill>
-                <a:schemeClr val="bg1"/>
-              </a:solidFill>
-              <a:ea typeface="Calibri" pitchFamily="34" charset="0"/>
-              <a:cs typeface="Courier New" pitchFamily="49" charset="0"/>
-            </a:endParaRPr>
-          </a:p>
-          <a:p>
-            <a:pPr eaLnBrk="0" hangingPunct="0"/>
-            <a:r>
-              <a:rPr lang="be-BY" sz="1000" dirty="0">
-                <a:solidFill>
-                  <a:schemeClr val="bg1"/>
-                </a:solidFill>
-                <a:latin typeface="Courier New" pitchFamily="49" charset="0"/>
-                <a:ea typeface="Calibri" pitchFamily="34" charset="0"/>
-                <a:cs typeface="Courier New" pitchFamily="49" charset="0"/>
-              </a:rPr>
-              <a:t>        static void Main(string[] args)</a:t>
-            </a:r>
-            <a:endParaRPr lang="be-BY" sz="900" dirty="0">
-              <a:solidFill>
-                <a:schemeClr val="bg1"/>
-              </a:solidFill>
-              <a:ea typeface="Calibri" pitchFamily="34" charset="0"/>
-              <a:cs typeface="Courier New" pitchFamily="49" charset="0"/>
-            </a:endParaRPr>
-          </a:p>
-          <a:p>
-            <a:pPr eaLnBrk="0" hangingPunct="0"/>
-            <a:r>
-              <a:rPr lang="be-BY" sz="1000" dirty="0">
-                <a:solidFill>
-                  <a:schemeClr val="bg1"/>
-                </a:solidFill>
-                <a:latin typeface="Courier New" pitchFamily="49" charset="0"/>
-                <a:ea typeface="Calibri" pitchFamily="34" charset="0"/>
-                <a:cs typeface="Courier New" pitchFamily="49" charset="0"/>
-              </a:rPr>
-              <a:t>        {</a:t>
-            </a:r>
-            <a:endParaRPr lang="be-BY" sz="900" dirty="0">
-              <a:solidFill>
-                <a:schemeClr val="bg1"/>
-              </a:solidFill>
-              <a:ea typeface="Calibri" pitchFamily="34" charset="0"/>
-              <a:cs typeface="Courier New" pitchFamily="49" charset="0"/>
-            </a:endParaRPr>
-          </a:p>
-          <a:p>
-            <a:pPr eaLnBrk="0" hangingPunct="0"/>
-            <a:r>
-              <a:rPr lang="be-BY" sz="1000" dirty="0">
-                <a:solidFill>
-                  <a:schemeClr val="bg1"/>
-                </a:solidFill>
-                <a:latin typeface="Courier New" pitchFamily="49" charset="0"/>
-                <a:ea typeface="Calibri" pitchFamily="34" charset="0"/>
-                <a:cs typeface="Courier New" pitchFamily="49" charset="0"/>
-              </a:rPr>
-              <a:t>            AssemblyName name = new AssemblyName("Complex");</a:t>
-            </a:r>
-            <a:endParaRPr lang="be-BY" sz="900" dirty="0">
-              <a:solidFill>
-                <a:schemeClr val="bg1"/>
-              </a:solidFill>
-              <a:ea typeface="Calibri" pitchFamily="34" charset="0"/>
-              <a:cs typeface="Courier New" pitchFamily="49" charset="0"/>
-            </a:endParaRPr>
-          </a:p>
-          <a:p>
-            <a:pPr eaLnBrk="0" hangingPunct="0"/>
-            <a:r>
-              <a:rPr lang="be-BY" sz="1000" dirty="0">
-                <a:solidFill>
-                  <a:schemeClr val="bg1"/>
-                </a:solidFill>
-                <a:latin typeface="Courier New" pitchFamily="49" charset="0"/>
-                <a:ea typeface="Calibri" pitchFamily="34" charset="0"/>
-                <a:cs typeface="Courier New" pitchFamily="49" charset="0"/>
-              </a:rPr>
-              <a:t>            name.Version = new Version(1, 0, 0, 0);</a:t>
-            </a:r>
-            <a:endParaRPr lang="be-BY" sz="900" dirty="0">
-              <a:solidFill>
-                <a:schemeClr val="bg1"/>
-              </a:solidFill>
-              <a:ea typeface="Calibri" pitchFamily="34" charset="0"/>
-              <a:cs typeface="Courier New" pitchFamily="49" charset="0"/>
-            </a:endParaRPr>
-          </a:p>
-          <a:p>
-            <a:pPr eaLnBrk="0" hangingPunct="0"/>
-            <a:r>
-              <a:rPr lang="be-BY" sz="1000" dirty="0">
-                <a:solidFill>
-                  <a:schemeClr val="bg1"/>
-                </a:solidFill>
-                <a:latin typeface="Courier New" pitchFamily="49" charset="0"/>
-                <a:ea typeface="Calibri" pitchFamily="34" charset="0"/>
-                <a:cs typeface="Courier New" pitchFamily="49" charset="0"/>
-              </a:rPr>
-              <a:t>            Assembly asm;</a:t>
-            </a:r>
-            <a:endParaRPr lang="be-BY" sz="900" dirty="0">
-              <a:solidFill>
-                <a:schemeClr val="bg1"/>
-              </a:solidFill>
-              <a:ea typeface="Calibri" pitchFamily="34" charset="0"/>
-              <a:cs typeface="Courier New" pitchFamily="49" charset="0"/>
-            </a:endParaRPr>
-          </a:p>
-          <a:p>
-            <a:pPr eaLnBrk="0" hangingPunct="0"/>
-            <a:r>
-              <a:rPr lang="be-BY" sz="1000" dirty="0">
-                <a:solidFill>
-                  <a:schemeClr val="bg1"/>
-                </a:solidFill>
-                <a:latin typeface="Courier New" pitchFamily="49" charset="0"/>
-                <a:ea typeface="Calibri" pitchFamily="34" charset="0"/>
-                <a:cs typeface="Courier New" pitchFamily="49" charset="0"/>
-              </a:rPr>
-              <a:t>            try</a:t>
-            </a:r>
-            <a:endParaRPr lang="be-BY" sz="900" dirty="0">
-              <a:solidFill>
-                <a:schemeClr val="bg1"/>
-              </a:solidFill>
-              <a:ea typeface="Calibri" pitchFamily="34" charset="0"/>
-              <a:cs typeface="Courier New" pitchFamily="49" charset="0"/>
-            </a:endParaRPr>
-          </a:p>
-          <a:p>
-            <a:pPr eaLnBrk="0" hangingPunct="0"/>
-            <a:r>
-              <a:rPr lang="be-BY" sz="1000" dirty="0">
-                <a:solidFill>
-                  <a:schemeClr val="bg1"/>
-                </a:solidFill>
-                <a:latin typeface="Courier New" pitchFamily="49" charset="0"/>
-                <a:ea typeface="Calibri" pitchFamily="34" charset="0"/>
-                <a:cs typeface="Courier New" pitchFamily="49" charset="0"/>
-              </a:rPr>
-              <a:t>            {</a:t>
-            </a:r>
-            <a:endParaRPr lang="be-BY" sz="900" dirty="0">
-              <a:solidFill>
-                <a:schemeClr val="bg1"/>
-              </a:solidFill>
-              <a:ea typeface="Calibri" pitchFamily="34" charset="0"/>
-              <a:cs typeface="Courier New" pitchFamily="49" charset="0"/>
-            </a:endParaRPr>
-          </a:p>
-          <a:p>
-            <a:pPr eaLnBrk="0" hangingPunct="0"/>
-            <a:r>
-              <a:rPr lang="be-BY" sz="1000" dirty="0">
-                <a:solidFill>
-                  <a:schemeClr val="bg1"/>
-                </a:solidFill>
-                <a:latin typeface="Courier New" pitchFamily="49" charset="0"/>
-                <a:ea typeface="Calibri" pitchFamily="34" charset="0"/>
-                <a:cs typeface="Courier New" pitchFamily="49" charset="0"/>
-              </a:rPr>
-              <a:t>                asm = Assembly.Load(name);</a:t>
-            </a:r>
-            <a:endParaRPr lang="be-BY" sz="900" dirty="0">
-              <a:solidFill>
-                <a:schemeClr val="bg1"/>
-              </a:solidFill>
-              <a:ea typeface="Calibri" pitchFamily="34" charset="0"/>
-              <a:cs typeface="Courier New" pitchFamily="49" charset="0"/>
-            </a:endParaRPr>
-          </a:p>
-          <a:p>
-            <a:pPr eaLnBrk="0" hangingPunct="0"/>
-            <a:r>
-              <a:rPr lang="be-BY" sz="1000" dirty="0">
-                <a:solidFill>
-                  <a:schemeClr val="bg1"/>
-                </a:solidFill>
-                <a:latin typeface="Courier New" pitchFamily="49" charset="0"/>
-                <a:ea typeface="Calibri" pitchFamily="34" charset="0"/>
-                <a:cs typeface="Courier New" pitchFamily="49" charset="0"/>
-              </a:rPr>
-              <a:t>            }</a:t>
-            </a:r>
-            <a:endParaRPr lang="be-BY" sz="900" dirty="0">
-              <a:solidFill>
-                <a:schemeClr val="bg1"/>
-              </a:solidFill>
-              <a:ea typeface="Calibri" pitchFamily="34" charset="0"/>
-              <a:cs typeface="Courier New" pitchFamily="49" charset="0"/>
-            </a:endParaRPr>
-          </a:p>
-          <a:p>
-            <a:pPr eaLnBrk="0" hangingPunct="0"/>
-            <a:r>
-              <a:rPr lang="be-BY" sz="1000" dirty="0">
-                <a:solidFill>
-                  <a:schemeClr val="bg1"/>
-                </a:solidFill>
-                <a:latin typeface="Courier New" pitchFamily="49" charset="0"/>
-                <a:ea typeface="Calibri" pitchFamily="34" charset="0"/>
-                <a:cs typeface="Courier New" pitchFamily="49" charset="0"/>
-              </a:rPr>
-              <a:t>            catch (FileNotFoundException e)</a:t>
-            </a:r>
-            <a:endParaRPr lang="be-BY" sz="900" dirty="0">
-              <a:solidFill>
-                <a:schemeClr val="bg1"/>
-              </a:solidFill>
-              <a:ea typeface="Calibri" pitchFamily="34" charset="0"/>
-              <a:cs typeface="Courier New" pitchFamily="49" charset="0"/>
-            </a:endParaRPr>
-          </a:p>
-          <a:p>
-            <a:pPr eaLnBrk="0" hangingPunct="0"/>
-            <a:r>
-              <a:rPr lang="be-BY" sz="1000" dirty="0">
-                <a:solidFill>
-                  <a:schemeClr val="bg1"/>
-                </a:solidFill>
-                <a:latin typeface="Courier New" pitchFamily="49" charset="0"/>
-                <a:ea typeface="Calibri" pitchFamily="34" charset="0"/>
-                <a:cs typeface="Courier New" pitchFamily="49" charset="0"/>
-              </a:rPr>
-              <a:t>            {</a:t>
-            </a:r>
-            <a:endParaRPr lang="be-BY" sz="900" dirty="0">
-              <a:solidFill>
-                <a:schemeClr val="bg1"/>
-              </a:solidFill>
-              <a:ea typeface="Calibri" pitchFamily="34" charset="0"/>
-              <a:cs typeface="Courier New" pitchFamily="49" charset="0"/>
-            </a:endParaRPr>
-          </a:p>
-          <a:p>
-            <a:pPr eaLnBrk="0" hangingPunct="0"/>
-            <a:r>
-              <a:rPr lang="be-BY" sz="1000" dirty="0">
-                <a:solidFill>
-                  <a:schemeClr val="bg1"/>
-                </a:solidFill>
-                <a:latin typeface="Courier New" pitchFamily="49" charset="0"/>
-                <a:ea typeface="Calibri" pitchFamily="34" charset="0"/>
-                <a:cs typeface="Courier New" pitchFamily="49" charset="0"/>
-              </a:rPr>
-              <a:t>                Console.WriteLine(e.Message);</a:t>
-            </a:r>
-            <a:endParaRPr lang="be-BY" sz="900" dirty="0">
-              <a:solidFill>
-                <a:schemeClr val="bg1"/>
-              </a:solidFill>
-              <a:ea typeface="Calibri" pitchFamily="34" charset="0"/>
-              <a:cs typeface="Courier New" pitchFamily="49" charset="0"/>
-            </a:endParaRPr>
-          </a:p>
-          <a:p>
-            <a:pPr eaLnBrk="0" hangingPunct="0"/>
-            <a:r>
-              <a:rPr lang="be-BY" sz="1000" dirty="0">
-                <a:solidFill>
-                  <a:schemeClr val="bg1"/>
-                </a:solidFill>
-                <a:latin typeface="Courier New" pitchFamily="49" charset="0"/>
-                <a:ea typeface="Calibri" pitchFamily="34" charset="0"/>
-                <a:cs typeface="Courier New" pitchFamily="49" charset="0"/>
-              </a:rPr>
-              <a:t>                return;</a:t>
-            </a:r>
-            <a:endParaRPr lang="be-BY" sz="900" dirty="0">
-              <a:solidFill>
-                <a:schemeClr val="bg1"/>
-              </a:solidFill>
-              <a:ea typeface="Calibri" pitchFamily="34" charset="0"/>
-              <a:cs typeface="Courier New" pitchFamily="49" charset="0"/>
-            </a:endParaRPr>
-          </a:p>
-          <a:p>
-            <a:pPr eaLnBrk="0" hangingPunct="0"/>
-            <a:r>
-              <a:rPr lang="be-BY" sz="1000" dirty="0">
-                <a:solidFill>
-                  <a:schemeClr val="bg1"/>
-                </a:solidFill>
-                <a:latin typeface="Courier New" pitchFamily="49" charset="0"/>
-                <a:ea typeface="Calibri" pitchFamily="34" charset="0"/>
-                <a:cs typeface="Courier New" pitchFamily="49" charset="0"/>
-              </a:rPr>
-              <a:t>            }</a:t>
-            </a:r>
-            <a:endParaRPr lang="be-BY" sz="900" dirty="0">
-              <a:solidFill>
-                <a:schemeClr val="bg1"/>
-              </a:solidFill>
-              <a:ea typeface="Calibri" pitchFamily="34" charset="0"/>
-              <a:cs typeface="Courier New" pitchFamily="49" charset="0"/>
-            </a:endParaRPr>
-          </a:p>
-          <a:p>
-            <a:pPr eaLnBrk="0" hangingPunct="0"/>
-            <a:r>
-              <a:rPr lang="be-BY" sz="1000" dirty="0">
-                <a:solidFill>
-                  <a:schemeClr val="bg1"/>
-                </a:solidFill>
-                <a:latin typeface="Courier New" pitchFamily="49" charset="0"/>
-                <a:ea typeface="Calibri" pitchFamily="34" charset="0"/>
-                <a:cs typeface="Courier New" pitchFamily="49" charset="0"/>
-              </a:rPr>
-              <a:t>            Type complex = asm.GetType("ComplexNumbers.Complex");</a:t>
-            </a:r>
-            <a:endParaRPr lang="be-BY" sz="900" dirty="0">
-              <a:solidFill>
-                <a:schemeClr val="bg1"/>
-              </a:solidFill>
-              <a:ea typeface="Calibri" pitchFamily="34" charset="0"/>
-              <a:cs typeface="Courier New" pitchFamily="49" charset="0"/>
-            </a:endParaRPr>
-          </a:p>
-          <a:p>
-            <a:pPr eaLnBrk="0" hangingPunct="0"/>
-            <a:r>
-              <a:rPr lang="be-BY" sz="1000" dirty="0">
-                <a:solidFill>
-                  <a:schemeClr val="bg1"/>
-                </a:solidFill>
-                <a:latin typeface="Courier New" pitchFamily="49" charset="0"/>
-                <a:ea typeface="Calibri" pitchFamily="34" charset="0"/>
-                <a:cs typeface="Courier New" pitchFamily="49" charset="0"/>
-              </a:rPr>
-              <a:t>            object obj = Activator.CreateInstance(complex, 10, 35);</a:t>
-            </a:r>
-            <a:endParaRPr lang="be-BY" sz="900" dirty="0">
-              <a:solidFill>
-                <a:schemeClr val="bg1"/>
-              </a:solidFill>
-              <a:ea typeface="Calibri" pitchFamily="34" charset="0"/>
-              <a:cs typeface="Courier New" pitchFamily="49" charset="0"/>
-            </a:endParaRPr>
-          </a:p>
-          <a:p>
-            <a:pPr eaLnBrk="0" hangingPunct="0"/>
-            <a:r>
-              <a:rPr lang="be-BY" sz="1000" dirty="0">
-                <a:solidFill>
-                  <a:schemeClr val="bg1"/>
-                </a:solidFill>
-                <a:latin typeface="Courier New" pitchFamily="49" charset="0"/>
-                <a:ea typeface="Calibri" pitchFamily="34" charset="0"/>
-                <a:cs typeface="Courier New" pitchFamily="49" charset="0"/>
-              </a:rPr>
-              <a:t>            MethodInfo mi = complex.GetMethod("Abs");   //Получаем информацию о методе Abs </a:t>
-            </a:r>
-            <a:endParaRPr lang="be-BY" sz="900" dirty="0">
-              <a:solidFill>
-                <a:schemeClr val="bg1"/>
-              </a:solidFill>
-              <a:ea typeface="Calibri" pitchFamily="34" charset="0"/>
-              <a:cs typeface="Courier New" pitchFamily="49" charset="0"/>
-            </a:endParaRPr>
-          </a:p>
-          <a:p>
-            <a:pPr eaLnBrk="0" hangingPunct="0"/>
-            <a:r>
-              <a:rPr lang="be-BY" sz="1000" dirty="0">
-                <a:solidFill>
-                  <a:schemeClr val="bg1"/>
-                </a:solidFill>
-                <a:latin typeface="Courier New" pitchFamily="49" charset="0"/>
-                <a:ea typeface="Calibri" pitchFamily="34" charset="0"/>
-                <a:cs typeface="Courier New" pitchFamily="49" charset="0"/>
-              </a:rPr>
-              <a:t>            Console.WriteLine(mi.Invoke(obj, null));    //Вызываем метод</a:t>
-            </a:r>
-            <a:endParaRPr lang="be-BY" sz="900" dirty="0">
-              <a:solidFill>
-                <a:schemeClr val="bg1"/>
-              </a:solidFill>
-              <a:ea typeface="Calibri" pitchFamily="34" charset="0"/>
-              <a:cs typeface="Courier New" pitchFamily="49" charset="0"/>
-            </a:endParaRPr>
-          </a:p>
-          <a:p>
-            <a:pPr eaLnBrk="0" hangingPunct="0"/>
-            <a:r>
-              <a:rPr lang="be-BY" sz="1000" dirty="0">
-                <a:solidFill>
-                  <a:schemeClr val="bg1"/>
-                </a:solidFill>
-                <a:latin typeface="Courier New" pitchFamily="49" charset="0"/>
-                <a:ea typeface="Calibri" pitchFamily="34" charset="0"/>
-                <a:cs typeface="Courier New" pitchFamily="49" charset="0"/>
-              </a:rPr>
-              <a:t>        }</a:t>
-            </a:r>
-            <a:endParaRPr lang="be-BY" sz="900" dirty="0">
-              <a:solidFill>
-                <a:schemeClr val="bg1"/>
-              </a:solidFill>
-              <a:ea typeface="Calibri" pitchFamily="34" charset="0"/>
-              <a:cs typeface="Courier New" pitchFamily="49" charset="0"/>
-            </a:endParaRPr>
-          </a:p>
-          <a:p>
-            <a:pPr eaLnBrk="0" hangingPunct="0"/>
-            <a:r>
-              <a:rPr lang="be-BY" sz="1000" dirty="0">
-                <a:solidFill>
-                  <a:schemeClr val="bg1"/>
-                </a:solidFill>
-                <a:latin typeface="Courier New" pitchFamily="49" charset="0"/>
-                <a:ea typeface="Calibri" pitchFamily="34" charset="0"/>
-                <a:cs typeface="Courier New" pitchFamily="49" charset="0"/>
-              </a:rPr>
-              <a:t>    }</a:t>
-            </a:r>
-            <a:endParaRPr lang="be-BY" dirty="0">
-              <a:solidFill>
-                <a:schemeClr val="bg1"/>
-              </a:solidFill>
-              <a:ea typeface="Calibri" pitchFamily="34" charset="0"/>
-              <a:cs typeface="Courier New" pitchFamily="49" charset="0"/>
-            </a:endParaRPr>
-          </a:p>
-        </p:txBody>
-      </p:sp>
-    </p:spTree>
-    <p:extLst>
-      <p:ext uri="{BB962C8B-B14F-4D97-AF65-F5344CB8AC3E}">
-        <p14:creationId xmlns:p14="http://schemas.microsoft.com/office/powerpoint/2010/main" val="2652139991"/>
       </p:ext>
     </p:extLst>
   </p:cSld>
@@ -21901,6 +21371,660 @@
       </p:grpSpPr>
       <p:sp>
         <p:nvSpPr>
+          <p:cNvPr id="9218" name="Rectangle 3"/>
+          <p:cNvSpPr>
+            <a:spLocks noChangeArrowheads="1"/>
+          </p:cNvSpPr>
+          <p:nvPr/>
+        </p:nvSpPr>
+        <p:spPr bwMode="auto">
+          <a:xfrm>
+            <a:off x="152400" y="-4763"/>
+            <a:ext cx="8763000" cy="461963"/>
+          </a:xfrm>
+          <a:prstGeom prst="rect">
+            <a:avLst/>
+          </a:prstGeom>
+          <a:noFill/>
+          <a:ln>
+            <a:noFill/>
+          </a:ln>
+          <a:extLst>
+            <a:ext uri="{909E8E84-426E-40DD-AFC4-6F175D3DCCD1}">
+              <a14:hiddenFill xmlns:a14="http://schemas.microsoft.com/office/drawing/2010/main">
+                <a:solidFill>
+                  <a:srgbClr val="FFFFFF"/>
+                </a:solidFill>
+              </a14:hiddenFill>
+            </a:ext>
+            <a:ext uri="{91240B29-F687-4F45-9708-019B960494DF}">
+              <a14:hiddenLine xmlns:a14="http://schemas.microsoft.com/office/drawing/2010/main" w="9525">
+                <a:solidFill>
+                  <a:srgbClr val="000000"/>
+                </a:solidFill>
+                <a:miter lim="800000"/>
+                <a:headEnd/>
+                <a:tailEnd/>
+              </a14:hiddenLine>
+            </a:ext>
+          </a:extLst>
+        </p:spPr>
+        <p:txBody>
+          <a:bodyPr anchor="ctr">
+            <a:spAutoFit/>
+          </a:bodyPr>
+          <a:lstStyle/>
+          <a:p>
+            <a:pPr algn="ctr"/>
+            <a:r>
+              <a:rPr lang="ru-RU" sz="2400" b="1"/>
+              <a:t>Пространство </a:t>
+            </a:r>
+            <a:r>
+              <a:rPr lang="en-US" sz="2400" b="1"/>
+              <a:t>System.Reflection.</a:t>
+            </a:r>
+          </a:p>
+        </p:txBody>
+      </p:sp>
+      <p:sp>
+        <p:nvSpPr>
+          <p:cNvPr id="9219" name="Rectangle 3"/>
+          <p:cNvSpPr>
+            <a:spLocks noChangeArrowheads="1"/>
+          </p:cNvSpPr>
+          <p:nvPr/>
+        </p:nvSpPr>
+        <p:spPr bwMode="auto">
+          <a:xfrm>
+            <a:off x="152400" y="581025"/>
+            <a:ext cx="8839200" cy="336550"/>
+          </a:xfrm>
+          <a:prstGeom prst="rect">
+            <a:avLst/>
+          </a:prstGeom>
+          <a:noFill/>
+          <a:ln>
+            <a:noFill/>
+          </a:ln>
+          <a:extLst>
+            <a:ext uri="{909E8E84-426E-40DD-AFC4-6F175D3DCCD1}">
+              <a14:hiddenFill xmlns:a14="http://schemas.microsoft.com/office/drawing/2010/main">
+                <a:solidFill>
+                  <a:srgbClr val="FFFFFF"/>
+                </a:solidFill>
+              </a14:hiddenFill>
+            </a:ext>
+            <a:ext uri="{91240B29-F687-4F45-9708-019B960494DF}">
+              <a14:hiddenLine xmlns:a14="http://schemas.microsoft.com/office/drawing/2010/main" w="9525">
+                <a:solidFill>
+                  <a:srgbClr val="000000"/>
+                </a:solidFill>
+                <a:miter lim="800000"/>
+                <a:headEnd/>
+                <a:tailEnd/>
+              </a14:hiddenLine>
+            </a:ext>
+          </a:extLst>
+        </p:spPr>
+        <p:txBody>
+          <a:bodyPr anchor="ctr">
+            <a:spAutoFit/>
+          </a:bodyPr>
+          <a:lstStyle/>
+          <a:p>
+            <a:r>
+              <a:rPr lang="ru-RU" sz="1600"/>
+              <a:t>	Используя класс </a:t>
+            </a:r>
+            <a:r>
+              <a:rPr lang="en-US" sz="1600"/>
+              <a:t>Activator</a:t>
+            </a:r>
+            <a:r>
+              <a:rPr lang="ru-RU" sz="1600"/>
+              <a:t> можно создать объект нудного класса.</a:t>
+            </a:r>
+          </a:p>
+        </p:txBody>
+      </p:sp>
+      <p:sp>
+        <p:nvSpPr>
+          <p:cNvPr id="22538" name="Rectangle 10"/>
+          <p:cNvSpPr>
+            <a:spLocks noChangeArrowheads="1"/>
+          </p:cNvSpPr>
+          <p:nvPr/>
+        </p:nvSpPr>
+        <p:spPr bwMode="auto">
+          <a:xfrm>
+            <a:off x="152400" y="990600"/>
+            <a:ext cx="8839200" cy="3478213"/>
+          </a:xfrm>
+          <a:prstGeom prst="rect">
+            <a:avLst/>
+          </a:prstGeom>
+          <a:noFill/>
+          <a:ln w="9525">
+            <a:solidFill>
+              <a:schemeClr val="bg1">
+                <a:lumMod val="65000"/>
+              </a:schemeClr>
+            </a:solidFill>
+            <a:miter lim="800000"/>
+            <a:headEnd/>
+            <a:tailEnd/>
+          </a:ln>
+          <a:effectLst/>
+        </p:spPr>
+        <p:txBody>
+          <a:bodyPr anchor="ctr">
+            <a:spAutoFit/>
+          </a:bodyPr>
+          <a:lstStyle/>
+          <a:p>
+            <a:pPr eaLnBrk="0" hangingPunct="0"/>
+            <a:r>
+              <a:rPr lang="be-BY" sz="1000" dirty="0">
+                <a:solidFill>
+                  <a:schemeClr val="bg1"/>
+                </a:solidFill>
+                <a:latin typeface="Courier New" pitchFamily="49" charset="0"/>
+                <a:ea typeface="Calibri" pitchFamily="34" charset="0"/>
+                <a:cs typeface="Courier New" pitchFamily="49" charset="0"/>
+              </a:rPr>
+              <a:t>    class Program</a:t>
+            </a:r>
+            <a:endParaRPr lang="be-BY" sz="900" dirty="0">
+              <a:solidFill>
+                <a:schemeClr val="bg1"/>
+              </a:solidFill>
+              <a:ea typeface="Calibri" pitchFamily="34" charset="0"/>
+              <a:cs typeface="Courier New" pitchFamily="49" charset="0"/>
+            </a:endParaRPr>
+          </a:p>
+          <a:p>
+            <a:pPr eaLnBrk="0" hangingPunct="0"/>
+            <a:r>
+              <a:rPr lang="be-BY" sz="1000" dirty="0">
+                <a:solidFill>
+                  <a:schemeClr val="bg1"/>
+                </a:solidFill>
+                <a:latin typeface="Courier New" pitchFamily="49" charset="0"/>
+                <a:ea typeface="Calibri" pitchFamily="34" charset="0"/>
+                <a:cs typeface="Courier New" pitchFamily="49" charset="0"/>
+              </a:rPr>
+              <a:t>    {</a:t>
+            </a:r>
+            <a:endParaRPr lang="be-BY" sz="900" dirty="0">
+              <a:solidFill>
+                <a:schemeClr val="bg1"/>
+              </a:solidFill>
+              <a:ea typeface="Calibri" pitchFamily="34" charset="0"/>
+              <a:cs typeface="Courier New" pitchFamily="49" charset="0"/>
+            </a:endParaRPr>
+          </a:p>
+          <a:p>
+            <a:pPr eaLnBrk="0" hangingPunct="0"/>
+            <a:r>
+              <a:rPr lang="be-BY" sz="1000" dirty="0">
+                <a:solidFill>
+                  <a:schemeClr val="bg1"/>
+                </a:solidFill>
+                <a:latin typeface="Courier New" pitchFamily="49" charset="0"/>
+                <a:ea typeface="Calibri" pitchFamily="34" charset="0"/>
+                <a:cs typeface="Courier New" pitchFamily="49" charset="0"/>
+              </a:rPr>
+              <a:t>        static void Main(string[] args)</a:t>
+            </a:r>
+            <a:endParaRPr lang="be-BY" sz="900" dirty="0">
+              <a:solidFill>
+                <a:schemeClr val="bg1"/>
+              </a:solidFill>
+              <a:ea typeface="Calibri" pitchFamily="34" charset="0"/>
+              <a:cs typeface="Courier New" pitchFamily="49" charset="0"/>
+            </a:endParaRPr>
+          </a:p>
+          <a:p>
+            <a:pPr eaLnBrk="0" hangingPunct="0"/>
+            <a:r>
+              <a:rPr lang="be-BY" sz="1000" dirty="0">
+                <a:solidFill>
+                  <a:schemeClr val="bg1"/>
+                </a:solidFill>
+                <a:latin typeface="Courier New" pitchFamily="49" charset="0"/>
+                <a:ea typeface="Calibri" pitchFamily="34" charset="0"/>
+                <a:cs typeface="Courier New" pitchFamily="49" charset="0"/>
+              </a:rPr>
+              <a:t>        {</a:t>
+            </a:r>
+            <a:endParaRPr lang="be-BY" sz="900" dirty="0">
+              <a:solidFill>
+                <a:schemeClr val="bg1"/>
+              </a:solidFill>
+              <a:ea typeface="Calibri" pitchFamily="34" charset="0"/>
+              <a:cs typeface="Courier New" pitchFamily="49" charset="0"/>
+            </a:endParaRPr>
+          </a:p>
+          <a:p>
+            <a:pPr eaLnBrk="0" hangingPunct="0"/>
+            <a:r>
+              <a:rPr lang="be-BY" sz="1000" dirty="0">
+                <a:solidFill>
+                  <a:schemeClr val="bg1"/>
+                </a:solidFill>
+                <a:latin typeface="Courier New" pitchFamily="49" charset="0"/>
+                <a:ea typeface="Calibri" pitchFamily="34" charset="0"/>
+                <a:cs typeface="Courier New" pitchFamily="49" charset="0"/>
+              </a:rPr>
+              <a:t>            AssemblyName name = new AssemblyName("Complex");</a:t>
+            </a:r>
+            <a:endParaRPr lang="be-BY" sz="900" dirty="0">
+              <a:solidFill>
+                <a:schemeClr val="bg1"/>
+              </a:solidFill>
+              <a:ea typeface="Calibri" pitchFamily="34" charset="0"/>
+              <a:cs typeface="Courier New" pitchFamily="49" charset="0"/>
+            </a:endParaRPr>
+          </a:p>
+          <a:p>
+            <a:pPr eaLnBrk="0" hangingPunct="0"/>
+            <a:r>
+              <a:rPr lang="be-BY" sz="1000" dirty="0">
+                <a:solidFill>
+                  <a:schemeClr val="bg1"/>
+                </a:solidFill>
+                <a:latin typeface="Courier New" pitchFamily="49" charset="0"/>
+                <a:ea typeface="Calibri" pitchFamily="34" charset="0"/>
+                <a:cs typeface="Courier New" pitchFamily="49" charset="0"/>
+              </a:rPr>
+              <a:t>            name.Version = new Version(1, 0, 0, 0);</a:t>
+            </a:r>
+            <a:endParaRPr lang="be-BY" sz="900" dirty="0">
+              <a:solidFill>
+                <a:schemeClr val="bg1"/>
+              </a:solidFill>
+              <a:ea typeface="Calibri" pitchFamily="34" charset="0"/>
+              <a:cs typeface="Courier New" pitchFamily="49" charset="0"/>
+            </a:endParaRPr>
+          </a:p>
+          <a:p>
+            <a:pPr eaLnBrk="0" hangingPunct="0"/>
+            <a:r>
+              <a:rPr lang="be-BY" sz="1000" dirty="0">
+                <a:solidFill>
+                  <a:schemeClr val="bg1"/>
+                </a:solidFill>
+                <a:latin typeface="Courier New" pitchFamily="49" charset="0"/>
+                <a:ea typeface="Calibri" pitchFamily="34" charset="0"/>
+                <a:cs typeface="Courier New" pitchFamily="49" charset="0"/>
+              </a:rPr>
+              <a:t>            Assembly asm;</a:t>
+            </a:r>
+            <a:endParaRPr lang="be-BY" sz="900" dirty="0">
+              <a:solidFill>
+                <a:schemeClr val="bg1"/>
+              </a:solidFill>
+              <a:ea typeface="Calibri" pitchFamily="34" charset="0"/>
+              <a:cs typeface="Courier New" pitchFamily="49" charset="0"/>
+            </a:endParaRPr>
+          </a:p>
+          <a:p>
+            <a:pPr eaLnBrk="0" hangingPunct="0"/>
+            <a:r>
+              <a:rPr lang="be-BY" sz="1000" dirty="0">
+                <a:solidFill>
+                  <a:schemeClr val="bg1"/>
+                </a:solidFill>
+                <a:latin typeface="Courier New" pitchFamily="49" charset="0"/>
+                <a:ea typeface="Calibri" pitchFamily="34" charset="0"/>
+                <a:cs typeface="Courier New" pitchFamily="49" charset="0"/>
+              </a:rPr>
+              <a:t>            try</a:t>
+            </a:r>
+            <a:endParaRPr lang="be-BY" sz="900" dirty="0">
+              <a:solidFill>
+                <a:schemeClr val="bg1"/>
+              </a:solidFill>
+              <a:ea typeface="Calibri" pitchFamily="34" charset="0"/>
+              <a:cs typeface="Courier New" pitchFamily="49" charset="0"/>
+            </a:endParaRPr>
+          </a:p>
+          <a:p>
+            <a:pPr eaLnBrk="0" hangingPunct="0"/>
+            <a:r>
+              <a:rPr lang="be-BY" sz="1000" dirty="0">
+                <a:solidFill>
+                  <a:schemeClr val="bg1"/>
+                </a:solidFill>
+                <a:latin typeface="Courier New" pitchFamily="49" charset="0"/>
+                <a:ea typeface="Calibri" pitchFamily="34" charset="0"/>
+                <a:cs typeface="Courier New" pitchFamily="49" charset="0"/>
+              </a:rPr>
+              <a:t>            {</a:t>
+            </a:r>
+            <a:endParaRPr lang="be-BY" sz="900" dirty="0">
+              <a:solidFill>
+                <a:schemeClr val="bg1"/>
+              </a:solidFill>
+              <a:ea typeface="Calibri" pitchFamily="34" charset="0"/>
+              <a:cs typeface="Courier New" pitchFamily="49" charset="0"/>
+            </a:endParaRPr>
+          </a:p>
+          <a:p>
+            <a:pPr eaLnBrk="0" hangingPunct="0"/>
+            <a:r>
+              <a:rPr lang="be-BY" sz="1000" dirty="0">
+                <a:solidFill>
+                  <a:schemeClr val="bg1"/>
+                </a:solidFill>
+                <a:latin typeface="Courier New" pitchFamily="49" charset="0"/>
+                <a:ea typeface="Calibri" pitchFamily="34" charset="0"/>
+                <a:cs typeface="Courier New" pitchFamily="49" charset="0"/>
+              </a:rPr>
+              <a:t>                asm = Assembly.Load(name);</a:t>
+            </a:r>
+            <a:endParaRPr lang="be-BY" sz="900" dirty="0">
+              <a:solidFill>
+                <a:schemeClr val="bg1"/>
+              </a:solidFill>
+              <a:ea typeface="Calibri" pitchFamily="34" charset="0"/>
+              <a:cs typeface="Courier New" pitchFamily="49" charset="0"/>
+            </a:endParaRPr>
+          </a:p>
+          <a:p>
+            <a:pPr eaLnBrk="0" hangingPunct="0"/>
+            <a:r>
+              <a:rPr lang="be-BY" sz="1000" dirty="0">
+                <a:solidFill>
+                  <a:schemeClr val="bg1"/>
+                </a:solidFill>
+                <a:latin typeface="Courier New" pitchFamily="49" charset="0"/>
+                <a:ea typeface="Calibri" pitchFamily="34" charset="0"/>
+                <a:cs typeface="Courier New" pitchFamily="49" charset="0"/>
+              </a:rPr>
+              <a:t>            }</a:t>
+            </a:r>
+            <a:endParaRPr lang="be-BY" sz="900" dirty="0">
+              <a:solidFill>
+                <a:schemeClr val="bg1"/>
+              </a:solidFill>
+              <a:ea typeface="Calibri" pitchFamily="34" charset="0"/>
+              <a:cs typeface="Courier New" pitchFamily="49" charset="0"/>
+            </a:endParaRPr>
+          </a:p>
+          <a:p>
+            <a:pPr eaLnBrk="0" hangingPunct="0"/>
+            <a:r>
+              <a:rPr lang="be-BY" sz="1000" dirty="0">
+                <a:solidFill>
+                  <a:schemeClr val="bg1"/>
+                </a:solidFill>
+                <a:latin typeface="Courier New" pitchFamily="49" charset="0"/>
+                <a:ea typeface="Calibri" pitchFamily="34" charset="0"/>
+                <a:cs typeface="Courier New" pitchFamily="49" charset="0"/>
+              </a:rPr>
+              <a:t>            catch (FileNotFoundException e)</a:t>
+            </a:r>
+            <a:endParaRPr lang="be-BY" sz="900" dirty="0">
+              <a:solidFill>
+                <a:schemeClr val="bg1"/>
+              </a:solidFill>
+              <a:ea typeface="Calibri" pitchFamily="34" charset="0"/>
+              <a:cs typeface="Courier New" pitchFamily="49" charset="0"/>
+            </a:endParaRPr>
+          </a:p>
+          <a:p>
+            <a:pPr eaLnBrk="0" hangingPunct="0"/>
+            <a:r>
+              <a:rPr lang="be-BY" sz="1000" dirty="0">
+                <a:solidFill>
+                  <a:schemeClr val="bg1"/>
+                </a:solidFill>
+                <a:latin typeface="Courier New" pitchFamily="49" charset="0"/>
+                <a:ea typeface="Calibri" pitchFamily="34" charset="0"/>
+                <a:cs typeface="Courier New" pitchFamily="49" charset="0"/>
+              </a:rPr>
+              <a:t>            {</a:t>
+            </a:r>
+            <a:endParaRPr lang="be-BY" sz="900" dirty="0">
+              <a:solidFill>
+                <a:schemeClr val="bg1"/>
+              </a:solidFill>
+              <a:ea typeface="Calibri" pitchFamily="34" charset="0"/>
+              <a:cs typeface="Courier New" pitchFamily="49" charset="0"/>
+            </a:endParaRPr>
+          </a:p>
+          <a:p>
+            <a:pPr eaLnBrk="0" hangingPunct="0"/>
+            <a:r>
+              <a:rPr lang="be-BY" sz="1000" dirty="0">
+                <a:solidFill>
+                  <a:schemeClr val="bg1"/>
+                </a:solidFill>
+                <a:latin typeface="Courier New" pitchFamily="49" charset="0"/>
+                <a:ea typeface="Calibri" pitchFamily="34" charset="0"/>
+                <a:cs typeface="Courier New" pitchFamily="49" charset="0"/>
+              </a:rPr>
+              <a:t>                Console.WriteLine(e.Message);</a:t>
+            </a:r>
+            <a:endParaRPr lang="be-BY" sz="900" dirty="0">
+              <a:solidFill>
+                <a:schemeClr val="bg1"/>
+              </a:solidFill>
+              <a:ea typeface="Calibri" pitchFamily="34" charset="0"/>
+              <a:cs typeface="Courier New" pitchFamily="49" charset="0"/>
+            </a:endParaRPr>
+          </a:p>
+          <a:p>
+            <a:pPr eaLnBrk="0" hangingPunct="0"/>
+            <a:r>
+              <a:rPr lang="be-BY" sz="1000" dirty="0">
+                <a:solidFill>
+                  <a:schemeClr val="bg1"/>
+                </a:solidFill>
+                <a:latin typeface="Courier New" pitchFamily="49" charset="0"/>
+                <a:ea typeface="Calibri" pitchFamily="34" charset="0"/>
+                <a:cs typeface="Courier New" pitchFamily="49" charset="0"/>
+              </a:rPr>
+              <a:t>                return;</a:t>
+            </a:r>
+            <a:endParaRPr lang="be-BY" sz="900" dirty="0">
+              <a:solidFill>
+                <a:schemeClr val="bg1"/>
+              </a:solidFill>
+              <a:ea typeface="Calibri" pitchFamily="34" charset="0"/>
+              <a:cs typeface="Courier New" pitchFamily="49" charset="0"/>
+            </a:endParaRPr>
+          </a:p>
+          <a:p>
+            <a:pPr eaLnBrk="0" hangingPunct="0"/>
+            <a:r>
+              <a:rPr lang="be-BY" sz="1000" dirty="0">
+                <a:solidFill>
+                  <a:schemeClr val="bg1"/>
+                </a:solidFill>
+                <a:latin typeface="Courier New" pitchFamily="49" charset="0"/>
+                <a:ea typeface="Calibri" pitchFamily="34" charset="0"/>
+                <a:cs typeface="Courier New" pitchFamily="49" charset="0"/>
+              </a:rPr>
+              <a:t>            }</a:t>
+            </a:r>
+            <a:endParaRPr lang="be-BY" sz="900" dirty="0">
+              <a:solidFill>
+                <a:schemeClr val="bg1"/>
+              </a:solidFill>
+              <a:ea typeface="Calibri" pitchFamily="34" charset="0"/>
+              <a:cs typeface="Courier New" pitchFamily="49" charset="0"/>
+            </a:endParaRPr>
+          </a:p>
+          <a:p>
+            <a:pPr eaLnBrk="0" hangingPunct="0"/>
+            <a:r>
+              <a:rPr lang="be-BY" sz="1000" dirty="0">
+                <a:solidFill>
+                  <a:schemeClr val="bg1"/>
+                </a:solidFill>
+                <a:latin typeface="Courier New" pitchFamily="49" charset="0"/>
+                <a:ea typeface="Calibri" pitchFamily="34" charset="0"/>
+                <a:cs typeface="Courier New" pitchFamily="49" charset="0"/>
+              </a:rPr>
+              <a:t>            Type complex = asm.GetType("ComplexNumbers.Complex");</a:t>
+            </a:r>
+            <a:endParaRPr lang="be-BY" sz="900" dirty="0">
+              <a:solidFill>
+                <a:schemeClr val="bg1"/>
+              </a:solidFill>
+              <a:ea typeface="Calibri" pitchFamily="34" charset="0"/>
+              <a:cs typeface="Courier New" pitchFamily="49" charset="0"/>
+            </a:endParaRPr>
+          </a:p>
+          <a:p>
+            <a:pPr eaLnBrk="0" hangingPunct="0"/>
+            <a:r>
+              <a:rPr lang="be-BY" sz="1000" dirty="0">
+                <a:solidFill>
+                  <a:schemeClr val="bg1"/>
+                </a:solidFill>
+                <a:latin typeface="Courier New" pitchFamily="49" charset="0"/>
+                <a:ea typeface="Calibri" pitchFamily="34" charset="0"/>
+                <a:cs typeface="Courier New" pitchFamily="49" charset="0"/>
+              </a:rPr>
+              <a:t>            object obj = Activator.CreateInstance(complex, 10, 35);</a:t>
+            </a:r>
+            <a:endParaRPr lang="be-BY" sz="900" dirty="0">
+              <a:solidFill>
+                <a:schemeClr val="bg1"/>
+              </a:solidFill>
+              <a:ea typeface="Calibri" pitchFamily="34" charset="0"/>
+              <a:cs typeface="Courier New" pitchFamily="49" charset="0"/>
+            </a:endParaRPr>
+          </a:p>
+          <a:p>
+            <a:pPr eaLnBrk="0" hangingPunct="0"/>
+            <a:r>
+              <a:rPr lang="be-BY" sz="1000" dirty="0">
+                <a:solidFill>
+                  <a:schemeClr val="bg1"/>
+                </a:solidFill>
+                <a:latin typeface="Courier New" pitchFamily="49" charset="0"/>
+                <a:ea typeface="Calibri" pitchFamily="34" charset="0"/>
+                <a:cs typeface="Courier New" pitchFamily="49" charset="0"/>
+              </a:rPr>
+              <a:t>            MethodInfo mi = complex.GetMethod("Abs");   //Получаем информацию о методе Abs </a:t>
+            </a:r>
+            <a:endParaRPr lang="be-BY" sz="900" dirty="0">
+              <a:solidFill>
+                <a:schemeClr val="bg1"/>
+              </a:solidFill>
+              <a:ea typeface="Calibri" pitchFamily="34" charset="0"/>
+              <a:cs typeface="Courier New" pitchFamily="49" charset="0"/>
+            </a:endParaRPr>
+          </a:p>
+          <a:p>
+            <a:pPr eaLnBrk="0" hangingPunct="0"/>
+            <a:r>
+              <a:rPr lang="be-BY" sz="1000" dirty="0">
+                <a:solidFill>
+                  <a:schemeClr val="bg1"/>
+                </a:solidFill>
+                <a:latin typeface="Courier New" pitchFamily="49" charset="0"/>
+                <a:ea typeface="Calibri" pitchFamily="34" charset="0"/>
+                <a:cs typeface="Courier New" pitchFamily="49" charset="0"/>
+              </a:rPr>
+              <a:t>            Console.WriteLine(mi.Invoke(obj, null));    //Вызываем метод</a:t>
+            </a:r>
+            <a:endParaRPr lang="be-BY" sz="900" dirty="0">
+              <a:solidFill>
+                <a:schemeClr val="bg1"/>
+              </a:solidFill>
+              <a:ea typeface="Calibri" pitchFamily="34" charset="0"/>
+              <a:cs typeface="Courier New" pitchFamily="49" charset="0"/>
+            </a:endParaRPr>
+          </a:p>
+          <a:p>
+            <a:pPr eaLnBrk="0" hangingPunct="0"/>
+            <a:r>
+              <a:rPr lang="be-BY" sz="1000" dirty="0">
+                <a:solidFill>
+                  <a:schemeClr val="bg1"/>
+                </a:solidFill>
+                <a:latin typeface="Courier New" pitchFamily="49" charset="0"/>
+                <a:ea typeface="Calibri" pitchFamily="34" charset="0"/>
+                <a:cs typeface="Courier New" pitchFamily="49" charset="0"/>
+              </a:rPr>
+              <a:t>        }</a:t>
+            </a:r>
+            <a:endParaRPr lang="be-BY" sz="900" dirty="0">
+              <a:solidFill>
+                <a:schemeClr val="bg1"/>
+              </a:solidFill>
+              <a:ea typeface="Calibri" pitchFamily="34" charset="0"/>
+              <a:cs typeface="Courier New" pitchFamily="49" charset="0"/>
+            </a:endParaRPr>
+          </a:p>
+          <a:p>
+            <a:pPr eaLnBrk="0" hangingPunct="0"/>
+            <a:r>
+              <a:rPr lang="be-BY" sz="1000" dirty="0">
+                <a:solidFill>
+                  <a:schemeClr val="bg1"/>
+                </a:solidFill>
+                <a:latin typeface="Courier New" pitchFamily="49" charset="0"/>
+                <a:ea typeface="Calibri" pitchFamily="34" charset="0"/>
+                <a:cs typeface="Courier New" pitchFamily="49" charset="0"/>
+              </a:rPr>
+              <a:t>    }</a:t>
+            </a:r>
+            <a:endParaRPr lang="be-BY" dirty="0">
+              <a:solidFill>
+                <a:schemeClr val="bg1"/>
+              </a:solidFill>
+              <a:ea typeface="Calibri" pitchFamily="34" charset="0"/>
+              <a:cs typeface="Courier New" pitchFamily="49" charset="0"/>
+            </a:endParaRPr>
+          </a:p>
+        </p:txBody>
+      </p:sp>
+    </p:spTree>
+    <p:extLst>
+      <p:ext uri="{BB962C8B-B14F-4D97-AF65-F5344CB8AC3E}">
+        <p14:creationId xmlns:p14="http://schemas.microsoft.com/office/powerpoint/2010/main" val="2652139991"/>
+      </p:ext>
+    </p:extLst>
+  </p:cSld>
+  <p:clrMapOvr>
+    <a:masterClrMapping/>
+  </p:clrMapOvr>
+  <p:timing>
+    <p:tnLst>
+      <p:par>
+        <p:cTn id="1" dur="indefinite" restart="never" nodeType="tmRoot"/>
+      </p:par>
+    </p:tnLst>
+  </p:timing>
+</p:sld>
+</file>
+
+<file path=ppt/slides/slide51.xml><?xml version="1.0" encoding="utf-8"?>
+<p:sld xmlns:a="http://schemas.openxmlformats.org/drawingml/2006/main" xmlns:r="http://schemas.openxmlformats.org/officeDocument/2006/relationships" xmlns:p="http://schemas.openxmlformats.org/presentationml/2006/main">
+  <p:cSld>
+    <p:spTree>
+      <p:nvGrpSpPr>
+        <p:cNvPr id="1" name=""/>
+        <p:cNvGrpSpPr/>
+        <p:nvPr/>
+      </p:nvGrpSpPr>
+      <p:grpSpPr>
+        <a:xfrm>
+          <a:off x="0" y="0"/>
+          <a:ext cx="0" cy="0"/>
+          <a:chOff x="0" y="0"/>
+          <a:chExt cx="0" cy="0"/>
+        </a:xfrm>
+      </p:grpSpPr>
+      <p:sp>
+        <p:nvSpPr>
           <p:cNvPr id="15362" name="Rectangle 3"/>
           <p:cNvSpPr>
             <a:spLocks noChangeArrowheads="1"/>

--- a/Presentation/lesson-07-reflection.pptx
+++ b/Presentation/lesson-07-reflection.pptx
@@ -6,7 +6,7 @@
     <p:sldMasterId id="2147483663" r:id="rId2"/>
   </p:sldMasterIdLst>
   <p:notesMasterIdLst>
-    <p:notesMasterId r:id="rId54"/>
+    <p:notesMasterId r:id="rId55"/>
   </p:notesMasterIdLst>
   <p:sldIdLst>
     <p:sldId id="257" r:id="rId3"/>
@@ -46,20 +46,21 @@
     <p:sldId id="262" r:id="rId37"/>
     <p:sldId id="261" r:id="rId38"/>
     <p:sldId id="300" r:id="rId39"/>
-    <p:sldId id="306" r:id="rId40"/>
-    <p:sldId id="323" r:id="rId41"/>
-    <p:sldId id="310" r:id="rId42"/>
-    <p:sldId id="312" r:id="rId43"/>
-    <p:sldId id="324" r:id="rId44"/>
-    <p:sldId id="311" r:id="rId45"/>
-    <p:sldId id="322" r:id="rId46"/>
-    <p:sldId id="318" r:id="rId47"/>
-    <p:sldId id="319" r:id="rId48"/>
-    <p:sldId id="299" r:id="rId49"/>
-    <p:sldId id="263" r:id="rId50"/>
-    <p:sldId id="264" r:id="rId51"/>
-    <p:sldId id="265" r:id="rId52"/>
-    <p:sldId id="271" r:id="rId53"/>
+    <p:sldId id="325" r:id="rId40"/>
+    <p:sldId id="306" r:id="rId41"/>
+    <p:sldId id="323" r:id="rId42"/>
+    <p:sldId id="310" r:id="rId43"/>
+    <p:sldId id="312" r:id="rId44"/>
+    <p:sldId id="324" r:id="rId45"/>
+    <p:sldId id="311" r:id="rId46"/>
+    <p:sldId id="322" r:id="rId47"/>
+    <p:sldId id="318" r:id="rId48"/>
+    <p:sldId id="319" r:id="rId49"/>
+    <p:sldId id="299" r:id="rId50"/>
+    <p:sldId id="263" r:id="rId51"/>
+    <p:sldId id="264" r:id="rId52"/>
+    <p:sldId id="265" r:id="rId53"/>
+    <p:sldId id="271" r:id="rId54"/>
   </p:sldIdLst>
   <p:sldSz cx="9144000" cy="6858000" type="screen4x3"/>
   <p:notesSz cx="6858000" cy="9144000"/>
@@ -244,7 +245,7 @@
             <a:fld id="{B24A7054-7FFB-49F4-A126-5DF6E687FF53}" type="datetimeFigureOut">
               <a:rPr lang="ru-RU" smtClean="0"/>
               <a:pPr/>
-              <a:t>28.02.2015</a:t>
+              <a:t>29.03.2015</a:t>
             </a:fld>
             <a:endParaRPr lang="ru-RU"/>
           </a:p>
@@ -1528,7 +1529,7 @@
             <a:fld id="{8E6E6A2A-E9D3-4A0D-B04A-ABDD367A1E08}" type="datetimeFigureOut">
               <a:rPr lang="ru-RU" smtClean="0"/>
               <a:pPr/>
-              <a:t>28.02.2015</a:t>
+              <a:t>29.03.2015</a:t>
             </a:fld>
             <a:endParaRPr lang="ru-RU"/>
           </a:p>
@@ -1772,7 +1773,7 @@
             <a:fld id="{8E6E6A2A-E9D3-4A0D-B04A-ABDD367A1E08}" type="datetimeFigureOut">
               <a:rPr lang="ru-RU" smtClean="0"/>
               <a:pPr/>
-              <a:t>28.02.2015</a:t>
+              <a:t>29.03.2015</a:t>
             </a:fld>
             <a:endParaRPr lang="ru-RU"/>
           </a:p>
@@ -1944,7 +1945,7 @@
             <a:fld id="{8E6E6A2A-E9D3-4A0D-B04A-ABDD367A1E08}" type="datetimeFigureOut">
               <a:rPr lang="ru-RU" smtClean="0"/>
               <a:pPr/>
-              <a:t>28.02.2015</a:t>
+              <a:t>29.03.2015</a:t>
             </a:fld>
             <a:endParaRPr lang="ru-RU"/>
           </a:p>
@@ -2192,7 +2193,7 @@
             <a:fld id="{8E6E6A2A-E9D3-4A0D-B04A-ABDD367A1E08}" type="datetimeFigureOut">
               <a:rPr lang="ru-RU" smtClean="0"/>
               <a:pPr/>
-              <a:t>28.02.2015</a:t>
+              <a:t>29.03.2015</a:t>
             </a:fld>
             <a:endParaRPr lang="ru-RU"/>
           </a:p>
@@ -2482,7 +2483,7 @@
             <a:fld id="{8E6E6A2A-E9D3-4A0D-B04A-ABDD367A1E08}" type="datetimeFigureOut">
               <a:rPr lang="ru-RU" smtClean="0"/>
               <a:pPr/>
-              <a:t>28.02.2015</a:t>
+              <a:t>29.03.2015</a:t>
             </a:fld>
             <a:endParaRPr lang="ru-RU"/>
           </a:p>
@@ -2906,7 +2907,7 @@
             <a:fld id="{8E6E6A2A-E9D3-4A0D-B04A-ABDD367A1E08}" type="datetimeFigureOut">
               <a:rPr lang="ru-RU" smtClean="0"/>
               <a:pPr/>
-              <a:t>28.02.2015</a:t>
+              <a:t>29.03.2015</a:t>
             </a:fld>
             <a:endParaRPr lang="ru-RU"/>
           </a:p>
@@ -3235,7 +3236,7 @@
             <a:fld id="{8E6E6A2A-E9D3-4A0D-B04A-ABDD367A1E08}" type="datetimeFigureOut">
               <a:rPr lang="ru-RU" smtClean="0"/>
               <a:pPr/>
-              <a:t>28.02.2015</a:t>
+              <a:t>29.03.2015</a:t>
             </a:fld>
             <a:endParaRPr lang="ru-RU"/>
           </a:p>
@@ -3332,7 +3333,7 @@
             <a:fld id="{8E6E6A2A-E9D3-4A0D-B04A-ABDD367A1E08}" type="datetimeFigureOut">
               <a:rPr lang="ru-RU" smtClean="0"/>
               <a:pPr/>
-              <a:t>28.02.2015</a:t>
+              <a:t>29.03.2015</a:t>
             </a:fld>
             <a:endParaRPr lang="ru-RU"/>
           </a:p>
@@ -3611,7 +3612,7 @@
             <a:fld id="{8E6E6A2A-E9D3-4A0D-B04A-ABDD367A1E08}" type="datetimeFigureOut">
               <a:rPr lang="ru-RU" smtClean="0"/>
               <a:pPr/>
-              <a:t>28.02.2015</a:t>
+              <a:t>29.03.2015</a:t>
             </a:fld>
             <a:endParaRPr lang="ru-RU"/>
           </a:p>
@@ -3866,7 +3867,7 @@
             <a:fld id="{8E6E6A2A-E9D3-4A0D-B04A-ABDD367A1E08}" type="datetimeFigureOut">
               <a:rPr lang="ru-RU" smtClean="0"/>
               <a:pPr/>
-              <a:t>28.02.2015</a:t>
+              <a:t>29.03.2015</a:t>
             </a:fld>
             <a:endParaRPr lang="ru-RU"/>
           </a:p>
@@ -4038,7 +4039,7 @@
             <a:fld id="{8E6E6A2A-E9D3-4A0D-B04A-ABDD367A1E08}" type="datetimeFigureOut">
               <a:rPr lang="ru-RU" smtClean="0"/>
               <a:pPr/>
-              <a:t>28.02.2015</a:t>
+              <a:t>29.03.2015</a:t>
             </a:fld>
             <a:endParaRPr lang="ru-RU"/>
           </a:p>
@@ -4220,7 +4221,7 @@
             <a:fld id="{8E6E6A2A-E9D3-4A0D-B04A-ABDD367A1E08}" type="datetimeFigureOut">
               <a:rPr lang="ru-RU" smtClean="0"/>
               <a:pPr/>
-              <a:t>28.02.2015</a:t>
+              <a:t>29.03.2015</a:t>
             </a:fld>
             <a:endParaRPr lang="ru-RU"/>
           </a:p>
@@ -5458,7 +5459,7 @@
             <a:fld id="{AC3D3127-B7C4-45E3-9797-C527EC9FDD78}" type="datetimeFigureOut">
               <a:rPr lang="ru-RU" smtClean="0"/>
               <a:pPr/>
-              <a:t>28.02.2015</a:t>
+              <a:t>29.03.2015</a:t>
             </a:fld>
             <a:endParaRPr lang="ru-RU"/>
           </a:p>
@@ -5980,7 +5981,7 @@
             <a:fld id="{8E6E6A2A-E9D3-4A0D-B04A-ABDD367A1E08}" type="datetimeFigureOut">
               <a:rPr lang="ru-RU" smtClean="0"/>
               <a:pPr/>
-              <a:t>28.02.2015</a:t>
+              <a:t>29.03.2015</a:t>
             </a:fld>
             <a:endParaRPr lang="ru-RU"/>
           </a:p>
@@ -15781,22 +15782,10 @@
           <a:lstStyle/>
           <a:p>
             <a:r>
-              <a:rPr lang="en-US" dirty="0" smtClean="0"/>
-              <a:t>CLS</a:t>
-            </a:r>
-            <a:r>
-              <a:rPr lang="ru-RU" dirty="0" smtClean="0"/>
-              <a:t> совместимые</a:t>
-            </a:r>
-            <a:r>
-              <a:rPr lang="en-US" dirty="0" smtClean="0"/>
-              <a:t> </a:t>
-            </a:r>
-            <a:r>
-              <a:rPr lang="ru-RU" dirty="0" smtClean="0"/>
-              <a:t>сборки</a:t>
-            </a:r>
-            <a:endParaRPr lang="en-US" dirty="0"/>
+              <a:rPr lang="en-US" dirty="0"/>
+              <a:t>.NET Portability Analyzer</a:t>
+            </a:r>
+            <a:endParaRPr lang="ru-RU" dirty="0"/>
           </a:p>
         </p:txBody>
       </p:sp>
@@ -15810,16 +15799,9 @@
             <p:ph idx="1"/>
           </p:nvPr>
         </p:nvSpPr>
-        <p:spPr>
-          <a:xfrm>
-            <a:off x="242616" y="1556792"/>
-            <a:ext cx="8649864" cy="4061048"/>
-          </a:xfrm>
-        </p:spPr>
+        <p:spPr/>
         <p:txBody>
-          <a:bodyPr>
-            <a:normAutofit fontScale="70000" lnSpcReduction="20000"/>
-          </a:bodyPr>
+          <a:bodyPr/>
           <a:lstStyle/>
           <a:p>
             <a:pPr marL="0" indent="0">
@@ -15827,31 +15809,31 @@
             </a:pPr>
             <a:r>
               <a:rPr lang="ru-RU" dirty="0" smtClean="0"/>
-              <a:t>Если вы создает библиотеку (сборку) для внешнего использования и хотите быть уверенными что её можно будет использовать из программ написанных на других языках (таких как </a:t>
+              <a:t>Расширение </a:t>
+            </a:r>
+            <a:r>
+              <a:rPr lang="en-US" dirty="0"/>
+              <a:t>.NET Portability Analyzer </a:t>
+            </a:r>
+            <a:r>
+              <a:rPr lang="ru-RU" dirty="0" smtClean="0"/>
+              <a:t>для </a:t>
             </a:r>
             <a:r>
               <a:rPr lang="en-US" dirty="0" smtClean="0"/>
-              <a:t>VB.NET, F# </a:t>
+              <a:t>Visual</a:t>
             </a:r>
             <a:r>
               <a:rPr lang="ru-RU" dirty="0" smtClean="0"/>
-              <a:t>и других)</a:t>
+              <a:t> </a:t>
             </a:r>
             <a:r>
               <a:rPr lang="en-US" dirty="0" smtClean="0"/>
-              <a:t>, </a:t>
+              <a:t>Studio 2013 </a:t>
             </a:r>
             <a:r>
               <a:rPr lang="ru-RU" dirty="0" smtClean="0"/>
-              <a:t>то добавьте к свой сборке атрибут </a:t>
-            </a:r>
-            <a:r>
-              <a:rPr lang="en-US" dirty="0" err="1" smtClean="0"/>
-              <a:t>System.CLSCompliantAttribute</a:t>
-            </a:r>
-            <a:r>
-              <a:rPr lang="en-US" dirty="0" smtClean="0"/>
-              <a:t>.</a:t>
+              <a:t>позволяет  проверить сборку на предмет её переносимости на другие платформы</a:t>
             </a:r>
           </a:p>
           <a:p>
@@ -15865,208 +15847,37 @@
               <a:buNone/>
             </a:pPr>
             <a:r>
-              <a:rPr lang="en-US" dirty="0" smtClean="0"/>
-              <a:t>CLS </a:t>
-            </a:r>
-            <a:r>
-              <a:rPr lang="ru-RU" dirty="0" smtClean="0"/>
-              <a:t>(</a:t>
-            </a:r>
-            <a:r>
-              <a:rPr lang="en-US" dirty="0" smtClean="0"/>
-              <a:t>Common Language Specification</a:t>
-            </a:r>
-            <a:r>
-              <a:rPr lang="ru-RU" dirty="0" smtClean="0"/>
-              <a:t>)</a:t>
-            </a:r>
-            <a:r>
-              <a:rPr lang="en-US" dirty="0" smtClean="0"/>
-              <a:t> </a:t>
-            </a:r>
-            <a:r>
-              <a:rPr lang="ru-RU" dirty="0" smtClean="0"/>
-              <a:t>является набором требований (ограничений) к языку позволяющее ему «бесшовно» взаимодействовать с программами на других языках. Это необходимо так как, </a:t>
-            </a:r>
-            <a:r>
-              <a:rPr lang="ru-RU" dirty="0"/>
-              <a:t>н</a:t>
-            </a:r>
-            <a:r>
-              <a:rPr lang="ru-RU" dirty="0" smtClean="0"/>
-              <a:t>есмотря на наличие «общего знаменателя» в виде </a:t>
-            </a:r>
-            <a:r>
-              <a:rPr lang="en-US" dirty="0" smtClean="0"/>
-              <a:t>IL </a:t>
-            </a:r>
-            <a:r>
-              <a:rPr lang="ru-RU" dirty="0" smtClean="0"/>
-              <a:t>кода, языки могут иметь весьма сильные различия. Компилятор </a:t>
-            </a:r>
-            <a:r>
-              <a:rPr lang="en-US" dirty="0" smtClean="0"/>
-              <a:t>C# </a:t>
-            </a:r>
-            <a:r>
-              <a:rPr lang="ru-RU" smtClean="0"/>
-              <a:t>проверяет </a:t>
-            </a:r>
-            <a:r>
-              <a:rPr lang="ru-RU" dirty="0" smtClean="0"/>
-              <a:t>программу на соответствие этим требованиям, только при наличии атрибута </a:t>
-            </a:r>
-            <a:r>
-              <a:rPr lang="en-US" dirty="0" err="1" smtClean="0"/>
-              <a:t>CLSCompliant</a:t>
-            </a:r>
-            <a:r>
-              <a:rPr lang="ru-RU" dirty="0" smtClean="0"/>
-              <a:t>.</a:t>
-            </a:r>
-            <a:endParaRPr lang="en-US" dirty="0"/>
-          </a:p>
-        </p:txBody>
-      </p:sp>
-      <p:sp>
-        <p:nvSpPr>
-          <p:cNvPr id="4" name="TextBox 3"/>
-          <p:cNvSpPr txBox="1"/>
-          <p:nvPr/>
-        </p:nvSpPr>
-        <p:spPr>
-          <a:xfrm>
-            <a:off x="251520" y="5805264"/>
-            <a:ext cx="8640960" cy="307777"/>
-          </a:xfrm>
-          <a:prstGeom prst="rect">
-            <a:avLst/>
-          </a:prstGeom>
-          <a:solidFill>
-            <a:schemeClr val="bg1"/>
-          </a:solidFill>
-        </p:spPr>
-        <p:txBody>
-          <a:bodyPr wrap="square" rtlCol="0">
-            <a:spAutoFit/>
-          </a:bodyPr>
-          <a:lstStyle/>
-          <a:p>
-            <a:r>
-              <a:rPr lang="en-US" sz="1400" dirty="0" smtClean="0">
-                <a:solidFill>
-                  <a:srgbClr val="000000"/>
-                </a:solidFill>
-                <a:highlight>
-                  <a:srgbClr val="FFFFFF"/>
-                </a:highlight>
-                <a:latin typeface="Courier New" panose="02070309020205020404" pitchFamily="49" charset="0"/>
-                <a:cs typeface="Courier New" panose="02070309020205020404" pitchFamily="49" charset="0"/>
-              </a:rPr>
-              <a:t>[</a:t>
-            </a:r>
-            <a:r>
-              <a:rPr lang="en-US" sz="1400" dirty="0" smtClean="0">
-                <a:solidFill>
-                  <a:srgbClr val="0000FF"/>
-                </a:solidFill>
-                <a:highlight>
-                  <a:srgbClr val="FFFFFF"/>
-                </a:highlight>
-                <a:latin typeface="Courier New" panose="02070309020205020404" pitchFamily="49" charset="0"/>
-                <a:cs typeface="Courier New" panose="02070309020205020404" pitchFamily="49" charset="0"/>
-              </a:rPr>
-              <a:t>assembly</a:t>
-            </a:r>
-            <a:r>
-              <a:rPr lang="en-US" sz="1400" dirty="0">
-                <a:solidFill>
-                  <a:srgbClr val="000000"/>
-                </a:solidFill>
-                <a:highlight>
-                  <a:srgbClr val="FFFFFF"/>
-                </a:highlight>
-                <a:latin typeface="Courier New" panose="02070309020205020404" pitchFamily="49" charset="0"/>
-                <a:cs typeface="Courier New" panose="02070309020205020404" pitchFamily="49" charset="0"/>
-              </a:rPr>
-              <a:t>: </a:t>
-            </a:r>
-            <a:r>
-              <a:rPr lang="en-US" sz="1400" dirty="0" err="1">
-                <a:solidFill>
-                  <a:srgbClr val="2B91AF"/>
-                </a:solidFill>
-                <a:highlight>
-                  <a:srgbClr val="FFFFFF"/>
-                </a:highlight>
-                <a:latin typeface="Courier New" panose="02070309020205020404" pitchFamily="49" charset="0"/>
-                <a:cs typeface="Courier New" panose="02070309020205020404" pitchFamily="49" charset="0"/>
-              </a:rPr>
-              <a:t>CLSCompliant</a:t>
-            </a:r>
-            <a:r>
-              <a:rPr lang="en-US" sz="1400" dirty="0">
-                <a:solidFill>
-                  <a:srgbClr val="000000"/>
-                </a:solidFill>
-                <a:highlight>
-                  <a:srgbClr val="FFFFFF"/>
-                </a:highlight>
-                <a:latin typeface="Courier New" panose="02070309020205020404" pitchFamily="49" charset="0"/>
-                <a:cs typeface="Courier New" panose="02070309020205020404" pitchFamily="49" charset="0"/>
-              </a:rPr>
-              <a:t>(</a:t>
-            </a:r>
-            <a:r>
-              <a:rPr lang="en-US" sz="1400" dirty="0">
-                <a:solidFill>
-                  <a:srgbClr val="0000FF"/>
-                </a:solidFill>
-                <a:highlight>
-                  <a:srgbClr val="FFFFFF"/>
-                </a:highlight>
-                <a:latin typeface="Courier New" panose="02070309020205020404" pitchFamily="49" charset="0"/>
-                <a:cs typeface="Courier New" panose="02070309020205020404" pitchFamily="49" charset="0"/>
-              </a:rPr>
-              <a:t>true</a:t>
-            </a:r>
-            <a:r>
-              <a:rPr lang="en-US" sz="1400" dirty="0" smtClean="0">
-                <a:solidFill>
-                  <a:srgbClr val="000000"/>
-                </a:solidFill>
-                <a:highlight>
-                  <a:srgbClr val="FFFFFF"/>
-                </a:highlight>
-                <a:latin typeface="Courier New" panose="02070309020205020404" pitchFamily="49" charset="0"/>
-                <a:cs typeface="Courier New" panose="02070309020205020404" pitchFamily="49" charset="0"/>
-              </a:rPr>
-              <a:t>)]</a:t>
-            </a:r>
-            <a:endParaRPr lang="ru-RU" sz="1400" dirty="0" smtClean="0">
-              <a:latin typeface="Courier New" panose="02070309020205020404" pitchFamily="49" charset="0"/>
-              <a:cs typeface="Courier New" panose="02070309020205020404" pitchFamily="49" charset="0"/>
-            </a:endParaRPr>
+              <a:rPr lang="en-US" dirty="0" smtClean="0">
+                <a:hlinkClick r:id="rId2"/>
+              </a:rPr>
+              <a:t>https</a:t>
+            </a:r>
+            <a:r>
+              <a:rPr lang="en-US" dirty="0">
+                <a:hlinkClick r:id="rId2"/>
+              </a:rPr>
+              <a:t>://</a:t>
+            </a:r>
+            <a:r>
+              <a:rPr lang="en-US" dirty="0" smtClean="0">
+                <a:hlinkClick r:id="rId2"/>
+              </a:rPr>
+              <a:t>visualstudiogallery.msdn.microsoft.com/1177943e-cfb7-4822-a8a6-e56c7905292b</a:t>
+            </a:r>
+            <a:endParaRPr lang="ru-RU" dirty="0"/>
           </a:p>
         </p:txBody>
       </p:sp>
     </p:spTree>
     <p:extLst>
       <p:ext uri="{BB962C8B-B14F-4D97-AF65-F5344CB8AC3E}">
-        <p14:creationId xmlns:p14="http://schemas.microsoft.com/office/powerpoint/2010/main" val="910520611"/>
+        <p14:creationId xmlns:p14="http://schemas.microsoft.com/office/powerpoint/2010/main" val="3704876238"/>
       </p:ext>
     </p:extLst>
   </p:cSld>
   <p:clrMapOvr>
     <a:masterClrMapping/>
   </p:clrMapOvr>
-  <p:timing>
-    <p:tnLst>
-      <p:par>
-        <p:cTn id="1" dur="indefinite" restart="never" nodeType="tmRoot"/>
-      </p:par>
-    </p:tnLst>
-  </p:timing>
 </p:sld>
 </file>
 
@@ -16099,16 +15910,26 @@
         </p:nvSpPr>
         <p:spPr/>
         <p:txBody>
-          <a:bodyPr>
-            <a:normAutofit fontScale="90000"/>
-          </a:bodyPr>
+          <a:bodyPr/>
           <a:lstStyle/>
           <a:p>
             <a:r>
+              <a:rPr lang="en-US" dirty="0" smtClean="0"/>
+              <a:t>CLS</a:t>
+            </a:r>
+            <a:r>
               <a:rPr lang="ru-RU" dirty="0" smtClean="0"/>
-              <a:t>Организация проекта с внешними зависимостями</a:t>
-            </a:r>
-            <a:endParaRPr lang="ru-RU" dirty="0"/>
+              <a:t> совместимые</a:t>
+            </a:r>
+            <a:r>
+              <a:rPr lang="en-US" dirty="0" smtClean="0"/>
+              <a:t> </a:t>
+            </a:r>
+            <a:r>
+              <a:rPr lang="ru-RU" dirty="0" smtClean="0"/>
+              <a:t>сборки</a:t>
+            </a:r>
+            <a:endParaRPr lang="en-US" dirty="0"/>
           </a:p>
         </p:txBody>
       </p:sp>
@@ -16122,10 +15943,15 @@
             <p:ph idx="1"/>
           </p:nvPr>
         </p:nvSpPr>
-        <p:spPr/>
+        <p:spPr>
+          <a:xfrm>
+            <a:off x="242616" y="1556792"/>
+            <a:ext cx="8649864" cy="4061048"/>
+          </a:xfrm>
+        </p:spPr>
         <p:txBody>
           <a:bodyPr>
-            <a:normAutofit fontScale="77500" lnSpcReduction="20000"/>
+            <a:normAutofit fontScale="70000" lnSpcReduction="20000"/>
           </a:bodyPr>
           <a:lstStyle/>
           <a:p>
@@ -16134,83 +15960,246 @@
             </a:pPr>
             <a:r>
               <a:rPr lang="ru-RU" dirty="0" smtClean="0"/>
-              <a:t>Стремитесь организовывать проекты </a:t>
+              <a:t>Если вы создает библиотеку (сборку) для внешнего использования и хотите быть уверенными что её можно будет использовать из программ написанных на других языках (таких как </a:t>
             </a:r>
             <a:r>
               <a:rPr lang="en-US" dirty="0" smtClean="0"/>
-              <a:t>Visual Studio</a:t>
+              <a:t>VB.NET, F# </a:t>
             </a:r>
             <a:r>
               <a:rPr lang="ru-RU" dirty="0" smtClean="0"/>
-              <a:t> так чтобы их можно было переносить из одной папки в другую и на другой компьютер без ошибок компиляции.</a:t>
-            </a:r>
-          </a:p>
-          <a:p>
-            <a:endParaRPr lang="ru-RU" dirty="0" smtClean="0"/>
-          </a:p>
-          <a:p>
+              <a:t>и других)</a:t>
+            </a:r>
+            <a:r>
+              <a:rPr lang="en-US" dirty="0" smtClean="0"/>
+              <a:t>, </a:t>
+            </a:r>
             <a:r>
               <a:rPr lang="ru-RU" dirty="0" smtClean="0"/>
-              <a:t>При создании нового проекта не забудьте установить переключатель «</a:t>
+              <a:t>то добавьте к свой сборке атрибут </a:t>
+            </a:r>
+            <a:r>
+              <a:rPr lang="en-US" dirty="0" err="1" smtClean="0"/>
+              <a:t>System.CLSCompliantAttribute</a:t>
             </a:r>
             <a:r>
               <a:rPr lang="en-US" dirty="0" smtClean="0"/>
-              <a:t>Create directory for solution</a:t>
+              <a:t>.</a:t>
+            </a:r>
+          </a:p>
+          <a:p>
+            <a:pPr marL="0" indent="0">
+              <a:buNone/>
+            </a:pPr>
+            <a:endParaRPr lang="en-US" dirty="0"/>
+          </a:p>
+          <a:p>
+            <a:pPr marL="0" indent="0">
+              <a:buNone/>
+            </a:pPr>
+            <a:r>
+              <a:rPr lang="en-US" dirty="0" smtClean="0"/>
+              <a:t>CLS </a:t>
             </a:r>
             <a:r>
               <a:rPr lang="ru-RU" dirty="0" smtClean="0"/>
-              <a:t>»</a:t>
-            </a:r>
-          </a:p>
-          <a:p>
+              <a:t>(</a:t>
+            </a:r>
+            <a:r>
+              <a:rPr lang="en-US" dirty="0" smtClean="0"/>
+              <a:t>Common Language Specification</a:t>
+            </a:r>
             <a:r>
               <a:rPr lang="ru-RU" dirty="0" smtClean="0"/>
-              <a:t>Все внешние зависимости и утилиты необходимые для компиляции проекта должно находиться в папке проекта:</a:t>
-            </a:r>
-          </a:p>
-          <a:p>
-            <a:pPr lvl="1"/>
+              <a:t>)</a:t>
+            </a:r>
+            <a:r>
+              <a:rPr lang="en-US" dirty="0" smtClean="0"/>
+              <a:t> </a:t>
+            </a:r>
             <a:r>
               <a:rPr lang="ru-RU" dirty="0" smtClean="0"/>
-              <a:t>Библиотеки можно разместить в папке </a:t>
+              <a:t>является набором требований (ограничений) к языку позволяющее ему «бесшовно» взаимодействовать с программами на других языках. Это необходимо так как, </a:t>
+            </a:r>
+            <a:r>
+              <a:rPr lang="ru-RU" dirty="0"/>
+              <a:t>н</a:t>
+            </a:r>
+            <a:r>
+              <a:rPr lang="ru-RU" dirty="0" smtClean="0"/>
+              <a:t>есмотря на наличие «общего знаменателя» в виде </a:t>
             </a:r>
             <a:r>
               <a:rPr lang="en-US" dirty="0" smtClean="0"/>
-              <a:t>libs </a:t>
+              <a:t>IL </a:t>
             </a:r>
             <a:r>
               <a:rPr lang="ru-RU" dirty="0" smtClean="0"/>
-              <a:t>в папке с решением;</a:t>
-            </a:r>
-          </a:p>
-          <a:p>
-            <a:pPr lvl="1"/>
+              <a:t>кода, языки могут иметь весьма сильные различия. Компилятор </a:t>
+            </a:r>
+            <a:r>
+              <a:rPr lang="en-US" dirty="0" smtClean="0"/>
+              <a:t>C# </a:t>
+            </a:r>
+            <a:r>
+              <a:rPr lang="ru-RU" smtClean="0"/>
+              <a:t>проверяет </a:t>
+            </a:r>
             <a:r>
               <a:rPr lang="ru-RU" dirty="0" smtClean="0"/>
-              <a:t>Внешние утилиты в папке </a:t>
-            </a:r>
-            <a:r>
-              <a:rPr lang="en-US" dirty="0" smtClean="0"/>
-              <a:t>tools </a:t>
+              <a:t>программу на соответствие этим требованиям, только при наличии атрибута </a:t>
+            </a:r>
+            <a:r>
+              <a:rPr lang="en-US" dirty="0" err="1" smtClean="0"/>
+              <a:t>CLSCompliant</a:t>
             </a:r>
             <a:r>
               <a:rPr lang="ru-RU" dirty="0" smtClean="0"/>
-              <a:t>в папке с решением.</a:t>
-            </a:r>
-            <a:endParaRPr lang="ru-RU" dirty="0"/>
+              <a:t>.</a:t>
+            </a:r>
+            <a:endParaRPr lang="en-US" dirty="0"/>
+          </a:p>
+        </p:txBody>
+      </p:sp>
+      <p:sp>
+        <p:nvSpPr>
+          <p:cNvPr id="4" name="TextBox 3"/>
+          <p:cNvSpPr txBox="1"/>
+          <p:nvPr/>
+        </p:nvSpPr>
+        <p:spPr>
+          <a:xfrm>
+            <a:off x="251520" y="5805264"/>
+            <a:ext cx="8640960" cy="307777"/>
+          </a:xfrm>
+          <a:prstGeom prst="rect">
+            <a:avLst/>
+          </a:prstGeom>
+          <a:solidFill>
+            <a:schemeClr val="bg1"/>
+          </a:solidFill>
+        </p:spPr>
+        <p:txBody>
+          <a:bodyPr wrap="square" rtlCol="0">
+            <a:spAutoFit/>
+          </a:bodyPr>
+          <a:lstStyle/>
+          <a:p>
+            <a:r>
+              <a:rPr lang="en-US" sz="1400" dirty="0" smtClean="0">
+                <a:solidFill>
+                  <a:srgbClr val="000000"/>
+                </a:solidFill>
+                <a:highlight>
+                  <a:srgbClr val="FFFFFF"/>
+                </a:highlight>
+                <a:latin typeface="Courier New" panose="02070309020205020404" pitchFamily="49" charset="0"/>
+                <a:cs typeface="Courier New" panose="02070309020205020404" pitchFamily="49" charset="0"/>
+              </a:rPr>
+              <a:t>[</a:t>
+            </a:r>
+            <a:r>
+              <a:rPr lang="en-US" sz="1400" dirty="0" smtClean="0">
+                <a:solidFill>
+                  <a:srgbClr val="0000FF"/>
+                </a:solidFill>
+                <a:highlight>
+                  <a:srgbClr val="FFFFFF"/>
+                </a:highlight>
+                <a:latin typeface="Courier New" panose="02070309020205020404" pitchFamily="49" charset="0"/>
+                <a:cs typeface="Courier New" panose="02070309020205020404" pitchFamily="49" charset="0"/>
+              </a:rPr>
+              <a:t>assembly</a:t>
+            </a:r>
+            <a:r>
+              <a:rPr lang="en-US" sz="1400" dirty="0">
+                <a:solidFill>
+                  <a:srgbClr val="000000"/>
+                </a:solidFill>
+                <a:highlight>
+                  <a:srgbClr val="FFFFFF"/>
+                </a:highlight>
+                <a:latin typeface="Courier New" panose="02070309020205020404" pitchFamily="49" charset="0"/>
+                <a:cs typeface="Courier New" panose="02070309020205020404" pitchFamily="49" charset="0"/>
+              </a:rPr>
+              <a:t>: </a:t>
+            </a:r>
+            <a:r>
+              <a:rPr lang="en-US" sz="1400" dirty="0" err="1">
+                <a:solidFill>
+                  <a:srgbClr val="2B91AF"/>
+                </a:solidFill>
+                <a:highlight>
+                  <a:srgbClr val="FFFFFF"/>
+                </a:highlight>
+                <a:latin typeface="Courier New" panose="02070309020205020404" pitchFamily="49" charset="0"/>
+                <a:cs typeface="Courier New" panose="02070309020205020404" pitchFamily="49" charset="0"/>
+              </a:rPr>
+              <a:t>CLSCompliant</a:t>
+            </a:r>
+            <a:r>
+              <a:rPr lang="en-US" sz="1400" dirty="0">
+                <a:solidFill>
+                  <a:srgbClr val="000000"/>
+                </a:solidFill>
+                <a:highlight>
+                  <a:srgbClr val="FFFFFF"/>
+                </a:highlight>
+                <a:latin typeface="Courier New" panose="02070309020205020404" pitchFamily="49" charset="0"/>
+                <a:cs typeface="Courier New" panose="02070309020205020404" pitchFamily="49" charset="0"/>
+              </a:rPr>
+              <a:t>(</a:t>
+            </a:r>
+            <a:r>
+              <a:rPr lang="en-US" sz="1400" dirty="0">
+                <a:solidFill>
+                  <a:srgbClr val="0000FF"/>
+                </a:solidFill>
+                <a:highlight>
+                  <a:srgbClr val="FFFFFF"/>
+                </a:highlight>
+                <a:latin typeface="Courier New" panose="02070309020205020404" pitchFamily="49" charset="0"/>
+                <a:cs typeface="Courier New" panose="02070309020205020404" pitchFamily="49" charset="0"/>
+              </a:rPr>
+              <a:t>true</a:t>
+            </a:r>
+            <a:r>
+              <a:rPr lang="en-US" sz="1400" dirty="0" smtClean="0">
+                <a:solidFill>
+                  <a:srgbClr val="000000"/>
+                </a:solidFill>
+                <a:highlight>
+                  <a:srgbClr val="FFFFFF"/>
+                </a:highlight>
+                <a:latin typeface="Courier New" panose="02070309020205020404" pitchFamily="49" charset="0"/>
+                <a:cs typeface="Courier New" panose="02070309020205020404" pitchFamily="49" charset="0"/>
+              </a:rPr>
+              <a:t>)]</a:t>
+            </a:r>
+            <a:endParaRPr lang="ru-RU" sz="1400" dirty="0" smtClean="0">
+              <a:latin typeface="Courier New" panose="02070309020205020404" pitchFamily="49" charset="0"/>
+              <a:cs typeface="Courier New" panose="02070309020205020404" pitchFamily="49" charset="0"/>
+            </a:endParaRPr>
           </a:p>
         </p:txBody>
       </p:sp>
     </p:spTree>
     <p:extLst>
       <p:ext uri="{BB962C8B-B14F-4D97-AF65-F5344CB8AC3E}">
-        <p14:creationId xmlns:p14="http://schemas.microsoft.com/office/powerpoint/2010/main" val="572115315"/>
+        <p14:creationId xmlns:p14="http://schemas.microsoft.com/office/powerpoint/2010/main" val="910520611"/>
       </p:ext>
     </p:extLst>
   </p:cSld>
   <p:clrMapOvr>
     <a:masterClrMapping/>
   </p:clrMapOvr>
+  <p:timing>
+    <p:tnLst>
+      <p:par>
+        <p:cTn id="1" dur="indefinite" restart="never" nodeType="tmRoot"/>
+      </p:par>
+    </p:tnLst>
+  </p:timing>
 </p:sld>
 </file>
 
@@ -16557,27 +16546,18 @@
             <p:ph type="title"/>
           </p:nvPr>
         </p:nvSpPr>
-        <p:spPr>
-          <a:xfrm>
-            <a:off x="457200" y="274638"/>
-            <a:ext cx="8229600" cy="778098"/>
-          </a:xfrm>
-        </p:spPr>
+        <p:spPr/>
         <p:txBody>
           <a:bodyPr>
-            <a:normAutofit/>
+            <a:normAutofit fontScale="90000"/>
           </a:bodyPr>
           <a:lstStyle/>
           <a:p>
             <a:r>
-              <a:rPr lang="ru-RU" sz="3600" dirty="0" smtClean="0"/>
-              <a:t>Добавление ссылок с помощью </a:t>
-            </a:r>
-            <a:r>
-              <a:rPr lang="en-US" sz="3600" dirty="0" smtClean="0"/>
-              <a:t>NuGet</a:t>
-            </a:r>
-            <a:endParaRPr lang="ru-RU" sz="3600" dirty="0"/>
+              <a:rPr lang="ru-RU" dirty="0" smtClean="0"/>
+              <a:t>Организация проекта с внешними зависимостями</a:t>
+            </a:r>
+            <a:endParaRPr lang="ru-RU" dirty="0"/>
           </a:p>
         </p:txBody>
       </p:sp>
@@ -16591,15 +16571,10 @@
             <p:ph idx="1"/>
           </p:nvPr>
         </p:nvSpPr>
-        <p:spPr>
-          <a:xfrm>
-            <a:off x="457200" y="1124744"/>
-            <a:ext cx="8229600" cy="5001419"/>
-          </a:xfrm>
-        </p:spPr>
+        <p:spPr/>
         <p:txBody>
           <a:bodyPr>
-            <a:normAutofit lnSpcReduction="10000"/>
+            <a:normAutofit fontScale="77500" lnSpcReduction="20000"/>
           </a:bodyPr>
           <a:lstStyle/>
           <a:p>
@@ -16608,117 +16583,69 @@
             </a:pPr>
             <a:r>
               <a:rPr lang="ru-RU" dirty="0" smtClean="0"/>
-              <a:t>Расширение </a:t>
+              <a:t>Стремитесь организовывать проекты </a:t>
             </a:r>
             <a:r>
               <a:rPr lang="en-US" dirty="0" smtClean="0"/>
-              <a:t>NuGet </a:t>
+              <a:t>Visual Studio</a:t>
             </a:r>
             <a:r>
               <a:rPr lang="ru-RU" dirty="0" smtClean="0"/>
-              <a:t>упрощает работу с зависимостями в </a:t>
+              <a:t> так чтобы их можно было переносить из одной папки в другую и на другой компьютер без ошибок компиляции.</a:t>
+            </a:r>
+          </a:p>
+          <a:p>
+            <a:endParaRPr lang="ru-RU" dirty="0" smtClean="0"/>
+          </a:p>
+          <a:p>
+            <a:r>
+              <a:rPr lang="ru-RU" dirty="0" smtClean="0"/>
+              <a:t>При создании нового проекта не забудьте установить переключатель «</a:t>
             </a:r>
             <a:r>
               <a:rPr lang="en-US" dirty="0" smtClean="0"/>
-              <a:t>.NET </a:t>
+              <a:t>Create directory for solution</a:t>
             </a:r>
             <a:r>
               <a:rPr lang="ru-RU" dirty="0" smtClean="0"/>
-              <a:t>проектах.</a:t>
-            </a:r>
-          </a:p>
-          <a:p>
-            <a:pPr marL="0" indent="0">
-              <a:buNone/>
-            </a:pPr>
-            <a:endParaRPr lang="en-US" dirty="0" smtClean="0"/>
-          </a:p>
-          <a:p>
-            <a:pPr marL="0" indent="0">
-              <a:buNone/>
-            </a:pPr>
+              <a:t>»</a:t>
+            </a:r>
+          </a:p>
+          <a:p>
+            <a:r>
+              <a:rPr lang="ru-RU" dirty="0" smtClean="0"/>
+              <a:t>Все внешние зависимости и утилиты необходимые для компиляции проекта должно находиться в папке проекта:</a:t>
+            </a:r>
+          </a:p>
+          <a:p>
+            <a:pPr lvl="1"/>
+            <a:r>
+              <a:rPr lang="ru-RU" dirty="0" smtClean="0"/>
+              <a:t>Библиотеки можно разместить в папке </a:t>
+            </a:r>
             <a:r>
               <a:rPr lang="en-US" dirty="0" smtClean="0"/>
-              <a:t>NuGet </a:t>
+              <a:t>libs </a:t>
             </a:r>
             <a:r>
               <a:rPr lang="ru-RU" dirty="0" smtClean="0"/>
-              <a:t>входит в состав </a:t>
+              <a:t>в папке с решением;</a:t>
+            </a:r>
+          </a:p>
+          <a:p>
+            <a:pPr lvl="1"/>
+            <a:r>
+              <a:rPr lang="ru-RU" dirty="0" smtClean="0"/>
+              <a:t>Внешние утилиты в папке </a:t>
             </a:r>
             <a:r>
               <a:rPr lang="en-US" dirty="0" smtClean="0"/>
-              <a:t>VS 2012 </a:t>
+              <a:t>tools </a:t>
             </a:r>
             <a:r>
               <a:rPr lang="ru-RU" dirty="0" smtClean="0"/>
-              <a:t>и выше. Для </a:t>
-            </a:r>
-            <a:r>
-              <a:rPr lang="en-US" dirty="0" smtClean="0"/>
-              <a:t>VS 2010 </a:t>
-            </a:r>
-            <a:r>
-              <a:rPr lang="ru-RU" dirty="0" smtClean="0"/>
-              <a:t>его нужно скачать с помощью </a:t>
-            </a:r>
-            <a:r>
-              <a:rPr lang="en-US" dirty="0" smtClean="0"/>
-              <a:t>Tools -&gt; Extension Manager </a:t>
-            </a:r>
-            <a:r>
-              <a:rPr lang="ru-RU" dirty="0" smtClean="0"/>
-              <a:t>или с сайта </a:t>
-            </a:r>
-            <a:r>
-              <a:rPr lang="en-US" dirty="0" smtClean="0">
-                <a:hlinkClick r:id="rId2"/>
-              </a:rPr>
-              <a:t>nuget.org</a:t>
-            </a:r>
-            <a:r>
-              <a:rPr lang="ru-RU" dirty="0" smtClean="0"/>
-              <a:t>. После установки в контекстном меню </a:t>
-            </a:r>
-            <a:r>
-              <a:rPr lang="en-US" dirty="0" smtClean="0"/>
-              <a:t>References </a:t>
-            </a:r>
-            <a:r>
-              <a:rPr lang="ru-RU" dirty="0" smtClean="0"/>
-              <a:t>появится команда </a:t>
-            </a:r>
-            <a:r>
-              <a:rPr lang="en-US" dirty="0" smtClean="0"/>
-              <a:t>“Manage NuGet Packages …”. </a:t>
-            </a:r>
-            <a:r>
-              <a:rPr lang="ru-RU" dirty="0" smtClean="0"/>
-              <a:t>Также в меню </a:t>
-            </a:r>
-            <a:r>
-              <a:rPr lang="en-US" dirty="0" smtClean="0"/>
-              <a:t>Tools </a:t>
-            </a:r>
-            <a:r>
-              <a:rPr lang="ru-RU" dirty="0" smtClean="0"/>
-              <a:t>появится меню </a:t>
-            </a:r>
-            <a:r>
-              <a:rPr lang="en-US" dirty="0" smtClean="0"/>
-              <a:t>“NuGet Package Manager”.</a:t>
-            </a:r>
-            <a:endParaRPr lang="ru-RU" dirty="0" smtClean="0"/>
-          </a:p>
-          <a:p>
-            <a:pPr marL="0" indent="0">
-              <a:buNone/>
-            </a:pPr>
-            <a:endParaRPr lang="ru-RU" dirty="0" smtClean="0"/>
-          </a:p>
-          <a:p>
-            <a:pPr marL="0" indent="0">
-              <a:buNone/>
-            </a:pPr>
+              <a:t>в папке с решением.</a:t>
+            </a:r>
             <a:endParaRPr lang="ru-RU" dirty="0"/>
           </a:p>
         </p:txBody>
@@ -16726,20 +16653,13 @@
     </p:spTree>
     <p:extLst>
       <p:ext uri="{BB962C8B-B14F-4D97-AF65-F5344CB8AC3E}">
-        <p14:creationId xmlns:p14="http://schemas.microsoft.com/office/powerpoint/2010/main" val="861195078"/>
+        <p14:creationId xmlns:p14="http://schemas.microsoft.com/office/powerpoint/2010/main" val="572115315"/>
       </p:ext>
     </p:extLst>
   </p:cSld>
   <p:clrMapOvr>
     <a:masterClrMapping/>
   </p:clrMapOvr>
-  <p:timing>
-    <p:tnLst>
-      <p:par>
-        <p:cTn id="1" dur="indefinite" restart="never" nodeType="tmRoot"/>
-      </p:par>
-    </p:tnLst>
-  </p:timing>
 </p:sld>
 </file>
 
@@ -16770,16 +16690,27 @@
             <p:ph type="title"/>
           </p:nvPr>
         </p:nvSpPr>
-        <p:spPr/>
+        <p:spPr>
+          <a:xfrm>
+            <a:off x="457200" y="274638"/>
+            <a:ext cx="8229600" cy="778098"/>
+          </a:xfrm>
+        </p:spPr>
         <p:txBody>
-          <a:bodyPr/>
+          <a:bodyPr>
+            <a:normAutofit/>
+          </a:bodyPr>
           <a:lstStyle/>
           <a:p>
             <a:r>
-              <a:rPr lang="en-US" dirty="0" smtClean="0"/>
-              <a:t>Package Manager Console</a:t>
-            </a:r>
-            <a:endParaRPr lang="ru-RU" dirty="0"/>
+              <a:rPr lang="ru-RU" sz="3600" dirty="0" smtClean="0"/>
+              <a:t>Добавление ссылок с помощью </a:t>
+            </a:r>
+            <a:r>
+              <a:rPr lang="en-US" sz="3600" dirty="0" smtClean="0"/>
+              <a:t>NuGet</a:t>
+            </a:r>
+            <a:endParaRPr lang="ru-RU" sz="3600" dirty="0"/>
           </a:p>
         </p:txBody>
       </p:sp>
@@ -16793,10 +16724,15 @@
             <p:ph idx="1"/>
           </p:nvPr>
         </p:nvSpPr>
-        <p:spPr/>
+        <p:spPr>
+          <a:xfrm>
+            <a:off x="457200" y="1124744"/>
+            <a:ext cx="8229600" cy="5001419"/>
+          </a:xfrm>
+        </p:spPr>
         <p:txBody>
           <a:bodyPr>
-            <a:normAutofit fontScale="77500" lnSpcReduction="20000"/>
+            <a:normAutofit lnSpcReduction="10000"/>
           </a:bodyPr>
           <a:lstStyle/>
           <a:p>
@@ -16805,23 +16741,7 @@
             </a:pPr>
             <a:r>
               <a:rPr lang="ru-RU" dirty="0" smtClean="0"/>
-              <a:t>Окно </a:t>
-            </a:r>
-            <a:r>
-              <a:rPr lang="en-US" dirty="0" smtClean="0"/>
-              <a:t>Package </a:t>
-            </a:r>
-            <a:r>
-              <a:rPr lang="en-US" dirty="0"/>
-              <a:t>Manager </a:t>
-            </a:r>
-            <a:r>
-              <a:rPr lang="en-US" dirty="0" smtClean="0"/>
-              <a:t>Console</a:t>
-            </a:r>
-            <a:r>
-              <a:rPr lang="ru-RU" dirty="0" smtClean="0"/>
-              <a:t> позволяет управлять </a:t>
+              <a:t>Расширение </a:t>
             </a:r>
             <a:r>
               <a:rPr lang="en-US" dirty="0" smtClean="0"/>
@@ -16829,87 +16749,109 @@
             </a:r>
             <a:r>
               <a:rPr lang="ru-RU" dirty="0" smtClean="0"/>
-              <a:t>пакетами с помощью </a:t>
+              <a:t>упрощает работу с зависимостями в </a:t>
             </a:r>
             <a:r>
               <a:rPr lang="en-US" dirty="0" smtClean="0"/>
-              <a:t>PowerShell </a:t>
+              <a:t>.NET </a:t>
             </a:r>
             <a:r>
               <a:rPr lang="ru-RU" dirty="0" smtClean="0"/>
-              <a:t>команд прямо из </a:t>
-            </a:r>
+              <a:t>проектах.</a:t>
+            </a:r>
+          </a:p>
+          <a:p>
+            <a:pPr marL="0" indent="0">
+              <a:buNone/>
+            </a:pPr>
+            <a:endParaRPr lang="en-US" dirty="0" smtClean="0"/>
+          </a:p>
+          <a:p>
+            <a:pPr marL="0" indent="0">
+              <a:buNone/>
+            </a:pPr>
             <a:r>
               <a:rPr lang="en-US" dirty="0" smtClean="0"/>
-              <a:t>Visual Studio.</a:t>
+              <a:t>NuGet </a:t>
+            </a:r>
+            <a:r>
+              <a:rPr lang="ru-RU" dirty="0" smtClean="0"/>
+              <a:t>входит в состав </a:t>
+            </a:r>
+            <a:r>
+              <a:rPr lang="en-US" dirty="0" smtClean="0"/>
+              <a:t>VS 2012 </a:t>
+            </a:r>
+            <a:r>
+              <a:rPr lang="ru-RU" dirty="0" smtClean="0"/>
+              <a:t>и выше. Для </a:t>
+            </a:r>
+            <a:r>
+              <a:rPr lang="en-US" dirty="0" smtClean="0"/>
+              <a:t>VS 2010 </a:t>
+            </a:r>
+            <a:r>
+              <a:rPr lang="ru-RU" dirty="0" smtClean="0"/>
+              <a:t>его нужно скачать с помощью </a:t>
+            </a:r>
+            <a:r>
+              <a:rPr lang="en-US" dirty="0" smtClean="0"/>
+              <a:t>Tools -&gt; Extension Manager </a:t>
+            </a:r>
+            <a:r>
+              <a:rPr lang="ru-RU" dirty="0" smtClean="0"/>
+              <a:t>или с сайта </a:t>
+            </a:r>
+            <a:r>
+              <a:rPr lang="en-US" dirty="0" smtClean="0">
+                <a:hlinkClick r:id="rId2"/>
+              </a:rPr>
+              <a:t>nuget.org</a:t>
+            </a:r>
+            <a:r>
+              <a:rPr lang="ru-RU" dirty="0" smtClean="0"/>
+              <a:t>. После установки в контекстном меню </a:t>
+            </a:r>
+            <a:r>
+              <a:rPr lang="en-US" dirty="0" smtClean="0"/>
+              <a:t>References </a:t>
+            </a:r>
+            <a:r>
+              <a:rPr lang="ru-RU" dirty="0" smtClean="0"/>
+              <a:t>появится команда </a:t>
+            </a:r>
+            <a:r>
+              <a:rPr lang="en-US" dirty="0" smtClean="0"/>
+              <a:t>“Manage NuGet Packages …”. </a:t>
+            </a:r>
+            <a:r>
+              <a:rPr lang="ru-RU" dirty="0" smtClean="0"/>
+              <a:t>Также в меню </a:t>
+            </a:r>
+            <a:r>
+              <a:rPr lang="en-US" dirty="0" smtClean="0"/>
+              <a:t>Tools </a:t>
+            </a:r>
+            <a:r>
+              <a:rPr lang="ru-RU" dirty="0" smtClean="0"/>
+              <a:t>появится меню </a:t>
+            </a:r>
+            <a:r>
+              <a:rPr lang="en-US" dirty="0" smtClean="0"/>
+              <a:t>“NuGet Package Manager”.</a:t>
             </a:r>
             <a:endParaRPr lang="ru-RU" dirty="0" smtClean="0"/>
           </a:p>
           <a:p>
-            <a:r>
-              <a:rPr lang="en-US" dirty="0" smtClean="0"/>
-              <a:t>Add-</a:t>
-            </a:r>
-            <a:r>
-              <a:rPr lang="en-US" dirty="0" err="1" smtClean="0"/>
-              <a:t>BindingRedirect</a:t>
-            </a:r>
-            <a:endParaRPr lang="en-US" dirty="0" smtClean="0"/>
-          </a:p>
-          <a:p>
-            <a:r>
-              <a:rPr lang="en-US" dirty="0" smtClean="0"/>
-              <a:t>Get-Package</a:t>
-            </a:r>
-          </a:p>
-          <a:p>
-            <a:r>
-              <a:rPr lang="en-US" dirty="0"/>
-              <a:t>Get-Project</a:t>
-            </a:r>
-          </a:p>
-          <a:p>
-            <a:r>
-              <a:rPr lang="en-US" dirty="0" smtClean="0"/>
-              <a:t>Install-Package </a:t>
-            </a:r>
-            <a:r>
-              <a:rPr lang="ru-RU" dirty="0" smtClean="0"/>
-              <a:t>: установка пакета. Позволяет установить пакет определенной версии, что </a:t>
-            </a:r>
-            <a:r>
-              <a:rPr lang="ru-RU" smtClean="0"/>
-              <a:t>невозможно сделать через </a:t>
-            </a:r>
-            <a:r>
-              <a:rPr lang="en-US" dirty="0" smtClean="0"/>
-              <a:t>GUI.</a:t>
-            </a:r>
+            <a:pPr marL="0" indent="0">
+              <a:buNone/>
+            </a:pPr>
             <a:endParaRPr lang="ru-RU" dirty="0" smtClean="0"/>
           </a:p>
           <a:p>
-            <a:r>
-              <a:rPr lang="en-US" dirty="0" smtClean="0"/>
-              <a:t>Open-</a:t>
-            </a:r>
-            <a:r>
-              <a:rPr lang="en-US" dirty="0" err="1" smtClean="0"/>
-              <a:t>PackagePage</a:t>
-            </a:r>
-            <a:endParaRPr lang="ru-RU" dirty="0" smtClean="0"/>
-          </a:p>
-          <a:p>
-            <a:r>
-              <a:rPr lang="en-US" dirty="0" smtClean="0"/>
-              <a:t>Uninstall-Package</a:t>
-            </a:r>
-            <a:endParaRPr lang="ru-RU" dirty="0" smtClean="0"/>
-          </a:p>
-          <a:p>
-            <a:r>
-              <a:rPr lang="en-US" dirty="0"/>
-              <a:t>Update-Package</a:t>
-            </a:r>
+            <a:pPr marL="0" indent="0">
+              <a:buNone/>
+            </a:pPr>
             <a:endParaRPr lang="ru-RU" dirty="0"/>
           </a:p>
         </p:txBody>
@@ -16917,7 +16859,7 @@
     </p:spTree>
     <p:extLst>
       <p:ext uri="{BB962C8B-B14F-4D97-AF65-F5344CB8AC3E}">
-        <p14:creationId xmlns:p14="http://schemas.microsoft.com/office/powerpoint/2010/main" val="2572407753"/>
+        <p14:creationId xmlns:p14="http://schemas.microsoft.com/office/powerpoint/2010/main" val="861195078"/>
       </p:ext>
     </p:extLst>
   </p:cSld>
@@ -16968,7 +16910,7 @@
           <a:p>
             <a:r>
               <a:rPr lang="en-US" dirty="0" smtClean="0"/>
-              <a:t>NuGet Package Of the Week</a:t>
+              <a:t>Package Manager Console</a:t>
             </a:r>
             <a:endParaRPr lang="ru-RU" dirty="0"/>
           </a:p>
@@ -16986,53 +16928,121 @@
         </p:nvSpPr>
         <p:spPr/>
         <p:txBody>
-          <a:bodyPr/>
+          <a:bodyPr>
+            <a:normAutofit fontScale="77500" lnSpcReduction="20000"/>
+          </a:bodyPr>
           <a:lstStyle/>
           <a:p>
             <a:pPr marL="0" indent="0">
               <a:buNone/>
             </a:pPr>
             <a:r>
-              <a:rPr lang="en-US" sz="2400" dirty="0">
-                <a:hlinkClick r:id="rId2"/>
-              </a:rPr>
-              <a:t>http://</a:t>
-            </a:r>
-            <a:r>
-              <a:rPr lang="en-US" sz="2400" dirty="0" smtClean="0">
-                <a:hlinkClick r:id="rId2"/>
-              </a:rPr>
-              <a:t>www.hanselman.com/blog/archives.aspx#NuGetPOW</a:t>
-            </a:r>
-            <a:endParaRPr lang="en-US" sz="2400" dirty="0" smtClean="0"/>
-          </a:p>
-          <a:p>
-            <a:pPr marL="0" indent="0">
-              <a:buNone/>
-            </a:pPr>
+              <a:rPr lang="ru-RU" dirty="0" smtClean="0"/>
+              <a:t>Окно </a:t>
+            </a:r>
+            <a:r>
+              <a:rPr lang="en-US" dirty="0" smtClean="0"/>
+              <a:t>Package </a:t>
+            </a:r>
+            <a:r>
+              <a:rPr lang="en-US" dirty="0"/>
+              <a:t>Manager </a:t>
+            </a:r>
+            <a:r>
+              <a:rPr lang="en-US" dirty="0" smtClean="0"/>
+              <a:t>Console</a:t>
+            </a:r>
+            <a:r>
+              <a:rPr lang="ru-RU" dirty="0" smtClean="0"/>
+              <a:t> позволяет управлять </a:t>
+            </a:r>
+            <a:r>
+              <a:rPr lang="en-US" dirty="0" smtClean="0"/>
+              <a:t>NuGet </a:t>
+            </a:r>
+            <a:r>
+              <a:rPr lang="ru-RU" dirty="0" smtClean="0"/>
+              <a:t>пакетами с помощью </a:t>
+            </a:r>
+            <a:r>
+              <a:rPr lang="en-US" dirty="0" smtClean="0"/>
+              <a:t>PowerShell </a:t>
+            </a:r>
+            <a:r>
+              <a:rPr lang="ru-RU" dirty="0" smtClean="0"/>
+              <a:t>команд прямо из </a:t>
+            </a:r>
+            <a:r>
+              <a:rPr lang="en-US" dirty="0" smtClean="0"/>
+              <a:t>Visual Studio.</a:t>
+            </a:r>
+            <a:endParaRPr lang="ru-RU" dirty="0" smtClean="0"/>
+          </a:p>
+          <a:p>
+            <a:r>
+              <a:rPr lang="en-US" dirty="0" smtClean="0"/>
+              <a:t>Add-</a:t>
+            </a:r>
+            <a:r>
+              <a:rPr lang="en-US" dirty="0" err="1" smtClean="0"/>
+              <a:t>BindingRedirect</a:t>
+            </a:r>
             <a:endParaRPr lang="en-US" dirty="0" smtClean="0"/>
           </a:p>
           <a:p>
             <a:r>
               <a:rPr lang="en-US" dirty="0" smtClean="0"/>
-              <a:t>Polly (</a:t>
+              <a:t>Get-Package</a:t>
+            </a:r>
+          </a:p>
+          <a:p>
+            <a:r>
+              <a:rPr lang="en-US" dirty="0"/>
+              <a:t>Get-Project</a:t>
+            </a:r>
+          </a:p>
+          <a:p>
+            <a:r>
+              <a:rPr lang="en-US" dirty="0" smtClean="0"/>
+              <a:t>Install-Package </a:t>
             </a:r>
             <a:r>
               <a:rPr lang="ru-RU" dirty="0" smtClean="0"/>
-              <a:t>удобная обработка исключений)</a:t>
-            </a:r>
+              <a:t>: установка пакета. Позволяет установить пакет определенной версии, что </a:t>
+            </a:r>
+            <a:r>
+              <a:rPr lang="ru-RU" smtClean="0"/>
+              <a:t>невозможно сделать через </a:t>
+            </a:r>
+            <a:r>
+              <a:rPr lang="en-US" dirty="0" smtClean="0"/>
+              <a:t>GUI.</a:t>
+            </a:r>
+            <a:endParaRPr lang="ru-RU" dirty="0" smtClean="0"/>
+          </a:p>
+          <a:p>
+            <a:r>
+              <a:rPr lang="en-US" dirty="0" smtClean="0"/>
+              <a:t>Open-</a:t>
+            </a:r>
+            <a:r>
+              <a:rPr lang="en-US" dirty="0" err="1" smtClean="0"/>
+              <a:t>PackagePage</a:t>
+            </a:r>
+            <a:endParaRPr lang="ru-RU" dirty="0" smtClean="0"/>
+          </a:p>
+          <a:p>
+            <a:r>
+              <a:rPr lang="en-US" dirty="0" smtClean="0"/>
+              <a:t>Uninstall-Package</a:t>
+            </a:r>
+            <a:endParaRPr lang="ru-RU" dirty="0" smtClean="0"/>
           </a:p>
           <a:p>
             <a:r>
               <a:rPr lang="en-US" dirty="0"/>
-              <a:t>Humanizer </a:t>
-            </a:r>
-            <a:r>
-              <a:rPr lang="ru-RU" dirty="0" smtClean="0"/>
-              <a:t>(вывод стандартных типов в виде удобном для пользователей)</a:t>
-            </a:r>
-          </a:p>
-          <a:p>
+              <a:t>Update-Package</a:t>
+            </a:r>
             <a:endParaRPr lang="ru-RU" dirty="0"/>
           </a:p>
         </p:txBody>
@@ -17040,7 +17050,7 @@
     </p:spTree>
     <p:extLst>
       <p:ext uri="{BB962C8B-B14F-4D97-AF65-F5344CB8AC3E}">
-        <p14:creationId xmlns:p14="http://schemas.microsoft.com/office/powerpoint/2010/main" val="815437126"/>
+        <p14:creationId xmlns:p14="http://schemas.microsoft.com/office/powerpoint/2010/main" val="2572407753"/>
       </p:ext>
     </p:extLst>
   </p:cSld>
@@ -17090,12 +17100,8 @@
           <a:lstStyle/>
           <a:p>
             <a:r>
-              <a:rPr lang="ru-RU" dirty="0" smtClean="0"/>
-              <a:t>Утилиты для </a:t>
-            </a:r>
-            <a:r>
               <a:rPr lang="en-US" dirty="0" smtClean="0"/>
-              <a:t>NuGet</a:t>
+              <a:t>NuGet Package Of the Week</a:t>
             </a:r>
             <a:endParaRPr lang="ru-RU" dirty="0"/>
           </a:p>
@@ -17113,67 +17119,61 @@
         </p:nvSpPr>
         <p:spPr/>
         <p:txBody>
-          <a:bodyPr>
-            <a:normAutofit/>
-          </a:bodyPr>
+          <a:bodyPr/>
           <a:lstStyle/>
           <a:p>
-            <a:r>
-              <a:rPr lang="en-US" sz="2400" dirty="0" smtClean="0"/>
-              <a:t>NuGet </a:t>
-            </a:r>
-            <a:r>
-              <a:rPr lang="en-US" sz="2400" dirty="0"/>
-              <a:t>Package Explorer</a:t>
-            </a:r>
-            <a:br>
-              <a:rPr lang="en-US" sz="2400" dirty="0"/>
-            </a:br>
+            <a:pPr marL="0" indent="0">
+              <a:buNone/>
+            </a:pPr>
             <a:r>
               <a:rPr lang="en-US" sz="2400" dirty="0">
                 <a:hlinkClick r:id="rId2"/>
               </a:rPr>
-              <a:t>http://npe.codeplex.com</a:t>
+              <a:t>http://</a:t>
             </a:r>
             <a:r>
               <a:rPr lang="en-US" sz="2400" dirty="0" smtClean="0">
                 <a:hlinkClick r:id="rId2"/>
               </a:rPr>
-              <a:t>/</a:t>
+              <a:t>www.hanselman.com/blog/archives.aspx#NuGetPOW</a:t>
             </a:r>
             <a:endParaRPr lang="en-US" sz="2400" dirty="0" smtClean="0"/>
           </a:p>
           <a:p>
-            <a:endParaRPr lang="ru-RU" sz="2400" dirty="0" smtClean="0"/>
-          </a:p>
-          <a:p>
-            <a:r>
-              <a:rPr lang="ru-RU" sz="2400" dirty="0" smtClean="0"/>
-              <a:t>Утилита командной строки</a:t>
-            </a:r>
-            <a:br>
-              <a:rPr lang="ru-RU" sz="2400" dirty="0" smtClean="0"/>
-            </a:br>
-            <a:r>
-              <a:rPr lang="en-US" sz="2400" dirty="0">
-                <a:hlinkClick r:id="rId3"/>
-              </a:rPr>
-              <a:t>http://</a:t>
-            </a:r>
-            <a:r>
-              <a:rPr lang="en-US" sz="2400" dirty="0" smtClean="0">
-                <a:hlinkClick r:id="rId3"/>
-              </a:rPr>
-              <a:t>docs.nuget.org/docs/start-here/installing-nuget</a:t>
-            </a:r>
-            <a:endParaRPr lang="ru-RU" sz="2400" dirty="0"/>
+            <a:pPr marL="0" indent="0">
+              <a:buNone/>
+            </a:pPr>
+            <a:endParaRPr lang="en-US" dirty="0" smtClean="0"/>
+          </a:p>
+          <a:p>
+            <a:r>
+              <a:rPr lang="en-US" dirty="0" smtClean="0"/>
+              <a:t>Polly (</a:t>
+            </a:r>
+            <a:r>
+              <a:rPr lang="ru-RU" dirty="0" smtClean="0"/>
+              <a:t>удобная обработка исключений)</a:t>
+            </a:r>
+          </a:p>
+          <a:p>
+            <a:r>
+              <a:rPr lang="en-US" dirty="0"/>
+              <a:t>Humanizer </a:t>
+            </a:r>
+            <a:r>
+              <a:rPr lang="ru-RU" dirty="0" smtClean="0"/>
+              <a:t>(вывод стандартных типов в виде удобном для пользователей)</a:t>
+            </a:r>
+          </a:p>
+          <a:p>
+            <a:endParaRPr lang="ru-RU" dirty="0"/>
           </a:p>
         </p:txBody>
       </p:sp>
     </p:spTree>
     <p:extLst>
       <p:ext uri="{BB962C8B-B14F-4D97-AF65-F5344CB8AC3E}">
-        <p14:creationId xmlns:p14="http://schemas.microsoft.com/office/powerpoint/2010/main" val="2426017902"/>
+        <p14:creationId xmlns:p14="http://schemas.microsoft.com/office/powerpoint/2010/main" val="815437126"/>
       </p:ext>
     </p:extLst>
   </p:cSld>
@@ -17219,14 +17219,16 @@
         </p:nvSpPr>
         <p:spPr/>
         <p:txBody>
-          <a:bodyPr>
-            <a:normAutofit fontScale="90000"/>
-          </a:bodyPr>
+          <a:bodyPr/>
           <a:lstStyle/>
           <a:p>
             <a:r>
               <a:rPr lang="ru-RU" dirty="0" smtClean="0"/>
-              <a:t>Распространение своих библиотек</a:t>
+              <a:t>Утилиты для </a:t>
+            </a:r>
+            <a:r>
+              <a:rPr lang="en-US" dirty="0" smtClean="0"/>
+              <a:t>NuGet</a:t>
             </a:r>
             <a:endParaRPr lang="ru-RU" dirty="0"/>
           </a:p>
@@ -17245,110 +17247,66 @@
         <p:spPr/>
         <p:txBody>
           <a:bodyPr>
-            <a:normAutofit fontScale="70000" lnSpcReduction="20000"/>
+            <a:normAutofit/>
           </a:bodyPr>
           <a:lstStyle/>
           <a:p>
-            <a:pPr marL="0" indent="0">
-              <a:buNone/>
-            </a:pPr>
-            <a:r>
-              <a:rPr lang="ru-RU" dirty="0" smtClean="0"/>
-              <a:t>Хорошими библиотеками следует делиться с сообществом! Проекты с открытым исходны</a:t>
-            </a:r>
-            <a:r>
-              <a:rPr lang="ru-RU" dirty="0"/>
-              <a:t>м</a:t>
-            </a:r>
-            <a:r>
-              <a:rPr lang="ru-RU" dirty="0" smtClean="0"/>
-              <a:t> кодом можно размещать на специальных сайтах:</a:t>
-            </a:r>
-          </a:p>
-          <a:p>
-            <a:endParaRPr lang="ru-RU" dirty="0" smtClean="0">
-              <a:hlinkClick r:id="rId2"/>
-            </a:endParaRPr>
-          </a:p>
-          <a:p>
-            <a:r>
-              <a:rPr lang="en-US" dirty="0" smtClean="0">
+            <a:r>
+              <a:rPr lang="en-US" sz="2400" dirty="0" smtClean="0"/>
+              <a:t>NuGet </a:t>
+            </a:r>
+            <a:r>
+              <a:rPr lang="en-US" sz="2400" dirty="0"/>
+              <a:t>Package Explorer</a:t>
+            </a:r>
+            <a:br>
+              <a:rPr lang="en-US" sz="2400" dirty="0"/>
+            </a:br>
+            <a:r>
+              <a:rPr lang="en-US" sz="2400" dirty="0">
                 <a:hlinkClick r:id="rId2"/>
               </a:rPr>
-              <a:t>www.codeplex.com</a:t>
-            </a:r>
-            <a:endParaRPr lang="ru-RU" dirty="0" smtClean="0"/>
-          </a:p>
-          <a:p>
-            <a:r>
-              <a:rPr lang="en-US" dirty="0" smtClean="0">
+              <a:t>http://npe.codeplex.com</a:t>
+            </a:r>
+            <a:r>
+              <a:rPr lang="en-US" sz="2400" dirty="0" smtClean="0">
+                <a:hlinkClick r:id="rId2"/>
+              </a:rPr>
+              <a:t>/</a:t>
+            </a:r>
+            <a:endParaRPr lang="en-US" sz="2400" dirty="0" smtClean="0"/>
+          </a:p>
+          <a:p>
+            <a:endParaRPr lang="ru-RU" sz="2400" dirty="0" smtClean="0"/>
+          </a:p>
+          <a:p>
+            <a:r>
+              <a:rPr lang="ru-RU" sz="2400" dirty="0" smtClean="0"/>
+              <a:t>Утилита командной строки</a:t>
+            </a:r>
+            <a:br>
+              <a:rPr lang="ru-RU" sz="2400" dirty="0" smtClean="0"/>
+            </a:br>
+            <a:r>
+              <a:rPr lang="en-US" sz="2400" dirty="0">
                 <a:hlinkClick r:id="rId3"/>
               </a:rPr>
-              <a:t>github.com</a:t>
-            </a:r>
-            <a:endParaRPr lang="ru-RU" dirty="0" smtClean="0"/>
-          </a:p>
-          <a:p>
-            <a:r>
-              <a:rPr lang="en-US" dirty="0" smtClean="0">
-                <a:hlinkClick r:id="rId4"/>
-              </a:rPr>
-              <a:t>code.google.com</a:t>
-            </a:r>
-            <a:endParaRPr lang="ru-RU" dirty="0" smtClean="0"/>
-          </a:p>
-          <a:p>
-            <a:r>
-              <a:rPr lang="ru-RU" dirty="0" smtClean="0"/>
-              <a:t>и других ...</a:t>
-            </a:r>
-            <a:endParaRPr lang="en-US" dirty="0" smtClean="0"/>
-          </a:p>
-          <a:p>
-            <a:endParaRPr lang="en-US" dirty="0" smtClean="0"/>
-          </a:p>
-          <a:p>
-            <a:pPr marL="0" indent="0">
-              <a:buNone/>
-            </a:pPr>
-            <a:r>
-              <a:rPr lang="ru-RU" dirty="0" smtClean="0"/>
-              <a:t>Выбрать лицензию можно с помощью сайта </a:t>
-            </a:r>
-            <a:r>
-              <a:rPr lang="en-US" dirty="0" smtClean="0">
-                <a:hlinkClick r:id="rId5"/>
-              </a:rPr>
-              <a:t>choosealicense.com</a:t>
-            </a:r>
-            <a:endParaRPr lang="ru-RU" dirty="0" smtClean="0"/>
-          </a:p>
-          <a:p>
-            <a:pPr marL="0" indent="0">
-              <a:buNone/>
-            </a:pPr>
-            <a:endParaRPr lang="ru-RU" dirty="0" smtClean="0"/>
-          </a:p>
-          <a:p>
-            <a:pPr marL="0" indent="0">
-              <a:buNone/>
-            </a:pPr>
-            <a:r>
-              <a:rPr lang="ru-RU" dirty="0" smtClean="0"/>
-              <a:t>Откомпилированную версию не забудьте разместить на </a:t>
-            </a:r>
-            <a:r>
-              <a:rPr lang="en-US" dirty="0" smtClean="0"/>
-              <a:t>nuget.org.</a:t>
-            </a:r>
-            <a:endParaRPr lang="ru-RU" dirty="0"/>
+              <a:t>http://</a:t>
+            </a:r>
+            <a:r>
+              <a:rPr lang="en-US" sz="2400" dirty="0" smtClean="0">
+                <a:hlinkClick r:id="rId3"/>
+              </a:rPr>
+              <a:t>docs.nuget.org/docs/start-here/installing-nuget</a:t>
+            </a:r>
+            <a:endParaRPr lang="ru-RU" sz="2400" dirty="0"/>
           </a:p>
         </p:txBody>
       </p:sp>
     </p:spTree>
     <p:extLst>
       <p:ext uri="{BB962C8B-B14F-4D97-AF65-F5344CB8AC3E}">
-        <p14:creationId xmlns:p14="http://schemas.microsoft.com/office/powerpoint/2010/main" val="4107856204"/>
+        <p14:creationId xmlns:p14="http://schemas.microsoft.com/office/powerpoint/2010/main" val="2426017902"/>
       </p:ext>
     </p:extLst>
   </p:cSld>
@@ -17392,35 +17350,18 @@
             <p:ph type="title"/>
           </p:nvPr>
         </p:nvSpPr>
-        <p:spPr>
-          <a:xfrm>
-            <a:off x="457200" y="274638"/>
-            <a:ext cx="8229600" cy="706090"/>
-          </a:xfrm>
-        </p:spPr>
+        <p:spPr/>
         <p:txBody>
           <a:bodyPr>
-            <a:normAutofit/>
+            <a:normAutofit fontScale="90000"/>
           </a:bodyPr>
           <a:lstStyle/>
           <a:p>
             <a:r>
-              <a:rPr lang="ru-RU" sz="3200" dirty="0" smtClean="0"/>
-              <a:t>Отладка </a:t>
-            </a:r>
-            <a:r>
-              <a:rPr lang="en-US" sz="3200" dirty="0" smtClean="0"/>
-              <a:t>.NET </a:t>
-            </a:r>
-            <a:r>
-              <a:rPr lang="ru-RU" sz="3200" dirty="0" smtClean="0"/>
-              <a:t>с помощью </a:t>
-            </a:r>
-            <a:r>
-              <a:rPr lang="en-US" sz="3200" dirty="0" smtClean="0"/>
-              <a:t>reference source</a:t>
-            </a:r>
-            <a:endParaRPr lang="ru-RU" sz="3200" dirty="0"/>
+              <a:rPr lang="ru-RU" dirty="0" smtClean="0"/>
+              <a:t>Распространение своих библиотек</a:t>
+            </a:r>
+            <a:endParaRPr lang="ru-RU" dirty="0"/>
           </a:p>
         </p:txBody>
       </p:sp>
@@ -17434,15 +17375,10 @@
             <p:ph idx="1"/>
           </p:nvPr>
         </p:nvSpPr>
-        <p:spPr>
-          <a:xfrm>
-            <a:off x="457200" y="980728"/>
-            <a:ext cx="8229600" cy="864096"/>
-          </a:xfrm>
-        </p:spPr>
+        <p:spPr/>
         <p:txBody>
           <a:bodyPr>
-            <a:noAutofit/>
+            <a:normAutofit fontScale="70000" lnSpcReduction="20000"/>
           </a:bodyPr>
           <a:lstStyle/>
           <a:p>
@@ -17450,271 +17386,102 @@
               <a:buNone/>
             </a:pPr>
             <a:r>
-              <a:rPr lang="ru-RU" sz="2400" dirty="0" smtClean="0"/>
-              <a:t>Работает только для </a:t>
-            </a:r>
-            <a:r>
-              <a:rPr lang="en-US" sz="2400" dirty="0" smtClean="0"/>
-              <a:t>.NET 4.5.1 </a:t>
-            </a:r>
-            <a:r>
-              <a:rPr lang="ru-RU" sz="2400" dirty="0" smtClean="0"/>
-              <a:t>в </a:t>
-            </a:r>
-            <a:r>
-              <a:rPr lang="en-US" sz="2400" dirty="0" smtClean="0"/>
-              <a:t>VS 2012 </a:t>
-            </a:r>
-            <a:r>
-              <a:rPr lang="ru-RU" sz="2400" dirty="0" smtClean="0"/>
-              <a:t>и выше</a:t>
-            </a:r>
-            <a:r>
-              <a:rPr lang="en-US" sz="2400" dirty="0" smtClean="0"/>
-              <a:t>!</a:t>
-            </a:r>
-            <a:endParaRPr lang="ru-RU" sz="2400" dirty="0"/>
+              <a:rPr lang="ru-RU" dirty="0" smtClean="0"/>
+              <a:t>Хорошими библиотеками следу